--- a/CaseStudy/BusinessFlow/BusinessFlow-CE.pptx
+++ b/CaseStudy/BusinessFlow/BusinessFlow-CE.pptx
@@ -4,14 +4,17 @@
   <p:sldMasterIdLst>
     <p:sldMasterId id="2147483887" r:id="rId1"/>
     <p:sldMasterId id="2147483899" r:id="rId2"/>
+    <p:sldMasterId id="2147483904" r:id="rId3"/>
   </p:sldMasterIdLst>
   <p:notesMasterIdLst>
-    <p:notesMasterId r:id="rId6"/>
+    <p:notesMasterId r:id="rId9"/>
   </p:notesMasterIdLst>
   <p:sldIdLst>
-    <p:sldId id="293" r:id="rId3"/>
-    <p:sldId id="295" r:id="rId4"/>
-    <p:sldId id="296" r:id="rId5"/>
+    <p:sldId id="293" r:id="rId4"/>
+    <p:sldId id="295" r:id="rId5"/>
+    <p:sldId id="296" r:id="rId6"/>
+    <p:sldId id="297" r:id="rId7"/>
+    <p:sldId id="256" r:id="rId8"/>
   </p:sldIdLst>
   <p:sldSz cx="12192000" cy="6858000"/>
   <p:notesSz cx="6858000" cy="9144000"/>
@@ -200,7 +203,7 @@
           <a:p>
             <a:fld id="{AACA0F1E-6A7A-408C-9B73-64CA77DFA15B}" type="datetimeFigureOut">
               <a:rPr kumimoji="1" lang="ja-JP" altLang="en-US" smtClean="0"/>
-              <a:t>2018/10/3</a:t>
+              <a:t>2018/10/17</a:t>
             </a:fld>
             <a:endParaRPr kumimoji="1" lang="ja-JP" altLang="en-US"/>
           </a:p>
@@ -630,7 +633,7 @@
           <a:p>
             <a:fld id="{51684739-6B5A-4F8B-B16A-0057429AE121}" type="datetime1">
               <a:rPr kumimoji="1" lang="ja-JP" altLang="en-US" smtClean="0"/>
-              <a:t>2018/10/3</a:t>
+              <a:t>2018/10/17</a:t>
             </a:fld>
             <a:endParaRPr kumimoji="1" lang="ja-JP" altLang="en-US"/>
           </a:p>
@@ -836,7 +839,7 @@
           <a:p>
             <a:fld id="{D6C24767-C37E-45FC-97CA-CB11AB76749C}" type="datetime1">
               <a:rPr kumimoji="1" lang="ja-JP" altLang="en-US" smtClean="0"/>
-              <a:t>2018/10/3</a:t>
+              <a:t>2018/10/17</a:t>
             </a:fld>
             <a:endParaRPr kumimoji="1" lang="ja-JP" altLang="en-US"/>
           </a:p>
@@ -1052,7 +1055,7 @@
           <a:p>
             <a:fld id="{7BA61CA7-7D10-4549-A359-CC229CBEA567}" type="datetime1">
               <a:rPr kumimoji="1" lang="ja-JP" altLang="en-US" smtClean="0"/>
-              <a:t>2018/10/3</a:t>
+              <a:t>2018/10/17</a:t>
             </a:fld>
             <a:endParaRPr kumimoji="1" lang="ja-JP" altLang="en-US"/>
           </a:p>
@@ -2044,6 +2047,1060 @@
 </p:sldLayout>
 </file>
 
+<file path=ppt/slideLayouts/slideLayout16.xml><?xml version="1.0" encoding="utf-8"?>
+<p:sldLayout xmlns:a="http://schemas.openxmlformats.org/drawingml/2006/main" xmlns:r="http://schemas.openxmlformats.org/officeDocument/2006/relationships" xmlns:p="http://schemas.openxmlformats.org/presentationml/2006/main" type="title" preserve="1">
+  <p:cSld name="タイトル スライド">
+    <p:spTree>
+      <p:nvGrpSpPr>
+        <p:cNvPr id="1" name=""/>
+        <p:cNvGrpSpPr/>
+        <p:nvPr/>
+      </p:nvGrpSpPr>
+      <p:grpSpPr>
+        <a:xfrm>
+          <a:off x="0" y="0"/>
+          <a:ext cx="0" cy="0"/>
+          <a:chOff x="0" y="0"/>
+          <a:chExt cx="0" cy="0"/>
+        </a:xfrm>
+      </p:grpSpPr>
+      <p:sp>
+        <p:nvSpPr>
+          <p:cNvPr id="2" name="タイトル 1">
+            <a:extLst>
+              <a:ext uri="{FF2B5EF4-FFF2-40B4-BE49-F238E27FC236}">
+                <a16:creationId xmlns:a16="http://schemas.microsoft.com/office/drawing/2014/main" id="{0BD06818-DAE8-4478-9325-52FF02843C69}"/>
+              </a:ext>
+            </a:extLst>
+          </p:cNvPr>
+          <p:cNvSpPr>
+            <a:spLocks noGrp="1"/>
+          </p:cNvSpPr>
+          <p:nvPr>
+            <p:ph type="ctrTitle"/>
+          </p:nvPr>
+        </p:nvSpPr>
+        <p:spPr>
+          <a:xfrm>
+            <a:off x="1524000" y="1122363"/>
+            <a:ext cx="9144000" cy="2387600"/>
+          </a:xfrm>
+        </p:spPr>
+        <p:txBody>
+          <a:bodyPr anchor="b"/>
+          <a:lstStyle>
+            <a:lvl1pPr algn="ctr">
+              <a:defRPr sz="6000"/>
+            </a:lvl1pPr>
+          </a:lstStyle>
+          <a:p>
+            <a:r>
+              <a:rPr kumimoji="1" lang="ja-JP" altLang="en-US"/>
+              <a:t>マスター タイトルの書式設定</a:t>
+            </a:r>
+          </a:p>
+        </p:txBody>
+      </p:sp>
+      <p:sp>
+        <p:nvSpPr>
+          <p:cNvPr id="3" name="字幕 2">
+            <a:extLst>
+              <a:ext uri="{FF2B5EF4-FFF2-40B4-BE49-F238E27FC236}">
+                <a16:creationId xmlns:a16="http://schemas.microsoft.com/office/drawing/2014/main" id="{ECB2FDC9-CE5D-45AD-A827-8854ACB23BE7}"/>
+              </a:ext>
+            </a:extLst>
+          </p:cNvPr>
+          <p:cNvSpPr>
+            <a:spLocks noGrp="1"/>
+          </p:cNvSpPr>
+          <p:nvPr>
+            <p:ph type="subTitle" idx="1"/>
+          </p:nvPr>
+        </p:nvSpPr>
+        <p:spPr>
+          <a:xfrm>
+            <a:off x="1524000" y="3602038"/>
+            <a:ext cx="9144000" cy="1655762"/>
+          </a:xfrm>
+        </p:spPr>
+        <p:txBody>
+          <a:bodyPr/>
+          <a:lstStyle>
+            <a:lvl1pPr marL="0" indent="0" algn="ctr">
+              <a:buNone/>
+              <a:defRPr sz="2400"/>
+            </a:lvl1pPr>
+            <a:lvl2pPr marL="457200" indent="0" algn="ctr">
+              <a:buNone/>
+              <a:defRPr sz="2000"/>
+            </a:lvl2pPr>
+            <a:lvl3pPr marL="914400" indent="0" algn="ctr">
+              <a:buNone/>
+              <a:defRPr sz="1800"/>
+            </a:lvl3pPr>
+            <a:lvl4pPr marL="1371600" indent="0" algn="ctr">
+              <a:buNone/>
+              <a:defRPr sz="1600"/>
+            </a:lvl4pPr>
+            <a:lvl5pPr marL="1828800" indent="0" algn="ctr">
+              <a:buNone/>
+              <a:defRPr sz="1600"/>
+            </a:lvl5pPr>
+            <a:lvl6pPr marL="2286000" indent="0" algn="ctr">
+              <a:buNone/>
+              <a:defRPr sz="1600"/>
+            </a:lvl6pPr>
+            <a:lvl7pPr marL="2743200" indent="0" algn="ctr">
+              <a:buNone/>
+              <a:defRPr sz="1600"/>
+            </a:lvl7pPr>
+            <a:lvl8pPr marL="3200400" indent="0" algn="ctr">
+              <a:buNone/>
+              <a:defRPr sz="1600"/>
+            </a:lvl8pPr>
+            <a:lvl9pPr marL="3657600" indent="0" algn="ctr">
+              <a:buNone/>
+              <a:defRPr sz="1600"/>
+            </a:lvl9pPr>
+          </a:lstStyle>
+          <a:p>
+            <a:r>
+              <a:rPr kumimoji="1" lang="ja-JP" altLang="en-US"/>
+              <a:t>マスター サブタイトルの書式設定</a:t>
+            </a:r>
+          </a:p>
+        </p:txBody>
+      </p:sp>
+      <p:sp>
+        <p:nvSpPr>
+          <p:cNvPr id="4" name="日付プレースホルダー 3">
+            <a:extLst>
+              <a:ext uri="{FF2B5EF4-FFF2-40B4-BE49-F238E27FC236}">
+                <a16:creationId xmlns:a16="http://schemas.microsoft.com/office/drawing/2014/main" id="{6405D878-108A-4ADF-8226-137A7256AA23}"/>
+              </a:ext>
+            </a:extLst>
+          </p:cNvPr>
+          <p:cNvSpPr>
+            <a:spLocks noGrp="1"/>
+          </p:cNvSpPr>
+          <p:nvPr>
+            <p:ph type="dt" sz="half" idx="10"/>
+          </p:nvPr>
+        </p:nvSpPr>
+        <p:spPr/>
+        <p:txBody>
+          <a:bodyPr/>
+          <a:lstStyle/>
+          <a:p>
+            <a:fld id="{F068AB85-2ACE-4F70-9090-AAB334D4C59F}" type="datetimeFigureOut">
+              <a:rPr kumimoji="1" lang="ja-JP" altLang="en-US" smtClean="0"/>
+              <a:t>2018/10/17</a:t>
+            </a:fld>
+            <a:endParaRPr kumimoji="1" lang="ja-JP" altLang="en-US"/>
+          </a:p>
+        </p:txBody>
+      </p:sp>
+      <p:sp>
+        <p:nvSpPr>
+          <p:cNvPr id="5" name="フッター プレースホルダー 4">
+            <a:extLst>
+              <a:ext uri="{FF2B5EF4-FFF2-40B4-BE49-F238E27FC236}">
+                <a16:creationId xmlns:a16="http://schemas.microsoft.com/office/drawing/2014/main" id="{A69AF0A8-3FE7-4682-945E-A733E39FC2E7}"/>
+              </a:ext>
+            </a:extLst>
+          </p:cNvPr>
+          <p:cNvSpPr>
+            <a:spLocks noGrp="1"/>
+          </p:cNvSpPr>
+          <p:nvPr>
+            <p:ph type="ftr" sz="quarter" idx="11"/>
+          </p:nvPr>
+        </p:nvSpPr>
+        <p:spPr/>
+        <p:txBody>
+          <a:bodyPr/>
+          <a:lstStyle/>
+          <a:p>
+            <a:endParaRPr kumimoji="1" lang="ja-JP" altLang="en-US"/>
+          </a:p>
+        </p:txBody>
+      </p:sp>
+      <p:sp>
+        <p:nvSpPr>
+          <p:cNvPr id="6" name="スライド番号プレースホルダー 5">
+            <a:extLst>
+              <a:ext uri="{FF2B5EF4-FFF2-40B4-BE49-F238E27FC236}">
+                <a16:creationId xmlns:a16="http://schemas.microsoft.com/office/drawing/2014/main" id="{1C68DD74-516E-42A1-B6DE-3D7F7AF6E2CB}"/>
+              </a:ext>
+            </a:extLst>
+          </p:cNvPr>
+          <p:cNvSpPr>
+            <a:spLocks noGrp="1"/>
+          </p:cNvSpPr>
+          <p:nvPr>
+            <p:ph type="sldNum" sz="quarter" idx="12"/>
+          </p:nvPr>
+        </p:nvSpPr>
+        <p:spPr/>
+        <p:txBody>
+          <a:bodyPr/>
+          <a:lstStyle/>
+          <a:p>
+            <a:fld id="{DA468D76-7739-4A87-9317-486A80F5ABFC}" type="slidenum">
+              <a:rPr kumimoji="1" lang="ja-JP" altLang="en-US" smtClean="0"/>
+              <a:t>‹#›</a:t>
+            </a:fld>
+            <a:endParaRPr kumimoji="1" lang="ja-JP" altLang="en-US"/>
+          </a:p>
+        </p:txBody>
+      </p:sp>
+    </p:spTree>
+    <p:extLst>
+      <p:ext uri="{BB962C8B-B14F-4D97-AF65-F5344CB8AC3E}">
+        <p14:creationId xmlns:p14="http://schemas.microsoft.com/office/powerpoint/2010/main" val="245221524"/>
+      </p:ext>
+    </p:extLst>
+  </p:cSld>
+  <p:clrMapOvr>
+    <a:masterClrMapping/>
+  </p:clrMapOvr>
+</p:sldLayout>
+</file>
+
+<file path=ppt/slideLayouts/slideLayout17.xml><?xml version="1.0" encoding="utf-8"?>
+<p:sldLayout xmlns:a="http://schemas.openxmlformats.org/drawingml/2006/main" xmlns:r="http://schemas.openxmlformats.org/officeDocument/2006/relationships" xmlns:p="http://schemas.openxmlformats.org/presentationml/2006/main" type="obj" preserve="1">
+  <p:cSld name="タイトルとコンテンツ">
+    <p:spTree>
+      <p:nvGrpSpPr>
+        <p:cNvPr id="1" name=""/>
+        <p:cNvGrpSpPr/>
+        <p:nvPr/>
+      </p:nvGrpSpPr>
+      <p:grpSpPr>
+        <a:xfrm>
+          <a:off x="0" y="0"/>
+          <a:ext cx="0" cy="0"/>
+          <a:chOff x="0" y="0"/>
+          <a:chExt cx="0" cy="0"/>
+        </a:xfrm>
+      </p:grpSpPr>
+      <p:sp>
+        <p:nvSpPr>
+          <p:cNvPr id="2" name="タイトル 1">
+            <a:extLst>
+              <a:ext uri="{FF2B5EF4-FFF2-40B4-BE49-F238E27FC236}">
+                <a16:creationId xmlns:a16="http://schemas.microsoft.com/office/drawing/2014/main" id="{DD6DA5AB-B422-4608-A77C-5ACD72E7779F}"/>
+              </a:ext>
+            </a:extLst>
+          </p:cNvPr>
+          <p:cNvSpPr>
+            <a:spLocks noGrp="1"/>
+          </p:cNvSpPr>
+          <p:nvPr>
+            <p:ph type="title"/>
+          </p:nvPr>
+        </p:nvSpPr>
+        <p:spPr/>
+        <p:txBody>
+          <a:bodyPr/>
+          <a:lstStyle/>
+          <a:p>
+            <a:r>
+              <a:rPr kumimoji="1" lang="ja-JP" altLang="en-US"/>
+              <a:t>マスター タイトルの書式設定</a:t>
+            </a:r>
+          </a:p>
+        </p:txBody>
+      </p:sp>
+      <p:sp>
+        <p:nvSpPr>
+          <p:cNvPr id="3" name="コンテンツ プレースホルダー 2">
+            <a:extLst>
+              <a:ext uri="{FF2B5EF4-FFF2-40B4-BE49-F238E27FC236}">
+                <a16:creationId xmlns:a16="http://schemas.microsoft.com/office/drawing/2014/main" id="{CC8356B4-58D3-4256-B7C7-2B1687689D22}"/>
+              </a:ext>
+            </a:extLst>
+          </p:cNvPr>
+          <p:cNvSpPr>
+            <a:spLocks noGrp="1"/>
+          </p:cNvSpPr>
+          <p:nvPr>
+            <p:ph idx="1"/>
+          </p:nvPr>
+        </p:nvSpPr>
+        <p:spPr/>
+        <p:txBody>
+          <a:bodyPr/>
+          <a:lstStyle/>
+          <a:p>
+            <a:pPr lvl="0"/>
+            <a:r>
+              <a:rPr kumimoji="1" lang="ja-JP" altLang="en-US"/>
+              <a:t>マスター テキストの書式設定</a:t>
+            </a:r>
+          </a:p>
+          <a:p>
+            <a:pPr lvl="1"/>
+            <a:r>
+              <a:rPr kumimoji="1" lang="ja-JP" altLang="en-US"/>
+              <a:t>第 </a:t>
+            </a:r>
+            <a:r>
+              <a:rPr kumimoji="1" lang="en-US" altLang="ja-JP"/>
+              <a:t>2 </a:t>
+            </a:r>
+            <a:r>
+              <a:rPr kumimoji="1" lang="ja-JP" altLang="en-US"/>
+              <a:t>レベル</a:t>
+            </a:r>
+          </a:p>
+          <a:p>
+            <a:pPr lvl="2"/>
+            <a:r>
+              <a:rPr kumimoji="1" lang="ja-JP" altLang="en-US"/>
+              <a:t>第 </a:t>
+            </a:r>
+            <a:r>
+              <a:rPr kumimoji="1" lang="en-US" altLang="ja-JP"/>
+              <a:t>3 </a:t>
+            </a:r>
+            <a:r>
+              <a:rPr kumimoji="1" lang="ja-JP" altLang="en-US"/>
+              <a:t>レベル</a:t>
+            </a:r>
+          </a:p>
+          <a:p>
+            <a:pPr lvl="3"/>
+            <a:r>
+              <a:rPr kumimoji="1" lang="ja-JP" altLang="en-US"/>
+              <a:t>第 </a:t>
+            </a:r>
+            <a:r>
+              <a:rPr kumimoji="1" lang="en-US" altLang="ja-JP"/>
+              <a:t>4 </a:t>
+            </a:r>
+            <a:r>
+              <a:rPr kumimoji="1" lang="ja-JP" altLang="en-US"/>
+              <a:t>レベル</a:t>
+            </a:r>
+          </a:p>
+          <a:p>
+            <a:pPr lvl="4"/>
+            <a:r>
+              <a:rPr kumimoji="1" lang="ja-JP" altLang="en-US"/>
+              <a:t>第 </a:t>
+            </a:r>
+            <a:r>
+              <a:rPr kumimoji="1" lang="en-US" altLang="ja-JP"/>
+              <a:t>5 </a:t>
+            </a:r>
+            <a:r>
+              <a:rPr kumimoji="1" lang="ja-JP" altLang="en-US"/>
+              <a:t>レベル</a:t>
+            </a:r>
+          </a:p>
+        </p:txBody>
+      </p:sp>
+      <p:sp>
+        <p:nvSpPr>
+          <p:cNvPr id="4" name="日付プレースホルダー 3">
+            <a:extLst>
+              <a:ext uri="{FF2B5EF4-FFF2-40B4-BE49-F238E27FC236}">
+                <a16:creationId xmlns:a16="http://schemas.microsoft.com/office/drawing/2014/main" id="{AED582A1-F228-4A9C-A9AF-549CD97BD318}"/>
+              </a:ext>
+            </a:extLst>
+          </p:cNvPr>
+          <p:cNvSpPr>
+            <a:spLocks noGrp="1"/>
+          </p:cNvSpPr>
+          <p:nvPr>
+            <p:ph type="dt" sz="half" idx="10"/>
+          </p:nvPr>
+        </p:nvSpPr>
+        <p:spPr/>
+        <p:txBody>
+          <a:bodyPr/>
+          <a:lstStyle/>
+          <a:p>
+            <a:fld id="{F068AB85-2ACE-4F70-9090-AAB334D4C59F}" type="datetimeFigureOut">
+              <a:rPr kumimoji="1" lang="ja-JP" altLang="en-US" smtClean="0"/>
+              <a:t>2018/10/17</a:t>
+            </a:fld>
+            <a:endParaRPr kumimoji="1" lang="ja-JP" altLang="en-US"/>
+          </a:p>
+        </p:txBody>
+      </p:sp>
+      <p:sp>
+        <p:nvSpPr>
+          <p:cNvPr id="5" name="フッター プレースホルダー 4">
+            <a:extLst>
+              <a:ext uri="{FF2B5EF4-FFF2-40B4-BE49-F238E27FC236}">
+                <a16:creationId xmlns:a16="http://schemas.microsoft.com/office/drawing/2014/main" id="{5FFC8C36-B8DD-4339-AC2C-97E5EE6917F8}"/>
+              </a:ext>
+            </a:extLst>
+          </p:cNvPr>
+          <p:cNvSpPr>
+            <a:spLocks noGrp="1"/>
+          </p:cNvSpPr>
+          <p:nvPr>
+            <p:ph type="ftr" sz="quarter" idx="11"/>
+          </p:nvPr>
+        </p:nvSpPr>
+        <p:spPr/>
+        <p:txBody>
+          <a:bodyPr/>
+          <a:lstStyle/>
+          <a:p>
+            <a:endParaRPr kumimoji="1" lang="ja-JP" altLang="en-US"/>
+          </a:p>
+        </p:txBody>
+      </p:sp>
+      <p:sp>
+        <p:nvSpPr>
+          <p:cNvPr id="6" name="スライド番号プレースホルダー 5">
+            <a:extLst>
+              <a:ext uri="{FF2B5EF4-FFF2-40B4-BE49-F238E27FC236}">
+                <a16:creationId xmlns:a16="http://schemas.microsoft.com/office/drawing/2014/main" id="{6F742C8B-8316-4ED0-99FE-98CA1F2AC689}"/>
+              </a:ext>
+            </a:extLst>
+          </p:cNvPr>
+          <p:cNvSpPr>
+            <a:spLocks noGrp="1"/>
+          </p:cNvSpPr>
+          <p:nvPr>
+            <p:ph type="sldNum" sz="quarter" idx="12"/>
+          </p:nvPr>
+        </p:nvSpPr>
+        <p:spPr/>
+        <p:txBody>
+          <a:bodyPr/>
+          <a:lstStyle/>
+          <a:p>
+            <a:fld id="{DA468D76-7739-4A87-9317-486A80F5ABFC}" type="slidenum">
+              <a:rPr kumimoji="1" lang="ja-JP" altLang="en-US" smtClean="0"/>
+              <a:t>‹#›</a:t>
+            </a:fld>
+            <a:endParaRPr kumimoji="1" lang="ja-JP" altLang="en-US"/>
+          </a:p>
+        </p:txBody>
+      </p:sp>
+    </p:spTree>
+    <p:extLst>
+      <p:ext uri="{BB962C8B-B14F-4D97-AF65-F5344CB8AC3E}">
+        <p14:creationId xmlns:p14="http://schemas.microsoft.com/office/powerpoint/2010/main" val="3519748184"/>
+      </p:ext>
+    </p:extLst>
+  </p:cSld>
+  <p:clrMapOvr>
+    <a:masterClrMapping/>
+  </p:clrMapOvr>
+</p:sldLayout>
+</file>
+
+<file path=ppt/slideLayouts/slideLayout18.xml><?xml version="1.0" encoding="utf-8"?>
+<p:sldLayout xmlns:a="http://schemas.openxmlformats.org/drawingml/2006/main" xmlns:r="http://schemas.openxmlformats.org/officeDocument/2006/relationships" xmlns:p="http://schemas.openxmlformats.org/presentationml/2006/main" type="secHead" preserve="1">
+  <p:cSld name="セクション見出し">
+    <p:spTree>
+      <p:nvGrpSpPr>
+        <p:cNvPr id="1" name=""/>
+        <p:cNvGrpSpPr/>
+        <p:nvPr/>
+      </p:nvGrpSpPr>
+      <p:grpSpPr>
+        <a:xfrm>
+          <a:off x="0" y="0"/>
+          <a:ext cx="0" cy="0"/>
+          <a:chOff x="0" y="0"/>
+          <a:chExt cx="0" cy="0"/>
+        </a:xfrm>
+      </p:grpSpPr>
+      <p:sp>
+        <p:nvSpPr>
+          <p:cNvPr id="2" name="タイトル 1">
+            <a:extLst>
+              <a:ext uri="{FF2B5EF4-FFF2-40B4-BE49-F238E27FC236}">
+                <a16:creationId xmlns:a16="http://schemas.microsoft.com/office/drawing/2014/main" id="{262B0DC2-727F-4A73-A7C9-840417737D91}"/>
+              </a:ext>
+            </a:extLst>
+          </p:cNvPr>
+          <p:cNvSpPr>
+            <a:spLocks noGrp="1"/>
+          </p:cNvSpPr>
+          <p:nvPr>
+            <p:ph type="title"/>
+          </p:nvPr>
+        </p:nvSpPr>
+        <p:spPr>
+          <a:xfrm>
+            <a:off x="831850" y="1709738"/>
+            <a:ext cx="10515600" cy="2852737"/>
+          </a:xfrm>
+        </p:spPr>
+        <p:txBody>
+          <a:bodyPr anchor="b"/>
+          <a:lstStyle>
+            <a:lvl1pPr>
+              <a:defRPr sz="6000"/>
+            </a:lvl1pPr>
+          </a:lstStyle>
+          <a:p>
+            <a:r>
+              <a:rPr kumimoji="1" lang="ja-JP" altLang="en-US"/>
+              <a:t>マスター タイトルの書式設定</a:t>
+            </a:r>
+          </a:p>
+        </p:txBody>
+      </p:sp>
+      <p:sp>
+        <p:nvSpPr>
+          <p:cNvPr id="3" name="テキスト プレースホルダー 2">
+            <a:extLst>
+              <a:ext uri="{FF2B5EF4-FFF2-40B4-BE49-F238E27FC236}">
+                <a16:creationId xmlns:a16="http://schemas.microsoft.com/office/drawing/2014/main" id="{7D7B1A5F-7A53-4A6C-ADB2-0C8CB0E5CEFC}"/>
+              </a:ext>
+            </a:extLst>
+          </p:cNvPr>
+          <p:cNvSpPr>
+            <a:spLocks noGrp="1"/>
+          </p:cNvSpPr>
+          <p:nvPr>
+            <p:ph type="body" idx="1"/>
+          </p:nvPr>
+        </p:nvSpPr>
+        <p:spPr>
+          <a:xfrm>
+            <a:off x="831850" y="4589463"/>
+            <a:ext cx="10515600" cy="1500187"/>
+          </a:xfrm>
+        </p:spPr>
+        <p:txBody>
+          <a:bodyPr/>
+          <a:lstStyle>
+            <a:lvl1pPr marL="0" indent="0">
+              <a:buNone/>
+              <a:defRPr sz="2400">
+                <a:solidFill>
+                  <a:schemeClr val="tx1">
+                    <a:tint val="75000"/>
+                  </a:schemeClr>
+                </a:solidFill>
+              </a:defRPr>
+            </a:lvl1pPr>
+            <a:lvl2pPr marL="457200" indent="0">
+              <a:buNone/>
+              <a:defRPr sz="2000">
+                <a:solidFill>
+                  <a:schemeClr val="tx1">
+                    <a:tint val="75000"/>
+                  </a:schemeClr>
+                </a:solidFill>
+              </a:defRPr>
+            </a:lvl2pPr>
+            <a:lvl3pPr marL="914400" indent="0">
+              <a:buNone/>
+              <a:defRPr sz="1800">
+                <a:solidFill>
+                  <a:schemeClr val="tx1">
+                    <a:tint val="75000"/>
+                  </a:schemeClr>
+                </a:solidFill>
+              </a:defRPr>
+            </a:lvl3pPr>
+            <a:lvl4pPr marL="1371600" indent="0">
+              <a:buNone/>
+              <a:defRPr sz="1600">
+                <a:solidFill>
+                  <a:schemeClr val="tx1">
+                    <a:tint val="75000"/>
+                  </a:schemeClr>
+                </a:solidFill>
+              </a:defRPr>
+            </a:lvl4pPr>
+            <a:lvl5pPr marL="1828800" indent="0">
+              <a:buNone/>
+              <a:defRPr sz="1600">
+                <a:solidFill>
+                  <a:schemeClr val="tx1">
+                    <a:tint val="75000"/>
+                  </a:schemeClr>
+                </a:solidFill>
+              </a:defRPr>
+            </a:lvl5pPr>
+            <a:lvl6pPr marL="2286000" indent="0">
+              <a:buNone/>
+              <a:defRPr sz="1600">
+                <a:solidFill>
+                  <a:schemeClr val="tx1">
+                    <a:tint val="75000"/>
+                  </a:schemeClr>
+                </a:solidFill>
+              </a:defRPr>
+            </a:lvl6pPr>
+            <a:lvl7pPr marL="2743200" indent="0">
+              <a:buNone/>
+              <a:defRPr sz="1600">
+                <a:solidFill>
+                  <a:schemeClr val="tx1">
+                    <a:tint val="75000"/>
+                  </a:schemeClr>
+                </a:solidFill>
+              </a:defRPr>
+            </a:lvl7pPr>
+            <a:lvl8pPr marL="3200400" indent="0">
+              <a:buNone/>
+              <a:defRPr sz="1600">
+                <a:solidFill>
+                  <a:schemeClr val="tx1">
+                    <a:tint val="75000"/>
+                  </a:schemeClr>
+                </a:solidFill>
+              </a:defRPr>
+            </a:lvl8pPr>
+            <a:lvl9pPr marL="3657600" indent="0">
+              <a:buNone/>
+              <a:defRPr sz="1600">
+                <a:solidFill>
+                  <a:schemeClr val="tx1">
+                    <a:tint val="75000"/>
+                  </a:schemeClr>
+                </a:solidFill>
+              </a:defRPr>
+            </a:lvl9pPr>
+          </a:lstStyle>
+          <a:p>
+            <a:pPr lvl="0"/>
+            <a:r>
+              <a:rPr kumimoji="1" lang="ja-JP" altLang="en-US"/>
+              <a:t>マスター テキストの書式設定</a:t>
+            </a:r>
+          </a:p>
+        </p:txBody>
+      </p:sp>
+      <p:sp>
+        <p:nvSpPr>
+          <p:cNvPr id="4" name="日付プレースホルダー 3">
+            <a:extLst>
+              <a:ext uri="{FF2B5EF4-FFF2-40B4-BE49-F238E27FC236}">
+                <a16:creationId xmlns:a16="http://schemas.microsoft.com/office/drawing/2014/main" id="{2312ADDC-68A1-4A28-AD31-5CD441761427}"/>
+              </a:ext>
+            </a:extLst>
+          </p:cNvPr>
+          <p:cNvSpPr>
+            <a:spLocks noGrp="1"/>
+          </p:cNvSpPr>
+          <p:nvPr>
+            <p:ph type="dt" sz="half" idx="10"/>
+          </p:nvPr>
+        </p:nvSpPr>
+        <p:spPr/>
+        <p:txBody>
+          <a:bodyPr/>
+          <a:lstStyle/>
+          <a:p>
+            <a:fld id="{F068AB85-2ACE-4F70-9090-AAB334D4C59F}" type="datetimeFigureOut">
+              <a:rPr kumimoji="1" lang="ja-JP" altLang="en-US" smtClean="0"/>
+              <a:t>2018/10/17</a:t>
+            </a:fld>
+            <a:endParaRPr kumimoji="1" lang="ja-JP" altLang="en-US"/>
+          </a:p>
+        </p:txBody>
+      </p:sp>
+      <p:sp>
+        <p:nvSpPr>
+          <p:cNvPr id="5" name="フッター プレースホルダー 4">
+            <a:extLst>
+              <a:ext uri="{FF2B5EF4-FFF2-40B4-BE49-F238E27FC236}">
+                <a16:creationId xmlns:a16="http://schemas.microsoft.com/office/drawing/2014/main" id="{557055C6-E17C-4835-9F36-F6A82CC81519}"/>
+              </a:ext>
+            </a:extLst>
+          </p:cNvPr>
+          <p:cNvSpPr>
+            <a:spLocks noGrp="1"/>
+          </p:cNvSpPr>
+          <p:nvPr>
+            <p:ph type="ftr" sz="quarter" idx="11"/>
+          </p:nvPr>
+        </p:nvSpPr>
+        <p:spPr/>
+        <p:txBody>
+          <a:bodyPr/>
+          <a:lstStyle/>
+          <a:p>
+            <a:endParaRPr kumimoji="1" lang="ja-JP" altLang="en-US"/>
+          </a:p>
+        </p:txBody>
+      </p:sp>
+      <p:sp>
+        <p:nvSpPr>
+          <p:cNvPr id="6" name="スライド番号プレースホルダー 5">
+            <a:extLst>
+              <a:ext uri="{FF2B5EF4-FFF2-40B4-BE49-F238E27FC236}">
+                <a16:creationId xmlns:a16="http://schemas.microsoft.com/office/drawing/2014/main" id="{73D48280-0AD6-46E9-9701-D21A7B8C67E1}"/>
+              </a:ext>
+            </a:extLst>
+          </p:cNvPr>
+          <p:cNvSpPr>
+            <a:spLocks noGrp="1"/>
+          </p:cNvSpPr>
+          <p:nvPr>
+            <p:ph type="sldNum" sz="quarter" idx="12"/>
+          </p:nvPr>
+        </p:nvSpPr>
+        <p:spPr/>
+        <p:txBody>
+          <a:bodyPr/>
+          <a:lstStyle/>
+          <a:p>
+            <a:fld id="{DA468D76-7739-4A87-9317-486A80F5ABFC}" type="slidenum">
+              <a:rPr kumimoji="1" lang="ja-JP" altLang="en-US" smtClean="0"/>
+              <a:t>‹#›</a:t>
+            </a:fld>
+            <a:endParaRPr kumimoji="1" lang="ja-JP" altLang="en-US"/>
+          </a:p>
+        </p:txBody>
+      </p:sp>
+    </p:spTree>
+    <p:extLst>
+      <p:ext uri="{BB962C8B-B14F-4D97-AF65-F5344CB8AC3E}">
+        <p14:creationId xmlns:p14="http://schemas.microsoft.com/office/powerpoint/2010/main" val="381738485"/>
+      </p:ext>
+    </p:extLst>
+  </p:cSld>
+  <p:clrMapOvr>
+    <a:masterClrMapping/>
+  </p:clrMapOvr>
+</p:sldLayout>
+</file>
+
+<file path=ppt/slideLayouts/slideLayout19.xml><?xml version="1.0" encoding="utf-8"?>
+<p:sldLayout xmlns:a="http://schemas.openxmlformats.org/drawingml/2006/main" xmlns:r="http://schemas.openxmlformats.org/officeDocument/2006/relationships" xmlns:p="http://schemas.openxmlformats.org/presentationml/2006/main" type="twoObj" preserve="1">
+  <p:cSld name="2 つのコンテンツ">
+    <p:spTree>
+      <p:nvGrpSpPr>
+        <p:cNvPr id="1" name=""/>
+        <p:cNvGrpSpPr/>
+        <p:nvPr/>
+      </p:nvGrpSpPr>
+      <p:grpSpPr>
+        <a:xfrm>
+          <a:off x="0" y="0"/>
+          <a:ext cx="0" cy="0"/>
+          <a:chOff x="0" y="0"/>
+          <a:chExt cx="0" cy="0"/>
+        </a:xfrm>
+      </p:grpSpPr>
+      <p:sp>
+        <p:nvSpPr>
+          <p:cNvPr id="2" name="タイトル 1">
+            <a:extLst>
+              <a:ext uri="{FF2B5EF4-FFF2-40B4-BE49-F238E27FC236}">
+                <a16:creationId xmlns:a16="http://schemas.microsoft.com/office/drawing/2014/main" id="{5E7FE916-AE9A-4FF7-9D05-BED55EFE554D}"/>
+              </a:ext>
+            </a:extLst>
+          </p:cNvPr>
+          <p:cNvSpPr>
+            <a:spLocks noGrp="1"/>
+          </p:cNvSpPr>
+          <p:nvPr>
+            <p:ph type="title"/>
+          </p:nvPr>
+        </p:nvSpPr>
+        <p:spPr/>
+        <p:txBody>
+          <a:bodyPr/>
+          <a:lstStyle/>
+          <a:p>
+            <a:r>
+              <a:rPr kumimoji="1" lang="ja-JP" altLang="en-US"/>
+              <a:t>マスター タイトルの書式設定</a:t>
+            </a:r>
+          </a:p>
+        </p:txBody>
+      </p:sp>
+      <p:sp>
+        <p:nvSpPr>
+          <p:cNvPr id="3" name="コンテンツ プレースホルダー 2">
+            <a:extLst>
+              <a:ext uri="{FF2B5EF4-FFF2-40B4-BE49-F238E27FC236}">
+                <a16:creationId xmlns:a16="http://schemas.microsoft.com/office/drawing/2014/main" id="{C388EE4B-EEC2-498C-A085-7D779030C2F2}"/>
+              </a:ext>
+            </a:extLst>
+          </p:cNvPr>
+          <p:cNvSpPr>
+            <a:spLocks noGrp="1"/>
+          </p:cNvSpPr>
+          <p:nvPr>
+            <p:ph sz="half" idx="1"/>
+          </p:nvPr>
+        </p:nvSpPr>
+        <p:spPr>
+          <a:xfrm>
+            <a:off x="838200" y="1825625"/>
+            <a:ext cx="5181600" cy="4351338"/>
+          </a:xfrm>
+        </p:spPr>
+        <p:txBody>
+          <a:bodyPr/>
+          <a:lstStyle/>
+          <a:p>
+            <a:pPr lvl="0"/>
+            <a:r>
+              <a:rPr kumimoji="1" lang="ja-JP" altLang="en-US"/>
+              <a:t>マスター テキストの書式設定</a:t>
+            </a:r>
+          </a:p>
+          <a:p>
+            <a:pPr lvl="1"/>
+            <a:r>
+              <a:rPr kumimoji="1" lang="ja-JP" altLang="en-US"/>
+              <a:t>第 </a:t>
+            </a:r>
+            <a:r>
+              <a:rPr kumimoji="1" lang="en-US" altLang="ja-JP"/>
+              <a:t>2 </a:t>
+            </a:r>
+            <a:r>
+              <a:rPr kumimoji="1" lang="ja-JP" altLang="en-US"/>
+              <a:t>レベル</a:t>
+            </a:r>
+          </a:p>
+          <a:p>
+            <a:pPr lvl="2"/>
+            <a:r>
+              <a:rPr kumimoji="1" lang="ja-JP" altLang="en-US"/>
+              <a:t>第 </a:t>
+            </a:r>
+            <a:r>
+              <a:rPr kumimoji="1" lang="en-US" altLang="ja-JP"/>
+              <a:t>3 </a:t>
+            </a:r>
+            <a:r>
+              <a:rPr kumimoji="1" lang="ja-JP" altLang="en-US"/>
+              <a:t>レベル</a:t>
+            </a:r>
+          </a:p>
+          <a:p>
+            <a:pPr lvl="3"/>
+            <a:r>
+              <a:rPr kumimoji="1" lang="ja-JP" altLang="en-US"/>
+              <a:t>第 </a:t>
+            </a:r>
+            <a:r>
+              <a:rPr kumimoji="1" lang="en-US" altLang="ja-JP"/>
+              <a:t>4 </a:t>
+            </a:r>
+            <a:r>
+              <a:rPr kumimoji="1" lang="ja-JP" altLang="en-US"/>
+              <a:t>レベル</a:t>
+            </a:r>
+          </a:p>
+          <a:p>
+            <a:pPr lvl="4"/>
+            <a:r>
+              <a:rPr kumimoji="1" lang="ja-JP" altLang="en-US"/>
+              <a:t>第 </a:t>
+            </a:r>
+            <a:r>
+              <a:rPr kumimoji="1" lang="en-US" altLang="ja-JP"/>
+              <a:t>5 </a:t>
+            </a:r>
+            <a:r>
+              <a:rPr kumimoji="1" lang="ja-JP" altLang="en-US"/>
+              <a:t>レベル</a:t>
+            </a:r>
+          </a:p>
+        </p:txBody>
+      </p:sp>
+      <p:sp>
+        <p:nvSpPr>
+          <p:cNvPr id="4" name="コンテンツ プレースホルダー 3">
+            <a:extLst>
+              <a:ext uri="{FF2B5EF4-FFF2-40B4-BE49-F238E27FC236}">
+                <a16:creationId xmlns:a16="http://schemas.microsoft.com/office/drawing/2014/main" id="{6DB5836E-5AA5-4C2B-8DBC-E83A88D932D9}"/>
+              </a:ext>
+            </a:extLst>
+          </p:cNvPr>
+          <p:cNvSpPr>
+            <a:spLocks noGrp="1"/>
+          </p:cNvSpPr>
+          <p:nvPr>
+            <p:ph sz="half" idx="2"/>
+          </p:nvPr>
+        </p:nvSpPr>
+        <p:spPr>
+          <a:xfrm>
+            <a:off x="6172200" y="1825625"/>
+            <a:ext cx="5181600" cy="4351338"/>
+          </a:xfrm>
+        </p:spPr>
+        <p:txBody>
+          <a:bodyPr/>
+          <a:lstStyle/>
+          <a:p>
+            <a:pPr lvl="0"/>
+            <a:r>
+              <a:rPr kumimoji="1" lang="ja-JP" altLang="en-US"/>
+              <a:t>マスター テキストの書式設定</a:t>
+            </a:r>
+          </a:p>
+          <a:p>
+            <a:pPr lvl="1"/>
+            <a:r>
+              <a:rPr kumimoji="1" lang="ja-JP" altLang="en-US"/>
+              <a:t>第 </a:t>
+            </a:r>
+            <a:r>
+              <a:rPr kumimoji="1" lang="en-US" altLang="ja-JP"/>
+              <a:t>2 </a:t>
+            </a:r>
+            <a:r>
+              <a:rPr kumimoji="1" lang="ja-JP" altLang="en-US"/>
+              <a:t>レベル</a:t>
+            </a:r>
+          </a:p>
+          <a:p>
+            <a:pPr lvl="2"/>
+            <a:r>
+              <a:rPr kumimoji="1" lang="ja-JP" altLang="en-US"/>
+              <a:t>第 </a:t>
+            </a:r>
+            <a:r>
+              <a:rPr kumimoji="1" lang="en-US" altLang="ja-JP"/>
+              <a:t>3 </a:t>
+            </a:r>
+            <a:r>
+              <a:rPr kumimoji="1" lang="ja-JP" altLang="en-US"/>
+              <a:t>レベル</a:t>
+            </a:r>
+          </a:p>
+          <a:p>
+            <a:pPr lvl="3"/>
+            <a:r>
+              <a:rPr kumimoji="1" lang="ja-JP" altLang="en-US"/>
+              <a:t>第 </a:t>
+            </a:r>
+            <a:r>
+              <a:rPr kumimoji="1" lang="en-US" altLang="ja-JP"/>
+              <a:t>4 </a:t>
+            </a:r>
+            <a:r>
+              <a:rPr kumimoji="1" lang="ja-JP" altLang="en-US"/>
+              <a:t>レベル</a:t>
+            </a:r>
+          </a:p>
+          <a:p>
+            <a:pPr lvl="4"/>
+            <a:r>
+              <a:rPr kumimoji="1" lang="ja-JP" altLang="en-US"/>
+              <a:t>第 </a:t>
+            </a:r>
+            <a:r>
+              <a:rPr kumimoji="1" lang="en-US" altLang="ja-JP"/>
+              <a:t>5 </a:t>
+            </a:r>
+            <a:r>
+              <a:rPr kumimoji="1" lang="ja-JP" altLang="en-US"/>
+              <a:t>レベル</a:t>
+            </a:r>
+          </a:p>
+        </p:txBody>
+      </p:sp>
+      <p:sp>
+        <p:nvSpPr>
+          <p:cNvPr id="5" name="日付プレースホルダー 4">
+            <a:extLst>
+              <a:ext uri="{FF2B5EF4-FFF2-40B4-BE49-F238E27FC236}">
+                <a16:creationId xmlns:a16="http://schemas.microsoft.com/office/drawing/2014/main" id="{6B0030BF-248C-4395-A86C-BE003FA2BD55}"/>
+              </a:ext>
+            </a:extLst>
+          </p:cNvPr>
+          <p:cNvSpPr>
+            <a:spLocks noGrp="1"/>
+          </p:cNvSpPr>
+          <p:nvPr>
+            <p:ph type="dt" sz="half" idx="10"/>
+          </p:nvPr>
+        </p:nvSpPr>
+        <p:spPr/>
+        <p:txBody>
+          <a:bodyPr/>
+          <a:lstStyle/>
+          <a:p>
+            <a:fld id="{F068AB85-2ACE-4F70-9090-AAB334D4C59F}" type="datetimeFigureOut">
+              <a:rPr kumimoji="1" lang="ja-JP" altLang="en-US" smtClean="0"/>
+              <a:t>2018/10/17</a:t>
+            </a:fld>
+            <a:endParaRPr kumimoji="1" lang="ja-JP" altLang="en-US"/>
+          </a:p>
+        </p:txBody>
+      </p:sp>
+      <p:sp>
+        <p:nvSpPr>
+          <p:cNvPr id="6" name="フッター プレースホルダー 5">
+            <a:extLst>
+              <a:ext uri="{FF2B5EF4-FFF2-40B4-BE49-F238E27FC236}">
+                <a16:creationId xmlns:a16="http://schemas.microsoft.com/office/drawing/2014/main" id="{CA841EDC-D6C9-4AD3-BB7D-5B2344466002}"/>
+              </a:ext>
+            </a:extLst>
+          </p:cNvPr>
+          <p:cNvSpPr>
+            <a:spLocks noGrp="1"/>
+          </p:cNvSpPr>
+          <p:nvPr>
+            <p:ph type="ftr" sz="quarter" idx="11"/>
+          </p:nvPr>
+        </p:nvSpPr>
+        <p:spPr/>
+        <p:txBody>
+          <a:bodyPr/>
+          <a:lstStyle/>
+          <a:p>
+            <a:endParaRPr kumimoji="1" lang="ja-JP" altLang="en-US"/>
+          </a:p>
+        </p:txBody>
+      </p:sp>
+      <p:sp>
+        <p:nvSpPr>
+          <p:cNvPr id="7" name="スライド番号プレースホルダー 6">
+            <a:extLst>
+              <a:ext uri="{FF2B5EF4-FFF2-40B4-BE49-F238E27FC236}">
+                <a16:creationId xmlns:a16="http://schemas.microsoft.com/office/drawing/2014/main" id="{D0B99F55-7DE2-44C9-9A39-D2A4A5A211FF}"/>
+              </a:ext>
+            </a:extLst>
+          </p:cNvPr>
+          <p:cNvSpPr>
+            <a:spLocks noGrp="1"/>
+          </p:cNvSpPr>
+          <p:nvPr>
+            <p:ph type="sldNum" sz="quarter" idx="12"/>
+          </p:nvPr>
+        </p:nvSpPr>
+        <p:spPr/>
+        <p:txBody>
+          <a:bodyPr/>
+          <a:lstStyle/>
+          <a:p>
+            <a:fld id="{DA468D76-7739-4A87-9317-486A80F5ABFC}" type="slidenum">
+              <a:rPr kumimoji="1" lang="ja-JP" altLang="en-US" smtClean="0"/>
+              <a:t>‹#›</a:t>
+            </a:fld>
+            <a:endParaRPr kumimoji="1" lang="ja-JP" altLang="en-US"/>
+          </a:p>
+        </p:txBody>
+      </p:sp>
+    </p:spTree>
+    <p:extLst>
+      <p:ext uri="{BB962C8B-B14F-4D97-AF65-F5344CB8AC3E}">
+        <p14:creationId xmlns:p14="http://schemas.microsoft.com/office/powerpoint/2010/main" val="1892801878"/>
+      </p:ext>
+    </p:extLst>
+  </p:cSld>
+  <p:clrMapOvr>
+    <a:masterClrMapping/>
+  </p:clrMapOvr>
+</p:sldLayout>
+</file>
+
 <file path=ppt/slideLayouts/slideLayout2.xml><?xml version="1.0" encoding="utf-8"?>
 <p:sldLayout xmlns:a="http://schemas.openxmlformats.org/drawingml/2006/main" xmlns:r="http://schemas.openxmlformats.org/officeDocument/2006/relationships" xmlns:p="http://schemas.openxmlformats.org/presentationml/2006/main" type="obj" preserve="1">
   <p:cSld name="タイトルとコンテンツ">
@@ -2185,7 +3242,7 @@
           <a:p>
             <a:fld id="{B46D0EEA-4AC9-487F-BF7E-E7ADE265C8B1}" type="datetime1">
               <a:rPr kumimoji="1" lang="ja-JP" altLang="en-US" smtClean="0"/>
-              <a:t>2018/10/3</a:t>
+              <a:t>2018/10/17</a:t>
             </a:fld>
             <a:endParaRPr kumimoji="1" lang="ja-JP" altLang="en-US"/>
           </a:p>
@@ -2240,6 +3297,1837 @@
     <p:extLst>
       <p:ext uri="{BB962C8B-B14F-4D97-AF65-F5344CB8AC3E}">
         <p14:creationId xmlns:p14="http://schemas.microsoft.com/office/powerpoint/2010/main" val="951204948"/>
+      </p:ext>
+    </p:extLst>
+  </p:cSld>
+  <p:clrMapOvr>
+    <a:masterClrMapping/>
+  </p:clrMapOvr>
+</p:sldLayout>
+</file>
+
+<file path=ppt/slideLayouts/slideLayout20.xml><?xml version="1.0" encoding="utf-8"?>
+<p:sldLayout xmlns:a="http://schemas.openxmlformats.org/drawingml/2006/main" xmlns:r="http://schemas.openxmlformats.org/officeDocument/2006/relationships" xmlns:p="http://schemas.openxmlformats.org/presentationml/2006/main" type="twoTxTwoObj" preserve="1">
+  <p:cSld name="比較">
+    <p:spTree>
+      <p:nvGrpSpPr>
+        <p:cNvPr id="1" name=""/>
+        <p:cNvGrpSpPr/>
+        <p:nvPr/>
+      </p:nvGrpSpPr>
+      <p:grpSpPr>
+        <a:xfrm>
+          <a:off x="0" y="0"/>
+          <a:ext cx="0" cy="0"/>
+          <a:chOff x="0" y="0"/>
+          <a:chExt cx="0" cy="0"/>
+        </a:xfrm>
+      </p:grpSpPr>
+      <p:sp>
+        <p:nvSpPr>
+          <p:cNvPr id="2" name="タイトル 1">
+            <a:extLst>
+              <a:ext uri="{FF2B5EF4-FFF2-40B4-BE49-F238E27FC236}">
+                <a16:creationId xmlns:a16="http://schemas.microsoft.com/office/drawing/2014/main" id="{D3B648F6-3BF8-40FD-8EAA-5EC580E4EE76}"/>
+              </a:ext>
+            </a:extLst>
+          </p:cNvPr>
+          <p:cNvSpPr>
+            <a:spLocks noGrp="1"/>
+          </p:cNvSpPr>
+          <p:nvPr>
+            <p:ph type="title"/>
+          </p:nvPr>
+        </p:nvSpPr>
+        <p:spPr>
+          <a:xfrm>
+            <a:off x="839788" y="365125"/>
+            <a:ext cx="10515600" cy="1325563"/>
+          </a:xfrm>
+        </p:spPr>
+        <p:txBody>
+          <a:bodyPr/>
+          <a:lstStyle/>
+          <a:p>
+            <a:r>
+              <a:rPr kumimoji="1" lang="ja-JP" altLang="en-US"/>
+              <a:t>マスター タイトルの書式設定</a:t>
+            </a:r>
+          </a:p>
+        </p:txBody>
+      </p:sp>
+      <p:sp>
+        <p:nvSpPr>
+          <p:cNvPr id="3" name="テキスト プレースホルダー 2">
+            <a:extLst>
+              <a:ext uri="{FF2B5EF4-FFF2-40B4-BE49-F238E27FC236}">
+                <a16:creationId xmlns:a16="http://schemas.microsoft.com/office/drawing/2014/main" id="{DC28FCCB-BF79-49FC-923D-2E648D7A4418}"/>
+              </a:ext>
+            </a:extLst>
+          </p:cNvPr>
+          <p:cNvSpPr>
+            <a:spLocks noGrp="1"/>
+          </p:cNvSpPr>
+          <p:nvPr>
+            <p:ph type="body" idx="1"/>
+          </p:nvPr>
+        </p:nvSpPr>
+        <p:spPr>
+          <a:xfrm>
+            <a:off x="839788" y="1681163"/>
+            <a:ext cx="5157787" cy="823912"/>
+          </a:xfrm>
+        </p:spPr>
+        <p:txBody>
+          <a:bodyPr anchor="b"/>
+          <a:lstStyle>
+            <a:lvl1pPr marL="0" indent="0">
+              <a:buNone/>
+              <a:defRPr sz="2400" b="1"/>
+            </a:lvl1pPr>
+            <a:lvl2pPr marL="457200" indent="0">
+              <a:buNone/>
+              <a:defRPr sz="2000" b="1"/>
+            </a:lvl2pPr>
+            <a:lvl3pPr marL="914400" indent="0">
+              <a:buNone/>
+              <a:defRPr sz="1800" b="1"/>
+            </a:lvl3pPr>
+            <a:lvl4pPr marL="1371600" indent="0">
+              <a:buNone/>
+              <a:defRPr sz="1600" b="1"/>
+            </a:lvl4pPr>
+            <a:lvl5pPr marL="1828800" indent="0">
+              <a:buNone/>
+              <a:defRPr sz="1600" b="1"/>
+            </a:lvl5pPr>
+            <a:lvl6pPr marL="2286000" indent="0">
+              <a:buNone/>
+              <a:defRPr sz="1600" b="1"/>
+            </a:lvl6pPr>
+            <a:lvl7pPr marL="2743200" indent="0">
+              <a:buNone/>
+              <a:defRPr sz="1600" b="1"/>
+            </a:lvl7pPr>
+            <a:lvl8pPr marL="3200400" indent="0">
+              <a:buNone/>
+              <a:defRPr sz="1600" b="1"/>
+            </a:lvl8pPr>
+            <a:lvl9pPr marL="3657600" indent="0">
+              <a:buNone/>
+              <a:defRPr sz="1600" b="1"/>
+            </a:lvl9pPr>
+          </a:lstStyle>
+          <a:p>
+            <a:pPr lvl="0"/>
+            <a:r>
+              <a:rPr kumimoji="1" lang="ja-JP" altLang="en-US"/>
+              <a:t>マスター テキストの書式設定</a:t>
+            </a:r>
+          </a:p>
+        </p:txBody>
+      </p:sp>
+      <p:sp>
+        <p:nvSpPr>
+          <p:cNvPr id="4" name="コンテンツ プレースホルダー 3">
+            <a:extLst>
+              <a:ext uri="{FF2B5EF4-FFF2-40B4-BE49-F238E27FC236}">
+                <a16:creationId xmlns:a16="http://schemas.microsoft.com/office/drawing/2014/main" id="{D90080E6-5210-4274-8D34-59A46A3C6058}"/>
+              </a:ext>
+            </a:extLst>
+          </p:cNvPr>
+          <p:cNvSpPr>
+            <a:spLocks noGrp="1"/>
+          </p:cNvSpPr>
+          <p:nvPr>
+            <p:ph sz="half" idx="2"/>
+          </p:nvPr>
+        </p:nvSpPr>
+        <p:spPr>
+          <a:xfrm>
+            <a:off x="839788" y="2505075"/>
+            <a:ext cx="5157787" cy="3684588"/>
+          </a:xfrm>
+        </p:spPr>
+        <p:txBody>
+          <a:bodyPr/>
+          <a:lstStyle/>
+          <a:p>
+            <a:pPr lvl="0"/>
+            <a:r>
+              <a:rPr kumimoji="1" lang="ja-JP" altLang="en-US"/>
+              <a:t>マスター テキストの書式設定</a:t>
+            </a:r>
+          </a:p>
+          <a:p>
+            <a:pPr lvl="1"/>
+            <a:r>
+              <a:rPr kumimoji="1" lang="ja-JP" altLang="en-US"/>
+              <a:t>第 </a:t>
+            </a:r>
+            <a:r>
+              <a:rPr kumimoji="1" lang="en-US" altLang="ja-JP"/>
+              <a:t>2 </a:t>
+            </a:r>
+            <a:r>
+              <a:rPr kumimoji="1" lang="ja-JP" altLang="en-US"/>
+              <a:t>レベル</a:t>
+            </a:r>
+          </a:p>
+          <a:p>
+            <a:pPr lvl="2"/>
+            <a:r>
+              <a:rPr kumimoji="1" lang="ja-JP" altLang="en-US"/>
+              <a:t>第 </a:t>
+            </a:r>
+            <a:r>
+              <a:rPr kumimoji="1" lang="en-US" altLang="ja-JP"/>
+              <a:t>3 </a:t>
+            </a:r>
+            <a:r>
+              <a:rPr kumimoji="1" lang="ja-JP" altLang="en-US"/>
+              <a:t>レベル</a:t>
+            </a:r>
+          </a:p>
+          <a:p>
+            <a:pPr lvl="3"/>
+            <a:r>
+              <a:rPr kumimoji="1" lang="ja-JP" altLang="en-US"/>
+              <a:t>第 </a:t>
+            </a:r>
+            <a:r>
+              <a:rPr kumimoji="1" lang="en-US" altLang="ja-JP"/>
+              <a:t>4 </a:t>
+            </a:r>
+            <a:r>
+              <a:rPr kumimoji="1" lang="ja-JP" altLang="en-US"/>
+              <a:t>レベル</a:t>
+            </a:r>
+          </a:p>
+          <a:p>
+            <a:pPr lvl="4"/>
+            <a:r>
+              <a:rPr kumimoji="1" lang="ja-JP" altLang="en-US"/>
+              <a:t>第 </a:t>
+            </a:r>
+            <a:r>
+              <a:rPr kumimoji="1" lang="en-US" altLang="ja-JP"/>
+              <a:t>5 </a:t>
+            </a:r>
+            <a:r>
+              <a:rPr kumimoji="1" lang="ja-JP" altLang="en-US"/>
+              <a:t>レベル</a:t>
+            </a:r>
+          </a:p>
+        </p:txBody>
+      </p:sp>
+      <p:sp>
+        <p:nvSpPr>
+          <p:cNvPr id="5" name="テキスト プレースホルダー 4">
+            <a:extLst>
+              <a:ext uri="{FF2B5EF4-FFF2-40B4-BE49-F238E27FC236}">
+                <a16:creationId xmlns:a16="http://schemas.microsoft.com/office/drawing/2014/main" id="{E30690C9-1AA4-4C87-9EBD-0FACA0649035}"/>
+              </a:ext>
+            </a:extLst>
+          </p:cNvPr>
+          <p:cNvSpPr>
+            <a:spLocks noGrp="1"/>
+          </p:cNvSpPr>
+          <p:nvPr>
+            <p:ph type="body" sz="quarter" idx="3"/>
+          </p:nvPr>
+        </p:nvSpPr>
+        <p:spPr>
+          <a:xfrm>
+            <a:off x="6172200" y="1681163"/>
+            <a:ext cx="5183188" cy="823912"/>
+          </a:xfrm>
+        </p:spPr>
+        <p:txBody>
+          <a:bodyPr anchor="b"/>
+          <a:lstStyle>
+            <a:lvl1pPr marL="0" indent="0">
+              <a:buNone/>
+              <a:defRPr sz="2400" b="1"/>
+            </a:lvl1pPr>
+            <a:lvl2pPr marL="457200" indent="0">
+              <a:buNone/>
+              <a:defRPr sz="2000" b="1"/>
+            </a:lvl2pPr>
+            <a:lvl3pPr marL="914400" indent="0">
+              <a:buNone/>
+              <a:defRPr sz="1800" b="1"/>
+            </a:lvl3pPr>
+            <a:lvl4pPr marL="1371600" indent="0">
+              <a:buNone/>
+              <a:defRPr sz="1600" b="1"/>
+            </a:lvl4pPr>
+            <a:lvl5pPr marL="1828800" indent="0">
+              <a:buNone/>
+              <a:defRPr sz="1600" b="1"/>
+            </a:lvl5pPr>
+            <a:lvl6pPr marL="2286000" indent="0">
+              <a:buNone/>
+              <a:defRPr sz="1600" b="1"/>
+            </a:lvl6pPr>
+            <a:lvl7pPr marL="2743200" indent="0">
+              <a:buNone/>
+              <a:defRPr sz="1600" b="1"/>
+            </a:lvl7pPr>
+            <a:lvl8pPr marL="3200400" indent="0">
+              <a:buNone/>
+              <a:defRPr sz="1600" b="1"/>
+            </a:lvl8pPr>
+            <a:lvl9pPr marL="3657600" indent="0">
+              <a:buNone/>
+              <a:defRPr sz="1600" b="1"/>
+            </a:lvl9pPr>
+          </a:lstStyle>
+          <a:p>
+            <a:pPr lvl="0"/>
+            <a:r>
+              <a:rPr kumimoji="1" lang="ja-JP" altLang="en-US"/>
+              <a:t>マスター テキストの書式設定</a:t>
+            </a:r>
+          </a:p>
+        </p:txBody>
+      </p:sp>
+      <p:sp>
+        <p:nvSpPr>
+          <p:cNvPr id="6" name="コンテンツ プレースホルダー 5">
+            <a:extLst>
+              <a:ext uri="{FF2B5EF4-FFF2-40B4-BE49-F238E27FC236}">
+                <a16:creationId xmlns:a16="http://schemas.microsoft.com/office/drawing/2014/main" id="{D099A0D4-AD19-4EE6-9C00-EC1D56AB52D6}"/>
+              </a:ext>
+            </a:extLst>
+          </p:cNvPr>
+          <p:cNvSpPr>
+            <a:spLocks noGrp="1"/>
+          </p:cNvSpPr>
+          <p:nvPr>
+            <p:ph sz="quarter" idx="4"/>
+          </p:nvPr>
+        </p:nvSpPr>
+        <p:spPr>
+          <a:xfrm>
+            <a:off x="6172200" y="2505075"/>
+            <a:ext cx="5183188" cy="3684588"/>
+          </a:xfrm>
+        </p:spPr>
+        <p:txBody>
+          <a:bodyPr/>
+          <a:lstStyle/>
+          <a:p>
+            <a:pPr lvl="0"/>
+            <a:r>
+              <a:rPr kumimoji="1" lang="ja-JP" altLang="en-US"/>
+              <a:t>マスター テキストの書式設定</a:t>
+            </a:r>
+          </a:p>
+          <a:p>
+            <a:pPr lvl="1"/>
+            <a:r>
+              <a:rPr kumimoji="1" lang="ja-JP" altLang="en-US"/>
+              <a:t>第 </a:t>
+            </a:r>
+            <a:r>
+              <a:rPr kumimoji="1" lang="en-US" altLang="ja-JP"/>
+              <a:t>2 </a:t>
+            </a:r>
+            <a:r>
+              <a:rPr kumimoji="1" lang="ja-JP" altLang="en-US"/>
+              <a:t>レベル</a:t>
+            </a:r>
+          </a:p>
+          <a:p>
+            <a:pPr lvl="2"/>
+            <a:r>
+              <a:rPr kumimoji="1" lang="ja-JP" altLang="en-US"/>
+              <a:t>第 </a:t>
+            </a:r>
+            <a:r>
+              <a:rPr kumimoji="1" lang="en-US" altLang="ja-JP"/>
+              <a:t>3 </a:t>
+            </a:r>
+            <a:r>
+              <a:rPr kumimoji="1" lang="ja-JP" altLang="en-US"/>
+              <a:t>レベル</a:t>
+            </a:r>
+          </a:p>
+          <a:p>
+            <a:pPr lvl="3"/>
+            <a:r>
+              <a:rPr kumimoji="1" lang="ja-JP" altLang="en-US"/>
+              <a:t>第 </a:t>
+            </a:r>
+            <a:r>
+              <a:rPr kumimoji="1" lang="en-US" altLang="ja-JP"/>
+              <a:t>4 </a:t>
+            </a:r>
+            <a:r>
+              <a:rPr kumimoji="1" lang="ja-JP" altLang="en-US"/>
+              <a:t>レベル</a:t>
+            </a:r>
+          </a:p>
+          <a:p>
+            <a:pPr lvl="4"/>
+            <a:r>
+              <a:rPr kumimoji="1" lang="ja-JP" altLang="en-US"/>
+              <a:t>第 </a:t>
+            </a:r>
+            <a:r>
+              <a:rPr kumimoji="1" lang="en-US" altLang="ja-JP"/>
+              <a:t>5 </a:t>
+            </a:r>
+            <a:r>
+              <a:rPr kumimoji="1" lang="ja-JP" altLang="en-US"/>
+              <a:t>レベル</a:t>
+            </a:r>
+          </a:p>
+        </p:txBody>
+      </p:sp>
+      <p:sp>
+        <p:nvSpPr>
+          <p:cNvPr id="7" name="日付プレースホルダー 6">
+            <a:extLst>
+              <a:ext uri="{FF2B5EF4-FFF2-40B4-BE49-F238E27FC236}">
+                <a16:creationId xmlns:a16="http://schemas.microsoft.com/office/drawing/2014/main" id="{7658E4F9-342A-41E1-A47B-FC2689526AC0}"/>
+              </a:ext>
+            </a:extLst>
+          </p:cNvPr>
+          <p:cNvSpPr>
+            <a:spLocks noGrp="1"/>
+          </p:cNvSpPr>
+          <p:nvPr>
+            <p:ph type="dt" sz="half" idx="10"/>
+          </p:nvPr>
+        </p:nvSpPr>
+        <p:spPr/>
+        <p:txBody>
+          <a:bodyPr/>
+          <a:lstStyle/>
+          <a:p>
+            <a:fld id="{F068AB85-2ACE-4F70-9090-AAB334D4C59F}" type="datetimeFigureOut">
+              <a:rPr kumimoji="1" lang="ja-JP" altLang="en-US" smtClean="0"/>
+              <a:t>2018/10/17</a:t>
+            </a:fld>
+            <a:endParaRPr kumimoji="1" lang="ja-JP" altLang="en-US"/>
+          </a:p>
+        </p:txBody>
+      </p:sp>
+      <p:sp>
+        <p:nvSpPr>
+          <p:cNvPr id="8" name="フッター プレースホルダー 7">
+            <a:extLst>
+              <a:ext uri="{FF2B5EF4-FFF2-40B4-BE49-F238E27FC236}">
+                <a16:creationId xmlns:a16="http://schemas.microsoft.com/office/drawing/2014/main" id="{B42DC924-380D-4776-9E61-82C772F4D792}"/>
+              </a:ext>
+            </a:extLst>
+          </p:cNvPr>
+          <p:cNvSpPr>
+            <a:spLocks noGrp="1"/>
+          </p:cNvSpPr>
+          <p:nvPr>
+            <p:ph type="ftr" sz="quarter" idx="11"/>
+          </p:nvPr>
+        </p:nvSpPr>
+        <p:spPr/>
+        <p:txBody>
+          <a:bodyPr/>
+          <a:lstStyle/>
+          <a:p>
+            <a:endParaRPr kumimoji="1" lang="ja-JP" altLang="en-US"/>
+          </a:p>
+        </p:txBody>
+      </p:sp>
+      <p:sp>
+        <p:nvSpPr>
+          <p:cNvPr id="9" name="スライド番号プレースホルダー 8">
+            <a:extLst>
+              <a:ext uri="{FF2B5EF4-FFF2-40B4-BE49-F238E27FC236}">
+                <a16:creationId xmlns:a16="http://schemas.microsoft.com/office/drawing/2014/main" id="{A4441E5D-5B6B-493C-9A96-37DC963222F9}"/>
+              </a:ext>
+            </a:extLst>
+          </p:cNvPr>
+          <p:cNvSpPr>
+            <a:spLocks noGrp="1"/>
+          </p:cNvSpPr>
+          <p:nvPr>
+            <p:ph type="sldNum" sz="quarter" idx="12"/>
+          </p:nvPr>
+        </p:nvSpPr>
+        <p:spPr/>
+        <p:txBody>
+          <a:bodyPr/>
+          <a:lstStyle/>
+          <a:p>
+            <a:fld id="{DA468D76-7739-4A87-9317-486A80F5ABFC}" type="slidenum">
+              <a:rPr kumimoji="1" lang="ja-JP" altLang="en-US" smtClean="0"/>
+              <a:t>‹#›</a:t>
+            </a:fld>
+            <a:endParaRPr kumimoji="1" lang="ja-JP" altLang="en-US"/>
+          </a:p>
+        </p:txBody>
+      </p:sp>
+    </p:spTree>
+    <p:extLst>
+      <p:ext uri="{BB962C8B-B14F-4D97-AF65-F5344CB8AC3E}">
+        <p14:creationId xmlns:p14="http://schemas.microsoft.com/office/powerpoint/2010/main" val="2820857254"/>
+      </p:ext>
+    </p:extLst>
+  </p:cSld>
+  <p:clrMapOvr>
+    <a:masterClrMapping/>
+  </p:clrMapOvr>
+</p:sldLayout>
+</file>
+
+<file path=ppt/slideLayouts/slideLayout21.xml><?xml version="1.0" encoding="utf-8"?>
+<p:sldLayout xmlns:a="http://schemas.openxmlformats.org/drawingml/2006/main" xmlns:r="http://schemas.openxmlformats.org/officeDocument/2006/relationships" xmlns:p="http://schemas.openxmlformats.org/presentationml/2006/main" type="titleOnly" preserve="1">
+  <p:cSld name="タイトルのみ">
+    <p:spTree>
+      <p:nvGrpSpPr>
+        <p:cNvPr id="1" name=""/>
+        <p:cNvGrpSpPr/>
+        <p:nvPr/>
+      </p:nvGrpSpPr>
+      <p:grpSpPr>
+        <a:xfrm>
+          <a:off x="0" y="0"/>
+          <a:ext cx="0" cy="0"/>
+          <a:chOff x="0" y="0"/>
+          <a:chExt cx="0" cy="0"/>
+        </a:xfrm>
+      </p:grpSpPr>
+      <p:sp>
+        <p:nvSpPr>
+          <p:cNvPr id="2" name="タイトル 1">
+            <a:extLst>
+              <a:ext uri="{FF2B5EF4-FFF2-40B4-BE49-F238E27FC236}">
+                <a16:creationId xmlns:a16="http://schemas.microsoft.com/office/drawing/2014/main" id="{9A9B4611-9198-426D-9639-81FD92AD7A17}"/>
+              </a:ext>
+            </a:extLst>
+          </p:cNvPr>
+          <p:cNvSpPr>
+            <a:spLocks noGrp="1"/>
+          </p:cNvSpPr>
+          <p:nvPr>
+            <p:ph type="title"/>
+          </p:nvPr>
+        </p:nvSpPr>
+        <p:spPr/>
+        <p:txBody>
+          <a:bodyPr/>
+          <a:lstStyle/>
+          <a:p>
+            <a:r>
+              <a:rPr kumimoji="1" lang="ja-JP" altLang="en-US"/>
+              <a:t>マスター タイトルの書式設定</a:t>
+            </a:r>
+          </a:p>
+        </p:txBody>
+      </p:sp>
+      <p:sp>
+        <p:nvSpPr>
+          <p:cNvPr id="3" name="日付プレースホルダー 2">
+            <a:extLst>
+              <a:ext uri="{FF2B5EF4-FFF2-40B4-BE49-F238E27FC236}">
+                <a16:creationId xmlns:a16="http://schemas.microsoft.com/office/drawing/2014/main" id="{0AC93DCA-70B5-4703-959E-7DB218F968BA}"/>
+              </a:ext>
+            </a:extLst>
+          </p:cNvPr>
+          <p:cNvSpPr>
+            <a:spLocks noGrp="1"/>
+          </p:cNvSpPr>
+          <p:nvPr>
+            <p:ph type="dt" sz="half" idx="10"/>
+          </p:nvPr>
+        </p:nvSpPr>
+        <p:spPr/>
+        <p:txBody>
+          <a:bodyPr/>
+          <a:lstStyle/>
+          <a:p>
+            <a:fld id="{F068AB85-2ACE-4F70-9090-AAB334D4C59F}" type="datetimeFigureOut">
+              <a:rPr kumimoji="1" lang="ja-JP" altLang="en-US" smtClean="0"/>
+              <a:t>2018/10/17</a:t>
+            </a:fld>
+            <a:endParaRPr kumimoji="1" lang="ja-JP" altLang="en-US"/>
+          </a:p>
+        </p:txBody>
+      </p:sp>
+      <p:sp>
+        <p:nvSpPr>
+          <p:cNvPr id="4" name="フッター プレースホルダー 3">
+            <a:extLst>
+              <a:ext uri="{FF2B5EF4-FFF2-40B4-BE49-F238E27FC236}">
+                <a16:creationId xmlns:a16="http://schemas.microsoft.com/office/drawing/2014/main" id="{D5E0AD8F-E69B-4A79-BE70-61E8101E7674}"/>
+              </a:ext>
+            </a:extLst>
+          </p:cNvPr>
+          <p:cNvSpPr>
+            <a:spLocks noGrp="1"/>
+          </p:cNvSpPr>
+          <p:nvPr>
+            <p:ph type="ftr" sz="quarter" idx="11"/>
+          </p:nvPr>
+        </p:nvSpPr>
+        <p:spPr/>
+        <p:txBody>
+          <a:bodyPr/>
+          <a:lstStyle/>
+          <a:p>
+            <a:endParaRPr kumimoji="1" lang="ja-JP" altLang="en-US"/>
+          </a:p>
+        </p:txBody>
+      </p:sp>
+      <p:sp>
+        <p:nvSpPr>
+          <p:cNvPr id="5" name="スライド番号プレースホルダー 4">
+            <a:extLst>
+              <a:ext uri="{FF2B5EF4-FFF2-40B4-BE49-F238E27FC236}">
+                <a16:creationId xmlns:a16="http://schemas.microsoft.com/office/drawing/2014/main" id="{38AE1084-4437-4AC2-B333-11A1D90E8D5E}"/>
+              </a:ext>
+            </a:extLst>
+          </p:cNvPr>
+          <p:cNvSpPr>
+            <a:spLocks noGrp="1"/>
+          </p:cNvSpPr>
+          <p:nvPr>
+            <p:ph type="sldNum" sz="quarter" idx="12"/>
+          </p:nvPr>
+        </p:nvSpPr>
+        <p:spPr/>
+        <p:txBody>
+          <a:bodyPr/>
+          <a:lstStyle/>
+          <a:p>
+            <a:fld id="{DA468D76-7739-4A87-9317-486A80F5ABFC}" type="slidenum">
+              <a:rPr kumimoji="1" lang="ja-JP" altLang="en-US" smtClean="0"/>
+              <a:t>‹#›</a:t>
+            </a:fld>
+            <a:endParaRPr kumimoji="1" lang="ja-JP" altLang="en-US"/>
+          </a:p>
+        </p:txBody>
+      </p:sp>
+    </p:spTree>
+    <p:extLst>
+      <p:ext uri="{BB962C8B-B14F-4D97-AF65-F5344CB8AC3E}">
+        <p14:creationId xmlns:p14="http://schemas.microsoft.com/office/powerpoint/2010/main" val="1621467804"/>
+      </p:ext>
+    </p:extLst>
+  </p:cSld>
+  <p:clrMapOvr>
+    <a:masterClrMapping/>
+  </p:clrMapOvr>
+</p:sldLayout>
+</file>
+
+<file path=ppt/slideLayouts/slideLayout22.xml><?xml version="1.0" encoding="utf-8"?>
+<p:sldLayout xmlns:a="http://schemas.openxmlformats.org/drawingml/2006/main" xmlns:r="http://schemas.openxmlformats.org/officeDocument/2006/relationships" xmlns:p="http://schemas.openxmlformats.org/presentationml/2006/main" type="blank" preserve="1">
+  <p:cSld name="白紙">
+    <p:spTree>
+      <p:nvGrpSpPr>
+        <p:cNvPr id="1" name=""/>
+        <p:cNvGrpSpPr/>
+        <p:nvPr/>
+      </p:nvGrpSpPr>
+      <p:grpSpPr>
+        <a:xfrm>
+          <a:off x="0" y="0"/>
+          <a:ext cx="0" cy="0"/>
+          <a:chOff x="0" y="0"/>
+          <a:chExt cx="0" cy="0"/>
+        </a:xfrm>
+      </p:grpSpPr>
+      <p:sp>
+        <p:nvSpPr>
+          <p:cNvPr id="2" name="日付プレースホルダー 1">
+            <a:extLst>
+              <a:ext uri="{FF2B5EF4-FFF2-40B4-BE49-F238E27FC236}">
+                <a16:creationId xmlns:a16="http://schemas.microsoft.com/office/drawing/2014/main" id="{CF9561A8-6A49-432A-9380-DDA0E928DA42}"/>
+              </a:ext>
+            </a:extLst>
+          </p:cNvPr>
+          <p:cNvSpPr>
+            <a:spLocks noGrp="1"/>
+          </p:cNvSpPr>
+          <p:nvPr>
+            <p:ph type="dt" sz="half" idx="10"/>
+          </p:nvPr>
+        </p:nvSpPr>
+        <p:spPr/>
+        <p:txBody>
+          <a:bodyPr/>
+          <a:lstStyle/>
+          <a:p>
+            <a:fld id="{F068AB85-2ACE-4F70-9090-AAB334D4C59F}" type="datetimeFigureOut">
+              <a:rPr kumimoji="1" lang="ja-JP" altLang="en-US" smtClean="0"/>
+              <a:t>2018/10/17</a:t>
+            </a:fld>
+            <a:endParaRPr kumimoji="1" lang="ja-JP" altLang="en-US"/>
+          </a:p>
+        </p:txBody>
+      </p:sp>
+      <p:sp>
+        <p:nvSpPr>
+          <p:cNvPr id="3" name="フッター プレースホルダー 2">
+            <a:extLst>
+              <a:ext uri="{FF2B5EF4-FFF2-40B4-BE49-F238E27FC236}">
+                <a16:creationId xmlns:a16="http://schemas.microsoft.com/office/drawing/2014/main" id="{A3C03DD6-0211-4ABD-86A5-578822569760}"/>
+              </a:ext>
+            </a:extLst>
+          </p:cNvPr>
+          <p:cNvSpPr>
+            <a:spLocks noGrp="1"/>
+          </p:cNvSpPr>
+          <p:nvPr>
+            <p:ph type="ftr" sz="quarter" idx="11"/>
+          </p:nvPr>
+        </p:nvSpPr>
+        <p:spPr/>
+        <p:txBody>
+          <a:bodyPr/>
+          <a:lstStyle/>
+          <a:p>
+            <a:endParaRPr kumimoji="1" lang="ja-JP" altLang="en-US"/>
+          </a:p>
+        </p:txBody>
+      </p:sp>
+      <p:sp>
+        <p:nvSpPr>
+          <p:cNvPr id="4" name="スライド番号プレースホルダー 3">
+            <a:extLst>
+              <a:ext uri="{FF2B5EF4-FFF2-40B4-BE49-F238E27FC236}">
+                <a16:creationId xmlns:a16="http://schemas.microsoft.com/office/drawing/2014/main" id="{AD2007F9-D3DA-4AD1-997B-BB1F254B5AB6}"/>
+              </a:ext>
+            </a:extLst>
+          </p:cNvPr>
+          <p:cNvSpPr>
+            <a:spLocks noGrp="1"/>
+          </p:cNvSpPr>
+          <p:nvPr>
+            <p:ph type="sldNum" sz="quarter" idx="12"/>
+          </p:nvPr>
+        </p:nvSpPr>
+        <p:spPr/>
+        <p:txBody>
+          <a:bodyPr/>
+          <a:lstStyle/>
+          <a:p>
+            <a:fld id="{DA468D76-7739-4A87-9317-486A80F5ABFC}" type="slidenum">
+              <a:rPr kumimoji="1" lang="ja-JP" altLang="en-US" smtClean="0"/>
+              <a:t>‹#›</a:t>
+            </a:fld>
+            <a:endParaRPr kumimoji="1" lang="ja-JP" altLang="en-US"/>
+          </a:p>
+        </p:txBody>
+      </p:sp>
+    </p:spTree>
+    <p:extLst>
+      <p:ext uri="{BB962C8B-B14F-4D97-AF65-F5344CB8AC3E}">
+        <p14:creationId xmlns:p14="http://schemas.microsoft.com/office/powerpoint/2010/main" val="4048743618"/>
+      </p:ext>
+    </p:extLst>
+  </p:cSld>
+  <p:clrMapOvr>
+    <a:masterClrMapping/>
+  </p:clrMapOvr>
+</p:sldLayout>
+</file>
+
+<file path=ppt/slideLayouts/slideLayout23.xml><?xml version="1.0" encoding="utf-8"?>
+<p:sldLayout xmlns:a="http://schemas.openxmlformats.org/drawingml/2006/main" xmlns:r="http://schemas.openxmlformats.org/officeDocument/2006/relationships" xmlns:p="http://schemas.openxmlformats.org/presentationml/2006/main" type="objTx" preserve="1">
+  <p:cSld name="タイトル付きのコンテンツ">
+    <p:spTree>
+      <p:nvGrpSpPr>
+        <p:cNvPr id="1" name=""/>
+        <p:cNvGrpSpPr/>
+        <p:nvPr/>
+      </p:nvGrpSpPr>
+      <p:grpSpPr>
+        <a:xfrm>
+          <a:off x="0" y="0"/>
+          <a:ext cx="0" cy="0"/>
+          <a:chOff x="0" y="0"/>
+          <a:chExt cx="0" cy="0"/>
+        </a:xfrm>
+      </p:grpSpPr>
+      <p:sp>
+        <p:nvSpPr>
+          <p:cNvPr id="2" name="タイトル 1">
+            <a:extLst>
+              <a:ext uri="{FF2B5EF4-FFF2-40B4-BE49-F238E27FC236}">
+                <a16:creationId xmlns:a16="http://schemas.microsoft.com/office/drawing/2014/main" id="{1B6B8DD7-2E03-4C4C-BF40-D090AD0D9BCE}"/>
+              </a:ext>
+            </a:extLst>
+          </p:cNvPr>
+          <p:cNvSpPr>
+            <a:spLocks noGrp="1"/>
+          </p:cNvSpPr>
+          <p:nvPr>
+            <p:ph type="title"/>
+          </p:nvPr>
+        </p:nvSpPr>
+        <p:spPr>
+          <a:xfrm>
+            <a:off x="839788" y="457200"/>
+            <a:ext cx="3932237" cy="1600200"/>
+          </a:xfrm>
+        </p:spPr>
+        <p:txBody>
+          <a:bodyPr anchor="b"/>
+          <a:lstStyle>
+            <a:lvl1pPr>
+              <a:defRPr sz="3200"/>
+            </a:lvl1pPr>
+          </a:lstStyle>
+          <a:p>
+            <a:r>
+              <a:rPr kumimoji="1" lang="ja-JP" altLang="en-US"/>
+              <a:t>マスター タイトルの書式設定</a:t>
+            </a:r>
+          </a:p>
+        </p:txBody>
+      </p:sp>
+      <p:sp>
+        <p:nvSpPr>
+          <p:cNvPr id="3" name="コンテンツ プレースホルダー 2">
+            <a:extLst>
+              <a:ext uri="{FF2B5EF4-FFF2-40B4-BE49-F238E27FC236}">
+                <a16:creationId xmlns:a16="http://schemas.microsoft.com/office/drawing/2014/main" id="{4E90D7C0-0A7F-42A3-86F4-7EDDB40D8AC0}"/>
+              </a:ext>
+            </a:extLst>
+          </p:cNvPr>
+          <p:cNvSpPr>
+            <a:spLocks noGrp="1"/>
+          </p:cNvSpPr>
+          <p:nvPr>
+            <p:ph idx="1"/>
+          </p:nvPr>
+        </p:nvSpPr>
+        <p:spPr>
+          <a:xfrm>
+            <a:off x="5183188" y="987425"/>
+            <a:ext cx="6172200" cy="4873625"/>
+          </a:xfrm>
+        </p:spPr>
+        <p:txBody>
+          <a:bodyPr/>
+          <a:lstStyle>
+            <a:lvl1pPr>
+              <a:defRPr sz="3200"/>
+            </a:lvl1pPr>
+            <a:lvl2pPr>
+              <a:defRPr sz="2800"/>
+            </a:lvl2pPr>
+            <a:lvl3pPr>
+              <a:defRPr sz="2400"/>
+            </a:lvl3pPr>
+            <a:lvl4pPr>
+              <a:defRPr sz="2000"/>
+            </a:lvl4pPr>
+            <a:lvl5pPr>
+              <a:defRPr sz="2000"/>
+            </a:lvl5pPr>
+            <a:lvl6pPr>
+              <a:defRPr sz="2000"/>
+            </a:lvl6pPr>
+            <a:lvl7pPr>
+              <a:defRPr sz="2000"/>
+            </a:lvl7pPr>
+            <a:lvl8pPr>
+              <a:defRPr sz="2000"/>
+            </a:lvl8pPr>
+            <a:lvl9pPr>
+              <a:defRPr sz="2000"/>
+            </a:lvl9pPr>
+          </a:lstStyle>
+          <a:p>
+            <a:pPr lvl="0"/>
+            <a:r>
+              <a:rPr kumimoji="1" lang="ja-JP" altLang="en-US"/>
+              <a:t>マスター テキストの書式設定</a:t>
+            </a:r>
+          </a:p>
+          <a:p>
+            <a:pPr lvl="1"/>
+            <a:r>
+              <a:rPr kumimoji="1" lang="ja-JP" altLang="en-US"/>
+              <a:t>第 </a:t>
+            </a:r>
+            <a:r>
+              <a:rPr kumimoji="1" lang="en-US" altLang="ja-JP"/>
+              <a:t>2 </a:t>
+            </a:r>
+            <a:r>
+              <a:rPr kumimoji="1" lang="ja-JP" altLang="en-US"/>
+              <a:t>レベル</a:t>
+            </a:r>
+          </a:p>
+          <a:p>
+            <a:pPr lvl="2"/>
+            <a:r>
+              <a:rPr kumimoji="1" lang="ja-JP" altLang="en-US"/>
+              <a:t>第 </a:t>
+            </a:r>
+            <a:r>
+              <a:rPr kumimoji="1" lang="en-US" altLang="ja-JP"/>
+              <a:t>3 </a:t>
+            </a:r>
+            <a:r>
+              <a:rPr kumimoji="1" lang="ja-JP" altLang="en-US"/>
+              <a:t>レベル</a:t>
+            </a:r>
+          </a:p>
+          <a:p>
+            <a:pPr lvl="3"/>
+            <a:r>
+              <a:rPr kumimoji="1" lang="ja-JP" altLang="en-US"/>
+              <a:t>第 </a:t>
+            </a:r>
+            <a:r>
+              <a:rPr kumimoji="1" lang="en-US" altLang="ja-JP"/>
+              <a:t>4 </a:t>
+            </a:r>
+            <a:r>
+              <a:rPr kumimoji="1" lang="ja-JP" altLang="en-US"/>
+              <a:t>レベル</a:t>
+            </a:r>
+          </a:p>
+          <a:p>
+            <a:pPr lvl="4"/>
+            <a:r>
+              <a:rPr kumimoji="1" lang="ja-JP" altLang="en-US"/>
+              <a:t>第 </a:t>
+            </a:r>
+            <a:r>
+              <a:rPr kumimoji="1" lang="en-US" altLang="ja-JP"/>
+              <a:t>5 </a:t>
+            </a:r>
+            <a:r>
+              <a:rPr kumimoji="1" lang="ja-JP" altLang="en-US"/>
+              <a:t>レベル</a:t>
+            </a:r>
+          </a:p>
+        </p:txBody>
+      </p:sp>
+      <p:sp>
+        <p:nvSpPr>
+          <p:cNvPr id="4" name="テキスト プレースホルダー 3">
+            <a:extLst>
+              <a:ext uri="{FF2B5EF4-FFF2-40B4-BE49-F238E27FC236}">
+                <a16:creationId xmlns:a16="http://schemas.microsoft.com/office/drawing/2014/main" id="{00D1121C-70DD-43A3-A9C1-FFD3020D7FA8}"/>
+              </a:ext>
+            </a:extLst>
+          </p:cNvPr>
+          <p:cNvSpPr>
+            <a:spLocks noGrp="1"/>
+          </p:cNvSpPr>
+          <p:nvPr>
+            <p:ph type="body" sz="half" idx="2"/>
+          </p:nvPr>
+        </p:nvSpPr>
+        <p:spPr>
+          <a:xfrm>
+            <a:off x="839788" y="2057400"/>
+            <a:ext cx="3932237" cy="3811588"/>
+          </a:xfrm>
+        </p:spPr>
+        <p:txBody>
+          <a:bodyPr/>
+          <a:lstStyle>
+            <a:lvl1pPr marL="0" indent="0">
+              <a:buNone/>
+              <a:defRPr sz="1600"/>
+            </a:lvl1pPr>
+            <a:lvl2pPr marL="457200" indent="0">
+              <a:buNone/>
+              <a:defRPr sz="1400"/>
+            </a:lvl2pPr>
+            <a:lvl3pPr marL="914400" indent="0">
+              <a:buNone/>
+              <a:defRPr sz="1200"/>
+            </a:lvl3pPr>
+            <a:lvl4pPr marL="1371600" indent="0">
+              <a:buNone/>
+              <a:defRPr sz="1000"/>
+            </a:lvl4pPr>
+            <a:lvl5pPr marL="1828800" indent="0">
+              <a:buNone/>
+              <a:defRPr sz="1000"/>
+            </a:lvl5pPr>
+            <a:lvl6pPr marL="2286000" indent="0">
+              <a:buNone/>
+              <a:defRPr sz="1000"/>
+            </a:lvl6pPr>
+            <a:lvl7pPr marL="2743200" indent="0">
+              <a:buNone/>
+              <a:defRPr sz="1000"/>
+            </a:lvl7pPr>
+            <a:lvl8pPr marL="3200400" indent="0">
+              <a:buNone/>
+              <a:defRPr sz="1000"/>
+            </a:lvl8pPr>
+            <a:lvl9pPr marL="3657600" indent="0">
+              <a:buNone/>
+              <a:defRPr sz="1000"/>
+            </a:lvl9pPr>
+          </a:lstStyle>
+          <a:p>
+            <a:pPr lvl="0"/>
+            <a:r>
+              <a:rPr kumimoji="1" lang="ja-JP" altLang="en-US"/>
+              <a:t>マスター テキストの書式設定</a:t>
+            </a:r>
+          </a:p>
+        </p:txBody>
+      </p:sp>
+      <p:sp>
+        <p:nvSpPr>
+          <p:cNvPr id="5" name="日付プレースホルダー 4">
+            <a:extLst>
+              <a:ext uri="{FF2B5EF4-FFF2-40B4-BE49-F238E27FC236}">
+                <a16:creationId xmlns:a16="http://schemas.microsoft.com/office/drawing/2014/main" id="{248448F0-F41B-454F-9931-42DC3F85FF72}"/>
+              </a:ext>
+            </a:extLst>
+          </p:cNvPr>
+          <p:cNvSpPr>
+            <a:spLocks noGrp="1"/>
+          </p:cNvSpPr>
+          <p:nvPr>
+            <p:ph type="dt" sz="half" idx="10"/>
+          </p:nvPr>
+        </p:nvSpPr>
+        <p:spPr/>
+        <p:txBody>
+          <a:bodyPr/>
+          <a:lstStyle/>
+          <a:p>
+            <a:fld id="{F068AB85-2ACE-4F70-9090-AAB334D4C59F}" type="datetimeFigureOut">
+              <a:rPr kumimoji="1" lang="ja-JP" altLang="en-US" smtClean="0"/>
+              <a:t>2018/10/17</a:t>
+            </a:fld>
+            <a:endParaRPr kumimoji="1" lang="ja-JP" altLang="en-US"/>
+          </a:p>
+        </p:txBody>
+      </p:sp>
+      <p:sp>
+        <p:nvSpPr>
+          <p:cNvPr id="6" name="フッター プレースホルダー 5">
+            <a:extLst>
+              <a:ext uri="{FF2B5EF4-FFF2-40B4-BE49-F238E27FC236}">
+                <a16:creationId xmlns:a16="http://schemas.microsoft.com/office/drawing/2014/main" id="{E5B49FC9-7348-4C82-8B5F-5D5927EA6BF1}"/>
+              </a:ext>
+            </a:extLst>
+          </p:cNvPr>
+          <p:cNvSpPr>
+            <a:spLocks noGrp="1"/>
+          </p:cNvSpPr>
+          <p:nvPr>
+            <p:ph type="ftr" sz="quarter" idx="11"/>
+          </p:nvPr>
+        </p:nvSpPr>
+        <p:spPr/>
+        <p:txBody>
+          <a:bodyPr/>
+          <a:lstStyle/>
+          <a:p>
+            <a:endParaRPr kumimoji="1" lang="ja-JP" altLang="en-US"/>
+          </a:p>
+        </p:txBody>
+      </p:sp>
+      <p:sp>
+        <p:nvSpPr>
+          <p:cNvPr id="7" name="スライド番号プレースホルダー 6">
+            <a:extLst>
+              <a:ext uri="{FF2B5EF4-FFF2-40B4-BE49-F238E27FC236}">
+                <a16:creationId xmlns:a16="http://schemas.microsoft.com/office/drawing/2014/main" id="{B6ED94DA-4E98-4E3B-A3F0-E9185931AFEF}"/>
+              </a:ext>
+            </a:extLst>
+          </p:cNvPr>
+          <p:cNvSpPr>
+            <a:spLocks noGrp="1"/>
+          </p:cNvSpPr>
+          <p:nvPr>
+            <p:ph type="sldNum" sz="quarter" idx="12"/>
+          </p:nvPr>
+        </p:nvSpPr>
+        <p:spPr/>
+        <p:txBody>
+          <a:bodyPr/>
+          <a:lstStyle/>
+          <a:p>
+            <a:fld id="{DA468D76-7739-4A87-9317-486A80F5ABFC}" type="slidenum">
+              <a:rPr kumimoji="1" lang="ja-JP" altLang="en-US" smtClean="0"/>
+              <a:t>‹#›</a:t>
+            </a:fld>
+            <a:endParaRPr kumimoji="1" lang="ja-JP" altLang="en-US"/>
+          </a:p>
+        </p:txBody>
+      </p:sp>
+    </p:spTree>
+    <p:extLst>
+      <p:ext uri="{BB962C8B-B14F-4D97-AF65-F5344CB8AC3E}">
+        <p14:creationId xmlns:p14="http://schemas.microsoft.com/office/powerpoint/2010/main" val="1669580711"/>
+      </p:ext>
+    </p:extLst>
+  </p:cSld>
+  <p:clrMapOvr>
+    <a:masterClrMapping/>
+  </p:clrMapOvr>
+</p:sldLayout>
+</file>
+
+<file path=ppt/slideLayouts/slideLayout24.xml><?xml version="1.0" encoding="utf-8"?>
+<p:sldLayout xmlns:a="http://schemas.openxmlformats.org/drawingml/2006/main" xmlns:r="http://schemas.openxmlformats.org/officeDocument/2006/relationships" xmlns:p="http://schemas.openxmlformats.org/presentationml/2006/main" type="picTx" preserve="1">
+  <p:cSld name="タイトル付きの図">
+    <p:spTree>
+      <p:nvGrpSpPr>
+        <p:cNvPr id="1" name=""/>
+        <p:cNvGrpSpPr/>
+        <p:nvPr/>
+      </p:nvGrpSpPr>
+      <p:grpSpPr>
+        <a:xfrm>
+          <a:off x="0" y="0"/>
+          <a:ext cx="0" cy="0"/>
+          <a:chOff x="0" y="0"/>
+          <a:chExt cx="0" cy="0"/>
+        </a:xfrm>
+      </p:grpSpPr>
+      <p:sp>
+        <p:nvSpPr>
+          <p:cNvPr id="2" name="タイトル 1">
+            <a:extLst>
+              <a:ext uri="{FF2B5EF4-FFF2-40B4-BE49-F238E27FC236}">
+                <a16:creationId xmlns:a16="http://schemas.microsoft.com/office/drawing/2014/main" id="{93EB546B-2DD7-4033-9927-380CB072EC01}"/>
+              </a:ext>
+            </a:extLst>
+          </p:cNvPr>
+          <p:cNvSpPr>
+            <a:spLocks noGrp="1"/>
+          </p:cNvSpPr>
+          <p:nvPr>
+            <p:ph type="title"/>
+          </p:nvPr>
+        </p:nvSpPr>
+        <p:spPr>
+          <a:xfrm>
+            <a:off x="839788" y="457200"/>
+            <a:ext cx="3932237" cy="1600200"/>
+          </a:xfrm>
+        </p:spPr>
+        <p:txBody>
+          <a:bodyPr anchor="b"/>
+          <a:lstStyle>
+            <a:lvl1pPr>
+              <a:defRPr sz="3200"/>
+            </a:lvl1pPr>
+          </a:lstStyle>
+          <a:p>
+            <a:r>
+              <a:rPr kumimoji="1" lang="ja-JP" altLang="en-US"/>
+              <a:t>マスター タイトルの書式設定</a:t>
+            </a:r>
+          </a:p>
+        </p:txBody>
+      </p:sp>
+      <p:sp>
+        <p:nvSpPr>
+          <p:cNvPr id="3" name="図プレースホルダー 2">
+            <a:extLst>
+              <a:ext uri="{FF2B5EF4-FFF2-40B4-BE49-F238E27FC236}">
+                <a16:creationId xmlns:a16="http://schemas.microsoft.com/office/drawing/2014/main" id="{F61B6617-9E23-4F80-827C-A212A92D2CA0}"/>
+              </a:ext>
+            </a:extLst>
+          </p:cNvPr>
+          <p:cNvSpPr>
+            <a:spLocks noGrp="1"/>
+          </p:cNvSpPr>
+          <p:nvPr>
+            <p:ph type="pic" idx="1"/>
+          </p:nvPr>
+        </p:nvSpPr>
+        <p:spPr>
+          <a:xfrm>
+            <a:off x="5183188" y="987425"/>
+            <a:ext cx="6172200" cy="4873625"/>
+          </a:xfrm>
+        </p:spPr>
+        <p:txBody>
+          <a:bodyPr/>
+          <a:lstStyle>
+            <a:lvl1pPr marL="0" indent="0">
+              <a:buNone/>
+              <a:defRPr sz="3200"/>
+            </a:lvl1pPr>
+            <a:lvl2pPr marL="457200" indent="0">
+              <a:buNone/>
+              <a:defRPr sz="2800"/>
+            </a:lvl2pPr>
+            <a:lvl3pPr marL="914400" indent="0">
+              <a:buNone/>
+              <a:defRPr sz="2400"/>
+            </a:lvl3pPr>
+            <a:lvl4pPr marL="1371600" indent="0">
+              <a:buNone/>
+              <a:defRPr sz="2000"/>
+            </a:lvl4pPr>
+            <a:lvl5pPr marL="1828800" indent="0">
+              <a:buNone/>
+              <a:defRPr sz="2000"/>
+            </a:lvl5pPr>
+            <a:lvl6pPr marL="2286000" indent="0">
+              <a:buNone/>
+              <a:defRPr sz="2000"/>
+            </a:lvl6pPr>
+            <a:lvl7pPr marL="2743200" indent="0">
+              <a:buNone/>
+              <a:defRPr sz="2000"/>
+            </a:lvl7pPr>
+            <a:lvl8pPr marL="3200400" indent="0">
+              <a:buNone/>
+              <a:defRPr sz="2000"/>
+            </a:lvl8pPr>
+            <a:lvl9pPr marL="3657600" indent="0">
+              <a:buNone/>
+              <a:defRPr sz="2000"/>
+            </a:lvl9pPr>
+          </a:lstStyle>
+          <a:p>
+            <a:endParaRPr kumimoji="1" lang="ja-JP" altLang="en-US"/>
+          </a:p>
+        </p:txBody>
+      </p:sp>
+      <p:sp>
+        <p:nvSpPr>
+          <p:cNvPr id="4" name="テキスト プレースホルダー 3">
+            <a:extLst>
+              <a:ext uri="{FF2B5EF4-FFF2-40B4-BE49-F238E27FC236}">
+                <a16:creationId xmlns:a16="http://schemas.microsoft.com/office/drawing/2014/main" id="{3B5D3565-2878-4153-B2A1-35F5A4E5F269}"/>
+              </a:ext>
+            </a:extLst>
+          </p:cNvPr>
+          <p:cNvSpPr>
+            <a:spLocks noGrp="1"/>
+          </p:cNvSpPr>
+          <p:nvPr>
+            <p:ph type="body" sz="half" idx="2"/>
+          </p:nvPr>
+        </p:nvSpPr>
+        <p:spPr>
+          <a:xfrm>
+            <a:off x="839788" y="2057400"/>
+            <a:ext cx="3932237" cy="3811588"/>
+          </a:xfrm>
+        </p:spPr>
+        <p:txBody>
+          <a:bodyPr/>
+          <a:lstStyle>
+            <a:lvl1pPr marL="0" indent="0">
+              <a:buNone/>
+              <a:defRPr sz="1600"/>
+            </a:lvl1pPr>
+            <a:lvl2pPr marL="457200" indent="0">
+              <a:buNone/>
+              <a:defRPr sz="1400"/>
+            </a:lvl2pPr>
+            <a:lvl3pPr marL="914400" indent="0">
+              <a:buNone/>
+              <a:defRPr sz="1200"/>
+            </a:lvl3pPr>
+            <a:lvl4pPr marL="1371600" indent="0">
+              <a:buNone/>
+              <a:defRPr sz="1000"/>
+            </a:lvl4pPr>
+            <a:lvl5pPr marL="1828800" indent="0">
+              <a:buNone/>
+              <a:defRPr sz="1000"/>
+            </a:lvl5pPr>
+            <a:lvl6pPr marL="2286000" indent="0">
+              <a:buNone/>
+              <a:defRPr sz="1000"/>
+            </a:lvl6pPr>
+            <a:lvl7pPr marL="2743200" indent="0">
+              <a:buNone/>
+              <a:defRPr sz="1000"/>
+            </a:lvl7pPr>
+            <a:lvl8pPr marL="3200400" indent="0">
+              <a:buNone/>
+              <a:defRPr sz="1000"/>
+            </a:lvl8pPr>
+            <a:lvl9pPr marL="3657600" indent="0">
+              <a:buNone/>
+              <a:defRPr sz="1000"/>
+            </a:lvl9pPr>
+          </a:lstStyle>
+          <a:p>
+            <a:pPr lvl="0"/>
+            <a:r>
+              <a:rPr kumimoji="1" lang="ja-JP" altLang="en-US"/>
+              <a:t>マスター テキストの書式設定</a:t>
+            </a:r>
+          </a:p>
+        </p:txBody>
+      </p:sp>
+      <p:sp>
+        <p:nvSpPr>
+          <p:cNvPr id="5" name="日付プレースホルダー 4">
+            <a:extLst>
+              <a:ext uri="{FF2B5EF4-FFF2-40B4-BE49-F238E27FC236}">
+                <a16:creationId xmlns:a16="http://schemas.microsoft.com/office/drawing/2014/main" id="{65C285B6-A465-4027-9AF9-06C6A39946A7}"/>
+              </a:ext>
+            </a:extLst>
+          </p:cNvPr>
+          <p:cNvSpPr>
+            <a:spLocks noGrp="1"/>
+          </p:cNvSpPr>
+          <p:nvPr>
+            <p:ph type="dt" sz="half" idx="10"/>
+          </p:nvPr>
+        </p:nvSpPr>
+        <p:spPr/>
+        <p:txBody>
+          <a:bodyPr/>
+          <a:lstStyle/>
+          <a:p>
+            <a:fld id="{F068AB85-2ACE-4F70-9090-AAB334D4C59F}" type="datetimeFigureOut">
+              <a:rPr kumimoji="1" lang="ja-JP" altLang="en-US" smtClean="0"/>
+              <a:t>2018/10/17</a:t>
+            </a:fld>
+            <a:endParaRPr kumimoji="1" lang="ja-JP" altLang="en-US"/>
+          </a:p>
+        </p:txBody>
+      </p:sp>
+      <p:sp>
+        <p:nvSpPr>
+          <p:cNvPr id="6" name="フッター プレースホルダー 5">
+            <a:extLst>
+              <a:ext uri="{FF2B5EF4-FFF2-40B4-BE49-F238E27FC236}">
+                <a16:creationId xmlns:a16="http://schemas.microsoft.com/office/drawing/2014/main" id="{149D7CE9-6BF1-4287-9B82-26C860ED83EB}"/>
+              </a:ext>
+            </a:extLst>
+          </p:cNvPr>
+          <p:cNvSpPr>
+            <a:spLocks noGrp="1"/>
+          </p:cNvSpPr>
+          <p:nvPr>
+            <p:ph type="ftr" sz="quarter" idx="11"/>
+          </p:nvPr>
+        </p:nvSpPr>
+        <p:spPr/>
+        <p:txBody>
+          <a:bodyPr/>
+          <a:lstStyle/>
+          <a:p>
+            <a:endParaRPr kumimoji="1" lang="ja-JP" altLang="en-US"/>
+          </a:p>
+        </p:txBody>
+      </p:sp>
+      <p:sp>
+        <p:nvSpPr>
+          <p:cNvPr id="7" name="スライド番号プレースホルダー 6">
+            <a:extLst>
+              <a:ext uri="{FF2B5EF4-FFF2-40B4-BE49-F238E27FC236}">
+                <a16:creationId xmlns:a16="http://schemas.microsoft.com/office/drawing/2014/main" id="{3C09E371-D076-47B3-9DDE-9BD3FCC852B4}"/>
+              </a:ext>
+            </a:extLst>
+          </p:cNvPr>
+          <p:cNvSpPr>
+            <a:spLocks noGrp="1"/>
+          </p:cNvSpPr>
+          <p:nvPr>
+            <p:ph type="sldNum" sz="quarter" idx="12"/>
+          </p:nvPr>
+        </p:nvSpPr>
+        <p:spPr/>
+        <p:txBody>
+          <a:bodyPr/>
+          <a:lstStyle/>
+          <a:p>
+            <a:fld id="{DA468D76-7739-4A87-9317-486A80F5ABFC}" type="slidenum">
+              <a:rPr kumimoji="1" lang="ja-JP" altLang="en-US" smtClean="0"/>
+              <a:t>‹#›</a:t>
+            </a:fld>
+            <a:endParaRPr kumimoji="1" lang="ja-JP" altLang="en-US"/>
+          </a:p>
+        </p:txBody>
+      </p:sp>
+    </p:spTree>
+    <p:extLst>
+      <p:ext uri="{BB962C8B-B14F-4D97-AF65-F5344CB8AC3E}">
+        <p14:creationId xmlns:p14="http://schemas.microsoft.com/office/powerpoint/2010/main" val="3535805815"/>
+      </p:ext>
+    </p:extLst>
+  </p:cSld>
+  <p:clrMapOvr>
+    <a:masterClrMapping/>
+  </p:clrMapOvr>
+</p:sldLayout>
+</file>
+
+<file path=ppt/slideLayouts/slideLayout25.xml><?xml version="1.0" encoding="utf-8"?>
+<p:sldLayout xmlns:a="http://schemas.openxmlformats.org/drawingml/2006/main" xmlns:r="http://schemas.openxmlformats.org/officeDocument/2006/relationships" xmlns:p="http://schemas.openxmlformats.org/presentationml/2006/main" type="vertTx" preserve="1">
+  <p:cSld name="タイトルと縦書きテキスト">
+    <p:spTree>
+      <p:nvGrpSpPr>
+        <p:cNvPr id="1" name=""/>
+        <p:cNvGrpSpPr/>
+        <p:nvPr/>
+      </p:nvGrpSpPr>
+      <p:grpSpPr>
+        <a:xfrm>
+          <a:off x="0" y="0"/>
+          <a:ext cx="0" cy="0"/>
+          <a:chOff x="0" y="0"/>
+          <a:chExt cx="0" cy="0"/>
+        </a:xfrm>
+      </p:grpSpPr>
+      <p:sp>
+        <p:nvSpPr>
+          <p:cNvPr id="2" name="タイトル 1">
+            <a:extLst>
+              <a:ext uri="{FF2B5EF4-FFF2-40B4-BE49-F238E27FC236}">
+                <a16:creationId xmlns:a16="http://schemas.microsoft.com/office/drawing/2014/main" id="{A3553A08-AFC3-4EE9-BB0B-8B13D1B8FEA4}"/>
+              </a:ext>
+            </a:extLst>
+          </p:cNvPr>
+          <p:cNvSpPr>
+            <a:spLocks noGrp="1"/>
+          </p:cNvSpPr>
+          <p:nvPr>
+            <p:ph type="title"/>
+          </p:nvPr>
+        </p:nvSpPr>
+        <p:spPr/>
+        <p:txBody>
+          <a:bodyPr/>
+          <a:lstStyle/>
+          <a:p>
+            <a:r>
+              <a:rPr kumimoji="1" lang="ja-JP" altLang="en-US"/>
+              <a:t>マスター タイトルの書式設定</a:t>
+            </a:r>
+          </a:p>
+        </p:txBody>
+      </p:sp>
+      <p:sp>
+        <p:nvSpPr>
+          <p:cNvPr id="3" name="縦書きテキスト プレースホルダー 2">
+            <a:extLst>
+              <a:ext uri="{FF2B5EF4-FFF2-40B4-BE49-F238E27FC236}">
+                <a16:creationId xmlns:a16="http://schemas.microsoft.com/office/drawing/2014/main" id="{26E64C48-355B-4595-BFDC-9EF97174DAD6}"/>
+              </a:ext>
+            </a:extLst>
+          </p:cNvPr>
+          <p:cNvSpPr>
+            <a:spLocks noGrp="1"/>
+          </p:cNvSpPr>
+          <p:nvPr>
+            <p:ph type="body" orient="vert" idx="1"/>
+          </p:nvPr>
+        </p:nvSpPr>
+        <p:spPr/>
+        <p:txBody>
+          <a:bodyPr vert="eaVert"/>
+          <a:lstStyle/>
+          <a:p>
+            <a:pPr lvl="0"/>
+            <a:r>
+              <a:rPr kumimoji="1" lang="ja-JP" altLang="en-US"/>
+              <a:t>マスター テキストの書式設定</a:t>
+            </a:r>
+          </a:p>
+          <a:p>
+            <a:pPr lvl="1"/>
+            <a:r>
+              <a:rPr kumimoji="1" lang="ja-JP" altLang="en-US"/>
+              <a:t>第 </a:t>
+            </a:r>
+            <a:r>
+              <a:rPr kumimoji="1" lang="en-US" altLang="ja-JP"/>
+              <a:t>2 </a:t>
+            </a:r>
+            <a:r>
+              <a:rPr kumimoji="1" lang="ja-JP" altLang="en-US"/>
+              <a:t>レベル</a:t>
+            </a:r>
+          </a:p>
+          <a:p>
+            <a:pPr lvl="2"/>
+            <a:r>
+              <a:rPr kumimoji="1" lang="ja-JP" altLang="en-US"/>
+              <a:t>第 </a:t>
+            </a:r>
+            <a:r>
+              <a:rPr kumimoji="1" lang="en-US" altLang="ja-JP"/>
+              <a:t>3 </a:t>
+            </a:r>
+            <a:r>
+              <a:rPr kumimoji="1" lang="ja-JP" altLang="en-US"/>
+              <a:t>レベル</a:t>
+            </a:r>
+          </a:p>
+          <a:p>
+            <a:pPr lvl="3"/>
+            <a:r>
+              <a:rPr kumimoji="1" lang="ja-JP" altLang="en-US"/>
+              <a:t>第 </a:t>
+            </a:r>
+            <a:r>
+              <a:rPr kumimoji="1" lang="en-US" altLang="ja-JP"/>
+              <a:t>4 </a:t>
+            </a:r>
+            <a:r>
+              <a:rPr kumimoji="1" lang="ja-JP" altLang="en-US"/>
+              <a:t>レベル</a:t>
+            </a:r>
+          </a:p>
+          <a:p>
+            <a:pPr lvl="4"/>
+            <a:r>
+              <a:rPr kumimoji="1" lang="ja-JP" altLang="en-US"/>
+              <a:t>第 </a:t>
+            </a:r>
+            <a:r>
+              <a:rPr kumimoji="1" lang="en-US" altLang="ja-JP"/>
+              <a:t>5 </a:t>
+            </a:r>
+            <a:r>
+              <a:rPr kumimoji="1" lang="ja-JP" altLang="en-US"/>
+              <a:t>レベル</a:t>
+            </a:r>
+          </a:p>
+        </p:txBody>
+      </p:sp>
+      <p:sp>
+        <p:nvSpPr>
+          <p:cNvPr id="4" name="日付プレースホルダー 3">
+            <a:extLst>
+              <a:ext uri="{FF2B5EF4-FFF2-40B4-BE49-F238E27FC236}">
+                <a16:creationId xmlns:a16="http://schemas.microsoft.com/office/drawing/2014/main" id="{995F55AA-E11E-43ED-BD29-DE504256F941}"/>
+              </a:ext>
+            </a:extLst>
+          </p:cNvPr>
+          <p:cNvSpPr>
+            <a:spLocks noGrp="1"/>
+          </p:cNvSpPr>
+          <p:nvPr>
+            <p:ph type="dt" sz="half" idx="10"/>
+          </p:nvPr>
+        </p:nvSpPr>
+        <p:spPr/>
+        <p:txBody>
+          <a:bodyPr/>
+          <a:lstStyle/>
+          <a:p>
+            <a:fld id="{F068AB85-2ACE-4F70-9090-AAB334D4C59F}" type="datetimeFigureOut">
+              <a:rPr kumimoji="1" lang="ja-JP" altLang="en-US" smtClean="0"/>
+              <a:t>2018/10/17</a:t>
+            </a:fld>
+            <a:endParaRPr kumimoji="1" lang="ja-JP" altLang="en-US"/>
+          </a:p>
+        </p:txBody>
+      </p:sp>
+      <p:sp>
+        <p:nvSpPr>
+          <p:cNvPr id="5" name="フッター プレースホルダー 4">
+            <a:extLst>
+              <a:ext uri="{FF2B5EF4-FFF2-40B4-BE49-F238E27FC236}">
+                <a16:creationId xmlns:a16="http://schemas.microsoft.com/office/drawing/2014/main" id="{1B3FD014-2851-4CBF-9790-7D6AE4C1BE63}"/>
+              </a:ext>
+            </a:extLst>
+          </p:cNvPr>
+          <p:cNvSpPr>
+            <a:spLocks noGrp="1"/>
+          </p:cNvSpPr>
+          <p:nvPr>
+            <p:ph type="ftr" sz="quarter" idx="11"/>
+          </p:nvPr>
+        </p:nvSpPr>
+        <p:spPr/>
+        <p:txBody>
+          <a:bodyPr/>
+          <a:lstStyle/>
+          <a:p>
+            <a:endParaRPr kumimoji="1" lang="ja-JP" altLang="en-US"/>
+          </a:p>
+        </p:txBody>
+      </p:sp>
+      <p:sp>
+        <p:nvSpPr>
+          <p:cNvPr id="6" name="スライド番号プレースホルダー 5">
+            <a:extLst>
+              <a:ext uri="{FF2B5EF4-FFF2-40B4-BE49-F238E27FC236}">
+                <a16:creationId xmlns:a16="http://schemas.microsoft.com/office/drawing/2014/main" id="{6B24DD28-73BC-4F54-8CC0-6A02C3225930}"/>
+              </a:ext>
+            </a:extLst>
+          </p:cNvPr>
+          <p:cNvSpPr>
+            <a:spLocks noGrp="1"/>
+          </p:cNvSpPr>
+          <p:nvPr>
+            <p:ph type="sldNum" sz="quarter" idx="12"/>
+          </p:nvPr>
+        </p:nvSpPr>
+        <p:spPr/>
+        <p:txBody>
+          <a:bodyPr/>
+          <a:lstStyle/>
+          <a:p>
+            <a:fld id="{DA468D76-7739-4A87-9317-486A80F5ABFC}" type="slidenum">
+              <a:rPr kumimoji="1" lang="ja-JP" altLang="en-US" smtClean="0"/>
+              <a:t>‹#›</a:t>
+            </a:fld>
+            <a:endParaRPr kumimoji="1" lang="ja-JP" altLang="en-US"/>
+          </a:p>
+        </p:txBody>
+      </p:sp>
+    </p:spTree>
+    <p:extLst>
+      <p:ext uri="{BB962C8B-B14F-4D97-AF65-F5344CB8AC3E}">
+        <p14:creationId xmlns:p14="http://schemas.microsoft.com/office/powerpoint/2010/main" val="3212903799"/>
+      </p:ext>
+    </p:extLst>
+  </p:cSld>
+  <p:clrMapOvr>
+    <a:masterClrMapping/>
+  </p:clrMapOvr>
+</p:sldLayout>
+</file>
+
+<file path=ppt/slideLayouts/slideLayout26.xml><?xml version="1.0" encoding="utf-8"?>
+<p:sldLayout xmlns:a="http://schemas.openxmlformats.org/drawingml/2006/main" xmlns:r="http://schemas.openxmlformats.org/officeDocument/2006/relationships" xmlns:p="http://schemas.openxmlformats.org/presentationml/2006/main" type="vertTitleAndTx" preserve="1">
+  <p:cSld name="縦書きタイトルと&#10;縦書きテキスト">
+    <p:spTree>
+      <p:nvGrpSpPr>
+        <p:cNvPr id="1" name=""/>
+        <p:cNvGrpSpPr/>
+        <p:nvPr/>
+      </p:nvGrpSpPr>
+      <p:grpSpPr>
+        <a:xfrm>
+          <a:off x="0" y="0"/>
+          <a:ext cx="0" cy="0"/>
+          <a:chOff x="0" y="0"/>
+          <a:chExt cx="0" cy="0"/>
+        </a:xfrm>
+      </p:grpSpPr>
+      <p:sp>
+        <p:nvSpPr>
+          <p:cNvPr id="2" name="縦書きタイトル 1">
+            <a:extLst>
+              <a:ext uri="{FF2B5EF4-FFF2-40B4-BE49-F238E27FC236}">
+                <a16:creationId xmlns:a16="http://schemas.microsoft.com/office/drawing/2014/main" id="{8A5E4F4B-C45A-4F61-B8EB-C53EAC6B6F2A}"/>
+              </a:ext>
+            </a:extLst>
+          </p:cNvPr>
+          <p:cNvSpPr>
+            <a:spLocks noGrp="1"/>
+          </p:cNvSpPr>
+          <p:nvPr>
+            <p:ph type="title" orient="vert"/>
+          </p:nvPr>
+        </p:nvSpPr>
+        <p:spPr>
+          <a:xfrm>
+            <a:off x="8724900" y="365125"/>
+            <a:ext cx="2628900" cy="5811838"/>
+          </a:xfrm>
+        </p:spPr>
+        <p:txBody>
+          <a:bodyPr vert="eaVert"/>
+          <a:lstStyle/>
+          <a:p>
+            <a:r>
+              <a:rPr kumimoji="1" lang="ja-JP" altLang="en-US"/>
+              <a:t>マスター タイトルの書式設定</a:t>
+            </a:r>
+          </a:p>
+        </p:txBody>
+      </p:sp>
+      <p:sp>
+        <p:nvSpPr>
+          <p:cNvPr id="3" name="縦書きテキスト プレースホルダー 2">
+            <a:extLst>
+              <a:ext uri="{FF2B5EF4-FFF2-40B4-BE49-F238E27FC236}">
+                <a16:creationId xmlns:a16="http://schemas.microsoft.com/office/drawing/2014/main" id="{DD705947-D7B5-4614-B59B-867BD99B2DA8}"/>
+              </a:ext>
+            </a:extLst>
+          </p:cNvPr>
+          <p:cNvSpPr>
+            <a:spLocks noGrp="1"/>
+          </p:cNvSpPr>
+          <p:nvPr>
+            <p:ph type="body" orient="vert" idx="1"/>
+          </p:nvPr>
+        </p:nvSpPr>
+        <p:spPr>
+          <a:xfrm>
+            <a:off x="838200" y="365125"/>
+            <a:ext cx="7734300" cy="5811838"/>
+          </a:xfrm>
+        </p:spPr>
+        <p:txBody>
+          <a:bodyPr vert="eaVert"/>
+          <a:lstStyle/>
+          <a:p>
+            <a:pPr lvl="0"/>
+            <a:r>
+              <a:rPr kumimoji="1" lang="ja-JP" altLang="en-US"/>
+              <a:t>マスター テキストの書式設定</a:t>
+            </a:r>
+          </a:p>
+          <a:p>
+            <a:pPr lvl="1"/>
+            <a:r>
+              <a:rPr kumimoji="1" lang="ja-JP" altLang="en-US"/>
+              <a:t>第 </a:t>
+            </a:r>
+            <a:r>
+              <a:rPr kumimoji="1" lang="en-US" altLang="ja-JP"/>
+              <a:t>2 </a:t>
+            </a:r>
+            <a:r>
+              <a:rPr kumimoji="1" lang="ja-JP" altLang="en-US"/>
+              <a:t>レベル</a:t>
+            </a:r>
+          </a:p>
+          <a:p>
+            <a:pPr lvl="2"/>
+            <a:r>
+              <a:rPr kumimoji="1" lang="ja-JP" altLang="en-US"/>
+              <a:t>第 </a:t>
+            </a:r>
+            <a:r>
+              <a:rPr kumimoji="1" lang="en-US" altLang="ja-JP"/>
+              <a:t>3 </a:t>
+            </a:r>
+            <a:r>
+              <a:rPr kumimoji="1" lang="ja-JP" altLang="en-US"/>
+              <a:t>レベル</a:t>
+            </a:r>
+          </a:p>
+          <a:p>
+            <a:pPr lvl="3"/>
+            <a:r>
+              <a:rPr kumimoji="1" lang="ja-JP" altLang="en-US"/>
+              <a:t>第 </a:t>
+            </a:r>
+            <a:r>
+              <a:rPr kumimoji="1" lang="en-US" altLang="ja-JP"/>
+              <a:t>4 </a:t>
+            </a:r>
+            <a:r>
+              <a:rPr kumimoji="1" lang="ja-JP" altLang="en-US"/>
+              <a:t>レベル</a:t>
+            </a:r>
+          </a:p>
+          <a:p>
+            <a:pPr lvl="4"/>
+            <a:r>
+              <a:rPr kumimoji="1" lang="ja-JP" altLang="en-US"/>
+              <a:t>第 </a:t>
+            </a:r>
+            <a:r>
+              <a:rPr kumimoji="1" lang="en-US" altLang="ja-JP"/>
+              <a:t>5 </a:t>
+            </a:r>
+            <a:r>
+              <a:rPr kumimoji="1" lang="ja-JP" altLang="en-US"/>
+              <a:t>レベル</a:t>
+            </a:r>
+          </a:p>
+        </p:txBody>
+      </p:sp>
+      <p:sp>
+        <p:nvSpPr>
+          <p:cNvPr id="4" name="日付プレースホルダー 3">
+            <a:extLst>
+              <a:ext uri="{FF2B5EF4-FFF2-40B4-BE49-F238E27FC236}">
+                <a16:creationId xmlns:a16="http://schemas.microsoft.com/office/drawing/2014/main" id="{355E4D1C-D72E-4372-92F7-C1846B0CA539}"/>
+              </a:ext>
+            </a:extLst>
+          </p:cNvPr>
+          <p:cNvSpPr>
+            <a:spLocks noGrp="1"/>
+          </p:cNvSpPr>
+          <p:nvPr>
+            <p:ph type="dt" sz="half" idx="10"/>
+          </p:nvPr>
+        </p:nvSpPr>
+        <p:spPr/>
+        <p:txBody>
+          <a:bodyPr/>
+          <a:lstStyle/>
+          <a:p>
+            <a:fld id="{F068AB85-2ACE-4F70-9090-AAB334D4C59F}" type="datetimeFigureOut">
+              <a:rPr kumimoji="1" lang="ja-JP" altLang="en-US" smtClean="0"/>
+              <a:t>2018/10/17</a:t>
+            </a:fld>
+            <a:endParaRPr kumimoji="1" lang="ja-JP" altLang="en-US"/>
+          </a:p>
+        </p:txBody>
+      </p:sp>
+      <p:sp>
+        <p:nvSpPr>
+          <p:cNvPr id="5" name="フッター プレースホルダー 4">
+            <a:extLst>
+              <a:ext uri="{FF2B5EF4-FFF2-40B4-BE49-F238E27FC236}">
+                <a16:creationId xmlns:a16="http://schemas.microsoft.com/office/drawing/2014/main" id="{9195ECF8-7AF5-4BDA-8B77-D418C365439F}"/>
+              </a:ext>
+            </a:extLst>
+          </p:cNvPr>
+          <p:cNvSpPr>
+            <a:spLocks noGrp="1"/>
+          </p:cNvSpPr>
+          <p:nvPr>
+            <p:ph type="ftr" sz="quarter" idx="11"/>
+          </p:nvPr>
+        </p:nvSpPr>
+        <p:spPr/>
+        <p:txBody>
+          <a:bodyPr/>
+          <a:lstStyle/>
+          <a:p>
+            <a:endParaRPr kumimoji="1" lang="ja-JP" altLang="en-US"/>
+          </a:p>
+        </p:txBody>
+      </p:sp>
+      <p:sp>
+        <p:nvSpPr>
+          <p:cNvPr id="6" name="スライド番号プレースホルダー 5">
+            <a:extLst>
+              <a:ext uri="{FF2B5EF4-FFF2-40B4-BE49-F238E27FC236}">
+                <a16:creationId xmlns:a16="http://schemas.microsoft.com/office/drawing/2014/main" id="{514D1AD7-771B-41F9-92EE-5AACACF9E2E8}"/>
+              </a:ext>
+            </a:extLst>
+          </p:cNvPr>
+          <p:cNvSpPr>
+            <a:spLocks noGrp="1"/>
+          </p:cNvSpPr>
+          <p:nvPr>
+            <p:ph type="sldNum" sz="quarter" idx="12"/>
+          </p:nvPr>
+        </p:nvSpPr>
+        <p:spPr/>
+        <p:txBody>
+          <a:bodyPr/>
+          <a:lstStyle/>
+          <a:p>
+            <a:fld id="{DA468D76-7739-4A87-9317-486A80F5ABFC}" type="slidenum">
+              <a:rPr kumimoji="1" lang="ja-JP" altLang="en-US" smtClean="0"/>
+              <a:t>‹#›</a:t>
+            </a:fld>
+            <a:endParaRPr kumimoji="1" lang="ja-JP" altLang="en-US"/>
+          </a:p>
+        </p:txBody>
+      </p:sp>
+    </p:spTree>
+    <p:extLst>
+      <p:ext uri="{BB962C8B-B14F-4D97-AF65-F5344CB8AC3E}">
+        <p14:creationId xmlns:p14="http://schemas.microsoft.com/office/powerpoint/2010/main" val="1442613526"/>
       </p:ext>
     </p:extLst>
   </p:cSld>
@@ -2434,7 +5322,7 @@
           <a:p>
             <a:fld id="{9AD472B9-0DC0-43A3-A586-259C5CCCC7B7}" type="datetime1">
               <a:rPr kumimoji="1" lang="ja-JP" altLang="en-US" smtClean="0"/>
-              <a:t>2018/10/3</a:t>
+              <a:t>2018/10/17</a:t>
             </a:fld>
             <a:endParaRPr kumimoji="1" lang="ja-JP" altLang="en-US"/>
           </a:p>
@@ -2789,7 +5677,7 @@
           <a:p>
             <a:fld id="{FCE8AD0A-FF56-440C-8866-2DBB85638F26}" type="datetime1">
               <a:rPr kumimoji="1" lang="ja-JP" altLang="en-US" smtClean="0"/>
-              <a:t>2018/10/3</a:t>
+              <a:t>2018/10/17</a:t>
             </a:fld>
             <a:endParaRPr kumimoji="1" lang="ja-JP" altLang="en-US"/>
           </a:p>
@@ -3280,7 +6168,7 @@
           <a:p>
             <a:fld id="{B98F01A6-9B05-4412-9B66-4612911364EA}" type="datetime1">
               <a:rPr kumimoji="1" lang="ja-JP" altLang="en-US" smtClean="0"/>
-              <a:t>2018/10/3</a:t>
+              <a:t>2018/10/17</a:t>
             </a:fld>
             <a:endParaRPr kumimoji="1" lang="ja-JP" altLang="en-US"/>
           </a:p>
@@ -3402,7 +6290,7 @@
           <a:p>
             <a:fld id="{930E7C22-1549-405D-A0B3-B16D97AD5E99}" type="datetime1">
               <a:rPr kumimoji="1" lang="ja-JP" altLang="en-US" smtClean="0"/>
-              <a:t>2018/10/3</a:t>
+              <a:t>2018/10/17</a:t>
             </a:fld>
             <a:endParaRPr kumimoji="1" lang="ja-JP" altLang="en-US"/>
           </a:p>
@@ -3501,7 +6389,7 @@
           <a:p>
             <a:fld id="{C15DACC1-FFB1-4714-840C-A511AA693359}" type="datetime1">
               <a:rPr kumimoji="1" lang="ja-JP" altLang="en-US" smtClean="0"/>
-              <a:t>2018/10/3</a:t>
+              <a:t>2018/10/17</a:t>
             </a:fld>
             <a:endParaRPr kumimoji="1" lang="ja-JP" altLang="en-US"/>
           </a:p>
@@ -3814,7 +6702,7 @@
           <a:p>
             <a:fld id="{5F86D9A3-D474-427A-8BEC-4724A22B28E1}" type="datetime1">
               <a:rPr kumimoji="1" lang="ja-JP" altLang="en-US" smtClean="0"/>
-              <a:t>2018/10/3</a:t>
+              <a:t>2018/10/17</a:t>
             </a:fld>
             <a:endParaRPr kumimoji="1" lang="ja-JP" altLang="en-US"/>
           </a:p>
@@ -4075,7 +6963,7 @@
           <a:p>
             <a:fld id="{9DFBE405-2BEB-4CB5-9650-43A5C6CAEB09}" type="datetime1">
               <a:rPr kumimoji="1" lang="ja-JP" altLang="en-US" smtClean="0"/>
-              <a:t>2018/10/3</a:t>
+              <a:t>2018/10/17</a:t>
             </a:fld>
             <a:endParaRPr kumimoji="1" lang="ja-JP" altLang="en-US"/>
           </a:p>
@@ -4323,7 +7211,7 @@
           <a:p>
             <a:fld id="{AE379D9F-14C0-4FEA-A161-9952562F370E}" type="datetime1">
               <a:rPr kumimoji="1" lang="ja-JP" altLang="en-US" smtClean="0"/>
-              <a:t>2018/10/3</a:t>
+              <a:t>2018/10/17</a:t>
             </a:fld>
             <a:endParaRPr kumimoji="1" lang="ja-JP" altLang="en-US"/>
           </a:p>
@@ -5113,6 +8001,606 @@
 </p:sldMaster>
 </file>
 
+<file path=ppt/slideMasters/slideMaster3.xml><?xml version="1.0" encoding="utf-8"?>
+<p:sldMaster xmlns:a="http://schemas.openxmlformats.org/drawingml/2006/main" xmlns:r="http://schemas.openxmlformats.org/officeDocument/2006/relationships" xmlns:p="http://schemas.openxmlformats.org/presentationml/2006/main">
+  <p:cSld>
+    <p:bg>
+      <p:bgRef idx="1001">
+        <a:schemeClr val="bg1"/>
+      </p:bgRef>
+    </p:bg>
+    <p:spTree>
+      <p:nvGrpSpPr>
+        <p:cNvPr id="1" name=""/>
+        <p:cNvGrpSpPr/>
+        <p:nvPr/>
+      </p:nvGrpSpPr>
+      <p:grpSpPr>
+        <a:xfrm>
+          <a:off x="0" y="0"/>
+          <a:ext cx="0" cy="0"/>
+          <a:chOff x="0" y="0"/>
+          <a:chExt cx="0" cy="0"/>
+        </a:xfrm>
+      </p:grpSpPr>
+      <p:sp>
+        <p:nvSpPr>
+          <p:cNvPr id="2" name="タイトル プレースホルダー 1">
+            <a:extLst>
+              <a:ext uri="{FF2B5EF4-FFF2-40B4-BE49-F238E27FC236}">
+                <a16:creationId xmlns:a16="http://schemas.microsoft.com/office/drawing/2014/main" id="{BD6E97A5-8F31-4EDF-A76A-C64C4DD93333}"/>
+              </a:ext>
+            </a:extLst>
+          </p:cNvPr>
+          <p:cNvSpPr>
+            <a:spLocks noGrp="1"/>
+          </p:cNvSpPr>
+          <p:nvPr>
+            <p:ph type="title"/>
+          </p:nvPr>
+        </p:nvSpPr>
+        <p:spPr>
+          <a:xfrm>
+            <a:off x="838200" y="365125"/>
+            <a:ext cx="10515600" cy="1325563"/>
+          </a:xfrm>
+          <a:prstGeom prst="rect">
+            <a:avLst/>
+          </a:prstGeom>
+        </p:spPr>
+        <p:txBody>
+          <a:bodyPr vert="horz" lIns="91440" tIns="45720" rIns="91440" bIns="45720" rtlCol="0" anchor="ctr">
+            <a:normAutofit/>
+          </a:bodyPr>
+          <a:lstStyle/>
+          <a:p>
+            <a:r>
+              <a:rPr kumimoji="1" lang="ja-JP" altLang="en-US"/>
+              <a:t>マスター タイトルの書式設定</a:t>
+            </a:r>
+          </a:p>
+        </p:txBody>
+      </p:sp>
+      <p:sp>
+        <p:nvSpPr>
+          <p:cNvPr id="3" name="テキスト プレースホルダー 2">
+            <a:extLst>
+              <a:ext uri="{FF2B5EF4-FFF2-40B4-BE49-F238E27FC236}">
+                <a16:creationId xmlns:a16="http://schemas.microsoft.com/office/drawing/2014/main" id="{CFD9DD2D-764E-4F57-934C-ED8B02C0EA62}"/>
+              </a:ext>
+            </a:extLst>
+          </p:cNvPr>
+          <p:cNvSpPr>
+            <a:spLocks noGrp="1"/>
+          </p:cNvSpPr>
+          <p:nvPr>
+            <p:ph type="body" idx="1"/>
+          </p:nvPr>
+        </p:nvSpPr>
+        <p:spPr>
+          <a:xfrm>
+            <a:off x="838200" y="1825625"/>
+            <a:ext cx="10515600" cy="4351338"/>
+          </a:xfrm>
+          <a:prstGeom prst="rect">
+            <a:avLst/>
+          </a:prstGeom>
+        </p:spPr>
+        <p:txBody>
+          <a:bodyPr vert="horz" lIns="91440" tIns="45720" rIns="91440" bIns="45720" rtlCol="0">
+            <a:normAutofit/>
+          </a:bodyPr>
+          <a:lstStyle/>
+          <a:p>
+            <a:pPr lvl="0"/>
+            <a:r>
+              <a:rPr kumimoji="1" lang="ja-JP" altLang="en-US"/>
+              <a:t>マスター テキストの書式設定</a:t>
+            </a:r>
+          </a:p>
+          <a:p>
+            <a:pPr lvl="1"/>
+            <a:r>
+              <a:rPr kumimoji="1" lang="ja-JP" altLang="en-US"/>
+              <a:t>第 </a:t>
+            </a:r>
+            <a:r>
+              <a:rPr kumimoji="1" lang="en-US" altLang="ja-JP"/>
+              <a:t>2 </a:t>
+            </a:r>
+            <a:r>
+              <a:rPr kumimoji="1" lang="ja-JP" altLang="en-US"/>
+              <a:t>レベル</a:t>
+            </a:r>
+          </a:p>
+          <a:p>
+            <a:pPr lvl="2"/>
+            <a:r>
+              <a:rPr kumimoji="1" lang="ja-JP" altLang="en-US"/>
+              <a:t>第 </a:t>
+            </a:r>
+            <a:r>
+              <a:rPr kumimoji="1" lang="en-US" altLang="ja-JP"/>
+              <a:t>3 </a:t>
+            </a:r>
+            <a:r>
+              <a:rPr kumimoji="1" lang="ja-JP" altLang="en-US"/>
+              <a:t>レベル</a:t>
+            </a:r>
+          </a:p>
+          <a:p>
+            <a:pPr lvl="3"/>
+            <a:r>
+              <a:rPr kumimoji="1" lang="ja-JP" altLang="en-US"/>
+              <a:t>第 </a:t>
+            </a:r>
+            <a:r>
+              <a:rPr kumimoji="1" lang="en-US" altLang="ja-JP"/>
+              <a:t>4 </a:t>
+            </a:r>
+            <a:r>
+              <a:rPr kumimoji="1" lang="ja-JP" altLang="en-US"/>
+              <a:t>レベル</a:t>
+            </a:r>
+          </a:p>
+          <a:p>
+            <a:pPr lvl="4"/>
+            <a:r>
+              <a:rPr kumimoji="1" lang="ja-JP" altLang="en-US"/>
+              <a:t>第 </a:t>
+            </a:r>
+            <a:r>
+              <a:rPr kumimoji="1" lang="en-US" altLang="ja-JP"/>
+              <a:t>5 </a:t>
+            </a:r>
+            <a:r>
+              <a:rPr kumimoji="1" lang="ja-JP" altLang="en-US"/>
+              <a:t>レベル</a:t>
+            </a:r>
+          </a:p>
+        </p:txBody>
+      </p:sp>
+      <p:sp>
+        <p:nvSpPr>
+          <p:cNvPr id="4" name="日付プレースホルダー 3">
+            <a:extLst>
+              <a:ext uri="{FF2B5EF4-FFF2-40B4-BE49-F238E27FC236}">
+                <a16:creationId xmlns:a16="http://schemas.microsoft.com/office/drawing/2014/main" id="{00941929-63F9-4628-A5D2-34E1E04E6702}"/>
+              </a:ext>
+            </a:extLst>
+          </p:cNvPr>
+          <p:cNvSpPr>
+            <a:spLocks noGrp="1"/>
+          </p:cNvSpPr>
+          <p:nvPr>
+            <p:ph type="dt" sz="half" idx="2"/>
+          </p:nvPr>
+        </p:nvSpPr>
+        <p:spPr>
+          <a:xfrm>
+            <a:off x="838200" y="6356350"/>
+            <a:ext cx="2743200" cy="365125"/>
+          </a:xfrm>
+          <a:prstGeom prst="rect">
+            <a:avLst/>
+          </a:prstGeom>
+        </p:spPr>
+        <p:txBody>
+          <a:bodyPr vert="horz" lIns="91440" tIns="45720" rIns="91440" bIns="45720" rtlCol="0" anchor="ctr"/>
+          <a:lstStyle>
+            <a:lvl1pPr algn="l">
+              <a:defRPr sz="1200">
+                <a:solidFill>
+                  <a:schemeClr val="tx1">
+                    <a:tint val="75000"/>
+                  </a:schemeClr>
+                </a:solidFill>
+              </a:defRPr>
+            </a:lvl1pPr>
+          </a:lstStyle>
+          <a:p>
+            <a:fld id="{F068AB85-2ACE-4F70-9090-AAB334D4C59F}" type="datetimeFigureOut">
+              <a:rPr kumimoji="1" lang="ja-JP" altLang="en-US" smtClean="0"/>
+              <a:t>2018/10/17</a:t>
+            </a:fld>
+            <a:endParaRPr kumimoji="1" lang="ja-JP" altLang="en-US"/>
+          </a:p>
+        </p:txBody>
+      </p:sp>
+      <p:sp>
+        <p:nvSpPr>
+          <p:cNvPr id="5" name="フッター プレースホルダー 4">
+            <a:extLst>
+              <a:ext uri="{FF2B5EF4-FFF2-40B4-BE49-F238E27FC236}">
+                <a16:creationId xmlns:a16="http://schemas.microsoft.com/office/drawing/2014/main" id="{42C5CE6E-A39A-44A7-9B89-7C077FC4CCB6}"/>
+              </a:ext>
+            </a:extLst>
+          </p:cNvPr>
+          <p:cNvSpPr>
+            <a:spLocks noGrp="1"/>
+          </p:cNvSpPr>
+          <p:nvPr>
+            <p:ph type="ftr" sz="quarter" idx="3"/>
+          </p:nvPr>
+        </p:nvSpPr>
+        <p:spPr>
+          <a:xfrm>
+            <a:off x="4038600" y="6356350"/>
+            <a:ext cx="4114800" cy="365125"/>
+          </a:xfrm>
+          <a:prstGeom prst="rect">
+            <a:avLst/>
+          </a:prstGeom>
+        </p:spPr>
+        <p:txBody>
+          <a:bodyPr vert="horz" lIns="91440" tIns="45720" rIns="91440" bIns="45720" rtlCol="0" anchor="ctr"/>
+          <a:lstStyle>
+            <a:lvl1pPr algn="ctr">
+              <a:defRPr sz="1200">
+                <a:solidFill>
+                  <a:schemeClr val="tx1">
+                    <a:tint val="75000"/>
+                  </a:schemeClr>
+                </a:solidFill>
+              </a:defRPr>
+            </a:lvl1pPr>
+          </a:lstStyle>
+          <a:p>
+            <a:endParaRPr kumimoji="1" lang="ja-JP" altLang="en-US"/>
+          </a:p>
+        </p:txBody>
+      </p:sp>
+      <p:sp>
+        <p:nvSpPr>
+          <p:cNvPr id="6" name="スライド番号プレースホルダー 5">
+            <a:extLst>
+              <a:ext uri="{FF2B5EF4-FFF2-40B4-BE49-F238E27FC236}">
+                <a16:creationId xmlns:a16="http://schemas.microsoft.com/office/drawing/2014/main" id="{9DB4F3B5-D46D-4423-A692-B3E73E0BCF9A}"/>
+              </a:ext>
+            </a:extLst>
+          </p:cNvPr>
+          <p:cNvSpPr>
+            <a:spLocks noGrp="1"/>
+          </p:cNvSpPr>
+          <p:nvPr>
+            <p:ph type="sldNum" sz="quarter" idx="4"/>
+          </p:nvPr>
+        </p:nvSpPr>
+        <p:spPr>
+          <a:xfrm>
+            <a:off x="8610600" y="6356350"/>
+            <a:ext cx="2743200" cy="365125"/>
+          </a:xfrm>
+          <a:prstGeom prst="rect">
+            <a:avLst/>
+          </a:prstGeom>
+        </p:spPr>
+        <p:txBody>
+          <a:bodyPr vert="horz" lIns="91440" tIns="45720" rIns="91440" bIns="45720" rtlCol="0" anchor="ctr"/>
+          <a:lstStyle>
+            <a:lvl1pPr algn="r">
+              <a:defRPr sz="1200">
+                <a:solidFill>
+                  <a:schemeClr val="tx1">
+                    <a:tint val="75000"/>
+                  </a:schemeClr>
+                </a:solidFill>
+              </a:defRPr>
+            </a:lvl1pPr>
+          </a:lstStyle>
+          <a:p>
+            <a:fld id="{DA468D76-7739-4A87-9317-486A80F5ABFC}" type="slidenum">
+              <a:rPr kumimoji="1" lang="ja-JP" altLang="en-US" smtClean="0"/>
+              <a:t>‹#›</a:t>
+            </a:fld>
+            <a:endParaRPr kumimoji="1" lang="ja-JP" altLang="en-US"/>
+          </a:p>
+        </p:txBody>
+      </p:sp>
+    </p:spTree>
+    <p:extLst>
+      <p:ext uri="{BB962C8B-B14F-4D97-AF65-F5344CB8AC3E}">
+        <p14:creationId xmlns:p14="http://schemas.microsoft.com/office/powerpoint/2010/main" val="105405613"/>
+      </p:ext>
+    </p:extLst>
+  </p:cSld>
+  <p:clrMap bg1="lt1" tx1="dk1" bg2="lt2" tx2="dk2" accent1="accent1" accent2="accent2" accent3="accent3" accent4="accent4" accent5="accent5" accent6="accent6" hlink="hlink" folHlink="folHlink"/>
+  <p:sldLayoutIdLst>
+    <p:sldLayoutId id="2147483905" r:id="rId1"/>
+    <p:sldLayoutId id="2147483906" r:id="rId2"/>
+    <p:sldLayoutId id="2147483907" r:id="rId3"/>
+    <p:sldLayoutId id="2147483908" r:id="rId4"/>
+    <p:sldLayoutId id="2147483909" r:id="rId5"/>
+    <p:sldLayoutId id="2147483910" r:id="rId6"/>
+    <p:sldLayoutId id="2147483911" r:id="rId7"/>
+    <p:sldLayoutId id="2147483912" r:id="rId8"/>
+    <p:sldLayoutId id="2147483913" r:id="rId9"/>
+    <p:sldLayoutId id="2147483914" r:id="rId10"/>
+    <p:sldLayoutId id="2147483915" r:id="rId11"/>
+  </p:sldLayoutIdLst>
+  <p:txStyles>
+    <p:titleStyle>
+      <a:lvl1pPr algn="l" defTabSz="914400" rtl="0" eaLnBrk="1" latinLnBrk="0" hangingPunct="1">
+        <a:lnSpc>
+          <a:spcPct val="90000"/>
+        </a:lnSpc>
+        <a:spcBef>
+          <a:spcPct val="0"/>
+        </a:spcBef>
+        <a:buNone/>
+        <a:defRPr kumimoji="1" sz="4400" kern="1200">
+          <a:solidFill>
+            <a:schemeClr val="tx1"/>
+          </a:solidFill>
+          <a:latin typeface="+mj-lt"/>
+          <a:ea typeface="+mj-ea"/>
+          <a:cs typeface="+mj-cs"/>
+        </a:defRPr>
+      </a:lvl1pPr>
+    </p:titleStyle>
+    <p:bodyStyle>
+      <a:lvl1pPr marL="228600" indent="-228600" algn="l" defTabSz="914400" rtl="0" eaLnBrk="1" latinLnBrk="0" hangingPunct="1">
+        <a:lnSpc>
+          <a:spcPct val="90000"/>
+        </a:lnSpc>
+        <a:spcBef>
+          <a:spcPts val="1000"/>
+        </a:spcBef>
+        <a:buFont typeface="Arial" panose="020B0604020202020204" pitchFamily="34" charset="0"/>
+        <a:buChar char="•"/>
+        <a:defRPr kumimoji="1" sz="2800" kern="1200">
+          <a:solidFill>
+            <a:schemeClr val="tx1"/>
+          </a:solidFill>
+          <a:latin typeface="+mn-lt"/>
+          <a:ea typeface="+mn-ea"/>
+          <a:cs typeface="+mn-cs"/>
+        </a:defRPr>
+      </a:lvl1pPr>
+      <a:lvl2pPr marL="685800" indent="-228600" algn="l" defTabSz="914400" rtl="0" eaLnBrk="1" latinLnBrk="0" hangingPunct="1">
+        <a:lnSpc>
+          <a:spcPct val="90000"/>
+        </a:lnSpc>
+        <a:spcBef>
+          <a:spcPts val="500"/>
+        </a:spcBef>
+        <a:buFont typeface="Arial" panose="020B0604020202020204" pitchFamily="34" charset="0"/>
+        <a:buChar char="•"/>
+        <a:defRPr kumimoji="1" sz="2400" kern="1200">
+          <a:solidFill>
+            <a:schemeClr val="tx1"/>
+          </a:solidFill>
+          <a:latin typeface="+mn-lt"/>
+          <a:ea typeface="+mn-ea"/>
+          <a:cs typeface="+mn-cs"/>
+        </a:defRPr>
+      </a:lvl2pPr>
+      <a:lvl3pPr marL="1143000" indent="-228600" algn="l" defTabSz="914400" rtl="0" eaLnBrk="1" latinLnBrk="0" hangingPunct="1">
+        <a:lnSpc>
+          <a:spcPct val="90000"/>
+        </a:lnSpc>
+        <a:spcBef>
+          <a:spcPts val="500"/>
+        </a:spcBef>
+        <a:buFont typeface="Arial" panose="020B0604020202020204" pitchFamily="34" charset="0"/>
+        <a:buChar char="•"/>
+        <a:defRPr kumimoji="1" sz="2000" kern="1200">
+          <a:solidFill>
+            <a:schemeClr val="tx1"/>
+          </a:solidFill>
+          <a:latin typeface="+mn-lt"/>
+          <a:ea typeface="+mn-ea"/>
+          <a:cs typeface="+mn-cs"/>
+        </a:defRPr>
+      </a:lvl3pPr>
+      <a:lvl4pPr marL="1600200" indent="-228600" algn="l" defTabSz="914400" rtl="0" eaLnBrk="1" latinLnBrk="0" hangingPunct="1">
+        <a:lnSpc>
+          <a:spcPct val="90000"/>
+        </a:lnSpc>
+        <a:spcBef>
+          <a:spcPts val="500"/>
+        </a:spcBef>
+        <a:buFont typeface="Arial" panose="020B0604020202020204" pitchFamily="34" charset="0"/>
+        <a:buChar char="•"/>
+        <a:defRPr kumimoji="1" sz="1800" kern="1200">
+          <a:solidFill>
+            <a:schemeClr val="tx1"/>
+          </a:solidFill>
+          <a:latin typeface="+mn-lt"/>
+          <a:ea typeface="+mn-ea"/>
+          <a:cs typeface="+mn-cs"/>
+        </a:defRPr>
+      </a:lvl4pPr>
+      <a:lvl5pPr marL="2057400" indent="-228600" algn="l" defTabSz="914400" rtl="0" eaLnBrk="1" latinLnBrk="0" hangingPunct="1">
+        <a:lnSpc>
+          <a:spcPct val="90000"/>
+        </a:lnSpc>
+        <a:spcBef>
+          <a:spcPts val="500"/>
+        </a:spcBef>
+        <a:buFont typeface="Arial" panose="020B0604020202020204" pitchFamily="34" charset="0"/>
+        <a:buChar char="•"/>
+        <a:defRPr kumimoji="1" sz="1800" kern="1200">
+          <a:solidFill>
+            <a:schemeClr val="tx1"/>
+          </a:solidFill>
+          <a:latin typeface="+mn-lt"/>
+          <a:ea typeface="+mn-ea"/>
+          <a:cs typeface="+mn-cs"/>
+        </a:defRPr>
+      </a:lvl5pPr>
+      <a:lvl6pPr marL="2514600" indent="-228600" algn="l" defTabSz="914400" rtl="0" eaLnBrk="1" latinLnBrk="0" hangingPunct="1">
+        <a:lnSpc>
+          <a:spcPct val="90000"/>
+        </a:lnSpc>
+        <a:spcBef>
+          <a:spcPts val="500"/>
+        </a:spcBef>
+        <a:buFont typeface="Arial" panose="020B0604020202020204" pitchFamily="34" charset="0"/>
+        <a:buChar char="•"/>
+        <a:defRPr kumimoji="1" sz="1800" kern="1200">
+          <a:solidFill>
+            <a:schemeClr val="tx1"/>
+          </a:solidFill>
+          <a:latin typeface="+mn-lt"/>
+          <a:ea typeface="+mn-ea"/>
+          <a:cs typeface="+mn-cs"/>
+        </a:defRPr>
+      </a:lvl6pPr>
+      <a:lvl7pPr marL="2971800" indent="-228600" algn="l" defTabSz="914400" rtl="0" eaLnBrk="1" latinLnBrk="0" hangingPunct="1">
+        <a:lnSpc>
+          <a:spcPct val="90000"/>
+        </a:lnSpc>
+        <a:spcBef>
+          <a:spcPts val="500"/>
+        </a:spcBef>
+        <a:buFont typeface="Arial" panose="020B0604020202020204" pitchFamily="34" charset="0"/>
+        <a:buChar char="•"/>
+        <a:defRPr kumimoji="1" sz="1800" kern="1200">
+          <a:solidFill>
+            <a:schemeClr val="tx1"/>
+          </a:solidFill>
+          <a:latin typeface="+mn-lt"/>
+          <a:ea typeface="+mn-ea"/>
+          <a:cs typeface="+mn-cs"/>
+        </a:defRPr>
+      </a:lvl7pPr>
+      <a:lvl8pPr marL="3429000" indent="-228600" algn="l" defTabSz="914400" rtl="0" eaLnBrk="1" latinLnBrk="0" hangingPunct="1">
+        <a:lnSpc>
+          <a:spcPct val="90000"/>
+        </a:lnSpc>
+        <a:spcBef>
+          <a:spcPts val="500"/>
+        </a:spcBef>
+        <a:buFont typeface="Arial" panose="020B0604020202020204" pitchFamily="34" charset="0"/>
+        <a:buChar char="•"/>
+        <a:defRPr kumimoji="1" sz="1800" kern="1200">
+          <a:solidFill>
+            <a:schemeClr val="tx1"/>
+          </a:solidFill>
+          <a:latin typeface="+mn-lt"/>
+          <a:ea typeface="+mn-ea"/>
+          <a:cs typeface="+mn-cs"/>
+        </a:defRPr>
+      </a:lvl8pPr>
+      <a:lvl9pPr marL="3886200" indent="-228600" algn="l" defTabSz="914400" rtl="0" eaLnBrk="1" latinLnBrk="0" hangingPunct="1">
+        <a:lnSpc>
+          <a:spcPct val="90000"/>
+        </a:lnSpc>
+        <a:spcBef>
+          <a:spcPts val="500"/>
+        </a:spcBef>
+        <a:buFont typeface="Arial" panose="020B0604020202020204" pitchFamily="34" charset="0"/>
+        <a:buChar char="•"/>
+        <a:defRPr kumimoji="1" sz="1800" kern="1200">
+          <a:solidFill>
+            <a:schemeClr val="tx1"/>
+          </a:solidFill>
+          <a:latin typeface="+mn-lt"/>
+          <a:ea typeface="+mn-ea"/>
+          <a:cs typeface="+mn-cs"/>
+        </a:defRPr>
+      </a:lvl9pPr>
+    </p:bodyStyle>
+    <p:otherStyle>
+      <a:defPPr>
+        <a:defRPr lang="ja-JP"/>
+      </a:defPPr>
+      <a:lvl1pPr marL="0" algn="l" defTabSz="914400" rtl="0" eaLnBrk="1" latinLnBrk="0" hangingPunct="1">
+        <a:defRPr kumimoji="1" sz="1800" kern="1200">
+          <a:solidFill>
+            <a:schemeClr val="tx1"/>
+          </a:solidFill>
+          <a:latin typeface="+mn-lt"/>
+          <a:ea typeface="+mn-ea"/>
+          <a:cs typeface="+mn-cs"/>
+        </a:defRPr>
+      </a:lvl1pPr>
+      <a:lvl2pPr marL="457200" algn="l" defTabSz="914400" rtl="0" eaLnBrk="1" latinLnBrk="0" hangingPunct="1">
+        <a:defRPr kumimoji="1" sz="1800" kern="1200">
+          <a:solidFill>
+            <a:schemeClr val="tx1"/>
+          </a:solidFill>
+          <a:latin typeface="+mn-lt"/>
+          <a:ea typeface="+mn-ea"/>
+          <a:cs typeface="+mn-cs"/>
+        </a:defRPr>
+      </a:lvl2pPr>
+      <a:lvl3pPr marL="914400" algn="l" defTabSz="914400" rtl="0" eaLnBrk="1" latinLnBrk="0" hangingPunct="1">
+        <a:defRPr kumimoji="1" sz="1800" kern="1200">
+          <a:solidFill>
+            <a:schemeClr val="tx1"/>
+          </a:solidFill>
+          <a:latin typeface="+mn-lt"/>
+          <a:ea typeface="+mn-ea"/>
+          <a:cs typeface="+mn-cs"/>
+        </a:defRPr>
+      </a:lvl3pPr>
+      <a:lvl4pPr marL="1371600" algn="l" defTabSz="914400" rtl="0" eaLnBrk="1" latinLnBrk="0" hangingPunct="1">
+        <a:defRPr kumimoji="1" sz="1800" kern="1200">
+          <a:solidFill>
+            <a:schemeClr val="tx1"/>
+          </a:solidFill>
+          <a:latin typeface="+mn-lt"/>
+          <a:ea typeface="+mn-ea"/>
+          <a:cs typeface="+mn-cs"/>
+        </a:defRPr>
+      </a:lvl4pPr>
+      <a:lvl5pPr marL="1828800" algn="l" defTabSz="914400" rtl="0" eaLnBrk="1" latinLnBrk="0" hangingPunct="1">
+        <a:defRPr kumimoji="1" sz="1800" kern="1200">
+          <a:solidFill>
+            <a:schemeClr val="tx1"/>
+          </a:solidFill>
+          <a:latin typeface="+mn-lt"/>
+          <a:ea typeface="+mn-ea"/>
+          <a:cs typeface="+mn-cs"/>
+        </a:defRPr>
+      </a:lvl5pPr>
+      <a:lvl6pPr marL="2286000" algn="l" defTabSz="914400" rtl="0" eaLnBrk="1" latinLnBrk="0" hangingPunct="1">
+        <a:defRPr kumimoji="1" sz="1800" kern="1200">
+          <a:solidFill>
+            <a:schemeClr val="tx1"/>
+          </a:solidFill>
+          <a:latin typeface="+mn-lt"/>
+          <a:ea typeface="+mn-ea"/>
+          <a:cs typeface="+mn-cs"/>
+        </a:defRPr>
+      </a:lvl6pPr>
+      <a:lvl7pPr marL="2743200" algn="l" defTabSz="914400" rtl="0" eaLnBrk="1" latinLnBrk="0" hangingPunct="1">
+        <a:defRPr kumimoji="1" sz="1800" kern="1200">
+          <a:solidFill>
+            <a:schemeClr val="tx1"/>
+          </a:solidFill>
+          <a:latin typeface="+mn-lt"/>
+          <a:ea typeface="+mn-ea"/>
+          <a:cs typeface="+mn-cs"/>
+        </a:defRPr>
+      </a:lvl7pPr>
+      <a:lvl8pPr marL="3200400" algn="l" defTabSz="914400" rtl="0" eaLnBrk="1" latinLnBrk="0" hangingPunct="1">
+        <a:defRPr kumimoji="1" sz="1800" kern="1200">
+          <a:solidFill>
+            <a:schemeClr val="tx1"/>
+          </a:solidFill>
+          <a:latin typeface="+mn-lt"/>
+          <a:ea typeface="+mn-ea"/>
+          <a:cs typeface="+mn-cs"/>
+        </a:defRPr>
+      </a:lvl8pPr>
+      <a:lvl9pPr marL="3657600" algn="l" defTabSz="914400" rtl="0" eaLnBrk="1" latinLnBrk="0" hangingPunct="1">
+        <a:defRPr kumimoji="1" sz="1800" kern="1200">
+          <a:solidFill>
+            <a:schemeClr val="tx1"/>
+          </a:solidFill>
+          <a:latin typeface="+mn-lt"/>
+          <a:ea typeface="+mn-ea"/>
+          <a:cs typeface="+mn-cs"/>
+        </a:defRPr>
+      </a:lvl9pPr>
+    </p:otherStyle>
+  </p:txStyles>
+</p:sldMaster>
+</file>
+
 <file path=ppt/slides/slide1.xml><?xml version="1.0" encoding="utf-8"?>
 <p:sld xmlns:a="http://schemas.openxmlformats.org/drawingml/2006/main" xmlns:r="http://schemas.openxmlformats.org/officeDocument/2006/relationships" xmlns:p="http://schemas.openxmlformats.org/presentationml/2006/main">
   <p:cSld>
@@ -5146,12 +8634,7 @@
             <p:ph type="ftr" sz="quarter" idx="11"/>
           </p:nvPr>
         </p:nvSpPr>
-        <p:spPr>
-          <a:xfrm>
-            <a:off x="4648200" y="6356350"/>
-            <a:ext cx="2895600" cy="365125"/>
-          </a:xfrm>
-        </p:spPr>
+        <p:spPr/>
         <p:txBody>
           <a:bodyPr/>
           <a:lstStyle/>
@@ -6395,7 +9878,7 @@
         </p:nvSpPr>
         <p:spPr>
           <a:xfrm>
-            <a:off x="242890" y="4128581"/>
+            <a:off x="242890" y="4394406"/>
             <a:ext cx="1931541" cy="646331"/>
           </a:xfrm>
           <a:prstGeom prst="rect">
@@ -6437,7 +9920,7 @@
         </p:nvSpPr>
         <p:spPr>
           <a:xfrm>
-            <a:off x="10422118" y="4426744"/>
+            <a:off x="10422118" y="4692569"/>
             <a:ext cx="1076325" cy="381000"/>
           </a:xfrm>
           <a:prstGeom prst="roundRect">
@@ -6495,7 +9978,7 @@
         </p:nvCxnSpPr>
         <p:spPr>
           <a:xfrm>
-            <a:off x="8150406" y="4617244"/>
+            <a:off x="8150406" y="4883069"/>
             <a:ext cx="657224" cy="0"/>
           </a:xfrm>
           <a:prstGeom prst="straightConnector1">
@@ -6534,7 +10017,7 @@
         </p:nvSpPr>
         <p:spPr>
           <a:xfrm>
-            <a:off x="8807630" y="4426744"/>
+            <a:off x="8807630" y="4692569"/>
             <a:ext cx="1076325" cy="381000"/>
           </a:xfrm>
           <a:prstGeom prst="roundRect">
@@ -6587,7 +10070,7 @@
         </p:nvCxnSpPr>
         <p:spPr>
           <a:xfrm>
-            <a:off x="9883955" y="4617244"/>
+            <a:off x="9883955" y="4883069"/>
             <a:ext cx="538163" cy="0"/>
           </a:xfrm>
           <a:prstGeom prst="straightConnector1">
@@ -6626,7 +10109,7 @@
         </p:nvSpPr>
         <p:spPr>
           <a:xfrm>
-            <a:off x="8898119" y="4426744"/>
+            <a:off x="8898119" y="4692569"/>
             <a:ext cx="819150" cy="369332"/>
           </a:xfrm>
           <a:prstGeom prst="rect">
@@ -6666,7 +10149,7 @@
         </p:nvSpPr>
         <p:spPr>
           <a:xfrm>
-            <a:off x="8800116" y="3606810"/>
+            <a:off x="8800116" y="3872635"/>
             <a:ext cx="1076325" cy="381000"/>
           </a:xfrm>
           <a:prstGeom prst="roundRect">
@@ -6721,7 +10204,7 @@
         </p:nvSpPr>
         <p:spPr>
           <a:xfrm>
-            <a:off x="8909023" y="3618134"/>
+            <a:off x="8909023" y="3883959"/>
             <a:ext cx="819150" cy="381000"/>
           </a:xfrm>
           <a:prstGeom prst="rect">
@@ -6765,7 +10248,7 @@
         </p:nvSpPr>
         <p:spPr>
           <a:xfrm>
-            <a:off x="10522131" y="4519077"/>
+            <a:off x="10522131" y="4784902"/>
             <a:ext cx="819150" cy="276999"/>
           </a:xfrm>
           <a:prstGeom prst="rect">
@@ -6805,7 +10288,7 @@
         </p:nvSpPr>
         <p:spPr>
           <a:xfrm>
-            <a:off x="3180737" y="5777246"/>
+            <a:off x="3180737" y="6043071"/>
             <a:ext cx="1076325" cy="381000"/>
           </a:xfrm>
           <a:prstGeom prst="roundRect">
@@ -6856,7 +10339,7 @@
         </p:nvSpPr>
         <p:spPr>
           <a:xfrm>
-            <a:off x="3271225" y="5823412"/>
+            <a:off x="3271225" y="6089237"/>
             <a:ext cx="983455" cy="276999"/>
           </a:xfrm>
           <a:prstGeom prst="rect">
@@ -6904,7 +10387,7 @@
         </p:nvCxnSpPr>
         <p:spPr>
           <a:xfrm flipV="1">
-            <a:off x="4254680" y="4807744"/>
+            <a:off x="4254680" y="5073569"/>
             <a:ext cx="3357564" cy="1154168"/>
           </a:xfrm>
           <a:prstGeom prst="bentConnector2">
@@ -6943,7 +10426,7 @@
         </p:nvSpPr>
         <p:spPr>
           <a:xfrm>
-            <a:off x="8563523" y="3404848"/>
+            <a:off x="8563523" y="3670673"/>
             <a:ext cx="1582371" cy="1614751"/>
           </a:xfrm>
           <a:prstGeom prst="roundRect">
@@ -6990,7 +10473,7 @@
         </p:nvSpPr>
         <p:spPr>
           <a:xfrm>
-            <a:off x="4254680" y="4243690"/>
+            <a:off x="4254680" y="4509515"/>
             <a:ext cx="1059180" cy="797066"/>
           </a:xfrm>
           <a:prstGeom prst="roundRect">
@@ -7079,7 +10562,7 @@
         </p:nvCxnSpPr>
         <p:spPr>
           <a:xfrm flipV="1">
-            <a:off x="4254680" y="5040756"/>
+            <a:off x="4254680" y="5306581"/>
             <a:ext cx="529590" cy="921156"/>
           </a:xfrm>
           <a:prstGeom prst="bentConnector2">
@@ -7121,7 +10604,7 @@
         </p:nvCxnSpPr>
         <p:spPr>
           <a:xfrm flipV="1">
-            <a:off x="5313860" y="4617244"/>
+            <a:off x="5313860" y="4883069"/>
             <a:ext cx="1760221" cy="24979"/>
           </a:xfrm>
           <a:prstGeom prst="straightConnector1">
@@ -7160,7 +10643,7 @@
         </p:nvSpPr>
         <p:spPr>
           <a:xfrm>
-            <a:off x="5490668" y="4599798"/>
+            <a:off x="5490668" y="4865623"/>
             <a:ext cx="1107996" cy="369332"/>
           </a:xfrm>
           <a:prstGeom prst="rect">
@@ -7195,7 +10678,7 @@
         </p:nvSpPr>
         <p:spPr>
           <a:xfrm>
-            <a:off x="5933462" y="5934065"/>
+            <a:off x="5933462" y="6274297"/>
             <a:ext cx="1544012" cy="369332"/>
           </a:xfrm>
           <a:prstGeom prst="rect">
@@ -7234,7 +10717,7 @@
         </p:nvSpPr>
         <p:spPr>
           <a:xfrm>
-            <a:off x="7023569" y="4154227"/>
+            <a:off x="7023569" y="4420052"/>
             <a:ext cx="1059180" cy="797066"/>
           </a:xfrm>
           <a:prstGeom prst="roundRect">
@@ -7308,7 +10791,7 @@
         </p:nvSpPr>
         <p:spPr>
           <a:xfrm>
-            <a:off x="3953108" y="3708038"/>
+            <a:off x="3953108" y="3973863"/>
             <a:ext cx="646331" cy="369332"/>
           </a:xfrm>
           <a:prstGeom prst="rect">
@@ -7343,7 +10826,7 @@
         </p:nvSpPr>
         <p:spPr>
           <a:xfrm>
-            <a:off x="4733214" y="5337471"/>
+            <a:off x="4733214" y="5603296"/>
             <a:ext cx="1544012" cy="369332"/>
           </a:xfrm>
           <a:prstGeom prst="rect">
@@ -7382,7 +10865,7 @@
         </p:nvSpPr>
         <p:spPr>
           <a:xfrm>
-            <a:off x="2094756" y="4999150"/>
+            <a:off x="2094756" y="5264975"/>
             <a:ext cx="1544012" cy="369332"/>
           </a:xfrm>
           <a:prstGeom prst="rect">
@@ -7421,7 +10904,7 @@
         </p:nvSpPr>
         <p:spPr>
           <a:xfrm>
-            <a:off x="8128333" y="4600357"/>
+            <a:off x="8128333" y="4866182"/>
             <a:ext cx="1107996" cy="923330"/>
           </a:xfrm>
           <a:prstGeom prst="rect">
@@ -7470,7 +10953,7 @@
         </p:nvSpPr>
         <p:spPr>
           <a:xfrm>
-            <a:off x="9439846" y="5558564"/>
+            <a:off x="9524910" y="5845655"/>
             <a:ext cx="2813591" cy="923330"/>
           </a:xfrm>
           <a:prstGeom prst="rect">
@@ -7502,78 +10985,6 @@
               <a:rPr kumimoji="1" lang="ja-JP" altLang="en-US" dirty="0"/>
               <a:t>配布許諾：著作権納入元</a:t>
             </a:r>
-          </a:p>
-        </p:txBody>
-      </p:sp>
-      <p:sp>
-        <p:nvSpPr>
-          <p:cNvPr id="4" name="テキスト ボックス 3">
-            <a:extLst>
-              <a:ext uri="{FF2B5EF4-FFF2-40B4-BE49-F238E27FC236}">
-                <a16:creationId xmlns:a16="http://schemas.microsoft.com/office/drawing/2014/main" id="{73C89DEC-9C45-41F3-821A-EA79AA875451}"/>
-              </a:ext>
-            </a:extLst>
-          </p:cNvPr>
-          <p:cNvSpPr txBox="1"/>
-          <p:nvPr/>
-        </p:nvSpPr>
-        <p:spPr>
-          <a:xfrm>
-            <a:off x="242890" y="446848"/>
-            <a:ext cx="1236777" cy="369332"/>
-          </a:xfrm>
-          <a:prstGeom prst="rect">
-            <a:avLst/>
-          </a:prstGeom>
-          <a:noFill/>
-        </p:spPr>
-        <p:txBody>
-          <a:bodyPr wrap="square" rtlCol="0">
-            <a:spAutoFit/>
-          </a:bodyPr>
-          <a:lstStyle/>
-          <a:p>
-            <a:r>
-              <a:rPr kumimoji="1" lang="en-US" altLang="ja-JP" dirty="0"/>
-              <a:t>CE-1</a:t>
-            </a:r>
-            <a:endParaRPr kumimoji="1" lang="ja-JP" altLang="en-US" dirty="0"/>
-          </a:p>
-        </p:txBody>
-      </p:sp>
-      <p:sp>
-        <p:nvSpPr>
-          <p:cNvPr id="67" name="テキスト ボックス 66">
-            <a:extLst>
-              <a:ext uri="{FF2B5EF4-FFF2-40B4-BE49-F238E27FC236}">
-                <a16:creationId xmlns:a16="http://schemas.microsoft.com/office/drawing/2014/main" id="{EE3B633B-91AA-44D0-A587-E511F69C61CB}"/>
-              </a:ext>
-            </a:extLst>
-          </p:cNvPr>
-          <p:cNvSpPr txBox="1"/>
-          <p:nvPr/>
-        </p:nvSpPr>
-        <p:spPr>
-          <a:xfrm>
-            <a:off x="252450" y="3719688"/>
-            <a:ext cx="1236777" cy="369332"/>
-          </a:xfrm>
-          <a:prstGeom prst="rect">
-            <a:avLst/>
-          </a:prstGeom>
-          <a:noFill/>
-        </p:spPr>
-        <p:txBody>
-          <a:bodyPr wrap="square" rtlCol="0">
-            <a:spAutoFit/>
-          </a:bodyPr>
-          <a:lstStyle/>
-          <a:p>
-            <a:r>
-              <a:rPr kumimoji="1" lang="en-US" altLang="ja-JP" dirty="0"/>
-              <a:t>CE-2</a:t>
-            </a:r>
-            <a:endParaRPr kumimoji="1" lang="ja-JP" altLang="en-US" dirty="0"/>
           </a:p>
         </p:txBody>
       </p:sp>
@@ -10359,78 +13770,6 @@
           </a:p>
         </p:txBody>
       </p:sp>
-      <p:sp>
-        <p:nvSpPr>
-          <p:cNvPr id="39" name="テキスト ボックス 38">
-            <a:extLst>
-              <a:ext uri="{FF2B5EF4-FFF2-40B4-BE49-F238E27FC236}">
-                <a16:creationId xmlns:a16="http://schemas.microsoft.com/office/drawing/2014/main" id="{609D2495-FE24-4A12-9878-3A8B0746A235}"/>
-              </a:ext>
-            </a:extLst>
-          </p:cNvPr>
-          <p:cNvSpPr txBox="1"/>
-          <p:nvPr/>
-        </p:nvSpPr>
-        <p:spPr>
-          <a:xfrm>
-            <a:off x="242890" y="446848"/>
-            <a:ext cx="1236777" cy="369332"/>
-          </a:xfrm>
-          <a:prstGeom prst="rect">
-            <a:avLst/>
-          </a:prstGeom>
-          <a:noFill/>
-        </p:spPr>
-        <p:txBody>
-          <a:bodyPr wrap="square" rtlCol="0">
-            <a:spAutoFit/>
-          </a:bodyPr>
-          <a:lstStyle/>
-          <a:p>
-            <a:r>
-              <a:rPr kumimoji="1" lang="en-US" altLang="ja-JP" dirty="0"/>
-              <a:t>CE-3</a:t>
-            </a:r>
-            <a:endParaRPr kumimoji="1" lang="ja-JP" altLang="en-US" dirty="0"/>
-          </a:p>
-        </p:txBody>
-      </p:sp>
-      <p:sp>
-        <p:nvSpPr>
-          <p:cNvPr id="40" name="テキスト ボックス 39">
-            <a:extLst>
-              <a:ext uri="{FF2B5EF4-FFF2-40B4-BE49-F238E27FC236}">
-                <a16:creationId xmlns:a16="http://schemas.microsoft.com/office/drawing/2014/main" id="{5E65136C-B87F-4CC0-BC78-894D9BE8FB96}"/>
-              </a:ext>
-            </a:extLst>
-          </p:cNvPr>
-          <p:cNvSpPr txBox="1"/>
-          <p:nvPr/>
-        </p:nvSpPr>
-        <p:spPr>
-          <a:xfrm>
-            <a:off x="238533" y="3766055"/>
-            <a:ext cx="1236777" cy="369332"/>
-          </a:xfrm>
-          <a:prstGeom prst="rect">
-            <a:avLst/>
-          </a:prstGeom>
-          <a:noFill/>
-        </p:spPr>
-        <p:txBody>
-          <a:bodyPr wrap="square" rtlCol="0">
-            <a:spAutoFit/>
-          </a:bodyPr>
-          <a:lstStyle/>
-          <a:p>
-            <a:r>
-              <a:rPr kumimoji="1" lang="en-US" altLang="ja-JP" dirty="0"/>
-              <a:t>CE-4</a:t>
-            </a:r>
-            <a:endParaRPr kumimoji="1" lang="ja-JP" altLang="en-US" dirty="0"/>
-          </a:p>
-        </p:txBody>
-      </p:sp>
     </p:spTree>
     <p:extLst>
       <p:ext uri="{BB962C8B-B14F-4D97-AF65-F5344CB8AC3E}">
@@ -10487,6 +13826,153 @@
               <a:t>CC0-1.0</a:t>
             </a:r>
             <a:endParaRPr kumimoji="1" lang="ja-JP" altLang="en-US" dirty="0"/>
+          </a:p>
+        </p:txBody>
+      </p:sp>
+      <p:sp>
+        <p:nvSpPr>
+          <p:cNvPr id="3" name="フッター プレースホルダー 1">
+            <a:extLst>
+              <a:ext uri="{FF2B5EF4-FFF2-40B4-BE49-F238E27FC236}">
+                <a16:creationId xmlns:a16="http://schemas.microsoft.com/office/drawing/2014/main" id="{D5EACCD0-C6F4-4892-848D-679D855E31B6}"/>
+              </a:ext>
+            </a:extLst>
+          </p:cNvPr>
+          <p:cNvSpPr txBox="1">
+            <a:spLocks/>
+          </p:cNvSpPr>
+          <p:nvPr/>
+        </p:nvSpPr>
+        <p:spPr>
+          <a:xfrm>
+            <a:off x="4648200" y="3012256"/>
+            <a:ext cx="2895600" cy="365125"/>
+          </a:xfrm>
+          <a:prstGeom prst="rect">
+            <a:avLst/>
+          </a:prstGeom>
+        </p:spPr>
+        <p:txBody>
+          <a:bodyPr vert="horz" lIns="91440" tIns="45720" rIns="91440" bIns="45720" rtlCol="0" anchor="ctr"/>
+          <a:lstStyle>
+            <a:defPPr>
+              <a:defRPr lang="en-US"/>
+            </a:defPPr>
+            <a:lvl1pPr marL="0" algn="ctr" defTabSz="914400" rtl="0" eaLnBrk="1" latinLnBrk="0" hangingPunct="1">
+              <a:defRPr sz="1200" kern="1200">
+                <a:solidFill>
+                  <a:schemeClr val="tx1">
+                    <a:tint val="75000"/>
+                  </a:schemeClr>
+                </a:solidFill>
+                <a:latin typeface="+mn-lt"/>
+                <a:ea typeface="+mn-ea"/>
+                <a:cs typeface="+mn-cs"/>
+              </a:defRPr>
+            </a:lvl1pPr>
+            <a:lvl2pPr marL="457200" algn="l" defTabSz="914400" rtl="0" eaLnBrk="1" latinLnBrk="0" hangingPunct="1">
+              <a:defRPr sz="1800" kern="1200">
+                <a:solidFill>
+                  <a:schemeClr val="tx1"/>
+                </a:solidFill>
+                <a:latin typeface="+mn-lt"/>
+                <a:ea typeface="+mn-ea"/>
+                <a:cs typeface="+mn-cs"/>
+              </a:defRPr>
+            </a:lvl2pPr>
+            <a:lvl3pPr marL="914400" algn="l" defTabSz="914400" rtl="0" eaLnBrk="1" latinLnBrk="0" hangingPunct="1">
+              <a:defRPr sz="1800" kern="1200">
+                <a:solidFill>
+                  <a:schemeClr val="tx1"/>
+                </a:solidFill>
+                <a:latin typeface="+mn-lt"/>
+                <a:ea typeface="+mn-ea"/>
+                <a:cs typeface="+mn-cs"/>
+              </a:defRPr>
+            </a:lvl3pPr>
+            <a:lvl4pPr marL="1371600" algn="l" defTabSz="914400" rtl="0" eaLnBrk="1" latinLnBrk="0" hangingPunct="1">
+              <a:defRPr sz="1800" kern="1200">
+                <a:solidFill>
+                  <a:schemeClr val="tx1"/>
+                </a:solidFill>
+                <a:latin typeface="+mn-lt"/>
+                <a:ea typeface="+mn-ea"/>
+                <a:cs typeface="+mn-cs"/>
+              </a:defRPr>
+            </a:lvl4pPr>
+            <a:lvl5pPr marL="1828800" algn="l" defTabSz="914400" rtl="0" eaLnBrk="1" latinLnBrk="0" hangingPunct="1">
+              <a:defRPr sz="1800" kern="1200">
+                <a:solidFill>
+                  <a:schemeClr val="tx1"/>
+                </a:solidFill>
+                <a:latin typeface="+mn-lt"/>
+                <a:ea typeface="+mn-ea"/>
+                <a:cs typeface="+mn-cs"/>
+              </a:defRPr>
+            </a:lvl5pPr>
+            <a:lvl6pPr marL="2286000" algn="l" defTabSz="914400" rtl="0" eaLnBrk="1" latinLnBrk="0" hangingPunct="1">
+              <a:defRPr sz="1800" kern="1200">
+                <a:solidFill>
+                  <a:schemeClr val="tx1"/>
+                </a:solidFill>
+                <a:latin typeface="+mn-lt"/>
+                <a:ea typeface="+mn-ea"/>
+                <a:cs typeface="+mn-cs"/>
+              </a:defRPr>
+            </a:lvl6pPr>
+            <a:lvl7pPr marL="2743200" algn="l" defTabSz="914400" rtl="0" eaLnBrk="1" latinLnBrk="0" hangingPunct="1">
+              <a:defRPr sz="1800" kern="1200">
+                <a:solidFill>
+                  <a:schemeClr val="tx1"/>
+                </a:solidFill>
+                <a:latin typeface="+mn-lt"/>
+                <a:ea typeface="+mn-ea"/>
+                <a:cs typeface="+mn-cs"/>
+              </a:defRPr>
+            </a:lvl7pPr>
+            <a:lvl8pPr marL="3200400" algn="l" defTabSz="914400" rtl="0" eaLnBrk="1" latinLnBrk="0" hangingPunct="1">
+              <a:defRPr sz="1800" kern="1200">
+                <a:solidFill>
+                  <a:schemeClr val="tx1"/>
+                </a:solidFill>
+                <a:latin typeface="+mn-lt"/>
+                <a:ea typeface="+mn-ea"/>
+                <a:cs typeface="+mn-cs"/>
+              </a:defRPr>
+            </a:lvl8pPr>
+            <a:lvl9pPr marL="3657600" algn="l" defTabSz="914400" rtl="0" eaLnBrk="1" latinLnBrk="0" hangingPunct="1">
+              <a:defRPr sz="1800" kern="1200">
+                <a:solidFill>
+                  <a:schemeClr val="tx1"/>
+                </a:solidFill>
+                <a:latin typeface="+mn-lt"/>
+                <a:ea typeface="+mn-ea"/>
+                <a:cs typeface="+mn-cs"/>
+              </a:defRPr>
+            </a:lvl9pPr>
+          </a:lstStyle>
+          <a:p>
+            <a:r>
+              <a:rPr kumimoji="1" lang="en-US" altLang="ja-JP">
+                <a:solidFill>
+                  <a:prstClr val="black">
+                    <a:tint val="75000"/>
+                  </a:prstClr>
+                </a:solidFill>
+                <a:latin typeface="Calibri"/>
+                <a:ea typeface="ＭＳ Ｐゴシック" panose="020B0600070205080204" pitchFamily="50" charset="-128"/>
+              </a:rPr>
+              <a:t>CC0-1.0</a:t>
+            </a:r>
+            <a:endParaRPr kumimoji="1" lang="ja-JP" altLang="en-US" dirty="0">
+              <a:solidFill>
+                <a:prstClr val="black">
+                  <a:tint val="75000"/>
+                </a:prstClr>
+              </a:solidFill>
+              <a:latin typeface="Calibri"/>
+              <a:ea typeface="ＭＳ Ｐゴシック" panose="020B0600070205080204" pitchFamily="50" charset="-128"/>
+            </a:endParaRPr>
           </a:p>
         </p:txBody>
       </p:sp>
@@ -11663,12 +15149,71 @@
           </a:p>
         </p:txBody>
       </p:sp>
-      <p:sp>
-        <p:nvSpPr>
-          <p:cNvPr id="22" name="テキスト ボックス 21">
-            <a:extLst>
-              <a:ext uri="{FF2B5EF4-FFF2-40B4-BE49-F238E27FC236}">
-                <a16:creationId xmlns:a16="http://schemas.microsoft.com/office/drawing/2014/main" id="{F50F71F6-281F-4A14-8BB2-4C58F4756A9D}"/>
+    </p:spTree>
+    <p:extLst>
+      <p:ext uri="{BB962C8B-B14F-4D97-AF65-F5344CB8AC3E}">
+        <p14:creationId xmlns:p14="http://schemas.microsoft.com/office/powerpoint/2010/main" val="259874815"/>
+      </p:ext>
+    </p:extLst>
+  </p:cSld>
+  <p:clrMapOvr>
+    <a:masterClrMapping/>
+  </p:clrMapOvr>
+</p:sld>
+</file>
+
+<file path=ppt/slides/slide4.xml><?xml version="1.0" encoding="utf-8"?>
+<p:sld xmlns:a="http://schemas.openxmlformats.org/drawingml/2006/main" xmlns:r="http://schemas.openxmlformats.org/officeDocument/2006/relationships" xmlns:p="http://schemas.openxmlformats.org/presentationml/2006/main">
+  <p:cSld>
+    <p:spTree>
+      <p:nvGrpSpPr>
+        <p:cNvPr id="1" name=""/>
+        <p:cNvGrpSpPr/>
+        <p:nvPr/>
+      </p:nvGrpSpPr>
+      <p:grpSpPr>
+        <a:xfrm>
+          <a:off x="0" y="0"/>
+          <a:ext cx="0" cy="0"/>
+          <a:chOff x="0" y="0"/>
+          <a:chExt cx="0" cy="0"/>
+        </a:xfrm>
+      </p:grpSpPr>
+      <p:sp>
+        <p:nvSpPr>
+          <p:cNvPr id="2" name="フッター プレースホルダー 1">
+            <a:extLst>
+              <a:ext uri="{FF2B5EF4-FFF2-40B4-BE49-F238E27FC236}">
+                <a16:creationId xmlns:a16="http://schemas.microsoft.com/office/drawing/2014/main" id="{DF0A2DA8-9E5B-4D3F-B422-D39507CF656C}"/>
+              </a:ext>
+            </a:extLst>
+          </p:cNvPr>
+          <p:cNvSpPr>
+            <a:spLocks noGrp="1"/>
+          </p:cNvSpPr>
+          <p:nvPr>
+            <p:ph type="ftr" sz="quarter" idx="11"/>
+          </p:nvPr>
+        </p:nvSpPr>
+        <p:spPr/>
+        <p:txBody>
+          <a:bodyPr/>
+          <a:lstStyle/>
+          <a:p>
+            <a:r>
+              <a:rPr kumimoji="1" lang="en-US" altLang="ja-JP"/>
+              <a:t>CC0-1.0</a:t>
+            </a:r>
+            <a:endParaRPr kumimoji="1" lang="ja-JP" altLang="en-US" dirty="0"/>
+          </a:p>
+        </p:txBody>
+      </p:sp>
+      <p:sp>
+        <p:nvSpPr>
+          <p:cNvPr id="3" name="テキスト ボックス 2">
+            <a:extLst>
+              <a:ext uri="{FF2B5EF4-FFF2-40B4-BE49-F238E27FC236}">
+                <a16:creationId xmlns:a16="http://schemas.microsoft.com/office/drawing/2014/main" id="{AB195DC6-D4EC-4D5C-9612-B4D7D79D8194}"/>
               </a:ext>
             </a:extLst>
           </p:cNvPr>
@@ -11677,8 +15222,8 @@
         </p:nvSpPr>
         <p:spPr>
           <a:xfrm>
-            <a:off x="242890" y="446848"/>
-            <a:ext cx="1236777" cy="369332"/>
+            <a:off x="329975" y="107039"/>
+            <a:ext cx="1970170" cy="954107"/>
           </a:xfrm>
           <a:prstGeom prst="rect">
             <a:avLst/>
@@ -11692,17 +15237,3865 @@
           <a:lstStyle/>
           <a:p>
             <a:r>
+              <a:rPr kumimoji="1" lang="ja-JP" altLang="en-US" sz="2400" dirty="0"/>
+              <a:t>自社開発</a:t>
+            </a:r>
+            <a:endParaRPr kumimoji="1" lang="en-US" altLang="ja-JP" sz="2400" dirty="0"/>
+          </a:p>
+          <a:p>
+            <a:r>
+              <a:rPr kumimoji="1" lang="ja-JP" altLang="en-US" sz="1600" dirty="0"/>
+              <a:t>（</a:t>
+            </a:r>
+            <a:r>
+              <a:rPr kumimoji="1" lang="en-US" altLang="ja-JP" sz="1600" dirty="0"/>
+              <a:t>3</a:t>
+            </a:r>
+            <a:r>
+              <a:rPr kumimoji="1" lang="en-US" altLang="ja-JP" sz="1600" baseline="30000" dirty="0"/>
+              <a:t>rd</a:t>
+            </a:r>
+            <a:r>
+              <a:rPr kumimoji="1" lang="en-US" altLang="ja-JP" sz="1600" dirty="0"/>
+              <a:t> Party</a:t>
+            </a:r>
+            <a:r>
+              <a:rPr kumimoji="1" lang="ja-JP" altLang="en-US" sz="1600" dirty="0"/>
+              <a:t>ソフト、業務委託ありケース）</a:t>
+            </a:r>
+          </a:p>
+        </p:txBody>
+      </p:sp>
+      <p:sp>
+        <p:nvSpPr>
+          <p:cNvPr id="4" name="四角形: 角を丸くする 3">
+            <a:extLst>
+              <a:ext uri="{FF2B5EF4-FFF2-40B4-BE49-F238E27FC236}">
+                <a16:creationId xmlns:a16="http://schemas.microsoft.com/office/drawing/2014/main" id="{3F9D6F60-4920-4F21-A9D2-16CC6D99846B}"/>
+              </a:ext>
+            </a:extLst>
+          </p:cNvPr>
+          <p:cNvSpPr/>
+          <p:nvPr/>
+        </p:nvSpPr>
+        <p:spPr>
+          <a:xfrm>
+            <a:off x="6399167" y="2203583"/>
+            <a:ext cx="1435967" cy="1700173"/>
+          </a:xfrm>
+          <a:prstGeom prst="roundRect">
+            <a:avLst/>
+          </a:prstGeom>
+        </p:spPr>
+        <p:style>
+          <a:lnRef idx="2">
+            <a:schemeClr val="accent1">
+              <a:shade val="50000"/>
+            </a:schemeClr>
+          </a:lnRef>
+          <a:fillRef idx="1">
+            <a:schemeClr val="accent1"/>
+          </a:fillRef>
+          <a:effectRef idx="0">
+            <a:schemeClr val="accent1"/>
+          </a:effectRef>
+          <a:fontRef idx="minor">
+            <a:schemeClr val="lt1"/>
+          </a:fontRef>
+        </p:style>
+        <p:txBody>
+          <a:bodyPr rtlCol="0" anchor="ctr"/>
+          <a:lstStyle/>
+          <a:p>
+            <a:pPr algn="ctr"/>
+            <a:endParaRPr kumimoji="1" lang="ja-JP" altLang="en-US">
+              <a:solidFill>
+                <a:schemeClr val="bg1"/>
+              </a:solidFill>
+            </a:endParaRPr>
+          </a:p>
+        </p:txBody>
+      </p:sp>
+      <p:sp>
+        <p:nvSpPr>
+          <p:cNvPr id="5" name="四角形: 角を丸くする 4">
+            <a:extLst>
+              <a:ext uri="{FF2B5EF4-FFF2-40B4-BE49-F238E27FC236}">
+                <a16:creationId xmlns:a16="http://schemas.microsoft.com/office/drawing/2014/main" id="{435F64A9-ACD1-449B-B2B8-B91F2B936812}"/>
+              </a:ext>
+            </a:extLst>
+          </p:cNvPr>
+          <p:cNvSpPr/>
+          <p:nvPr/>
+        </p:nvSpPr>
+        <p:spPr>
+          <a:xfrm>
+            <a:off x="9978959" y="2151329"/>
+            <a:ext cx="992615" cy="1918529"/>
+          </a:xfrm>
+          <a:prstGeom prst="roundRect">
+            <a:avLst/>
+          </a:prstGeom>
+          <a:solidFill>
+            <a:schemeClr val="accent6">
+              <a:lumMod val="75000"/>
+            </a:schemeClr>
+          </a:solidFill>
+        </p:spPr>
+        <p:style>
+          <a:lnRef idx="2">
+            <a:schemeClr val="accent1">
+              <a:shade val="50000"/>
+            </a:schemeClr>
+          </a:lnRef>
+          <a:fillRef idx="1">
+            <a:schemeClr val="accent1"/>
+          </a:fillRef>
+          <a:effectRef idx="0">
+            <a:schemeClr val="accent1"/>
+          </a:effectRef>
+          <a:fontRef idx="minor">
+            <a:schemeClr val="lt1"/>
+          </a:fontRef>
+        </p:style>
+        <p:txBody>
+          <a:bodyPr rtlCol="0" anchor="ctr"/>
+          <a:lstStyle/>
+          <a:p>
+            <a:pPr algn="ctr"/>
+            <a:endParaRPr kumimoji="1" lang="ja-JP" altLang="en-US">
+              <a:solidFill>
+                <a:schemeClr val="bg1"/>
+              </a:solidFill>
+            </a:endParaRPr>
+          </a:p>
+        </p:txBody>
+      </p:sp>
+      <p:sp>
+        <p:nvSpPr>
+          <p:cNvPr id="7" name="四角形: 角を丸くする 6">
+            <a:extLst>
+              <a:ext uri="{FF2B5EF4-FFF2-40B4-BE49-F238E27FC236}">
+                <a16:creationId xmlns:a16="http://schemas.microsoft.com/office/drawing/2014/main" id="{A4402F87-3765-4DD1-9BEF-477DACC26F8C}"/>
+              </a:ext>
+            </a:extLst>
+          </p:cNvPr>
+          <p:cNvSpPr/>
+          <p:nvPr/>
+        </p:nvSpPr>
+        <p:spPr>
+          <a:xfrm>
+            <a:off x="8446226" y="1631494"/>
+            <a:ext cx="1076325" cy="381000"/>
+          </a:xfrm>
+          <a:prstGeom prst="roundRect">
+            <a:avLst/>
+          </a:prstGeom>
+        </p:spPr>
+        <p:style>
+          <a:lnRef idx="2">
+            <a:schemeClr val="accent1">
+              <a:shade val="50000"/>
+            </a:schemeClr>
+          </a:lnRef>
+          <a:fillRef idx="1">
+            <a:schemeClr val="accent1"/>
+          </a:fillRef>
+          <a:effectRef idx="0">
+            <a:schemeClr val="accent1"/>
+          </a:effectRef>
+          <a:fontRef idx="minor">
+            <a:schemeClr val="lt1"/>
+          </a:fontRef>
+        </p:style>
+        <p:txBody>
+          <a:bodyPr rtlCol="0" anchor="ctr"/>
+          <a:lstStyle/>
+          <a:p>
+            <a:pPr algn="ctr"/>
+            <a:endParaRPr kumimoji="1" lang="ja-JP" altLang="en-US">
+              <a:solidFill>
+                <a:schemeClr val="bg1"/>
+              </a:solidFill>
+            </a:endParaRPr>
+          </a:p>
+        </p:txBody>
+      </p:sp>
+      <p:sp>
+        <p:nvSpPr>
+          <p:cNvPr id="10" name="テキスト ボックス 9">
+            <a:extLst>
+              <a:ext uri="{FF2B5EF4-FFF2-40B4-BE49-F238E27FC236}">
+                <a16:creationId xmlns:a16="http://schemas.microsoft.com/office/drawing/2014/main" id="{98E50662-4ACF-479F-8BB1-8837F5B1F6D5}"/>
+              </a:ext>
+            </a:extLst>
+          </p:cNvPr>
+          <p:cNvSpPr txBox="1"/>
+          <p:nvPr/>
+        </p:nvSpPr>
+        <p:spPr>
+          <a:xfrm>
+            <a:off x="8555221" y="1644374"/>
+            <a:ext cx="819150" cy="369332"/>
+          </a:xfrm>
+          <a:prstGeom prst="rect">
+            <a:avLst/>
+          </a:prstGeom>
+          <a:noFill/>
+        </p:spPr>
+        <p:txBody>
+          <a:bodyPr wrap="square" rtlCol="0">
+            <a:spAutoFit/>
+          </a:bodyPr>
+          <a:lstStyle/>
+          <a:p>
+            <a:pPr algn="ctr"/>
+            <a:r>
+              <a:rPr kumimoji="1" lang="ja-JP" altLang="en-US" dirty="0">
+                <a:solidFill>
+                  <a:schemeClr val="bg1"/>
+                </a:solidFill>
+              </a:rPr>
+              <a:t>検証</a:t>
+            </a:r>
+          </a:p>
+        </p:txBody>
+      </p:sp>
+      <p:sp>
+        <p:nvSpPr>
+          <p:cNvPr id="11" name="四角形: 角を丸くする 10">
+            <a:extLst>
+              <a:ext uri="{FF2B5EF4-FFF2-40B4-BE49-F238E27FC236}">
+                <a16:creationId xmlns:a16="http://schemas.microsoft.com/office/drawing/2014/main" id="{F1E78C84-F873-412D-B2AF-51F2684D1F5C}"/>
+              </a:ext>
+            </a:extLst>
+          </p:cNvPr>
+          <p:cNvSpPr/>
+          <p:nvPr/>
+        </p:nvSpPr>
+        <p:spPr>
+          <a:xfrm>
+            <a:off x="7622406" y="1173312"/>
+            <a:ext cx="1076325" cy="381000"/>
+          </a:xfrm>
+          <a:prstGeom prst="roundRect">
+            <a:avLst/>
+          </a:prstGeom>
+        </p:spPr>
+        <p:style>
+          <a:lnRef idx="2">
+            <a:schemeClr val="accent1">
+              <a:shade val="50000"/>
+            </a:schemeClr>
+          </a:lnRef>
+          <a:fillRef idx="1">
+            <a:schemeClr val="accent1"/>
+          </a:fillRef>
+          <a:effectRef idx="0">
+            <a:schemeClr val="accent1"/>
+          </a:effectRef>
+          <a:fontRef idx="minor">
+            <a:schemeClr val="lt1"/>
+          </a:fontRef>
+        </p:style>
+        <p:txBody>
+          <a:bodyPr rtlCol="0" anchor="ctr"/>
+          <a:lstStyle/>
+          <a:p>
+            <a:pPr algn="ctr"/>
+            <a:endParaRPr kumimoji="1" lang="ja-JP" altLang="en-US">
+              <a:solidFill>
+                <a:schemeClr val="bg1"/>
+              </a:solidFill>
+            </a:endParaRPr>
+          </a:p>
+        </p:txBody>
+      </p:sp>
+      <p:sp>
+        <p:nvSpPr>
+          <p:cNvPr id="12" name="テキスト ボックス 11">
+            <a:extLst>
+              <a:ext uri="{FF2B5EF4-FFF2-40B4-BE49-F238E27FC236}">
+                <a16:creationId xmlns:a16="http://schemas.microsoft.com/office/drawing/2014/main" id="{C8F8F2AF-6F73-4B2E-BEC5-31BAA706C0FA}"/>
+              </a:ext>
+            </a:extLst>
+          </p:cNvPr>
+          <p:cNvSpPr txBox="1"/>
+          <p:nvPr/>
+        </p:nvSpPr>
+        <p:spPr>
+          <a:xfrm>
+            <a:off x="7681245" y="1183642"/>
+            <a:ext cx="819150" cy="381000"/>
+          </a:xfrm>
+          <a:prstGeom prst="rect">
+            <a:avLst/>
+          </a:prstGeom>
+          <a:noFill/>
+        </p:spPr>
+        <p:txBody>
+          <a:bodyPr wrap="square" rtlCol="0">
+            <a:spAutoFit/>
+          </a:bodyPr>
+          <a:lstStyle/>
+          <a:p>
+            <a:pPr algn="ctr"/>
+            <a:r>
+              <a:rPr kumimoji="1" lang="ja-JP" altLang="en-US" dirty="0">
+                <a:solidFill>
+                  <a:schemeClr val="bg1"/>
+                </a:solidFill>
+              </a:rPr>
+              <a:t>企画</a:t>
+            </a:r>
+          </a:p>
+        </p:txBody>
+      </p:sp>
+      <p:sp>
+        <p:nvSpPr>
+          <p:cNvPr id="13" name="テキスト ボックス 12">
+            <a:extLst>
+              <a:ext uri="{FF2B5EF4-FFF2-40B4-BE49-F238E27FC236}">
+                <a16:creationId xmlns:a16="http://schemas.microsoft.com/office/drawing/2014/main" id="{3DA73FA5-2408-44FE-A1F1-FFD422327F0C}"/>
+              </a:ext>
+            </a:extLst>
+          </p:cNvPr>
+          <p:cNvSpPr txBox="1"/>
+          <p:nvPr/>
+        </p:nvSpPr>
+        <p:spPr>
+          <a:xfrm>
+            <a:off x="10121987" y="2972093"/>
+            <a:ext cx="819150" cy="461665"/>
+          </a:xfrm>
+          <a:prstGeom prst="rect">
+            <a:avLst/>
+          </a:prstGeom>
+          <a:noFill/>
+        </p:spPr>
+        <p:txBody>
+          <a:bodyPr wrap="square" rtlCol="0">
+            <a:spAutoFit/>
+          </a:bodyPr>
+          <a:lstStyle/>
+          <a:p>
+            <a:pPr algn="ctr"/>
+            <a:r>
+              <a:rPr kumimoji="1" lang="ja-JP" altLang="en-US" sz="1200" dirty="0">
+                <a:solidFill>
+                  <a:schemeClr val="bg1"/>
+                </a:solidFill>
+              </a:rPr>
+              <a:t>エンド</a:t>
+            </a:r>
+            <a:endParaRPr kumimoji="1" lang="en-US" altLang="ja-JP" sz="1200" dirty="0">
+              <a:solidFill>
+                <a:schemeClr val="bg1"/>
+              </a:solidFill>
+            </a:endParaRPr>
+          </a:p>
+          <a:p>
+            <a:pPr algn="ctr"/>
+            <a:r>
+              <a:rPr kumimoji="1" lang="ja-JP" altLang="en-US" sz="1200" dirty="0">
+                <a:solidFill>
+                  <a:schemeClr val="bg1"/>
+                </a:solidFill>
+              </a:rPr>
+              <a:t>ユーザー</a:t>
+            </a:r>
+          </a:p>
+        </p:txBody>
+      </p:sp>
+      <p:sp>
+        <p:nvSpPr>
+          <p:cNvPr id="14" name="四角形: 角を丸くする 13">
+            <a:extLst>
+              <a:ext uri="{FF2B5EF4-FFF2-40B4-BE49-F238E27FC236}">
+                <a16:creationId xmlns:a16="http://schemas.microsoft.com/office/drawing/2014/main" id="{E15A7A91-D1E9-4A82-BC08-6D280A203620}"/>
+              </a:ext>
+            </a:extLst>
+          </p:cNvPr>
+          <p:cNvSpPr/>
+          <p:nvPr/>
+        </p:nvSpPr>
+        <p:spPr>
+          <a:xfrm>
+            <a:off x="1053744" y="6400801"/>
+            <a:ext cx="6566262" cy="402098"/>
+          </a:xfrm>
+          <a:prstGeom prst="roundRect">
+            <a:avLst/>
+          </a:prstGeom>
+          <a:solidFill>
+            <a:schemeClr val="accent6">
+              <a:lumMod val="75000"/>
+            </a:schemeClr>
+          </a:solidFill>
+        </p:spPr>
+        <p:style>
+          <a:lnRef idx="2">
+            <a:schemeClr val="accent1">
+              <a:shade val="50000"/>
+            </a:schemeClr>
+          </a:lnRef>
+          <a:fillRef idx="1">
+            <a:schemeClr val="accent1"/>
+          </a:fillRef>
+          <a:effectRef idx="0">
+            <a:schemeClr val="accent1"/>
+          </a:effectRef>
+          <a:fontRef idx="minor">
+            <a:schemeClr val="lt1"/>
+          </a:fontRef>
+        </p:style>
+        <p:txBody>
+          <a:bodyPr rtlCol="0" anchor="ctr"/>
+          <a:lstStyle/>
+          <a:p>
+            <a:pPr algn="ctr"/>
+            <a:endParaRPr kumimoji="1" lang="ja-JP" altLang="en-US"/>
+          </a:p>
+        </p:txBody>
+      </p:sp>
+      <p:sp>
+        <p:nvSpPr>
+          <p:cNvPr id="15" name="テキスト ボックス 14">
+            <a:extLst>
+              <a:ext uri="{FF2B5EF4-FFF2-40B4-BE49-F238E27FC236}">
+                <a16:creationId xmlns:a16="http://schemas.microsoft.com/office/drawing/2014/main" id="{E7FE4557-0902-4DF4-99FA-E85E7DD45F52}"/>
+              </a:ext>
+            </a:extLst>
+          </p:cNvPr>
+          <p:cNvSpPr txBox="1"/>
+          <p:nvPr/>
+        </p:nvSpPr>
+        <p:spPr>
+          <a:xfrm>
+            <a:off x="3850347" y="6445253"/>
+            <a:ext cx="1382761" cy="338554"/>
+          </a:xfrm>
+          <a:prstGeom prst="rect">
+            <a:avLst/>
+          </a:prstGeom>
+          <a:noFill/>
+        </p:spPr>
+        <p:txBody>
+          <a:bodyPr wrap="square" rtlCol="0">
+            <a:spAutoFit/>
+          </a:bodyPr>
+          <a:lstStyle/>
+          <a:p>
+            <a:pPr algn="ctr"/>
+            <a:r>
+              <a:rPr kumimoji="1" lang="en-US" altLang="ja-JP" sz="1600" dirty="0">
+                <a:solidFill>
+                  <a:schemeClr val="bg1"/>
+                </a:solidFill>
+              </a:rPr>
+              <a:t>Community</a:t>
+            </a:r>
+            <a:endParaRPr kumimoji="1" lang="ja-JP" altLang="en-US" sz="1600" dirty="0">
+              <a:solidFill>
+                <a:schemeClr val="bg1"/>
+              </a:solidFill>
+            </a:endParaRPr>
+          </a:p>
+        </p:txBody>
+      </p:sp>
+      <p:cxnSp>
+        <p:nvCxnSpPr>
+          <p:cNvPr id="16" name="コネクタ: カギ線 15">
+            <a:extLst>
+              <a:ext uri="{FF2B5EF4-FFF2-40B4-BE49-F238E27FC236}">
+                <a16:creationId xmlns:a16="http://schemas.microsoft.com/office/drawing/2014/main" id="{026C15DD-55FC-42FC-B189-29DD64CDEEE0}"/>
+              </a:ext>
+            </a:extLst>
+          </p:cNvPr>
+          <p:cNvCxnSpPr>
+            <a:cxnSpLocks/>
+            <a:stCxn id="110" idx="0"/>
+            <a:endCxn id="4" idx="2"/>
+          </p:cNvCxnSpPr>
+          <p:nvPr/>
+        </p:nvCxnSpPr>
+        <p:spPr>
+          <a:xfrm rot="5400000" flipH="1" flipV="1">
+            <a:off x="4736716" y="4060724"/>
+            <a:ext cx="2537403" cy="2223468"/>
+          </a:xfrm>
+          <a:prstGeom prst="bentConnector3">
+            <a:avLst>
+              <a:gd name="adj1" fmla="val 50000"/>
+            </a:avLst>
+          </a:prstGeom>
+          <a:ln w="28575">
+            <a:solidFill>
+              <a:srgbClr val="FFC000"/>
+            </a:solidFill>
+            <a:tailEnd type="triangle"/>
+          </a:ln>
+        </p:spPr>
+        <p:style>
+          <a:lnRef idx="1">
+            <a:schemeClr val="accent1"/>
+          </a:lnRef>
+          <a:fillRef idx="0">
+            <a:schemeClr val="accent1"/>
+          </a:fillRef>
+          <a:effectRef idx="0">
+            <a:schemeClr val="accent1"/>
+          </a:effectRef>
+          <a:fontRef idx="minor">
+            <a:schemeClr val="tx1"/>
+          </a:fontRef>
+        </p:style>
+      </p:cxnSp>
+      <p:sp>
+        <p:nvSpPr>
+          <p:cNvPr id="17" name="四角形: 角を丸くする 16">
+            <a:extLst>
+              <a:ext uri="{FF2B5EF4-FFF2-40B4-BE49-F238E27FC236}">
+                <a16:creationId xmlns:a16="http://schemas.microsoft.com/office/drawing/2014/main" id="{C4AE0EE1-81B1-4A59-8A2E-BAEA2A73104D}"/>
+              </a:ext>
+            </a:extLst>
+          </p:cNvPr>
+          <p:cNvSpPr/>
+          <p:nvPr/>
+        </p:nvSpPr>
+        <p:spPr>
+          <a:xfrm>
+            <a:off x="3929523" y="1060703"/>
+            <a:ext cx="5649901" cy="4956923"/>
+          </a:xfrm>
+          <a:prstGeom prst="roundRect">
+            <a:avLst/>
+          </a:prstGeom>
+          <a:noFill/>
+        </p:spPr>
+        <p:style>
+          <a:lnRef idx="2">
+            <a:schemeClr val="accent1">
+              <a:shade val="50000"/>
+            </a:schemeClr>
+          </a:lnRef>
+          <a:fillRef idx="1">
+            <a:schemeClr val="accent1"/>
+          </a:fillRef>
+          <a:effectRef idx="0">
+            <a:schemeClr val="accent1"/>
+          </a:effectRef>
+          <a:fontRef idx="minor">
+            <a:schemeClr val="lt1"/>
+          </a:fontRef>
+        </p:style>
+        <p:txBody>
+          <a:bodyPr rtlCol="0" anchor="ctr"/>
+          <a:lstStyle/>
+          <a:p>
+            <a:pPr algn="ctr"/>
+            <a:endParaRPr kumimoji="1" lang="ja-JP" altLang="en-US" dirty="0"/>
+          </a:p>
+        </p:txBody>
+      </p:sp>
+      <p:sp>
+        <p:nvSpPr>
+          <p:cNvPr id="18" name="四角形: 角を丸くする 17">
+            <a:extLst>
+              <a:ext uri="{FF2B5EF4-FFF2-40B4-BE49-F238E27FC236}">
+                <a16:creationId xmlns:a16="http://schemas.microsoft.com/office/drawing/2014/main" id="{6D67C1CB-5B76-4607-959F-12AFE0A8C642}"/>
+              </a:ext>
+            </a:extLst>
+          </p:cNvPr>
+          <p:cNvSpPr/>
+          <p:nvPr/>
+        </p:nvSpPr>
+        <p:spPr>
+          <a:xfrm>
+            <a:off x="1370392" y="2122650"/>
+            <a:ext cx="1544012" cy="1748454"/>
+          </a:xfrm>
+          <a:prstGeom prst="roundRect">
+            <a:avLst/>
+          </a:prstGeom>
+          <a:solidFill>
+            <a:schemeClr val="accent6">
+              <a:lumMod val="75000"/>
+            </a:schemeClr>
+          </a:solidFill>
+        </p:spPr>
+        <p:style>
+          <a:lnRef idx="2">
+            <a:schemeClr val="accent1">
+              <a:shade val="50000"/>
+            </a:schemeClr>
+          </a:lnRef>
+          <a:fillRef idx="1">
+            <a:schemeClr val="accent1"/>
+          </a:fillRef>
+          <a:effectRef idx="0">
+            <a:schemeClr val="accent1"/>
+          </a:effectRef>
+          <a:fontRef idx="minor">
+            <a:schemeClr val="lt1"/>
+          </a:fontRef>
+        </p:style>
+        <p:txBody>
+          <a:bodyPr rtlCol="0" anchor="ctr"/>
+          <a:lstStyle/>
+          <a:p>
+            <a:pPr algn="ctr"/>
+            <a:r>
+              <a:rPr kumimoji="1" lang="ja-JP" altLang="en-US" dirty="0">
+                <a:solidFill>
+                  <a:schemeClr val="bg1"/>
+                </a:solidFill>
+              </a:rPr>
+              <a:t>ソフトウェア供給者</a:t>
+            </a:r>
+          </a:p>
+        </p:txBody>
+      </p:sp>
+      <p:cxnSp>
+        <p:nvCxnSpPr>
+          <p:cNvPr id="19" name="コネクタ: カギ線 18">
+            <a:extLst>
+              <a:ext uri="{FF2B5EF4-FFF2-40B4-BE49-F238E27FC236}">
+                <a16:creationId xmlns:a16="http://schemas.microsoft.com/office/drawing/2014/main" id="{8C597CCE-39F1-4B65-AF67-D1B3E44B446A}"/>
+              </a:ext>
+            </a:extLst>
+          </p:cNvPr>
+          <p:cNvCxnSpPr>
+            <a:cxnSpLocks/>
+            <a:stCxn id="14" idx="0"/>
+            <a:endCxn id="18" idx="2"/>
+          </p:cNvCxnSpPr>
+          <p:nvPr/>
+        </p:nvCxnSpPr>
+        <p:spPr>
+          <a:xfrm rot="16200000" flipV="1">
+            <a:off x="1974789" y="4038714"/>
+            <a:ext cx="2529697" cy="2194477"/>
+          </a:xfrm>
+          <a:prstGeom prst="bentConnector3">
+            <a:avLst>
+              <a:gd name="adj1" fmla="val 50000"/>
+            </a:avLst>
+          </a:prstGeom>
+          <a:ln w="28575">
+            <a:solidFill>
+              <a:srgbClr val="FFC000"/>
+            </a:solidFill>
+            <a:tailEnd type="triangle"/>
+          </a:ln>
+        </p:spPr>
+        <p:style>
+          <a:lnRef idx="1">
+            <a:schemeClr val="accent1"/>
+          </a:lnRef>
+          <a:fillRef idx="0">
+            <a:schemeClr val="accent1"/>
+          </a:fillRef>
+          <a:effectRef idx="0">
+            <a:schemeClr val="accent1"/>
+          </a:effectRef>
+          <a:fontRef idx="minor">
+            <a:schemeClr val="tx1"/>
+          </a:fontRef>
+        </p:style>
+      </p:cxnSp>
+      <p:cxnSp>
+        <p:nvCxnSpPr>
+          <p:cNvPr id="20" name="直線矢印コネクタ 19">
+            <a:extLst>
+              <a:ext uri="{FF2B5EF4-FFF2-40B4-BE49-F238E27FC236}">
+                <a16:creationId xmlns:a16="http://schemas.microsoft.com/office/drawing/2014/main" id="{799764D5-6275-44D0-9FA6-586F284915D6}"/>
+              </a:ext>
+            </a:extLst>
+          </p:cNvPr>
+          <p:cNvCxnSpPr>
+            <a:cxnSpLocks/>
+          </p:cNvCxnSpPr>
+          <p:nvPr/>
+        </p:nvCxnSpPr>
+        <p:spPr>
+          <a:xfrm>
+            <a:off x="2914404" y="2592988"/>
+            <a:ext cx="3484763" cy="41973"/>
+          </a:xfrm>
+          <a:prstGeom prst="straightConnector1">
+            <a:avLst/>
+          </a:prstGeom>
+          <a:ln w="38100">
+            <a:solidFill>
+              <a:schemeClr val="tx1"/>
+            </a:solidFill>
+            <a:tailEnd type="triangle"/>
+          </a:ln>
+        </p:spPr>
+        <p:style>
+          <a:lnRef idx="1">
+            <a:schemeClr val="accent1"/>
+          </a:lnRef>
+          <a:fillRef idx="0">
+            <a:schemeClr val="accent1"/>
+          </a:fillRef>
+          <a:effectRef idx="0">
+            <a:schemeClr val="accent1"/>
+          </a:effectRef>
+          <a:fontRef idx="minor">
+            <a:schemeClr val="tx1"/>
+          </a:fontRef>
+        </p:style>
+      </p:cxnSp>
+      <p:sp>
+        <p:nvSpPr>
+          <p:cNvPr id="25" name="テキスト ボックス 24">
+            <a:extLst>
+              <a:ext uri="{FF2B5EF4-FFF2-40B4-BE49-F238E27FC236}">
+                <a16:creationId xmlns:a16="http://schemas.microsoft.com/office/drawing/2014/main" id="{62448C0A-5E62-4172-9D11-66C9D940BEC5}"/>
+              </a:ext>
+            </a:extLst>
+          </p:cNvPr>
+          <p:cNvSpPr txBox="1"/>
+          <p:nvPr/>
+        </p:nvSpPr>
+        <p:spPr>
+          <a:xfrm>
+            <a:off x="3220210" y="2249102"/>
+            <a:ext cx="1330814" cy="307777"/>
+          </a:xfrm>
+          <a:prstGeom prst="rect">
+            <a:avLst/>
+          </a:prstGeom>
+          <a:noFill/>
+        </p:spPr>
+        <p:txBody>
+          <a:bodyPr wrap="none" rtlCol="0">
+            <a:spAutoFit/>
+          </a:bodyPr>
+          <a:lstStyle/>
+          <a:p>
+            <a:r>
+              <a:rPr kumimoji="1" lang="ja-JP" altLang="en-US" sz="1400" dirty="0"/>
+              <a:t>納入</a:t>
+            </a:r>
+            <a:r>
+              <a:rPr kumimoji="1" lang="en-US" altLang="ja-JP" sz="1400" dirty="0"/>
+              <a:t>/</a:t>
+            </a:r>
+            <a:r>
+              <a:rPr kumimoji="1" lang="ja-JP" altLang="en-US" sz="1400" dirty="0"/>
+              <a:t>配布許諾</a:t>
+            </a:r>
+          </a:p>
+        </p:txBody>
+      </p:sp>
+      <p:sp>
+        <p:nvSpPr>
+          <p:cNvPr id="27" name="テキスト ボックス 26">
+            <a:extLst>
+              <a:ext uri="{FF2B5EF4-FFF2-40B4-BE49-F238E27FC236}">
+                <a16:creationId xmlns:a16="http://schemas.microsoft.com/office/drawing/2014/main" id="{2BE83DCF-98CD-47EB-A78B-C4C1A4F0EB79}"/>
+              </a:ext>
+            </a:extLst>
+          </p:cNvPr>
+          <p:cNvSpPr txBox="1"/>
+          <p:nvPr/>
+        </p:nvSpPr>
+        <p:spPr>
+          <a:xfrm>
+            <a:off x="2293487" y="4757865"/>
+            <a:ext cx="548548" cy="369332"/>
+          </a:xfrm>
+          <a:prstGeom prst="rect">
+            <a:avLst/>
+          </a:prstGeom>
+          <a:noFill/>
+        </p:spPr>
+        <p:txBody>
+          <a:bodyPr wrap="none" rtlCol="0">
+            <a:spAutoFit/>
+          </a:bodyPr>
+          <a:lstStyle/>
+          <a:p>
+            <a:r>
               <a:rPr kumimoji="1" lang="en-US" altLang="ja-JP" dirty="0"/>
-              <a:t>CE-5</a:t>
+              <a:t>OSS</a:t>
             </a:r>
             <a:endParaRPr kumimoji="1" lang="ja-JP" altLang="en-US" dirty="0"/>
+          </a:p>
+        </p:txBody>
+      </p:sp>
+      <p:sp>
+        <p:nvSpPr>
+          <p:cNvPr id="38" name="テキスト ボックス 37">
+            <a:extLst>
+              <a:ext uri="{FF2B5EF4-FFF2-40B4-BE49-F238E27FC236}">
+                <a16:creationId xmlns:a16="http://schemas.microsoft.com/office/drawing/2014/main" id="{E7C5B2B4-E0E5-43B5-8D74-8298E11EE11E}"/>
+              </a:ext>
+            </a:extLst>
+          </p:cNvPr>
+          <p:cNvSpPr txBox="1"/>
+          <p:nvPr/>
+        </p:nvSpPr>
+        <p:spPr>
+          <a:xfrm>
+            <a:off x="6485809" y="3271513"/>
+            <a:ext cx="1167307" cy="369332"/>
+          </a:xfrm>
+          <a:prstGeom prst="rect">
+            <a:avLst/>
+          </a:prstGeom>
+          <a:noFill/>
+        </p:spPr>
+        <p:txBody>
+          <a:bodyPr wrap="none" rtlCol="0">
+            <a:spAutoFit/>
+          </a:bodyPr>
+          <a:lstStyle/>
+          <a:p>
+            <a:r>
+              <a:rPr kumimoji="1" lang="ja-JP" altLang="en-US" dirty="0"/>
+              <a:t>ソフト設計</a:t>
+            </a:r>
+          </a:p>
+        </p:txBody>
+      </p:sp>
+      <p:cxnSp>
+        <p:nvCxnSpPr>
+          <p:cNvPr id="40" name="直線矢印コネクタ 39">
+            <a:extLst>
+              <a:ext uri="{FF2B5EF4-FFF2-40B4-BE49-F238E27FC236}">
+                <a16:creationId xmlns:a16="http://schemas.microsoft.com/office/drawing/2014/main" id="{648E1B51-0566-434D-BFAB-8E85CDB05961}"/>
+              </a:ext>
+            </a:extLst>
+          </p:cNvPr>
+          <p:cNvCxnSpPr>
+            <a:cxnSpLocks/>
+          </p:cNvCxnSpPr>
+          <p:nvPr/>
+        </p:nvCxnSpPr>
+        <p:spPr>
+          <a:xfrm>
+            <a:off x="4686077" y="1899317"/>
+            <a:ext cx="0" cy="657562"/>
+          </a:xfrm>
+          <a:prstGeom prst="straightConnector1">
+            <a:avLst/>
+          </a:prstGeom>
+          <a:ln>
+            <a:tailEnd type="triangle"/>
+          </a:ln>
+        </p:spPr>
+        <p:style>
+          <a:lnRef idx="1">
+            <a:schemeClr val="accent1"/>
+          </a:lnRef>
+          <a:fillRef idx="0">
+            <a:schemeClr val="accent1"/>
+          </a:fillRef>
+          <a:effectRef idx="0">
+            <a:schemeClr val="accent1"/>
+          </a:effectRef>
+          <a:fontRef idx="minor">
+            <a:schemeClr val="tx1"/>
+          </a:fontRef>
+        </p:style>
+      </p:cxnSp>
+      <p:sp>
+        <p:nvSpPr>
+          <p:cNvPr id="41" name="テキスト ボックス 40">
+            <a:extLst>
+              <a:ext uri="{FF2B5EF4-FFF2-40B4-BE49-F238E27FC236}">
+                <a16:creationId xmlns:a16="http://schemas.microsoft.com/office/drawing/2014/main" id="{CC0A6E2D-F59F-4854-93E9-6E97017B9463}"/>
+              </a:ext>
+            </a:extLst>
+          </p:cNvPr>
+          <p:cNvSpPr txBox="1"/>
+          <p:nvPr/>
+        </p:nvSpPr>
+        <p:spPr>
+          <a:xfrm>
+            <a:off x="4217146" y="1080198"/>
+            <a:ext cx="3466013" cy="830997"/>
+          </a:xfrm>
+          <a:prstGeom prst="rect">
+            <a:avLst/>
+          </a:prstGeom>
+          <a:noFill/>
+        </p:spPr>
+        <p:txBody>
+          <a:bodyPr wrap="none" rtlCol="0">
+            <a:spAutoFit/>
+          </a:bodyPr>
+          <a:lstStyle/>
+          <a:p>
+            <a:r>
+              <a:rPr kumimoji="1" lang="ja-JP" altLang="en-US" sz="1600" dirty="0"/>
+              <a:t>法務・知財</a:t>
+            </a:r>
+            <a:endParaRPr kumimoji="1" lang="en-US" altLang="ja-JP" sz="1600" dirty="0"/>
+          </a:p>
+          <a:p>
+            <a:r>
+              <a:rPr kumimoji="1" lang="ja-JP" altLang="en-US" sz="1600" dirty="0"/>
+              <a:t>契約担当（業務委託、ライセンス契約）</a:t>
+            </a:r>
+            <a:endParaRPr kumimoji="1" lang="en-US" altLang="ja-JP" sz="1600" dirty="0"/>
+          </a:p>
+          <a:p>
+            <a:r>
+              <a:rPr kumimoji="1" lang="en-US" altLang="ja-JP" sz="1600" dirty="0"/>
+              <a:t>OSS</a:t>
+            </a:r>
+            <a:r>
+              <a:rPr kumimoji="1" lang="ja-JP" altLang="en-US" sz="1600" dirty="0"/>
+              <a:t>担当</a:t>
+            </a:r>
+          </a:p>
+        </p:txBody>
+      </p:sp>
+      <p:cxnSp>
+        <p:nvCxnSpPr>
+          <p:cNvPr id="50" name="直線矢印コネクタ 49">
+            <a:extLst>
+              <a:ext uri="{FF2B5EF4-FFF2-40B4-BE49-F238E27FC236}">
+                <a16:creationId xmlns:a16="http://schemas.microsoft.com/office/drawing/2014/main" id="{BDA0DDE6-9A93-4801-94E2-3622152183EA}"/>
+              </a:ext>
+            </a:extLst>
+          </p:cNvPr>
+          <p:cNvCxnSpPr>
+            <a:cxnSpLocks/>
+            <a:stCxn id="52" idx="1"/>
+          </p:cNvCxnSpPr>
+          <p:nvPr/>
+        </p:nvCxnSpPr>
+        <p:spPr>
+          <a:xfrm flipH="1" flipV="1">
+            <a:off x="7392917" y="4869181"/>
+            <a:ext cx="492829" cy="344445"/>
+          </a:xfrm>
+          <a:prstGeom prst="straightConnector1">
+            <a:avLst/>
+          </a:prstGeom>
+          <a:ln>
+            <a:tailEnd type="triangle"/>
+          </a:ln>
+        </p:spPr>
+        <p:style>
+          <a:lnRef idx="1">
+            <a:schemeClr val="accent1"/>
+          </a:lnRef>
+          <a:fillRef idx="0">
+            <a:schemeClr val="accent1"/>
+          </a:fillRef>
+          <a:effectRef idx="0">
+            <a:schemeClr val="accent1"/>
+          </a:effectRef>
+          <a:fontRef idx="minor">
+            <a:schemeClr val="tx1"/>
+          </a:fontRef>
+        </p:style>
+      </p:cxnSp>
+      <p:sp>
+        <p:nvSpPr>
+          <p:cNvPr id="52" name="テキスト ボックス 51">
+            <a:extLst>
+              <a:ext uri="{FF2B5EF4-FFF2-40B4-BE49-F238E27FC236}">
+                <a16:creationId xmlns:a16="http://schemas.microsoft.com/office/drawing/2014/main" id="{002344AB-AADE-434B-8FF8-EA85D96939D0}"/>
+              </a:ext>
+            </a:extLst>
+          </p:cNvPr>
+          <p:cNvSpPr txBox="1"/>
+          <p:nvPr/>
+        </p:nvSpPr>
+        <p:spPr>
+          <a:xfrm>
+            <a:off x="7885746" y="4921238"/>
+            <a:ext cx="1107996" cy="584775"/>
+          </a:xfrm>
+          <a:prstGeom prst="rect">
+            <a:avLst/>
+          </a:prstGeom>
+          <a:noFill/>
+        </p:spPr>
+        <p:txBody>
+          <a:bodyPr wrap="none" rtlCol="0">
+            <a:spAutoFit/>
+          </a:bodyPr>
+          <a:lstStyle/>
+          <a:p>
+            <a:r>
+              <a:rPr kumimoji="1" lang="ja-JP" altLang="en-US" sz="1600" dirty="0"/>
+              <a:t>法務・知財</a:t>
+            </a:r>
+            <a:endParaRPr kumimoji="1" lang="en-US" altLang="ja-JP" sz="1600" dirty="0"/>
+          </a:p>
+          <a:p>
+            <a:r>
+              <a:rPr kumimoji="1" lang="en-US" altLang="ja-JP" sz="1600" dirty="0"/>
+              <a:t>OSS</a:t>
+            </a:r>
+            <a:r>
+              <a:rPr kumimoji="1" lang="ja-JP" altLang="en-US" sz="1600" dirty="0"/>
+              <a:t>担当</a:t>
+            </a:r>
+          </a:p>
+        </p:txBody>
+      </p:sp>
+      <p:sp>
+        <p:nvSpPr>
+          <p:cNvPr id="66" name="テキスト ボックス 65">
+            <a:extLst>
+              <a:ext uri="{FF2B5EF4-FFF2-40B4-BE49-F238E27FC236}">
+                <a16:creationId xmlns:a16="http://schemas.microsoft.com/office/drawing/2014/main" id="{1512C2FD-890A-4B32-AD1A-A6DA4A5FDF07}"/>
+              </a:ext>
+            </a:extLst>
+          </p:cNvPr>
+          <p:cNvSpPr txBox="1"/>
+          <p:nvPr/>
+        </p:nvSpPr>
+        <p:spPr>
+          <a:xfrm>
+            <a:off x="8223887" y="6356350"/>
+            <a:ext cx="184731" cy="369332"/>
+          </a:xfrm>
+          <a:prstGeom prst="rect">
+            <a:avLst/>
+          </a:prstGeom>
+          <a:noFill/>
+        </p:spPr>
+        <p:txBody>
+          <a:bodyPr wrap="none" rtlCol="0">
+            <a:spAutoFit/>
+          </a:bodyPr>
+          <a:lstStyle/>
+          <a:p>
+            <a:endParaRPr kumimoji="1" lang="ja-JP" altLang="en-US" dirty="0"/>
+          </a:p>
+        </p:txBody>
+      </p:sp>
+      <p:sp>
+        <p:nvSpPr>
+          <p:cNvPr id="32" name="テキスト ボックス 31">
+            <a:extLst>
+              <a:ext uri="{FF2B5EF4-FFF2-40B4-BE49-F238E27FC236}">
+                <a16:creationId xmlns:a16="http://schemas.microsoft.com/office/drawing/2014/main" id="{FE223107-FFF5-40D1-9180-76AC7114EF08}"/>
+              </a:ext>
+            </a:extLst>
+          </p:cNvPr>
+          <p:cNvSpPr txBox="1"/>
+          <p:nvPr/>
+        </p:nvSpPr>
+        <p:spPr>
+          <a:xfrm>
+            <a:off x="1219017" y="1212719"/>
+            <a:ext cx="1423788" cy="923330"/>
+          </a:xfrm>
+          <a:prstGeom prst="rect">
+            <a:avLst/>
+          </a:prstGeom>
+          <a:noFill/>
+        </p:spPr>
+        <p:txBody>
+          <a:bodyPr wrap="none" rtlCol="0">
+            <a:spAutoFit/>
+          </a:bodyPr>
+          <a:lstStyle/>
+          <a:p>
+            <a:r>
+              <a:rPr kumimoji="1" lang="ja-JP" altLang="en-US" dirty="0"/>
+              <a:t>業務委託先</a:t>
+            </a:r>
+            <a:endParaRPr kumimoji="1" lang="en-US" altLang="ja-JP" dirty="0"/>
+          </a:p>
+          <a:p>
+            <a:pPr algn="ctr"/>
+            <a:r>
+              <a:rPr kumimoji="1" lang="en-US" altLang="ja-JP" dirty="0"/>
+              <a:t>or</a:t>
+            </a:r>
+          </a:p>
+          <a:p>
+            <a:r>
+              <a:rPr kumimoji="1" lang="ja-JP" altLang="en-US" dirty="0"/>
+              <a:t>ライセンサー</a:t>
+            </a:r>
+          </a:p>
+        </p:txBody>
+      </p:sp>
+      <p:cxnSp>
+        <p:nvCxnSpPr>
+          <p:cNvPr id="48" name="直線矢印コネクタ 47">
+            <a:extLst>
+              <a:ext uri="{FF2B5EF4-FFF2-40B4-BE49-F238E27FC236}">
+                <a16:creationId xmlns:a16="http://schemas.microsoft.com/office/drawing/2014/main" id="{49BA6969-10E4-4615-B091-CE3F8F22688C}"/>
+              </a:ext>
+            </a:extLst>
+          </p:cNvPr>
+          <p:cNvCxnSpPr>
+            <a:cxnSpLocks/>
+          </p:cNvCxnSpPr>
+          <p:nvPr/>
+        </p:nvCxnSpPr>
+        <p:spPr>
+          <a:xfrm>
+            <a:off x="2918751" y="3015368"/>
+            <a:ext cx="3484763" cy="41973"/>
+          </a:xfrm>
+          <a:prstGeom prst="straightConnector1">
+            <a:avLst/>
+          </a:prstGeom>
+          <a:ln w="38100">
+            <a:solidFill>
+              <a:srgbClr val="FFC000"/>
+            </a:solidFill>
+            <a:tailEnd type="triangle"/>
+          </a:ln>
+        </p:spPr>
+        <p:style>
+          <a:lnRef idx="1">
+            <a:schemeClr val="accent1"/>
+          </a:lnRef>
+          <a:fillRef idx="0">
+            <a:schemeClr val="accent1"/>
+          </a:fillRef>
+          <a:effectRef idx="0">
+            <a:schemeClr val="accent1"/>
+          </a:effectRef>
+          <a:fontRef idx="minor">
+            <a:schemeClr val="tx1"/>
+          </a:fontRef>
+        </p:style>
+      </p:cxnSp>
+      <p:cxnSp>
+        <p:nvCxnSpPr>
+          <p:cNvPr id="49" name="直線矢印コネクタ 48">
+            <a:extLst>
+              <a:ext uri="{FF2B5EF4-FFF2-40B4-BE49-F238E27FC236}">
+                <a16:creationId xmlns:a16="http://schemas.microsoft.com/office/drawing/2014/main" id="{9B125BF0-E15F-496C-872E-FD7F71C1240F}"/>
+              </a:ext>
+            </a:extLst>
+          </p:cNvPr>
+          <p:cNvCxnSpPr>
+            <a:cxnSpLocks/>
+          </p:cNvCxnSpPr>
+          <p:nvPr/>
+        </p:nvCxnSpPr>
+        <p:spPr>
+          <a:xfrm>
+            <a:off x="2923098" y="3620609"/>
+            <a:ext cx="3484763" cy="41973"/>
+          </a:xfrm>
+          <a:prstGeom prst="straightConnector1">
+            <a:avLst/>
+          </a:prstGeom>
+          <a:ln w="38100">
+            <a:solidFill>
+              <a:srgbClr val="FF0000"/>
+            </a:solidFill>
+            <a:tailEnd type="triangle"/>
+          </a:ln>
+        </p:spPr>
+        <p:style>
+          <a:lnRef idx="1">
+            <a:schemeClr val="accent1"/>
+          </a:lnRef>
+          <a:fillRef idx="0">
+            <a:schemeClr val="accent1"/>
+          </a:fillRef>
+          <a:effectRef idx="0">
+            <a:schemeClr val="accent1"/>
+          </a:effectRef>
+          <a:fontRef idx="minor">
+            <a:schemeClr val="tx1"/>
+          </a:fontRef>
+        </p:style>
+      </p:cxnSp>
+      <p:cxnSp>
+        <p:nvCxnSpPr>
+          <p:cNvPr id="51" name="直線矢印コネクタ 50">
+            <a:extLst>
+              <a:ext uri="{FF2B5EF4-FFF2-40B4-BE49-F238E27FC236}">
+                <a16:creationId xmlns:a16="http://schemas.microsoft.com/office/drawing/2014/main" id="{1AE8C03A-F9FE-4021-84C9-AC0BC15D47E6}"/>
+              </a:ext>
+            </a:extLst>
+          </p:cNvPr>
+          <p:cNvCxnSpPr>
+            <a:cxnSpLocks/>
+          </p:cNvCxnSpPr>
+          <p:nvPr/>
+        </p:nvCxnSpPr>
+        <p:spPr>
+          <a:xfrm>
+            <a:off x="10137241" y="376340"/>
+            <a:ext cx="729150" cy="0"/>
+          </a:xfrm>
+          <a:prstGeom prst="straightConnector1">
+            <a:avLst/>
+          </a:prstGeom>
+          <a:ln w="38100">
+            <a:solidFill>
+              <a:schemeClr val="tx1"/>
+            </a:solidFill>
+            <a:tailEnd type="triangle"/>
+          </a:ln>
+        </p:spPr>
+        <p:style>
+          <a:lnRef idx="1">
+            <a:schemeClr val="accent1"/>
+          </a:lnRef>
+          <a:fillRef idx="0">
+            <a:schemeClr val="accent1"/>
+          </a:fillRef>
+          <a:effectRef idx="0">
+            <a:schemeClr val="accent1"/>
+          </a:effectRef>
+          <a:fontRef idx="minor">
+            <a:schemeClr val="tx1"/>
+          </a:fontRef>
+        </p:style>
+      </p:cxnSp>
+      <p:sp>
+        <p:nvSpPr>
+          <p:cNvPr id="34" name="テキスト ボックス 33">
+            <a:extLst>
+              <a:ext uri="{FF2B5EF4-FFF2-40B4-BE49-F238E27FC236}">
+                <a16:creationId xmlns:a16="http://schemas.microsoft.com/office/drawing/2014/main" id="{F7727B7D-3EC2-473F-8D8D-2A34B96C8095}"/>
+              </a:ext>
+            </a:extLst>
+          </p:cNvPr>
+          <p:cNvSpPr txBox="1"/>
+          <p:nvPr/>
+        </p:nvSpPr>
+        <p:spPr>
+          <a:xfrm>
+            <a:off x="6775270" y="616098"/>
+            <a:ext cx="78292" cy="287990"/>
+          </a:xfrm>
+          <a:prstGeom prst="rect">
+            <a:avLst/>
+          </a:prstGeom>
+          <a:noFill/>
+        </p:spPr>
+        <p:txBody>
+          <a:bodyPr wrap="square" rtlCol="0">
+            <a:spAutoFit/>
+          </a:bodyPr>
+          <a:lstStyle/>
+          <a:p>
+            <a:endParaRPr kumimoji="1" lang="ja-JP" altLang="en-US" dirty="0"/>
+          </a:p>
+        </p:txBody>
+      </p:sp>
+      <p:sp>
+        <p:nvSpPr>
+          <p:cNvPr id="36" name="テキスト ボックス 35">
+            <a:extLst>
+              <a:ext uri="{FF2B5EF4-FFF2-40B4-BE49-F238E27FC236}">
+                <a16:creationId xmlns:a16="http://schemas.microsoft.com/office/drawing/2014/main" id="{773262EB-8CF1-4D54-9BE9-CDD4A3EACCF4}"/>
+              </a:ext>
+            </a:extLst>
+          </p:cNvPr>
+          <p:cNvSpPr txBox="1"/>
+          <p:nvPr/>
+        </p:nvSpPr>
+        <p:spPr>
+          <a:xfrm>
+            <a:off x="9227950" y="475731"/>
+            <a:ext cx="926857" cy="276999"/>
+          </a:xfrm>
+          <a:prstGeom prst="rect">
+            <a:avLst/>
+          </a:prstGeom>
+          <a:noFill/>
+        </p:spPr>
+        <p:txBody>
+          <a:bodyPr wrap="none" rtlCol="0">
+            <a:spAutoFit/>
+          </a:bodyPr>
+          <a:lstStyle/>
+          <a:p>
+            <a:r>
+              <a:rPr kumimoji="1" lang="ja-JP" altLang="en-US" sz="1200" dirty="0"/>
+              <a:t>ソフトウェア</a:t>
+            </a:r>
+          </a:p>
+        </p:txBody>
+      </p:sp>
+      <p:cxnSp>
+        <p:nvCxnSpPr>
+          <p:cNvPr id="53" name="直線矢印コネクタ 52">
+            <a:extLst>
+              <a:ext uri="{FF2B5EF4-FFF2-40B4-BE49-F238E27FC236}">
+                <a16:creationId xmlns:a16="http://schemas.microsoft.com/office/drawing/2014/main" id="{BC75B51B-755B-4093-ADBF-8EF521F1D89B}"/>
+              </a:ext>
+            </a:extLst>
+          </p:cNvPr>
+          <p:cNvCxnSpPr>
+            <a:cxnSpLocks/>
+          </p:cNvCxnSpPr>
+          <p:nvPr/>
+        </p:nvCxnSpPr>
+        <p:spPr>
+          <a:xfrm>
+            <a:off x="10133342" y="616098"/>
+            <a:ext cx="729150" cy="0"/>
+          </a:xfrm>
+          <a:prstGeom prst="straightConnector1">
+            <a:avLst/>
+          </a:prstGeom>
+          <a:ln w="38100">
+            <a:solidFill>
+              <a:srgbClr val="FFC000"/>
+            </a:solidFill>
+            <a:tailEnd type="triangle"/>
+          </a:ln>
+        </p:spPr>
+        <p:style>
+          <a:lnRef idx="1">
+            <a:schemeClr val="accent1"/>
+          </a:lnRef>
+          <a:fillRef idx="0">
+            <a:schemeClr val="accent1"/>
+          </a:fillRef>
+          <a:effectRef idx="0">
+            <a:schemeClr val="accent1"/>
+          </a:effectRef>
+          <a:fontRef idx="minor">
+            <a:schemeClr val="tx1"/>
+          </a:fontRef>
+        </p:style>
+      </p:cxnSp>
+      <p:sp>
+        <p:nvSpPr>
+          <p:cNvPr id="55" name="テキスト ボックス 54">
+            <a:extLst>
+              <a:ext uri="{FF2B5EF4-FFF2-40B4-BE49-F238E27FC236}">
+                <a16:creationId xmlns:a16="http://schemas.microsoft.com/office/drawing/2014/main" id="{C15E9F4A-205B-40F9-983B-2CBF7168A520}"/>
+              </a:ext>
+            </a:extLst>
+          </p:cNvPr>
+          <p:cNvSpPr txBox="1"/>
+          <p:nvPr/>
+        </p:nvSpPr>
+        <p:spPr>
+          <a:xfrm>
+            <a:off x="9206175" y="236234"/>
+            <a:ext cx="184731" cy="276999"/>
+          </a:xfrm>
+          <a:prstGeom prst="rect">
+            <a:avLst/>
+          </a:prstGeom>
+          <a:noFill/>
+        </p:spPr>
+        <p:txBody>
+          <a:bodyPr wrap="none" rtlCol="0">
+            <a:spAutoFit/>
+          </a:bodyPr>
+          <a:lstStyle/>
+          <a:p>
+            <a:endParaRPr kumimoji="1" lang="ja-JP" altLang="en-US" sz="1200" dirty="0"/>
+          </a:p>
+        </p:txBody>
+      </p:sp>
+      <p:sp>
+        <p:nvSpPr>
+          <p:cNvPr id="56" name="テキスト ボックス 55">
+            <a:extLst>
+              <a:ext uri="{FF2B5EF4-FFF2-40B4-BE49-F238E27FC236}">
+                <a16:creationId xmlns:a16="http://schemas.microsoft.com/office/drawing/2014/main" id="{8F99B9CB-0E03-4B49-B6AB-0AFDFF5ECD8F}"/>
+              </a:ext>
+            </a:extLst>
+          </p:cNvPr>
+          <p:cNvSpPr txBox="1"/>
+          <p:nvPr/>
+        </p:nvSpPr>
+        <p:spPr>
+          <a:xfrm>
+            <a:off x="8961919" y="219362"/>
+            <a:ext cx="1242648" cy="276999"/>
+          </a:xfrm>
+          <a:prstGeom prst="rect">
+            <a:avLst/>
+          </a:prstGeom>
+          <a:noFill/>
+        </p:spPr>
+        <p:txBody>
+          <a:bodyPr wrap="none" rtlCol="0">
+            <a:spAutoFit/>
+          </a:bodyPr>
+          <a:lstStyle/>
+          <a:p>
+            <a:r>
+              <a:rPr kumimoji="1" lang="ja-JP" altLang="en-US" sz="1200" dirty="0"/>
+              <a:t>契約・ライセンス</a:t>
+            </a:r>
+          </a:p>
+        </p:txBody>
+      </p:sp>
+      <p:cxnSp>
+        <p:nvCxnSpPr>
+          <p:cNvPr id="57" name="直線矢印コネクタ 56">
+            <a:extLst>
+              <a:ext uri="{FF2B5EF4-FFF2-40B4-BE49-F238E27FC236}">
+                <a16:creationId xmlns:a16="http://schemas.microsoft.com/office/drawing/2014/main" id="{FB8DCBE5-9DD0-40E1-84D7-DFCB799A4C54}"/>
+              </a:ext>
+            </a:extLst>
+          </p:cNvPr>
+          <p:cNvCxnSpPr>
+            <a:cxnSpLocks/>
+          </p:cNvCxnSpPr>
+          <p:nvPr/>
+        </p:nvCxnSpPr>
+        <p:spPr>
+          <a:xfrm>
+            <a:off x="10133342" y="872442"/>
+            <a:ext cx="729150" cy="0"/>
+          </a:xfrm>
+          <a:prstGeom prst="straightConnector1">
+            <a:avLst/>
+          </a:prstGeom>
+          <a:ln w="38100">
+            <a:solidFill>
+              <a:srgbClr val="FF0000"/>
+            </a:solidFill>
+            <a:tailEnd type="triangle"/>
+          </a:ln>
+        </p:spPr>
+        <p:style>
+          <a:lnRef idx="1">
+            <a:schemeClr val="accent1"/>
+          </a:lnRef>
+          <a:fillRef idx="0">
+            <a:schemeClr val="accent1"/>
+          </a:fillRef>
+          <a:effectRef idx="0">
+            <a:schemeClr val="accent1"/>
+          </a:effectRef>
+          <a:fontRef idx="minor">
+            <a:schemeClr val="tx1"/>
+          </a:fontRef>
+        </p:style>
+      </p:cxnSp>
+      <p:sp>
+        <p:nvSpPr>
+          <p:cNvPr id="58" name="テキスト ボックス 57">
+            <a:extLst>
+              <a:ext uri="{FF2B5EF4-FFF2-40B4-BE49-F238E27FC236}">
+                <a16:creationId xmlns:a16="http://schemas.microsoft.com/office/drawing/2014/main" id="{05655542-91EE-42CE-A2B6-70E3E90C8B8B}"/>
+              </a:ext>
+            </a:extLst>
+          </p:cNvPr>
+          <p:cNvSpPr txBox="1"/>
+          <p:nvPr/>
+        </p:nvSpPr>
+        <p:spPr>
+          <a:xfrm>
+            <a:off x="9222326" y="759514"/>
+            <a:ext cx="2909771" cy="646331"/>
+          </a:xfrm>
+          <a:prstGeom prst="rect">
+            <a:avLst/>
+          </a:prstGeom>
+          <a:noFill/>
+        </p:spPr>
+        <p:txBody>
+          <a:bodyPr wrap="none" rtlCol="0">
+            <a:spAutoFit/>
+          </a:bodyPr>
+          <a:lstStyle/>
+          <a:p>
+            <a:r>
+              <a:rPr kumimoji="1" lang="en-US" altLang="ja-JP" sz="1200" dirty="0"/>
+              <a:t>OSS</a:t>
+            </a:r>
+            <a:r>
+              <a:rPr kumimoji="1" lang="ja-JP" altLang="en-US" sz="1200" dirty="0"/>
+              <a:t>情報</a:t>
+            </a:r>
+            <a:endParaRPr kumimoji="1" lang="en-US" altLang="ja-JP" sz="1200" dirty="0"/>
+          </a:p>
+          <a:p>
+            <a:r>
+              <a:rPr kumimoji="1" lang="ja-JP" altLang="en-US" sz="1200" dirty="0"/>
+              <a:t>（使用</a:t>
+            </a:r>
+            <a:r>
+              <a:rPr kumimoji="1" lang="en-US" altLang="ja-JP" sz="1200" dirty="0"/>
+              <a:t>OSS</a:t>
+            </a:r>
+            <a:r>
+              <a:rPr kumimoji="1" lang="ja-JP" altLang="en-US" sz="1200" dirty="0"/>
+              <a:t>リスト、ライセンス、著作権情報、</a:t>
+            </a:r>
+            <a:endParaRPr kumimoji="1" lang="en-US" altLang="ja-JP" sz="1200" dirty="0"/>
+          </a:p>
+          <a:p>
+            <a:r>
+              <a:rPr kumimoji="1" lang="ja-JP" altLang="en-US" sz="1200" dirty="0"/>
+              <a:t>開示必要なソース）</a:t>
+            </a:r>
+          </a:p>
+        </p:txBody>
+      </p:sp>
+      <p:cxnSp>
+        <p:nvCxnSpPr>
+          <p:cNvPr id="62" name="直線矢印コネクタ 61">
+            <a:extLst>
+              <a:ext uri="{FF2B5EF4-FFF2-40B4-BE49-F238E27FC236}">
+                <a16:creationId xmlns:a16="http://schemas.microsoft.com/office/drawing/2014/main" id="{D622923E-BB95-4931-932B-EA5B7997CB4D}"/>
+              </a:ext>
+            </a:extLst>
+          </p:cNvPr>
+          <p:cNvCxnSpPr>
+            <a:cxnSpLocks/>
+          </p:cNvCxnSpPr>
+          <p:nvPr/>
+        </p:nvCxnSpPr>
+        <p:spPr>
+          <a:xfrm>
+            <a:off x="7847391" y="2607397"/>
+            <a:ext cx="2047858" cy="26997"/>
+          </a:xfrm>
+          <a:prstGeom prst="straightConnector1">
+            <a:avLst/>
+          </a:prstGeom>
+          <a:ln w="38100">
+            <a:solidFill>
+              <a:schemeClr val="tx1"/>
+            </a:solidFill>
+            <a:tailEnd type="triangle"/>
+          </a:ln>
+        </p:spPr>
+        <p:style>
+          <a:lnRef idx="1">
+            <a:schemeClr val="accent1"/>
+          </a:lnRef>
+          <a:fillRef idx="0">
+            <a:schemeClr val="accent1"/>
+          </a:fillRef>
+          <a:effectRef idx="0">
+            <a:schemeClr val="accent1"/>
+          </a:effectRef>
+          <a:fontRef idx="minor">
+            <a:schemeClr val="tx1"/>
+          </a:fontRef>
+        </p:style>
+      </p:cxnSp>
+      <p:sp>
+        <p:nvSpPr>
+          <p:cNvPr id="64" name="テキスト ボックス 63">
+            <a:extLst>
+              <a:ext uri="{FF2B5EF4-FFF2-40B4-BE49-F238E27FC236}">
+                <a16:creationId xmlns:a16="http://schemas.microsoft.com/office/drawing/2014/main" id="{5971F97B-C77F-4E4A-BC56-BF67EBD64DEC}"/>
+              </a:ext>
+            </a:extLst>
+          </p:cNvPr>
+          <p:cNvSpPr txBox="1"/>
+          <p:nvPr/>
+        </p:nvSpPr>
+        <p:spPr>
+          <a:xfrm>
+            <a:off x="8087470" y="2329040"/>
+            <a:ext cx="567784" cy="307777"/>
+          </a:xfrm>
+          <a:prstGeom prst="rect">
+            <a:avLst/>
+          </a:prstGeom>
+          <a:noFill/>
+        </p:spPr>
+        <p:txBody>
+          <a:bodyPr wrap="none" rtlCol="0">
+            <a:spAutoFit/>
+          </a:bodyPr>
+          <a:lstStyle/>
+          <a:p>
+            <a:r>
+              <a:rPr kumimoji="1" lang="en-US" altLang="ja-JP" sz="1400" dirty="0"/>
+              <a:t>EULA</a:t>
+            </a:r>
+            <a:endParaRPr kumimoji="1" lang="ja-JP" altLang="en-US" sz="1400" dirty="0"/>
+          </a:p>
+        </p:txBody>
+      </p:sp>
+      <p:cxnSp>
+        <p:nvCxnSpPr>
+          <p:cNvPr id="65" name="直線矢印コネクタ 64">
+            <a:extLst>
+              <a:ext uri="{FF2B5EF4-FFF2-40B4-BE49-F238E27FC236}">
+                <a16:creationId xmlns:a16="http://schemas.microsoft.com/office/drawing/2014/main" id="{661ED9DC-7C3A-4FBA-B52F-ACE7A3B577DB}"/>
+              </a:ext>
+            </a:extLst>
+          </p:cNvPr>
+          <p:cNvCxnSpPr>
+            <a:cxnSpLocks/>
+          </p:cNvCxnSpPr>
+          <p:nvPr/>
+        </p:nvCxnSpPr>
+        <p:spPr>
+          <a:xfrm>
+            <a:off x="7835134" y="3009337"/>
+            <a:ext cx="2038503" cy="26834"/>
+          </a:xfrm>
+          <a:prstGeom prst="straightConnector1">
+            <a:avLst/>
+          </a:prstGeom>
+          <a:ln w="38100">
+            <a:solidFill>
+              <a:srgbClr val="FFC000"/>
+            </a:solidFill>
+            <a:tailEnd type="triangle"/>
+          </a:ln>
+        </p:spPr>
+        <p:style>
+          <a:lnRef idx="1">
+            <a:schemeClr val="accent1"/>
+          </a:lnRef>
+          <a:fillRef idx="0">
+            <a:schemeClr val="accent1"/>
+          </a:fillRef>
+          <a:effectRef idx="0">
+            <a:schemeClr val="accent1"/>
+          </a:effectRef>
+          <a:fontRef idx="minor">
+            <a:schemeClr val="tx1"/>
+          </a:fontRef>
+        </p:style>
+      </p:cxnSp>
+      <p:cxnSp>
+        <p:nvCxnSpPr>
+          <p:cNvPr id="67" name="直線矢印コネクタ 66">
+            <a:extLst>
+              <a:ext uri="{FF2B5EF4-FFF2-40B4-BE49-F238E27FC236}">
+                <a16:creationId xmlns:a16="http://schemas.microsoft.com/office/drawing/2014/main" id="{6AA15672-67C6-4E78-A75B-E9924C00C8BF}"/>
+              </a:ext>
+            </a:extLst>
+          </p:cNvPr>
+          <p:cNvCxnSpPr>
+            <a:cxnSpLocks/>
+          </p:cNvCxnSpPr>
+          <p:nvPr/>
+        </p:nvCxnSpPr>
+        <p:spPr>
+          <a:xfrm>
+            <a:off x="7855258" y="3695606"/>
+            <a:ext cx="2018379" cy="42217"/>
+          </a:xfrm>
+          <a:prstGeom prst="straightConnector1">
+            <a:avLst/>
+          </a:prstGeom>
+          <a:ln w="38100">
+            <a:solidFill>
+              <a:srgbClr val="FF0000"/>
+            </a:solidFill>
+            <a:tailEnd type="triangle"/>
+          </a:ln>
+        </p:spPr>
+        <p:style>
+          <a:lnRef idx="1">
+            <a:schemeClr val="accent1"/>
+          </a:lnRef>
+          <a:fillRef idx="0">
+            <a:schemeClr val="accent1"/>
+          </a:fillRef>
+          <a:effectRef idx="0">
+            <a:schemeClr val="accent1"/>
+          </a:effectRef>
+          <a:fontRef idx="minor">
+            <a:schemeClr val="tx1"/>
+          </a:fontRef>
+        </p:style>
+      </p:cxnSp>
+      <p:sp>
+        <p:nvSpPr>
+          <p:cNvPr id="80" name="テキスト ボックス 79">
+            <a:extLst>
+              <a:ext uri="{FF2B5EF4-FFF2-40B4-BE49-F238E27FC236}">
+                <a16:creationId xmlns:a16="http://schemas.microsoft.com/office/drawing/2014/main" id="{E3D77AA7-EA12-438F-A9D2-8C21930F81F1}"/>
+              </a:ext>
+            </a:extLst>
+          </p:cNvPr>
+          <p:cNvSpPr txBox="1"/>
+          <p:nvPr/>
+        </p:nvSpPr>
+        <p:spPr>
+          <a:xfrm>
+            <a:off x="4648200" y="1956133"/>
+            <a:ext cx="1944763" cy="461665"/>
+          </a:xfrm>
+          <a:prstGeom prst="rect">
+            <a:avLst/>
+          </a:prstGeom>
+          <a:noFill/>
+        </p:spPr>
+        <p:txBody>
+          <a:bodyPr wrap="none" rtlCol="0">
+            <a:spAutoFit/>
+          </a:bodyPr>
+          <a:lstStyle/>
+          <a:p>
+            <a:r>
+              <a:rPr kumimoji="1" lang="ja-JP" altLang="en-US" sz="1200" dirty="0"/>
+              <a:t>・契約上、</a:t>
+            </a:r>
+            <a:r>
+              <a:rPr kumimoji="1" lang="en-US" altLang="ja-JP" sz="1200" dirty="0"/>
+              <a:t>OSS</a:t>
+            </a:r>
+            <a:r>
+              <a:rPr kumimoji="1" lang="ja-JP" altLang="en-US" sz="1200" dirty="0"/>
+              <a:t>の扱いが</a:t>
+            </a:r>
+            <a:endParaRPr kumimoji="1" lang="en-US" altLang="ja-JP" sz="1200" dirty="0"/>
+          </a:p>
+          <a:p>
+            <a:r>
+              <a:rPr kumimoji="1" lang="ja-JP" altLang="en-US" sz="1200" dirty="0"/>
+              <a:t>適切に定められているか？</a:t>
+            </a:r>
+            <a:endParaRPr kumimoji="1" lang="en-US" altLang="ja-JP" sz="1200" dirty="0"/>
+          </a:p>
+        </p:txBody>
+      </p:sp>
+      <p:sp>
+        <p:nvSpPr>
+          <p:cNvPr id="89" name="正方形/長方形 88">
+            <a:extLst>
+              <a:ext uri="{FF2B5EF4-FFF2-40B4-BE49-F238E27FC236}">
+                <a16:creationId xmlns:a16="http://schemas.microsoft.com/office/drawing/2014/main" id="{EFA62599-8BE7-4D59-B618-F776DBEE31E0}"/>
+              </a:ext>
+            </a:extLst>
+          </p:cNvPr>
+          <p:cNvSpPr/>
+          <p:nvPr/>
+        </p:nvSpPr>
+        <p:spPr>
+          <a:xfrm>
+            <a:off x="5233108" y="6375024"/>
+            <a:ext cx="377031" cy="308761"/>
+          </a:xfrm>
+          <a:prstGeom prst="rect">
+            <a:avLst/>
+          </a:prstGeom>
+          <a:noFill/>
+          <a:ln>
+            <a:noFill/>
+          </a:ln>
+        </p:spPr>
+        <p:style>
+          <a:lnRef idx="2">
+            <a:schemeClr val="accent1">
+              <a:shade val="50000"/>
+            </a:schemeClr>
+          </a:lnRef>
+          <a:fillRef idx="1">
+            <a:schemeClr val="accent1"/>
+          </a:fillRef>
+          <a:effectRef idx="0">
+            <a:schemeClr val="accent1"/>
+          </a:effectRef>
+          <a:fontRef idx="minor">
+            <a:schemeClr val="lt1"/>
+          </a:fontRef>
+        </p:style>
+        <p:txBody>
+          <a:bodyPr rtlCol="0" anchor="ctr"/>
+          <a:lstStyle/>
+          <a:p>
+            <a:pPr algn="ctr"/>
+            <a:endParaRPr kumimoji="1" lang="ja-JP" altLang="en-US"/>
+          </a:p>
+        </p:txBody>
+      </p:sp>
+      <p:cxnSp>
+        <p:nvCxnSpPr>
+          <p:cNvPr id="90" name="コネクタ: カギ線 89">
+            <a:extLst>
+              <a:ext uri="{FF2B5EF4-FFF2-40B4-BE49-F238E27FC236}">
+                <a16:creationId xmlns:a16="http://schemas.microsoft.com/office/drawing/2014/main" id="{E1DC9589-AD7C-4AFA-834D-B605A14490E6}"/>
+              </a:ext>
+            </a:extLst>
+          </p:cNvPr>
+          <p:cNvCxnSpPr>
+            <a:cxnSpLocks/>
+            <a:stCxn id="89" idx="0"/>
+            <a:endCxn id="93" idx="2"/>
+          </p:cNvCxnSpPr>
+          <p:nvPr/>
+        </p:nvCxnSpPr>
+        <p:spPr>
+          <a:xfrm rot="5400000" flipH="1" flipV="1">
+            <a:off x="5133900" y="4192006"/>
+            <a:ext cx="2470742" cy="1895295"/>
+          </a:xfrm>
+          <a:prstGeom prst="bentConnector3">
+            <a:avLst>
+              <a:gd name="adj1" fmla="val 41541"/>
+            </a:avLst>
+          </a:prstGeom>
+          <a:ln w="28575">
+            <a:solidFill>
+              <a:srgbClr val="FF0000"/>
+            </a:solidFill>
+            <a:tailEnd type="triangle"/>
+          </a:ln>
+        </p:spPr>
+        <p:style>
+          <a:lnRef idx="1">
+            <a:schemeClr val="accent1"/>
+          </a:lnRef>
+          <a:fillRef idx="0">
+            <a:schemeClr val="accent1"/>
+          </a:fillRef>
+          <a:effectRef idx="0">
+            <a:schemeClr val="accent1"/>
+          </a:effectRef>
+          <a:fontRef idx="minor">
+            <a:schemeClr val="tx1"/>
+          </a:fontRef>
+        </p:style>
+      </p:cxnSp>
+      <p:sp>
+        <p:nvSpPr>
+          <p:cNvPr id="93" name="正方形/長方形 92">
+            <a:extLst>
+              <a:ext uri="{FF2B5EF4-FFF2-40B4-BE49-F238E27FC236}">
+                <a16:creationId xmlns:a16="http://schemas.microsoft.com/office/drawing/2014/main" id="{87FACF6D-BFF8-40D0-9B8D-EB6C3C1676D3}"/>
+              </a:ext>
+            </a:extLst>
+          </p:cNvPr>
+          <p:cNvSpPr/>
+          <p:nvPr/>
+        </p:nvSpPr>
+        <p:spPr>
+          <a:xfrm>
+            <a:off x="7128403" y="3595521"/>
+            <a:ext cx="377031" cy="308761"/>
+          </a:xfrm>
+          <a:prstGeom prst="rect">
+            <a:avLst/>
+          </a:prstGeom>
+          <a:noFill/>
+          <a:ln>
+            <a:noFill/>
+          </a:ln>
+        </p:spPr>
+        <p:style>
+          <a:lnRef idx="2">
+            <a:schemeClr val="accent1">
+              <a:shade val="50000"/>
+            </a:schemeClr>
+          </a:lnRef>
+          <a:fillRef idx="1">
+            <a:schemeClr val="accent1"/>
+          </a:fillRef>
+          <a:effectRef idx="0">
+            <a:schemeClr val="accent1"/>
+          </a:effectRef>
+          <a:fontRef idx="minor">
+            <a:schemeClr val="lt1"/>
+          </a:fontRef>
+        </p:style>
+        <p:txBody>
+          <a:bodyPr rtlCol="0" anchor="ctr"/>
+          <a:lstStyle/>
+          <a:p>
+            <a:pPr algn="ctr"/>
+            <a:endParaRPr kumimoji="1" lang="ja-JP" altLang="en-US"/>
+          </a:p>
+        </p:txBody>
+      </p:sp>
+      <p:sp>
+        <p:nvSpPr>
+          <p:cNvPr id="98" name="テキスト ボックス 97">
+            <a:extLst>
+              <a:ext uri="{FF2B5EF4-FFF2-40B4-BE49-F238E27FC236}">
+                <a16:creationId xmlns:a16="http://schemas.microsoft.com/office/drawing/2014/main" id="{E0F9A3D2-C9EC-4494-A4F2-26B088A26BF7}"/>
+              </a:ext>
+            </a:extLst>
+          </p:cNvPr>
+          <p:cNvSpPr txBox="1"/>
+          <p:nvPr/>
+        </p:nvSpPr>
+        <p:spPr>
+          <a:xfrm>
+            <a:off x="3270694" y="3414657"/>
+            <a:ext cx="2909771" cy="646331"/>
+          </a:xfrm>
+          <a:prstGeom prst="rect">
+            <a:avLst/>
+          </a:prstGeom>
+          <a:noFill/>
+        </p:spPr>
+        <p:txBody>
+          <a:bodyPr wrap="none" rtlCol="0">
+            <a:spAutoFit/>
+          </a:bodyPr>
+          <a:lstStyle/>
+          <a:p>
+            <a:endParaRPr kumimoji="1" lang="en-US" altLang="ja-JP" sz="1200" dirty="0"/>
+          </a:p>
+          <a:p>
+            <a:r>
+              <a:rPr kumimoji="1" lang="ja-JP" altLang="en-US" sz="1200" dirty="0"/>
+              <a:t>使用</a:t>
+            </a:r>
+            <a:r>
+              <a:rPr kumimoji="1" lang="en-US" altLang="ja-JP" sz="1200" dirty="0"/>
+              <a:t>OSS</a:t>
+            </a:r>
+            <a:r>
+              <a:rPr kumimoji="1" lang="ja-JP" altLang="en-US" sz="1200" dirty="0"/>
+              <a:t>リスト、ライセンス、著作権情報、</a:t>
+            </a:r>
+            <a:endParaRPr kumimoji="1" lang="en-US" altLang="ja-JP" sz="1200" dirty="0"/>
+          </a:p>
+          <a:p>
+            <a:r>
+              <a:rPr kumimoji="1" lang="ja-JP" altLang="en-US" sz="1200" dirty="0"/>
+              <a:t>開示必要なソース</a:t>
+            </a:r>
+          </a:p>
+        </p:txBody>
+      </p:sp>
+      <p:sp>
+        <p:nvSpPr>
+          <p:cNvPr id="99" name="テキスト ボックス 98">
+            <a:extLst>
+              <a:ext uri="{FF2B5EF4-FFF2-40B4-BE49-F238E27FC236}">
+                <a16:creationId xmlns:a16="http://schemas.microsoft.com/office/drawing/2014/main" id="{3C61C344-8FEE-4300-A792-1CB6115C0A02}"/>
+              </a:ext>
+            </a:extLst>
+          </p:cNvPr>
+          <p:cNvSpPr txBox="1"/>
+          <p:nvPr/>
+        </p:nvSpPr>
+        <p:spPr>
+          <a:xfrm>
+            <a:off x="7972101" y="3269272"/>
+            <a:ext cx="1960793" cy="461665"/>
+          </a:xfrm>
+          <a:prstGeom prst="rect">
+            <a:avLst/>
+          </a:prstGeom>
+          <a:noFill/>
+        </p:spPr>
+        <p:txBody>
+          <a:bodyPr wrap="none" rtlCol="0">
+            <a:spAutoFit/>
+          </a:bodyPr>
+          <a:lstStyle/>
+          <a:p>
+            <a:r>
+              <a:rPr kumimoji="1" lang="ja-JP" altLang="en-US" sz="1200" dirty="0"/>
+              <a:t>使用</a:t>
+            </a:r>
+            <a:r>
+              <a:rPr kumimoji="1" lang="en-US" altLang="ja-JP" sz="1200" dirty="0"/>
+              <a:t>OSS</a:t>
+            </a:r>
+            <a:r>
+              <a:rPr kumimoji="1" lang="ja-JP" altLang="en-US" sz="1200" dirty="0"/>
+              <a:t>リスト、ライセンス、</a:t>
+            </a:r>
+            <a:endParaRPr kumimoji="1" lang="en-US" altLang="ja-JP" sz="1200" dirty="0"/>
+          </a:p>
+          <a:p>
+            <a:r>
+              <a:rPr kumimoji="1" lang="ja-JP" altLang="en-US" sz="1200" dirty="0"/>
+              <a:t>著作権情報</a:t>
+            </a:r>
+          </a:p>
+        </p:txBody>
+      </p:sp>
+      <p:cxnSp>
+        <p:nvCxnSpPr>
+          <p:cNvPr id="101" name="直線矢印コネクタ 100">
+            <a:extLst>
+              <a:ext uri="{FF2B5EF4-FFF2-40B4-BE49-F238E27FC236}">
+                <a16:creationId xmlns:a16="http://schemas.microsoft.com/office/drawing/2014/main" id="{8B04B888-8AEE-4A5B-878B-88231D6B48DF}"/>
+              </a:ext>
+            </a:extLst>
+          </p:cNvPr>
+          <p:cNvCxnSpPr>
+            <a:cxnSpLocks/>
+          </p:cNvCxnSpPr>
+          <p:nvPr/>
+        </p:nvCxnSpPr>
+        <p:spPr>
+          <a:xfrm>
+            <a:off x="7835134" y="3824506"/>
+            <a:ext cx="863597" cy="603672"/>
+          </a:xfrm>
+          <a:prstGeom prst="straightConnector1">
+            <a:avLst/>
+          </a:prstGeom>
+          <a:ln w="38100">
+            <a:solidFill>
+              <a:srgbClr val="FF0000"/>
+            </a:solidFill>
+            <a:tailEnd type="triangle"/>
+          </a:ln>
+        </p:spPr>
+        <p:style>
+          <a:lnRef idx="1">
+            <a:schemeClr val="accent1"/>
+          </a:lnRef>
+          <a:fillRef idx="0">
+            <a:schemeClr val="accent1"/>
+          </a:fillRef>
+          <a:effectRef idx="0">
+            <a:schemeClr val="accent1"/>
+          </a:effectRef>
+          <a:fontRef idx="minor">
+            <a:schemeClr val="tx1"/>
+          </a:fontRef>
+        </p:style>
+      </p:cxnSp>
+      <p:sp>
+        <p:nvSpPr>
+          <p:cNvPr id="106" name="フローチャート: 磁気ディスク 105">
+            <a:extLst>
+              <a:ext uri="{FF2B5EF4-FFF2-40B4-BE49-F238E27FC236}">
+                <a16:creationId xmlns:a16="http://schemas.microsoft.com/office/drawing/2014/main" id="{EC6EE382-1513-43F2-B31E-9FB8206CDEB3}"/>
+              </a:ext>
+            </a:extLst>
+          </p:cNvPr>
+          <p:cNvSpPr/>
+          <p:nvPr/>
+        </p:nvSpPr>
+        <p:spPr>
+          <a:xfrm>
+            <a:off x="8777907" y="4173341"/>
+            <a:ext cx="685213" cy="774517"/>
+          </a:xfrm>
+          <a:prstGeom prst="flowChartMagneticDisk">
+            <a:avLst/>
+          </a:prstGeom>
+        </p:spPr>
+        <p:style>
+          <a:lnRef idx="2">
+            <a:schemeClr val="accent1">
+              <a:shade val="50000"/>
+            </a:schemeClr>
+          </a:lnRef>
+          <a:fillRef idx="1">
+            <a:schemeClr val="accent1"/>
+          </a:fillRef>
+          <a:effectRef idx="0">
+            <a:schemeClr val="accent1"/>
+          </a:effectRef>
+          <a:fontRef idx="minor">
+            <a:schemeClr val="lt1"/>
+          </a:fontRef>
+        </p:style>
+        <p:txBody>
+          <a:bodyPr rtlCol="0" anchor="ctr"/>
+          <a:lstStyle/>
+          <a:p>
+            <a:pPr algn="ctr"/>
+            <a:endParaRPr kumimoji="1" lang="ja-JP" altLang="en-US"/>
+          </a:p>
+        </p:txBody>
+      </p:sp>
+      <p:sp>
+        <p:nvSpPr>
+          <p:cNvPr id="107" name="テキスト ボックス 106">
+            <a:extLst>
+              <a:ext uri="{FF2B5EF4-FFF2-40B4-BE49-F238E27FC236}">
+                <a16:creationId xmlns:a16="http://schemas.microsoft.com/office/drawing/2014/main" id="{1FC9CB69-8A7C-43F8-8314-72B979C0BC42}"/>
+              </a:ext>
+            </a:extLst>
+          </p:cNvPr>
+          <p:cNvSpPr txBox="1"/>
+          <p:nvPr/>
+        </p:nvSpPr>
+        <p:spPr>
+          <a:xfrm>
+            <a:off x="7485543" y="4080590"/>
+            <a:ext cx="1350050" cy="276999"/>
+          </a:xfrm>
+          <a:prstGeom prst="rect">
+            <a:avLst/>
+          </a:prstGeom>
+          <a:noFill/>
+        </p:spPr>
+        <p:txBody>
+          <a:bodyPr wrap="none" rtlCol="0">
+            <a:spAutoFit/>
+          </a:bodyPr>
+          <a:lstStyle/>
+          <a:p>
+            <a:r>
+              <a:rPr kumimoji="1" lang="ja-JP" altLang="en-US" sz="1200" dirty="0"/>
+              <a:t>開示必要なソース</a:t>
+            </a:r>
+          </a:p>
+        </p:txBody>
+      </p:sp>
+      <p:sp>
+        <p:nvSpPr>
+          <p:cNvPr id="108" name="テキスト ボックス 107">
+            <a:extLst>
+              <a:ext uri="{FF2B5EF4-FFF2-40B4-BE49-F238E27FC236}">
+                <a16:creationId xmlns:a16="http://schemas.microsoft.com/office/drawing/2014/main" id="{859BB1A7-BF8B-4CC3-BF04-349667DAC8C5}"/>
+              </a:ext>
+            </a:extLst>
+          </p:cNvPr>
+          <p:cNvSpPr txBox="1"/>
+          <p:nvPr/>
+        </p:nvSpPr>
+        <p:spPr>
+          <a:xfrm>
+            <a:off x="8771024" y="4296497"/>
+            <a:ext cx="1261884" cy="646331"/>
+          </a:xfrm>
+          <a:prstGeom prst="rect">
+            <a:avLst/>
+          </a:prstGeom>
+          <a:noFill/>
+        </p:spPr>
+        <p:txBody>
+          <a:bodyPr wrap="none" rtlCol="0">
+            <a:spAutoFit/>
+          </a:bodyPr>
+          <a:lstStyle/>
+          <a:p>
+            <a:r>
+              <a:rPr kumimoji="1" lang="ja-JP" altLang="en-US" dirty="0"/>
+              <a:t>ソース公開</a:t>
+            </a:r>
+            <a:endParaRPr kumimoji="1" lang="en-US" altLang="ja-JP" dirty="0"/>
+          </a:p>
+          <a:p>
+            <a:r>
+              <a:rPr kumimoji="1" lang="en-US" altLang="ja-JP" dirty="0"/>
+              <a:t>Web</a:t>
+            </a:r>
+            <a:endParaRPr kumimoji="1" lang="ja-JP" altLang="en-US" dirty="0"/>
+          </a:p>
+        </p:txBody>
+      </p:sp>
+      <p:sp>
+        <p:nvSpPr>
+          <p:cNvPr id="110" name="正方形/長方形 109">
+            <a:extLst>
+              <a:ext uri="{FF2B5EF4-FFF2-40B4-BE49-F238E27FC236}">
+                <a16:creationId xmlns:a16="http://schemas.microsoft.com/office/drawing/2014/main" id="{CF96E705-344C-4BF1-871A-18EEA283C67D}"/>
+              </a:ext>
+            </a:extLst>
+          </p:cNvPr>
+          <p:cNvSpPr/>
+          <p:nvPr/>
+        </p:nvSpPr>
+        <p:spPr>
+          <a:xfrm>
+            <a:off x="4705167" y="6441159"/>
+            <a:ext cx="377031" cy="308761"/>
+          </a:xfrm>
+          <a:prstGeom prst="rect">
+            <a:avLst/>
+          </a:prstGeom>
+          <a:noFill/>
+          <a:ln>
+            <a:noFill/>
+          </a:ln>
+        </p:spPr>
+        <p:style>
+          <a:lnRef idx="2">
+            <a:schemeClr val="accent1">
+              <a:shade val="50000"/>
+            </a:schemeClr>
+          </a:lnRef>
+          <a:fillRef idx="1">
+            <a:schemeClr val="accent1"/>
+          </a:fillRef>
+          <a:effectRef idx="0">
+            <a:schemeClr val="accent1"/>
+          </a:effectRef>
+          <a:fontRef idx="minor">
+            <a:schemeClr val="lt1"/>
+          </a:fontRef>
+        </p:style>
+        <p:txBody>
+          <a:bodyPr rtlCol="0" anchor="ctr"/>
+          <a:lstStyle/>
+          <a:p>
+            <a:pPr algn="ctr"/>
+            <a:endParaRPr kumimoji="1" lang="ja-JP" altLang="en-US"/>
+          </a:p>
+        </p:txBody>
+      </p:sp>
+      <p:cxnSp>
+        <p:nvCxnSpPr>
+          <p:cNvPr id="112" name="直線矢印コネクタ 111">
+            <a:extLst>
+              <a:ext uri="{FF2B5EF4-FFF2-40B4-BE49-F238E27FC236}">
+                <a16:creationId xmlns:a16="http://schemas.microsoft.com/office/drawing/2014/main" id="{24556EB6-965C-4E3B-87E0-03D1173A57EE}"/>
+              </a:ext>
+            </a:extLst>
+          </p:cNvPr>
+          <p:cNvCxnSpPr>
+            <a:cxnSpLocks/>
+            <a:stCxn id="113" idx="1"/>
+          </p:cNvCxnSpPr>
+          <p:nvPr/>
+        </p:nvCxnSpPr>
+        <p:spPr>
+          <a:xfrm flipH="1" flipV="1">
+            <a:off x="5215029" y="3925493"/>
+            <a:ext cx="353879" cy="593819"/>
+          </a:xfrm>
+          <a:prstGeom prst="straightConnector1">
+            <a:avLst/>
+          </a:prstGeom>
+          <a:ln>
+            <a:tailEnd type="triangle"/>
+          </a:ln>
+        </p:spPr>
+        <p:style>
+          <a:lnRef idx="1">
+            <a:schemeClr val="accent1"/>
+          </a:lnRef>
+          <a:fillRef idx="0">
+            <a:schemeClr val="accent1"/>
+          </a:fillRef>
+          <a:effectRef idx="0">
+            <a:schemeClr val="accent1"/>
+          </a:effectRef>
+          <a:fontRef idx="minor">
+            <a:schemeClr val="tx1"/>
+          </a:fontRef>
+        </p:style>
+      </p:cxnSp>
+      <p:sp>
+        <p:nvSpPr>
+          <p:cNvPr id="113" name="テキスト ボックス 112">
+            <a:extLst>
+              <a:ext uri="{FF2B5EF4-FFF2-40B4-BE49-F238E27FC236}">
+                <a16:creationId xmlns:a16="http://schemas.microsoft.com/office/drawing/2014/main" id="{8153765E-3BC1-434D-9553-E701A4AF016A}"/>
+              </a:ext>
+            </a:extLst>
+          </p:cNvPr>
+          <p:cNvSpPr txBox="1"/>
+          <p:nvPr/>
+        </p:nvSpPr>
+        <p:spPr>
+          <a:xfrm>
+            <a:off x="5568908" y="4226924"/>
+            <a:ext cx="1107996" cy="584775"/>
+          </a:xfrm>
+          <a:prstGeom prst="rect">
+            <a:avLst/>
+          </a:prstGeom>
+          <a:noFill/>
+        </p:spPr>
+        <p:txBody>
+          <a:bodyPr wrap="none" rtlCol="0">
+            <a:spAutoFit/>
+          </a:bodyPr>
+          <a:lstStyle/>
+          <a:p>
+            <a:r>
+              <a:rPr kumimoji="1" lang="ja-JP" altLang="en-US" sz="1600" dirty="0"/>
+              <a:t>法務・知財</a:t>
+            </a:r>
+            <a:endParaRPr kumimoji="1" lang="en-US" altLang="ja-JP" sz="1600" dirty="0"/>
+          </a:p>
+          <a:p>
+            <a:r>
+              <a:rPr kumimoji="1" lang="en-US" altLang="ja-JP" sz="1600" dirty="0"/>
+              <a:t>OSS</a:t>
+            </a:r>
+            <a:r>
+              <a:rPr kumimoji="1" lang="ja-JP" altLang="en-US" sz="1600" dirty="0"/>
+              <a:t>担当</a:t>
+            </a:r>
+          </a:p>
+        </p:txBody>
+      </p:sp>
+      <p:sp>
+        <p:nvSpPr>
+          <p:cNvPr id="115" name="テキスト ボックス 114">
+            <a:extLst>
+              <a:ext uri="{FF2B5EF4-FFF2-40B4-BE49-F238E27FC236}">
+                <a16:creationId xmlns:a16="http://schemas.microsoft.com/office/drawing/2014/main" id="{33789787-0A09-4B11-A567-89C5AD4794E3}"/>
+              </a:ext>
+            </a:extLst>
+          </p:cNvPr>
+          <p:cNvSpPr txBox="1"/>
+          <p:nvPr/>
+        </p:nvSpPr>
+        <p:spPr>
+          <a:xfrm>
+            <a:off x="3364947" y="4200276"/>
+            <a:ext cx="2233304" cy="461665"/>
+          </a:xfrm>
+          <a:prstGeom prst="rect">
+            <a:avLst/>
+          </a:prstGeom>
+          <a:noFill/>
+        </p:spPr>
+        <p:txBody>
+          <a:bodyPr wrap="none" rtlCol="0">
+            <a:spAutoFit/>
+          </a:bodyPr>
+          <a:lstStyle/>
+          <a:p>
+            <a:r>
+              <a:rPr kumimoji="1" lang="ja-JP" altLang="en-US" sz="1200" dirty="0"/>
+              <a:t>・使用可能な</a:t>
+            </a:r>
+            <a:r>
+              <a:rPr kumimoji="1" lang="en-US" altLang="ja-JP" sz="1200" dirty="0"/>
+              <a:t>OSS</a:t>
+            </a:r>
+            <a:r>
+              <a:rPr kumimoji="1" lang="ja-JP" altLang="en-US" sz="1200" dirty="0"/>
+              <a:t>ライセンスか？</a:t>
+            </a:r>
+            <a:endParaRPr kumimoji="1" lang="en-US" altLang="ja-JP" sz="1200" dirty="0"/>
+          </a:p>
+          <a:p>
+            <a:r>
+              <a:rPr kumimoji="1" lang="ja-JP" altLang="en-US" sz="1200" dirty="0"/>
+              <a:t>・そのほか確認</a:t>
+            </a:r>
+            <a:endParaRPr kumimoji="1" lang="en-US" altLang="ja-JP" sz="1200" dirty="0"/>
+          </a:p>
+        </p:txBody>
+      </p:sp>
+      <p:sp>
+        <p:nvSpPr>
+          <p:cNvPr id="116" name="テキスト ボックス 115">
+            <a:extLst>
+              <a:ext uri="{FF2B5EF4-FFF2-40B4-BE49-F238E27FC236}">
+                <a16:creationId xmlns:a16="http://schemas.microsoft.com/office/drawing/2014/main" id="{353FE8C8-97EF-4EB9-9E71-6A126EF17C20}"/>
+              </a:ext>
+            </a:extLst>
+          </p:cNvPr>
+          <p:cNvSpPr txBox="1"/>
+          <p:nvPr/>
+        </p:nvSpPr>
+        <p:spPr>
+          <a:xfrm>
+            <a:off x="4882463" y="4804328"/>
+            <a:ext cx="548548" cy="369332"/>
+          </a:xfrm>
+          <a:prstGeom prst="rect">
+            <a:avLst/>
+          </a:prstGeom>
+          <a:noFill/>
+        </p:spPr>
+        <p:txBody>
+          <a:bodyPr wrap="none" rtlCol="0">
+            <a:spAutoFit/>
+          </a:bodyPr>
+          <a:lstStyle/>
+          <a:p>
+            <a:r>
+              <a:rPr kumimoji="1" lang="en-US" altLang="ja-JP" dirty="0"/>
+              <a:t>OSS</a:t>
+            </a:r>
+            <a:endParaRPr kumimoji="1" lang="ja-JP" altLang="en-US" dirty="0"/>
+          </a:p>
+        </p:txBody>
+      </p:sp>
+      <p:sp>
+        <p:nvSpPr>
+          <p:cNvPr id="117" name="テキスト ボックス 116">
+            <a:extLst>
+              <a:ext uri="{FF2B5EF4-FFF2-40B4-BE49-F238E27FC236}">
+                <a16:creationId xmlns:a16="http://schemas.microsoft.com/office/drawing/2014/main" id="{2EF9DD00-A8EC-44A0-BD05-B49D3BB7A14B}"/>
+              </a:ext>
+            </a:extLst>
+          </p:cNvPr>
+          <p:cNvSpPr txBox="1"/>
+          <p:nvPr/>
+        </p:nvSpPr>
+        <p:spPr>
+          <a:xfrm>
+            <a:off x="3051371" y="2987692"/>
+            <a:ext cx="2504340" cy="307777"/>
+          </a:xfrm>
+          <a:prstGeom prst="rect">
+            <a:avLst/>
+          </a:prstGeom>
+          <a:noFill/>
+        </p:spPr>
+        <p:txBody>
+          <a:bodyPr wrap="none" rtlCol="0">
+            <a:spAutoFit/>
+          </a:bodyPr>
+          <a:lstStyle/>
+          <a:p>
+            <a:r>
+              <a:rPr kumimoji="1" lang="en-US" altLang="ja-JP" sz="1400" dirty="0"/>
+              <a:t>Proprietary Software</a:t>
+            </a:r>
+            <a:r>
+              <a:rPr kumimoji="1" lang="ja-JP" altLang="en-US" sz="1400" dirty="0"/>
+              <a:t>（</a:t>
+            </a:r>
+            <a:r>
+              <a:rPr kumimoji="1" lang="en-US" altLang="ja-JP" sz="1400" dirty="0"/>
+              <a:t>incl. OSS</a:t>
+            </a:r>
+            <a:r>
+              <a:rPr kumimoji="1" lang="ja-JP" altLang="en-US" sz="1400" dirty="0"/>
+              <a:t>）</a:t>
+            </a:r>
+          </a:p>
+        </p:txBody>
+      </p:sp>
+      <p:sp>
+        <p:nvSpPr>
+          <p:cNvPr id="118" name="テキスト ボックス 117">
+            <a:extLst>
+              <a:ext uri="{FF2B5EF4-FFF2-40B4-BE49-F238E27FC236}">
+                <a16:creationId xmlns:a16="http://schemas.microsoft.com/office/drawing/2014/main" id="{1DDC95C7-2798-4AD0-8D3E-6E22F96DCCCA}"/>
+              </a:ext>
+            </a:extLst>
+          </p:cNvPr>
+          <p:cNvSpPr txBox="1"/>
+          <p:nvPr/>
+        </p:nvSpPr>
+        <p:spPr>
+          <a:xfrm>
+            <a:off x="7800438" y="2809665"/>
+            <a:ext cx="2504340" cy="307777"/>
+          </a:xfrm>
+          <a:prstGeom prst="rect">
+            <a:avLst/>
+          </a:prstGeom>
+          <a:noFill/>
+        </p:spPr>
+        <p:txBody>
+          <a:bodyPr wrap="none" rtlCol="0">
+            <a:spAutoFit/>
+          </a:bodyPr>
+          <a:lstStyle/>
+          <a:p>
+            <a:r>
+              <a:rPr kumimoji="1" lang="en-US" altLang="ja-JP" sz="1400" dirty="0"/>
+              <a:t>Proprietary Software</a:t>
+            </a:r>
+            <a:r>
+              <a:rPr kumimoji="1" lang="ja-JP" altLang="en-US" sz="1400" dirty="0"/>
+              <a:t>（</a:t>
+            </a:r>
+            <a:r>
+              <a:rPr kumimoji="1" lang="en-US" altLang="ja-JP" sz="1400" dirty="0"/>
+              <a:t>incl. OSS</a:t>
+            </a:r>
+            <a:r>
+              <a:rPr kumimoji="1" lang="ja-JP" altLang="en-US" sz="1400" dirty="0"/>
+              <a:t>）</a:t>
+            </a:r>
+          </a:p>
+        </p:txBody>
+      </p:sp>
+      <p:sp>
+        <p:nvSpPr>
+          <p:cNvPr id="121" name="テキスト ボックス 120">
+            <a:extLst>
+              <a:ext uri="{FF2B5EF4-FFF2-40B4-BE49-F238E27FC236}">
+                <a16:creationId xmlns:a16="http://schemas.microsoft.com/office/drawing/2014/main" id="{8EEBE9EF-95EE-4FC7-A2B7-3551C4B69F00}"/>
+              </a:ext>
+            </a:extLst>
+          </p:cNvPr>
+          <p:cNvSpPr txBox="1"/>
+          <p:nvPr/>
+        </p:nvSpPr>
+        <p:spPr>
+          <a:xfrm>
+            <a:off x="7699590" y="5459450"/>
+            <a:ext cx="2233304" cy="461665"/>
+          </a:xfrm>
+          <a:prstGeom prst="rect">
+            <a:avLst/>
+          </a:prstGeom>
+          <a:noFill/>
+        </p:spPr>
+        <p:txBody>
+          <a:bodyPr wrap="none" rtlCol="0">
+            <a:spAutoFit/>
+          </a:bodyPr>
+          <a:lstStyle/>
+          <a:p>
+            <a:r>
+              <a:rPr kumimoji="1" lang="ja-JP" altLang="en-US" sz="1200" dirty="0"/>
+              <a:t>・使用可能な</a:t>
+            </a:r>
+            <a:r>
+              <a:rPr kumimoji="1" lang="en-US" altLang="ja-JP" sz="1200" dirty="0"/>
+              <a:t>OSS</a:t>
+            </a:r>
+            <a:r>
+              <a:rPr kumimoji="1" lang="ja-JP" altLang="en-US" sz="1200" dirty="0"/>
+              <a:t>ライセンスか？</a:t>
+            </a:r>
+            <a:endParaRPr kumimoji="1" lang="en-US" altLang="ja-JP" sz="1200" dirty="0"/>
+          </a:p>
+          <a:p>
+            <a:r>
+              <a:rPr kumimoji="1" lang="ja-JP" altLang="en-US" sz="1200" dirty="0"/>
+              <a:t>・そのほか確認</a:t>
+            </a:r>
+            <a:endParaRPr kumimoji="1" lang="en-US" altLang="ja-JP" sz="1200" dirty="0"/>
+          </a:p>
+        </p:txBody>
+      </p:sp>
+      <p:cxnSp>
+        <p:nvCxnSpPr>
+          <p:cNvPr id="122" name="直線矢印コネクタ 121">
+            <a:extLst>
+              <a:ext uri="{FF2B5EF4-FFF2-40B4-BE49-F238E27FC236}">
+                <a16:creationId xmlns:a16="http://schemas.microsoft.com/office/drawing/2014/main" id="{58500BDF-B9C2-4C54-9741-C29091AD9A44}"/>
+              </a:ext>
+            </a:extLst>
+          </p:cNvPr>
+          <p:cNvCxnSpPr>
+            <a:cxnSpLocks/>
+          </p:cNvCxnSpPr>
+          <p:nvPr/>
+        </p:nvCxnSpPr>
+        <p:spPr>
+          <a:xfrm flipH="1">
+            <a:off x="8083981" y="2122650"/>
+            <a:ext cx="3489" cy="434229"/>
+          </a:xfrm>
+          <a:prstGeom prst="straightConnector1">
+            <a:avLst/>
+          </a:prstGeom>
+          <a:ln>
+            <a:tailEnd type="triangle"/>
+          </a:ln>
+        </p:spPr>
+        <p:style>
+          <a:lnRef idx="1">
+            <a:schemeClr val="accent1"/>
+          </a:lnRef>
+          <a:fillRef idx="0">
+            <a:schemeClr val="accent1"/>
+          </a:fillRef>
+          <a:effectRef idx="0">
+            <a:schemeClr val="accent1"/>
+          </a:effectRef>
+          <a:fontRef idx="minor">
+            <a:schemeClr val="tx1"/>
+          </a:fontRef>
+        </p:style>
+      </p:cxnSp>
+      <p:sp>
+        <p:nvSpPr>
+          <p:cNvPr id="124" name="正方形/長方形 123">
+            <a:extLst>
+              <a:ext uri="{FF2B5EF4-FFF2-40B4-BE49-F238E27FC236}">
+                <a16:creationId xmlns:a16="http://schemas.microsoft.com/office/drawing/2014/main" id="{ED91F527-E28A-482C-AF11-73E46F2671A2}"/>
+              </a:ext>
+            </a:extLst>
+          </p:cNvPr>
+          <p:cNvSpPr/>
+          <p:nvPr/>
+        </p:nvSpPr>
+        <p:spPr>
+          <a:xfrm>
+            <a:off x="7703837" y="1825296"/>
+            <a:ext cx="646331" cy="369332"/>
+          </a:xfrm>
+          <a:prstGeom prst="rect">
+            <a:avLst/>
+          </a:prstGeom>
+        </p:spPr>
+        <p:txBody>
+          <a:bodyPr wrap="none">
+            <a:spAutoFit/>
+          </a:bodyPr>
+          <a:lstStyle/>
+          <a:p>
+            <a:r>
+              <a:rPr kumimoji="1" lang="ja-JP" altLang="en-US" dirty="0"/>
+              <a:t>法務</a:t>
+            </a:r>
+            <a:endParaRPr lang="ja-JP" altLang="en-US" dirty="0"/>
+          </a:p>
+        </p:txBody>
+      </p:sp>
+      <p:sp>
+        <p:nvSpPr>
+          <p:cNvPr id="125" name="テキスト ボックス 124">
+            <a:extLst>
+              <a:ext uri="{FF2B5EF4-FFF2-40B4-BE49-F238E27FC236}">
+                <a16:creationId xmlns:a16="http://schemas.microsoft.com/office/drawing/2014/main" id="{2AF91C94-95A9-4B7D-B66C-D283DE9D848A}"/>
+              </a:ext>
+            </a:extLst>
+          </p:cNvPr>
+          <p:cNvSpPr txBox="1"/>
+          <p:nvPr/>
+        </p:nvSpPr>
+        <p:spPr>
+          <a:xfrm>
+            <a:off x="8099535" y="2003848"/>
+            <a:ext cx="1675459" cy="461665"/>
+          </a:xfrm>
+          <a:prstGeom prst="rect">
+            <a:avLst/>
+          </a:prstGeom>
+          <a:noFill/>
+        </p:spPr>
+        <p:txBody>
+          <a:bodyPr wrap="none" rtlCol="0">
+            <a:spAutoFit/>
+          </a:bodyPr>
+          <a:lstStyle/>
+          <a:p>
+            <a:r>
+              <a:rPr kumimoji="1" lang="ja-JP" altLang="en-US" sz="1200" dirty="0"/>
+              <a:t>・</a:t>
+            </a:r>
+            <a:r>
+              <a:rPr kumimoji="1" lang="en-US" altLang="ja-JP" sz="1200" dirty="0"/>
+              <a:t>EULA</a:t>
+            </a:r>
+            <a:r>
+              <a:rPr kumimoji="1" lang="ja-JP" altLang="en-US" sz="1200" dirty="0"/>
+              <a:t>上、</a:t>
+            </a:r>
+            <a:r>
+              <a:rPr kumimoji="1" lang="en-US" altLang="ja-JP" sz="1200" dirty="0"/>
+              <a:t>OSS</a:t>
+            </a:r>
+            <a:r>
+              <a:rPr kumimoji="1" lang="ja-JP" altLang="en-US" sz="1200" dirty="0"/>
+              <a:t>の扱いを</a:t>
+            </a:r>
+            <a:endParaRPr kumimoji="1" lang="en-US" altLang="ja-JP" sz="1200" dirty="0"/>
+          </a:p>
+          <a:p>
+            <a:r>
+              <a:rPr kumimoji="1" lang="ja-JP" altLang="en-US" sz="1200" dirty="0"/>
+              <a:t>　適切に定める。</a:t>
+            </a:r>
+            <a:endParaRPr kumimoji="1" lang="en-US" altLang="ja-JP" sz="1200" dirty="0"/>
+          </a:p>
+        </p:txBody>
+      </p:sp>
+      <p:sp>
+        <p:nvSpPr>
+          <p:cNvPr id="128" name="吹き出し: 角を丸めた四角形 127">
+            <a:extLst>
+              <a:ext uri="{FF2B5EF4-FFF2-40B4-BE49-F238E27FC236}">
+                <a16:creationId xmlns:a16="http://schemas.microsoft.com/office/drawing/2014/main" id="{3F7452D9-42B4-497D-B263-8DCFB0BE0351}"/>
+              </a:ext>
+            </a:extLst>
+          </p:cNvPr>
+          <p:cNvSpPr/>
+          <p:nvPr/>
+        </p:nvSpPr>
+        <p:spPr>
+          <a:xfrm>
+            <a:off x="42234" y="4154058"/>
+            <a:ext cx="1888677" cy="822273"/>
+          </a:xfrm>
+          <a:prstGeom prst="wedgeRoundRectCallout">
+            <a:avLst>
+              <a:gd name="adj1" fmla="val 34452"/>
+              <a:gd name="adj2" fmla="val -166748"/>
+              <a:gd name="adj3" fmla="val 16667"/>
+            </a:avLst>
+          </a:prstGeom>
+          <a:solidFill>
+            <a:schemeClr val="bg1">
+              <a:lumMod val="85000"/>
+            </a:schemeClr>
+          </a:solidFill>
+        </p:spPr>
+        <p:style>
+          <a:lnRef idx="2">
+            <a:schemeClr val="accent1">
+              <a:shade val="50000"/>
+            </a:schemeClr>
+          </a:lnRef>
+          <a:fillRef idx="1">
+            <a:schemeClr val="accent1"/>
+          </a:fillRef>
+          <a:effectRef idx="0">
+            <a:schemeClr val="accent1"/>
+          </a:effectRef>
+          <a:fontRef idx="minor">
+            <a:schemeClr val="lt1"/>
+          </a:fontRef>
+        </p:style>
+        <p:txBody>
+          <a:bodyPr rtlCol="0" anchor="ctr"/>
+          <a:lstStyle/>
+          <a:p>
+            <a:r>
+              <a:rPr kumimoji="1" lang="ja-JP" altLang="en-US" sz="1400" dirty="0">
+                <a:solidFill>
+                  <a:sysClr val="windowText" lastClr="000000"/>
+                </a:solidFill>
+              </a:rPr>
+              <a:t>ソフトウェア供給者</a:t>
+            </a:r>
+            <a:endParaRPr kumimoji="1" lang="en-US" altLang="ja-JP" sz="1400" dirty="0">
+              <a:solidFill>
+                <a:sysClr val="windowText" lastClr="000000"/>
+              </a:solidFill>
+            </a:endParaRPr>
+          </a:p>
+          <a:p>
+            <a:r>
+              <a:rPr kumimoji="1" lang="ja-JP" altLang="en-US" sz="1400" dirty="0">
+                <a:solidFill>
+                  <a:sysClr val="windowText" lastClr="000000"/>
+                </a:solidFill>
+              </a:rPr>
+              <a:t>の</a:t>
+            </a:r>
+            <a:r>
+              <a:rPr kumimoji="1" lang="en-US" altLang="ja-JP" sz="1400" dirty="0">
+                <a:solidFill>
+                  <a:sysClr val="windowText" lastClr="000000"/>
+                </a:solidFill>
+              </a:rPr>
+              <a:t>OSS</a:t>
+            </a:r>
+            <a:r>
+              <a:rPr kumimoji="1" lang="ja-JP" altLang="en-US" sz="1400" dirty="0">
+                <a:solidFill>
+                  <a:sysClr val="windowText" lastClr="000000"/>
+                </a:solidFill>
+              </a:rPr>
+              <a:t>ライセンス対応</a:t>
+            </a:r>
+            <a:endParaRPr kumimoji="1" lang="en-US" altLang="ja-JP" sz="1400" dirty="0">
+              <a:solidFill>
+                <a:sysClr val="windowText" lastClr="000000"/>
+              </a:solidFill>
+            </a:endParaRPr>
+          </a:p>
+          <a:p>
+            <a:r>
+              <a:rPr kumimoji="1" lang="ja-JP" altLang="en-US" sz="1400" dirty="0">
+                <a:solidFill>
+                  <a:sysClr val="windowText" lastClr="000000"/>
+                </a:solidFill>
+              </a:rPr>
+              <a:t>が課題</a:t>
+            </a:r>
+            <a:endParaRPr kumimoji="1" lang="en-US" altLang="ja-JP" sz="1400" dirty="0">
+              <a:solidFill>
+                <a:sysClr val="windowText" lastClr="000000"/>
+              </a:solidFill>
+            </a:endParaRPr>
+          </a:p>
+        </p:txBody>
+      </p:sp>
+      <p:sp>
+        <p:nvSpPr>
+          <p:cNvPr id="129" name="吹き出し: 角を丸めた四角形 128">
+            <a:extLst>
+              <a:ext uri="{FF2B5EF4-FFF2-40B4-BE49-F238E27FC236}">
+                <a16:creationId xmlns:a16="http://schemas.microsoft.com/office/drawing/2014/main" id="{3F5B0765-E7A3-46F4-949D-A95548D4E3C4}"/>
+              </a:ext>
+            </a:extLst>
+          </p:cNvPr>
+          <p:cNvSpPr/>
+          <p:nvPr/>
+        </p:nvSpPr>
+        <p:spPr>
+          <a:xfrm>
+            <a:off x="2297578" y="383790"/>
+            <a:ext cx="2039299" cy="847688"/>
+          </a:xfrm>
+          <a:prstGeom prst="wedgeRoundRectCallout">
+            <a:avLst>
+              <a:gd name="adj1" fmla="val -21438"/>
+              <a:gd name="adj2" fmla="val 167708"/>
+              <a:gd name="adj3" fmla="val 16667"/>
+            </a:avLst>
+          </a:prstGeom>
+          <a:solidFill>
+            <a:schemeClr val="bg1">
+              <a:lumMod val="85000"/>
+            </a:schemeClr>
+          </a:solidFill>
+        </p:spPr>
+        <p:style>
+          <a:lnRef idx="2">
+            <a:schemeClr val="accent1">
+              <a:shade val="50000"/>
+            </a:schemeClr>
+          </a:lnRef>
+          <a:fillRef idx="1">
+            <a:schemeClr val="accent1"/>
+          </a:fillRef>
+          <a:effectRef idx="0">
+            <a:schemeClr val="accent1"/>
+          </a:effectRef>
+          <a:fontRef idx="minor">
+            <a:schemeClr val="lt1"/>
+          </a:fontRef>
+        </p:style>
+        <p:txBody>
+          <a:bodyPr rtlCol="0" anchor="ctr"/>
+          <a:lstStyle/>
+          <a:p>
+            <a:r>
+              <a:rPr kumimoji="1" lang="ja-JP" altLang="en-US" sz="1400" dirty="0">
+                <a:solidFill>
+                  <a:schemeClr val="tx1"/>
+                </a:solidFill>
+              </a:rPr>
+              <a:t>ソフトリリース窓口は設計、ライセンス窓口などだが、交渉相手は営業</a:t>
+            </a:r>
+          </a:p>
+        </p:txBody>
+      </p:sp>
+      <p:sp>
+        <p:nvSpPr>
+          <p:cNvPr id="6" name="正方形/長方形 5">
+            <a:extLst>
+              <a:ext uri="{FF2B5EF4-FFF2-40B4-BE49-F238E27FC236}">
+                <a16:creationId xmlns:a16="http://schemas.microsoft.com/office/drawing/2014/main" id="{B2359D76-E898-4588-BD1D-B8C6B32F0C71}"/>
+              </a:ext>
+            </a:extLst>
+          </p:cNvPr>
+          <p:cNvSpPr/>
+          <p:nvPr/>
+        </p:nvSpPr>
+        <p:spPr>
+          <a:xfrm>
+            <a:off x="5355869" y="5299545"/>
+            <a:ext cx="1824538" cy="276999"/>
+          </a:xfrm>
+          <a:prstGeom prst="rect">
+            <a:avLst/>
+          </a:prstGeom>
+        </p:spPr>
+        <p:txBody>
+          <a:bodyPr wrap="none">
+            <a:spAutoFit/>
+          </a:bodyPr>
+          <a:lstStyle/>
+          <a:p>
+            <a:r>
+              <a:rPr kumimoji="1" lang="ja-JP" altLang="en-US" sz="1200" dirty="0"/>
+              <a:t>ライセンス、著作権情報、</a:t>
+            </a:r>
+            <a:endParaRPr kumimoji="1" lang="en-US" altLang="ja-JP" sz="1200" dirty="0"/>
+          </a:p>
+        </p:txBody>
+      </p:sp>
+      <p:sp>
+        <p:nvSpPr>
+          <p:cNvPr id="8" name="正方形/長方形 7">
+            <a:extLst>
+              <a:ext uri="{FF2B5EF4-FFF2-40B4-BE49-F238E27FC236}">
+                <a16:creationId xmlns:a16="http://schemas.microsoft.com/office/drawing/2014/main" id="{2B92F961-62D2-4AE0-B57A-CB5B1FC28189}"/>
+              </a:ext>
+            </a:extLst>
+          </p:cNvPr>
+          <p:cNvSpPr/>
+          <p:nvPr/>
+        </p:nvSpPr>
+        <p:spPr>
+          <a:xfrm>
+            <a:off x="2741361" y="6426577"/>
+            <a:ext cx="261354" cy="188860"/>
+          </a:xfrm>
+          <a:prstGeom prst="rect">
+            <a:avLst/>
+          </a:prstGeom>
+          <a:noFill/>
+          <a:ln>
+            <a:noFill/>
+          </a:ln>
+        </p:spPr>
+        <p:style>
+          <a:lnRef idx="2">
+            <a:schemeClr val="accent1">
+              <a:shade val="50000"/>
+            </a:schemeClr>
+          </a:lnRef>
+          <a:fillRef idx="1">
+            <a:schemeClr val="accent1"/>
+          </a:fillRef>
+          <a:effectRef idx="0">
+            <a:schemeClr val="accent1"/>
+          </a:effectRef>
+          <a:fontRef idx="minor">
+            <a:schemeClr val="lt1"/>
+          </a:fontRef>
+        </p:style>
+        <p:txBody>
+          <a:bodyPr rtlCol="0" anchor="ctr"/>
+          <a:lstStyle/>
+          <a:p>
+            <a:pPr algn="ctr"/>
+            <a:endParaRPr kumimoji="1" lang="ja-JP" altLang="en-US"/>
+          </a:p>
+        </p:txBody>
+      </p:sp>
+      <p:cxnSp>
+        <p:nvCxnSpPr>
+          <p:cNvPr id="68" name="コネクタ: カギ線 67">
+            <a:extLst>
+              <a:ext uri="{FF2B5EF4-FFF2-40B4-BE49-F238E27FC236}">
+                <a16:creationId xmlns:a16="http://schemas.microsoft.com/office/drawing/2014/main" id="{418A072D-34DB-4A63-BDAF-45D0FE09B8EC}"/>
+              </a:ext>
+            </a:extLst>
+          </p:cNvPr>
+          <p:cNvCxnSpPr>
+            <a:cxnSpLocks/>
+            <a:stCxn id="8" idx="0"/>
+          </p:cNvCxnSpPr>
+          <p:nvPr/>
+        </p:nvCxnSpPr>
+        <p:spPr>
+          <a:xfrm rot="16200000" flipV="1">
+            <a:off x="1168891" y="4723430"/>
+            <a:ext cx="2501084" cy="905210"/>
+          </a:xfrm>
+          <a:prstGeom prst="bentConnector3">
+            <a:avLst>
+              <a:gd name="adj1" fmla="val 50000"/>
+            </a:avLst>
+          </a:prstGeom>
+          <a:ln w="28575">
+            <a:solidFill>
+              <a:srgbClr val="FF0000"/>
+            </a:solidFill>
+            <a:tailEnd type="triangle"/>
+          </a:ln>
+        </p:spPr>
+        <p:style>
+          <a:lnRef idx="1">
+            <a:schemeClr val="accent1"/>
+          </a:lnRef>
+          <a:fillRef idx="0">
+            <a:schemeClr val="accent1"/>
+          </a:fillRef>
+          <a:effectRef idx="0">
+            <a:schemeClr val="accent1"/>
+          </a:effectRef>
+          <a:fontRef idx="minor">
+            <a:schemeClr val="tx1"/>
+          </a:fontRef>
+        </p:style>
+      </p:cxnSp>
+      <p:sp>
+        <p:nvSpPr>
+          <p:cNvPr id="70" name="正方形/長方形 69">
+            <a:extLst>
+              <a:ext uri="{FF2B5EF4-FFF2-40B4-BE49-F238E27FC236}">
+                <a16:creationId xmlns:a16="http://schemas.microsoft.com/office/drawing/2014/main" id="{9F63D56D-4664-48AD-AE00-D756A11E595D}"/>
+              </a:ext>
+            </a:extLst>
+          </p:cNvPr>
+          <p:cNvSpPr/>
+          <p:nvPr/>
+        </p:nvSpPr>
+        <p:spPr>
+          <a:xfrm>
+            <a:off x="1187106" y="5860891"/>
+            <a:ext cx="1824538" cy="276999"/>
+          </a:xfrm>
+          <a:prstGeom prst="rect">
+            <a:avLst/>
+          </a:prstGeom>
+        </p:spPr>
+        <p:txBody>
+          <a:bodyPr wrap="none">
+            <a:spAutoFit/>
+          </a:bodyPr>
+          <a:lstStyle/>
+          <a:p>
+            <a:r>
+              <a:rPr kumimoji="1" lang="ja-JP" altLang="en-US" sz="1200" dirty="0"/>
+              <a:t>ライセンス、著作権情報、</a:t>
+            </a:r>
+            <a:endParaRPr kumimoji="1" lang="en-US" altLang="ja-JP" sz="1200" dirty="0"/>
+          </a:p>
+        </p:txBody>
+      </p:sp>
+      <p:sp>
+        <p:nvSpPr>
+          <p:cNvPr id="69" name="四角形: 角を丸くする 68">
+            <a:extLst>
+              <a:ext uri="{FF2B5EF4-FFF2-40B4-BE49-F238E27FC236}">
+                <a16:creationId xmlns:a16="http://schemas.microsoft.com/office/drawing/2014/main" id="{AF478D4C-6D21-4B52-BD7F-CF7DD79472F7}"/>
+              </a:ext>
+            </a:extLst>
+          </p:cNvPr>
+          <p:cNvSpPr/>
+          <p:nvPr/>
+        </p:nvSpPr>
+        <p:spPr>
+          <a:xfrm>
+            <a:off x="6578730" y="785688"/>
+            <a:ext cx="1076325" cy="381000"/>
+          </a:xfrm>
+          <a:prstGeom prst="roundRect">
+            <a:avLst/>
+          </a:prstGeom>
+        </p:spPr>
+        <p:style>
+          <a:lnRef idx="2">
+            <a:schemeClr val="accent1">
+              <a:shade val="50000"/>
+            </a:schemeClr>
+          </a:lnRef>
+          <a:fillRef idx="1">
+            <a:schemeClr val="accent1"/>
+          </a:fillRef>
+          <a:effectRef idx="0">
+            <a:schemeClr val="accent1"/>
+          </a:effectRef>
+          <a:fontRef idx="minor">
+            <a:schemeClr val="lt1"/>
+          </a:fontRef>
+        </p:style>
+        <p:txBody>
+          <a:bodyPr rtlCol="0" anchor="ctr"/>
+          <a:lstStyle/>
+          <a:p>
+            <a:pPr algn="ctr"/>
+            <a:endParaRPr kumimoji="1" lang="ja-JP" altLang="en-US">
+              <a:solidFill>
+                <a:schemeClr val="bg1"/>
+              </a:solidFill>
+            </a:endParaRPr>
+          </a:p>
+        </p:txBody>
+      </p:sp>
+      <p:sp>
+        <p:nvSpPr>
+          <p:cNvPr id="71" name="テキスト ボックス 70">
+            <a:extLst>
+              <a:ext uri="{FF2B5EF4-FFF2-40B4-BE49-F238E27FC236}">
+                <a16:creationId xmlns:a16="http://schemas.microsoft.com/office/drawing/2014/main" id="{46BFF633-2C2D-499D-8805-19126DB1DA10}"/>
+              </a:ext>
+            </a:extLst>
+          </p:cNvPr>
+          <p:cNvSpPr txBox="1"/>
+          <p:nvPr/>
+        </p:nvSpPr>
+        <p:spPr>
+          <a:xfrm>
+            <a:off x="6637569" y="796018"/>
+            <a:ext cx="819150" cy="381000"/>
+          </a:xfrm>
+          <a:prstGeom prst="rect">
+            <a:avLst/>
+          </a:prstGeom>
+          <a:noFill/>
+        </p:spPr>
+        <p:txBody>
+          <a:bodyPr wrap="square" rtlCol="0">
+            <a:spAutoFit/>
+          </a:bodyPr>
+          <a:lstStyle/>
+          <a:p>
+            <a:pPr algn="ctr"/>
+            <a:r>
+              <a:rPr kumimoji="1" lang="en-US" altLang="ja-JP" dirty="0">
+                <a:solidFill>
+                  <a:schemeClr val="bg1"/>
+                </a:solidFill>
+              </a:rPr>
+              <a:t>CS</a:t>
+            </a:r>
+            <a:endParaRPr kumimoji="1" lang="ja-JP" altLang="en-US" dirty="0">
+              <a:solidFill>
+                <a:schemeClr val="bg1"/>
+              </a:solidFill>
+            </a:endParaRPr>
+          </a:p>
+        </p:txBody>
+      </p:sp>
+      <p:sp>
+        <p:nvSpPr>
+          <p:cNvPr id="72" name="吹き出し: 角を丸めた四角形 71">
+            <a:extLst>
+              <a:ext uri="{FF2B5EF4-FFF2-40B4-BE49-F238E27FC236}">
+                <a16:creationId xmlns:a16="http://schemas.microsoft.com/office/drawing/2014/main" id="{D2646C00-074C-49E9-83C6-2D489F30B16F}"/>
+              </a:ext>
+            </a:extLst>
+          </p:cNvPr>
+          <p:cNvSpPr/>
+          <p:nvPr/>
+        </p:nvSpPr>
+        <p:spPr>
+          <a:xfrm>
+            <a:off x="9824907" y="4804328"/>
+            <a:ext cx="2039299" cy="847688"/>
+          </a:xfrm>
+          <a:prstGeom prst="wedgeRoundRectCallout">
+            <a:avLst>
+              <a:gd name="adj1" fmla="val -66712"/>
+              <a:gd name="adj2" fmla="val -15566"/>
+              <a:gd name="adj3" fmla="val 16667"/>
+            </a:avLst>
+          </a:prstGeom>
+          <a:solidFill>
+            <a:schemeClr val="bg1">
+              <a:lumMod val="85000"/>
+            </a:schemeClr>
+          </a:solidFill>
+        </p:spPr>
+        <p:style>
+          <a:lnRef idx="2">
+            <a:schemeClr val="accent1">
+              <a:shade val="50000"/>
+            </a:schemeClr>
+          </a:lnRef>
+          <a:fillRef idx="1">
+            <a:schemeClr val="accent1"/>
+          </a:fillRef>
+          <a:effectRef idx="0">
+            <a:schemeClr val="accent1"/>
+          </a:effectRef>
+          <a:fontRef idx="minor">
+            <a:schemeClr val="lt1"/>
+          </a:fontRef>
+        </p:style>
+        <p:txBody>
+          <a:bodyPr rtlCol="0" anchor="ctr"/>
+          <a:lstStyle/>
+          <a:p>
+            <a:r>
+              <a:rPr kumimoji="1" lang="en-US" altLang="ja-JP" sz="1400" dirty="0">
+                <a:solidFill>
+                  <a:schemeClr val="tx1"/>
+                </a:solidFill>
+              </a:rPr>
+              <a:t>B2C</a:t>
+            </a:r>
+            <a:r>
+              <a:rPr kumimoji="1" lang="ja-JP" altLang="en-US" sz="1400" dirty="0">
+                <a:solidFill>
+                  <a:schemeClr val="tx1"/>
+                </a:solidFill>
+              </a:rPr>
+              <a:t>の事例</a:t>
+            </a:r>
+            <a:endParaRPr kumimoji="1" lang="en-US" altLang="ja-JP" sz="1400" dirty="0">
+              <a:solidFill>
+                <a:schemeClr val="tx1"/>
+              </a:solidFill>
+            </a:endParaRPr>
+          </a:p>
+          <a:p>
+            <a:r>
+              <a:rPr kumimoji="1" lang="en-US" altLang="ja-JP" sz="1400" dirty="0">
+                <a:solidFill>
+                  <a:schemeClr val="tx1"/>
+                </a:solidFill>
+              </a:rPr>
+              <a:t>B2B</a:t>
+            </a:r>
+            <a:r>
+              <a:rPr kumimoji="1" lang="ja-JP" altLang="en-US" sz="1400" dirty="0">
+                <a:solidFill>
+                  <a:schemeClr val="tx1"/>
+                </a:solidFill>
+              </a:rPr>
+              <a:t>は別途作成が必要</a:t>
+            </a:r>
+          </a:p>
+        </p:txBody>
+      </p:sp>
+      <p:sp>
+        <p:nvSpPr>
+          <p:cNvPr id="73" name="テキスト ボックス 72">
+            <a:extLst>
+              <a:ext uri="{FF2B5EF4-FFF2-40B4-BE49-F238E27FC236}">
+                <a16:creationId xmlns:a16="http://schemas.microsoft.com/office/drawing/2014/main" id="{E115D623-7134-4640-906A-FA3FF5A3092B}"/>
+              </a:ext>
+            </a:extLst>
+          </p:cNvPr>
+          <p:cNvSpPr txBox="1"/>
+          <p:nvPr/>
+        </p:nvSpPr>
+        <p:spPr>
+          <a:xfrm>
+            <a:off x="5448154" y="609709"/>
+            <a:ext cx="78292" cy="287990"/>
+          </a:xfrm>
+          <a:prstGeom prst="rect">
+            <a:avLst/>
+          </a:prstGeom>
+          <a:noFill/>
+        </p:spPr>
+        <p:txBody>
+          <a:bodyPr wrap="square" rtlCol="0">
+            <a:spAutoFit/>
+          </a:bodyPr>
+          <a:lstStyle/>
+          <a:p>
+            <a:endParaRPr kumimoji="1" lang="ja-JP" altLang="en-US" dirty="0"/>
+          </a:p>
+        </p:txBody>
+      </p:sp>
+      <p:sp>
+        <p:nvSpPr>
+          <p:cNvPr id="74" name="四角形: 角を丸くする 73">
+            <a:extLst>
+              <a:ext uri="{FF2B5EF4-FFF2-40B4-BE49-F238E27FC236}">
+                <a16:creationId xmlns:a16="http://schemas.microsoft.com/office/drawing/2014/main" id="{42BDE51F-22E8-452F-9612-B32CCFE60F2D}"/>
+              </a:ext>
+            </a:extLst>
+          </p:cNvPr>
+          <p:cNvSpPr/>
+          <p:nvPr/>
+        </p:nvSpPr>
+        <p:spPr>
+          <a:xfrm>
+            <a:off x="5251614" y="779299"/>
+            <a:ext cx="1076325" cy="381000"/>
+          </a:xfrm>
+          <a:prstGeom prst="roundRect">
+            <a:avLst/>
+          </a:prstGeom>
+        </p:spPr>
+        <p:style>
+          <a:lnRef idx="2">
+            <a:schemeClr val="accent1">
+              <a:shade val="50000"/>
+            </a:schemeClr>
+          </a:lnRef>
+          <a:fillRef idx="1">
+            <a:schemeClr val="accent1"/>
+          </a:fillRef>
+          <a:effectRef idx="0">
+            <a:schemeClr val="accent1"/>
+          </a:effectRef>
+          <a:fontRef idx="minor">
+            <a:schemeClr val="lt1"/>
+          </a:fontRef>
+        </p:style>
+        <p:txBody>
+          <a:bodyPr rtlCol="0" anchor="ctr"/>
+          <a:lstStyle/>
+          <a:p>
+            <a:pPr algn="ctr"/>
+            <a:endParaRPr kumimoji="1" lang="ja-JP" altLang="en-US">
+              <a:solidFill>
+                <a:schemeClr val="bg1"/>
+              </a:solidFill>
+            </a:endParaRPr>
+          </a:p>
+        </p:txBody>
+      </p:sp>
+      <p:sp>
+        <p:nvSpPr>
+          <p:cNvPr id="75" name="テキスト ボックス 74">
+            <a:extLst>
+              <a:ext uri="{FF2B5EF4-FFF2-40B4-BE49-F238E27FC236}">
+                <a16:creationId xmlns:a16="http://schemas.microsoft.com/office/drawing/2014/main" id="{39CF35B3-918F-42C0-AD40-0F15088C3723}"/>
+              </a:ext>
+            </a:extLst>
+          </p:cNvPr>
+          <p:cNvSpPr txBox="1"/>
+          <p:nvPr/>
+        </p:nvSpPr>
+        <p:spPr>
+          <a:xfrm>
+            <a:off x="5215030" y="859871"/>
+            <a:ext cx="1168130" cy="276999"/>
+          </a:xfrm>
+          <a:prstGeom prst="rect">
+            <a:avLst/>
+          </a:prstGeom>
+          <a:noFill/>
+        </p:spPr>
+        <p:txBody>
+          <a:bodyPr wrap="square" rtlCol="0">
+            <a:spAutoFit/>
+          </a:bodyPr>
+          <a:lstStyle/>
+          <a:p>
+            <a:pPr algn="ctr"/>
+            <a:r>
+              <a:rPr kumimoji="1" lang="ja-JP" altLang="en-US" sz="1200" dirty="0">
+                <a:solidFill>
+                  <a:schemeClr val="bg1"/>
+                </a:solidFill>
+              </a:rPr>
+              <a:t>マネージメント</a:t>
+            </a:r>
+          </a:p>
+        </p:txBody>
+      </p:sp>
+      <p:sp>
+        <p:nvSpPr>
+          <p:cNvPr id="76" name="吹き出し: 角を丸めた四角形 75">
+            <a:extLst>
+              <a:ext uri="{FF2B5EF4-FFF2-40B4-BE49-F238E27FC236}">
+                <a16:creationId xmlns:a16="http://schemas.microsoft.com/office/drawing/2014/main" id="{C20F728A-BEED-41DA-A54F-665CF2270BA6}"/>
+              </a:ext>
+            </a:extLst>
+          </p:cNvPr>
+          <p:cNvSpPr/>
+          <p:nvPr/>
+        </p:nvSpPr>
+        <p:spPr>
+          <a:xfrm>
+            <a:off x="9645178" y="5873787"/>
+            <a:ext cx="2039299" cy="847688"/>
+          </a:xfrm>
+          <a:prstGeom prst="wedgeRoundRectCallout">
+            <a:avLst>
+              <a:gd name="adj1" fmla="val -72807"/>
+              <a:gd name="adj2" fmla="val -64788"/>
+              <a:gd name="adj3" fmla="val 16667"/>
+            </a:avLst>
+          </a:prstGeom>
+          <a:solidFill>
+            <a:schemeClr val="bg1">
+              <a:lumMod val="85000"/>
+            </a:schemeClr>
+          </a:solidFill>
+        </p:spPr>
+        <p:style>
+          <a:lnRef idx="2">
+            <a:schemeClr val="accent1">
+              <a:shade val="50000"/>
+            </a:schemeClr>
+          </a:lnRef>
+          <a:fillRef idx="1">
+            <a:schemeClr val="accent1"/>
+          </a:fillRef>
+          <a:effectRef idx="0">
+            <a:schemeClr val="accent1"/>
+          </a:effectRef>
+          <a:fontRef idx="minor">
+            <a:schemeClr val="lt1"/>
+          </a:fontRef>
+        </p:style>
+        <p:txBody>
+          <a:bodyPr rtlCol="0" anchor="ctr"/>
+          <a:lstStyle/>
+          <a:p>
+            <a:r>
+              <a:rPr kumimoji="1" lang="ja-JP" altLang="en-US" sz="1400" dirty="0">
+                <a:solidFill>
+                  <a:schemeClr val="tx1"/>
+                </a:solidFill>
+              </a:rPr>
+              <a:t>双方向の流れを記載したほうが良い</a:t>
+            </a:r>
+            <a:endParaRPr kumimoji="1" lang="en-US" altLang="ja-JP" sz="1400" dirty="0">
+              <a:solidFill>
+                <a:schemeClr val="tx1"/>
+              </a:solidFill>
+            </a:endParaRPr>
           </a:p>
         </p:txBody>
       </p:sp>
     </p:spTree>
     <p:extLst>
       <p:ext uri="{BB962C8B-B14F-4D97-AF65-F5344CB8AC3E}">
-        <p14:creationId xmlns:p14="http://schemas.microsoft.com/office/powerpoint/2010/main" val="259874815"/>
+        <p14:creationId xmlns:p14="http://schemas.microsoft.com/office/powerpoint/2010/main" val="2662439503"/>
+      </p:ext>
+    </p:extLst>
+  </p:cSld>
+  <p:clrMapOvr>
+    <a:masterClrMapping/>
+  </p:clrMapOvr>
+</p:sld>
+</file>
+
+<file path=ppt/slides/slide5.xml><?xml version="1.0" encoding="utf-8"?>
+<p:sld xmlns:a="http://schemas.openxmlformats.org/drawingml/2006/main" xmlns:r="http://schemas.openxmlformats.org/officeDocument/2006/relationships" xmlns:p="http://schemas.openxmlformats.org/presentationml/2006/main">
+  <p:cSld>
+    <p:spTree>
+      <p:nvGrpSpPr>
+        <p:cNvPr id="1" name=""/>
+        <p:cNvGrpSpPr/>
+        <p:nvPr/>
+      </p:nvGrpSpPr>
+      <p:grpSpPr>
+        <a:xfrm>
+          <a:off x="0" y="0"/>
+          <a:ext cx="0" cy="0"/>
+          <a:chOff x="0" y="0"/>
+          <a:chExt cx="0" cy="0"/>
+        </a:xfrm>
+      </p:grpSpPr>
+      <p:sp>
+        <p:nvSpPr>
+          <p:cNvPr id="4" name="タイトル 3">
+            <a:extLst>
+              <a:ext uri="{FF2B5EF4-FFF2-40B4-BE49-F238E27FC236}">
+                <a16:creationId xmlns:a16="http://schemas.microsoft.com/office/drawing/2014/main" id="{2E21FFDD-E825-46D0-892C-2524170ADA29}"/>
+              </a:ext>
+            </a:extLst>
+          </p:cNvPr>
+          <p:cNvSpPr>
+            <a:spLocks noGrp="1"/>
+          </p:cNvSpPr>
+          <p:nvPr>
+            <p:ph type="title"/>
+          </p:nvPr>
+        </p:nvSpPr>
+        <p:spPr/>
+        <p:txBody>
+          <a:bodyPr/>
+          <a:lstStyle/>
+          <a:p>
+            <a:endParaRPr kumimoji="1" lang="ja-JP" altLang="en-US"/>
+          </a:p>
+        </p:txBody>
+      </p:sp>
+      <p:graphicFrame>
+        <p:nvGraphicFramePr>
+          <p:cNvPr id="6" name="コンテンツ プレースホルダー 5">
+            <a:extLst>
+              <a:ext uri="{FF2B5EF4-FFF2-40B4-BE49-F238E27FC236}">
+                <a16:creationId xmlns:a16="http://schemas.microsoft.com/office/drawing/2014/main" id="{DCE3261E-39A6-4D26-825B-8F0349D716CE}"/>
+              </a:ext>
+            </a:extLst>
+          </p:cNvPr>
+          <p:cNvGraphicFramePr>
+            <a:graphicFrameLocks noGrp="1"/>
+          </p:cNvGraphicFramePr>
+          <p:nvPr>
+            <p:ph idx="1"/>
+            <p:extLst>
+              <p:ext uri="{D42A27DB-BD31-4B8C-83A1-F6EECF244321}">
+                <p14:modId xmlns:p14="http://schemas.microsoft.com/office/powerpoint/2010/main" val="2564591882"/>
+              </p:ext>
+            </p:extLst>
+          </p:nvPr>
+        </p:nvGraphicFramePr>
+        <p:xfrm>
+          <a:off x="838200" y="509155"/>
+          <a:ext cx="10839994" cy="6074526"/>
+        </p:xfrm>
+        <a:graphic>
+          <a:graphicData uri="http://schemas.openxmlformats.org/drawingml/2006/table">
+            <a:tbl>
+              <a:tblPr firstRow="1" bandRow="1">
+                <a:tableStyleId>{5C22544A-7EE6-4342-B048-85BDC9FD1C3A}</a:tableStyleId>
+              </a:tblPr>
+              <a:tblGrid>
+                <a:gridCol w="1946802">
+                  <a:extLst>
+                    <a:ext uri="{9D8B030D-6E8A-4147-A177-3AD203B41FA5}">
+                      <a16:colId xmlns:a16="http://schemas.microsoft.com/office/drawing/2014/main" val="2800462707"/>
+                    </a:ext>
+                  </a:extLst>
+                </a:gridCol>
+                <a:gridCol w="3473194">
+                  <a:extLst>
+                    <a:ext uri="{9D8B030D-6E8A-4147-A177-3AD203B41FA5}">
+                      <a16:colId xmlns:a16="http://schemas.microsoft.com/office/drawing/2014/main" val="3162418483"/>
+                    </a:ext>
+                  </a:extLst>
+                </a:gridCol>
+                <a:gridCol w="2709999">
+                  <a:extLst>
+                    <a:ext uri="{9D8B030D-6E8A-4147-A177-3AD203B41FA5}">
+                      <a16:colId xmlns:a16="http://schemas.microsoft.com/office/drawing/2014/main" val="3646958501"/>
+                    </a:ext>
+                  </a:extLst>
+                </a:gridCol>
+                <a:gridCol w="2709999">
+                  <a:extLst>
+                    <a:ext uri="{9D8B030D-6E8A-4147-A177-3AD203B41FA5}">
+                      <a16:colId xmlns:a16="http://schemas.microsoft.com/office/drawing/2014/main" val="3301600336"/>
+                    </a:ext>
+                  </a:extLst>
+                </a:gridCol>
+              </a:tblGrid>
+              <a:tr h="504864">
+                <a:tc>
+                  <a:txBody>
+                    <a:bodyPr/>
+                    <a:lstStyle/>
+                    <a:p>
+                      <a:endParaRPr kumimoji="1" lang="ja-JP" altLang="en-US" dirty="0"/>
+                    </a:p>
+                  </a:txBody>
+                  <a:tcPr/>
+                </a:tc>
+                <a:tc>
+                  <a:txBody>
+                    <a:bodyPr/>
+                    <a:lstStyle/>
+                    <a:p>
+                      <a:r>
+                        <a:rPr kumimoji="1" lang="ja-JP" altLang="en-US" dirty="0"/>
+                        <a:t>必要な知識イメージ</a:t>
+                      </a:r>
+                    </a:p>
+                  </a:txBody>
+                  <a:tcPr/>
+                </a:tc>
+                <a:tc>
+                  <a:txBody>
+                    <a:bodyPr/>
+                    <a:lstStyle/>
+                    <a:p>
+                      <a:r>
+                        <a:rPr kumimoji="1" lang="ja-JP" altLang="en-US" dirty="0"/>
+                        <a:t>自社内</a:t>
+                      </a:r>
+                    </a:p>
+                  </a:txBody>
+                  <a:tcPr/>
+                </a:tc>
+                <a:tc>
+                  <a:txBody>
+                    <a:bodyPr/>
+                    <a:lstStyle/>
+                    <a:p>
+                      <a:r>
+                        <a:rPr kumimoji="1" lang="ja-JP" altLang="en-US" dirty="0"/>
+                        <a:t>ソフト供給者向け</a:t>
+                      </a:r>
+                    </a:p>
+                  </a:txBody>
+                  <a:tcPr/>
+                </a:tc>
+                <a:extLst>
+                  <a:ext uri="{0D108BD9-81ED-4DB2-BD59-A6C34878D82A}">
+                    <a16:rowId xmlns:a16="http://schemas.microsoft.com/office/drawing/2014/main" val="1258249350"/>
+                  </a:ext>
+                </a:extLst>
+              </a:tr>
+              <a:tr h="1772010">
+                <a:tc>
+                  <a:txBody>
+                    <a:bodyPr/>
+                    <a:lstStyle/>
+                    <a:p>
+                      <a:r>
+                        <a:rPr kumimoji="1" lang="ja-JP" altLang="en-US" dirty="0"/>
+                        <a:t>役員レベル</a:t>
+                      </a:r>
+                    </a:p>
+                  </a:txBody>
+                  <a:tcPr/>
+                </a:tc>
+                <a:tc>
+                  <a:txBody>
+                    <a:bodyPr/>
+                    <a:lstStyle/>
+                    <a:p>
+                      <a:r>
+                        <a:rPr kumimoji="1" lang="en-US" altLang="ja-JP" dirty="0"/>
+                        <a:t>OSS</a:t>
+                      </a:r>
+                      <a:r>
+                        <a:rPr kumimoji="1" lang="ja-JP" altLang="en-US" dirty="0"/>
+                        <a:t>とは？</a:t>
+                      </a:r>
+                      <a:endParaRPr kumimoji="1" lang="en-US" altLang="ja-JP" dirty="0"/>
+                    </a:p>
+                    <a:p>
+                      <a:r>
+                        <a:rPr kumimoji="1" lang="ja-JP" altLang="en-US" dirty="0"/>
+                        <a:t>経営としての</a:t>
+                      </a:r>
+                      <a:r>
+                        <a:rPr kumimoji="1" lang="en-US" altLang="ja-JP" dirty="0"/>
+                        <a:t>OSS</a:t>
+                      </a:r>
+                      <a:r>
+                        <a:rPr kumimoji="1" lang="ja-JP" altLang="en-US" dirty="0"/>
+                        <a:t>の捉え方</a:t>
+                      </a:r>
+                      <a:endParaRPr kumimoji="1" lang="en-US" altLang="ja-JP" dirty="0"/>
+                    </a:p>
+                    <a:p>
+                      <a:r>
+                        <a:rPr kumimoji="1" lang="ja-JP" altLang="en-US" dirty="0"/>
+                        <a:t>（コミュニティ、リスク）</a:t>
+                      </a:r>
+                    </a:p>
+                  </a:txBody>
+                  <a:tcPr/>
+                </a:tc>
+                <a:tc>
+                  <a:txBody>
+                    <a:bodyPr/>
+                    <a:lstStyle/>
+                    <a:p>
+                      <a:endParaRPr kumimoji="1" lang="ja-JP" altLang="en-US"/>
+                    </a:p>
+                  </a:txBody>
+                  <a:tcPr/>
+                </a:tc>
+                <a:tc>
+                  <a:txBody>
+                    <a:bodyPr/>
+                    <a:lstStyle/>
+                    <a:p>
+                      <a:endParaRPr kumimoji="1" lang="ja-JP" altLang="en-US"/>
+                    </a:p>
+                  </a:txBody>
+                  <a:tcPr/>
+                </a:tc>
+                <a:extLst>
+                  <a:ext uri="{0D108BD9-81ED-4DB2-BD59-A6C34878D82A}">
+                    <a16:rowId xmlns:a16="http://schemas.microsoft.com/office/drawing/2014/main" val="3820694244"/>
+                  </a:ext>
+                </a:extLst>
+              </a:tr>
+              <a:tr h="1185536">
+                <a:tc>
+                  <a:txBody>
+                    <a:bodyPr/>
+                    <a:lstStyle/>
+                    <a:p>
+                      <a:r>
+                        <a:rPr kumimoji="1" lang="ja-JP" altLang="en-US" dirty="0"/>
+                        <a:t>ソフト設計</a:t>
+                      </a:r>
+                    </a:p>
+                  </a:txBody>
+                  <a:tcPr/>
+                </a:tc>
+                <a:tc>
+                  <a:txBody>
+                    <a:bodyPr/>
+                    <a:lstStyle/>
+                    <a:p>
+                      <a:endParaRPr kumimoji="1" lang="ja-JP" altLang="en-US" dirty="0"/>
+                    </a:p>
+                  </a:txBody>
+                  <a:tcPr/>
+                </a:tc>
+                <a:tc>
+                  <a:txBody>
+                    <a:bodyPr/>
+                    <a:lstStyle/>
+                    <a:p>
+                      <a:r>
+                        <a:rPr kumimoji="1" lang="ja-JP" altLang="en-US" dirty="0"/>
+                        <a:t>大内さんプロジェクト（</a:t>
+                      </a:r>
+                      <a:r>
+                        <a:rPr kumimoji="1" lang="en-US" altLang="ja-JP" dirty="0"/>
+                        <a:t>Q&amp;A)</a:t>
+                      </a:r>
+                    </a:p>
+                    <a:p>
+                      <a:endParaRPr kumimoji="1" lang="ja-JP" altLang="en-US" dirty="0"/>
+                    </a:p>
+                  </a:txBody>
+                  <a:tcPr/>
+                </a:tc>
+                <a:tc>
+                  <a:txBody>
+                    <a:bodyPr/>
+                    <a:lstStyle/>
+                    <a:p>
+                      <a:r>
+                        <a:rPr kumimoji="1" lang="ja-JP" altLang="en-US" dirty="0"/>
+                        <a:t>上田さんプロジェクト（営業向けリーフレット）</a:t>
+                      </a:r>
+                    </a:p>
+                  </a:txBody>
+                  <a:tcPr/>
+                </a:tc>
+                <a:extLst>
+                  <a:ext uri="{0D108BD9-81ED-4DB2-BD59-A6C34878D82A}">
+                    <a16:rowId xmlns:a16="http://schemas.microsoft.com/office/drawing/2014/main" val="544386755"/>
+                  </a:ext>
+                </a:extLst>
+              </a:tr>
+              <a:tr h="1028654">
+                <a:tc>
+                  <a:txBody>
+                    <a:bodyPr/>
+                    <a:lstStyle/>
+                    <a:p>
+                      <a:r>
+                        <a:rPr kumimoji="1" lang="ja-JP" altLang="en-US" dirty="0"/>
+                        <a:t>ソフト取扱者</a:t>
+                      </a:r>
+                      <a:endParaRPr kumimoji="1" lang="en-US" altLang="ja-JP" dirty="0"/>
+                    </a:p>
+                    <a:p>
+                      <a:r>
+                        <a:rPr kumimoji="1" lang="ja-JP" altLang="en-US" dirty="0"/>
+                        <a:t>（設計以外）</a:t>
+                      </a:r>
+                    </a:p>
+                  </a:txBody>
+                  <a:tcPr/>
+                </a:tc>
+                <a:tc>
+                  <a:txBody>
+                    <a:bodyPr/>
+                    <a:lstStyle/>
+                    <a:p>
+                      <a:endParaRPr kumimoji="1" lang="en-US" altLang="ja-JP" dirty="0"/>
+                    </a:p>
+                  </a:txBody>
+                  <a:tcPr/>
+                </a:tc>
+                <a:tc>
+                  <a:txBody>
+                    <a:bodyPr/>
+                    <a:lstStyle/>
+                    <a:p>
+                      <a:pPr marL="0" marR="0" lvl="0" indent="0" algn="l" defTabSz="914400" rtl="0" eaLnBrk="1" fontAlgn="auto" latinLnBrk="0" hangingPunct="1">
+                        <a:lnSpc>
+                          <a:spcPct val="100000"/>
+                        </a:lnSpc>
+                        <a:spcBef>
+                          <a:spcPts val="0"/>
+                        </a:spcBef>
+                        <a:spcAft>
+                          <a:spcPts val="0"/>
+                        </a:spcAft>
+                        <a:buClrTx/>
+                        <a:buSzTx/>
+                        <a:buFontTx/>
+                        <a:buNone/>
+                        <a:tabLst/>
+                        <a:defRPr/>
+                      </a:pPr>
+                      <a:r>
+                        <a:rPr kumimoji="1" lang="ja-JP" altLang="en-US" dirty="0"/>
+                        <a:t>大内さんプロジェクト（</a:t>
+                      </a:r>
+                      <a:r>
+                        <a:rPr kumimoji="1" lang="en-US" altLang="ja-JP" dirty="0"/>
+                        <a:t>Q&amp;A)</a:t>
+                      </a:r>
+                    </a:p>
+                    <a:p>
+                      <a:endParaRPr kumimoji="1" lang="ja-JP" altLang="en-US" dirty="0"/>
+                    </a:p>
+                  </a:txBody>
+                  <a:tcPr/>
+                </a:tc>
+                <a:tc>
+                  <a:txBody>
+                    <a:bodyPr/>
+                    <a:lstStyle/>
+                    <a:p>
+                      <a:endParaRPr kumimoji="1" lang="ja-JP" altLang="en-US" dirty="0"/>
+                    </a:p>
+                  </a:txBody>
+                  <a:tcPr/>
+                </a:tc>
+                <a:extLst>
+                  <a:ext uri="{0D108BD9-81ED-4DB2-BD59-A6C34878D82A}">
+                    <a16:rowId xmlns:a16="http://schemas.microsoft.com/office/drawing/2014/main" val="1988700263"/>
+                  </a:ext>
+                </a:extLst>
+              </a:tr>
+              <a:tr h="1583462">
+                <a:tc>
+                  <a:txBody>
+                    <a:bodyPr/>
+                    <a:lstStyle/>
+                    <a:p>
+                      <a:r>
+                        <a:rPr kumimoji="1" lang="ja-JP" altLang="en-US" dirty="0"/>
+                        <a:t>その他</a:t>
+                      </a:r>
+                    </a:p>
+                  </a:txBody>
+                  <a:tcPr/>
+                </a:tc>
+                <a:tc>
+                  <a:txBody>
+                    <a:bodyPr/>
+                    <a:lstStyle/>
+                    <a:p>
+                      <a:r>
+                        <a:rPr kumimoji="1" lang="en-US" altLang="ja-JP" dirty="0"/>
+                        <a:t>OSS</a:t>
+                      </a:r>
+                      <a:r>
+                        <a:rPr kumimoji="1" lang="ja-JP" altLang="en-US" dirty="0"/>
+                        <a:t>とは？</a:t>
+                      </a:r>
+                      <a:endParaRPr kumimoji="1" lang="en-US" altLang="ja-JP" dirty="0"/>
+                    </a:p>
+                    <a:p>
+                      <a:r>
+                        <a:rPr kumimoji="1" lang="en-US" altLang="ja-JP" dirty="0"/>
+                        <a:t>OSS</a:t>
+                      </a:r>
+                      <a:r>
+                        <a:rPr kumimoji="1" lang="ja-JP" altLang="en-US" dirty="0"/>
+                        <a:t>と聞いたらここへ相談</a:t>
+                      </a:r>
+                    </a:p>
+                  </a:txBody>
+                  <a:tcPr/>
+                </a:tc>
+                <a:tc>
+                  <a:txBody>
+                    <a:bodyPr/>
+                    <a:lstStyle/>
+                    <a:p>
+                      <a:pPr marL="0" marR="0" lvl="0" indent="0" algn="l" defTabSz="914400" rtl="0" eaLnBrk="1" fontAlgn="auto" latinLnBrk="0" hangingPunct="1">
+                        <a:lnSpc>
+                          <a:spcPct val="100000"/>
+                        </a:lnSpc>
+                        <a:spcBef>
+                          <a:spcPts val="0"/>
+                        </a:spcBef>
+                        <a:spcAft>
+                          <a:spcPts val="0"/>
+                        </a:spcAft>
+                        <a:buClrTx/>
+                        <a:buSzTx/>
+                        <a:buFontTx/>
+                        <a:buNone/>
+                        <a:tabLst/>
+                        <a:defRPr/>
+                      </a:pPr>
+                      <a:r>
+                        <a:rPr kumimoji="1" lang="ja-JP" altLang="en-US" dirty="0"/>
+                        <a:t>大内さんプロジェクト（</a:t>
+                      </a:r>
+                      <a:r>
+                        <a:rPr kumimoji="1" lang="en-US" altLang="ja-JP" dirty="0"/>
+                        <a:t>Q&amp;A)</a:t>
+                      </a:r>
+                    </a:p>
+                  </a:txBody>
+                  <a:tcPr/>
+                </a:tc>
+                <a:tc>
+                  <a:txBody>
+                    <a:bodyPr/>
+                    <a:lstStyle/>
+                    <a:p>
+                      <a:endParaRPr kumimoji="1" lang="ja-JP" altLang="en-US" dirty="0"/>
+                    </a:p>
+                  </a:txBody>
+                  <a:tcPr/>
+                </a:tc>
+                <a:extLst>
+                  <a:ext uri="{0D108BD9-81ED-4DB2-BD59-A6C34878D82A}">
+                    <a16:rowId xmlns:a16="http://schemas.microsoft.com/office/drawing/2014/main" val="495893690"/>
+                  </a:ext>
+                </a:extLst>
+              </a:tr>
+            </a:tbl>
+          </a:graphicData>
+        </a:graphic>
+      </p:graphicFrame>
+    </p:spTree>
+    <p:extLst>
+      <p:ext uri="{BB962C8B-B14F-4D97-AF65-F5344CB8AC3E}">
+        <p14:creationId xmlns:p14="http://schemas.microsoft.com/office/powerpoint/2010/main" val="1638826084"/>
       </p:ext>
     </p:extLst>
   </p:cSld>
@@ -13012,4 +20405,299 @@
     </a:ext>
   </a:extLst>
 </a:theme>
+</file>
+
+<file path=ppt/theme/theme4.xml><?xml version="1.0" encoding="utf-8"?>
+<a:theme xmlns:a="http://schemas.openxmlformats.org/drawingml/2006/main" name="Office テーマ">
+  <a:themeElements>
+    <a:clrScheme name="Office">
+      <a:dk1>
+        <a:sysClr val="windowText" lastClr="000000"/>
+      </a:dk1>
+      <a:lt1>
+        <a:sysClr val="window" lastClr="FFFFFF"/>
+      </a:lt1>
+      <a:dk2>
+        <a:srgbClr val="44546A"/>
+      </a:dk2>
+      <a:lt2>
+        <a:srgbClr val="E7E6E6"/>
+      </a:lt2>
+      <a:accent1>
+        <a:srgbClr val="4472C4"/>
+      </a:accent1>
+      <a:accent2>
+        <a:srgbClr val="ED7D31"/>
+      </a:accent2>
+      <a:accent3>
+        <a:srgbClr val="A5A5A5"/>
+      </a:accent3>
+      <a:accent4>
+        <a:srgbClr val="FFC000"/>
+      </a:accent4>
+      <a:accent5>
+        <a:srgbClr val="5B9BD5"/>
+      </a:accent5>
+      <a:accent6>
+        <a:srgbClr val="70AD47"/>
+      </a:accent6>
+      <a:hlink>
+        <a:srgbClr val="0563C1"/>
+      </a:hlink>
+      <a:folHlink>
+        <a:srgbClr val="954F72"/>
+      </a:folHlink>
+    </a:clrScheme>
+    <a:fontScheme name="Office">
+      <a:majorFont>
+        <a:latin typeface="游ゴシック Light" panose="020F0302020204030204"/>
+        <a:ea typeface=""/>
+        <a:cs typeface=""/>
+        <a:font script="Jpan" typeface="游ゴシック Light"/>
+        <a:font script="Hang" typeface="맑은 고딕"/>
+        <a:font script="Hans" typeface="等线 Light"/>
+        <a:font script="Hant" typeface="新細明體"/>
+        <a:font script="Arab" typeface="Times New Roman"/>
+        <a:font script="Hebr" typeface="Times New Roman"/>
+        <a:font script="Thai" typeface="Angsana New"/>
+        <a:font script="Ethi" typeface="Nyala"/>
+        <a:font script="Beng" typeface="Vrinda"/>
+        <a:font script="Gujr" typeface="Shruti"/>
+        <a:font script="Khmr" typeface="MoolBoran"/>
+        <a:font script="Knda" typeface="Tunga"/>
+        <a:font script="Guru" typeface="Raavi"/>
+        <a:font script="Cans" typeface="Euphemia"/>
+        <a:font script="Cher" typeface="Plantagenet Cherokee"/>
+        <a:font script="Yiii" typeface="Microsoft Yi Baiti"/>
+        <a:font script="Tibt" typeface="Microsoft Himalaya"/>
+        <a:font script="Thaa" typeface="MV Boli"/>
+        <a:font script="Deva" typeface="Mangal"/>
+        <a:font script="Telu" typeface="Gautami"/>
+        <a:font script="Taml" typeface="Latha"/>
+        <a:font script="Syrc" typeface="Estrangelo Edessa"/>
+        <a:font script="Orya" typeface="Kalinga"/>
+        <a:font script="Mlym" typeface="Kartika"/>
+        <a:font script="Laoo" typeface="DokChampa"/>
+        <a:font script="Sinh" typeface="Iskoola Pota"/>
+        <a:font script="Mong" typeface="Mongolian Baiti"/>
+        <a:font script="Viet" typeface="Times New Roman"/>
+        <a:font script="Uigh" typeface="Microsoft Uighur"/>
+        <a:font script="Geor" typeface="Sylfaen"/>
+        <a:font script="Armn" typeface="Arial"/>
+        <a:font script="Bugi" typeface="Leelawadee UI"/>
+        <a:font script="Bopo" typeface="Microsoft JhengHei"/>
+        <a:font script="Java" typeface="Javanese Text"/>
+        <a:font script="Lisu" typeface="Segoe UI"/>
+        <a:font script="Mymr" typeface="Myanmar Text"/>
+        <a:font script="Nkoo" typeface="Ebrima"/>
+        <a:font script="Olck" typeface="Nirmala UI"/>
+        <a:font script="Osma" typeface="Ebrima"/>
+        <a:font script="Phag" typeface="Phagspa"/>
+        <a:font script="Syrn" typeface="Estrangelo Edessa"/>
+        <a:font script="Syrj" typeface="Estrangelo Edessa"/>
+        <a:font script="Syre" typeface="Estrangelo Edessa"/>
+        <a:font script="Sora" typeface="Nirmala UI"/>
+        <a:font script="Tale" typeface="Microsoft Tai Le"/>
+        <a:font script="Talu" typeface="Microsoft New Tai Lue"/>
+        <a:font script="Tfng" typeface="Ebrima"/>
+      </a:majorFont>
+      <a:minorFont>
+        <a:latin typeface="游ゴシック" panose="020F0502020204030204"/>
+        <a:ea typeface=""/>
+        <a:cs typeface=""/>
+        <a:font script="Jpan" typeface="游ゴシック"/>
+        <a:font script="Hang" typeface="맑은 고딕"/>
+        <a:font script="Hans" typeface="等线"/>
+        <a:font script="Hant" typeface="新細明體"/>
+        <a:font script="Arab" typeface="Arial"/>
+        <a:font script="Hebr" typeface="Arial"/>
+        <a:font script="Thai" typeface="Cordia New"/>
+        <a:font script="Ethi" typeface="Nyala"/>
+        <a:font script="Beng" typeface="Vrinda"/>
+        <a:font script="Gujr" typeface="Shruti"/>
+        <a:font script="Khmr" typeface="DaunPenh"/>
+        <a:font script="Knda" typeface="Tunga"/>
+        <a:font script="Guru" typeface="Raavi"/>
+        <a:font script="Cans" typeface="Euphemia"/>
+        <a:font script="Cher" typeface="Plantagenet Cherokee"/>
+        <a:font script="Yiii" typeface="Microsoft Yi Baiti"/>
+        <a:font script="Tibt" typeface="Microsoft Himalaya"/>
+        <a:font script="Thaa" typeface="MV Boli"/>
+        <a:font script="Deva" typeface="Mangal"/>
+        <a:font script="Telu" typeface="Gautami"/>
+        <a:font script="Taml" typeface="Latha"/>
+        <a:font script="Syrc" typeface="Estrangelo Edessa"/>
+        <a:font script="Orya" typeface="Kalinga"/>
+        <a:font script="Mlym" typeface="Kartika"/>
+        <a:font script="Laoo" typeface="DokChampa"/>
+        <a:font script="Sinh" typeface="Iskoola Pota"/>
+        <a:font script="Mong" typeface="Mongolian Baiti"/>
+        <a:font script="Viet" typeface="Arial"/>
+        <a:font script="Uigh" typeface="Microsoft Uighur"/>
+        <a:font script="Geor" typeface="Sylfaen"/>
+        <a:font script="Armn" typeface="Arial"/>
+        <a:font script="Bugi" typeface="Leelawadee UI"/>
+        <a:font script="Bopo" typeface="Microsoft JhengHei"/>
+        <a:font script="Java" typeface="Javanese Text"/>
+        <a:font script="Lisu" typeface="Segoe UI"/>
+        <a:font script="Mymr" typeface="Myanmar Text"/>
+        <a:font script="Nkoo" typeface="Ebrima"/>
+        <a:font script="Olck" typeface="Nirmala UI"/>
+        <a:font script="Osma" typeface="Ebrima"/>
+        <a:font script="Phag" typeface="Phagspa"/>
+        <a:font script="Syrn" typeface="Estrangelo Edessa"/>
+        <a:font script="Syrj" typeface="Estrangelo Edessa"/>
+        <a:font script="Syre" typeface="Estrangelo Edessa"/>
+        <a:font script="Sora" typeface="Nirmala UI"/>
+        <a:font script="Tale" typeface="Microsoft Tai Le"/>
+        <a:font script="Talu" typeface="Microsoft New Tai Lue"/>
+        <a:font script="Tfng" typeface="Ebrima"/>
+      </a:minorFont>
+    </a:fontScheme>
+    <a:fmtScheme name="Office">
+      <a:fillStyleLst>
+        <a:solidFill>
+          <a:schemeClr val="phClr"/>
+        </a:solidFill>
+        <a:gradFill rotWithShape="1">
+          <a:gsLst>
+            <a:gs pos="0">
+              <a:schemeClr val="phClr">
+                <a:lumMod val="110000"/>
+                <a:satMod val="105000"/>
+                <a:tint val="67000"/>
+              </a:schemeClr>
+            </a:gs>
+            <a:gs pos="50000">
+              <a:schemeClr val="phClr">
+                <a:lumMod val="105000"/>
+                <a:satMod val="103000"/>
+                <a:tint val="73000"/>
+              </a:schemeClr>
+            </a:gs>
+            <a:gs pos="100000">
+              <a:schemeClr val="phClr">
+                <a:lumMod val="105000"/>
+                <a:satMod val="109000"/>
+                <a:tint val="81000"/>
+              </a:schemeClr>
+            </a:gs>
+          </a:gsLst>
+          <a:lin ang="5400000" scaled="0"/>
+        </a:gradFill>
+        <a:gradFill rotWithShape="1">
+          <a:gsLst>
+            <a:gs pos="0">
+              <a:schemeClr val="phClr">
+                <a:satMod val="103000"/>
+                <a:lumMod val="102000"/>
+                <a:tint val="94000"/>
+              </a:schemeClr>
+            </a:gs>
+            <a:gs pos="50000">
+              <a:schemeClr val="phClr">
+                <a:satMod val="110000"/>
+                <a:lumMod val="100000"/>
+                <a:shade val="100000"/>
+              </a:schemeClr>
+            </a:gs>
+            <a:gs pos="100000">
+              <a:schemeClr val="phClr">
+                <a:lumMod val="99000"/>
+                <a:satMod val="120000"/>
+                <a:shade val="78000"/>
+              </a:schemeClr>
+            </a:gs>
+          </a:gsLst>
+          <a:lin ang="5400000" scaled="0"/>
+        </a:gradFill>
+      </a:fillStyleLst>
+      <a:lnStyleLst>
+        <a:ln w="6350" cap="flat" cmpd="sng" algn="ctr">
+          <a:solidFill>
+            <a:schemeClr val="phClr"/>
+          </a:solidFill>
+          <a:prstDash val="solid"/>
+          <a:miter lim="800000"/>
+        </a:ln>
+        <a:ln w="12700" cap="flat" cmpd="sng" algn="ctr">
+          <a:solidFill>
+            <a:schemeClr val="phClr"/>
+          </a:solidFill>
+          <a:prstDash val="solid"/>
+          <a:miter lim="800000"/>
+        </a:ln>
+        <a:ln w="19050" cap="flat" cmpd="sng" algn="ctr">
+          <a:solidFill>
+            <a:schemeClr val="phClr"/>
+          </a:solidFill>
+          <a:prstDash val="solid"/>
+          <a:miter lim="800000"/>
+        </a:ln>
+      </a:lnStyleLst>
+      <a:effectStyleLst>
+        <a:effectStyle>
+          <a:effectLst/>
+        </a:effectStyle>
+        <a:effectStyle>
+          <a:effectLst/>
+        </a:effectStyle>
+        <a:effectStyle>
+          <a:effectLst>
+            <a:outerShdw blurRad="57150" dist="19050" dir="5400000" algn="ctr" rotWithShape="0">
+              <a:srgbClr val="000000">
+                <a:alpha val="63000"/>
+              </a:srgbClr>
+            </a:outerShdw>
+          </a:effectLst>
+        </a:effectStyle>
+      </a:effectStyleLst>
+      <a:bgFillStyleLst>
+        <a:solidFill>
+          <a:schemeClr val="phClr"/>
+        </a:solidFill>
+        <a:solidFill>
+          <a:schemeClr val="phClr">
+            <a:tint val="95000"/>
+            <a:satMod val="170000"/>
+          </a:schemeClr>
+        </a:solidFill>
+        <a:gradFill rotWithShape="1">
+          <a:gsLst>
+            <a:gs pos="0">
+              <a:schemeClr val="phClr">
+                <a:tint val="93000"/>
+                <a:satMod val="150000"/>
+                <a:shade val="98000"/>
+                <a:lumMod val="102000"/>
+              </a:schemeClr>
+            </a:gs>
+            <a:gs pos="50000">
+              <a:schemeClr val="phClr">
+                <a:tint val="98000"/>
+                <a:satMod val="130000"/>
+                <a:shade val="90000"/>
+                <a:lumMod val="103000"/>
+              </a:schemeClr>
+            </a:gs>
+            <a:gs pos="100000">
+              <a:schemeClr val="phClr">
+                <a:shade val="63000"/>
+                <a:satMod val="120000"/>
+              </a:schemeClr>
+            </a:gs>
+          </a:gsLst>
+          <a:lin ang="5400000" scaled="0"/>
+        </a:gradFill>
+      </a:bgFillStyleLst>
+    </a:fmtScheme>
+  </a:themeElements>
+  <a:objectDefaults/>
+  <a:extraClrSchemeLst/>
+  <a:extLst>
+    <a:ext uri="{05A4C25C-085E-4340-85A3-A5531E510DB2}">
+      <thm15:themeFamily xmlns:thm15="http://schemas.microsoft.com/office/thememl/2012/main" name="Office Theme" id="{62F939B6-93AF-4DB8-9C6B-D6C7DFDC589F}" vid="{4A3C46E8-61CC-4603-A589-7422A47A8E4A}"/>
+    </a:ext>
+  </a:extLst>
+</a:theme>
 </file>
--- a/CaseStudy/BusinessFlow/BusinessFlow-CE.pptx
+++ b/CaseStudy/BusinessFlow/BusinessFlow-CE.pptx
@@ -7,7 +7,7 @@
     <p:sldMasterId id="2147483904" r:id="rId3"/>
   </p:sldMasterIdLst>
   <p:notesMasterIdLst>
-    <p:notesMasterId r:id="rId9"/>
+    <p:notesMasterId r:id="rId10"/>
   </p:notesMasterIdLst>
   <p:sldIdLst>
     <p:sldId id="293" r:id="rId4"/>
@@ -15,6 +15,7 @@
     <p:sldId id="296" r:id="rId6"/>
     <p:sldId id="297" r:id="rId7"/>
     <p:sldId id="256" r:id="rId8"/>
+    <p:sldId id="302" r:id="rId9"/>
   </p:sldIdLst>
   <p:sldSz cx="12192000" cy="6858000"/>
   <p:notesSz cx="6858000" cy="9144000"/>
@@ -203,7 +204,7 @@
           <a:p>
             <a:fld id="{AACA0F1E-6A7A-408C-9B73-64CA77DFA15B}" type="datetimeFigureOut">
               <a:rPr kumimoji="1" lang="ja-JP" altLang="en-US" smtClean="0"/>
-              <a:t>2018/10/17</a:t>
+              <a:t>2018/10/24</a:t>
             </a:fld>
             <a:endParaRPr kumimoji="1" lang="ja-JP" altLang="en-US"/>
           </a:p>
@@ -633,7 +634,7 @@
           <a:p>
             <a:fld id="{51684739-6B5A-4F8B-B16A-0057429AE121}" type="datetime1">
               <a:rPr kumimoji="1" lang="ja-JP" altLang="en-US" smtClean="0"/>
-              <a:t>2018/10/17</a:t>
+              <a:t>2018/10/24</a:t>
             </a:fld>
             <a:endParaRPr kumimoji="1" lang="ja-JP" altLang="en-US"/>
           </a:p>
@@ -839,7 +840,7 @@
           <a:p>
             <a:fld id="{D6C24767-C37E-45FC-97CA-CB11AB76749C}" type="datetime1">
               <a:rPr kumimoji="1" lang="ja-JP" altLang="en-US" smtClean="0"/>
-              <a:t>2018/10/17</a:t>
+              <a:t>2018/10/24</a:t>
             </a:fld>
             <a:endParaRPr kumimoji="1" lang="ja-JP" altLang="en-US"/>
           </a:p>
@@ -1055,7 +1056,7 @@
           <a:p>
             <a:fld id="{7BA61CA7-7D10-4549-A359-CC229CBEA567}" type="datetime1">
               <a:rPr kumimoji="1" lang="ja-JP" altLang="en-US" smtClean="0"/>
-              <a:t>2018/10/17</a:t>
+              <a:t>2018/10/24</a:t>
             </a:fld>
             <a:endParaRPr kumimoji="1" lang="ja-JP" altLang="en-US"/>
           </a:p>
@@ -2194,7 +2195,7 @@
           <a:p>
             <a:fld id="{F068AB85-2ACE-4F70-9090-AAB334D4C59F}" type="datetimeFigureOut">
               <a:rPr kumimoji="1" lang="ja-JP" altLang="en-US" smtClean="0"/>
-              <a:t>2018/10/17</a:t>
+              <a:t>2018/10/24</a:t>
             </a:fld>
             <a:endParaRPr kumimoji="1" lang="ja-JP" altLang="en-US"/>
           </a:p>
@@ -2424,7 +2425,7 @@
           <a:p>
             <a:fld id="{F068AB85-2ACE-4F70-9090-AAB334D4C59F}" type="datetimeFigureOut">
               <a:rPr kumimoji="1" lang="ja-JP" altLang="en-US" smtClean="0"/>
-              <a:t>2018/10/17</a:t>
+              <a:t>2018/10/24</a:t>
             </a:fld>
             <a:endParaRPr kumimoji="1" lang="ja-JP" altLang="en-US"/>
           </a:p>
@@ -2699,7 +2700,7 @@
           <a:p>
             <a:fld id="{F068AB85-2ACE-4F70-9090-AAB334D4C59F}" type="datetimeFigureOut">
               <a:rPr kumimoji="1" lang="ja-JP" altLang="en-US" smtClean="0"/>
-              <a:t>2018/10/17</a:t>
+              <a:t>2018/10/24</a:t>
             </a:fld>
             <a:endParaRPr kumimoji="1" lang="ja-JP" altLang="en-US"/>
           </a:p>
@@ -3028,7 +3029,7 @@
           <a:p>
             <a:fld id="{F068AB85-2ACE-4F70-9090-AAB334D4C59F}" type="datetimeFigureOut">
               <a:rPr kumimoji="1" lang="ja-JP" altLang="en-US" smtClean="0"/>
-              <a:t>2018/10/17</a:t>
+              <a:t>2018/10/24</a:t>
             </a:fld>
             <a:endParaRPr kumimoji="1" lang="ja-JP" altLang="en-US"/>
           </a:p>
@@ -3242,7 +3243,7 @@
           <a:p>
             <a:fld id="{B46D0EEA-4AC9-487F-BF7E-E7ADE265C8B1}" type="datetime1">
               <a:rPr kumimoji="1" lang="ja-JP" altLang="en-US" smtClean="0"/>
-              <a:t>2018/10/17</a:t>
+              <a:t>2018/10/24</a:t>
             </a:fld>
             <a:endParaRPr kumimoji="1" lang="ja-JP" altLang="en-US"/>
           </a:p>
@@ -3709,7 +3710,7 @@
           <a:p>
             <a:fld id="{F068AB85-2ACE-4F70-9090-AAB334D4C59F}" type="datetimeFigureOut">
               <a:rPr kumimoji="1" lang="ja-JP" altLang="en-US" smtClean="0"/>
-              <a:t>2018/10/17</a:t>
+              <a:t>2018/10/24</a:t>
             </a:fld>
             <a:endParaRPr kumimoji="1" lang="ja-JP" altLang="en-US"/>
           </a:p>
@@ -3850,7 +3851,7 @@
           <a:p>
             <a:fld id="{F068AB85-2ACE-4F70-9090-AAB334D4C59F}" type="datetimeFigureOut">
               <a:rPr kumimoji="1" lang="ja-JP" altLang="en-US" smtClean="0"/>
-              <a:t>2018/10/17</a:t>
+              <a:t>2018/10/24</a:t>
             </a:fld>
             <a:endParaRPr kumimoji="1" lang="ja-JP" altLang="en-US"/>
           </a:p>
@@ -3963,7 +3964,7 @@
           <a:p>
             <a:fld id="{F068AB85-2ACE-4F70-9090-AAB334D4C59F}" type="datetimeFigureOut">
               <a:rPr kumimoji="1" lang="ja-JP" altLang="en-US" smtClean="0"/>
-              <a:t>2018/10/17</a:t>
+              <a:t>2018/10/24</a:t>
             </a:fld>
             <a:endParaRPr kumimoji="1" lang="ja-JP" altLang="en-US"/>
           </a:p>
@@ -4306,7 +4307,7 @@
           <a:p>
             <a:fld id="{F068AB85-2ACE-4F70-9090-AAB334D4C59F}" type="datetimeFigureOut">
               <a:rPr kumimoji="1" lang="ja-JP" altLang="en-US" smtClean="0"/>
-              <a:t>2018/10/17</a:t>
+              <a:t>2018/10/24</a:t>
             </a:fld>
             <a:endParaRPr kumimoji="1" lang="ja-JP" altLang="en-US"/>
           </a:p>
@@ -4594,7 +4595,7 @@
           <a:p>
             <a:fld id="{F068AB85-2ACE-4F70-9090-AAB334D4C59F}" type="datetimeFigureOut">
               <a:rPr kumimoji="1" lang="ja-JP" altLang="en-US" smtClean="0"/>
-              <a:t>2018/10/17</a:t>
+              <a:t>2018/10/24</a:t>
             </a:fld>
             <a:endParaRPr kumimoji="1" lang="ja-JP" altLang="en-US"/>
           </a:p>
@@ -4824,7 +4825,7 @@
           <a:p>
             <a:fld id="{F068AB85-2ACE-4F70-9090-AAB334D4C59F}" type="datetimeFigureOut">
               <a:rPr kumimoji="1" lang="ja-JP" altLang="en-US" smtClean="0"/>
-              <a:t>2018/10/17</a:t>
+              <a:t>2018/10/24</a:t>
             </a:fld>
             <a:endParaRPr kumimoji="1" lang="ja-JP" altLang="en-US"/>
           </a:p>
@@ -5064,7 +5065,7 @@
           <a:p>
             <a:fld id="{F068AB85-2ACE-4F70-9090-AAB334D4C59F}" type="datetimeFigureOut">
               <a:rPr kumimoji="1" lang="ja-JP" altLang="en-US" smtClean="0"/>
-              <a:t>2018/10/17</a:t>
+              <a:t>2018/10/24</a:t>
             </a:fld>
             <a:endParaRPr kumimoji="1" lang="ja-JP" altLang="en-US"/>
           </a:p>
@@ -5322,7 +5323,7 @@
           <a:p>
             <a:fld id="{9AD472B9-0DC0-43A3-A586-259C5CCCC7B7}" type="datetime1">
               <a:rPr kumimoji="1" lang="ja-JP" altLang="en-US" smtClean="0"/>
-              <a:t>2018/10/17</a:t>
+              <a:t>2018/10/24</a:t>
             </a:fld>
             <a:endParaRPr kumimoji="1" lang="ja-JP" altLang="en-US"/>
           </a:p>
@@ -5677,7 +5678,7 @@
           <a:p>
             <a:fld id="{FCE8AD0A-FF56-440C-8866-2DBB85638F26}" type="datetime1">
               <a:rPr kumimoji="1" lang="ja-JP" altLang="en-US" smtClean="0"/>
-              <a:t>2018/10/17</a:t>
+              <a:t>2018/10/24</a:t>
             </a:fld>
             <a:endParaRPr kumimoji="1" lang="ja-JP" altLang="en-US"/>
           </a:p>
@@ -6168,7 +6169,7 @@
           <a:p>
             <a:fld id="{B98F01A6-9B05-4412-9B66-4612911364EA}" type="datetime1">
               <a:rPr kumimoji="1" lang="ja-JP" altLang="en-US" smtClean="0"/>
-              <a:t>2018/10/17</a:t>
+              <a:t>2018/10/24</a:t>
             </a:fld>
             <a:endParaRPr kumimoji="1" lang="ja-JP" altLang="en-US"/>
           </a:p>
@@ -6290,7 +6291,7 @@
           <a:p>
             <a:fld id="{930E7C22-1549-405D-A0B3-B16D97AD5E99}" type="datetime1">
               <a:rPr kumimoji="1" lang="ja-JP" altLang="en-US" smtClean="0"/>
-              <a:t>2018/10/17</a:t>
+              <a:t>2018/10/24</a:t>
             </a:fld>
             <a:endParaRPr kumimoji="1" lang="ja-JP" altLang="en-US"/>
           </a:p>
@@ -6389,7 +6390,7 @@
           <a:p>
             <a:fld id="{C15DACC1-FFB1-4714-840C-A511AA693359}" type="datetime1">
               <a:rPr kumimoji="1" lang="ja-JP" altLang="en-US" smtClean="0"/>
-              <a:t>2018/10/17</a:t>
+              <a:t>2018/10/24</a:t>
             </a:fld>
             <a:endParaRPr kumimoji="1" lang="ja-JP" altLang="en-US"/>
           </a:p>
@@ -6702,7 +6703,7 @@
           <a:p>
             <a:fld id="{5F86D9A3-D474-427A-8BEC-4724A22B28E1}" type="datetime1">
               <a:rPr kumimoji="1" lang="ja-JP" altLang="en-US" smtClean="0"/>
-              <a:t>2018/10/17</a:t>
+              <a:t>2018/10/24</a:t>
             </a:fld>
             <a:endParaRPr kumimoji="1" lang="ja-JP" altLang="en-US"/>
           </a:p>
@@ -6963,7 +6964,7 @@
           <a:p>
             <a:fld id="{9DFBE405-2BEB-4CB5-9650-43A5C6CAEB09}" type="datetime1">
               <a:rPr kumimoji="1" lang="ja-JP" altLang="en-US" smtClean="0"/>
-              <a:t>2018/10/17</a:t>
+              <a:t>2018/10/24</a:t>
             </a:fld>
             <a:endParaRPr kumimoji="1" lang="ja-JP" altLang="en-US"/>
           </a:p>
@@ -7211,7 +7212,7 @@
           <a:p>
             <a:fld id="{AE379D9F-14C0-4FEA-A161-9952562F370E}" type="datetime1">
               <a:rPr kumimoji="1" lang="ja-JP" altLang="en-US" smtClean="0"/>
-              <a:t>2018/10/17</a:t>
+              <a:t>2018/10/24</a:t>
             </a:fld>
             <a:endParaRPr kumimoji="1" lang="ja-JP" altLang="en-US"/>
           </a:p>
@@ -8201,7 +8202,7 @@
           <a:p>
             <a:fld id="{F068AB85-2ACE-4F70-9090-AAB334D4C59F}" type="datetimeFigureOut">
               <a:rPr kumimoji="1" lang="ja-JP" altLang="en-US" smtClean="0"/>
-              <a:t>2018/10/17</a:t>
+              <a:t>2018/10/24</a:t>
             </a:fld>
             <a:endParaRPr kumimoji="1" lang="ja-JP" altLang="en-US"/>
           </a:p>
@@ -19096,6 +19097,5201 @@
     <p:extLst>
       <p:ext uri="{BB962C8B-B14F-4D97-AF65-F5344CB8AC3E}">
         <p14:creationId xmlns:p14="http://schemas.microsoft.com/office/powerpoint/2010/main" val="1638826084"/>
+      </p:ext>
+    </p:extLst>
+  </p:cSld>
+  <p:clrMapOvr>
+    <a:masterClrMapping/>
+  </p:clrMapOvr>
+</p:sld>
+</file>
+
+<file path=ppt/slides/slide6.xml><?xml version="1.0" encoding="utf-8"?>
+<p:sld xmlns:a="http://schemas.openxmlformats.org/drawingml/2006/main" xmlns:r="http://schemas.openxmlformats.org/officeDocument/2006/relationships" xmlns:p="http://schemas.openxmlformats.org/presentationml/2006/main">
+  <p:cSld>
+    <p:spTree>
+      <p:nvGrpSpPr>
+        <p:cNvPr id="1" name=""/>
+        <p:cNvGrpSpPr/>
+        <p:nvPr/>
+      </p:nvGrpSpPr>
+      <p:grpSpPr>
+        <a:xfrm>
+          <a:off x="0" y="0"/>
+          <a:ext cx="0" cy="0"/>
+          <a:chOff x="0" y="0"/>
+          <a:chExt cx="0" cy="0"/>
+        </a:xfrm>
+      </p:grpSpPr>
+      <p:sp>
+        <p:nvSpPr>
+          <p:cNvPr id="2" name="フッター プレースホルダー 1">
+            <a:extLst>
+              <a:ext uri="{FF2B5EF4-FFF2-40B4-BE49-F238E27FC236}">
+                <a16:creationId xmlns:a16="http://schemas.microsoft.com/office/drawing/2014/main" id="{E8DFE1D6-FE49-4377-A3BD-BCE7470B4846}"/>
+              </a:ext>
+            </a:extLst>
+          </p:cNvPr>
+          <p:cNvSpPr>
+            <a:spLocks noGrp="1"/>
+          </p:cNvSpPr>
+          <p:nvPr>
+            <p:ph type="ftr" sz="quarter" idx="11"/>
+          </p:nvPr>
+        </p:nvSpPr>
+        <p:spPr>
+          <a:xfrm>
+            <a:off x="4648200" y="6356350"/>
+            <a:ext cx="2895600" cy="365125"/>
+          </a:xfrm>
+        </p:spPr>
+        <p:txBody>
+          <a:bodyPr/>
+          <a:lstStyle/>
+          <a:p>
+            <a:pPr marL="0" marR="0" lvl="0" indent="0" algn="ctr" defTabSz="914400" rtl="0" eaLnBrk="1" fontAlgn="auto" latinLnBrk="0" hangingPunct="1">
+              <a:lnSpc>
+                <a:spcPct val="100000"/>
+              </a:lnSpc>
+              <a:spcBef>
+                <a:spcPts val="0"/>
+              </a:spcBef>
+              <a:spcAft>
+                <a:spcPts val="0"/>
+              </a:spcAft>
+              <a:buClrTx/>
+              <a:buSzTx/>
+              <a:buFontTx/>
+              <a:buNone/>
+              <a:tabLst/>
+              <a:defRPr/>
+            </a:pPr>
+            <a:r>
+              <a:rPr kumimoji="1" lang="en-US" altLang="ja-JP" sz="1200" b="0" i="0" u="none" strike="noStrike" kern="1200" cap="none" spc="0" normalizeH="0" baseline="0" noProof="0">
+                <a:ln>
+                  <a:noFill/>
+                </a:ln>
+                <a:solidFill>
+                  <a:prstClr val="black">
+                    <a:tint val="75000"/>
+                  </a:prstClr>
+                </a:solidFill>
+                <a:effectLst/>
+                <a:uLnTx/>
+                <a:uFillTx/>
+                <a:latin typeface="Calibri"/>
+                <a:ea typeface="ＭＳ Ｐゴシック" panose="020B0600070205080204" pitchFamily="50" charset="-128"/>
+                <a:cs typeface="+mn-cs"/>
+              </a:rPr>
+              <a:t>CC0-1.0</a:t>
+            </a:r>
+            <a:endParaRPr kumimoji="1" lang="ja-JP" altLang="en-US" sz="1200" b="0" i="0" u="none" strike="noStrike" kern="1200" cap="none" spc="0" normalizeH="0" baseline="0" noProof="0" dirty="0">
+              <a:ln>
+                <a:noFill/>
+              </a:ln>
+              <a:solidFill>
+                <a:prstClr val="black">
+                  <a:tint val="75000"/>
+                </a:prstClr>
+              </a:solidFill>
+              <a:effectLst/>
+              <a:uLnTx/>
+              <a:uFillTx/>
+              <a:latin typeface="Calibri"/>
+              <a:ea typeface="ＭＳ Ｐゴシック" panose="020B0600070205080204" pitchFamily="50" charset="-128"/>
+              <a:cs typeface="+mn-cs"/>
+            </a:endParaRPr>
+          </a:p>
+        </p:txBody>
+      </p:sp>
+      <p:sp>
+        <p:nvSpPr>
+          <p:cNvPr id="3" name="四角形: 角を丸くする 2">
+            <a:extLst>
+              <a:ext uri="{FF2B5EF4-FFF2-40B4-BE49-F238E27FC236}">
+                <a16:creationId xmlns:a16="http://schemas.microsoft.com/office/drawing/2014/main" id="{2C34A4A2-6303-43D7-A31A-2AA017E830C7}"/>
+              </a:ext>
+            </a:extLst>
+          </p:cNvPr>
+          <p:cNvSpPr/>
+          <p:nvPr/>
+        </p:nvSpPr>
+        <p:spPr>
+          <a:xfrm>
+            <a:off x="520912" y="2284389"/>
+            <a:ext cx="1733005" cy="3204754"/>
+          </a:xfrm>
+          <a:prstGeom prst="roundRect">
+            <a:avLst/>
+          </a:prstGeom>
+          <a:solidFill>
+            <a:srgbClr val="00B050"/>
+          </a:solidFill>
+          <a:ln>
+            <a:solidFill>
+              <a:srgbClr val="00B050"/>
+            </a:solidFill>
+          </a:ln>
+        </p:spPr>
+        <p:style>
+          <a:lnRef idx="2">
+            <a:schemeClr val="accent1">
+              <a:shade val="50000"/>
+            </a:schemeClr>
+          </a:lnRef>
+          <a:fillRef idx="1">
+            <a:schemeClr val="accent1"/>
+          </a:fillRef>
+          <a:effectRef idx="0">
+            <a:schemeClr val="accent1"/>
+          </a:effectRef>
+          <a:fontRef idx="minor">
+            <a:schemeClr val="lt1"/>
+          </a:fontRef>
+        </p:style>
+        <p:txBody>
+          <a:bodyPr rtlCol="0" anchor="ctr"/>
+          <a:lstStyle/>
+          <a:p>
+            <a:pPr marL="0" marR="0" lvl="0" indent="0" algn="ctr" defTabSz="914400" rtl="0" eaLnBrk="1" fontAlgn="auto" latinLnBrk="0" hangingPunct="1">
+              <a:lnSpc>
+                <a:spcPct val="100000"/>
+              </a:lnSpc>
+              <a:spcBef>
+                <a:spcPts val="0"/>
+              </a:spcBef>
+              <a:spcAft>
+                <a:spcPts val="0"/>
+              </a:spcAft>
+              <a:buClrTx/>
+              <a:buSzTx/>
+              <a:buFontTx/>
+              <a:buNone/>
+              <a:tabLst/>
+              <a:defRPr/>
+            </a:pPr>
+            <a:r>
+              <a:rPr kumimoji="1" lang="ja-JP" altLang="en-US" sz="1800" b="0" i="0" u="none" strike="noStrike" kern="1200" cap="none" spc="0" normalizeH="0" baseline="0" noProof="0" dirty="0">
+                <a:ln>
+                  <a:noFill/>
+                </a:ln>
+                <a:solidFill>
+                  <a:prstClr val="white"/>
+                </a:solidFill>
+                <a:effectLst/>
+                <a:uLnTx/>
+                <a:uFillTx/>
+                <a:latin typeface="Calibri"/>
+                <a:ea typeface="ＭＳ Ｐゴシック" panose="020B0600070205080204" pitchFamily="50" charset="-128"/>
+                <a:cs typeface="+mn-cs"/>
+              </a:rPr>
+              <a:t>ソフトウェア</a:t>
+            </a:r>
+            <a:endParaRPr kumimoji="1" lang="en-US" altLang="ja-JP" sz="1800" b="0" i="0" u="none" strike="noStrike" kern="1200" cap="none" spc="0" normalizeH="0" baseline="0" noProof="0" dirty="0">
+              <a:ln>
+                <a:noFill/>
+              </a:ln>
+              <a:solidFill>
+                <a:prstClr val="white"/>
+              </a:solidFill>
+              <a:effectLst/>
+              <a:uLnTx/>
+              <a:uFillTx/>
+              <a:latin typeface="Calibri"/>
+              <a:ea typeface="ＭＳ Ｐゴシック" panose="020B0600070205080204" pitchFamily="50" charset="-128"/>
+              <a:cs typeface="+mn-cs"/>
+            </a:endParaRPr>
+          </a:p>
+          <a:p>
+            <a:pPr marL="0" marR="0" lvl="0" indent="0" algn="ctr" defTabSz="914400" rtl="0" eaLnBrk="1" fontAlgn="auto" latinLnBrk="0" hangingPunct="1">
+              <a:lnSpc>
+                <a:spcPct val="100000"/>
+              </a:lnSpc>
+              <a:spcBef>
+                <a:spcPts val="0"/>
+              </a:spcBef>
+              <a:spcAft>
+                <a:spcPts val="0"/>
+              </a:spcAft>
+              <a:buClrTx/>
+              <a:buSzTx/>
+              <a:buFontTx/>
+              <a:buNone/>
+              <a:tabLst/>
+              <a:defRPr/>
+            </a:pPr>
+            <a:r>
+              <a:rPr kumimoji="1" lang="ja-JP" altLang="en-US" sz="1800" b="0" i="0" u="none" strike="noStrike" kern="1200" cap="none" spc="0" normalizeH="0" baseline="0" noProof="0" dirty="0">
+                <a:ln>
+                  <a:noFill/>
+                </a:ln>
+                <a:solidFill>
+                  <a:prstClr val="white"/>
+                </a:solidFill>
+                <a:effectLst/>
+                <a:uLnTx/>
+                <a:uFillTx/>
+                <a:latin typeface="Calibri"/>
+                <a:ea typeface="ＭＳ Ｐゴシック" panose="020B0600070205080204" pitchFamily="50" charset="-128"/>
+                <a:cs typeface="+mn-cs"/>
+              </a:rPr>
+              <a:t>供給者</a:t>
+            </a:r>
+          </a:p>
+        </p:txBody>
+      </p:sp>
+      <p:sp>
+        <p:nvSpPr>
+          <p:cNvPr id="7" name="四角形: 角を丸くする 6">
+            <a:extLst>
+              <a:ext uri="{FF2B5EF4-FFF2-40B4-BE49-F238E27FC236}">
+                <a16:creationId xmlns:a16="http://schemas.microsoft.com/office/drawing/2014/main" id="{8E1A5EC1-C62A-4EBD-8155-D9DD4151CBB7}"/>
+              </a:ext>
+            </a:extLst>
+          </p:cNvPr>
+          <p:cNvSpPr/>
+          <p:nvPr/>
+        </p:nvSpPr>
+        <p:spPr>
+          <a:xfrm>
+            <a:off x="3617350" y="1210491"/>
+            <a:ext cx="4464203" cy="4267195"/>
+          </a:xfrm>
+          <a:prstGeom prst="roundRect">
+            <a:avLst/>
+          </a:prstGeom>
+          <a:solidFill>
+            <a:schemeClr val="accent1">
+              <a:lumMod val="20000"/>
+              <a:lumOff val="80000"/>
+            </a:schemeClr>
+          </a:solidFill>
+        </p:spPr>
+        <p:style>
+          <a:lnRef idx="2">
+            <a:schemeClr val="accent1">
+              <a:shade val="50000"/>
+            </a:schemeClr>
+          </a:lnRef>
+          <a:fillRef idx="1">
+            <a:schemeClr val="accent1"/>
+          </a:fillRef>
+          <a:effectRef idx="0">
+            <a:schemeClr val="accent1"/>
+          </a:effectRef>
+          <a:fontRef idx="minor">
+            <a:schemeClr val="lt1"/>
+          </a:fontRef>
+        </p:style>
+        <p:txBody>
+          <a:bodyPr rtlCol="0" anchor="ctr"/>
+          <a:lstStyle/>
+          <a:p>
+            <a:pPr marL="0" marR="0" lvl="0" indent="0" algn="ctr" defTabSz="914400" rtl="0" eaLnBrk="1" fontAlgn="auto" latinLnBrk="0" hangingPunct="1">
+              <a:lnSpc>
+                <a:spcPct val="100000"/>
+              </a:lnSpc>
+              <a:spcBef>
+                <a:spcPts val="0"/>
+              </a:spcBef>
+              <a:spcAft>
+                <a:spcPts val="0"/>
+              </a:spcAft>
+              <a:buClrTx/>
+              <a:buSzTx/>
+              <a:buFontTx/>
+              <a:buNone/>
+              <a:tabLst/>
+              <a:defRPr/>
+            </a:pPr>
+            <a:endParaRPr kumimoji="1" lang="ja-JP" altLang="en-US" sz="1800" b="0" i="0" u="none" strike="noStrike" kern="1200" cap="none" spc="0" normalizeH="0" baseline="0" noProof="0">
+              <a:ln>
+                <a:noFill/>
+              </a:ln>
+              <a:solidFill>
+                <a:prstClr val="white"/>
+              </a:solidFill>
+              <a:effectLst/>
+              <a:uLnTx/>
+              <a:uFillTx/>
+              <a:latin typeface="Calibri"/>
+              <a:ea typeface="ＭＳ Ｐゴシック" panose="020B0600070205080204" pitchFamily="50" charset="-128"/>
+              <a:cs typeface="+mn-cs"/>
+            </a:endParaRPr>
+          </a:p>
+        </p:txBody>
+      </p:sp>
+      <p:sp>
+        <p:nvSpPr>
+          <p:cNvPr id="8" name="四角形: 角を丸くする 7">
+            <a:extLst>
+              <a:ext uri="{FF2B5EF4-FFF2-40B4-BE49-F238E27FC236}">
+                <a16:creationId xmlns:a16="http://schemas.microsoft.com/office/drawing/2014/main" id="{89052F24-0417-4CDA-8638-962F182F5F29}"/>
+              </a:ext>
+            </a:extLst>
+          </p:cNvPr>
+          <p:cNvSpPr/>
+          <p:nvPr/>
+        </p:nvSpPr>
+        <p:spPr>
+          <a:xfrm>
+            <a:off x="8834848" y="2425332"/>
+            <a:ext cx="1733005" cy="3204754"/>
+          </a:xfrm>
+          <a:prstGeom prst="roundRect">
+            <a:avLst/>
+          </a:prstGeom>
+          <a:solidFill>
+            <a:srgbClr val="00B050"/>
+          </a:solidFill>
+          <a:ln>
+            <a:solidFill>
+              <a:srgbClr val="00B050"/>
+            </a:solidFill>
+          </a:ln>
+        </p:spPr>
+        <p:style>
+          <a:lnRef idx="2">
+            <a:schemeClr val="accent1">
+              <a:shade val="50000"/>
+            </a:schemeClr>
+          </a:lnRef>
+          <a:fillRef idx="1">
+            <a:schemeClr val="accent1"/>
+          </a:fillRef>
+          <a:effectRef idx="0">
+            <a:schemeClr val="accent1"/>
+          </a:effectRef>
+          <a:fontRef idx="minor">
+            <a:schemeClr val="lt1"/>
+          </a:fontRef>
+        </p:style>
+        <p:txBody>
+          <a:bodyPr rtlCol="0" anchor="ctr"/>
+          <a:lstStyle/>
+          <a:p>
+            <a:pPr marL="0" marR="0" lvl="0" indent="0" algn="ctr" defTabSz="914400" rtl="0" eaLnBrk="1" fontAlgn="auto" latinLnBrk="0" hangingPunct="1">
+              <a:lnSpc>
+                <a:spcPct val="100000"/>
+              </a:lnSpc>
+              <a:spcBef>
+                <a:spcPts val="0"/>
+              </a:spcBef>
+              <a:spcAft>
+                <a:spcPts val="0"/>
+              </a:spcAft>
+              <a:buClrTx/>
+              <a:buSzTx/>
+              <a:buFontTx/>
+              <a:buNone/>
+              <a:tabLst/>
+              <a:defRPr/>
+            </a:pPr>
+            <a:r>
+              <a:rPr kumimoji="1" lang="ja-JP" altLang="en-US" sz="1800" b="0" i="0" u="none" strike="noStrike" kern="1200" cap="none" spc="0" normalizeH="0" baseline="0" noProof="0" dirty="0">
+                <a:ln>
+                  <a:noFill/>
+                </a:ln>
+                <a:solidFill>
+                  <a:prstClr val="white"/>
+                </a:solidFill>
+                <a:effectLst/>
+                <a:uLnTx/>
+                <a:uFillTx/>
+                <a:latin typeface="Calibri"/>
+                <a:ea typeface="ＭＳ Ｐゴシック" panose="020B0600070205080204" pitchFamily="50" charset="-128"/>
+                <a:cs typeface="+mn-cs"/>
+              </a:rPr>
+              <a:t>顧客</a:t>
+            </a:r>
+          </a:p>
+        </p:txBody>
+      </p:sp>
+      <p:sp>
+        <p:nvSpPr>
+          <p:cNvPr id="10" name="四角形: 角を丸くする 9">
+            <a:extLst>
+              <a:ext uri="{FF2B5EF4-FFF2-40B4-BE49-F238E27FC236}">
+                <a16:creationId xmlns:a16="http://schemas.microsoft.com/office/drawing/2014/main" id="{3E8CA6F4-9AF7-4331-9663-D13706D8F841}"/>
+              </a:ext>
+            </a:extLst>
+          </p:cNvPr>
+          <p:cNvSpPr/>
+          <p:nvPr/>
+        </p:nvSpPr>
+        <p:spPr>
+          <a:xfrm>
+            <a:off x="4249891" y="5639776"/>
+            <a:ext cx="3561795" cy="631076"/>
+          </a:xfrm>
+          <a:prstGeom prst="roundRect">
+            <a:avLst/>
+          </a:prstGeom>
+          <a:solidFill>
+            <a:srgbClr val="00B050"/>
+          </a:solidFill>
+          <a:ln>
+            <a:solidFill>
+              <a:srgbClr val="00B050"/>
+            </a:solidFill>
+          </a:ln>
+        </p:spPr>
+        <p:style>
+          <a:lnRef idx="2">
+            <a:schemeClr val="accent1">
+              <a:shade val="50000"/>
+            </a:schemeClr>
+          </a:lnRef>
+          <a:fillRef idx="1">
+            <a:schemeClr val="accent1"/>
+          </a:fillRef>
+          <a:effectRef idx="0">
+            <a:schemeClr val="accent1"/>
+          </a:effectRef>
+          <a:fontRef idx="minor">
+            <a:schemeClr val="lt1"/>
+          </a:fontRef>
+        </p:style>
+        <p:txBody>
+          <a:bodyPr rtlCol="0" anchor="ctr"/>
+          <a:lstStyle/>
+          <a:p>
+            <a:pPr marL="0" marR="0" lvl="0" indent="0" algn="ctr" defTabSz="914400" rtl="0" eaLnBrk="1" fontAlgn="auto" latinLnBrk="0" hangingPunct="1">
+              <a:lnSpc>
+                <a:spcPct val="100000"/>
+              </a:lnSpc>
+              <a:spcBef>
+                <a:spcPts val="0"/>
+              </a:spcBef>
+              <a:spcAft>
+                <a:spcPts val="0"/>
+              </a:spcAft>
+              <a:buClrTx/>
+              <a:buSzTx/>
+              <a:buFontTx/>
+              <a:buNone/>
+              <a:tabLst/>
+              <a:defRPr/>
+            </a:pPr>
+            <a:r>
+              <a:rPr kumimoji="1" lang="ja-JP" altLang="en-US" sz="1800" b="0" i="0" u="none" strike="noStrike" kern="1200" cap="none" spc="0" normalizeH="0" baseline="0" noProof="0" dirty="0">
+                <a:ln>
+                  <a:noFill/>
+                </a:ln>
+                <a:solidFill>
+                  <a:prstClr val="white"/>
+                </a:solidFill>
+                <a:effectLst/>
+                <a:uLnTx/>
+                <a:uFillTx/>
+                <a:latin typeface="Calibri"/>
+                <a:ea typeface="ＭＳ Ｐゴシック" panose="020B0600070205080204" pitchFamily="50" charset="-128"/>
+                <a:cs typeface="+mn-cs"/>
+              </a:rPr>
+              <a:t>オープンソースコミュニティ</a:t>
+            </a:r>
+          </a:p>
+        </p:txBody>
+      </p:sp>
+      <p:sp>
+        <p:nvSpPr>
+          <p:cNvPr id="11" name="四角形: 角を丸くする 10">
+            <a:extLst>
+              <a:ext uri="{FF2B5EF4-FFF2-40B4-BE49-F238E27FC236}">
+                <a16:creationId xmlns:a16="http://schemas.microsoft.com/office/drawing/2014/main" id="{AFB6E93C-9793-472A-B955-A686FAC84609}"/>
+              </a:ext>
+            </a:extLst>
+          </p:cNvPr>
+          <p:cNvSpPr/>
+          <p:nvPr/>
+        </p:nvSpPr>
+        <p:spPr>
+          <a:xfrm>
+            <a:off x="4836750" y="2538986"/>
+            <a:ext cx="2145891" cy="1781839"/>
+          </a:xfrm>
+          <a:prstGeom prst="roundRect">
+            <a:avLst/>
+          </a:prstGeom>
+          <a:solidFill>
+            <a:srgbClr val="FFC000"/>
+          </a:solidFill>
+          <a:ln>
+            <a:noFill/>
+          </a:ln>
+        </p:spPr>
+        <p:style>
+          <a:lnRef idx="2">
+            <a:schemeClr val="accent1">
+              <a:shade val="50000"/>
+            </a:schemeClr>
+          </a:lnRef>
+          <a:fillRef idx="1">
+            <a:schemeClr val="accent1"/>
+          </a:fillRef>
+          <a:effectRef idx="0">
+            <a:schemeClr val="accent1"/>
+          </a:effectRef>
+          <a:fontRef idx="minor">
+            <a:schemeClr val="lt1"/>
+          </a:fontRef>
+        </p:style>
+        <p:txBody>
+          <a:bodyPr rtlCol="0" anchor="ctr"/>
+          <a:lstStyle/>
+          <a:p>
+            <a:pPr marL="0" marR="0" lvl="0" indent="0" algn="ctr" defTabSz="914400" rtl="0" eaLnBrk="1" fontAlgn="auto" latinLnBrk="0" hangingPunct="1">
+              <a:lnSpc>
+                <a:spcPct val="100000"/>
+              </a:lnSpc>
+              <a:spcBef>
+                <a:spcPts val="0"/>
+              </a:spcBef>
+              <a:spcAft>
+                <a:spcPts val="0"/>
+              </a:spcAft>
+              <a:buClrTx/>
+              <a:buSzTx/>
+              <a:buFontTx/>
+              <a:buNone/>
+              <a:tabLst/>
+              <a:defRPr/>
+            </a:pPr>
+            <a:r>
+              <a:rPr kumimoji="1" lang="ja-JP" altLang="en-US" sz="1800" b="0" i="0" u="none" strike="noStrike" kern="1200" cap="none" spc="0" normalizeH="0" baseline="0" noProof="0" dirty="0">
+                <a:ln>
+                  <a:noFill/>
+                </a:ln>
+                <a:solidFill>
+                  <a:prstClr val="black"/>
+                </a:solidFill>
+                <a:effectLst/>
+                <a:uLnTx/>
+                <a:uFillTx/>
+                <a:latin typeface="Calibri"/>
+                <a:ea typeface="ＭＳ Ｐゴシック" panose="020B0600070205080204" pitchFamily="50" charset="-128"/>
+                <a:cs typeface="+mn-cs"/>
+              </a:rPr>
+              <a:t>ソフトウエア</a:t>
+            </a:r>
+            <a:endParaRPr kumimoji="1" lang="en-US" altLang="ja-JP" sz="1800" b="0" i="0" u="none" strike="noStrike" kern="1200" cap="none" spc="0" normalizeH="0" baseline="0" noProof="0" dirty="0">
+              <a:ln>
+                <a:noFill/>
+              </a:ln>
+              <a:solidFill>
+                <a:prstClr val="black"/>
+              </a:solidFill>
+              <a:effectLst/>
+              <a:uLnTx/>
+              <a:uFillTx/>
+              <a:latin typeface="Calibri"/>
+              <a:ea typeface="ＭＳ Ｐゴシック" panose="020B0600070205080204" pitchFamily="50" charset="-128"/>
+              <a:cs typeface="+mn-cs"/>
+            </a:endParaRPr>
+          </a:p>
+          <a:p>
+            <a:pPr marL="0" marR="0" lvl="0" indent="0" algn="ctr" defTabSz="914400" rtl="0" eaLnBrk="1" fontAlgn="auto" latinLnBrk="0" hangingPunct="1">
+              <a:lnSpc>
+                <a:spcPct val="100000"/>
+              </a:lnSpc>
+              <a:spcBef>
+                <a:spcPts val="0"/>
+              </a:spcBef>
+              <a:spcAft>
+                <a:spcPts val="0"/>
+              </a:spcAft>
+              <a:buClrTx/>
+              <a:buSzTx/>
+              <a:buFontTx/>
+              <a:buNone/>
+              <a:tabLst/>
+              <a:defRPr/>
+            </a:pPr>
+            <a:r>
+              <a:rPr kumimoji="1" lang="ja-JP" altLang="en-US" sz="1800" b="0" i="0" u="none" strike="noStrike" kern="1200" cap="none" spc="0" normalizeH="0" baseline="0" noProof="0" dirty="0">
+                <a:ln>
+                  <a:noFill/>
+                </a:ln>
+                <a:solidFill>
+                  <a:prstClr val="black"/>
+                </a:solidFill>
+                <a:effectLst/>
+                <a:uLnTx/>
+                <a:uFillTx/>
+                <a:latin typeface="Calibri"/>
+                <a:ea typeface="ＭＳ Ｐゴシック" panose="020B0600070205080204" pitchFamily="50" charset="-128"/>
+                <a:cs typeface="+mn-cs"/>
+              </a:rPr>
+              <a:t>開発・設計</a:t>
+            </a:r>
+          </a:p>
+        </p:txBody>
+      </p:sp>
+      <p:sp>
+        <p:nvSpPr>
+          <p:cNvPr id="17" name="四角形: 角を丸くする 16">
+            <a:extLst>
+              <a:ext uri="{FF2B5EF4-FFF2-40B4-BE49-F238E27FC236}">
+                <a16:creationId xmlns:a16="http://schemas.microsoft.com/office/drawing/2014/main" id="{04085E13-10DF-491F-B9A2-245D5988475A}"/>
+              </a:ext>
+            </a:extLst>
+          </p:cNvPr>
+          <p:cNvSpPr/>
+          <p:nvPr/>
+        </p:nvSpPr>
+        <p:spPr>
+          <a:xfrm>
+            <a:off x="4049398" y="1535619"/>
+            <a:ext cx="739140" cy="372291"/>
+          </a:xfrm>
+          <a:prstGeom prst="roundRect">
+            <a:avLst/>
+          </a:prstGeom>
+          <a:solidFill>
+            <a:srgbClr val="FFC000"/>
+          </a:solidFill>
+          <a:ln>
+            <a:noFill/>
+          </a:ln>
+        </p:spPr>
+        <p:style>
+          <a:lnRef idx="2">
+            <a:schemeClr val="accent1">
+              <a:shade val="50000"/>
+            </a:schemeClr>
+          </a:lnRef>
+          <a:fillRef idx="1">
+            <a:schemeClr val="accent1"/>
+          </a:fillRef>
+          <a:effectRef idx="0">
+            <a:schemeClr val="accent1"/>
+          </a:effectRef>
+          <a:fontRef idx="minor">
+            <a:schemeClr val="lt1"/>
+          </a:fontRef>
+        </p:style>
+        <p:txBody>
+          <a:bodyPr rtlCol="0" anchor="ctr"/>
+          <a:lstStyle/>
+          <a:p>
+            <a:pPr marL="0" marR="0" lvl="0" indent="0" algn="ctr" defTabSz="914400" rtl="0" eaLnBrk="1" fontAlgn="auto" latinLnBrk="0" hangingPunct="1">
+              <a:lnSpc>
+                <a:spcPct val="100000"/>
+              </a:lnSpc>
+              <a:spcBef>
+                <a:spcPts val="0"/>
+              </a:spcBef>
+              <a:spcAft>
+                <a:spcPts val="0"/>
+              </a:spcAft>
+              <a:buClrTx/>
+              <a:buSzTx/>
+              <a:buFontTx/>
+              <a:buNone/>
+              <a:tabLst/>
+              <a:defRPr/>
+            </a:pPr>
+            <a:r>
+              <a:rPr kumimoji="1" lang="ja-JP" altLang="en-US" sz="800" b="0" i="0" u="none" strike="noStrike" kern="1200" cap="none" spc="0" normalizeH="0" baseline="0" noProof="0" dirty="0">
+                <a:ln>
+                  <a:noFill/>
+                </a:ln>
+                <a:solidFill>
+                  <a:prstClr val="black"/>
+                </a:solidFill>
+                <a:effectLst/>
+                <a:uLnTx/>
+                <a:uFillTx/>
+                <a:latin typeface="Calibri"/>
+                <a:ea typeface="ＭＳ Ｐゴシック" panose="020B0600070205080204" pitchFamily="50" charset="-128"/>
+                <a:cs typeface="+mn-cs"/>
+              </a:rPr>
+              <a:t>ソフト契約</a:t>
+            </a:r>
+            <a:endParaRPr kumimoji="1" lang="en-US" altLang="ja-JP" sz="800" b="0" i="0" u="none" strike="noStrike" kern="1200" cap="none" spc="0" normalizeH="0" baseline="0" noProof="0" dirty="0">
+              <a:ln>
+                <a:noFill/>
+              </a:ln>
+              <a:solidFill>
+                <a:prstClr val="black"/>
+              </a:solidFill>
+              <a:effectLst/>
+              <a:uLnTx/>
+              <a:uFillTx/>
+              <a:latin typeface="Calibri"/>
+              <a:ea typeface="ＭＳ Ｐゴシック" panose="020B0600070205080204" pitchFamily="50" charset="-128"/>
+              <a:cs typeface="+mn-cs"/>
+            </a:endParaRPr>
+          </a:p>
+          <a:p>
+            <a:pPr marL="0" marR="0" lvl="0" indent="0" algn="ctr" defTabSz="914400" rtl="0" eaLnBrk="1" fontAlgn="auto" latinLnBrk="0" hangingPunct="1">
+              <a:lnSpc>
+                <a:spcPct val="100000"/>
+              </a:lnSpc>
+              <a:spcBef>
+                <a:spcPts val="0"/>
+              </a:spcBef>
+              <a:spcAft>
+                <a:spcPts val="0"/>
+              </a:spcAft>
+              <a:buClrTx/>
+              <a:buSzTx/>
+              <a:buFontTx/>
+              <a:buNone/>
+              <a:tabLst/>
+              <a:defRPr/>
+            </a:pPr>
+            <a:r>
+              <a:rPr kumimoji="1" lang="ja-JP" altLang="en-US" sz="800" b="0" i="0" u="none" strike="noStrike" kern="1200" cap="none" spc="0" normalizeH="0" baseline="0" noProof="0" dirty="0">
+                <a:ln>
+                  <a:noFill/>
+                </a:ln>
+                <a:solidFill>
+                  <a:prstClr val="black"/>
+                </a:solidFill>
+                <a:effectLst/>
+                <a:uLnTx/>
+                <a:uFillTx/>
+                <a:latin typeface="Calibri"/>
+                <a:ea typeface="ＭＳ Ｐゴシック" panose="020B0600070205080204" pitchFamily="50" charset="-128"/>
+                <a:cs typeface="+mn-cs"/>
+              </a:rPr>
+              <a:t>担当</a:t>
+            </a:r>
+          </a:p>
+        </p:txBody>
+      </p:sp>
+      <p:sp>
+        <p:nvSpPr>
+          <p:cNvPr id="19" name="四角形: 角を丸くする 18">
+            <a:extLst>
+              <a:ext uri="{FF2B5EF4-FFF2-40B4-BE49-F238E27FC236}">
+                <a16:creationId xmlns:a16="http://schemas.microsoft.com/office/drawing/2014/main" id="{6523DCD1-17EA-4908-91AA-938632C2087D}"/>
+              </a:ext>
+            </a:extLst>
+          </p:cNvPr>
+          <p:cNvSpPr/>
+          <p:nvPr/>
+        </p:nvSpPr>
+        <p:spPr>
+          <a:xfrm>
+            <a:off x="4805371" y="1999155"/>
+            <a:ext cx="739140" cy="372291"/>
+          </a:xfrm>
+          <a:prstGeom prst="roundRect">
+            <a:avLst/>
+          </a:prstGeom>
+          <a:solidFill>
+            <a:srgbClr val="FFC000"/>
+          </a:solidFill>
+          <a:ln>
+            <a:noFill/>
+          </a:ln>
+        </p:spPr>
+        <p:style>
+          <a:lnRef idx="2">
+            <a:schemeClr val="accent1">
+              <a:shade val="50000"/>
+            </a:schemeClr>
+          </a:lnRef>
+          <a:fillRef idx="1">
+            <a:schemeClr val="accent1"/>
+          </a:fillRef>
+          <a:effectRef idx="0">
+            <a:schemeClr val="accent1"/>
+          </a:effectRef>
+          <a:fontRef idx="minor">
+            <a:schemeClr val="lt1"/>
+          </a:fontRef>
+        </p:style>
+        <p:txBody>
+          <a:bodyPr rtlCol="0" anchor="ctr"/>
+          <a:lstStyle/>
+          <a:p>
+            <a:pPr marL="0" marR="0" lvl="0" indent="0" algn="ctr" defTabSz="914400" rtl="0" eaLnBrk="1" fontAlgn="auto" latinLnBrk="0" hangingPunct="1">
+              <a:lnSpc>
+                <a:spcPct val="100000"/>
+              </a:lnSpc>
+              <a:spcBef>
+                <a:spcPts val="0"/>
+              </a:spcBef>
+              <a:spcAft>
+                <a:spcPts val="0"/>
+              </a:spcAft>
+              <a:buClrTx/>
+              <a:buSzTx/>
+              <a:buFontTx/>
+              <a:buNone/>
+              <a:tabLst/>
+              <a:defRPr/>
+            </a:pPr>
+            <a:r>
+              <a:rPr kumimoji="1" lang="ja-JP" altLang="en-US" sz="1200" b="0" i="0" u="none" strike="noStrike" kern="1200" cap="none" spc="0" normalizeH="0" baseline="0" noProof="0" dirty="0">
+                <a:ln>
+                  <a:noFill/>
+                </a:ln>
+                <a:solidFill>
+                  <a:prstClr val="black"/>
+                </a:solidFill>
+                <a:effectLst/>
+                <a:uLnTx/>
+                <a:uFillTx/>
+                <a:latin typeface="Calibri"/>
+                <a:ea typeface="ＭＳ Ｐゴシック" panose="020B0600070205080204" pitchFamily="50" charset="-128"/>
+                <a:cs typeface="+mn-cs"/>
+              </a:rPr>
+              <a:t>ソフト</a:t>
+            </a:r>
+            <a:endParaRPr kumimoji="1" lang="en-US" altLang="ja-JP" sz="1200" b="0" i="0" u="none" strike="noStrike" kern="1200" cap="none" spc="0" normalizeH="0" baseline="0" noProof="0" dirty="0">
+              <a:ln>
+                <a:noFill/>
+              </a:ln>
+              <a:solidFill>
+                <a:prstClr val="black"/>
+              </a:solidFill>
+              <a:effectLst/>
+              <a:uLnTx/>
+              <a:uFillTx/>
+              <a:latin typeface="Calibri"/>
+              <a:ea typeface="ＭＳ Ｐゴシック" panose="020B0600070205080204" pitchFamily="50" charset="-128"/>
+              <a:cs typeface="+mn-cs"/>
+            </a:endParaRPr>
+          </a:p>
+          <a:p>
+            <a:pPr marL="0" marR="0" lvl="0" indent="0" algn="ctr" defTabSz="914400" rtl="0" eaLnBrk="1" fontAlgn="auto" latinLnBrk="0" hangingPunct="1">
+              <a:lnSpc>
+                <a:spcPct val="100000"/>
+              </a:lnSpc>
+              <a:spcBef>
+                <a:spcPts val="0"/>
+              </a:spcBef>
+              <a:spcAft>
+                <a:spcPts val="0"/>
+              </a:spcAft>
+              <a:buClrTx/>
+              <a:buSzTx/>
+              <a:buFontTx/>
+              <a:buNone/>
+              <a:tabLst/>
+              <a:defRPr/>
+            </a:pPr>
+            <a:r>
+              <a:rPr kumimoji="1" lang="ja-JP" altLang="en-US" sz="1200" b="0" i="0" u="none" strike="noStrike" kern="1200" cap="none" spc="0" normalizeH="0" baseline="0" noProof="0" dirty="0">
+                <a:ln>
+                  <a:noFill/>
+                </a:ln>
+                <a:solidFill>
+                  <a:prstClr val="black"/>
+                </a:solidFill>
+                <a:effectLst/>
+                <a:uLnTx/>
+                <a:uFillTx/>
+                <a:latin typeface="Calibri"/>
+                <a:ea typeface="ＭＳ Ｐゴシック" panose="020B0600070205080204" pitchFamily="50" charset="-128"/>
+                <a:cs typeface="+mn-cs"/>
+              </a:rPr>
+              <a:t>検証</a:t>
+            </a:r>
+          </a:p>
+        </p:txBody>
+      </p:sp>
+      <p:cxnSp>
+        <p:nvCxnSpPr>
+          <p:cNvPr id="21" name="直線矢印コネクタ 20">
+            <a:extLst>
+              <a:ext uri="{FF2B5EF4-FFF2-40B4-BE49-F238E27FC236}">
+                <a16:creationId xmlns:a16="http://schemas.microsoft.com/office/drawing/2014/main" id="{BF8045E8-B913-4E84-B739-F112D5CF6173}"/>
+              </a:ext>
+            </a:extLst>
+          </p:cNvPr>
+          <p:cNvCxnSpPr>
+            <a:cxnSpLocks/>
+          </p:cNvCxnSpPr>
+          <p:nvPr/>
+        </p:nvCxnSpPr>
+        <p:spPr>
+          <a:xfrm>
+            <a:off x="2268641" y="2852634"/>
+            <a:ext cx="1658695" cy="14297"/>
+          </a:xfrm>
+          <a:prstGeom prst="straightConnector1">
+            <a:avLst/>
+          </a:prstGeom>
+          <a:ln w="38100">
+            <a:solidFill>
+              <a:schemeClr val="tx1"/>
+            </a:solidFill>
+            <a:tailEnd type="triangle"/>
+          </a:ln>
+        </p:spPr>
+        <p:style>
+          <a:lnRef idx="1">
+            <a:schemeClr val="accent1"/>
+          </a:lnRef>
+          <a:fillRef idx="0">
+            <a:schemeClr val="accent1"/>
+          </a:fillRef>
+          <a:effectRef idx="0">
+            <a:schemeClr val="accent1"/>
+          </a:effectRef>
+          <a:fontRef idx="minor">
+            <a:schemeClr val="tx1"/>
+          </a:fontRef>
+        </p:style>
+      </p:cxnSp>
+      <p:sp>
+        <p:nvSpPr>
+          <p:cNvPr id="22" name="テキスト ボックス 21">
+            <a:extLst>
+              <a:ext uri="{FF2B5EF4-FFF2-40B4-BE49-F238E27FC236}">
+                <a16:creationId xmlns:a16="http://schemas.microsoft.com/office/drawing/2014/main" id="{E9894525-D21A-419D-9CDA-8648B20773CA}"/>
+              </a:ext>
+            </a:extLst>
+          </p:cNvPr>
+          <p:cNvSpPr txBox="1"/>
+          <p:nvPr/>
+        </p:nvSpPr>
+        <p:spPr>
+          <a:xfrm>
+            <a:off x="2443759" y="2514110"/>
+            <a:ext cx="1330814" cy="307777"/>
+          </a:xfrm>
+          <a:prstGeom prst="rect">
+            <a:avLst/>
+          </a:prstGeom>
+          <a:noFill/>
+        </p:spPr>
+        <p:txBody>
+          <a:bodyPr wrap="none" rtlCol="0">
+            <a:spAutoFit/>
+          </a:bodyPr>
+          <a:lstStyle/>
+          <a:p>
+            <a:pPr marL="0" marR="0" lvl="0" indent="0" algn="l" defTabSz="914400" rtl="0" eaLnBrk="1" fontAlgn="auto" latinLnBrk="0" hangingPunct="1">
+              <a:lnSpc>
+                <a:spcPct val="100000"/>
+              </a:lnSpc>
+              <a:spcBef>
+                <a:spcPts val="0"/>
+              </a:spcBef>
+              <a:spcAft>
+                <a:spcPts val="0"/>
+              </a:spcAft>
+              <a:buClrTx/>
+              <a:buSzTx/>
+              <a:buFontTx/>
+              <a:buNone/>
+              <a:tabLst/>
+              <a:defRPr/>
+            </a:pPr>
+            <a:r>
+              <a:rPr kumimoji="1" lang="ja-JP" altLang="en-US" sz="1400" b="0" i="0" u="none" strike="noStrike" kern="1200" cap="none" spc="0" normalizeH="0" baseline="0" noProof="0" dirty="0">
+                <a:ln>
+                  <a:noFill/>
+                </a:ln>
+                <a:solidFill>
+                  <a:prstClr val="black"/>
+                </a:solidFill>
+                <a:effectLst/>
+                <a:uLnTx/>
+                <a:uFillTx/>
+                <a:latin typeface="Calibri"/>
+                <a:ea typeface="ＭＳ Ｐゴシック" panose="020B0600070205080204" pitchFamily="50" charset="-128"/>
+                <a:cs typeface="+mn-cs"/>
+              </a:rPr>
+              <a:t>納入</a:t>
+            </a:r>
+            <a:r>
+              <a:rPr kumimoji="1" lang="en-US" altLang="ja-JP" sz="1400" b="0" i="0" u="none" strike="noStrike" kern="1200" cap="none" spc="0" normalizeH="0" baseline="0" noProof="0" dirty="0">
+                <a:ln>
+                  <a:noFill/>
+                </a:ln>
+                <a:solidFill>
+                  <a:prstClr val="black"/>
+                </a:solidFill>
+                <a:effectLst/>
+                <a:uLnTx/>
+                <a:uFillTx/>
+                <a:latin typeface="Calibri"/>
+                <a:ea typeface="ＭＳ Ｐゴシック" panose="020B0600070205080204" pitchFamily="50" charset="-128"/>
+                <a:cs typeface="+mn-cs"/>
+              </a:rPr>
+              <a:t>/</a:t>
+            </a:r>
+            <a:r>
+              <a:rPr kumimoji="1" lang="ja-JP" altLang="en-US" sz="1400" b="0" i="0" u="none" strike="noStrike" kern="1200" cap="none" spc="0" normalizeH="0" baseline="0" noProof="0" dirty="0">
+                <a:ln>
+                  <a:noFill/>
+                </a:ln>
+                <a:solidFill>
+                  <a:prstClr val="black"/>
+                </a:solidFill>
+                <a:effectLst/>
+                <a:uLnTx/>
+                <a:uFillTx/>
+                <a:latin typeface="Calibri"/>
+                <a:ea typeface="ＭＳ Ｐゴシック" panose="020B0600070205080204" pitchFamily="50" charset="-128"/>
+                <a:cs typeface="+mn-cs"/>
+              </a:rPr>
+              <a:t>配布許諾</a:t>
+            </a:r>
+          </a:p>
+        </p:txBody>
+      </p:sp>
+      <p:cxnSp>
+        <p:nvCxnSpPr>
+          <p:cNvPr id="23" name="直線矢印コネクタ 22">
+            <a:extLst>
+              <a:ext uri="{FF2B5EF4-FFF2-40B4-BE49-F238E27FC236}">
+                <a16:creationId xmlns:a16="http://schemas.microsoft.com/office/drawing/2014/main" id="{D6DB3BC3-1EA4-43D8-9CB5-F47C3248820F}"/>
+              </a:ext>
+            </a:extLst>
+          </p:cNvPr>
+          <p:cNvCxnSpPr>
+            <a:cxnSpLocks/>
+          </p:cNvCxnSpPr>
+          <p:nvPr/>
+        </p:nvCxnSpPr>
+        <p:spPr>
+          <a:xfrm>
+            <a:off x="2268641" y="3008211"/>
+            <a:ext cx="1729449" cy="0"/>
+          </a:xfrm>
+          <a:prstGeom prst="straightConnector1">
+            <a:avLst/>
+          </a:prstGeom>
+          <a:ln w="38100">
+            <a:solidFill>
+              <a:srgbClr val="FFC000"/>
+            </a:solidFill>
+            <a:tailEnd type="triangle"/>
+          </a:ln>
+        </p:spPr>
+        <p:style>
+          <a:lnRef idx="1">
+            <a:schemeClr val="accent1"/>
+          </a:lnRef>
+          <a:fillRef idx="0">
+            <a:schemeClr val="accent1"/>
+          </a:fillRef>
+          <a:effectRef idx="0">
+            <a:schemeClr val="accent1"/>
+          </a:effectRef>
+          <a:fontRef idx="minor">
+            <a:schemeClr val="tx1"/>
+          </a:fontRef>
+        </p:style>
+      </p:cxnSp>
+      <p:cxnSp>
+        <p:nvCxnSpPr>
+          <p:cNvPr id="24" name="直線矢印コネクタ 23">
+            <a:extLst>
+              <a:ext uri="{FF2B5EF4-FFF2-40B4-BE49-F238E27FC236}">
+                <a16:creationId xmlns:a16="http://schemas.microsoft.com/office/drawing/2014/main" id="{22A2176F-C7E0-4A62-BB89-872E3A8450C7}"/>
+              </a:ext>
+            </a:extLst>
+          </p:cNvPr>
+          <p:cNvCxnSpPr>
+            <a:cxnSpLocks/>
+          </p:cNvCxnSpPr>
+          <p:nvPr/>
+        </p:nvCxnSpPr>
+        <p:spPr>
+          <a:xfrm flipV="1">
+            <a:off x="2253917" y="3524015"/>
+            <a:ext cx="1700839" cy="24243"/>
+          </a:xfrm>
+          <a:prstGeom prst="straightConnector1">
+            <a:avLst/>
+          </a:prstGeom>
+          <a:ln w="38100">
+            <a:solidFill>
+              <a:srgbClr val="FF0000"/>
+            </a:solidFill>
+            <a:tailEnd type="triangle"/>
+          </a:ln>
+        </p:spPr>
+        <p:style>
+          <a:lnRef idx="1">
+            <a:schemeClr val="accent1"/>
+          </a:lnRef>
+          <a:fillRef idx="0">
+            <a:schemeClr val="accent1"/>
+          </a:fillRef>
+          <a:effectRef idx="0">
+            <a:schemeClr val="accent1"/>
+          </a:effectRef>
+          <a:fontRef idx="minor">
+            <a:schemeClr val="tx1"/>
+          </a:fontRef>
+        </p:style>
+      </p:cxnSp>
+      <p:sp>
+        <p:nvSpPr>
+          <p:cNvPr id="25" name="テキスト ボックス 24">
+            <a:extLst>
+              <a:ext uri="{FF2B5EF4-FFF2-40B4-BE49-F238E27FC236}">
+                <a16:creationId xmlns:a16="http://schemas.microsoft.com/office/drawing/2014/main" id="{B4C743F6-CC25-4B1A-8297-7D8799951F02}"/>
+              </a:ext>
+            </a:extLst>
+          </p:cNvPr>
+          <p:cNvSpPr txBox="1"/>
+          <p:nvPr/>
+        </p:nvSpPr>
+        <p:spPr>
+          <a:xfrm>
+            <a:off x="2154991" y="3025038"/>
+            <a:ext cx="1704441" cy="523220"/>
+          </a:xfrm>
+          <a:prstGeom prst="rect">
+            <a:avLst/>
+          </a:prstGeom>
+          <a:noFill/>
+        </p:spPr>
+        <p:txBody>
+          <a:bodyPr wrap="none" rtlCol="0">
+            <a:spAutoFit/>
+          </a:bodyPr>
+          <a:lstStyle/>
+          <a:p>
+            <a:pPr marL="0" marR="0" lvl="0" indent="0" algn="l" defTabSz="914400" rtl="0" eaLnBrk="1" fontAlgn="auto" latinLnBrk="0" hangingPunct="1">
+              <a:lnSpc>
+                <a:spcPct val="100000"/>
+              </a:lnSpc>
+              <a:spcBef>
+                <a:spcPts val="0"/>
+              </a:spcBef>
+              <a:spcAft>
+                <a:spcPts val="0"/>
+              </a:spcAft>
+              <a:buClrTx/>
+              <a:buSzTx/>
+              <a:buFontTx/>
+              <a:buNone/>
+              <a:tabLst/>
+              <a:defRPr/>
+            </a:pPr>
+            <a:r>
+              <a:rPr kumimoji="1" lang="en-US" altLang="ja-JP" sz="1400" b="0" i="0" u="none" strike="noStrike" kern="1200" cap="none" spc="0" normalizeH="0" baseline="0" noProof="0" dirty="0">
+                <a:ln>
+                  <a:noFill/>
+                </a:ln>
+                <a:solidFill>
+                  <a:prstClr val="black"/>
+                </a:solidFill>
+                <a:effectLst/>
+                <a:uLnTx/>
+                <a:uFillTx/>
+                <a:latin typeface="Calibri"/>
+                <a:ea typeface="ＭＳ Ｐゴシック" panose="020B0600070205080204" pitchFamily="50" charset="-128"/>
+                <a:cs typeface="+mn-cs"/>
+              </a:rPr>
+              <a:t>Proprietary Software</a:t>
+            </a:r>
+          </a:p>
+          <a:p>
+            <a:pPr marL="0" marR="0" lvl="0" indent="0" algn="l" defTabSz="914400" rtl="0" eaLnBrk="1" fontAlgn="auto" latinLnBrk="0" hangingPunct="1">
+              <a:lnSpc>
+                <a:spcPct val="100000"/>
+              </a:lnSpc>
+              <a:spcBef>
+                <a:spcPts val="0"/>
+              </a:spcBef>
+              <a:spcAft>
+                <a:spcPts val="0"/>
+              </a:spcAft>
+              <a:buClrTx/>
+              <a:buSzTx/>
+              <a:buFontTx/>
+              <a:buNone/>
+              <a:tabLst/>
+              <a:defRPr/>
+            </a:pPr>
+            <a:r>
+              <a:rPr kumimoji="1" lang="ja-JP" altLang="en-US" sz="1400" b="0" i="0" u="none" strike="noStrike" kern="1200" cap="none" spc="0" normalizeH="0" baseline="0" noProof="0" dirty="0">
+                <a:ln>
+                  <a:noFill/>
+                </a:ln>
+                <a:solidFill>
+                  <a:prstClr val="black"/>
+                </a:solidFill>
+                <a:effectLst/>
+                <a:uLnTx/>
+                <a:uFillTx/>
+                <a:latin typeface="Calibri"/>
+                <a:ea typeface="ＭＳ Ｐゴシック" panose="020B0600070205080204" pitchFamily="50" charset="-128"/>
+                <a:cs typeface="+mn-cs"/>
+              </a:rPr>
+              <a:t>（</a:t>
+            </a:r>
+            <a:r>
+              <a:rPr kumimoji="1" lang="en-US" altLang="ja-JP" sz="1400" b="0" i="0" u="none" strike="noStrike" kern="1200" cap="none" spc="0" normalizeH="0" baseline="0" noProof="0" dirty="0">
+                <a:ln>
+                  <a:noFill/>
+                </a:ln>
+                <a:solidFill>
+                  <a:prstClr val="black"/>
+                </a:solidFill>
+                <a:effectLst/>
+                <a:uLnTx/>
+                <a:uFillTx/>
+                <a:latin typeface="Calibri"/>
+                <a:ea typeface="ＭＳ Ｐゴシック" panose="020B0600070205080204" pitchFamily="50" charset="-128"/>
+                <a:cs typeface="+mn-cs"/>
+              </a:rPr>
+              <a:t>incl. OSS</a:t>
+            </a:r>
+            <a:r>
+              <a:rPr kumimoji="1" lang="ja-JP" altLang="en-US" sz="1400" b="0" i="0" u="none" strike="noStrike" kern="1200" cap="none" spc="0" normalizeH="0" baseline="0" noProof="0" dirty="0">
+                <a:ln>
+                  <a:noFill/>
+                </a:ln>
+                <a:solidFill>
+                  <a:prstClr val="black"/>
+                </a:solidFill>
+                <a:effectLst/>
+                <a:uLnTx/>
+                <a:uFillTx/>
+                <a:latin typeface="Calibri"/>
+                <a:ea typeface="ＭＳ Ｐゴシック" panose="020B0600070205080204" pitchFamily="50" charset="-128"/>
+                <a:cs typeface="+mn-cs"/>
+              </a:rPr>
+              <a:t>）</a:t>
+            </a:r>
+          </a:p>
+        </p:txBody>
+      </p:sp>
+      <p:cxnSp>
+        <p:nvCxnSpPr>
+          <p:cNvPr id="29" name="直線矢印コネクタ 28">
+            <a:extLst>
+              <a:ext uri="{FF2B5EF4-FFF2-40B4-BE49-F238E27FC236}">
+                <a16:creationId xmlns:a16="http://schemas.microsoft.com/office/drawing/2014/main" id="{C9876905-EE9C-4F1C-8F91-A9DF1AB0B922}"/>
+              </a:ext>
+            </a:extLst>
+          </p:cNvPr>
+          <p:cNvCxnSpPr>
+            <a:cxnSpLocks/>
+          </p:cNvCxnSpPr>
+          <p:nvPr/>
+        </p:nvCxnSpPr>
+        <p:spPr>
+          <a:xfrm flipV="1">
+            <a:off x="7776755" y="2825232"/>
+            <a:ext cx="1148566" cy="13771"/>
+          </a:xfrm>
+          <a:prstGeom prst="straightConnector1">
+            <a:avLst/>
+          </a:prstGeom>
+          <a:ln w="38100">
+            <a:solidFill>
+              <a:schemeClr val="tx1"/>
+            </a:solidFill>
+            <a:tailEnd type="triangle"/>
+          </a:ln>
+        </p:spPr>
+        <p:style>
+          <a:lnRef idx="1">
+            <a:schemeClr val="accent1"/>
+          </a:lnRef>
+          <a:fillRef idx="0">
+            <a:schemeClr val="accent1"/>
+          </a:fillRef>
+          <a:effectRef idx="0">
+            <a:schemeClr val="accent1"/>
+          </a:effectRef>
+          <a:fontRef idx="minor">
+            <a:schemeClr val="tx1"/>
+          </a:fontRef>
+        </p:style>
+      </p:cxnSp>
+      <p:cxnSp>
+        <p:nvCxnSpPr>
+          <p:cNvPr id="31" name="直線矢印コネクタ 30">
+            <a:extLst>
+              <a:ext uri="{FF2B5EF4-FFF2-40B4-BE49-F238E27FC236}">
+                <a16:creationId xmlns:a16="http://schemas.microsoft.com/office/drawing/2014/main" id="{266003C7-C2C5-4BB9-ADBE-8E0BFA5AA82D}"/>
+              </a:ext>
+            </a:extLst>
+          </p:cNvPr>
+          <p:cNvCxnSpPr>
+            <a:cxnSpLocks/>
+          </p:cNvCxnSpPr>
+          <p:nvPr/>
+        </p:nvCxnSpPr>
+        <p:spPr>
+          <a:xfrm flipV="1">
+            <a:off x="7750358" y="3031223"/>
+            <a:ext cx="1148566" cy="0"/>
+          </a:xfrm>
+          <a:prstGeom prst="straightConnector1">
+            <a:avLst/>
+          </a:prstGeom>
+          <a:ln w="38100">
+            <a:solidFill>
+              <a:srgbClr val="FFC000"/>
+            </a:solidFill>
+            <a:tailEnd type="triangle"/>
+          </a:ln>
+        </p:spPr>
+        <p:style>
+          <a:lnRef idx="1">
+            <a:schemeClr val="accent1"/>
+          </a:lnRef>
+          <a:fillRef idx="0">
+            <a:schemeClr val="accent1"/>
+          </a:fillRef>
+          <a:effectRef idx="0">
+            <a:schemeClr val="accent1"/>
+          </a:effectRef>
+          <a:fontRef idx="minor">
+            <a:schemeClr val="tx1"/>
+          </a:fontRef>
+        </p:style>
+      </p:cxnSp>
+      <p:cxnSp>
+        <p:nvCxnSpPr>
+          <p:cNvPr id="32" name="直線矢印コネクタ 31">
+            <a:extLst>
+              <a:ext uri="{FF2B5EF4-FFF2-40B4-BE49-F238E27FC236}">
+                <a16:creationId xmlns:a16="http://schemas.microsoft.com/office/drawing/2014/main" id="{D00AF6E8-0ED9-474D-AA30-816429BC7242}"/>
+              </a:ext>
+            </a:extLst>
+          </p:cNvPr>
+          <p:cNvCxnSpPr>
+            <a:cxnSpLocks/>
+          </p:cNvCxnSpPr>
+          <p:nvPr/>
+        </p:nvCxnSpPr>
+        <p:spPr>
+          <a:xfrm>
+            <a:off x="7783410" y="3674033"/>
+            <a:ext cx="1141911" cy="0"/>
+          </a:xfrm>
+          <a:prstGeom prst="straightConnector1">
+            <a:avLst/>
+          </a:prstGeom>
+          <a:ln w="38100">
+            <a:solidFill>
+              <a:srgbClr val="FF0000"/>
+            </a:solidFill>
+            <a:tailEnd type="triangle"/>
+          </a:ln>
+        </p:spPr>
+        <p:style>
+          <a:lnRef idx="1">
+            <a:schemeClr val="accent1"/>
+          </a:lnRef>
+          <a:fillRef idx="0">
+            <a:schemeClr val="accent1"/>
+          </a:fillRef>
+          <a:effectRef idx="0">
+            <a:schemeClr val="accent1"/>
+          </a:effectRef>
+          <a:fontRef idx="minor">
+            <a:schemeClr val="tx1"/>
+          </a:fontRef>
+        </p:style>
+      </p:cxnSp>
+      <p:cxnSp>
+        <p:nvCxnSpPr>
+          <p:cNvPr id="40" name="直線矢印コネクタ 39">
+            <a:extLst>
+              <a:ext uri="{FF2B5EF4-FFF2-40B4-BE49-F238E27FC236}">
+                <a16:creationId xmlns:a16="http://schemas.microsoft.com/office/drawing/2014/main" id="{3CE0855D-F339-48A9-84B6-AE904974AB96}"/>
+              </a:ext>
+            </a:extLst>
+          </p:cNvPr>
+          <p:cNvCxnSpPr>
+            <a:cxnSpLocks/>
+            <a:endCxn id="62" idx="3"/>
+          </p:cNvCxnSpPr>
+          <p:nvPr/>
+        </p:nvCxnSpPr>
+        <p:spPr>
+          <a:xfrm flipH="1">
+            <a:off x="7776755" y="5086678"/>
+            <a:ext cx="1122170" cy="9359"/>
+          </a:xfrm>
+          <a:prstGeom prst="straightConnector1">
+            <a:avLst/>
+          </a:prstGeom>
+          <a:ln w="38100">
+            <a:solidFill>
+              <a:srgbClr val="FF0000"/>
+            </a:solidFill>
+            <a:tailEnd type="triangle"/>
+          </a:ln>
+        </p:spPr>
+        <p:style>
+          <a:lnRef idx="1">
+            <a:schemeClr val="accent1"/>
+          </a:lnRef>
+          <a:fillRef idx="0">
+            <a:schemeClr val="accent1"/>
+          </a:fillRef>
+          <a:effectRef idx="0">
+            <a:schemeClr val="accent1"/>
+          </a:effectRef>
+          <a:fontRef idx="minor">
+            <a:schemeClr val="tx1"/>
+          </a:fontRef>
+        </p:style>
+      </p:cxnSp>
+      <p:sp>
+        <p:nvSpPr>
+          <p:cNvPr id="41" name="四角形: 角を丸くする 40">
+            <a:extLst>
+              <a:ext uri="{FF2B5EF4-FFF2-40B4-BE49-F238E27FC236}">
+                <a16:creationId xmlns:a16="http://schemas.microsoft.com/office/drawing/2014/main" id="{62D9895C-A80B-4178-8F06-528C0E486442}"/>
+              </a:ext>
+            </a:extLst>
+          </p:cNvPr>
+          <p:cNvSpPr/>
+          <p:nvPr/>
+        </p:nvSpPr>
+        <p:spPr>
+          <a:xfrm>
+            <a:off x="4026856" y="2538986"/>
+            <a:ext cx="739140" cy="1090564"/>
+          </a:xfrm>
+          <a:prstGeom prst="roundRect">
+            <a:avLst/>
+          </a:prstGeom>
+          <a:solidFill>
+            <a:srgbClr val="FFC000"/>
+          </a:solidFill>
+          <a:ln>
+            <a:noFill/>
+          </a:ln>
+        </p:spPr>
+        <p:style>
+          <a:lnRef idx="2">
+            <a:schemeClr val="accent1">
+              <a:shade val="50000"/>
+            </a:schemeClr>
+          </a:lnRef>
+          <a:fillRef idx="1">
+            <a:schemeClr val="accent1"/>
+          </a:fillRef>
+          <a:effectRef idx="0">
+            <a:schemeClr val="accent1"/>
+          </a:effectRef>
+          <a:fontRef idx="minor">
+            <a:schemeClr val="lt1"/>
+          </a:fontRef>
+        </p:style>
+        <p:txBody>
+          <a:bodyPr rtlCol="0" anchor="ctr"/>
+          <a:lstStyle/>
+          <a:p>
+            <a:pPr marL="0" marR="0" lvl="0" indent="0" algn="ctr" defTabSz="914400" rtl="0" eaLnBrk="1" fontAlgn="auto" latinLnBrk="0" hangingPunct="1">
+              <a:lnSpc>
+                <a:spcPct val="100000"/>
+              </a:lnSpc>
+              <a:spcBef>
+                <a:spcPts val="0"/>
+              </a:spcBef>
+              <a:spcAft>
+                <a:spcPts val="0"/>
+              </a:spcAft>
+              <a:buClrTx/>
+              <a:buSzTx/>
+              <a:buFontTx/>
+              <a:buNone/>
+              <a:tabLst/>
+              <a:defRPr/>
+            </a:pPr>
+            <a:r>
+              <a:rPr kumimoji="1" lang="ja-JP" altLang="en-US" sz="1400" b="0" i="0" u="none" strike="noStrike" kern="1200" cap="none" spc="0" normalizeH="0" baseline="0" noProof="0" dirty="0">
+                <a:ln>
+                  <a:noFill/>
+                </a:ln>
+                <a:solidFill>
+                  <a:prstClr val="black"/>
+                </a:solidFill>
+                <a:effectLst/>
+                <a:uLnTx/>
+                <a:uFillTx/>
+                <a:latin typeface="Calibri"/>
+                <a:ea typeface="ＭＳ Ｐゴシック" panose="020B0600070205080204" pitchFamily="50" charset="-128"/>
+                <a:cs typeface="+mn-cs"/>
+              </a:rPr>
+              <a:t>ソフト受入</a:t>
+            </a:r>
+            <a:endParaRPr kumimoji="1" lang="ja-JP" altLang="en-US" sz="1600" b="0" i="0" u="none" strike="noStrike" kern="1200" cap="none" spc="0" normalizeH="0" baseline="0" noProof="0" dirty="0">
+              <a:ln>
+                <a:noFill/>
+              </a:ln>
+              <a:solidFill>
+                <a:prstClr val="black"/>
+              </a:solidFill>
+              <a:effectLst/>
+              <a:uLnTx/>
+              <a:uFillTx/>
+              <a:latin typeface="Calibri"/>
+              <a:ea typeface="ＭＳ Ｐゴシック" panose="020B0600070205080204" pitchFamily="50" charset="-128"/>
+              <a:cs typeface="+mn-cs"/>
+            </a:endParaRPr>
+          </a:p>
+        </p:txBody>
+      </p:sp>
+      <p:sp>
+        <p:nvSpPr>
+          <p:cNvPr id="43" name="四角形: 角を丸くする 42">
+            <a:extLst>
+              <a:ext uri="{FF2B5EF4-FFF2-40B4-BE49-F238E27FC236}">
+                <a16:creationId xmlns:a16="http://schemas.microsoft.com/office/drawing/2014/main" id="{B1FB880F-C922-4291-A896-B3BC079FD4D7}"/>
+              </a:ext>
+            </a:extLst>
+          </p:cNvPr>
+          <p:cNvSpPr/>
+          <p:nvPr/>
+        </p:nvSpPr>
+        <p:spPr>
+          <a:xfrm>
+            <a:off x="5640119" y="1535619"/>
+            <a:ext cx="739140" cy="372291"/>
+          </a:xfrm>
+          <a:prstGeom prst="roundRect">
+            <a:avLst/>
+          </a:prstGeom>
+          <a:solidFill>
+            <a:srgbClr val="FFC000"/>
+          </a:solidFill>
+          <a:ln>
+            <a:noFill/>
+          </a:ln>
+        </p:spPr>
+        <p:style>
+          <a:lnRef idx="2">
+            <a:schemeClr val="accent1">
+              <a:shade val="50000"/>
+            </a:schemeClr>
+          </a:lnRef>
+          <a:fillRef idx="1">
+            <a:schemeClr val="accent1"/>
+          </a:fillRef>
+          <a:effectRef idx="0">
+            <a:schemeClr val="accent1"/>
+          </a:effectRef>
+          <a:fontRef idx="minor">
+            <a:schemeClr val="lt1"/>
+          </a:fontRef>
+        </p:style>
+        <p:txBody>
+          <a:bodyPr rtlCol="0" anchor="ctr"/>
+          <a:lstStyle/>
+          <a:p>
+            <a:pPr marL="0" marR="0" lvl="0" indent="0" algn="ctr" defTabSz="914400" rtl="0" eaLnBrk="1" fontAlgn="auto" latinLnBrk="0" hangingPunct="1">
+              <a:lnSpc>
+                <a:spcPct val="100000"/>
+              </a:lnSpc>
+              <a:spcBef>
+                <a:spcPts val="0"/>
+              </a:spcBef>
+              <a:spcAft>
+                <a:spcPts val="0"/>
+              </a:spcAft>
+              <a:buClrTx/>
+              <a:buSzTx/>
+              <a:buFontTx/>
+              <a:buNone/>
+              <a:tabLst/>
+              <a:defRPr/>
+            </a:pPr>
+            <a:r>
+              <a:rPr kumimoji="1" lang="ja-JP" altLang="en-US" sz="1600" b="0" i="0" u="none" strike="noStrike" kern="1200" cap="none" spc="0" normalizeH="0" baseline="0" noProof="0" dirty="0">
+                <a:ln>
+                  <a:noFill/>
+                </a:ln>
+                <a:solidFill>
+                  <a:prstClr val="black"/>
+                </a:solidFill>
+                <a:effectLst/>
+                <a:uLnTx/>
+                <a:uFillTx/>
+                <a:latin typeface="Calibri"/>
+                <a:ea typeface="ＭＳ Ｐゴシック" panose="020B0600070205080204" pitchFamily="50" charset="-128"/>
+                <a:cs typeface="+mn-cs"/>
+              </a:rPr>
+              <a:t>特許</a:t>
+            </a:r>
+            <a:endParaRPr kumimoji="1" lang="ja-JP" altLang="en-US" sz="1800" b="0" i="0" u="none" strike="noStrike" kern="1200" cap="none" spc="0" normalizeH="0" baseline="0" noProof="0" dirty="0">
+              <a:ln>
+                <a:noFill/>
+              </a:ln>
+              <a:solidFill>
+                <a:prstClr val="black"/>
+              </a:solidFill>
+              <a:effectLst/>
+              <a:uLnTx/>
+              <a:uFillTx/>
+              <a:latin typeface="Calibri"/>
+              <a:ea typeface="ＭＳ Ｐゴシック" panose="020B0600070205080204" pitchFamily="50" charset="-128"/>
+              <a:cs typeface="+mn-cs"/>
+            </a:endParaRPr>
+          </a:p>
+        </p:txBody>
+      </p:sp>
+      <p:cxnSp>
+        <p:nvCxnSpPr>
+          <p:cNvPr id="44" name="直線矢印コネクタ 43">
+            <a:extLst>
+              <a:ext uri="{FF2B5EF4-FFF2-40B4-BE49-F238E27FC236}">
+                <a16:creationId xmlns:a16="http://schemas.microsoft.com/office/drawing/2014/main" id="{FDADA76A-F9C8-42B2-832F-693E5679D550}"/>
+              </a:ext>
+            </a:extLst>
+          </p:cNvPr>
+          <p:cNvCxnSpPr>
+            <a:cxnSpLocks/>
+          </p:cNvCxnSpPr>
+          <p:nvPr/>
+        </p:nvCxnSpPr>
+        <p:spPr>
+          <a:xfrm>
+            <a:off x="10137241" y="376340"/>
+            <a:ext cx="729150" cy="0"/>
+          </a:xfrm>
+          <a:prstGeom prst="straightConnector1">
+            <a:avLst/>
+          </a:prstGeom>
+          <a:ln w="38100">
+            <a:solidFill>
+              <a:schemeClr val="tx1"/>
+            </a:solidFill>
+            <a:tailEnd type="triangle"/>
+          </a:ln>
+        </p:spPr>
+        <p:style>
+          <a:lnRef idx="1">
+            <a:schemeClr val="accent1"/>
+          </a:lnRef>
+          <a:fillRef idx="0">
+            <a:schemeClr val="accent1"/>
+          </a:fillRef>
+          <a:effectRef idx="0">
+            <a:schemeClr val="accent1"/>
+          </a:effectRef>
+          <a:fontRef idx="minor">
+            <a:schemeClr val="tx1"/>
+          </a:fontRef>
+        </p:style>
+      </p:cxnSp>
+      <p:sp>
+        <p:nvSpPr>
+          <p:cNvPr id="45" name="テキスト ボックス 44">
+            <a:extLst>
+              <a:ext uri="{FF2B5EF4-FFF2-40B4-BE49-F238E27FC236}">
+                <a16:creationId xmlns:a16="http://schemas.microsoft.com/office/drawing/2014/main" id="{9583A253-DADE-4B31-AAD9-EF598107C2BC}"/>
+              </a:ext>
+            </a:extLst>
+          </p:cNvPr>
+          <p:cNvSpPr txBox="1"/>
+          <p:nvPr/>
+        </p:nvSpPr>
+        <p:spPr>
+          <a:xfrm>
+            <a:off x="9227950" y="475731"/>
+            <a:ext cx="926857" cy="276999"/>
+          </a:xfrm>
+          <a:prstGeom prst="rect">
+            <a:avLst/>
+          </a:prstGeom>
+          <a:noFill/>
+        </p:spPr>
+        <p:txBody>
+          <a:bodyPr wrap="none" rtlCol="0">
+            <a:spAutoFit/>
+          </a:bodyPr>
+          <a:lstStyle/>
+          <a:p>
+            <a:pPr marL="0" marR="0" lvl="0" indent="0" algn="l" defTabSz="914400" rtl="0" eaLnBrk="1" fontAlgn="auto" latinLnBrk="0" hangingPunct="1">
+              <a:lnSpc>
+                <a:spcPct val="100000"/>
+              </a:lnSpc>
+              <a:spcBef>
+                <a:spcPts val="0"/>
+              </a:spcBef>
+              <a:spcAft>
+                <a:spcPts val="0"/>
+              </a:spcAft>
+              <a:buClrTx/>
+              <a:buSzTx/>
+              <a:buFontTx/>
+              <a:buNone/>
+              <a:tabLst/>
+              <a:defRPr/>
+            </a:pPr>
+            <a:r>
+              <a:rPr kumimoji="1" lang="ja-JP" altLang="en-US" sz="1200" b="0" i="0" u="none" strike="noStrike" kern="1200" cap="none" spc="0" normalizeH="0" baseline="0" noProof="0" dirty="0">
+                <a:ln>
+                  <a:noFill/>
+                </a:ln>
+                <a:solidFill>
+                  <a:prstClr val="black"/>
+                </a:solidFill>
+                <a:effectLst/>
+                <a:uLnTx/>
+                <a:uFillTx/>
+                <a:latin typeface="Calibri"/>
+                <a:ea typeface="ＭＳ Ｐゴシック" panose="020B0600070205080204" pitchFamily="50" charset="-128"/>
+                <a:cs typeface="+mn-cs"/>
+              </a:rPr>
+              <a:t>ソフトウェア</a:t>
+            </a:r>
+          </a:p>
+        </p:txBody>
+      </p:sp>
+      <p:cxnSp>
+        <p:nvCxnSpPr>
+          <p:cNvPr id="46" name="直線矢印コネクタ 45">
+            <a:extLst>
+              <a:ext uri="{FF2B5EF4-FFF2-40B4-BE49-F238E27FC236}">
+                <a16:creationId xmlns:a16="http://schemas.microsoft.com/office/drawing/2014/main" id="{27F132D1-801E-44B0-8A71-BF7F69C418E1}"/>
+              </a:ext>
+            </a:extLst>
+          </p:cNvPr>
+          <p:cNvCxnSpPr>
+            <a:cxnSpLocks/>
+          </p:cNvCxnSpPr>
+          <p:nvPr/>
+        </p:nvCxnSpPr>
+        <p:spPr>
+          <a:xfrm>
+            <a:off x="10133342" y="616098"/>
+            <a:ext cx="729150" cy="0"/>
+          </a:xfrm>
+          <a:prstGeom prst="straightConnector1">
+            <a:avLst/>
+          </a:prstGeom>
+          <a:ln w="38100">
+            <a:solidFill>
+              <a:srgbClr val="FFC000"/>
+            </a:solidFill>
+            <a:tailEnd type="triangle"/>
+          </a:ln>
+        </p:spPr>
+        <p:style>
+          <a:lnRef idx="1">
+            <a:schemeClr val="accent1"/>
+          </a:lnRef>
+          <a:fillRef idx="0">
+            <a:schemeClr val="accent1"/>
+          </a:fillRef>
+          <a:effectRef idx="0">
+            <a:schemeClr val="accent1"/>
+          </a:effectRef>
+          <a:fontRef idx="minor">
+            <a:schemeClr val="tx1"/>
+          </a:fontRef>
+        </p:style>
+      </p:cxnSp>
+      <p:sp>
+        <p:nvSpPr>
+          <p:cNvPr id="47" name="テキスト ボックス 46">
+            <a:extLst>
+              <a:ext uri="{FF2B5EF4-FFF2-40B4-BE49-F238E27FC236}">
+                <a16:creationId xmlns:a16="http://schemas.microsoft.com/office/drawing/2014/main" id="{CB53ED47-8C15-4826-8B4F-A10BE7EA8E51}"/>
+              </a:ext>
+            </a:extLst>
+          </p:cNvPr>
+          <p:cNvSpPr txBox="1"/>
+          <p:nvPr/>
+        </p:nvSpPr>
+        <p:spPr>
+          <a:xfrm>
+            <a:off x="9206175" y="236234"/>
+            <a:ext cx="184731" cy="276999"/>
+          </a:xfrm>
+          <a:prstGeom prst="rect">
+            <a:avLst/>
+          </a:prstGeom>
+          <a:noFill/>
+        </p:spPr>
+        <p:txBody>
+          <a:bodyPr wrap="none" rtlCol="0">
+            <a:spAutoFit/>
+          </a:bodyPr>
+          <a:lstStyle/>
+          <a:p>
+            <a:pPr marL="0" marR="0" lvl="0" indent="0" algn="l" defTabSz="914400" rtl="0" eaLnBrk="1" fontAlgn="auto" latinLnBrk="0" hangingPunct="1">
+              <a:lnSpc>
+                <a:spcPct val="100000"/>
+              </a:lnSpc>
+              <a:spcBef>
+                <a:spcPts val="0"/>
+              </a:spcBef>
+              <a:spcAft>
+                <a:spcPts val="0"/>
+              </a:spcAft>
+              <a:buClrTx/>
+              <a:buSzTx/>
+              <a:buFontTx/>
+              <a:buNone/>
+              <a:tabLst/>
+              <a:defRPr/>
+            </a:pPr>
+            <a:endParaRPr kumimoji="1" lang="ja-JP" altLang="en-US" sz="1200" b="0" i="0" u="none" strike="noStrike" kern="1200" cap="none" spc="0" normalizeH="0" baseline="0" noProof="0" dirty="0">
+              <a:ln>
+                <a:noFill/>
+              </a:ln>
+              <a:solidFill>
+                <a:prstClr val="black"/>
+              </a:solidFill>
+              <a:effectLst/>
+              <a:uLnTx/>
+              <a:uFillTx/>
+              <a:latin typeface="Calibri"/>
+              <a:ea typeface="ＭＳ Ｐゴシック" panose="020B0600070205080204" pitchFamily="50" charset="-128"/>
+              <a:cs typeface="+mn-cs"/>
+            </a:endParaRPr>
+          </a:p>
+        </p:txBody>
+      </p:sp>
+      <p:sp>
+        <p:nvSpPr>
+          <p:cNvPr id="48" name="テキスト ボックス 47">
+            <a:extLst>
+              <a:ext uri="{FF2B5EF4-FFF2-40B4-BE49-F238E27FC236}">
+                <a16:creationId xmlns:a16="http://schemas.microsoft.com/office/drawing/2014/main" id="{6C3FDEA2-1B6E-4C5C-BB4C-6F9988C2F421}"/>
+              </a:ext>
+            </a:extLst>
+          </p:cNvPr>
+          <p:cNvSpPr txBox="1"/>
+          <p:nvPr/>
+        </p:nvSpPr>
+        <p:spPr>
+          <a:xfrm>
+            <a:off x="8961919" y="219362"/>
+            <a:ext cx="1242648" cy="276999"/>
+          </a:xfrm>
+          <a:prstGeom prst="rect">
+            <a:avLst/>
+          </a:prstGeom>
+          <a:noFill/>
+        </p:spPr>
+        <p:txBody>
+          <a:bodyPr wrap="none" rtlCol="0">
+            <a:spAutoFit/>
+          </a:bodyPr>
+          <a:lstStyle/>
+          <a:p>
+            <a:pPr marL="0" marR="0" lvl="0" indent="0" algn="l" defTabSz="914400" rtl="0" eaLnBrk="1" fontAlgn="auto" latinLnBrk="0" hangingPunct="1">
+              <a:lnSpc>
+                <a:spcPct val="100000"/>
+              </a:lnSpc>
+              <a:spcBef>
+                <a:spcPts val="0"/>
+              </a:spcBef>
+              <a:spcAft>
+                <a:spcPts val="0"/>
+              </a:spcAft>
+              <a:buClrTx/>
+              <a:buSzTx/>
+              <a:buFontTx/>
+              <a:buNone/>
+              <a:tabLst/>
+              <a:defRPr/>
+            </a:pPr>
+            <a:r>
+              <a:rPr kumimoji="1" lang="ja-JP" altLang="en-US" sz="1200" b="0" i="0" u="none" strike="noStrike" kern="1200" cap="none" spc="0" normalizeH="0" baseline="0" noProof="0" dirty="0">
+                <a:ln>
+                  <a:noFill/>
+                </a:ln>
+                <a:solidFill>
+                  <a:prstClr val="black"/>
+                </a:solidFill>
+                <a:effectLst/>
+                <a:uLnTx/>
+                <a:uFillTx/>
+                <a:latin typeface="Calibri"/>
+                <a:ea typeface="ＭＳ Ｐゴシック" panose="020B0600070205080204" pitchFamily="50" charset="-128"/>
+                <a:cs typeface="+mn-cs"/>
+              </a:rPr>
+              <a:t>契約・ライセンス</a:t>
+            </a:r>
+          </a:p>
+        </p:txBody>
+      </p:sp>
+      <p:cxnSp>
+        <p:nvCxnSpPr>
+          <p:cNvPr id="49" name="直線矢印コネクタ 48">
+            <a:extLst>
+              <a:ext uri="{FF2B5EF4-FFF2-40B4-BE49-F238E27FC236}">
+                <a16:creationId xmlns:a16="http://schemas.microsoft.com/office/drawing/2014/main" id="{C464B536-32C7-4CB4-A68D-DC849895144C}"/>
+              </a:ext>
+            </a:extLst>
+          </p:cNvPr>
+          <p:cNvCxnSpPr>
+            <a:cxnSpLocks/>
+          </p:cNvCxnSpPr>
+          <p:nvPr/>
+        </p:nvCxnSpPr>
+        <p:spPr>
+          <a:xfrm>
+            <a:off x="10133342" y="872442"/>
+            <a:ext cx="729150" cy="0"/>
+          </a:xfrm>
+          <a:prstGeom prst="straightConnector1">
+            <a:avLst/>
+          </a:prstGeom>
+          <a:ln w="38100">
+            <a:solidFill>
+              <a:srgbClr val="FF0000"/>
+            </a:solidFill>
+            <a:tailEnd type="triangle"/>
+          </a:ln>
+        </p:spPr>
+        <p:style>
+          <a:lnRef idx="1">
+            <a:schemeClr val="accent1"/>
+          </a:lnRef>
+          <a:fillRef idx="0">
+            <a:schemeClr val="accent1"/>
+          </a:fillRef>
+          <a:effectRef idx="0">
+            <a:schemeClr val="accent1"/>
+          </a:effectRef>
+          <a:fontRef idx="minor">
+            <a:schemeClr val="tx1"/>
+          </a:fontRef>
+        </p:style>
+      </p:cxnSp>
+      <p:sp>
+        <p:nvSpPr>
+          <p:cNvPr id="50" name="テキスト ボックス 49">
+            <a:extLst>
+              <a:ext uri="{FF2B5EF4-FFF2-40B4-BE49-F238E27FC236}">
+                <a16:creationId xmlns:a16="http://schemas.microsoft.com/office/drawing/2014/main" id="{7F771F3B-14A5-4791-833D-D36A79EE9812}"/>
+              </a:ext>
+            </a:extLst>
+          </p:cNvPr>
+          <p:cNvSpPr txBox="1"/>
+          <p:nvPr/>
+        </p:nvSpPr>
+        <p:spPr>
+          <a:xfrm>
+            <a:off x="9222326" y="759514"/>
+            <a:ext cx="2909771" cy="646331"/>
+          </a:xfrm>
+          <a:prstGeom prst="rect">
+            <a:avLst/>
+          </a:prstGeom>
+          <a:noFill/>
+        </p:spPr>
+        <p:txBody>
+          <a:bodyPr wrap="none" rtlCol="0">
+            <a:spAutoFit/>
+          </a:bodyPr>
+          <a:lstStyle/>
+          <a:p>
+            <a:pPr marL="0" marR="0" lvl="0" indent="0" algn="l" defTabSz="914400" rtl="0" eaLnBrk="1" fontAlgn="auto" latinLnBrk="0" hangingPunct="1">
+              <a:lnSpc>
+                <a:spcPct val="100000"/>
+              </a:lnSpc>
+              <a:spcBef>
+                <a:spcPts val="0"/>
+              </a:spcBef>
+              <a:spcAft>
+                <a:spcPts val="0"/>
+              </a:spcAft>
+              <a:buClrTx/>
+              <a:buSzTx/>
+              <a:buFontTx/>
+              <a:buNone/>
+              <a:tabLst/>
+              <a:defRPr/>
+            </a:pPr>
+            <a:r>
+              <a:rPr kumimoji="1" lang="en-US" altLang="ja-JP" sz="1200" b="0" i="0" u="none" strike="noStrike" kern="1200" cap="none" spc="0" normalizeH="0" baseline="0" noProof="0" dirty="0">
+                <a:ln>
+                  <a:noFill/>
+                </a:ln>
+                <a:solidFill>
+                  <a:prstClr val="black"/>
+                </a:solidFill>
+                <a:effectLst/>
+                <a:uLnTx/>
+                <a:uFillTx/>
+                <a:latin typeface="Calibri"/>
+                <a:ea typeface="ＭＳ Ｐゴシック" panose="020B0600070205080204" pitchFamily="50" charset="-128"/>
+                <a:cs typeface="+mn-cs"/>
+              </a:rPr>
+              <a:t>OSS</a:t>
+            </a:r>
+            <a:r>
+              <a:rPr kumimoji="1" lang="ja-JP" altLang="en-US" sz="1200" b="0" i="0" u="none" strike="noStrike" kern="1200" cap="none" spc="0" normalizeH="0" baseline="0" noProof="0" dirty="0">
+                <a:ln>
+                  <a:noFill/>
+                </a:ln>
+                <a:solidFill>
+                  <a:prstClr val="black"/>
+                </a:solidFill>
+                <a:effectLst/>
+                <a:uLnTx/>
+                <a:uFillTx/>
+                <a:latin typeface="Calibri"/>
+                <a:ea typeface="ＭＳ Ｐゴシック" panose="020B0600070205080204" pitchFamily="50" charset="-128"/>
+                <a:cs typeface="+mn-cs"/>
+              </a:rPr>
+              <a:t>情報</a:t>
+            </a:r>
+            <a:endParaRPr kumimoji="1" lang="en-US" altLang="ja-JP" sz="1200" b="0" i="0" u="none" strike="noStrike" kern="1200" cap="none" spc="0" normalizeH="0" baseline="0" noProof="0" dirty="0">
+              <a:ln>
+                <a:noFill/>
+              </a:ln>
+              <a:solidFill>
+                <a:prstClr val="black"/>
+              </a:solidFill>
+              <a:effectLst/>
+              <a:uLnTx/>
+              <a:uFillTx/>
+              <a:latin typeface="Calibri"/>
+              <a:ea typeface="ＭＳ Ｐゴシック" panose="020B0600070205080204" pitchFamily="50" charset="-128"/>
+              <a:cs typeface="+mn-cs"/>
+            </a:endParaRPr>
+          </a:p>
+          <a:p>
+            <a:pPr marL="0" marR="0" lvl="0" indent="0" algn="l" defTabSz="914400" rtl="0" eaLnBrk="1" fontAlgn="auto" latinLnBrk="0" hangingPunct="1">
+              <a:lnSpc>
+                <a:spcPct val="100000"/>
+              </a:lnSpc>
+              <a:spcBef>
+                <a:spcPts val="0"/>
+              </a:spcBef>
+              <a:spcAft>
+                <a:spcPts val="0"/>
+              </a:spcAft>
+              <a:buClrTx/>
+              <a:buSzTx/>
+              <a:buFontTx/>
+              <a:buNone/>
+              <a:tabLst/>
+              <a:defRPr/>
+            </a:pPr>
+            <a:r>
+              <a:rPr kumimoji="1" lang="ja-JP" altLang="en-US" sz="1200" b="0" i="0" u="none" strike="noStrike" kern="1200" cap="none" spc="0" normalizeH="0" baseline="0" noProof="0" dirty="0">
+                <a:ln>
+                  <a:noFill/>
+                </a:ln>
+                <a:solidFill>
+                  <a:prstClr val="black"/>
+                </a:solidFill>
+                <a:effectLst/>
+                <a:uLnTx/>
+                <a:uFillTx/>
+                <a:latin typeface="Calibri"/>
+                <a:ea typeface="ＭＳ Ｐゴシック" panose="020B0600070205080204" pitchFamily="50" charset="-128"/>
+                <a:cs typeface="+mn-cs"/>
+              </a:rPr>
+              <a:t>（使用</a:t>
+            </a:r>
+            <a:r>
+              <a:rPr kumimoji="1" lang="en-US" altLang="ja-JP" sz="1200" b="0" i="0" u="none" strike="noStrike" kern="1200" cap="none" spc="0" normalizeH="0" baseline="0" noProof="0" dirty="0">
+                <a:ln>
+                  <a:noFill/>
+                </a:ln>
+                <a:solidFill>
+                  <a:prstClr val="black"/>
+                </a:solidFill>
+                <a:effectLst/>
+                <a:uLnTx/>
+                <a:uFillTx/>
+                <a:latin typeface="Calibri"/>
+                <a:ea typeface="ＭＳ Ｐゴシック" panose="020B0600070205080204" pitchFamily="50" charset="-128"/>
+                <a:cs typeface="+mn-cs"/>
+              </a:rPr>
+              <a:t>OSS</a:t>
+            </a:r>
+            <a:r>
+              <a:rPr kumimoji="1" lang="ja-JP" altLang="en-US" sz="1200" b="0" i="0" u="none" strike="noStrike" kern="1200" cap="none" spc="0" normalizeH="0" baseline="0" noProof="0" dirty="0">
+                <a:ln>
+                  <a:noFill/>
+                </a:ln>
+                <a:solidFill>
+                  <a:prstClr val="black"/>
+                </a:solidFill>
+                <a:effectLst/>
+                <a:uLnTx/>
+                <a:uFillTx/>
+                <a:latin typeface="Calibri"/>
+                <a:ea typeface="ＭＳ Ｐゴシック" panose="020B0600070205080204" pitchFamily="50" charset="-128"/>
+                <a:cs typeface="+mn-cs"/>
+              </a:rPr>
+              <a:t>リスト、ライセンス、著作権情報、</a:t>
+            </a:r>
+            <a:endParaRPr kumimoji="1" lang="en-US" altLang="ja-JP" sz="1200" b="0" i="0" u="none" strike="noStrike" kern="1200" cap="none" spc="0" normalizeH="0" baseline="0" noProof="0" dirty="0">
+              <a:ln>
+                <a:noFill/>
+              </a:ln>
+              <a:solidFill>
+                <a:prstClr val="black"/>
+              </a:solidFill>
+              <a:effectLst/>
+              <a:uLnTx/>
+              <a:uFillTx/>
+              <a:latin typeface="Calibri"/>
+              <a:ea typeface="ＭＳ Ｐゴシック" panose="020B0600070205080204" pitchFamily="50" charset="-128"/>
+              <a:cs typeface="+mn-cs"/>
+            </a:endParaRPr>
+          </a:p>
+          <a:p>
+            <a:pPr marL="0" marR="0" lvl="0" indent="0" algn="l" defTabSz="914400" rtl="0" eaLnBrk="1" fontAlgn="auto" latinLnBrk="0" hangingPunct="1">
+              <a:lnSpc>
+                <a:spcPct val="100000"/>
+              </a:lnSpc>
+              <a:spcBef>
+                <a:spcPts val="0"/>
+              </a:spcBef>
+              <a:spcAft>
+                <a:spcPts val="0"/>
+              </a:spcAft>
+              <a:buClrTx/>
+              <a:buSzTx/>
+              <a:buFontTx/>
+              <a:buNone/>
+              <a:tabLst/>
+              <a:defRPr/>
+            </a:pPr>
+            <a:r>
+              <a:rPr kumimoji="1" lang="ja-JP" altLang="en-US" sz="1200" b="0" i="0" u="none" strike="noStrike" kern="1200" cap="none" spc="0" normalizeH="0" baseline="0" noProof="0" dirty="0">
+                <a:ln>
+                  <a:noFill/>
+                </a:ln>
+                <a:solidFill>
+                  <a:prstClr val="black"/>
+                </a:solidFill>
+                <a:effectLst/>
+                <a:uLnTx/>
+                <a:uFillTx/>
+                <a:latin typeface="Calibri"/>
+                <a:ea typeface="ＭＳ Ｐゴシック" panose="020B0600070205080204" pitchFamily="50" charset="-128"/>
+                <a:cs typeface="+mn-cs"/>
+              </a:rPr>
+              <a:t>開示必要なソース）</a:t>
+            </a:r>
+          </a:p>
+        </p:txBody>
+      </p:sp>
+      <p:sp>
+        <p:nvSpPr>
+          <p:cNvPr id="51" name="テキスト ボックス 50">
+            <a:extLst>
+              <a:ext uri="{FF2B5EF4-FFF2-40B4-BE49-F238E27FC236}">
+                <a16:creationId xmlns:a16="http://schemas.microsoft.com/office/drawing/2014/main" id="{B0074E85-688C-4C3A-8DE3-F9EA54BAB42F}"/>
+              </a:ext>
+            </a:extLst>
+          </p:cNvPr>
+          <p:cNvSpPr txBox="1"/>
+          <p:nvPr/>
+        </p:nvSpPr>
+        <p:spPr>
+          <a:xfrm>
+            <a:off x="2522770" y="3524015"/>
+            <a:ext cx="736099" cy="276999"/>
+          </a:xfrm>
+          <a:prstGeom prst="rect">
+            <a:avLst/>
+          </a:prstGeom>
+          <a:noFill/>
+        </p:spPr>
+        <p:txBody>
+          <a:bodyPr wrap="none" rtlCol="0">
+            <a:spAutoFit/>
+          </a:bodyPr>
+          <a:lstStyle/>
+          <a:p>
+            <a:pPr marL="0" marR="0" lvl="0" indent="0" algn="l" defTabSz="914400" rtl="0" eaLnBrk="1" fontAlgn="auto" latinLnBrk="0" hangingPunct="1">
+              <a:lnSpc>
+                <a:spcPct val="100000"/>
+              </a:lnSpc>
+              <a:spcBef>
+                <a:spcPts val="0"/>
+              </a:spcBef>
+              <a:spcAft>
+                <a:spcPts val="0"/>
+              </a:spcAft>
+              <a:buClrTx/>
+              <a:buSzTx/>
+              <a:buFontTx/>
+              <a:buNone/>
+              <a:tabLst/>
+              <a:defRPr/>
+            </a:pPr>
+            <a:r>
+              <a:rPr kumimoji="1" lang="en-US" altLang="ja-JP" sz="1200" b="0" i="0" u="none" strike="noStrike" kern="1200" cap="none" spc="0" normalizeH="0" baseline="0" noProof="0" dirty="0">
+                <a:ln>
+                  <a:noFill/>
+                </a:ln>
+                <a:solidFill>
+                  <a:prstClr val="black"/>
+                </a:solidFill>
+                <a:effectLst/>
+                <a:uLnTx/>
+                <a:uFillTx/>
+                <a:latin typeface="Calibri"/>
+                <a:ea typeface="ＭＳ Ｐゴシック" panose="020B0600070205080204" pitchFamily="50" charset="-128"/>
+                <a:cs typeface="+mn-cs"/>
+              </a:rPr>
+              <a:t>OSS</a:t>
+            </a:r>
+            <a:r>
+              <a:rPr kumimoji="1" lang="ja-JP" altLang="en-US" sz="1200" b="0" i="0" u="none" strike="noStrike" kern="1200" cap="none" spc="0" normalizeH="0" baseline="0" noProof="0" dirty="0">
+                <a:ln>
+                  <a:noFill/>
+                </a:ln>
+                <a:solidFill>
+                  <a:prstClr val="black"/>
+                </a:solidFill>
+                <a:effectLst/>
+                <a:uLnTx/>
+                <a:uFillTx/>
+                <a:latin typeface="Calibri"/>
+                <a:ea typeface="ＭＳ Ｐゴシック" panose="020B0600070205080204" pitchFamily="50" charset="-128"/>
+                <a:cs typeface="+mn-cs"/>
+              </a:rPr>
+              <a:t>情報</a:t>
+            </a:r>
+          </a:p>
+        </p:txBody>
+      </p:sp>
+      <p:sp>
+        <p:nvSpPr>
+          <p:cNvPr id="52" name="テキスト ボックス 51">
+            <a:extLst>
+              <a:ext uri="{FF2B5EF4-FFF2-40B4-BE49-F238E27FC236}">
+                <a16:creationId xmlns:a16="http://schemas.microsoft.com/office/drawing/2014/main" id="{C3E49ACF-9195-4930-B28D-130ABD31308A}"/>
+              </a:ext>
+            </a:extLst>
+          </p:cNvPr>
+          <p:cNvSpPr txBox="1"/>
+          <p:nvPr/>
+        </p:nvSpPr>
+        <p:spPr>
+          <a:xfrm>
+            <a:off x="8077222" y="2518522"/>
+            <a:ext cx="567784" cy="307777"/>
+          </a:xfrm>
+          <a:prstGeom prst="rect">
+            <a:avLst/>
+          </a:prstGeom>
+          <a:noFill/>
+        </p:spPr>
+        <p:txBody>
+          <a:bodyPr wrap="none" rtlCol="0">
+            <a:spAutoFit/>
+          </a:bodyPr>
+          <a:lstStyle/>
+          <a:p>
+            <a:pPr marL="0" marR="0" lvl="0" indent="0" algn="l" defTabSz="914400" rtl="0" eaLnBrk="1" fontAlgn="auto" latinLnBrk="0" hangingPunct="1">
+              <a:lnSpc>
+                <a:spcPct val="100000"/>
+              </a:lnSpc>
+              <a:spcBef>
+                <a:spcPts val="0"/>
+              </a:spcBef>
+              <a:spcAft>
+                <a:spcPts val="0"/>
+              </a:spcAft>
+              <a:buClrTx/>
+              <a:buSzTx/>
+              <a:buFontTx/>
+              <a:buNone/>
+              <a:tabLst/>
+              <a:defRPr/>
+            </a:pPr>
+            <a:r>
+              <a:rPr kumimoji="1" lang="en-US" altLang="ja-JP" sz="1400" b="0" i="0" u="none" strike="noStrike" kern="1200" cap="none" spc="0" normalizeH="0" baseline="0" noProof="0" dirty="0">
+                <a:ln>
+                  <a:noFill/>
+                </a:ln>
+                <a:solidFill>
+                  <a:prstClr val="black"/>
+                </a:solidFill>
+                <a:effectLst/>
+                <a:uLnTx/>
+                <a:uFillTx/>
+                <a:latin typeface="Calibri"/>
+                <a:ea typeface="ＭＳ Ｐゴシック" panose="020B0600070205080204" pitchFamily="50" charset="-128"/>
+                <a:cs typeface="+mn-cs"/>
+              </a:rPr>
+              <a:t>EULA</a:t>
+            </a:r>
+            <a:endParaRPr kumimoji="1" lang="ja-JP" altLang="en-US" sz="1400" b="0" i="0" u="none" strike="noStrike" kern="1200" cap="none" spc="0" normalizeH="0" baseline="0" noProof="0" dirty="0">
+              <a:ln>
+                <a:noFill/>
+              </a:ln>
+              <a:solidFill>
+                <a:prstClr val="black"/>
+              </a:solidFill>
+              <a:effectLst/>
+              <a:uLnTx/>
+              <a:uFillTx/>
+              <a:latin typeface="Calibri"/>
+              <a:ea typeface="ＭＳ Ｐゴシック" panose="020B0600070205080204" pitchFamily="50" charset="-128"/>
+              <a:cs typeface="+mn-cs"/>
+            </a:endParaRPr>
+          </a:p>
+        </p:txBody>
+      </p:sp>
+      <p:sp>
+        <p:nvSpPr>
+          <p:cNvPr id="53" name="テキスト ボックス 52">
+            <a:extLst>
+              <a:ext uri="{FF2B5EF4-FFF2-40B4-BE49-F238E27FC236}">
+                <a16:creationId xmlns:a16="http://schemas.microsoft.com/office/drawing/2014/main" id="{92A99D74-19FD-4883-B90A-D34018AE2B67}"/>
+              </a:ext>
+            </a:extLst>
+          </p:cNvPr>
+          <p:cNvSpPr txBox="1"/>
+          <p:nvPr/>
+        </p:nvSpPr>
+        <p:spPr>
+          <a:xfrm>
+            <a:off x="7605980" y="3074214"/>
+            <a:ext cx="1704441" cy="523220"/>
+          </a:xfrm>
+          <a:prstGeom prst="rect">
+            <a:avLst/>
+          </a:prstGeom>
+          <a:noFill/>
+        </p:spPr>
+        <p:txBody>
+          <a:bodyPr wrap="none" rtlCol="0">
+            <a:spAutoFit/>
+          </a:bodyPr>
+          <a:lstStyle/>
+          <a:p>
+            <a:pPr marL="0" marR="0" lvl="0" indent="0" algn="l" defTabSz="914400" rtl="0" eaLnBrk="1" fontAlgn="auto" latinLnBrk="0" hangingPunct="1">
+              <a:lnSpc>
+                <a:spcPct val="100000"/>
+              </a:lnSpc>
+              <a:spcBef>
+                <a:spcPts val="0"/>
+              </a:spcBef>
+              <a:spcAft>
+                <a:spcPts val="0"/>
+              </a:spcAft>
+              <a:buClrTx/>
+              <a:buSzTx/>
+              <a:buFontTx/>
+              <a:buNone/>
+              <a:tabLst/>
+              <a:defRPr/>
+            </a:pPr>
+            <a:r>
+              <a:rPr kumimoji="1" lang="en-US" altLang="ja-JP" sz="1400" b="0" i="0" u="none" strike="noStrike" kern="1200" cap="none" spc="0" normalizeH="0" baseline="0" noProof="0" dirty="0">
+                <a:ln>
+                  <a:noFill/>
+                </a:ln>
+                <a:solidFill>
+                  <a:prstClr val="black"/>
+                </a:solidFill>
+                <a:effectLst/>
+                <a:uLnTx/>
+                <a:uFillTx/>
+                <a:latin typeface="Calibri"/>
+                <a:ea typeface="ＭＳ Ｐゴシック" panose="020B0600070205080204" pitchFamily="50" charset="-128"/>
+                <a:cs typeface="+mn-cs"/>
+              </a:rPr>
+              <a:t>Proprietary Software</a:t>
+            </a:r>
+          </a:p>
+          <a:p>
+            <a:pPr marL="0" marR="0" lvl="0" indent="0" algn="l" defTabSz="914400" rtl="0" eaLnBrk="1" fontAlgn="auto" latinLnBrk="0" hangingPunct="1">
+              <a:lnSpc>
+                <a:spcPct val="100000"/>
+              </a:lnSpc>
+              <a:spcBef>
+                <a:spcPts val="0"/>
+              </a:spcBef>
+              <a:spcAft>
+                <a:spcPts val="0"/>
+              </a:spcAft>
+              <a:buClrTx/>
+              <a:buSzTx/>
+              <a:buFontTx/>
+              <a:buNone/>
+              <a:tabLst/>
+              <a:defRPr/>
+            </a:pPr>
+            <a:r>
+              <a:rPr kumimoji="1" lang="ja-JP" altLang="en-US" sz="1400" b="0" i="0" u="none" strike="noStrike" kern="1200" cap="none" spc="0" normalizeH="0" baseline="0" noProof="0" dirty="0">
+                <a:ln>
+                  <a:noFill/>
+                </a:ln>
+                <a:solidFill>
+                  <a:prstClr val="black"/>
+                </a:solidFill>
+                <a:effectLst/>
+                <a:uLnTx/>
+                <a:uFillTx/>
+                <a:latin typeface="Calibri"/>
+                <a:ea typeface="ＭＳ Ｐゴシック" panose="020B0600070205080204" pitchFamily="50" charset="-128"/>
+                <a:cs typeface="+mn-cs"/>
+              </a:rPr>
+              <a:t>（</a:t>
+            </a:r>
+            <a:r>
+              <a:rPr kumimoji="1" lang="en-US" altLang="ja-JP" sz="1400" b="0" i="0" u="none" strike="noStrike" kern="1200" cap="none" spc="0" normalizeH="0" baseline="0" noProof="0" dirty="0">
+                <a:ln>
+                  <a:noFill/>
+                </a:ln>
+                <a:solidFill>
+                  <a:prstClr val="black"/>
+                </a:solidFill>
+                <a:effectLst/>
+                <a:uLnTx/>
+                <a:uFillTx/>
+                <a:latin typeface="Calibri"/>
+                <a:ea typeface="ＭＳ Ｐゴシック" panose="020B0600070205080204" pitchFamily="50" charset="-128"/>
+                <a:cs typeface="+mn-cs"/>
+              </a:rPr>
+              <a:t>incl. OSS</a:t>
+            </a:r>
+            <a:r>
+              <a:rPr kumimoji="1" lang="ja-JP" altLang="en-US" sz="1400" b="0" i="0" u="none" strike="noStrike" kern="1200" cap="none" spc="0" normalizeH="0" baseline="0" noProof="0" dirty="0">
+                <a:ln>
+                  <a:noFill/>
+                </a:ln>
+                <a:solidFill>
+                  <a:prstClr val="black"/>
+                </a:solidFill>
+                <a:effectLst/>
+                <a:uLnTx/>
+                <a:uFillTx/>
+                <a:latin typeface="Calibri"/>
+                <a:ea typeface="ＭＳ Ｐゴシック" panose="020B0600070205080204" pitchFamily="50" charset="-128"/>
+                <a:cs typeface="+mn-cs"/>
+              </a:rPr>
+              <a:t>）</a:t>
+            </a:r>
+          </a:p>
+        </p:txBody>
+      </p:sp>
+      <p:sp>
+        <p:nvSpPr>
+          <p:cNvPr id="54" name="テキスト ボックス 53">
+            <a:extLst>
+              <a:ext uri="{FF2B5EF4-FFF2-40B4-BE49-F238E27FC236}">
+                <a16:creationId xmlns:a16="http://schemas.microsoft.com/office/drawing/2014/main" id="{BC2E899B-C4A2-4544-BB5F-527B1C564FBE}"/>
+              </a:ext>
+            </a:extLst>
+          </p:cNvPr>
+          <p:cNvSpPr txBox="1"/>
+          <p:nvPr/>
+        </p:nvSpPr>
+        <p:spPr>
+          <a:xfrm>
+            <a:off x="7915840" y="3686738"/>
+            <a:ext cx="736099" cy="276999"/>
+          </a:xfrm>
+          <a:prstGeom prst="rect">
+            <a:avLst/>
+          </a:prstGeom>
+          <a:noFill/>
+        </p:spPr>
+        <p:txBody>
+          <a:bodyPr wrap="none" rtlCol="0">
+            <a:spAutoFit/>
+          </a:bodyPr>
+          <a:lstStyle/>
+          <a:p>
+            <a:pPr marL="0" marR="0" lvl="0" indent="0" algn="l" defTabSz="914400" rtl="0" eaLnBrk="1" fontAlgn="auto" latinLnBrk="0" hangingPunct="1">
+              <a:lnSpc>
+                <a:spcPct val="100000"/>
+              </a:lnSpc>
+              <a:spcBef>
+                <a:spcPts val="0"/>
+              </a:spcBef>
+              <a:spcAft>
+                <a:spcPts val="0"/>
+              </a:spcAft>
+              <a:buClrTx/>
+              <a:buSzTx/>
+              <a:buFontTx/>
+              <a:buNone/>
+              <a:tabLst/>
+              <a:defRPr/>
+            </a:pPr>
+            <a:r>
+              <a:rPr kumimoji="1" lang="en-US" altLang="ja-JP" sz="1200" b="0" i="0" u="none" strike="noStrike" kern="1200" cap="none" spc="0" normalizeH="0" baseline="0" noProof="0" dirty="0">
+                <a:ln>
+                  <a:noFill/>
+                </a:ln>
+                <a:solidFill>
+                  <a:prstClr val="black"/>
+                </a:solidFill>
+                <a:effectLst/>
+                <a:uLnTx/>
+                <a:uFillTx/>
+                <a:latin typeface="Calibri"/>
+                <a:ea typeface="ＭＳ Ｐゴシック" panose="020B0600070205080204" pitchFamily="50" charset="-128"/>
+                <a:cs typeface="+mn-cs"/>
+              </a:rPr>
+              <a:t>OSS</a:t>
+            </a:r>
+            <a:r>
+              <a:rPr kumimoji="1" lang="ja-JP" altLang="en-US" sz="1200" b="0" i="0" u="none" strike="noStrike" kern="1200" cap="none" spc="0" normalizeH="0" baseline="0" noProof="0" dirty="0">
+                <a:ln>
+                  <a:noFill/>
+                </a:ln>
+                <a:solidFill>
+                  <a:prstClr val="black"/>
+                </a:solidFill>
+                <a:effectLst/>
+                <a:uLnTx/>
+                <a:uFillTx/>
+                <a:latin typeface="Calibri"/>
+                <a:ea typeface="ＭＳ Ｐゴシック" panose="020B0600070205080204" pitchFamily="50" charset="-128"/>
+                <a:cs typeface="+mn-cs"/>
+              </a:rPr>
+              <a:t>情報</a:t>
+            </a:r>
+          </a:p>
+        </p:txBody>
+      </p:sp>
+      <p:cxnSp>
+        <p:nvCxnSpPr>
+          <p:cNvPr id="56" name="直線矢印コネクタ 55">
+            <a:extLst>
+              <a:ext uri="{FF2B5EF4-FFF2-40B4-BE49-F238E27FC236}">
+                <a16:creationId xmlns:a16="http://schemas.microsoft.com/office/drawing/2014/main" id="{0F3198F3-B473-49AB-AF2D-7EE74EB14D81}"/>
+              </a:ext>
+            </a:extLst>
+          </p:cNvPr>
+          <p:cNvCxnSpPr>
+            <a:cxnSpLocks/>
+            <a:stCxn id="55" idx="0"/>
+            <a:endCxn id="61" idx="1"/>
+          </p:cNvCxnSpPr>
+          <p:nvPr/>
+        </p:nvCxnSpPr>
+        <p:spPr>
+          <a:xfrm flipV="1">
+            <a:off x="7413840" y="1867378"/>
+            <a:ext cx="761728" cy="680968"/>
+          </a:xfrm>
+          <a:prstGeom prst="straightConnector1">
+            <a:avLst/>
+          </a:prstGeom>
+          <a:ln w="38100">
+            <a:solidFill>
+              <a:srgbClr val="FFC000"/>
+            </a:solidFill>
+            <a:tailEnd type="triangle"/>
+          </a:ln>
+        </p:spPr>
+        <p:style>
+          <a:lnRef idx="1">
+            <a:schemeClr val="accent1"/>
+          </a:lnRef>
+          <a:fillRef idx="0">
+            <a:schemeClr val="accent1"/>
+          </a:fillRef>
+          <a:effectRef idx="0">
+            <a:schemeClr val="accent1"/>
+          </a:effectRef>
+          <a:fontRef idx="minor">
+            <a:schemeClr val="tx1"/>
+          </a:fontRef>
+        </p:style>
+      </p:cxnSp>
+      <p:sp>
+        <p:nvSpPr>
+          <p:cNvPr id="58" name="フローチャート: 磁気ディスク 57">
+            <a:extLst>
+              <a:ext uri="{FF2B5EF4-FFF2-40B4-BE49-F238E27FC236}">
+                <a16:creationId xmlns:a16="http://schemas.microsoft.com/office/drawing/2014/main" id="{6F8A06A7-D462-4044-9916-49AAABAF24F9}"/>
+              </a:ext>
+            </a:extLst>
+          </p:cNvPr>
+          <p:cNvSpPr/>
+          <p:nvPr/>
+        </p:nvSpPr>
+        <p:spPr>
+          <a:xfrm>
+            <a:off x="8244783" y="1552442"/>
+            <a:ext cx="573645" cy="632454"/>
+          </a:xfrm>
+          <a:prstGeom prst="flowChartMagneticDisk">
+            <a:avLst/>
+          </a:prstGeom>
+          <a:solidFill>
+            <a:srgbClr val="FFC000"/>
+          </a:solidFill>
+        </p:spPr>
+        <p:style>
+          <a:lnRef idx="2">
+            <a:schemeClr val="accent1">
+              <a:shade val="50000"/>
+            </a:schemeClr>
+          </a:lnRef>
+          <a:fillRef idx="1">
+            <a:schemeClr val="accent1"/>
+          </a:fillRef>
+          <a:effectRef idx="0">
+            <a:schemeClr val="accent1"/>
+          </a:effectRef>
+          <a:fontRef idx="minor">
+            <a:schemeClr val="lt1"/>
+          </a:fontRef>
+        </p:style>
+        <p:txBody>
+          <a:bodyPr rtlCol="0" anchor="ctr"/>
+          <a:lstStyle/>
+          <a:p>
+            <a:pPr marL="0" marR="0" lvl="0" indent="0" algn="ctr" defTabSz="914400" rtl="0" eaLnBrk="1" fontAlgn="auto" latinLnBrk="0" hangingPunct="1">
+              <a:lnSpc>
+                <a:spcPct val="100000"/>
+              </a:lnSpc>
+              <a:spcBef>
+                <a:spcPts val="0"/>
+              </a:spcBef>
+              <a:spcAft>
+                <a:spcPts val="0"/>
+              </a:spcAft>
+              <a:buClrTx/>
+              <a:buSzTx/>
+              <a:buFontTx/>
+              <a:buNone/>
+              <a:tabLst/>
+              <a:defRPr/>
+            </a:pPr>
+            <a:endParaRPr kumimoji="1" lang="ja-JP" altLang="en-US" sz="1800" b="0" i="0" u="none" strike="noStrike" kern="1200" cap="none" spc="0" normalizeH="0" baseline="0" noProof="0">
+              <a:ln>
+                <a:noFill/>
+              </a:ln>
+              <a:solidFill>
+                <a:prstClr val="white"/>
+              </a:solidFill>
+              <a:effectLst/>
+              <a:uLnTx/>
+              <a:uFillTx/>
+              <a:latin typeface="Calibri"/>
+              <a:ea typeface="ＭＳ Ｐゴシック" panose="020B0600070205080204" pitchFamily="50" charset="-128"/>
+              <a:cs typeface="+mn-cs"/>
+            </a:endParaRPr>
+          </a:p>
+        </p:txBody>
+      </p:sp>
+      <p:sp>
+        <p:nvSpPr>
+          <p:cNvPr id="60" name="テキスト ボックス 59">
+            <a:extLst>
+              <a:ext uri="{FF2B5EF4-FFF2-40B4-BE49-F238E27FC236}">
+                <a16:creationId xmlns:a16="http://schemas.microsoft.com/office/drawing/2014/main" id="{24174180-61C0-4491-BF49-706A833EC9A7}"/>
+              </a:ext>
+            </a:extLst>
+          </p:cNvPr>
+          <p:cNvSpPr txBox="1"/>
+          <p:nvPr/>
+        </p:nvSpPr>
+        <p:spPr>
+          <a:xfrm>
+            <a:off x="8016870" y="1254818"/>
+            <a:ext cx="1056700" cy="276999"/>
+          </a:xfrm>
+          <a:prstGeom prst="rect">
+            <a:avLst/>
+          </a:prstGeom>
+          <a:noFill/>
+        </p:spPr>
+        <p:txBody>
+          <a:bodyPr wrap="none" rtlCol="0">
+            <a:spAutoFit/>
+          </a:bodyPr>
+          <a:lstStyle/>
+          <a:p>
+            <a:pPr marL="0" marR="0" lvl="0" indent="0" algn="l" defTabSz="914400" rtl="0" eaLnBrk="1" fontAlgn="auto" latinLnBrk="0" hangingPunct="1">
+              <a:lnSpc>
+                <a:spcPct val="100000"/>
+              </a:lnSpc>
+              <a:spcBef>
+                <a:spcPts val="0"/>
+              </a:spcBef>
+              <a:spcAft>
+                <a:spcPts val="0"/>
+              </a:spcAft>
+              <a:buClrTx/>
+              <a:buSzTx/>
+              <a:buFontTx/>
+              <a:buNone/>
+              <a:tabLst/>
+              <a:defRPr/>
+            </a:pPr>
+            <a:r>
+              <a:rPr kumimoji="1" lang="ja-JP" altLang="en-US" sz="1200" b="0" i="0" u="none" strike="noStrike" kern="1200" cap="none" spc="0" normalizeH="0" baseline="0" noProof="0" dirty="0">
+                <a:ln>
+                  <a:noFill/>
+                </a:ln>
+                <a:solidFill>
+                  <a:prstClr val="black"/>
+                </a:solidFill>
+                <a:effectLst/>
+                <a:uLnTx/>
+                <a:uFillTx/>
+                <a:latin typeface="Calibri"/>
+                <a:ea typeface="ＭＳ Ｐゴシック" panose="020B0600070205080204" pitchFamily="50" charset="-128"/>
+                <a:cs typeface="+mn-cs"/>
+              </a:rPr>
+              <a:t>公開用ソース</a:t>
+            </a:r>
+          </a:p>
+        </p:txBody>
+      </p:sp>
+      <p:sp>
+        <p:nvSpPr>
+          <p:cNvPr id="61" name="テキスト ボックス 60">
+            <a:extLst>
+              <a:ext uri="{FF2B5EF4-FFF2-40B4-BE49-F238E27FC236}">
+                <a16:creationId xmlns:a16="http://schemas.microsoft.com/office/drawing/2014/main" id="{9BA04A49-898C-47F7-A64B-CFFBA5599125}"/>
+              </a:ext>
+            </a:extLst>
+          </p:cNvPr>
+          <p:cNvSpPr txBox="1"/>
+          <p:nvPr/>
+        </p:nvSpPr>
+        <p:spPr>
+          <a:xfrm>
+            <a:off x="8175568" y="1567296"/>
+            <a:ext cx="739305" cy="600164"/>
+          </a:xfrm>
+          <a:prstGeom prst="rect">
+            <a:avLst/>
+          </a:prstGeom>
+          <a:noFill/>
+        </p:spPr>
+        <p:txBody>
+          <a:bodyPr wrap="none" rtlCol="0">
+            <a:spAutoFit/>
+          </a:bodyPr>
+          <a:lstStyle/>
+          <a:p>
+            <a:pPr marL="0" marR="0" lvl="0" indent="0" algn="ctr" defTabSz="914400" rtl="0" eaLnBrk="1" fontAlgn="auto" latinLnBrk="0" hangingPunct="1">
+              <a:lnSpc>
+                <a:spcPct val="100000"/>
+              </a:lnSpc>
+              <a:spcBef>
+                <a:spcPts val="0"/>
+              </a:spcBef>
+              <a:spcAft>
+                <a:spcPts val="0"/>
+              </a:spcAft>
+              <a:buClrTx/>
+              <a:buSzTx/>
+              <a:buFontTx/>
+              <a:buNone/>
+              <a:tabLst/>
+              <a:defRPr/>
+            </a:pPr>
+            <a:r>
+              <a:rPr kumimoji="1" lang="ja-JP" altLang="en-US" sz="1100" b="0" i="0" u="none" strike="noStrike" kern="1200" cap="none" spc="0" normalizeH="0" baseline="0" noProof="0" dirty="0">
+                <a:ln>
+                  <a:noFill/>
+                </a:ln>
+                <a:solidFill>
+                  <a:prstClr val="black"/>
+                </a:solidFill>
+                <a:effectLst/>
+                <a:uLnTx/>
+                <a:uFillTx/>
+                <a:latin typeface="Calibri"/>
+                <a:ea typeface="ＭＳ Ｐゴシック" panose="020B0600070205080204" pitchFamily="50" charset="-128"/>
+                <a:cs typeface="+mn-cs"/>
+              </a:rPr>
+              <a:t>ソース</a:t>
+            </a:r>
+            <a:endParaRPr kumimoji="1" lang="en-US" altLang="ja-JP" sz="1100" b="0" i="0" u="none" strike="noStrike" kern="1200" cap="none" spc="0" normalizeH="0" baseline="0" noProof="0" dirty="0">
+              <a:ln>
+                <a:noFill/>
+              </a:ln>
+              <a:solidFill>
+                <a:prstClr val="black"/>
+              </a:solidFill>
+              <a:effectLst/>
+              <a:uLnTx/>
+              <a:uFillTx/>
+              <a:latin typeface="Calibri"/>
+              <a:ea typeface="ＭＳ Ｐゴシック" panose="020B0600070205080204" pitchFamily="50" charset="-128"/>
+              <a:cs typeface="+mn-cs"/>
+            </a:endParaRPr>
+          </a:p>
+          <a:p>
+            <a:pPr marL="0" marR="0" lvl="0" indent="0" algn="ctr" defTabSz="914400" rtl="0" eaLnBrk="1" fontAlgn="auto" latinLnBrk="0" hangingPunct="1">
+              <a:lnSpc>
+                <a:spcPct val="100000"/>
+              </a:lnSpc>
+              <a:spcBef>
+                <a:spcPts val="0"/>
+              </a:spcBef>
+              <a:spcAft>
+                <a:spcPts val="0"/>
+              </a:spcAft>
+              <a:buClrTx/>
+              <a:buSzTx/>
+              <a:buFontTx/>
+              <a:buNone/>
+              <a:tabLst/>
+              <a:defRPr/>
+            </a:pPr>
+            <a:r>
+              <a:rPr kumimoji="1" lang="ja-JP" altLang="en-US" sz="1100" b="0" i="0" u="none" strike="noStrike" kern="1200" cap="none" spc="0" normalizeH="0" baseline="0" noProof="0" dirty="0">
+                <a:ln>
+                  <a:noFill/>
+                </a:ln>
+                <a:solidFill>
+                  <a:prstClr val="black"/>
+                </a:solidFill>
+                <a:effectLst/>
+                <a:uLnTx/>
+                <a:uFillTx/>
+                <a:latin typeface="Calibri"/>
+                <a:ea typeface="ＭＳ Ｐゴシック" panose="020B0600070205080204" pitchFamily="50" charset="-128"/>
+                <a:cs typeface="+mn-cs"/>
+              </a:rPr>
+              <a:t>公開</a:t>
+            </a:r>
+            <a:endParaRPr kumimoji="1" lang="en-US" altLang="ja-JP" sz="1100" b="0" i="0" u="none" strike="noStrike" kern="1200" cap="none" spc="0" normalizeH="0" baseline="0" noProof="0" dirty="0">
+              <a:ln>
+                <a:noFill/>
+              </a:ln>
+              <a:solidFill>
+                <a:prstClr val="black"/>
+              </a:solidFill>
+              <a:effectLst/>
+              <a:uLnTx/>
+              <a:uFillTx/>
+              <a:latin typeface="Calibri"/>
+              <a:ea typeface="ＭＳ Ｐゴシック" panose="020B0600070205080204" pitchFamily="50" charset="-128"/>
+              <a:cs typeface="+mn-cs"/>
+            </a:endParaRPr>
+          </a:p>
+          <a:p>
+            <a:pPr marL="0" marR="0" lvl="0" indent="0" algn="ctr" defTabSz="914400" rtl="0" eaLnBrk="1" fontAlgn="auto" latinLnBrk="0" hangingPunct="1">
+              <a:lnSpc>
+                <a:spcPct val="100000"/>
+              </a:lnSpc>
+              <a:spcBef>
+                <a:spcPts val="0"/>
+              </a:spcBef>
+              <a:spcAft>
+                <a:spcPts val="0"/>
+              </a:spcAft>
+              <a:buClrTx/>
+              <a:buSzTx/>
+              <a:buFontTx/>
+              <a:buNone/>
+              <a:tabLst/>
+              <a:defRPr/>
+            </a:pPr>
+            <a:r>
+              <a:rPr kumimoji="1" lang="ja-JP" altLang="en-US" sz="1100" b="0" i="0" u="none" strike="noStrike" kern="1200" cap="none" spc="0" normalizeH="0" baseline="0" noProof="0" dirty="0">
+                <a:ln>
+                  <a:noFill/>
+                </a:ln>
+                <a:solidFill>
+                  <a:prstClr val="black"/>
+                </a:solidFill>
+                <a:effectLst/>
+                <a:uLnTx/>
+                <a:uFillTx/>
+                <a:latin typeface="Calibri"/>
+                <a:ea typeface="ＭＳ Ｐゴシック" panose="020B0600070205080204" pitchFamily="50" charset="-128"/>
+                <a:cs typeface="+mn-cs"/>
+              </a:rPr>
+              <a:t>サーバー</a:t>
+            </a:r>
+          </a:p>
+        </p:txBody>
+      </p:sp>
+      <p:sp>
+        <p:nvSpPr>
+          <p:cNvPr id="62" name="四角形: 角を丸くする 61">
+            <a:extLst>
+              <a:ext uri="{FF2B5EF4-FFF2-40B4-BE49-F238E27FC236}">
+                <a16:creationId xmlns:a16="http://schemas.microsoft.com/office/drawing/2014/main" id="{61E144C9-EEEA-467C-B27C-79409D934D7E}"/>
+              </a:ext>
+            </a:extLst>
+          </p:cNvPr>
+          <p:cNvSpPr/>
+          <p:nvPr/>
+        </p:nvSpPr>
+        <p:spPr>
+          <a:xfrm>
+            <a:off x="6631302" y="4816818"/>
+            <a:ext cx="1145453" cy="558437"/>
+          </a:xfrm>
+          <a:prstGeom prst="roundRect">
+            <a:avLst/>
+          </a:prstGeom>
+          <a:solidFill>
+            <a:srgbClr val="FFC000"/>
+          </a:solidFill>
+          <a:ln>
+            <a:noFill/>
+          </a:ln>
+        </p:spPr>
+        <p:style>
+          <a:lnRef idx="2">
+            <a:schemeClr val="accent1">
+              <a:shade val="50000"/>
+            </a:schemeClr>
+          </a:lnRef>
+          <a:fillRef idx="1">
+            <a:schemeClr val="accent1"/>
+          </a:fillRef>
+          <a:effectRef idx="0">
+            <a:schemeClr val="accent1"/>
+          </a:effectRef>
+          <a:fontRef idx="minor">
+            <a:schemeClr val="lt1"/>
+          </a:fontRef>
+        </p:style>
+        <p:txBody>
+          <a:bodyPr rtlCol="0" anchor="ctr"/>
+          <a:lstStyle/>
+          <a:p>
+            <a:pPr marL="0" marR="0" lvl="0" indent="0" algn="ctr" defTabSz="914400" rtl="0" eaLnBrk="1" fontAlgn="auto" latinLnBrk="0" hangingPunct="1">
+              <a:lnSpc>
+                <a:spcPct val="100000"/>
+              </a:lnSpc>
+              <a:spcBef>
+                <a:spcPts val="0"/>
+              </a:spcBef>
+              <a:spcAft>
+                <a:spcPts val="0"/>
+              </a:spcAft>
+              <a:buClrTx/>
+              <a:buSzTx/>
+              <a:buFontTx/>
+              <a:buNone/>
+              <a:tabLst/>
+              <a:defRPr/>
+            </a:pPr>
+            <a:r>
+              <a:rPr kumimoji="1" lang="ja-JP" altLang="en-US" sz="1200" b="0" i="0" u="none" strike="noStrike" kern="1200" cap="none" spc="0" normalizeH="0" baseline="0" noProof="0" dirty="0">
+                <a:ln>
+                  <a:noFill/>
+                </a:ln>
+                <a:solidFill>
+                  <a:prstClr val="black"/>
+                </a:solidFill>
+                <a:effectLst/>
+                <a:uLnTx/>
+                <a:uFillTx/>
+                <a:latin typeface="Calibri"/>
+                <a:ea typeface="ＭＳ Ｐゴシック" panose="020B0600070205080204" pitchFamily="50" charset="-128"/>
+                <a:cs typeface="+mn-cs"/>
+              </a:rPr>
+              <a:t>顧客</a:t>
+            </a:r>
+            <a:endParaRPr kumimoji="1" lang="en-US" altLang="ja-JP" sz="1200" b="0" i="0" u="none" strike="noStrike" kern="1200" cap="none" spc="0" normalizeH="0" baseline="0" noProof="0" dirty="0">
+              <a:ln>
+                <a:noFill/>
+              </a:ln>
+              <a:solidFill>
+                <a:prstClr val="black"/>
+              </a:solidFill>
+              <a:effectLst/>
+              <a:uLnTx/>
+              <a:uFillTx/>
+              <a:latin typeface="Calibri"/>
+              <a:ea typeface="ＭＳ Ｐゴシック" panose="020B0600070205080204" pitchFamily="50" charset="-128"/>
+              <a:cs typeface="+mn-cs"/>
+            </a:endParaRPr>
+          </a:p>
+          <a:p>
+            <a:pPr marL="0" marR="0" lvl="0" indent="0" algn="ctr" defTabSz="914400" rtl="0" eaLnBrk="1" fontAlgn="auto" latinLnBrk="0" hangingPunct="1">
+              <a:lnSpc>
+                <a:spcPct val="100000"/>
+              </a:lnSpc>
+              <a:spcBef>
+                <a:spcPts val="0"/>
+              </a:spcBef>
+              <a:spcAft>
+                <a:spcPts val="0"/>
+              </a:spcAft>
+              <a:buClrTx/>
+              <a:buSzTx/>
+              <a:buFontTx/>
+              <a:buNone/>
+              <a:tabLst/>
+              <a:defRPr/>
+            </a:pPr>
+            <a:r>
+              <a:rPr kumimoji="1" lang="ja-JP" altLang="en-US" sz="1200" b="0" i="0" u="none" strike="noStrike" kern="1200" cap="none" spc="0" normalizeH="0" baseline="0" noProof="0" dirty="0">
+                <a:ln>
+                  <a:noFill/>
+                </a:ln>
+                <a:solidFill>
+                  <a:prstClr val="black"/>
+                </a:solidFill>
+                <a:effectLst/>
+                <a:uLnTx/>
+                <a:uFillTx/>
+                <a:latin typeface="Calibri"/>
+                <a:ea typeface="ＭＳ Ｐゴシック" panose="020B0600070205080204" pitchFamily="50" charset="-128"/>
+                <a:cs typeface="+mn-cs"/>
+              </a:rPr>
+              <a:t>窓口</a:t>
+            </a:r>
+          </a:p>
+        </p:txBody>
+      </p:sp>
+      <p:sp>
+        <p:nvSpPr>
+          <p:cNvPr id="64" name="テキスト ボックス 63">
+            <a:extLst>
+              <a:ext uri="{FF2B5EF4-FFF2-40B4-BE49-F238E27FC236}">
+                <a16:creationId xmlns:a16="http://schemas.microsoft.com/office/drawing/2014/main" id="{6FA8BEB1-3EFE-4C16-9F41-44A149F98E9A}"/>
+              </a:ext>
+            </a:extLst>
+          </p:cNvPr>
+          <p:cNvSpPr txBox="1"/>
+          <p:nvPr/>
+        </p:nvSpPr>
+        <p:spPr>
+          <a:xfrm>
+            <a:off x="7811686" y="5189109"/>
+            <a:ext cx="1103187" cy="261610"/>
+          </a:xfrm>
+          <a:prstGeom prst="rect">
+            <a:avLst/>
+          </a:prstGeom>
+          <a:noFill/>
+        </p:spPr>
+        <p:txBody>
+          <a:bodyPr wrap="none" rtlCol="0">
+            <a:spAutoFit/>
+          </a:bodyPr>
+          <a:lstStyle/>
+          <a:p>
+            <a:pPr marL="0" marR="0" lvl="0" indent="0" algn="l" defTabSz="914400" rtl="0" eaLnBrk="1" fontAlgn="auto" latinLnBrk="0" hangingPunct="1">
+              <a:lnSpc>
+                <a:spcPct val="100000"/>
+              </a:lnSpc>
+              <a:spcBef>
+                <a:spcPts val="0"/>
+              </a:spcBef>
+              <a:spcAft>
+                <a:spcPts val="0"/>
+              </a:spcAft>
+              <a:buClrTx/>
+              <a:buSzTx/>
+              <a:buFontTx/>
+              <a:buNone/>
+              <a:tabLst/>
+              <a:defRPr/>
+            </a:pPr>
+            <a:r>
+              <a:rPr kumimoji="1" lang="en-US" altLang="ja-JP" sz="1100" b="0" i="0" u="none" strike="noStrike" kern="1200" cap="none" spc="0" normalizeH="0" baseline="0" noProof="0" dirty="0">
+                <a:ln>
+                  <a:noFill/>
+                </a:ln>
+                <a:solidFill>
+                  <a:prstClr val="black"/>
+                </a:solidFill>
+                <a:effectLst/>
+                <a:uLnTx/>
+                <a:uFillTx/>
+                <a:latin typeface="Calibri"/>
+                <a:ea typeface="ＭＳ Ｐゴシック" panose="020B0600070205080204" pitchFamily="50" charset="-128"/>
+                <a:cs typeface="+mn-cs"/>
+              </a:rPr>
+              <a:t>OSS</a:t>
+            </a:r>
+            <a:r>
+              <a:rPr kumimoji="1" lang="ja-JP" altLang="en-US" sz="1100" b="0" i="0" u="none" strike="noStrike" kern="1200" cap="none" spc="0" normalizeH="0" baseline="0" noProof="0" dirty="0">
+                <a:ln>
+                  <a:noFill/>
+                </a:ln>
+                <a:solidFill>
+                  <a:prstClr val="black"/>
+                </a:solidFill>
+                <a:effectLst/>
+                <a:uLnTx/>
+                <a:uFillTx/>
+                <a:latin typeface="Calibri"/>
+                <a:ea typeface="ＭＳ Ｐゴシック" panose="020B0600070205080204" pitchFamily="50" charset="-128"/>
+                <a:cs typeface="+mn-cs"/>
+              </a:rPr>
+              <a:t>問い合わせ</a:t>
+            </a:r>
+          </a:p>
+        </p:txBody>
+      </p:sp>
+      <p:sp>
+        <p:nvSpPr>
+          <p:cNvPr id="66" name="テキスト ボックス 65">
+            <a:extLst>
+              <a:ext uri="{FF2B5EF4-FFF2-40B4-BE49-F238E27FC236}">
+                <a16:creationId xmlns:a16="http://schemas.microsoft.com/office/drawing/2014/main" id="{9F434FD0-8FC5-4E03-BE68-A09D958D245D}"/>
+              </a:ext>
+            </a:extLst>
+          </p:cNvPr>
+          <p:cNvSpPr txBox="1"/>
+          <p:nvPr/>
+        </p:nvSpPr>
+        <p:spPr>
+          <a:xfrm>
+            <a:off x="6673568" y="4542092"/>
+            <a:ext cx="1103187" cy="261610"/>
+          </a:xfrm>
+          <a:prstGeom prst="rect">
+            <a:avLst/>
+          </a:prstGeom>
+          <a:noFill/>
+        </p:spPr>
+        <p:txBody>
+          <a:bodyPr wrap="none" rtlCol="0">
+            <a:spAutoFit/>
+          </a:bodyPr>
+          <a:lstStyle/>
+          <a:p>
+            <a:pPr marL="0" marR="0" lvl="0" indent="0" algn="l" defTabSz="914400" rtl="0" eaLnBrk="1" fontAlgn="auto" latinLnBrk="0" hangingPunct="1">
+              <a:lnSpc>
+                <a:spcPct val="100000"/>
+              </a:lnSpc>
+              <a:spcBef>
+                <a:spcPts val="0"/>
+              </a:spcBef>
+              <a:spcAft>
+                <a:spcPts val="0"/>
+              </a:spcAft>
+              <a:buClrTx/>
+              <a:buSzTx/>
+              <a:buFontTx/>
+              <a:buNone/>
+              <a:tabLst/>
+              <a:defRPr/>
+            </a:pPr>
+            <a:r>
+              <a:rPr kumimoji="1" lang="en-US" altLang="ja-JP" sz="1100" b="0" i="0" u="none" strike="noStrike" kern="1200" cap="none" spc="0" normalizeH="0" baseline="0" noProof="0" dirty="0">
+                <a:ln>
+                  <a:noFill/>
+                </a:ln>
+                <a:solidFill>
+                  <a:prstClr val="black"/>
+                </a:solidFill>
+                <a:effectLst/>
+                <a:uLnTx/>
+                <a:uFillTx/>
+                <a:latin typeface="Calibri"/>
+                <a:ea typeface="ＭＳ Ｐゴシック" panose="020B0600070205080204" pitchFamily="50" charset="-128"/>
+                <a:cs typeface="+mn-cs"/>
+              </a:rPr>
+              <a:t>OSS</a:t>
+            </a:r>
+            <a:r>
+              <a:rPr kumimoji="1" lang="ja-JP" altLang="en-US" sz="1100" b="0" i="0" u="none" strike="noStrike" kern="1200" cap="none" spc="0" normalizeH="0" baseline="0" noProof="0" dirty="0">
+                <a:ln>
+                  <a:noFill/>
+                </a:ln>
+                <a:solidFill>
+                  <a:prstClr val="black"/>
+                </a:solidFill>
+                <a:effectLst/>
+                <a:uLnTx/>
+                <a:uFillTx/>
+                <a:latin typeface="Calibri"/>
+                <a:ea typeface="ＭＳ Ｐゴシック" panose="020B0600070205080204" pitchFamily="50" charset="-128"/>
+                <a:cs typeface="+mn-cs"/>
+              </a:rPr>
+              <a:t>問い合わせ</a:t>
+            </a:r>
+          </a:p>
+        </p:txBody>
+      </p:sp>
+      <p:cxnSp>
+        <p:nvCxnSpPr>
+          <p:cNvPr id="70" name="直線矢印コネクタ 69">
+            <a:extLst>
+              <a:ext uri="{FF2B5EF4-FFF2-40B4-BE49-F238E27FC236}">
+                <a16:creationId xmlns:a16="http://schemas.microsoft.com/office/drawing/2014/main" id="{9BEC4DA4-D661-4F0B-87B8-06549A413407}"/>
+              </a:ext>
+            </a:extLst>
+          </p:cNvPr>
+          <p:cNvCxnSpPr>
+            <a:cxnSpLocks/>
+          </p:cNvCxnSpPr>
+          <p:nvPr/>
+        </p:nvCxnSpPr>
+        <p:spPr>
+          <a:xfrm flipV="1">
+            <a:off x="4479324" y="4395306"/>
+            <a:ext cx="0" cy="1244470"/>
+          </a:xfrm>
+          <a:prstGeom prst="straightConnector1">
+            <a:avLst/>
+          </a:prstGeom>
+          <a:ln w="38100">
+            <a:solidFill>
+              <a:srgbClr val="FFC000"/>
+            </a:solidFill>
+            <a:tailEnd type="triangle"/>
+          </a:ln>
+        </p:spPr>
+        <p:style>
+          <a:lnRef idx="1">
+            <a:schemeClr val="accent1"/>
+          </a:lnRef>
+          <a:fillRef idx="0">
+            <a:schemeClr val="accent1"/>
+          </a:fillRef>
+          <a:effectRef idx="0">
+            <a:schemeClr val="accent1"/>
+          </a:effectRef>
+          <a:fontRef idx="minor">
+            <a:schemeClr val="tx1"/>
+          </a:fontRef>
+        </p:style>
+      </p:cxnSp>
+      <p:cxnSp>
+        <p:nvCxnSpPr>
+          <p:cNvPr id="72" name="直線矢印コネクタ 71">
+            <a:extLst>
+              <a:ext uri="{FF2B5EF4-FFF2-40B4-BE49-F238E27FC236}">
+                <a16:creationId xmlns:a16="http://schemas.microsoft.com/office/drawing/2014/main" id="{CDC1E55D-C73E-4A4F-96C5-7C9AF35137EC}"/>
+              </a:ext>
+            </a:extLst>
+          </p:cNvPr>
+          <p:cNvCxnSpPr>
+            <a:cxnSpLocks/>
+            <a:stCxn id="10" idx="1"/>
+          </p:cNvCxnSpPr>
+          <p:nvPr/>
+        </p:nvCxnSpPr>
+        <p:spPr>
+          <a:xfrm flipH="1" flipV="1">
+            <a:off x="2265971" y="5318200"/>
+            <a:ext cx="1983920" cy="637114"/>
+          </a:xfrm>
+          <a:prstGeom prst="straightConnector1">
+            <a:avLst/>
+          </a:prstGeom>
+          <a:ln w="38100">
+            <a:solidFill>
+              <a:srgbClr val="FFC000"/>
+            </a:solidFill>
+            <a:tailEnd type="triangle"/>
+          </a:ln>
+        </p:spPr>
+        <p:style>
+          <a:lnRef idx="1">
+            <a:schemeClr val="accent1"/>
+          </a:lnRef>
+          <a:fillRef idx="0">
+            <a:schemeClr val="accent1"/>
+          </a:fillRef>
+          <a:effectRef idx="0">
+            <a:schemeClr val="accent1"/>
+          </a:effectRef>
+          <a:fontRef idx="minor">
+            <a:schemeClr val="tx1"/>
+          </a:fontRef>
+        </p:style>
+      </p:cxnSp>
+      <p:sp>
+        <p:nvSpPr>
+          <p:cNvPr id="74" name="テキスト ボックス 73">
+            <a:extLst>
+              <a:ext uri="{FF2B5EF4-FFF2-40B4-BE49-F238E27FC236}">
+                <a16:creationId xmlns:a16="http://schemas.microsoft.com/office/drawing/2014/main" id="{920F6C34-2AD3-489B-99BC-8607F031AB1D}"/>
+              </a:ext>
+            </a:extLst>
+          </p:cNvPr>
+          <p:cNvSpPr txBox="1"/>
+          <p:nvPr/>
+        </p:nvSpPr>
+        <p:spPr>
+          <a:xfrm>
+            <a:off x="4060439" y="4864162"/>
+            <a:ext cx="428322" cy="276999"/>
+          </a:xfrm>
+          <a:prstGeom prst="rect">
+            <a:avLst/>
+          </a:prstGeom>
+          <a:noFill/>
+        </p:spPr>
+        <p:txBody>
+          <a:bodyPr wrap="none" rtlCol="0">
+            <a:spAutoFit/>
+          </a:bodyPr>
+          <a:lstStyle/>
+          <a:p>
+            <a:pPr marL="0" marR="0" lvl="0" indent="0" algn="l" defTabSz="914400" rtl="0" eaLnBrk="1" fontAlgn="auto" latinLnBrk="0" hangingPunct="1">
+              <a:lnSpc>
+                <a:spcPct val="100000"/>
+              </a:lnSpc>
+              <a:spcBef>
+                <a:spcPts val="0"/>
+              </a:spcBef>
+              <a:spcAft>
+                <a:spcPts val="0"/>
+              </a:spcAft>
+              <a:buClrTx/>
+              <a:buSzTx/>
+              <a:buFontTx/>
+              <a:buNone/>
+              <a:tabLst/>
+              <a:defRPr/>
+            </a:pPr>
+            <a:r>
+              <a:rPr kumimoji="1" lang="en-US" altLang="ja-JP" sz="1200" b="0" i="0" u="none" strike="noStrike" kern="1200" cap="none" spc="0" normalizeH="0" baseline="0" noProof="0" dirty="0">
+                <a:ln>
+                  <a:noFill/>
+                </a:ln>
+                <a:solidFill>
+                  <a:prstClr val="black"/>
+                </a:solidFill>
+                <a:effectLst/>
+                <a:uLnTx/>
+                <a:uFillTx/>
+                <a:latin typeface="Calibri"/>
+                <a:ea typeface="ＭＳ Ｐゴシック" panose="020B0600070205080204" pitchFamily="50" charset="-128"/>
+                <a:cs typeface="+mn-cs"/>
+              </a:rPr>
+              <a:t>OSS</a:t>
+            </a:r>
+            <a:endParaRPr kumimoji="1" lang="ja-JP" altLang="en-US" sz="1200" b="0" i="0" u="none" strike="noStrike" kern="1200" cap="none" spc="0" normalizeH="0" baseline="0" noProof="0" dirty="0">
+              <a:ln>
+                <a:noFill/>
+              </a:ln>
+              <a:solidFill>
+                <a:prstClr val="black"/>
+              </a:solidFill>
+              <a:effectLst/>
+              <a:uLnTx/>
+              <a:uFillTx/>
+              <a:latin typeface="Calibri"/>
+              <a:ea typeface="ＭＳ Ｐゴシック" panose="020B0600070205080204" pitchFamily="50" charset="-128"/>
+              <a:cs typeface="+mn-cs"/>
+            </a:endParaRPr>
+          </a:p>
+        </p:txBody>
+      </p:sp>
+      <p:sp>
+        <p:nvSpPr>
+          <p:cNvPr id="75" name="テキスト ボックス 74">
+            <a:extLst>
+              <a:ext uri="{FF2B5EF4-FFF2-40B4-BE49-F238E27FC236}">
+                <a16:creationId xmlns:a16="http://schemas.microsoft.com/office/drawing/2014/main" id="{F99D00E4-8CFB-45C1-831D-1D16F50C6085}"/>
+              </a:ext>
+            </a:extLst>
+          </p:cNvPr>
+          <p:cNvSpPr txBox="1"/>
+          <p:nvPr/>
+        </p:nvSpPr>
+        <p:spPr>
+          <a:xfrm>
+            <a:off x="2604456" y="5571471"/>
+            <a:ext cx="428322" cy="276999"/>
+          </a:xfrm>
+          <a:prstGeom prst="rect">
+            <a:avLst/>
+          </a:prstGeom>
+          <a:noFill/>
+        </p:spPr>
+        <p:txBody>
+          <a:bodyPr wrap="none" rtlCol="0">
+            <a:spAutoFit/>
+          </a:bodyPr>
+          <a:lstStyle/>
+          <a:p>
+            <a:pPr marL="0" marR="0" lvl="0" indent="0" algn="l" defTabSz="914400" rtl="0" eaLnBrk="1" fontAlgn="auto" latinLnBrk="0" hangingPunct="1">
+              <a:lnSpc>
+                <a:spcPct val="100000"/>
+              </a:lnSpc>
+              <a:spcBef>
+                <a:spcPts val="0"/>
+              </a:spcBef>
+              <a:spcAft>
+                <a:spcPts val="0"/>
+              </a:spcAft>
+              <a:buClrTx/>
+              <a:buSzTx/>
+              <a:buFontTx/>
+              <a:buNone/>
+              <a:tabLst/>
+              <a:defRPr/>
+            </a:pPr>
+            <a:r>
+              <a:rPr kumimoji="1" lang="en-US" altLang="ja-JP" sz="1200" b="0" i="0" u="none" strike="noStrike" kern="1200" cap="none" spc="0" normalizeH="0" baseline="0" noProof="0" dirty="0">
+                <a:ln>
+                  <a:noFill/>
+                </a:ln>
+                <a:solidFill>
+                  <a:prstClr val="black"/>
+                </a:solidFill>
+                <a:effectLst/>
+                <a:uLnTx/>
+                <a:uFillTx/>
+                <a:latin typeface="Calibri"/>
+                <a:ea typeface="ＭＳ Ｐゴシック" panose="020B0600070205080204" pitchFamily="50" charset="-128"/>
+                <a:cs typeface="+mn-cs"/>
+              </a:rPr>
+              <a:t>OSS</a:t>
+            </a:r>
+            <a:endParaRPr kumimoji="1" lang="ja-JP" altLang="en-US" sz="1200" b="0" i="0" u="none" strike="noStrike" kern="1200" cap="none" spc="0" normalizeH="0" baseline="0" noProof="0" dirty="0">
+              <a:ln>
+                <a:noFill/>
+              </a:ln>
+              <a:solidFill>
+                <a:prstClr val="black"/>
+              </a:solidFill>
+              <a:effectLst/>
+              <a:uLnTx/>
+              <a:uFillTx/>
+              <a:latin typeface="Calibri"/>
+              <a:ea typeface="ＭＳ Ｐゴシック" panose="020B0600070205080204" pitchFamily="50" charset="-128"/>
+              <a:cs typeface="+mn-cs"/>
+            </a:endParaRPr>
+          </a:p>
+        </p:txBody>
+      </p:sp>
+      <p:cxnSp>
+        <p:nvCxnSpPr>
+          <p:cNvPr id="76" name="直線矢印コネクタ 75">
+            <a:extLst>
+              <a:ext uri="{FF2B5EF4-FFF2-40B4-BE49-F238E27FC236}">
+                <a16:creationId xmlns:a16="http://schemas.microsoft.com/office/drawing/2014/main" id="{2CEF35C0-9E1C-4371-9C22-7BA0F357C050}"/>
+              </a:ext>
+            </a:extLst>
+          </p:cNvPr>
+          <p:cNvCxnSpPr>
+            <a:cxnSpLocks/>
+          </p:cNvCxnSpPr>
+          <p:nvPr/>
+        </p:nvCxnSpPr>
+        <p:spPr>
+          <a:xfrm flipH="1" flipV="1">
+            <a:off x="2244200" y="5013786"/>
+            <a:ext cx="2005691" cy="717171"/>
+          </a:xfrm>
+          <a:prstGeom prst="straightConnector1">
+            <a:avLst/>
+          </a:prstGeom>
+          <a:ln w="38100">
+            <a:solidFill>
+              <a:srgbClr val="FF0000"/>
+            </a:solidFill>
+            <a:tailEnd type="triangle"/>
+          </a:ln>
+        </p:spPr>
+        <p:style>
+          <a:lnRef idx="1">
+            <a:schemeClr val="accent1"/>
+          </a:lnRef>
+          <a:fillRef idx="0">
+            <a:schemeClr val="accent1"/>
+          </a:fillRef>
+          <a:effectRef idx="0">
+            <a:schemeClr val="accent1"/>
+          </a:effectRef>
+          <a:fontRef idx="minor">
+            <a:schemeClr val="tx1"/>
+          </a:fontRef>
+        </p:style>
+      </p:cxnSp>
+      <p:cxnSp>
+        <p:nvCxnSpPr>
+          <p:cNvPr id="78" name="直線矢印コネクタ 77">
+            <a:extLst>
+              <a:ext uri="{FF2B5EF4-FFF2-40B4-BE49-F238E27FC236}">
+                <a16:creationId xmlns:a16="http://schemas.microsoft.com/office/drawing/2014/main" id="{20935DA2-217A-4D28-A9B8-85956B32C101}"/>
+              </a:ext>
+            </a:extLst>
+          </p:cNvPr>
+          <p:cNvCxnSpPr>
+            <a:cxnSpLocks/>
+          </p:cNvCxnSpPr>
+          <p:nvPr/>
+        </p:nvCxnSpPr>
+        <p:spPr>
+          <a:xfrm flipH="1" flipV="1">
+            <a:off x="4580528" y="4395306"/>
+            <a:ext cx="9515" cy="1252204"/>
+          </a:xfrm>
+          <a:prstGeom prst="straightConnector1">
+            <a:avLst/>
+          </a:prstGeom>
+          <a:ln w="38100">
+            <a:solidFill>
+              <a:srgbClr val="FF0000"/>
+            </a:solidFill>
+            <a:tailEnd type="triangle"/>
+          </a:ln>
+        </p:spPr>
+        <p:style>
+          <a:lnRef idx="1">
+            <a:schemeClr val="accent1"/>
+          </a:lnRef>
+          <a:fillRef idx="0">
+            <a:schemeClr val="accent1"/>
+          </a:fillRef>
+          <a:effectRef idx="0">
+            <a:schemeClr val="accent1"/>
+          </a:effectRef>
+          <a:fontRef idx="minor">
+            <a:schemeClr val="tx1"/>
+          </a:fontRef>
+        </p:style>
+      </p:cxnSp>
+      <p:sp>
+        <p:nvSpPr>
+          <p:cNvPr id="80" name="テキスト ボックス 79">
+            <a:extLst>
+              <a:ext uri="{FF2B5EF4-FFF2-40B4-BE49-F238E27FC236}">
+                <a16:creationId xmlns:a16="http://schemas.microsoft.com/office/drawing/2014/main" id="{DC5A38D0-4F7B-45AF-A261-CE6A47A36E02}"/>
+              </a:ext>
+            </a:extLst>
+          </p:cNvPr>
+          <p:cNvSpPr txBox="1"/>
+          <p:nvPr/>
+        </p:nvSpPr>
+        <p:spPr>
+          <a:xfrm>
+            <a:off x="4552903" y="4826614"/>
+            <a:ext cx="736099" cy="276999"/>
+          </a:xfrm>
+          <a:prstGeom prst="rect">
+            <a:avLst/>
+          </a:prstGeom>
+          <a:noFill/>
+        </p:spPr>
+        <p:txBody>
+          <a:bodyPr wrap="none" rtlCol="0">
+            <a:spAutoFit/>
+          </a:bodyPr>
+          <a:lstStyle/>
+          <a:p>
+            <a:pPr marL="0" marR="0" lvl="0" indent="0" algn="l" defTabSz="914400" rtl="0" eaLnBrk="1" fontAlgn="auto" latinLnBrk="0" hangingPunct="1">
+              <a:lnSpc>
+                <a:spcPct val="100000"/>
+              </a:lnSpc>
+              <a:spcBef>
+                <a:spcPts val="0"/>
+              </a:spcBef>
+              <a:spcAft>
+                <a:spcPts val="0"/>
+              </a:spcAft>
+              <a:buClrTx/>
+              <a:buSzTx/>
+              <a:buFontTx/>
+              <a:buNone/>
+              <a:tabLst/>
+              <a:defRPr/>
+            </a:pPr>
+            <a:r>
+              <a:rPr kumimoji="1" lang="en-US" altLang="ja-JP" sz="1200" b="0" i="0" u="none" strike="noStrike" kern="1200" cap="none" spc="0" normalizeH="0" baseline="0" noProof="0" dirty="0">
+                <a:ln>
+                  <a:noFill/>
+                </a:ln>
+                <a:solidFill>
+                  <a:prstClr val="black"/>
+                </a:solidFill>
+                <a:effectLst/>
+                <a:uLnTx/>
+                <a:uFillTx/>
+                <a:latin typeface="Calibri"/>
+                <a:ea typeface="ＭＳ Ｐゴシック" panose="020B0600070205080204" pitchFamily="50" charset="-128"/>
+                <a:cs typeface="+mn-cs"/>
+              </a:rPr>
+              <a:t>OSS</a:t>
+            </a:r>
+            <a:r>
+              <a:rPr kumimoji="1" lang="ja-JP" altLang="en-US" sz="1200" b="0" i="0" u="none" strike="noStrike" kern="1200" cap="none" spc="0" normalizeH="0" baseline="0" noProof="0" dirty="0">
+                <a:ln>
+                  <a:noFill/>
+                </a:ln>
+                <a:solidFill>
+                  <a:prstClr val="black"/>
+                </a:solidFill>
+                <a:effectLst/>
+                <a:uLnTx/>
+                <a:uFillTx/>
+                <a:latin typeface="Calibri"/>
+                <a:ea typeface="ＭＳ Ｐゴシック" panose="020B0600070205080204" pitchFamily="50" charset="-128"/>
+                <a:cs typeface="+mn-cs"/>
+              </a:rPr>
+              <a:t>情報</a:t>
+            </a:r>
+          </a:p>
+        </p:txBody>
+      </p:sp>
+      <p:sp>
+        <p:nvSpPr>
+          <p:cNvPr id="81" name="テキスト ボックス 80">
+            <a:extLst>
+              <a:ext uri="{FF2B5EF4-FFF2-40B4-BE49-F238E27FC236}">
+                <a16:creationId xmlns:a16="http://schemas.microsoft.com/office/drawing/2014/main" id="{0ED29373-205A-40FE-BB9B-F803B32095BB}"/>
+              </a:ext>
+            </a:extLst>
+          </p:cNvPr>
+          <p:cNvSpPr txBox="1"/>
+          <p:nvPr/>
+        </p:nvSpPr>
+        <p:spPr>
+          <a:xfrm>
+            <a:off x="2954830" y="5075280"/>
+            <a:ext cx="736099" cy="276999"/>
+          </a:xfrm>
+          <a:prstGeom prst="rect">
+            <a:avLst/>
+          </a:prstGeom>
+          <a:noFill/>
+        </p:spPr>
+        <p:txBody>
+          <a:bodyPr wrap="none" rtlCol="0">
+            <a:spAutoFit/>
+          </a:bodyPr>
+          <a:lstStyle/>
+          <a:p>
+            <a:pPr marL="0" marR="0" lvl="0" indent="0" algn="l" defTabSz="914400" rtl="0" eaLnBrk="1" fontAlgn="auto" latinLnBrk="0" hangingPunct="1">
+              <a:lnSpc>
+                <a:spcPct val="100000"/>
+              </a:lnSpc>
+              <a:spcBef>
+                <a:spcPts val="0"/>
+              </a:spcBef>
+              <a:spcAft>
+                <a:spcPts val="0"/>
+              </a:spcAft>
+              <a:buClrTx/>
+              <a:buSzTx/>
+              <a:buFontTx/>
+              <a:buNone/>
+              <a:tabLst/>
+              <a:defRPr/>
+            </a:pPr>
+            <a:r>
+              <a:rPr kumimoji="1" lang="en-US" altLang="ja-JP" sz="1200" b="0" i="0" u="none" strike="noStrike" kern="1200" cap="none" spc="0" normalizeH="0" baseline="0" noProof="0" dirty="0">
+                <a:ln>
+                  <a:noFill/>
+                </a:ln>
+                <a:solidFill>
+                  <a:prstClr val="black"/>
+                </a:solidFill>
+                <a:effectLst/>
+                <a:uLnTx/>
+                <a:uFillTx/>
+                <a:latin typeface="Calibri"/>
+                <a:ea typeface="ＭＳ Ｐゴシック" panose="020B0600070205080204" pitchFamily="50" charset="-128"/>
+                <a:cs typeface="+mn-cs"/>
+              </a:rPr>
+              <a:t>OSS</a:t>
+            </a:r>
+            <a:r>
+              <a:rPr kumimoji="1" lang="ja-JP" altLang="en-US" sz="1200" b="0" i="0" u="none" strike="noStrike" kern="1200" cap="none" spc="0" normalizeH="0" baseline="0" noProof="0" dirty="0">
+                <a:ln>
+                  <a:noFill/>
+                </a:ln>
+                <a:solidFill>
+                  <a:prstClr val="black"/>
+                </a:solidFill>
+                <a:effectLst/>
+                <a:uLnTx/>
+                <a:uFillTx/>
+                <a:latin typeface="Calibri"/>
+                <a:ea typeface="ＭＳ Ｐゴシック" panose="020B0600070205080204" pitchFamily="50" charset="-128"/>
+                <a:cs typeface="+mn-cs"/>
+              </a:rPr>
+              <a:t>情報</a:t>
+            </a:r>
+          </a:p>
+        </p:txBody>
+      </p:sp>
+      <p:sp>
+        <p:nvSpPr>
+          <p:cNvPr id="55" name="四角形: 角を丸くする 54">
+            <a:extLst>
+              <a:ext uri="{FF2B5EF4-FFF2-40B4-BE49-F238E27FC236}">
+                <a16:creationId xmlns:a16="http://schemas.microsoft.com/office/drawing/2014/main" id="{C41AF5F0-D940-43D9-BF35-BA72A71DA105}"/>
+              </a:ext>
+            </a:extLst>
+          </p:cNvPr>
+          <p:cNvSpPr/>
+          <p:nvPr/>
+        </p:nvSpPr>
+        <p:spPr>
+          <a:xfrm>
+            <a:off x="7044270" y="2548346"/>
+            <a:ext cx="739140" cy="1809305"/>
+          </a:xfrm>
+          <a:prstGeom prst="roundRect">
+            <a:avLst/>
+          </a:prstGeom>
+          <a:solidFill>
+            <a:srgbClr val="FFC000"/>
+          </a:solidFill>
+          <a:ln>
+            <a:noFill/>
+          </a:ln>
+        </p:spPr>
+        <p:style>
+          <a:lnRef idx="2">
+            <a:schemeClr val="accent1">
+              <a:shade val="50000"/>
+            </a:schemeClr>
+          </a:lnRef>
+          <a:fillRef idx="1">
+            <a:schemeClr val="accent1"/>
+          </a:fillRef>
+          <a:effectRef idx="0">
+            <a:schemeClr val="accent1"/>
+          </a:effectRef>
+          <a:fontRef idx="minor">
+            <a:schemeClr val="lt1"/>
+          </a:fontRef>
+        </p:style>
+        <p:txBody>
+          <a:bodyPr rtlCol="0" anchor="ctr"/>
+          <a:lstStyle/>
+          <a:p>
+            <a:pPr marL="0" marR="0" lvl="0" indent="0" algn="ctr" defTabSz="914400" rtl="0" eaLnBrk="1" fontAlgn="auto" latinLnBrk="0" hangingPunct="1">
+              <a:lnSpc>
+                <a:spcPct val="100000"/>
+              </a:lnSpc>
+              <a:spcBef>
+                <a:spcPts val="0"/>
+              </a:spcBef>
+              <a:spcAft>
+                <a:spcPts val="0"/>
+              </a:spcAft>
+              <a:buClrTx/>
+              <a:buSzTx/>
+              <a:buFontTx/>
+              <a:buNone/>
+              <a:tabLst/>
+              <a:defRPr/>
+            </a:pPr>
+            <a:r>
+              <a:rPr kumimoji="1" lang="ja-JP" altLang="en-US" sz="1200" b="0" i="0" u="none" strike="noStrike" kern="1200" cap="none" spc="0" normalizeH="0" baseline="0" noProof="0" dirty="0">
+                <a:ln>
+                  <a:noFill/>
+                </a:ln>
+                <a:solidFill>
+                  <a:prstClr val="black"/>
+                </a:solidFill>
+                <a:effectLst/>
+                <a:uLnTx/>
+                <a:uFillTx/>
+                <a:latin typeface="Calibri"/>
+                <a:ea typeface="ＭＳ Ｐゴシック" panose="020B0600070205080204" pitchFamily="50" charset="-128"/>
+                <a:cs typeface="+mn-cs"/>
+              </a:rPr>
+              <a:t>ソフトリリース</a:t>
+            </a:r>
+            <a:endParaRPr kumimoji="1" lang="ja-JP" altLang="en-US" sz="1400" b="0" i="0" u="none" strike="noStrike" kern="1200" cap="none" spc="0" normalizeH="0" baseline="0" noProof="0" dirty="0">
+              <a:ln>
+                <a:noFill/>
+              </a:ln>
+              <a:solidFill>
+                <a:prstClr val="black"/>
+              </a:solidFill>
+              <a:effectLst/>
+              <a:uLnTx/>
+              <a:uFillTx/>
+              <a:latin typeface="Calibri"/>
+              <a:ea typeface="ＭＳ Ｐゴシック" panose="020B0600070205080204" pitchFamily="50" charset="-128"/>
+              <a:cs typeface="+mn-cs"/>
+            </a:endParaRPr>
+          </a:p>
+        </p:txBody>
+      </p:sp>
+      <p:sp>
+        <p:nvSpPr>
+          <p:cNvPr id="59" name="四角形: 角を丸くする 58">
+            <a:extLst>
+              <a:ext uri="{FF2B5EF4-FFF2-40B4-BE49-F238E27FC236}">
+                <a16:creationId xmlns:a16="http://schemas.microsoft.com/office/drawing/2014/main" id="{3DF67839-8CC9-444C-BA63-6CC611AFACAA}"/>
+              </a:ext>
+            </a:extLst>
+          </p:cNvPr>
+          <p:cNvSpPr/>
+          <p:nvPr/>
+        </p:nvSpPr>
+        <p:spPr>
+          <a:xfrm>
+            <a:off x="4836153" y="1537695"/>
+            <a:ext cx="739140" cy="372291"/>
+          </a:xfrm>
+          <a:prstGeom prst="roundRect">
+            <a:avLst>
+              <a:gd name="adj" fmla="val 16667"/>
+            </a:avLst>
+          </a:prstGeom>
+          <a:solidFill>
+            <a:srgbClr val="FFC000"/>
+          </a:solidFill>
+          <a:ln>
+            <a:noFill/>
+          </a:ln>
+        </p:spPr>
+        <p:style>
+          <a:lnRef idx="2">
+            <a:schemeClr val="accent1">
+              <a:shade val="50000"/>
+            </a:schemeClr>
+          </a:lnRef>
+          <a:fillRef idx="1">
+            <a:schemeClr val="accent1"/>
+          </a:fillRef>
+          <a:effectRef idx="0">
+            <a:schemeClr val="accent1"/>
+          </a:effectRef>
+          <a:fontRef idx="minor">
+            <a:schemeClr val="lt1"/>
+          </a:fontRef>
+        </p:style>
+        <p:txBody>
+          <a:bodyPr rtlCol="0" anchor="ctr"/>
+          <a:lstStyle/>
+          <a:p>
+            <a:pPr marL="0" marR="0" lvl="0" indent="0" algn="ctr" defTabSz="914400" rtl="0" eaLnBrk="1" fontAlgn="auto" latinLnBrk="0" hangingPunct="1">
+              <a:lnSpc>
+                <a:spcPct val="100000"/>
+              </a:lnSpc>
+              <a:spcBef>
+                <a:spcPts val="0"/>
+              </a:spcBef>
+              <a:spcAft>
+                <a:spcPts val="0"/>
+              </a:spcAft>
+              <a:buClrTx/>
+              <a:buSzTx/>
+              <a:buFontTx/>
+              <a:buNone/>
+              <a:tabLst/>
+              <a:defRPr/>
+            </a:pPr>
+            <a:r>
+              <a:rPr kumimoji="1" lang="en-US" altLang="ja-JP" sz="1600" b="0" i="0" u="none" strike="noStrike" kern="1200" cap="none" spc="0" normalizeH="0" baseline="0" noProof="0" dirty="0">
+                <a:ln>
+                  <a:noFill/>
+                </a:ln>
+                <a:solidFill>
+                  <a:prstClr val="black"/>
+                </a:solidFill>
+                <a:effectLst/>
+                <a:uLnTx/>
+                <a:uFillTx/>
+                <a:latin typeface="Calibri"/>
+                <a:ea typeface="ＭＳ Ｐゴシック" panose="020B0600070205080204" pitchFamily="50" charset="-128"/>
+                <a:cs typeface="+mn-cs"/>
+              </a:rPr>
+              <a:t>OSPO</a:t>
+            </a:r>
+            <a:endParaRPr kumimoji="1" lang="ja-JP" altLang="en-US" sz="1800" b="0" i="0" u="none" strike="noStrike" kern="1200" cap="none" spc="0" normalizeH="0" baseline="0" noProof="0" dirty="0">
+              <a:ln>
+                <a:noFill/>
+              </a:ln>
+              <a:solidFill>
+                <a:prstClr val="black"/>
+              </a:solidFill>
+              <a:effectLst/>
+              <a:uLnTx/>
+              <a:uFillTx/>
+              <a:latin typeface="Calibri"/>
+              <a:ea typeface="ＭＳ Ｐゴシック" panose="020B0600070205080204" pitchFamily="50" charset="-128"/>
+              <a:cs typeface="+mn-cs"/>
+            </a:endParaRPr>
+          </a:p>
+        </p:txBody>
+      </p:sp>
+      <p:sp>
+        <p:nvSpPr>
+          <p:cNvPr id="57" name="四角形: 角を丸くする 56">
+            <a:extLst>
+              <a:ext uri="{FF2B5EF4-FFF2-40B4-BE49-F238E27FC236}">
+                <a16:creationId xmlns:a16="http://schemas.microsoft.com/office/drawing/2014/main" id="{4D366C3B-1956-4221-AE18-48E731385CCC}"/>
+              </a:ext>
+            </a:extLst>
+          </p:cNvPr>
+          <p:cNvSpPr/>
+          <p:nvPr/>
+        </p:nvSpPr>
+        <p:spPr>
+          <a:xfrm>
+            <a:off x="4012164" y="3715151"/>
+            <a:ext cx="739140" cy="680155"/>
+          </a:xfrm>
+          <a:prstGeom prst="roundRect">
+            <a:avLst/>
+          </a:prstGeom>
+          <a:solidFill>
+            <a:srgbClr val="FFC000"/>
+          </a:solidFill>
+          <a:ln>
+            <a:noFill/>
+          </a:ln>
+        </p:spPr>
+        <p:style>
+          <a:lnRef idx="2">
+            <a:schemeClr val="accent1">
+              <a:shade val="50000"/>
+            </a:schemeClr>
+          </a:lnRef>
+          <a:fillRef idx="1">
+            <a:schemeClr val="accent1"/>
+          </a:fillRef>
+          <a:effectRef idx="0">
+            <a:schemeClr val="accent1"/>
+          </a:effectRef>
+          <a:fontRef idx="minor">
+            <a:schemeClr val="lt1"/>
+          </a:fontRef>
+        </p:style>
+        <p:txBody>
+          <a:bodyPr rtlCol="0" anchor="ctr"/>
+          <a:lstStyle/>
+          <a:p>
+            <a:pPr marL="0" marR="0" lvl="0" indent="0" algn="ctr" defTabSz="914400" rtl="0" eaLnBrk="1" fontAlgn="auto" latinLnBrk="0" hangingPunct="1">
+              <a:lnSpc>
+                <a:spcPct val="100000"/>
+              </a:lnSpc>
+              <a:spcBef>
+                <a:spcPts val="0"/>
+              </a:spcBef>
+              <a:spcAft>
+                <a:spcPts val="0"/>
+              </a:spcAft>
+              <a:buClrTx/>
+              <a:buSzTx/>
+              <a:buFontTx/>
+              <a:buNone/>
+              <a:tabLst/>
+              <a:defRPr/>
+            </a:pPr>
+            <a:r>
+              <a:rPr kumimoji="1" lang="en-US" altLang="ja-JP" sz="1400" b="0" i="0" u="none" strike="noStrike" kern="1200" cap="none" spc="0" normalizeH="0" baseline="0" noProof="0" dirty="0">
+                <a:ln>
+                  <a:noFill/>
+                </a:ln>
+                <a:solidFill>
+                  <a:prstClr val="black"/>
+                </a:solidFill>
+                <a:effectLst/>
+                <a:uLnTx/>
+                <a:uFillTx/>
+                <a:latin typeface="Calibri"/>
+                <a:ea typeface="ＭＳ Ｐゴシック" panose="020B0600070205080204" pitchFamily="50" charset="-128"/>
+                <a:cs typeface="+mn-cs"/>
+              </a:rPr>
+              <a:t>OSS</a:t>
+            </a:r>
+          </a:p>
+          <a:p>
+            <a:pPr marL="0" marR="0" lvl="0" indent="0" algn="ctr" defTabSz="914400" rtl="0" eaLnBrk="1" fontAlgn="auto" latinLnBrk="0" hangingPunct="1">
+              <a:lnSpc>
+                <a:spcPct val="100000"/>
+              </a:lnSpc>
+              <a:spcBef>
+                <a:spcPts val="0"/>
+              </a:spcBef>
+              <a:spcAft>
+                <a:spcPts val="0"/>
+              </a:spcAft>
+              <a:buClrTx/>
+              <a:buSzTx/>
+              <a:buFontTx/>
+              <a:buNone/>
+              <a:tabLst/>
+              <a:defRPr/>
+            </a:pPr>
+            <a:r>
+              <a:rPr kumimoji="1" lang="ja-JP" altLang="en-US" sz="1400" b="0" i="0" u="none" strike="noStrike" kern="1200" cap="none" spc="0" normalizeH="0" baseline="0" noProof="0" dirty="0">
+                <a:ln>
+                  <a:noFill/>
+                </a:ln>
+                <a:solidFill>
+                  <a:prstClr val="black"/>
+                </a:solidFill>
+                <a:effectLst/>
+                <a:uLnTx/>
+                <a:uFillTx/>
+                <a:latin typeface="Calibri"/>
+                <a:ea typeface="ＭＳ Ｐゴシック" panose="020B0600070205080204" pitchFamily="50" charset="-128"/>
+                <a:cs typeface="+mn-cs"/>
+              </a:rPr>
+              <a:t>受入</a:t>
+            </a:r>
+            <a:endParaRPr kumimoji="1" lang="ja-JP" altLang="en-US" sz="1600" b="0" i="0" u="none" strike="noStrike" kern="1200" cap="none" spc="0" normalizeH="0" baseline="0" noProof="0" dirty="0">
+              <a:ln>
+                <a:noFill/>
+              </a:ln>
+              <a:solidFill>
+                <a:prstClr val="black"/>
+              </a:solidFill>
+              <a:effectLst/>
+              <a:uLnTx/>
+              <a:uFillTx/>
+              <a:latin typeface="Calibri"/>
+              <a:ea typeface="ＭＳ Ｐゴシック" panose="020B0600070205080204" pitchFamily="50" charset="-128"/>
+              <a:cs typeface="+mn-cs"/>
+            </a:endParaRPr>
+          </a:p>
+        </p:txBody>
+      </p:sp>
+      <p:sp>
+        <p:nvSpPr>
+          <p:cNvPr id="63" name="四角形: 角を丸くする 62">
+            <a:extLst>
+              <a:ext uri="{FF2B5EF4-FFF2-40B4-BE49-F238E27FC236}">
+                <a16:creationId xmlns:a16="http://schemas.microsoft.com/office/drawing/2014/main" id="{C95BED48-E9D4-44D9-AC87-F6218A469675}"/>
+              </a:ext>
+            </a:extLst>
+          </p:cNvPr>
+          <p:cNvSpPr/>
+          <p:nvPr/>
+        </p:nvSpPr>
+        <p:spPr>
+          <a:xfrm>
+            <a:off x="4018915" y="2010240"/>
+            <a:ext cx="739140" cy="372291"/>
+          </a:xfrm>
+          <a:prstGeom prst="roundRect">
+            <a:avLst/>
+          </a:prstGeom>
+          <a:solidFill>
+            <a:srgbClr val="FFC000"/>
+          </a:solidFill>
+          <a:ln>
+            <a:noFill/>
+          </a:ln>
+        </p:spPr>
+        <p:style>
+          <a:lnRef idx="2">
+            <a:schemeClr val="accent1">
+              <a:shade val="50000"/>
+            </a:schemeClr>
+          </a:lnRef>
+          <a:fillRef idx="1">
+            <a:schemeClr val="accent1"/>
+          </a:fillRef>
+          <a:effectRef idx="0">
+            <a:schemeClr val="accent1"/>
+          </a:effectRef>
+          <a:fontRef idx="minor">
+            <a:schemeClr val="lt1"/>
+          </a:fontRef>
+        </p:style>
+        <p:txBody>
+          <a:bodyPr rtlCol="0" anchor="ctr"/>
+          <a:lstStyle/>
+          <a:p>
+            <a:pPr marL="0" marR="0" lvl="0" indent="0" algn="ctr" defTabSz="914400" rtl="0" eaLnBrk="1" fontAlgn="auto" latinLnBrk="0" hangingPunct="1">
+              <a:lnSpc>
+                <a:spcPct val="100000"/>
+              </a:lnSpc>
+              <a:spcBef>
+                <a:spcPts val="0"/>
+              </a:spcBef>
+              <a:spcAft>
+                <a:spcPts val="0"/>
+              </a:spcAft>
+              <a:buClrTx/>
+              <a:buSzTx/>
+              <a:buFontTx/>
+              <a:buNone/>
+              <a:tabLst/>
+              <a:defRPr/>
+            </a:pPr>
+            <a:r>
+              <a:rPr kumimoji="1" lang="en-US" altLang="ja-JP" sz="1200" b="0" i="0" u="none" strike="noStrike" kern="1200" cap="none" spc="0" normalizeH="0" baseline="0" noProof="0" dirty="0">
+                <a:ln>
+                  <a:noFill/>
+                </a:ln>
+                <a:solidFill>
+                  <a:prstClr val="black"/>
+                </a:solidFill>
+                <a:effectLst/>
+                <a:uLnTx/>
+                <a:uFillTx/>
+                <a:latin typeface="Calibri"/>
+                <a:ea typeface="ＭＳ Ｐゴシック" panose="020B0600070205080204" pitchFamily="50" charset="-128"/>
+                <a:cs typeface="+mn-cs"/>
+              </a:rPr>
+              <a:t>OSSL</a:t>
+            </a:r>
+          </a:p>
+          <a:p>
+            <a:pPr marL="0" marR="0" lvl="0" indent="0" algn="ctr" defTabSz="914400" rtl="0" eaLnBrk="1" fontAlgn="auto" latinLnBrk="0" hangingPunct="1">
+              <a:lnSpc>
+                <a:spcPct val="100000"/>
+              </a:lnSpc>
+              <a:spcBef>
+                <a:spcPts val="0"/>
+              </a:spcBef>
+              <a:spcAft>
+                <a:spcPts val="0"/>
+              </a:spcAft>
+              <a:buClrTx/>
+              <a:buSzTx/>
+              <a:buFontTx/>
+              <a:buNone/>
+              <a:tabLst/>
+              <a:defRPr/>
+            </a:pPr>
+            <a:r>
+              <a:rPr kumimoji="1" lang="ja-JP" altLang="en-US" sz="1200" b="0" i="0" u="none" strike="noStrike" kern="1200" cap="none" spc="0" normalizeH="0" baseline="0" noProof="0" dirty="0">
+                <a:ln>
+                  <a:noFill/>
+                </a:ln>
+                <a:solidFill>
+                  <a:prstClr val="black"/>
+                </a:solidFill>
+                <a:effectLst/>
+                <a:uLnTx/>
+                <a:uFillTx/>
+                <a:latin typeface="Calibri"/>
+                <a:ea typeface="ＭＳ Ｐゴシック" panose="020B0600070205080204" pitchFamily="50" charset="-128"/>
+                <a:cs typeface="+mn-cs"/>
+              </a:rPr>
+              <a:t>担当</a:t>
+            </a:r>
+          </a:p>
+        </p:txBody>
+      </p:sp>
+      <p:sp>
+        <p:nvSpPr>
+          <p:cNvPr id="4" name="テキスト ボックス 3">
+            <a:extLst>
+              <a:ext uri="{FF2B5EF4-FFF2-40B4-BE49-F238E27FC236}">
+                <a16:creationId xmlns:a16="http://schemas.microsoft.com/office/drawing/2014/main" id="{1C997885-B924-425D-AEF3-927A05625CF6}"/>
+              </a:ext>
+            </a:extLst>
+          </p:cNvPr>
+          <p:cNvSpPr txBox="1"/>
+          <p:nvPr/>
+        </p:nvSpPr>
+        <p:spPr>
+          <a:xfrm>
+            <a:off x="268259" y="287160"/>
+            <a:ext cx="6842129" cy="923330"/>
+          </a:xfrm>
+          <a:prstGeom prst="rect">
+            <a:avLst/>
+          </a:prstGeom>
+          <a:noFill/>
+        </p:spPr>
+        <p:txBody>
+          <a:bodyPr wrap="none" rtlCol="0">
+            <a:spAutoFit/>
+          </a:bodyPr>
+          <a:lstStyle/>
+          <a:p>
+            <a:pPr marL="0" marR="0" lvl="0" indent="0" algn="l" defTabSz="914400" rtl="0" eaLnBrk="1" fontAlgn="auto" latinLnBrk="0" hangingPunct="1">
+              <a:lnSpc>
+                <a:spcPct val="100000"/>
+              </a:lnSpc>
+              <a:spcBef>
+                <a:spcPts val="0"/>
+              </a:spcBef>
+              <a:spcAft>
+                <a:spcPts val="0"/>
+              </a:spcAft>
+              <a:buClrTx/>
+              <a:buSzTx/>
+              <a:buFontTx/>
+              <a:buNone/>
+              <a:tabLst/>
+              <a:defRPr/>
+            </a:pPr>
+            <a:r>
+              <a:rPr kumimoji="1" lang="en-US" altLang="ja-JP" sz="1800" b="0" i="0" u="none" strike="noStrike" kern="1200" cap="none" spc="0" normalizeH="0" baseline="0" noProof="0" dirty="0">
+                <a:ln>
+                  <a:noFill/>
+                </a:ln>
+                <a:solidFill>
+                  <a:prstClr val="black"/>
+                </a:solidFill>
+                <a:effectLst/>
+                <a:uLnTx/>
+                <a:uFillTx/>
+                <a:latin typeface="Calibri"/>
+                <a:ea typeface="ＭＳ Ｐゴシック" panose="020B0600070205080204" pitchFamily="50" charset="-128"/>
+                <a:cs typeface="+mn-cs"/>
+              </a:rPr>
+              <a:t>10/24 </a:t>
+            </a:r>
+            <a:r>
+              <a:rPr kumimoji="1" lang="en-US" altLang="ja-JP" sz="1800" b="0" i="0" u="none" strike="noStrike" kern="1200" cap="none" spc="0" normalizeH="0" baseline="0" noProof="0" dirty="0" err="1">
+                <a:ln>
+                  <a:noFill/>
+                </a:ln>
+                <a:solidFill>
+                  <a:prstClr val="black"/>
+                </a:solidFill>
+                <a:effectLst/>
+                <a:uLnTx/>
+                <a:uFillTx/>
+                <a:latin typeface="Calibri"/>
+                <a:ea typeface="ＭＳ Ｐゴシック" panose="020B0600070205080204" pitchFamily="50" charset="-128"/>
+                <a:cs typeface="+mn-cs"/>
+              </a:rPr>
+              <a:t>OpenChain</a:t>
+            </a:r>
+            <a:r>
+              <a:rPr kumimoji="1" lang="ja-JP" altLang="en-US" sz="1800" b="0" i="0" u="none" strike="noStrike" kern="1200" cap="none" spc="0" normalizeH="0" baseline="0" noProof="0" dirty="0">
+                <a:ln>
+                  <a:noFill/>
+                </a:ln>
+                <a:solidFill>
+                  <a:prstClr val="black"/>
+                </a:solidFill>
+                <a:effectLst/>
+                <a:uLnTx/>
+                <a:uFillTx/>
+                <a:latin typeface="Calibri"/>
+                <a:ea typeface="ＭＳ Ｐゴシック" panose="020B0600070205080204" pitchFamily="50" charset="-128"/>
+                <a:cs typeface="+mn-cs"/>
+              </a:rPr>
+              <a:t> </a:t>
+            </a:r>
+            <a:r>
+              <a:rPr kumimoji="1" lang="en-US" altLang="ja-JP" sz="1800" b="0" i="0" u="none" strike="noStrike" kern="1200" cap="none" spc="0" normalizeH="0" baseline="0" noProof="0" dirty="0">
+                <a:ln>
+                  <a:noFill/>
+                </a:ln>
+                <a:solidFill>
+                  <a:prstClr val="black"/>
+                </a:solidFill>
+                <a:effectLst/>
+                <a:uLnTx/>
+                <a:uFillTx/>
+                <a:latin typeface="Calibri"/>
+                <a:ea typeface="ＭＳ Ｐゴシック" panose="020B0600070205080204" pitchFamily="50" charset="-128"/>
+                <a:cs typeface="+mn-cs"/>
+              </a:rPr>
+              <a:t>JWG</a:t>
+            </a:r>
+            <a:r>
+              <a:rPr kumimoji="1" lang="ja-JP" altLang="en-US" sz="1800" b="0" i="0" u="none" strike="noStrike" kern="1200" cap="none" spc="0" normalizeH="0" baseline="0" noProof="0" dirty="0">
+                <a:ln>
+                  <a:noFill/>
+                </a:ln>
+                <a:solidFill>
+                  <a:prstClr val="black"/>
+                </a:solidFill>
+                <a:effectLst/>
+                <a:uLnTx/>
+                <a:uFillTx/>
+                <a:latin typeface="Calibri"/>
+                <a:ea typeface="ＭＳ Ｐゴシック" panose="020B0600070205080204" pitchFamily="50" charset="-128"/>
+                <a:cs typeface="+mn-cs"/>
+              </a:rPr>
+              <a:t> </a:t>
+            </a:r>
+            <a:r>
+              <a:rPr kumimoji="1" lang="en-US" altLang="ja-JP" sz="1800" b="0" i="0" u="none" strike="noStrike" kern="1200" cap="none" spc="0" normalizeH="0" baseline="0" noProof="0" dirty="0">
+                <a:ln>
+                  <a:noFill/>
+                </a:ln>
+                <a:solidFill>
+                  <a:prstClr val="black"/>
+                </a:solidFill>
+                <a:effectLst/>
+                <a:uLnTx/>
+                <a:uFillTx/>
+                <a:latin typeface="Calibri"/>
+                <a:ea typeface="ＭＳ Ｐゴシック" panose="020B0600070205080204" pitchFamily="50" charset="-128"/>
+                <a:cs typeface="+mn-cs"/>
+              </a:rPr>
+              <a:t>Planning</a:t>
+            </a:r>
+            <a:r>
+              <a:rPr kumimoji="1" lang="ja-JP" altLang="en-US" sz="1800" b="0" i="0" u="none" strike="noStrike" kern="1200" cap="none" spc="0" normalizeH="0" baseline="0" noProof="0" dirty="0">
+                <a:ln>
+                  <a:noFill/>
+                </a:ln>
+                <a:solidFill>
+                  <a:prstClr val="black"/>
+                </a:solidFill>
+                <a:effectLst/>
+                <a:uLnTx/>
+                <a:uFillTx/>
+                <a:latin typeface="Calibri"/>
+                <a:ea typeface="ＭＳ Ｐゴシック" panose="020B0600070205080204" pitchFamily="50" charset="-128"/>
+                <a:cs typeface="+mn-cs"/>
+              </a:rPr>
+              <a:t> </a:t>
+            </a:r>
+            <a:r>
+              <a:rPr kumimoji="1" lang="en-US" altLang="ja-JP" sz="1800" b="0" i="0" u="none" strike="noStrike" kern="1200" cap="none" spc="0" normalizeH="0" baseline="0" noProof="0" dirty="0" err="1">
+                <a:ln>
+                  <a:noFill/>
+                </a:ln>
+                <a:solidFill>
+                  <a:prstClr val="black"/>
+                </a:solidFill>
+                <a:effectLst/>
+                <a:uLnTx/>
+                <a:uFillTx/>
+                <a:latin typeface="Calibri"/>
+                <a:ea typeface="ＭＳ Ｐゴシック" panose="020B0600070205080204" pitchFamily="50" charset="-128"/>
+                <a:cs typeface="+mn-cs"/>
+              </a:rPr>
+              <a:t>SubGroup</a:t>
+            </a:r>
+            <a:r>
+              <a:rPr kumimoji="1" lang="ja-JP" altLang="en-US" sz="1800" b="0" i="0" u="none" strike="noStrike" kern="1200" cap="none" spc="0" normalizeH="0" baseline="0" noProof="0" dirty="0">
+                <a:ln>
+                  <a:noFill/>
+                </a:ln>
+                <a:solidFill>
+                  <a:prstClr val="black"/>
+                </a:solidFill>
+                <a:effectLst/>
+                <a:uLnTx/>
+                <a:uFillTx/>
+                <a:latin typeface="Calibri"/>
+                <a:ea typeface="ＭＳ Ｐゴシック" panose="020B0600070205080204" pitchFamily="50" charset="-128"/>
+                <a:cs typeface="+mn-cs"/>
+              </a:rPr>
+              <a:t>ミーティング議論内容を反映</a:t>
+            </a:r>
+            <a:endParaRPr kumimoji="1" lang="en-US" altLang="ja-JP" sz="1800" b="0" i="0" u="none" strike="noStrike" kern="1200" cap="none" spc="0" normalizeH="0" baseline="0" noProof="0" dirty="0">
+              <a:ln>
+                <a:noFill/>
+              </a:ln>
+              <a:solidFill>
+                <a:prstClr val="black"/>
+              </a:solidFill>
+              <a:effectLst/>
+              <a:uLnTx/>
+              <a:uFillTx/>
+              <a:latin typeface="Calibri"/>
+              <a:ea typeface="ＭＳ Ｐゴシック" panose="020B0600070205080204" pitchFamily="50" charset="-128"/>
+              <a:cs typeface="+mn-cs"/>
+            </a:endParaRPr>
+          </a:p>
+          <a:p>
+            <a:pPr marL="0" marR="0" lvl="0" indent="0" algn="l" defTabSz="914400" rtl="0" eaLnBrk="1" fontAlgn="auto" latinLnBrk="0" hangingPunct="1">
+              <a:lnSpc>
+                <a:spcPct val="100000"/>
+              </a:lnSpc>
+              <a:spcBef>
+                <a:spcPts val="0"/>
+              </a:spcBef>
+              <a:spcAft>
+                <a:spcPts val="0"/>
+              </a:spcAft>
+              <a:buClrTx/>
+              <a:buSzTx/>
+              <a:buFontTx/>
+              <a:buNone/>
+              <a:tabLst/>
+              <a:defRPr/>
+            </a:pPr>
+            <a:r>
+              <a:rPr kumimoji="1" lang="ja-JP" altLang="en-US" sz="1800" b="0" i="0" u="none" strike="noStrike" kern="1200" cap="none" spc="0" normalizeH="0" baseline="0" noProof="0" dirty="0">
+                <a:ln>
+                  <a:noFill/>
+                </a:ln>
+                <a:solidFill>
+                  <a:prstClr val="black"/>
+                </a:solidFill>
+                <a:effectLst/>
+                <a:uLnTx/>
+                <a:uFillTx/>
+                <a:latin typeface="Calibri"/>
+                <a:ea typeface="ＭＳ Ｐゴシック" panose="020B0600070205080204" pitchFamily="50" charset="-128"/>
+                <a:cs typeface="+mn-cs"/>
+              </a:rPr>
+              <a:t>各機能説明追加</a:t>
+            </a:r>
+            <a:r>
+              <a:rPr kumimoji="1" lang="ja-JP" altLang="en-US" dirty="0">
+                <a:solidFill>
+                  <a:prstClr val="black"/>
+                </a:solidFill>
+                <a:latin typeface="Calibri"/>
+                <a:ea typeface="ＭＳ Ｐゴシック" panose="020B0600070205080204" pitchFamily="50" charset="-128"/>
+              </a:rPr>
+              <a:t>必要</a:t>
+            </a:r>
+            <a:endParaRPr kumimoji="1" lang="en-US" altLang="ja-JP" sz="1800" b="0" i="0" u="none" strike="noStrike" kern="1200" cap="none" spc="0" normalizeH="0" baseline="0" noProof="0" dirty="0">
+              <a:ln>
+                <a:noFill/>
+              </a:ln>
+              <a:solidFill>
+                <a:prstClr val="black"/>
+              </a:solidFill>
+              <a:effectLst/>
+              <a:uLnTx/>
+              <a:uFillTx/>
+              <a:latin typeface="Calibri"/>
+              <a:ea typeface="ＭＳ Ｐゴシック" panose="020B0600070205080204" pitchFamily="50" charset="-128"/>
+              <a:cs typeface="+mn-cs"/>
+            </a:endParaRPr>
+          </a:p>
+          <a:p>
+            <a:pPr marL="0" marR="0" lvl="0" indent="0" algn="l" defTabSz="914400" rtl="0" eaLnBrk="1" fontAlgn="auto" latinLnBrk="0" hangingPunct="1">
+              <a:lnSpc>
+                <a:spcPct val="100000"/>
+              </a:lnSpc>
+              <a:spcBef>
+                <a:spcPts val="0"/>
+              </a:spcBef>
+              <a:spcAft>
+                <a:spcPts val="0"/>
+              </a:spcAft>
+              <a:buClrTx/>
+              <a:buSzTx/>
+              <a:buFontTx/>
+              <a:buNone/>
+              <a:tabLst/>
+              <a:defRPr/>
+            </a:pPr>
+            <a:r>
+              <a:rPr kumimoji="1" lang="ja-JP" altLang="en-US" sz="1800" b="0" i="0" u="none" strike="noStrike" kern="1200" cap="none" spc="0" normalizeH="0" baseline="0" noProof="0">
+                <a:ln>
+                  <a:noFill/>
+                </a:ln>
+                <a:solidFill>
+                  <a:prstClr val="black"/>
+                </a:solidFill>
+                <a:effectLst/>
+                <a:uLnTx/>
+                <a:uFillTx/>
+                <a:latin typeface="Calibri"/>
+                <a:ea typeface="ＭＳ Ｐゴシック" panose="020B0600070205080204" pitchFamily="50" charset="-128"/>
+                <a:cs typeface="+mn-cs"/>
+              </a:rPr>
+              <a:t>英語訳必要</a:t>
+            </a:r>
+            <a:endParaRPr kumimoji="1" lang="ja-JP" altLang="en-US" sz="1800" b="0" i="0" u="none" strike="noStrike" kern="1200" cap="none" spc="0" normalizeH="0" baseline="0" noProof="0" dirty="0">
+              <a:ln>
+                <a:noFill/>
+              </a:ln>
+              <a:solidFill>
+                <a:prstClr val="black"/>
+              </a:solidFill>
+              <a:effectLst/>
+              <a:uLnTx/>
+              <a:uFillTx/>
+              <a:latin typeface="Calibri"/>
+              <a:ea typeface="ＭＳ Ｐゴシック" panose="020B0600070205080204" pitchFamily="50" charset="-128"/>
+              <a:cs typeface="+mn-cs"/>
+            </a:endParaRPr>
+          </a:p>
+        </p:txBody>
+      </p:sp>
+      <p:sp>
+        <p:nvSpPr>
+          <p:cNvPr id="65" name="四角形: 角を丸くする 64">
+            <a:extLst>
+              <a:ext uri="{FF2B5EF4-FFF2-40B4-BE49-F238E27FC236}">
+                <a16:creationId xmlns:a16="http://schemas.microsoft.com/office/drawing/2014/main" id="{8EB9B262-AFD4-4E7E-8236-F15BB3F0ED12}"/>
+              </a:ext>
+            </a:extLst>
+          </p:cNvPr>
+          <p:cNvSpPr/>
+          <p:nvPr/>
+        </p:nvSpPr>
+        <p:spPr>
+          <a:xfrm>
+            <a:off x="5655083" y="1999155"/>
+            <a:ext cx="739140" cy="372291"/>
+          </a:xfrm>
+          <a:prstGeom prst="roundRect">
+            <a:avLst/>
+          </a:prstGeom>
+          <a:solidFill>
+            <a:srgbClr val="FFC000"/>
+          </a:solidFill>
+          <a:ln>
+            <a:noFill/>
+          </a:ln>
+        </p:spPr>
+        <p:style>
+          <a:lnRef idx="2">
+            <a:schemeClr val="accent1">
+              <a:shade val="50000"/>
+            </a:schemeClr>
+          </a:lnRef>
+          <a:fillRef idx="1">
+            <a:schemeClr val="accent1"/>
+          </a:fillRef>
+          <a:effectRef idx="0">
+            <a:schemeClr val="accent1"/>
+          </a:effectRef>
+          <a:fontRef idx="minor">
+            <a:schemeClr val="lt1"/>
+          </a:fontRef>
+        </p:style>
+        <p:txBody>
+          <a:bodyPr rtlCol="0" anchor="ctr"/>
+          <a:lstStyle/>
+          <a:p>
+            <a:pPr marL="0" marR="0" lvl="0" indent="0" algn="ctr" defTabSz="914400" rtl="0" eaLnBrk="1" fontAlgn="auto" latinLnBrk="0" hangingPunct="1">
+              <a:lnSpc>
+                <a:spcPct val="100000"/>
+              </a:lnSpc>
+              <a:spcBef>
+                <a:spcPts val="0"/>
+              </a:spcBef>
+              <a:spcAft>
+                <a:spcPts val="0"/>
+              </a:spcAft>
+              <a:buClrTx/>
+              <a:buSzTx/>
+              <a:buFontTx/>
+              <a:buNone/>
+              <a:tabLst/>
+              <a:defRPr/>
+            </a:pPr>
+            <a:r>
+              <a:rPr kumimoji="1" lang="ja-JP" altLang="en-US" sz="1400" b="0" i="0" u="none" strike="noStrike" kern="1200" cap="none" spc="0" normalizeH="0" baseline="0" noProof="0" dirty="0">
+                <a:ln>
+                  <a:noFill/>
+                </a:ln>
+                <a:solidFill>
+                  <a:prstClr val="black"/>
+                </a:solidFill>
+                <a:effectLst/>
+                <a:uLnTx/>
+                <a:uFillTx/>
+                <a:latin typeface="Calibri"/>
+                <a:ea typeface="ＭＳ Ｐゴシック" panose="020B0600070205080204" pitchFamily="50" charset="-128"/>
+                <a:cs typeface="+mn-cs"/>
+              </a:rPr>
+              <a:t>マネジメント</a:t>
+            </a:r>
+          </a:p>
+        </p:txBody>
+      </p:sp>
+      <p:sp>
+        <p:nvSpPr>
+          <p:cNvPr id="67" name="四角形: 角を丸くする 66">
+            <a:extLst>
+              <a:ext uri="{FF2B5EF4-FFF2-40B4-BE49-F238E27FC236}">
+                <a16:creationId xmlns:a16="http://schemas.microsoft.com/office/drawing/2014/main" id="{7EA2D299-01F6-4EE7-80C7-ACB576CF76B1}"/>
+              </a:ext>
+            </a:extLst>
+          </p:cNvPr>
+          <p:cNvSpPr/>
+          <p:nvPr/>
+        </p:nvSpPr>
+        <p:spPr>
+          <a:xfrm>
+            <a:off x="4997132" y="5302997"/>
+            <a:ext cx="739140" cy="372291"/>
+          </a:xfrm>
+          <a:prstGeom prst="roundRect">
+            <a:avLst/>
+          </a:prstGeom>
+          <a:solidFill>
+            <a:srgbClr val="FFC000"/>
+          </a:solidFill>
+          <a:ln>
+            <a:noFill/>
+          </a:ln>
+        </p:spPr>
+        <p:style>
+          <a:lnRef idx="2">
+            <a:schemeClr val="accent1">
+              <a:shade val="50000"/>
+            </a:schemeClr>
+          </a:lnRef>
+          <a:fillRef idx="1">
+            <a:schemeClr val="accent1"/>
+          </a:fillRef>
+          <a:effectRef idx="0">
+            <a:schemeClr val="accent1"/>
+          </a:effectRef>
+          <a:fontRef idx="minor">
+            <a:schemeClr val="lt1"/>
+          </a:fontRef>
+        </p:style>
+        <p:txBody>
+          <a:bodyPr rtlCol="0" anchor="ctr"/>
+          <a:lstStyle/>
+          <a:p>
+            <a:pPr marL="0" marR="0" lvl="0" indent="0" algn="ctr" defTabSz="914400" rtl="0" eaLnBrk="1" fontAlgn="auto" latinLnBrk="0" hangingPunct="1">
+              <a:lnSpc>
+                <a:spcPct val="100000"/>
+              </a:lnSpc>
+              <a:spcBef>
+                <a:spcPts val="0"/>
+              </a:spcBef>
+              <a:spcAft>
+                <a:spcPts val="0"/>
+              </a:spcAft>
+              <a:buClrTx/>
+              <a:buSzTx/>
+              <a:buFontTx/>
+              <a:buNone/>
+              <a:tabLst/>
+              <a:defRPr/>
+            </a:pPr>
+            <a:r>
+              <a:rPr kumimoji="1" lang="ja-JP" altLang="en-US" sz="1100" b="0" i="0" u="none" strike="noStrike" kern="1200" cap="none" spc="0" normalizeH="0" baseline="0" noProof="0" dirty="0">
+                <a:ln>
+                  <a:noFill/>
+                </a:ln>
+                <a:solidFill>
+                  <a:prstClr val="black"/>
+                </a:solidFill>
+                <a:effectLst/>
+                <a:uLnTx/>
+                <a:uFillTx/>
+                <a:latin typeface="Calibri"/>
+                <a:ea typeface="ＭＳ Ｐゴシック" panose="020B0600070205080204" pitchFamily="50" charset="-128"/>
+                <a:cs typeface="+mn-cs"/>
+              </a:rPr>
+              <a:t>コミュニティリエゾン</a:t>
+            </a:r>
+          </a:p>
+        </p:txBody>
+      </p:sp>
+      <p:sp>
+        <p:nvSpPr>
+          <p:cNvPr id="68" name="四角形: 角を丸くする 67">
+            <a:extLst>
+              <a:ext uri="{FF2B5EF4-FFF2-40B4-BE49-F238E27FC236}">
+                <a16:creationId xmlns:a16="http://schemas.microsoft.com/office/drawing/2014/main" id="{4DBA374D-4E39-4DCE-9553-510B87A65F96}"/>
+              </a:ext>
+            </a:extLst>
+          </p:cNvPr>
+          <p:cNvSpPr/>
+          <p:nvPr/>
+        </p:nvSpPr>
+        <p:spPr>
+          <a:xfrm>
+            <a:off x="6489915" y="2021716"/>
+            <a:ext cx="739140" cy="372291"/>
+          </a:xfrm>
+          <a:prstGeom prst="roundRect">
+            <a:avLst/>
+          </a:prstGeom>
+          <a:solidFill>
+            <a:srgbClr val="FFC000"/>
+          </a:solidFill>
+          <a:ln>
+            <a:noFill/>
+          </a:ln>
+        </p:spPr>
+        <p:style>
+          <a:lnRef idx="2">
+            <a:schemeClr val="accent1">
+              <a:shade val="50000"/>
+            </a:schemeClr>
+          </a:lnRef>
+          <a:fillRef idx="1">
+            <a:schemeClr val="accent1"/>
+          </a:fillRef>
+          <a:effectRef idx="0">
+            <a:schemeClr val="accent1"/>
+          </a:effectRef>
+          <a:fontRef idx="minor">
+            <a:schemeClr val="lt1"/>
+          </a:fontRef>
+        </p:style>
+        <p:txBody>
+          <a:bodyPr rtlCol="0" anchor="ctr"/>
+          <a:lstStyle/>
+          <a:p>
+            <a:pPr marL="0" marR="0" lvl="0" indent="0" algn="ctr" defTabSz="914400" rtl="0" eaLnBrk="1" fontAlgn="auto" latinLnBrk="0" hangingPunct="1">
+              <a:lnSpc>
+                <a:spcPct val="100000"/>
+              </a:lnSpc>
+              <a:spcBef>
+                <a:spcPts val="0"/>
+              </a:spcBef>
+              <a:spcAft>
+                <a:spcPts val="0"/>
+              </a:spcAft>
+              <a:buClrTx/>
+              <a:buSzTx/>
+              <a:buFontTx/>
+              <a:buNone/>
+              <a:tabLst/>
+              <a:defRPr/>
+            </a:pPr>
+            <a:r>
+              <a:rPr kumimoji="1" lang="ja-JP" altLang="en-US" sz="1400" b="0" i="0" u="none" strike="noStrike" kern="1200" cap="none" spc="0" normalizeH="0" baseline="0" noProof="0" dirty="0">
+                <a:ln>
+                  <a:noFill/>
+                </a:ln>
+                <a:solidFill>
+                  <a:prstClr val="black"/>
+                </a:solidFill>
+                <a:effectLst/>
+                <a:uLnTx/>
+                <a:uFillTx/>
+                <a:latin typeface="Calibri"/>
+                <a:ea typeface="ＭＳ Ｐゴシック" panose="020B0600070205080204" pitchFamily="50" charset="-128"/>
+                <a:cs typeface="+mn-cs"/>
+              </a:rPr>
+              <a:t>技術管理</a:t>
+            </a:r>
+          </a:p>
+        </p:txBody>
+      </p:sp>
+      <p:sp>
+        <p:nvSpPr>
+          <p:cNvPr id="69" name="四角形: 角を丸くする 68">
+            <a:extLst>
+              <a:ext uri="{FF2B5EF4-FFF2-40B4-BE49-F238E27FC236}">
+                <a16:creationId xmlns:a16="http://schemas.microsoft.com/office/drawing/2014/main" id="{66FD5A74-491E-4F0A-806B-3C2DCCB78CB2}"/>
+              </a:ext>
+            </a:extLst>
+          </p:cNvPr>
+          <p:cNvSpPr/>
+          <p:nvPr/>
+        </p:nvSpPr>
+        <p:spPr>
+          <a:xfrm>
+            <a:off x="7294537" y="1549946"/>
+            <a:ext cx="739140" cy="372291"/>
+          </a:xfrm>
+          <a:prstGeom prst="roundRect">
+            <a:avLst/>
+          </a:prstGeom>
+          <a:solidFill>
+            <a:srgbClr val="FFC000"/>
+          </a:solidFill>
+          <a:ln>
+            <a:noFill/>
+          </a:ln>
+        </p:spPr>
+        <p:style>
+          <a:lnRef idx="2">
+            <a:schemeClr val="accent1">
+              <a:shade val="50000"/>
+            </a:schemeClr>
+          </a:lnRef>
+          <a:fillRef idx="1">
+            <a:schemeClr val="accent1"/>
+          </a:fillRef>
+          <a:effectRef idx="0">
+            <a:schemeClr val="accent1"/>
+          </a:effectRef>
+          <a:fontRef idx="minor">
+            <a:schemeClr val="lt1"/>
+          </a:fontRef>
+        </p:style>
+        <p:txBody>
+          <a:bodyPr rtlCol="0" anchor="ctr"/>
+          <a:lstStyle/>
+          <a:p>
+            <a:pPr marL="0" marR="0" lvl="0" indent="0" algn="ctr" defTabSz="914400" rtl="0" eaLnBrk="1" fontAlgn="auto" latinLnBrk="0" hangingPunct="1">
+              <a:lnSpc>
+                <a:spcPct val="100000"/>
+              </a:lnSpc>
+              <a:spcBef>
+                <a:spcPts val="0"/>
+              </a:spcBef>
+              <a:spcAft>
+                <a:spcPts val="0"/>
+              </a:spcAft>
+              <a:buClrTx/>
+              <a:buSzTx/>
+              <a:buFontTx/>
+              <a:buNone/>
+              <a:tabLst/>
+              <a:defRPr/>
+            </a:pPr>
+            <a:r>
+              <a:rPr kumimoji="1" lang="ja-JP" altLang="en-US" sz="1400" b="0" i="0" u="none" strike="noStrike" kern="1200" cap="none" spc="0" normalizeH="0" baseline="0" noProof="0" dirty="0">
+                <a:ln>
+                  <a:noFill/>
+                </a:ln>
+                <a:solidFill>
+                  <a:prstClr val="black"/>
+                </a:solidFill>
+                <a:effectLst/>
+                <a:uLnTx/>
+                <a:uFillTx/>
+                <a:latin typeface="Calibri"/>
+                <a:ea typeface="ＭＳ Ｐゴシック" panose="020B0600070205080204" pitchFamily="50" charset="-128"/>
+                <a:cs typeface="+mn-cs"/>
+              </a:rPr>
+              <a:t>教育</a:t>
+            </a:r>
+          </a:p>
+        </p:txBody>
+      </p:sp>
+      <p:sp>
+        <p:nvSpPr>
+          <p:cNvPr id="71" name="四角形: 角を丸くする 70">
+            <a:extLst>
+              <a:ext uri="{FF2B5EF4-FFF2-40B4-BE49-F238E27FC236}">
+                <a16:creationId xmlns:a16="http://schemas.microsoft.com/office/drawing/2014/main" id="{CCF148FC-5627-4720-BAFA-4F7565168BB7}"/>
+              </a:ext>
+            </a:extLst>
+          </p:cNvPr>
+          <p:cNvSpPr/>
+          <p:nvPr/>
+        </p:nvSpPr>
+        <p:spPr>
+          <a:xfrm>
+            <a:off x="4060439" y="1028332"/>
+            <a:ext cx="739140" cy="372291"/>
+          </a:xfrm>
+          <a:prstGeom prst="roundRect">
+            <a:avLst/>
+          </a:prstGeom>
+          <a:solidFill>
+            <a:srgbClr val="FFC000"/>
+          </a:solidFill>
+          <a:ln>
+            <a:noFill/>
+          </a:ln>
+        </p:spPr>
+        <p:style>
+          <a:lnRef idx="2">
+            <a:schemeClr val="accent1">
+              <a:shade val="50000"/>
+            </a:schemeClr>
+          </a:lnRef>
+          <a:fillRef idx="1">
+            <a:schemeClr val="accent1"/>
+          </a:fillRef>
+          <a:effectRef idx="0">
+            <a:schemeClr val="accent1"/>
+          </a:effectRef>
+          <a:fontRef idx="minor">
+            <a:schemeClr val="lt1"/>
+          </a:fontRef>
+        </p:style>
+        <p:txBody>
+          <a:bodyPr rtlCol="0" anchor="ctr"/>
+          <a:lstStyle/>
+          <a:p>
+            <a:pPr marL="0" marR="0" lvl="0" indent="0" algn="ctr" defTabSz="914400" rtl="0" eaLnBrk="1" fontAlgn="auto" latinLnBrk="0" hangingPunct="1">
+              <a:lnSpc>
+                <a:spcPct val="100000"/>
+              </a:lnSpc>
+              <a:spcBef>
+                <a:spcPts val="0"/>
+              </a:spcBef>
+              <a:spcAft>
+                <a:spcPts val="0"/>
+              </a:spcAft>
+              <a:buClrTx/>
+              <a:buSzTx/>
+              <a:buFontTx/>
+              <a:buNone/>
+              <a:tabLst/>
+              <a:defRPr/>
+            </a:pPr>
+            <a:r>
+              <a:rPr kumimoji="1" lang="ja-JP" altLang="en-US" sz="1400" b="0" i="0" u="none" strike="noStrike" kern="1200" cap="none" spc="0" normalizeH="0" baseline="0" noProof="0" dirty="0">
+                <a:ln>
+                  <a:noFill/>
+                </a:ln>
+                <a:solidFill>
+                  <a:prstClr val="black"/>
+                </a:solidFill>
+                <a:effectLst/>
+                <a:uLnTx/>
+                <a:uFillTx/>
+                <a:latin typeface="Calibri"/>
+                <a:ea typeface="ＭＳ Ｐゴシック" panose="020B0600070205080204" pitchFamily="50" charset="-128"/>
+                <a:cs typeface="+mn-cs"/>
+              </a:rPr>
+              <a:t>設計環境</a:t>
+            </a:r>
+          </a:p>
+        </p:txBody>
+      </p:sp>
+      <p:sp>
+        <p:nvSpPr>
+          <p:cNvPr id="73" name="四角形: 角を丸くする 72">
+            <a:extLst>
+              <a:ext uri="{FF2B5EF4-FFF2-40B4-BE49-F238E27FC236}">
+                <a16:creationId xmlns:a16="http://schemas.microsoft.com/office/drawing/2014/main" id="{D90D6A46-98D1-47E6-AFEA-79E8B99D10C2}"/>
+              </a:ext>
+            </a:extLst>
+          </p:cNvPr>
+          <p:cNvSpPr/>
+          <p:nvPr/>
+        </p:nvSpPr>
+        <p:spPr>
+          <a:xfrm>
+            <a:off x="4873098" y="994050"/>
+            <a:ext cx="739140" cy="372291"/>
+          </a:xfrm>
+          <a:prstGeom prst="roundRect">
+            <a:avLst/>
+          </a:prstGeom>
+          <a:solidFill>
+            <a:srgbClr val="FFC000"/>
+          </a:solidFill>
+          <a:ln>
+            <a:noFill/>
+          </a:ln>
+        </p:spPr>
+        <p:style>
+          <a:lnRef idx="2">
+            <a:schemeClr val="accent1">
+              <a:shade val="50000"/>
+            </a:schemeClr>
+          </a:lnRef>
+          <a:fillRef idx="1">
+            <a:schemeClr val="accent1"/>
+          </a:fillRef>
+          <a:effectRef idx="0">
+            <a:schemeClr val="accent1"/>
+          </a:effectRef>
+          <a:fontRef idx="minor">
+            <a:schemeClr val="lt1"/>
+          </a:fontRef>
+        </p:style>
+        <p:txBody>
+          <a:bodyPr rtlCol="0" anchor="ctr"/>
+          <a:lstStyle/>
+          <a:p>
+            <a:pPr marL="0" marR="0" lvl="0" indent="0" algn="ctr" defTabSz="914400" rtl="0" eaLnBrk="1" fontAlgn="auto" latinLnBrk="0" hangingPunct="1">
+              <a:lnSpc>
+                <a:spcPct val="100000"/>
+              </a:lnSpc>
+              <a:spcBef>
+                <a:spcPts val="0"/>
+              </a:spcBef>
+              <a:spcAft>
+                <a:spcPts val="0"/>
+              </a:spcAft>
+              <a:buClrTx/>
+              <a:buSzTx/>
+              <a:buFontTx/>
+              <a:buNone/>
+              <a:tabLst/>
+              <a:defRPr/>
+            </a:pPr>
+            <a:r>
+              <a:rPr kumimoji="1" lang="ja-JP" altLang="en-US" sz="1400" b="0" i="0" u="none" strike="noStrike" kern="1200" cap="none" spc="0" normalizeH="0" baseline="0" noProof="0" dirty="0">
+                <a:ln>
+                  <a:noFill/>
+                </a:ln>
+                <a:solidFill>
+                  <a:prstClr val="black"/>
+                </a:solidFill>
+                <a:effectLst/>
+                <a:uLnTx/>
+                <a:uFillTx/>
+                <a:latin typeface="Calibri"/>
+                <a:ea typeface="ＭＳ Ｐゴシック" panose="020B0600070205080204" pitchFamily="50" charset="-128"/>
+                <a:cs typeface="+mn-cs"/>
+              </a:rPr>
+              <a:t>企画</a:t>
+            </a:r>
+          </a:p>
+        </p:txBody>
+      </p:sp>
+      <p:sp>
+        <p:nvSpPr>
+          <p:cNvPr id="77" name="四角形: 角を丸くする 76">
+            <a:extLst>
+              <a:ext uri="{FF2B5EF4-FFF2-40B4-BE49-F238E27FC236}">
+                <a16:creationId xmlns:a16="http://schemas.microsoft.com/office/drawing/2014/main" id="{51A0DB07-3DCF-4F5A-A83A-D86AE6E7CBF2}"/>
+              </a:ext>
+            </a:extLst>
+          </p:cNvPr>
+          <p:cNvSpPr/>
+          <p:nvPr/>
+        </p:nvSpPr>
+        <p:spPr>
+          <a:xfrm>
+            <a:off x="5659856" y="962616"/>
+            <a:ext cx="739140" cy="372291"/>
+          </a:xfrm>
+          <a:prstGeom prst="roundRect">
+            <a:avLst/>
+          </a:prstGeom>
+          <a:solidFill>
+            <a:srgbClr val="FFC000"/>
+          </a:solidFill>
+          <a:ln>
+            <a:noFill/>
+          </a:ln>
+        </p:spPr>
+        <p:style>
+          <a:lnRef idx="2">
+            <a:schemeClr val="accent1">
+              <a:shade val="50000"/>
+            </a:schemeClr>
+          </a:lnRef>
+          <a:fillRef idx="1">
+            <a:schemeClr val="accent1"/>
+          </a:fillRef>
+          <a:effectRef idx="0">
+            <a:schemeClr val="accent1"/>
+          </a:effectRef>
+          <a:fontRef idx="minor">
+            <a:schemeClr val="lt1"/>
+          </a:fontRef>
+        </p:style>
+        <p:txBody>
+          <a:bodyPr rtlCol="0" anchor="ctr"/>
+          <a:lstStyle/>
+          <a:p>
+            <a:pPr marL="0" marR="0" lvl="0" indent="0" algn="ctr" defTabSz="914400" rtl="0" eaLnBrk="1" fontAlgn="auto" latinLnBrk="0" hangingPunct="1">
+              <a:lnSpc>
+                <a:spcPct val="100000"/>
+              </a:lnSpc>
+              <a:spcBef>
+                <a:spcPts val="0"/>
+              </a:spcBef>
+              <a:spcAft>
+                <a:spcPts val="0"/>
+              </a:spcAft>
+              <a:buClrTx/>
+              <a:buSzTx/>
+              <a:buFontTx/>
+              <a:buNone/>
+              <a:tabLst/>
+              <a:defRPr/>
+            </a:pPr>
+            <a:r>
+              <a:rPr kumimoji="1" lang="en-US" altLang="ja-JP" sz="1400" b="0" i="0" u="none" strike="noStrike" kern="1200" cap="none" spc="0" normalizeH="0" baseline="0" noProof="0" dirty="0">
+                <a:ln>
+                  <a:noFill/>
+                </a:ln>
+                <a:solidFill>
+                  <a:prstClr val="black"/>
+                </a:solidFill>
+                <a:effectLst/>
+                <a:uLnTx/>
+                <a:uFillTx/>
+                <a:latin typeface="Calibri"/>
+                <a:ea typeface="ＭＳ Ｐゴシック" panose="020B0600070205080204" pitchFamily="50" charset="-128"/>
+                <a:cs typeface="+mn-cs"/>
+              </a:rPr>
+              <a:t>BOM</a:t>
+            </a:r>
+          </a:p>
+          <a:p>
+            <a:pPr marL="0" marR="0" lvl="0" indent="0" algn="ctr" defTabSz="914400" rtl="0" eaLnBrk="1" fontAlgn="auto" latinLnBrk="0" hangingPunct="1">
+              <a:lnSpc>
+                <a:spcPct val="100000"/>
+              </a:lnSpc>
+              <a:spcBef>
+                <a:spcPts val="0"/>
+              </a:spcBef>
+              <a:spcAft>
+                <a:spcPts val="0"/>
+              </a:spcAft>
+              <a:buClrTx/>
+              <a:buSzTx/>
+              <a:buFontTx/>
+              <a:buNone/>
+              <a:tabLst/>
+              <a:defRPr/>
+            </a:pPr>
+            <a:r>
+              <a:rPr kumimoji="1" lang="ja-JP" altLang="en-US" sz="1400" b="0" i="0" u="none" strike="noStrike" kern="1200" cap="none" spc="0" normalizeH="0" baseline="0" noProof="0" dirty="0">
+                <a:ln>
+                  <a:noFill/>
+                </a:ln>
+                <a:solidFill>
+                  <a:prstClr val="black"/>
+                </a:solidFill>
+                <a:effectLst/>
+                <a:uLnTx/>
+                <a:uFillTx/>
+                <a:latin typeface="Calibri"/>
+                <a:ea typeface="ＭＳ Ｐゴシック" panose="020B0600070205080204" pitchFamily="50" charset="-128"/>
+                <a:cs typeface="+mn-cs"/>
+              </a:rPr>
+              <a:t>管理</a:t>
+            </a:r>
+          </a:p>
+        </p:txBody>
+      </p:sp>
+      <p:sp>
+        <p:nvSpPr>
+          <p:cNvPr id="79" name="四角形: 角を丸くする 78">
+            <a:extLst>
+              <a:ext uri="{FF2B5EF4-FFF2-40B4-BE49-F238E27FC236}">
+                <a16:creationId xmlns:a16="http://schemas.microsoft.com/office/drawing/2014/main" id="{4AECB53A-017B-4D5C-92BA-ED8AFD099673}"/>
+              </a:ext>
+            </a:extLst>
+          </p:cNvPr>
+          <p:cNvSpPr/>
+          <p:nvPr/>
+        </p:nvSpPr>
+        <p:spPr>
+          <a:xfrm>
+            <a:off x="5794931" y="4962080"/>
+            <a:ext cx="739140" cy="372291"/>
+          </a:xfrm>
+          <a:prstGeom prst="roundRect">
+            <a:avLst/>
+          </a:prstGeom>
+          <a:solidFill>
+            <a:srgbClr val="FFC000"/>
+          </a:solidFill>
+          <a:ln>
+            <a:noFill/>
+          </a:ln>
+        </p:spPr>
+        <p:style>
+          <a:lnRef idx="2">
+            <a:schemeClr val="accent1">
+              <a:shade val="50000"/>
+            </a:schemeClr>
+          </a:lnRef>
+          <a:fillRef idx="1">
+            <a:schemeClr val="accent1"/>
+          </a:fillRef>
+          <a:effectRef idx="0">
+            <a:schemeClr val="accent1"/>
+          </a:effectRef>
+          <a:fontRef idx="minor">
+            <a:schemeClr val="lt1"/>
+          </a:fontRef>
+        </p:style>
+        <p:txBody>
+          <a:bodyPr rtlCol="0" anchor="ctr"/>
+          <a:lstStyle/>
+          <a:p>
+            <a:pPr marL="0" marR="0" lvl="0" indent="0" algn="ctr" defTabSz="914400" rtl="0" eaLnBrk="1" fontAlgn="auto" latinLnBrk="0" hangingPunct="1">
+              <a:lnSpc>
+                <a:spcPct val="100000"/>
+              </a:lnSpc>
+              <a:spcBef>
+                <a:spcPts val="0"/>
+              </a:spcBef>
+              <a:spcAft>
+                <a:spcPts val="0"/>
+              </a:spcAft>
+              <a:buClrTx/>
+              <a:buSzTx/>
+              <a:buFontTx/>
+              <a:buNone/>
+              <a:tabLst/>
+              <a:defRPr/>
+            </a:pPr>
+            <a:r>
+              <a:rPr kumimoji="1" lang="ja-JP" altLang="en-US" sz="1400" b="0" i="0" u="none" strike="noStrike" kern="1200" cap="none" spc="0" normalizeH="0" baseline="0" noProof="0" dirty="0">
+                <a:ln>
+                  <a:noFill/>
+                </a:ln>
+                <a:solidFill>
+                  <a:prstClr val="black"/>
+                </a:solidFill>
+                <a:effectLst/>
+                <a:uLnTx/>
+                <a:uFillTx/>
+                <a:latin typeface="Calibri"/>
+                <a:ea typeface="ＭＳ Ｐゴシック" panose="020B0600070205080204" pitchFamily="50" charset="-128"/>
+                <a:cs typeface="+mn-cs"/>
+              </a:rPr>
+              <a:t>営業</a:t>
+            </a:r>
+          </a:p>
+        </p:txBody>
+      </p:sp>
+    </p:spTree>
+    <p:extLst>
+      <p:ext uri="{BB962C8B-B14F-4D97-AF65-F5344CB8AC3E}">
+        <p14:creationId xmlns:p14="http://schemas.microsoft.com/office/powerpoint/2010/main" val="3983603127"/>
       </p:ext>
     </p:extLst>
   </p:cSld>

--- a/CaseStudy/BusinessFlow/BusinessFlow-CE.pptx
+++ b/CaseStudy/BusinessFlow/BusinessFlow-CE.pptx
@@ -7,15 +7,18 @@
     <p:sldMasterId id="2147483904" r:id="rId3"/>
   </p:sldMasterIdLst>
   <p:notesMasterIdLst>
-    <p:notesMasterId r:id="rId10"/>
+    <p:notesMasterId r:id="rId13"/>
   </p:notesMasterIdLst>
   <p:sldIdLst>
     <p:sldId id="293" r:id="rId4"/>
     <p:sldId id="295" r:id="rId5"/>
     <p:sldId id="296" r:id="rId6"/>
-    <p:sldId id="297" r:id="rId7"/>
-    <p:sldId id="256" r:id="rId8"/>
-    <p:sldId id="302" r:id="rId9"/>
+    <p:sldId id="303" r:id="rId7"/>
+    <p:sldId id="304" r:id="rId8"/>
+    <p:sldId id="305" r:id="rId9"/>
+    <p:sldId id="297" r:id="rId10"/>
+    <p:sldId id="256" r:id="rId11"/>
+    <p:sldId id="302" r:id="rId12"/>
   </p:sldIdLst>
   <p:sldSz cx="12192000" cy="6858000"/>
   <p:notesSz cx="6858000" cy="9144000"/>
@@ -204,7 +207,7 @@
           <a:p>
             <a:fld id="{AACA0F1E-6A7A-408C-9B73-64CA77DFA15B}" type="datetimeFigureOut">
               <a:rPr kumimoji="1" lang="ja-JP" altLang="en-US" smtClean="0"/>
-              <a:t>2018/10/24</a:t>
+              <a:t>2018/11/12</a:t>
             </a:fld>
             <a:endParaRPr kumimoji="1" lang="ja-JP" altLang="en-US"/>
           </a:p>
@@ -634,7 +637,7 @@
           <a:p>
             <a:fld id="{51684739-6B5A-4F8B-B16A-0057429AE121}" type="datetime1">
               <a:rPr kumimoji="1" lang="ja-JP" altLang="en-US" smtClean="0"/>
-              <a:t>2018/10/24</a:t>
+              <a:t>2018/11/12</a:t>
             </a:fld>
             <a:endParaRPr kumimoji="1" lang="ja-JP" altLang="en-US"/>
           </a:p>
@@ -840,7 +843,7 @@
           <a:p>
             <a:fld id="{D6C24767-C37E-45FC-97CA-CB11AB76749C}" type="datetime1">
               <a:rPr kumimoji="1" lang="ja-JP" altLang="en-US" smtClean="0"/>
-              <a:t>2018/10/24</a:t>
+              <a:t>2018/11/12</a:t>
             </a:fld>
             <a:endParaRPr kumimoji="1" lang="ja-JP" altLang="en-US"/>
           </a:p>
@@ -1056,7 +1059,7 @@
           <a:p>
             <a:fld id="{7BA61CA7-7D10-4549-A359-CC229CBEA567}" type="datetime1">
               <a:rPr kumimoji="1" lang="ja-JP" altLang="en-US" smtClean="0"/>
-              <a:t>2018/10/24</a:t>
+              <a:t>2018/11/12</a:t>
             </a:fld>
             <a:endParaRPr kumimoji="1" lang="ja-JP" altLang="en-US"/>
           </a:p>
@@ -2195,7 +2198,7 @@
           <a:p>
             <a:fld id="{F068AB85-2ACE-4F70-9090-AAB334D4C59F}" type="datetimeFigureOut">
               <a:rPr kumimoji="1" lang="ja-JP" altLang="en-US" smtClean="0"/>
-              <a:t>2018/10/24</a:t>
+              <a:t>2018/11/12</a:t>
             </a:fld>
             <a:endParaRPr kumimoji="1" lang="ja-JP" altLang="en-US"/>
           </a:p>
@@ -2425,7 +2428,7 @@
           <a:p>
             <a:fld id="{F068AB85-2ACE-4F70-9090-AAB334D4C59F}" type="datetimeFigureOut">
               <a:rPr kumimoji="1" lang="ja-JP" altLang="en-US" smtClean="0"/>
-              <a:t>2018/10/24</a:t>
+              <a:t>2018/11/12</a:t>
             </a:fld>
             <a:endParaRPr kumimoji="1" lang="ja-JP" altLang="en-US"/>
           </a:p>
@@ -2700,7 +2703,7 @@
           <a:p>
             <a:fld id="{F068AB85-2ACE-4F70-9090-AAB334D4C59F}" type="datetimeFigureOut">
               <a:rPr kumimoji="1" lang="ja-JP" altLang="en-US" smtClean="0"/>
-              <a:t>2018/10/24</a:t>
+              <a:t>2018/11/12</a:t>
             </a:fld>
             <a:endParaRPr kumimoji="1" lang="ja-JP" altLang="en-US"/>
           </a:p>
@@ -3029,7 +3032,7 @@
           <a:p>
             <a:fld id="{F068AB85-2ACE-4F70-9090-AAB334D4C59F}" type="datetimeFigureOut">
               <a:rPr kumimoji="1" lang="ja-JP" altLang="en-US" smtClean="0"/>
-              <a:t>2018/10/24</a:t>
+              <a:t>2018/11/12</a:t>
             </a:fld>
             <a:endParaRPr kumimoji="1" lang="ja-JP" altLang="en-US"/>
           </a:p>
@@ -3243,7 +3246,7 @@
           <a:p>
             <a:fld id="{B46D0EEA-4AC9-487F-BF7E-E7ADE265C8B1}" type="datetime1">
               <a:rPr kumimoji="1" lang="ja-JP" altLang="en-US" smtClean="0"/>
-              <a:t>2018/10/24</a:t>
+              <a:t>2018/11/12</a:t>
             </a:fld>
             <a:endParaRPr kumimoji="1" lang="ja-JP" altLang="en-US"/>
           </a:p>
@@ -3710,7 +3713,7 @@
           <a:p>
             <a:fld id="{F068AB85-2ACE-4F70-9090-AAB334D4C59F}" type="datetimeFigureOut">
               <a:rPr kumimoji="1" lang="ja-JP" altLang="en-US" smtClean="0"/>
-              <a:t>2018/10/24</a:t>
+              <a:t>2018/11/12</a:t>
             </a:fld>
             <a:endParaRPr kumimoji="1" lang="ja-JP" altLang="en-US"/>
           </a:p>
@@ -3851,7 +3854,7 @@
           <a:p>
             <a:fld id="{F068AB85-2ACE-4F70-9090-AAB334D4C59F}" type="datetimeFigureOut">
               <a:rPr kumimoji="1" lang="ja-JP" altLang="en-US" smtClean="0"/>
-              <a:t>2018/10/24</a:t>
+              <a:t>2018/11/12</a:t>
             </a:fld>
             <a:endParaRPr kumimoji="1" lang="ja-JP" altLang="en-US"/>
           </a:p>
@@ -3964,7 +3967,7 @@
           <a:p>
             <a:fld id="{F068AB85-2ACE-4F70-9090-AAB334D4C59F}" type="datetimeFigureOut">
               <a:rPr kumimoji="1" lang="ja-JP" altLang="en-US" smtClean="0"/>
-              <a:t>2018/10/24</a:t>
+              <a:t>2018/11/12</a:t>
             </a:fld>
             <a:endParaRPr kumimoji="1" lang="ja-JP" altLang="en-US"/>
           </a:p>
@@ -4307,7 +4310,7 @@
           <a:p>
             <a:fld id="{F068AB85-2ACE-4F70-9090-AAB334D4C59F}" type="datetimeFigureOut">
               <a:rPr kumimoji="1" lang="ja-JP" altLang="en-US" smtClean="0"/>
-              <a:t>2018/10/24</a:t>
+              <a:t>2018/11/12</a:t>
             </a:fld>
             <a:endParaRPr kumimoji="1" lang="ja-JP" altLang="en-US"/>
           </a:p>
@@ -4595,7 +4598,7 @@
           <a:p>
             <a:fld id="{F068AB85-2ACE-4F70-9090-AAB334D4C59F}" type="datetimeFigureOut">
               <a:rPr kumimoji="1" lang="ja-JP" altLang="en-US" smtClean="0"/>
-              <a:t>2018/10/24</a:t>
+              <a:t>2018/11/12</a:t>
             </a:fld>
             <a:endParaRPr kumimoji="1" lang="ja-JP" altLang="en-US"/>
           </a:p>
@@ -4825,7 +4828,7 @@
           <a:p>
             <a:fld id="{F068AB85-2ACE-4F70-9090-AAB334D4C59F}" type="datetimeFigureOut">
               <a:rPr kumimoji="1" lang="ja-JP" altLang="en-US" smtClean="0"/>
-              <a:t>2018/10/24</a:t>
+              <a:t>2018/11/12</a:t>
             </a:fld>
             <a:endParaRPr kumimoji="1" lang="ja-JP" altLang="en-US"/>
           </a:p>
@@ -5065,7 +5068,7 @@
           <a:p>
             <a:fld id="{F068AB85-2ACE-4F70-9090-AAB334D4C59F}" type="datetimeFigureOut">
               <a:rPr kumimoji="1" lang="ja-JP" altLang="en-US" smtClean="0"/>
-              <a:t>2018/10/24</a:t>
+              <a:t>2018/11/12</a:t>
             </a:fld>
             <a:endParaRPr kumimoji="1" lang="ja-JP" altLang="en-US"/>
           </a:p>
@@ -5323,7 +5326,7 @@
           <a:p>
             <a:fld id="{9AD472B9-0DC0-43A3-A586-259C5CCCC7B7}" type="datetime1">
               <a:rPr kumimoji="1" lang="ja-JP" altLang="en-US" smtClean="0"/>
-              <a:t>2018/10/24</a:t>
+              <a:t>2018/11/12</a:t>
             </a:fld>
             <a:endParaRPr kumimoji="1" lang="ja-JP" altLang="en-US"/>
           </a:p>
@@ -5678,7 +5681,7 @@
           <a:p>
             <a:fld id="{FCE8AD0A-FF56-440C-8866-2DBB85638F26}" type="datetime1">
               <a:rPr kumimoji="1" lang="ja-JP" altLang="en-US" smtClean="0"/>
-              <a:t>2018/10/24</a:t>
+              <a:t>2018/11/12</a:t>
             </a:fld>
             <a:endParaRPr kumimoji="1" lang="ja-JP" altLang="en-US"/>
           </a:p>
@@ -6169,7 +6172,7 @@
           <a:p>
             <a:fld id="{B98F01A6-9B05-4412-9B66-4612911364EA}" type="datetime1">
               <a:rPr kumimoji="1" lang="ja-JP" altLang="en-US" smtClean="0"/>
-              <a:t>2018/10/24</a:t>
+              <a:t>2018/11/12</a:t>
             </a:fld>
             <a:endParaRPr kumimoji="1" lang="ja-JP" altLang="en-US"/>
           </a:p>
@@ -6291,7 +6294,7 @@
           <a:p>
             <a:fld id="{930E7C22-1549-405D-A0B3-B16D97AD5E99}" type="datetime1">
               <a:rPr kumimoji="1" lang="ja-JP" altLang="en-US" smtClean="0"/>
-              <a:t>2018/10/24</a:t>
+              <a:t>2018/11/12</a:t>
             </a:fld>
             <a:endParaRPr kumimoji="1" lang="ja-JP" altLang="en-US"/>
           </a:p>
@@ -6390,7 +6393,7 @@
           <a:p>
             <a:fld id="{C15DACC1-FFB1-4714-840C-A511AA693359}" type="datetime1">
               <a:rPr kumimoji="1" lang="ja-JP" altLang="en-US" smtClean="0"/>
-              <a:t>2018/10/24</a:t>
+              <a:t>2018/11/12</a:t>
             </a:fld>
             <a:endParaRPr kumimoji="1" lang="ja-JP" altLang="en-US"/>
           </a:p>
@@ -6703,7 +6706,7 @@
           <a:p>
             <a:fld id="{5F86D9A3-D474-427A-8BEC-4724A22B28E1}" type="datetime1">
               <a:rPr kumimoji="1" lang="ja-JP" altLang="en-US" smtClean="0"/>
-              <a:t>2018/10/24</a:t>
+              <a:t>2018/11/12</a:t>
             </a:fld>
             <a:endParaRPr kumimoji="1" lang="ja-JP" altLang="en-US"/>
           </a:p>
@@ -6964,7 +6967,7 @@
           <a:p>
             <a:fld id="{9DFBE405-2BEB-4CB5-9650-43A5C6CAEB09}" type="datetime1">
               <a:rPr kumimoji="1" lang="ja-JP" altLang="en-US" smtClean="0"/>
-              <a:t>2018/10/24</a:t>
+              <a:t>2018/11/12</a:t>
             </a:fld>
             <a:endParaRPr kumimoji="1" lang="ja-JP" altLang="en-US"/>
           </a:p>
@@ -7212,7 +7215,7 @@
           <a:p>
             <a:fld id="{AE379D9F-14C0-4FEA-A161-9952562F370E}" type="datetime1">
               <a:rPr kumimoji="1" lang="ja-JP" altLang="en-US" smtClean="0"/>
-              <a:t>2018/10/24</a:t>
+              <a:t>2018/11/12</a:t>
             </a:fld>
             <a:endParaRPr kumimoji="1" lang="ja-JP" altLang="en-US"/>
           </a:p>
@@ -8202,7 +8205,7 @@
           <a:p>
             <a:fld id="{F068AB85-2ACE-4F70-9090-AAB334D4C59F}" type="datetimeFigureOut">
               <a:rPr kumimoji="1" lang="ja-JP" altLang="en-US" smtClean="0"/>
-              <a:t>2018/10/24</a:t>
+              <a:t>2018/11/12</a:t>
             </a:fld>
             <a:endParaRPr kumimoji="1" lang="ja-JP" altLang="en-US"/>
           </a:p>
@@ -15185,6 +15188,6363 @@
           <p:cNvPr id="2" name="フッター プレースホルダー 1">
             <a:extLst>
               <a:ext uri="{FF2B5EF4-FFF2-40B4-BE49-F238E27FC236}">
+                <a16:creationId xmlns:a16="http://schemas.microsoft.com/office/drawing/2014/main" id="{D8D1FE53-4563-4CB3-8BBA-CB274E97D34A}"/>
+              </a:ext>
+            </a:extLst>
+          </p:cNvPr>
+          <p:cNvSpPr>
+            <a:spLocks noGrp="1"/>
+          </p:cNvSpPr>
+          <p:nvPr>
+            <p:ph type="ftr" sz="quarter" idx="11"/>
+          </p:nvPr>
+        </p:nvSpPr>
+        <p:spPr>
+          <a:xfrm>
+            <a:off x="4213747" y="6376701"/>
+            <a:ext cx="2895600" cy="365125"/>
+          </a:xfrm>
+        </p:spPr>
+        <p:txBody>
+          <a:bodyPr/>
+          <a:lstStyle/>
+          <a:p>
+            <a:r>
+              <a:rPr kumimoji="1" lang="en-US" altLang="ja-JP"/>
+              <a:t>CC0-1.0</a:t>
+            </a:r>
+            <a:endParaRPr kumimoji="1" lang="ja-JP" altLang="en-US" dirty="0"/>
+          </a:p>
+        </p:txBody>
+      </p:sp>
+      <p:grpSp>
+        <p:nvGrpSpPr>
+          <p:cNvPr id="117" name="グループ化 116">
+            <a:extLst>
+              <a:ext uri="{FF2B5EF4-FFF2-40B4-BE49-F238E27FC236}">
+                <a16:creationId xmlns:a16="http://schemas.microsoft.com/office/drawing/2014/main" id="{4B7AE865-72F9-41A9-9926-C899D3407A6C}"/>
+              </a:ext>
+            </a:extLst>
+          </p:cNvPr>
+          <p:cNvGrpSpPr/>
+          <p:nvPr/>
+        </p:nvGrpSpPr>
+        <p:grpSpPr>
+          <a:xfrm>
+            <a:off x="186365" y="80790"/>
+            <a:ext cx="11452410" cy="3228778"/>
+            <a:chOff x="186365" y="80790"/>
+            <a:chExt cx="11452410" cy="3228778"/>
+          </a:xfrm>
+        </p:grpSpPr>
+        <p:sp>
+          <p:nvSpPr>
+            <p:cNvPr id="26" name="四角形: 角を丸くする 25">
+              <a:extLst>
+                <a:ext uri="{FF2B5EF4-FFF2-40B4-BE49-F238E27FC236}">
+                  <a16:creationId xmlns:a16="http://schemas.microsoft.com/office/drawing/2014/main" id="{B76F87F9-AF5A-4CB4-97D1-2D8045D1ED7C}"/>
+                </a:ext>
+              </a:extLst>
+            </p:cNvPr>
+            <p:cNvSpPr/>
+            <p:nvPr/>
+          </p:nvSpPr>
+          <p:spPr>
+            <a:xfrm>
+              <a:off x="6671488" y="231160"/>
+              <a:ext cx="3357564" cy="1857219"/>
+            </a:xfrm>
+            <a:prstGeom prst="roundRect">
+              <a:avLst/>
+            </a:prstGeom>
+            <a:solidFill>
+              <a:schemeClr val="accent1">
+                <a:lumMod val="60000"/>
+                <a:lumOff val="40000"/>
+              </a:schemeClr>
+            </a:solidFill>
+          </p:spPr>
+          <p:style>
+            <a:lnRef idx="2">
+              <a:schemeClr val="accent1">
+                <a:shade val="50000"/>
+              </a:schemeClr>
+            </a:lnRef>
+            <a:fillRef idx="1">
+              <a:schemeClr val="accent1"/>
+            </a:fillRef>
+            <a:effectRef idx="0">
+              <a:schemeClr val="accent1"/>
+            </a:effectRef>
+            <a:fontRef idx="minor">
+              <a:schemeClr val="lt1"/>
+            </a:fontRef>
+          </p:style>
+          <p:txBody>
+            <a:bodyPr rtlCol="0" anchor="ctr"/>
+            <a:lstStyle/>
+            <a:p>
+              <a:pPr algn="ctr"/>
+              <a:endParaRPr kumimoji="1" lang="ja-JP" altLang="en-US" dirty="0"/>
+            </a:p>
+          </p:txBody>
+        </p:sp>
+        <p:sp>
+          <p:nvSpPr>
+            <p:cNvPr id="3" name="テキスト ボックス 2">
+              <a:extLst>
+                <a:ext uri="{FF2B5EF4-FFF2-40B4-BE49-F238E27FC236}">
+                  <a16:creationId xmlns:a16="http://schemas.microsoft.com/office/drawing/2014/main" id="{F4A34D46-448B-4543-9CBE-2D46FB9FD687}"/>
+                </a:ext>
+              </a:extLst>
+            </p:cNvPr>
+            <p:cNvSpPr txBox="1"/>
+            <p:nvPr/>
+          </p:nvSpPr>
+          <p:spPr>
+            <a:xfrm>
+              <a:off x="186365" y="863379"/>
+              <a:ext cx="1970170" cy="923330"/>
+            </a:xfrm>
+            <a:prstGeom prst="rect">
+              <a:avLst/>
+            </a:prstGeom>
+            <a:noFill/>
+          </p:spPr>
+          <p:txBody>
+            <a:bodyPr wrap="square" rtlCol="0">
+              <a:spAutoFit/>
+            </a:bodyPr>
+            <a:lstStyle/>
+            <a:p>
+              <a:r>
+                <a:rPr kumimoji="1" lang="en-US" altLang="ja-JP" dirty="0"/>
+                <a:t>Case 1: Self</a:t>
+              </a:r>
+              <a:r>
+                <a:rPr kumimoji="1" lang="ja-JP" altLang="en-US" dirty="0"/>
+                <a:t> </a:t>
+              </a:r>
+              <a:r>
+                <a:rPr kumimoji="1" lang="en-US" altLang="ja-JP" dirty="0"/>
+                <a:t>brand</a:t>
+              </a:r>
+            </a:p>
+            <a:p>
+              <a:r>
+                <a:rPr kumimoji="1" lang="en-US" altLang="ja-JP" dirty="0"/>
+                <a:t>(ISV + Contract dev. + own dev.)</a:t>
+              </a:r>
+            </a:p>
+          </p:txBody>
+        </p:sp>
+        <p:sp>
+          <p:nvSpPr>
+            <p:cNvPr id="6" name="四角形: 角を丸くする 5">
+              <a:extLst>
+                <a:ext uri="{FF2B5EF4-FFF2-40B4-BE49-F238E27FC236}">
+                  <a16:creationId xmlns:a16="http://schemas.microsoft.com/office/drawing/2014/main" id="{18C964B2-1335-487C-A9F9-D7BB2A0ADF38}"/>
+                </a:ext>
+              </a:extLst>
+            </p:cNvPr>
+            <p:cNvSpPr/>
+            <p:nvPr/>
+          </p:nvSpPr>
+          <p:spPr>
+            <a:xfrm>
+              <a:off x="6957238" y="1110836"/>
+              <a:ext cx="1076325" cy="679166"/>
+            </a:xfrm>
+            <a:prstGeom prst="roundRect">
+              <a:avLst/>
+            </a:prstGeom>
+            <a:solidFill>
+              <a:srgbClr val="FFFF00"/>
+            </a:solidFill>
+          </p:spPr>
+          <p:style>
+            <a:lnRef idx="2">
+              <a:schemeClr val="accent1">
+                <a:shade val="50000"/>
+              </a:schemeClr>
+            </a:lnRef>
+            <a:fillRef idx="1">
+              <a:schemeClr val="accent1"/>
+            </a:fillRef>
+            <a:effectRef idx="0">
+              <a:schemeClr val="accent1"/>
+            </a:effectRef>
+            <a:fontRef idx="minor">
+              <a:schemeClr val="lt1"/>
+            </a:fontRef>
+          </p:style>
+          <p:txBody>
+            <a:bodyPr rtlCol="0" anchor="ctr"/>
+            <a:lstStyle/>
+            <a:p>
+              <a:pPr algn="ctr"/>
+              <a:endParaRPr kumimoji="1" lang="ja-JP" altLang="en-US">
+                <a:solidFill>
+                  <a:schemeClr val="tx1"/>
+                </a:solidFill>
+              </a:endParaRPr>
+            </a:p>
+          </p:txBody>
+        </p:sp>
+        <p:sp>
+          <p:nvSpPr>
+            <p:cNvPr id="7" name="四角形: 角を丸くする 6">
+              <a:extLst>
+                <a:ext uri="{FF2B5EF4-FFF2-40B4-BE49-F238E27FC236}">
+                  <a16:creationId xmlns:a16="http://schemas.microsoft.com/office/drawing/2014/main" id="{CDEEF08D-DBF6-407B-9DEE-2DDAA21D9576}"/>
+                </a:ext>
+              </a:extLst>
+            </p:cNvPr>
+            <p:cNvSpPr/>
+            <p:nvPr/>
+          </p:nvSpPr>
+          <p:spPr>
+            <a:xfrm>
+              <a:off x="10562450" y="1253056"/>
+              <a:ext cx="1076325" cy="381000"/>
+            </a:xfrm>
+            <a:prstGeom prst="roundRect">
+              <a:avLst/>
+            </a:prstGeom>
+            <a:solidFill>
+              <a:schemeClr val="accent6">
+                <a:lumMod val="75000"/>
+              </a:schemeClr>
+            </a:solidFill>
+          </p:spPr>
+          <p:style>
+            <a:lnRef idx="2">
+              <a:schemeClr val="accent1">
+                <a:shade val="50000"/>
+              </a:schemeClr>
+            </a:lnRef>
+            <a:fillRef idx="1">
+              <a:schemeClr val="accent1"/>
+            </a:fillRef>
+            <a:effectRef idx="0">
+              <a:schemeClr val="accent1"/>
+            </a:effectRef>
+            <a:fontRef idx="minor">
+              <a:schemeClr val="lt1"/>
+            </a:fontRef>
+          </p:style>
+          <p:txBody>
+            <a:bodyPr rtlCol="0" anchor="ctr"/>
+            <a:lstStyle/>
+            <a:p>
+              <a:pPr algn="ctr"/>
+              <a:endParaRPr kumimoji="1" lang="ja-JP" altLang="en-US">
+                <a:solidFill>
+                  <a:schemeClr val="bg1"/>
+                </a:solidFill>
+              </a:endParaRPr>
+            </a:p>
+          </p:txBody>
+        </p:sp>
+        <p:cxnSp>
+          <p:nvCxnSpPr>
+            <p:cNvPr id="9" name="直線矢印コネクタ 8">
+              <a:extLst>
+                <a:ext uri="{FF2B5EF4-FFF2-40B4-BE49-F238E27FC236}">
+                  <a16:creationId xmlns:a16="http://schemas.microsoft.com/office/drawing/2014/main" id="{90892446-CBF0-4FE6-831E-3E4A39CA155D}"/>
+                </a:ext>
+              </a:extLst>
+            </p:cNvPr>
+            <p:cNvCxnSpPr>
+              <a:cxnSpLocks/>
+              <a:stCxn id="6" idx="3"/>
+              <a:endCxn id="12" idx="1"/>
+            </p:cNvCxnSpPr>
+            <p:nvPr/>
+          </p:nvCxnSpPr>
+          <p:spPr>
+            <a:xfrm>
+              <a:off x="8033563" y="1450419"/>
+              <a:ext cx="670258" cy="0"/>
+            </a:xfrm>
+            <a:prstGeom prst="straightConnector1">
+              <a:avLst/>
+            </a:prstGeom>
+            <a:ln w="38100">
+              <a:tailEnd type="triangle"/>
+            </a:ln>
+          </p:spPr>
+          <p:style>
+            <a:lnRef idx="1">
+              <a:schemeClr val="accent1"/>
+            </a:lnRef>
+            <a:fillRef idx="0">
+              <a:schemeClr val="accent1"/>
+            </a:fillRef>
+            <a:effectRef idx="0">
+              <a:schemeClr val="accent1"/>
+            </a:effectRef>
+            <a:fontRef idx="minor">
+              <a:schemeClr val="tx1"/>
+            </a:fontRef>
+          </p:style>
+        </p:cxnSp>
+        <p:sp>
+          <p:nvSpPr>
+            <p:cNvPr id="12" name="四角形: 角を丸くする 11">
+              <a:extLst>
+                <a:ext uri="{FF2B5EF4-FFF2-40B4-BE49-F238E27FC236}">
+                  <a16:creationId xmlns:a16="http://schemas.microsoft.com/office/drawing/2014/main" id="{3A7E3B84-C703-4920-A96D-464D8B980EDE}"/>
+                </a:ext>
+              </a:extLst>
+            </p:cNvPr>
+            <p:cNvSpPr/>
+            <p:nvPr/>
+          </p:nvSpPr>
+          <p:spPr>
+            <a:xfrm>
+              <a:off x="8703821" y="1110836"/>
+              <a:ext cx="1076325" cy="679166"/>
+            </a:xfrm>
+            <a:prstGeom prst="roundRect">
+              <a:avLst/>
+            </a:prstGeom>
+            <a:solidFill>
+              <a:srgbClr val="FFFF00"/>
+            </a:solidFill>
+          </p:spPr>
+          <p:style>
+            <a:lnRef idx="2">
+              <a:schemeClr val="accent1">
+                <a:shade val="50000"/>
+              </a:schemeClr>
+            </a:lnRef>
+            <a:fillRef idx="1">
+              <a:schemeClr val="accent1"/>
+            </a:fillRef>
+            <a:effectRef idx="0">
+              <a:schemeClr val="accent1"/>
+            </a:effectRef>
+            <a:fontRef idx="minor">
+              <a:schemeClr val="lt1"/>
+            </a:fontRef>
+          </p:style>
+          <p:txBody>
+            <a:bodyPr rtlCol="0" anchor="ctr"/>
+            <a:lstStyle/>
+            <a:p>
+              <a:pPr algn="ctr"/>
+              <a:endParaRPr kumimoji="1" lang="ja-JP" altLang="en-US">
+                <a:solidFill>
+                  <a:schemeClr val="bg1"/>
+                </a:solidFill>
+              </a:endParaRPr>
+            </a:p>
+          </p:txBody>
+        </p:sp>
+        <p:cxnSp>
+          <p:nvCxnSpPr>
+            <p:cNvPr id="13" name="直線矢印コネクタ 12">
+              <a:extLst>
+                <a:ext uri="{FF2B5EF4-FFF2-40B4-BE49-F238E27FC236}">
+                  <a16:creationId xmlns:a16="http://schemas.microsoft.com/office/drawing/2014/main" id="{1F5D7D53-0B05-421D-A0F7-047AA166605E}"/>
+                </a:ext>
+              </a:extLst>
+            </p:cNvPr>
+            <p:cNvCxnSpPr>
+              <a:cxnSpLocks/>
+              <a:stCxn id="12" idx="3"/>
+              <a:endCxn id="7" idx="1"/>
+            </p:cNvCxnSpPr>
+            <p:nvPr/>
+          </p:nvCxnSpPr>
+          <p:spPr>
+            <a:xfrm flipV="1">
+              <a:off x="9780146" y="1443556"/>
+              <a:ext cx="782304" cy="6863"/>
+            </a:xfrm>
+            <a:prstGeom prst="straightConnector1">
+              <a:avLst/>
+            </a:prstGeom>
+            <a:ln w="38100">
+              <a:tailEnd type="triangle"/>
+            </a:ln>
+          </p:spPr>
+          <p:style>
+            <a:lnRef idx="1">
+              <a:schemeClr val="accent1"/>
+            </a:lnRef>
+            <a:fillRef idx="0">
+              <a:schemeClr val="accent1"/>
+            </a:fillRef>
+            <a:effectRef idx="0">
+              <a:schemeClr val="accent1"/>
+            </a:effectRef>
+            <a:fontRef idx="minor">
+              <a:schemeClr val="tx1"/>
+            </a:fontRef>
+          </p:style>
+        </p:cxnSp>
+        <p:sp>
+          <p:nvSpPr>
+            <p:cNvPr id="15" name="テキスト ボックス 14">
+              <a:extLst>
+                <a:ext uri="{FF2B5EF4-FFF2-40B4-BE49-F238E27FC236}">
+                  <a16:creationId xmlns:a16="http://schemas.microsoft.com/office/drawing/2014/main" id="{352D3FE3-76FC-44C7-B63A-081AE99D53D3}"/>
+                </a:ext>
+              </a:extLst>
+            </p:cNvPr>
+            <p:cNvSpPr txBox="1"/>
+            <p:nvPr/>
+          </p:nvSpPr>
+          <p:spPr>
+            <a:xfrm>
+              <a:off x="6847947" y="1160051"/>
+              <a:ext cx="1299910" cy="523220"/>
+            </a:xfrm>
+            <a:prstGeom prst="rect">
+              <a:avLst/>
+            </a:prstGeom>
+            <a:noFill/>
+          </p:spPr>
+          <p:txBody>
+            <a:bodyPr wrap="square" rtlCol="0">
+              <a:spAutoFit/>
+            </a:bodyPr>
+            <a:lstStyle/>
+            <a:p>
+              <a:pPr algn="ctr"/>
+              <a:r>
+                <a:rPr kumimoji="1" lang="en-US" altLang="ja-JP" sz="1400" dirty="0"/>
+                <a:t>Inbound/</a:t>
+              </a:r>
+            </a:p>
+            <a:p>
+              <a:pPr algn="ctr"/>
+              <a:r>
+                <a:rPr kumimoji="1" lang="en-US" altLang="ja-JP" sz="1400" dirty="0"/>
+                <a:t>development</a:t>
+              </a:r>
+              <a:endParaRPr kumimoji="1" lang="ja-JP" altLang="en-US" sz="1400" dirty="0"/>
+            </a:p>
+          </p:txBody>
+        </p:sp>
+        <p:sp>
+          <p:nvSpPr>
+            <p:cNvPr id="16" name="テキスト ボックス 15">
+              <a:extLst>
+                <a:ext uri="{FF2B5EF4-FFF2-40B4-BE49-F238E27FC236}">
+                  <a16:creationId xmlns:a16="http://schemas.microsoft.com/office/drawing/2014/main" id="{E25F2EBC-F646-49F4-BAEF-EF2BE9128E85}"/>
+                </a:ext>
+              </a:extLst>
+            </p:cNvPr>
+            <p:cNvSpPr txBox="1"/>
+            <p:nvPr/>
+          </p:nvSpPr>
+          <p:spPr>
+            <a:xfrm>
+              <a:off x="8741564" y="1289667"/>
+              <a:ext cx="1032510" cy="307777"/>
+            </a:xfrm>
+            <a:prstGeom prst="rect">
+              <a:avLst/>
+            </a:prstGeom>
+            <a:noFill/>
+          </p:spPr>
+          <p:txBody>
+            <a:bodyPr wrap="square" rtlCol="0">
+              <a:spAutoFit/>
+            </a:bodyPr>
+            <a:lstStyle/>
+            <a:p>
+              <a:pPr algn="ctr"/>
+              <a:r>
+                <a:rPr kumimoji="1" lang="en-US" altLang="ja-JP" sz="1400" dirty="0"/>
+                <a:t>Release</a:t>
+              </a:r>
+              <a:endParaRPr kumimoji="1" lang="ja-JP" altLang="en-US" sz="1400" dirty="0"/>
+            </a:p>
+          </p:txBody>
+        </p:sp>
+        <p:sp>
+          <p:nvSpPr>
+            <p:cNvPr id="17" name="四角形: 角を丸くする 16">
+              <a:extLst>
+                <a:ext uri="{FF2B5EF4-FFF2-40B4-BE49-F238E27FC236}">
+                  <a16:creationId xmlns:a16="http://schemas.microsoft.com/office/drawing/2014/main" id="{2533921C-B106-4D52-BF85-800F698655E5}"/>
+                </a:ext>
+              </a:extLst>
+            </p:cNvPr>
+            <p:cNvSpPr/>
+            <p:nvPr/>
+          </p:nvSpPr>
+          <p:spPr>
+            <a:xfrm>
+              <a:off x="6978667" y="409222"/>
+              <a:ext cx="1076325" cy="619588"/>
+            </a:xfrm>
+            <a:prstGeom prst="roundRect">
+              <a:avLst/>
+            </a:prstGeom>
+            <a:solidFill>
+              <a:srgbClr val="FFFF00"/>
+            </a:solidFill>
+          </p:spPr>
+          <p:style>
+            <a:lnRef idx="2">
+              <a:schemeClr val="accent1">
+                <a:shade val="50000"/>
+              </a:schemeClr>
+            </a:lnRef>
+            <a:fillRef idx="1">
+              <a:schemeClr val="accent1"/>
+            </a:fillRef>
+            <a:effectRef idx="0">
+              <a:schemeClr val="accent1"/>
+            </a:effectRef>
+            <a:fontRef idx="minor">
+              <a:schemeClr val="lt1"/>
+            </a:fontRef>
+          </p:style>
+          <p:txBody>
+            <a:bodyPr rtlCol="0" anchor="ctr"/>
+            <a:lstStyle/>
+            <a:p>
+              <a:pPr algn="ctr"/>
+              <a:endParaRPr kumimoji="1" lang="ja-JP" altLang="en-US">
+                <a:solidFill>
+                  <a:schemeClr val="tx1"/>
+                </a:solidFill>
+              </a:endParaRPr>
+            </a:p>
+          </p:txBody>
+        </p:sp>
+        <p:sp>
+          <p:nvSpPr>
+            <p:cNvPr id="18" name="テキスト ボックス 17">
+              <a:extLst>
+                <a:ext uri="{FF2B5EF4-FFF2-40B4-BE49-F238E27FC236}">
+                  <a16:creationId xmlns:a16="http://schemas.microsoft.com/office/drawing/2014/main" id="{F1715896-D304-4AFB-BE77-B2313098404B}"/>
+                </a:ext>
+              </a:extLst>
+            </p:cNvPr>
+            <p:cNvSpPr txBox="1"/>
+            <p:nvPr/>
+          </p:nvSpPr>
+          <p:spPr>
+            <a:xfrm>
+              <a:off x="7048986" y="459503"/>
+              <a:ext cx="1024579" cy="523220"/>
+            </a:xfrm>
+            <a:prstGeom prst="rect">
+              <a:avLst/>
+            </a:prstGeom>
+            <a:noFill/>
+          </p:spPr>
+          <p:txBody>
+            <a:bodyPr wrap="square" rtlCol="0">
+              <a:spAutoFit/>
+            </a:bodyPr>
+            <a:lstStyle/>
+            <a:p>
+              <a:pPr algn="ctr"/>
+              <a:r>
+                <a:rPr kumimoji="1" lang="en-US" altLang="ja-JP" sz="1400" dirty="0"/>
+                <a:t>Planning/Marketing</a:t>
+              </a:r>
+              <a:endParaRPr kumimoji="1" lang="ja-JP" altLang="en-US" sz="1400" dirty="0"/>
+            </a:p>
+          </p:txBody>
+        </p:sp>
+        <p:sp>
+          <p:nvSpPr>
+            <p:cNvPr id="19" name="テキスト ボックス 18">
+              <a:extLst>
+                <a:ext uri="{FF2B5EF4-FFF2-40B4-BE49-F238E27FC236}">
+                  <a16:creationId xmlns:a16="http://schemas.microsoft.com/office/drawing/2014/main" id="{4D5605BE-5C6F-4F75-91A9-2BA597EE2AEF}"/>
+                </a:ext>
+              </a:extLst>
+            </p:cNvPr>
+            <p:cNvSpPr txBox="1"/>
+            <p:nvPr/>
+          </p:nvSpPr>
+          <p:spPr>
+            <a:xfrm>
+              <a:off x="10719612" y="1321136"/>
+              <a:ext cx="819150" cy="276999"/>
+            </a:xfrm>
+            <a:prstGeom prst="rect">
+              <a:avLst/>
+            </a:prstGeom>
+            <a:noFill/>
+          </p:spPr>
+          <p:txBody>
+            <a:bodyPr wrap="square" rtlCol="0">
+              <a:spAutoFit/>
+            </a:bodyPr>
+            <a:lstStyle/>
+            <a:p>
+              <a:pPr algn="ctr"/>
+              <a:r>
+                <a:rPr kumimoji="1" lang="en-US" altLang="ja-JP" sz="1200" dirty="0">
+                  <a:solidFill>
+                    <a:schemeClr val="bg1"/>
+                  </a:solidFill>
+                </a:rPr>
+                <a:t>End</a:t>
+              </a:r>
+              <a:r>
+                <a:rPr kumimoji="1" lang="ja-JP" altLang="en-US" sz="1200" dirty="0">
+                  <a:solidFill>
+                    <a:schemeClr val="bg1"/>
+                  </a:solidFill>
+                </a:rPr>
+                <a:t> </a:t>
+              </a:r>
+              <a:r>
+                <a:rPr kumimoji="1" lang="en-US" altLang="ja-JP" sz="1200" dirty="0">
+                  <a:solidFill>
+                    <a:schemeClr val="bg1"/>
+                  </a:solidFill>
+                </a:rPr>
+                <a:t>user</a:t>
+              </a:r>
+              <a:endParaRPr kumimoji="1" lang="ja-JP" altLang="en-US" sz="1200" dirty="0">
+                <a:solidFill>
+                  <a:schemeClr val="bg1"/>
+                </a:solidFill>
+              </a:endParaRPr>
+            </a:p>
+          </p:txBody>
+        </p:sp>
+        <p:sp>
+          <p:nvSpPr>
+            <p:cNvPr id="21" name="四角形: 角を丸くする 20">
+              <a:extLst>
+                <a:ext uri="{FF2B5EF4-FFF2-40B4-BE49-F238E27FC236}">
+                  <a16:creationId xmlns:a16="http://schemas.microsoft.com/office/drawing/2014/main" id="{99715E30-E137-4FDE-87B3-9F1D6E137286}"/>
+                </a:ext>
+              </a:extLst>
+            </p:cNvPr>
+            <p:cNvSpPr/>
+            <p:nvPr/>
+          </p:nvSpPr>
+          <p:spPr>
+            <a:xfrm>
+              <a:off x="2345875" y="2570661"/>
+              <a:ext cx="1076325" cy="738907"/>
+            </a:xfrm>
+            <a:prstGeom prst="roundRect">
+              <a:avLst/>
+            </a:prstGeom>
+            <a:solidFill>
+              <a:schemeClr val="accent6">
+                <a:lumMod val="75000"/>
+              </a:schemeClr>
+            </a:solidFill>
+          </p:spPr>
+          <p:style>
+            <a:lnRef idx="2">
+              <a:schemeClr val="accent1">
+                <a:shade val="50000"/>
+              </a:schemeClr>
+            </a:lnRef>
+            <a:fillRef idx="1">
+              <a:schemeClr val="accent1"/>
+            </a:fillRef>
+            <a:effectRef idx="0">
+              <a:schemeClr val="accent1"/>
+            </a:effectRef>
+            <a:fontRef idx="minor">
+              <a:schemeClr val="lt1"/>
+            </a:fontRef>
+          </p:style>
+          <p:txBody>
+            <a:bodyPr rtlCol="0" anchor="ctr"/>
+            <a:lstStyle/>
+            <a:p>
+              <a:pPr algn="ctr"/>
+              <a:endParaRPr kumimoji="1" lang="ja-JP" altLang="en-US"/>
+            </a:p>
+          </p:txBody>
+        </p:sp>
+        <p:sp>
+          <p:nvSpPr>
+            <p:cNvPr id="22" name="テキスト ボックス 21">
+              <a:extLst>
+                <a:ext uri="{FF2B5EF4-FFF2-40B4-BE49-F238E27FC236}">
+                  <a16:creationId xmlns:a16="http://schemas.microsoft.com/office/drawing/2014/main" id="{6662A1D1-CBAF-4DA3-B9AE-9F3CD253DAB8}"/>
+                </a:ext>
+              </a:extLst>
+            </p:cNvPr>
+            <p:cNvSpPr txBox="1"/>
+            <p:nvPr/>
+          </p:nvSpPr>
+          <p:spPr>
+            <a:xfrm>
+              <a:off x="2254912" y="2786225"/>
+              <a:ext cx="1182523" cy="307777"/>
+            </a:xfrm>
+            <a:prstGeom prst="rect">
+              <a:avLst/>
+            </a:prstGeom>
+            <a:noFill/>
+          </p:spPr>
+          <p:txBody>
+            <a:bodyPr wrap="square" rtlCol="0">
+              <a:spAutoFit/>
+            </a:bodyPr>
+            <a:lstStyle/>
+            <a:p>
+              <a:pPr algn="ctr"/>
+              <a:r>
+                <a:rPr kumimoji="1" lang="en-US" altLang="ja-JP" sz="1400" dirty="0">
+                  <a:solidFill>
+                    <a:schemeClr val="bg1"/>
+                  </a:solidFill>
+                </a:rPr>
+                <a:t>Community</a:t>
+              </a:r>
+              <a:endParaRPr kumimoji="1" lang="ja-JP" altLang="en-US" sz="1400" dirty="0">
+                <a:solidFill>
+                  <a:schemeClr val="bg1"/>
+                </a:solidFill>
+              </a:endParaRPr>
+            </a:p>
+          </p:txBody>
+        </p:sp>
+        <p:cxnSp>
+          <p:nvCxnSpPr>
+            <p:cNvPr id="25" name="コネクタ: カギ線 24">
+              <a:extLst>
+                <a:ext uri="{FF2B5EF4-FFF2-40B4-BE49-F238E27FC236}">
+                  <a16:creationId xmlns:a16="http://schemas.microsoft.com/office/drawing/2014/main" id="{00F30C04-8380-4ADD-9B9E-A42EF3F6C2C7}"/>
+                </a:ext>
+              </a:extLst>
+            </p:cNvPr>
+            <p:cNvCxnSpPr>
+              <a:cxnSpLocks/>
+              <a:stCxn id="21" idx="3"/>
+              <a:endCxn id="6" idx="2"/>
+            </p:cNvCxnSpPr>
+            <p:nvPr/>
+          </p:nvCxnSpPr>
+          <p:spPr>
+            <a:xfrm flipV="1">
+              <a:off x="3422200" y="1790002"/>
+              <a:ext cx="4073201" cy="1150113"/>
+            </a:xfrm>
+            <a:prstGeom prst="bentConnector2">
+              <a:avLst/>
+            </a:prstGeom>
+            <a:ln w="28575">
+              <a:solidFill>
+                <a:schemeClr val="tx1"/>
+              </a:solidFill>
+              <a:tailEnd type="triangle"/>
+            </a:ln>
+          </p:spPr>
+          <p:style>
+            <a:lnRef idx="1">
+              <a:schemeClr val="accent1"/>
+            </a:lnRef>
+            <a:fillRef idx="0">
+              <a:schemeClr val="accent1"/>
+            </a:fillRef>
+            <a:effectRef idx="0">
+              <a:schemeClr val="accent1"/>
+            </a:effectRef>
+            <a:fontRef idx="minor">
+              <a:schemeClr val="tx1"/>
+            </a:fontRef>
+          </p:style>
+        </p:cxnSp>
+        <p:sp>
+          <p:nvSpPr>
+            <p:cNvPr id="27" name="四角形: 角を丸くする 26">
+              <a:extLst>
+                <a:ext uri="{FF2B5EF4-FFF2-40B4-BE49-F238E27FC236}">
+                  <a16:creationId xmlns:a16="http://schemas.microsoft.com/office/drawing/2014/main" id="{5C4A295B-C3B6-4572-8FA1-E079D787A5DF}"/>
+                </a:ext>
+              </a:extLst>
+            </p:cNvPr>
+            <p:cNvSpPr/>
+            <p:nvPr/>
+          </p:nvSpPr>
+          <p:spPr>
+            <a:xfrm>
+              <a:off x="3805102" y="1070002"/>
+              <a:ext cx="1059180" cy="797066"/>
+            </a:xfrm>
+            <a:prstGeom prst="roundRect">
+              <a:avLst/>
+            </a:prstGeom>
+            <a:solidFill>
+              <a:schemeClr val="accent6">
+                <a:lumMod val="75000"/>
+              </a:schemeClr>
+            </a:solidFill>
+          </p:spPr>
+          <p:style>
+            <a:lnRef idx="2">
+              <a:schemeClr val="accent1">
+                <a:shade val="50000"/>
+              </a:schemeClr>
+            </a:lnRef>
+            <a:fillRef idx="1">
+              <a:schemeClr val="accent1"/>
+            </a:fillRef>
+            <a:effectRef idx="0">
+              <a:schemeClr val="accent1"/>
+            </a:effectRef>
+            <a:fontRef idx="minor">
+              <a:schemeClr val="lt1"/>
+            </a:fontRef>
+          </p:style>
+          <p:txBody>
+            <a:bodyPr rtlCol="0" anchor="ctr"/>
+            <a:lstStyle/>
+            <a:p>
+              <a:pPr algn="ctr"/>
+              <a:r>
+                <a:rPr kumimoji="1" lang="en-US" altLang="ja-JP" dirty="0">
+                  <a:solidFill>
+                    <a:schemeClr val="bg1"/>
+                  </a:solidFill>
+                </a:rPr>
+                <a:t>ISV</a:t>
+              </a:r>
+            </a:p>
+          </p:txBody>
+        </p:sp>
+        <p:cxnSp>
+          <p:nvCxnSpPr>
+            <p:cNvPr id="29" name="コネクタ: カギ線 28">
+              <a:extLst>
+                <a:ext uri="{FF2B5EF4-FFF2-40B4-BE49-F238E27FC236}">
+                  <a16:creationId xmlns:a16="http://schemas.microsoft.com/office/drawing/2014/main" id="{335BDB6A-BECC-4D40-9AC5-4273387AEFA0}"/>
+                </a:ext>
+              </a:extLst>
+            </p:cNvPr>
+            <p:cNvCxnSpPr>
+              <a:cxnSpLocks/>
+              <a:stCxn id="21" idx="3"/>
+              <a:endCxn id="27" idx="2"/>
+            </p:cNvCxnSpPr>
+            <p:nvPr/>
+          </p:nvCxnSpPr>
+          <p:spPr>
+            <a:xfrm flipV="1">
+              <a:off x="3422200" y="1867068"/>
+              <a:ext cx="912492" cy="1073047"/>
+            </a:xfrm>
+            <a:prstGeom prst="bentConnector2">
+              <a:avLst/>
+            </a:prstGeom>
+            <a:ln w="28575">
+              <a:solidFill>
+                <a:schemeClr val="tx1"/>
+              </a:solidFill>
+              <a:tailEnd type="triangle"/>
+            </a:ln>
+          </p:spPr>
+          <p:style>
+            <a:lnRef idx="1">
+              <a:schemeClr val="accent1"/>
+            </a:lnRef>
+            <a:fillRef idx="0">
+              <a:schemeClr val="accent1"/>
+            </a:fillRef>
+            <a:effectRef idx="0">
+              <a:schemeClr val="accent1"/>
+            </a:effectRef>
+            <a:fontRef idx="minor">
+              <a:schemeClr val="tx1"/>
+            </a:fontRef>
+          </p:style>
+        </p:cxnSp>
+        <p:cxnSp>
+          <p:nvCxnSpPr>
+            <p:cNvPr id="32" name="直線矢印コネクタ 31">
+              <a:extLst>
+                <a:ext uri="{FF2B5EF4-FFF2-40B4-BE49-F238E27FC236}">
+                  <a16:creationId xmlns:a16="http://schemas.microsoft.com/office/drawing/2014/main" id="{0D467D3A-F7A3-4EAB-98C7-AA7F93D4B95C}"/>
+                </a:ext>
+              </a:extLst>
+            </p:cNvPr>
+            <p:cNvCxnSpPr>
+              <a:cxnSpLocks/>
+              <a:stCxn id="27" idx="3"/>
+              <a:endCxn id="6" idx="1"/>
+            </p:cNvCxnSpPr>
+            <p:nvPr/>
+          </p:nvCxnSpPr>
+          <p:spPr>
+            <a:xfrm flipV="1">
+              <a:off x="4864282" y="1450419"/>
+              <a:ext cx="2092956" cy="18116"/>
+            </a:xfrm>
+            <a:prstGeom prst="straightConnector1">
+              <a:avLst/>
+            </a:prstGeom>
+            <a:ln w="38100">
+              <a:solidFill>
+                <a:schemeClr val="tx1"/>
+              </a:solidFill>
+              <a:tailEnd type="triangle"/>
+            </a:ln>
+          </p:spPr>
+          <p:style>
+            <a:lnRef idx="1">
+              <a:schemeClr val="accent1"/>
+            </a:lnRef>
+            <a:fillRef idx="0">
+              <a:schemeClr val="accent1"/>
+            </a:fillRef>
+            <a:effectRef idx="0">
+              <a:schemeClr val="accent1"/>
+            </a:effectRef>
+            <a:fontRef idx="minor">
+              <a:schemeClr val="tx1"/>
+            </a:fontRef>
+          </p:style>
+        </p:cxnSp>
+        <p:sp>
+          <p:nvSpPr>
+            <p:cNvPr id="37" name="四角形: 角を丸くする 36">
+              <a:extLst>
+                <a:ext uri="{FF2B5EF4-FFF2-40B4-BE49-F238E27FC236}">
+                  <a16:creationId xmlns:a16="http://schemas.microsoft.com/office/drawing/2014/main" id="{2E7E83B3-CFA7-4685-9DD1-F398C4F4388B}"/>
+                </a:ext>
+              </a:extLst>
+            </p:cNvPr>
+            <p:cNvSpPr/>
+            <p:nvPr/>
+          </p:nvSpPr>
+          <p:spPr>
+            <a:xfrm>
+              <a:off x="2292776" y="148846"/>
+              <a:ext cx="1182524" cy="797066"/>
+            </a:xfrm>
+            <a:prstGeom prst="roundRect">
+              <a:avLst/>
+            </a:prstGeom>
+            <a:solidFill>
+              <a:schemeClr val="accent6">
+                <a:lumMod val="75000"/>
+              </a:schemeClr>
+            </a:solidFill>
+          </p:spPr>
+          <p:style>
+            <a:lnRef idx="2">
+              <a:schemeClr val="accent1">
+                <a:shade val="50000"/>
+              </a:schemeClr>
+            </a:lnRef>
+            <a:fillRef idx="1">
+              <a:schemeClr val="accent1"/>
+            </a:fillRef>
+            <a:effectRef idx="0">
+              <a:schemeClr val="accent1"/>
+            </a:effectRef>
+            <a:fontRef idx="minor">
+              <a:schemeClr val="lt1"/>
+            </a:fontRef>
+          </p:style>
+          <p:txBody>
+            <a:bodyPr rtlCol="0" anchor="ctr"/>
+            <a:lstStyle/>
+            <a:p>
+              <a:pPr algn="ctr"/>
+              <a:r>
+                <a:rPr kumimoji="1" lang="en-US" altLang="ja-JP" sz="1400" dirty="0">
+                  <a:solidFill>
+                    <a:schemeClr val="bg1"/>
+                  </a:solidFill>
+                </a:rPr>
+                <a:t>Contractual developer</a:t>
+              </a:r>
+            </a:p>
+          </p:txBody>
+        </p:sp>
+        <p:cxnSp>
+          <p:nvCxnSpPr>
+            <p:cNvPr id="39" name="コネクタ: カギ線 38">
+              <a:extLst>
+                <a:ext uri="{FF2B5EF4-FFF2-40B4-BE49-F238E27FC236}">
+                  <a16:creationId xmlns:a16="http://schemas.microsoft.com/office/drawing/2014/main" id="{F959FEB3-F7A3-485E-8B91-025516951381}"/>
+                </a:ext>
+              </a:extLst>
+            </p:cNvPr>
+            <p:cNvCxnSpPr>
+              <a:cxnSpLocks/>
+              <a:stCxn id="37" idx="3"/>
+              <a:endCxn id="6" idx="1"/>
+            </p:cNvCxnSpPr>
+            <p:nvPr/>
+          </p:nvCxnSpPr>
+          <p:spPr>
+            <a:xfrm>
+              <a:off x="3475300" y="547379"/>
+              <a:ext cx="3481938" cy="903040"/>
+            </a:xfrm>
+            <a:prstGeom prst="bentConnector3">
+              <a:avLst>
+                <a:gd name="adj1" fmla="val 50000"/>
+              </a:avLst>
+            </a:prstGeom>
+            <a:ln w="38100">
+              <a:solidFill>
+                <a:schemeClr val="tx1"/>
+              </a:solidFill>
+              <a:tailEnd type="triangle"/>
+            </a:ln>
+          </p:spPr>
+          <p:style>
+            <a:lnRef idx="1">
+              <a:schemeClr val="accent1"/>
+            </a:lnRef>
+            <a:fillRef idx="0">
+              <a:schemeClr val="accent1"/>
+            </a:fillRef>
+            <a:effectRef idx="0">
+              <a:schemeClr val="accent1"/>
+            </a:effectRef>
+            <a:fontRef idx="minor">
+              <a:schemeClr val="tx1"/>
+            </a:fontRef>
+          </p:style>
+        </p:cxnSp>
+        <p:sp>
+          <p:nvSpPr>
+            <p:cNvPr id="41" name="テキスト ボックス 40">
+              <a:extLst>
+                <a:ext uri="{FF2B5EF4-FFF2-40B4-BE49-F238E27FC236}">
+                  <a16:creationId xmlns:a16="http://schemas.microsoft.com/office/drawing/2014/main" id="{360C0FFA-AD3A-4834-A369-F357C2A8A5B8}"/>
+                </a:ext>
+              </a:extLst>
+            </p:cNvPr>
+            <p:cNvSpPr txBox="1"/>
+            <p:nvPr/>
+          </p:nvSpPr>
+          <p:spPr>
+            <a:xfrm>
+              <a:off x="3670718" y="80790"/>
+              <a:ext cx="1611788" cy="523220"/>
+            </a:xfrm>
+            <a:prstGeom prst="rect">
+              <a:avLst/>
+            </a:prstGeom>
+            <a:noFill/>
+          </p:spPr>
+          <p:txBody>
+            <a:bodyPr wrap="none" rtlCol="0">
+              <a:spAutoFit/>
+            </a:bodyPr>
+            <a:lstStyle/>
+            <a:p>
+              <a:r>
+                <a:rPr kumimoji="1" lang="en-US" altLang="ja-JP" sz="1400" dirty="0"/>
+                <a:t>Software(Incl. OSS) </a:t>
+              </a:r>
+            </a:p>
+            <a:p>
+              <a:r>
+                <a:rPr kumimoji="1" lang="en-US" altLang="ja-JP" sz="1400" dirty="0"/>
+                <a:t>+ License</a:t>
+              </a:r>
+              <a:endParaRPr kumimoji="1" lang="ja-JP" altLang="en-US" sz="1400" dirty="0"/>
+            </a:p>
+          </p:txBody>
+        </p:sp>
+        <p:cxnSp>
+          <p:nvCxnSpPr>
+            <p:cNvPr id="43" name="コネクタ: カギ線 42">
+              <a:extLst>
+                <a:ext uri="{FF2B5EF4-FFF2-40B4-BE49-F238E27FC236}">
+                  <a16:creationId xmlns:a16="http://schemas.microsoft.com/office/drawing/2014/main" id="{BA534EC1-423B-48C8-9DD3-046BC802DA52}"/>
+                </a:ext>
+              </a:extLst>
+            </p:cNvPr>
+            <p:cNvCxnSpPr>
+              <a:cxnSpLocks/>
+              <a:stCxn id="21" idx="0"/>
+              <a:endCxn id="37" idx="2"/>
+            </p:cNvCxnSpPr>
+            <p:nvPr/>
+          </p:nvCxnSpPr>
+          <p:spPr>
+            <a:xfrm rot="5400000" flipH="1" flipV="1">
+              <a:off x="2071664" y="1758287"/>
+              <a:ext cx="1624749" cy="12700"/>
+            </a:xfrm>
+            <a:prstGeom prst="bentConnector3">
+              <a:avLst/>
+            </a:prstGeom>
+            <a:ln w="28575">
+              <a:solidFill>
+                <a:schemeClr val="tx1"/>
+              </a:solidFill>
+              <a:tailEnd type="triangle"/>
+            </a:ln>
+          </p:spPr>
+          <p:style>
+            <a:lnRef idx="1">
+              <a:schemeClr val="accent1"/>
+            </a:lnRef>
+            <a:fillRef idx="0">
+              <a:schemeClr val="accent1"/>
+            </a:fillRef>
+            <a:effectRef idx="0">
+              <a:schemeClr val="accent1"/>
+            </a:effectRef>
+            <a:fontRef idx="minor">
+              <a:schemeClr val="tx1"/>
+            </a:fontRef>
+          </p:style>
+        </p:cxnSp>
+        <p:sp>
+          <p:nvSpPr>
+            <p:cNvPr id="45" name="テキスト ボックス 44">
+              <a:extLst>
+                <a:ext uri="{FF2B5EF4-FFF2-40B4-BE49-F238E27FC236}">
+                  <a16:creationId xmlns:a16="http://schemas.microsoft.com/office/drawing/2014/main" id="{7184E61F-2F91-46A8-868E-F5C506E7D6D1}"/>
+                </a:ext>
+              </a:extLst>
+            </p:cNvPr>
+            <p:cNvSpPr txBox="1"/>
+            <p:nvPr/>
+          </p:nvSpPr>
+          <p:spPr>
+            <a:xfrm>
+              <a:off x="2846174" y="1967148"/>
+              <a:ext cx="1043876" cy="523220"/>
+            </a:xfrm>
+            <a:prstGeom prst="rect">
+              <a:avLst/>
+            </a:prstGeom>
+            <a:noFill/>
+          </p:spPr>
+          <p:txBody>
+            <a:bodyPr wrap="none" rtlCol="0">
+              <a:spAutoFit/>
+            </a:bodyPr>
+            <a:lstStyle/>
+            <a:p>
+              <a:r>
+                <a:rPr kumimoji="1" lang="en-US" altLang="ja-JP" sz="1400" dirty="0"/>
+                <a:t>OSS +</a:t>
+              </a:r>
+            </a:p>
+            <a:p>
+              <a:r>
+                <a:rPr kumimoji="1" lang="en-US" altLang="ja-JP" sz="1400" dirty="0"/>
+                <a:t>OSS</a:t>
+              </a:r>
+              <a:r>
+                <a:rPr kumimoji="1" lang="ja-JP" altLang="en-US" sz="1400" dirty="0"/>
+                <a:t> </a:t>
+              </a:r>
+              <a:r>
+                <a:rPr kumimoji="1" lang="en-US" altLang="ja-JP" sz="1400" dirty="0"/>
+                <a:t>License</a:t>
+              </a:r>
+              <a:endParaRPr kumimoji="1" lang="ja-JP" altLang="en-US" sz="1400" dirty="0"/>
+            </a:p>
+          </p:txBody>
+        </p:sp>
+        <p:sp>
+          <p:nvSpPr>
+            <p:cNvPr id="84" name="テキスト ボックス 83">
+              <a:extLst>
+                <a:ext uri="{FF2B5EF4-FFF2-40B4-BE49-F238E27FC236}">
+                  <a16:creationId xmlns:a16="http://schemas.microsoft.com/office/drawing/2014/main" id="{6DC27636-D8A2-48C3-B1CA-69FE1B715BAA}"/>
+                </a:ext>
+              </a:extLst>
+            </p:cNvPr>
+            <p:cNvSpPr txBox="1"/>
+            <p:nvPr/>
+          </p:nvSpPr>
+          <p:spPr>
+            <a:xfrm>
+              <a:off x="4938902" y="1489675"/>
+              <a:ext cx="1611788" cy="523220"/>
+            </a:xfrm>
+            <a:prstGeom prst="rect">
+              <a:avLst/>
+            </a:prstGeom>
+            <a:noFill/>
+          </p:spPr>
+          <p:txBody>
+            <a:bodyPr wrap="none" rtlCol="0">
+              <a:spAutoFit/>
+            </a:bodyPr>
+            <a:lstStyle/>
+            <a:p>
+              <a:r>
+                <a:rPr kumimoji="1" lang="en-US" altLang="ja-JP" sz="1400" dirty="0"/>
+                <a:t>Software(Incl. OSS) </a:t>
+              </a:r>
+            </a:p>
+            <a:p>
+              <a:r>
+                <a:rPr kumimoji="1" lang="en-US" altLang="ja-JP" sz="1400" dirty="0"/>
+                <a:t>+ License</a:t>
+              </a:r>
+              <a:endParaRPr kumimoji="1" lang="ja-JP" altLang="en-US" sz="1400" dirty="0"/>
+            </a:p>
+          </p:txBody>
+        </p:sp>
+        <p:sp>
+          <p:nvSpPr>
+            <p:cNvPr id="89" name="テキスト ボックス 88">
+              <a:extLst>
+                <a:ext uri="{FF2B5EF4-FFF2-40B4-BE49-F238E27FC236}">
+                  <a16:creationId xmlns:a16="http://schemas.microsoft.com/office/drawing/2014/main" id="{FEB21294-06D1-40DA-B4E3-493FA2AEA1E2}"/>
+                </a:ext>
+              </a:extLst>
+            </p:cNvPr>
+            <p:cNvSpPr txBox="1"/>
+            <p:nvPr/>
+          </p:nvSpPr>
+          <p:spPr>
+            <a:xfrm>
+              <a:off x="4315874" y="2197075"/>
+              <a:ext cx="1043876" cy="523220"/>
+            </a:xfrm>
+            <a:prstGeom prst="rect">
+              <a:avLst/>
+            </a:prstGeom>
+            <a:noFill/>
+          </p:spPr>
+          <p:txBody>
+            <a:bodyPr wrap="none" rtlCol="0">
+              <a:spAutoFit/>
+            </a:bodyPr>
+            <a:lstStyle/>
+            <a:p>
+              <a:r>
+                <a:rPr kumimoji="1" lang="en-US" altLang="ja-JP" sz="1400" dirty="0"/>
+                <a:t>OSS +</a:t>
+              </a:r>
+            </a:p>
+            <a:p>
+              <a:r>
+                <a:rPr kumimoji="1" lang="en-US" altLang="ja-JP" sz="1400" dirty="0"/>
+                <a:t>OSS</a:t>
+              </a:r>
+              <a:r>
+                <a:rPr kumimoji="1" lang="ja-JP" altLang="en-US" sz="1400" dirty="0"/>
+                <a:t> </a:t>
+              </a:r>
+              <a:r>
+                <a:rPr kumimoji="1" lang="en-US" altLang="ja-JP" sz="1400" dirty="0"/>
+                <a:t>License</a:t>
+              </a:r>
+              <a:endParaRPr kumimoji="1" lang="ja-JP" altLang="en-US" sz="1400" dirty="0"/>
+            </a:p>
+          </p:txBody>
+        </p:sp>
+        <p:sp>
+          <p:nvSpPr>
+            <p:cNvPr id="90" name="テキスト ボックス 89">
+              <a:extLst>
+                <a:ext uri="{FF2B5EF4-FFF2-40B4-BE49-F238E27FC236}">
+                  <a16:creationId xmlns:a16="http://schemas.microsoft.com/office/drawing/2014/main" id="{DB9DB79D-596D-4813-811F-26D4727C54B5}"/>
+                </a:ext>
+              </a:extLst>
+            </p:cNvPr>
+            <p:cNvSpPr txBox="1"/>
+            <p:nvPr/>
+          </p:nvSpPr>
+          <p:spPr>
+            <a:xfrm>
+              <a:off x="5788376" y="2449459"/>
+              <a:ext cx="1043876" cy="523220"/>
+            </a:xfrm>
+            <a:prstGeom prst="rect">
+              <a:avLst/>
+            </a:prstGeom>
+            <a:noFill/>
+          </p:spPr>
+          <p:txBody>
+            <a:bodyPr wrap="none" rtlCol="0">
+              <a:spAutoFit/>
+            </a:bodyPr>
+            <a:lstStyle/>
+            <a:p>
+              <a:r>
+                <a:rPr kumimoji="1" lang="en-US" altLang="ja-JP" sz="1400" dirty="0"/>
+                <a:t>OSS +</a:t>
+              </a:r>
+            </a:p>
+            <a:p>
+              <a:r>
+                <a:rPr kumimoji="1" lang="en-US" altLang="ja-JP" sz="1400" dirty="0"/>
+                <a:t>OSS</a:t>
+              </a:r>
+              <a:r>
+                <a:rPr kumimoji="1" lang="ja-JP" altLang="en-US" sz="1400" dirty="0"/>
+                <a:t> </a:t>
+              </a:r>
+              <a:r>
+                <a:rPr kumimoji="1" lang="en-US" altLang="ja-JP" sz="1400" dirty="0"/>
+                <a:t>License</a:t>
+              </a:r>
+              <a:endParaRPr kumimoji="1" lang="ja-JP" altLang="en-US" sz="1400" dirty="0"/>
+            </a:p>
+          </p:txBody>
+        </p:sp>
+        <p:sp>
+          <p:nvSpPr>
+            <p:cNvPr id="107" name="テキスト ボックス 106">
+              <a:extLst>
+                <a:ext uri="{FF2B5EF4-FFF2-40B4-BE49-F238E27FC236}">
+                  <a16:creationId xmlns:a16="http://schemas.microsoft.com/office/drawing/2014/main" id="{6E34EAE4-F36A-4C4C-BA7F-7E7B992E0DBE}"/>
+                </a:ext>
+              </a:extLst>
+            </p:cNvPr>
+            <p:cNvSpPr txBox="1"/>
+            <p:nvPr/>
+          </p:nvSpPr>
+          <p:spPr>
+            <a:xfrm>
+              <a:off x="8694977" y="222526"/>
+              <a:ext cx="1087990" cy="307777"/>
+            </a:xfrm>
+            <a:prstGeom prst="rect">
+              <a:avLst/>
+            </a:prstGeom>
+            <a:noFill/>
+          </p:spPr>
+          <p:txBody>
+            <a:bodyPr wrap="none" rtlCol="0">
+              <a:spAutoFit/>
+            </a:bodyPr>
+            <a:lstStyle/>
+            <a:p>
+              <a:r>
+                <a:rPr kumimoji="1" lang="en-US" altLang="ja-JP" sz="1400" dirty="0"/>
+                <a:t>organization</a:t>
+              </a:r>
+            </a:p>
+          </p:txBody>
+        </p:sp>
+      </p:grpSp>
+      <p:grpSp>
+        <p:nvGrpSpPr>
+          <p:cNvPr id="146" name="グループ化 145">
+            <a:extLst>
+              <a:ext uri="{FF2B5EF4-FFF2-40B4-BE49-F238E27FC236}">
+                <a16:creationId xmlns:a16="http://schemas.microsoft.com/office/drawing/2014/main" id="{6F564B64-B02E-4445-977E-DF6C97C52816}"/>
+              </a:ext>
+            </a:extLst>
+          </p:cNvPr>
+          <p:cNvGrpSpPr/>
+          <p:nvPr/>
+        </p:nvGrpSpPr>
+        <p:grpSpPr>
+          <a:xfrm>
+            <a:off x="279221" y="3286215"/>
+            <a:ext cx="11259541" cy="3241329"/>
+            <a:chOff x="279221" y="3286215"/>
+            <a:chExt cx="11259541" cy="3241329"/>
+          </a:xfrm>
+        </p:grpSpPr>
+        <p:sp>
+          <p:nvSpPr>
+            <p:cNvPr id="60" name="四角形: 角を丸くする 59">
+              <a:extLst>
+                <a:ext uri="{FF2B5EF4-FFF2-40B4-BE49-F238E27FC236}">
+                  <a16:creationId xmlns:a16="http://schemas.microsoft.com/office/drawing/2014/main" id="{D2AA8514-684A-4F8D-B027-1A4695FE4047}"/>
+                </a:ext>
+              </a:extLst>
+            </p:cNvPr>
+            <p:cNvSpPr/>
+            <p:nvPr/>
+          </p:nvSpPr>
+          <p:spPr>
+            <a:xfrm>
+              <a:off x="8563523" y="3300775"/>
+              <a:ext cx="1582371" cy="2446389"/>
+            </a:xfrm>
+            <a:prstGeom prst="roundRect">
+              <a:avLst/>
+            </a:prstGeom>
+            <a:solidFill>
+              <a:schemeClr val="accent1">
+                <a:lumMod val="60000"/>
+                <a:lumOff val="40000"/>
+              </a:schemeClr>
+            </a:solidFill>
+          </p:spPr>
+          <p:style>
+            <a:lnRef idx="2">
+              <a:schemeClr val="accent1">
+                <a:shade val="50000"/>
+              </a:schemeClr>
+            </a:lnRef>
+            <a:fillRef idx="1">
+              <a:schemeClr val="accent1"/>
+            </a:fillRef>
+            <a:effectRef idx="0">
+              <a:schemeClr val="accent1"/>
+            </a:effectRef>
+            <a:fontRef idx="minor">
+              <a:schemeClr val="lt1"/>
+            </a:fontRef>
+          </p:style>
+          <p:txBody>
+            <a:bodyPr rtlCol="0" anchor="ctr"/>
+            <a:lstStyle/>
+            <a:p>
+              <a:pPr algn="ctr"/>
+              <a:endParaRPr kumimoji="1" lang="ja-JP" altLang="en-US" dirty="0"/>
+            </a:p>
+          </p:txBody>
+        </p:sp>
+        <p:sp>
+          <p:nvSpPr>
+            <p:cNvPr id="46" name="テキスト ボックス 45">
+              <a:extLst>
+                <a:ext uri="{FF2B5EF4-FFF2-40B4-BE49-F238E27FC236}">
+                  <a16:creationId xmlns:a16="http://schemas.microsoft.com/office/drawing/2014/main" id="{E83958B1-55C9-4AEA-97E4-C39A2B88DA40}"/>
+                </a:ext>
+              </a:extLst>
+            </p:cNvPr>
+            <p:cNvSpPr txBox="1"/>
+            <p:nvPr/>
+          </p:nvSpPr>
+          <p:spPr>
+            <a:xfrm>
+              <a:off x="279221" y="4216271"/>
+              <a:ext cx="1931541" cy="646331"/>
+            </a:xfrm>
+            <a:prstGeom prst="rect">
+              <a:avLst/>
+            </a:prstGeom>
+            <a:noFill/>
+          </p:spPr>
+          <p:txBody>
+            <a:bodyPr wrap="square" rtlCol="0">
+              <a:spAutoFit/>
+            </a:bodyPr>
+            <a:lstStyle/>
+            <a:p>
+              <a:r>
+                <a:rPr kumimoji="1" lang="en-US" altLang="ja-JP" dirty="0"/>
+                <a:t>Case 2: Self brand</a:t>
+              </a:r>
+            </a:p>
+            <a:p>
+              <a:r>
+                <a:rPr kumimoji="1" lang="en-US" altLang="ja-JP" dirty="0"/>
+                <a:t>(Contract dev.)</a:t>
+              </a:r>
+            </a:p>
+          </p:txBody>
+        </p:sp>
+        <p:sp>
+          <p:nvSpPr>
+            <p:cNvPr id="48" name="四角形: 角を丸くする 47">
+              <a:extLst>
+                <a:ext uri="{FF2B5EF4-FFF2-40B4-BE49-F238E27FC236}">
+                  <a16:creationId xmlns:a16="http://schemas.microsoft.com/office/drawing/2014/main" id="{852FEEDE-32B4-480F-9411-E99CE4418373}"/>
+                </a:ext>
+              </a:extLst>
+            </p:cNvPr>
+            <p:cNvSpPr/>
+            <p:nvPr/>
+          </p:nvSpPr>
+          <p:spPr>
+            <a:xfrm>
+              <a:off x="10462437" y="4695393"/>
+              <a:ext cx="1076325" cy="381000"/>
+            </a:xfrm>
+            <a:prstGeom prst="roundRect">
+              <a:avLst/>
+            </a:prstGeom>
+            <a:solidFill>
+              <a:schemeClr val="accent6">
+                <a:lumMod val="75000"/>
+              </a:schemeClr>
+            </a:solidFill>
+          </p:spPr>
+          <p:style>
+            <a:lnRef idx="2">
+              <a:schemeClr val="accent1">
+                <a:shade val="50000"/>
+              </a:schemeClr>
+            </a:lnRef>
+            <a:fillRef idx="1">
+              <a:schemeClr val="accent1"/>
+            </a:fillRef>
+            <a:effectRef idx="0">
+              <a:schemeClr val="accent1"/>
+            </a:effectRef>
+            <a:fontRef idx="minor">
+              <a:schemeClr val="lt1"/>
+            </a:fontRef>
+          </p:style>
+          <p:txBody>
+            <a:bodyPr rtlCol="0" anchor="ctr"/>
+            <a:lstStyle/>
+            <a:p>
+              <a:pPr algn="ctr"/>
+              <a:endParaRPr kumimoji="1" lang="ja-JP" altLang="en-US" dirty="0">
+                <a:solidFill>
+                  <a:schemeClr val="bg1"/>
+                </a:solidFill>
+              </a:endParaRPr>
+            </a:p>
+          </p:txBody>
+        </p:sp>
+        <p:cxnSp>
+          <p:nvCxnSpPr>
+            <p:cNvPr id="49" name="直線矢印コネクタ 48">
+              <a:extLst>
+                <a:ext uri="{FF2B5EF4-FFF2-40B4-BE49-F238E27FC236}">
+                  <a16:creationId xmlns:a16="http://schemas.microsoft.com/office/drawing/2014/main" id="{1608802E-6ACA-4302-B8E3-5A7899B05897}"/>
+                </a:ext>
+              </a:extLst>
+            </p:cNvPr>
+            <p:cNvCxnSpPr>
+              <a:cxnSpLocks/>
+              <a:stCxn id="66" idx="3"/>
+              <a:endCxn id="53" idx="1"/>
+            </p:cNvCxnSpPr>
+            <p:nvPr/>
+          </p:nvCxnSpPr>
+          <p:spPr>
+            <a:xfrm>
+              <a:off x="7027906" y="4921706"/>
+              <a:ext cx="1816358" cy="0"/>
+            </a:xfrm>
+            <a:prstGeom prst="straightConnector1">
+              <a:avLst/>
+            </a:prstGeom>
+            <a:ln w="38100">
+              <a:solidFill>
+                <a:schemeClr val="tx1"/>
+              </a:solidFill>
+              <a:tailEnd type="triangle"/>
+            </a:ln>
+          </p:spPr>
+          <p:style>
+            <a:lnRef idx="1">
+              <a:schemeClr val="accent1"/>
+            </a:lnRef>
+            <a:fillRef idx="0">
+              <a:schemeClr val="accent1"/>
+            </a:fillRef>
+            <a:effectRef idx="0">
+              <a:schemeClr val="accent1"/>
+            </a:effectRef>
+            <a:fontRef idx="minor">
+              <a:schemeClr val="tx1"/>
+            </a:fontRef>
+          </p:style>
+        </p:cxnSp>
+        <p:sp>
+          <p:nvSpPr>
+            <p:cNvPr id="50" name="四角形: 角を丸くする 49">
+              <a:extLst>
+                <a:ext uri="{FF2B5EF4-FFF2-40B4-BE49-F238E27FC236}">
+                  <a16:creationId xmlns:a16="http://schemas.microsoft.com/office/drawing/2014/main" id="{6F493954-B609-42E0-901F-92FE56BE96E5}"/>
+                </a:ext>
+              </a:extLst>
+            </p:cNvPr>
+            <p:cNvSpPr/>
+            <p:nvPr/>
+          </p:nvSpPr>
+          <p:spPr>
+            <a:xfrm>
+              <a:off x="8844264" y="4532091"/>
+              <a:ext cx="1076325" cy="707603"/>
+            </a:xfrm>
+            <a:prstGeom prst="roundRect">
+              <a:avLst/>
+            </a:prstGeom>
+            <a:solidFill>
+              <a:srgbClr val="FFFF00"/>
+            </a:solidFill>
+          </p:spPr>
+          <p:style>
+            <a:lnRef idx="2">
+              <a:schemeClr val="accent1">
+                <a:shade val="50000"/>
+              </a:schemeClr>
+            </a:lnRef>
+            <a:fillRef idx="1">
+              <a:schemeClr val="accent1"/>
+            </a:fillRef>
+            <a:effectRef idx="0">
+              <a:schemeClr val="accent1"/>
+            </a:effectRef>
+            <a:fontRef idx="minor">
+              <a:schemeClr val="lt1"/>
+            </a:fontRef>
+          </p:style>
+          <p:txBody>
+            <a:bodyPr rtlCol="0" anchor="ctr"/>
+            <a:lstStyle/>
+            <a:p>
+              <a:pPr algn="ctr"/>
+              <a:endParaRPr kumimoji="1" lang="ja-JP" altLang="en-US" dirty="0">
+                <a:solidFill>
+                  <a:schemeClr val="bg1"/>
+                </a:solidFill>
+              </a:endParaRPr>
+            </a:p>
+          </p:txBody>
+        </p:sp>
+        <p:cxnSp>
+          <p:nvCxnSpPr>
+            <p:cNvPr id="51" name="直線矢印コネクタ 50">
+              <a:extLst>
+                <a:ext uri="{FF2B5EF4-FFF2-40B4-BE49-F238E27FC236}">
+                  <a16:creationId xmlns:a16="http://schemas.microsoft.com/office/drawing/2014/main" id="{DA921F58-50D4-46F0-A5E5-A4F53D7BEE31}"/>
+                </a:ext>
+              </a:extLst>
+            </p:cNvPr>
+            <p:cNvCxnSpPr>
+              <a:cxnSpLocks/>
+              <a:stCxn id="50" idx="3"/>
+              <a:endCxn id="48" idx="1"/>
+            </p:cNvCxnSpPr>
+            <p:nvPr/>
+          </p:nvCxnSpPr>
+          <p:spPr>
+            <a:xfrm>
+              <a:off x="9920589" y="4885893"/>
+              <a:ext cx="541848" cy="0"/>
+            </a:xfrm>
+            <a:prstGeom prst="straightConnector1">
+              <a:avLst/>
+            </a:prstGeom>
+            <a:ln w="38100">
+              <a:solidFill>
+                <a:schemeClr val="tx1"/>
+              </a:solidFill>
+              <a:tailEnd type="triangle"/>
+            </a:ln>
+          </p:spPr>
+          <p:style>
+            <a:lnRef idx="1">
+              <a:schemeClr val="accent1"/>
+            </a:lnRef>
+            <a:fillRef idx="0">
+              <a:schemeClr val="accent1"/>
+            </a:fillRef>
+            <a:effectRef idx="0">
+              <a:schemeClr val="accent1"/>
+            </a:effectRef>
+            <a:fontRef idx="minor">
+              <a:schemeClr val="tx1"/>
+            </a:fontRef>
+          </p:style>
+        </p:cxnSp>
+        <p:sp>
+          <p:nvSpPr>
+            <p:cNvPr id="53" name="テキスト ボックス 52">
+              <a:extLst>
+                <a:ext uri="{FF2B5EF4-FFF2-40B4-BE49-F238E27FC236}">
+                  <a16:creationId xmlns:a16="http://schemas.microsoft.com/office/drawing/2014/main" id="{78A55CF4-2797-47AB-8B81-1B11C3C28041}"/>
+                </a:ext>
+              </a:extLst>
+            </p:cNvPr>
+            <p:cNvSpPr txBox="1"/>
+            <p:nvPr/>
+          </p:nvSpPr>
+          <p:spPr>
+            <a:xfrm>
+              <a:off x="8844264" y="4552374"/>
+              <a:ext cx="1223467" cy="738664"/>
+            </a:xfrm>
+            <a:prstGeom prst="rect">
+              <a:avLst/>
+            </a:prstGeom>
+            <a:noFill/>
+          </p:spPr>
+          <p:txBody>
+            <a:bodyPr wrap="square" rtlCol="0">
+              <a:spAutoFit/>
+            </a:bodyPr>
+            <a:lstStyle/>
+            <a:p>
+              <a:pPr algn="ctr"/>
+              <a:r>
+                <a:rPr kumimoji="1" lang="en-US" altLang="ja-JP" sz="1400" dirty="0"/>
+                <a:t>Inbound/</a:t>
+              </a:r>
+            </a:p>
+            <a:p>
+              <a:pPr algn="ctr"/>
+              <a:r>
+                <a:rPr kumimoji="1" lang="en-US" altLang="ja-JP" sz="1400" dirty="0"/>
+                <a:t>verification/</a:t>
+              </a:r>
+            </a:p>
+            <a:p>
+              <a:pPr algn="ctr"/>
+              <a:r>
+                <a:rPr kumimoji="1" lang="ja-JP" altLang="en-US" sz="1400" dirty="0"/>
+                <a:t> </a:t>
+              </a:r>
+              <a:r>
+                <a:rPr kumimoji="1" lang="en-US" altLang="ja-JP" sz="1400" dirty="0"/>
+                <a:t>Release</a:t>
+              </a:r>
+              <a:endParaRPr kumimoji="1" lang="ja-JP" altLang="en-US" sz="1400" dirty="0"/>
+            </a:p>
+          </p:txBody>
+        </p:sp>
+        <p:sp>
+          <p:nvSpPr>
+            <p:cNvPr id="56" name="テキスト ボックス 55">
+              <a:extLst>
+                <a:ext uri="{FF2B5EF4-FFF2-40B4-BE49-F238E27FC236}">
+                  <a16:creationId xmlns:a16="http://schemas.microsoft.com/office/drawing/2014/main" id="{E15B0128-137E-4365-A037-9AF7A295DC19}"/>
+                </a:ext>
+              </a:extLst>
+            </p:cNvPr>
+            <p:cNvSpPr txBox="1"/>
+            <p:nvPr/>
+          </p:nvSpPr>
+          <p:spPr>
+            <a:xfrm>
+              <a:off x="10562450" y="4740171"/>
+              <a:ext cx="819150" cy="276999"/>
+            </a:xfrm>
+            <a:prstGeom prst="rect">
+              <a:avLst/>
+            </a:prstGeom>
+            <a:noFill/>
+          </p:spPr>
+          <p:txBody>
+            <a:bodyPr wrap="square" rtlCol="0">
+              <a:spAutoFit/>
+            </a:bodyPr>
+            <a:lstStyle/>
+            <a:p>
+              <a:pPr algn="ctr"/>
+              <a:r>
+                <a:rPr kumimoji="1" lang="en-US" altLang="ja-JP" sz="1200" dirty="0">
+                  <a:solidFill>
+                    <a:schemeClr val="bg1"/>
+                  </a:solidFill>
+                </a:rPr>
+                <a:t>End</a:t>
+              </a:r>
+              <a:r>
+                <a:rPr kumimoji="1" lang="ja-JP" altLang="en-US" sz="1200" dirty="0">
+                  <a:solidFill>
+                    <a:schemeClr val="bg1"/>
+                  </a:solidFill>
+                </a:rPr>
+                <a:t> </a:t>
+              </a:r>
+              <a:r>
+                <a:rPr kumimoji="1" lang="en-US" altLang="ja-JP" sz="1200" dirty="0">
+                  <a:solidFill>
+                    <a:schemeClr val="bg1"/>
+                  </a:solidFill>
+                </a:rPr>
+                <a:t>user</a:t>
+              </a:r>
+              <a:endParaRPr kumimoji="1" lang="ja-JP" altLang="en-US" sz="1200" dirty="0">
+                <a:solidFill>
+                  <a:schemeClr val="bg1"/>
+                </a:solidFill>
+              </a:endParaRPr>
+            </a:p>
+          </p:txBody>
+        </p:sp>
+        <p:sp>
+          <p:nvSpPr>
+            <p:cNvPr id="57" name="四角形: 角を丸くする 56">
+              <a:extLst>
+                <a:ext uri="{FF2B5EF4-FFF2-40B4-BE49-F238E27FC236}">
+                  <a16:creationId xmlns:a16="http://schemas.microsoft.com/office/drawing/2014/main" id="{95EB0D9C-A467-4184-8FCC-CF925362401A}"/>
+                </a:ext>
+              </a:extLst>
+            </p:cNvPr>
+            <p:cNvSpPr/>
+            <p:nvPr/>
+          </p:nvSpPr>
+          <p:spPr>
+            <a:xfrm>
+              <a:off x="2746284" y="5873471"/>
+              <a:ext cx="1076325" cy="654073"/>
+            </a:xfrm>
+            <a:prstGeom prst="roundRect">
+              <a:avLst/>
+            </a:prstGeom>
+            <a:solidFill>
+              <a:schemeClr val="accent6">
+                <a:lumMod val="75000"/>
+              </a:schemeClr>
+            </a:solidFill>
+          </p:spPr>
+          <p:style>
+            <a:lnRef idx="2">
+              <a:schemeClr val="accent1">
+                <a:shade val="50000"/>
+              </a:schemeClr>
+            </a:lnRef>
+            <a:fillRef idx="1">
+              <a:schemeClr val="accent1"/>
+            </a:fillRef>
+            <a:effectRef idx="0">
+              <a:schemeClr val="accent1"/>
+            </a:effectRef>
+            <a:fontRef idx="minor">
+              <a:schemeClr val="lt1"/>
+            </a:fontRef>
+          </p:style>
+          <p:txBody>
+            <a:bodyPr rtlCol="0" anchor="ctr"/>
+            <a:lstStyle/>
+            <a:p>
+              <a:pPr algn="ctr"/>
+              <a:endParaRPr kumimoji="1" lang="ja-JP" altLang="en-US"/>
+            </a:p>
+          </p:txBody>
+        </p:sp>
+        <p:sp>
+          <p:nvSpPr>
+            <p:cNvPr id="58" name="テキスト ボックス 57">
+              <a:extLst>
+                <a:ext uri="{FF2B5EF4-FFF2-40B4-BE49-F238E27FC236}">
+                  <a16:creationId xmlns:a16="http://schemas.microsoft.com/office/drawing/2014/main" id="{F90174D8-2103-4DBF-8A91-E4EC954F5871}"/>
+                </a:ext>
+              </a:extLst>
+            </p:cNvPr>
+            <p:cNvSpPr txBox="1"/>
+            <p:nvPr/>
+          </p:nvSpPr>
+          <p:spPr>
+            <a:xfrm>
+              <a:off x="2664806" y="6053592"/>
+              <a:ext cx="1118138" cy="307777"/>
+            </a:xfrm>
+            <a:prstGeom prst="rect">
+              <a:avLst/>
+            </a:prstGeom>
+            <a:noFill/>
+          </p:spPr>
+          <p:txBody>
+            <a:bodyPr wrap="square" rtlCol="0">
+              <a:spAutoFit/>
+            </a:bodyPr>
+            <a:lstStyle/>
+            <a:p>
+              <a:pPr algn="ctr"/>
+              <a:r>
+                <a:rPr kumimoji="1" lang="en-US" altLang="ja-JP" sz="1400" dirty="0">
+                  <a:solidFill>
+                    <a:schemeClr val="bg1"/>
+                  </a:solidFill>
+                </a:rPr>
+                <a:t>Community</a:t>
+              </a:r>
+              <a:endParaRPr kumimoji="1" lang="ja-JP" altLang="en-US" sz="1400" dirty="0">
+                <a:solidFill>
+                  <a:schemeClr val="bg1"/>
+                </a:solidFill>
+              </a:endParaRPr>
+            </a:p>
+          </p:txBody>
+        </p:sp>
+        <p:cxnSp>
+          <p:nvCxnSpPr>
+            <p:cNvPr id="59" name="コネクタ: カギ線 58">
+              <a:extLst>
+                <a:ext uri="{FF2B5EF4-FFF2-40B4-BE49-F238E27FC236}">
+                  <a16:creationId xmlns:a16="http://schemas.microsoft.com/office/drawing/2014/main" id="{10D3A783-0094-4DFB-9BC9-4DD199536917}"/>
+                </a:ext>
+              </a:extLst>
+            </p:cNvPr>
+            <p:cNvCxnSpPr>
+              <a:cxnSpLocks/>
+              <a:stCxn id="57" idx="3"/>
+              <a:endCxn id="66" idx="2"/>
+            </p:cNvCxnSpPr>
+            <p:nvPr/>
+          </p:nvCxnSpPr>
+          <p:spPr>
+            <a:xfrm flipV="1">
+              <a:off x="3822609" y="5320239"/>
+              <a:ext cx="2583519" cy="880269"/>
+            </a:xfrm>
+            <a:prstGeom prst="bentConnector2">
+              <a:avLst/>
+            </a:prstGeom>
+            <a:ln w="38100">
+              <a:solidFill>
+                <a:schemeClr val="tx1"/>
+              </a:solidFill>
+              <a:tailEnd type="triangle"/>
+            </a:ln>
+          </p:spPr>
+          <p:style>
+            <a:lnRef idx="1">
+              <a:schemeClr val="accent1"/>
+            </a:lnRef>
+            <a:fillRef idx="0">
+              <a:schemeClr val="accent1"/>
+            </a:fillRef>
+            <a:effectRef idx="0">
+              <a:schemeClr val="accent1"/>
+            </a:effectRef>
+            <a:fontRef idx="minor">
+              <a:schemeClr val="tx1"/>
+            </a:fontRef>
+          </p:style>
+        </p:cxnSp>
+        <p:sp>
+          <p:nvSpPr>
+            <p:cNvPr id="61" name="四角形: 角を丸くする 60">
+              <a:extLst>
+                <a:ext uri="{FF2B5EF4-FFF2-40B4-BE49-F238E27FC236}">
+                  <a16:creationId xmlns:a16="http://schemas.microsoft.com/office/drawing/2014/main" id="{7D9CBD88-2440-414C-B017-04395B36C75E}"/>
+                </a:ext>
+              </a:extLst>
+            </p:cNvPr>
+            <p:cNvSpPr/>
+            <p:nvPr/>
+          </p:nvSpPr>
+          <p:spPr>
+            <a:xfrm>
+              <a:off x="2753682" y="4539437"/>
+              <a:ext cx="1059180" cy="797066"/>
+            </a:xfrm>
+            <a:prstGeom prst="roundRect">
+              <a:avLst/>
+            </a:prstGeom>
+            <a:solidFill>
+              <a:schemeClr val="accent6">
+                <a:lumMod val="75000"/>
+              </a:schemeClr>
+            </a:solidFill>
+          </p:spPr>
+          <p:style>
+            <a:lnRef idx="2">
+              <a:schemeClr val="accent1">
+                <a:shade val="50000"/>
+              </a:schemeClr>
+            </a:lnRef>
+            <a:fillRef idx="1">
+              <a:schemeClr val="accent1"/>
+            </a:fillRef>
+            <a:effectRef idx="0">
+              <a:schemeClr val="accent1"/>
+            </a:effectRef>
+            <a:fontRef idx="minor">
+              <a:schemeClr val="lt1"/>
+            </a:fontRef>
+          </p:style>
+          <p:txBody>
+            <a:bodyPr rtlCol="0" anchor="ctr"/>
+            <a:lstStyle/>
+            <a:p>
+              <a:pPr algn="ctr"/>
+              <a:r>
+                <a:rPr kumimoji="1" lang="en-US" altLang="ja-JP" dirty="0">
+                  <a:solidFill>
+                    <a:schemeClr val="bg1"/>
+                  </a:solidFill>
+                </a:rPr>
+                <a:t>ISV</a:t>
+              </a:r>
+            </a:p>
+          </p:txBody>
+        </p:sp>
+        <p:cxnSp>
+          <p:nvCxnSpPr>
+            <p:cNvPr id="62" name="コネクタ: カギ線 61">
+              <a:extLst>
+                <a:ext uri="{FF2B5EF4-FFF2-40B4-BE49-F238E27FC236}">
+                  <a16:creationId xmlns:a16="http://schemas.microsoft.com/office/drawing/2014/main" id="{2A79BEFA-12F3-4198-BDED-29552C895126}"/>
+                </a:ext>
+              </a:extLst>
+            </p:cNvPr>
+            <p:cNvCxnSpPr>
+              <a:cxnSpLocks/>
+              <a:stCxn id="57" idx="0"/>
+              <a:endCxn id="61" idx="2"/>
+            </p:cNvCxnSpPr>
+            <p:nvPr/>
+          </p:nvCxnSpPr>
+          <p:spPr>
+            <a:xfrm rot="16200000" flipV="1">
+              <a:off x="3015376" y="5604399"/>
+              <a:ext cx="536968" cy="1175"/>
+            </a:xfrm>
+            <a:prstGeom prst="bentConnector3">
+              <a:avLst>
+                <a:gd name="adj1" fmla="val 50000"/>
+              </a:avLst>
+            </a:prstGeom>
+            <a:ln w="38100">
+              <a:solidFill>
+                <a:schemeClr val="tx1"/>
+              </a:solidFill>
+              <a:tailEnd type="triangle"/>
+            </a:ln>
+          </p:spPr>
+          <p:style>
+            <a:lnRef idx="1">
+              <a:schemeClr val="accent1"/>
+            </a:lnRef>
+            <a:fillRef idx="0">
+              <a:schemeClr val="accent1"/>
+            </a:fillRef>
+            <a:effectRef idx="0">
+              <a:schemeClr val="accent1"/>
+            </a:effectRef>
+            <a:fontRef idx="minor">
+              <a:schemeClr val="tx1"/>
+            </a:fontRef>
+          </p:style>
+        </p:cxnSp>
+        <p:cxnSp>
+          <p:nvCxnSpPr>
+            <p:cNvPr id="63" name="直線矢印コネクタ 62">
+              <a:extLst>
+                <a:ext uri="{FF2B5EF4-FFF2-40B4-BE49-F238E27FC236}">
+                  <a16:creationId xmlns:a16="http://schemas.microsoft.com/office/drawing/2014/main" id="{0F1711F6-B005-4615-96B4-1E1F8D31979B}"/>
+                </a:ext>
+              </a:extLst>
+            </p:cNvPr>
+            <p:cNvCxnSpPr>
+              <a:cxnSpLocks/>
+              <a:stCxn id="61" idx="3"/>
+              <a:endCxn id="66" idx="1"/>
+            </p:cNvCxnSpPr>
+            <p:nvPr/>
+          </p:nvCxnSpPr>
+          <p:spPr>
+            <a:xfrm flipV="1">
+              <a:off x="3812862" y="4921706"/>
+              <a:ext cx="1971488" cy="16264"/>
+            </a:xfrm>
+            <a:prstGeom prst="straightConnector1">
+              <a:avLst/>
+            </a:prstGeom>
+            <a:ln w="38100">
+              <a:solidFill>
+                <a:schemeClr val="tx1"/>
+              </a:solidFill>
+              <a:tailEnd type="triangle"/>
+            </a:ln>
+          </p:spPr>
+          <p:style>
+            <a:lnRef idx="1">
+              <a:schemeClr val="accent1"/>
+            </a:lnRef>
+            <a:fillRef idx="0">
+              <a:schemeClr val="accent1"/>
+            </a:fillRef>
+            <a:effectRef idx="0">
+              <a:schemeClr val="accent1"/>
+            </a:effectRef>
+            <a:fontRef idx="minor">
+              <a:schemeClr val="tx1"/>
+            </a:fontRef>
+          </p:style>
+        </p:cxnSp>
+        <p:sp>
+          <p:nvSpPr>
+            <p:cNvPr id="66" name="四角形: 角を丸くする 65">
+              <a:extLst>
+                <a:ext uri="{FF2B5EF4-FFF2-40B4-BE49-F238E27FC236}">
+                  <a16:creationId xmlns:a16="http://schemas.microsoft.com/office/drawing/2014/main" id="{A3967FCF-A1E5-4675-B432-410DF2FF4B63}"/>
+                </a:ext>
+              </a:extLst>
+            </p:cNvPr>
+            <p:cNvSpPr/>
+            <p:nvPr/>
+          </p:nvSpPr>
+          <p:spPr>
+            <a:xfrm>
+              <a:off x="5784350" y="4523173"/>
+              <a:ext cx="1243556" cy="797066"/>
+            </a:xfrm>
+            <a:prstGeom prst="roundRect">
+              <a:avLst/>
+            </a:prstGeom>
+            <a:solidFill>
+              <a:schemeClr val="accent6">
+                <a:lumMod val="75000"/>
+              </a:schemeClr>
+            </a:solidFill>
+          </p:spPr>
+          <p:style>
+            <a:lnRef idx="2">
+              <a:schemeClr val="accent1">
+                <a:shade val="50000"/>
+              </a:schemeClr>
+            </a:lnRef>
+            <a:fillRef idx="1">
+              <a:schemeClr val="accent1"/>
+            </a:fillRef>
+            <a:effectRef idx="0">
+              <a:schemeClr val="accent1"/>
+            </a:effectRef>
+            <a:fontRef idx="minor">
+              <a:schemeClr val="lt1"/>
+            </a:fontRef>
+          </p:style>
+          <p:txBody>
+            <a:bodyPr rtlCol="0" anchor="ctr"/>
+            <a:lstStyle/>
+            <a:p>
+              <a:pPr algn="ctr"/>
+              <a:r>
+                <a:rPr kumimoji="1" lang="en-US" altLang="ja-JP" sz="1400" dirty="0">
+                  <a:solidFill>
+                    <a:schemeClr val="bg1"/>
+                  </a:solidFill>
+                </a:rPr>
+                <a:t>Contractual developer</a:t>
+              </a:r>
+            </a:p>
+          </p:txBody>
+        </p:sp>
+        <p:sp>
+          <p:nvSpPr>
+            <p:cNvPr id="85" name="四角形: 角を丸くする 84">
+              <a:extLst>
+                <a:ext uri="{FF2B5EF4-FFF2-40B4-BE49-F238E27FC236}">
+                  <a16:creationId xmlns:a16="http://schemas.microsoft.com/office/drawing/2014/main" id="{12D032A5-24C0-48F0-ADBA-73C62D86BAB9}"/>
+                </a:ext>
+              </a:extLst>
+            </p:cNvPr>
+            <p:cNvSpPr/>
+            <p:nvPr/>
+          </p:nvSpPr>
+          <p:spPr>
+            <a:xfrm>
+              <a:off x="8817822" y="3767417"/>
+              <a:ext cx="1076325" cy="619588"/>
+            </a:xfrm>
+            <a:prstGeom prst="roundRect">
+              <a:avLst/>
+            </a:prstGeom>
+            <a:solidFill>
+              <a:srgbClr val="FFFF00"/>
+            </a:solidFill>
+          </p:spPr>
+          <p:style>
+            <a:lnRef idx="2">
+              <a:schemeClr val="accent1">
+                <a:shade val="50000"/>
+              </a:schemeClr>
+            </a:lnRef>
+            <a:fillRef idx="1">
+              <a:schemeClr val="accent1"/>
+            </a:fillRef>
+            <a:effectRef idx="0">
+              <a:schemeClr val="accent1"/>
+            </a:effectRef>
+            <a:fontRef idx="minor">
+              <a:schemeClr val="lt1"/>
+            </a:fontRef>
+          </p:style>
+          <p:txBody>
+            <a:bodyPr rtlCol="0" anchor="ctr"/>
+            <a:lstStyle/>
+            <a:p>
+              <a:pPr algn="ctr"/>
+              <a:endParaRPr kumimoji="1" lang="ja-JP" altLang="en-US">
+                <a:solidFill>
+                  <a:schemeClr val="bg1"/>
+                </a:solidFill>
+              </a:endParaRPr>
+            </a:p>
+          </p:txBody>
+        </p:sp>
+        <p:sp>
+          <p:nvSpPr>
+            <p:cNvPr id="86" name="テキスト ボックス 85">
+              <a:extLst>
+                <a:ext uri="{FF2B5EF4-FFF2-40B4-BE49-F238E27FC236}">
+                  <a16:creationId xmlns:a16="http://schemas.microsoft.com/office/drawing/2014/main" id="{F300888D-7729-4421-BC3F-18B97C9037E6}"/>
+                </a:ext>
+              </a:extLst>
+            </p:cNvPr>
+            <p:cNvSpPr txBox="1"/>
+            <p:nvPr/>
+          </p:nvSpPr>
+          <p:spPr>
+            <a:xfrm>
+              <a:off x="8888141" y="3817698"/>
+              <a:ext cx="1024579" cy="523220"/>
+            </a:xfrm>
+            <a:prstGeom prst="rect">
+              <a:avLst/>
+            </a:prstGeom>
+            <a:noFill/>
+          </p:spPr>
+          <p:txBody>
+            <a:bodyPr wrap="square" rtlCol="0">
+              <a:spAutoFit/>
+            </a:bodyPr>
+            <a:lstStyle/>
+            <a:p>
+              <a:pPr algn="ctr"/>
+              <a:r>
+                <a:rPr kumimoji="1" lang="en-US" altLang="ja-JP" sz="1400" dirty="0"/>
+                <a:t>Planning/Marketing</a:t>
+              </a:r>
+              <a:endParaRPr kumimoji="1" lang="ja-JP" altLang="en-US" sz="1400" dirty="0"/>
+            </a:p>
+          </p:txBody>
+        </p:sp>
+        <p:sp>
+          <p:nvSpPr>
+            <p:cNvPr id="87" name="テキスト ボックス 86">
+              <a:extLst>
+                <a:ext uri="{FF2B5EF4-FFF2-40B4-BE49-F238E27FC236}">
+                  <a16:creationId xmlns:a16="http://schemas.microsoft.com/office/drawing/2014/main" id="{35EDF436-7DF3-4F07-91F2-76F1E0D2169B}"/>
+                </a:ext>
+              </a:extLst>
+            </p:cNvPr>
+            <p:cNvSpPr txBox="1"/>
+            <p:nvPr/>
+          </p:nvSpPr>
+          <p:spPr>
+            <a:xfrm>
+              <a:off x="3975922" y="4430950"/>
+              <a:ext cx="1611788" cy="523220"/>
+            </a:xfrm>
+            <a:prstGeom prst="rect">
+              <a:avLst/>
+            </a:prstGeom>
+            <a:noFill/>
+          </p:spPr>
+          <p:txBody>
+            <a:bodyPr wrap="none" rtlCol="0">
+              <a:spAutoFit/>
+            </a:bodyPr>
+            <a:lstStyle/>
+            <a:p>
+              <a:r>
+                <a:rPr kumimoji="1" lang="en-US" altLang="ja-JP" sz="1400" dirty="0"/>
+                <a:t>Software(Incl. OSS) </a:t>
+              </a:r>
+            </a:p>
+            <a:p>
+              <a:r>
+                <a:rPr kumimoji="1" lang="en-US" altLang="ja-JP" sz="1400" dirty="0"/>
+                <a:t>+ License</a:t>
+              </a:r>
+              <a:endParaRPr kumimoji="1" lang="ja-JP" altLang="en-US" sz="1400" dirty="0"/>
+            </a:p>
+          </p:txBody>
+        </p:sp>
+        <p:sp>
+          <p:nvSpPr>
+            <p:cNvPr id="91" name="テキスト ボックス 90">
+              <a:extLst>
+                <a:ext uri="{FF2B5EF4-FFF2-40B4-BE49-F238E27FC236}">
+                  <a16:creationId xmlns:a16="http://schemas.microsoft.com/office/drawing/2014/main" id="{56E686D6-3AA1-4E01-9032-5394BFE4BB89}"/>
+                </a:ext>
+              </a:extLst>
+            </p:cNvPr>
+            <p:cNvSpPr txBox="1"/>
+            <p:nvPr/>
+          </p:nvSpPr>
+          <p:spPr>
+            <a:xfrm>
+              <a:off x="3308323" y="5367328"/>
+              <a:ext cx="1043876" cy="523220"/>
+            </a:xfrm>
+            <a:prstGeom prst="rect">
+              <a:avLst/>
+            </a:prstGeom>
+            <a:noFill/>
+          </p:spPr>
+          <p:txBody>
+            <a:bodyPr wrap="none" rtlCol="0">
+              <a:spAutoFit/>
+            </a:bodyPr>
+            <a:lstStyle/>
+            <a:p>
+              <a:r>
+                <a:rPr kumimoji="1" lang="en-US" altLang="ja-JP" sz="1400" dirty="0"/>
+                <a:t>OSS +</a:t>
+              </a:r>
+            </a:p>
+            <a:p>
+              <a:r>
+                <a:rPr kumimoji="1" lang="en-US" altLang="ja-JP" sz="1400" dirty="0"/>
+                <a:t>OSS</a:t>
+              </a:r>
+              <a:r>
+                <a:rPr kumimoji="1" lang="ja-JP" altLang="en-US" sz="1400" dirty="0"/>
+                <a:t> </a:t>
+              </a:r>
+              <a:r>
+                <a:rPr kumimoji="1" lang="en-US" altLang="ja-JP" sz="1400" dirty="0"/>
+                <a:t>License</a:t>
+              </a:r>
+              <a:endParaRPr kumimoji="1" lang="ja-JP" altLang="en-US" sz="1400" dirty="0"/>
+            </a:p>
+          </p:txBody>
+        </p:sp>
+        <p:sp>
+          <p:nvSpPr>
+            <p:cNvPr id="92" name="テキスト ボックス 91">
+              <a:extLst>
+                <a:ext uri="{FF2B5EF4-FFF2-40B4-BE49-F238E27FC236}">
+                  <a16:creationId xmlns:a16="http://schemas.microsoft.com/office/drawing/2014/main" id="{BD47C2AE-5EC1-4959-94E9-43D5F97BD9F2}"/>
+                </a:ext>
+              </a:extLst>
+            </p:cNvPr>
+            <p:cNvSpPr txBox="1"/>
+            <p:nvPr/>
+          </p:nvSpPr>
+          <p:spPr>
+            <a:xfrm>
+              <a:off x="4862970" y="5747164"/>
+              <a:ext cx="1043876" cy="523220"/>
+            </a:xfrm>
+            <a:prstGeom prst="rect">
+              <a:avLst/>
+            </a:prstGeom>
+            <a:noFill/>
+          </p:spPr>
+          <p:txBody>
+            <a:bodyPr wrap="none" rtlCol="0">
+              <a:spAutoFit/>
+            </a:bodyPr>
+            <a:lstStyle/>
+            <a:p>
+              <a:r>
+                <a:rPr kumimoji="1" lang="en-US" altLang="ja-JP" sz="1400" dirty="0"/>
+                <a:t>OSS +</a:t>
+              </a:r>
+            </a:p>
+            <a:p>
+              <a:r>
+                <a:rPr kumimoji="1" lang="en-US" altLang="ja-JP" sz="1400" dirty="0"/>
+                <a:t>OSS</a:t>
+              </a:r>
+              <a:r>
+                <a:rPr kumimoji="1" lang="ja-JP" altLang="en-US" sz="1400" dirty="0"/>
+                <a:t> </a:t>
+              </a:r>
+              <a:r>
+                <a:rPr kumimoji="1" lang="en-US" altLang="ja-JP" sz="1400" dirty="0"/>
+                <a:t>License</a:t>
+              </a:r>
+              <a:endParaRPr kumimoji="1" lang="ja-JP" altLang="en-US" sz="1400" dirty="0"/>
+            </a:p>
+          </p:txBody>
+        </p:sp>
+        <p:sp>
+          <p:nvSpPr>
+            <p:cNvPr id="101" name="テキスト ボックス 100">
+              <a:extLst>
+                <a:ext uri="{FF2B5EF4-FFF2-40B4-BE49-F238E27FC236}">
+                  <a16:creationId xmlns:a16="http://schemas.microsoft.com/office/drawing/2014/main" id="{3B65E65D-A53A-43ED-959C-0CAF745EED49}"/>
+                </a:ext>
+              </a:extLst>
+            </p:cNvPr>
+            <p:cNvSpPr txBox="1"/>
+            <p:nvPr/>
+          </p:nvSpPr>
+          <p:spPr>
+            <a:xfrm>
+              <a:off x="7025416" y="4430950"/>
+              <a:ext cx="1611788" cy="523220"/>
+            </a:xfrm>
+            <a:prstGeom prst="rect">
+              <a:avLst/>
+            </a:prstGeom>
+            <a:noFill/>
+          </p:spPr>
+          <p:txBody>
+            <a:bodyPr wrap="none" rtlCol="0">
+              <a:spAutoFit/>
+            </a:bodyPr>
+            <a:lstStyle/>
+            <a:p>
+              <a:r>
+                <a:rPr kumimoji="1" lang="en-US" altLang="ja-JP" sz="1400" dirty="0"/>
+                <a:t>Software(Incl. OSS) </a:t>
+              </a:r>
+            </a:p>
+            <a:p>
+              <a:r>
+                <a:rPr kumimoji="1" lang="en-US" altLang="ja-JP" sz="1400" dirty="0"/>
+                <a:t>+ License</a:t>
+              </a:r>
+              <a:endParaRPr kumimoji="1" lang="ja-JP" altLang="en-US" sz="1400" dirty="0"/>
+            </a:p>
+          </p:txBody>
+        </p:sp>
+        <p:sp>
+          <p:nvSpPr>
+            <p:cNvPr id="116" name="テキスト ボックス 115">
+              <a:extLst>
+                <a:ext uri="{FF2B5EF4-FFF2-40B4-BE49-F238E27FC236}">
+                  <a16:creationId xmlns:a16="http://schemas.microsoft.com/office/drawing/2014/main" id="{F1C1D36C-E2DF-4F46-B7D0-7E8E48CAD991}"/>
+                </a:ext>
+              </a:extLst>
+            </p:cNvPr>
+            <p:cNvSpPr txBox="1"/>
+            <p:nvPr/>
+          </p:nvSpPr>
+          <p:spPr>
+            <a:xfrm>
+              <a:off x="8776625" y="3286215"/>
+              <a:ext cx="1087990" cy="307777"/>
+            </a:xfrm>
+            <a:prstGeom prst="rect">
+              <a:avLst/>
+            </a:prstGeom>
+            <a:noFill/>
+          </p:spPr>
+          <p:txBody>
+            <a:bodyPr wrap="none" rtlCol="0">
+              <a:spAutoFit/>
+            </a:bodyPr>
+            <a:lstStyle/>
+            <a:p>
+              <a:r>
+                <a:rPr kumimoji="1" lang="en-US" altLang="ja-JP" sz="1400" dirty="0"/>
+                <a:t>organization</a:t>
+              </a:r>
+            </a:p>
+          </p:txBody>
+        </p:sp>
+      </p:grpSp>
+    </p:spTree>
+    <p:extLst>
+      <p:ext uri="{BB962C8B-B14F-4D97-AF65-F5344CB8AC3E}">
+        <p14:creationId xmlns:p14="http://schemas.microsoft.com/office/powerpoint/2010/main" val="328294207"/>
+      </p:ext>
+    </p:extLst>
+  </p:cSld>
+  <p:clrMapOvr>
+    <a:masterClrMapping/>
+  </p:clrMapOvr>
+</p:sld>
+</file>
+
+<file path=ppt/slides/slide5.xml><?xml version="1.0" encoding="utf-8"?>
+<p:sld xmlns:a="http://schemas.openxmlformats.org/drawingml/2006/main" xmlns:r="http://schemas.openxmlformats.org/officeDocument/2006/relationships" xmlns:p="http://schemas.openxmlformats.org/presentationml/2006/main">
+  <p:cSld>
+    <p:spTree>
+      <p:nvGrpSpPr>
+        <p:cNvPr id="1" name=""/>
+        <p:cNvGrpSpPr/>
+        <p:nvPr/>
+      </p:nvGrpSpPr>
+      <p:grpSpPr>
+        <a:xfrm>
+          <a:off x="0" y="0"/>
+          <a:ext cx="0" cy="0"/>
+          <a:chOff x="0" y="0"/>
+          <a:chExt cx="0" cy="0"/>
+        </a:xfrm>
+      </p:grpSpPr>
+      <p:sp>
+        <p:nvSpPr>
+          <p:cNvPr id="2" name="フッター プレースホルダー 1">
+            <a:extLst>
+              <a:ext uri="{FF2B5EF4-FFF2-40B4-BE49-F238E27FC236}">
+                <a16:creationId xmlns:a16="http://schemas.microsoft.com/office/drawing/2014/main" id="{D8D1FE53-4563-4CB3-8BBA-CB274E97D34A}"/>
+              </a:ext>
+            </a:extLst>
+          </p:cNvPr>
+          <p:cNvSpPr>
+            <a:spLocks noGrp="1"/>
+          </p:cNvSpPr>
+          <p:nvPr>
+            <p:ph type="ftr" sz="quarter" idx="11"/>
+          </p:nvPr>
+        </p:nvSpPr>
+        <p:spPr/>
+        <p:txBody>
+          <a:bodyPr/>
+          <a:lstStyle/>
+          <a:p>
+            <a:pPr marL="0" marR="0" lvl="0" indent="0" algn="ctr" defTabSz="914400" rtl="0" eaLnBrk="1" fontAlgn="auto" latinLnBrk="0" hangingPunct="1">
+              <a:lnSpc>
+                <a:spcPct val="100000"/>
+              </a:lnSpc>
+              <a:spcBef>
+                <a:spcPts val="0"/>
+              </a:spcBef>
+              <a:spcAft>
+                <a:spcPts val="0"/>
+              </a:spcAft>
+              <a:buClrTx/>
+              <a:buSzTx/>
+              <a:buFontTx/>
+              <a:buNone/>
+              <a:tabLst/>
+              <a:defRPr/>
+            </a:pPr>
+            <a:r>
+              <a:rPr kumimoji="1" lang="en-US" altLang="ja-JP" sz="1200" b="0" i="0" u="none" strike="noStrike" kern="1200" cap="none" spc="0" normalizeH="0" baseline="0" noProof="0">
+                <a:ln>
+                  <a:noFill/>
+                </a:ln>
+                <a:solidFill>
+                  <a:prstClr val="black">
+                    <a:tint val="75000"/>
+                  </a:prstClr>
+                </a:solidFill>
+                <a:effectLst/>
+                <a:uLnTx/>
+                <a:uFillTx/>
+                <a:latin typeface="Calibri"/>
+                <a:ea typeface="ＭＳ Ｐゴシック" panose="020B0600070205080204" pitchFamily="50" charset="-128"/>
+                <a:cs typeface="+mn-cs"/>
+              </a:rPr>
+              <a:t>CC0-1.0</a:t>
+            </a:r>
+            <a:endParaRPr kumimoji="1" lang="ja-JP" altLang="en-US" sz="1200" b="0" i="0" u="none" strike="noStrike" kern="1200" cap="none" spc="0" normalizeH="0" baseline="0" noProof="0" dirty="0">
+              <a:ln>
+                <a:noFill/>
+              </a:ln>
+              <a:solidFill>
+                <a:prstClr val="black">
+                  <a:tint val="75000"/>
+                </a:prstClr>
+              </a:solidFill>
+              <a:effectLst/>
+              <a:uLnTx/>
+              <a:uFillTx/>
+              <a:latin typeface="Calibri"/>
+              <a:ea typeface="ＭＳ Ｐゴシック" panose="020B0600070205080204" pitchFamily="50" charset="-128"/>
+              <a:cs typeface="+mn-cs"/>
+            </a:endParaRPr>
+          </a:p>
+        </p:txBody>
+      </p:sp>
+      <p:grpSp>
+        <p:nvGrpSpPr>
+          <p:cNvPr id="4" name="グループ化 3">
+            <a:extLst>
+              <a:ext uri="{FF2B5EF4-FFF2-40B4-BE49-F238E27FC236}">
+                <a16:creationId xmlns:a16="http://schemas.microsoft.com/office/drawing/2014/main" id="{34DE1953-D305-4A24-A009-F745EB46817F}"/>
+              </a:ext>
+            </a:extLst>
+          </p:cNvPr>
+          <p:cNvGrpSpPr/>
+          <p:nvPr/>
+        </p:nvGrpSpPr>
+        <p:grpSpPr>
+          <a:xfrm>
+            <a:off x="242890" y="477601"/>
+            <a:ext cx="10572638" cy="3012465"/>
+            <a:chOff x="242890" y="477601"/>
+            <a:chExt cx="10572638" cy="3012465"/>
+          </a:xfrm>
+        </p:grpSpPr>
+        <p:sp>
+          <p:nvSpPr>
+            <p:cNvPr id="26" name="四角形: 角を丸くする 25">
+              <a:extLst>
+                <a:ext uri="{FF2B5EF4-FFF2-40B4-BE49-F238E27FC236}">
+                  <a16:creationId xmlns:a16="http://schemas.microsoft.com/office/drawing/2014/main" id="{B76F87F9-AF5A-4CB4-97D1-2D8045D1ED7C}"/>
+                </a:ext>
+              </a:extLst>
+            </p:cNvPr>
+            <p:cNvSpPr/>
+            <p:nvPr/>
+          </p:nvSpPr>
+          <p:spPr>
+            <a:xfrm>
+              <a:off x="6105416" y="477601"/>
+              <a:ext cx="3357564" cy="1950487"/>
+            </a:xfrm>
+            <a:prstGeom prst="roundRect">
+              <a:avLst/>
+            </a:prstGeom>
+            <a:solidFill>
+              <a:schemeClr val="accent1">
+                <a:lumMod val="60000"/>
+                <a:lumOff val="40000"/>
+              </a:schemeClr>
+            </a:solidFill>
+          </p:spPr>
+          <p:style>
+            <a:lnRef idx="2">
+              <a:schemeClr val="accent1">
+                <a:shade val="50000"/>
+              </a:schemeClr>
+            </a:lnRef>
+            <a:fillRef idx="1">
+              <a:schemeClr val="accent1"/>
+            </a:fillRef>
+            <a:effectRef idx="0">
+              <a:schemeClr val="accent1"/>
+            </a:effectRef>
+            <a:fontRef idx="minor">
+              <a:schemeClr val="lt1"/>
+            </a:fontRef>
+          </p:style>
+          <p:txBody>
+            <a:bodyPr rtlCol="0" anchor="ctr"/>
+            <a:lstStyle/>
+            <a:p>
+              <a:pPr marL="0" marR="0" lvl="0" indent="0" algn="ctr" defTabSz="914400" rtl="0" eaLnBrk="1" fontAlgn="auto" latinLnBrk="0" hangingPunct="1">
+                <a:lnSpc>
+                  <a:spcPct val="100000"/>
+                </a:lnSpc>
+                <a:spcBef>
+                  <a:spcPts val="0"/>
+                </a:spcBef>
+                <a:spcAft>
+                  <a:spcPts val="0"/>
+                </a:spcAft>
+                <a:buClrTx/>
+                <a:buSzTx/>
+                <a:buFontTx/>
+                <a:buNone/>
+                <a:tabLst/>
+                <a:defRPr/>
+              </a:pPr>
+              <a:endParaRPr kumimoji="1" lang="ja-JP" altLang="en-US" sz="1800" b="0" i="0" u="none" strike="noStrike" kern="1200" cap="none" spc="0" normalizeH="0" baseline="0" noProof="0" dirty="0">
+                <a:ln>
+                  <a:noFill/>
+                </a:ln>
+                <a:solidFill>
+                  <a:prstClr val="white"/>
+                </a:solidFill>
+                <a:effectLst/>
+                <a:uLnTx/>
+                <a:uFillTx/>
+                <a:latin typeface="Calibri"/>
+                <a:ea typeface="ＭＳ Ｐゴシック" panose="020B0600070205080204" pitchFamily="50" charset="-128"/>
+                <a:cs typeface="+mn-cs"/>
+              </a:endParaRPr>
+            </a:p>
+          </p:txBody>
+        </p:sp>
+        <p:sp>
+          <p:nvSpPr>
+            <p:cNvPr id="3" name="テキスト ボックス 2">
+              <a:extLst>
+                <a:ext uri="{FF2B5EF4-FFF2-40B4-BE49-F238E27FC236}">
+                  <a16:creationId xmlns:a16="http://schemas.microsoft.com/office/drawing/2014/main" id="{F4A34D46-448B-4543-9CBE-2D46FB9FD687}"/>
+                </a:ext>
+              </a:extLst>
+            </p:cNvPr>
+            <p:cNvSpPr txBox="1"/>
+            <p:nvPr/>
+          </p:nvSpPr>
+          <p:spPr>
+            <a:xfrm>
+              <a:off x="242890" y="864675"/>
+              <a:ext cx="1987354" cy="646331"/>
+            </a:xfrm>
+            <a:prstGeom prst="rect">
+              <a:avLst/>
+            </a:prstGeom>
+            <a:noFill/>
+          </p:spPr>
+          <p:txBody>
+            <a:bodyPr wrap="square" rtlCol="0">
+              <a:spAutoFit/>
+            </a:bodyPr>
+            <a:lstStyle/>
+            <a:p>
+              <a:pPr marL="0" marR="0" lvl="0" indent="0" algn="l" defTabSz="914400" rtl="0" eaLnBrk="1" fontAlgn="auto" latinLnBrk="0" hangingPunct="1">
+                <a:lnSpc>
+                  <a:spcPct val="100000"/>
+                </a:lnSpc>
+                <a:spcBef>
+                  <a:spcPts val="0"/>
+                </a:spcBef>
+                <a:spcAft>
+                  <a:spcPts val="0"/>
+                </a:spcAft>
+                <a:buClrTx/>
+                <a:buSzTx/>
+                <a:buFontTx/>
+                <a:buNone/>
+                <a:tabLst/>
+                <a:defRPr/>
+              </a:pPr>
+              <a:r>
+                <a:rPr kumimoji="1" lang="en-US" altLang="ja-JP" sz="1800" b="0" i="0" u="none" strike="noStrike" kern="1200" cap="none" spc="0" normalizeH="0" baseline="0" noProof="0" dirty="0">
+                  <a:ln>
+                    <a:noFill/>
+                  </a:ln>
+                  <a:solidFill>
+                    <a:prstClr val="black"/>
+                  </a:solidFill>
+                  <a:effectLst/>
+                  <a:uLnTx/>
+                  <a:uFillTx/>
+                  <a:latin typeface="Calibri"/>
+                  <a:ea typeface="ＭＳ Ｐゴシック" panose="020B0600070205080204" pitchFamily="50" charset="-128"/>
+                  <a:cs typeface="+mn-cs"/>
+                </a:rPr>
+                <a:t>Case 3: Self brand</a:t>
+              </a:r>
+            </a:p>
+            <a:p>
+              <a:pPr marL="0" marR="0" lvl="0" indent="0" algn="l" defTabSz="914400" rtl="0" eaLnBrk="1" fontAlgn="auto" latinLnBrk="0" hangingPunct="1">
+                <a:lnSpc>
+                  <a:spcPct val="100000"/>
+                </a:lnSpc>
+                <a:spcBef>
+                  <a:spcPts val="0"/>
+                </a:spcBef>
+                <a:spcAft>
+                  <a:spcPts val="0"/>
+                </a:spcAft>
+                <a:buClrTx/>
+                <a:buSzTx/>
+                <a:buFontTx/>
+                <a:buNone/>
+                <a:tabLst/>
+                <a:defRPr/>
+              </a:pPr>
+              <a:r>
+                <a:rPr kumimoji="1" lang="en-US" altLang="ja-JP" dirty="0">
+                  <a:solidFill>
+                    <a:prstClr val="black"/>
+                  </a:solidFill>
+                  <a:latin typeface="Calibri"/>
+                  <a:ea typeface="ＭＳ Ｐゴシック" panose="020B0600070205080204" pitchFamily="50" charset="-128"/>
+                </a:rPr>
+                <a:t>SoC + SDK</a:t>
+              </a:r>
+              <a:endParaRPr kumimoji="1" lang="en-US" altLang="ja-JP" sz="1800" b="0" i="0" u="none" strike="noStrike" kern="1200" cap="none" spc="0" normalizeH="0" baseline="0" noProof="0" dirty="0">
+                <a:ln>
+                  <a:noFill/>
+                </a:ln>
+                <a:solidFill>
+                  <a:prstClr val="black"/>
+                </a:solidFill>
+                <a:effectLst/>
+                <a:uLnTx/>
+                <a:uFillTx/>
+                <a:latin typeface="Calibri"/>
+                <a:ea typeface="ＭＳ Ｐゴシック" panose="020B0600070205080204" pitchFamily="50" charset="-128"/>
+                <a:cs typeface="+mn-cs"/>
+              </a:endParaRPr>
+            </a:p>
+          </p:txBody>
+        </p:sp>
+        <p:sp>
+          <p:nvSpPr>
+            <p:cNvPr id="7" name="四角形: 角を丸くする 6">
+              <a:extLst>
+                <a:ext uri="{FF2B5EF4-FFF2-40B4-BE49-F238E27FC236}">
+                  <a16:creationId xmlns:a16="http://schemas.microsoft.com/office/drawing/2014/main" id="{CDEEF08D-DBF6-407B-9DEE-2DDAA21D9576}"/>
+                </a:ext>
+              </a:extLst>
+            </p:cNvPr>
+            <p:cNvSpPr/>
+            <p:nvPr/>
+          </p:nvSpPr>
+          <p:spPr>
+            <a:xfrm>
+              <a:off x="9739203" y="1460673"/>
+              <a:ext cx="1076325" cy="381000"/>
+            </a:xfrm>
+            <a:prstGeom prst="roundRect">
+              <a:avLst/>
+            </a:prstGeom>
+            <a:solidFill>
+              <a:schemeClr val="accent6">
+                <a:lumMod val="75000"/>
+              </a:schemeClr>
+            </a:solidFill>
+          </p:spPr>
+          <p:style>
+            <a:lnRef idx="2">
+              <a:schemeClr val="accent1">
+                <a:shade val="50000"/>
+              </a:schemeClr>
+            </a:lnRef>
+            <a:fillRef idx="1">
+              <a:schemeClr val="accent1"/>
+            </a:fillRef>
+            <a:effectRef idx="0">
+              <a:schemeClr val="accent1"/>
+            </a:effectRef>
+            <a:fontRef idx="minor">
+              <a:schemeClr val="lt1"/>
+            </a:fontRef>
+          </p:style>
+          <p:txBody>
+            <a:bodyPr rtlCol="0" anchor="ctr"/>
+            <a:lstStyle/>
+            <a:p>
+              <a:pPr marL="0" marR="0" lvl="0" indent="0" algn="ctr" defTabSz="914400" rtl="0" eaLnBrk="1" fontAlgn="auto" latinLnBrk="0" hangingPunct="1">
+                <a:lnSpc>
+                  <a:spcPct val="100000"/>
+                </a:lnSpc>
+                <a:spcBef>
+                  <a:spcPts val="0"/>
+                </a:spcBef>
+                <a:spcAft>
+                  <a:spcPts val="0"/>
+                </a:spcAft>
+                <a:buClrTx/>
+                <a:buSzTx/>
+                <a:buFontTx/>
+                <a:buNone/>
+                <a:tabLst/>
+                <a:defRPr/>
+              </a:pPr>
+              <a:endParaRPr kumimoji="1" lang="ja-JP" altLang="en-US" sz="1800" b="0" i="0" u="none" strike="noStrike" kern="1200" cap="none" spc="0" normalizeH="0" baseline="0" noProof="0">
+                <a:ln>
+                  <a:noFill/>
+                </a:ln>
+                <a:solidFill>
+                  <a:prstClr val="white"/>
+                </a:solidFill>
+                <a:effectLst/>
+                <a:uLnTx/>
+                <a:uFillTx/>
+                <a:latin typeface="Calibri"/>
+                <a:ea typeface="ＭＳ Ｐゴシック" panose="020B0600070205080204" pitchFamily="50" charset="-128"/>
+                <a:cs typeface="+mn-cs"/>
+              </a:endParaRPr>
+            </a:p>
+          </p:txBody>
+        </p:sp>
+        <p:cxnSp>
+          <p:nvCxnSpPr>
+            <p:cNvPr id="13" name="直線矢印コネクタ 12">
+              <a:extLst>
+                <a:ext uri="{FF2B5EF4-FFF2-40B4-BE49-F238E27FC236}">
+                  <a16:creationId xmlns:a16="http://schemas.microsoft.com/office/drawing/2014/main" id="{1F5D7D53-0B05-421D-A0F7-047AA166605E}"/>
+                </a:ext>
+              </a:extLst>
+            </p:cNvPr>
+            <p:cNvCxnSpPr>
+              <a:cxnSpLocks/>
+              <a:stCxn id="89" idx="3"/>
+              <a:endCxn id="7" idx="1"/>
+            </p:cNvCxnSpPr>
+            <p:nvPr/>
+          </p:nvCxnSpPr>
+          <p:spPr>
+            <a:xfrm>
+              <a:off x="9151034" y="1651173"/>
+              <a:ext cx="588169" cy="0"/>
+            </a:xfrm>
+            <a:prstGeom prst="straightConnector1">
+              <a:avLst/>
+            </a:prstGeom>
+            <a:ln w="38100">
+              <a:solidFill>
+                <a:schemeClr val="tx1"/>
+              </a:solidFill>
+              <a:tailEnd type="triangle"/>
+            </a:ln>
+          </p:spPr>
+          <p:style>
+            <a:lnRef idx="1">
+              <a:schemeClr val="accent1"/>
+            </a:lnRef>
+            <a:fillRef idx="0">
+              <a:schemeClr val="accent1"/>
+            </a:fillRef>
+            <a:effectRef idx="0">
+              <a:schemeClr val="accent1"/>
+            </a:effectRef>
+            <a:fontRef idx="minor">
+              <a:schemeClr val="tx1"/>
+            </a:fontRef>
+          </p:style>
+        </p:cxnSp>
+        <p:sp>
+          <p:nvSpPr>
+            <p:cNvPr id="19" name="テキスト ボックス 18">
+              <a:extLst>
+                <a:ext uri="{FF2B5EF4-FFF2-40B4-BE49-F238E27FC236}">
+                  <a16:creationId xmlns:a16="http://schemas.microsoft.com/office/drawing/2014/main" id="{4D5605BE-5C6F-4F75-91A9-2BA597EE2AEF}"/>
+                </a:ext>
+              </a:extLst>
+            </p:cNvPr>
+            <p:cNvSpPr txBox="1"/>
+            <p:nvPr/>
+          </p:nvSpPr>
+          <p:spPr>
+            <a:xfrm>
+              <a:off x="9839216" y="1553006"/>
+              <a:ext cx="819150" cy="276999"/>
+            </a:xfrm>
+            <a:prstGeom prst="rect">
+              <a:avLst/>
+            </a:prstGeom>
+            <a:noFill/>
+          </p:spPr>
+          <p:txBody>
+            <a:bodyPr wrap="square" rtlCol="0">
+              <a:spAutoFit/>
+            </a:bodyPr>
+            <a:lstStyle/>
+            <a:p>
+              <a:pPr marL="0" marR="0" lvl="0" indent="0" algn="ctr" defTabSz="914400" rtl="0" eaLnBrk="1" fontAlgn="auto" latinLnBrk="0" hangingPunct="1">
+                <a:lnSpc>
+                  <a:spcPct val="100000"/>
+                </a:lnSpc>
+                <a:spcBef>
+                  <a:spcPts val="0"/>
+                </a:spcBef>
+                <a:spcAft>
+                  <a:spcPts val="0"/>
+                </a:spcAft>
+                <a:buClrTx/>
+                <a:buSzTx/>
+                <a:buFontTx/>
+                <a:buNone/>
+                <a:tabLst/>
+                <a:defRPr/>
+              </a:pPr>
+              <a:r>
+                <a:rPr kumimoji="1" lang="en-US" altLang="ja-JP" sz="1200" dirty="0">
+                  <a:solidFill>
+                    <a:prstClr val="white"/>
+                  </a:solidFill>
+                  <a:latin typeface="Calibri"/>
+                  <a:ea typeface="ＭＳ Ｐゴシック" panose="020B0600070205080204" pitchFamily="50" charset="-128"/>
+                </a:rPr>
+                <a:t>End</a:t>
+              </a:r>
+              <a:r>
+                <a:rPr kumimoji="1" lang="ja-JP" altLang="en-US" sz="1200" dirty="0">
+                  <a:solidFill>
+                    <a:prstClr val="white"/>
+                  </a:solidFill>
+                  <a:latin typeface="Calibri"/>
+                  <a:ea typeface="ＭＳ Ｐゴシック" panose="020B0600070205080204" pitchFamily="50" charset="-128"/>
+                </a:rPr>
+                <a:t> </a:t>
+              </a:r>
+              <a:r>
+                <a:rPr kumimoji="1" lang="en-US" altLang="ja-JP" sz="1200" dirty="0">
+                  <a:solidFill>
+                    <a:prstClr val="white"/>
+                  </a:solidFill>
+                  <a:latin typeface="Calibri"/>
+                  <a:ea typeface="ＭＳ Ｐゴシック" panose="020B0600070205080204" pitchFamily="50" charset="-128"/>
+                </a:rPr>
+                <a:t>user</a:t>
+              </a:r>
+              <a:endParaRPr kumimoji="1" lang="ja-JP" altLang="en-US" sz="1200" b="0" i="0" u="none" strike="noStrike" kern="1200" cap="none" spc="0" normalizeH="0" baseline="0" noProof="0" dirty="0">
+                <a:ln>
+                  <a:noFill/>
+                </a:ln>
+                <a:solidFill>
+                  <a:prstClr val="white"/>
+                </a:solidFill>
+                <a:effectLst/>
+                <a:uLnTx/>
+                <a:uFillTx/>
+                <a:latin typeface="Calibri"/>
+                <a:ea typeface="ＭＳ Ｐゴシック" panose="020B0600070205080204" pitchFamily="50" charset="-128"/>
+                <a:cs typeface="+mn-cs"/>
+              </a:endParaRPr>
+            </a:p>
+          </p:txBody>
+        </p:sp>
+        <p:cxnSp>
+          <p:nvCxnSpPr>
+            <p:cNvPr id="32" name="直線矢印コネクタ 31">
+              <a:extLst>
+                <a:ext uri="{FF2B5EF4-FFF2-40B4-BE49-F238E27FC236}">
+                  <a16:creationId xmlns:a16="http://schemas.microsoft.com/office/drawing/2014/main" id="{0D467D3A-F7A3-4EAB-98C7-AA7F93D4B95C}"/>
+                </a:ext>
+              </a:extLst>
+            </p:cNvPr>
+            <p:cNvCxnSpPr>
+              <a:cxnSpLocks/>
+              <a:stCxn id="52" idx="3"/>
+              <a:endCxn id="77" idx="1"/>
+            </p:cNvCxnSpPr>
+            <p:nvPr/>
+          </p:nvCxnSpPr>
+          <p:spPr>
+            <a:xfrm>
+              <a:off x="4229270" y="1666495"/>
+              <a:ext cx="2099869" cy="386"/>
+            </a:xfrm>
+            <a:prstGeom prst="straightConnector1">
+              <a:avLst/>
+            </a:prstGeom>
+            <a:ln w="38100">
+              <a:solidFill>
+                <a:schemeClr val="tx1"/>
+              </a:solidFill>
+              <a:tailEnd type="triangle"/>
+            </a:ln>
+          </p:spPr>
+          <p:style>
+            <a:lnRef idx="1">
+              <a:schemeClr val="accent1"/>
+            </a:lnRef>
+            <a:fillRef idx="0">
+              <a:schemeClr val="accent1"/>
+            </a:fillRef>
+            <a:effectRef idx="0">
+              <a:schemeClr val="accent1"/>
+            </a:effectRef>
+            <a:fontRef idx="minor">
+              <a:schemeClr val="tx1"/>
+            </a:fontRef>
+          </p:style>
+        </p:cxnSp>
+        <p:sp>
+          <p:nvSpPr>
+            <p:cNvPr id="52" name="四角形: 角を丸くする 51">
+              <a:extLst>
+                <a:ext uri="{FF2B5EF4-FFF2-40B4-BE49-F238E27FC236}">
+                  <a16:creationId xmlns:a16="http://schemas.microsoft.com/office/drawing/2014/main" id="{171C2C0D-BF25-4B25-A303-6E064EB2BE1E}"/>
+                </a:ext>
+              </a:extLst>
+            </p:cNvPr>
+            <p:cNvSpPr/>
+            <p:nvPr/>
+          </p:nvSpPr>
+          <p:spPr>
+            <a:xfrm>
+              <a:off x="3170090" y="1267962"/>
+              <a:ext cx="1059180" cy="797066"/>
+            </a:xfrm>
+            <a:prstGeom prst="roundRect">
+              <a:avLst/>
+            </a:prstGeom>
+            <a:solidFill>
+              <a:schemeClr val="accent6">
+                <a:lumMod val="75000"/>
+              </a:schemeClr>
+            </a:solidFill>
+          </p:spPr>
+          <p:style>
+            <a:lnRef idx="2">
+              <a:schemeClr val="accent1">
+                <a:shade val="50000"/>
+              </a:schemeClr>
+            </a:lnRef>
+            <a:fillRef idx="1">
+              <a:schemeClr val="accent1"/>
+            </a:fillRef>
+            <a:effectRef idx="0">
+              <a:schemeClr val="accent1"/>
+            </a:effectRef>
+            <a:fontRef idx="minor">
+              <a:schemeClr val="lt1"/>
+            </a:fontRef>
+          </p:style>
+          <p:txBody>
+            <a:bodyPr rtlCol="0" anchor="ctr"/>
+            <a:lstStyle/>
+            <a:p>
+              <a:pPr marL="0" marR="0" lvl="0" indent="0" algn="ctr" defTabSz="914400" rtl="0" eaLnBrk="1" fontAlgn="auto" latinLnBrk="0" hangingPunct="1">
+                <a:lnSpc>
+                  <a:spcPct val="100000"/>
+                </a:lnSpc>
+                <a:spcBef>
+                  <a:spcPts val="0"/>
+                </a:spcBef>
+                <a:spcAft>
+                  <a:spcPts val="0"/>
+                </a:spcAft>
+                <a:buClrTx/>
+                <a:buSzTx/>
+                <a:buFontTx/>
+                <a:buNone/>
+                <a:tabLst/>
+                <a:defRPr/>
+              </a:pPr>
+              <a:r>
+                <a:rPr kumimoji="1" lang="en-US" altLang="ja-JP" dirty="0">
+                  <a:solidFill>
+                    <a:prstClr val="white"/>
+                  </a:solidFill>
+                  <a:latin typeface="Calibri"/>
+                  <a:ea typeface="ＭＳ Ｐゴシック" panose="020B0600070205080204" pitchFamily="50" charset="-128"/>
+                </a:rPr>
+                <a:t>SoC Vendor</a:t>
+              </a:r>
+              <a:endParaRPr kumimoji="1" lang="en-US" altLang="ja-JP" sz="1800" b="0" i="0" u="none" strike="noStrike" kern="1200" cap="none" spc="0" normalizeH="0" baseline="0" noProof="0" dirty="0">
+                <a:ln>
+                  <a:noFill/>
+                </a:ln>
+                <a:solidFill>
+                  <a:prstClr val="white"/>
+                </a:solidFill>
+                <a:effectLst/>
+                <a:uLnTx/>
+                <a:uFillTx/>
+                <a:latin typeface="Calibri"/>
+                <a:ea typeface="ＭＳ Ｐゴシック" panose="020B0600070205080204" pitchFamily="50" charset="-128"/>
+                <a:cs typeface="+mn-cs"/>
+              </a:endParaRPr>
+            </a:p>
+          </p:txBody>
+        </p:sp>
+        <p:cxnSp>
+          <p:nvCxnSpPr>
+            <p:cNvPr id="46" name="コネクタ: カギ線 45">
+              <a:extLst>
+                <a:ext uri="{FF2B5EF4-FFF2-40B4-BE49-F238E27FC236}">
+                  <a16:creationId xmlns:a16="http://schemas.microsoft.com/office/drawing/2014/main" id="{DC01C3ED-8A00-4A8D-9826-C03AD4E918D2}"/>
+                </a:ext>
+              </a:extLst>
+            </p:cNvPr>
+            <p:cNvCxnSpPr>
+              <a:cxnSpLocks/>
+              <a:stCxn id="47" idx="0"/>
+            </p:cNvCxnSpPr>
+            <p:nvPr/>
+          </p:nvCxnSpPr>
+          <p:spPr>
+            <a:xfrm rot="16200000" flipV="1">
+              <a:off x="3351490" y="2446223"/>
+              <a:ext cx="770966" cy="8573"/>
+            </a:xfrm>
+            <a:prstGeom prst="bentConnector3">
+              <a:avLst>
+                <a:gd name="adj1" fmla="val 50000"/>
+              </a:avLst>
+            </a:prstGeom>
+            <a:ln w="38100">
+              <a:solidFill>
+                <a:schemeClr val="tx1"/>
+              </a:solidFill>
+              <a:tailEnd type="triangle"/>
+            </a:ln>
+          </p:spPr>
+          <p:style>
+            <a:lnRef idx="1">
+              <a:schemeClr val="accent1"/>
+            </a:lnRef>
+            <a:fillRef idx="0">
+              <a:schemeClr val="accent1"/>
+            </a:fillRef>
+            <a:effectRef idx="0">
+              <a:schemeClr val="accent1"/>
+            </a:effectRef>
+            <a:fontRef idx="minor">
+              <a:schemeClr val="tx1"/>
+            </a:fontRef>
+          </p:style>
+        </p:cxnSp>
+        <p:sp>
+          <p:nvSpPr>
+            <p:cNvPr id="47" name="四角形: 角を丸くする 46">
+              <a:extLst>
+                <a:ext uri="{FF2B5EF4-FFF2-40B4-BE49-F238E27FC236}">
+                  <a16:creationId xmlns:a16="http://schemas.microsoft.com/office/drawing/2014/main" id="{F348251A-C659-4426-9A26-386E74FD1A67}"/>
+                </a:ext>
+              </a:extLst>
+            </p:cNvPr>
+            <p:cNvSpPr/>
+            <p:nvPr/>
+          </p:nvSpPr>
+          <p:spPr>
+            <a:xfrm>
+              <a:off x="3203096" y="2835993"/>
+              <a:ext cx="1076325" cy="654073"/>
+            </a:xfrm>
+            <a:prstGeom prst="roundRect">
+              <a:avLst/>
+            </a:prstGeom>
+            <a:solidFill>
+              <a:schemeClr val="accent6">
+                <a:lumMod val="75000"/>
+              </a:schemeClr>
+            </a:solidFill>
+          </p:spPr>
+          <p:style>
+            <a:lnRef idx="2">
+              <a:schemeClr val="accent1">
+                <a:shade val="50000"/>
+              </a:schemeClr>
+            </a:lnRef>
+            <a:fillRef idx="1">
+              <a:schemeClr val="accent1"/>
+            </a:fillRef>
+            <a:effectRef idx="0">
+              <a:schemeClr val="accent1"/>
+            </a:effectRef>
+            <a:fontRef idx="minor">
+              <a:schemeClr val="lt1"/>
+            </a:fontRef>
+          </p:style>
+          <p:txBody>
+            <a:bodyPr rtlCol="0" anchor="ctr"/>
+            <a:lstStyle/>
+            <a:p>
+              <a:pPr algn="ctr"/>
+              <a:endParaRPr kumimoji="1" lang="ja-JP" altLang="en-US"/>
+            </a:p>
+          </p:txBody>
+        </p:sp>
+        <p:sp>
+          <p:nvSpPr>
+            <p:cNvPr id="48" name="テキスト ボックス 47">
+              <a:extLst>
+                <a:ext uri="{FF2B5EF4-FFF2-40B4-BE49-F238E27FC236}">
+                  <a16:creationId xmlns:a16="http://schemas.microsoft.com/office/drawing/2014/main" id="{53954FF9-05EE-4D7F-93D5-5B2D346D14DA}"/>
+                </a:ext>
+              </a:extLst>
+            </p:cNvPr>
+            <p:cNvSpPr txBox="1"/>
+            <p:nvPr/>
+          </p:nvSpPr>
+          <p:spPr>
+            <a:xfrm>
+              <a:off x="3163558" y="2977085"/>
+              <a:ext cx="1155399" cy="307777"/>
+            </a:xfrm>
+            <a:prstGeom prst="rect">
+              <a:avLst/>
+            </a:prstGeom>
+            <a:noFill/>
+          </p:spPr>
+          <p:txBody>
+            <a:bodyPr wrap="square" rtlCol="0">
+              <a:spAutoFit/>
+            </a:bodyPr>
+            <a:lstStyle/>
+            <a:p>
+              <a:pPr marL="0" marR="0" lvl="0" indent="0" algn="ctr" defTabSz="914400" rtl="0" eaLnBrk="1" fontAlgn="auto" latinLnBrk="0" hangingPunct="1">
+                <a:lnSpc>
+                  <a:spcPct val="100000"/>
+                </a:lnSpc>
+                <a:spcBef>
+                  <a:spcPts val="0"/>
+                </a:spcBef>
+                <a:spcAft>
+                  <a:spcPts val="0"/>
+                </a:spcAft>
+                <a:buClrTx/>
+                <a:buSzTx/>
+                <a:buFontTx/>
+                <a:buNone/>
+                <a:tabLst/>
+                <a:defRPr/>
+              </a:pPr>
+              <a:r>
+                <a:rPr kumimoji="1" lang="en-US" altLang="ja-JP" sz="1400" b="0" i="0" u="none" strike="noStrike" kern="1200" cap="none" spc="0" normalizeH="0" baseline="0" noProof="0" dirty="0">
+                  <a:ln>
+                    <a:noFill/>
+                  </a:ln>
+                  <a:solidFill>
+                    <a:prstClr val="white"/>
+                  </a:solidFill>
+                  <a:effectLst/>
+                  <a:uLnTx/>
+                  <a:uFillTx/>
+                  <a:latin typeface="Calibri"/>
+                  <a:ea typeface="ＭＳ Ｐゴシック" panose="020B0600070205080204" pitchFamily="50" charset="-128"/>
+                  <a:cs typeface="+mn-cs"/>
+                </a:rPr>
+                <a:t>Community</a:t>
+              </a:r>
+              <a:endParaRPr kumimoji="1" lang="ja-JP" altLang="en-US" sz="1400" b="0" i="0" u="none" strike="noStrike" kern="1200" cap="none" spc="0" normalizeH="0" baseline="0" noProof="0" dirty="0">
+                <a:ln>
+                  <a:noFill/>
+                </a:ln>
+                <a:solidFill>
+                  <a:prstClr val="white"/>
+                </a:solidFill>
+                <a:effectLst/>
+                <a:uLnTx/>
+                <a:uFillTx/>
+                <a:latin typeface="Calibri"/>
+                <a:ea typeface="ＭＳ Ｐゴシック" panose="020B0600070205080204" pitchFamily="50" charset="-128"/>
+                <a:cs typeface="+mn-cs"/>
+              </a:endParaRPr>
+            </a:p>
+          </p:txBody>
+        </p:sp>
+        <p:sp>
+          <p:nvSpPr>
+            <p:cNvPr id="49" name="テキスト ボックス 48">
+              <a:extLst>
+                <a:ext uri="{FF2B5EF4-FFF2-40B4-BE49-F238E27FC236}">
+                  <a16:creationId xmlns:a16="http://schemas.microsoft.com/office/drawing/2014/main" id="{9FD68945-4AD3-4065-835E-6774D01CB7B0}"/>
+                </a:ext>
+              </a:extLst>
+            </p:cNvPr>
+            <p:cNvSpPr txBox="1"/>
+            <p:nvPr/>
+          </p:nvSpPr>
+          <p:spPr>
+            <a:xfrm>
+              <a:off x="2697381" y="2163021"/>
+              <a:ext cx="1043876" cy="523220"/>
+            </a:xfrm>
+            <a:prstGeom prst="rect">
+              <a:avLst/>
+            </a:prstGeom>
+            <a:noFill/>
+          </p:spPr>
+          <p:txBody>
+            <a:bodyPr wrap="none" rtlCol="0">
+              <a:spAutoFit/>
+            </a:bodyPr>
+            <a:lstStyle/>
+            <a:p>
+              <a:r>
+                <a:rPr kumimoji="1" lang="en-US" altLang="ja-JP" sz="1400" dirty="0"/>
+                <a:t>OSS +</a:t>
+              </a:r>
+            </a:p>
+            <a:p>
+              <a:r>
+                <a:rPr kumimoji="1" lang="en-US" altLang="ja-JP" sz="1400" dirty="0"/>
+                <a:t>OSS</a:t>
+              </a:r>
+              <a:r>
+                <a:rPr kumimoji="1" lang="ja-JP" altLang="en-US" sz="1400" dirty="0"/>
+                <a:t> </a:t>
+              </a:r>
+              <a:r>
+                <a:rPr kumimoji="1" lang="en-US" altLang="ja-JP" sz="1400" dirty="0"/>
+                <a:t>License</a:t>
+              </a:r>
+              <a:endParaRPr kumimoji="1" lang="ja-JP" altLang="en-US" sz="1400" dirty="0"/>
+            </a:p>
+          </p:txBody>
+        </p:sp>
+        <p:sp>
+          <p:nvSpPr>
+            <p:cNvPr id="51" name="テキスト ボックス 50">
+              <a:extLst>
+                <a:ext uri="{FF2B5EF4-FFF2-40B4-BE49-F238E27FC236}">
+                  <a16:creationId xmlns:a16="http://schemas.microsoft.com/office/drawing/2014/main" id="{C3AD4C06-F22A-4913-8BFA-60C151862847}"/>
+                </a:ext>
+              </a:extLst>
+            </p:cNvPr>
+            <p:cNvSpPr txBox="1"/>
+            <p:nvPr/>
+          </p:nvSpPr>
+          <p:spPr>
+            <a:xfrm>
+              <a:off x="4339529" y="960429"/>
+              <a:ext cx="1741631" cy="738664"/>
+            </a:xfrm>
+            <a:prstGeom prst="rect">
+              <a:avLst/>
+            </a:prstGeom>
+            <a:noFill/>
+          </p:spPr>
+          <p:txBody>
+            <a:bodyPr wrap="none" rtlCol="0">
+              <a:spAutoFit/>
+            </a:bodyPr>
+            <a:lstStyle/>
+            <a:p>
+              <a:r>
+                <a:rPr kumimoji="1" lang="en-US" altLang="ja-JP" sz="1400" dirty="0"/>
+                <a:t>SoC</a:t>
+              </a:r>
+            </a:p>
+            <a:p>
+              <a:r>
+                <a:rPr kumimoji="1" lang="en-US" altLang="ja-JP" sz="1400" dirty="0"/>
+                <a:t>+ Software(Incl. OSS) </a:t>
+              </a:r>
+            </a:p>
+            <a:p>
+              <a:r>
+                <a:rPr kumimoji="1" lang="en-US" altLang="ja-JP" sz="1400" dirty="0"/>
+                <a:t>+ License</a:t>
+              </a:r>
+              <a:endParaRPr kumimoji="1" lang="ja-JP" altLang="en-US" sz="1400" dirty="0"/>
+            </a:p>
+          </p:txBody>
+        </p:sp>
+        <p:sp>
+          <p:nvSpPr>
+            <p:cNvPr id="77" name="四角形: 角を丸くする 76">
+              <a:extLst>
+                <a:ext uri="{FF2B5EF4-FFF2-40B4-BE49-F238E27FC236}">
+                  <a16:creationId xmlns:a16="http://schemas.microsoft.com/office/drawing/2014/main" id="{9F1B03C1-99D4-4AF6-8B5F-AA9A9BC556DD}"/>
+                </a:ext>
+              </a:extLst>
+            </p:cNvPr>
+            <p:cNvSpPr/>
+            <p:nvPr/>
+          </p:nvSpPr>
+          <p:spPr>
+            <a:xfrm>
+              <a:off x="6329139" y="1253728"/>
+              <a:ext cx="1076325" cy="826305"/>
+            </a:xfrm>
+            <a:prstGeom prst="roundRect">
+              <a:avLst/>
+            </a:prstGeom>
+            <a:solidFill>
+              <a:srgbClr val="FFFF00"/>
+            </a:solidFill>
+          </p:spPr>
+          <p:style>
+            <a:lnRef idx="2">
+              <a:schemeClr val="accent1">
+                <a:shade val="50000"/>
+              </a:schemeClr>
+            </a:lnRef>
+            <a:fillRef idx="1">
+              <a:schemeClr val="accent1"/>
+            </a:fillRef>
+            <a:effectRef idx="0">
+              <a:schemeClr val="accent1"/>
+            </a:effectRef>
+            <a:fontRef idx="minor">
+              <a:schemeClr val="lt1"/>
+            </a:fontRef>
+          </p:style>
+          <p:txBody>
+            <a:bodyPr rtlCol="0" anchor="ctr"/>
+            <a:lstStyle/>
+            <a:p>
+              <a:pPr marL="0" marR="0" lvl="0" indent="0" algn="ctr" defTabSz="914400" rtl="0" eaLnBrk="1" fontAlgn="auto" latinLnBrk="0" hangingPunct="1">
+                <a:lnSpc>
+                  <a:spcPct val="100000"/>
+                </a:lnSpc>
+                <a:spcBef>
+                  <a:spcPts val="0"/>
+                </a:spcBef>
+                <a:spcAft>
+                  <a:spcPts val="0"/>
+                </a:spcAft>
+                <a:buClrTx/>
+                <a:buSzTx/>
+                <a:buFontTx/>
+                <a:buNone/>
+                <a:tabLst/>
+                <a:defRPr/>
+              </a:pPr>
+              <a:endParaRPr kumimoji="1" lang="ja-JP" altLang="en-US" sz="1800" b="0" i="0" u="none" strike="noStrike" kern="1200" cap="none" spc="0" normalizeH="0" baseline="0" noProof="0">
+                <a:ln>
+                  <a:noFill/>
+                </a:ln>
+                <a:solidFill>
+                  <a:prstClr val="white"/>
+                </a:solidFill>
+                <a:effectLst/>
+                <a:uLnTx/>
+                <a:uFillTx/>
+                <a:latin typeface="Calibri"/>
+                <a:ea typeface="ＭＳ Ｐゴシック" panose="020B0600070205080204" pitchFamily="50" charset="-128"/>
+                <a:cs typeface="+mn-cs"/>
+              </a:endParaRPr>
+            </a:p>
+          </p:txBody>
+        </p:sp>
+        <p:cxnSp>
+          <p:nvCxnSpPr>
+            <p:cNvPr id="84" name="直線矢印コネクタ 83">
+              <a:extLst>
+                <a:ext uri="{FF2B5EF4-FFF2-40B4-BE49-F238E27FC236}">
+                  <a16:creationId xmlns:a16="http://schemas.microsoft.com/office/drawing/2014/main" id="{6EDF045C-58A3-45BA-AB19-0EC53CFAA3B3}"/>
+                </a:ext>
+              </a:extLst>
+            </p:cNvPr>
+            <p:cNvCxnSpPr>
+              <a:cxnSpLocks/>
+              <a:stCxn id="77" idx="3"/>
+              <a:endCxn id="89" idx="1"/>
+            </p:cNvCxnSpPr>
+            <p:nvPr/>
+          </p:nvCxnSpPr>
+          <p:spPr>
+            <a:xfrm flipV="1">
+              <a:off x="7405464" y="1651173"/>
+              <a:ext cx="669245" cy="15708"/>
+            </a:xfrm>
+            <a:prstGeom prst="straightConnector1">
+              <a:avLst/>
+            </a:prstGeom>
+            <a:ln w="38100">
+              <a:solidFill>
+                <a:schemeClr val="tx1"/>
+              </a:solidFill>
+              <a:tailEnd type="triangle"/>
+            </a:ln>
+          </p:spPr>
+          <p:style>
+            <a:lnRef idx="1">
+              <a:schemeClr val="accent1"/>
+            </a:lnRef>
+            <a:fillRef idx="0">
+              <a:schemeClr val="accent1"/>
+            </a:fillRef>
+            <a:effectRef idx="0">
+              <a:schemeClr val="accent1"/>
+            </a:effectRef>
+            <a:fontRef idx="minor">
+              <a:schemeClr val="tx1"/>
+            </a:fontRef>
+          </p:style>
+        </p:cxnSp>
+        <p:sp>
+          <p:nvSpPr>
+            <p:cNvPr id="88" name="テキスト ボックス 87">
+              <a:extLst>
+                <a:ext uri="{FF2B5EF4-FFF2-40B4-BE49-F238E27FC236}">
+                  <a16:creationId xmlns:a16="http://schemas.microsoft.com/office/drawing/2014/main" id="{D22973B3-FC4A-41BA-A99E-1E44408A4031}"/>
+                </a:ext>
+              </a:extLst>
+            </p:cNvPr>
+            <p:cNvSpPr txBox="1"/>
+            <p:nvPr/>
+          </p:nvSpPr>
+          <p:spPr>
+            <a:xfrm>
+              <a:off x="6273498" y="1327254"/>
+              <a:ext cx="1223467" cy="738664"/>
+            </a:xfrm>
+            <a:prstGeom prst="rect">
+              <a:avLst/>
+            </a:prstGeom>
+            <a:noFill/>
+          </p:spPr>
+          <p:txBody>
+            <a:bodyPr wrap="square" rtlCol="0">
+              <a:spAutoFit/>
+            </a:bodyPr>
+            <a:lstStyle/>
+            <a:p>
+              <a:pPr algn="ctr"/>
+              <a:r>
+                <a:rPr kumimoji="1" lang="en-US" altLang="ja-JP" sz="1400" dirty="0"/>
+                <a:t>Inbound/</a:t>
+              </a:r>
+            </a:p>
+            <a:p>
+              <a:pPr algn="ctr"/>
+              <a:r>
+                <a:rPr kumimoji="1" lang="en-US" altLang="ja-JP" sz="1400" dirty="0"/>
+                <a:t>verification/</a:t>
+              </a:r>
+            </a:p>
+            <a:p>
+              <a:pPr algn="ctr"/>
+              <a:r>
+                <a:rPr kumimoji="1" lang="ja-JP" altLang="en-US" sz="1400" dirty="0"/>
+                <a:t> </a:t>
+              </a:r>
+              <a:r>
+                <a:rPr kumimoji="1" lang="en-US" altLang="ja-JP" sz="1400" dirty="0"/>
+                <a:t>Release</a:t>
+              </a:r>
+              <a:endParaRPr kumimoji="1" lang="ja-JP" altLang="en-US" sz="1400" dirty="0"/>
+            </a:p>
+          </p:txBody>
+        </p:sp>
+        <p:sp>
+          <p:nvSpPr>
+            <p:cNvPr id="89" name="四角形: 角を丸くする 88">
+              <a:extLst>
+                <a:ext uri="{FF2B5EF4-FFF2-40B4-BE49-F238E27FC236}">
+                  <a16:creationId xmlns:a16="http://schemas.microsoft.com/office/drawing/2014/main" id="{64E5E8B6-21C7-43F3-9D33-9AE019481C40}"/>
+                </a:ext>
+              </a:extLst>
+            </p:cNvPr>
+            <p:cNvSpPr/>
+            <p:nvPr/>
+          </p:nvSpPr>
+          <p:spPr>
+            <a:xfrm>
+              <a:off x="8074709" y="1311590"/>
+              <a:ext cx="1076325" cy="679166"/>
+            </a:xfrm>
+            <a:prstGeom prst="roundRect">
+              <a:avLst/>
+            </a:prstGeom>
+            <a:solidFill>
+              <a:srgbClr val="FFFF00"/>
+            </a:solidFill>
+          </p:spPr>
+          <p:style>
+            <a:lnRef idx="2">
+              <a:schemeClr val="accent1">
+                <a:shade val="50000"/>
+              </a:schemeClr>
+            </a:lnRef>
+            <a:fillRef idx="1">
+              <a:schemeClr val="accent1"/>
+            </a:fillRef>
+            <a:effectRef idx="0">
+              <a:schemeClr val="accent1"/>
+            </a:effectRef>
+            <a:fontRef idx="minor">
+              <a:schemeClr val="lt1"/>
+            </a:fontRef>
+          </p:style>
+          <p:txBody>
+            <a:bodyPr rtlCol="0" anchor="ctr"/>
+            <a:lstStyle/>
+            <a:p>
+              <a:pPr algn="ctr"/>
+              <a:endParaRPr kumimoji="1" lang="ja-JP" altLang="en-US">
+                <a:solidFill>
+                  <a:schemeClr val="bg1"/>
+                </a:solidFill>
+              </a:endParaRPr>
+            </a:p>
+          </p:txBody>
+        </p:sp>
+        <p:sp>
+          <p:nvSpPr>
+            <p:cNvPr id="92" name="四角形: 角を丸くする 91">
+              <a:extLst>
+                <a:ext uri="{FF2B5EF4-FFF2-40B4-BE49-F238E27FC236}">
+                  <a16:creationId xmlns:a16="http://schemas.microsoft.com/office/drawing/2014/main" id="{072420D8-EB02-44FD-8FD2-47831021C1D3}"/>
+                </a:ext>
+              </a:extLst>
+            </p:cNvPr>
+            <p:cNvSpPr/>
+            <p:nvPr/>
+          </p:nvSpPr>
+          <p:spPr>
+            <a:xfrm>
+              <a:off x="6329139" y="531320"/>
+              <a:ext cx="1076325" cy="679166"/>
+            </a:xfrm>
+            <a:prstGeom prst="roundRect">
+              <a:avLst/>
+            </a:prstGeom>
+            <a:solidFill>
+              <a:srgbClr val="FFFF00"/>
+            </a:solidFill>
+          </p:spPr>
+          <p:style>
+            <a:lnRef idx="2">
+              <a:schemeClr val="accent1">
+                <a:shade val="50000"/>
+              </a:schemeClr>
+            </a:lnRef>
+            <a:fillRef idx="1">
+              <a:schemeClr val="accent1"/>
+            </a:fillRef>
+            <a:effectRef idx="0">
+              <a:schemeClr val="accent1"/>
+            </a:effectRef>
+            <a:fontRef idx="minor">
+              <a:schemeClr val="lt1"/>
+            </a:fontRef>
+          </p:style>
+          <p:txBody>
+            <a:bodyPr rtlCol="0" anchor="ctr"/>
+            <a:lstStyle/>
+            <a:p>
+              <a:pPr algn="ctr"/>
+              <a:endParaRPr kumimoji="1" lang="ja-JP" altLang="en-US">
+                <a:solidFill>
+                  <a:schemeClr val="bg1"/>
+                </a:solidFill>
+              </a:endParaRPr>
+            </a:p>
+          </p:txBody>
+        </p:sp>
+        <p:sp>
+          <p:nvSpPr>
+            <p:cNvPr id="93" name="テキスト ボックス 92">
+              <a:extLst>
+                <a:ext uri="{FF2B5EF4-FFF2-40B4-BE49-F238E27FC236}">
+                  <a16:creationId xmlns:a16="http://schemas.microsoft.com/office/drawing/2014/main" id="{5A19DC38-BA4B-41D2-9BD7-46BE3A4D36B3}"/>
+                </a:ext>
+              </a:extLst>
+            </p:cNvPr>
+            <p:cNvSpPr txBox="1"/>
+            <p:nvPr/>
+          </p:nvSpPr>
+          <p:spPr>
+            <a:xfrm>
+              <a:off x="6355011" y="634370"/>
+              <a:ext cx="1024579" cy="523220"/>
+            </a:xfrm>
+            <a:prstGeom prst="rect">
+              <a:avLst/>
+            </a:prstGeom>
+            <a:noFill/>
+          </p:spPr>
+          <p:txBody>
+            <a:bodyPr wrap="square" rtlCol="0">
+              <a:spAutoFit/>
+            </a:bodyPr>
+            <a:lstStyle/>
+            <a:p>
+              <a:pPr algn="ctr"/>
+              <a:r>
+                <a:rPr kumimoji="1" lang="en-US" altLang="ja-JP" sz="1400" dirty="0"/>
+                <a:t>Planning/Marketing</a:t>
+              </a:r>
+              <a:endParaRPr kumimoji="1" lang="ja-JP" altLang="en-US" sz="1400" dirty="0"/>
+            </a:p>
+          </p:txBody>
+        </p:sp>
+        <p:sp>
+          <p:nvSpPr>
+            <p:cNvPr id="94" name="テキスト ボックス 93">
+              <a:extLst>
+                <a:ext uri="{FF2B5EF4-FFF2-40B4-BE49-F238E27FC236}">
+                  <a16:creationId xmlns:a16="http://schemas.microsoft.com/office/drawing/2014/main" id="{59ACC731-D23D-49BD-B460-AB1F6A121F6F}"/>
+                </a:ext>
+              </a:extLst>
+            </p:cNvPr>
+            <p:cNvSpPr txBox="1"/>
+            <p:nvPr/>
+          </p:nvSpPr>
+          <p:spPr>
+            <a:xfrm>
+              <a:off x="8125040" y="1473240"/>
+              <a:ext cx="1024579" cy="307777"/>
+            </a:xfrm>
+            <a:prstGeom prst="rect">
+              <a:avLst/>
+            </a:prstGeom>
+            <a:noFill/>
+          </p:spPr>
+          <p:txBody>
+            <a:bodyPr wrap="square" rtlCol="0">
+              <a:spAutoFit/>
+            </a:bodyPr>
+            <a:lstStyle/>
+            <a:p>
+              <a:pPr algn="ctr"/>
+              <a:r>
+                <a:rPr kumimoji="1" lang="en-US" altLang="ja-JP" sz="1400" dirty="0"/>
+                <a:t>Release</a:t>
+              </a:r>
+              <a:endParaRPr kumimoji="1" lang="ja-JP" altLang="en-US" sz="1400" dirty="0"/>
+            </a:p>
+          </p:txBody>
+        </p:sp>
+      </p:grpSp>
+      <p:sp>
+        <p:nvSpPr>
+          <p:cNvPr id="40" name="テキスト ボックス 39">
+            <a:extLst>
+              <a:ext uri="{FF2B5EF4-FFF2-40B4-BE49-F238E27FC236}">
+                <a16:creationId xmlns:a16="http://schemas.microsoft.com/office/drawing/2014/main" id="{E4BC1435-6775-49FF-B8E8-809716D6FC3A}"/>
+              </a:ext>
+            </a:extLst>
+          </p:cNvPr>
+          <p:cNvSpPr txBox="1"/>
+          <p:nvPr/>
+        </p:nvSpPr>
+        <p:spPr>
+          <a:xfrm>
+            <a:off x="8193620" y="460497"/>
+            <a:ext cx="1087990" cy="307777"/>
+          </a:xfrm>
+          <a:prstGeom prst="rect">
+            <a:avLst/>
+          </a:prstGeom>
+          <a:noFill/>
+        </p:spPr>
+        <p:txBody>
+          <a:bodyPr wrap="none" rtlCol="0">
+            <a:spAutoFit/>
+          </a:bodyPr>
+          <a:lstStyle/>
+          <a:p>
+            <a:r>
+              <a:rPr kumimoji="1" lang="en-US" altLang="ja-JP" sz="1400" dirty="0"/>
+              <a:t>organization</a:t>
+            </a:r>
+          </a:p>
+        </p:txBody>
+      </p:sp>
+      <p:grpSp>
+        <p:nvGrpSpPr>
+          <p:cNvPr id="6" name="グループ化 5">
+            <a:extLst>
+              <a:ext uri="{FF2B5EF4-FFF2-40B4-BE49-F238E27FC236}">
+                <a16:creationId xmlns:a16="http://schemas.microsoft.com/office/drawing/2014/main" id="{60BE218E-AB2A-4685-9DEB-E8A009AC3BDA}"/>
+              </a:ext>
+            </a:extLst>
+          </p:cNvPr>
+          <p:cNvGrpSpPr/>
+          <p:nvPr/>
+        </p:nvGrpSpPr>
+        <p:grpSpPr>
+          <a:xfrm>
+            <a:off x="238532" y="3948502"/>
+            <a:ext cx="10576996" cy="2562693"/>
+            <a:chOff x="238532" y="3948502"/>
+            <a:chExt cx="10576996" cy="2562693"/>
+          </a:xfrm>
+        </p:grpSpPr>
+        <p:sp>
+          <p:nvSpPr>
+            <p:cNvPr id="85" name="四角形: 角を丸くする 84">
+              <a:extLst>
+                <a:ext uri="{FF2B5EF4-FFF2-40B4-BE49-F238E27FC236}">
+                  <a16:creationId xmlns:a16="http://schemas.microsoft.com/office/drawing/2014/main" id="{FF169C97-1BB8-49C5-A0DA-1495E98D6FF0}"/>
+                </a:ext>
+              </a:extLst>
+            </p:cNvPr>
+            <p:cNvSpPr/>
+            <p:nvPr/>
+          </p:nvSpPr>
+          <p:spPr>
+            <a:xfrm>
+              <a:off x="6584362" y="4013810"/>
+              <a:ext cx="2311447" cy="2366589"/>
+            </a:xfrm>
+            <a:prstGeom prst="roundRect">
+              <a:avLst/>
+            </a:prstGeom>
+            <a:solidFill>
+              <a:schemeClr val="accent1">
+                <a:lumMod val="60000"/>
+                <a:lumOff val="40000"/>
+              </a:schemeClr>
+            </a:solidFill>
+          </p:spPr>
+          <p:style>
+            <a:lnRef idx="2">
+              <a:schemeClr val="accent1">
+                <a:shade val="50000"/>
+              </a:schemeClr>
+            </a:lnRef>
+            <a:fillRef idx="1">
+              <a:schemeClr val="accent1"/>
+            </a:fillRef>
+            <a:effectRef idx="0">
+              <a:schemeClr val="accent1"/>
+            </a:effectRef>
+            <a:fontRef idx="minor">
+              <a:schemeClr val="lt1"/>
+            </a:fontRef>
+          </p:style>
+          <p:txBody>
+            <a:bodyPr rtlCol="0" anchor="ctr"/>
+            <a:lstStyle/>
+            <a:p>
+              <a:pPr marL="0" marR="0" lvl="0" indent="0" algn="ctr" defTabSz="914400" rtl="0" eaLnBrk="1" fontAlgn="auto" latinLnBrk="0" hangingPunct="1">
+                <a:lnSpc>
+                  <a:spcPct val="100000"/>
+                </a:lnSpc>
+                <a:spcBef>
+                  <a:spcPts val="0"/>
+                </a:spcBef>
+                <a:spcAft>
+                  <a:spcPts val="0"/>
+                </a:spcAft>
+                <a:buClrTx/>
+                <a:buSzTx/>
+                <a:buFontTx/>
+                <a:buNone/>
+                <a:tabLst/>
+                <a:defRPr/>
+              </a:pPr>
+              <a:endParaRPr kumimoji="1" lang="ja-JP" altLang="en-US" sz="1800" b="0" i="0" u="none" strike="noStrike" kern="1200" cap="none" spc="0" normalizeH="0" baseline="0" noProof="0" dirty="0">
+                <a:ln>
+                  <a:noFill/>
+                </a:ln>
+                <a:solidFill>
+                  <a:prstClr val="white"/>
+                </a:solidFill>
+                <a:effectLst/>
+                <a:uLnTx/>
+                <a:uFillTx/>
+                <a:latin typeface="Calibri"/>
+                <a:ea typeface="ＭＳ Ｐゴシック" panose="020B0600070205080204" pitchFamily="50" charset="-128"/>
+                <a:cs typeface="+mn-cs"/>
+              </a:endParaRPr>
+            </a:p>
+          </p:txBody>
+        </p:sp>
+        <p:sp>
+          <p:nvSpPr>
+            <p:cNvPr id="67" name="テキスト ボックス 66">
+              <a:extLst>
+                <a:ext uri="{FF2B5EF4-FFF2-40B4-BE49-F238E27FC236}">
+                  <a16:creationId xmlns:a16="http://schemas.microsoft.com/office/drawing/2014/main" id="{38EE265B-EDB5-474F-8699-9324064DD208}"/>
+                </a:ext>
+              </a:extLst>
+            </p:cNvPr>
+            <p:cNvSpPr txBox="1"/>
+            <p:nvPr/>
+          </p:nvSpPr>
+          <p:spPr>
+            <a:xfrm>
+              <a:off x="238532" y="4178297"/>
+              <a:ext cx="2340361" cy="923330"/>
+            </a:xfrm>
+            <a:prstGeom prst="rect">
+              <a:avLst/>
+            </a:prstGeom>
+            <a:noFill/>
+          </p:spPr>
+          <p:txBody>
+            <a:bodyPr wrap="square" rtlCol="0">
+              <a:spAutoFit/>
+            </a:bodyPr>
+            <a:lstStyle/>
+            <a:p>
+              <a:pPr marL="0" marR="0" lvl="0" indent="0" algn="l" defTabSz="914400" rtl="0" eaLnBrk="1" fontAlgn="auto" latinLnBrk="0" hangingPunct="1">
+                <a:lnSpc>
+                  <a:spcPct val="100000"/>
+                </a:lnSpc>
+                <a:spcBef>
+                  <a:spcPts val="0"/>
+                </a:spcBef>
+                <a:spcAft>
+                  <a:spcPts val="0"/>
+                </a:spcAft>
+                <a:buClrTx/>
+                <a:buSzTx/>
+                <a:buFontTx/>
+                <a:buNone/>
+                <a:tabLst/>
+                <a:defRPr/>
+              </a:pPr>
+              <a:r>
+                <a:rPr kumimoji="1" lang="en-US" altLang="ja-JP" sz="1800" b="0" i="0" u="none" strike="noStrike" kern="1200" cap="none" spc="0" normalizeH="0" baseline="0" noProof="0" dirty="0">
+                  <a:ln>
+                    <a:noFill/>
+                  </a:ln>
+                  <a:solidFill>
+                    <a:prstClr val="black"/>
+                  </a:solidFill>
+                  <a:effectLst/>
+                  <a:uLnTx/>
+                  <a:uFillTx/>
+                  <a:latin typeface="Calibri"/>
+                  <a:ea typeface="ＭＳ Ｐゴシック" panose="020B0600070205080204" pitchFamily="50" charset="-128"/>
+                  <a:cs typeface="+mn-cs"/>
+                </a:rPr>
+                <a:t>Case 4: Self brand</a:t>
+              </a:r>
+            </a:p>
+            <a:p>
+              <a:pPr marL="0" marR="0" lvl="0" indent="0" algn="l" defTabSz="914400" rtl="0" eaLnBrk="1" fontAlgn="auto" latinLnBrk="0" hangingPunct="1">
+                <a:lnSpc>
+                  <a:spcPct val="100000"/>
+                </a:lnSpc>
+                <a:spcBef>
+                  <a:spcPts val="0"/>
+                </a:spcBef>
+                <a:spcAft>
+                  <a:spcPts val="0"/>
+                </a:spcAft>
+                <a:buClrTx/>
+                <a:buSzTx/>
+                <a:buFontTx/>
+                <a:buNone/>
+                <a:tabLst/>
+                <a:defRPr/>
+              </a:pPr>
+              <a:r>
+                <a:rPr kumimoji="1" lang="en-US" altLang="ja-JP" dirty="0">
+                  <a:solidFill>
+                    <a:prstClr val="black"/>
+                  </a:solidFill>
+                  <a:latin typeface="Calibri"/>
+                  <a:ea typeface="ＭＳ Ｐゴシック" panose="020B0600070205080204" pitchFamily="50" charset="-128"/>
+                </a:rPr>
+                <a:t>ODM + software</a:t>
+              </a:r>
+            </a:p>
+            <a:p>
+              <a:pPr marL="0" marR="0" lvl="0" indent="0" algn="l" defTabSz="914400" rtl="0" eaLnBrk="1" fontAlgn="auto" latinLnBrk="0" hangingPunct="1">
+                <a:lnSpc>
+                  <a:spcPct val="100000"/>
+                </a:lnSpc>
+                <a:spcBef>
+                  <a:spcPts val="0"/>
+                </a:spcBef>
+                <a:spcAft>
+                  <a:spcPts val="0"/>
+                </a:spcAft>
+                <a:buClrTx/>
+                <a:buSzTx/>
+                <a:buFontTx/>
+                <a:buNone/>
+                <a:tabLst/>
+                <a:defRPr/>
+              </a:pPr>
+              <a:r>
+                <a:rPr kumimoji="1" lang="en-US" altLang="ja-JP" sz="1800" b="0" i="0" u="none" strike="noStrike" kern="1200" cap="none" spc="0" normalizeH="0" baseline="0" noProof="0" dirty="0">
+                  <a:ln>
+                    <a:noFill/>
+                  </a:ln>
+                  <a:solidFill>
+                    <a:prstClr val="black"/>
+                  </a:solidFill>
+                  <a:effectLst/>
+                  <a:uLnTx/>
+                  <a:uFillTx/>
+                  <a:latin typeface="Calibri"/>
+                  <a:ea typeface="ＭＳ Ｐゴシック" panose="020B0600070205080204" pitchFamily="50" charset="-128"/>
+                  <a:cs typeface="+mn-cs"/>
+                </a:rPr>
+                <a:t>w/o </a:t>
+              </a:r>
+              <a:r>
+                <a:rPr kumimoji="1" lang="en-US" altLang="ja-JP" dirty="0">
+                  <a:solidFill>
+                    <a:prstClr val="black"/>
+                  </a:solidFill>
+                  <a:latin typeface="Calibri"/>
+                  <a:ea typeface="ＭＳ Ｐゴシック" panose="020B0600070205080204" pitchFamily="50" charset="-128"/>
+                </a:rPr>
+                <a:t>internal dev.</a:t>
+              </a:r>
+              <a:endParaRPr kumimoji="1" lang="en-US" altLang="ja-JP" sz="1800" b="0" i="0" u="none" strike="noStrike" kern="1200" cap="none" spc="0" normalizeH="0" baseline="0" noProof="0" dirty="0">
+                <a:ln>
+                  <a:noFill/>
+                </a:ln>
+                <a:solidFill>
+                  <a:prstClr val="black"/>
+                </a:solidFill>
+                <a:effectLst/>
+                <a:uLnTx/>
+                <a:uFillTx/>
+                <a:latin typeface="Calibri"/>
+                <a:ea typeface="ＭＳ Ｐゴシック" panose="020B0600070205080204" pitchFamily="50" charset="-128"/>
+                <a:cs typeface="+mn-cs"/>
+              </a:endParaRPr>
+            </a:p>
+          </p:txBody>
+        </p:sp>
+        <p:sp>
+          <p:nvSpPr>
+            <p:cNvPr id="72" name="四角形: 角を丸くする 71">
+              <a:extLst>
+                <a:ext uri="{FF2B5EF4-FFF2-40B4-BE49-F238E27FC236}">
+                  <a16:creationId xmlns:a16="http://schemas.microsoft.com/office/drawing/2014/main" id="{DC4A5684-3013-4BEB-8661-975FBF66879A}"/>
+                </a:ext>
+              </a:extLst>
+            </p:cNvPr>
+            <p:cNvSpPr/>
+            <p:nvPr/>
+          </p:nvSpPr>
+          <p:spPr>
+            <a:xfrm>
+              <a:off x="9739203" y="4467923"/>
+              <a:ext cx="1076325" cy="381000"/>
+            </a:xfrm>
+            <a:prstGeom prst="roundRect">
+              <a:avLst/>
+            </a:prstGeom>
+            <a:solidFill>
+              <a:schemeClr val="accent6">
+                <a:lumMod val="75000"/>
+              </a:schemeClr>
+            </a:solidFill>
+          </p:spPr>
+          <p:style>
+            <a:lnRef idx="2">
+              <a:schemeClr val="accent1">
+                <a:shade val="50000"/>
+              </a:schemeClr>
+            </a:lnRef>
+            <a:fillRef idx="1">
+              <a:schemeClr val="accent1"/>
+            </a:fillRef>
+            <a:effectRef idx="0">
+              <a:schemeClr val="accent1"/>
+            </a:effectRef>
+            <a:fontRef idx="minor">
+              <a:schemeClr val="lt1"/>
+            </a:fontRef>
+          </p:style>
+          <p:txBody>
+            <a:bodyPr rtlCol="0" anchor="ctr"/>
+            <a:lstStyle/>
+            <a:p>
+              <a:pPr marL="0" marR="0" lvl="0" indent="0" algn="ctr" defTabSz="914400" rtl="0" eaLnBrk="1" fontAlgn="auto" latinLnBrk="0" hangingPunct="1">
+                <a:lnSpc>
+                  <a:spcPct val="100000"/>
+                </a:lnSpc>
+                <a:spcBef>
+                  <a:spcPts val="0"/>
+                </a:spcBef>
+                <a:spcAft>
+                  <a:spcPts val="0"/>
+                </a:spcAft>
+                <a:buClrTx/>
+                <a:buSzTx/>
+                <a:buFontTx/>
+                <a:buNone/>
+                <a:tabLst/>
+                <a:defRPr/>
+              </a:pPr>
+              <a:endParaRPr kumimoji="1" lang="ja-JP" altLang="en-US" sz="1800" b="0" i="0" u="none" strike="noStrike" kern="1200" cap="none" spc="0" normalizeH="0" baseline="0" noProof="0">
+                <a:ln>
+                  <a:noFill/>
+                </a:ln>
+                <a:solidFill>
+                  <a:prstClr val="white"/>
+                </a:solidFill>
+                <a:effectLst/>
+                <a:uLnTx/>
+                <a:uFillTx/>
+                <a:latin typeface="Calibri"/>
+                <a:ea typeface="ＭＳ Ｐゴシック" panose="020B0600070205080204" pitchFamily="50" charset="-128"/>
+                <a:cs typeface="+mn-cs"/>
+              </a:endParaRPr>
+            </a:p>
+          </p:txBody>
+        </p:sp>
+        <p:sp>
+          <p:nvSpPr>
+            <p:cNvPr id="74" name="四角形: 角を丸くする 73">
+              <a:extLst>
+                <a:ext uri="{FF2B5EF4-FFF2-40B4-BE49-F238E27FC236}">
+                  <a16:creationId xmlns:a16="http://schemas.microsoft.com/office/drawing/2014/main" id="{E91D2BD0-BF66-4151-834E-3EC07E3709C7}"/>
+                </a:ext>
+              </a:extLst>
+            </p:cNvPr>
+            <p:cNvSpPr/>
+            <p:nvPr/>
+          </p:nvSpPr>
+          <p:spPr>
+            <a:xfrm>
+              <a:off x="7132938" y="4256279"/>
+              <a:ext cx="1076325" cy="826305"/>
+            </a:xfrm>
+            <a:prstGeom prst="roundRect">
+              <a:avLst/>
+            </a:prstGeom>
+            <a:solidFill>
+              <a:srgbClr val="FFFF00"/>
+            </a:solidFill>
+          </p:spPr>
+          <p:style>
+            <a:lnRef idx="2">
+              <a:schemeClr val="accent1">
+                <a:shade val="50000"/>
+              </a:schemeClr>
+            </a:lnRef>
+            <a:fillRef idx="1">
+              <a:schemeClr val="accent1"/>
+            </a:fillRef>
+            <a:effectRef idx="0">
+              <a:schemeClr val="accent1"/>
+            </a:effectRef>
+            <a:fontRef idx="minor">
+              <a:schemeClr val="lt1"/>
+            </a:fontRef>
+          </p:style>
+          <p:txBody>
+            <a:bodyPr rtlCol="0" anchor="ctr"/>
+            <a:lstStyle/>
+            <a:p>
+              <a:pPr marL="0" marR="0" lvl="0" indent="0" algn="ctr" defTabSz="914400" rtl="0" eaLnBrk="1" fontAlgn="auto" latinLnBrk="0" hangingPunct="1">
+                <a:lnSpc>
+                  <a:spcPct val="100000"/>
+                </a:lnSpc>
+                <a:spcBef>
+                  <a:spcPts val="0"/>
+                </a:spcBef>
+                <a:spcAft>
+                  <a:spcPts val="0"/>
+                </a:spcAft>
+                <a:buClrTx/>
+                <a:buSzTx/>
+                <a:buFontTx/>
+                <a:buNone/>
+                <a:tabLst/>
+                <a:defRPr/>
+              </a:pPr>
+              <a:endParaRPr kumimoji="1" lang="ja-JP" altLang="en-US" sz="1800" b="0" i="0" u="none" strike="noStrike" kern="1200" cap="none" spc="0" normalizeH="0" baseline="0" noProof="0">
+                <a:ln>
+                  <a:noFill/>
+                </a:ln>
+                <a:solidFill>
+                  <a:prstClr val="white"/>
+                </a:solidFill>
+                <a:effectLst/>
+                <a:uLnTx/>
+                <a:uFillTx/>
+                <a:latin typeface="Calibri"/>
+                <a:ea typeface="ＭＳ Ｐゴシック" panose="020B0600070205080204" pitchFamily="50" charset="-128"/>
+                <a:cs typeface="+mn-cs"/>
+              </a:endParaRPr>
+            </a:p>
+          </p:txBody>
+        </p:sp>
+        <p:cxnSp>
+          <p:nvCxnSpPr>
+            <p:cNvPr id="75" name="直線矢印コネクタ 74">
+              <a:extLst>
+                <a:ext uri="{FF2B5EF4-FFF2-40B4-BE49-F238E27FC236}">
+                  <a16:creationId xmlns:a16="http://schemas.microsoft.com/office/drawing/2014/main" id="{6EBD61D4-CED5-4DD1-B711-3BF5B27F8795}"/>
+                </a:ext>
+              </a:extLst>
+            </p:cNvPr>
+            <p:cNvCxnSpPr>
+              <a:cxnSpLocks/>
+              <a:stCxn id="74" idx="3"/>
+              <a:endCxn id="72" idx="1"/>
+            </p:cNvCxnSpPr>
+            <p:nvPr/>
+          </p:nvCxnSpPr>
+          <p:spPr>
+            <a:xfrm flipV="1">
+              <a:off x="8209263" y="4658423"/>
+              <a:ext cx="1529940" cy="11009"/>
+            </a:xfrm>
+            <a:prstGeom prst="straightConnector1">
+              <a:avLst/>
+            </a:prstGeom>
+            <a:ln w="38100">
+              <a:solidFill>
+                <a:schemeClr val="tx1"/>
+              </a:solidFill>
+              <a:tailEnd type="triangle"/>
+            </a:ln>
+          </p:spPr>
+          <p:style>
+            <a:lnRef idx="1">
+              <a:schemeClr val="accent1"/>
+            </a:lnRef>
+            <a:fillRef idx="0">
+              <a:schemeClr val="accent1"/>
+            </a:fillRef>
+            <a:effectRef idx="0">
+              <a:schemeClr val="accent1"/>
+            </a:effectRef>
+            <a:fontRef idx="minor">
+              <a:schemeClr val="tx1"/>
+            </a:fontRef>
+          </p:style>
+        </p:cxnSp>
+        <p:sp>
+          <p:nvSpPr>
+            <p:cNvPr id="79" name="四角形: 角を丸くする 78">
+              <a:extLst>
+                <a:ext uri="{FF2B5EF4-FFF2-40B4-BE49-F238E27FC236}">
+                  <a16:creationId xmlns:a16="http://schemas.microsoft.com/office/drawing/2014/main" id="{75FC13D2-D1FE-4304-8CC8-652D21E33FBF}"/>
+                </a:ext>
+              </a:extLst>
+            </p:cNvPr>
+            <p:cNvSpPr/>
+            <p:nvPr/>
+          </p:nvSpPr>
+          <p:spPr>
+            <a:xfrm>
+              <a:off x="7132938" y="5362998"/>
+              <a:ext cx="1076325" cy="838932"/>
+            </a:xfrm>
+            <a:prstGeom prst="roundRect">
+              <a:avLst/>
+            </a:prstGeom>
+            <a:solidFill>
+              <a:srgbClr val="FFFF00"/>
+            </a:solidFill>
+          </p:spPr>
+          <p:style>
+            <a:lnRef idx="2">
+              <a:schemeClr val="accent1">
+                <a:shade val="50000"/>
+              </a:schemeClr>
+            </a:lnRef>
+            <a:fillRef idx="1">
+              <a:schemeClr val="accent1"/>
+            </a:fillRef>
+            <a:effectRef idx="0">
+              <a:schemeClr val="accent1"/>
+            </a:effectRef>
+            <a:fontRef idx="minor">
+              <a:schemeClr val="lt1"/>
+            </a:fontRef>
+          </p:style>
+          <p:txBody>
+            <a:bodyPr rtlCol="0" anchor="ctr"/>
+            <a:lstStyle/>
+            <a:p>
+              <a:pPr marL="0" marR="0" lvl="0" indent="0" algn="ctr" defTabSz="914400" rtl="0" eaLnBrk="1" fontAlgn="auto" latinLnBrk="0" hangingPunct="1">
+                <a:lnSpc>
+                  <a:spcPct val="100000"/>
+                </a:lnSpc>
+                <a:spcBef>
+                  <a:spcPts val="0"/>
+                </a:spcBef>
+                <a:spcAft>
+                  <a:spcPts val="0"/>
+                </a:spcAft>
+                <a:buClrTx/>
+                <a:buSzTx/>
+                <a:buFontTx/>
+                <a:buNone/>
+                <a:tabLst/>
+                <a:defRPr/>
+              </a:pPr>
+              <a:endParaRPr kumimoji="1" lang="ja-JP" altLang="en-US" sz="1800" b="0" i="0" u="none" strike="noStrike" kern="1200" cap="none" spc="0" normalizeH="0" baseline="0" noProof="0">
+                <a:ln>
+                  <a:noFill/>
+                </a:ln>
+                <a:solidFill>
+                  <a:prstClr val="white"/>
+                </a:solidFill>
+                <a:effectLst/>
+                <a:uLnTx/>
+                <a:uFillTx/>
+                <a:latin typeface="Calibri"/>
+                <a:ea typeface="ＭＳ Ｐゴシック" panose="020B0600070205080204" pitchFamily="50" charset="-128"/>
+                <a:cs typeface="+mn-cs"/>
+              </a:endParaRPr>
+            </a:p>
+          </p:txBody>
+        </p:sp>
+        <p:sp>
+          <p:nvSpPr>
+            <p:cNvPr id="81" name="テキスト ボックス 80">
+              <a:extLst>
+                <a:ext uri="{FF2B5EF4-FFF2-40B4-BE49-F238E27FC236}">
+                  <a16:creationId xmlns:a16="http://schemas.microsoft.com/office/drawing/2014/main" id="{32A3F62A-14E5-447E-B2C1-8B5803E91601}"/>
+                </a:ext>
+              </a:extLst>
+            </p:cNvPr>
+            <p:cNvSpPr txBox="1"/>
+            <p:nvPr/>
+          </p:nvSpPr>
+          <p:spPr>
+            <a:xfrm>
+              <a:off x="9839216" y="4560256"/>
+              <a:ext cx="819150" cy="276999"/>
+            </a:xfrm>
+            <a:prstGeom prst="rect">
+              <a:avLst/>
+            </a:prstGeom>
+            <a:noFill/>
+          </p:spPr>
+          <p:txBody>
+            <a:bodyPr wrap="square" rtlCol="0">
+              <a:spAutoFit/>
+            </a:bodyPr>
+            <a:lstStyle/>
+            <a:p>
+              <a:pPr marL="0" marR="0" lvl="0" indent="0" algn="ctr" defTabSz="914400" rtl="0" eaLnBrk="1" fontAlgn="auto" latinLnBrk="0" hangingPunct="1">
+                <a:lnSpc>
+                  <a:spcPct val="100000"/>
+                </a:lnSpc>
+                <a:spcBef>
+                  <a:spcPts val="0"/>
+                </a:spcBef>
+                <a:spcAft>
+                  <a:spcPts val="0"/>
+                </a:spcAft>
+                <a:buClrTx/>
+                <a:buSzTx/>
+                <a:buFontTx/>
+                <a:buNone/>
+                <a:tabLst/>
+                <a:defRPr/>
+              </a:pPr>
+              <a:r>
+                <a:rPr kumimoji="1" lang="en-US" altLang="ja-JP" sz="1200" dirty="0">
+                  <a:solidFill>
+                    <a:prstClr val="white"/>
+                  </a:solidFill>
+                  <a:latin typeface="Calibri"/>
+                  <a:ea typeface="ＭＳ Ｐゴシック" panose="020B0600070205080204" pitchFamily="50" charset="-128"/>
+                </a:rPr>
+                <a:t>End</a:t>
+              </a:r>
+              <a:r>
+                <a:rPr kumimoji="1" lang="ja-JP" altLang="en-US" sz="1200" dirty="0">
+                  <a:solidFill>
+                    <a:prstClr val="white"/>
+                  </a:solidFill>
+                  <a:latin typeface="Calibri"/>
+                  <a:ea typeface="ＭＳ Ｐゴシック" panose="020B0600070205080204" pitchFamily="50" charset="-128"/>
+                </a:rPr>
+                <a:t> </a:t>
+              </a:r>
+              <a:r>
+                <a:rPr kumimoji="1" lang="en-US" altLang="ja-JP" sz="1200" dirty="0">
+                  <a:solidFill>
+                    <a:prstClr val="white"/>
+                  </a:solidFill>
+                  <a:latin typeface="Calibri"/>
+                  <a:ea typeface="ＭＳ Ｐゴシック" panose="020B0600070205080204" pitchFamily="50" charset="-128"/>
+                </a:rPr>
+                <a:t>user</a:t>
+              </a:r>
+              <a:endParaRPr kumimoji="1" lang="ja-JP" altLang="en-US" sz="1200" b="0" i="0" u="none" strike="noStrike" kern="1200" cap="none" spc="0" normalizeH="0" baseline="0" noProof="0" dirty="0">
+                <a:ln>
+                  <a:noFill/>
+                </a:ln>
+                <a:solidFill>
+                  <a:prstClr val="white"/>
+                </a:solidFill>
+                <a:effectLst/>
+                <a:uLnTx/>
+                <a:uFillTx/>
+                <a:latin typeface="Calibri"/>
+                <a:ea typeface="ＭＳ Ｐゴシック" panose="020B0600070205080204" pitchFamily="50" charset="-128"/>
+                <a:cs typeface="+mn-cs"/>
+              </a:endParaRPr>
+            </a:p>
+          </p:txBody>
+        </p:sp>
+        <p:cxnSp>
+          <p:nvCxnSpPr>
+            <p:cNvPr id="86" name="コネクタ: カギ線 85">
+              <a:extLst>
+                <a:ext uri="{FF2B5EF4-FFF2-40B4-BE49-F238E27FC236}">
+                  <a16:creationId xmlns:a16="http://schemas.microsoft.com/office/drawing/2014/main" id="{74802B53-DF84-466E-AA0C-C1EAE3427CBC}"/>
+                </a:ext>
+              </a:extLst>
+            </p:cNvPr>
+            <p:cNvCxnSpPr>
+              <a:cxnSpLocks/>
+              <a:stCxn id="41" idx="0"/>
+              <a:endCxn id="91" idx="2"/>
+            </p:cNvCxnSpPr>
+            <p:nvPr/>
+          </p:nvCxnSpPr>
+          <p:spPr>
+            <a:xfrm rot="16200000" flipV="1">
+              <a:off x="3342074" y="5467352"/>
+              <a:ext cx="770966" cy="8573"/>
+            </a:xfrm>
+            <a:prstGeom prst="bentConnector3">
+              <a:avLst>
+                <a:gd name="adj1" fmla="val 50000"/>
+              </a:avLst>
+            </a:prstGeom>
+            <a:ln w="38100">
+              <a:solidFill>
+                <a:schemeClr val="tx1"/>
+              </a:solidFill>
+              <a:tailEnd type="triangle"/>
+            </a:ln>
+          </p:spPr>
+          <p:style>
+            <a:lnRef idx="1">
+              <a:schemeClr val="accent1"/>
+            </a:lnRef>
+            <a:fillRef idx="0">
+              <a:schemeClr val="accent1"/>
+            </a:fillRef>
+            <a:effectRef idx="0">
+              <a:schemeClr val="accent1"/>
+            </a:effectRef>
+            <a:fontRef idx="minor">
+              <a:schemeClr val="tx1"/>
+            </a:fontRef>
+          </p:style>
+        </p:cxnSp>
+        <p:cxnSp>
+          <p:nvCxnSpPr>
+            <p:cNvPr id="87" name="直線矢印コネクタ 86">
+              <a:extLst>
+                <a:ext uri="{FF2B5EF4-FFF2-40B4-BE49-F238E27FC236}">
+                  <a16:creationId xmlns:a16="http://schemas.microsoft.com/office/drawing/2014/main" id="{25DC7737-CAC6-4E8E-BF90-839027228F8E}"/>
+                </a:ext>
+              </a:extLst>
+            </p:cNvPr>
+            <p:cNvCxnSpPr>
+              <a:cxnSpLocks/>
+              <a:stCxn id="91" idx="3"/>
+              <a:endCxn id="74" idx="1"/>
+            </p:cNvCxnSpPr>
+            <p:nvPr/>
+          </p:nvCxnSpPr>
+          <p:spPr>
+            <a:xfrm flipV="1">
+              <a:off x="4252860" y="4669432"/>
+              <a:ext cx="2880078" cy="18191"/>
+            </a:xfrm>
+            <a:prstGeom prst="straightConnector1">
+              <a:avLst/>
+            </a:prstGeom>
+            <a:ln w="38100">
+              <a:solidFill>
+                <a:schemeClr val="tx1"/>
+              </a:solidFill>
+              <a:tailEnd type="triangle"/>
+            </a:ln>
+          </p:spPr>
+          <p:style>
+            <a:lnRef idx="1">
+              <a:schemeClr val="accent1"/>
+            </a:lnRef>
+            <a:fillRef idx="0">
+              <a:schemeClr val="accent1"/>
+            </a:fillRef>
+            <a:effectRef idx="0">
+              <a:schemeClr val="accent1"/>
+            </a:effectRef>
+            <a:fontRef idx="minor">
+              <a:schemeClr val="tx1"/>
+            </a:fontRef>
+          </p:style>
+        </p:cxnSp>
+        <p:sp>
+          <p:nvSpPr>
+            <p:cNvPr id="91" name="四角形: 角を丸くする 90">
+              <a:extLst>
+                <a:ext uri="{FF2B5EF4-FFF2-40B4-BE49-F238E27FC236}">
+                  <a16:creationId xmlns:a16="http://schemas.microsoft.com/office/drawing/2014/main" id="{B94DC2EB-9E0C-4D05-B299-35B2369C09E8}"/>
+                </a:ext>
+              </a:extLst>
+            </p:cNvPr>
+            <p:cNvSpPr/>
+            <p:nvPr/>
+          </p:nvSpPr>
+          <p:spPr>
+            <a:xfrm>
+              <a:off x="3193680" y="4289090"/>
+              <a:ext cx="1059180" cy="797066"/>
+            </a:xfrm>
+            <a:prstGeom prst="roundRect">
+              <a:avLst/>
+            </a:prstGeom>
+            <a:solidFill>
+              <a:schemeClr val="accent6">
+                <a:lumMod val="75000"/>
+              </a:schemeClr>
+            </a:solidFill>
+          </p:spPr>
+          <p:style>
+            <a:lnRef idx="2">
+              <a:schemeClr val="accent1">
+                <a:shade val="50000"/>
+              </a:schemeClr>
+            </a:lnRef>
+            <a:fillRef idx="1">
+              <a:schemeClr val="accent1"/>
+            </a:fillRef>
+            <a:effectRef idx="0">
+              <a:schemeClr val="accent1"/>
+            </a:effectRef>
+            <a:fontRef idx="minor">
+              <a:schemeClr val="lt1"/>
+            </a:fontRef>
+          </p:style>
+          <p:txBody>
+            <a:bodyPr rtlCol="0" anchor="ctr"/>
+            <a:lstStyle/>
+            <a:p>
+              <a:pPr marL="0" marR="0" lvl="0" indent="0" algn="ctr" defTabSz="914400" rtl="0" eaLnBrk="1" fontAlgn="auto" latinLnBrk="0" hangingPunct="1">
+                <a:lnSpc>
+                  <a:spcPct val="100000"/>
+                </a:lnSpc>
+                <a:spcBef>
+                  <a:spcPts val="0"/>
+                </a:spcBef>
+                <a:spcAft>
+                  <a:spcPts val="0"/>
+                </a:spcAft>
+                <a:buClrTx/>
+                <a:buSzTx/>
+                <a:buFontTx/>
+                <a:buNone/>
+                <a:tabLst/>
+                <a:defRPr/>
+              </a:pPr>
+              <a:r>
+                <a:rPr kumimoji="1" lang="en-US" altLang="ja-JP" sz="1800" b="0" i="0" u="none" strike="noStrike" kern="1200" cap="none" spc="0" normalizeH="0" baseline="0" noProof="0" dirty="0">
+                  <a:ln>
+                    <a:noFill/>
+                  </a:ln>
+                  <a:solidFill>
+                    <a:prstClr val="white"/>
+                  </a:solidFill>
+                  <a:effectLst/>
+                  <a:uLnTx/>
+                  <a:uFillTx/>
+                  <a:latin typeface="Calibri"/>
+                  <a:ea typeface="ＭＳ Ｐゴシック" panose="020B0600070205080204" pitchFamily="50" charset="-128"/>
+                  <a:cs typeface="+mn-cs"/>
+                </a:rPr>
+                <a:t>ODM</a:t>
+              </a:r>
+              <a:endParaRPr kumimoji="1" lang="ja-JP" altLang="en-US" sz="1800" b="0" i="0" u="none" strike="noStrike" kern="1200" cap="none" spc="0" normalizeH="0" baseline="0" noProof="0" dirty="0">
+                <a:ln>
+                  <a:noFill/>
+                </a:ln>
+                <a:solidFill>
+                  <a:prstClr val="white"/>
+                </a:solidFill>
+                <a:effectLst/>
+                <a:uLnTx/>
+                <a:uFillTx/>
+                <a:latin typeface="Calibri"/>
+                <a:ea typeface="ＭＳ Ｐゴシック" panose="020B0600070205080204" pitchFamily="50" charset="-128"/>
+                <a:cs typeface="+mn-cs"/>
+              </a:endParaRPr>
+            </a:p>
+          </p:txBody>
+        </p:sp>
+        <p:sp>
+          <p:nvSpPr>
+            <p:cNvPr id="41" name="四角形: 角を丸くする 40">
+              <a:extLst>
+                <a:ext uri="{FF2B5EF4-FFF2-40B4-BE49-F238E27FC236}">
+                  <a16:creationId xmlns:a16="http://schemas.microsoft.com/office/drawing/2014/main" id="{F3726A84-103F-4D95-8232-2B2890196223}"/>
+                </a:ext>
+              </a:extLst>
+            </p:cNvPr>
+            <p:cNvSpPr/>
+            <p:nvPr/>
+          </p:nvSpPr>
+          <p:spPr>
+            <a:xfrm>
+              <a:off x="3193680" y="5857122"/>
+              <a:ext cx="1076325" cy="654073"/>
+            </a:xfrm>
+            <a:prstGeom prst="roundRect">
+              <a:avLst/>
+            </a:prstGeom>
+            <a:solidFill>
+              <a:schemeClr val="accent6">
+                <a:lumMod val="75000"/>
+              </a:schemeClr>
+            </a:solidFill>
+          </p:spPr>
+          <p:style>
+            <a:lnRef idx="2">
+              <a:schemeClr val="accent1">
+                <a:shade val="50000"/>
+              </a:schemeClr>
+            </a:lnRef>
+            <a:fillRef idx="1">
+              <a:schemeClr val="accent1"/>
+            </a:fillRef>
+            <a:effectRef idx="0">
+              <a:schemeClr val="accent1"/>
+            </a:effectRef>
+            <a:fontRef idx="minor">
+              <a:schemeClr val="lt1"/>
+            </a:fontRef>
+          </p:style>
+          <p:txBody>
+            <a:bodyPr rtlCol="0" anchor="ctr"/>
+            <a:lstStyle/>
+            <a:p>
+              <a:pPr algn="ctr"/>
+              <a:endParaRPr kumimoji="1" lang="ja-JP" altLang="en-US"/>
+            </a:p>
+          </p:txBody>
+        </p:sp>
+        <p:sp>
+          <p:nvSpPr>
+            <p:cNvPr id="83" name="テキスト ボックス 82">
+              <a:extLst>
+                <a:ext uri="{FF2B5EF4-FFF2-40B4-BE49-F238E27FC236}">
+                  <a16:creationId xmlns:a16="http://schemas.microsoft.com/office/drawing/2014/main" id="{37B15A8C-5830-44ED-8BD0-F53C98C7C76B}"/>
+                </a:ext>
+              </a:extLst>
+            </p:cNvPr>
+            <p:cNvSpPr txBox="1"/>
+            <p:nvPr/>
+          </p:nvSpPr>
+          <p:spPr>
+            <a:xfrm>
+              <a:off x="3154142" y="5998214"/>
+              <a:ext cx="1155399" cy="307777"/>
+            </a:xfrm>
+            <a:prstGeom prst="rect">
+              <a:avLst/>
+            </a:prstGeom>
+            <a:noFill/>
+          </p:spPr>
+          <p:txBody>
+            <a:bodyPr wrap="square" rtlCol="0">
+              <a:spAutoFit/>
+            </a:bodyPr>
+            <a:lstStyle/>
+            <a:p>
+              <a:pPr marL="0" marR="0" lvl="0" indent="0" algn="ctr" defTabSz="914400" rtl="0" eaLnBrk="1" fontAlgn="auto" latinLnBrk="0" hangingPunct="1">
+                <a:lnSpc>
+                  <a:spcPct val="100000"/>
+                </a:lnSpc>
+                <a:spcBef>
+                  <a:spcPts val="0"/>
+                </a:spcBef>
+                <a:spcAft>
+                  <a:spcPts val="0"/>
+                </a:spcAft>
+                <a:buClrTx/>
+                <a:buSzTx/>
+                <a:buFontTx/>
+                <a:buNone/>
+                <a:tabLst/>
+                <a:defRPr/>
+              </a:pPr>
+              <a:r>
+                <a:rPr kumimoji="1" lang="en-US" altLang="ja-JP" sz="1400" b="0" i="0" u="none" strike="noStrike" kern="1200" cap="none" spc="0" normalizeH="0" baseline="0" noProof="0" dirty="0">
+                  <a:ln>
+                    <a:noFill/>
+                  </a:ln>
+                  <a:solidFill>
+                    <a:prstClr val="white"/>
+                  </a:solidFill>
+                  <a:effectLst/>
+                  <a:uLnTx/>
+                  <a:uFillTx/>
+                  <a:latin typeface="Calibri"/>
+                  <a:ea typeface="ＭＳ Ｐゴシック" panose="020B0600070205080204" pitchFamily="50" charset="-128"/>
+                  <a:cs typeface="+mn-cs"/>
+                </a:rPr>
+                <a:t>Community</a:t>
+              </a:r>
+              <a:endParaRPr kumimoji="1" lang="ja-JP" altLang="en-US" sz="1400" b="0" i="0" u="none" strike="noStrike" kern="1200" cap="none" spc="0" normalizeH="0" baseline="0" noProof="0" dirty="0">
+                <a:ln>
+                  <a:noFill/>
+                </a:ln>
+                <a:solidFill>
+                  <a:prstClr val="white"/>
+                </a:solidFill>
+                <a:effectLst/>
+                <a:uLnTx/>
+                <a:uFillTx/>
+                <a:latin typeface="Calibri"/>
+                <a:ea typeface="ＭＳ Ｐゴシック" panose="020B0600070205080204" pitchFamily="50" charset="-128"/>
+                <a:cs typeface="+mn-cs"/>
+              </a:endParaRPr>
+            </a:p>
+          </p:txBody>
+        </p:sp>
+        <p:sp>
+          <p:nvSpPr>
+            <p:cNvPr id="50" name="テキスト ボックス 49">
+              <a:extLst>
+                <a:ext uri="{FF2B5EF4-FFF2-40B4-BE49-F238E27FC236}">
+                  <a16:creationId xmlns:a16="http://schemas.microsoft.com/office/drawing/2014/main" id="{87D52546-1EA6-49B5-A1B3-07668F95189A}"/>
+                </a:ext>
+              </a:extLst>
+            </p:cNvPr>
+            <p:cNvSpPr txBox="1"/>
+            <p:nvPr/>
+          </p:nvSpPr>
+          <p:spPr>
+            <a:xfrm>
+              <a:off x="2632204" y="5205358"/>
+              <a:ext cx="1043876" cy="523220"/>
+            </a:xfrm>
+            <a:prstGeom prst="rect">
+              <a:avLst/>
+            </a:prstGeom>
+            <a:noFill/>
+          </p:spPr>
+          <p:txBody>
+            <a:bodyPr wrap="none" rtlCol="0">
+              <a:spAutoFit/>
+            </a:bodyPr>
+            <a:lstStyle/>
+            <a:p>
+              <a:r>
+                <a:rPr kumimoji="1" lang="en-US" altLang="ja-JP" sz="1400" dirty="0"/>
+                <a:t>OSS +</a:t>
+              </a:r>
+            </a:p>
+            <a:p>
+              <a:r>
+                <a:rPr kumimoji="1" lang="en-US" altLang="ja-JP" sz="1400" dirty="0"/>
+                <a:t>OSS</a:t>
+              </a:r>
+              <a:r>
+                <a:rPr kumimoji="1" lang="ja-JP" altLang="en-US" sz="1400" dirty="0"/>
+                <a:t> </a:t>
+              </a:r>
+              <a:r>
+                <a:rPr kumimoji="1" lang="en-US" altLang="ja-JP" sz="1400" dirty="0"/>
+                <a:t>License</a:t>
+              </a:r>
+              <a:endParaRPr kumimoji="1" lang="ja-JP" altLang="en-US" sz="1400" dirty="0"/>
+            </a:p>
+          </p:txBody>
+        </p:sp>
+        <p:sp>
+          <p:nvSpPr>
+            <p:cNvPr id="53" name="テキスト ボックス 52">
+              <a:extLst>
+                <a:ext uri="{FF2B5EF4-FFF2-40B4-BE49-F238E27FC236}">
+                  <a16:creationId xmlns:a16="http://schemas.microsoft.com/office/drawing/2014/main" id="{12AE6BA3-E9F1-486A-8DDF-C352D046B138}"/>
+                </a:ext>
+              </a:extLst>
+            </p:cNvPr>
+            <p:cNvSpPr txBox="1"/>
+            <p:nvPr/>
+          </p:nvSpPr>
+          <p:spPr>
+            <a:xfrm>
+              <a:off x="4567677" y="3960091"/>
+              <a:ext cx="1741631" cy="738664"/>
+            </a:xfrm>
+            <a:prstGeom prst="rect">
+              <a:avLst/>
+            </a:prstGeom>
+            <a:noFill/>
+          </p:spPr>
+          <p:txBody>
+            <a:bodyPr wrap="none" rtlCol="0">
+              <a:spAutoFit/>
+            </a:bodyPr>
+            <a:lstStyle/>
+            <a:p>
+              <a:r>
+                <a:rPr kumimoji="1" lang="en-US" altLang="ja-JP" sz="1400" dirty="0"/>
+                <a:t>Hardware</a:t>
+              </a:r>
+            </a:p>
+            <a:p>
+              <a:r>
+                <a:rPr kumimoji="1" lang="en-US" altLang="ja-JP" sz="1400" dirty="0"/>
+                <a:t>+ Software(Incl. OSS) </a:t>
+              </a:r>
+            </a:p>
+            <a:p>
+              <a:r>
+                <a:rPr kumimoji="1" lang="en-US" altLang="ja-JP" sz="1400" dirty="0"/>
+                <a:t>+ License</a:t>
+              </a:r>
+              <a:endParaRPr kumimoji="1" lang="ja-JP" altLang="en-US" sz="1400" dirty="0"/>
+            </a:p>
+          </p:txBody>
+        </p:sp>
+        <p:sp>
+          <p:nvSpPr>
+            <p:cNvPr id="59" name="テキスト ボックス 58">
+              <a:extLst>
+                <a:ext uri="{FF2B5EF4-FFF2-40B4-BE49-F238E27FC236}">
+                  <a16:creationId xmlns:a16="http://schemas.microsoft.com/office/drawing/2014/main" id="{90E7D676-4DE7-44AC-9B31-D90A973A34D7}"/>
+                </a:ext>
+              </a:extLst>
+            </p:cNvPr>
+            <p:cNvSpPr txBox="1"/>
+            <p:nvPr/>
+          </p:nvSpPr>
+          <p:spPr>
+            <a:xfrm>
+              <a:off x="7097045" y="4314700"/>
+              <a:ext cx="1223467" cy="738664"/>
+            </a:xfrm>
+            <a:prstGeom prst="rect">
+              <a:avLst/>
+            </a:prstGeom>
+            <a:noFill/>
+          </p:spPr>
+          <p:txBody>
+            <a:bodyPr wrap="square" rtlCol="0">
+              <a:spAutoFit/>
+            </a:bodyPr>
+            <a:lstStyle/>
+            <a:p>
+              <a:pPr algn="ctr"/>
+              <a:r>
+                <a:rPr kumimoji="1" lang="en-US" altLang="ja-JP" sz="1400" dirty="0"/>
+                <a:t>Inbound/</a:t>
+              </a:r>
+            </a:p>
+            <a:p>
+              <a:pPr algn="ctr"/>
+              <a:r>
+                <a:rPr kumimoji="1" lang="en-US" altLang="ja-JP" sz="1400" dirty="0"/>
+                <a:t>verification/</a:t>
+              </a:r>
+            </a:p>
+            <a:p>
+              <a:pPr algn="ctr"/>
+              <a:r>
+                <a:rPr kumimoji="1" lang="ja-JP" altLang="en-US" sz="1400" dirty="0"/>
+                <a:t> </a:t>
+              </a:r>
+              <a:r>
+                <a:rPr kumimoji="1" lang="en-US" altLang="ja-JP" sz="1400" dirty="0"/>
+                <a:t>Release</a:t>
+              </a:r>
+              <a:endParaRPr kumimoji="1" lang="ja-JP" altLang="en-US" sz="1400" dirty="0"/>
+            </a:p>
+          </p:txBody>
+        </p:sp>
+        <p:sp>
+          <p:nvSpPr>
+            <p:cNvPr id="68" name="テキスト ボックス 67">
+              <a:extLst>
+                <a:ext uri="{FF2B5EF4-FFF2-40B4-BE49-F238E27FC236}">
+                  <a16:creationId xmlns:a16="http://schemas.microsoft.com/office/drawing/2014/main" id="{060FC5D6-057D-4EF6-A1BD-796DCA7A497C}"/>
+                </a:ext>
+              </a:extLst>
+            </p:cNvPr>
+            <p:cNvSpPr txBox="1"/>
+            <p:nvPr/>
+          </p:nvSpPr>
+          <p:spPr>
+            <a:xfrm>
+              <a:off x="7184684" y="5536036"/>
+              <a:ext cx="1024579" cy="523220"/>
+            </a:xfrm>
+            <a:prstGeom prst="rect">
+              <a:avLst/>
+            </a:prstGeom>
+            <a:noFill/>
+          </p:spPr>
+          <p:txBody>
+            <a:bodyPr wrap="square" rtlCol="0">
+              <a:spAutoFit/>
+            </a:bodyPr>
+            <a:lstStyle/>
+            <a:p>
+              <a:pPr algn="ctr"/>
+              <a:r>
+                <a:rPr kumimoji="1" lang="en-US" altLang="ja-JP" sz="1400" dirty="0"/>
+                <a:t>Planning/Marketing</a:t>
+              </a:r>
+              <a:endParaRPr kumimoji="1" lang="ja-JP" altLang="en-US" sz="1400" dirty="0"/>
+            </a:p>
+          </p:txBody>
+        </p:sp>
+        <p:sp>
+          <p:nvSpPr>
+            <p:cNvPr id="42" name="テキスト ボックス 41">
+              <a:extLst>
+                <a:ext uri="{FF2B5EF4-FFF2-40B4-BE49-F238E27FC236}">
+                  <a16:creationId xmlns:a16="http://schemas.microsoft.com/office/drawing/2014/main" id="{BDB60D83-AEA0-4312-8914-E4E875E780EF}"/>
+                </a:ext>
+              </a:extLst>
+            </p:cNvPr>
+            <p:cNvSpPr txBox="1"/>
+            <p:nvPr/>
+          </p:nvSpPr>
+          <p:spPr>
+            <a:xfrm>
+              <a:off x="7105630" y="3948502"/>
+              <a:ext cx="1087990" cy="307777"/>
+            </a:xfrm>
+            <a:prstGeom prst="rect">
+              <a:avLst/>
+            </a:prstGeom>
+            <a:noFill/>
+          </p:spPr>
+          <p:txBody>
+            <a:bodyPr wrap="none" rtlCol="0">
+              <a:spAutoFit/>
+            </a:bodyPr>
+            <a:lstStyle/>
+            <a:p>
+              <a:r>
+                <a:rPr kumimoji="1" lang="en-US" altLang="ja-JP" sz="1400" dirty="0"/>
+                <a:t>organization</a:t>
+              </a:r>
+            </a:p>
+          </p:txBody>
+        </p:sp>
+      </p:grpSp>
+    </p:spTree>
+    <p:extLst>
+      <p:ext uri="{BB962C8B-B14F-4D97-AF65-F5344CB8AC3E}">
+        <p14:creationId xmlns:p14="http://schemas.microsoft.com/office/powerpoint/2010/main" val="3991281697"/>
+      </p:ext>
+    </p:extLst>
+  </p:cSld>
+  <p:clrMapOvr>
+    <a:masterClrMapping/>
+  </p:clrMapOvr>
+</p:sld>
+</file>
+
+<file path=ppt/slides/slide6.xml><?xml version="1.0" encoding="utf-8"?>
+<p:sld xmlns:a="http://schemas.openxmlformats.org/drawingml/2006/main" xmlns:r="http://schemas.openxmlformats.org/officeDocument/2006/relationships" xmlns:p="http://schemas.openxmlformats.org/presentationml/2006/main">
+  <p:cSld>
+    <p:spTree>
+      <p:nvGrpSpPr>
+        <p:cNvPr id="1" name=""/>
+        <p:cNvGrpSpPr/>
+        <p:nvPr/>
+      </p:nvGrpSpPr>
+      <p:grpSpPr>
+        <a:xfrm>
+          <a:off x="0" y="0"/>
+          <a:ext cx="0" cy="0"/>
+          <a:chOff x="0" y="0"/>
+          <a:chExt cx="0" cy="0"/>
+        </a:xfrm>
+      </p:grpSpPr>
+      <p:sp>
+        <p:nvSpPr>
+          <p:cNvPr id="2" name="フッター プレースホルダー 1">
+            <a:extLst>
+              <a:ext uri="{FF2B5EF4-FFF2-40B4-BE49-F238E27FC236}">
+                <a16:creationId xmlns:a16="http://schemas.microsoft.com/office/drawing/2014/main" id="{FAA5F4D9-8ACB-47E9-BF80-802E77EE5496}"/>
+              </a:ext>
+            </a:extLst>
+          </p:cNvPr>
+          <p:cNvSpPr>
+            <a:spLocks noGrp="1"/>
+          </p:cNvSpPr>
+          <p:nvPr>
+            <p:ph type="ftr" sz="quarter" idx="11"/>
+          </p:nvPr>
+        </p:nvSpPr>
+        <p:spPr/>
+        <p:txBody>
+          <a:bodyPr/>
+          <a:lstStyle/>
+          <a:p>
+            <a:r>
+              <a:rPr kumimoji="1" lang="en-US" altLang="ja-JP"/>
+              <a:t>CC0-1.0</a:t>
+            </a:r>
+            <a:endParaRPr kumimoji="1" lang="ja-JP" altLang="en-US" dirty="0"/>
+          </a:p>
+        </p:txBody>
+      </p:sp>
+      <p:grpSp>
+        <p:nvGrpSpPr>
+          <p:cNvPr id="58" name="グループ化 57">
+            <a:extLst>
+              <a:ext uri="{FF2B5EF4-FFF2-40B4-BE49-F238E27FC236}">
+                <a16:creationId xmlns:a16="http://schemas.microsoft.com/office/drawing/2014/main" id="{95569FEA-2507-4E06-B925-75BE50D18C94}"/>
+              </a:ext>
+            </a:extLst>
+          </p:cNvPr>
+          <p:cNvGrpSpPr/>
+          <p:nvPr/>
+        </p:nvGrpSpPr>
+        <p:grpSpPr>
+          <a:xfrm>
+            <a:off x="238533" y="563274"/>
+            <a:ext cx="10591340" cy="2431897"/>
+            <a:chOff x="238533" y="563274"/>
+            <a:chExt cx="10591340" cy="2431897"/>
+          </a:xfrm>
+        </p:grpSpPr>
+        <p:sp>
+          <p:nvSpPr>
+            <p:cNvPr id="44" name="四角形: 角を丸くする 43">
+              <a:extLst>
+                <a:ext uri="{FF2B5EF4-FFF2-40B4-BE49-F238E27FC236}">
+                  <a16:creationId xmlns:a16="http://schemas.microsoft.com/office/drawing/2014/main" id="{59220840-4717-423F-9AA6-F903FB1F8CE1}"/>
+                </a:ext>
+              </a:extLst>
+            </p:cNvPr>
+            <p:cNvSpPr/>
+            <p:nvPr/>
+          </p:nvSpPr>
+          <p:spPr>
+            <a:xfrm>
+              <a:off x="6921942" y="628582"/>
+              <a:ext cx="2311447" cy="2366589"/>
+            </a:xfrm>
+            <a:prstGeom prst="roundRect">
+              <a:avLst/>
+            </a:prstGeom>
+            <a:solidFill>
+              <a:schemeClr val="accent1">
+                <a:lumMod val="60000"/>
+                <a:lumOff val="40000"/>
+              </a:schemeClr>
+            </a:solidFill>
+          </p:spPr>
+          <p:style>
+            <a:lnRef idx="2">
+              <a:schemeClr val="accent1">
+                <a:shade val="50000"/>
+              </a:schemeClr>
+            </a:lnRef>
+            <a:fillRef idx="1">
+              <a:schemeClr val="accent1"/>
+            </a:fillRef>
+            <a:effectRef idx="0">
+              <a:schemeClr val="accent1"/>
+            </a:effectRef>
+            <a:fontRef idx="minor">
+              <a:schemeClr val="lt1"/>
+            </a:fontRef>
+          </p:style>
+          <p:txBody>
+            <a:bodyPr rtlCol="0" anchor="ctr"/>
+            <a:lstStyle/>
+            <a:p>
+              <a:pPr marL="0" marR="0" lvl="0" indent="0" algn="ctr" defTabSz="914400" rtl="0" eaLnBrk="1" fontAlgn="auto" latinLnBrk="0" hangingPunct="1">
+                <a:lnSpc>
+                  <a:spcPct val="100000"/>
+                </a:lnSpc>
+                <a:spcBef>
+                  <a:spcPts val="0"/>
+                </a:spcBef>
+                <a:spcAft>
+                  <a:spcPts val="0"/>
+                </a:spcAft>
+                <a:buClrTx/>
+                <a:buSzTx/>
+                <a:buFontTx/>
+                <a:buNone/>
+                <a:tabLst/>
+                <a:defRPr/>
+              </a:pPr>
+              <a:endParaRPr kumimoji="1" lang="ja-JP" altLang="en-US" sz="1800" b="0" i="0" u="none" strike="noStrike" kern="1200" cap="none" spc="0" normalizeH="0" baseline="0" noProof="0" dirty="0">
+                <a:ln>
+                  <a:noFill/>
+                </a:ln>
+                <a:solidFill>
+                  <a:prstClr val="white"/>
+                </a:solidFill>
+                <a:effectLst/>
+                <a:uLnTx/>
+                <a:uFillTx/>
+                <a:latin typeface="Calibri"/>
+                <a:ea typeface="ＭＳ Ｐゴシック" panose="020B0600070205080204" pitchFamily="50" charset="-128"/>
+                <a:cs typeface="+mn-cs"/>
+              </a:endParaRPr>
+            </a:p>
+          </p:txBody>
+        </p:sp>
+        <p:sp>
+          <p:nvSpPr>
+            <p:cNvPr id="4" name="テキスト ボックス 3">
+              <a:extLst>
+                <a:ext uri="{FF2B5EF4-FFF2-40B4-BE49-F238E27FC236}">
+                  <a16:creationId xmlns:a16="http://schemas.microsoft.com/office/drawing/2014/main" id="{E7AC541E-7D7B-453C-AC08-9ECCBC3A1BE4}"/>
+                </a:ext>
+              </a:extLst>
+            </p:cNvPr>
+            <p:cNvSpPr txBox="1"/>
+            <p:nvPr/>
+          </p:nvSpPr>
+          <p:spPr>
+            <a:xfrm>
+              <a:off x="238533" y="834203"/>
+              <a:ext cx="1913652" cy="553998"/>
+            </a:xfrm>
+            <a:prstGeom prst="rect">
+              <a:avLst/>
+            </a:prstGeom>
+            <a:noFill/>
+          </p:spPr>
+          <p:txBody>
+            <a:bodyPr wrap="square" rtlCol="0">
+              <a:spAutoFit/>
+            </a:bodyPr>
+            <a:lstStyle/>
+            <a:p>
+              <a:pPr marL="0" marR="0" lvl="0" indent="0" algn="l" defTabSz="914400" rtl="0" eaLnBrk="1" fontAlgn="auto" latinLnBrk="0" hangingPunct="1">
+                <a:lnSpc>
+                  <a:spcPct val="100000"/>
+                </a:lnSpc>
+                <a:spcBef>
+                  <a:spcPts val="0"/>
+                </a:spcBef>
+                <a:spcAft>
+                  <a:spcPts val="0"/>
+                </a:spcAft>
+                <a:buClrTx/>
+                <a:buSzTx/>
+                <a:buFontTx/>
+                <a:buNone/>
+                <a:tabLst/>
+                <a:defRPr/>
+              </a:pPr>
+              <a:r>
+                <a:rPr kumimoji="1" lang="en-US" altLang="ja-JP" dirty="0">
+                  <a:solidFill>
+                    <a:prstClr val="black"/>
+                  </a:solidFill>
+                  <a:latin typeface="Calibri"/>
+                  <a:ea typeface="ＭＳ Ｐゴシック" panose="020B0600070205080204" pitchFamily="50" charset="-128"/>
+                </a:rPr>
+                <a:t>Case</a:t>
+              </a:r>
+              <a:r>
+                <a:rPr kumimoji="1" lang="ja-JP" altLang="en-US" dirty="0">
+                  <a:solidFill>
+                    <a:prstClr val="black"/>
+                  </a:solidFill>
+                  <a:latin typeface="Calibri"/>
+                  <a:ea typeface="ＭＳ Ｐゴシック" panose="020B0600070205080204" pitchFamily="50" charset="-128"/>
+                </a:rPr>
+                <a:t> </a:t>
+              </a:r>
+              <a:r>
+                <a:rPr kumimoji="1" lang="en-US" altLang="ja-JP" dirty="0">
+                  <a:solidFill>
+                    <a:prstClr val="black"/>
+                  </a:solidFill>
+                  <a:latin typeface="Calibri"/>
+                  <a:ea typeface="ＭＳ Ｐゴシック" panose="020B0600070205080204" pitchFamily="50" charset="-128"/>
+                </a:rPr>
+                <a:t>CE-5</a:t>
+              </a:r>
+            </a:p>
+            <a:p>
+              <a:pPr marL="0" marR="0" lvl="0" indent="0" algn="l" defTabSz="914400" rtl="0" eaLnBrk="1" fontAlgn="auto" latinLnBrk="0" hangingPunct="1">
+                <a:lnSpc>
+                  <a:spcPct val="100000"/>
+                </a:lnSpc>
+                <a:spcBef>
+                  <a:spcPts val="0"/>
+                </a:spcBef>
+                <a:spcAft>
+                  <a:spcPts val="0"/>
+                </a:spcAft>
+                <a:buClrTx/>
+                <a:buSzTx/>
+                <a:buFontTx/>
+                <a:buNone/>
+                <a:tabLst/>
+                <a:defRPr/>
+              </a:pPr>
+              <a:r>
+                <a:rPr kumimoji="1" lang="en-US" altLang="ja-JP" sz="1200" b="0" i="0" u="none" strike="noStrike" kern="1200" cap="none" spc="0" normalizeH="0" baseline="0" noProof="0" dirty="0">
+                  <a:ln>
+                    <a:noFill/>
+                  </a:ln>
+                  <a:solidFill>
+                    <a:prstClr val="black"/>
+                  </a:solidFill>
+                  <a:effectLst/>
+                  <a:uLnTx/>
+                  <a:uFillTx/>
+                  <a:latin typeface="Calibri"/>
+                  <a:ea typeface="ＭＳ Ｐゴシック" panose="020B0600070205080204" pitchFamily="50" charset="-128"/>
+                  <a:cs typeface="+mn-cs"/>
+                </a:rPr>
+                <a:t>System</a:t>
+              </a:r>
+              <a:r>
+                <a:rPr kumimoji="1" lang="ja-JP" altLang="en-US" sz="1200" b="0" i="0" u="none" strike="noStrike" kern="1200" cap="none" spc="0" normalizeH="0" baseline="0" noProof="0" dirty="0">
+                  <a:ln>
+                    <a:noFill/>
+                  </a:ln>
+                  <a:solidFill>
+                    <a:prstClr val="black"/>
+                  </a:solidFill>
+                  <a:effectLst/>
+                  <a:uLnTx/>
+                  <a:uFillTx/>
+                  <a:latin typeface="Calibri"/>
+                  <a:ea typeface="ＭＳ Ｐゴシック" panose="020B0600070205080204" pitchFamily="50" charset="-128"/>
+                  <a:cs typeface="+mn-cs"/>
+                </a:rPr>
+                <a:t> </a:t>
+              </a:r>
+              <a:r>
+                <a:rPr kumimoji="1" lang="en-US" altLang="ja-JP" sz="1200" dirty="0">
+                  <a:solidFill>
+                    <a:prstClr val="black"/>
+                  </a:solidFill>
+                  <a:latin typeface="Calibri"/>
+                  <a:ea typeface="ＭＳ Ｐゴシック" panose="020B0600070205080204" pitchFamily="50" charset="-128"/>
+                </a:rPr>
+                <a:t>Solution</a:t>
+              </a:r>
+              <a:r>
+                <a:rPr kumimoji="1" lang="ja-JP" altLang="en-US" sz="1200" dirty="0">
+                  <a:solidFill>
+                    <a:prstClr val="black"/>
+                  </a:solidFill>
+                  <a:latin typeface="Calibri"/>
+                  <a:ea typeface="ＭＳ Ｐゴシック" panose="020B0600070205080204" pitchFamily="50" charset="-128"/>
+                </a:rPr>
+                <a:t> </a:t>
+              </a:r>
+              <a:r>
+                <a:rPr kumimoji="1" lang="en-US" altLang="ja-JP" sz="1200" dirty="0">
+                  <a:solidFill>
+                    <a:prstClr val="black"/>
+                  </a:solidFill>
+                  <a:latin typeface="Calibri"/>
+                  <a:ea typeface="ＭＳ Ｐゴシック" panose="020B0600070205080204" pitchFamily="50" charset="-128"/>
+                </a:rPr>
+                <a:t>Business</a:t>
+              </a:r>
+              <a:endParaRPr kumimoji="1" lang="ja-JP" altLang="en-US" sz="1200" b="0" i="0" u="none" strike="noStrike" kern="1200" cap="none" spc="0" normalizeH="0" baseline="0" noProof="0" dirty="0">
+                <a:ln>
+                  <a:noFill/>
+                </a:ln>
+                <a:solidFill>
+                  <a:prstClr val="black"/>
+                </a:solidFill>
+                <a:effectLst/>
+                <a:uLnTx/>
+                <a:uFillTx/>
+                <a:latin typeface="Calibri"/>
+                <a:ea typeface="ＭＳ Ｐゴシック" panose="020B0600070205080204" pitchFamily="50" charset="-128"/>
+                <a:cs typeface="+mn-cs"/>
+              </a:endParaRPr>
+            </a:p>
+          </p:txBody>
+        </p:sp>
+        <p:sp>
+          <p:nvSpPr>
+            <p:cNvPr id="5" name="四角形: 角を丸くする 4">
+              <a:extLst>
+                <a:ext uri="{FF2B5EF4-FFF2-40B4-BE49-F238E27FC236}">
+                  <a16:creationId xmlns:a16="http://schemas.microsoft.com/office/drawing/2014/main" id="{20D4DB4E-B355-4574-9C51-47B682FE940B}"/>
+                </a:ext>
+              </a:extLst>
+            </p:cNvPr>
+            <p:cNvSpPr/>
+            <p:nvPr/>
+          </p:nvSpPr>
+          <p:spPr>
+            <a:xfrm>
+              <a:off x="9753548" y="1116737"/>
+              <a:ext cx="1076325" cy="381000"/>
+            </a:xfrm>
+            <a:prstGeom prst="roundRect">
+              <a:avLst/>
+            </a:prstGeom>
+            <a:solidFill>
+              <a:schemeClr val="accent6">
+                <a:lumMod val="75000"/>
+              </a:schemeClr>
+            </a:solidFill>
+          </p:spPr>
+          <p:style>
+            <a:lnRef idx="2">
+              <a:schemeClr val="accent1">
+                <a:shade val="50000"/>
+              </a:schemeClr>
+            </a:lnRef>
+            <a:fillRef idx="1">
+              <a:schemeClr val="accent1"/>
+            </a:fillRef>
+            <a:effectRef idx="0">
+              <a:schemeClr val="accent1"/>
+            </a:effectRef>
+            <a:fontRef idx="minor">
+              <a:schemeClr val="lt1"/>
+            </a:fontRef>
+          </p:style>
+          <p:txBody>
+            <a:bodyPr rtlCol="0" anchor="ctr"/>
+            <a:lstStyle/>
+            <a:p>
+              <a:pPr marL="0" marR="0" lvl="0" indent="0" algn="ctr" defTabSz="914400" rtl="0" eaLnBrk="1" fontAlgn="auto" latinLnBrk="0" hangingPunct="1">
+                <a:lnSpc>
+                  <a:spcPct val="100000"/>
+                </a:lnSpc>
+                <a:spcBef>
+                  <a:spcPts val="0"/>
+                </a:spcBef>
+                <a:spcAft>
+                  <a:spcPts val="0"/>
+                </a:spcAft>
+                <a:buClrTx/>
+                <a:buSzTx/>
+                <a:buFontTx/>
+                <a:buNone/>
+                <a:tabLst/>
+                <a:defRPr/>
+              </a:pPr>
+              <a:endParaRPr kumimoji="1" lang="ja-JP" altLang="en-US" sz="1800" b="0" i="0" u="none" strike="noStrike" kern="1200" cap="none" spc="0" normalizeH="0" baseline="0" noProof="0">
+                <a:ln>
+                  <a:noFill/>
+                </a:ln>
+                <a:solidFill>
+                  <a:prstClr val="white"/>
+                </a:solidFill>
+                <a:effectLst/>
+                <a:uLnTx/>
+                <a:uFillTx/>
+                <a:latin typeface="Calibri"/>
+                <a:ea typeface="ＭＳ Ｐゴシック" panose="020B0600070205080204" pitchFamily="50" charset="-128"/>
+                <a:cs typeface="+mn-cs"/>
+              </a:endParaRPr>
+            </a:p>
+          </p:txBody>
+        </p:sp>
+        <p:sp>
+          <p:nvSpPr>
+            <p:cNvPr id="12" name="テキスト ボックス 11">
+              <a:extLst>
+                <a:ext uri="{FF2B5EF4-FFF2-40B4-BE49-F238E27FC236}">
+                  <a16:creationId xmlns:a16="http://schemas.microsoft.com/office/drawing/2014/main" id="{FB1D146A-5D98-49E7-B34D-BCE33A9A3D36}"/>
+                </a:ext>
+              </a:extLst>
+            </p:cNvPr>
+            <p:cNvSpPr txBox="1"/>
+            <p:nvPr/>
+          </p:nvSpPr>
+          <p:spPr>
+            <a:xfrm>
+              <a:off x="9852638" y="1202918"/>
+              <a:ext cx="819150" cy="276999"/>
+            </a:xfrm>
+            <a:prstGeom prst="rect">
+              <a:avLst/>
+            </a:prstGeom>
+            <a:noFill/>
+          </p:spPr>
+          <p:txBody>
+            <a:bodyPr wrap="square" rtlCol="0">
+              <a:spAutoFit/>
+            </a:bodyPr>
+            <a:lstStyle/>
+            <a:p>
+              <a:pPr marL="0" marR="0" lvl="0" indent="0" algn="ctr" defTabSz="914400" rtl="0" eaLnBrk="1" fontAlgn="auto" latinLnBrk="0" hangingPunct="1">
+                <a:lnSpc>
+                  <a:spcPct val="100000"/>
+                </a:lnSpc>
+                <a:spcBef>
+                  <a:spcPts val="0"/>
+                </a:spcBef>
+                <a:spcAft>
+                  <a:spcPts val="0"/>
+                </a:spcAft>
+                <a:buClrTx/>
+                <a:buSzTx/>
+                <a:buFontTx/>
+                <a:buNone/>
+                <a:tabLst/>
+                <a:defRPr/>
+              </a:pPr>
+              <a:r>
+                <a:rPr kumimoji="1" lang="en-US" altLang="ja-JP" sz="1200" b="0" i="0" u="none" strike="noStrike" kern="1200" cap="none" spc="0" normalizeH="0" baseline="0" noProof="0" dirty="0">
+                  <a:ln>
+                    <a:noFill/>
+                  </a:ln>
+                  <a:solidFill>
+                    <a:prstClr val="white"/>
+                  </a:solidFill>
+                  <a:effectLst/>
+                  <a:uLnTx/>
+                  <a:uFillTx/>
+                  <a:latin typeface="Calibri"/>
+                  <a:ea typeface="ＭＳ Ｐゴシック" panose="020B0600070205080204" pitchFamily="50" charset="-128"/>
+                  <a:cs typeface="+mn-cs"/>
+                </a:rPr>
+                <a:t>End user</a:t>
+              </a:r>
+              <a:endParaRPr kumimoji="1" lang="ja-JP" altLang="en-US" sz="1200" b="0" i="0" u="none" strike="noStrike" kern="1200" cap="none" spc="0" normalizeH="0" baseline="0" noProof="0" dirty="0">
+                <a:ln>
+                  <a:noFill/>
+                </a:ln>
+                <a:solidFill>
+                  <a:prstClr val="white"/>
+                </a:solidFill>
+                <a:effectLst/>
+                <a:uLnTx/>
+                <a:uFillTx/>
+                <a:latin typeface="Calibri"/>
+                <a:ea typeface="ＭＳ Ｐゴシック" panose="020B0600070205080204" pitchFamily="50" charset="-128"/>
+                <a:cs typeface="+mn-cs"/>
+              </a:endParaRPr>
+            </a:p>
+          </p:txBody>
+        </p:sp>
+        <p:sp>
+          <p:nvSpPr>
+            <p:cNvPr id="13" name="四角形: 角を丸くする 12">
+              <a:extLst>
+                <a:ext uri="{FF2B5EF4-FFF2-40B4-BE49-F238E27FC236}">
+                  <a16:creationId xmlns:a16="http://schemas.microsoft.com/office/drawing/2014/main" id="{DF1C22B8-9429-4C07-B3EB-0236F117E214}"/>
+                </a:ext>
+              </a:extLst>
+            </p:cNvPr>
+            <p:cNvSpPr/>
+            <p:nvPr/>
+          </p:nvSpPr>
+          <p:spPr>
+            <a:xfrm>
+              <a:off x="3362955" y="2572859"/>
+              <a:ext cx="1076325" cy="381000"/>
+            </a:xfrm>
+            <a:prstGeom prst="roundRect">
+              <a:avLst/>
+            </a:prstGeom>
+            <a:solidFill>
+              <a:schemeClr val="accent6">
+                <a:lumMod val="75000"/>
+              </a:schemeClr>
+            </a:solidFill>
+          </p:spPr>
+          <p:style>
+            <a:lnRef idx="2">
+              <a:schemeClr val="accent1">
+                <a:shade val="50000"/>
+              </a:schemeClr>
+            </a:lnRef>
+            <a:fillRef idx="1">
+              <a:schemeClr val="accent1"/>
+            </a:fillRef>
+            <a:effectRef idx="0">
+              <a:schemeClr val="accent1"/>
+            </a:effectRef>
+            <a:fontRef idx="minor">
+              <a:schemeClr val="lt1"/>
+            </a:fontRef>
+          </p:style>
+          <p:txBody>
+            <a:bodyPr rtlCol="0" anchor="ctr"/>
+            <a:lstStyle/>
+            <a:p>
+              <a:pPr marL="0" marR="0" lvl="0" indent="0" algn="ctr" defTabSz="914400" rtl="0" eaLnBrk="1" fontAlgn="auto" latinLnBrk="0" hangingPunct="1">
+                <a:lnSpc>
+                  <a:spcPct val="100000"/>
+                </a:lnSpc>
+                <a:spcBef>
+                  <a:spcPts val="0"/>
+                </a:spcBef>
+                <a:spcAft>
+                  <a:spcPts val="0"/>
+                </a:spcAft>
+                <a:buClrTx/>
+                <a:buSzTx/>
+                <a:buFontTx/>
+                <a:buNone/>
+                <a:tabLst/>
+                <a:defRPr/>
+              </a:pPr>
+              <a:endParaRPr kumimoji="1" lang="ja-JP" altLang="en-US" sz="1800" b="0" i="0" u="none" strike="noStrike" kern="1200" cap="none" spc="0" normalizeH="0" baseline="0" noProof="0">
+                <a:ln>
+                  <a:noFill/>
+                </a:ln>
+                <a:solidFill>
+                  <a:prstClr val="white"/>
+                </a:solidFill>
+                <a:effectLst/>
+                <a:uLnTx/>
+                <a:uFillTx/>
+                <a:latin typeface="Calibri"/>
+                <a:ea typeface="ＭＳ Ｐゴシック" panose="020B0600070205080204" pitchFamily="50" charset="-128"/>
+                <a:cs typeface="+mn-cs"/>
+              </a:endParaRPr>
+            </a:p>
+          </p:txBody>
+        </p:sp>
+        <p:sp>
+          <p:nvSpPr>
+            <p:cNvPr id="14" name="テキスト ボックス 13">
+              <a:extLst>
+                <a:ext uri="{FF2B5EF4-FFF2-40B4-BE49-F238E27FC236}">
+                  <a16:creationId xmlns:a16="http://schemas.microsoft.com/office/drawing/2014/main" id="{F5E46E5C-905B-4405-A992-3841654DFA67}"/>
+                </a:ext>
+              </a:extLst>
+            </p:cNvPr>
+            <p:cNvSpPr txBox="1"/>
+            <p:nvPr/>
+          </p:nvSpPr>
+          <p:spPr>
+            <a:xfrm>
+              <a:off x="3453443" y="2619025"/>
+              <a:ext cx="983455" cy="276999"/>
+            </a:xfrm>
+            <a:prstGeom prst="rect">
+              <a:avLst/>
+            </a:prstGeom>
+            <a:noFill/>
+          </p:spPr>
+          <p:txBody>
+            <a:bodyPr wrap="square" rtlCol="0">
+              <a:spAutoFit/>
+            </a:bodyPr>
+            <a:lstStyle/>
+            <a:p>
+              <a:pPr marL="0" marR="0" lvl="0" indent="0" algn="ctr" defTabSz="914400" rtl="0" eaLnBrk="1" fontAlgn="auto" latinLnBrk="0" hangingPunct="1">
+                <a:lnSpc>
+                  <a:spcPct val="100000"/>
+                </a:lnSpc>
+                <a:spcBef>
+                  <a:spcPts val="0"/>
+                </a:spcBef>
+                <a:spcAft>
+                  <a:spcPts val="0"/>
+                </a:spcAft>
+                <a:buClrTx/>
+                <a:buSzTx/>
+                <a:buFontTx/>
+                <a:buNone/>
+                <a:tabLst/>
+                <a:defRPr/>
+              </a:pPr>
+              <a:r>
+                <a:rPr kumimoji="1" lang="en-US" altLang="ja-JP" sz="1200" b="0" i="0" u="none" strike="noStrike" kern="1200" cap="none" spc="0" normalizeH="0" baseline="0" noProof="0" dirty="0">
+                  <a:ln>
+                    <a:noFill/>
+                  </a:ln>
+                  <a:solidFill>
+                    <a:prstClr val="white"/>
+                  </a:solidFill>
+                  <a:effectLst/>
+                  <a:uLnTx/>
+                  <a:uFillTx/>
+                  <a:latin typeface="Calibri"/>
+                  <a:ea typeface="ＭＳ Ｐゴシック" panose="020B0600070205080204" pitchFamily="50" charset="-128"/>
+                  <a:cs typeface="+mn-cs"/>
+                </a:rPr>
+                <a:t>Community</a:t>
+              </a:r>
+              <a:endParaRPr kumimoji="1" lang="ja-JP" altLang="en-US" sz="1200" b="0" i="0" u="none" strike="noStrike" kern="1200" cap="none" spc="0" normalizeH="0" baseline="0" noProof="0" dirty="0">
+                <a:ln>
+                  <a:noFill/>
+                </a:ln>
+                <a:solidFill>
+                  <a:prstClr val="white"/>
+                </a:solidFill>
+                <a:effectLst/>
+                <a:uLnTx/>
+                <a:uFillTx/>
+                <a:latin typeface="Calibri"/>
+                <a:ea typeface="ＭＳ Ｐゴシック" panose="020B0600070205080204" pitchFamily="50" charset="-128"/>
+                <a:cs typeface="+mn-cs"/>
+              </a:endParaRPr>
+            </a:p>
+          </p:txBody>
+        </p:sp>
+        <p:cxnSp>
+          <p:nvCxnSpPr>
+            <p:cNvPr id="16" name="コネクタ: カギ線 15">
+              <a:extLst>
+                <a:ext uri="{FF2B5EF4-FFF2-40B4-BE49-F238E27FC236}">
+                  <a16:creationId xmlns:a16="http://schemas.microsoft.com/office/drawing/2014/main" id="{AB202408-3598-44FE-893B-7B024D981CD4}"/>
+                </a:ext>
+              </a:extLst>
+            </p:cNvPr>
+            <p:cNvCxnSpPr>
+              <a:cxnSpLocks/>
+              <a:stCxn id="14" idx="0"/>
+              <a:endCxn id="19" idx="2"/>
+            </p:cNvCxnSpPr>
+            <p:nvPr/>
+          </p:nvCxnSpPr>
+          <p:spPr>
+            <a:xfrm rot="5400000" flipH="1" flipV="1">
+              <a:off x="3475966" y="2149820"/>
+              <a:ext cx="938411" cy="12700"/>
+            </a:xfrm>
+            <a:prstGeom prst="bentConnector3">
+              <a:avLst>
+                <a:gd name="adj1" fmla="val 50000"/>
+              </a:avLst>
+            </a:prstGeom>
+            <a:ln w="38100">
+              <a:solidFill>
+                <a:schemeClr val="tx1"/>
+              </a:solidFill>
+              <a:tailEnd type="triangle"/>
+            </a:ln>
+          </p:spPr>
+          <p:style>
+            <a:lnRef idx="1">
+              <a:schemeClr val="accent1"/>
+            </a:lnRef>
+            <a:fillRef idx="0">
+              <a:schemeClr val="accent1"/>
+            </a:fillRef>
+            <a:effectRef idx="0">
+              <a:schemeClr val="accent1"/>
+            </a:effectRef>
+            <a:fontRef idx="minor">
+              <a:schemeClr val="tx1"/>
+            </a:fontRef>
+          </p:style>
+        </p:cxnSp>
+        <p:cxnSp>
+          <p:nvCxnSpPr>
+            <p:cNvPr id="17" name="直線矢印コネクタ 16">
+              <a:extLst>
+                <a:ext uri="{FF2B5EF4-FFF2-40B4-BE49-F238E27FC236}">
+                  <a16:creationId xmlns:a16="http://schemas.microsoft.com/office/drawing/2014/main" id="{E814FFC7-4A76-4824-9DA9-67D709562D53}"/>
+                </a:ext>
+              </a:extLst>
+            </p:cNvPr>
+            <p:cNvCxnSpPr>
+              <a:cxnSpLocks/>
+              <a:stCxn id="19" idx="3"/>
+              <a:endCxn id="45" idx="1"/>
+            </p:cNvCxnSpPr>
+            <p:nvPr/>
+          </p:nvCxnSpPr>
+          <p:spPr>
+            <a:xfrm>
+              <a:off x="4600027" y="1282081"/>
+              <a:ext cx="2870491" cy="2123"/>
+            </a:xfrm>
+            <a:prstGeom prst="straightConnector1">
+              <a:avLst/>
+            </a:prstGeom>
+            <a:ln w="38100">
+              <a:solidFill>
+                <a:schemeClr val="tx1"/>
+              </a:solidFill>
+              <a:tailEnd type="triangle"/>
+            </a:ln>
+          </p:spPr>
+          <p:style>
+            <a:lnRef idx="1">
+              <a:schemeClr val="accent1"/>
+            </a:lnRef>
+            <a:fillRef idx="0">
+              <a:schemeClr val="accent1"/>
+            </a:fillRef>
+            <a:effectRef idx="0">
+              <a:schemeClr val="accent1"/>
+            </a:effectRef>
+            <a:fontRef idx="minor">
+              <a:schemeClr val="tx1"/>
+            </a:fontRef>
+          </p:style>
+        </p:cxnSp>
+        <p:sp>
+          <p:nvSpPr>
+            <p:cNvPr id="19" name="四角形: 角を丸くする 18">
+              <a:extLst>
+                <a:ext uri="{FF2B5EF4-FFF2-40B4-BE49-F238E27FC236}">
+                  <a16:creationId xmlns:a16="http://schemas.microsoft.com/office/drawing/2014/main" id="{213E9BF3-6B09-483E-AAC7-F2091021DEBB}"/>
+                </a:ext>
+              </a:extLst>
+            </p:cNvPr>
+            <p:cNvSpPr/>
+            <p:nvPr/>
+          </p:nvSpPr>
+          <p:spPr>
+            <a:xfrm>
+              <a:off x="3290314" y="883548"/>
+              <a:ext cx="1309713" cy="797066"/>
+            </a:xfrm>
+            <a:prstGeom prst="roundRect">
+              <a:avLst/>
+            </a:prstGeom>
+            <a:solidFill>
+              <a:schemeClr val="accent6">
+                <a:lumMod val="75000"/>
+              </a:schemeClr>
+            </a:solidFill>
+          </p:spPr>
+          <p:style>
+            <a:lnRef idx="2">
+              <a:schemeClr val="accent1">
+                <a:shade val="50000"/>
+              </a:schemeClr>
+            </a:lnRef>
+            <a:fillRef idx="1">
+              <a:schemeClr val="accent1"/>
+            </a:fillRef>
+            <a:effectRef idx="0">
+              <a:schemeClr val="accent1"/>
+            </a:effectRef>
+            <a:fontRef idx="minor">
+              <a:schemeClr val="lt1"/>
+            </a:fontRef>
+          </p:style>
+          <p:txBody>
+            <a:bodyPr rtlCol="0" anchor="ctr"/>
+            <a:lstStyle/>
+            <a:p>
+              <a:pPr marL="0" marR="0" lvl="0" indent="0" algn="ctr" defTabSz="914400" rtl="0" eaLnBrk="1" fontAlgn="auto" latinLnBrk="0" hangingPunct="1">
+                <a:lnSpc>
+                  <a:spcPct val="100000"/>
+                </a:lnSpc>
+                <a:spcBef>
+                  <a:spcPts val="0"/>
+                </a:spcBef>
+                <a:spcAft>
+                  <a:spcPts val="0"/>
+                </a:spcAft>
+                <a:buClrTx/>
+                <a:buSzTx/>
+                <a:buFontTx/>
+                <a:buNone/>
+                <a:tabLst/>
+                <a:defRPr/>
+              </a:pPr>
+              <a:r>
+                <a:rPr kumimoji="1" lang="en-US" altLang="ja-JP" sz="1400" dirty="0">
+                  <a:solidFill>
+                    <a:prstClr val="white"/>
+                  </a:solidFill>
+                  <a:latin typeface="Calibri"/>
+                  <a:ea typeface="ＭＳ Ｐゴシック" panose="020B0600070205080204" pitchFamily="50" charset="-128"/>
+                </a:rPr>
+                <a:t>Hardware</a:t>
+              </a:r>
+              <a:r>
+                <a:rPr kumimoji="1" lang="ja-JP" altLang="en-US" sz="1400" dirty="0">
+                  <a:solidFill>
+                    <a:prstClr val="white"/>
+                  </a:solidFill>
+                  <a:latin typeface="Calibri"/>
+                  <a:ea typeface="ＭＳ Ｐゴシック" panose="020B0600070205080204" pitchFamily="50" charset="-128"/>
+                </a:rPr>
+                <a:t> </a:t>
+              </a:r>
+              <a:r>
+                <a:rPr kumimoji="1" lang="en-US" altLang="ja-JP" sz="1400" dirty="0">
+                  <a:solidFill>
+                    <a:prstClr val="white"/>
+                  </a:solidFill>
+                  <a:latin typeface="Calibri"/>
+                  <a:ea typeface="ＭＳ Ｐゴシック" panose="020B0600070205080204" pitchFamily="50" charset="-128"/>
+                </a:rPr>
+                <a:t>Product</a:t>
+              </a:r>
+              <a:r>
+                <a:rPr kumimoji="1" lang="ja-JP" altLang="en-US" sz="1400" dirty="0">
+                  <a:solidFill>
+                    <a:prstClr val="white"/>
+                  </a:solidFill>
+                  <a:latin typeface="Calibri"/>
+                  <a:ea typeface="ＭＳ Ｐゴシック" panose="020B0600070205080204" pitchFamily="50" charset="-128"/>
+                </a:rPr>
+                <a:t> </a:t>
+              </a:r>
+              <a:r>
+                <a:rPr kumimoji="1" lang="en-US" altLang="ja-JP" sz="1400" dirty="0">
+                  <a:solidFill>
+                    <a:prstClr val="white"/>
+                  </a:solidFill>
+                  <a:latin typeface="Calibri"/>
+                  <a:ea typeface="ＭＳ Ｐゴシック" panose="020B0600070205080204" pitchFamily="50" charset="-128"/>
+                </a:rPr>
+                <a:t>company</a:t>
+              </a:r>
+              <a:endParaRPr kumimoji="1" lang="ja-JP" altLang="en-US" sz="1400" b="0" i="0" u="none" strike="noStrike" kern="1200" cap="none" spc="0" normalizeH="0" baseline="0" noProof="0" dirty="0">
+                <a:ln>
+                  <a:noFill/>
+                </a:ln>
+                <a:solidFill>
+                  <a:prstClr val="white"/>
+                </a:solidFill>
+                <a:effectLst/>
+                <a:uLnTx/>
+                <a:uFillTx/>
+                <a:latin typeface="Calibri"/>
+                <a:ea typeface="ＭＳ Ｐゴシック" panose="020B0600070205080204" pitchFamily="50" charset="-128"/>
+                <a:cs typeface="+mn-cs"/>
+              </a:endParaRPr>
+            </a:p>
+          </p:txBody>
+        </p:sp>
+        <p:sp>
+          <p:nvSpPr>
+            <p:cNvPr id="20" name="テキスト ボックス 19">
+              <a:extLst>
+                <a:ext uri="{FF2B5EF4-FFF2-40B4-BE49-F238E27FC236}">
+                  <a16:creationId xmlns:a16="http://schemas.microsoft.com/office/drawing/2014/main" id="{DEBF30F5-1F57-46BA-84A5-4457403ED3D3}"/>
+                </a:ext>
+              </a:extLst>
+            </p:cNvPr>
+            <p:cNvSpPr txBox="1"/>
+            <p:nvPr/>
+          </p:nvSpPr>
+          <p:spPr>
+            <a:xfrm>
+              <a:off x="4955621" y="668071"/>
+              <a:ext cx="1710900" cy="523220"/>
+            </a:xfrm>
+            <a:prstGeom prst="rect">
+              <a:avLst/>
+            </a:prstGeom>
+            <a:noFill/>
+          </p:spPr>
+          <p:txBody>
+            <a:bodyPr wrap="square" rtlCol="0">
+              <a:spAutoFit/>
+            </a:bodyPr>
+            <a:lstStyle/>
+            <a:p>
+              <a:r>
+                <a:rPr kumimoji="1" lang="en-US" altLang="ja-JP" sz="1400" dirty="0"/>
+                <a:t>Hardware</a:t>
+              </a:r>
+              <a:r>
+                <a:rPr kumimoji="1" lang="ja-JP" altLang="en-US" sz="1400" dirty="0"/>
+                <a:t> </a:t>
+              </a:r>
+              <a:r>
+                <a:rPr kumimoji="1" lang="en-US" altLang="ja-JP" sz="1400" dirty="0"/>
+                <a:t>product incl. software</a:t>
+              </a:r>
+            </a:p>
+          </p:txBody>
+        </p:sp>
+        <p:sp>
+          <p:nvSpPr>
+            <p:cNvPr id="21" name="テキスト ボックス 20">
+              <a:extLst>
+                <a:ext uri="{FF2B5EF4-FFF2-40B4-BE49-F238E27FC236}">
+                  <a16:creationId xmlns:a16="http://schemas.microsoft.com/office/drawing/2014/main" id="{7256F41D-28AF-48F6-BB17-45D26771265F}"/>
+                </a:ext>
+              </a:extLst>
+            </p:cNvPr>
+            <p:cNvSpPr txBox="1"/>
+            <p:nvPr/>
+          </p:nvSpPr>
+          <p:spPr>
+            <a:xfrm>
+              <a:off x="310718" y="1525741"/>
+              <a:ext cx="3694732" cy="523220"/>
+            </a:xfrm>
+            <a:prstGeom prst="rect">
+              <a:avLst/>
+            </a:prstGeom>
+            <a:noFill/>
+          </p:spPr>
+          <p:txBody>
+            <a:bodyPr wrap="square" rtlCol="0">
+              <a:spAutoFit/>
+            </a:bodyPr>
+            <a:lstStyle/>
+            <a:p>
+              <a:r>
+                <a:rPr kumimoji="1" lang="en-US" altLang="ja-JP" sz="1400" dirty="0"/>
+                <a:t>System</a:t>
+              </a:r>
+              <a:r>
+                <a:rPr kumimoji="1" lang="ja-JP" altLang="en-US" sz="1400" dirty="0"/>
+                <a:t> </a:t>
+              </a:r>
+              <a:r>
+                <a:rPr kumimoji="1" lang="en-US" altLang="ja-JP" sz="1400" dirty="0"/>
+                <a:t>integration</a:t>
+              </a:r>
+            </a:p>
+            <a:p>
+              <a:r>
+                <a:rPr kumimoji="1" lang="en-US" altLang="ja-JP" sz="1400" dirty="0"/>
+                <a:t>Software,</a:t>
+              </a:r>
+              <a:r>
+                <a:rPr kumimoji="1" lang="ja-JP" altLang="en-US" sz="1400" dirty="0"/>
+                <a:t> </a:t>
+              </a:r>
+              <a:r>
+                <a:rPr kumimoji="1" lang="en-US" altLang="ja-JP" sz="1400" dirty="0"/>
+                <a:t>service,</a:t>
+              </a:r>
+              <a:r>
+                <a:rPr kumimoji="1" lang="ja-JP" altLang="en-US" sz="1400" dirty="0"/>
+                <a:t> </a:t>
+              </a:r>
+              <a:r>
+                <a:rPr kumimoji="1" lang="en-US" altLang="ja-JP" sz="1400" dirty="0"/>
+                <a:t>hardware</a:t>
+              </a:r>
+              <a:r>
+                <a:rPr kumimoji="1" lang="ja-JP" altLang="en-US" sz="1400" dirty="0"/>
+                <a:t> </a:t>
+              </a:r>
+              <a:r>
+                <a:rPr kumimoji="1" lang="en-US" altLang="ja-JP" sz="1400" dirty="0"/>
+                <a:t>product</a:t>
+              </a:r>
+            </a:p>
+          </p:txBody>
+        </p:sp>
+        <p:sp>
+          <p:nvSpPr>
+            <p:cNvPr id="22" name="テキスト ボックス 21">
+              <a:extLst>
+                <a:ext uri="{FF2B5EF4-FFF2-40B4-BE49-F238E27FC236}">
+                  <a16:creationId xmlns:a16="http://schemas.microsoft.com/office/drawing/2014/main" id="{109939F9-A4A4-4CF2-B369-8F60497A0D62}"/>
+                </a:ext>
+              </a:extLst>
+            </p:cNvPr>
+            <p:cNvSpPr txBox="1"/>
+            <p:nvPr/>
+          </p:nvSpPr>
+          <p:spPr>
+            <a:xfrm>
+              <a:off x="4005450" y="1928879"/>
+              <a:ext cx="1043876" cy="523220"/>
+            </a:xfrm>
+            <a:prstGeom prst="rect">
+              <a:avLst/>
+            </a:prstGeom>
+            <a:noFill/>
+          </p:spPr>
+          <p:txBody>
+            <a:bodyPr wrap="none" rtlCol="0">
+              <a:spAutoFit/>
+            </a:bodyPr>
+            <a:lstStyle/>
+            <a:p>
+              <a:r>
+                <a:rPr kumimoji="1" lang="en-US" altLang="ja-JP" sz="1400" dirty="0"/>
+                <a:t>OSS +</a:t>
+              </a:r>
+            </a:p>
+            <a:p>
+              <a:r>
+                <a:rPr kumimoji="1" lang="en-US" altLang="ja-JP" sz="1400" dirty="0"/>
+                <a:t>OSS</a:t>
+              </a:r>
+              <a:r>
+                <a:rPr kumimoji="1" lang="ja-JP" altLang="en-US" sz="1400" dirty="0"/>
+                <a:t> </a:t>
+              </a:r>
+              <a:r>
+                <a:rPr kumimoji="1" lang="en-US" altLang="ja-JP" sz="1400" dirty="0"/>
+                <a:t>License</a:t>
+              </a:r>
+              <a:endParaRPr kumimoji="1" lang="ja-JP" altLang="en-US" sz="1400" dirty="0"/>
+            </a:p>
+          </p:txBody>
+        </p:sp>
+        <p:sp>
+          <p:nvSpPr>
+            <p:cNvPr id="45" name="四角形: 角を丸くする 44">
+              <a:extLst>
+                <a:ext uri="{FF2B5EF4-FFF2-40B4-BE49-F238E27FC236}">
+                  <a16:creationId xmlns:a16="http://schemas.microsoft.com/office/drawing/2014/main" id="{8F10364B-4E7D-49EF-8B45-E96DBF232248}"/>
+                </a:ext>
+              </a:extLst>
+            </p:cNvPr>
+            <p:cNvSpPr/>
+            <p:nvPr/>
+          </p:nvSpPr>
+          <p:spPr>
+            <a:xfrm>
+              <a:off x="7470518" y="871051"/>
+              <a:ext cx="1076325" cy="826305"/>
+            </a:xfrm>
+            <a:prstGeom prst="roundRect">
+              <a:avLst/>
+            </a:prstGeom>
+            <a:solidFill>
+              <a:srgbClr val="FFFF00"/>
+            </a:solidFill>
+          </p:spPr>
+          <p:style>
+            <a:lnRef idx="2">
+              <a:schemeClr val="accent1">
+                <a:shade val="50000"/>
+              </a:schemeClr>
+            </a:lnRef>
+            <a:fillRef idx="1">
+              <a:schemeClr val="accent1"/>
+            </a:fillRef>
+            <a:effectRef idx="0">
+              <a:schemeClr val="accent1"/>
+            </a:effectRef>
+            <a:fontRef idx="minor">
+              <a:schemeClr val="lt1"/>
+            </a:fontRef>
+          </p:style>
+          <p:txBody>
+            <a:bodyPr rtlCol="0" anchor="ctr"/>
+            <a:lstStyle/>
+            <a:p>
+              <a:pPr marL="0" marR="0" lvl="0" indent="0" algn="ctr" defTabSz="914400" rtl="0" eaLnBrk="1" fontAlgn="auto" latinLnBrk="0" hangingPunct="1">
+                <a:lnSpc>
+                  <a:spcPct val="100000"/>
+                </a:lnSpc>
+                <a:spcBef>
+                  <a:spcPts val="0"/>
+                </a:spcBef>
+                <a:spcAft>
+                  <a:spcPts val="0"/>
+                </a:spcAft>
+                <a:buClrTx/>
+                <a:buSzTx/>
+                <a:buFontTx/>
+                <a:buNone/>
+                <a:tabLst/>
+                <a:defRPr/>
+              </a:pPr>
+              <a:endParaRPr kumimoji="1" lang="ja-JP" altLang="en-US" sz="1800" b="0" i="0" u="none" strike="noStrike" kern="1200" cap="none" spc="0" normalizeH="0" baseline="0" noProof="0">
+                <a:ln>
+                  <a:noFill/>
+                </a:ln>
+                <a:solidFill>
+                  <a:prstClr val="white"/>
+                </a:solidFill>
+                <a:effectLst/>
+                <a:uLnTx/>
+                <a:uFillTx/>
+                <a:latin typeface="Calibri"/>
+                <a:ea typeface="ＭＳ Ｐゴシック" panose="020B0600070205080204" pitchFamily="50" charset="-128"/>
+                <a:cs typeface="+mn-cs"/>
+              </a:endParaRPr>
+            </a:p>
+          </p:txBody>
+        </p:sp>
+        <p:sp>
+          <p:nvSpPr>
+            <p:cNvPr id="46" name="四角形: 角を丸くする 45">
+              <a:extLst>
+                <a:ext uri="{FF2B5EF4-FFF2-40B4-BE49-F238E27FC236}">
+                  <a16:creationId xmlns:a16="http://schemas.microsoft.com/office/drawing/2014/main" id="{C1976590-A7B6-469D-8375-22703ABB8BF0}"/>
+                </a:ext>
+              </a:extLst>
+            </p:cNvPr>
+            <p:cNvSpPr/>
+            <p:nvPr/>
+          </p:nvSpPr>
+          <p:spPr>
+            <a:xfrm>
+              <a:off x="7470518" y="1977770"/>
+              <a:ext cx="1076325" cy="838932"/>
+            </a:xfrm>
+            <a:prstGeom prst="roundRect">
+              <a:avLst/>
+            </a:prstGeom>
+            <a:solidFill>
+              <a:srgbClr val="FFFF00"/>
+            </a:solidFill>
+          </p:spPr>
+          <p:style>
+            <a:lnRef idx="2">
+              <a:schemeClr val="accent1">
+                <a:shade val="50000"/>
+              </a:schemeClr>
+            </a:lnRef>
+            <a:fillRef idx="1">
+              <a:schemeClr val="accent1"/>
+            </a:fillRef>
+            <a:effectRef idx="0">
+              <a:schemeClr val="accent1"/>
+            </a:effectRef>
+            <a:fontRef idx="minor">
+              <a:schemeClr val="lt1"/>
+            </a:fontRef>
+          </p:style>
+          <p:txBody>
+            <a:bodyPr rtlCol="0" anchor="ctr"/>
+            <a:lstStyle/>
+            <a:p>
+              <a:pPr marL="0" marR="0" lvl="0" indent="0" algn="ctr" defTabSz="914400" rtl="0" eaLnBrk="1" fontAlgn="auto" latinLnBrk="0" hangingPunct="1">
+                <a:lnSpc>
+                  <a:spcPct val="100000"/>
+                </a:lnSpc>
+                <a:spcBef>
+                  <a:spcPts val="0"/>
+                </a:spcBef>
+                <a:spcAft>
+                  <a:spcPts val="0"/>
+                </a:spcAft>
+                <a:buClrTx/>
+                <a:buSzTx/>
+                <a:buFontTx/>
+                <a:buNone/>
+                <a:tabLst/>
+                <a:defRPr/>
+              </a:pPr>
+              <a:endParaRPr kumimoji="1" lang="ja-JP" altLang="en-US" sz="1800" b="0" i="0" u="none" strike="noStrike" kern="1200" cap="none" spc="0" normalizeH="0" baseline="0" noProof="0">
+                <a:ln>
+                  <a:noFill/>
+                </a:ln>
+                <a:solidFill>
+                  <a:prstClr val="white"/>
+                </a:solidFill>
+                <a:effectLst/>
+                <a:uLnTx/>
+                <a:uFillTx/>
+                <a:latin typeface="Calibri"/>
+                <a:ea typeface="ＭＳ Ｐゴシック" panose="020B0600070205080204" pitchFamily="50" charset="-128"/>
+                <a:cs typeface="+mn-cs"/>
+              </a:endParaRPr>
+            </a:p>
+          </p:txBody>
+        </p:sp>
+        <p:sp>
+          <p:nvSpPr>
+            <p:cNvPr id="47" name="テキスト ボックス 46">
+              <a:extLst>
+                <a:ext uri="{FF2B5EF4-FFF2-40B4-BE49-F238E27FC236}">
+                  <a16:creationId xmlns:a16="http://schemas.microsoft.com/office/drawing/2014/main" id="{D2D12C28-068E-4FD3-9595-6C3836F4B7AF}"/>
+                </a:ext>
+              </a:extLst>
+            </p:cNvPr>
+            <p:cNvSpPr txBox="1"/>
+            <p:nvPr/>
+          </p:nvSpPr>
+          <p:spPr>
+            <a:xfrm>
+              <a:off x="7403463" y="926388"/>
+              <a:ext cx="1223467" cy="738664"/>
+            </a:xfrm>
+            <a:prstGeom prst="rect">
+              <a:avLst/>
+            </a:prstGeom>
+            <a:noFill/>
+          </p:spPr>
+          <p:txBody>
+            <a:bodyPr wrap="square" rtlCol="0">
+              <a:spAutoFit/>
+            </a:bodyPr>
+            <a:lstStyle/>
+            <a:p>
+              <a:pPr algn="ctr"/>
+              <a:r>
+                <a:rPr kumimoji="1" lang="en-US" altLang="ja-JP" sz="1400" dirty="0"/>
+                <a:t>Inbound/</a:t>
+              </a:r>
+            </a:p>
+            <a:p>
+              <a:pPr algn="ctr"/>
+              <a:r>
+                <a:rPr kumimoji="1" lang="en-US" altLang="ja-JP" sz="1400" dirty="0"/>
+                <a:t>integration/</a:t>
+              </a:r>
+            </a:p>
+            <a:p>
+              <a:pPr algn="ctr"/>
+              <a:r>
+                <a:rPr kumimoji="1" lang="ja-JP" altLang="en-US" sz="1400" dirty="0"/>
+                <a:t> </a:t>
+              </a:r>
+              <a:r>
+                <a:rPr kumimoji="1" lang="en-US" altLang="ja-JP" sz="1400" dirty="0"/>
+                <a:t>Release</a:t>
+              </a:r>
+              <a:endParaRPr kumimoji="1" lang="ja-JP" altLang="en-US" sz="1400" dirty="0"/>
+            </a:p>
+          </p:txBody>
+        </p:sp>
+        <p:sp>
+          <p:nvSpPr>
+            <p:cNvPr id="48" name="テキスト ボックス 47">
+              <a:extLst>
+                <a:ext uri="{FF2B5EF4-FFF2-40B4-BE49-F238E27FC236}">
+                  <a16:creationId xmlns:a16="http://schemas.microsoft.com/office/drawing/2014/main" id="{4E3E3762-3F2B-4D77-B167-FE1F2C42C456}"/>
+                </a:ext>
+              </a:extLst>
+            </p:cNvPr>
+            <p:cNvSpPr txBox="1"/>
+            <p:nvPr/>
+          </p:nvSpPr>
+          <p:spPr>
+            <a:xfrm>
+              <a:off x="7522264" y="2150808"/>
+              <a:ext cx="1024579" cy="523220"/>
+            </a:xfrm>
+            <a:prstGeom prst="rect">
+              <a:avLst/>
+            </a:prstGeom>
+            <a:noFill/>
+          </p:spPr>
+          <p:txBody>
+            <a:bodyPr wrap="square" rtlCol="0">
+              <a:spAutoFit/>
+            </a:bodyPr>
+            <a:lstStyle/>
+            <a:p>
+              <a:pPr algn="ctr"/>
+              <a:r>
+                <a:rPr kumimoji="1" lang="en-US" altLang="ja-JP" sz="1400" dirty="0"/>
+                <a:t>Planning/Marketing</a:t>
+              </a:r>
+              <a:endParaRPr kumimoji="1" lang="ja-JP" altLang="en-US" sz="1400" dirty="0"/>
+            </a:p>
+          </p:txBody>
+        </p:sp>
+        <p:sp>
+          <p:nvSpPr>
+            <p:cNvPr id="49" name="テキスト ボックス 48">
+              <a:extLst>
+                <a:ext uri="{FF2B5EF4-FFF2-40B4-BE49-F238E27FC236}">
+                  <a16:creationId xmlns:a16="http://schemas.microsoft.com/office/drawing/2014/main" id="{AA566A6A-D9B9-4B6A-B588-C41A5DDF3EB2}"/>
+                </a:ext>
+              </a:extLst>
+            </p:cNvPr>
+            <p:cNvSpPr txBox="1"/>
+            <p:nvPr/>
+          </p:nvSpPr>
+          <p:spPr>
+            <a:xfrm>
+              <a:off x="7443210" y="563274"/>
+              <a:ext cx="1087990" cy="307777"/>
+            </a:xfrm>
+            <a:prstGeom prst="rect">
+              <a:avLst/>
+            </a:prstGeom>
+            <a:noFill/>
+          </p:spPr>
+          <p:txBody>
+            <a:bodyPr wrap="none" rtlCol="0">
+              <a:spAutoFit/>
+            </a:bodyPr>
+            <a:lstStyle/>
+            <a:p>
+              <a:r>
+                <a:rPr kumimoji="1" lang="en-US" altLang="ja-JP" sz="1400" dirty="0"/>
+                <a:t>organization</a:t>
+              </a:r>
+            </a:p>
+          </p:txBody>
+        </p:sp>
+        <p:cxnSp>
+          <p:nvCxnSpPr>
+            <p:cNvPr id="54" name="直線矢印コネクタ 53">
+              <a:extLst>
+                <a:ext uri="{FF2B5EF4-FFF2-40B4-BE49-F238E27FC236}">
+                  <a16:creationId xmlns:a16="http://schemas.microsoft.com/office/drawing/2014/main" id="{5B2B0D59-04B9-4C39-ADFE-1751E141339A}"/>
+                </a:ext>
+              </a:extLst>
+            </p:cNvPr>
+            <p:cNvCxnSpPr>
+              <a:cxnSpLocks/>
+              <a:stCxn id="45" idx="3"/>
+              <a:endCxn id="5" idx="1"/>
+            </p:cNvCxnSpPr>
+            <p:nvPr/>
+          </p:nvCxnSpPr>
+          <p:spPr>
+            <a:xfrm>
+              <a:off x="8546843" y="1284204"/>
+              <a:ext cx="1206705" cy="23033"/>
+            </a:xfrm>
+            <a:prstGeom prst="straightConnector1">
+              <a:avLst/>
+            </a:prstGeom>
+            <a:ln w="38100">
+              <a:solidFill>
+                <a:schemeClr val="tx1"/>
+              </a:solidFill>
+              <a:tailEnd type="triangle"/>
+            </a:ln>
+          </p:spPr>
+          <p:style>
+            <a:lnRef idx="1">
+              <a:schemeClr val="accent1"/>
+            </a:lnRef>
+            <a:fillRef idx="0">
+              <a:schemeClr val="accent1"/>
+            </a:fillRef>
+            <a:effectRef idx="0">
+              <a:schemeClr val="accent1"/>
+            </a:effectRef>
+            <a:fontRef idx="minor">
+              <a:schemeClr val="tx1"/>
+            </a:fontRef>
+          </p:style>
+        </p:cxnSp>
+      </p:grpSp>
+    </p:spTree>
+    <p:extLst>
+      <p:ext uri="{BB962C8B-B14F-4D97-AF65-F5344CB8AC3E}">
+        <p14:creationId xmlns:p14="http://schemas.microsoft.com/office/powerpoint/2010/main" val="2410001878"/>
+      </p:ext>
+    </p:extLst>
+  </p:cSld>
+  <p:clrMapOvr>
+    <a:masterClrMapping/>
+  </p:clrMapOvr>
+</p:sld>
+</file>
+
+<file path=ppt/slides/slide7.xml><?xml version="1.0" encoding="utf-8"?>
+<p:sld xmlns:a="http://schemas.openxmlformats.org/drawingml/2006/main" xmlns:r="http://schemas.openxmlformats.org/officeDocument/2006/relationships" xmlns:p="http://schemas.openxmlformats.org/presentationml/2006/main">
+  <p:cSld>
+    <p:spTree>
+      <p:nvGrpSpPr>
+        <p:cNvPr id="1" name=""/>
+        <p:cNvGrpSpPr/>
+        <p:nvPr/>
+      </p:nvGrpSpPr>
+      <p:grpSpPr>
+        <a:xfrm>
+          <a:off x="0" y="0"/>
+          <a:ext cx="0" cy="0"/>
+          <a:chOff x="0" y="0"/>
+          <a:chExt cx="0" cy="0"/>
+        </a:xfrm>
+      </p:grpSpPr>
+      <p:sp>
+        <p:nvSpPr>
+          <p:cNvPr id="2" name="フッター プレースホルダー 1">
+            <a:extLst>
+              <a:ext uri="{FF2B5EF4-FFF2-40B4-BE49-F238E27FC236}">
                 <a16:creationId xmlns:a16="http://schemas.microsoft.com/office/drawing/2014/main" id="{DF0A2DA8-9E5B-4D3F-B422-D39507CF656C}"/>
               </a:ext>
             </a:extLst>
@@ -18612,7 +24972,7 @@
 </p:sld>
 </file>
 
-<file path=ppt/slides/slide5.xml><?xml version="1.0" encoding="utf-8"?>
+<file path=ppt/slides/slide8.xml><?xml version="1.0" encoding="utf-8"?>
 <p:sld xmlns:a="http://schemas.openxmlformats.org/drawingml/2006/main" xmlns:r="http://schemas.openxmlformats.org/officeDocument/2006/relationships" xmlns:p="http://schemas.openxmlformats.org/presentationml/2006/main">
   <p:cSld>
     <p:spTree>
@@ -19106,7 +25466,7 @@
 </p:sld>
 </file>
 
-<file path=ppt/slides/slide6.xml><?xml version="1.0" encoding="utf-8"?>
+<file path=ppt/slides/slide9.xml><?xml version="1.0" encoding="utf-8"?>
 <p:sld xmlns:a="http://schemas.openxmlformats.org/drawingml/2006/main" xmlns:r="http://schemas.openxmlformats.org/officeDocument/2006/relationships" xmlns:p="http://schemas.openxmlformats.org/presentationml/2006/main">
   <p:cSld>
     <p:spTree>

--- a/CaseStudy/BusinessFlow/BusinessFlow-CE.pptx
+++ b/CaseStudy/BusinessFlow/BusinessFlow-CE.pptx
@@ -7,7 +7,7 @@
     <p:sldMasterId id="2147483904" r:id="rId3"/>
   </p:sldMasterIdLst>
   <p:notesMasterIdLst>
-    <p:notesMasterId r:id="rId13"/>
+    <p:notesMasterId r:id="rId14"/>
   </p:notesMasterIdLst>
   <p:sldIdLst>
     <p:sldId id="293" r:id="rId4"/>
@@ -19,6 +19,7 @@
     <p:sldId id="297" r:id="rId10"/>
     <p:sldId id="256" r:id="rId11"/>
     <p:sldId id="302" r:id="rId12"/>
+    <p:sldId id="306" r:id="rId13"/>
   </p:sldIdLst>
   <p:sldSz cx="12192000" cy="6858000"/>
   <p:notesSz cx="6858000" cy="9144000"/>
@@ -207,7 +208,7 @@
           <a:p>
             <a:fld id="{AACA0F1E-6A7A-408C-9B73-64CA77DFA15B}" type="datetimeFigureOut">
               <a:rPr kumimoji="1" lang="ja-JP" altLang="en-US" smtClean="0"/>
-              <a:t>2018/11/12</a:t>
+              <a:t>2018/11/15</a:t>
             </a:fld>
             <a:endParaRPr kumimoji="1" lang="ja-JP" altLang="en-US"/>
           </a:p>
@@ -637,7 +638,7 @@
           <a:p>
             <a:fld id="{51684739-6B5A-4F8B-B16A-0057429AE121}" type="datetime1">
               <a:rPr kumimoji="1" lang="ja-JP" altLang="en-US" smtClean="0"/>
-              <a:t>2018/11/12</a:t>
+              <a:t>2018/11/15</a:t>
             </a:fld>
             <a:endParaRPr kumimoji="1" lang="ja-JP" altLang="en-US"/>
           </a:p>
@@ -843,7 +844,7 @@
           <a:p>
             <a:fld id="{D6C24767-C37E-45FC-97CA-CB11AB76749C}" type="datetime1">
               <a:rPr kumimoji="1" lang="ja-JP" altLang="en-US" smtClean="0"/>
-              <a:t>2018/11/12</a:t>
+              <a:t>2018/11/15</a:t>
             </a:fld>
             <a:endParaRPr kumimoji="1" lang="ja-JP" altLang="en-US"/>
           </a:p>
@@ -1059,7 +1060,7 @@
           <a:p>
             <a:fld id="{7BA61CA7-7D10-4549-A359-CC229CBEA567}" type="datetime1">
               <a:rPr kumimoji="1" lang="ja-JP" altLang="en-US" smtClean="0"/>
-              <a:t>2018/11/12</a:t>
+              <a:t>2018/11/15</a:t>
             </a:fld>
             <a:endParaRPr kumimoji="1" lang="ja-JP" altLang="en-US"/>
           </a:p>
@@ -2198,7 +2199,7 @@
           <a:p>
             <a:fld id="{F068AB85-2ACE-4F70-9090-AAB334D4C59F}" type="datetimeFigureOut">
               <a:rPr kumimoji="1" lang="ja-JP" altLang="en-US" smtClean="0"/>
-              <a:t>2018/11/12</a:t>
+              <a:t>2018/11/15</a:t>
             </a:fld>
             <a:endParaRPr kumimoji="1" lang="ja-JP" altLang="en-US"/>
           </a:p>
@@ -2428,7 +2429,7 @@
           <a:p>
             <a:fld id="{F068AB85-2ACE-4F70-9090-AAB334D4C59F}" type="datetimeFigureOut">
               <a:rPr kumimoji="1" lang="ja-JP" altLang="en-US" smtClean="0"/>
-              <a:t>2018/11/12</a:t>
+              <a:t>2018/11/15</a:t>
             </a:fld>
             <a:endParaRPr kumimoji="1" lang="ja-JP" altLang="en-US"/>
           </a:p>
@@ -2703,7 +2704,7 @@
           <a:p>
             <a:fld id="{F068AB85-2ACE-4F70-9090-AAB334D4C59F}" type="datetimeFigureOut">
               <a:rPr kumimoji="1" lang="ja-JP" altLang="en-US" smtClean="0"/>
-              <a:t>2018/11/12</a:t>
+              <a:t>2018/11/15</a:t>
             </a:fld>
             <a:endParaRPr kumimoji="1" lang="ja-JP" altLang="en-US"/>
           </a:p>
@@ -3032,7 +3033,7 @@
           <a:p>
             <a:fld id="{F068AB85-2ACE-4F70-9090-AAB334D4C59F}" type="datetimeFigureOut">
               <a:rPr kumimoji="1" lang="ja-JP" altLang="en-US" smtClean="0"/>
-              <a:t>2018/11/12</a:t>
+              <a:t>2018/11/15</a:t>
             </a:fld>
             <a:endParaRPr kumimoji="1" lang="ja-JP" altLang="en-US"/>
           </a:p>
@@ -3246,7 +3247,7 @@
           <a:p>
             <a:fld id="{B46D0EEA-4AC9-487F-BF7E-E7ADE265C8B1}" type="datetime1">
               <a:rPr kumimoji="1" lang="ja-JP" altLang="en-US" smtClean="0"/>
-              <a:t>2018/11/12</a:t>
+              <a:t>2018/11/15</a:t>
             </a:fld>
             <a:endParaRPr kumimoji="1" lang="ja-JP" altLang="en-US"/>
           </a:p>
@@ -3713,7 +3714,7 @@
           <a:p>
             <a:fld id="{F068AB85-2ACE-4F70-9090-AAB334D4C59F}" type="datetimeFigureOut">
               <a:rPr kumimoji="1" lang="ja-JP" altLang="en-US" smtClean="0"/>
-              <a:t>2018/11/12</a:t>
+              <a:t>2018/11/15</a:t>
             </a:fld>
             <a:endParaRPr kumimoji="1" lang="ja-JP" altLang="en-US"/>
           </a:p>
@@ -3854,7 +3855,7 @@
           <a:p>
             <a:fld id="{F068AB85-2ACE-4F70-9090-AAB334D4C59F}" type="datetimeFigureOut">
               <a:rPr kumimoji="1" lang="ja-JP" altLang="en-US" smtClean="0"/>
-              <a:t>2018/11/12</a:t>
+              <a:t>2018/11/15</a:t>
             </a:fld>
             <a:endParaRPr kumimoji="1" lang="ja-JP" altLang="en-US"/>
           </a:p>
@@ -3967,7 +3968,7 @@
           <a:p>
             <a:fld id="{F068AB85-2ACE-4F70-9090-AAB334D4C59F}" type="datetimeFigureOut">
               <a:rPr kumimoji="1" lang="ja-JP" altLang="en-US" smtClean="0"/>
-              <a:t>2018/11/12</a:t>
+              <a:t>2018/11/15</a:t>
             </a:fld>
             <a:endParaRPr kumimoji="1" lang="ja-JP" altLang="en-US"/>
           </a:p>
@@ -4310,7 +4311,7 @@
           <a:p>
             <a:fld id="{F068AB85-2ACE-4F70-9090-AAB334D4C59F}" type="datetimeFigureOut">
               <a:rPr kumimoji="1" lang="ja-JP" altLang="en-US" smtClean="0"/>
-              <a:t>2018/11/12</a:t>
+              <a:t>2018/11/15</a:t>
             </a:fld>
             <a:endParaRPr kumimoji="1" lang="ja-JP" altLang="en-US"/>
           </a:p>
@@ -4598,7 +4599,7 @@
           <a:p>
             <a:fld id="{F068AB85-2ACE-4F70-9090-AAB334D4C59F}" type="datetimeFigureOut">
               <a:rPr kumimoji="1" lang="ja-JP" altLang="en-US" smtClean="0"/>
-              <a:t>2018/11/12</a:t>
+              <a:t>2018/11/15</a:t>
             </a:fld>
             <a:endParaRPr kumimoji="1" lang="ja-JP" altLang="en-US"/>
           </a:p>
@@ -4828,7 +4829,7 @@
           <a:p>
             <a:fld id="{F068AB85-2ACE-4F70-9090-AAB334D4C59F}" type="datetimeFigureOut">
               <a:rPr kumimoji="1" lang="ja-JP" altLang="en-US" smtClean="0"/>
-              <a:t>2018/11/12</a:t>
+              <a:t>2018/11/15</a:t>
             </a:fld>
             <a:endParaRPr kumimoji="1" lang="ja-JP" altLang="en-US"/>
           </a:p>
@@ -5068,7 +5069,7 @@
           <a:p>
             <a:fld id="{F068AB85-2ACE-4F70-9090-AAB334D4C59F}" type="datetimeFigureOut">
               <a:rPr kumimoji="1" lang="ja-JP" altLang="en-US" smtClean="0"/>
-              <a:t>2018/11/12</a:t>
+              <a:t>2018/11/15</a:t>
             </a:fld>
             <a:endParaRPr kumimoji="1" lang="ja-JP" altLang="en-US"/>
           </a:p>
@@ -5326,7 +5327,7 @@
           <a:p>
             <a:fld id="{9AD472B9-0DC0-43A3-A586-259C5CCCC7B7}" type="datetime1">
               <a:rPr kumimoji="1" lang="ja-JP" altLang="en-US" smtClean="0"/>
-              <a:t>2018/11/12</a:t>
+              <a:t>2018/11/15</a:t>
             </a:fld>
             <a:endParaRPr kumimoji="1" lang="ja-JP" altLang="en-US"/>
           </a:p>
@@ -5681,7 +5682,7 @@
           <a:p>
             <a:fld id="{FCE8AD0A-FF56-440C-8866-2DBB85638F26}" type="datetime1">
               <a:rPr kumimoji="1" lang="ja-JP" altLang="en-US" smtClean="0"/>
-              <a:t>2018/11/12</a:t>
+              <a:t>2018/11/15</a:t>
             </a:fld>
             <a:endParaRPr kumimoji="1" lang="ja-JP" altLang="en-US"/>
           </a:p>
@@ -6172,7 +6173,7 @@
           <a:p>
             <a:fld id="{B98F01A6-9B05-4412-9B66-4612911364EA}" type="datetime1">
               <a:rPr kumimoji="1" lang="ja-JP" altLang="en-US" smtClean="0"/>
-              <a:t>2018/11/12</a:t>
+              <a:t>2018/11/15</a:t>
             </a:fld>
             <a:endParaRPr kumimoji="1" lang="ja-JP" altLang="en-US"/>
           </a:p>
@@ -6294,7 +6295,7 @@
           <a:p>
             <a:fld id="{930E7C22-1549-405D-A0B3-B16D97AD5E99}" type="datetime1">
               <a:rPr kumimoji="1" lang="ja-JP" altLang="en-US" smtClean="0"/>
-              <a:t>2018/11/12</a:t>
+              <a:t>2018/11/15</a:t>
             </a:fld>
             <a:endParaRPr kumimoji="1" lang="ja-JP" altLang="en-US"/>
           </a:p>
@@ -6393,7 +6394,7 @@
           <a:p>
             <a:fld id="{C15DACC1-FFB1-4714-840C-A511AA693359}" type="datetime1">
               <a:rPr kumimoji="1" lang="ja-JP" altLang="en-US" smtClean="0"/>
-              <a:t>2018/11/12</a:t>
+              <a:t>2018/11/15</a:t>
             </a:fld>
             <a:endParaRPr kumimoji="1" lang="ja-JP" altLang="en-US"/>
           </a:p>
@@ -6706,7 +6707,7 @@
           <a:p>
             <a:fld id="{5F86D9A3-D474-427A-8BEC-4724A22B28E1}" type="datetime1">
               <a:rPr kumimoji="1" lang="ja-JP" altLang="en-US" smtClean="0"/>
-              <a:t>2018/11/12</a:t>
+              <a:t>2018/11/15</a:t>
             </a:fld>
             <a:endParaRPr kumimoji="1" lang="ja-JP" altLang="en-US"/>
           </a:p>
@@ -6967,7 +6968,7 @@
           <a:p>
             <a:fld id="{9DFBE405-2BEB-4CB5-9650-43A5C6CAEB09}" type="datetime1">
               <a:rPr kumimoji="1" lang="ja-JP" altLang="en-US" smtClean="0"/>
-              <a:t>2018/11/12</a:t>
+              <a:t>2018/11/15</a:t>
             </a:fld>
             <a:endParaRPr kumimoji="1" lang="ja-JP" altLang="en-US"/>
           </a:p>
@@ -7215,7 +7216,7 @@
           <a:p>
             <a:fld id="{AE379D9F-14C0-4FEA-A161-9952562F370E}" type="datetime1">
               <a:rPr kumimoji="1" lang="ja-JP" altLang="en-US" smtClean="0"/>
-              <a:t>2018/11/12</a:t>
+              <a:t>2018/11/15</a:t>
             </a:fld>
             <a:endParaRPr kumimoji="1" lang="ja-JP" altLang="en-US"/>
           </a:p>
@@ -8205,7 +8206,7 @@
           <a:p>
             <a:fld id="{F068AB85-2ACE-4F70-9090-AAB334D4C59F}" type="datetimeFigureOut">
               <a:rPr kumimoji="1" lang="ja-JP" altLang="en-US" smtClean="0"/>
-              <a:t>2018/11/12</a:t>
+              <a:t>2018/11/15</a:t>
             </a:fld>
             <a:endParaRPr kumimoji="1" lang="ja-JP" altLang="en-US"/>
           </a:p>
@@ -10996,6 +10997,4691 @@
     <p:extLst>
       <p:ext uri="{BB962C8B-B14F-4D97-AF65-F5344CB8AC3E}">
         <p14:creationId xmlns:p14="http://schemas.microsoft.com/office/powerpoint/2010/main" val="207295777"/>
+      </p:ext>
+    </p:extLst>
+  </p:cSld>
+  <p:clrMapOvr>
+    <a:masterClrMapping/>
+  </p:clrMapOvr>
+</p:sld>
+</file>
+
+<file path=ppt/slides/slide10.xml><?xml version="1.0" encoding="utf-8"?>
+<p:sld xmlns:a="http://schemas.openxmlformats.org/drawingml/2006/main" xmlns:r="http://schemas.openxmlformats.org/officeDocument/2006/relationships" xmlns:p="http://schemas.openxmlformats.org/presentationml/2006/main">
+  <p:cSld>
+    <p:spTree>
+      <p:nvGrpSpPr>
+        <p:cNvPr id="1" name=""/>
+        <p:cNvGrpSpPr/>
+        <p:nvPr/>
+      </p:nvGrpSpPr>
+      <p:grpSpPr>
+        <a:xfrm>
+          <a:off x="0" y="0"/>
+          <a:ext cx="0" cy="0"/>
+          <a:chOff x="0" y="0"/>
+          <a:chExt cx="0" cy="0"/>
+        </a:xfrm>
+      </p:grpSpPr>
+      <p:sp>
+        <p:nvSpPr>
+          <p:cNvPr id="2" name="フッター プレースホルダー 1">
+            <a:extLst>
+              <a:ext uri="{FF2B5EF4-FFF2-40B4-BE49-F238E27FC236}">
+                <a16:creationId xmlns:a16="http://schemas.microsoft.com/office/drawing/2014/main" id="{E8DFE1D6-FE49-4377-A3BD-BCE7470B4846}"/>
+              </a:ext>
+            </a:extLst>
+          </p:cNvPr>
+          <p:cNvSpPr>
+            <a:spLocks noGrp="1"/>
+          </p:cNvSpPr>
+          <p:nvPr>
+            <p:ph type="ftr" sz="quarter" idx="11"/>
+          </p:nvPr>
+        </p:nvSpPr>
+        <p:spPr>
+          <a:xfrm>
+            <a:off x="4648200" y="6356350"/>
+            <a:ext cx="2895600" cy="365125"/>
+          </a:xfrm>
+        </p:spPr>
+        <p:txBody>
+          <a:bodyPr/>
+          <a:lstStyle/>
+          <a:p>
+            <a:pPr marL="0" marR="0" lvl="0" indent="0" algn="ctr" defTabSz="914400" rtl="0" eaLnBrk="1" fontAlgn="auto" latinLnBrk="0" hangingPunct="1">
+              <a:lnSpc>
+                <a:spcPct val="100000"/>
+              </a:lnSpc>
+              <a:spcBef>
+                <a:spcPts val="0"/>
+              </a:spcBef>
+              <a:spcAft>
+                <a:spcPts val="0"/>
+              </a:spcAft>
+              <a:buClrTx/>
+              <a:buSzTx/>
+              <a:buFontTx/>
+              <a:buNone/>
+              <a:tabLst/>
+              <a:defRPr/>
+            </a:pPr>
+            <a:r>
+              <a:rPr kumimoji="1" lang="en-US" altLang="ja-JP" sz="1200" b="0" i="0" u="none" strike="noStrike" kern="1200" cap="none" spc="0" normalizeH="0" baseline="0" noProof="0">
+                <a:ln>
+                  <a:noFill/>
+                </a:ln>
+                <a:solidFill>
+                  <a:prstClr val="black">
+                    <a:tint val="75000"/>
+                  </a:prstClr>
+                </a:solidFill>
+                <a:effectLst/>
+                <a:uLnTx/>
+                <a:uFillTx/>
+                <a:latin typeface="Calibri"/>
+                <a:ea typeface="ＭＳ Ｐゴシック" panose="020B0600070205080204" pitchFamily="50" charset="-128"/>
+                <a:cs typeface="+mn-cs"/>
+              </a:rPr>
+              <a:t>CC0-1.0</a:t>
+            </a:r>
+            <a:endParaRPr kumimoji="1" lang="ja-JP" altLang="en-US" sz="1200" b="0" i="0" u="none" strike="noStrike" kern="1200" cap="none" spc="0" normalizeH="0" baseline="0" noProof="0" dirty="0">
+              <a:ln>
+                <a:noFill/>
+              </a:ln>
+              <a:solidFill>
+                <a:prstClr val="black">
+                  <a:tint val="75000"/>
+                </a:prstClr>
+              </a:solidFill>
+              <a:effectLst/>
+              <a:uLnTx/>
+              <a:uFillTx/>
+              <a:latin typeface="Calibri"/>
+              <a:ea typeface="ＭＳ Ｐゴシック" panose="020B0600070205080204" pitchFamily="50" charset="-128"/>
+              <a:cs typeface="+mn-cs"/>
+            </a:endParaRPr>
+          </a:p>
+        </p:txBody>
+      </p:sp>
+      <p:grpSp>
+        <p:nvGrpSpPr>
+          <p:cNvPr id="6" name="グループ化 5">
+            <a:extLst>
+              <a:ext uri="{FF2B5EF4-FFF2-40B4-BE49-F238E27FC236}">
+                <a16:creationId xmlns:a16="http://schemas.microsoft.com/office/drawing/2014/main" id="{1B411A8F-3472-460F-A512-BBA3619B8BEA}"/>
+              </a:ext>
+            </a:extLst>
+          </p:cNvPr>
+          <p:cNvGrpSpPr/>
+          <p:nvPr/>
+        </p:nvGrpSpPr>
+        <p:grpSpPr>
+          <a:xfrm>
+            <a:off x="520912" y="219362"/>
+            <a:ext cx="10596855" cy="6051490"/>
+            <a:chOff x="520912" y="219362"/>
+            <a:chExt cx="10596855" cy="6051490"/>
+          </a:xfrm>
+        </p:grpSpPr>
+        <p:sp>
+          <p:nvSpPr>
+            <p:cNvPr id="3" name="四角形: 角を丸くする 2">
+              <a:extLst>
+                <a:ext uri="{FF2B5EF4-FFF2-40B4-BE49-F238E27FC236}">
+                  <a16:creationId xmlns:a16="http://schemas.microsoft.com/office/drawing/2014/main" id="{2C34A4A2-6303-43D7-A31A-2AA017E830C7}"/>
+                </a:ext>
+              </a:extLst>
+            </p:cNvPr>
+            <p:cNvSpPr/>
+            <p:nvPr/>
+          </p:nvSpPr>
+          <p:spPr>
+            <a:xfrm>
+              <a:off x="520912" y="2284389"/>
+              <a:ext cx="1733005" cy="3204754"/>
+            </a:xfrm>
+            <a:prstGeom prst="roundRect">
+              <a:avLst/>
+            </a:prstGeom>
+            <a:solidFill>
+              <a:srgbClr val="00B050"/>
+            </a:solidFill>
+            <a:ln>
+              <a:solidFill>
+                <a:srgbClr val="00B050"/>
+              </a:solidFill>
+            </a:ln>
+          </p:spPr>
+          <p:style>
+            <a:lnRef idx="2">
+              <a:schemeClr val="accent1">
+                <a:shade val="50000"/>
+              </a:schemeClr>
+            </a:lnRef>
+            <a:fillRef idx="1">
+              <a:schemeClr val="accent1"/>
+            </a:fillRef>
+            <a:effectRef idx="0">
+              <a:schemeClr val="accent1"/>
+            </a:effectRef>
+            <a:fontRef idx="minor">
+              <a:schemeClr val="lt1"/>
+            </a:fontRef>
+          </p:style>
+          <p:txBody>
+            <a:bodyPr rtlCol="0" anchor="ctr"/>
+            <a:lstStyle/>
+            <a:p>
+              <a:pPr marL="0" marR="0" lvl="0" indent="0" algn="ctr" defTabSz="914400" rtl="0" eaLnBrk="1" fontAlgn="auto" latinLnBrk="0" hangingPunct="1">
+                <a:lnSpc>
+                  <a:spcPct val="100000"/>
+                </a:lnSpc>
+                <a:spcBef>
+                  <a:spcPts val="0"/>
+                </a:spcBef>
+                <a:spcAft>
+                  <a:spcPts val="0"/>
+                </a:spcAft>
+                <a:buClrTx/>
+                <a:buSzTx/>
+                <a:buFontTx/>
+                <a:buNone/>
+                <a:tabLst/>
+                <a:defRPr/>
+              </a:pPr>
+              <a:r>
+                <a:rPr kumimoji="1" lang="en-US" altLang="ja-JP" dirty="0">
+                  <a:solidFill>
+                    <a:prstClr val="white"/>
+                  </a:solidFill>
+                  <a:latin typeface="Calibri"/>
+                  <a:ea typeface="ＭＳ Ｐゴシック" panose="020B0600070205080204" pitchFamily="50" charset="-128"/>
+                </a:rPr>
+                <a:t>Supplier</a:t>
+              </a:r>
+              <a:endParaRPr kumimoji="1" lang="en-US" altLang="ja-JP" sz="1800" b="0" i="0" u="none" strike="noStrike" kern="1200" cap="none" spc="0" normalizeH="0" baseline="0" noProof="0" dirty="0">
+                <a:ln>
+                  <a:noFill/>
+                </a:ln>
+                <a:solidFill>
+                  <a:prstClr val="white"/>
+                </a:solidFill>
+                <a:effectLst/>
+                <a:uLnTx/>
+                <a:uFillTx/>
+                <a:latin typeface="Calibri"/>
+                <a:ea typeface="ＭＳ Ｐゴシック" panose="020B0600070205080204" pitchFamily="50" charset="-128"/>
+                <a:cs typeface="+mn-cs"/>
+              </a:endParaRPr>
+            </a:p>
+          </p:txBody>
+        </p:sp>
+        <p:sp>
+          <p:nvSpPr>
+            <p:cNvPr id="7" name="四角形: 角を丸くする 6">
+              <a:extLst>
+                <a:ext uri="{FF2B5EF4-FFF2-40B4-BE49-F238E27FC236}">
+                  <a16:creationId xmlns:a16="http://schemas.microsoft.com/office/drawing/2014/main" id="{8E1A5EC1-C62A-4EBD-8155-D9DD4151CBB7}"/>
+                </a:ext>
+              </a:extLst>
+            </p:cNvPr>
+            <p:cNvSpPr/>
+            <p:nvPr/>
+          </p:nvSpPr>
+          <p:spPr>
+            <a:xfrm>
+              <a:off x="3617350" y="274774"/>
+              <a:ext cx="4464203" cy="5202913"/>
+            </a:xfrm>
+            <a:prstGeom prst="roundRect">
+              <a:avLst/>
+            </a:prstGeom>
+            <a:solidFill>
+              <a:schemeClr val="accent1">
+                <a:lumMod val="60000"/>
+                <a:lumOff val="40000"/>
+              </a:schemeClr>
+            </a:solidFill>
+          </p:spPr>
+          <p:style>
+            <a:lnRef idx="2">
+              <a:schemeClr val="accent1">
+                <a:shade val="50000"/>
+              </a:schemeClr>
+            </a:lnRef>
+            <a:fillRef idx="1">
+              <a:schemeClr val="accent1"/>
+            </a:fillRef>
+            <a:effectRef idx="0">
+              <a:schemeClr val="accent1"/>
+            </a:effectRef>
+            <a:fontRef idx="minor">
+              <a:schemeClr val="lt1"/>
+            </a:fontRef>
+          </p:style>
+          <p:txBody>
+            <a:bodyPr rtlCol="0" anchor="ctr"/>
+            <a:lstStyle/>
+            <a:p>
+              <a:pPr marL="0" marR="0" lvl="0" indent="0" algn="ctr" defTabSz="914400" rtl="0" eaLnBrk="1" fontAlgn="auto" latinLnBrk="0" hangingPunct="1">
+                <a:lnSpc>
+                  <a:spcPct val="100000"/>
+                </a:lnSpc>
+                <a:spcBef>
+                  <a:spcPts val="0"/>
+                </a:spcBef>
+                <a:spcAft>
+                  <a:spcPts val="0"/>
+                </a:spcAft>
+                <a:buClrTx/>
+                <a:buSzTx/>
+                <a:buFontTx/>
+                <a:buNone/>
+                <a:tabLst/>
+                <a:defRPr/>
+              </a:pPr>
+              <a:endParaRPr kumimoji="1" lang="ja-JP" altLang="en-US" sz="1800" b="0" i="0" u="none" strike="noStrike" kern="1200" cap="none" spc="0" normalizeH="0" baseline="0" noProof="0">
+                <a:ln>
+                  <a:noFill/>
+                </a:ln>
+                <a:solidFill>
+                  <a:prstClr val="white"/>
+                </a:solidFill>
+                <a:effectLst/>
+                <a:uLnTx/>
+                <a:uFillTx/>
+                <a:latin typeface="Calibri"/>
+                <a:ea typeface="ＭＳ Ｐゴシック" panose="020B0600070205080204" pitchFamily="50" charset="-128"/>
+                <a:cs typeface="+mn-cs"/>
+              </a:endParaRPr>
+            </a:p>
+          </p:txBody>
+        </p:sp>
+        <p:sp>
+          <p:nvSpPr>
+            <p:cNvPr id="8" name="四角形: 角を丸くする 7">
+              <a:extLst>
+                <a:ext uri="{FF2B5EF4-FFF2-40B4-BE49-F238E27FC236}">
+                  <a16:creationId xmlns:a16="http://schemas.microsoft.com/office/drawing/2014/main" id="{89052F24-0417-4CDA-8638-962F182F5F29}"/>
+                </a:ext>
+              </a:extLst>
+            </p:cNvPr>
+            <p:cNvSpPr/>
+            <p:nvPr/>
+          </p:nvSpPr>
+          <p:spPr>
+            <a:xfrm>
+              <a:off x="8834848" y="2425332"/>
+              <a:ext cx="1733005" cy="3204754"/>
+            </a:xfrm>
+            <a:prstGeom prst="roundRect">
+              <a:avLst/>
+            </a:prstGeom>
+            <a:solidFill>
+              <a:srgbClr val="00B050"/>
+            </a:solidFill>
+            <a:ln>
+              <a:solidFill>
+                <a:srgbClr val="00B050"/>
+              </a:solidFill>
+            </a:ln>
+          </p:spPr>
+          <p:style>
+            <a:lnRef idx="2">
+              <a:schemeClr val="accent1">
+                <a:shade val="50000"/>
+              </a:schemeClr>
+            </a:lnRef>
+            <a:fillRef idx="1">
+              <a:schemeClr val="accent1"/>
+            </a:fillRef>
+            <a:effectRef idx="0">
+              <a:schemeClr val="accent1"/>
+            </a:effectRef>
+            <a:fontRef idx="minor">
+              <a:schemeClr val="lt1"/>
+            </a:fontRef>
+          </p:style>
+          <p:txBody>
+            <a:bodyPr rtlCol="0" anchor="ctr"/>
+            <a:lstStyle/>
+            <a:p>
+              <a:pPr marL="0" marR="0" lvl="0" indent="0" algn="ctr" defTabSz="914400" rtl="0" eaLnBrk="1" fontAlgn="auto" latinLnBrk="0" hangingPunct="1">
+                <a:lnSpc>
+                  <a:spcPct val="100000"/>
+                </a:lnSpc>
+                <a:spcBef>
+                  <a:spcPts val="0"/>
+                </a:spcBef>
+                <a:spcAft>
+                  <a:spcPts val="0"/>
+                </a:spcAft>
+                <a:buClrTx/>
+                <a:buSzTx/>
+                <a:buFontTx/>
+                <a:buNone/>
+                <a:tabLst/>
+                <a:defRPr/>
+              </a:pPr>
+              <a:r>
+                <a:rPr kumimoji="1" lang="en-US" altLang="ja-JP" dirty="0">
+                  <a:solidFill>
+                    <a:prstClr val="white"/>
+                  </a:solidFill>
+                  <a:latin typeface="Calibri"/>
+                  <a:ea typeface="ＭＳ Ｐゴシック" panose="020B0600070205080204" pitchFamily="50" charset="-128"/>
+                </a:rPr>
+                <a:t>Recipient</a:t>
+              </a:r>
+              <a:endParaRPr kumimoji="1" lang="ja-JP" altLang="en-US" sz="1800" b="0" i="0" u="none" strike="noStrike" kern="1200" cap="none" spc="0" normalizeH="0" baseline="0" noProof="0" dirty="0">
+                <a:ln>
+                  <a:noFill/>
+                </a:ln>
+                <a:solidFill>
+                  <a:prstClr val="white"/>
+                </a:solidFill>
+                <a:effectLst/>
+                <a:uLnTx/>
+                <a:uFillTx/>
+                <a:latin typeface="Calibri"/>
+                <a:ea typeface="ＭＳ Ｐゴシック" panose="020B0600070205080204" pitchFamily="50" charset="-128"/>
+                <a:cs typeface="+mn-cs"/>
+              </a:endParaRPr>
+            </a:p>
+          </p:txBody>
+        </p:sp>
+        <p:sp>
+          <p:nvSpPr>
+            <p:cNvPr id="10" name="四角形: 角を丸くする 9">
+              <a:extLst>
+                <a:ext uri="{FF2B5EF4-FFF2-40B4-BE49-F238E27FC236}">
+                  <a16:creationId xmlns:a16="http://schemas.microsoft.com/office/drawing/2014/main" id="{3E8CA6F4-9AF7-4331-9663-D13706D8F841}"/>
+                </a:ext>
+              </a:extLst>
+            </p:cNvPr>
+            <p:cNvSpPr/>
+            <p:nvPr/>
+          </p:nvSpPr>
+          <p:spPr>
+            <a:xfrm>
+              <a:off x="4249891" y="5639776"/>
+              <a:ext cx="3561795" cy="631076"/>
+            </a:xfrm>
+            <a:prstGeom prst="roundRect">
+              <a:avLst/>
+            </a:prstGeom>
+            <a:solidFill>
+              <a:srgbClr val="00B050"/>
+            </a:solidFill>
+            <a:ln>
+              <a:solidFill>
+                <a:srgbClr val="00B050"/>
+              </a:solidFill>
+            </a:ln>
+          </p:spPr>
+          <p:style>
+            <a:lnRef idx="2">
+              <a:schemeClr val="accent1">
+                <a:shade val="50000"/>
+              </a:schemeClr>
+            </a:lnRef>
+            <a:fillRef idx="1">
+              <a:schemeClr val="accent1"/>
+            </a:fillRef>
+            <a:effectRef idx="0">
+              <a:schemeClr val="accent1"/>
+            </a:effectRef>
+            <a:fontRef idx="minor">
+              <a:schemeClr val="lt1"/>
+            </a:fontRef>
+          </p:style>
+          <p:txBody>
+            <a:bodyPr rtlCol="0" anchor="ctr"/>
+            <a:lstStyle/>
+            <a:p>
+              <a:pPr marL="0" marR="0" lvl="0" indent="0" algn="ctr" defTabSz="914400" rtl="0" eaLnBrk="1" fontAlgn="auto" latinLnBrk="0" hangingPunct="1">
+                <a:lnSpc>
+                  <a:spcPct val="100000"/>
+                </a:lnSpc>
+                <a:spcBef>
+                  <a:spcPts val="0"/>
+                </a:spcBef>
+                <a:spcAft>
+                  <a:spcPts val="0"/>
+                </a:spcAft>
+                <a:buClrTx/>
+                <a:buSzTx/>
+                <a:buFontTx/>
+                <a:buNone/>
+                <a:tabLst/>
+                <a:defRPr/>
+              </a:pPr>
+              <a:r>
+                <a:rPr kumimoji="1" lang="en-US" altLang="ja-JP" dirty="0">
+                  <a:solidFill>
+                    <a:prstClr val="white"/>
+                  </a:solidFill>
+                  <a:latin typeface="Calibri"/>
+                  <a:ea typeface="ＭＳ Ｐゴシック" panose="020B0600070205080204" pitchFamily="50" charset="-128"/>
+                </a:rPr>
+                <a:t>OSS</a:t>
+              </a:r>
+              <a:r>
+                <a:rPr kumimoji="1" lang="ja-JP" altLang="en-US" dirty="0">
+                  <a:solidFill>
+                    <a:prstClr val="white"/>
+                  </a:solidFill>
+                  <a:latin typeface="Calibri"/>
+                  <a:ea typeface="ＭＳ Ｐゴシック" panose="020B0600070205080204" pitchFamily="50" charset="-128"/>
+                </a:rPr>
+                <a:t> </a:t>
+              </a:r>
+              <a:r>
+                <a:rPr kumimoji="1" lang="en-US" altLang="ja-JP" dirty="0">
+                  <a:solidFill>
+                    <a:prstClr val="white"/>
+                  </a:solidFill>
+                  <a:latin typeface="Calibri"/>
+                  <a:ea typeface="ＭＳ Ｐゴシック" panose="020B0600070205080204" pitchFamily="50" charset="-128"/>
+                </a:rPr>
+                <a:t>community</a:t>
+              </a:r>
+              <a:endParaRPr kumimoji="1" lang="ja-JP" altLang="en-US" sz="1800" b="0" i="0" u="none" strike="noStrike" kern="1200" cap="none" spc="0" normalizeH="0" baseline="0" noProof="0" dirty="0">
+                <a:ln>
+                  <a:noFill/>
+                </a:ln>
+                <a:solidFill>
+                  <a:prstClr val="white"/>
+                </a:solidFill>
+                <a:effectLst/>
+                <a:uLnTx/>
+                <a:uFillTx/>
+                <a:latin typeface="Calibri"/>
+                <a:ea typeface="ＭＳ Ｐゴシック" panose="020B0600070205080204" pitchFamily="50" charset="-128"/>
+                <a:cs typeface="+mn-cs"/>
+              </a:endParaRPr>
+            </a:p>
+          </p:txBody>
+        </p:sp>
+        <p:sp>
+          <p:nvSpPr>
+            <p:cNvPr id="11" name="四角形: 角を丸くする 10">
+              <a:extLst>
+                <a:ext uri="{FF2B5EF4-FFF2-40B4-BE49-F238E27FC236}">
+                  <a16:creationId xmlns:a16="http://schemas.microsoft.com/office/drawing/2014/main" id="{AFB6E93C-9793-472A-B955-A686FAC84609}"/>
+                </a:ext>
+              </a:extLst>
+            </p:cNvPr>
+            <p:cNvSpPr/>
+            <p:nvPr/>
+          </p:nvSpPr>
+          <p:spPr>
+            <a:xfrm>
+              <a:off x="4836750" y="2538986"/>
+              <a:ext cx="2145891" cy="1781839"/>
+            </a:xfrm>
+            <a:prstGeom prst="roundRect">
+              <a:avLst/>
+            </a:prstGeom>
+            <a:solidFill>
+              <a:srgbClr val="FFFF00"/>
+            </a:solidFill>
+            <a:ln>
+              <a:noFill/>
+            </a:ln>
+          </p:spPr>
+          <p:style>
+            <a:lnRef idx="2">
+              <a:schemeClr val="accent1">
+                <a:shade val="50000"/>
+              </a:schemeClr>
+            </a:lnRef>
+            <a:fillRef idx="1">
+              <a:schemeClr val="accent1"/>
+            </a:fillRef>
+            <a:effectRef idx="0">
+              <a:schemeClr val="accent1"/>
+            </a:effectRef>
+            <a:fontRef idx="minor">
+              <a:schemeClr val="lt1"/>
+            </a:fontRef>
+          </p:style>
+          <p:txBody>
+            <a:bodyPr rtlCol="0" anchor="ctr"/>
+            <a:lstStyle/>
+            <a:p>
+              <a:pPr marL="0" marR="0" lvl="0" indent="0" algn="ctr" defTabSz="914400" rtl="0" eaLnBrk="1" fontAlgn="auto" latinLnBrk="0" hangingPunct="1">
+                <a:lnSpc>
+                  <a:spcPct val="100000"/>
+                </a:lnSpc>
+                <a:spcBef>
+                  <a:spcPts val="0"/>
+                </a:spcBef>
+                <a:spcAft>
+                  <a:spcPts val="0"/>
+                </a:spcAft>
+                <a:buClrTx/>
+                <a:buSzTx/>
+                <a:buFontTx/>
+                <a:buNone/>
+                <a:tabLst/>
+                <a:defRPr/>
+              </a:pPr>
+              <a:r>
+                <a:rPr kumimoji="1" lang="en-US" altLang="ja-JP" dirty="0">
+                  <a:solidFill>
+                    <a:prstClr val="black"/>
+                  </a:solidFill>
+                  <a:latin typeface="Calibri"/>
+                  <a:ea typeface="ＭＳ Ｐゴシック" panose="020B0600070205080204" pitchFamily="50" charset="-128"/>
+                </a:rPr>
+                <a:t>Software Development</a:t>
+              </a:r>
+              <a:endParaRPr kumimoji="1" lang="en-US" altLang="ja-JP" sz="1800" b="0" i="0" u="none" strike="noStrike" kern="1200" cap="none" spc="0" normalizeH="0" baseline="0" noProof="0" dirty="0">
+                <a:ln>
+                  <a:noFill/>
+                </a:ln>
+                <a:solidFill>
+                  <a:prstClr val="black"/>
+                </a:solidFill>
+                <a:effectLst/>
+                <a:uLnTx/>
+                <a:uFillTx/>
+                <a:latin typeface="Calibri"/>
+                <a:ea typeface="ＭＳ Ｐゴシック" panose="020B0600070205080204" pitchFamily="50" charset="-128"/>
+                <a:cs typeface="+mn-cs"/>
+              </a:endParaRPr>
+            </a:p>
+          </p:txBody>
+        </p:sp>
+        <p:sp>
+          <p:nvSpPr>
+            <p:cNvPr id="17" name="四角形: 角を丸くする 16">
+              <a:extLst>
+                <a:ext uri="{FF2B5EF4-FFF2-40B4-BE49-F238E27FC236}">
+                  <a16:creationId xmlns:a16="http://schemas.microsoft.com/office/drawing/2014/main" id="{04085E13-10DF-491F-B9A2-245D5988475A}"/>
+                </a:ext>
+              </a:extLst>
+            </p:cNvPr>
+            <p:cNvSpPr/>
+            <p:nvPr/>
+          </p:nvSpPr>
+          <p:spPr>
+            <a:xfrm>
+              <a:off x="3705001" y="1535619"/>
+              <a:ext cx="1083537" cy="372291"/>
+            </a:xfrm>
+            <a:prstGeom prst="roundRect">
+              <a:avLst/>
+            </a:prstGeom>
+            <a:solidFill>
+              <a:srgbClr val="FFFF00"/>
+            </a:solidFill>
+            <a:ln>
+              <a:noFill/>
+            </a:ln>
+          </p:spPr>
+          <p:style>
+            <a:lnRef idx="2">
+              <a:schemeClr val="accent1">
+                <a:shade val="50000"/>
+              </a:schemeClr>
+            </a:lnRef>
+            <a:fillRef idx="1">
+              <a:schemeClr val="accent1"/>
+            </a:fillRef>
+            <a:effectRef idx="0">
+              <a:schemeClr val="accent1"/>
+            </a:effectRef>
+            <a:fontRef idx="minor">
+              <a:schemeClr val="lt1"/>
+            </a:fontRef>
+          </p:style>
+          <p:txBody>
+            <a:bodyPr rtlCol="0" anchor="ctr"/>
+            <a:lstStyle/>
+            <a:p>
+              <a:pPr marL="0" marR="0" lvl="0" indent="0" algn="ctr" defTabSz="914400" rtl="0" eaLnBrk="1" fontAlgn="auto" latinLnBrk="0" hangingPunct="1">
+                <a:lnSpc>
+                  <a:spcPct val="100000"/>
+                </a:lnSpc>
+                <a:spcBef>
+                  <a:spcPts val="0"/>
+                </a:spcBef>
+                <a:spcAft>
+                  <a:spcPts val="0"/>
+                </a:spcAft>
+                <a:buClrTx/>
+                <a:buSzTx/>
+                <a:buFontTx/>
+                <a:buNone/>
+                <a:tabLst/>
+                <a:defRPr/>
+              </a:pPr>
+              <a:r>
+                <a:rPr kumimoji="1" lang="en-US" altLang="ja-JP" sz="1400" dirty="0">
+                  <a:solidFill>
+                    <a:prstClr val="black"/>
+                  </a:solidFill>
+                  <a:latin typeface="Calibri"/>
+                  <a:ea typeface="ＭＳ Ｐゴシック" panose="020B0600070205080204" pitchFamily="50" charset="-128"/>
+                </a:rPr>
+                <a:t>Software</a:t>
+              </a:r>
+              <a:r>
+                <a:rPr kumimoji="1" lang="ja-JP" altLang="en-US" sz="1400" dirty="0">
+                  <a:solidFill>
+                    <a:prstClr val="black"/>
+                  </a:solidFill>
+                  <a:latin typeface="Calibri"/>
+                  <a:ea typeface="ＭＳ Ｐゴシック" panose="020B0600070205080204" pitchFamily="50" charset="-128"/>
+                </a:rPr>
+                <a:t> </a:t>
+              </a:r>
+              <a:r>
+                <a:rPr kumimoji="1" lang="en-US" altLang="ja-JP" sz="1400" dirty="0">
+                  <a:solidFill>
+                    <a:prstClr val="black"/>
+                  </a:solidFill>
+                  <a:latin typeface="Calibri"/>
+                  <a:ea typeface="ＭＳ Ｐゴシック" panose="020B0600070205080204" pitchFamily="50" charset="-128"/>
+                </a:rPr>
+                <a:t>Contract</a:t>
+              </a:r>
+              <a:endParaRPr kumimoji="1" lang="en-US" altLang="ja-JP" sz="1400" b="0" i="0" u="none" strike="noStrike" kern="1200" cap="none" spc="0" normalizeH="0" baseline="0" noProof="0" dirty="0">
+                <a:ln>
+                  <a:noFill/>
+                </a:ln>
+                <a:solidFill>
+                  <a:prstClr val="black"/>
+                </a:solidFill>
+                <a:effectLst/>
+                <a:uLnTx/>
+                <a:uFillTx/>
+                <a:latin typeface="Calibri"/>
+                <a:ea typeface="ＭＳ Ｐゴシック" panose="020B0600070205080204" pitchFamily="50" charset="-128"/>
+                <a:cs typeface="+mn-cs"/>
+              </a:endParaRPr>
+            </a:p>
+          </p:txBody>
+        </p:sp>
+        <p:sp>
+          <p:nvSpPr>
+            <p:cNvPr id="19" name="四角形: 角を丸くする 18">
+              <a:extLst>
+                <a:ext uri="{FF2B5EF4-FFF2-40B4-BE49-F238E27FC236}">
+                  <a16:creationId xmlns:a16="http://schemas.microsoft.com/office/drawing/2014/main" id="{6523DCD1-17EA-4908-91AA-938632C2087D}"/>
+                </a:ext>
+              </a:extLst>
+            </p:cNvPr>
+            <p:cNvSpPr/>
+            <p:nvPr/>
+          </p:nvSpPr>
+          <p:spPr>
+            <a:xfrm>
+              <a:off x="4763312" y="2006542"/>
+              <a:ext cx="1094404" cy="372291"/>
+            </a:xfrm>
+            <a:prstGeom prst="roundRect">
+              <a:avLst/>
+            </a:prstGeom>
+            <a:solidFill>
+              <a:srgbClr val="FFFF00"/>
+            </a:solidFill>
+            <a:ln>
+              <a:noFill/>
+            </a:ln>
+          </p:spPr>
+          <p:style>
+            <a:lnRef idx="2">
+              <a:schemeClr val="accent1">
+                <a:shade val="50000"/>
+              </a:schemeClr>
+            </a:lnRef>
+            <a:fillRef idx="1">
+              <a:schemeClr val="accent1"/>
+            </a:fillRef>
+            <a:effectRef idx="0">
+              <a:schemeClr val="accent1"/>
+            </a:effectRef>
+            <a:fontRef idx="minor">
+              <a:schemeClr val="lt1"/>
+            </a:fontRef>
+          </p:style>
+          <p:txBody>
+            <a:bodyPr rtlCol="0" anchor="ctr"/>
+            <a:lstStyle/>
+            <a:p>
+              <a:pPr marL="0" marR="0" lvl="0" indent="0" algn="ctr" defTabSz="914400" rtl="0" eaLnBrk="1" fontAlgn="auto" latinLnBrk="0" hangingPunct="1">
+                <a:lnSpc>
+                  <a:spcPct val="100000"/>
+                </a:lnSpc>
+                <a:spcBef>
+                  <a:spcPts val="0"/>
+                </a:spcBef>
+                <a:spcAft>
+                  <a:spcPts val="0"/>
+                </a:spcAft>
+                <a:buClrTx/>
+                <a:buSzTx/>
+                <a:buFontTx/>
+                <a:buNone/>
+                <a:tabLst/>
+                <a:defRPr/>
+              </a:pPr>
+              <a:r>
+                <a:rPr kumimoji="1" lang="en-US" altLang="ja-JP" sz="1200" dirty="0">
+                  <a:solidFill>
+                    <a:prstClr val="black"/>
+                  </a:solidFill>
+                  <a:latin typeface="Calibri"/>
+                  <a:ea typeface="ＭＳ Ｐゴシック" panose="020B0600070205080204" pitchFamily="50" charset="-128"/>
+                </a:rPr>
+                <a:t>Software</a:t>
+              </a:r>
+              <a:r>
+                <a:rPr kumimoji="1" lang="ja-JP" altLang="en-US" sz="1200" dirty="0">
+                  <a:solidFill>
+                    <a:prstClr val="black"/>
+                  </a:solidFill>
+                  <a:latin typeface="Calibri"/>
+                  <a:ea typeface="ＭＳ Ｐゴシック" panose="020B0600070205080204" pitchFamily="50" charset="-128"/>
+                </a:rPr>
+                <a:t> </a:t>
+              </a:r>
+              <a:r>
+                <a:rPr kumimoji="1" lang="en-US" altLang="ja-JP" sz="1200" dirty="0">
+                  <a:solidFill>
+                    <a:prstClr val="black"/>
+                  </a:solidFill>
+                  <a:latin typeface="Calibri"/>
+                  <a:ea typeface="ＭＳ Ｐゴシック" panose="020B0600070205080204" pitchFamily="50" charset="-128"/>
+                </a:rPr>
+                <a:t>Verification</a:t>
+              </a:r>
+              <a:endParaRPr kumimoji="1" lang="en-US" altLang="ja-JP" sz="1200" b="0" i="0" u="none" strike="noStrike" kern="1200" cap="none" spc="0" normalizeH="0" baseline="0" noProof="0" dirty="0">
+                <a:ln>
+                  <a:noFill/>
+                </a:ln>
+                <a:solidFill>
+                  <a:prstClr val="black"/>
+                </a:solidFill>
+                <a:effectLst/>
+                <a:uLnTx/>
+                <a:uFillTx/>
+                <a:latin typeface="Calibri"/>
+                <a:ea typeface="ＭＳ Ｐゴシック" panose="020B0600070205080204" pitchFamily="50" charset="-128"/>
+                <a:cs typeface="+mn-cs"/>
+              </a:endParaRPr>
+            </a:p>
+          </p:txBody>
+        </p:sp>
+        <p:cxnSp>
+          <p:nvCxnSpPr>
+            <p:cNvPr id="21" name="直線矢印コネクタ 20">
+              <a:extLst>
+                <a:ext uri="{FF2B5EF4-FFF2-40B4-BE49-F238E27FC236}">
+                  <a16:creationId xmlns:a16="http://schemas.microsoft.com/office/drawing/2014/main" id="{BF8045E8-B913-4E84-B739-F112D5CF6173}"/>
+                </a:ext>
+              </a:extLst>
+            </p:cNvPr>
+            <p:cNvCxnSpPr>
+              <a:cxnSpLocks/>
+            </p:cNvCxnSpPr>
+            <p:nvPr/>
+          </p:nvCxnSpPr>
+          <p:spPr>
+            <a:xfrm flipV="1">
+              <a:off x="2268641" y="2829194"/>
+              <a:ext cx="1609840" cy="23440"/>
+            </a:xfrm>
+            <a:prstGeom prst="straightConnector1">
+              <a:avLst/>
+            </a:prstGeom>
+            <a:ln w="38100">
+              <a:solidFill>
+                <a:schemeClr val="tx1"/>
+              </a:solidFill>
+              <a:tailEnd type="triangle"/>
+            </a:ln>
+          </p:spPr>
+          <p:style>
+            <a:lnRef idx="1">
+              <a:schemeClr val="accent1"/>
+            </a:lnRef>
+            <a:fillRef idx="0">
+              <a:schemeClr val="accent1"/>
+            </a:fillRef>
+            <a:effectRef idx="0">
+              <a:schemeClr val="accent1"/>
+            </a:effectRef>
+            <a:fontRef idx="minor">
+              <a:schemeClr val="tx1"/>
+            </a:fontRef>
+          </p:style>
+        </p:cxnSp>
+        <p:sp>
+          <p:nvSpPr>
+            <p:cNvPr id="22" name="テキスト ボックス 21">
+              <a:extLst>
+                <a:ext uri="{FF2B5EF4-FFF2-40B4-BE49-F238E27FC236}">
+                  <a16:creationId xmlns:a16="http://schemas.microsoft.com/office/drawing/2014/main" id="{E9894525-D21A-419D-9CDA-8648B20773CA}"/>
+                </a:ext>
+              </a:extLst>
+            </p:cNvPr>
+            <p:cNvSpPr txBox="1"/>
+            <p:nvPr/>
+          </p:nvSpPr>
+          <p:spPr>
+            <a:xfrm>
+              <a:off x="2443759" y="2514110"/>
+              <a:ext cx="810928" cy="307777"/>
+            </a:xfrm>
+            <a:prstGeom prst="rect">
+              <a:avLst/>
+            </a:prstGeom>
+            <a:noFill/>
+          </p:spPr>
+          <p:txBody>
+            <a:bodyPr wrap="none" rtlCol="0">
+              <a:spAutoFit/>
+            </a:bodyPr>
+            <a:lstStyle/>
+            <a:p>
+              <a:pPr marL="0" marR="0" lvl="0" indent="0" algn="l" defTabSz="914400" rtl="0" eaLnBrk="1" fontAlgn="auto" latinLnBrk="0" hangingPunct="1">
+                <a:lnSpc>
+                  <a:spcPct val="100000"/>
+                </a:lnSpc>
+                <a:spcBef>
+                  <a:spcPts val="0"/>
+                </a:spcBef>
+                <a:spcAft>
+                  <a:spcPts val="0"/>
+                </a:spcAft>
+                <a:buClrTx/>
+                <a:buSzTx/>
+                <a:buFontTx/>
+                <a:buNone/>
+                <a:tabLst/>
+                <a:defRPr/>
+              </a:pPr>
+              <a:r>
+                <a:rPr kumimoji="1" lang="en-US" altLang="ja-JP" sz="1400" dirty="0">
+                  <a:solidFill>
+                    <a:prstClr val="black"/>
+                  </a:solidFill>
+                  <a:latin typeface="Calibri"/>
+                  <a:ea typeface="ＭＳ Ｐゴシック" panose="020B0600070205080204" pitchFamily="50" charset="-128"/>
+                </a:rPr>
+                <a:t>Contract</a:t>
+              </a:r>
+              <a:endParaRPr kumimoji="1" lang="ja-JP" altLang="en-US" sz="1400" b="0" i="0" u="none" strike="noStrike" kern="1200" cap="none" spc="0" normalizeH="0" baseline="0" noProof="0" dirty="0">
+                <a:ln>
+                  <a:noFill/>
+                </a:ln>
+                <a:solidFill>
+                  <a:prstClr val="black"/>
+                </a:solidFill>
+                <a:effectLst/>
+                <a:uLnTx/>
+                <a:uFillTx/>
+                <a:latin typeface="Calibri"/>
+                <a:ea typeface="ＭＳ Ｐゴシック" panose="020B0600070205080204" pitchFamily="50" charset="-128"/>
+                <a:cs typeface="+mn-cs"/>
+              </a:endParaRPr>
+            </a:p>
+          </p:txBody>
+        </p:sp>
+        <p:cxnSp>
+          <p:nvCxnSpPr>
+            <p:cNvPr id="23" name="直線矢印コネクタ 22">
+              <a:extLst>
+                <a:ext uri="{FF2B5EF4-FFF2-40B4-BE49-F238E27FC236}">
+                  <a16:creationId xmlns:a16="http://schemas.microsoft.com/office/drawing/2014/main" id="{D6DB3BC3-1EA4-43D8-9CB5-F47C3248820F}"/>
+                </a:ext>
+              </a:extLst>
+            </p:cNvPr>
+            <p:cNvCxnSpPr>
+              <a:cxnSpLocks/>
+            </p:cNvCxnSpPr>
+            <p:nvPr/>
+          </p:nvCxnSpPr>
+          <p:spPr>
+            <a:xfrm>
+              <a:off x="2268641" y="3008211"/>
+              <a:ext cx="1590791" cy="0"/>
+            </a:xfrm>
+            <a:prstGeom prst="straightConnector1">
+              <a:avLst/>
+            </a:prstGeom>
+            <a:ln w="38100">
+              <a:solidFill>
+                <a:srgbClr val="FFC000"/>
+              </a:solidFill>
+              <a:tailEnd type="triangle"/>
+            </a:ln>
+          </p:spPr>
+          <p:style>
+            <a:lnRef idx="1">
+              <a:schemeClr val="accent1"/>
+            </a:lnRef>
+            <a:fillRef idx="0">
+              <a:schemeClr val="accent1"/>
+            </a:fillRef>
+            <a:effectRef idx="0">
+              <a:schemeClr val="accent1"/>
+            </a:effectRef>
+            <a:fontRef idx="minor">
+              <a:schemeClr val="tx1"/>
+            </a:fontRef>
+          </p:style>
+        </p:cxnSp>
+        <p:cxnSp>
+          <p:nvCxnSpPr>
+            <p:cNvPr id="24" name="直線矢印コネクタ 23">
+              <a:extLst>
+                <a:ext uri="{FF2B5EF4-FFF2-40B4-BE49-F238E27FC236}">
+                  <a16:creationId xmlns:a16="http://schemas.microsoft.com/office/drawing/2014/main" id="{22A2176F-C7E0-4A62-BB89-872E3A8450C7}"/>
+                </a:ext>
+              </a:extLst>
+            </p:cNvPr>
+            <p:cNvCxnSpPr>
+              <a:cxnSpLocks/>
+            </p:cNvCxnSpPr>
+            <p:nvPr/>
+          </p:nvCxnSpPr>
+          <p:spPr>
+            <a:xfrm flipV="1">
+              <a:off x="2253917" y="3524015"/>
+              <a:ext cx="1700839" cy="24243"/>
+            </a:xfrm>
+            <a:prstGeom prst="straightConnector1">
+              <a:avLst/>
+            </a:prstGeom>
+            <a:ln w="38100">
+              <a:solidFill>
+                <a:srgbClr val="FF0000"/>
+              </a:solidFill>
+              <a:tailEnd type="triangle"/>
+            </a:ln>
+          </p:spPr>
+          <p:style>
+            <a:lnRef idx="1">
+              <a:schemeClr val="accent1"/>
+            </a:lnRef>
+            <a:fillRef idx="0">
+              <a:schemeClr val="accent1"/>
+            </a:fillRef>
+            <a:effectRef idx="0">
+              <a:schemeClr val="accent1"/>
+            </a:effectRef>
+            <a:fontRef idx="minor">
+              <a:schemeClr val="tx1"/>
+            </a:fontRef>
+          </p:style>
+        </p:cxnSp>
+        <p:sp>
+          <p:nvSpPr>
+            <p:cNvPr id="25" name="テキスト ボックス 24">
+              <a:extLst>
+                <a:ext uri="{FF2B5EF4-FFF2-40B4-BE49-F238E27FC236}">
+                  <a16:creationId xmlns:a16="http://schemas.microsoft.com/office/drawing/2014/main" id="{B4C743F6-CC25-4B1A-8297-7D8799951F02}"/>
+                </a:ext>
+              </a:extLst>
+            </p:cNvPr>
+            <p:cNvSpPr txBox="1"/>
+            <p:nvPr/>
+          </p:nvSpPr>
+          <p:spPr>
+            <a:xfrm>
+              <a:off x="2211815" y="2991283"/>
+              <a:ext cx="1704441" cy="523220"/>
+            </a:xfrm>
+            <a:prstGeom prst="rect">
+              <a:avLst/>
+            </a:prstGeom>
+            <a:noFill/>
+          </p:spPr>
+          <p:txBody>
+            <a:bodyPr wrap="none" rtlCol="0">
+              <a:spAutoFit/>
+            </a:bodyPr>
+            <a:lstStyle/>
+            <a:p>
+              <a:pPr marL="0" marR="0" lvl="0" indent="0" algn="l" defTabSz="914400" rtl="0" eaLnBrk="1" fontAlgn="auto" latinLnBrk="0" hangingPunct="1">
+                <a:lnSpc>
+                  <a:spcPct val="100000"/>
+                </a:lnSpc>
+                <a:spcBef>
+                  <a:spcPts val="0"/>
+                </a:spcBef>
+                <a:spcAft>
+                  <a:spcPts val="0"/>
+                </a:spcAft>
+                <a:buClrTx/>
+                <a:buSzTx/>
+                <a:buFontTx/>
+                <a:buNone/>
+                <a:tabLst/>
+                <a:defRPr/>
+              </a:pPr>
+              <a:r>
+                <a:rPr kumimoji="1" lang="en-US" altLang="ja-JP" sz="1400" b="0" i="0" u="none" strike="noStrike" kern="1200" cap="none" spc="0" normalizeH="0" baseline="0" noProof="0" dirty="0">
+                  <a:ln>
+                    <a:noFill/>
+                  </a:ln>
+                  <a:solidFill>
+                    <a:prstClr val="black"/>
+                  </a:solidFill>
+                  <a:effectLst/>
+                  <a:uLnTx/>
+                  <a:uFillTx/>
+                  <a:latin typeface="Calibri"/>
+                  <a:ea typeface="ＭＳ Ｐゴシック" panose="020B0600070205080204" pitchFamily="50" charset="-128"/>
+                  <a:cs typeface="+mn-cs"/>
+                </a:rPr>
+                <a:t>Proprietary Software</a:t>
+              </a:r>
+            </a:p>
+            <a:p>
+              <a:pPr marL="0" marR="0" lvl="0" indent="0" algn="l" defTabSz="914400" rtl="0" eaLnBrk="1" fontAlgn="auto" latinLnBrk="0" hangingPunct="1">
+                <a:lnSpc>
+                  <a:spcPct val="100000"/>
+                </a:lnSpc>
+                <a:spcBef>
+                  <a:spcPts val="0"/>
+                </a:spcBef>
+                <a:spcAft>
+                  <a:spcPts val="0"/>
+                </a:spcAft>
+                <a:buClrTx/>
+                <a:buSzTx/>
+                <a:buFontTx/>
+                <a:buNone/>
+                <a:tabLst/>
+                <a:defRPr/>
+              </a:pPr>
+              <a:r>
+                <a:rPr kumimoji="1" lang="ja-JP" altLang="en-US" sz="1400" b="0" i="0" u="none" strike="noStrike" kern="1200" cap="none" spc="0" normalizeH="0" baseline="0" noProof="0" dirty="0">
+                  <a:ln>
+                    <a:noFill/>
+                  </a:ln>
+                  <a:solidFill>
+                    <a:prstClr val="black"/>
+                  </a:solidFill>
+                  <a:effectLst/>
+                  <a:uLnTx/>
+                  <a:uFillTx/>
+                  <a:latin typeface="Calibri"/>
+                  <a:ea typeface="ＭＳ Ｐゴシック" panose="020B0600070205080204" pitchFamily="50" charset="-128"/>
+                  <a:cs typeface="+mn-cs"/>
+                </a:rPr>
+                <a:t>（</a:t>
+              </a:r>
+              <a:r>
+                <a:rPr kumimoji="1" lang="en-US" altLang="ja-JP" sz="1400" b="0" i="0" u="none" strike="noStrike" kern="1200" cap="none" spc="0" normalizeH="0" baseline="0" noProof="0" dirty="0">
+                  <a:ln>
+                    <a:noFill/>
+                  </a:ln>
+                  <a:solidFill>
+                    <a:prstClr val="black"/>
+                  </a:solidFill>
+                  <a:effectLst/>
+                  <a:uLnTx/>
+                  <a:uFillTx/>
+                  <a:latin typeface="Calibri"/>
+                  <a:ea typeface="ＭＳ Ｐゴシック" panose="020B0600070205080204" pitchFamily="50" charset="-128"/>
+                  <a:cs typeface="+mn-cs"/>
+                </a:rPr>
+                <a:t>incl. OSS</a:t>
+              </a:r>
+              <a:r>
+                <a:rPr kumimoji="1" lang="ja-JP" altLang="en-US" sz="1400" b="0" i="0" u="none" strike="noStrike" kern="1200" cap="none" spc="0" normalizeH="0" baseline="0" noProof="0" dirty="0">
+                  <a:ln>
+                    <a:noFill/>
+                  </a:ln>
+                  <a:solidFill>
+                    <a:prstClr val="black"/>
+                  </a:solidFill>
+                  <a:effectLst/>
+                  <a:uLnTx/>
+                  <a:uFillTx/>
+                  <a:latin typeface="Calibri"/>
+                  <a:ea typeface="ＭＳ Ｐゴシック" panose="020B0600070205080204" pitchFamily="50" charset="-128"/>
+                  <a:cs typeface="+mn-cs"/>
+                </a:rPr>
+                <a:t>）</a:t>
+              </a:r>
+            </a:p>
+          </p:txBody>
+        </p:sp>
+        <p:cxnSp>
+          <p:nvCxnSpPr>
+            <p:cNvPr id="29" name="直線矢印コネクタ 28">
+              <a:extLst>
+                <a:ext uri="{FF2B5EF4-FFF2-40B4-BE49-F238E27FC236}">
+                  <a16:creationId xmlns:a16="http://schemas.microsoft.com/office/drawing/2014/main" id="{C9876905-EE9C-4F1C-8F91-A9DF1AB0B922}"/>
+                </a:ext>
+              </a:extLst>
+            </p:cNvPr>
+            <p:cNvCxnSpPr>
+              <a:cxnSpLocks/>
+            </p:cNvCxnSpPr>
+            <p:nvPr/>
+          </p:nvCxnSpPr>
+          <p:spPr>
+            <a:xfrm flipV="1">
+              <a:off x="7776755" y="2825232"/>
+              <a:ext cx="1148566" cy="13771"/>
+            </a:xfrm>
+            <a:prstGeom prst="straightConnector1">
+              <a:avLst/>
+            </a:prstGeom>
+            <a:ln w="38100">
+              <a:solidFill>
+                <a:schemeClr val="tx1"/>
+              </a:solidFill>
+              <a:tailEnd type="triangle"/>
+            </a:ln>
+          </p:spPr>
+          <p:style>
+            <a:lnRef idx="1">
+              <a:schemeClr val="accent1"/>
+            </a:lnRef>
+            <a:fillRef idx="0">
+              <a:schemeClr val="accent1"/>
+            </a:fillRef>
+            <a:effectRef idx="0">
+              <a:schemeClr val="accent1"/>
+            </a:effectRef>
+            <a:fontRef idx="minor">
+              <a:schemeClr val="tx1"/>
+            </a:fontRef>
+          </p:style>
+        </p:cxnSp>
+        <p:cxnSp>
+          <p:nvCxnSpPr>
+            <p:cNvPr id="31" name="直線矢印コネクタ 30">
+              <a:extLst>
+                <a:ext uri="{FF2B5EF4-FFF2-40B4-BE49-F238E27FC236}">
+                  <a16:creationId xmlns:a16="http://schemas.microsoft.com/office/drawing/2014/main" id="{266003C7-C2C5-4BB9-ADBE-8E0BFA5AA82D}"/>
+                </a:ext>
+              </a:extLst>
+            </p:cNvPr>
+            <p:cNvCxnSpPr>
+              <a:cxnSpLocks/>
+            </p:cNvCxnSpPr>
+            <p:nvPr/>
+          </p:nvCxnSpPr>
+          <p:spPr>
+            <a:xfrm flipV="1">
+              <a:off x="7750358" y="3031223"/>
+              <a:ext cx="1148566" cy="0"/>
+            </a:xfrm>
+            <a:prstGeom prst="straightConnector1">
+              <a:avLst/>
+            </a:prstGeom>
+            <a:ln w="38100">
+              <a:solidFill>
+                <a:srgbClr val="FFC000"/>
+              </a:solidFill>
+              <a:tailEnd type="triangle"/>
+            </a:ln>
+          </p:spPr>
+          <p:style>
+            <a:lnRef idx="1">
+              <a:schemeClr val="accent1"/>
+            </a:lnRef>
+            <a:fillRef idx="0">
+              <a:schemeClr val="accent1"/>
+            </a:fillRef>
+            <a:effectRef idx="0">
+              <a:schemeClr val="accent1"/>
+            </a:effectRef>
+            <a:fontRef idx="minor">
+              <a:schemeClr val="tx1"/>
+            </a:fontRef>
+          </p:style>
+        </p:cxnSp>
+        <p:cxnSp>
+          <p:nvCxnSpPr>
+            <p:cNvPr id="32" name="直線矢印コネクタ 31">
+              <a:extLst>
+                <a:ext uri="{FF2B5EF4-FFF2-40B4-BE49-F238E27FC236}">
+                  <a16:creationId xmlns:a16="http://schemas.microsoft.com/office/drawing/2014/main" id="{D00AF6E8-0ED9-474D-AA30-816429BC7242}"/>
+                </a:ext>
+              </a:extLst>
+            </p:cNvPr>
+            <p:cNvCxnSpPr>
+              <a:cxnSpLocks/>
+            </p:cNvCxnSpPr>
+            <p:nvPr/>
+          </p:nvCxnSpPr>
+          <p:spPr>
+            <a:xfrm>
+              <a:off x="7783410" y="3674033"/>
+              <a:ext cx="1141911" cy="0"/>
+            </a:xfrm>
+            <a:prstGeom prst="straightConnector1">
+              <a:avLst/>
+            </a:prstGeom>
+            <a:ln w="38100">
+              <a:solidFill>
+                <a:srgbClr val="FF0000"/>
+              </a:solidFill>
+              <a:tailEnd type="triangle"/>
+            </a:ln>
+          </p:spPr>
+          <p:style>
+            <a:lnRef idx="1">
+              <a:schemeClr val="accent1"/>
+            </a:lnRef>
+            <a:fillRef idx="0">
+              <a:schemeClr val="accent1"/>
+            </a:fillRef>
+            <a:effectRef idx="0">
+              <a:schemeClr val="accent1"/>
+            </a:effectRef>
+            <a:fontRef idx="minor">
+              <a:schemeClr val="tx1"/>
+            </a:fontRef>
+          </p:style>
+        </p:cxnSp>
+        <p:cxnSp>
+          <p:nvCxnSpPr>
+            <p:cNvPr id="40" name="直線矢印コネクタ 39">
+              <a:extLst>
+                <a:ext uri="{FF2B5EF4-FFF2-40B4-BE49-F238E27FC236}">
+                  <a16:creationId xmlns:a16="http://schemas.microsoft.com/office/drawing/2014/main" id="{3CE0855D-F339-48A9-84B6-AE904974AB96}"/>
+                </a:ext>
+              </a:extLst>
+            </p:cNvPr>
+            <p:cNvCxnSpPr>
+              <a:cxnSpLocks/>
+              <a:endCxn id="62" idx="3"/>
+            </p:cNvCxnSpPr>
+            <p:nvPr/>
+          </p:nvCxnSpPr>
+          <p:spPr>
+            <a:xfrm flipH="1">
+              <a:off x="7776755" y="5086678"/>
+              <a:ext cx="1122170" cy="9359"/>
+            </a:xfrm>
+            <a:prstGeom prst="straightConnector1">
+              <a:avLst/>
+            </a:prstGeom>
+            <a:ln w="38100">
+              <a:solidFill>
+                <a:srgbClr val="FF0000"/>
+              </a:solidFill>
+              <a:tailEnd type="triangle"/>
+            </a:ln>
+          </p:spPr>
+          <p:style>
+            <a:lnRef idx="1">
+              <a:schemeClr val="accent1"/>
+            </a:lnRef>
+            <a:fillRef idx="0">
+              <a:schemeClr val="accent1"/>
+            </a:fillRef>
+            <a:effectRef idx="0">
+              <a:schemeClr val="accent1"/>
+            </a:effectRef>
+            <a:fontRef idx="minor">
+              <a:schemeClr val="tx1"/>
+            </a:fontRef>
+          </p:style>
+        </p:cxnSp>
+        <p:sp>
+          <p:nvSpPr>
+            <p:cNvPr id="41" name="四角形: 角を丸くする 40">
+              <a:extLst>
+                <a:ext uri="{FF2B5EF4-FFF2-40B4-BE49-F238E27FC236}">
+                  <a16:creationId xmlns:a16="http://schemas.microsoft.com/office/drawing/2014/main" id="{62D9895C-A80B-4178-8F06-528C0E486442}"/>
+                </a:ext>
+              </a:extLst>
+            </p:cNvPr>
+            <p:cNvSpPr/>
+            <p:nvPr/>
+          </p:nvSpPr>
+          <p:spPr>
+            <a:xfrm>
+              <a:off x="3887996" y="2538986"/>
+              <a:ext cx="878000" cy="1090564"/>
+            </a:xfrm>
+            <a:prstGeom prst="roundRect">
+              <a:avLst/>
+            </a:prstGeom>
+            <a:solidFill>
+              <a:srgbClr val="FFFF00"/>
+            </a:solidFill>
+            <a:ln>
+              <a:noFill/>
+            </a:ln>
+          </p:spPr>
+          <p:style>
+            <a:lnRef idx="2">
+              <a:schemeClr val="accent1">
+                <a:shade val="50000"/>
+              </a:schemeClr>
+            </a:lnRef>
+            <a:fillRef idx="1">
+              <a:schemeClr val="accent1"/>
+            </a:fillRef>
+            <a:effectRef idx="0">
+              <a:schemeClr val="accent1"/>
+            </a:effectRef>
+            <a:fontRef idx="minor">
+              <a:schemeClr val="lt1"/>
+            </a:fontRef>
+          </p:style>
+          <p:txBody>
+            <a:bodyPr rtlCol="0" anchor="ctr"/>
+            <a:lstStyle/>
+            <a:p>
+              <a:pPr marL="0" marR="0" lvl="0" indent="0" algn="ctr" defTabSz="914400" rtl="0" eaLnBrk="1" fontAlgn="auto" latinLnBrk="0" hangingPunct="1">
+                <a:lnSpc>
+                  <a:spcPct val="100000"/>
+                </a:lnSpc>
+                <a:spcBef>
+                  <a:spcPts val="0"/>
+                </a:spcBef>
+                <a:spcAft>
+                  <a:spcPts val="0"/>
+                </a:spcAft>
+                <a:buClrTx/>
+                <a:buSzTx/>
+                <a:buFontTx/>
+                <a:buNone/>
+                <a:tabLst/>
+                <a:defRPr/>
+              </a:pPr>
+              <a:r>
+                <a:rPr kumimoji="1" lang="en-US" altLang="ja-JP" sz="1400" dirty="0">
+                  <a:solidFill>
+                    <a:prstClr val="black"/>
+                  </a:solidFill>
+                  <a:latin typeface="Calibri"/>
+                  <a:ea typeface="ＭＳ Ｐゴシック" panose="020B0600070205080204" pitchFamily="50" charset="-128"/>
+                </a:rPr>
+                <a:t>Inbound</a:t>
+              </a:r>
+              <a:endParaRPr kumimoji="1" lang="ja-JP" altLang="en-US" sz="1600" b="0" i="0" u="none" strike="noStrike" kern="1200" cap="none" spc="0" normalizeH="0" baseline="0" noProof="0" dirty="0">
+                <a:ln>
+                  <a:noFill/>
+                </a:ln>
+                <a:solidFill>
+                  <a:prstClr val="black"/>
+                </a:solidFill>
+                <a:effectLst/>
+                <a:uLnTx/>
+                <a:uFillTx/>
+                <a:latin typeface="Calibri"/>
+                <a:ea typeface="ＭＳ Ｐゴシック" panose="020B0600070205080204" pitchFamily="50" charset="-128"/>
+                <a:cs typeface="+mn-cs"/>
+              </a:endParaRPr>
+            </a:p>
+          </p:txBody>
+        </p:sp>
+        <p:sp>
+          <p:nvSpPr>
+            <p:cNvPr id="43" name="四角形: 角を丸くする 42">
+              <a:extLst>
+                <a:ext uri="{FF2B5EF4-FFF2-40B4-BE49-F238E27FC236}">
+                  <a16:creationId xmlns:a16="http://schemas.microsoft.com/office/drawing/2014/main" id="{B1FB880F-C922-4291-A896-B3BC079FD4D7}"/>
+                </a:ext>
+              </a:extLst>
+            </p:cNvPr>
+            <p:cNvSpPr/>
+            <p:nvPr/>
+          </p:nvSpPr>
+          <p:spPr>
+            <a:xfrm>
+              <a:off x="5640118" y="1535619"/>
+              <a:ext cx="872447" cy="372291"/>
+            </a:xfrm>
+            <a:prstGeom prst="roundRect">
+              <a:avLst/>
+            </a:prstGeom>
+            <a:solidFill>
+              <a:srgbClr val="FFFF00"/>
+            </a:solidFill>
+            <a:ln>
+              <a:noFill/>
+            </a:ln>
+          </p:spPr>
+          <p:style>
+            <a:lnRef idx="2">
+              <a:schemeClr val="accent1">
+                <a:shade val="50000"/>
+              </a:schemeClr>
+            </a:lnRef>
+            <a:fillRef idx="1">
+              <a:schemeClr val="accent1"/>
+            </a:fillRef>
+            <a:effectRef idx="0">
+              <a:schemeClr val="accent1"/>
+            </a:effectRef>
+            <a:fontRef idx="minor">
+              <a:schemeClr val="lt1"/>
+            </a:fontRef>
+          </p:style>
+          <p:txBody>
+            <a:bodyPr rtlCol="0" anchor="ctr"/>
+            <a:lstStyle/>
+            <a:p>
+              <a:pPr marL="0" marR="0" lvl="0" indent="0" algn="ctr" defTabSz="914400" rtl="0" eaLnBrk="1" fontAlgn="auto" latinLnBrk="0" hangingPunct="1">
+                <a:lnSpc>
+                  <a:spcPct val="100000"/>
+                </a:lnSpc>
+                <a:spcBef>
+                  <a:spcPts val="0"/>
+                </a:spcBef>
+                <a:spcAft>
+                  <a:spcPts val="0"/>
+                </a:spcAft>
+                <a:buClrTx/>
+                <a:buSzTx/>
+                <a:buFontTx/>
+                <a:buNone/>
+                <a:tabLst/>
+                <a:defRPr/>
+              </a:pPr>
+              <a:r>
+                <a:rPr kumimoji="1" lang="en-US" altLang="ja-JP" sz="1600" dirty="0">
+                  <a:solidFill>
+                    <a:prstClr val="black"/>
+                  </a:solidFill>
+                  <a:latin typeface="Calibri"/>
+                  <a:ea typeface="ＭＳ Ｐゴシック" panose="020B0600070205080204" pitchFamily="50" charset="-128"/>
+                </a:rPr>
+                <a:t>Patent</a:t>
+              </a:r>
+              <a:endParaRPr kumimoji="1" lang="ja-JP" altLang="en-US" sz="1800" b="0" i="0" u="none" strike="noStrike" kern="1200" cap="none" spc="0" normalizeH="0" baseline="0" noProof="0" dirty="0">
+                <a:ln>
+                  <a:noFill/>
+                </a:ln>
+                <a:solidFill>
+                  <a:prstClr val="black"/>
+                </a:solidFill>
+                <a:effectLst/>
+                <a:uLnTx/>
+                <a:uFillTx/>
+                <a:latin typeface="Calibri"/>
+                <a:ea typeface="ＭＳ Ｐゴシック" panose="020B0600070205080204" pitchFamily="50" charset="-128"/>
+                <a:cs typeface="+mn-cs"/>
+              </a:endParaRPr>
+            </a:p>
+          </p:txBody>
+        </p:sp>
+        <p:cxnSp>
+          <p:nvCxnSpPr>
+            <p:cNvPr id="44" name="直線矢印コネクタ 43">
+              <a:extLst>
+                <a:ext uri="{FF2B5EF4-FFF2-40B4-BE49-F238E27FC236}">
+                  <a16:creationId xmlns:a16="http://schemas.microsoft.com/office/drawing/2014/main" id="{FDADA76A-F9C8-42B2-832F-693E5679D550}"/>
+                </a:ext>
+              </a:extLst>
+            </p:cNvPr>
+            <p:cNvCxnSpPr>
+              <a:cxnSpLocks/>
+            </p:cNvCxnSpPr>
+            <p:nvPr/>
+          </p:nvCxnSpPr>
+          <p:spPr>
+            <a:xfrm>
+              <a:off x="10137241" y="376340"/>
+              <a:ext cx="729150" cy="0"/>
+            </a:xfrm>
+            <a:prstGeom prst="straightConnector1">
+              <a:avLst/>
+            </a:prstGeom>
+            <a:ln w="38100">
+              <a:solidFill>
+                <a:schemeClr val="tx1"/>
+              </a:solidFill>
+              <a:tailEnd type="triangle"/>
+            </a:ln>
+          </p:spPr>
+          <p:style>
+            <a:lnRef idx="1">
+              <a:schemeClr val="accent1"/>
+            </a:lnRef>
+            <a:fillRef idx="0">
+              <a:schemeClr val="accent1"/>
+            </a:fillRef>
+            <a:effectRef idx="0">
+              <a:schemeClr val="accent1"/>
+            </a:effectRef>
+            <a:fontRef idx="minor">
+              <a:schemeClr val="tx1"/>
+            </a:fontRef>
+          </p:style>
+        </p:cxnSp>
+        <p:sp>
+          <p:nvSpPr>
+            <p:cNvPr id="45" name="テキスト ボックス 44">
+              <a:extLst>
+                <a:ext uri="{FF2B5EF4-FFF2-40B4-BE49-F238E27FC236}">
+                  <a16:creationId xmlns:a16="http://schemas.microsoft.com/office/drawing/2014/main" id="{9583A253-DADE-4B31-AAD9-EF598107C2BC}"/>
+                </a:ext>
+              </a:extLst>
+            </p:cNvPr>
+            <p:cNvSpPr txBox="1"/>
+            <p:nvPr/>
+          </p:nvSpPr>
+          <p:spPr>
+            <a:xfrm>
+              <a:off x="9239101" y="475731"/>
+              <a:ext cx="745140" cy="276999"/>
+            </a:xfrm>
+            <a:prstGeom prst="rect">
+              <a:avLst/>
+            </a:prstGeom>
+            <a:noFill/>
+          </p:spPr>
+          <p:txBody>
+            <a:bodyPr wrap="none" rtlCol="0">
+              <a:spAutoFit/>
+            </a:bodyPr>
+            <a:lstStyle/>
+            <a:p>
+              <a:pPr marL="0" marR="0" lvl="0" indent="0" algn="l" defTabSz="914400" rtl="0" eaLnBrk="1" fontAlgn="auto" latinLnBrk="0" hangingPunct="1">
+                <a:lnSpc>
+                  <a:spcPct val="100000"/>
+                </a:lnSpc>
+                <a:spcBef>
+                  <a:spcPts val="0"/>
+                </a:spcBef>
+                <a:spcAft>
+                  <a:spcPts val="0"/>
+                </a:spcAft>
+                <a:buClrTx/>
+                <a:buSzTx/>
+                <a:buFontTx/>
+                <a:buNone/>
+                <a:tabLst/>
+                <a:defRPr/>
+              </a:pPr>
+              <a:r>
+                <a:rPr kumimoji="1" lang="en-US" altLang="ja-JP" sz="1200" b="0" i="0" u="none" strike="noStrike" kern="1200" cap="none" spc="0" normalizeH="0" baseline="0" noProof="0" dirty="0">
+                  <a:ln>
+                    <a:noFill/>
+                  </a:ln>
+                  <a:solidFill>
+                    <a:prstClr val="black"/>
+                  </a:solidFill>
+                  <a:effectLst/>
+                  <a:uLnTx/>
+                  <a:uFillTx/>
+                  <a:latin typeface="Calibri"/>
+                  <a:ea typeface="ＭＳ Ｐゴシック" panose="020B0600070205080204" pitchFamily="50" charset="-128"/>
+                  <a:cs typeface="+mn-cs"/>
+                </a:rPr>
+                <a:t>Software</a:t>
+              </a:r>
+              <a:endParaRPr kumimoji="1" lang="ja-JP" altLang="en-US" sz="1200" b="0" i="0" u="none" strike="noStrike" kern="1200" cap="none" spc="0" normalizeH="0" baseline="0" noProof="0" dirty="0">
+                <a:ln>
+                  <a:noFill/>
+                </a:ln>
+                <a:solidFill>
+                  <a:prstClr val="black"/>
+                </a:solidFill>
+                <a:effectLst/>
+                <a:uLnTx/>
+                <a:uFillTx/>
+                <a:latin typeface="Calibri"/>
+                <a:ea typeface="ＭＳ Ｐゴシック" panose="020B0600070205080204" pitchFamily="50" charset="-128"/>
+                <a:cs typeface="+mn-cs"/>
+              </a:endParaRPr>
+            </a:p>
+          </p:txBody>
+        </p:sp>
+        <p:cxnSp>
+          <p:nvCxnSpPr>
+            <p:cNvPr id="46" name="直線矢印コネクタ 45">
+              <a:extLst>
+                <a:ext uri="{FF2B5EF4-FFF2-40B4-BE49-F238E27FC236}">
+                  <a16:creationId xmlns:a16="http://schemas.microsoft.com/office/drawing/2014/main" id="{27F132D1-801E-44B0-8A71-BF7F69C418E1}"/>
+                </a:ext>
+              </a:extLst>
+            </p:cNvPr>
+            <p:cNvCxnSpPr>
+              <a:cxnSpLocks/>
+            </p:cNvCxnSpPr>
+            <p:nvPr/>
+          </p:nvCxnSpPr>
+          <p:spPr>
+            <a:xfrm>
+              <a:off x="10133342" y="616098"/>
+              <a:ext cx="729150" cy="0"/>
+            </a:xfrm>
+            <a:prstGeom prst="straightConnector1">
+              <a:avLst/>
+            </a:prstGeom>
+            <a:ln w="38100">
+              <a:solidFill>
+                <a:srgbClr val="FFC000"/>
+              </a:solidFill>
+              <a:tailEnd type="triangle"/>
+            </a:ln>
+          </p:spPr>
+          <p:style>
+            <a:lnRef idx="1">
+              <a:schemeClr val="accent1"/>
+            </a:lnRef>
+            <a:fillRef idx="0">
+              <a:schemeClr val="accent1"/>
+            </a:fillRef>
+            <a:effectRef idx="0">
+              <a:schemeClr val="accent1"/>
+            </a:effectRef>
+            <a:fontRef idx="minor">
+              <a:schemeClr val="tx1"/>
+            </a:fontRef>
+          </p:style>
+        </p:cxnSp>
+        <p:sp>
+          <p:nvSpPr>
+            <p:cNvPr id="47" name="テキスト ボックス 46">
+              <a:extLst>
+                <a:ext uri="{FF2B5EF4-FFF2-40B4-BE49-F238E27FC236}">
+                  <a16:creationId xmlns:a16="http://schemas.microsoft.com/office/drawing/2014/main" id="{CB53ED47-8C15-4826-8B4F-A10BE7EA8E51}"/>
+                </a:ext>
+              </a:extLst>
+            </p:cNvPr>
+            <p:cNvSpPr txBox="1"/>
+            <p:nvPr/>
+          </p:nvSpPr>
+          <p:spPr>
+            <a:xfrm>
+              <a:off x="9206175" y="236234"/>
+              <a:ext cx="184731" cy="276999"/>
+            </a:xfrm>
+            <a:prstGeom prst="rect">
+              <a:avLst/>
+            </a:prstGeom>
+            <a:noFill/>
+          </p:spPr>
+          <p:txBody>
+            <a:bodyPr wrap="none" rtlCol="0">
+              <a:spAutoFit/>
+            </a:bodyPr>
+            <a:lstStyle/>
+            <a:p>
+              <a:pPr marL="0" marR="0" lvl="0" indent="0" algn="l" defTabSz="914400" rtl="0" eaLnBrk="1" fontAlgn="auto" latinLnBrk="0" hangingPunct="1">
+                <a:lnSpc>
+                  <a:spcPct val="100000"/>
+                </a:lnSpc>
+                <a:spcBef>
+                  <a:spcPts val="0"/>
+                </a:spcBef>
+                <a:spcAft>
+                  <a:spcPts val="0"/>
+                </a:spcAft>
+                <a:buClrTx/>
+                <a:buSzTx/>
+                <a:buFontTx/>
+                <a:buNone/>
+                <a:tabLst/>
+                <a:defRPr/>
+              </a:pPr>
+              <a:endParaRPr kumimoji="1" lang="ja-JP" altLang="en-US" sz="1200" b="0" i="0" u="none" strike="noStrike" kern="1200" cap="none" spc="0" normalizeH="0" baseline="0" noProof="0" dirty="0">
+                <a:ln>
+                  <a:noFill/>
+                </a:ln>
+                <a:solidFill>
+                  <a:prstClr val="black"/>
+                </a:solidFill>
+                <a:effectLst/>
+                <a:uLnTx/>
+                <a:uFillTx/>
+                <a:latin typeface="Calibri"/>
+                <a:ea typeface="ＭＳ Ｐゴシック" panose="020B0600070205080204" pitchFamily="50" charset="-128"/>
+                <a:cs typeface="+mn-cs"/>
+              </a:endParaRPr>
+            </a:p>
+          </p:txBody>
+        </p:sp>
+        <p:sp>
+          <p:nvSpPr>
+            <p:cNvPr id="48" name="テキスト ボックス 47">
+              <a:extLst>
+                <a:ext uri="{FF2B5EF4-FFF2-40B4-BE49-F238E27FC236}">
+                  <a16:creationId xmlns:a16="http://schemas.microsoft.com/office/drawing/2014/main" id="{6C3FDEA2-1B6E-4C5C-BB4C-6F9988C2F421}"/>
+                </a:ext>
+              </a:extLst>
+            </p:cNvPr>
+            <p:cNvSpPr txBox="1"/>
+            <p:nvPr/>
+          </p:nvSpPr>
+          <p:spPr>
+            <a:xfrm>
+              <a:off x="8961919" y="219362"/>
+              <a:ext cx="1252522" cy="276999"/>
+            </a:xfrm>
+            <a:prstGeom prst="rect">
+              <a:avLst/>
+            </a:prstGeom>
+            <a:noFill/>
+          </p:spPr>
+          <p:txBody>
+            <a:bodyPr wrap="none" rtlCol="0">
+              <a:spAutoFit/>
+            </a:bodyPr>
+            <a:lstStyle/>
+            <a:p>
+              <a:pPr marL="0" marR="0" lvl="0" indent="0" algn="l" defTabSz="914400" rtl="0" eaLnBrk="1" fontAlgn="auto" latinLnBrk="0" hangingPunct="1">
+                <a:lnSpc>
+                  <a:spcPct val="100000"/>
+                </a:lnSpc>
+                <a:spcBef>
+                  <a:spcPts val="0"/>
+                </a:spcBef>
+                <a:spcAft>
+                  <a:spcPts val="0"/>
+                </a:spcAft>
+                <a:buClrTx/>
+                <a:buSzTx/>
+                <a:buFontTx/>
+                <a:buNone/>
+                <a:tabLst/>
+                <a:defRPr/>
+              </a:pPr>
+              <a:r>
+                <a:rPr kumimoji="1" lang="en-US" altLang="ja-JP" sz="1200" dirty="0">
+                  <a:solidFill>
+                    <a:prstClr val="black"/>
+                  </a:solidFill>
+                  <a:latin typeface="Calibri"/>
+                  <a:ea typeface="ＭＳ Ｐゴシック" panose="020B0600070205080204" pitchFamily="50" charset="-128"/>
+                </a:rPr>
+                <a:t>Contract,</a:t>
+              </a:r>
+              <a:r>
+                <a:rPr kumimoji="1" lang="ja-JP" altLang="en-US" sz="1200" dirty="0">
+                  <a:solidFill>
+                    <a:prstClr val="black"/>
+                  </a:solidFill>
+                  <a:latin typeface="Calibri"/>
+                  <a:ea typeface="ＭＳ Ｐゴシック" panose="020B0600070205080204" pitchFamily="50" charset="-128"/>
+                </a:rPr>
+                <a:t> </a:t>
+              </a:r>
+              <a:r>
+                <a:rPr kumimoji="1" lang="en-US" altLang="ja-JP" sz="1200" dirty="0">
+                  <a:solidFill>
+                    <a:prstClr val="black"/>
+                  </a:solidFill>
+                  <a:latin typeface="Calibri"/>
+                  <a:ea typeface="ＭＳ Ｐゴシック" panose="020B0600070205080204" pitchFamily="50" charset="-128"/>
+                </a:rPr>
+                <a:t>License</a:t>
+              </a:r>
+              <a:endParaRPr kumimoji="1" lang="ja-JP" altLang="en-US" sz="1200" b="0" i="0" u="none" strike="noStrike" kern="1200" cap="none" spc="0" normalizeH="0" baseline="0" noProof="0" dirty="0">
+                <a:ln>
+                  <a:noFill/>
+                </a:ln>
+                <a:solidFill>
+                  <a:prstClr val="black"/>
+                </a:solidFill>
+                <a:effectLst/>
+                <a:uLnTx/>
+                <a:uFillTx/>
+                <a:latin typeface="Calibri"/>
+                <a:ea typeface="ＭＳ Ｐゴシック" panose="020B0600070205080204" pitchFamily="50" charset="-128"/>
+                <a:cs typeface="+mn-cs"/>
+              </a:endParaRPr>
+            </a:p>
+          </p:txBody>
+        </p:sp>
+        <p:cxnSp>
+          <p:nvCxnSpPr>
+            <p:cNvPr id="49" name="直線矢印コネクタ 48">
+              <a:extLst>
+                <a:ext uri="{FF2B5EF4-FFF2-40B4-BE49-F238E27FC236}">
+                  <a16:creationId xmlns:a16="http://schemas.microsoft.com/office/drawing/2014/main" id="{C464B536-32C7-4CB4-A68D-DC849895144C}"/>
+                </a:ext>
+              </a:extLst>
+            </p:cNvPr>
+            <p:cNvCxnSpPr>
+              <a:cxnSpLocks/>
+            </p:cNvCxnSpPr>
+            <p:nvPr/>
+          </p:nvCxnSpPr>
+          <p:spPr>
+            <a:xfrm>
+              <a:off x="10133342" y="872442"/>
+              <a:ext cx="729150" cy="0"/>
+            </a:xfrm>
+            <a:prstGeom prst="straightConnector1">
+              <a:avLst/>
+            </a:prstGeom>
+            <a:ln w="38100">
+              <a:solidFill>
+                <a:srgbClr val="FF0000"/>
+              </a:solidFill>
+              <a:tailEnd type="triangle"/>
+            </a:ln>
+          </p:spPr>
+          <p:style>
+            <a:lnRef idx="1">
+              <a:schemeClr val="accent1"/>
+            </a:lnRef>
+            <a:fillRef idx="0">
+              <a:schemeClr val="accent1"/>
+            </a:fillRef>
+            <a:effectRef idx="0">
+              <a:schemeClr val="accent1"/>
+            </a:effectRef>
+            <a:fontRef idx="minor">
+              <a:schemeClr val="tx1"/>
+            </a:fontRef>
+          </p:style>
+        </p:cxnSp>
+        <p:sp>
+          <p:nvSpPr>
+            <p:cNvPr id="50" name="テキスト ボックス 49">
+              <a:extLst>
+                <a:ext uri="{FF2B5EF4-FFF2-40B4-BE49-F238E27FC236}">
+                  <a16:creationId xmlns:a16="http://schemas.microsoft.com/office/drawing/2014/main" id="{7F771F3B-14A5-4791-833D-D36A79EE9812}"/>
+                </a:ext>
+              </a:extLst>
+            </p:cNvPr>
+            <p:cNvSpPr txBox="1"/>
+            <p:nvPr/>
+          </p:nvSpPr>
+          <p:spPr>
+            <a:xfrm>
+              <a:off x="9222327" y="759514"/>
+              <a:ext cx="1895440" cy="830997"/>
+            </a:xfrm>
+            <a:prstGeom prst="rect">
+              <a:avLst/>
+            </a:prstGeom>
+            <a:noFill/>
+          </p:spPr>
+          <p:txBody>
+            <a:bodyPr wrap="square" rtlCol="0">
+              <a:spAutoFit/>
+            </a:bodyPr>
+            <a:lstStyle/>
+            <a:p>
+              <a:pPr marL="0" marR="0" lvl="0" indent="0" algn="l" defTabSz="914400" rtl="0" eaLnBrk="1" fontAlgn="auto" latinLnBrk="0" hangingPunct="1">
+                <a:lnSpc>
+                  <a:spcPct val="100000"/>
+                </a:lnSpc>
+                <a:spcBef>
+                  <a:spcPts val="0"/>
+                </a:spcBef>
+                <a:spcAft>
+                  <a:spcPts val="0"/>
+                </a:spcAft>
+                <a:buClrTx/>
+                <a:buSzTx/>
+                <a:buFontTx/>
+                <a:buNone/>
+                <a:tabLst/>
+                <a:defRPr/>
+              </a:pPr>
+              <a:r>
+                <a:rPr kumimoji="1" lang="en-US" altLang="ja-JP" sz="1200" dirty="0">
+                  <a:solidFill>
+                    <a:prstClr val="black"/>
+                  </a:solidFill>
+                  <a:latin typeface="Calibri"/>
+                  <a:ea typeface="ＭＳ Ｐゴシック" panose="020B0600070205080204" pitchFamily="50" charset="-128"/>
+                </a:rPr>
+                <a:t>OSS license</a:t>
+              </a:r>
+              <a:endParaRPr kumimoji="1" lang="en-US" altLang="ja-JP" sz="1200" b="0" i="0" u="none" strike="noStrike" kern="1200" cap="none" spc="0" normalizeH="0" baseline="0" noProof="0" dirty="0">
+                <a:ln>
+                  <a:noFill/>
+                </a:ln>
+                <a:solidFill>
+                  <a:prstClr val="black"/>
+                </a:solidFill>
+                <a:effectLst/>
+                <a:uLnTx/>
+                <a:uFillTx/>
+                <a:latin typeface="Calibri"/>
+                <a:ea typeface="ＭＳ Ｐゴシック" panose="020B0600070205080204" pitchFamily="50" charset="-128"/>
+                <a:cs typeface="+mn-cs"/>
+              </a:endParaRPr>
+            </a:p>
+            <a:p>
+              <a:pPr marL="0" marR="0" lvl="0" indent="0" algn="l" defTabSz="914400" rtl="0" eaLnBrk="1" fontAlgn="auto" latinLnBrk="0" hangingPunct="1">
+                <a:lnSpc>
+                  <a:spcPct val="100000"/>
+                </a:lnSpc>
+                <a:spcBef>
+                  <a:spcPts val="0"/>
+                </a:spcBef>
+                <a:spcAft>
+                  <a:spcPts val="0"/>
+                </a:spcAft>
+                <a:buClrTx/>
+                <a:buSzTx/>
+                <a:buFontTx/>
+                <a:buNone/>
+                <a:tabLst/>
+                <a:defRPr/>
+              </a:pPr>
+              <a:r>
+                <a:rPr kumimoji="1" lang="ja-JP" altLang="en-US" sz="1200" b="0" i="0" u="none" strike="noStrike" kern="1200" cap="none" spc="0" normalizeH="0" baseline="0" noProof="0" dirty="0">
+                  <a:ln>
+                    <a:noFill/>
+                  </a:ln>
+                  <a:solidFill>
+                    <a:prstClr val="black"/>
+                  </a:solidFill>
+                  <a:effectLst/>
+                  <a:uLnTx/>
+                  <a:uFillTx/>
+                  <a:latin typeface="Calibri"/>
+                  <a:ea typeface="ＭＳ Ｐゴシック" panose="020B0600070205080204" pitchFamily="50" charset="-128"/>
+                  <a:cs typeface="+mn-cs"/>
+                </a:rPr>
+                <a:t>（</a:t>
+              </a:r>
+              <a:r>
+                <a:rPr kumimoji="1" lang="en-US" altLang="ja-JP" sz="1200" dirty="0">
+                  <a:solidFill>
+                    <a:prstClr val="black"/>
+                  </a:solidFill>
+                  <a:latin typeface="Calibri"/>
+                  <a:ea typeface="ＭＳ Ｐゴシック" panose="020B0600070205080204" pitchFamily="50" charset="-128"/>
+                </a:rPr>
+                <a:t>BoM, License, Copyright, Meta data, </a:t>
+              </a:r>
+            </a:p>
+            <a:p>
+              <a:pPr marL="0" marR="0" lvl="0" indent="0" algn="l" defTabSz="914400" rtl="0" eaLnBrk="1" fontAlgn="auto" latinLnBrk="0" hangingPunct="1">
+                <a:lnSpc>
+                  <a:spcPct val="100000"/>
+                </a:lnSpc>
+                <a:spcBef>
+                  <a:spcPts val="0"/>
+                </a:spcBef>
+                <a:spcAft>
+                  <a:spcPts val="0"/>
+                </a:spcAft>
+                <a:buClrTx/>
+                <a:buSzTx/>
+                <a:buFontTx/>
+                <a:buNone/>
+                <a:tabLst/>
+                <a:defRPr/>
+              </a:pPr>
+              <a:r>
+                <a:rPr kumimoji="1" lang="en-US" altLang="ja-JP" sz="1200" dirty="0">
+                  <a:solidFill>
+                    <a:prstClr val="black"/>
+                  </a:solidFill>
+                  <a:latin typeface="Calibri"/>
+                  <a:ea typeface="ＭＳ Ｐゴシック" panose="020B0600070205080204" pitchFamily="50" charset="-128"/>
+                </a:rPr>
+                <a:t>Source code if needed</a:t>
+              </a:r>
+              <a:r>
+                <a:rPr kumimoji="1" lang="ja-JP" altLang="en-US" sz="1200" b="0" i="0" u="none" strike="noStrike" kern="1200" cap="none" spc="0" normalizeH="0" baseline="0" noProof="0" dirty="0">
+                  <a:ln>
+                    <a:noFill/>
+                  </a:ln>
+                  <a:solidFill>
+                    <a:prstClr val="black"/>
+                  </a:solidFill>
+                  <a:effectLst/>
+                  <a:uLnTx/>
+                  <a:uFillTx/>
+                  <a:latin typeface="Calibri"/>
+                  <a:ea typeface="ＭＳ Ｐゴシック" panose="020B0600070205080204" pitchFamily="50" charset="-128"/>
+                  <a:cs typeface="+mn-cs"/>
+                </a:rPr>
+                <a:t>）</a:t>
+              </a:r>
+            </a:p>
+          </p:txBody>
+        </p:sp>
+        <p:sp>
+          <p:nvSpPr>
+            <p:cNvPr id="51" name="テキスト ボックス 50">
+              <a:extLst>
+                <a:ext uri="{FF2B5EF4-FFF2-40B4-BE49-F238E27FC236}">
+                  <a16:creationId xmlns:a16="http://schemas.microsoft.com/office/drawing/2014/main" id="{B0074E85-688C-4C3A-8DE3-F9EA54BAB42F}"/>
+                </a:ext>
+              </a:extLst>
+            </p:cNvPr>
+            <p:cNvSpPr txBox="1"/>
+            <p:nvPr/>
+          </p:nvSpPr>
+          <p:spPr>
+            <a:xfrm>
+              <a:off x="2522770" y="3524015"/>
+              <a:ext cx="923651" cy="276999"/>
+            </a:xfrm>
+            <a:prstGeom prst="rect">
+              <a:avLst/>
+            </a:prstGeom>
+            <a:noFill/>
+          </p:spPr>
+          <p:txBody>
+            <a:bodyPr wrap="none" rtlCol="0">
+              <a:spAutoFit/>
+            </a:bodyPr>
+            <a:lstStyle/>
+            <a:p>
+              <a:pPr marL="0" marR="0" lvl="0" indent="0" algn="l" defTabSz="914400" rtl="0" eaLnBrk="1" fontAlgn="auto" latinLnBrk="0" hangingPunct="1">
+                <a:lnSpc>
+                  <a:spcPct val="100000"/>
+                </a:lnSpc>
+                <a:spcBef>
+                  <a:spcPts val="0"/>
+                </a:spcBef>
+                <a:spcAft>
+                  <a:spcPts val="0"/>
+                </a:spcAft>
+                <a:buClrTx/>
+                <a:buSzTx/>
+                <a:buFontTx/>
+                <a:buNone/>
+                <a:tabLst/>
+                <a:defRPr/>
+              </a:pPr>
+              <a:r>
+                <a:rPr kumimoji="1" lang="en-US" altLang="ja-JP" sz="1200" b="0" i="0" u="none" strike="noStrike" kern="1200" cap="none" spc="0" normalizeH="0" baseline="0" noProof="0" dirty="0">
+                  <a:ln>
+                    <a:noFill/>
+                  </a:ln>
+                  <a:solidFill>
+                    <a:prstClr val="black"/>
+                  </a:solidFill>
+                  <a:effectLst/>
+                  <a:uLnTx/>
+                  <a:uFillTx/>
+                  <a:latin typeface="Calibri"/>
+                  <a:ea typeface="ＭＳ Ｐゴシック" panose="020B0600070205080204" pitchFamily="50" charset="-128"/>
+                  <a:cs typeface="+mn-cs"/>
+                </a:rPr>
+                <a:t>OSS</a:t>
+              </a:r>
+              <a:r>
+                <a:rPr kumimoji="1" lang="ja-JP" altLang="en-US" sz="1200" dirty="0">
+                  <a:solidFill>
+                    <a:prstClr val="black"/>
+                  </a:solidFill>
+                  <a:latin typeface="Calibri"/>
+                  <a:ea typeface="ＭＳ Ｐゴシック" panose="020B0600070205080204" pitchFamily="50" charset="-128"/>
+                </a:rPr>
+                <a:t> </a:t>
+              </a:r>
+              <a:r>
+                <a:rPr kumimoji="1" lang="en-US" altLang="ja-JP" sz="1200" dirty="0">
+                  <a:solidFill>
+                    <a:prstClr val="black"/>
+                  </a:solidFill>
+                  <a:latin typeface="Calibri"/>
+                  <a:ea typeface="ＭＳ Ｐゴシック" panose="020B0600070205080204" pitchFamily="50" charset="-128"/>
+                </a:rPr>
+                <a:t>License</a:t>
+              </a:r>
+              <a:endParaRPr kumimoji="1" lang="ja-JP" altLang="en-US" sz="1200" b="0" i="0" u="none" strike="noStrike" kern="1200" cap="none" spc="0" normalizeH="0" baseline="0" noProof="0" dirty="0">
+                <a:ln>
+                  <a:noFill/>
+                </a:ln>
+                <a:solidFill>
+                  <a:prstClr val="black"/>
+                </a:solidFill>
+                <a:effectLst/>
+                <a:uLnTx/>
+                <a:uFillTx/>
+                <a:latin typeface="Calibri"/>
+                <a:ea typeface="ＭＳ Ｐゴシック" panose="020B0600070205080204" pitchFamily="50" charset="-128"/>
+                <a:cs typeface="+mn-cs"/>
+              </a:endParaRPr>
+            </a:p>
+          </p:txBody>
+        </p:sp>
+        <p:sp>
+          <p:nvSpPr>
+            <p:cNvPr id="52" name="テキスト ボックス 51">
+              <a:extLst>
+                <a:ext uri="{FF2B5EF4-FFF2-40B4-BE49-F238E27FC236}">
+                  <a16:creationId xmlns:a16="http://schemas.microsoft.com/office/drawing/2014/main" id="{C3E49ACF-9195-4930-B28D-130ABD31308A}"/>
+                </a:ext>
+              </a:extLst>
+            </p:cNvPr>
+            <p:cNvSpPr txBox="1"/>
+            <p:nvPr/>
+          </p:nvSpPr>
+          <p:spPr>
+            <a:xfrm>
+              <a:off x="8077222" y="2518522"/>
+              <a:ext cx="567784" cy="307777"/>
+            </a:xfrm>
+            <a:prstGeom prst="rect">
+              <a:avLst/>
+            </a:prstGeom>
+            <a:noFill/>
+          </p:spPr>
+          <p:txBody>
+            <a:bodyPr wrap="none" rtlCol="0">
+              <a:spAutoFit/>
+            </a:bodyPr>
+            <a:lstStyle/>
+            <a:p>
+              <a:pPr marL="0" marR="0" lvl="0" indent="0" algn="l" defTabSz="914400" rtl="0" eaLnBrk="1" fontAlgn="auto" latinLnBrk="0" hangingPunct="1">
+                <a:lnSpc>
+                  <a:spcPct val="100000"/>
+                </a:lnSpc>
+                <a:spcBef>
+                  <a:spcPts val="0"/>
+                </a:spcBef>
+                <a:spcAft>
+                  <a:spcPts val="0"/>
+                </a:spcAft>
+                <a:buClrTx/>
+                <a:buSzTx/>
+                <a:buFontTx/>
+                <a:buNone/>
+                <a:tabLst/>
+                <a:defRPr/>
+              </a:pPr>
+              <a:r>
+                <a:rPr kumimoji="1" lang="en-US" altLang="ja-JP" sz="1400" b="0" i="0" u="none" strike="noStrike" kern="1200" cap="none" spc="0" normalizeH="0" baseline="0" noProof="0" dirty="0">
+                  <a:ln>
+                    <a:noFill/>
+                  </a:ln>
+                  <a:solidFill>
+                    <a:prstClr val="black"/>
+                  </a:solidFill>
+                  <a:effectLst/>
+                  <a:uLnTx/>
+                  <a:uFillTx/>
+                  <a:latin typeface="Calibri"/>
+                  <a:ea typeface="ＭＳ Ｐゴシック" panose="020B0600070205080204" pitchFamily="50" charset="-128"/>
+                  <a:cs typeface="+mn-cs"/>
+                </a:rPr>
+                <a:t>EULA</a:t>
+              </a:r>
+              <a:endParaRPr kumimoji="1" lang="ja-JP" altLang="en-US" sz="1400" b="0" i="0" u="none" strike="noStrike" kern="1200" cap="none" spc="0" normalizeH="0" baseline="0" noProof="0" dirty="0">
+                <a:ln>
+                  <a:noFill/>
+                </a:ln>
+                <a:solidFill>
+                  <a:prstClr val="black"/>
+                </a:solidFill>
+                <a:effectLst/>
+                <a:uLnTx/>
+                <a:uFillTx/>
+                <a:latin typeface="Calibri"/>
+                <a:ea typeface="ＭＳ Ｐゴシック" panose="020B0600070205080204" pitchFamily="50" charset="-128"/>
+                <a:cs typeface="+mn-cs"/>
+              </a:endParaRPr>
+            </a:p>
+          </p:txBody>
+        </p:sp>
+        <p:sp>
+          <p:nvSpPr>
+            <p:cNvPr id="53" name="テキスト ボックス 52">
+              <a:extLst>
+                <a:ext uri="{FF2B5EF4-FFF2-40B4-BE49-F238E27FC236}">
+                  <a16:creationId xmlns:a16="http://schemas.microsoft.com/office/drawing/2014/main" id="{92A99D74-19FD-4883-B90A-D34018AE2B67}"/>
+                </a:ext>
+              </a:extLst>
+            </p:cNvPr>
+            <p:cNvSpPr txBox="1"/>
+            <p:nvPr/>
+          </p:nvSpPr>
+          <p:spPr>
+            <a:xfrm>
+              <a:off x="7853304" y="2999687"/>
+              <a:ext cx="1023655" cy="523220"/>
+            </a:xfrm>
+            <a:prstGeom prst="rect">
+              <a:avLst/>
+            </a:prstGeom>
+            <a:noFill/>
+          </p:spPr>
+          <p:txBody>
+            <a:bodyPr wrap="square" rtlCol="0">
+              <a:spAutoFit/>
+            </a:bodyPr>
+            <a:lstStyle/>
+            <a:p>
+              <a:pPr marL="0" marR="0" lvl="0" indent="0" algn="l" defTabSz="914400" rtl="0" eaLnBrk="1" fontAlgn="auto" latinLnBrk="0" hangingPunct="1">
+                <a:lnSpc>
+                  <a:spcPct val="100000"/>
+                </a:lnSpc>
+                <a:spcBef>
+                  <a:spcPts val="0"/>
+                </a:spcBef>
+                <a:spcAft>
+                  <a:spcPts val="0"/>
+                </a:spcAft>
+                <a:buClrTx/>
+                <a:buSzTx/>
+                <a:buFontTx/>
+                <a:buNone/>
+                <a:tabLst/>
+                <a:defRPr/>
+              </a:pPr>
+              <a:r>
+                <a:rPr kumimoji="1" lang="en-US" altLang="ja-JP" sz="1400" b="0" i="0" u="none" strike="noStrike" kern="1200" cap="none" spc="0" normalizeH="0" baseline="0" noProof="0" dirty="0">
+                  <a:ln>
+                    <a:noFill/>
+                  </a:ln>
+                  <a:solidFill>
+                    <a:prstClr val="black"/>
+                  </a:solidFill>
+                  <a:effectLst/>
+                  <a:uLnTx/>
+                  <a:uFillTx/>
+                  <a:latin typeface="Calibri"/>
+                  <a:ea typeface="ＭＳ Ｐゴシック" panose="020B0600070205080204" pitchFamily="50" charset="-128"/>
+                  <a:cs typeface="+mn-cs"/>
+                </a:rPr>
+                <a:t>Software</a:t>
+              </a:r>
+            </a:p>
+            <a:p>
+              <a:pPr marL="0" marR="0" lvl="0" indent="0" algn="l" defTabSz="914400" rtl="0" eaLnBrk="1" fontAlgn="auto" latinLnBrk="0" hangingPunct="1">
+                <a:lnSpc>
+                  <a:spcPct val="100000"/>
+                </a:lnSpc>
+                <a:spcBef>
+                  <a:spcPts val="0"/>
+                </a:spcBef>
+                <a:spcAft>
+                  <a:spcPts val="0"/>
+                </a:spcAft>
+                <a:buClrTx/>
+                <a:buSzTx/>
+                <a:buFontTx/>
+                <a:buNone/>
+                <a:tabLst/>
+                <a:defRPr/>
+              </a:pPr>
+              <a:r>
+                <a:rPr kumimoji="1" lang="ja-JP" altLang="en-US" sz="1400" b="0" i="0" u="none" strike="noStrike" kern="1200" cap="none" spc="0" normalizeH="0" baseline="0" noProof="0" dirty="0">
+                  <a:ln>
+                    <a:noFill/>
+                  </a:ln>
+                  <a:solidFill>
+                    <a:prstClr val="black"/>
+                  </a:solidFill>
+                  <a:effectLst/>
+                  <a:uLnTx/>
+                  <a:uFillTx/>
+                  <a:latin typeface="Calibri"/>
+                  <a:ea typeface="ＭＳ Ｐゴシック" panose="020B0600070205080204" pitchFamily="50" charset="-128"/>
+                  <a:cs typeface="+mn-cs"/>
+                </a:rPr>
+                <a:t>（</a:t>
+              </a:r>
+              <a:r>
+                <a:rPr kumimoji="1" lang="en-US" altLang="ja-JP" sz="1400" b="0" i="0" u="none" strike="noStrike" kern="1200" cap="none" spc="0" normalizeH="0" baseline="0" noProof="0" dirty="0">
+                  <a:ln>
+                    <a:noFill/>
+                  </a:ln>
+                  <a:solidFill>
+                    <a:prstClr val="black"/>
+                  </a:solidFill>
+                  <a:effectLst/>
+                  <a:uLnTx/>
+                  <a:uFillTx/>
+                  <a:latin typeface="Calibri"/>
+                  <a:ea typeface="ＭＳ Ｐゴシック" panose="020B0600070205080204" pitchFamily="50" charset="-128"/>
+                  <a:cs typeface="+mn-cs"/>
+                </a:rPr>
+                <a:t>incl. OSS</a:t>
+              </a:r>
+              <a:r>
+                <a:rPr kumimoji="1" lang="ja-JP" altLang="en-US" sz="1400" b="0" i="0" u="none" strike="noStrike" kern="1200" cap="none" spc="0" normalizeH="0" baseline="0" noProof="0" dirty="0">
+                  <a:ln>
+                    <a:noFill/>
+                  </a:ln>
+                  <a:solidFill>
+                    <a:prstClr val="black"/>
+                  </a:solidFill>
+                  <a:effectLst/>
+                  <a:uLnTx/>
+                  <a:uFillTx/>
+                  <a:latin typeface="Calibri"/>
+                  <a:ea typeface="ＭＳ Ｐゴシック" panose="020B0600070205080204" pitchFamily="50" charset="-128"/>
+                  <a:cs typeface="+mn-cs"/>
+                </a:rPr>
+                <a:t>）</a:t>
+              </a:r>
+            </a:p>
+          </p:txBody>
+        </p:sp>
+        <p:sp>
+          <p:nvSpPr>
+            <p:cNvPr id="54" name="テキスト ボックス 53">
+              <a:extLst>
+                <a:ext uri="{FF2B5EF4-FFF2-40B4-BE49-F238E27FC236}">
+                  <a16:creationId xmlns:a16="http://schemas.microsoft.com/office/drawing/2014/main" id="{BC2E899B-C4A2-4544-BB5F-527B1C564FBE}"/>
+                </a:ext>
+              </a:extLst>
+            </p:cNvPr>
+            <p:cNvSpPr txBox="1"/>
+            <p:nvPr/>
+          </p:nvSpPr>
+          <p:spPr>
+            <a:xfrm>
+              <a:off x="7915840" y="3686738"/>
+              <a:ext cx="923651" cy="276999"/>
+            </a:xfrm>
+            <a:prstGeom prst="rect">
+              <a:avLst/>
+            </a:prstGeom>
+            <a:noFill/>
+          </p:spPr>
+          <p:txBody>
+            <a:bodyPr wrap="none" rtlCol="0">
+              <a:spAutoFit/>
+            </a:bodyPr>
+            <a:lstStyle/>
+            <a:p>
+              <a:pPr marL="0" marR="0" lvl="0" indent="0" algn="l" defTabSz="914400" rtl="0" eaLnBrk="1" fontAlgn="auto" latinLnBrk="0" hangingPunct="1">
+                <a:lnSpc>
+                  <a:spcPct val="100000"/>
+                </a:lnSpc>
+                <a:spcBef>
+                  <a:spcPts val="0"/>
+                </a:spcBef>
+                <a:spcAft>
+                  <a:spcPts val="0"/>
+                </a:spcAft>
+                <a:buClrTx/>
+                <a:buSzTx/>
+                <a:buFontTx/>
+                <a:buNone/>
+                <a:tabLst/>
+                <a:defRPr/>
+              </a:pPr>
+              <a:r>
+                <a:rPr kumimoji="1" lang="en-US" altLang="ja-JP" sz="1200" b="0" i="0" u="none" strike="noStrike" kern="1200" cap="none" spc="0" normalizeH="0" baseline="0" noProof="0" dirty="0">
+                  <a:ln>
+                    <a:noFill/>
+                  </a:ln>
+                  <a:solidFill>
+                    <a:prstClr val="black"/>
+                  </a:solidFill>
+                  <a:effectLst/>
+                  <a:uLnTx/>
+                  <a:uFillTx/>
+                  <a:latin typeface="Calibri"/>
+                  <a:ea typeface="ＭＳ Ｐゴシック" panose="020B0600070205080204" pitchFamily="50" charset="-128"/>
+                  <a:cs typeface="+mn-cs"/>
+                </a:rPr>
+                <a:t>OSS</a:t>
+              </a:r>
+              <a:r>
+                <a:rPr kumimoji="1" lang="ja-JP" altLang="en-US" sz="1200" dirty="0">
+                  <a:solidFill>
+                    <a:prstClr val="black"/>
+                  </a:solidFill>
+                  <a:latin typeface="Calibri"/>
+                  <a:ea typeface="ＭＳ Ｐゴシック" panose="020B0600070205080204" pitchFamily="50" charset="-128"/>
+                </a:rPr>
+                <a:t> </a:t>
+              </a:r>
+              <a:r>
+                <a:rPr kumimoji="1" lang="en-US" altLang="ja-JP" sz="1200" dirty="0">
+                  <a:solidFill>
+                    <a:prstClr val="black"/>
+                  </a:solidFill>
+                  <a:latin typeface="Calibri"/>
+                  <a:ea typeface="ＭＳ Ｐゴシック" panose="020B0600070205080204" pitchFamily="50" charset="-128"/>
+                </a:rPr>
+                <a:t>License</a:t>
+              </a:r>
+              <a:endParaRPr kumimoji="1" lang="ja-JP" altLang="en-US" sz="1200" b="0" i="0" u="none" strike="noStrike" kern="1200" cap="none" spc="0" normalizeH="0" baseline="0" noProof="0" dirty="0">
+                <a:ln>
+                  <a:noFill/>
+                </a:ln>
+                <a:solidFill>
+                  <a:prstClr val="black"/>
+                </a:solidFill>
+                <a:effectLst/>
+                <a:uLnTx/>
+                <a:uFillTx/>
+                <a:latin typeface="Calibri"/>
+                <a:ea typeface="ＭＳ Ｐゴシック" panose="020B0600070205080204" pitchFamily="50" charset="-128"/>
+                <a:cs typeface="+mn-cs"/>
+              </a:endParaRPr>
+            </a:p>
+          </p:txBody>
+        </p:sp>
+        <p:cxnSp>
+          <p:nvCxnSpPr>
+            <p:cNvPr id="56" name="直線矢印コネクタ 55">
+              <a:extLst>
+                <a:ext uri="{FF2B5EF4-FFF2-40B4-BE49-F238E27FC236}">
+                  <a16:creationId xmlns:a16="http://schemas.microsoft.com/office/drawing/2014/main" id="{0F3198F3-B473-49AB-AF2D-7EE74EB14D81}"/>
+                </a:ext>
+              </a:extLst>
+            </p:cNvPr>
+            <p:cNvCxnSpPr>
+              <a:cxnSpLocks/>
+              <a:stCxn id="55" idx="0"/>
+              <a:endCxn id="61" idx="1"/>
+            </p:cNvCxnSpPr>
+            <p:nvPr/>
+          </p:nvCxnSpPr>
+          <p:spPr>
+            <a:xfrm flipV="1">
+              <a:off x="7413840" y="1879514"/>
+              <a:ext cx="1296280" cy="668832"/>
+            </a:xfrm>
+            <a:prstGeom prst="straightConnector1">
+              <a:avLst/>
+            </a:prstGeom>
+            <a:ln w="38100">
+              <a:solidFill>
+                <a:srgbClr val="FFC000"/>
+              </a:solidFill>
+              <a:tailEnd type="triangle"/>
+            </a:ln>
+          </p:spPr>
+          <p:style>
+            <a:lnRef idx="1">
+              <a:schemeClr val="accent1"/>
+            </a:lnRef>
+            <a:fillRef idx="0">
+              <a:schemeClr val="accent1"/>
+            </a:fillRef>
+            <a:effectRef idx="0">
+              <a:schemeClr val="accent1"/>
+            </a:effectRef>
+            <a:fontRef idx="minor">
+              <a:schemeClr val="tx1"/>
+            </a:fontRef>
+          </p:style>
+        </p:cxnSp>
+        <p:sp>
+          <p:nvSpPr>
+            <p:cNvPr id="58" name="フローチャート: 磁気ディスク 57">
+              <a:extLst>
+                <a:ext uri="{FF2B5EF4-FFF2-40B4-BE49-F238E27FC236}">
+                  <a16:creationId xmlns:a16="http://schemas.microsoft.com/office/drawing/2014/main" id="{6F8A06A7-D462-4044-9916-49AAABAF24F9}"/>
+                </a:ext>
+              </a:extLst>
+            </p:cNvPr>
+            <p:cNvSpPr/>
+            <p:nvPr/>
+          </p:nvSpPr>
+          <p:spPr>
+            <a:xfrm>
+              <a:off x="8244783" y="1552442"/>
+              <a:ext cx="573645" cy="632454"/>
+            </a:xfrm>
+            <a:prstGeom prst="flowChartMagneticDisk">
+              <a:avLst/>
+            </a:prstGeom>
+            <a:solidFill>
+              <a:srgbClr val="FFC000"/>
+            </a:solidFill>
+          </p:spPr>
+          <p:style>
+            <a:lnRef idx="2">
+              <a:schemeClr val="accent1">
+                <a:shade val="50000"/>
+              </a:schemeClr>
+            </a:lnRef>
+            <a:fillRef idx="1">
+              <a:schemeClr val="accent1"/>
+            </a:fillRef>
+            <a:effectRef idx="0">
+              <a:schemeClr val="accent1"/>
+            </a:effectRef>
+            <a:fontRef idx="minor">
+              <a:schemeClr val="lt1"/>
+            </a:fontRef>
+          </p:style>
+          <p:txBody>
+            <a:bodyPr rtlCol="0" anchor="ctr"/>
+            <a:lstStyle/>
+            <a:p>
+              <a:pPr marL="0" marR="0" lvl="0" indent="0" algn="ctr" defTabSz="914400" rtl="0" eaLnBrk="1" fontAlgn="auto" latinLnBrk="0" hangingPunct="1">
+                <a:lnSpc>
+                  <a:spcPct val="100000"/>
+                </a:lnSpc>
+                <a:spcBef>
+                  <a:spcPts val="0"/>
+                </a:spcBef>
+                <a:spcAft>
+                  <a:spcPts val="0"/>
+                </a:spcAft>
+                <a:buClrTx/>
+                <a:buSzTx/>
+                <a:buFontTx/>
+                <a:buNone/>
+                <a:tabLst/>
+                <a:defRPr/>
+              </a:pPr>
+              <a:endParaRPr kumimoji="1" lang="ja-JP" altLang="en-US" sz="1800" b="0" i="0" u="none" strike="noStrike" kern="1200" cap="none" spc="0" normalizeH="0" baseline="0" noProof="0">
+                <a:ln>
+                  <a:noFill/>
+                </a:ln>
+                <a:solidFill>
+                  <a:prstClr val="white"/>
+                </a:solidFill>
+                <a:effectLst/>
+                <a:uLnTx/>
+                <a:uFillTx/>
+                <a:latin typeface="Calibri"/>
+                <a:ea typeface="ＭＳ Ｐゴシック" panose="020B0600070205080204" pitchFamily="50" charset="-128"/>
+                <a:cs typeface="+mn-cs"/>
+              </a:endParaRPr>
+            </a:p>
+          </p:txBody>
+        </p:sp>
+        <p:sp>
+          <p:nvSpPr>
+            <p:cNvPr id="61" name="テキスト ボックス 60">
+              <a:extLst>
+                <a:ext uri="{FF2B5EF4-FFF2-40B4-BE49-F238E27FC236}">
+                  <a16:creationId xmlns:a16="http://schemas.microsoft.com/office/drawing/2014/main" id="{9BA04A49-898C-47F7-A64B-CFFBA5599125}"/>
+                </a:ext>
+              </a:extLst>
+            </p:cNvPr>
+            <p:cNvSpPr txBox="1"/>
+            <p:nvPr/>
+          </p:nvSpPr>
+          <p:spPr>
+            <a:xfrm>
+              <a:off x="8710120" y="1579432"/>
+              <a:ext cx="1056700" cy="600164"/>
+            </a:xfrm>
+            <a:prstGeom prst="rect">
+              <a:avLst/>
+            </a:prstGeom>
+            <a:noFill/>
+          </p:spPr>
+          <p:txBody>
+            <a:bodyPr wrap="square" rtlCol="0">
+              <a:spAutoFit/>
+            </a:bodyPr>
+            <a:lstStyle/>
+            <a:p>
+              <a:pPr marL="0" marR="0" lvl="0" indent="0" algn="ctr" defTabSz="914400" rtl="0" eaLnBrk="1" fontAlgn="auto" latinLnBrk="0" hangingPunct="1">
+                <a:lnSpc>
+                  <a:spcPct val="100000"/>
+                </a:lnSpc>
+                <a:spcBef>
+                  <a:spcPts val="0"/>
+                </a:spcBef>
+                <a:spcAft>
+                  <a:spcPts val="0"/>
+                </a:spcAft>
+                <a:buClrTx/>
+                <a:buSzTx/>
+                <a:buFontTx/>
+                <a:buNone/>
+                <a:tabLst/>
+                <a:defRPr/>
+              </a:pPr>
+              <a:r>
+                <a:rPr kumimoji="1" lang="en-US" altLang="ja-JP" sz="1100" dirty="0">
+                  <a:solidFill>
+                    <a:prstClr val="black"/>
+                  </a:solidFill>
+                  <a:latin typeface="Calibri"/>
+                  <a:ea typeface="ＭＳ Ｐゴシック" panose="020B0600070205080204" pitchFamily="50" charset="-128"/>
+                </a:rPr>
+                <a:t>Website of Source</a:t>
+              </a:r>
+              <a:r>
+                <a:rPr kumimoji="1" lang="ja-JP" altLang="en-US" sz="1100" dirty="0">
+                  <a:solidFill>
+                    <a:prstClr val="black"/>
+                  </a:solidFill>
+                  <a:latin typeface="Calibri"/>
+                  <a:ea typeface="ＭＳ Ｐゴシック" panose="020B0600070205080204" pitchFamily="50" charset="-128"/>
+                </a:rPr>
+                <a:t> </a:t>
+              </a:r>
+              <a:r>
+                <a:rPr kumimoji="1" lang="en-US" altLang="ja-JP" sz="1100" dirty="0">
+                  <a:solidFill>
+                    <a:prstClr val="black"/>
+                  </a:solidFill>
+                  <a:latin typeface="Calibri"/>
+                  <a:ea typeface="ＭＳ Ｐゴシック" panose="020B0600070205080204" pitchFamily="50" charset="-128"/>
+                </a:rPr>
+                <a:t>code</a:t>
+              </a:r>
+              <a:r>
+                <a:rPr kumimoji="1" lang="ja-JP" altLang="en-US" sz="1100" dirty="0">
+                  <a:solidFill>
+                    <a:prstClr val="black"/>
+                  </a:solidFill>
+                  <a:latin typeface="Calibri"/>
+                  <a:ea typeface="ＭＳ Ｐゴシック" panose="020B0600070205080204" pitchFamily="50" charset="-128"/>
+                </a:rPr>
+                <a:t> </a:t>
+              </a:r>
+              <a:r>
+                <a:rPr kumimoji="1" lang="en-US" altLang="ja-JP" sz="1100" dirty="0">
+                  <a:solidFill>
+                    <a:prstClr val="black"/>
+                  </a:solidFill>
+                  <a:latin typeface="Calibri"/>
+                  <a:ea typeface="ＭＳ Ｐゴシック" panose="020B0600070205080204" pitchFamily="50" charset="-128"/>
+                </a:rPr>
+                <a:t>publication</a:t>
+              </a:r>
+              <a:endParaRPr kumimoji="1" lang="en-US" altLang="ja-JP" sz="1100" b="0" i="0" u="none" strike="noStrike" kern="1200" cap="none" spc="0" normalizeH="0" baseline="0" noProof="0" dirty="0">
+                <a:ln>
+                  <a:noFill/>
+                </a:ln>
+                <a:solidFill>
+                  <a:prstClr val="black"/>
+                </a:solidFill>
+                <a:effectLst/>
+                <a:uLnTx/>
+                <a:uFillTx/>
+                <a:latin typeface="Calibri"/>
+                <a:ea typeface="ＭＳ Ｐゴシック" panose="020B0600070205080204" pitchFamily="50" charset="-128"/>
+                <a:cs typeface="+mn-cs"/>
+              </a:endParaRPr>
+            </a:p>
+          </p:txBody>
+        </p:sp>
+        <p:sp>
+          <p:nvSpPr>
+            <p:cNvPr id="62" name="四角形: 角を丸くする 61">
+              <a:extLst>
+                <a:ext uri="{FF2B5EF4-FFF2-40B4-BE49-F238E27FC236}">
+                  <a16:creationId xmlns:a16="http://schemas.microsoft.com/office/drawing/2014/main" id="{61E144C9-EEEA-467C-B27C-79409D934D7E}"/>
+                </a:ext>
+              </a:extLst>
+            </p:cNvPr>
+            <p:cNvSpPr/>
+            <p:nvPr/>
+          </p:nvSpPr>
+          <p:spPr>
+            <a:xfrm>
+              <a:off x="6631302" y="4816818"/>
+              <a:ext cx="1145453" cy="558437"/>
+            </a:xfrm>
+            <a:prstGeom prst="roundRect">
+              <a:avLst/>
+            </a:prstGeom>
+            <a:solidFill>
+              <a:srgbClr val="FFFF00"/>
+            </a:solidFill>
+            <a:ln>
+              <a:noFill/>
+            </a:ln>
+          </p:spPr>
+          <p:style>
+            <a:lnRef idx="2">
+              <a:schemeClr val="accent1">
+                <a:shade val="50000"/>
+              </a:schemeClr>
+            </a:lnRef>
+            <a:fillRef idx="1">
+              <a:schemeClr val="accent1"/>
+            </a:fillRef>
+            <a:effectRef idx="0">
+              <a:schemeClr val="accent1"/>
+            </a:effectRef>
+            <a:fontRef idx="minor">
+              <a:schemeClr val="lt1"/>
+            </a:fontRef>
+          </p:style>
+          <p:txBody>
+            <a:bodyPr rtlCol="0" anchor="ctr"/>
+            <a:lstStyle/>
+            <a:p>
+              <a:pPr marL="0" marR="0" lvl="0" indent="0" algn="ctr" defTabSz="914400" rtl="0" eaLnBrk="1" fontAlgn="auto" latinLnBrk="0" hangingPunct="1">
+                <a:lnSpc>
+                  <a:spcPct val="100000"/>
+                </a:lnSpc>
+                <a:spcBef>
+                  <a:spcPts val="0"/>
+                </a:spcBef>
+                <a:spcAft>
+                  <a:spcPts val="0"/>
+                </a:spcAft>
+                <a:buClrTx/>
+                <a:buSzTx/>
+                <a:buFontTx/>
+                <a:buNone/>
+                <a:tabLst/>
+                <a:defRPr/>
+              </a:pPr>
+              <a:r>
+                <a:rPr kumimoji="1" lang="en-US" altLang="ja-JP" sz="1200" dirty="0">
+                  <a:solidFill>
+                    <a:prstClr val="black"/>
+                  </a:solidFill>
+                  <a:latin typeface="Calibri"/>
+                  <a:ea typeface="ＭＳ Ｐゴシック" panose="020B0600070205080204" pitchFamily="50" charset="-128"/>
+                </a:rPr>
+                <a:t>Customer</a:t>
+              </a:r>
+              <a:r>
+                <a:rPr kumimoji="1" lang="ja-JP" altLang="en-US" sz="1200" dirty="0">
+                  <a:solidFill>
+                    <a:prstClr val="black"/>
+                  </a:solidFill>
+                  <a:latin typeface="Calibri"/>
+                  <a:ea typeface="ＭＳ Ｐゴシック" panose="020B0600070205080204" pitchFamily="50" charset="-128"/>
+                </a:rPr>
+                <a:t> </a:t>
+              </a:r>
+              <a:r>
+                <a:rPr kumimoji="1" lang="en-US" altLang="ja-JP" sz="1200" dirty="0">
+                  <a:solidFill>
+                    <a:prstClr val="black"/>
+                  </a:solidFill>
+                  <a:latin typeface="Calibri"/>
+                  <a:ea typeface="ＭＳ Ｐゴシック" panose="020B0600070205080204" pitchFamily="50" charset="-128"/>
+                </a:rPr>
+                <a:t>Support</a:t>
+              </a:r>
+              <a:endParaRPr kumimoji="1" lang="en-US" altLang="ja-JP" sz="1200" b="0" i="0" u="none" strike="noStrike" kern="1200" cap="none" spc="0" normalizeH="0" baseline="0" noProof="0" dirty="0">
+                <a:ln>
+                  <a:noFill/>
+                </a:ln>
+                <a:solidFill>
+                  <a:prstClr val="black"/>
+                </a:solidFill>
+                <a:effectLst/>
+                <a:uLnTx/>
+                <a:uFillTx/>
+                <a:latin typeface="Calibri"/>
+                <a:ea typeface="ＭＳ Ｐゴシック" panose="020B0600070205080204" pitchFamily="50" charset="-128"/>
+                <a:cs typeface="+mn-cs"/>
+              </a:endParaRPr>
+            </a:p>
+          </p:txBody>
+        </p:sp>
+        <p:sp>
+          <p:nvSpPr>
+            <p:cNvPr id="64" name="テキスト ボックス 63">
+              <a:extLst>
+                <a:ext uri="{FF2B5EF4-FFF2-40B4-BE49-F238E27FC236}">
+                  <a16:creationId xmlns:a16="http://schemas.microsoft.com/office/drawing/2014/main" id="{6FA8BEB1-3EFE-4C16-9F41-44A149F98E9A}"/>
+                </a:ext>
+              </a:extLst>
+            </p:cNvPr>
+            <p:cNvSpPr txBox="1"/>
+            <p:nvPr/>
+          </p:nvSpPr>
+          <p:spPr>
+            <a:xfrm>
+              <a:off x="7915840" y="5110761"/>
+              <a:ext cx="840295" cy="261610"/>
+            </a:xfrm>
+            <a:prstGeom prst="rect">
+              <a:avLst/>
+            </a:prstGeom>
+            <a:noFill/>
+          </p:spPr>
+          <p:txBody>
+            <a:bodyPr wrap="none" rtlCol="0">
+              <a:spAutoFit/>
+            </a:bodyPr>
+            <a:lstStyle/>
+            <a:p>
+              <a:pPr marL="0" marR="0" lvl="0" indent="0" algn="l" defTabSz="914400" rtl="0" eaLnBrk="1" fontAlgn="auto" latinLnBrk="0" hangingPunct="1">
+                <a:lnSpc>
+                  <a:spcPct val="100000"/>
+                </a:lnSpc>
+                <a:spcBef>
+                  <a:spcPts val="0"/>
+                </a:spcBef>
+                <a:spcAft>
+                  <a:spcPts val="0"/>
+                </a:spcAft>
+                <a:buClrTx/>
+                <a:buSzTx/>
+                <a:buFontTx/>
+                <a:buNone/>
+                <a:tabLst/>
+                <a:defRPr/>
+              </a:pPr>
+              <a:r>
+                <a:rPr kumimoji="1" lang="en-US" altLang="ja-JP" sz="1100" b="0" i="0" u="none" strike="noStrike" kern="1200" cap="none" spc="0" normalizeH="0" baseline="0" noProof="0" dirty="0">
+                  <a:ln>
+                    <a:noFill/>
+                  </a:ln>
+                  <a:solidFill>
+                    <a:prstClr val="black"/>
+                  </a:solidFill>
+                  <a:effectLst/>
+                  <a:uLnTx/>
+                  <a:uFillTx/>
+                  <a:latin typeface="Calibri"/>
+                  <a:ea typeface="ＭＳ Ｐゴシック" panose="020B0600070205080204" pitchFamily="50" charset="-128"/>
+                  <a:cs typeface="+mn-cs"/>
+                </a:rPr>
+                <a:t>OSS</a:t>
+              </a:r>
+              <a:r>
+                <a:rPr kumimoji="1" lang="ja-JP" altLang="en-US" sz="1100" dirty="0">
+                  <a:solidFill>
+                    <a:prstClr val="black"/>
+                  </a:solidFill>
+                  <a:latin typeface="Calibri"/>
+                  <a:ea typeface="ＭＳ Ｐゴシック" panose="020B0600070205080204" pitchFamily="50" charset="-128"/>
+                </a:rPr>
+                <a:t> </a:t>
+              </a:r>
+              <a:r>
+                <a:rPr kumimoji="1" lang="en-US" altLang="ja-JP" sz="1100" dirty="0">
+                  <a:solidFill>
+                    <a:prstClr val="black"/>
+                  </a:solidFill>
+                  <a:latin typeface="Calibri"/>
+                  <a:ea typeface="ＭＳ Ｐゴシック" panose="020B0600070205080204" pitchFamily="50" charset="-128"/>
+                </a:rPr>
+                <a:t>Inquiry</a:t>
+              </a:r>
+              <a:endParaRPr kumimoji="1" lang="ja-JP" altLang="en-US" sz="1100" b="0" i="0" u="none" strike="noStrike" kern="1200" cap="none" spc="0" normalizeH="0" baseline="0" noProof="0" dirty="0">
+                <a:ln>
+                  <a:noFill/>
+                </a:ln>
+                <a:solidFill>
+                  <a:prstClr val="black"/>
+                </a:solidFill>
+                <a:effectLst/>
+                <a:uLnTx/>
+                <a:uFillTx/>
+                <a:latin typeface="Calibri"/>
+                <a:ea typeface="ＭＳ Ｐゴシック" panose="020B0600070205080204" pitchFamily="50" charset="-128"/>
+                <a:cs typeface="+mn-cs"/>
+              </a:endParaRPr>
+            </a:p>
+          </p:txBody>
+        </p:sp>
+        <p:cxnSp>
+          <p:nvCxnSpPr>
+            <p:cNvPr id="70" name="直線矢印コネクタ 69">
+              <a:extLst>
+                <a:ext uri="{FF2B5EF4-FFF2-40B4-BE49-F238E27FC236}">
+                  <a16:creationId xmlns:a16="http://schemas.microsoft.com/office/drawing/2014/main" id="{9BEC4DA4-D661-4F0B-87B8-06549A413407}"/>
+                </a:ext>
+              </a:extLst>
+            </p:cNvPr>
+            <p:cNvCxnSpPr>
+              <a:cxnSpLocks/>
+            </p:cNvCxnSpPr>
+            <p:nvPr/>
+          </p:nvCxnSpPr>
+          <p:spPr>
+            <a:xfrm flipV="1">
+              <a:off x="4479324" y="4395306"/>
+              <a:ext cx="0" cy="1244470"/>
+            </a:xfrm>
+            <a:prstGeom prst="straightConnector1">
+              <a:avLst/>
+            </a:prstGeom>
+            <a:ln w="38100">
+              <a:solidFill>
+                <a:srgbClr val="FFC000"/>
+              </a:solidFill>
+              <a:tailEnd type="triangle"/>
+            </a:ln>
+          </p:spPr>
+          <p:style>
+            <a:lnRef idx="1">
+              <a:schemeClr val="accent1"/>
+            </a:lnRef>
+            <a:fillRef idx="0">
+              <a:schemeClr val="accent1"/>
+            </a:fillRef>
+            <a:effectRef idx="0">
+              <a:schemeClr val="accent1"/>
+            </a:effectRef>
+            <a:fontRef idx="minor">
+              <a:schemeClr val="tx1"/>
+            </a:fontRef>
+          </p:style>
+        </p:cxnSp>
+        <p:cxnSp>
+          <p:nvCxnSpPr>
+            <p:cNvPr id="72" name="直線矢印コネクタ 71">
+              <a:extLst>
+                <a:ext uri="{FF2B5EF4-FFF2-40B4-BE49-F238E27FC236}">
+                  <a16:creationId xmlns:a16="http://schemas.microsoft.com/office/drawing/2014/main" id="{CDC1E55D-C73E-4A4F-96C5-7C9AF35137EC}"/>
+                </a:ext>
+              </a:extLst>
+            </p:cNvPr>
+            <p:cNvCxnSpPr>
+              <a:cxnSpLocks/>
+              <a:stCxn id="10" idx="1"/>
+            </p:cNvCxnSpPr>
+            <p:nvPr/>
+          </p:nvCxnSpPr>
+          <p:spPr>
+            <a:xfrm flipH="1" flipV="1">
+              <a:off x="2265971" y="5318200"/>
+              <a:ext cx="1983920" cy="637114"/>
+            </a:xfrm>
+            <a:prstGeom prst="straightConnector1">
+              <a:avLst/>
+            </a:prstGeom>
+            <a:ln w="38100">
+              <a:solidFill>
+                <a:srgbClr val="FFC000"/>
+              </a:solidFill>
+              <a:tailEnd type="triangle"/>
+            </a:ln>
+          </p:spPr>
+          <p:style>
+            <a:lnRef idx="1">
+              <a:schemeClr val="accent1"/>
+            </a:lnRef>
+            <a:fillRef idx="0">
+              <a:schemeClr val="accent1"/>
+            </a:fillRef>
+            <a:effectRef idx="0">
+              <a:schemeClr val="accent1"/>
+            </a:effectRef>
+            <a:fontRef idx="minor">
+              <a:schemeClr val="tx1"/>
+            </a:fontRef>
+          </p:style>
+        </p:cxnSp>
+        <p:sp>
+          <p:nvSpPr>
+            <p:cNvPr id="74" name="テキスト ボックス 73">
+              <a:extLst>
+                <a:ext uri="{FF2B5EF4-FFF2-40B4-BE49-F238E27FC236}">
+                  <a16:creationId xmlns:a16="http://schemas.microsoft.com/office/drawing/2014/main" id="{920F6C34-2AD3-489B-99BC-8607F031AB1D}"/>
+                </a:ext>
+              </a:extLst>
+            </p:cNvPr>
+            <p:cNvSpPr txBox="1"/>
+            <p:nvPr/>
+          </p:nvSpPr>
+          <p:spPr>
+            <a:xfrm>
+              <a:off x="4049398" y="4698248"/>
+              <a:ext cx="428322" cy="276999"/>
+            </a:xfrm>
+            <a:prstGeom prst="rect">
+              <a:avLst/>
+            </a:prstGeom>
+            <a:noFill/>
+          </p:spPr>
+          <p:txBody>
+            <a:bodyPr wrap="none" rtlCol="0">
+              <a:spAutoFit/>
+            </a:bodyPr>
+            <a:lstStyle/>
+            <a:p>
+              <a:pPr marL="0" marR="0" lvl="0" indent="0" algn="l" defTabSz="914400" rtl="0" eaLnBrk="1" fontAlgn="auto" latinLnBrk="0" hangingPunct="1">
+                <a:lnSpc>
+                  <a:spcPct val="100000"/>
+                </a:lnSpc>
+                <a:spcBef>
+                  <a:spcPts val="0"/>
+                </a:spcBef>
+                <a:spcAft>
+                  <a:spcPts val="0"/>
+                </a:spcAft>
+                <a:buClrTx/>
+                <a:buSzTx/>
+                <a:buFontTx/>
+                <a:buNone/>
+                <a:tabLst/>
+                <a:defRPr/>
+              </a:pPr>
+              <a:r>
+                <a:rPr kumimoji="1" lang="en-US" altLang="ja-JP" sz="1200" b="0" i="0" u="none" strike="noStrike" kern="1200" cap="none" spc="0" normalizeH="0" baseline="0" noProof="0" dirty="0">
+                  <a:ln>
+                    <a:noFill/>
+                  </a:ln>
+                  <a:solidFill>
+                    <a:prstClr val="black"/>
+                  </a:solidFill>
+                  <a:effectLst/>
+                  <a:uLnTx/>
+                  <a:uFillTx/>
+                  <a:latin typeface="Calibri"/>
+                  <a:ea typeface="ＭＳ Ｐゴシック" panose="020B0600070205080204" pitchFamily="50" charset="-128"/>
+                  <a:cs typeface="+mn-cs"/>
+                </a:rPr>
+                <a:t>OSS</a:t>
+              </a:r>
+              <a:endParaRPr kumimoji="1" lang="ja-JP" altLang="en-US" sz="1200" b="0" i="0" u="none" strike="noStrike" kern="1200" cap="none" spc="0" normalizeH="0" baseline="0" noProof="0" dirty="0">
+                <a:ln>
+                  <a:noFill/>
+                </a:ln>
+                <a:solidFill>
+                  <a:prstClr val="black"/>
+                </a:solidFill>
+                <a:effectLst/>
+                <a:uLnTx/>
+                <a:uFillTx/>
+                <a:latin typeface="Calibri"/>
+                <a:ea typeface="ＭＳ Ｐゴシック" panose="020B0600070205080204" pitchFamily="50" charset="-128"/>
+                <a:cs typeface="+mn-cs"/>
+              </a:endParaRPr>
+            </a:p>
+          </p:txBody>
+        </p:sp>
+        <p:sp>
+          <p:nvSpPr>
+            <p:cNvPr id="75" name="テキスト ボックス 74">
+              <a:extLst>
+                <a:ext uri="{FF2B5EF4-FFF2-40B4-BE49-F238E27FC236}">
+                  <a16:creationId xmlns:a16="http://schemas.microsoft.com/office/drawing/2014/main" id="{F99D00E4-8CFB-45C1-831D-1D16F50C6085}"/>
+                </a:ext>
+              </a:extLst>
+            </p:cNvPr>
+            <p:cNvSpPr txBox="1"/>
+            <p:nvPr/>
+          </p:nvSpPr>
+          <p:spPr>
+            <a:xfrm>
+              <a:off x="2604456" y="5571471"/>
+              <a:ext cx="428322" cy="276999"/>
+            </a:xfrm>
+            <a:prstGeom prst="rect">
+              <a:avLst/>
+            </a:prstGeom>
+            <a:noFill/>
+          </p:spPr>
+          <p:txBody>
+            <a:bodyPr wrap="none" rtlCol="0">
+              <a:spAutoFit/>
+            </a:bodyPr>
+            <a:lstStyle/>
+            <a:p>
+              <a:pPr marL="0" marR="0" lvl="0" indent="0" algn="l" defTabSz="914400" rtl="0" eaLnBrk="1" fontAlgn="auto" latinLnBrk="0" hangingPunct="1">
+                <a:lnSpc>
+                  <a:spcPct val="100000"/>
+                </a:lnSpc>
+                <a:spcBef>
+                  <a:spcPts val="0"/>
+                </a:spcBef>
+                <a:spcAft>
+                  <a:spcPts val="0"/>
+                </a:spcAft>
+                <a:buClrTx/>
+                <a:buSzTx/>
+                <a:buFontTx/>
+                <a:buNone/>
+                <a:tabLst/>
+                <a:defRPr/>
+              </a:pPr>
+              <a:r>
+                <a:rPr kumimoji="1" lang="en-US" altLang="ja-JP" sz="1200" b="0" i="0" u="none" strike="noStrike" kern="1200" cap="none" spc="0" normalizeH="0" baseline="0" noProof="0" dirty="0">
+                  <a:ln>
+                    <a:noFill/>
+                  </a:ln>
+                  <a:solidFill>
+                    <a:prstClr val="black"/>
+                  </a:solidFill>
+                  <a:effectLst/>
+                  <a:uLnTx/>
+                  <a:uFillTx/>
+                  <a:latin typeface="Calibri"/>
+                  <a:ea typeface="ＭＳ Ｐゴシック" panose="020B0600070205080204" pitchFamily="50" charset="-128"/>
+                  <a:cs typeface="+mn-cs"/>
+                </a:rPr>
+                <a:t>OSS</a:t>
+              </a:r>
+              <a:endParaRPr kumimoji="1" lang="ja-JP" altLang="en-US" sz="1200" b="0" i="0" u="none" strike="noStrike" kern="1200" cap="none" spc="0" normalizeH="0" baseline="0" noProof="0" dirty="0">
+                <a:ln>
+                  <a:noFill/>
+                </a:ln>
+                <a:solidFill>
+                  <a:prstClr val="black"/>
+                </a:solidFill>
+                <a:effectLst/>
+                <a:uLnTx/>
+                <a:uFillTx/>
+                <a:latin typeface="Calibri"/>
+                <a:ea typeface="ＭＳ Ｐゴシック" panose="020B0600070205080204" pitchFamily="50" charset="-128"/>
+                <a:cs typeface="+mn-cs"/>
+              </a:endParaRPr>
+            </a:p>
+          </p:txBody>
+        </p:sp>
+        <p:cxnSp>
+          <p:nvCxnSpPr>
+            <p:cNvPr id="76" name="直線矢印コネクタ 75">
+              <a:extLst>
+                <a:ext uri="{FF2B5EF4-FFF2-40B4-BE49-F238E27FC236}">
+                  <a16:creationId xmlns:a16="http://schemas.microsoft.com/office/drawing/2014/main" id="{2CEF35C0-9E1C-4371-9C22-7BA0F357C050}"/>
+                </a:ext>
+              </a:extLst>
+            </p:cNvPr>
+            <p:cNvCxnSpPr>
+              <a:cxnSpLocks/>
+            </p:cNvCxnSpPr>
+            <p:nvPr/>
+          </p:nvCxnSpPr>
+          <p:spPr>
+            <a:xfrm flipH="1" flipV="1">
+              <a:off x="2244200" y="5013786"/>
+              <a:ext cx="2005691" cy="717171"/>
+            </a:xfrm>
+            <a:prstGeom prst="straightConnector1">
+              <a:avLst/>
+            </a:prstGeom>
+            <a:ln w="38100">
+              <a:solidFill>
+                <a:srgbClr val="FF0000"/>
+              </a:solidFill>
+              <a:tailEnd type="triangle"/>
+            </a:ln>
+          </p:spPr>
+          <p:style>
+            <a:lnRef idx="1">
+              <a:schemeClr val="accent1"/>
+            </a:lnRef>
+            <a:fillRef idx="0">
+              <a:schemeClr val="accent1"/>
+            </a:fillRef>
+            <a:effectRef idx="0">
+              <a:schemeClr val="accent1"/>
+            </a:effectRef>
+            <a:fontRef idx="minor">
+              <a:schemeClr val="tx1"/>
+            </a:fontRef>
+          </p:style>
+        </p:cxnSp>
+        <p:cxnSp>
+          <p:nvCxnSpPr>
+            <p:cNvPr id="78" name="直線矢印コネクタ 77">
+              <a:extLst>
+                <a:ext uri="{FF2B5EF4-FFF2-40B4-BE49-F238E27FC236}">
+                  <a16:creationId xmlns:a16="http://schemas.microsoft.com/office/drawing/2014/main" id="{20935DA2-217A-4D28-A9B8-85956B32C101}"/>
+                </a:ext>
+              </a:extLst>
+            </p:cNvPr>
+            <p:cNvCxnSpPr>
+              <a:cxnSpLocks/>
+            </p:cNvCxnSpPr>
+            <p:nvPr/>
+          </p:nvCxnSpPr>
+          <p:spPr>
+            <a:xfrm flipH="1" flipV="1">
+              <a:off x="4580528" y="4395306"/>
+              <a:ext cx="9515" cy="1252204"/>
+            </a:xfrm>
+            <a:prstGeom prst="straightConnector1">
+              <a:avLst/>
+            </a:prstGeom>
+            <a:ln w="38100">
+              <a:solidFill>
+                <a:srgbClr val="FF0000"/>
+              </a:solidFill>
+              <a:tailEnd type="triangle"/>
+            </a:ln>
+          </p:spPr>
+          <p:style>
+            <a:lnRef idx="1">
+              <a:schemeClr val="accent1"/>
+            </a:lnRef>
+            <a:fillRef idx="0">
+              <a:schemeClr val="accent1"/>
+            </a:fillRef>
+            <a:effectRef idx="0">
+              <a:schemeClr val="accent1"/>
+            </a:effectRef>
+            <a:fontRef idx="minor">
+              <a:schemeClr val="tx1"/>
+            </a:fontRef>
+          </p:style>
+        </p:cxnSp>
+        <p:sp>
+          <p:nvSpPr>
+            <p:cNvPr id="80" name="テキスト ボックス 79">
+              <a:extLst>
+                <a:ext uri="{FF2B5EF4-FFF2-40B4-BE49-F238E27FC236}">
+                  <a16:creationId xmlns:a16="http://schemas.microsoft.com/office/drawing/2014/main" id="{DC5A38D0-4F7B-45AF-A261-CE6A47A36E02}"/>
+                </a:ext>
+              </a:extLst>
+            </p:cNvPr>
+            <p:cNvSpPr txBox="1"/>
+            <p:nvPr/>
+          </p:nvSpPr>
+          <p:spPr>
+            <a:xfrm>
+              <a:off x="4563800" y="4649937"/>
+              <a:ext cx="923651" cy="276999"/>
+            </a:xfrm>
+            <a:prstGeom prst="rect">
+              <a:avLst/>
+            </a:prstGeom>
+            <a:noFill/>
+          </p:spPr>
+          <p:txBody>
+            <a:bodyPr wrap="none" rtlCol="0">
+              <a:spAutoFit/>
+            </a:bodyPr>
+            <a:lstStyle/>
+            <a:p>
+              <a:pPr marL="0" marR="0" lvl="0" indent="0" algn="l" defTabSz="914400" rtl="0" eaLnBrk="1" fontAlgn="auto" latinLnBrk="0" hangingPunct="1">
+                <a:lnSpc>
+                  <a:spcPct val="100000"/>
+                </a:lnSpc>
+                <a:spcBef>
+                  <a:spcPts val="0"/>
+                </a:spcBef>
+                <a:spcAft>
+                  <a:spcPts val="0"/>
+                </a:spcAft>
+                <a:buClrTx/>
+                <a:buSzTx/>
+                <a:buFontTx/>
+                <a:buNone/>
+                <a:tabLst/>
+                <a:defRPr/>
+              </a:pPr>
+              <a:r>
+                <a:rPr kumimoji="1" lang="en-US" altLang="ja-JP" sz="1200" b="0" i="0" u="none" strike="noStrike" kern="1200" cap="none" spc="0" normalizeH="0" baseline="0" noProof="0" dirty="0">
+                  <a:ln>
+                    <a:noFill/>
+                  </a:ln>
+                  <a:solidFill>
+                    <a:prstClr val="black"/>
+                  </a:solidFill>
+                  <a:effectLst/>
+                  <a:uLnTx/>
+                  <a:uFillTx/>
+                  <a:latin typeface="Calibri"/>
+                  <a:ea typeface="ＭＳ Ｐゴシック" panose="020B0600070205080204" pitchFamily="50" charset="-128"/>
+                  <a:cs typeface="+mn-cs"/>
+                </a:rPr>
+                <a:t>OSS </a:t>
+              </a:r>
+              <a:r>
+                <a:rPr kumimoji="1" lang="en-US" altLang="ja-JP" sz="1200" dirty="0">
+                  <a:solidFill>
+                    <a:prstClr val="black"/>
+                  </a:solidFill>
+                  <a:latin typeface="Calibri"/>
+                  <a:ea typeface="ＭＳ Ｐゴシック" panose="020B0600070205080204" pitchFamily="50" charset="-128"/>
+                </a:rPr>
+                <a:t>License</a:t>
+              </a:r>
+              <a:endParaRPr kumimoji="1" lang="ja-JP" altLang="en-US" sz="1200" b="0" i="0" u="none" strike="noStrike" kern="1200" cap="none" spc="0" normalizeH="0" baseline="0" noProof="0" dirty="0">
+                <a:ln>
+                  <a:noFill/>
+                </a:ln>
+                <a:solidFill>
+                  <a:prstClr val="black"/>
+                </a:solidFill>
+                <a:effectLst/>
+                <a:uLnTx/>
+                <a:uFillTx/>
+                <a:latin typeface="Calibri"/>
+                <a:ea typeface="ＭＳ Ｐゴシック" panose="020B0600070205080204" pitchFamily="50" charset="-128"/>
+                <a:cs typeface="+mn-cs"/>
+              </a:endParaRPr>
+            </a:p>
+          </p:txBody>
+        </p:sp>
+        <p:sp>
+          <p:nvSpPr>
+            <p:cNvPr id="81" name="テキスト ボックス 80">
+              <a:extLst>
+                <a:ext uri="{FF2B5EF4-FFF2-40B4-BE49-F238E27FC236}">
+                  <a16:creationId xmlns:a16="http://schemas.microsoft.com/office/drawing/2014/main" id="{0ED29373-205A-40FE-BB9B-F803B32095BB}"/>
+                </a:ext>
+              </a:extLst>
+            </p:cNvPr>
+            <p:cNvSpPr txBox="1"/>
+            <p:nvPr/>
+          </p:nvSpPr>
+          <p:spPr>
+            <a:xfrm>
+              <a:off x="2954830" y="5075280"/>
+              <a:ext cx="923651" cy="276999"/>
+            </a:xfrm>
+            <a:prstGeom prst="rect">
+              <a:avLst/>
+            </a:prstGeom>
+            <a:noFill/>
+          </p:spPr>
+          <p:txBody>
+            <a:bodyPr wrap="none" rtlCol="0">
+              <a:spAutoFit/>
+            </a:bodyPr>
+            <a:lstStyle/>
+            <a:p>
+              <a:pPr marL="0" marR="0" lvl="0" indent="0" algn="l" defTabSz="914400" rtl="0" eaLnBrk="1" fontAlgn="auto" latinLnBrk="0" hangingPunct="1">
+                <a:lnSpc>
+                  <a:spcPct val="100000"/>
+                </a:lnSpc>
+                <a:spcBef>
+                  <a:spcPts val="0"/>
+                </a:spcBef>
+                <a:spcAft>
+                  <a:spcPts val="0"/>
+                </a:spcAft>
+                <a:buClrTx/>
+                <a:buSzTx/>
+                <a:buFontTx/>
+                <a:buNone/>
+                <a:tabLst/>
+                <a:defRPr/>
+              </a:pPr>
+              <a:r>
+                <a:rPr kumimoji="1" lang="en-US" altLang="ja-JP" sz="1200" b="0" i="0" u="none" strike="noStrike" kern="1200" cap="none" spc="0" normalizeH="0" baseline="0" noProof="0" dirty="0">
+                  <a:ln>
+                    <a:noFill/>
+                  </a:ln>
+                  <a:solidFill>
+                    <a:prstClr val="black"/>
+                  </a:solidFill>
+                  <a:effectLst/>
+                  <a:uLnTx/>
+                  <a:uFillTx/>
+                  <a:latin typeface="Calibri"/>
+                  <a:ea typeface="ＭＳ Ｐゴシック" panose="020B0600070205080204" pitchFamily="50" charset="-128"/>
+                  <a:cs typeface="+mn-cs"/>
+                </a:rPr>
+                <a:t>OSS</a:t>
+              </a:r>
+              <a:r>
+                <a:rPr kumimoji="1" lang="ja-JP" altLang="en-US" sz="1200" dirty="0">
+                  <a:solidFill>
+                    <a:prstClr val="black"/>
+                  </a:solidFill>
+                  <a:latin typeface="Calibri"/>
+                  <a:ea typeface="ＭＳ Ｐゴシック" panose="020B0600070205080204" pitchFamily="50" charset="-128"/>
+                </a:rPr>
+                <a:t> </a:t>
+              </a:r>
+              <a:r>
+                <a:rPr kumimoji="1" lang="en-US" altLang="ja-JP" sz="1200" dirty="0">
+                  <a:solidFill>
+                    <a:prstClr val="black"/>
+                  </a:solidFill>
+                  <a:latin typeface="Calibri"/>
+                  <a:ea typeface="ＭＳ Ｐゴシック" panose="020B0600070205080204" pitchFamily="50" charset="-128"/>
+                </a:rPr>
+                <a:t>License</a:t>
+              </a:r>
+              <a:endParaRPr kumimoji="1" lang="ja-JP" altLang="en-US" sz="1200" b="0" i="0" u="none" strike="noStrike" kern="1200" cap="none" spc="0" normalizeH="0" baseline="0" noProof="0" dirty="0">
+                <a:ln>
+                  <a:noFill/>
+                </a:ln>
+                <a:solidFill>
+                  <a:prstClr val="black"/>
+                </a:solidFill>
+                <a:effectLst/>
+                <a:uLnTx/>
+                <a:uFillTx/>
+                <a:latin typeface="Calibri"/>
+                <a:ea typeface="ＭＳ Ｐゴシック" panose="020B0600070205080204" pitchFamily="50" charset="-128"/>
+                <a:cs typeface="+mn-cs"/>
+              </a:endParaRPr>
+            </a:p>
+          </p:txBody>
+        </p:sp>
+        <p:sp>
+          <p:nvSpPr>
+            <p:cNvPr id="55" name="四角形: 角を丸くする 54">
+              <a:extLst>
+                <a:ext uri="{FF2B5EF4-FFF2-40B4-BE49-F238E27FC236}">
+                  <a16:creationId xmlns:a16="http://schemas.microsoft.com/office/drawing/2014/main" id="{C41AF5F0-D940-43D9-BF35-BA72A71DA105}"/>
+                </a:ext>
+              </a:extLst>
+            </p:cNvPr>
+            <p:cNvSpPr/>
+            <p:nvPr/>
+          </p:nvSpPr>
+          <p:spPr>
+            <a:xfrm>
+              <a:off x="7044270" y="2548346"/>
+              <a:ext cx="739140" cy="1809305"/>
+            </a:xfrm>
+            <a:prstGeom prst="roundRect">
+              <a:avLst/>
+            </a:prstGeom>
+            <a:solidFill>
+              <a:srgbClr val="FFFF00"/>
+            </a:solidFill>
+            <a:ln>
+              <a:noFill/>
+            </a:ln>
+          </p:spPr>
+          <p:style>
+            <a:lnRef idx="2">
+              <a:schemeClr val="accent1">
+                <a:shade val="50000"/>
+              </a:schemeClr>
+            </a:lnRef>
+            <a:fillRef idx="1">
+              <a:schemeClr val="accent1"/>
+            </a:fillRef>
+            <a:effectRef idx="0">
+              <a:schemeClr val="accent1"/>
+            </a:effectRef>
+            <a:fontRef idx="minor">
+              <a:schemeClr val="lt1"/>
+            </a:fontRef>
+          </p:style>
+          <p:txBody>
+            <a:bodyPr rtlCol="0" anchor="ctr"/>
+            <a:lstStyle/>
+            <a:p>
+              <a:pPr marL="0" marR="0" lvl="0" indent="0" algn="ctr" defTabSz="914400" rtl="0" eaLnBrk="1" fontAlgn="auto" latinLnBrk="0" hangingPunct="1">
+                <a:lnSpc>
+                  <a:spcPct val="100000"/>
+                </a:lnSpc>
+                <a:spcBef>
+                  <a:spcPts val="0"/>
+                </a:spcBef>
+                <a:spcAft>
+                  <a:spcPts val="0"/>
+                </a:spcAft>
+                <a:buClrTx/>
+                <a:buSzTx/>
+                <a:buFontTx/>
+                <a:buNone/>
+                <a:tabLst/>
+                <a:defRPr/>
+              </a:pPr>
+              <a:r>
+                <a:rPr kumimoji="1" lang="en-US" altLang="ja-JP" sz="1200" dirty="0">
+                  <a:solidFill>
+                    <a:prstClr val="black"/>
+                  </a:solidFill>
+                  <a:latin typeface="Calibri"/>
+                  <a:ea typeface="ＭＳ Ｐゴシック" panose="020B0600070205080204" pitchFamily="50" charset="-128"/>
+                </a:rPr>
+                <a:t>Release</a:t>
+              </a:r>
+              <a:endParaRPr kumimoji="1" lang="ja-JP" altLang="en-US" sz="1400" b="0" i="0" u="none" strike="noStrike" kern="1200" cap="none" spc="0" normalizeH="0" baseline="0" noProof="0" dirty="0">
+                <a:ln>
+                  <a:noFill/>
+                </a:ln>
+                <a:solidFill>
+                  <a:prstClr val="black"/>
+                </a:solidFill>
+                <a:effectLst/>
+                <a:uLnTx/>
+                <a:uFillTx/>
+                <a:latin typeface="Calibri"/>
+                <a:ea typeface="ＭＳ Ｐゴシック" panose="020B0600070205080204" pitchFamily="50" charset="-128"/>
+                <a:cs typeface="+mn-cs"/>
+              </a:endParaRPr>
+            </a:p>
+          </p:txBody>
+        </p:sp>
+        <p:sp>
+          <p:nvSpPr>
+            <p:cNvPr id="59" name="四角形: 角を丸くする 58">
+              <a:extLst>
+                <a:ext uri="{FF2B5EF4-FFF2-40B4-BE49-F238E27FC236}">
+                  <a16:creationId xmlns:a16="http://schemas.microsoft.com/office/drawing/2014/main" id="{3DF67839-8CC9-444C-BA63-6CC611AFACAA}"/>
+                </a:ext>
+              </a:extLst>
+            </p:cNvPr>
+            <p:cNvSpPr/>
+            <p:nvPr/>
+          </p:nvSpPr>
+          <p:spPr>
+            <a:xfrm>
+              <a:off x="4836153" y="1537695"/>
+              <a:ext cx="739140" cy="372291"/>
+            </a:xfrm>
+            <a:prstGeom prst="roundRect">
+              <a:avLst>
+                <a:gd name="adj" fmla="val 16667"/>
+              </a:avLst>
+            </a:prstGeom>
+            <a:solidFill>
+              <a:srgbClr val="FFFF00"/>
+            </a:solidFill>
+            <a:ln>
+              <a:noFill/>
+            </a:ln>
+          </p:spPr>
+          <p:style>
+            <a:lnRef idx="2">
+              <a:schemeClr val="accent1">
+                <a:shade val="50000"/>
+              </a:schemeClr>
+            </a:lnRef>
+            <a:fillRef idx="1">
+              <a:schemeClr val="accent1"/>
+            </a:fillRef>
+            <a:effectRef idx="0">
+              <a:schemeClr val="accent1"/>
+            </a:effectRef>
+            <a:fontRef idx="minor">
+              <a:schemeClr val="lt1"/>
+            </a:fontRef>
+          </p:style>
+          <p:txBody>
+            <a:bodyPr rtlCol="0" anchor="ctr"/>
+            <a:lstStyle/>
+            <a:p>
+              <a:pPr marL="0" marR="0" lvl="0" indent="0" algn="ctr" defTabSz="914400" rtl="0" eaLnBrk="1" fontAlgn="auto" latinLnBrk="0" hangingPunct="1">
+                <a:lnSpc>
+                  <a:spcPct val="100000"/>
+                </a:lnSpc>
+                <a:spcBef>
+                  <a:spcPts val="0"/>
+                </a:spcBef>
+                <a:spcAft>
+                  <a:spcPts val="0"/>
+                </a:spcAft>
+                <a:buClrTx/>
+                <a:buSzTx/>
+                <a:buFontTx/>
+                <a:buNone/>
+                <a:tabLst/>
+                <a:defRPr/>
+              </a:pPr>
+              <a:r>
+                <a:rPr kumimoji="1" lang="en-US" altLang="ja-JP" sz="1600" b="0" i="0" u="none" strike="noStrike" kern="1200" cap="none" spc="0" normalizeH="0" baseline="0" noProof="0" dirty="0">
+                  <a:ln>
+                    <a:noFill/>
+                  </a:ln>
+                  <a:solidFill>
+                    <a:prstClr val="black"/>
+                  </a:solidFill>
+                  <a:effectLst/>
+                  <a:uLnTx/>
+                  <a:uFillTx/>
+                  <a:latin typeface="Calibri"/>
+                  <a:ea typeface="ＭＳ Ｐゴシック" panose="020B0600070205080204" pitchFamily="50" charset="-128"/>
+                  <a:cs typeface="+mn-cs"/>
+                </a:rPr>
+                <a:t>OSPO</a:t>
+              </a:r>
+              <a:endParaRPr kumimoji="1" lang="ja-JP" altLang="en-US" sz="1800" b="0" i="0" u="none" strike="noStrike" kern="1200" cap="none" spc="0" normalizeH="0" baseline="0" noProof="0" dirty="0">
+                <a:ln>
+                  <a:noFill/>
+                </a:ln>
+                <a:solidFill>
+                  <a:prstClr val="black"/>
+                </a:solidFill>
+                <a:effectLst/>
+                <a:uLnTx/>
+                <a:uFillTx/>
+                <a:latin typeface="Calibri"/>
+                <a:ea typeface="ＭＳ Ｐゴシック" panose="020B0600070205080204" pitchFamily="50" charset="-128"/>
+                <a:cs typeface="+mn-cs"/>
+              </a:endParaRPr>
+            </a:p>
+          </p:txBody>
+        </p:sp>
+        <p:sp>
+          <p:nvSpPr>
+            <p:cNvPr id="57" name="四角形: 角を丸くする 56">
+              <a:extLst>
+                <a:ext uri="{FF2B5EF4-FFF2-40B4-BE49-F238E27FC236}">
+                  <a16:creationId xmlns:a16="http://schemas.microsoft.com/office/drawing/2014/main" id="{4D366C3B-1956-4221-AE18-48E731385CCC}"/>
+                </a:ext>
+              </a:extLst>
+            </p:cNvPr>
+            <p:cNvSpPr/>
+            <p:nvPr/>
+          </p:nvSpPr>
+          <p:spPr>
+            <a:xfrm>
+              <a:off x="3859432" y="3715151"/>
+              <a:ext cx="891872" cy="680155"/>
+            </a:xfrm>
+            <a:prstGeom prst="roundRect">
+              <a:avLst/>
+            </a:prstGeom>
+            <a:solidFill>
+              <a:srgbClr val="FFFF00"/>
+            </a:solidFill>
+            <a:ln>
+              <a:noFill/>
+            </a:ln>
+          </p:spPr>
+          <p:style>
+            <a:lnRef idx="2">
+              <a:schemeClr val="accent1">
+                <a:shade val="50000"/>
+              </a:schemeClr>
+            </a:lnRef>
+            <a:fillRef idx="1">
+              <a:schemeClr val="accent1"/>
+            </a:fillRef>
+            <a:effectRef idx="0">
+              <a:schemeClr val="accent1"/>
+            </a:effectRef>
+            <a:fontRef idx="minor">
+              <a:schemeClr val="lt1"/>
+            </a:fontRef>
+          </p:style>
+          <p:txBody>
+            <a:bodyPr rtlCol="0" anchor="ctr"/>
+            <a:lstStyle/>
+            <a:p>
+              <a:pPr marL="0" marR="0" lvl="0" indent="0" algn="ctr" defTabSz="914400" rtl="0" eaLnBrk="1" fontAlgn="auto" latinLnBrk="0" hangingPunct="1">
+                <a:lnSpc>
+                  <a:spcPct val="100000"/>
+                </a:lnSpc>
+                <a:spcBef>
+                  <a:spcPts val="0"/>
+                </a:spcBef>
+                <a:spcAft>
+                  <a:spcPts val="0"/>
+                </a:spcAft>
+                <a:buClrTx/>
+                <a:buSzTx/>
+                <a:buFontTx/>
+                <a:buNone/>
+                <a:tabLst/>
+                <a:defRPr/>
+              </a:pPr>
+              <a:r>
+                <a:rPr kumimoji="1" lang="en-US" altLang="ja-JP" sz="1400" dirty="0">
+                  <a:solidFill>
+                    <a:prstClr val="black"/>
+                  </a:solidFill>
+                  <a:latin typeface="Calibri"/>
+                  <a:ea typeface="ＭＳ Ｐゴシック" panose="020B0600070205080204" pitchFamily="50" charset="-128"/>
+                </a:rPr>
+                <a:t>Inbound</a:t>
+              </a:r>
+              <a:endParaRPr kumimoji="1" lang="en-US" altLang="ja-JP" sz="1400" b="0" i="0" u="none" strike="noStrike" kern="1200" cap="none" spc="0" normalizeH="0" baseline="0" noProof="0" dirty="0">
+                <a:ln>
+                  <a:noFill/>
+                </a:ln>
+                <a:solidFill>
+                  <a:prstClr val="black"/>
+                </a:solidFill>
+                <a:effectLst/>
+                <a:uLnTx/>
+                <a:uFillTx/>
+                <a:latin typeface="Calibri"/>
+                <a:ea typeface="ＭＳ Ｐゴシック" panose="020B0600070205080204" pitchFamily="50" charset="-128"/>
+                <a:cs typeface="+mn-cs"/>
+              </a:endParaRPr>
+            </a:p>
+          </p:txBody>
+        </p:sp>
+        <p:sp>
+          <p:nvSpPr>
+            <p:cNvPr id="63" name="四角形: 角を丸くする 62">
+              <a:extLst>
+                <a:ext uri="{FF2B5EF4-FFF2-40B4-BE49-F238E27FC236}">
+                  <a16:creationId xmlns:a16="http://schemas.microsoft.com/office/drawing/2014/main" id="{C95BED48-E9D4-44D9-AC87-F6218A469675}"/>
+                </a:ext>
+              </a:extLst>
+            </p:cNvPr>
+            <p:cNvSpPr/>
+            <p:nvPr/>
+          </p:nvSpPr>
+          <p:spPr>
+            <a:xfrm>
+              <a:off x="3690929" y="2021715"/>
+              <a:ext cx="1003870" cy="372291"/>
+            </a:xfrm>
+            <a:prstGeom prst="roundRect">
+              <a:avLst/>
+            </a:prstGeom>
+            <a:solidFill>
+              <a:srgbClr val="FFFF00"/>
+            </a:solidFill>
+            <a:ln>
+              <a:noFill/>
+            </a:ln>
+          </p:spPr>
+          <p:style>
+            <a:lnRef idx="2">
+              <a:schemeClr val="accent1">
+                <a:shade val="50000"/>
+              </a:schemeClr>
+            </a:lnRef>
+            <a:fillRef idx="1">
+              <a:schemeClr val="accent1"/>
+            </a:fillRef>
+            <a:effectRef idx="0">
+              <a:schemeClr val="accent1"/>
+            </a:effectRef>
+            <a:fontRef idx="minor">
+              <a:schemeClr val="lt1"/>
+            </a:fontRef>
+          </p:style>
+          <p:txBody>
+            <a:bodyPr rtlCol="0" anchor="ctr"/>
+            <a:lstStyle/>
+            <a:p>
+              <a:pPr marL="0" marR="0" lvl="0" indent="0" algn="ctr" defTabSz="914400" rtl="0" eaLnBrk="1" fontAlgn="auto" latinLnBrk="0" hangingPunct="1">
+                <a:lnSpc>
+                  <a:spcPct val="100000"/>
+                </a:lnSpc>
+                <a:spcBef>
+                  <a:spcPts val="0"/>
+                </a:spcBef>
+                <a:spcAft>
+                  <a:spcPts val="0"/>
+                </a:spcAft>
+                <a:buClrTx/>
+                <a:buSzTx/>
+                <a:buFontTx/>
+                <a:buNone/>
+                <a:tabLst/>
+                <a:defRPr/>
+              </a:pPr>
+              <a:r>
+                <a:rPr kumimoji="1" lang="en-US" altLang="ja-JP" sz="1200" b="0" i="0" u="none" strike="noStrike" kern="1200" cap="none" spc="0" normalizeH="0" baseline="0" noProof="0" dirty="0">
+                  <a:ln>
+                    <a:noFill/>
+                  </a:ln>
+                  <a:solidFill>
+                    <a:prstClr val="black"/>
+                  </a:solidFill>
+                  <a:effectLst/>
+                  <a:uLnTx/>
+                  <a:uFillTx/>
+                  <a:latin typeface="Calibri"/>
+                  <a:ea typeface="ＭＳ Ｐゴシック" panose="020B0600070205080204" pitchFamily="50" charset="-128"/>
+                  <a:cs typeface="+mn-cs"/>
+                </a:rPr>
+                <a:t>OSS</a:t>
+              </a:r>
+              <a:r>
+                <a:rPr kumimoji="1" lang="ja-JP" altLang="en-US" sz="1200" b="0" i="0" u="none" strike="noStrike" kern="1200" cap="none" spc="0" normalizeH="0" baseline="0" noProof="0" dirty="0">
+                  <a:ln>
+                    <a:noFill/>
+                  </a:ln>
+                  <a:solidFill>
+                    <a:prstClr val="black"/>
+                  </a:solidFill>
+                  <a:effectLst/>
+                  <a:uLnTx/>
+                  <a:uFillTx/>
+                  <a:latin typeface="Calibri"/>
+                  <a:ea typeface="ＭＳ Ｐゴシック" panose="020B0600070205080204" pitchFamily="50" charset="-128"/>
+                  <a:cs typeface="+mn-cs"/>
+                </a:rPr>
+                <a:t> </a:t>
+              </a:r>
+              <a:r>
+                <a:rPr kumimoji="1" lang="en-US" altLang="ja-JP" sz="1200" b="0" i="0" u="none" strike="noStrike" kern="1200" cap="none" spc="0" normalizeH="0" baseline="0" noProof="0" dirty="0">
+                  <a:ln>
+                    <a:noFill/>
+                  </a:ln>
+                  <a:solidFill>
+                    <a:prstClr val="black"/>
+                  </a:solidFill>
+                  <a:effectLst/>
+                  <a:uLnTx/>
+                  <a:uFillTx/>
+                  <a:latin typeface="Calibri"/>
+                  <a:ea typeface="ＭＳ Ｐゴシック" panose="020B0600070205080204" pitchFamily="50" charset="-128"/>
+                  <a:cs typeface="+mn-cs"/>
+                </a:rPr>
+                <a:t>License</a:t>
+              </a:r>
+            </a:p>
+          </p:txBody>
+        </p:sp>
+        <p:sp>
+          <p:nvSpPr>
+            <p:cNvPr id="65" name="四角形: 角を丸くする 64">
+              <a:extLst>
+                <a:ext uri="{FF2B5EF4-FFF2-40B4-BE49-F238E27FC236}">
+                  <a16:creationId xmlns:a16="http://schemas.microsoft.com/office/drawing/2014/main" id="{8EB9B262-AFD4-4E7E-8236-F15BB3F0ED12}"/>
+                </a:ext>
+              </a:extLst>
+            </p:cNvPr>
+            <p:cNvSpPr/>
+            <p:nvPr/>
+          </p:nvSpPr>
+          <p:spPr>
+            <a:xfrm>
+              <a:off x="4030294" y="509744"/>
+              <a:ext cx="1220794" cy="372291"/>
+            </a:xfrm>
+            <a:prstGeom prst="roundRect">
+              <a:avLst/>
+            </a:prstGeom>
+            <a:solidFill>
+              <a:srgbClr val="FFFF00"/>
+            </a:solidFill>
+            <a:ln>
+              <a:noFill/>
+            </a:ln>
+          </p:spPr>
+          <p:style>
+            <a:lnRef idx="2">
+              <a:schemeClr val="accent1">
+                <a:shade val="50000"/>
+              </a:schemeClr>
+            </a:lnRef>
+            <a:fillRef idx="1">
+              <a:schemeClr val="accent1"/>
+            </a:fillRef>
+            <a:effectRef idx="0">
+              <a:schemeClr val="accent1"/>
+            </a:effectRef>
+            <a:fontRef idx="minor">
+              <a:schemeClr val="lt1"/>
+            </a:fontRef>
+          </p:style>
+          <p:txBody>
+            <a:bodyPr rtlCol="0" anchor="ctr"/>
+            <a:lstStyle/>
+            <a:p>
+              <a:pPr marL="0" marR="0" lvl="0" indent="0" algn="ctr" defTabSz="914400" rtl="0" eaLnBrk="1" fontAlgn="auto" latinLnBrk="0" hangingPunct="1">
+                <a:lnSpc>
+                  <a:spcPct val="100000"/>
+                </a:lnSpc>
+                <a:spcBef>
+                  <a:spcPts val="0"/>
+                </a:spcBef>
+                <a:spcAft>
+                  <a:spcPts val="0"/>
+                </a:spcAft>
+                <a:buClrTx/>
+                <a:buSzTx/>
+                <a:buFontTx/>
+                <a:buNone/>
+                <a:tabLst/>
+                <a:defRPr/>
+              </a:pPr>
+              <a:r>
+                <a:rPr kumimoji="1" lang="en-US" altLang="ja-JP" sz="1400" dirty="0">
+                  <a:solidFill>
+                    <a:prstClr val="black"/>
+                  </a:solidFill>
+                  <a:latin typeface="Calibri"/>
+                  <a:ea typeface="ＭＳ Ｐゴシック" panose="020B0600070205080204" pitchFamily="50" charset="-128"/>
+                </a:rPr>
+                <a:t>Management</a:t>
+              </a:r>
+            </a:p>
+          </p:txBody>
+        </p:sp>
+        <p:sp>
+          <p:nvSpPr>
+            <p:cNvPr id="67" name="四角形: 角を丸くする 66">
+              <a:extLst>
+                <a:ext uri="{FF2B5EF4-FFF2-40B4-BE49-F238E27FC236}">
+                  <a16:creationId xmlns:a16="http://schemas.microsoft.com/office/drawing/2014/main" id="{7EA2D299-01F6-4EE7-80C7-ACB576CF76B1}"/>
+                </a:ext>
+              </a:extLst>
+            </p:cNvPr>
+            <p:cNvSpPr/>
+            <p:nvPr/>
+          </p:nvSpPr>
+          <p:spPr>
+            <a:xfrm>
+              <a:off x="4855771" y="5021408"/>
+              <a:ext cx="1055956" cy="372291"/>
+            </a:xfrm>
+            <a:prstGeom prst="roundRect">
+              <a:avLst/>
+            </a:prstGeom>
+            <a:solidFill>
+              <a:srgbClr val="FFFF00"/>
+            </a:solidFill>
+            <a:ln>
+              <a:noFill/>
+            </a:ln>
+          </p:spPr>
+          <p:style>
+            <a:lnRef idx="2">
+              <a:schemeClr val="accent1">
+                <a:shade val="50000"/>
+              </a:schemeClr>
+            </a:lnRef>
+            <a:fillRef idx="1">
+              <a:schemeClr val="accent1"/>
+            </a:fillRef>
+            <a:effectRef idx="0">
+              <a:schemeClr val="accent1"/>
+            </a:effectRef>
+            <a:fontRef idx="minor">
+              <a:schemeClr val="lt1"/>
+            </a:fontRef>
+          </p:style>
+          <p:txBody>
+            <a:bodyPr rtlCol="0" anchor="ctr"/>
+            <a:lstStyle/>
+            <a:p>
+              <a:pPr marL="0" marR="0" lvl="0" indent="0" algn="ctr" defTabSz="914400" rtl="0" eaLnBrk="1" fontAlgn="auto" latinLnBrk="0" hangingPunct="1">
+                <a:lnSpc>
+                  <a:spcPct val="100000"/>
+                </a:lnSpc>
+                <a:spcBef>
+                  <a:spcPts val="0"/>
+                </a:spcBef>
+                <a:spcAft>
+                  <a:spcPts val="0"/>
+                </a:spcAft>
+                <a:buClrTx/>
+                <a:buSzTx/>
+                <a:buFontTx/>
+                <a:buNone/>
+                <a:tabLst/>
+                <a:defRPr/>
+              </a:pPr>
+              <a:r>
+                <a:rPr kumimoji="1" lang="en-US" altLang="ja-JP" sz="1100" dirty="0">
+                  <a:solidFill>
+                    <a:prstClr val="black"/>
+                  </a:solidFill>
+                  <a:latin typeface="Calibri"/>
+                  <a:ea typeface="ＭＳ Ｐゴシック" panose="020B0600070205080204" pitchFamily="50" charset="-128"/>
+                </a:rPr>
+                <a:t>Community</a:t>
+              </a:r>
+              <a:r>
+                <a:rPr kumimoji="1" lang="ja-JP" altLang="en-US" sz="1100" dirty="0">
+                  <a:solidFill>
+                    <a:prstClr val="black"/>
+                  </a:solidFill>
+                  <a:latin typeface="Calibri"/>
+                  <a:ea typeface="ＭＳ Ｐゴシック" panose="020B0600070205080204" pitchFamily="50" charset="-128"/>
+                </a:rPr>
+                <a:t> </a:t>
+              </a:r>
+              <a:r>
+                <a:rPr kumimoji="1" lang="en-US" altLang="ja-JP" sz="1100" dirty="0">
+                  <a:solidFill>
+                    <a:prstClr val="black"/>
+                  </a:solidFill>
+                  <a:latin typeface="Calibri"/>
+                  <a:ea typeface="ＭＳ Ｐゴシック" panose="020B0600070205080204" pitchFamily="50" charset="-128"/>
+                </a:rPr>
+                <a:t>Liaison</a:t>
+              </a:r>
+              <a:endParaRPr kumimoji="1" lang="ja-JP" altLang="en-US" sz="1100" b="0" i="0" u="none" strike="noStrike" kern="1200" cap="none" spc="0" normalizeH="0" baseline="0" noProof="0" dirty="0">
+                <a:ln>
+                  <a:noFill/>
+                </a:ln>
+                <a:solidFill>
+                  <a:prstClr val="black"/>
+                </a:solidFill>
+                <a:effectLst/>
+                <a:uLnTx/>
+                <a:uFillTx/>
+                <a:latin typeface="Calibri"/>
+                <a:ea typeface="ＭＳ Ｐゴシック" panose="020B0600070205080204" pitchFamily="50" charset="-128"/>
+                <a:cs typeface="+mn-cs"/>
+              </a:endParaRPr>
+            </a:p>
+          </p:txBody>
+        </p:sp>
+        <p:sp>
+          <p:nvSpPr>
+            <p:cNvPr id="68" name="四角形: 角を丸くする 67">
+              <a:extLst>
+                <a:ext uri="{FF2B5EF4-FFF2-40B4-BE49-F238E27FC236}">
+                  <a16:creationId xmlns:a16="http://schemas.microsoft.com/office/drawing/2014/main" id="{4DBA374D-4E39-4DCE-9553-510B87A65F96}"/>
+                </a:ext>
+              </a:extLst>
+            </p:cNvPr>
+            <p:cNvSpPr/>
+            <p:nvPr/>
+          </p:nvSpPr>
+          <p:spPr>
+            <a:xfrm>
+              <a:off x="5947364" y="2002782"/>
+              <a:ext cx="1094405" cy="372291"/>
+            </a:xfrm>
+            <a:prstGeom prst="roundRect">
+              <a:avLst/>
+            </a:prstGeom>
+            <a:solidFill>
+              <a:srgbClr val="FFFF00"/>
+            </a:solidFill>
+            <a:ln>
+              <a:noFill/>
+            </a:ln>
+          </p:spPr>
+          <p:style>
+            <a:lnRef idx="2">
+              <a:schemeClr val="accent1">
+                <a:shade val="50000"/>
+              </a:schemeClr>
+            </a:lnRef>
+            <a:fillRef idx="1">
+              <a:schemeClr val="accent1"/>
+            </a:fillRef>
+            <a:effectRef idx="0">
+              <a:schemeClr val="accent1"/>
+            </a:effectRef>
+            <a:fontRef idx="minor">
+              <a:schemeClr val="lt1"/>
+            </a:fontRef>
+          </p:style>
+          <p:txBody>
+            <a:bodyPr rtlCol="0" anchor="ctr"/>
+            <a:lstStyle/>
+            <a:p>
+              <a:pPr marL="0" marR="0" lvl="0" indent="0" algn="ctr" defTabSz="914400" rtl="0" eaLnBrk="1" fontAlgn="auto" latinLnBrk="0" hangingPunct="1">
+                <a:lnSpc>
+                  <a:spcPct val="100000"/>
+                </a:lnSpc>
+                <a:spcBef>
+                  <a:spcPts val="0"/>
+                </a:spcBef>
+                <a:spcAft>
+                  <a:spcPts val="0"/>
+                </a:spcAft>
+                <a:buClrTx/>
+                <a:buSzTx/>
+                <a:buFontTx/>
+                <a:buNone/>
+                <a:tabLst/>
+                <a:defRPr/>
+              </a:pPr>
+              <a:r>
+                <a:rPr kumimoji="1" lang="en-US" altLang="ja-JP" sz="1400" dirty="0">
+                  <a:solidFill>
+                    <a:prstClr val="black"/>
+                  </a:solidFill>
+                  <a:latin typeface="Calibri"/>
+                  <a:ea typeface="ＭＳ Ｐゴシック" panose="020B0600070205080204" pitchFamily="50" charset="-128"/>
+                </a:rPr>
+                <a:t>Engineering</a:t>
+              </a:r>
+              <a:endParaRPr kumimoji="1" lang="ja-JP" altLang="en-US" sz="1400" b="0" i="0" u="none" strike="noStrike" kern="1200" cap="none" spc="0" normalizeH="0" baseline="0" noProof="0" dirty="0">
+                <a:ln>
+                  <a:noFill/>
+                </a:ln>
+                <a:solidFill>
+                  <a:prstClr val="black"/>
+                </a:solidFill>
+                <a:effectLst/>
+                <a:uLnTx/>
+                <a:uFillTx/>
+                <a:latin typeface="Calibri"/>
+                <a:ea typeface="ＭＳ Ｐゴシック" panose="020B0600070205080204" pitchFamily="50" charset="-128"/>
+                <a:cs typeface="+mn-cs"/>
+              </a:endParaRPr>
+            </a:p>
+          </p:txBody>
+        </p:sp>
+        <p:sp>
+          <p:nvSpPr>
+            <p:cNvPr id="69" name="四角形: 角を丸くする 68">
+              <a:extLst>
+                <a:ext uri="{FF2B5EF4-FFF2-40B4-BE49-F238E27FC236}">
+                  <a16:creationId xmlns:a16="http://schemas.microsoft.com/office/drawing/2014/main" id="{66FD5A74-491E-4F0A-806B-3C2DCCB78CB2}"/>
+                </a:ext>
+              </a:extLst>
+            </p:cNvPr>
+            <p:cNvSpPr/>
+            <p:nvPr/>
+          </p:nvSpPr>
+          <p:spPr>
+            <a:xfrm>
+              <a:off x="6616709" y="1537694"/>
+              <a:ext cx="970613" cy="372291"/>
+            </a:xfrm>
+            <a:prstGeom prst="roundRect">
+              <a:avLst/>
+            </a:prstGeom>
+            <a:solidFill>
+              <a:srgbClr val="FFFF00"/>
+            </a:solidFill>
+            <a:ln>
+              <a:noFill/>
+            </a:ln>
+          </p:spPr>
+          <p:style>
+            <a:lnRef idx="2">
+              <a:schemeClr val="accent1">
+                <a:shade val="50000"/>
+              </a:schemeClr>
+            </a:lnRef>
+            <a:fillRef idx="1">
+              <a:schemeClr val="accent1"/>
+            </a:fillRef>
+            <a:effectRef idx="0">
+              <a:schemeClr val="accent1"/>
+            </a:effectRef>
+            <a:fontRef idx="minor">
+              <a:schemeClr val="lt1"/>
+            </a:fontRef>
+          </p:style>
+          <p:txBody>
+            <a:bodyPr rtlCol="0" anchor="ctr"/>
+            <a:lstStyle/>
+            <a:p>
+              <a:pPr marL="0" marR="0" lvl="0" indent="0" algn="ctr" defTabSz="914400" rtl="0" eaLnBrk="1" fontAlgn="auto" latinLnBrk="0" hangingPunct="1">
+                <a:lnSpc>
+                  <a:spcPct val="100000"/>
+                </a:lnSpc>
+                <a:spcBef>
+                  <a:spcPts val="0"/>
+                </a:spcBef>
+                <a:spcAft>
+                  <a:spcPts val="0"/>
+                </a:spcAft>
+                <a:buClrTx/>
+                <a:buSzTx/>
+                <a:buFontTx/>
+                <a:buNone/>
+                <a:tabLst/>
+                <a:defRPr/>
+              </a:pPr>
+              <a:r>
+                <a:rPr kumimoji="1" lang="en-US" altLang="ja-JP" sz="1400" dirty="0">
+                  <a:solidFill>
+                    <a:prstClr val="black"/>
+                  </a:solidFill>
+                  <a:latin typeface="Calibri"/>
+                  <a:ea typeface="ＭＳ Ｐゴシック" panose="020B0600070205080204" pitchFamily="50" charset="-128"/>
+                </a:rPr>
+                <a:t>Education</a:t>
+              </a:r>
+              <a:endParaRPr kumimoji="1" lang="ja-JP" altLang="en-US" sz="1400" b="0" i="0" u="none" strike="noStrike" kern="1200" cap="none" spc="0" normalizeH="0" baseline="0" noProof="0" dirty="0">
+                <a:ln>
+                  <a:noFill/>
+                </a:ln>
+                <a:solidFill>
+                  <a:prstClr val="black"/>
+                </a:solidFill>
+                <a:effectLst/>
+                <a:uLnTx/>
+                <a:uFillTx/>
+                <a:latin typeface="Calibri"/>
+                <a:ea typeface="ＭＳ Ｐゴシック" panose="020B0600070205080204" pitchFamily="50" charset="-128"/>
+                <a:cs typeface="+mn-cs"/>
+              </a:endParaRPr>
+            </a:p>
+          </p:txBody>
+        </p:sp>
+        <p:sp>
+          <p:nvSpPr>
+            <p:cNvPr id="71" name="四角形: 角を丸くする 70">
+              <a:extLst>
+                <a:ext uri="{FF2B5EF4-FFF2-40B4-BE49-F238E27FC236}">
+                  <a16:creationId xmlns:a16="http://schemas.microsoft.com/office/drawing/2014/main" id="{CCF148FC-5627-4720-BAFA-4F7565168BB7}"/>
+                </a:ext>
+              </a:extLst>
+            </p:cNvPr>
+            <p:cNvSpPr/>
+            <p:nvPr/>
+          </p:nvSpPr>
+          <p:spPr>
+            <a:xfrm>
+              <a:off x="3682236" y="978591"/>
+              <a:ext cx="1108650" cy="424643"/>
+            </a:xfrm>
+            <a:prstGeom prst="roundRect">
+              <a:avLst/>
+            </a:prstGeom>
+            <a:solidFill>
+              <a:srgbClr val="FFFF00"/>
+            </a:solidFill>
+            <a:ln>
+              <a:noFill/>
+            </a:ln>
+          </p:spPr>
+          <p:style>
+            <a:lnRef idx="2">
+              <a:schemeClr val="accent1">
+                <a:shade val="50000"/>
+              </a:schemeClr>
+            </a:lnRef>
+            <a:fillRef idx="1">
+              <a:schemeClr val="accent1"/>
+            </a:fillRef>
+            <a:effectRef idx="0">
+              <a:schemeClr val="accent1"/>
+            </a:effectRef>
+            <a:fontRef idx="minor">
+              <a:schemeClr val="lt1"/>
+            </a:fontRef>
+          </p:style>
+          <p:txBody>
+            <a:bodyPr rtlCol="0" anchor="ctr"/>
+            <a:lstStyle/>
+            <a:p>
+              <a:pPr marL="0" marR="0" lvl="0" indent="0" algn="ctr" defTabSz="914400" rtl="0" eaLnBrk="1" fontAlgn="auto" latinLnBrk="0" hangingPunct="1">
+                <a:lnSpc>
+                  <a:spcPct val="100000"/>
+                </a:lnSpc>
+                <a:spcBef>
+                  <a:spcPts val="0"/>
+                </a:spcBef>
+                <a:spcAft>
+                  <a:spcPts val="0"/>
+                </a:spcAft>
+                <a:buClrTx/>
+                <a:buSzTx/>
+                <a:buFontTx/>
+                <a:buNone/>
+                <a:tabLst/>
+                <a:defRPr/>
+              </a:pPr>
+              <a:r>
+                <a:rPr kumimoji="1" lang="en-US" altLang="ja-JP" sz="1400" dirty="0">
+                  <a:solidFill>
+                    <a:prstClr val="black"/>
+                  </a:solidFill>
+                  <a:latin typeface="Calibri"/>
+                  <a:ea typeface="ＭＳ Ｐゴシック" panose="020B0600070205080204" pitchFamily="50" charset="-128"/>
+                </a:rPr>
+                <a:t>Dev. </a:t>
+              </a:r>
+              <a:r>
+                <a:rPr kumimoji="1" lang="en-US" altLang="ja-JP" sz="1400" dirty="0" err="1">
+                  <a:solidFill>
+                    <a:prstClr val="black"/>
+                  </a:solidFill>
+                  <a:latin typeface="Calibri"/>
+                  <a:ea typeface="ＭＳ Ｐゴシック" panose="020B0600070205080204" pitchFamily="50" charset="-128"/>
+                </a:rPr>
+                <a:t>Enviroment</a:t>
+              </a:r>
+              <a:endParaRPr kumimoji="1" lang="ja-JP" altLang="en-US" sz="1400" b="0" i="0" u="none" strike="noStrike" kern="1200" cap="none" spc="0" normalizeH="0" baseline="0" noProof="0" dirty="0">
+                <a:ln>
+                  <a:noFill/>
+                </a:ln>
+                <a:solidFill>
+                  <a:prstClr val="black"/>
+                </a:solidFill>
+                <a:effectLst/>
+                <a:uLnTx/>
+                <a:uFillTx/>
+                <a:latin typeface="Calibri"/>
+                <a:ea typeface="ＭＳ Ｐゴシック" panose="020B0600070205080204" pitchFamily="50" charset="-128"/>
+                <a:cs typeface="+mn-cs"/>
+              </a:endParaRPr>
+            </a:p>
+          </p:txBody>
+        </p:sp>
+        <p:sp>
+          <p:nvSpPr>
+            <p:cNvPr id="73" name="四角形: 角を丸くする 72">
+              <a:extLst>
+                <a:ext uri="{FF2B5EF4-FFF2-40B4-BE49-F238E27FC236}">
+                  <a16:creationId xmlns:a16="http://schemas.microsoft.com/office/drawing/2014/main" id="{D90D6A46-98D1-47E6-AFEA-79E8B99D10C2}"/>
+                </a:ext>
+              </a:extLst>
+            </p:cNvPr>
+            <p:cNvSpPr/>
+            <p:nvPr/>
+          </p:nvSpPr>
+          <p:spPr>
+            <a:xfrm>
+              <a:off x="4855771" y="980667"/>
+              <a:ext cx="1075887" cy="436627"/>
+            </a:xfrm>
+            <a:prstGeom prst="roundRect">
+              <a:avLst/>
+            </a:prstGeom>
+            <a:solidFill>
+              <a:srgbClr val="FFFF00"/>
+            </a:solidFill>
+            <a:ln>
+              <a:noFill/>
+            </a:ln>
+          </p:spPr>
+          <p:style>
+            <a:lnRef idx="2">
+              <a:schemeClr val="accent1">
+                <a:shade val="50000"/>
+              </a:schemeClr>
+            </a:lnRef>
+            <a:fillRef idx="1">
+              <a:schemeClr val="accent1"/>
+            </a:fillRef>
+            <a:effectRef idx="0">
+              <a:schemeClr val="accent1"/>
+            </a:effectRef>
+            <a:fontRef idx="minor">
+              <a:schemeClr val="lt1"/>
+            </a:fontRef>
+          </p:style>
+          <p:txBody>
+            <a:bodyPr rtlCol="0" anchor="ctr"/>
+            <a:lstStyle/>
+            <a:p>
+              <a:pPr marL="0" marR="0" lvl="0" indent="0" algn="ctr" defTabSz="914400" rtl="0" eaLnBrk="1" fontAlgn="auto" latinLnBrk="0" hangingPunct="1">
+                <a:lnSpc>
+                  <a:spcPct val="100000"/>
+                </a:lnSpc>
+                <a:spcBef>
+                  <a:spcPts val="0"/>
+                </a:spcBef>
+                <a:spcAft>
+                  <a:spcPts val="0"/>
+                </a:spcAft>
+                <a:buClrTx/>
+                <a:buSzTx/>
+                <a:buFontTx/>
+                <a:buNone/>
+                <a:tabLst/>
+                <a:defRPr/>
+              </a:pPr>
+              <a:r>
+                <a:rPr kumimoji="1" lang="en-US" altLang="ja-JP" sz="1400" dirty="0">
+                  <a:solidFill>
+                    <a:prstClr val="black"/>
+                  </a:solidFill>
+                  <a:latin typeface="Calibri"/>
+                  <a:ea typeface="ＭＳ Ｐゴシック" panose="020B0600070205080204" pitchFamily="50" charset="-128"/>
+                </a:rPr>
+                <a:t>Product Planning</a:t>
+              </a:r>
+              <a:endParaRPr kumimoji="1" lang="ja-JP" altLang="en-US" sz="1400" b="0" i="0" u="none" strike="noStrike" kern="1200" cap="none" spc="0" normalizeH="0" baseline="0" noProof="0" dirty="0">
+                <a:ln>
+                  <a:noFill/>
+                </a:ln>
+                <a:solidFill>
+                  <a:prstClr val="black"/>
+                </a:solidFill>
+                <a:effectLst/>
+                <a:uLnTx/>
+                <a:uFillTx/>
+                <a:latin typeface="Calibri"/>
+                <a:ea typeface="ＭＳ Ｐゴシック" panose="020B0600070205080204" pitchFamily="50" charset="-128"/>
+                <a:cs typeface="+mn-cs"/>
+              </a:endParaRPr>
+            </a:p>
+          </p:txBody>
+        </p:sp>
+        <p:sp>
+          <p:nvSpPr>
+            <p:cNvPr id="77" name="四角形: 角を丸くする 76">
+              <a:extLst>
+                <a:ext uri="{FF2B5EF4-FFF2-40B4-BE49-F238E27FC236}">
+                  <a16:creationId xmlns:a16="http://schemas.microsoft.com/office/drawing/2014/main" id="{51A0DB07-3DCF-4F5A-A83A-D86AE6E7CBF2}"/>
+                </a:ext>
+              </a:extLst>
+            </p:cNvPr>
+            <p:cNvSpPr/>
+            <p:nvPr/>
+          </p:nvSpPr>
+          <p:spPr>
+            <a:xfrm>
+              <a:off x="6016785" y="994744"/>
+              <a:ext cx="1229034" cy="422550"/>
+            </a:xfrm>
+            <a:prstGeom prst="roundRect">
+              <a:avLst/>
+            </a:prstGeom>
+            <a:solidFill>
+              <a:srgbClr val="FFFF00"/>
+            </a:solidFill>
+            <a:ln>
+              <a:noFill/>
+            </a:ln>
+          </p:spPr>
+          <p:style>
+            <a:lnRef idx="2">
+              <a:schemeClr val="accent1">
+                <a:shade val="50000"/>
+              </a:schemeClr>
+            </a:lnRef>
+            <a:fillRef idx="1">
+              <a:schemeClr val="accent1"/>
+            </a:fillRef>
+            <a:effectRef idx="0">
+              <a:schemeClr val="accent1"/>
+            </a:effectRef>
+            <a:fontRef idx="minor">
+              <a:schemeClr val="lt1"/>
+            </a:fontRef>
+          </p:style>
+          <p:txBody>
+            <a:bodyPr rtlCol="0" anchor="ctr"/>
+            <a:lstStyle/>
+            <a:p>
+              <a:pPr marL="0" marR="0" lvl="0" indent="0" algn="ctr" defTabSz="914400" rtl="0" eaLnBrk="1" fontAlgn="auto" latinLnBrk="0" hangingPunct="1">
+                <a:lnSpc>
+                  <a:spcPct val="100000"/>
+                </a:lnSpc>
+                <a:spcBef>
+                  <a:spcPts val="0"/>
+                </a:spcBef>
+                <a:spcAft>
+                  <a:spcPts val="0"/>
+                </a:spcAft>
+                <a:buClrTx/>
+                <a:buSzTx/>
+                <a:buFontTx/>
+                <a:buNone/>
+                <a:tabLst/>
+                <a:defRPr/>
+              </a:pPr>
+              <a:r>
+                <a:rPr kumimoji="1" lang="en-US" altLang="ja-JP" sz="1400" b="0" i="0" u="none" strike="noStrike" kern="1200" cap="none" spc="0" normalizeH="0" baseline="0" noProof="0" dirty="0">
+                  <a:ln>
+                    <a:noFill/>
+                  </a:ln>
+                  <a:solidFill>
+                    <a:prstClr val="black"/>
+                  </a:solidFill>
+                  <a:effectLst/>
+                  <a:uLnTx/>
+                  <a:uFillTx/>
+                  <a:latin typeface="Calibri"/>
+                  <a:ea typeface="ＭＳ Ｐゴシック" panose="020B0600070205080204" pitchFamily="50" charset="-128"/>
+                  <a:cs typeface="+mn-cs"/>
+                </a:rPr>
+                <a:t>BOM</a:t>
+              </a:r>
+            </a:p>
+            <a:p>
+              <a:pPr marL="0" marR="0" lvl="0" indent="0" algn="ctr" defTabSz="914400" rtl="0" eaLnBrk="1" fontAlgn="auto" latinLnBrk="0" hangingPunct="1">
+                <a:lnSpc>
+                  <a:spcPct val="100000"/>
+                </a:lnSpc>
+                <a:spcBef>
+                  <a:spcPts val="0"/>
+                </a:spcBef>
+                <a:spcAft>
+                  <a:spcPts val="0"/>
+                </a:spcAft>
+                <a:buClrTx/>
+                <a:buSzTx/>
+                <a:buFontTx/>
+                <a:buNone/>
+                <a:tabLst/>
+                <a:defRPr/>
+              </a:pPr>
+              <a:r>
+                <a:rPr kumimoji="1" lang="en-US" altLang="ja-JP" sz="1400" dirty="0">
+                  <a:solidFill>
+                    <a:prstClr val="black"/>
+                  </a:solidFill>
+                  <a:latin typeface="Calibri"/>
+                  <a:ea typeface="ＭＳ Ｐゴシック" panose="020B0600070205080204" pitchFamily="50" charset="-128"/>
+                </a:rPr>
+                <a:t>Management</a:t>
+              </a:r>
+              <a:endParaRPr kumimoji="1" lang="ja-JP" altLang="en-US" sz="1400" b="0" i="0" u="none" strike="noStrike" kern="1200" cap="none" spc="0" normalizeH="0" baseline="0" noProof="0" dirty="0">
+                <a:ln>
+                  <a:noFill/>
+                </a:ln>
+                <a:solidFill>
+                  <a:prstClr val="black"/>
+                </a:solidFill>
+                <a:effectLst/>
+                <a:uLnTx/>
+                <a:uFillTx/>
+                <a:latin typeface="Calibri"/>
+                <a:ea typeface="ＭＳ Ｐゴシック" panose="020B0600070205080204" pitchFamily="50" charset="-128"/>
+                <a:cs typeface="+mn-cs"/>
+              </a:endParaRPr>
+            </a:p>
+          </p:txBody>
+        </p:sp>
+        <p:sp>
+          <p:nvSpPr>
+            <p:cNvPr id="79" name="四角形: 角を丸くする 78">
+              <a:extLst>
+                <a:ext uri="{FF2B5EF4-FFF2-40B4-BE49-F238E27FC236}">
+                  <a16:creationId xmlns:a16="http://schemas.microsoft.com/office/drawing/2014/main" id="{4AECB53A-017B-4D5C-92BA-ED8AFD099673}"/>
+                </a:ext>
+              </a:extLst>
+            </p:cNvPr>
+            <p:cNvSpPr/>
+            <p:nvPr/>
+          </p:nvSpPr>
+          <p:spPr>
+            <a:xfrm>
+              <a:off x="6631301" y="4401778"/>
+              <a:ext cx="1161353" cy="372291"/>
+            </a:xfrm>
+            <a:prstGeom prst="roundRect">
+              <a:avLst/>
+            </a:prstGeom>
+            <a:solidFill>
+              <a:srgbClr val="FFFF00"/>
+            </a:solidFill>
+            <a:ln>
+              <a:noFill/>
+            </a:ln>
+          </p:spPr>
+          <p:style>
+            <a:lnRef idx="2">
+              <a:schemeClr val="accent1">
+                <a:shade val="50000"/>
+              </a:schemeClr>
+            </a:lnRef>
+            <a:fillRef idx="1">
+              <a:schemeClr val="accent1"/>
+            </a:fillRef>
+            <a:effectRef idx="0">
+              <a:schemeClr val="accent1"/>
+            </a:effectRef>
+            <a:fontRef idx="minor">
+              <a:schemeClr val="lt1"/>
+            </a:fontRef>
+          </p:style>
+          <p:txBody>
+            <a:bodyPr rtlCol="0" anchor="ctr"/>
+            <a:lstStyle/>
+            <a:p>
+              <a:pPr marL="0" marR="0" lvl="0" indent="0" algn="ctr" defTabSz="914400" rtl="0" eaLnBrk="1" fontAlgn="auto" latinLnBrk="0" hangingPunct="1">
+                <a:lnSpc>
+                  <a:spcPct val="100000"/>
+                </a:lnSpc>
+                <a:spcBef>
+                  <a:spcPts val="0"/>
+                </a:spcBef>
+                <a:spcAft>
+                  <a:spcPts val="0"/>
+                </a:spcAft>
+                <a:buClrTx/>
+                <a:buSzTx/>
+                <a:buFontTx/>
+                <a:buNone/>
+                <a:tabLst/>
+                <a:defRPr/>
+              </a:pPr>
+              <a:r>
+                <a:rPr kumimoji="1" lang="en-US" altLang="ja-JP" sz="1400" dirty="0">
+                  <a:solidFill>
+                    <a:prstClr val="black"/>
+                  </a:solidFill>
+                  <a:latin typeface="Calibri"/>
+                  <a:ea typeface="ＭＳ Ｐゴシック" panose="020B0600070205080204" pitchFamily="50" charset="-128"/>
+                </a:rPr>
+                <a:t>Marketing</a:t>
+              </a:r>
+              <a:endParaRPr kumimoji="1" lang="ja-JP" altLang="en-US" sz="1400" b="0" i="0" u="none" strike="noStrike" kern="1200" cap="none" spc="0" normalizeH="0" baseline="0" noProof="0" dirty="0">
+                <a:ln>
+                  <a:noFill/>
+                </a:ln>
+                <a:solidFill>
+                  <a:prstClr val="black"/>
+                </a:solidFill>
+                <a:effectLst/>
+                <a:uLnTx/>
+                <a:uFillTx/>
+                <a:latin typeface="Calibri"/>
+                <a:ea typeface="ＭＳ Ｐゴシック" panose="020B0600070205080204" pitchFamily="50" charset="-128"/>
+                <a:cs typeface="+mn-cs"/>
+              </a:endParaRPr>
+            </a:p>
+          </p:txBody>
+        </p:sp>
+        <p:sp>
+          <p:nvSpPr>
+            <p:cNvPr id="60" name="テキスト ボックス 59">
+              <a:extLst>
+                <a:ext uri="{FF2B5EF4-FFF2-40B4-BE49-F238E27FC236}">
+                  <a16:creationId xmlns:a16="http://schemas.microsoft.com/office/drawing/2014/main" id="{3F9EB81D-AB46-428E-A104-B5F2C7A9D5B8}"/>
+                </a:ext>
+              </a:extLst>
+            </p:cNvPr>
+            <p:cNvSpPr txBox="1"/>
+            <p:nvPr/>
+          </p:nvSpPr>
+          <p:spPr>
+            <a:xfrm>
+              <a:off x="5742669" y="336723"/>
+              <a:ext cx="1503150" cy="369332"/>
+            </a:xfrm>
+            <a:prstGeom prst="rect">
+              <a:avLst/>
+            </a:prstGeom>
+            <a:noFill/>
+          </p:spPr>
+          <p:txBody>
+            <a:bodyPr wrap="square" rtlCol="0">
+              <a:spAutoFit/>
+            </a:bodyPr>
+            <a:lstStyle/>
+            <a:p>
+              <a:pPr marL="0" marR="0" lvl="0" indent="0" algn="l" defTabSz="914400" rtl="0" eaLnBrk="1" fontAlgn="auto" latinLnBrk="0" hangingPunct="1">
+                <a:lnSpc>
+                  <a:spcPct val="100000"/>
+                </a:lnSpc>
+                <a:spcBef>
+                  <a:spcPts val="0"/>
+                </a:spcBef>
+                <a:spcAft>
+                  <a:spcPts val="0"/>
+                </a:spcAft>
+                <a:buClrTx/>
+                <a:buSzTx/>
+                <a:buFontTx/>
+                <a:buNone/>
+                <a:tabLst/>
+                <a:defRPr/>
+              </a:pPr>
+              <a:r>
+                <a:rPr kumimoji="1" lang="en-US" altLang="ja-JP" dirty="0">
+                  <a:solidFill>
+                    <a:prstClr val="black"/>
+                  </a:solidFill>
+                  <a:latin typeface="Calibri"/>
+                  <a:ea typeface="ＭＳ Ｐゴシック" panose="020B0600070205080204" pitchFamily="50" charset="-128"/>
+                </a:rPr>
+                <a:t>Organization</a:t>
+              </a:r>
+              <a:endParaRPr kumimoji="1" lang="ja-JP" altLang="en-US" b="0" i="0" u="none" strike="noStrike" kern="1200" cap="none" spc="0" normalizeH="0" baseline="0" noProof="0" dirty="0">
+                <a:ln>
+                  <a:noFill/>
+                </a:ln>
+                <a:solidFill>
+                  <a:prstClr val="black"/>
+                </a:solidFill>
+                <a:effectLst/>
+                <a:uLnTx/>
+                <a:uFillTx/>
+                <a:latin typeface="Calibri"/>
+                <a:ea typeface="ＭＳ Ｐゴシック" panose="020B0600070205080204" pitchFamily="50" charset="-128"/>
+                <a:cs typeface="+mn-cs"/>
+              </a:endParaRPr>
+            </a:p>
+          </p:txBody>
+        </p:sp>
+      </p:grpSp>
+    </p:spTree>
+    <p:extLst>
+      <p:ext uri="{BB962C8B-B14F-4D97-AF65-F5344CB8AC3E}">
+        <p14:creationId xmlns:p14="http://schemas.microsoft.com/office/powerpoint/2010/main" val="3878596643"/>
       </p:ext>
     </p:extLst>
   </p:cSld>

--- a/CaseStudy/BusinessFlow/BusinessFlow-CE.pptx
+++ b/CaseStudy/BusinessFlow/BusinessFlow-CE.pptx
@@ -21563,472 +21563,947 @@
           </a:p>
         </p:txBody>
       </p:sp>
-      <p:grpSp>
-        <p:nvGrpSpPr>
-          <p:cNvPr id="13" name="グループ化 12"/>
-          <p:cNvGrpSpPr/>
+      <p:sp>
+        <p:nvSpPr>
+          <p:cNvPr id="3" name="四角形: 角を丸くする 2">
+            <a:extLst>
+              <a:ext uri="{FF2B5EF4-FFF2-40B4-BE49-F238E27FC236}">
+                <a16:creationId xmlns:a16="http://schemas.microsoft.com/office/drawing/2014/main" id="{2C34A4A2-6303-43D7-A31A-2AA017E830C7}"/>
+              </a:ext>
+            </a:extLst>
+          </p:cNvPr>
+          <p:cNvSpPr/>
           <p:nvPr/>
-        </p:nvGrpSpPr>
-        <p:grpSpPr>
+        </p:nvSpPr>
+        <p:spPr>
           <a:xfrm>
-            <a:off x="520912" y="219362"/>
-            <a:ext cx="10596855" cy="6051490"/>
-            <a:chOff x="520912" y="219362"/>
-            <a:chExt cx="10596855" cy="6051490"/>
+            <a:off x="520912" y="2284389"/>
+            <a:ext cx="1733005" cy="3204754"/>
           </a:xfrm>
-        </p:grpSpPr>
-        <p:sp>
-          <p:nvSpPr>
-            <p:cNvPr id="3" name="四角形: 角を丸くする 2">
-              <a:extLst>
-                <a:ext uri="{FF2B5EF4-FFF2-40B4-BE49-F238E27FC236}">
-                  <a16:creationId xmlns:a16="http://schemas.microsoft.com/office/drawing/2014/main" id="{2C34A4A2-6303-43D7-A31A-2AA017E830C7}"/>
-                </a:ext>
-              </a:extLst>
-            </p:cNvPr>
-            <p:cNvSpPr/>
-            <p:nvPr/>
-          </p:nvSpPr>
-          <p:spPr>
-            <a:xfrm>
-              <a:off x="520912" y="2284389"/>
-              <a:ext cx="1733005" cy="3204754"/>
-            </a:xfrm>
-            <a:prstGeom prst="roundRect">
-              <a:avLst/>
-            </a:prstGeom>
+          <a:prstGeom prst="roundRect">
+            <a:avLst/>
+          </a:prstGeom>
+          <a:solidFill>
+            <a:srgbClr val="00B050"/>
+          </a:solidFill>
+          <a:ln>
             <a:solidFill>
               <a:srgbClr val="00B050"/>
             </a:solidFill>
-            <a:ln>
-              <a:solidFill>
-                <a:srgbClr val="00B050"/>
-              </a:solidFill>
-            </a:ln>
-          </p:spPr>
-          <p:style>
-            <a:lnRef idx="2">
-              <a:schemeClr val="accent1">
-                <a:shade val="50000"/>
-              </a:schemeClr>
-            </a:lnRef>
-            <a:fillRef idx="1">
-              <a:schemeClr val="accent1"/>
-            </a:fillRef>
-            <a:effectRef idx="0">
-              <a:schemeClr val="accent1"/>
-            </a:effectRef>
-            <a:fontRef idx="minor">
-              <a:schemeClr val="lt1"/>
-            </a:fontRef>
-          </p:style>
-          <p:txBody>
-            <a:bodyPr rtlCol="0" anchor="ctr"/>
-            <a:lstStyle/>
-            <a:p>
-              <a:pPr marL="0" marR="0" lvl="0" indent="0" algn="ctr" defTabSz="914400" rtl="0" eaLnBrk="1" fontAlgn="auto" latinLnBrk="0" hangingPunct="1">
-                <a:lnSpc>
-                  <a:spcPct val="100000"/>
-                </a:lnSpc>
-                <a:spcBef>
-                  <a:spcPts val="0"/>
-                </a:spcBef>
-                <a:spcAft>
-                  <a:spcPts val="0"/>
-                </a:spcAft>
-                <a:buClrTx/>
-                <a:buSzTx/>
-                <a:buFontTx/>
-                <a:buNone/>
-                <a:tabLst/>
-                <a:defRPr/>
-              </a:pPr>
-              <a:r>
-                <a:rPr kumimoji="1" lang="en-US" altLang="ja-JP" dirty="0">
-                  <a:solidFill>
-                    <a:schemeClr val="bg1"/>
-                  </a:solidFill>
-                  <a:latin typeface="Calibri"/>
-                  <a:ea typeface="ＭＳ Ｐゴシック" panose="020B0600070205080204" pitchFamily="50" charset="-128"/>
-                </a:rPr>
-                <a:t>Supplier</a:t>
-              </a:r>
-              <a:endParaRPr kumimoji="1" lang="en-US" altLang="ja-JP" sz="1800" b="0" i="0" u="none" strike="noStrike" kern="1200" cap="none" spc="0" normalizeH="0" baseline="0" noProof="0" dirty="0">
-                <a:ln>
-                  <a:noFill/>
-                </a:ln>
+          </a:ln>
+        </p:spPr>
+        <p:style>
+          <a:lnRef idx="2">
+            <a:schemeClr val="accent1">
+              <a:shade val="50000"/>
+            </a:schemeClr>
+          </a:lnRef>
+          <a:fillRef idx="1">
+            <a:schemeClr val="accent1"/>
+          </a:fillRef>
+          <a:effectRef idx="0">
+            <a:schemeClr val="accent1"/>
+          </a:effectRef>
+          <a:fontRef idx="minor">
+            <a:schemeClr val="lt1"/>
+          </a:fontRef>
+        </p:style>
+        <p:txBody>
+          <a:bodyPr rtlCol="0" anchor="ctr"/>
+          <a:lstStyle/>
+          <a:p>
+            <a:pPr marL="0" marR="0" lvl="0" indent="0" algn="ctr" defTabSz="914400" rtl="0" eaLnBrk="1" fontAlgn="auto" latinLnBrk="0" hangingPunct="1">
+              <a:lnSpc>
+                <a:spcPct val="100000"/>
+              </a:lnSpc>
+              <a:spcBef>
+                <a:spcPts val="0"/>
+              </a:spcBef>
+              <a:spcAft>
+                <a:spcPts val="0"/>
+              </a:spcAft>
+              <a:buClrTx/>
+              <a:buSzTx/>
+              <a:buFontTx/>
+              <a:buNone/>
+              <a:tabLst/>
+              <a:defRPr/>
+            </a:pPr>
+            <a:r>
+              <a:rPr kumimoji="1" lang="en-US" altLang="ja-JP" dirty="0">
                 <a:solidFill>
                   <a:schemeClr val="bg1"/>
                 </a:solidFill>
-                <a:effectLst/>
-                <a:uLnTx/>
-                <a:uFillTx/>
                 <a:latin typeface="Calibri"/>
                 <a:ea typeface="ＭＳ Ｐゴシック" panose="020B0600070205080204" pitchFamily="50" charset="-128"/>
-              </a:endParaRPr>
-            </a:p>
-          </p:txBody>
-        </p:sp>
-        <p:sp>
-          <p:nvSpPr>
-            <p:cNvPr id="7" name="四角形: 角を丸くする 6">
-              <a:extLst>
-                <a:ext uri="{FF2B5EF4-FFF2-40B4-BE49-F238E27FC236}">
-                  <a16:creationId xmlns:a16="http://schemas.microsoft.com/office/drawing/2014/main" id="{8E1A5EC1-C62A-4EBD-8155-D9DD4151CBB7}"/>
-                </a:ext>
-              </a:extLst>
-            </p:cNvPr>
-            <p:cNvSpPr/>
-            <p:nvPr/>
-          </p:nvSpPr>
-          <p:spPr>
-            <a:xfrm>
-              <a:off x="3617350" y="274774"/>
-              <a:ext cx="4464203" cy="5202913"/>
-            </a:xfrm>
-            <a:prstGeom prst="roundRect">
-              <a:avLst/>
-            </a:prstGeom>
-            <a:solidFill>
-              <a:schemeClr val="accent1">
-                <a:lumMod val="60000"/>
-                <a:lumOff val="40000"/>
-              </a:schemeClr>
-            </a:solidFill>
-          </p:spPr>
-          <p:style>
-            <a:lnRef idx="2">
-              <a:schemeClr val="accent1">
-                <a:shade val="50000"/>
-              </a:schemeClr>
-            </a:lnRef>
-            <a:fillRef idx="1">
-              <a:schemeClr val="accent1"/>
-            </a:fillRef>
-            <a:effectRef idx="0">
-              <a:schemeClr val="accent1"/>
-            </a:effectRef>
-            <a:fontRef idx="minor">
-              <a:schemeClr val="lt1"/>
-            </a:fontRef>
-          </p:style>
-          <p:txBody>
-            <a:bodyPr rtlCol="0" anchor="ctr"/>
-            <a:lstStyle/>
-            <a:p>
-              <a:pPr marL="0" marR="0" lvl="0" indent="0" algn="ctr" defTabSz="914400" rtl="0" eaLnBrk="1" fontAlgn="auto" latinLnBrk="0" hangingPunct="1">
-                <a:lnSpc>
-                  <a:spcPct val="100000"/>
-                </a:lnSpc>
-                <a:spcBef>
-                  <a:spcPts val="0"/>
-                </a:spcBef>
-                <a:spcAft>
-                  <a:spcPts val="0"/>
-                </a:spcAft>
-                <a:buClrTx/>
-                <a:buSzTx/>
-                <a:buFontTx/>
-                <a:buNone/>
-                <a:tabLst/>
-                <a:defRPr/>
-              </a:pPr>
-              <a:endParaRPr kumimoji="1" lang="ja-JP" altLang="en-US" sz="1800" b="0" i="0" u="none" strike="noStrike" kern="1200" cap="none" spc="0" normalizeH="0" baseline="0" noProof="0">
-                <a:ln>
-                  <a:noFill/>
-                </a:ln>
-                <a:solidFill>
-                  <a:prstClr val="white"/>
-                </a:solidFill>
-                <a:effectLst/>
-                <a:uLnTx/>
-                <a:uFillTx/>
-                <a:latin typeface="Calibri"/>
-                <a:ea typeface="ＭＳ Ｐゴシック" panose="020B0600070205080204" pitchFamily="50" charset="-128"/>
-                <a:cs typeface="+mn-cs"/>
-              </a:endParaRPr>
-            </a:p>
-          </p:txBody>
-        </p:sp>
-        <p:sp>
-          <p:nvSpPr>
-            <p:cNvPr id="8" name="四角形: 角を丸くする 7">
-              <a:extLst>
-                <a:ext uri="{FF2B5EF4-FFF2-40B4-BE49-F238E27FC236}">
-                  <a16:creationId xmlns:a16="http://schemas.microsoft.com/office/drawing/2014/main" id="{89052F24-0417-4CDA-8638-962F182F5F29}"/>
-                </a:ext>
-              </a:extLst>
-            </p:cNvPr>
-            <p:cNvSpPr/>
-            <p:nvPr/>
-          </p:nvSpPr>
-          <p:spPr>
-            <a:xfrm>
-              <a:off x="8800457" y="2416188"/>
-              <a:ext cx="1733005" cy="3204754"/>
-            </a:xfrm>
-            <a:prstGeom prst="roundRect">
-              <a:avLst/>
-            </a:prstGeom>
+              </a:rPr>
+              <a:t>Supplier</a:t>
+            </a:r>
+            <a:endParaRPr kumimoji="1" lang="en-US" altLang="ja-JP" sz="1800" b="0" i="0" u="none" strike="noStrike" kern="1200" cap="none" spc="0" normalizeH="0" baseline="0" noProof="0" dirty="0">
+              <a:ln>
+                <a:noFill/>
+              </a:ln>
+              <a:solidFill>
+                <a:schemeClr val="bg1"/>
+              </a:solidFill>
+              <a:effectLst/>
+              <a:uLnTx/>
+              <a:uFillTx/>
+              <a:latin typeface="Calibri"/>
+              <a:ea typeface="ＭＳ Ｐゴシック" panose="020B0600070205080204" pitchFamily="50" charset="-128"/>
+            </a:endParaRPr>
+          </a:p>
+        </p:txBody>
+      </p:sp>
+      <p:sp>
+        <p:nvSpPr>
+          <p:cNvPr id="7" name="四角形: 角を丸くする 6">
+            <a:extLst>
+              <a:ext uri="{FF2B5EF4-FFF2-40B4-BE49-F238E27FC236}">
+                <a16:creationId xmlns:a16="http://schemas.microsoft.com/office/drawing/2014/main" id="{8E1A5EC1-C62A-4EBD-8155-D9DD4151CBB7}"/>
+              </a:ext>
+            </a:extLst>
+          </p:cNvPr>
+          <p:cNvSpPr/>
+          <p:nvPr/>
+        </p:nvSpPr>
+        <p:spPr>
+          <a:xfrm>
+            <a:off x="3617350" y="274774"/>
+            <a:ext cx="4464203" cy="5202913"/>
+          </a:xfrm>
+          <a:prstGeom prst="roundRect">
+            <a:avLst/>
+          </a:prstGeom>
+          <a:solidFill>
+            <a:schemeClr val="accent1">
+              <a:lumMod val="60000"/>
+              <a:lumOff val="40000"/>
+            </a:schemeClr>
+          </a:solidFill>
+        </p:spPr>
+        <p:style>
+          <a:lnRef idx="2">
+            <a:schemeClr val="accent1">
+              <a:shade val="50000"/>
+            </a:schemeClr>
+          </a:lnRef>
+          <a:fillRef idx="1">
+            <a:schemeClr val="accent1"/>
+          </a:fillRef>
+          <a:effectRef idx="0">
+            <a:schemeClr val="accent1"/>
+          </a:effectRef>
+          <a:fontRef idx="minor">
+            <a:schemeClr val="lt1"/>
+          </a:fontRef>
+        </p:style>
+        <p:txBody>
+          <a:bodyPr rtlCol="0" anchor="ctr"/>
+          <a:lstStyle/>
+          <a:p>
+            <a:pPr marL="0" marR="0" lvl="0" indent="0" algn="ctr" defTabSz="914400" rtl="0" eaLnBrk="1" fontAlgn="auto" latinLnBrk="0" hangingPunct="1">
+              <a:lnSpc>
+                <a:spcPct val="100000"/>
+              </a:lnSpc>
+              <a:spcBef>
+                <a:spcPts val="0"/>
+              </a:spcBef>
+              <a:spcAft>
+                <a:spcPts val="0"/>
+              </a:spcAft>
+              <a:buClrTx/>
+              <a:buSzTx/>
+              <a:buFontTx/>
+              <a:buNone/>
+              <a:tabLst/>
+              <a:defRPr/>
+            </a:pPr>
+            <a:endParaRPr kumimoji="1" lang="ja-JP" altLang="en-US" sz="1800" b="0" i="0" u="none" strike="noStrike" kern="1200" cap="none" spc="0" normalizeH="0" baseline="0" noProof="0">
+              <a:ln>
+                <a:noFill/>
+              </a:ln>
+              <a:solidFill>
+                <a:prstClr val="white"/>
+              </a:solidFill>
+              <a:effectLst/>
+              <a:uLnTx/>
+              <a:uFillTx/>
+              <a:latin typeface="Calibri"/>
+              <a:ea typeface="ＭＳ Ｐゴシック" panose="020B0600070205080204" pitchFamily="50" charset="-128"/>
+              <a:cs typeface="+mn-cs"/>
+            </a:endParaRPr>
+          </a:p>
+        </p:txBody>
+      </p:sp>
+      <p:sp>
+        <p:nvSpPr>
+          <p:cNvPr id="8" name="四角形: 角を丸くする 7">
+            <a:extLst>
+              <a:ext uri="{FF2B5EF4-FFF2-40B4-BE49-F238E27FC236}">
+                <a16:creationId xmlns:a16="http://schemas.microsoft.com/office/drawing/2014/main" id="{89052F24-0417-4CDA-8638-962F182F5F29}"/>
+              </a:ext>
+            </a:extLst>
+          </p:cNvPr>
+          <p:cNvSpPr/>
+          <p:nvPr/>
+        </p:nvSpPr>
+        <p:spPr>
+          <a:xfrm>
+            <a:off x="8800457" y="2416188"/>
+            <a:ext cx="1733005" cy="3204754"/>
+          </a:xfrm>
+          <a:prstGeom prst="roundRect">
+            <a:avLst/>
+          </a:prstGeom>
+          <a:solidFill>
+            <a:srgbClr val="00B050"/>
+          </a:solidFill>
+          <a:ln>
             <a:solidFill>
               <a:srgbClr val="00B050"/>
             </a:solidFill>
-            <a:ln>
-              <a:solidFill>
-                <a:srgbClr val="00B050"/>
-              </a:solidFill>
-            </a:ln>
-          </p:spPr>
-          <p:style>
-            <a:lnRef idx="2">
-              <a:schemeClr val="accent1">
-                <a:shade val="50000"/>
-              </a:schemeClr>
-            </a:lnRef>
-            <a:fillRef idx="1">
-              <a:schemeClr val="accent1"/>
-            </a:fillRef>
-            <a:effectRef idx="0">
-              <a:schemeClr val="accent1"/>
-            </a:effectRef>
-            <a:fontRef idx="minor">
-              <a:schemeClr val="lt1"/>
-            </a:fontRef>
-          </p:style>
-          <p:txBody>
-            <a:bodyPr rtlCol="0" anchor="ctr"/>
-            <a:lstStyle/>
-            <a:p>
-              <a:pPr marL="0" marR="0" lvl="0" indent="0" algn="ctr" defTabSz="914400" rtl="0" eaLnBrk="1" fontAlgn="auto" latinLnBrk="0" hangingPunct="1">
-                <a:lnSpc>
-                  <a:spcPct val="100000"/>
-                </a:lnSpc>
-                <a:spcBef>
-                  <a:spcPts val="0"/>
-                </a:spcBef>
-                <a:spcAft>
-                  <a:spcPts val="0"/>
-                </a:spcAft>
-                <a:buClrTx/>
-                <a:buSzTx/>
-                <a:buFontTx/>
-                <a:buNone/>
-                <a:tabLst/>
-                <a:defRPr/>
-              </a:pPr>
-              <a:r>
-                <a:rPr kumimoji="1" lang="en-US" altLang="ja-JP" dirty="0">
-                  <a:solidFill>
-                    <a:schemeClr val="bg1"/>
-                  </a:solidFill>
-                  <a:latin typeface="Calibri"/>
-                  <a:ea typeface="ＭＳ Ｐゴシック" panose="020B0600070205080204" pitchFamily="50" charset="-128"/>
-                </a:rPr>
-                <a:t>Recipient</a:t>
-              </a:r>
-              <a:endParaRPr kumimoji="1" lang="ja-JP" altLang="en-US" sz="1800" b="0" i="0" u="none" strike="noStrike" kern="1200" cap="none" spc="0" normalizeH="0" baseline="0" noProof="0" dirty="0">
-                <a:ln>
-                  <a:noFill/>
-                </a:ln>
+          </a:ln>
+        </p:spPr>
+        <p:style>
+          <a:lnRef idx="2">
+            <a:schemeClr val="accent1">
+              <a:shade val="50000"/>
+            </a:schemeClr>
+          </a:lnRef>
+          <a:fillRef idx="1">
+            <a:schemeClr val="accent1"/>
+          </a:fillRef>
+          <a:effectRef idx="0">
+            <a:schemeClr val="accent1"/>
+          </a:effectRef>
+          <a:fontRef idx="minor">
+            <a:schemeClr val="lt1"/>
+          </a:fontRef>
+        </p:style>
+        <p:txBody>
+          <a:bodyPr rtlCol="0" anchor="ctr"/>
+          <a:lstStyle/>
+          <a:p>
+            <a:pPr marL="0" marR="0" lvl="0" indent="0" algn="ctr" defTabSz="914400" rtl="0" eaLnBrk="1" fontAlgn="auto" latinLnBrk="0" hangingPunct="1">
+              <a:lnSpc>
+                <a:spcPct val="100000"/>
+              </a:lnSpc>
+              <a:spcBef>
+                <a:spcPts val="0"/>
+              </a:spcBef>
+              <a:spcAft>
+                <a:spcPts val="0"/>
+              </a:spcAft>
+              <a:buClrTx/>
+              <a:buSzTx/>
+              <a:buFontTx/>
+              <a:buNone/>
+              <a:tabLst/>
+              <a:defRPr/>
+            </a:pPr>
+            <a:r>
+              <a:rPr kumimoji="1" lang="en-US" altLang="ja-JP" dirty="0">
                 <a:solidFill>
                   <a:schemeClr val="bg1"/>
                 </a:solidFill>
-                <a:effectLst/>
-                <a:uLnTx/>
-                <a:uFillTx/>
                 <a:latin typeface="Calibri"/>
                 <a:ea typeface="ＭＳ Ｐゴシック" panose="020B0600070205080204" pitchFamily="50" charset="-128"/>
-              </a:endParaRPr>
-            </a:p>
-          </p:txBody>
-        </p:sp>
-        <p:sp>
-          <p:nvSpPr>
-            <p:cNvPr id="10" name="四角形: 角を丸くする 9">
-              <a:extLst>
-                <a:ext uri="{FF2B5EF4-FFF2-40B4-BE49-F238E27FC236}">
-                  <a16:creationId xmlns:a16="http://schemas.microsoft.com/office/drawing/2014/main" id="{3E8CA6F4-9AF7-4331-9663-D13706D8F841}"/>
-                </a:ext>
-              </a:extLst>
-            </p:cNvPr>
-            <p:cNvSpPr/>
-            <p:nvPr/>
-          </p:nvSpPr>
-          <p:spPr>
-            <a:xfrm>
-              <a:off x="4249891" y="5639776"/>
-              <a:ext cx="3561795" cy="631076"/>
-            </a:xfrm>
-            <a:prstGeom prst="roundRect">
-              <a:avLst/>
-            </a:prstGeom>
+              </a:rPr>
+              <a:t>Recipient</a:t>
+            </a:r>
+            <a:endParaRPr kumimoji="1" lang="ja-JP" altLang="en-US" sz="1800" b="0" i="0" u="none" strike="noStrike" kern="1200" cap="none" spc="0" normalizeH="0" baseline="0" noProof="0" dirty="0">
+              <a:ln>
+                <a:noFill/>
+              </a:ln>
+              <a:solidFill>
+                <a:schemeClr val="bg1"/>
+              </a:solidFill>
+              <a:effectLst/>
+              <a:uLnTx/>
+              <a:uFillTx/>
+              <a:latin typeface="Calibri"/>
+              <a:ea typeface="ＭＳ Ｐゴシック" panose="020B0600070205080204" pitchFamily="50" charset="-128"/>
+            </a:endParaRPr>
+          </a:p>
+        </p:txBody>
+      </p:sp>
+      <p:sp>
+        <p:nvSpPr>
+          <p:cNvPr id="10" name="四角形: 角を丸くする 9">
+            <a:extLst>
+              <a:ext uri="{FF2B5EF4-FFF2-40B4-BE49-F238E27FC236}">
+                <a16:creationId xmlns:a16="http://schemas.microsoft.com/office/drawing/2014/main" id="{3E8CA6F4-9AF7-4331-9663-D13706D8F841}"/>
+              </a:ext>
+            </a:extLst>
+          </p:cNvPr>
+          <p:cNvSpPr/>
+          <p:nvPr/>
+        </p:nvSpPr>
+        <p:spPr>
+          <a:xfrm>
+            <a:off x="4249891" y="5639776"/>
+            <a:ext cx="3561795" cy="631076"/>
+          </a:xfrm>
+          <a:prstGeom prst="roundRect">
+            <a:avLst/>
+          </a:prstGeom>
+          <a:solidFill>
+            <a:srgbClr val="00B050"/>
+          </a:solidFill>
+          <a:ln>
             <a:solidFill>
               <a:srgbClr val="00B050"/>
             </a:solidFill>
-            <a:ln>
-              <a:solidFill>
-                <a:srgbClr val="00B050"/>
-              </a:solidFill>
-            </a:ln>
-          </p:spPr>
-          <p:style>
-            <a:lnRef idx="2">
-              <a:schemeClr val="accent1">
-                <a:shade val="50000"/>
-              </a:schemeClr>
-            </a:lnRef>
-            <a:fillRef idx="1">
-              <a:schemeClr val="accent1"/>
-            </a:fillRef>
-            <a:effectRef idx="0">
-              <a:schemeClr val="accent1"/>
-            </a:effectRef>
-            <a:fontRef idx="minor">
-              <a:schemeClr val="lt1"/>
-            </a:fontRef>
-          </p:style>
-          <p:txBody>
-            <a:bodyPr rtlCol="0" anchor="ctr"/>
-            <a:lstStyle/>
-            <a:p>
-              <a:pPr marL="0" marR="0" lvl="0" indent="0" algn="ctr" defTabSz="914400" rtl="0" eaLnBrk="1" fontAlgn="auto" latinLnBrk="0" hangingPunct="1">
-                <a:lnSpc>
-                  <a:spcPct val="100000"/>
-                </a:lnSpc>
-                <a:spcBef>
-                  <a:spcPts val="0"/>
-                </a:spcBef>
-                <a:spcAft>
-                  <a:spcPts val="0"/>
-                </a:spcAft>
-                <a:buClrTx/>
-                <a:buSzTx/>
-                <a:buFontTx/>
-                <a:buNone/>
-                <a:tabLst/>
-                <a:defRPr/>
-              </a:pPr>
-              <a:r>
-                <a:rPr kumimoji="1" lang="en-US" altLang="ja-JP" dirty="0">
-                  <a:solidFill>
-                    <a:schemeClr val="bg1"/>
-                  </a:solidFill>
-                  <a:latin typeface="Calibri"/>
-                  <a:ea typeface="ＭＳ Ｐゴシック" panose="020B0600070205080204" pitchFamily="50" charset="-128"/>
-                </a:rPr>
-                <a:t>OSS</a:t>
-              </a:r>
-              <a:r>
-                <a:rPr kumimoji="1" lang="ja-JP" altLang="en-US" dirty="0">
-                  <a:solidFill>
-                    <a:schemeClr val="bg1"/>
-                  </a:solidFill>
-                  <a:latin typeface="Calibri"/>
-                  <a:ea typeface="ＭＳ Ｐゴシック" panose="020B0600070205080204" pitchFamily="50" charset="-128"/>
-                </a:rPr>
-                <a:t> </a:t>
-              </a:r>
-              <a:r>
-                <a:rPr kumimoji="1" lang="en-US" altLang="ja-JP" dirty="0">
-                  <a:solidFill>
-                    <a:schemeClr val="bg1"/>
-                  </a:solidFill>
-                  <a:latin typeface="Calibri"/>
-                  <a:ea typeface="ＭＳ Ｐゴシック" panose="020B0600070205080204" pitchFamily="50" charset="-128"/>
-                </a:rPr>
-                <a:t>community</a:t>
-              </a:r>
-              <a:endParaRPr kumimoji="1" lang="ja-JP" altLang="en-US" sz="1800" b="0" i="0" u="none" strike="noStrike" kern="1200" cap="none" spc="0" normalizeH="0" baseline="0" noProof="0" dirty="0">
-                <a:ln>
-                  <a:noFill/>
-                </a:ln>
+          </a:ln>
+        </p:spPr>
+        <p:style>
+          <a:lnRef idx="2">
+            <a:schemeClr val="accent1">
+              <a:shade val="50000"/>
+            </a:schemeClr>
+          </a:lnRef>
+          <a:fillRef idx="1">
+            <a:schemeClr val="accent1"/>
+          </a:fillRef>
+          <a:effectRef idx="0">
+            <a:schemeClr val="accent1"/>
+          </a:effectRef>
+          <a:fontRef idx="minor">
+            <a:schemeClr val="lt1"/>
+          </a:fontRef>
+        </p:style>
+        <p:txBody>
+          <a:bodyPr rtlCol="0" anchor="ctr"/>
+          <a:lstStyle/>
+          <a:p>
+            <a:pPr marL="0" marR="0" lvl="0" indent="0" algn="ctr" defTabSz="914400" rtl="0" eaLnBrk="1" fontAlgn="auto" latinLnBrk="0" hangingPunct="1">
+              <a:lnSpc>
+                <a:spcPct val="100000"/>
+              </a:lnSpc>
+              <a:spcBef>
+                <a:spcPts val="0"/>
+              </a:spcBef>
+              <a:spcAft>
+                <a:spcPts val="0"/>
+              </a:spcAft>
+              <a:buClrTx/>
+              <a:buSzTx/>
+              <a:buFontTx/>
+              <a:buNone/>
+              <a:tabLst/>
+              <a:defRPr/>
+            </a:pPr>
+            <a:r>
+              <a:rPr kumimoji="1" lang="en-US" altLang="ja-JP" dirty="0">
                 <a:solidFill>
                   <a:schemeClr val="bg1"/>
                 </a:solidFill>
-                <a:effectLst/>
-                <a:uLnTx/>
-                <a:uFillTx/>
                 <a:latin typeface="Calibri"/>
                 <a:ea typeface="ＭＳ Ｐゴシック" panose="020B0600070205080204" pitchFamily="50" charset="-128"/>
-              </a:endParaRPr>
-            </a:p>
-          </p:txBody>
-        </p:sp>
-        <p:sp>
-          <p:nvSpPr>
-            <p:cNvPr id="11" name="四角形: 角を丸くする 10">
-              <a:extLst>
-                <a:ext uri="{FF2B5EF4-FFF2-40B4-BE49-F238E27FC236}">
-                  <a16:creationId xmlns:a16="http://schemas.microsoft.com/office/drawing/2014/main" id="{AFB6E93C-9793-472A-B955-A686FAC84609}"/>
-                </a:ext>
-              </a:extLst>
-            </p:cNvPr>
-            <p:cNvSpPr/>
-            <p:nvPr/>
-          </p:nvSpPr>
-          <p:spPr>
-            <a:xfrm>
-              <a:off x="4836750" y="2514111"/>
-              <a:ext cx="2145891" cy="1090564"/>
-            </a:xfrm>
-            <a:prstGeom prst="roundRect">
-              <a:avLst/>
-            </a:prstGeom>
+              </a:rPr>
+              <a:t>OSS</a:t>
+            </a:r>
+            <a:r>
+              <a:rPr kumimoji="1" lang="ja-JP" altLang="en-US" dirty="0">
+                <a:solidFill>
+                  <a:schemeClr val="bg1"/>
+                </a:solidFill>
+                <a:latin typeface="Calibri"/>
+                <a:ea typeface="ＭＳ Ｐゴシック" panose="020B0600070205080204" pitchFamily="50" charset="-128"/>
+              </a:rPr>
+              <a:t> </a:t>
+            </a:r>
+            <a:r>
+              <a:rPr kumimoji="1" lang="en-US" altLang="ja-JP" dirty="0">
+                <a:solidFill>
+                  <a:schemeClr val="bg1"/>
+                </a:solidFill>
+                <a:latin typeface="Calibri"/>
+                <a:ea typeface="ＭＳ Ｐゴシック" panose="020B0600070205080204" pitchFamily="50" charset="-128"/>
+              </a:rPr>
+              <a:t>community</a:t>
+            </a:r>
+            <a:endParaRPr kumimoji="1" lang="ja-JP" altLang="en-US" sz="1800" b="0" i="0" u="none" strike="noStrike" kern="1200" cap="none" spc="0" normalizeH="0" baseline="0" noProof="0" dirty="0">
+              <a:ln>
+                <a:noFill/>
+              </a:ln>
+              <a:solidFill>
+                <a:schemeClr val="bg1"/>
+              </a:solidFill>
+              <a:effectLst/>
+              <a:uLnTx/>
+              <a:uFillTx/>
+              <a:latin typeface="Calibri"/>
+              <a:ea typeface="ＭＳ Ｐゴシック" panose="020B0600070205080204" pitchFamily="50" charset="-128"/>
+            </a:endParaRPr>
+          </a:p>
+        </p:txBody>
+      </p:sp>
+      <p:sp>
+        <p:nvSpPr>
+          <p:cNvPr id="11" name="四角形: 角を丸くする 10">
+            <a:extLst>
+              <a:ext uri="{FF2B5EF4-FFF2-40B4-BE49-F238E27FC236}">
+                <a16:creationId xmlns:a16="http://schemas.microsoft.com/office/drawing/2014/main" id="{AFB6E93C-9793-472A-B955-A686FAC84609}"/>
+              </a:ext>
+            </a:extLst>
+          </p:cNvPr>
+          <p:cNvSpPr/>
+          <p:nvPr/>
+        </p:nvSpPr>
+        <p:spPr>
+          <a:xfrm>
+            <a:off x="4836750" y="2514111"/>
+            <a:ext cx="2145891" cy="1090564"/>
+          </a:xfrm>
+          <a:prstGeom prst="roundRect">
+            <a:avLst/>
+          </a:prstGeom>
+          <a:solidFill>
+            <a:srgbClr val="FFFF00"/>
+          </a:solidFill>
+          <a:ln>
+            <a:noFill/>
+          </a:ln>
+        </p:spPr>
+        <p:style>
+          <a:lnRef idx="2">
+            <a:schemeClr val="accent1">
+              <a:shade val="50000"/>
+            </a:schemeClr>
+          </a:lnRef>
+          <a:fillRef idx="1">
+            <a:schemeClr val="accent1"/>
+          </a:fillRef>
+          <a:effectRef idx="0">
+            <a:schemeClr val="accent1"/>
+          </a:effectRef>
+          <a:fontRef idx="minor">
+            <a:schemeClr val="lt1"/>
+          </a:fontRef>
+        </p:style>
+        <p:txBody>
+          <a:bodyPr rtlCol="0" anchor="ctr"/>
+          <a:lstStyle/>
+          <a:p>
+            <a:pPr marL="0" marR="0" lvl="0" indent="0" algn="ctr" defTabSz="914400" rtl="0" eaLnBrk="1" fontAlgn="auto" latinLnBrk="0" hangingPunct="1">
+              <a:lnSpc>
+                <a:spcPct val="100000"/>
+              </a:lnSpc>
+              <a:spcBef>
+                <a:spcPts val="0"/>
+              </a:spcBef>
+              <a:spcAft>
+                <a:spcPts val="0"/>
+              </a:spcAft>
+              <a:buClrTx/>
+              <a:buSzTx/>
+              <a:buFontTx/>
+              <a:buNone/>
+              <a:tabLst/>
+              <a:defRPr/>
+            </a:pPr>
+            <a:r>
+              <a:rPr kumimoji="1" lang="en-US" altLang="ja-JP" dirty="0">
+                <a:solidFill>
+                  <a:prstClr val="black"/>
+                </a:solidFill>
+                <a:latin typeface="Calibri"/>
+                <a:ea typeface="ＭＳ Ｐゴシック" panose="020B0600070205080204" pitchFamily="50" charset="-128"/>
+              </a:rPr>
+              <a:t>Software Development</a:t>
+            </a:r>
+            <a:endParaRPr kumimoji="1" lang="en-US" altLang="ja-JP" sz="1800" b="0" i="0" u="none" strike="noStrike" kern="1200" cap="none" spc="0" normalizeH="0" baseline="0" noProof="0" dirty="0">
+              <a:ln>
+                <a:noFill/>
+              </a:ln>
+              <a:solidFill>
+                <a:prstClr val="black"/>
+              </a:solidFill>
+              <a:effectLst/>
+              <a:uLnTx/>
+              <a:uFillTx/>
+              <a:latin typeface="Calibri"/>
+              <a:ea typeface="ＭＳ Ｐゴシック" panose="020B0600070205080204" pitchFamily="50" charset="-128"/>
+              <a:cs typeface="+mn-cs"/>
+            </a:endParaRPr>
+          </a:p>
+        </p:txBody>
+      </p:sp>
+      <p:sp>
+        <p:nvSpPr>
+          <p:cNvPr id="17" name="四角形: 角を丸くする 16">
+            <a:extLst>
+              <a:ext uri="{FF2B5EF4-FFF2-40B4-BE49-F238E27FC236}">
+                <a16:creationId xmlns:a16="http://schemas.microsoft.com/office/drawing/2014/main" id="{04085E13-10DF-491F-B9A2-245D5988475A}"/>
+              </a:ext>
+            </a:extLst>
+          </p:cNvPr>
+          <p:cNvSpPr/>
+          <p:nvPr/>
+        </p:nvSpPr>
+        <p:spPr>
+          <a:xfrm>
+            <a:off x="3634563" y="840166"/>
+            <a:ext cx="1083537" cy="372291"/>
+          </a:xfrm>
+          <a:prstGeom prst="roundRect">
+            <a:avLst/>
+          </a:prstGeom>
+          <a:solidFill>
+            <a:srgbClr val="FFFF00"/>
+          </a:solidFill>
+          <a:ln>
+            <a:noFill/>
+          </a:ln>
+        </p:spPr>
+        <p:style>
+          <a:lnRef idx="2">
+            <a:schemeClr val="accent1">
+              <a:shade val="50000"/>
+            </a:schemeClr>
+          </a:lnRef>
+          <a:fillRef idx="1">
+            <a:schemeClr val="accent1"/>
+          </a:fillRef>
+          <a:effectRef idx="0">
+            <a:schemeClr val="accent1"/>
+          </a:effectRef>
+          <a:fontRef idx="minor">
+            <a:schemeClr val="lt1"/>
+          </a:fontRef>
+        </p:style>
+        <p:txBody>
+          <a:bodyPr rtlCol="0" anchor="ctr"/>
+          <a:lstStyle/>
+          <a:p>
+            <a:pPr marL="0" marR="0" lvl="0" indent="0" algn="ctr" defTabSz="914400" rtl="0" eaLnBrk="1" fontAlgn="auto" latinLnBrk="0" hangingPunct="1">
+              <a:lnSpc>
+                <a:spcPct val="100000"/>
+              </a:lnSpc>
+              <a:spcBef>
+                <a:spcPts val="0"/>
+              </a:spcBef>
+              <a:spcAft>
+                <a:spcPts val="0"/>
+              </a:spcAft>
+              <a:buClrTx/>
+              <a:buSzTx/>
+              <a:buFontTx/>
+              <a:buNone/>
+              <a:tabLst/>
+              <a:defRPr/>
+            </a:pPr>
+            <a:r>
+              <a:rPr kumimoji="1" lang="en-US" altLang="ja-JP" sz="1400" dirty="0">
+                <a:solidFill>
+                  <a:prstClr val="black"/>
+                </a:solidFill>
+                <a:latin typeface="Calibri"/>
+                <a:ea typeface="ＭＳ Ｐゴシック" panose="020B0600070205080204" pitchFamily="50" charset="-128"/>
+              </a:rPr>
+              <a:t>Software</a:t>
+            </a:r>
+            <a:r>
+              <a:rPr kumimoji="1" lang="ja-JP" altLang="en-US" sz="1400" dirty="0">
+                <a:solidFill>
+                  <a:prstClr val="black"/>
+                </a:solidFill>
+                <a:latin typeface="Calibri"/>
+                <a:ea typeface="ＭＳ Ｐゴシック" panose="020B0600070205080204" pitchFamily="50" charset="-128"/>
+              </a:rPr>
+              <a:t> </a:t>
+            </a:r>
+            <a:r>
+              <a:rPr kumimoji="1" lang="en-US" altLang="ja-JP" sz="1400" dirty="0">
+                <a:solidFill>
+                  <a:prstClr val="black"/>
+                </a:solidFill>
+                <a:latin typeface="Calibri"/>
+                <a:ea typeface="ＭＳ Ｐゴシック" panose="020B0600070205080204" pitchFamily="50" charset="-128"/>
+              </a:rPr>
+              <a:t>Contract</a:t>
+            </a:r>
+            <a:endParaRPr kumimoji="1" lang="en-US" altLang="ja-JP" sz="1400" b="0" i="0" u="none" strike="noStrike" kern="1200" cap="none" spc="0" normalizeH="0" baseline="0" noProof="0" dirty="0">
+              <a:ln>
+                <a:noFill/>
+              </a:ln>
+              <a:solidFill>
+                <a:prstClr val="black"/>
+              </a:solidFill>
+              <a:effectLst/>
+              <a:uLnTx/>
+              <a:uFillTx/>
+              <a:latin typeface="Calibri"/>
+              <a:ea typeface="ＭＳ Ｐゴシック" panose="020B0600070205080204" pitchFamily="50" charset="-128"/>
+              <a:cs typeface="+mn-cs"/>
+            </a:endParaRPr>
+          </a:p>
+        </p:txBody>
+      </p:sp>
+      <p:sp>
+        <p:nvSpPr>
+          <p:cNvPr id="19" name="四角形: 角を丸くする 18">
+            <a:extLst>
+              <a:ext uri="{FF2B5EF4-FFF2-40B4-BE49-F238E27FC236}">
+                <a16:creationId xmlns:a16="http://schemas.microsoft.com/office/drawing/2014/main" id="{6523DCD1-17EA-4908-91AA-938632C2087D}"/>
+              </a:ext>
+            </a:extLst>
+          </p:cNvPr>
+          <p:cNvSpPr/>
+          <p:nvPr/>
+        </p:nvSpPr>
+        <p:spPr>
+          <a:xfrm>
+            <a:off x="4831301" y="2021815"/>
+            <a:ext cx="979357" cy="422550"/>
+          </a:xfrm>
+          <a:prstGeom prst="roundRect">
+            <a:avLst/>
+          </a:prstGeom>
+          <a:solidFill>
+            <a:srgbClr val="FFFF00"/>
+          </a:solidFill>
+          <a:ln>
+            <a:noFill/>
+          </a:ln>
+        </p:spPr>
+        <p:style>
+          <a:lnRef idx="2">
+            <a:schemeClr val="accent1">
+              <a:shade val="50000"/>
+            </a:schemeClr>
+          </a:lnRef>
+          <a:fillRef idx="1">
+            <a:schemeClr val="accent1"/>
+          </a:fillRef>
+          <a:effectRef idx="0">
+            <a:schemeClr val="accent1"/>
+          </a:effectRef>
+          <a:fontRef idx="minor">
+            <a:schemeClr val="lt1"/>
+          </a:fontRef>
+        </p:style>
+        <p:txBody>
+          <a:bodyPr rtlCol="0" anchor="ctr"/>
+          <a:lstStyle/>
+          <a:p>
+            <a:pPr marL="0" marR="0" lvl="0" indent="0" algn="ctr" defTabSz="914400" rtl="0" eaLnBrk="1" fontAlgn="auto" latinLnBrk="0" hangingPunct="1">
+              <a:lnSpc>
+                <a:spcPct val="100000"/>
+              </a:lnSpc>
+              <a:spcBef>
+                <a:spcPts val="0"/>
+              </a:spcBef>
+              <a:spcAft>
+                <a:spcPts val="0"/>
+              </a:spcAft>
+              <a:buClrTx/>
+              <a:buSzTx/>
+              <a:buFontTx/>
+              <a:buNone/>
+              <a:tabLst/>
+              <a:defRPr/>
+            </a:pPr>
+            <a:r>
+              <a:rPr kumimoji="1" lang="en-US" altLang="ja-JP" sz="1200" dirty="0">
+                <a:solidFill>
+                  <a:prstClr val="black"/>
+                </a:solidFill>
+                <a:latin typeface="Calibri"/>
+                <a:ea typeface="ＭＳ Ｐゴシック" panose="020B0600070205080204" pitchFamily="50" charset="-128"/>
+              </a:rPr>
+              <a:t>Software</a:t>
+            </a:r>
+            <a:r>
+              <a:rPr kumimoji="1" lang="ja-JP" altLang="en-US" sz="1200" dirty="0">
+                <a:solidFill>
+                  <a:prstClr val="black"/>
+                </a:solidFill>
+                <a:latin typeface="Calibri"/>
+                <a:ea typeface="ＭＳ Ｐゴシック" panose="020B0600070205080204" pitchFamily="50" charset="-128"/>
+              </a:rPr>
+              <a:t> </a:t>
+            </a:r>
+            <a:r>
+              <a:rPr kumimoji="1" lang="en-US" altLang="ja-JP" sz="1200" dirty="0">
+                <a:solidFill>
+                  <a:prstClr val="black"/>
+                </a:solidFill>
+                <a:latin typeface="Calibri"/>
+                <a:ea typeface="ＭＳ Ｐゴシック" panose="020B0600070205080204" pitchFamily="50" charset="-128"/>
+              </a:rPr>
+              <a:t>Verification</a:t>
+            </a:r>
+            <a:endParaRPr kumimoji="1" lang="en-US" altLang="ja-JP" sz="1200" b="0" i="0" u="none" strike="noStrike" kern="1200" cap="none" spc="0" normalizeH="0" baseline="0" noProof="0" dirty="0">
+              <a:ln>
+                <a:noFill/>
+              </a:ln>
+              <a:solidFill>
+                <a:prstClr val="black"/>
+              </a:solidFill>
+              <a:effectLst/>
+              <a:uLnTx/>
+              <a:uFillTx/>
+              <a:latin typeface="Calibri"/>
+              <a:ea typeface="ＭＳ Ｐゴシック" panose="020B0600070205080204" pitchFamily="50" charset="-128"/>
+              <a:cs typeface="+mn-cs"/>
+            </a:endParaRPr>
+          </a:p>
+        </p:txBody>
+      </p:sp>
+      <p:cxnSp>
+        <p:nvCxnSpPr>
+          <p:cNvPr id="21" name="直線矢印コネクタ 20">
+            <a:extLst>
+              <a:ext uri="{FF2B5EF4-FFF2-40B4-BE49-F238E27FC236}">
+                <a16:creationId xmlns:a16="http://schemas.microsoft.com/office/drawing/2014/main" id="{BF8045E8-B913-4E84-B739-F112D5CF6173}"/>
+              </a:ext>
+            </a:extLst>
+          </p:cNvPr>
+          <p:cNvCxnSpPr>
+            <a:cxnSpLocks/>
+          </p:cNvCxnSpPr>
+          <p:nvPr/>
+        </p:nvCxnSpPr>
+        <p:spPr>
+          <a:xfrm flipV="1">
+            <a:off x="2268641" y="2829194"/>
+            <a:ext cx="1609840" cy="23440"/>
+          </a:xfrm>
+          <a:prstGeom prst="straightConnector1">
+            <a:avLst/>
+          </a:prstGeom>
+          <a:ln w="38100">
             <a:solidFill>
-              <a:srgbClr val="FFFF00"/>
+              <a:schemeClr val="tx1"/>
             </a:solidFill>
-            <a:ln>
-              <a:noFill/>
-            </a:ln>
-          </p:spPr>
-          <p:style>
-            <a:lnRef idx="2">
-              <a:schemeClr val="accent1">
-                <a:shade val="50000"/>
-              </a:schemeClr>
-            </a:lnRef>
-            <a:fillRef idx="1">
-              <a:schemeClr val="accent1"/>
-            </a:fillRef>
-            <a:effectRef idx="0">
-              <a:schemeClr val="accent1"/>
-            </a:effectRef>
-            <a:fontRef idx="minor">
-              <a:schemeClr val="lt1"/>
-            </a:fontRef>
-          </p:style>
-          <p:txBody>
-            <a:bodyPr rtlCol="0" anchor="ctr"/>
-            <a:lstStyle/>
-            <a:p>
-              <a:pPr marL="0" marR="0" lvl="0" indent="0" algn="ctr" defTabSz="914400" rtl="0" eaLnBrk="1" fontAlgn="auto" latinLnBrk="0" hangingPunct="1">
-                <a:lnSpc>
-                  <a:spcPct val="100000"/>
-                </a:lnSpc>
-                <a:spcBef>
-                  <a:spcPts val="0"/>
-                </a:spcBef>
-                <a:spcAft>
-                  <a:spcPts val="0"/>
-                </a:spcAft>
-                <a:buClrTx/>
-                <a:buSzTx/>
-                <a:buFontTx/>
-                <a:buNone/>
-                <a:tabLst/>
-                <a:defRPr/>
-              </a:pPr>
-              <a:r>
-                <a:rPr kumimoji="1" lang="en-US" altLang="ja-JP" dirty="0">
-                  <a:solidFill>
-                    <a:prstClr val="black"/>
-                  </a:solidFill>
-                  <a:latin typeface="Calibri"/>
-                  <a:ea typeface="ＭＳ Ｐゴシック" panose="020B0600070205080204" pitchFamily="50" charset="-128"/>
-                </a:rPr>
-                <a:t>Software Development</a:t>
-              </a:r>
-              <a:endParaRPr kumimoji="1" lang="en-US" altLang="ja-JP" sz="1800" b="0" i="0" u="none" strike="noStrike" kern="1200" cap="none" spc="0" normalizeH="0" baseline="0" noProof="0" dirty="0">
+            <a:tailEnd type="triangle"/>
+          </a:ln>
+        </p:spPr>
+        <p:style>
+          <a:lnRef idx="1">
+            <a:schemeClr val="accent1"/>
+          </a:lnRef>
+          <a:fillRef idx="0">
+            <a:schemeClr val="accent1"/>
+          </a:fillRef>
+          <a:effectRef idx="0">
+            <a:schemeClr val="accent1"/>
+          </a:effectRef>
+          <a:fontRef idx="minor">
+            <a:schemeClr val="tx1"/>
+          </a:fontRef>
+        </p:style>
+      </p:cxnSp>
+      <p:sp>
+        <p:nvSpPr>
+          <p:cNvPr id="22" name="テキスト ボックス 21">
+            <a:extLst>
+              <a:ext uri="{FF2B5EF4-FFF2-40B4-BE49-F238E27FC236}">
+                <a16:creationId xmlns:a16="http://schemas.microsoft.com/office/drawing/2014/main" id="{E9894525-D21A-419D-9CDA-8648B20773CA}"/>
+              </a:ext>
+            </a:extLst>
+          </p:cNvPr>
+          <p:cNvSpPr txBox="1"/>
+          <p:nvPr/>
+        </p:nvSpPr>
+        <p:spPr>
+          <a:xfrm>
+            <a:off x="2443759" y="2514110"/>
+            <a:ext cx="810928" cy="307777"/>
+          </a:xfrm>
+          <a:prstGeom prst="rect">
+            <a:avLst/>
+          </a:prstGeom>
+          <a:noFill/>
+        </p:spPr>
+        <p:txBody>
+          <a:bodyPr wrap="none" rtlCol="0">
+            <a:spAutoFit/>
+          </a:bodyPr>
+          <a:lstStyle/>
+          <a:p>
+            <a:pPr marL="0" marR="0" lvl="0" indent="0" algn="l" defTabSz="914400" rtl="0" eaLnBrk="1" fontAlgn="auto" latinLnBrk="0" hangingPunct="1">
+              <a:lnSpc>
+                <a:spcPct val="100000"/>
+              </a:lnSpc>
+              <a:spcBef>
+                <a:spcPts val="0"/>
+              </a:spcBef>
+              <a:spcAft>
+                <a:spcPts val="0"/>
+              </a:spcAft>
+              <a:buClrTx/>
+              <a:buSzTx/>
+              <a:buFontTx/>
+              <a:buNone/>
+              <a:tabLst/>
+              <a:defRPr/>
+            </a:pPr>
+            <a:r>
+              <a:rPr kumimoji="1" lang="en-US" altLang="ja-JP" sz="1400" dirty="0">
+                <a:solidFill>
+                  <a:prstClr val="black"/>
+                </a:solidFill>
+                <a:latin typeface="Calibri"/>
+                <a:ea typeface="ＭＳ Ｐゴシック" panose="020B0600070205080204" pitchFamily="50" charset="-128"/>
+              </a:rPr>
+              <a:t>Contract</a:t>
+            </a:r>
+            <a:endParaRPr kumimoji="1" lang="ja-JP" altLang="en-US" sz="1400" b="0" i="0" u="none" strike="noStrike" kern="1200" cap="none" spc="0" normalizeH="0" baseline="0" noProof="0" dirty="0">
+              <a:ln>
+                <a:noFill/>
+              </a:ln>
+              <a:solidFill>
+                <a:prstClr val="black"/>
+              </a:solidFill>
+              <a:effectLst/>
+              <a:uLnTx/>
+              <a:uFillTx/>
+              <a:latin typeface="Calibri"/>
+              <a:ea typeface="ＭＳ Ｐゴシック" panose="020B0600070205080204" pitchFamily="50" charset="-128"/>
+              <a:cs typeface="+mn-cs"/>
+            </a:endParaRPr>
+          </a:p>
+        </p:txBody>
+      </p:sp>
+      <p:cxnSp>
+        <p:nvCxnSpPr>
+          <p:cNvPr id="23" name="直線矢印コネクタ 22">
+            <a:extLst>
+              <a:ext uri="{FF2B5EF4-FFF2-40B4-BE49-F238E27FC236}">
+                <a16:creationId xmlns:a16="http://schemas.microsoft.com/office/drawing/2014/main" id="{D6DB3BC3-1EA4-43D8-9CB5-F47C3248820F}"/>
+              </a:ext>
+            </a:extLst>
+          </p:cNvPr>
+          <p:cNvCxnSpPr>
+            <a:cxnSpLocks/>
+          </p:cNvCxnSpPr>
+          <p:nvPr/>
+        </p:nvCxnSpPr>
+        <p:spPr>
+          <a:xfrm>
+            <a:off x="2268641" y="3008211"/>
+            <a:ext cx="1590791" cy="0"/>
+          </a:xfrm>
+          <a:prstGeom prst="straightConnector1">
+            <a:avLst/>
+          </a:prstGeom>
+          <a:ln w="38100">
+            <a:solidFill>
+              <a:srgbClr val="FFC000"/>
+            </a:solidFill>
+            <a:tailEnd type="triangle"/>
+          </a:ln>
+        </p:spPr>
+        <p:style>
+          <a:lnRef idx="1">
+            <a:schemeClr val="accent1"/>
+          </a:lnRef>
+          <a:fillRef idx="0">
+            <a:schemeClr val="accent1"/>
+          </a:fillRef>
+          <a:effectRef idx="0">
+            <a:schemeClr val="accent1"/>
+          </a:effectRef>
+          <a:fontRef idx="minor">
+            <a:schemeClr val="tx1"/>
+          </a:fontRef>
+        </p:style>
+      </p:cxnSp>
+      <p:cxnSp>
+        <p:nvCxnSpPr>
+          <p:cNvPr id="24" name="直線矢印コネクタ 23">
+            <a:extLst>
+              <a:ext uri="{FF2B5EF4-FFF2-40B4-BE49-F238E27FC236}">
+                <a16:creationId xmlns:a16="http://schemas.microsoft.com/office/drawing/2014/main" id="{22A2176F-C7E0-4A62-BB89-872E3A8450C7}"/>
+              </a:ext>
+            </a:extLst>
+          </p:cNvPr>
+          <p:cNvCxnSpPr>
+            <a:cxnSpLocks/>
+          </p:cNvCxnSpPr>
+          <p:nvPr/>
+        </p:nvCxnSpPr>
+        <p:spPr>
+          <a:xfrm flipV="1">
+            <a:off x="2253917" y="3524015"/>
+            <a:ext cx="1700839" cy="24243"/>
+          </a:xfrm>
+          <a:prstGeom prst="straightConnector1">
+            <a:avLst/>
+          </a:prstGeom>
+          <a:ln w="38100">
+            <a:solidFill>
+              <a:srgbClr val="FF0000"/>
+            </a:solidFill>
+            <a:tailEnd type="triangle"/>
+          </a:ln>
+        </p:spPr>
+        <p:style>
+          <a:lnRef idx="1">
+            <a:schemeClr val="accent1"/>
+          </a:lnRef>
+          <a:fillRef idx="0">
+            <a:schemeClr val="accent1"/>
+          </a:fillRef>
+          <a:effectRef idx="0">
+            <a:schemeClr val="accent1"/>
+          </a:effectRef>
+          <a:fontRef idx="minor">
+            <a:schemeClr val="tx1"/>
+          </a:fontRef>
+        </p:style>
+      </p:cxnSp>
+      <p:sp>
+        <p:nvSpPr>
+          <p:cNvPr id="25" name="テキスト ボックス 24">
+            <a:extLst>
+              <a:ext uri="{FF2B5EF4-FFF2-40B4-BE49-F238E27FC236}">
+                <a16:creationId xmlns:a16="http://schemas.microsoft.com/office/drawing/2014/main" id="{B4C743F6-CC25-4B1A-8297-7D8799951F02}"/>
+              </a:ext>
+            </a:extLst>
+          </p:cNvPr>
+          <p:cNvSpPr txBox="1"/>
+          <p:nvPr/>
+        </p:nvSpPr>
+        <p:spPr>
+          <a:xfrm>
+            <a:off x="2211815" y="2991283"/>
+            <a:ext cx="1704441" cy="523220"/>
+          </a:xfrm>
+          <a:prstGeom prst="rect">
+            <a:avLst/>
+          </a:prstGeom>
+          <a:noFill/>
+        </p:spPr>
+        <p:txBody>
+          <a:bodyPr wrap="none" rtlCol="0">
+            <a:spAutoFit/>
+          </a:bodyPr>
+          <a:lstStyle/>
+          <a:p>
+            <a:pPr marL="0" marR="0" lvl="0" indent="0" algn="l" defTabSz="914400" rtl="0" eaLnBrk="1" fontAlgn="auto" latinLnBrk="0" hangingPunct="1">
+              <a:lnSpc>
+                <a:spcPct val="100000"/>
+              </a:lnSpc>
+              <a:spcBef>
+                <a:spcPts val="0"/>
+              </a:spcBef>
+              <a:spcAft>
+                <a:spcPts val="0"/>
+              </a:spcAft>
+              <a:buClrTx/>
+              <a:buSzTx/>
+              <a:buFontTx/>
+              <a:buNone/>
+              <a:tabLst/>
+              <a:defRPr/>
+            </a:pPr>
+            <a:r>
+              <a:rPr kumimoji="1" lang="en-US" altLang="ja-JP" sz="1400" b="0" i="0" u="none" strike="noStrike" kern="1200" cap="none" spc="0" normalizeH="0" baseline="0" noProof="0" dirty="0">
                 <a:ln>
                   <a:noFill/>
                 </a:ln>
@@ -22041,105 +22516,30 @@
                 <a:latin typeface="Calibri"/>
                 <a:ea typeface="ＭＳ Ｐゴシック" panose="020B0600070205080204" pitchFamily="50" charset="-128"/>
                 <a:cs typeface="+mn-cs"/>
-              </a:endParaRPr>
-            </a:p>
-          </p:txBody>
-        </p:sp>
-        <p:sp>
-          <p:nvSpPr>
-            <p:cNvPr id="17" name="四角形: 角を丸くする 16">
-              <a:extLst>
-                <a:ext uri="{FF2B5EF4-FFF2-40B4-BE49-F238E27FC236}">
-                  <a16:creationId xmlns:a16="http://schemas.microsoft.com/office/drawing/2014/main" id="{04085E13-10DF-491F-B9A2-245D5988475A}"/>
-                </a:ext>
-              </a:extLst>
-            </p:cNvPr>
-            <p:cNvSpPr/>
-            <p:nvPr/>
-          </p:nvSpPr>
-          <p:spPr>
-            <a:xfrm>
-              <a:off x="3705001" y="1510743"/>
-              <a:ext cx="1083537" cy="372291"/>
-            </a:xfrm>
-            <a:prstGeom prst="roundRect">
-              <a:avLst/>
-            </a:prstGeom>
-            <a:solidFill>
-              <a:srgbClr val="FFFF00"/>
-            </a:solidFill>
-            <a:ln>
-              <a:noFill/>
-            </a:ln>
-          </p:spPr>
-          <p:style>
-            <a:lnRef idx="2">
-              <a:schemeClr val="accent1">
-                <a:shade val="50000"/>
-              </a:schemeClr>
-            </a:lnRef>
-            <a:fillRef idx="1">
-              <a:schemeClr val="accent1"/>
-            </a:fillRef>
-            <a:effectRef idx="0">
-              <a:schemeClr val="accent1"/>
-            </a:effectRef>
-            <a:fontRef idx="minor">
-              <a:schemeClr val="lt1"/>
-            </a:fontRef>
-          </p:style>
-          <p:txBody>
-            <a:bodyPr rtlCol="0" anchor="ctr"/>
-            <a:lstStyle/>
-            <a:p>
-              <a:pPr marL="0" marR="0" lvl="0" indent="0" algn="ctr" defTabSz="914400" rtl="0" eaLnBrk="1" fontAlgn="auto" latinLnBrk="0" hangingPunct="1">
-                <a:lnSpc>
-                  <a:spcPct val="100000"/>
-                </a:lnSpc>
-                <a:spcBef>
-                  <a:spcPts val="0"/>
-                </a:spcBef>
-                <a:spcAft>
-                  <a:spcPts val="0"/>
-                </a:spcAft>
-                <a:buClrTx/>
-                <a:buSzTx/>
-                <a:buFontTx/>
-                <a:buNone/>
-                <a:tabLst/>
-                <a:defRPr/>
-              </a:pPr>
-              <a:r>
-                <a:rPr kumimoji="1" lang="en-US" altLang="ja-JP" sz="1400" dirty="0">
-                  <a:solidFill>
-                    <a:prstClr val="black"/>
-                  </a:solidFill>
-                  <a:latin typeface="Calibri"/>
-                  <a:ea typeface="ＭＳ Ｐゴシック" panose="020B0600070205080204" pitchFamily="50" charset="-128"/>
-                </a:rPr>
-                <a:t>Software</a:t>
-              </a:r>
-              <a:r>
-                <a:rPr kumimoji="1" lang="ja-JP" altLang="en-US" sz="1400" dirty="0">
-                  <a:solidFill>
-                    <a:prstClr val="black"/>
-                  </a:solidFill>
-                  <a:latin typeface="Calibri"/>
-                  <a:ea typeface="ＭＳ Ｐゴシック" panose="020B0600070205080204" pitchFamily="50" charset="-128"/>
-                </a:rPr>
-                <a:t> </a:t>
-              </a:r>
-              <a:r>
-                <a:rPr kumimoji="1" lang="en-US" altLang="ja-JP" sz="1400" dirty="0">
-                  <a:solidFill>
-                    <a:prstClr val="black"/>
-                  </a:solidFill>
-                  <a:latin typeface="Calibri"/>
-                  <a:ea typeface="ＭＳ Ｐゴシック" panose="020B0600070205080204" pitchFamily="50" charset="-128"/>
-                </a:rPr>
-                <a:t>Contract</a:t>
-              </a:r>
-              <a:endParaRPr kumimoji="1" lang="en-US" altLang="ja-JP" sz="1400" b="0" i="0" u="none" strike="noStrike" kern="1200" cap="none" spc="0" normalizeH="0" baseline="0" noProof="0" dirty="0">
+              </a:rPr>
+              <a:t>Proprietary Software</a:t>
+            </a:r>
+          </a:p>
+          <a:p>
+            <a:pPr marL="0" marR="0" lvl="0" indent="0" algn="l" defTabSz="914400" rtl="0" eaLnBrk="1" fontAlgn="auto" latinLnBrk="0" hangingPunct="1">
+              <a:lnSpc>
+                <a:spcPct val="100000"/>
+              </a:lnSpc>
+              <a:spcBef>
+                <a:spcPts val="0"/>
+              </a:spcBef>
+              <a:spcAft>
+                <a:spcPts val="0"/>
+              </a:spcAft>
+              <a:buClrTx/>
+              <a:buSzTx/>
+              <a:buFontTx/>
+              <a:buNone/>
+              <a:tabLst/>
+              <a:defRPr/>
+            </a:pPr>
+            <a:r>
+              <a:rPr kumimoji="1" lang="ja-JP" altLang="en-US" sz="1400" b="0" i="0" u="none" strike="noStrike" kern="1200" cap="none" spc="0" normalizeH="0" baseline="0" noProof="0" dirty="0">
                 <a:ln>
                   <a:noFill/>
                 </a:ln>
@@ -22152,105 +22552,11 @@
                 <a:latin typeface="Calibri"/>
                 <a:ea typeface="ＭＳ Ｐゴシック" panose="020B0600070205080204" pitchFamily="50" charset="-128"/>
                 <a:cs typeface="+mn-cs"/>
-              </a:endParaRPr>
-            </a:p>
-          </p:txBody>
-        </p:sp>
-        <p:sp>
-          <p:nvSpPr>
-            <p:cNvPr id="19" name="四角形: 角を丸くする 18">
-              <a:extLst>
-                <a:ext uri="{FF2B5EF4-FFF2-40B4-BE49-F238E27FC236}">
-                  <a16:creationId xmlns:a16="http://schemas.microsoft.com/office/drawing/2014/main" id="{6523DCD1-17EA-4908-91AA-938632C2087D}"/>
-                </a:ext>
-              </a:extLst>
-            </p:cNvPr>
-            <p:cNvSpPr/>
-            <p:nvPr/>
-          </p:nvSpPr>
-          <p:spPr>
-            <a:xfrm>
-              <a:off x="4763312" y="1981666"/>
-              <a:ext cx="979357" cy="372291"/>
-            </a:xfrm>
-            <a:prstGeom prst="roundRect">
-              <a:avLst/>
-            </a:prstGeom>
-            <a:solidFill>
-              <a:srgbClr val="FFFF00"/>
-            </a:solidFill>
-            <a:ln>
-              <a:noFill/>
-            </a:ln>
-          </p:spPr>
-          <p:style>
-            <a:lnRef idx="2">
-              <a:schemeClr val="accent1">
-                <a:shade val="50000"/>
-              </a:schemeClr>
-            </a:lnRef>
-            <a:fillRef idx="1">
-              <a:schemeClr val="accent1"/>
-            </a:fillRef>
-            <a:effectRef idx="0">
-              <a:schemeClr val="accent1"/>
-            </a:effectRef>
-            <a:fontRef idx="minor">
-              <a:schemeClr val="lt1"/>
-            </a:fontRef>
-          </p:style>
-          <p:txBody>
-            <a:bodyPr rtlCol="0" anchor="ctr"/>
-            <a:lstStyle/>
-            <a:p>
-              <a:pPr marL="0" marR="0" lvl="0" indent="0" algn="ctr" defTabSz="914400" rtl="0" eaLnBrk="1" fontAlgn="auto" latinLnBrk="0" hangingPunct="1">
-                <a:lnSpc>
-                  <a:spcPct val="100000"/>
-                </a:lnSpc>
-                <a:spcBef>
-                  <a:spcPts val="0"/>
-                </a:spcBef>
-                <a:spcAft>
-                  <a:spcPts val="0"/>
-                </a:spcAft>
-                <a:buClrTx/>
-                <a:buSzTx/>
-                <a:buFontTx/>
-                <a:buNone/>
-                <a:tabLst/>
-                <a:defRPr/>
-              </a:pPr>
-              <a:r>
-                <a:rPr kumimoji="1" lang="en-US" altLang="ja-JP" sz="1200" dirty="0">
-                  <a:solidFill>
-                    <a:prstClr val="black"/>
-                  </a:solidFill>
-                  <a:latin typeface="Calibri"/>
-                  <a:ea typeface="ＭＳ Ｐゴシック" panose="020B0600070205080204" pitchFamily="50" charset="-128"/>
-                </a:rPr>
-                <a:t>Software</a:t>
-              </a:r>
-              <a:r>
-                <a:rPr kumimoji="1" lang="ja-JP" altLang="en-US" sz="1200" dirty="0">
-                  <a:solidFill>
-                    <a:prstClr val="black"/>
-                  </a:solidFill>
-                  <a:latin typeface="Calibri"/>
-                  <a:ea typeface="ＭＳ Ｐゴシック" panose="020B0600070205080204" pitchFamily="50" charset="-128"/>
-                </a:rPr>
-                <a:t> </a:t>
-              </a:r>
-              <a:r>
-                <a:rPr kumimoji="1" lang="en-US" altLang="ja-JP" sz="1200" dirty="0">
-                  <a:solidFill>
-                    <a:prstClr val="black"/>
-                  </a:solidFill>
-                  <a:latin typeface="Calibri"/>
-                  <a:ea typeface="ＭＳ Ｐゴシック" panose="020B0600070205080204" pitchFamily="50" charset="-128"/>
-                </a:rPr>
-                <a:t>Verification</a:t>
-              </a:r>
-              <a:endParaRPr kumimoji="1" lang="en-US" altLang="ja-JP" sz="1200" b="0" i="0" u="none" strike="noStrike" kern="1200" cap="none" spc="0" normalizeH="0" baseline="0" noProof="0" dirty="0">
+              </a:rPr>
+              <a:t>（</a:t>
+            </a:r>
+            <a:r>
+              <a:rPr kumimoji="1" lang="en-US" altLang="ja-JP" sz="1400" b="0" i="0" u="none" strike="noStrike" kern="1200" cap="none" spc="0" normalizeH="0" baseline="0" noProof="0" dirty="0">
                 <a:ln>
                   <a:noFill/>
                 </a:ln>
@@ -22263,110 +22569,11 @@
                 <a:latin typeface="Calibri"/>
                 <a:ea typeface="ＭＳ Ｐゴシック" panose="020B0600070205080204" pitchFamily="50" charset="-128"/>
                 <a:cs typeface="+mn-cs"/>
-              </a:endParaRPr>
-            </a:p>
-          </p:txBody>
-        </p:sp>
-        <p:cxnSp>
-          <p:nvCxnSpPr>
-            <p:cNvPr id="21" name="直線矢印コネクタ 20">
-              <a:extLst>
-                <a:ext uri="{FF2B5EF4-FFF2-40B4-BE49-F238E27FC236}">
-                  <a16:creationId xmlns:a16="http://schemas.microsoft.com/office/drawing/2014/main" id="{BF8045E8-B913-4E84-B739-F112D5CF6173}"/>
-                </a:ext>
-              </a:extLst>
-            </p:cNvPr>
-            <p:cNvCxnSpPr>
-              <a:cxnSpLocks/>
-            </p:cNvCxnSpPr>
-            <p:nvPr/>
-          </p:nvCxnSpPr>
-          <p:spPr>
-            <a:xfrm flipV="1">
-              <a:off x="2268641" y="2829194"/>
-              <a:ext cx="1609840" cy="23440"/>
-            </a:xfrm>
-            <a:prstGeom prst="straightConnector1">
-              <a:avLst/>
-            </a:prstGeom>
-            <a:ln w="38100">
-              <a:solidFill>
-                <a:schemeClr val="tx1"/>
-              </a:solidFill>
-              <a:tailEnd type="triangle"/>
-            </a:ln>
-          </p:spPr>
-          <p:style>
-            <a:lnRef idx="1">
-              <a:schemeClr val="accent1"/>
-            </a:lnRef>
-            <a:fillRef idx="0">
-              <a:schemeClr val="accent1"/>
-            </a:fillRef>
-            <a:effectRef idx="0">
-              <a:schemeClr val="accent1"/>
-            </a:effectRef>
-            <a:fontRef idx="minor">
-              <a:schemeClr val="tx1"/>
-            </a:fontRef>
-          </p:style>
-        </p:cxnSp>
-        <p:sp>
-          <p:nvSpPr>
-            <p:cNvPr id="22" name="テキスト ボックス 21">
-              <a:extLst>
-                <a:ext uri="{FF2B5EF4-FFF2-40B4-BE49-F238E27FC236}">
-                  <a16:creationId xmlns:a16="http://schemas.microsoft.com/office/drawing/2014/main" id="{E9894525-D21A-419D-9CDA-8648B20773CA}"/>
-                </a:ext>
-              </a:extLst>
-            </p:cNvPr>
-            <p:cNvSpPr txBox="1"/>
-            <p:nvPr/>
-          </p:nvSpPr>
-          <p:spPr>
-            <a:xfrm>
-              <a:off x="2443759" y="2514110"/>
-              <a:ext cx="810928" cy="307777"/>
-            </a:xfrm>
-            <a:prstGeom prst="rect">
-              <a:avLst/>
-            </a:prstGeom>
-            <a:noFill/>
-          </p:spPr>
-          <p:txBody>
-            <a:bodyPr wrap="none" rtlCol="0">
-              <a:spAutoFit/>
-            </a:bodyPr>
-            <a:lstStyle/>
-            <a:p>
-              <a:pPr marL="0" marR="0" lvl="0" indent="0" algn="l" defTabSz="914400" rtl="0" eaLnBrk="1" fontAlgn="auto" latinLnBrk="0" hangingPunct="1">
-                <a:lnSpc>
-                  <a:spcPct val="100000"/>
-                </a:lnSpc>
-                <a:spcBef>
-                  <a:spcPts val="0"/>
-                </a:spcBef>
-                <a:spcAft>
-                  <a:spcPts val="0"/>
-                </a:spcAft>
-                <a:buClrTx/>
-                <a:buSzTx/>
-                <a:buFontTx/>
-                <a:buNone/>
-                <a:tabLst/>
-                <a:defRPr/>
-              </a:pPr>
-              <a:r>
-                <a:rPr kumimoji="1" lang="en-US" altLang="ja-JP" sz="1400" dirty="0">
-                  <a:solidFill>
-                    <a:prstClr val="black"/>
-                  </a:solidFill>
-                  <a:latin typeface="Calibri"/>
-                  <a:ea typeface="ＭＳ Ｐゴシック" panose="020B0600070205080204" pitchFamily="50" charset="-128"/>
-                </a:rPr>
-                <a:t>Contract</a:t>
-              </a:r>
-              <a:endParaRPr kumimoji="1" lang="ja-JP" altLang="en-US" sz="1400" b="0" i="0" u="none" strike="noStrike" kern="1200" cap="none" spc="0" normalizeH="0" baseline="0" noProof="0" dirty="0">
+              </a:rPr>
+              <a:t>incl. OSS</a:t>
+            </a:r>
+            <a:r>
+              <a:rPr kumimoji="1" lang="ja-JP" altLang="en-US" sz="1400" b="0" i="0" u="none" strike="noStrike" kern="1200" cap="none" spc="0" normalizeH="0" baseline="0" noProof="0" dirty="0">
                 <a:ln>
                   <a:noFill/>
                 </a:ln>
@@ -22379,485 +22586,462 @@
                 <a:latin typeface="Calibri"/>
                 <a:ea typeface="ＭＳ Ｐゴシック" panose="020B0600070205080204" pitchFamily="50" charset="-128"/>
                 <a:cs typeface="+mn-cs"/>
-              </a:endParaRPr>
-            </a:p>
-          </p:txBody>
-        </p:sp>
-        <p:cxnSp>
-          <p:nvCxnSpPr>
-            <p:cNvPr id="23" name="直線矢印コネクタ 22">
-              <a:extLst>
-                <a:ext uri="{FF2B5EF4-FFF2-40B4-BE49-F238E27FC236}">
-                  <a16:creationId xmlns:a16="http://schemas.microsoft.com/office/drawing/2014/main" id="{D6DB3BC3-1EA4-43D8-9CB5-F47C3248820F}"/>
-                </a:ext>
-              </a:extLst>
-            </p:cNvPr>
-            <p:cNvCxnSpPr>
-              <a:cxnSpLocks/>
-            </p:cNvCxnSpPr>
-            <p:nvPr/>
-          </p:nvCxnSpPr>
-          <p:spPr>
-            <a:xfrm>
-              <a:off x="2268641" y="3008211"/>
-              <a:ext cx="1590791" cy="0"/>
-            </a:xfrm>
-            <a:prstGeom prst="straightConnector1">
-              <a:avLst/>
-            </a:prstGeom>
-            <a:ln w="38100">
+              </a:rPr>
+              <a:t>）</a:t>
+            </a:r>
+          </a:p>
+        </p:txBody>
+      </p:sp>
+      <p:cxnSp>
+        <p:nvCxnSpPr>
+          <p:cNvPr id="29" name="直線矢印コネクタ 28">
+            <a:extLst>
+              <a:ext uri="{FF2B5EF4-FFF2-40B4-BE49-F238E27FC236}">
+                <a16:creationId xmlns:a16="http://schemas.microsoft.com/office/drawing/2014/main" id="{C9876905-EE9C-4F1C-8F91-A9DF1AB0B922}"/>
+              </a:ext>
+            </a:extLst>
+          </p:cNvPr>
+          <p:cNvCxnSpPr>
+            <a:cxnSpLocks/>
+          </p:cNvCxnSpPr>
+          <p:nvPr/>
+        </p:nvCxnSpPr>
+        <p:spPr>
+          <a:xfrm flipV="1">
+            <a:off x="7776755" y="2619950"/>
+            <a:ext cx="1148566" cy="13771"/>
+          </a:xfrm>
+          <a:prstGeom prst="straightConnector1">
+            <a:avLst/>
+          </a:prstGeom>
+          <a:ln w="38100">
+            <a:solidFill>
+              <a:schemeClr val="tx1"/>
+            </a:solidFill>
+            <a:tailEnd type="triangle"/>
+          </a:ln>
+        </p:spPr>
+        <p:style>
+          <a:lnRef idx="1">
+            <a:schemeClr val="accent1"/>
+          </a:lnRef>
+          <a:fillRef idx="0">
+            <a:schemeClr val="accent1"/>
+          </a:fillRef>
+          <a:effectRef idx="0">
+            <a:schemeClr val="accent1"/>
+          </a:effectRef>
+          <a:fontRef idx="minor">
+            <a:schemeClr val="tx1"/>
+          </a:fontRef>
+        </p:style>
+      </p:cxnSp>
+      <p:cxnSp>
+        <p:nvCxnSpPr>
+          <p:cNvPr id="31" name="直線矢印コネクタ 30">
+            <a:extLst>
+              <a:ext uri="{FF2B5EF4-FFF2-40B4-BE49-F238E27FC236}">
+                <a16:creationId xmlns:a16="http://schemas.microsoft.com/office/drawing/2014/main" id="{266003C7-C2C5-4BB9-ADBE-8E0BFA5AA82D}"/>
+              </a:ext>
+            </a:extLst>
+          </p:cNvPr>
+          <p:cNvCxnSpPr>
+            <a:cxnSpLocks/>
+          </p:cNvCxnSpPr>
+          <p:nvPr/>
+        </p:nvCxnSpPr>
+        <p:spPr>
+          <a:xfrm flipV="1">
+            <a:off x="7750358" y="3068547"/>
+            <a:ext cx="1148566" cy="0"/>
+          </a:xfrm>
+          <a:prstGeom prst="straightConnector1">
+            <a:avLst/>
+          </a:prstGeom>
+          <a:ln w="38100">
+            <a:solidFill>
+              <a:srgbClr val="FFC000"/>
+            </a:solidFill>
+            <a:tailEnd type="triangle"/>
+          </a:ln>
+        </p:spPr>
+        <p:style>
+          <a:lnRef idx="1">
+            <a:schemeClr val="accent1"/>
+          </a:lnRef>
+          <a:fillRef idx="0">
+            <a:schemeClr val="accent1"/>
+          </a:fillRef>
+          <a:effectRef idx="0">
+            <a:schemeClr val="accent1"/>
+          </a:effectRef>
+          <a:fontRef idx="minor">
+            <a:schemeClr val="tx1"/>
+          </a:fontRef>
+        </p:style>
+      </p:cxnSp>
+      <p:cxnSp>
+        <p:nvCxnSpPr>
+          <p:cNvPr id="32" name="直線矢印コネクタ 31">
+            <a:extLst>
+              <a:ext uri="{FF2B5EF4-FFF2-40B4-BE49-F238E27FC236}">
+                <a16:creationId xmlns:a16="http://schemas.microsoft.com/office/drawing/2014/main" id="{D00AF6E8-0ED9-474D-AA30-816429BC7242}"/>
+              </a:ext>
+            </a:extLst>
+          </p:cNvPr>
+          <p:cNvCxnSpPr>
+            <a:cxnSpLocks/>
+          </p:cNvCxnSpPr>
+          <p:nvPr/>
+        </p:nvCxnSpPr>
+        <p:spPr>
+          <a:xfrm>
+            <a:off x="7783410" y="3300805"/>
+            <a:ext cx="1141911" cy="0"/>
+          </a:xfrm>
+          <a:prstGeom prst="straightConnector1">
+            <a:avLst/>
+          </a:prstGeom>
+          <a:ln w="38100">
+            <a:solidFill>
+              <a:srgbClr val="FF0000"/>
+            </a:solidFill>
+            <a:tailEnd type="triangle"/>
+          </a:ln>
+        </p:spPr>
+        <p:style>
+          <a:lnRef idx="1">
+            <a:schemeClr val="accent1"/>
+          </a:lnRef>
+          <a:fillRef idx="0">
+            <a:schemeClr val="accent1"/>
+          </a:fillRef>
+          <a:effectRef idx="0">
+            <a:schemeClr val="accent1"/>
+          </a:effectRef>
+          <a:fontRef idx="minor">
+            <a:schemeClr val="tx1"/>
+          </a:fontRef>
+        </p:style>
+      </p:cxnSp>
+      <p:cxnSp>
+        <p:nvCxnSpPr>
+          <p:cNvPr id="40" name="直線矢印コネクタ 39">
+            <a:extLst>
+              <a:ext uri="{FF2B5EF4-FFF2-40B4-BE49-F238E27FC236}">
+                <a16:creationId xmlns:a16="http://schemas.microsoft.com/office/drawing/2014/main" id="{3CE0855D-F339-48A9-84B6-AE904974AB96}"/>
+              </a:ext>
+            </a:extLst>
+          </p:cNvPr>
+          <p:cNvCxnSpPr>
+            <a:cxnSpLocks/>
+            <a:endCxn id="62" idx="3"/>
+          </p:cNvCxnSpPr>
+          <p:nvPr/>
+        </p:nvCxnSpPr>
+        <p:spPr>
+          <a:xfrm flipH="1">
+            <a:off x="7915840" y="3784363"/>
+            <a:ext cx="1050458" cy="9359"/>
+          </a:xfrm>
+          <a:prstGeom prst="straightConnector1">
+            <a:avLst/>
+          </a:prstGeom>
+          <a:ln w="38100">
+            <a:solidFill>
+              <a:srgbClr val="FF0000"/>
+            </a:solidFill>
+            <a:tailEnd type="triangle"/>
+          </a:ln>
+        </p:spPr>
+        <p:style>
+          <a:lnRef idx="1">
+            <a:schemeClr val="accent1"/>
+          </a:lnRef>
+          <a:fillRef idx="0">
+            <a:schemeClr val="accent1"/>
+          </a:fillRef>
+          <a:effectRef idx="0">
+            <a:schemeClr val="accent1"/>
+          </a:effectRef>
+          <a:fontRef idx="minor">
+            <a:schemeClr val="tx1"/>
+          </a:fontRef>
+        </p:style>
+      </p:cxnSp>
+      <p:sp>
+        <p:nvSpPr>
+          <p:cNvPr id="41" name="四角形: 角を丸くする 40">
+            <a:extLst>
+              <a:ext uri="{FF2B5EF4-FFF2-40B4-BE49-F238E27FC236}">
+                <a16:creationId xmlns:a16="http://schemas.microsoft.com/office/drawing/2014/main" id="{62D9895C-A80B-4178-8F06-528C0E486442}"/>
+              </a:ext>
+            </a:extLst>
+          </p:cNvPr>
+          <p:cNvSpPr/>
+          <p:nvPr/>
+        </p:nvSpPr>
+        <p:spPr>
+          <a:xfrm>
+            <a:off x="3887996" y="2514110"/>
+            <a:ext cx="878000" cy="1090564"/>
+          </a:xfrm>
+          <a:prstGeom prst="roundRect">
+            <a:avLst/>
+          </a:prstGeom>
+          <a:solidFill>
+            <a:srgbClr val="FFFF00"/>
+          </a:solidFill>
+          <a:ln>
+            <a:noFill/>
+          </a:ln>
+        </p:spPr>
+        <p:style>
+          <a:lnRef idx="2">
+            <a:schemeClr val="accent1">
+              <a:shade val="50000"/>
+            </a:schemeClr>
+          </a:lnRef>
+          <a:fillRef idx="1">
+            <a:schemeClr val="accent1"/>
+          </a:fillRef>
+          <a:effectRef idx="0">
+            <a:schemeClr val="accent1"/>
+          </a:effectRef>
+          <a:fontRef idx="minor">
+            <a:schemeClr val="lt1"/>
+          </a:fontRef>
+        </p:style>
+        <p:txBody>
+          <a:bodyPr rtlCol="0" anchor="ctr"/>
+          <a:lstStyle/>
+          <a:p>
+            <a:pPr marL="0" marR="0" lvl="0" indent="0" algn="ctr" defTabSz="914400" rtl="0" eaLnBrk="1" fontAlgn="auto" latinLnBrk="0" hangingPunct="1">
+              <a:lnSpc>
+                <a:spcPct val="100000"/>
+              </a:lnSpc>
+              <a:spcBef>
+                <a:spcPts val="0"/>
+              </a:spcBef>
+              <a:spcAft>
+                <a:spcPts val="0"/>
+              </a:spcAft>
+              <a:buClrTx/>
+              <a:buSzTx/>
+              <a:buFontTx/>
+              <a:buNone/>
+              <a:tabLst/>
+              <a:defRPr/>
+            </a:pPr>
+            <a:r>
+              <a:rPr kumimoji="1" lang="en-US" altLang="ja-JP" sz="1400" dirty="0">
+                <a:solidFill>
+                  <a:prstClr val="black"/>
+                </a:solidFill>
+                <a:latin typeface="Calibri"/>
+                <a:ea typeface="ＭＳ Ｐゴシック" panose="020B0600070205080204" pitchFamily="50" charset="-128"/>
+              </a:rPr>
+              <a:t>Inbound</a:t>
+            </a:r>
+            <a:endParaRPr kumimoji="1" lang="ja-JP" altLang="en-US" sz="1600" b="0" i="0" u="none" strike="noStrike" kern="1200" cap="none" spc="0" normalizeH="0" baseline="0" noProof="0" dirty="0">
+              <a:ln>
+                <a:noFill/>
+              </a:ln>
               <a:solidFill>
-                <a:srgbClr val="FFC000"/>
+                <a:prstClr val="black"/>
               </a:solidFill>
-              <a:tailEnd type="triangle"/>
-            </a:ln>
-          </p:spPr>
-          <p:style>
-            <a:lnRef idx="1">
-              <a:schemeClr val="accent1"/>
-            </a:lnRef>
-            <a:fillRef idx="0">
-              <a:schemeClr val="accent1"/>
-            </a:fillRef>
-            <a:effectRef idx="0">
-              <a:schemeClr val="accent1"/>
-            </a:effectRef>
-            <a:fontRef idx="minor">
+              <a:effectLst/>
+              <a:uLnTx/>
+              <a:uFillTx/>
+              <a:latin typeface="Calibri"/>
+              <a:ea typeface="ＭＳ Ｐゴシック" panose="020B0600070205080204" pitchFamily="50" charset="-128"/>
+              <a:cs typeface="+mn-cs"/>
+            </a:endParaRPr>
+          </a:p>
+        </p:txBody>
+      </p:sp>
+      <p:sp>
+        <p:nvSpPr>
+          <p:cNvPr id="43" name="四角形: 角を丸くする 42">
+            <a:extLst>
+              <a:ext uri="{FF2B5EF4-FFF2-40B4-BE49-F238E27FC236}">
+                <a16:creationId xmlns:a16="http://schemas.microsoft.com/office/drawing/2014/main" id="{B1FB880F-C922-4291-A896-B3BC079FD4D7}"/>
+              </a:ext>
+            </a:extLst>
+          </p:cNvPr>
+          <p:cNvSpPr/>
+          <p:nvPr/>
+        </p:nvSpPr>
+        <p:spPr>
+          <a:xfrm>
+            <a:off x="4743794" y="840166"/>
+            <a:ext cx="872447" cy="372291"/>
+          </a:xfrm>
+          <a:prstGeom prst="roundRect">
+            <a:avLst/>
+          </a:prstGeom>
+          <a:solidFill>
+            <a:srgbClr val="FFFF00"/>
+          </a:solidFill>
+          <a:ln>
+            <a:noFill/>
+          </a:ln>
+        </p:spPr>
+        <p:style>
+          <a:lnRef idx="2">
+            <a:schemeClr val="accent1">
+              <a:shade val="50000"/>
+            </a:schemeClr>
+          </a:lnRef>
+          <a:fillRef idx="1">
+            <a:schemeClr val="accent1"/>
+          </a:fillRef>
+          <a:effectRef idx="0">
+            <a:schemeClr val="accent1"/>
+          </a:effectRef>
+          <a:fontRef idx="minor">
+            <a:schemeClr val="lt1"/>
+          </a:fontRef>
+        </p:style>
+        <p:txBody>
+          <a:bodyPr rtlCol="0" anchor="ctr"/>
+          <a:lstStyle/>
+          <a:p>
+            <a:pPr marL="0" marR="0" lvl="0" indent="0" algn="ctr" defTabSz="914400" rtl="0" eaLnBrk="1" fontAlgn="auto" latinLnBrk="0" hangingPunct="1">
+              <a:lnSpc>
+                <a:spcPct val="100000"/>
+              </a:lnSpc>
+              <a:spcBef>
+                <a:spcPts val="0"/>
+              </a:spcBef>
+              <a:spcAft>
+                <a:spcPts val="0"/>
+              </a:spcAft>
+              <a:buClrTx/>
+              <a:buSzTx/>
+              <a:buFontTx/>
+              <a:buNone/>
+              <a:tabLst/>
+              <a:defRPr/>
+            </a:pPr>
+            <a:r>
+              <a:rPr kumimoji="1" lang="en-US" altLang="ja-JP" sz="1600" dirty="0">
+                <a:solidFill>
+                  <a:prstClr val="black"/>
+                </a:solidFill>
+                <a:latin typeface="Calibri"/>
+                <a:ea typeface="ＭＳ Ｐゴシック" panose="020B0600070205080204" pitchFamily="50" charset="-128"/>
+              </a:rPr>
+              <a:t>Patent</a:t>
+            </a:r>
+            <a:endParaRPr kumimoji="1" lang="ja-JP" altLang="en-US" sz="1800" b="0" i="0" u="none" strike="noStrike" kern="1200" cap="none" spc="0" normalizeH="0" baseline="0" noProof="0" dirty="0">
+              <a:ln>
+                <a:noFill/>
+              </a:ln>
+              <a:solidFill>
+                <a:prstClr val="black"/>
+              </a:solidFill>
+              <a:effectLst/>
+              <a:uLnTx/>
+              <a:uFillTx/>
+              <a:latin typeface="Calibri"/>
+              <a:ea typeface="ＭＳ Ｐゴシック" panose="020B0600070205080204" pitchFamily="50" charset="-128"/>
+              <a:cs typeface="+mn-cs"/>
+            </a:endParaRPr>
+          </a:p>
+        </p:txBody>
+      </p:sp>
+      <p:cxnSp>
+        <p:nvCxnSpPr>
+          <p:cNvPr id="44" name="直線矢印コネクタ 43">
+            <a:extLst>
+              <a:ext uri="{FF2B5EF4-FFF2-40B4-BE49-F238E27FC236}">
+                <a16:creationId xmlns:a16="http://schemas.microsoft.com/office/drawing/2014/main" id="{FDADA76A-F9C8-42B2-832F-693E5679D550}"/>
+              </a:ext>
+            </a:extLst>
+          </p:cNvPr>
+          <p:cNvCxnSpPr>
+            <a:cxnSpLocks/>
+          </p:cNvCxnSpPr>
+          <p:nvPr/>
+        </p:nvCxnSpPr>
+        <p:spPr>
+          <a:xfrm>
+            <a:off x="10137241" y="376340"/>
+            <a:ext cx="729150" cy="0"/>
+          </a:xfrm>
+          <a:prstGeom prst="straightConnector1">
+            <a:avLst/>
+          </a:prstGeom>
+          <a:ln w="38100">
+            <a:solidFill>
               <a:schemeClr val="tx1"/>
-            </a:fontRef>
-          </p:style>
-        </p:cxnSp>
-        <p:cxnSp>
-          <p:nvCxnSpPr>
-            <p:cNvPr id="24" name="直線矢印コネクタ 23">
-              <a:extLst>
-                <a:ext uri="{FF2B5EF4-FFF2-40B4-BE49-F238E27FC236}">
-                  <a16:creationId xmlns:a16="http://schemas.microsoft.com/office/drawing/2014/main" id="{22A2176F-C7E0-4A62-BB89-872E3A8450C7}"/>
-                </a:ext>
-              </a:extLst>
-            </p:cNvPr>
-            <p:cNvCxnSpPr>
-              <a:cxnSpLocks/>
-            </p:cNvCxnSpPr>
-            <p:nvPr/>
-          </p:nvCxnSpPr>
-          <p:spPr>
-            <a:xfrm flipV="1">
-              <a:off x="2253917" y="3524015"/>
-              <a:ext cx="1700839" cy="24243"/>
-            </a:xfrm>
-            <a:prstGeom prst="straightConnector1">
-              <a:avLst/>
-            </a:prstGeom>
-            <a:ln w="38100">
-              <a:solidFill>
-                <a:srgbClr val="FF0000"/>
-              </a:solidFill>
-              <a:tailEnd type="triangle"/>
-            </a:ln>
-          </p:spPr>
-          <p:style>
-            <a:lnRef idx="1">
-              <a:schemeClr val="accent1"/>
-            </a:lnRef>
-            <a:fillRef idx="0">
-              <a:schemeClr val="accent1"/>
-            </a:fillRef>
-            <a:effectRef idx="0">
-              <a:schemeClr val="accent1"/>
-            </a:effectRef>
-            <a:fontRef idx="minor">
-              <a:schemeClr val="tx1"/>
-            </a:fontRef>
-          </p:style>
-        </p:cxnSp>
-        <p:sp>
-          <p:nvSpPr>
-            <p:cNvPr id="25" name="テキスト ボックス 24">
-              <a:extLst>
-                <a:ext uri="{FF2B5EF4-FFF2-40B4-BE49-F238E27FC236}">
-                  <a16:creationId xmlns:a16="http://schemas.microsoft.com/office/drawing/2014/main" id="{B4C743F6-CC25-4B1A-8297-7D8799951F02}"/>
-                </a:ext>
-              </a:extLst>
-            </p:cNvPr>
-            <p:cNvSpPr txBox="1"/>
-            <p:nvPr/>
-          </p:nvSpPr>
-          <p:spPr>
-            <a:xfrm>
-              <a:off x="2211815" y="2991283"/>
-              <a:ext cx="1704441" cy="523220"/>
-            </a:xfrm>
-            <a:prstGeom prst="rect">
-              <a:avLst/>
-            </a:prstGeom>
-            <a:noFill/>
-          </p:spPr>
-          <p:txBody>
-            <a:bodyPr wrap="none" rtlCol="0">
-              <a:spAutoFit/>
-            </a:bodyPr>
-            <a:lstStyle/>
-            <a:p>
-              <a:pPr marL="0" marR="0" lvl="0" indent="0" algn="l" defTabSz="914400" rtl="0" eaLnBrk="1" fontAlgn="auto" latinLnBrk="0" hangingPunct="1">
-                <a:lnSpc>
-                  <a:spcPct val="100000"/>
-                </a:lnSpc>
-                <a:spcBef>
-                  <a:spcPts val="0"/>
-                </a:spcBef>
-                <a:spcAft>
-                  <a:spcPts val="0"/>
-                </a:spcAft>
-                <a:buClrTx/>
-                <a:buSzTx/>
-                <a:buFontTx/>
-                <a:buNone/>
-                <a:tabLst/>
-                <a:defRPr/>
-              </a:pPr>
-              <a:r>
-                <a:rPr kumimoji="1" lang="en-US" altLang="ja-JP" sz="1400" b="0" i="0" u="none" strike="noStrike" kern="1200" cap="none" spc="0" normalizeH="0" baseline="0" noProof="0" dirty="0">
-                  <a:ln>
-                    <a:noFill/>
-                  </a:ln>
-                  <a:solidFill>
-                    <a:prstClr val="black"/>
-                  </a:solidFill>
-                  <a:effectLst/>
-                  <a:uLnTx/>
-                  <a:uFillTx/>
-                  <a:latin typeface="Calibri"/>
-                  <a:ea typeface="ＭＳ Ｐゴシック" panose="020B0600070205080204" pitchFamily="50" charset="-128"/>
-                  <a:cs typeface="+mn-cs"/>
-                </a:rPr>
-                <a:t>Proprietary Software</a:t>
-              </a:r>
-            </a:p>
-            <a:p>
-              <a:pPr marL="0" marR="0" lvl="0" indent="0" algn="l" defTabSz="914400" rtl="0" eaLnBrk="1" fontAlgn="auto" latinLnBrk="0" hangingPunct="1">
-                <a:lnSpc>
-                  <a:spcPct val="100000"/>
-                </a:lnSpc>
-                <a:spcBef>
-                  <a:spcPts val="0"/>
-                </a:spcBef>
-                <a:spcAft>
-                  <a:spcPts val="0"/>
-                </a:spcAft>
-                <a:buClrTx/>
-                <a:buSzTx/>
-                <a:buFontTx/>
-                <a:buNone/>
-                <a:tabLst/>
-                <a:defRPr/>
-              </a:pPr>
-              <a:r>
-                <a:rPr kumimoji="1" lang="ja-JP" altLang="en-US" sz="1400" b="0" i="0" u="none" strike="noStrike" kern="1200" cap="none" spc="0" normalizeH="0" baseline="0" noProof="0" dirty="0">
-                  <a:ln>
-                    <a:noFill/>
-                  </a:ln>
-                  <a:solidFill>
-                    <a:prstClr val="black"/>
-                  </a:solidFill>
-                  <a:effectLst/>
-                  <a:uLnTx/>
-                  <a:uFillTx/>
-                  <a:latin typeface="Calibri"/>
-                  <a:ea typeface="ＭＳ Ｐゴシック" panose="020B0600070205080204" pitchFamily="50" charset="-128"/>
-                  <a:cs typeface="+mn-cs"/>
-                </a:rPr>
-                <a:t>（</a:t>
-              </a:r>
-              <a:r>
-                <a:rPr kumimoji="1" lang="en-US" altLang="ja-JP" sz="1400" b="0" i="0" u="none" strike="noStrike" kern="1200" cap="none" spc="0" normalizeH="0" baseline="0" noProof="0" dirty="0">
-                  <a:ln>
-                    <a:noFill/>
-                  </a:ln>
-                  <a:solidFill>
-                    <a:prstClr val="black"/>
-                  </a:solidFill>
-                  <a:effectLst/>
-                  <a:uLnTx/>
-                  <a:uFillTx/>
-                  <a:latin typeface="Calibri"/>
-                  <a:ea typeface="ＭＳ Ｐゴシック" panose="020B0600070205080204" pitchFamily="50" charset="-128"/>
-                  <a:cs typeface="+mn-cs"/>
-                </a:rPr>
-                <a:t>incl. OSS</a:t>
-              </a:r>
-              <a:r>
-                <a:rPr kumimoji="1" lang="ja-JP" altLang="en-US" sz="1400" b="0" i="0" u="none" strike="noStrike" kern="1200" cap="none" spc="0" normalizeH="0" baseline="0" noProof="0" dirty="0">
-                  <a:ln>
-                    <a:noFill/>
-                  </a:ln>
-                  <a:solidFill>
-                    <a:prstClr val="black"/>
-                  </a:solidFill>
-                  <a:effectLst/>
-                  <a:uLnTx/>
-                  <a:uFillTx/>
-                  <a:latin typeface="Calibri"/>
-                  <a:ea typeface="ＭＳ Ｐゴシック" panose="020B0600070205080204" pitchFamily="50" charset="-128"/>
-                  <a:cs typeface="+mn-cs"/>
-                </a:rPr>
-                <a:t>）</a:t>
-              </a:r>
-            </a:p>
-          </p:txBody>
-        </p:sp>
-        <p:cxnSp>
-          <p:nvCxnSpPr>
-            <p:cNvPr id="29" name="直線矢印コネクタ 28">
-              <a:extLst>
-                <a:ext uri="{FF2B5EF4-FFF2-40B4-BE49-F238E27FC236}">
-                  <a16:creationId xmlns:a16="http://schemas.microsoft.com/office/drawing/2014/main" id="{C9876905-EE9C-4F1C-8F91-A9DF1AB0B922}"/>
-                </a:ext>
-              </a:extLst>
-            </p:cNvPr>
-            <p:cNvCxnSpPr>
-              <a:cxnSpLocks/>
-            </p:cNvCxnSpPr>
-            <p:nvPr/>
-          </p:nvCxnSpPr>
-          <p:spPr>
-            <a:xfrm flipV="1">
-              <a:off x="7776755" y="2619950"/>
-              <a:ext cx="1148566" cy="13771"/>
-            </a:xfrm>
-            <a:prstGeom prst="straightConnector1">
-              <a:avLst/>
-            </a:prstGeom>
-            <a:ln w="38100">
-              <a:solidFill>
-                <a:schemeClr val="tx1"/>
-              </a:solidFill>
-              <a:tailEnd type="triangle"/>
-            </a:ln>
-          </p:spPr>
-          <p:style>
-            <a:lnRef idx="1">
-              <a:schemeClr val="accent1"/>
-            </a:lnRef>
-            <a:fillRef idx="0">
-              <a:schemeClr val="accent1"/>
-            </a:fillRef>
-            <a:effectRef idx="0">
-              <a:schemeClr val="accent1"/>
-            </a:effectRef>
-            <a:fontRef idx="minor">
-              <a:schemeClr val="tx1"/>
-            </a:fontRef>
-          </p:style>
-        </p:cxnSp>
-        <p:cxnSp>
-          <p:nvCxnSpPr>
-            <p:cNvPr id="31" name="直線矢印コネクタ 30">
-              <a:extLst>
-                <a:ext uri="{FF2B5EF4-FFF2-40B4-BE49-F238E27FC236}">
-                  <a16:creationId xmlns:a16="http://schemas.microsoft.com/office/drawing/2014/main" id="{266003C7-C2C5-4BB9-ADBE-8E0BFA5AA82D}"/>
-                </a:ext>
-              </a:extLst>
-            </p:cNvPr>
-            <p:cNvCxnSpPr>
-              <a:cxnSpLocks/>
-            </p:cNvCxnSpPr>
-            <p:nvPr/>
-          </p:nvCxnSpPr>
-          <p:spPr>
-            <a:xfrm flipV="1">
-              <a:off x="7750358" y="3068547"/>
-              <a:ext cx="1148566" cy="0"/>
-            </a:xfrm>
-            <a:prstGeom prst="straightConnector1">
-              <a:avLst/>
-            </a:prstGeom>
-            <a:ln w="38100">
-              <a:solidFill>
-                <a:srgbClr val="FFC000"/>
-              </a:solidFill>
-              <a:tailEnd type="triangle"/>
-            </a:ln>
-          </p:spPr>
-          <p:style>
-            <a:lnRef idx="1">
-              <a:schemeClr val="accent1"/>
-            </a:lnRef>
-            <a:fillRef idx="0">
-              <a:schemeClr val="accent1"/>
-            </a:fillRef>
-            <a:effectRef idx="0">
-              <a:schemeClr val="accent1"/>
-            </a:effectRef>
-            <a:fontRef idx="minor">
-              <a:schemeClr val="tx1"/>
-            </a:fontRef>
-          </p:style>
-        </p:cxnSp>
-        <p:cxnSp>
-          <p:nvCxnSpPr>
-            <p:cNvPr id="32" name="直線矢印コネクタ 31">
-              <a:extLst>
-                <a:ext uri="{FF2B5EF4-FFF2-40B4-BE49-F238E27FC236}">
-                  <a16:creationId xmlns:a16="http://schemas.microsoft.com/office/drawing/2014/main" id="{D00AF6E8-0ED9-474D-AA30-816429BC7242}"/>
-                </a:ext>
-              </a:extLst>
-            </p:cNvPr>
-            <p:cNvCxnSpPr>
-              <a:cxnSpLocks/>
-            </p:cNvCxnSpPr>
-            <p:nvPr/>
-          </p:nvCxnSpPr>
-          <p:spPr>
-            <a:xfrm>
-              <a:off x="7783410" y="3300805"/>
-              <a:ext cx="1141911" cy="0"/>
-            </a:xfrm>
-            <a:prstGeom prst="straightConnector1">
-              <a:avLst/>
-            </a:prstGeom>
-            <a:ln w="38100">
-              <a:solidFill>
-                <a:srgbClr val="FF0000"/>
-              </a:solidFill>
-              <a:tailEnd type="triangle"/>
-            </a:ln>
-          </p:spPr>
-          <p:style>
-            <a:lnRef idx="1">
-              <a:schemeClr val="accent1"/>
-            </a:lnRef>
-            <a:fillRef idx="0">
-              <a:schemeClr val="accent1"/>
-            </a:fillRef>
-            <a:effectRef idx="0">
-              <a:schemeClr val="accent1"/>
-            </a:effectRef>
-            <a:fontRef idx="minor">
-              <a:schemeClr val="tx1"/>
-            </a:fontRef>
-          </p:style>
-        </p:cxnSp>
-        <p:cxnSp>
-          <p:nvCxnSpPr>
-            <p:cNvPr id="40" name="直線矢印コネクタ 39">
-              <a:extLst>
-                <a:ext uri="{FF2B5EF4-FFF2-40B4-BE49-F238E27FC236}">
-                  <a16:creationId xmlns:a16="http://schemas.microsoft.com/office/drawing/2014/main" id="{3CE0855D-F339-48A9-84B6-AE904974AB96}"/>
-                </a:ext>
-              </a:extLst>
-            </p:cNvPr>
-            <p:cNvCxnSpPr>
-              <a:cxnSpLocks/>
-              <a:endCxn id="62" idx="3"/>
-            </p:cNvCxnSpPr>
-            <p:nvPr/>
-          </p:nvCxnSpPr>
-          <p:spPr>
-            <a:xfrm flipH="1">
-              <a:off x="7915840" y="3784363"/>
-              <a:ext cx="1050458" cy="9359"/>
-            </a:xfrm>
-            <a:prstGeom prst="straightConnector1">
-              <a:avLst/>
-            </a:prstGeom>
-            <a:ln w="38100">
-              <a:solidFill>
-                <a:srgbClr val="FF0000"/>
-              </a:solidFill>
-              <a:tailEnd type="triangle"/>
-            </a:ln>
-          </p:spPr>
-          <p:style>
-            <a:lnRef idx="1">
-              <a:schemeClr val="accent1"/>
-            </a:lnRef>
-            <a:fillRef idx="0">
-              <a:schemeClr val="accent1"/>
-            </a:fillRef>
-            <a:effectRef idx="0">
-              <a:schemeClr val="accent1"/>
-            </a:effectRef>
-            <a:fontRef idx="minor">
-              <a:schemeClr val="tx1"/>
-            </a:fontRef>
-          </p:style>
-        </p:cxnSp>
-        <p:sp>
-          <p:nvSpPr>
-            <p:cNvPr id="41" name="四角形: 角を丸くする 40">
-              <a:extLst>
-                <a:ext uri="{FF2B5EF4-FFF2-40B4-BE49-F238E27FC236}">
-                  <a16:creationId xmlns:a16="http://schemas.microsoft.com/office/drawing/2014/main" id="{62D9895C-A80B-4178-8F06-528C0E486442}"/>
-                </a:ext>
-              </a:extLst>
-            </p:cNvPr>
-            <p:cNvSpPr/>
-            <p:nvPr/>
-          </p:nvSpPr>
-          <p:spPr>
-            <a:xfrm>
-              <a:off x="3887996" y="2514110"/>
-              <a:ext cx="878000" cy="1090564"/>
-            </a:xfrm>
-            <a:prstGeom prst="roundRect">
-              <a:avLst/>
-            </a:prstGeom>
-            <a:solidFill>
-              <a:srgbClr val="FFFF00"/>
             </a:solidFill>
-            <a:ln>
-              <a:noFill/>
-            </a:ln>
-          </p:spPr>
-          <p:style>
-            <a:lnRef idx="2">
-              <a:schemeClr val="accent1">
-                <a:shade val="50000"/>
-              </a:schemeClr>
-            </a:lnRef>
-            <a:fillRef idx="1">
-              <a:schemeClr val="accent1"/>
-            </a:fillRef>
-            <a:effectRef idx="0">
-              <a:schemeClr val="accent1"/>
-            </a:effectRef>
-            <a:fontRef idx="minor">
-              <a:schemeClr val="lt1"/>
-            </a:fontRef>
-          </p:style>
-          <p:txBody>
-            <a:bodyPr rtlCol="0" anchor="ctr"/>
-            <a:lstStyle/>
-            <a:p>
-              <a:pPr marL="0" marR="0" lvl="0" indent="0" algn="ctr" defTabSz="914400" rtl="0" eaLnBrk="1" fontAlgn="auto" latinLnBrk="0" hangingPunct="1">
-                <a:lnSpc>
-                  <a:spcPct val="100000"/>
-                </a:lnSpc>
-                <a:spcBef>
-                  <a:spcPts val="0"/>
-                </a:spcBef>
-                <a:spcAft>
-                  <a:spcPts val="0"/>
-                </a:spcAft>
-                <a:buClrTx/>
-                <a:buSzTx/>
-                <a:buFontTx/>
-                <a:buNone/>
-                <a:tabLst/>
-                <a:defRPr/>
-              </a:pPr>
-              <a:r>
-                <a:rPr kumimoji="1" lang="en-US" altLang="ja-JP" sz="1400" dirty="0">
-                  <a:solidFill>
-                    <a:prstClr val="black"/>
-                  </a:solidFill>
-                  <a:latin typeface="Calibri"/>
-                  <a:ea typeface="ＭＳ Ｐゴシック" panose="020B0600070205080204" pitchFamily="50" charset="-128"/>
-                </a:rPr>
-                <a:t>Inbound</a:t>
-              </a:r>
-              <a:endParaRPr kumimoji="1" lang="ja-JP" altLang="en-US" sz="1600" b="0" i="0" u="none" strike="noStrike" kern="1200" cap="none" spc="0" normalizeH="0" baseline="0" noProof="0" dirty="0">
+            <a:tailEnd type="triangle"/>
+          </a:ln>
+        </p:spPr>
+        <p:style>
+          <a:lnRef idx="1">
+            <a:schemeClr val="accent1"/>
+          </a:lnRef>
+          <a:fillRef idx="0">
+            <a:schemeClr val="accent1"/>
+          </a:fillRef>
+          <a:effectRef idx="0">
+            <a:schemeClr val="accent1"/>
+          </a:effectRef>
+          <a:fontRef idx="minor">
+            <a:schemeClr val="tx1"/>
+          </a:fontRef>
+        </p:style>
+      </p:cxnSp>
+      <p:sp>
+        <p:nvSpPr>
+          <p:cNvPr id="45" name="テキスト ボックス 44">
+            <a:extLst>
+              <a:ext uri="{FF2B5EF4-FFF2-40B4-BE49-F238E27FC236}">
+                <a16:creationId xmlns:a16="http://schemas.microsoft.com/office/drawing/2014/main" id="{9583A253-DADE-4B31-AAD9-EF598107C2BC}"/>
+              </a:ext>
+            </a:extLst>
+          </p:cNvPr>
+          <p:cNvSpPr txBox="1"/>
+          <p:nvPr/>
+        </p:nvSpPr>
+        <p:spPr>
+          <a:xfrm>
+            <a:off x="9239101" y="475731"/>
+            <a:ext cx="745140" cy="276999"/>
+          </a:xfrm>
+          <a:prstGeom prst="rect">
+            <a:avLst/>
+          </a:prstGeom>
+          <a:noFill/>
+        </p:spPr>
+        <p:txBody>
+          <a:bodyPr wrap="none" rtlCol="0">
+            <a:spAutoFit/>
+          </a:bodyPr>
+          <a:lstStyle/>
+          <a:p>
+            <a:pPr marL="0" marR="0" lvl="0" indent="0" algn="l" defTabSz="914400" rtl="0" eaLnBrk="1" fontAlgn="auto" latinLnBrk="0" hangingPunct="1">
+              <a:lnSpc>
+                <a:spcPct val="100000"/>
+              </a:lnSpc>
+              <a:spcBef>
+                <a:spcPts val="0"/>
+              </a:spcBef>
+              <a:spcAft>
+                <a:spcPts val="0"/>
+              </a:spcAft>
+              <a:buClrTx/>
+              <a:buSzTx/>
+              <a:buFontTx/>
+              <a:buNone/>
+              <a:tabLst/>
+              <a:defRPr/>
+            </a:pPr>
+            <a:r>
+              <a:rPr kumimoji="1" lang="en-US" altLang="ja-JP" sz="1200" b="0" i="0" u="none" strike="noStrike" kern="1200" cap="none" spc="0" normalizeH="0" baseline="0" noProof="0" dirty="0">
                 <a:ln>
                   <a:noFill/>
                 </a:ln>
@@ -22870,85 +23054,358 @@
                 <a:latin typeface="Calibri"/>
                 <a:ea typeface="ＭＳ Ｐゴシック" panose="020B0600070205080204" pitchFamily="50" charset="-128"/>
                 <a:cs typeface="+mn-cs"/>
-              </a:endParaRPr>
-            </a:p>
-          </p:txBody>
-        </p:sp>
-        <p:sp>
-          <p:nvSpPr>
-            <p:cNvPr id="43" name="四角形: 角を丸くする 42">
-              <a:extLst>
-                <a:ext uri="{FF2B5EF4-FFF2-40B4-BE49-F238E27FC236}">
-                  <a16:creationId xmlns:a16="http://schemas.microsoft.com/office/drawing/2014/main" id="{B1FB880F-C922-4291-A896-B3BC079FD4D7}"/>
-                </a:ext>
-              </a:extLst>
-            </p:cNvPr>
-            <p:cNvSpPr/>
-            <p:nvPr/>
-          </p:nvSpPr>
-          <p:spPr>
-            <a:xfrm>
-              <a:off x="5640118" y="1510743"/>
-              <a:ext cx="872447" cy="372291"/>
-            </a:xfrm>
-            <a:prstGeom prst="roundRect">
-              <a:avLst/>
-            </a:prstGeom>
+              </a:rPr>
+              <a:t>Software</a:t>
+            </a:r>
+            <a:endParaRPr kumimoji="1" lang="ja-JP" altLang="en-US" sz="1200" b="0" i="0" u="none" strike="noStrike" kern="1200" cap="none" spc="0" normalizeH="0" baseline="0" noProof="0" dirty="0">
+              <a:ln>
+                <a:noFill/>
+              </a:ln>
+              <a:solidFill>
+                <a:prstClr val="black"/>
+              </a:solidFill>
+              <a:effectLst/>
+              <a:uLnTx/>
+              <a:uFillTx/>
+              <a:latin typeface="Calibri"/>
+              <a:ea typeface="ＭＳ Ｐゴシック" panose="020B0600070205080204" pitchFamily="50" charset="-128"/>
+              <a:cs typeface="+mn-cs"/>
+            </a:endParaRPr>
+          </a:p>
+        </p:txBody>
+      </p:sp>
+      <p:cxnSp>
+        <p:nvCxnSpPr>
+          <p:cNvPr id="46" name="直線矢印コネクタ 45">
+            <a:extLst>
+              <a:ext uri="{FF2B5EF4-FFF2-40B4-BE49-F238E27FC236}">
+                <a16:creationId xmlns:a16="http://schemas.microsoft.com/office/drawing/2014/main" id="{27F132D1-801E-44B0-8A71-BF7F69C418E1}"/>
+              </a:ext>
+            </a:extLst>
+          </p:cNvPr>
+          <p:cNvCxnSpPr>
+            <a:cxnSpLocks/>
+          </p:cNvCxnSpPr>
+          <p:nvPr/>
+        </p:nvCxnSpPr>
+        <p:spPr>
+          <a:xfrm>
+            <a:off x="10133342" y="616098"/>
+            <a:ext cx="729150" cy="0"/>
+          </a:xfrm>
+          <a:prstGeom prst="straightConnector1">
+            <a:avLst/>
+          </a:prstGeom>
+          <a:ln w="38100">
             <a:solidFill>
-              <a:srgbClr val="FFFF00"/>
+              <a:srgbClr val="FFC000"/>
             </a:solidFill>
-            <a:ln>
-              <a:noFill/>
-            </a:ln>
-          </p:spPr>
-          <p:style>
-            <a:lnRef idx="2">
-              <a:schemeClr val="accent1">
-                <a:shade val="50000"/>
-              </a:schemeClr>
-            </a:lnRef>
-            <a:fillRef idx="1">
-              <a:schemeClr val="accent1"/>
-            </a:fillRef>
-            <a:effectRef idx="0">
-              <a:schemeClr val="accent1"/>
-            </a:effectRef>
-            <a:fontRef idx="minor">
-              <a:schemeClr val="lt1"/>
-            </a:fontRef>
-          </p:style>
-          <p:txBody>
-            <a:bodyPr rtlCol="0" anchor="ctr"/>
-            <a:lstStyle/>
-            <a:p>
-              <a:pPr marL="0" marR="0" lvl="0" indent="0" algn="ctr" defTabSz="914400" rtl="0" eaLnBrk="1" fontAlgn="auto" latinLnBrk="0" hangingPunct="1">
-                <a:lnSpc>
-                  <a:spcPct val="100000"/>
-                </a:lnSpc>
-                <a:spcBef>
-                  <a:spcPts val="0"/>
-                </a:spcBef>
-                <a:spcAft>
-                  <a:spcPts val="0"/>
-                </a:spcAft>
-                <a:buClrTx/>
-                <a:buSzTx/>
-                <a:buFontTx/>
-                <a:buNone/>
-                <a:tabLst/>
-                <a:defRPr/>
-              </a:pPr>
-              <a:r>
-                <a:rPr kumimoji="1" lang="en-US" altLang="ja-JP" sz="1600" dirty="0">
-                  <a:solidFill>
-                    <a:prstClr val="black"/>
-                  </a:solidFill>
-                  <a:latin typeface="Calibri"/>
-                  <a:ea typeface="ＭＳ Ｐゴシック" panose="020B0600070205080204" pitchFamily="50" charset="-128"/>
-                </a:rPr>
-                <a:t>Patent</a:t>
-              </a:r>
-              <a:endParaRPr kumimoji="1" lang="ja-JP" altLang="en-US" sz="1800" b="0" i="0" u="none" strike="noStrike" kern="1200" cap="none" spc="0" normalizeH="0" baseline="0" noProof="0" dirty="0">
+            <a:tailEnd type="triangle"/>
+          </a:ln>
+        </p:spPr>
+        <p:style>
+          <a:lnRef idx="1">
+            <a:schemeClr val="accent1"/>
+          </a:lnRef>
+          <a:fillRef idx="0">
+            <a:schemeClr val="accent1"/>
+          </a:fillRef>
+          <a:effectRef idx="0">
+            <a:schemeClr val="accent1"/>
+          </a:effectRef>
+          <a:fontRef idx="minor">
+            <a:schemeClr val="tx1"/>
+          </a:fontRef>
+        </p:style>
+      </p:cxnSp>
+      <p:sp>
+        <p:nvSpPr>
+          <p:cNvPr id="47" name="テキスト ボックス 46">
+            <a:extLst>
+              <a:ext uri="{FF2B5EF4-FFF2-40B4-BE49-F238E27FC236}">
+                <a16:creationId xmlns:a16="http://schemas.microsoft.com/office/drawing/2014/main" id="{CB53ED47-8C15-4826-8B4F-A10BE7EA8E51}"/>
+              </a:ext>
+            </a:extLst>
+          </p:cNvPr>
+          <p:cNvSpPr txBox="1"/>
+          <p:nvPr/>
+        </p:nvSpPr>
+        <p:spPr>
+          <a:xfrm>
+            <a:off x="9206175" y="236234"/>
+            <a:ext cx="184731" cy="276999"/>
+          </a:xfrm>
+          <a:prstGeom prst="rect">
+            <a:avLst/>
+          </a:prstGeom>
+          <a:noFill/>
+        </p:spPr>
+        <p:txBody>
+          <a:bodyPr wrap="none" rtlCol="0">
+            <a:spAutoFit/>
+          </a:bodyPr>
+          <a:lstStyle/>
+          <a:p>
+            <a:pPr marL="0" marR="0" lvl="0" indent="0" algn="l" defTabSz="914400" rtl="0" eaLnBrk="1" fontAlgn="auto" latinLnBrk="0" hangingPunct="1">
+              <a:lnSpc>
+                <a:spcPct val="100000"/>
+              </a:lnSpc>
+              <a:spcBef>
+                <a:spcPts val="0"/>
+              </a:spcBef>
+              <a:spcAft>
+                <a:spcPts val="0"/>
+              </a:spcAft>
+              <a:buClrTx/>
+              <a:buSzTx/>
+              <a:buFontTx/>
+              <a:buNone/>
+              <a:tabLst/>
+              <a:defRPr/>
+            </a:pPr>
+            <a:endParaRPr kumimoji="1" lang="ja-JP" altLang="en-US" sz="1200" b="0" i="0" u="none" strike="noStrike" kern="1200" cap="none" spc="0" normalizeH="0" baseline="0" noProof="0" dirty="0">
+              <a:ln>
+                <a:noFill/>
+              </a:ln>
+              <a:solidFill>
+                <a:prstClr val="black"/>
+              </a:solidFill>
+              <a:effectLst/>
+              <a:uLnTx/>
+              <a:uFillTx/>
+              <a:latin typeface="Calibri"/>
+              <a:ea typeface="ＭＳ Ｐゴシック" panose="020B0600070205080204" pitchFamily="50" charset="-128"/>
+              <a:cs typeface="+mn-cs"/>
+            </a:endParaRPr>
+          </a:p>
+        </p:txBody>
+      </p:sp>
+      <p:sp>
+        <p:nvSpPr>
+          <p:cNvPr id="48" name="テキスト ボックス 47">
+            <a:extLst>
+              <a:ext uri="{FF2B5EF4-FFF2-40B4-BE49-F238E27FC236}">
+                <a16:creationId xmlns:a16="http://schemas.microsoft.com/office/drawing/2014/main" id="{6C3FDEA2-1B6E-4C5C-BB4C-6F9988C2F421}"/>
+              </a:ext>
+            </a:extLst>
+          </p:cNvPr>
+          <p:cNvSpPr txBox="1"/>
+          <p:nvPr/>
+        </p:nvSpPr>
+        <p:spPr>
+          <a:xfrm>
+            <a:off x="8961919" y="219362"/>
+            <a:ext cx="1252522" cy="276999"/>
+          </a:xfrm>
+          <a:prstGeom prst="rect">
+            <a:avLst/>
+          </a:prstGeom>
+          <a:noFill/>
+        </p:spPr>
+        <p:txBody>
+          <a:bodyPr wrap="none" rtlCol="0">
+            <a:spAutoFit/>
+          </a:bodyPr>
+          <a:lstStyle/>
+          <a:p>
+            <a:pPr marL="0" marR="0" lvl="0" indent="0" algn="l" defTabSz="914400" rtl="0" eaLnBrk="1" fontAlgn="auto" latinLnBrk="0" hangingPunct="1">
+              <a:lnSpc>
+                <a:spcPct val="100000"/>
+              </a:lnSpc>
+              <a:spcBef>
+                <a:spcPts val="0"/>
+              </a:spcBef>
+              <a:spcAft>
+                <a:spcPts val="0"/>
+              </a:spcAft>
+              <a:buClrTx/>
+              <a:buSzTx/>
+              <a:buFontTx/>
+              <a:buNone/>
+              <a:tabLst/>
+              <a:defRPr/>
+            </a:pPr>
+            <a:r>
+              <a:rPr kumimoji="1" lang="en-US" altLang="ja-JP" sz="1200" dirty="0">
+                <a:solidFill>
+                  <a:prstClr val="black"/>
+                </a:solidFill>
+                <a:latin typeface="Calibri"/>
+                <a:ea typeface="ＭＳ Ｐゴシック" panose="020B0600070205080204" pitchFamily="50" charset="-128"/>
+              </a:rPr>
+              <a:t>Contract,</a:t>
+            </a:r>
+            <a:r>
+              <a:rPr kumimoji="1" lang="ja-JP" altLang="en-US" sz="1200" dirty="0">
+                <a:solidFill>
+                  <a:prstClr val="black"/>
+                </a:solidFill>
+                <a:latin typeface="Calibri"/>
+                <a:ea typeface="ＭＳ Ｐゴシック" panose="020B0600070205080204" pitchFamily="50" charset="-128"/>
+              </a:rPr>
+              <a:t> </a:t>
+            </a:r>
+            <a:r>
+              <a:rPr kumimoji="1" lang="en-US" altLang="ja-JP" sz="1200" dirty="0">
+                <a:solidFill>
+                  <a:prstClr val="black"/>
+                </a:solidFill>
+                <a:latin typeface="Calibri"/>
+                <a:ea typeface="ＭＳ Ｐゴシック" panose="020B0600070205080204" pitchFamily="50" charset="-128"/>
+              </a:rPr>
+              <a:t>License</a:t>
+            </a:r>
+            <a:endParaRPr kumimoji="1" lang="ja-JP" altLang="en-US" sz="1200" b="0" i="0" u="none" strike="noStrike" kern="1200" cap="none" spc="0" normalizeH="0" baseline="0" noProof="0" dirty="0">
+              <a:ln>
+                <a:noFill/>
+              </a:ln>
+              <a:solidFill>
+                <a:prstClr val="black"/>
+              </a:solidFill>
+              <a:effectLst/>
+              <a:uLnTx/>
+              <a:uFillTx/>
+              <a:latin typeface="Calibri"/>
+              <a:ea typeface="ＭＳ Ｐゴシック" panose="020B0600070205080204" pitchFamily="50" charset="-128"/>
+              <a:cs typeface="+mn-cs"/>
+            </a:endParaRPr>
+          </a:p>
+        </p:txBody>
+      </p:sp>
+      <p:cxnSp>
+        <p:nvCxnSpPr>
+          <p:cNvPr id="49" name="直線矢印コネクタ 48">
+            <a:extLst>
+              <a:ext uri="{FF2B5EF4-FFF2-40B4-BE49-F238E27FC236}">
+                <a16:creationId xmlns:a16="http://schemas.microsoft.com/office/drawing/2014/main" id="{C464B536-32C7-4CB4-A68D-DC849895144C}"/>
+              </a:ext>
+            </a:extLst>
+          </p:cNvPr>
+          <p:cNvCxnSpPr>
+            <a:cxnSpLocks/>
+          </p:cNvCxnSpPr>
+          <p:nvPr/>
+        </p:nvCxnSpPr>
+        <p:spPr>
+          <a:xfrm>
+            <a:off x="10133342" y="872442"/>
+            <a:ext cx="729150" cy="0"/>
+          </a:xfrm>
+          <a:prstGeom prst="straightConnector1">
+            <a:avLst/>
+          </a:prstGeom>
+          <a:ln w="38100">
+            <a:solidFill>
+              <a:srgbClr val="FF0000"/>
+            </a:solidFill>
+            <a:tailEnd type="triangle"/>
+          </a:ln>
+        </p:spPr>
+        <p:style>
+          <a:lnRef idx="1">
+            <a:schemeClr val="accent1"/>
+          </a:lnRef>
+          <a:fillRef idx="0">
+            <a:schemeClr val="accent1"/>
+          </a:fillRef>
+          <a:effectRef idx="0">
+            <a:schemeClr val="accent1"/>
+          </a:effectRef>
+          <a:fontRef idx="minor">
+            <a:schemeClr val="tx1"/>
+          </a:fontRef>
+        </p:style>
+      </p:cxnSp>
+      <p:sp>
+        <p:nvSpPr>
+          <p:cNvPr id="50" name="テキスト ボックス 49">
+            <a:extLst>
+              <a:ext uri="{FF2B5EF4-FFF2-40B4-BE49-F238E27FC236}">
+                <a16:creationId xmlns:a16="http://schemas.microsoft.com/office/drawing/2014/main" id="{7F771F3B-14A5-4791-833D-D36A79EE9812}"/>
+              </a:ext>
+            </a:extLst>
+          </p:cNvPr>
+          <p:cNvSpPr txBox="1"/>
+          <p:nvPr/>
+        </p:nvSpPr>
+        <p:spPr>
+          <a:xfrm>
+            <a:off x="9222327" y="759514"/>
+            <a:ext cx="1895440" cy="830997"/>
+          </a:xfrm>
+          <a:prstGeom prst="rect">
+            <a:avLst/>
+          </a:prstGeom>
+          <a:noFill/>
+        </p:spPr>
+        <p:txBody>
+          <a:bodyPr wrap="square" rtlCol="0">
+            <a:spAutoFit/>
+          </a:bodyPr>
+          <a:lstStyle/>
+          <a:p>
+            <a:pPr marL="0" marR="0" lvl="0" indent="0" algn="l" defTabSz="914400" rtl="0" eaLnBrk="1" fontAlgn="auto" latinLnBrk="0" hangingPunct="1">
+              <a:lnSpc>
+                <a:spcPct val="100000"/>
+              </a:lnSpc>
+              <a:spcBef>
+                <a:spcPts val="0"/>
+              </a:spcBef>
+              <a:spcAft>
+                <a:spcPts val="0"/>
+              </a:spcAft>
+              <a:buClrTx/>
+              <a:buSzTx/>
+              <a:buFontTx/>
+              <a:buNone/>
+              <a:tabLst/>
+              <a:defRPr/>
+            </a:pPr>
+            <a:r>
+              <a:rPr kumimoji="1" lang="en-US" altLang="ja-JP" sz="1200" dirty="0">
+                <a:solidFill>
+                  <a:prstClr val="black"/>
+                </a:solidFill>
+                <a:latin typeface="Calibri"/>
+                <a:ea typeface="ＭＳ Ｐゴシック" panose="020B0600070205080204" pitchFamily="50" charset="-128"/>
+              </a:rPr>
+              <a:t>OSS license</a:t>
+            </a:r>
+            <a:endParaRPr kumimoji="1" lang="en-US" altLang="ja-JP" sz="1200" b="0" i="0" u="none" strike="noStrike" kern="1200" cap="none" spc="0" normalizeH="0" baseline="0" noProof="0" dirty="0">
+              <a:ln>
+                <a:noFill/>
+              </a:ln>
+              <a:solidFill>
+                <a:prstClr val="black"/>
+              </a:solidFill>
+              <a:effectLst/>
+              <a:uLnTx/>
+              <a:uFillTx/>
+              <a:latin typeface="Calibri"/>
+              <a:ea typeface="ＭＳ Ｐゴシック" panose="020B0600070205080204" pitchFamily="50" charset="-128"/>
+              <a:cs typeface="+mn-cs"/>
+            </a:endParaRPr>
+          </a:p>
+          <a:p>
+            <a:pPr marL="0" marR="0" lvl="0" indent="0" algn="l" defTabSz="914400" rtl="0" eaLnBrk="1" fontAlgn="auto" latinLnBrk="0" hangingPunct="1">
+              <a:lnSpc>
+                <a:spcPct val="100000"/>
+              </a:lnSpc>
+              <a:spcBef>
+                <a:spcPts val="0"/>
+              </a:spcBef>
+              <a:spcAft>
+                <a:spcPts val="0"/>
+              </a:spcAft>
+              <a:buClrTx/>
+              <a:buSzTx/>
+              <a:buFontTx/>
+              <a:buNone/>
+              <a:tabLst/>
+              <a:defRPr/>
+            </a:pPr>
+            <a:r>
+              <a:rPr kumimoji="1" lang="ja-JP" altLang="en-US" sz="1200" b="0" i="0" u="none" strike="noStrike" kern="1200" cap="none" spc="0" normalizeH="0" baseline="0" noProof="0" dirty="0">
                 <a:ln>
                   <a:noFill/>
                 </a:ln>
@@ -22961,117 +23418,50 @@
                 <a:latin typeface="Calibri"/>
                 <a:ea typeface="ＭＳ Ｐゴシック" panose="020B0600070205080204" pitchFamily="50" charset="-128"/>
                 <a:cs typeface="+mn-cs"/>
-              </a:endParaRPr>
-            </a:p>
-          </p:txBody>
-        </p:sp>
-        <p:cxnSp>
-          <p:nvCxnSpPr>
-            <p:cNvPr id="44" name="直線矢印コネクタ 43">
-              <a:extLst>
-                <a:ext uri="{FF2B5EF4-FFF2-40B4-BE49-F238E27FC236}">
-                  <a16:creationId xmlns:a16="http://schemas.microsoft.com/office/drawing/2014/main" id="{FDADA76A-F9C8-42B2-832F-693E5679D550}"/>
-                </a:ext>
-              </a:extLst>
-            </p:cNvPr>
-            <p:cNvCxnSpPr>
-              <a:cxnSpLocks/>
-            </p:cNvCxnSpPr>
-            <p:nvPr/>
-          </p:nvCxnSpPr>
-          <p:spPr>
-            <a:xfrm>
-              <a:off x="10137241" y="376340"/>
-              <a:ext cx="729150" cy="0"/>
-            </a:xfrm>
-            <a:prstGeom prst="straightConnector1">
-              <a:avLst/>
-            </a:prstGeom>
-            <a:ln w="38100">
-              <a:solidFill>
-                <a:schemeClr val="tx1"/>
-              </a:solidFill>
-              <a:tailEnd type="triangle"/>
-            </a:ln>
-          </p:spPr>
-          <p:style>
-            <a:lnRef idx="1">
-              <a:schemeClr val="accent1"/>
-            </a:lnRef>
-            <a:fillRef idx="0">
-              <a:schemeClr val="accent1"/>
-            </a:fillRef>
-            <a:effectRef idx="0">
-              <a:schemeClr val="accent1"/>
-            </a:effectRef>
-            <a:fontRef idx="minor">
-              <a:schemeClr val="tx1"/>
-            </a:fontRef>
-          </p:style>
-        </p:cxnSp>
-        <p:sp>
-          <p:nvSpPr>
-            <p:cNvPr id="45" name="テキスト ボックス 44">
-              <a:extLst>
-                <a:ext uri="{FF2B5EF4-FFF2-40B4-BE49-F238E27FC236}">
-                  <a16:creationId xmlns:a16="http://schemas.microsoft.com/office/drawing/2014/main" id="{9583A253-DADE-4B31-AAD9-EF598107C2BC}"/>
-                </a:ext>
-              </a:extLst>
-            </p:cNvPr>
-            <p:cNvSpPr txBox="1"/>
-            <p:nvPr/>
-          </p:nvSpPr>
-          <p:spPr>
-            <a:xfrm>
-              <a:off x="9239101" y="475731"/>
-              <a:ext cx="745140" cy="276999"/>
-            </a:xfrm>
-            <a:prstGeom prst="rect">
-              <a:avLst/>
-            </a:prstGeom>
-            <a:noFill/>
-          </p:spPr>
-          <p:txBody>
-            <a:bodyPr wrap="none" rtlCol="0">
-              <a:spAutoFit/>
-            </a:bodyPr>
-            <a:lstStyle/>
-            <a:p>
-              <a:pPr marL="0" marR="0" lvl="0" indent="0" algn="l" defTabSz="914400" rtl="0" eaLnBrk="1" fontAlgn="auto" latinLnBrk="0" hangingPunct="1">
-                <a:lnSpc>
-                  <a:spcPct val="100000"/>
-                </a:lnSpc>
-                <a:spcBef>
-                  <a:spcPts val="0"/>
-                </a:spcBef>
-                <a:spcAft>
-                  <a:spcPts val="0"/>
-                </a:spcAft>
-                <a:buClrTx/>
-                <a:buSzTx/>
-                <a:buFontTx/>
-                <a:buNone/>
-                <a:tabLst/>
-                <a:defRPr/>
-              </a:pPr>
-              <a:r>
-                <a:rPr kumimoji="1" lang="en-US" altLang="ja-JP" sz="1200" b="0" i="0" u="none" strike="noStrike" kern="1200" cap="none" spc="0" normalizeH="0" baseline="0" noProof="0" dirty="0">
-                  <a:ln>
-                    <a:noFill/>
-                  </a:ln>
-                  <a:solidFill>
-                    <a:prstClr val="black"/>
-                  </a:solidFill>
-                  <a:effectLst/>
-                  <a:uLnTx/>
-                  <a:uFillTx/>
-                  <a:latin typeface="Calibri"/>
-                  <a:ea typeface="ＭＳ Ｐゴシック" panose="020B0600070205080204" pitchFamily="50" charset="-128"/>
-                  <a:cs typeface="+mn-cs"/>
-                </a:rPr>
-                <a:t>Software</a:t>
-              </a:r>
-              <a:endParaRPr kumimoji="1" lang="ja-JP" altLang="en-US" sz="1200" b="0" i="0" u="none" strike="noStrike" kern="1200" cap="none" spc="0" normalizeH="0" baseline="0" noProof="0" dirty="0">
+              </a:rPr>
+              <a:t>（</a:t>
+            </a:r>
+            <a:r>
+              <a:rPr kumimoji="1" lang="en-US" altLang="ja-JP" sz="1200" dirty="0">
+                <a:solidFill>
+                  <a:prstClr val="black"/>
+                </a:solidFill>
+                <a:latin typeface="Calibri"/>
+                <a:ea typeface="ＭＳ Ｐゴシック" panose="020B0600070205080204" pitchFamily="50" charset="-128"/>
+              </a:rPr>
+              <a:t>BoM, License, Copyright, Meta data, </a:t>
+            </a:r>
+          </a:p>
+          <a:p>
+            <a:pPr marL="0" marR="0" lvl="0" indent="0" algn="l" defTabSz="914400" rtl="0" eaLnBrk="1" fontAlgn="auto" latinLnBrk="0" hangingPunct="1">
+              <a:lnSpc>
+                <a:spcPct val="100000"/>
+              </a:lnSpc>
+              <a:spcBef>
+                <a:spcPts val="0"/>
+              </a:spcBef>
+              <a:spcAft>
+                <a:spcPts val="0"/>
+              </a:spcAft>
+              <a:buClrTx/>
+              <a:buSzTx/>
+              <a:buFontTx/>
+              <a:buNone/>
+              <a:tabLst/>
+              <a:defRPr/>
+            </a:pPr>
+            <a:r>
+              <a:rPr kumimoji="1" lang="en-US" altLang="ja-JP" sz="1200" dirty="0">
+                <a:solidFill>
+                  <a:prstClr val="black"/>
+                </a:solidFill>
+                <a:latin typeface="Calibri"/>
+                <a:ea typeface="ＭＳ Ｐゴシック" panose="020B0600070205080204" pitchFamily="50" charset="-128"/>
+              </a:rPr>
+              <a:t>Source code if needed</a:t>
+            </a:r>
+            <a:r>
+              <a:rPr kumimoji="1" lang="ja-JP" altLang="en-US" sz="1200" b="0" i="0" u="none" strike="noStrike" kern="1200" cap="none" spc="0" normalizeH="0" baseline="0" noProof="0" dirty="0">
                 <a:ln>
                   <a:noFill/>
                 </a:ln>
@@ -23084,100 +23474,59 @@
                 <a:latin typeface="Calibri"/>
                 <a:ea typeface="ＭＳ Ｐゴシック" panose="020B0600070205080204" pitchFamily="50" charset="-128"/>
                 <a:cs typeface="+mn-cs"/>
-              </a:endParaRPr>
-            </a:p>
-          </p:txBody>
-        </p:sp>
-        <p:cxnSp>
-          <p:nvCxnSpPr>
-            <p:cNvPr id="46" name="直線矢印コネクタ 45">
-              <a:extLst>
-                <a:ext uri="{FF2B5EF4-FFF2-40B4-BE49-F238E27FC236}">
-                  <a16:creationId xmlns:a16="http://schemas.microsoft.com/office/drawing/2014/main" id="{27F132D1-801E-44B0-8A71-BF7F69C418E1}"/>
-                </a:ext>
-              </a:extLst>
-            </p:cNvPr>
-            <p:cNvCxnSpPr>
-              <a:cxnSpLocks/>
-            </p:cNvCxnSpPr>
-            <p:nvPr/>
-          </p:nvCxnSpPr>
-          <p:spPr>
-            <a:xfrm>
-              <a:off x="10133342" y="616098"/>
-              <a:ext cx="729150" cy="0"/>
-            </a:xfrm>
-            <a:prstGeom prst="straightConnector1">
-              <a:avLst/>
-            </a:prstGeom>
-            <a:ln w="38100">
-              <a:solidFill>
-                <a:srgbClr val="FFC000"/>
-              </a:solidFill>
-              <a:tailEnd type="triangle"/>
-            </a:ln>
-          </p:spPr>
-          <p:style>
-            <a:lnRef idx="1">
-              <a:schemeClr val="accent1"/>
-            </a:lnRef>
-            <a:fillRef idx="0">
-              <a:schemeClr val="accent1"/>
-            </a:fillRef>
-            <a:effectRef idx="0">
-              <a:schemeClr val="accent1"/>
-            </a:effectRef>
-            <a:fontRef idx="minor">
-              <a:schemeClr val="tx1"/>
-            </a:fontRef>
-          </p:style>
-        </p:cxnSp>
-        <p:sp>
-          <p:nvSpPr>
-            <p:cNvPr id="47" name="テキスト ボックス 46">
-              <a:extLst>
-                <a:ext uri="{FF2B5EF4-FFF2-40B4-BE49-F238E27FC236}">
-                  <a16:creationId xmlns:a16="http://schemas.microsoft.com/office/drawing/2014/main" id="{CB53ED47-8C15-4826-8B4F-A10BE7EA8E51}"/>
-                </a:ext>
-              </a:extLst>
-            </p:cNvPr>
-            <p:cNvSpPr txBox="1"/>
-            <p:nvPr/>
-          </p:nvSpPr>
-          <p:spPr>
-            <a:xfrm>
-              <a:off x="9206175" y="236234"/>
-              <a:ext cx="184731" cy="276999"/>
-            </a:xfrm>
-            <a:prstGeom prst="rect">
-              <a:avLst/>
-            </a:prstGeom>
-            <a:noFill/>
-          </p:spPr>
-          <p:txBody>
-            <a:bodyPr wrap="none" rtlCol="0">
-              <a:spAutoFit/>
-            </a:bodyPr>
-            <a:lstStyle/>
-            <a:p>
-              <a:pPr marL="0" marR="0" lvl="0" indent="0" algn="l" defTabSz="914400" rtl="0" eaLnBrk="1" fontAlgn="auto" latinLnBrk="0" hangingPunct="1">
-                <a:lnSpc>
-                  <a:spcPct val="100000"/>
-                </a:lnSpc>
-                <a:spcBef>
-                  <a:spcPts val="0"/>
-                </a:spcBef>
-                <a:spcAft>
-                  <a:spcPts val="0"/>
-                </a:spcAft>
-                <a:buClrTx/>
-                <a:buSzTx/>
-                <a:buFontTx/>
-                <a:buNone/>
-                <a:tabLst/>
-                <a:defRPr/>
-              </a:pPr>
-              <a:endParaRPr kumimoji="1" lang="ja-JP" altLang="en-US" sz="1200" b="0" i="0" u="none" strike="noStrike" kern="1200" cap="none" spc="0" normalizeH="0" baseline="0" noProof="0" dirty="0">
+              </a:rPr>
+              <a:t>）</a:t>
+            </a:r>
+          </a:p>
+        </p:txBody>
+      </p:sp>
+      <p:sp>
+        <p:nvSpPr>
+          <p:cNvPr id="51" name="テキスト ボックス 50">
+            <a:extLst>
+              <a:ext uri="{FF2B5EF4-FFF2-40B4-BE49-F238E27FC236}">
+                <a16:creationId xmlns:a16="http://schemas.microsoft.com/office/drawing/2014/main" id="{B0074E85-688C-4C3A-8DE3-F9EA54BAB42F}"/>
+              </a:ext>
+            </a:extLst>
+          </p:cNvPr>
+          <p:cNvSpPr txBox="1"/>
+          <p:nvPr/>
+        </p:nvSpPr>
+        <p:spPr>
+          <a:xfrm>
+            <a:off x="2522770" y="3524015"/>
+            <a:ext cx="923651" cy="276999"/>
+          </a:xfrm>
+          <a:prstGeom prst="rect">
+            <a:avLst/>
+          </a:prstGeom>
+          <a:noFill/>
+        </p:spPr>
+        <p:txBody>
+          <a:bodyPr wrap="none" rtlCol="0">
+            <a:spAutoFit/>
+          </a:bodyPr>
+          <a:lstStyle/>
+          <a:p>
+            <a:pPr marL="0" marR="0" lvl="0" indent="0" algn="l" defTabSz="914400" rtl="0" eaLnBrk="1" fontAlgn="auto" latinLnBrk="0" hangingPunct="1">
+              <a:lnSpc>
+                <a:spcPct val="100000"/>
+              </a:lnSpc>
+              <a:spcBef>
+                <a:spcPts val="0"/>
+              </a:spcBef>
+              <a:spcAft>
+                <a:spcPts val="0"/>
+              </a:spcAft>
+              <a:buClrTx/>
+              <a:buSzTx/>
+              <a:buFontTx/>
+              <a:buNone/>
+              <a:tabLst/>
+              <a:defRPr/>
+            </a:pPr>
+            <a:r>
+              <a:rPr kumimoji="1" lang="en-US" altLang="ja-JP" sz="1200" b="0" i="0" u="none" strike="noStrike" kern="1200" cap="none" spc="0" normalizeH="0" baseline="0" noProof="0" dirty="0">
                 <a:ln>
                   <a:noFill/>
                 </a:ln>
@@ -23190,86 +23539,93 @@
                 <a:latin typeface="Calibri"/>
                 <a:ea typeface="ＭＳ Ｐゴシック" panose="020B0600070205080204" pitchFamily="50" charset="-128"/>
                 <a:cs typeface="+mn-cs"/>
-              </a:endParaRPr>
-            </a:p>
-          </p:txBody>
-        </p:sp>
-        <p:sp>
-          <p:nvSpPr>
-            <p:cNvPr id="48" name="テキスト ボックス 47">
-              <a:extLst>
-                <a:ext uri="{FF2B5EF4-FFF2-40B4-BE49-F238E27FC236}">
-                  <a16:creationId xmlns:a16="http://schemas.microsoft.com/office/drawing/2014/main" id="{6C3FDEA2-1B6E-4C5C-BB4C-6F9988C2F421}"/>
-                </a:ext>
-              </a:extLst>
-            </p:cNvPr>
-            <p:cNvSpPr txBox="1"/>
-            <p:nvPr/>
-          </p:nvSpPr>
-          <p:spPr>
-            <a:xfrm>
-              <a:off x="8961919" y="219362"/>
-              <a:ext cx="1252522" cy="276999"/>
-            </a:xfrm>
-            <a:prstGeom prst="rect">
-              <a:avLst/>
-            </a:prstGeom>
-            <a:noFill/>
-          </p:spPr>
-          <p:txBody>
-            <a:bodyPr wrap="none" rtlCol="0">
-              <a:spAutoFit/>
-            </a:bodyPr>
-            <a:lstStyle/>
-            <a:p>
-              <a:pPr marL="0" marR="0" lvl="0" indent="0" algn="l" defTabSz="914400" rtl="0" eaLnBrk="1" fontAlgn="auto" latinLnBrk="0" hangingPunct="1">
-                <a:lnSpc>
-                  <a:spcPct val="100000"/>
-                </a:lnSpc>
-                <a:spcBef>
-                  <a:spcPts val="0"/>
-                </a:spcBef>
-                <a:spcAft>
-                  <a:spcPts val="0"/>
-                </a:spcAft>
-                <a:buClrTx/>
-                <a:buSzTx/>
-                <a:buFontTx/>
-                <a:buNone/>
-                <a:tabLst/>
-                <a:defRPr/>
-              </a:pPr>
-              <a:r>
-                <a:rPr kumimoji="1" lang="en-US" altLang="ja-JP" sz="1200" dirty="0">
-                  <a:solidFill>
-                    <a:prstClr val="black"/>
-                  </a:solidFill>
-                  <a:latin typeface="Calibri"/>
-                  <a:ea typeface="ＭＳ Ｐゴシック" panose="020B0600070205080204" pitchFamily="50" charset="-128"/>
-                </a:rPr>
-                <a:t>Contract,</a:t>
-              </a:r>
-              <a:r>
-                <a:rPr kumimoji="1" lang="ja-JP" altLang="en-US" sz="1200" dirty="0">
-                  <a:solidFill>
-                    <a:prstClr val="black"/>
-                  </a:solidFill>
-                  <a:latin typeface="Calibri"/>
-                  <a:ea typeface="ＭＳ Ｐゴシック" panose="020B0600070205080204" pitchFamily="50" charset="-128"/>
-                </a:rPr>
-                <a:t> </a:t>
-              </a:r>
-              <a:r>
-                <a:rPr kumimoji="1" lang="en-US" altLang="ja-JP" sz="1200" dirty="0">
-                  <a:solidFill>
-                    <a:prstClr val="black"/>
-                  </a:solidFill>
-                  <a:latin typeface="Calibri"/>
-                  <a:ea typeface="ＭＳ Ｐゴシック" panose="020B0600070205080204" pitchFamily="50" charset="-128"/>
-                </a:rPr>
-                <a:t>License</a:t>
-              </a:r>
-              <a:endParaRPr kumimoji="1" lang="ja-JP" altLang="en-US" sz="1200" b="0" i="0" u="none" strike="noStrike" kern="1200" cap="none" spc="0" normalizeH="0" baseline="0" noProof="0" dirty="0">
+              </a:rPr>
+              <a:t>OSS</a:t>
+            </a:r>
+            <a:r>
+              <a:rPr kumimoji="1" lang="ja-JP" altLang="en-US" sz="1200" dirty="0">
+                <a:solidFill>
+                  <a:prstClr val="black"/>
+                </a:solidFill>
+                <a:latin typeface="Calibri"/>
+                <a:ea typeface="ＭＳ Ｐゴシック" panose="020B0600070205080204" pitchFamily="50" charset="-128"/>
+              </a:rPr>
+              <a:t> </a:t>
+            </a:r>
+            <a:r>
+              <a:rPr kumimoji="1" lang="en-US" altLang="ja-JP" sz="1200" dirty="0">
+                <a:solidFill>
+                  <a:prstClr val="black"/>
+                </a:solidFill>
+                <a:latin typeface="Calibri"/>
+                <a:ea typeface="ＭＳ Ｐゴシック" panose="020B0600070205080204" pitchFamily="50" charset="-128"/>
+              </a:rPr>
+              <a:t>License</a:t>
+            </a:r>
+            <a:endParaRPr kumimoji="1" lang="ja-JP" altLang="en-US" sz="1200" b="0" i="0" u="none" strike="noStrike" kern="1200" cap="none" spc="0" normalizeH="0" baseline="0" noProof="0" dirty="0">
+              <a:ln>
+                <a:noFill/>
+              </a:ln>
+              <a:solidFill>
+                <a:prstClr val="black"/>
+              </a:solidFill>
+              <a:effectLst/>
+              <a:uLnTx/>
+              <a:uFillTx/>
+              <a:latin typeface="Calibri"/>
+              <a:ea typeface="ＭＳ Ｐゴシック" panose="020B0600070205080204" pitchFamily="50" charset="-128"/>
+              <a:cs typeface="+mn-cs"/>
+            </a:endParaRPr>
+          </a:p>
+        </p:txBody>
+      </p:sp>
+      <p:sp>
+        <p:nvSpPr>
+          <p:cNvPr id="52" name="テキスト ボックス 51">
+            <a:extLst>
+              <a:ext uri="{FF2B5EF4-FFF2-40B4-BE49-F238E27FC236}">
+                <a16:creationId xmlns:a16="http://schemas.microsoft.com/office/drawing/2014/main" id="{C3E49ACF-9195-4930-B28D-130ABD31308A}"/>
+              </a:ext>
+            </a:extLst>
+          </p:cNvPr>
+          <p:cNvSpPr txBox="1"/>
+          <p:nvPr/>
+        </p:nvSpPr>
+        <p:spPr>
+          <a:xfrm>
+            <a:off x="8077222" y="2313240"/>
+            <a:ext cx="567784" cy="307777"/>
+          </a:xfrm>
+          <a:prstGeom prst="rect">
+            <a:avLst/>
+          </a:prstGeom>
+          <a:noFill/>
+        </p:spPr>
+        <p:txBody>
+          <a:bodyPr wrap="none" rtlCol="0">
+            <a:spAutoFit/>
+          </a:bodyPr>
+          <a:lstStyle/>
+          <a:p>
+            <a:pPr marL="0" marR="0" lvl="0" indent="0" algn="l" defTabSz="914400" rtl="0" eaLnBrk="1" fontAlgn="auto" latinLnBrk="0" hangingPunct="1">
+              <a:lnSpc>
+                <a:spcPct val="100000"/>
+              </a:lnSpc>
+              <a:spcBef>
+                <a:spcPts val="0"/>
+              </a:spcBef>
+              <a:spcAft>
+                <a:spcPts val="0"/>
+              </a:spcAft>
+              <a:buClrTx/>
+              <a:buSzTx/>
+              <a:buFontTx/>
+              <a:buNone/>
+              <a:tabLst/>
+              <a:defRPr/>
+            </a:pPr>
+            <a:r>
+              <a:rPr kumimoji="1" lang="en-US" altLang="ja-JP" sz="1400" b="0" i="0" u="none" strike="noStrike" kern="1200" cap="none" spc="0" normalizeH="0" baseline="0" noProof="0" dirty="0">
                 <a:ln>
                   <a:noFill/>
                 </a:ln>
@@ -23282,110 +23638,73 @@
                 <a:latin typeface="Calibri"/>
                 <a:ea typeface="ＭＳ Ｐゴシック" panose="020B0600070205080204" pitchFamily="50" charset="-128"/>
                 <a:cs typeface="+mn-cs"/>
-              </a:endParaRPr>
-            </a:p>
-          </p:txBody>
-        </p:sp>
-        <p:cxnSp>
-          <p:nvCxnSpPr>
-            <p:cNvPr id="49" name="直線矢印コネクタ 48">
-              <a:extLst>
-                <a:ext uri="{FF2B5EF4-FFF2-40B4-BE49-F238E27FC236}">
-                  <a16:creationId xmlns:a16="http://schemas.microsoft.com/office/drawing/2014/main" id="{C464B536-32C7-4CB4-A68D-DC849895144C}"/>
-                </a:ext>
-              </a:extLst>
-            </p:cNvPr>
-            <p:cNvCxnSpPr>
-              <a:cxnSpLocks/>
-            </p:cNvCxnSpPr>
-            <p:nvPr/>
-          </p:nvCxnSpPr>
-          <p:spPr>
-            <a:xfrm>
-              <a:off x="10133342" y="872442"/>
-              <a:ext cx="729150" cy="0"/>
-            </a:xfrm>
-            <a:prstGeom prst="straightConnector1">
-              <a:avLst/>
-            </a:prstGeom>
-            <a:ln w="38100">
+              </a:rPr>
+              <a:t>EULA</a:t>
+            </a:r>
+            <a:endParaRPr kumimoji="1" lang="ja-JP" altLang="en-US" sz="1400" b="0" i="0" u="none" strike="noStrike" kern="1200" cap="none" spc="0" normalizeH="0" baseline="0" noProof="0" dirty="0">
+              <a:ln>
+                <a:noFill/>
+              </a:ln>
               <a:solidFill>
-                <a:srgbClr val="FF0000"/>
+                <a:prstClr val="black"/>
               </a:solidFill>
-              <a:tailEnd type="triangle"/>
-            </a:ln>
-          </p:spPr>
-          <p:style>
-            <a:lnRef idx="1">
-              <a:schemeClr val="accent1"/>
-            </a:lnRef>
-            <a:fillRef idx="0">
-              <a:schemeClr val="accent1"/>
-            </a:fillRef>
-            <a:effectRef idx="0">
-              <a:schemeClr val="accent1"/>
-            </a:effectRef>
-            <a:fontRef idx="minor">
-              <a:schemeClr val="tx1"/>
-            </a:fontRef>
-          </p:style>
-        </p:cxnSp>
-        <p:sp>
-          <p:nvSpPr>
-            <p:cNvPr id="50" name="テキスト ボックス 49">
-              <a:extLst>
-                <a:ext uri="{FF2B5EF4-FFF2-40B4-BE49-F238E27FC236}">
-                  <a16:creationId xmlns:a16="http://schemas.microsoft.com/office/drawing/2014/main" id="{7F771F3B-14A5-4791-833D-D36A79EE9812}"/>
-                </a:ext>
-              </a:extLst>
-            </p:cNvPr>
-            <p:cNvSpPr txBox="1"/>
-            <p:nvPr/>
-          </p:nvSpPr>
-          <p:spPr>
-            <a:xfrm>
-              <a:off x="9222327" y="759514"/>
-              <a:ext cx="1895440" cy="830997"/>
-            </a:xfrm>
-            <a:prstGeom prst="rect">
-              <a:avLst/>
-            </a:prstGeom>
-            <a:noFill/>
-          </p:spPr>
-          <p:txBody>
-            <a:bodyPr wrap="square" rtlCol="0">
-              <a:spAutoFit/>
-            </a:bodyPr>
-            <a:lstStyle/>
-            <a:p>
-              <a:pPr marL="0" marR="0" lvl="0" indent="0" algn="l" defTabSz="914400" rtl="0" eaLnBrk="1" fontAlgn="auto" latinLnBrk="0" hangingPunct="1">
-                <a:lnSpc>
-                  <a:spcPct val="100000"/>
-                </a:lnSpc>
-                <a:spcBef>
-                  <a:spcPts val="0"/>
-                </a:spcBef>
-                <a:spcAft>
-                  <a:spcPts val="0"/>
-                </a:spcAft>
-                <a:buClrTx/>
-                <a:buSzTx/>
-                <a:buFontTx/>
-                <a:buNone/>
-                <a:tabLst/>
-                <a:defRPr/>
-              </a:pPr>
-              <a:r>
-                <a:rPr kumimoji="1" lang="en-US" altLang="ja-JP" sz="1200" dirty="0">
-                  <a:solidFill>
-                    <a:prstClr val="black"/>
-                  </a:solidFill>
-                  <a:latin typeface="Calibri"/>
-                  <a:ea typeface="ＭＳ Ｐゴシック" panose="020B0600070205080204" pitchFamily="50" charset="-128"/>
-                </a:rPr>
-                <a:t>OSS license</a:t>
-              </a:r>
-              <a:endParaRPr kumimoji="1" lang="en-US" altLang="ja-JP" sz="1200" b="0" i="0" u="none" strike="noStrike" kern="1200" cap="none" spc="0" normalizeH="0" baseline="0" noProof="0" dirty="0">
+              <a:effectLst/>
+              <a:uLnTx/>
+              <a:uFillTx/>
+              <a:latin typeface="Calibri"/>
+              <a:ea typeface="ＭＳ Ｐゴシック" panose="020B0600070205080204" pitchFamily="50" charset="-128"/>
+              <a:cs typeface="+mn-cs"/>
+            </a:endParaRPr>
+          </a:p>
+        </p:txBody>
+      </p:sp>
+      <p:sp>
+        <p:nvSpPr>
+          <p:cNvPr id="53" name="テキスト ボックス 52">
+            <a:extLst>
+              <a:ext uri="{FF2B5EF4-FFF2-40B4-BE49-F238E27FC236}">
+                <a16:creationId xmlns:a16="http://schemas.microsoft.com/office/drawing/2014/main" id="{92A99D74-19FD-4883-B90A-D34018AE2B67}"/>
+              </a:ext>
+            </a:extLst>
+          </p:cNvPr>
+          <p:cNvSpPr txBox="1"/>
+          <p:nvPr/>
+        </p:nvSpPr>
+        <p:spPr>
+          <a:xfrm>
+            <a:off x="7853304" y="2589150"/>
+            <a:ext cx="1023655" cy="523220"/>
+          </a:xfrm>
+          <a:prstGeom prst="rect">
+            <a:avLst/>
+          </a:prstGeom>
+          <a:noFill/>
+        </p:spPr>
+        <p:txBody>
+          <a:bodyPr wrap="square" rtlCol="0">
+            <a:spAutoFit/>
+          </a:bodyPr>
+          <a:lstStyle/>
+          <a:p>
+            <a:pPr marL="0" marR="0" lvl="0" indent="0" algn="l" defTabSz="914400" rtl="0" eaLnBrk="1" fontAlgn="auto" latinLnBrk="0" hangingPunct="1">
+              <a:lnSpc>
+                <a:spcPct val="100000"/>
+              </a:lnSpc>
+              <a:spcBef>
+                <a:spcPts val="0"/>
+              </a:spcBef>
+              <a:spcAft>
+                <a:spcPts val="0"/>
+              </a:spcAft>
+              <a:buClrTx/>
+              <a:buSzTx/>
+              <a:buFontTx/>
+              <a:buNone/>
+              <a:tabLst/>
+              <a:defRPr/>
+            </a:pPr>
+            <a:r>
+              <a:rPr kumimoji="1" lang="en-US" altLang="ja-JP" sz="1400" b="0" i="0" u="none" strike="noStrike" kern="1200" cap="none" spc="0" normalizeH="0" baseline="0" noProof="0" dirty="0">
                 <a:ln>
                   <a:noFill/>
                 </a:ln>
@@ -23398,185 +23717,30 @@
                 <a:latin typeface="Calibri"/>
                 <a:ea typeface="ＭＳ Ｐゴシック" panose="020B0600070205080204" pitchFamily="50" charset="-128"/>
                 <a:cs typeface="+mn-cs"/>
-              </a:endParaRPr>
-            </a:p>
-            <a:p>
-              <a:pPr marL="0" marR="0" lvl="0" indent="0" algn="l" defTabSz="914400" rtl="0" eaLnBrk="1" fontAlgn="auto" latinLnBrk="0" hangingPunct="1">
-                <a:lnSpc>
-                  <a:spcPct val="100000"/>
-                </a:lnSpc>
-                <a:spcBef>
-                  <a:spcPts val="0"/>
-                </a:spcBef>
-                <a:spcAft>
-                  <a:spcPts val="0"/>
-                </a:spcAft>
-                <a:buClrTx/>
-                <a:buSzTx/>
-                <a:buFontTx/>
-                <a:buNone/>
-                <a:tabLst/>
-                <a:defRPr/>
-              </a:pPr>
-              <a:r>
-                <a:rPr kumimoji="1" lang="ja-JP" altLang="en-US" sz="1200" b="0" i="0" u="none" strike="noStrike" kern="1200" cap="none" spc="0" normalizeH="0" baseline="0" noProof="0" dirty="0">
-                  <a:ln>
-                    <a:noFill/>
-                  </a:ln>
-                  <a:solidFill>
-                    <a:prstClr val="black"/>
-                  </a:solidFill>
-                  <a:effectLst/>
-                  <a:uLnTx/>
-                  <a:uFillTx/>
-                  <a:latin typeface="Calibri"/>
-                  <a:ea typeface="ＭＳ Ｐゴシック" panose="020B0600070205080204" pitchFamily="50" charset="-128"/>
-                  <a:cs typeface="+mn-cs"/>
-                </a:rPr>
-                <a:t>（</a:t>
-              </a:r>
-              <a:r>
-                <a:rPr kumimoji="1" lang="en-US" altLang="ja-JP" sz="1200" dirty="0">
-                  <a:solidFill>
-                    <a:prstClr val="black"/>
-                  </a:solidFill>
-                  <a:latin typeface="Calibri"/>
-                  <a:ea typeface="ＭＳ Ｐゴシック" panose="020B0600070205080204" pitchFamily="50" charset="-128"/>
-                </a:rPr>
-                <a:t>BoM, License, Copyright, Meta data, </a:t>
-              </a:r>
-            </a:p>
-            <a:p>
-              <a:pPr marL="0" marR="0" lvl="0" indent="0" algn="l" defTabSz="914400" rtl="0" eaLnBrk="1" fontAlgn="auto" latinLnBrk="0" hangingPunct="1">
-                <a:lnSpc>
-                  <a:spcPct val="100000"/>
-                </a:lnSpc>
-                <a:spcBef>
-                  <a:spcPts val="0"/>
-                </a:spcBef>
-                <a:spcAft>
-                  <a:spcPts val="0"/>
-                </a:spcAft>
-                <a:buClrTx/>
-                <a:buSzTx/>
-                <a:buFontTx/>
-                <a:buNone/>
-                <a:tabLst/>
-                <a:defRPr/>
-              </a:pPr>
-              <a:r>
-                <a:rPr kumimoji="1" lang="en-US" altLang="ja-JP" sz="1200" dirty="0">
-                  <a:solidFill>
-                    <a:prstClr val="black"/>
-                  </a:solidFill>
-                  <a:latin typeface="Calibri"/>
-                  <a:ea typeface="ＭＳ Ｐゴシック" panose="020B0600070205080204" pitchFamily="50" charset="-128"/>
-                </a:rPr>
-                <a:t>Source code if needed</a:t>
-              </a:r>
-              <a:r>
-                <a:rPr kumimoji="1" lang="ja-JP" altLang="en-US" sz="1200" b="0" i="0" u="none" strike="noStrike" kern="1200" cap="none" spc="0" normalizeH="0" baseline="0" noProof="0" dirty="0">
-                  <a:ln>
-                    <a:noFill/>
-                  </a:ln>
-                  <a:solidFill>
-                    <a:prstClr val="black"/>
-                  </a:solidFill>
-                  <a:effectLst/>
-                  <a:uLnTx/>
-                  <a:uFillTx/>
-                  <a:latin typeface="Calibri"/>
-                  <a:ea typeface="ＭＳ Ｐゴシック" panose="020B0600070205080204" pitchFamily="50" charset="-128"/>
-                  <a:cs typeface="+mn-cs"/>
-                </a:rPr>
-                <a:t>）</a:t>
-              </a:r>
-            </a:p>
-          </p:txBody>
-        </p:sp>
-        <p:sp>
-          <p:nvSpPr>
-            <p:cNvPr id="51" name="テキスト ボックス 50">
-              <a:extLst>
-                <a:ext uri="{FF2B5EF4-FFF2-40B4-BE49-F238E27FC236}">
-                  <a16:creationId xmlns:a16="http://schemas.microsoft.com/office/drawing/2014/main" id="{B0074E85-688C-4C3A-8DE3-F9EA54BAB42F}"/>
-                </a:ext>
-              </a:extLst>
-            </p:cNvPr>
-            <p:cNvSpPr txBox="1"/>
-            <p:nvPr/>
-          </p:nvSpPr>
-          <p:spPr>
-            <a:xfrm>
-              <a:off x="2522770" y="3524015"/>
-              <a:ext cx="923651" cy="276999"/>
-            </a:xfrm>
-            <a:prstGeom prst="rect">
-              <a:avLst/>
-            </a:prstGeom>
-            <a:noFill/>
-          </p:spPr>
-          <p:txBody>
-            <a:bodyPr wrap="none" rtlCol="0">
-              <a:spAutoFit/>
-            </a:bodyPr>
-            <a:lstStyle/>
-            <a:p>
-              <a:pPr marL="0" marR="0" lvl="0" indent="0" algn="l" defTabSz="914400" rtl="0" eaLnBrk="1" fontAlgn="auto" latinLnBrk="0" hangingPunct="1">
-                <a:lnSpc>
-                  <a:spcPct val="100000"/>
-                </a:lnSpc>
-                <a:spcBef>
-                  <a:spcPts val="0"/>
-                </a:spcBef>
-                <a:spcAft>
-                  <a:spcPts val="0"/>
-                </a:spcAft>
-                <a:buClrTx/>
-                <a:buSzTx/>
-                <a:buFontTx/>
-                <a:buNone/>
-                <a:tabLst/>
-                <a:defRPr/>
-              </a:pPr>
-              <a:r>
-                <a:rPr kumimoji="1" lang="en-US" altLang="ja-JP" sz="1200" b="0" i="0" u="none" strike="noStrike" kern="1200" cap="none" spc="0" normalizeH="0" baseline="0" noProof="0" dirty="0">
-                  <a:ln>
-                    <a:noFill/>
-                  </a:ln>
-                  <a:solidFill>
-                    <a:prstClr val="black"/>
-                  </a:solidFill>
-                  <a:effectLst/>
-                  <a:uLnTx/>
-                  <a:uFillTx/>
-                  <a:latin typeface="Calibri"/>
-                  <a:ea typeface="ＭＳ Ｐゴシック" panose="020B0600070205080204" pitchFamily="50" charset="-128"/>
-                  <a:cs typeface="+mn-cs"/>
-                </a:rPr>
-                <a:t>OSS</a:t>
-              </a:r>
-              <a:r>
-                <a:rPr kumimoji="1" lang="ja-JP" altLang="en-US" sz="1200" dirty="0">
-                  <a:solidFill>
-                    <a:prstClr val="black"/>
-                  </a:solidFill>
-                  <a:latin typeface="Calibri"/>
-                  <a:ea typeface="ＭＳ Ｐゴシック" panose="020B0600070205080204" pitchFamily="50" charset="-128"/>
-                </a:rPr>
-                <a:t> </a:t>
-              </a:r>
-              <a:r>
-                <a:rPr kumimoji="1" lang="en-US" altLang="ja-JP" sz="1200" dirty="0">
-                  <a:solidFill>
-                    <a:prstClr val="black"/>
-                  </a:solidFill>
-                  <a:latin typeface="Calibri"/>
-                  <a:ea typeface="ＭＳ Ｐゴシック" panose="020B0600070205080204" pitchFamily="50" charset="-128"/>
-                </a:rPr>
-                <a:t>License</a:t>
-              </a:r>
-              <a:endParaRPr kumimoji="1" lang="ja-JP" altLang="en-US" sz="1200" b="0" i="0" u="none" strike="noStrike" kern="1200" cap="none" spc="0" normalizeH="0" baseline="0" noProof="0" dirty="0">
+              </a:rPr>
+              <a:t>Software</a:t>
+            </a:r>
+          </a:p>
+          <a:p>
+            <a:pPr marL="0" marR="0" lvl="0" indent="0" algn="l" defTabSz="914400" rtl="0" eaLnBrk="1" fontAlgn="auto" latinLnBrk="0" hangingPunct="1">
+              <a:lnSpc>
+                <a:spcPct val="100000"/>
+              </a:lnSpc>
+              <a:spcBef>
+                <a:spcPts val="0"/>
+              </a:spcBef>
+              <a:spcAft>
+                <a:spcPts val="0"/>
+              </a:spcAft>
+              <a:buClrTx/>
+              <a:buSzTx/>
+              <a:buFontTx/>
+              <a:buNone/>
+              <a:tabLst/>
+              <a:defRPr/>
+            </a:pPr>
+            <a:r>
+              <a:rPr kumimoji="1" lang="ja-JP" altLang="en-US" sz="1400" b="0" i="0" u="none" strike="noStrike" kern="1200" cap="none" spc="0" normalizeH="0" baseline="0" noProof="0" dirty="0">
                 <a:ln>
                   <a:noFill/>
                 </a:ln>
@@ -23589,73 +23753,11 @@
                 <a:latin typeface="Calibri"/>
                 <a:ea typeface="ＭＳ Ｐゴシック" panose="020B0600070205080204" pitchFamily="50" charset="-128"/>
                 <a:cs typeface="+mn-cs"/>
-              </a:endParaRPr>
-            </a:p>
-          </p:txBody>
-        </p:sp>
-        <p:sp>
-          <p:nvSpPr>
-            <p:cNvPr id="52" name="テキスト ボックス 51">
-              <a:extLst>
-                <a:ext uri="{FF2B5EF4-FFF2-40B4-BE49-F238E27FC236}">
-                  <a16:creationId xmlns:a16="http://schemas.microsoft.com/office/drawing/2014/main" id="{C3E49ACF-9195-4930-B28D-130ABD31308A}"/>
-                </a:ext>
-              </a:extLst>
-            </p:cNvPr>
-            <p:cNvSpPr txBox="1"/>
-            <p:nvPr/>
-          </p:nvSpPr>
-          <p:spPr>
-            <a:xfrm>
-              <a:off x="8077222" y="2313240"/>
-              <a:ext cx="567784" cy="307777"/>
-            </a:xfrm>
-            <a:prstGeom prst="rect">
-              <a:avLst/>
-            </a:prstGeom>
-            <a:noFill/>
-          </p:spPr>
-          <p:txBody>
-            <a:bodyPr wrap="none" rtlCol="0">
-              <a:spAutoFit/>
-            </a:bodyPr>
-            <a:lstStyle/>
-            <a:p>
-              <a:pPr marL="0" marR="0" lvl="0" indent="0" algn="l" defTabSz="914400" rtl="0" eaLnBrk="1" fontAlgn="auto" latinLnBrk="0" hangingPunct="1">
-                <a:lnSpc>
-                  <a:spcPct val="100000"/>
-                </a:lnSpc>
-                <a:spcBef>
-                  <a:spcPts val="0"/>
-                </a:spcBef>
-                <a:spcAft>
-                  <a:spcPts val="0"/>
-                </a:spcAft>
-                <a:buClrTx/>
-                <a:buSzTx/>
-                <a:buFontTx/>
-                <a:buNone/>
-                <a:tabLst/>
-                <a:defRPr/>
-              </a:pPr>
-              <a:r>
-                <a:rPr kumimoji="1" lang="en-US" altLang="ja-JP" sz="1400" b="0" i="0" u="none" strike="noStrike" kern="1200" cap="none" spc="0" normalizeH="0" baseline="0" noProof="0" dirty="0">
-                  <a:ln>
-                    <a:noFill/>
-                  </a:ln>
-                  <a:solidFill>
-                    <a:prstClr val="black"/>
-                  </a:solidFill>
-                  <a:effectLst/>
-                  <a:uLnTx/>
-                  <a:uFillTx/>
-                  <a:latin typeface="Calibri"/>
-                  <a:ea typeface="ＭＳ Ｐゴシック" panose="020B0600070205080204" pitchFamily="50" charset="-128"/>
-                  <a:cs typeface="+mn-cs"/>
-                </a:rPr>
-                <a:t>EULA</a:t>
-              </a:r>
-              <a:endParaRPr kumimoji="1" lang="ja-JP" altLang="en-US" sz="1400" b="0" i="0" u="none" strike="noStrike" kern="1200" cap="none" spc="0" normalizeH="0" baseline="0" noProof="0" dirty="0">
+              </a:rPr>
+              <a:t>（</a:t>
+            </a:r>
+            <a:r>
+              <a:rPr kumimoji="1" lang="en-US" altLang="ja-JP" sz="1400" b="0" i="0" u="none" strike="noStrike" kern="1200" cap="none" spc="0" normalizeH="0" baseline="0" noProof="0" dirty="0">
                 <a:ln>
                   <a:noFill/>
                 </a:ln>
@@ -23668,228 +23770,11 @@
                 <a:latin typeface="Calibri"/>
                 <a:ea typeface="ＭＳ Ｐゴシック" panose="020B0600070205080204" pitchFamily="50" charset="-128"/>
                 <a:cs typeface="+mn-cs"/>
-              </a:endParaRPr>
-            </a:p>
-          </p:txBody>
-        </p:sp>
-        <p:sp>
-          <p:nvSpPr>
-            <p:cNvPr id="53" name="テキスト ボックス 52">
-              <a:extLst>
-                <a:ext uri="{FF2B5EF4-FFF2-40B4-BE49-F238E27FC236}">
-                  <a16:creationId xmlns:a16="http://schemas.microsoft.com/office/drawing/2014/main" id="{92A99D74-19FD-4883-B90A-D34018AE2B67}"/>
-                </a:ext>
-              </a:extLst>
-            </p:cNvPr>
-            <p:cNvSpPr txBox="1"/>
-            <p:nvPr/>
-          </p:nvSpPr>
-          <p:spPr>
-            <a:xfrm>
-              <a:off x="7853304" y="2589150"/>
-              <a:ext cx="1023655" cy="523220"/>
-            </a:xfrm>
-            <a:prstGeom prst="rect">
-              <a:avLst/>
-            </a:prstGeom>
-            <a:noFill/>
-          </p:spPr>
-          <p:txBody>
-            <a:bodyPr wrap="square" rtlCol="0">
-              <a:spAutoFit/>
-            </a:bodyPr>
-            <a:lstStyle/>
-            <a:p>
-              <a:pPr marL="0" marR="0" lvl="0" indent="0" algn="l" defTabSz="914400" rtl="0" eaLnBrk="1" fontAlgn="auto" latinLnBrk="0" hangingPunct="1">
-                <a:lnSpc>
-                  <a:spcPct val="100000"/>
-                </a:lnSpc>
-                <a:spcBef>
-                  <a:spcPts val="0"/>
-                </a:spcBef>
-                <a:spcAft>
-                  <a:spcPts val="0"/>
-                </a:spcAft>
-                <a:buClrTx/>
-                <a:buSzTx/>
-                <a:buFontTx/>
-                <a:buNone/>
-                <a:tabLst/>
-                <a:defRPr/>
-              </a:pPr>
-              <a:r>
-                <a:rPr kumimoji="1" lang="en-US" altLang="ja-JP" sz="1400" b="0" i="0" u="none" strike="noStrike" kern="1200" cap="none" spc="0" normalizeH="0" baseline="0" noProof="0" dirty="0">
-                  <a:ln>
-                    <a:noFill/>
-                  </a:ln>
-                  <a:solidFill>
-                    <a:prstClr val="black"/>
-                  </a:solidFill>
-                  <a:effectLst/>
-                  <a:uLnTx/>
-                  <a:uFillTx/>
-                  <a:latin typeface="Calibri"/>
-                  <a:ea typeface="ＭＳ Ｐゴシック" panose="020B0600070205080204" pitchFamily="50" charset="-128"/>
-                  <a:cs typeface="+mn-cs"/>
-                </a:rPr>
-                <a:t>Software</a:t>
-              </a:r>
-            </a:p>
-            <a:p>
-              <a:pPr marL="0" marR="0" lvl="0" indent="0" algn="l" defTabSz="914400" rtl="0" eaLnBrk="1" fontAlgn="auto" latinLnBrk="0" hangingPunct="1">
-                <a:lnSpc>
-                  <a:spcPct val="100000"/>
-                </a:lnSpc>
-                <a:spcBef>
-                  <a:spcPts val="0"/>
-                </a:spcBef>
-                <a:spcAft>
-                  <a:spcPts val="0"/>
-                </a:spcAft>
-                <a:buClrTx/>
-                <a:buSzTx/>
-                <a:buFontTx/>
-                <a:buNone/>
-                <a:tabLst/>
-                <a:defRPr/>
-              </a:pPr>
-              <a:r>
-                <a:rPr kumimoji="1" lang="ja-JP" altLang="en-US" sz="1400" b="0" i="0" u="none" strike="noStrike" kern="1200" cap="none" spc="0" normalizeH="0" baseline="0" noProof="0" dirty="0">
-                  <a:ln>
-                    <a:noFill/>
-                  </a:ln>
-                  <a:solidFill>
-                    <a:prstClr val="black"/>
-                  </a:solidFill>
-                  <a:effectLst/>
-                  <a:uLnTx/>
-                  <a:uFillTx/>
-                  <a:latin typeface="Calibri"/>
-                  <a:ea typeface="ＭＳ Ｐゴシック" panose="020B0600070205080204" pitchFamily="50" charset="-128"/>
-                  <a:cs typeface="+mn-cs"/>
-                </a:rPr>
-                <a:t>（</a:t>
-              </a:r>
-              <a:r>
-                <a:rPr kumimoji="1" lang="en-US" altLang="ja-JP" sz="1400" b="0" i="0" u="none" strike="noStrike" kern="1200" cap="none" spc="0" normalizeH="0" baseline="0" noProof="0" dirty="0">
-                  <a:ln>
-                    <a:noFill/>
-                  </a:ln>
-                  <a:solidFill>
-                    <a:prstClr val="black"/>
-                  </a:solidFill>
-                  <a:effectLst/>
-                  <a:uLnTx/>
-                  <a:uFillTx/>
-                  <a:latin typeface="Calibri"/>
-                  <a:ea typeface="ＭＳ Ｐゴシック" panose="020B0600070205080204" pitchFamily="50" charset="-128"/>
-                  <a:cs typeface="+mn-cs"/>
-                </a:rPr>
-                <a:t>incl. OSS</a:t>
-              </a:r>
-              <a:r>
-                <a:rPr kumimoji="1" lang="ja-JP" altLang="en-US" sz="1400" b="0" i="0" u="none" strike="noStrike" kern="1200" cap="none" spc="0" normalizeH="0" baseline="0" noProof="0" dirty="0">
-                  <a:ln>
-                    <a:noFill/>
-                  </a:ln>
-                  <a:solidFill>
-                    <a:prstClr val="black"/>
-                  </a:solidFill>
-                  <a:effectLst/>
-                  <a:uLnTx/>
-                  <a:uFillTx/>
-                  <a:latin typeface="Calibri"/>
-                  <a:ea typeface="ＭＳ Ｐゴシック" panose="020B0600070205080204" pitchFamily="50" charset="-128"/>
-                  <a:cs typeface="+mn-cs"/>
-                </a:rPr>
-                <a:t>）</a:t>
-              </a:r>
-            </a:p>
-          </p:txBody>
-        </p:sp>
-        <p:sp>
-          <p:nvSpPr>
-            <p:cNvPr id="54" name="テキスト ボックス 53">
-              <a:extLst>
-                <a:ext uri="{FF2B5EF4-FFF2-40B4-BE49-F238E27FC236}">
-                  <a16:creationId xmlns:a16="http://schemas.microsoft.com/office/drawing/2014/main" id="{BC2E899B-C4A2-4544-BB5F-527B1C564FBE}"/>
-                </a:ext>
-              </a:extLst>
-            </p:cNvPr>
-            <p:cNvSpPr txBox="1"/>
-            <p:nvPr/>
-          </p:nvSpPr>
-          <p:spPr>
-            <a:xfrm>
-              <a:off x="7915840" y="3061577"/>
-              <a:ext cx="923651" cy="276999"/>
-            </a:xfrm>
-            <a:prstGeom prst="rect">
-              <a:avLst/>
-            </a:prstGeom>
-            <a:noFill/>
-          </p:spPr>
-          <p:txBody>
-            <a:bodyPr wrap="none" rtlCol="0">
-              <a:spAutoFit/>
-            </a:bodyPr>
-            <a:lstStyle/>
-            <a:p>
-              <a:pPr marL="0" marR="0" lvl="0" indent="0" algn="l" defTabSz="914400" rtl="0" eaLnBrk="1" fontAlgn="auto" latinLnBrk="0" hangingPunct="1">
-                <a:lnSpc>
-                  <a:spcPct val="100000"/>
-                </a:lnSpc>
-                <a:spcBef>
-                  <a:spcPts val="0"/>
-                </a:spcBef>
-                <a:spcAft>
-                  <a:spcPts val="0"/>
-                </a:spcAft>
-                <a:buClrTx/>
-                <a:buSzTx/>
-                <a:buFontTx/>
-                <a:buNone/>
-                <a:tabLst/>
-                <a:defRPr/>
-              </a:pPr>
-              <a:r>
-                <a:rPr kumimoji="1" lang="en-US" altLang="ja-JP" sz="1200" b="0" i="0" u="none" strike="noStrike" kern="1200" cap="none" spc="0" normalizeH="0" baseline="0" noProof="0" dirty="0">
-                  <a:ln>
-                    <a:noFill/>
-                  </a:ln>
-                  <a:solidFill>
-                    <a:prstClr val="black"/>
-                  </a:solidFill>
-                  <a:effectLst/>
-                  <a:uLnTx/>
-                  <a:uFillTx/>
-                  <a:latin typeface="Calibri"/>
-                  <a:ea typeface="ＭＳ Ｐゴシック" panose="020B0600070205080204" pitchFamily="50" charset="-128"/>
-                  <a:cs typeface="+mn-cs"/>
-                </a:rPr>
-                <a:t>OSS</a:t>
-              </a:r>
-              <a:r>
-                <a:rPr kumimoji="1" lang="ja-JP" altLang="en-US" sz="1200" dirty="0">
-                  <a:solidFill>
-                    <a:prstClr val="black"/>
-                  </a:solidFill>
-                  <a:latin typeface="Calibri"/>
-                  <a:ea typeface="ＭＳ Ｐゴシック" panose="020B0600070205080204" pitchFamily="50" charset="-128"/>
-                </a:rPr>
-                <a:t> </a:t>
-              </a:r>
-              <a:r>
-                <a:rPr kumimoji="1" lang="en-US" altLang="ja-JP" sz="1200" dirty="0">
-                  <a:solidFill>
-                    <a:prstClr val="black"/>
-                  </a:solidFill>
-                  <a:latin typeface="Calibri"/>
-                  <a:ea typeface="ＭＳ Ｐゴシック" panose="020B0600070205080204" pitchFamily="50" charset="-128"/>
-                </a:rPr>
-                <a:t>License</a:t>
-              </a:r>
-              <a:endParaRPr kumimoji="1" lang="ja-JP" altLang="en-US" sz="1200" b="0" i="0" u="none" strike="noStrike" kern="1200" cap="none" spc="0" normalizeH="0" baseline="0" noProof="0" dirty="0">
+              </a:rPr>
+              <a:t>incl. OSS</a:t>
+            </a:r>
+            <a:r>
+              <a:rPr kumimoji="1" lang="ja-JP" altLang="en-US" sz="1400" b="0" i="0" u="none" strike="noStrike" kern="1200" cap="none" spc="0" normalizeH="0" baseline="0" noProof="0" dirty="0">
                 <a:ln>
                   <a:noFill/>
                 </a:ln>
@@ -23902,184 +23787,59 @@
                 <a:latin typeface="Calibri"/>
                 <a:ea typeface="ＭＳ Ｐゴシック" panose="020B0600070205080204" pitchFamily="50" charset="-128"/>
                 <a:cs typeface="+mn-cs"/>
-              </a:endParaRPr>
-            </a:p>
-          </p:txBody>
-        </p:sp>
-        <p:sp>
-          <p:nvSpPr>
-            <p:cNvPr id="58" name="フローチャート: 磁気ディスク 57">
-              <a:extLst>
-                <a:ext uri="{FF2B5EF4-FFF2-40B4-BE49-F238E27FC236}">
-                  <a16:creationId xmlns:a16="http://schemas.microsoft.com/office/drawing/2014/main" id="{6F8A06A7-D462-4044-9916-49AAABAF24F9}"/>
-                </a:ext>
-              </a:extLst>
-            </p:cNvPr>
-            <p:cNvSpPr/>
-            <p:nvPr/>
-          </p:nvSpPr>
-          <p:spPr>
-            <a:xfrm>
-              <a:off x="8244783" y="1552442"/>
-              <a:ext cx="573645" cy="632454"/>
-            </a:xfrm>
-            <a:prstGeom prst="flowChartMagneticDisk">
-              <a:avLst/>
-            </a:prstGeom>
-            <a:solidFill>
-              <a:srgbClr val="FFC000"/>
-            </a:solidFill>
-          </p:spPr>
-          <p:style>
-            <a:lnRef idx="2">
-              <a:schemeClr val="accent1">
-                <a:shade val="50000"/>
-              </a:schemeClr>
-            </a:lnRef>
-            <a:fillRef idx="1">
-              <a:schemeClr val="accent1"/>
-            </a:fillRef>
-            <a:effectRef idx="0">
-              <a:schemeClr val="accent1"/>
-            </a:effectRef>
-            <a:fontRef idx="minor">
-              <a:schemeClr val="lt1"/>
-            </a:fontRef>
-          </p:style>
-          <p:txBody>
-            <a:bodyPr rtlCol="0" anchor="ctr"/>
-            <a:lstStyle/>
-            <a:p>
-              <a:pPr marL="0" marR="0" lvl="0" indent="0" algn="ctr" defTabSz="914400" rtl="0" eaLnBrk="1" fontAlgn="auto" latinLnBrk="0" hangingPunct="1">
-                <a:lnSpc>
-                  <a:spcPct val="100000"/>
-                </a:lnSpc>
-                <a:spcBef>
-                  <a:spcPts val="0"/>
-                </a:spcBef>
-                <a:spcAft>
-                  <a:spcPts val="0"/>
-                </a:spcAft>
-                <a:buClrTx/>
-                <a:buSzTx/>
-                <a:buFontTx/>
-                <a:buNone/>
-                <a:tabLst/>
-                <a:defRPr/>
-              </a:pPr>
-              <a:endParaRPr kumimoji="1" lang="ja-JP" altLang="en-US" sz="1800" b="0" i="0" u="none" strike="noStrike" kern="1200" cap="none" spc="0" normalizeH="0" baseline="0" noProof="0">
-                <a:ln>
-                  <a:noFill/>
-                </a:ln>
-                <a:solidFill>
-                  <a:prstClr val="white"/>
-                </a:solidFill>
-                <a:effectLst/>
-                <a:uLnTx/>
-                <a:uFillTx/>
-                <a:latin typeface="Calibri"/>
-                <a:ea typeface="ＭＳ Ｐゴシック" panose="020B0600070205080204" pitchFamily="50" charset="-128"/>
-                <a:cs typeface="+mn-cs"/>
-              </a:endParaRPr>
-            </a:p>
-          </p:txBody>
-        </p:sp>
-        <p:sp>
-          <p:nvSpPr>
-            <p:cNvPr id="61" name="テキスト ボックス 60">
-              <a:extLst>
-                <a:ext uri="{FF2B5EF4-FFF2-40B4-BE49-F238E27FC236}">
-                  <a16:creationId xmlns:a16="http://schemas.microsoft.com/office/drawing/2014/main" id="{9BA04A49-898C-47F7-A64B-CFFBA5599125}"/>
-                </a:ext>
-              </a:extLst>
-            </p:cNvPr>
-            <p:cNvSpPr txBox="1"/>
-            <p:nvPr/>
-          </p:nvSpPr>
-          <p:spPr>
-            <a:xfrm>
-              <a:off x="8710120" y="1579432"/>
-              <a:ext cx="1056700" cy="600164"/>
-            </a:xfrm>
-            <a:prstGeom prst="rect">
-              <a:avLst/>
-            </a:prstGeom>
-            <a:noFill/>
-          </p:spPr>
-          <p:txBody>
-            <a:bodyPr wrap="square" rtlCol="0">
-              <a:spAutoFit/>
-            </a:bodyPr>
-            <a:lstStyle/>
-            <a:p>
-              <a:pPr marL="0" marR="0" lvl="0" indent="0" algn="ctr" defTabSz="914400" rtl="0" eaLnBrk="1" fontAlgn="auto" latinLnBrk="0" hangingPunct="1">
-                <a:lnSpc>
-                  <a:spcPct val="100000"/>
-                </a:lnSpc>
-                <a:spcBef>
-                  <a:spcPts val="0"/>
-                </a:spcBef>
-                <a:spcAft>
-                  <a:spcPts val="0"/>
-                </a:spcAft>
-                <a:buClrTx/>
-                <a:buSzTx/>
-                <a:buFontTx/>
-                <a:buNone/>
-                <a:tabLst/>
-                <a:defRPr/>
-              </a:pPr>
-              <a:r>
-                <a:rPr kumimoji="1" lang="en-US" altLang="ja-JP" sz="1100" dirty="0">
-                  <a:solidFill>
-                    <a:prstClr val="black"/>
-                  </a:solidFill>
-                  <a:latin typeface="Calibri"/>
-                  <a:ea typeface="ＭＳ Ｐゴシック" panose="020B0600070205080204" pitchFamily="50" charset="-128"/>
-                </a:rPr>
-                <a:t>Website of Source</a:t>
-              </a:r>
-              <a:r>
-                <a:rPr kumimoji="1" lang="ja-JP" altLang="en-US" sz="1100" dirty="0">
-                  <a:solidFill>
-                    <a:prstClr val="black"/>
-                  </a:solidFill>
-                  <a:latin typeface="Calibri"/>
-                  <a:ea typeface="ＭＳ Ｐゴシック" panose="020B0600070205080204" pitchFamily="50" charset="-128"/>
-                </a:rPr>
-                <a:t> </a:t>
-              </a:r>
-              <a:r>
-                <a:rPr kumimoji="1" lang="en-US" altLang="ja-JP" sz="1100" dirty="0">
-                  <a:solidFill>
-                    <a:prstClr val="black"/>
-                  </a:solidFill>
-                  <a:latin typeface="Calibri"/>
-                  <a:ea typeface="ＭＳ Ｐゴシック" panose="020B0600070205080204" pitchFamily="50" charset="-128"/>
-                </a:rPr>
-                <a:t>code</a:t>
-              </a:r>
-              <a:r>
-                <a:rPr kumimoji="1" lang="ja-JP" altLang="en-US" sz="1100" dirty="0">
-                  <a:solidFill>
-                    <a:prstClr val="black"/>
-                  </a:solidFill>
-                  <a:latin typeface="Calibri"/>
-                  <a:ea typeface="ＭＳ Ｐゴシック" panose="020B0600070205080204" pitchFamily="50" charset="-128"/>
-                </a:rPr>
-                <a:t> </a:t>
-              </a:r>
-              <a:r>
-                <a:rPr kumimoji="1" lang="en-US" altLang="ja-JP" sz="1100" dirty="0">
-                  <a:solidFill>
-                    <a:prstClr val="black"/>
-                  </a:solidFill>
-                  <a:latin typeface="Calibri"/>
-                  <a:ea typeface="ＭＳ Ｐゴシック" panose="020B0600070205080204" pitchFamily="50" charset="-128"/>
-                </a:rPr>
-                <a:t>publication</a:t>
-              </a:r>
-              <a:endParaRPr kumimoji="1" lang="en-US" altLang="ja-JP" sz="1100" b="0" i="0" u="none" strike="noStrike" kern="1200" cap="none" spc="0" normalizeH="0" baseline="0" noProof="0" dirty="0">
+              </a:rPr>
+              <a:t>）</a:t>
+            </a:r>
+          </a:p>
+        </p:txBody>
+      </p:sp>
+      <p:sp>
+        <p:nvSpPr>
+          <p:cNvPr id="54" name="テキスト ボックス 53">
+            <a:extLst>
+              <a:ext uri="{FF2B5EF4-FFF2-40B4-BE49-F238E27FC236}">
+                <a16:creationId xmlns:a16="http://schemas.microsoft.com/office/drawing/2014/main" id="{BC2E899B-C4A2-4544-BB5F-527B1C564FBE}"/>
+              </a:ext>
+            </a:extLst>
+          </p:cNvPr>
+          <p:cNvSpPr txBox="1"/>
+          <p:nvPr/>
+        </p:nvSpPr>
+        <p:spPr>
+          <a:xfrm>
+            <a:off x="7915840" y="3061577"/>
+            <a:ext cx="923651" cy="276999"/>
+          </a:xfrm>
+          <a:prstGeom prst="rect">
+            <a:avLst/>
+          </a:prstGeom>
+          <a:noFill/>
+        </p:spPr>
+        <p:txBody>
+          <a:bodyPr wrap="none" rtlCol="0">
+            <a:spAutoFit/>
+          </a:bodyPr>
+          <a:lstStyle/>
+          <a:p>
+            <a:pPr marL="0" marR="0" lvl="0" indent="0" algn="l" defTabSz="914400" rtl="0" eaLnBrk="1" fontAlgn="auto" latinLnBrk="0" hangingPunct="1">
+              <a:lnSpc>
+                <a:spcPct val="100000"/>
+              </a:lnSpc>
+              <a:spcBef>
+                <a:spcPts val="0"/>
+              </a:spcBef>
+              <a:spcAft>
+                <a:spcPts val="0"/>
+              </a:spcAft>
+              <a:buClrTx/>
+              <a:buSzTx/>
+              <a:buFontTx/>
+              <a:buNone/>
+              <a:tabLst/>
+              <a:defRPr/>
+            </a:pPr>
+            <a:r>
+              <a:rPr kumimoji="1" lang="en-US" altLang="ja-JP" sz="1200" b="0" i="0" u="none" strike="noStrike" kern="1200" cap="none" spc="0" normalizeH="0" baseline="0" noProof="0" dirty="0">
                 <a:ln>
                   <a:noFill/>
                 </a:ln>
@@ -24092,105 +23852,394 @@
                 <a:latin typeface="Calibri"/>
                 <a:ea typeface="ＭＳ Ｐゴシック" panose="020B0600070205080204" pitchFamily="50" charset="-128"/>
                 <a:cs typeface="+mn-cs"/>
-              </a:endParaRPr>
-            </a:p>
-          </p:txBody>
-        </p:sp>
-        <p:sp>
-          <p:nvSpPr>
-            <p:cNvPr id="62" name="四角形: 角を丸くする 61">
-              <a:extLst>
-                <a:ext uri="{FF2B5EF4-FFF2-40B4-BE49-F238E27FC236}">
-                  <a16:creationId xmlns:a16="http://schemas.microsoft.com/office/drawing/2014/main" id="{61E144C9-EEEA-467C-B27C-79409D934D7E}"/>
-                </a:ext>
-              </a:extLst>
-            </p:cNvPr>
-            <p:cNvSpPr/>
-            <p:nvPr/>
-          </p:nvSpPr>
-          <p:spPr>
-            <a:xfrm>
-              <a:off x="7050014" y="3514503"/>
-              <a:ext cx="865826" cy="558437"/>
-            </a:xfrm>
-            <a:prstGeom prst="roundRect">
-              <a:avLst/>
-            </a:prstGeom>
-            <a:solidFill>
-              <a:srgbClr val="FFFF00"/>
-            </a:solidFill>
-            <a:ln>
-              <a:noFill/>
-            </a:ln>
-          </p:spPr>
-          <p:style>
-            <a:lnRef idx="2">
-              <a:schemeClr val="accent1">
-                <a:shade val="50000"/>
-              </a:schemeClr>
-            </a:lnRef>
-            <a:fillRef idx="1">
-              <a:schemeClr val="accent1"/>
-            </a:fillRef>
-            <a:effectRef idx="0">
-              <a:schemeClr val="accent1"/>
-            </a:effectRef>
-            <a:fontRef idx="minor">
-              <a:schemeClr val="lt1"/>
-            </a:fontRef>
-          </p:style>
-          <p:txBody>
-            <a:bodyPr rtlCol="0" anchor="ctr"/>
-            <a:lstStyle/>
-            <a:p>
-              <a:pPr marL="0" marR="0" lvl="0" indent="0" algn="ctr" defTabSz="914400" rtl="0" eaLnBrk="1" fontAlgn="auto" latinLnBrk="0" hangingPunct="1">
-                <a:lnSpc>
-                  <a:spcPct val="100000"/>
-                </a:lnSpc>
-                <a:spcBef>
-                  <a:spcPts val="0"/>
-                </a:spcBef>
-                <a:spcAft>
-                  <a:spcPts val="0"/>
-                </a:spcAft>
-                <a:buClrTx/>
-                <a:buSzTx/>
-                <a:buFontTx/>
-                <a:buNone/>
-                <a:tabLst/>
-                <a:defRPr/>
-              </a:pPr>
-              <a:r>
-                <a:rPr kumimoji="1" lang="en-US" altLang="ja-JP" sz="1200" dirty="0">
-                  <a:solidFill>
-                    <a:prstClr val="black"/>
-                  </a:solidFill>
-                  <a:latin typeface="Calibri"/>
-                  <a:ea typeface="ＭＳ Ｐゴシック" panose="020B0600070205080204" pitchFamily="50" charset="-128"/>
-                </a:rPr>
-                <a:t>Customer</a:t>
-              </a:r>
-              <a:r>
-                <a:rPr kumimoji="1" lang="ja-JP" altLang="en-US" sz="1200" dirty="0">
-                  <a:solidFill>
-                    <a:prstClr val="black"/>
-                  </a:solidFill>
-                  <a:latin typeface="Calibri"/>
-                  <a:ea typeface="ＭＳ Ｐゴシック" panose="020B0600070205080204" pitchFamily="50" charset="-128"/>
-                </a:rPr>
-                <a:t> </a:t>
-              </a:r>
-              <a:r>
-                <a:rPr kumimoji="1" lang="en-US" altLang="ja-JP" sz="1200" dirty="0">
-                  <a:solidFill>
-                    <a:prstClr val="black"/>
-                  </a:solidFill>
-                  <a:latin typeface="Calibri"/>
-                  <a:ea typeface="ＭＳ Ｐゴシック" panose="020B0600070205080204" pitchFamily="50" charset="-128"/>
-                </a:rPr>
-                <a:t>Support</a:t>
-              </a:r>
-              <a:endParaRPr kumimoji="1" lang="en-US" altLang="ja-JP" sz="1200" b="0" i="0" u="none" strike="noStrike" kern="1200" cap="none" spc="0" normalizeH="0" baseline="0" noProof="0" dirty="0">
+              </a:rPr>
+              <a:t>OSS</a:t>
+            </a:r>
+            <a:r>
+              <a:rPr kumimoji="1" lang="ja-JP" altLang="en-US" sz="1200" dirty="0">
+                <a:solidFill>
+                  <a:prstClr val="black"/>
+                </a:solidFill>
+                <a:latin typeface="Calibri"/>
+                <a:ea typeface="ＭＳ Ｐゴシック" panose="020B0600070205080204" pitchFamily="50" charset="-128"/>
+              </a:rPr>
+              <a:t> </a:t>
+            </a:r>
+            <a:r>
+              <a:rPr kumimoji="1" lang="en-US" altLang="ja-JP" sz="1200" dirty="0">
+                <a:solidFill>
+                  <a:prstClr val="black"/>
+                </a:solidFill>
+                <a:latin typeface="Calibri"/>
+                <a:ea typeface="ＭＳ Ｐゴシック" panose="020B0600070205080204" pitchFamily="50" charset="-128"/>
+              </a:rPr>
+              <a:t>License</a:t>
+            </a:r>
+            <a:endParaRPr kumimoji="1" lang="ja-JP" altLang="en-US" sz="1200" b="0" i="0" u="none" strike="noStrike" kern="1200" cap="none" spc="0" normalizeH="0" baseline="0" noProof="0" dirty="0">
+              <a:ln>
+                <a:noFill/>
+              </a:ln>
+              <a:solidFill>
+                <a:prstClr val="black"/>
+              </a:solidFill>
+              <a:effectLst/>
+              <a:uLnTx/>
+              <a:uFillTx/>
+              <a:latin typeface="Calibri"/>
+              <a:ea typeface="ＭＳ Ｐゴシック" panose="020B0600070205080204" pitchFamily="50" charset="-128"/>
+              <a:cs typeface="+mn-cs"/>
+            </a:endParaRPr>
+          </a:p>
+        </p:txBody>
+      </p:sp>
+      <p:sp>
+        <p:nvSpPr>
+          <p:cNvPr id="58" name="フローチャート: 磁気ディスク 57">
+            <a:extLst>
+              <a:ext uri="{FF2B5EF4-FFF2-40B4-BE49-F238E27FC236}">
+                <a16:creationId xmlns:a16="http://schemas.microsoft.com/office/drawing/2014/main" id="{6F8A06A7-D462-4044-9916-49AAABAF24F9}"/>
+              </a:ext>
+            </a:extLst>
+          </p:cNvPr>
+          <p:cNvSpPr/>
+          <p:nvPr/>
+        </p:nvSpPr>
+        <p:spPr>
+          <a:xfrm>
+            <a:off x="8244783" y="1552442"/>
+            <a:ext cx="573645" cy="632454"/>
+          </a:xfrm>
+          <a:prstGeom prst="flowChartMagneticDisk">
+            <a:avLst/>
+          </a:prstGeom>
+          <a:solidFill>
+            <a:srgbClr val="FFC000"/>
+          </a:solidFill>
+        </p:spPr>
+        <p:style>
+          <a:lnRef idx="2">
+            <a:schemeClr val="accent1">
+              <a:shade val="50000"/>
+            </a:schemeClr>
+          </a:lnRef>
+          <a:fillRef idx="1">
+            <a:schemeClr val="accent1"/>
+          </a:fillRef>
+          <a:effectRef idx="0">
+            <a:schemeClr val="accent1"/>
+          </a:effectRef>
+          <a:fontRef idx="minor">
+            <a:schemeClr val="lt1"/>
+          </a:fontRef>
+        </p:style>
+        <p:txBody>
+          <a:bodyPr rtlCol="0" anchor="ctr"/>
+          <a:lstStyle/>
+          <a:p>
+            <a:pPr marL="0" marR="0" lvl="0" indent="0" algn="ctr" defTabSz="914400" rtl="0" eaLnBrk="1" fontAlgn="auto" latinLnBrk="0" hangingPunct="1">
+              <a:lnSpc>
+                <a:spcPct val="100000"/>
+              </a:lnSpc>
+              <a:spcBef>
+                <a:spcPts val="0"/>
+              </a:spcBef>
+              <a:spcAft>
+                <a:spcPts val="0"/>
+              </a:spcAft>
+              <a:buClrTx/>
+              <a:buSzTx/>
+              <a:buFontTx/>
+              <a:buNone/>
+              <a:tabLst/>
+              <a:defRPr/>
+            </a:pPr>
+            <a:endParaRPr kumimoji="1" lang="ja-JP" altLang="en-US" sz="1800" b="0" i="0" u="none" strike="noStrike" kern="1200" cap="none" spc="0" normalizeH="0" baseline="0" noProof="0">
+              <a:ln>
+                <a:noFill/>
+              </a:ln>
+              <a:solidFill>
+                <a:prstClr val="white"/>
+              </a:solidFill>
+              <a:effectLst/>
+              <a:uLnTx/>
+              <a:uFillTx/>
+              <a:latin typeface="Calibri"/>
+              <a:ea typeface="ＭＳ Ｐゴシック" panose="020B0600070205080204" pitchFamily="50" charset="-128"/>
+              <a:cs typeface="+mn-cs"/>
+            </a:endParaRPr>
+          </a:p>
+        </p:txBody>
+      </p:sp>
+      <p:sp>
+        <p:nvSpPr>
+          <p:cNvPr id="61" name="テキスト ボックス 60">
+            <a:extLst>
+              <a:ext uri="{FF2B5EF4-FFF2-40B4-BE49-F238E27FC236}">
+                <a16:creationId xmlns:a16="http://schemas.microsoft.com/office/drawing/2014/main" id="{9BA04A49-898C-47F7-A64B-CFFBA5599125}"/>
+              </a:ext>
+            </a:extLst>
+          </p:cNvPr>
+          <p:cNvSpPr txBox="1"/>
+          <p:nvPr/>
+        </p:nvSpPr>
+        <p:spPr>
+          <a:xfrm>
+            <a:off x="8710120" y="1579432"/>
+            <a:ext cx="1056700" cy="600164"/>
+          </a:xfrm>
+          <a:prstGeom prst="rect">
+            <a:avLst/>
+          </a:prstGeom>
+          <a:noFill/>
+        </p:spPr>
+        <p:txBody>
+          <a:bodyPr wrap="square" rtlCol="0">
+            <a:spAutoFit/>
+          </a:bodyPr>
+          <a:lstStyle/>
+          <a:p>
+            <a:pPr marL="0" marR="0" lvl="0" indent="0" algn="ctr" defTabSz="914400" rtl="0" eaLnBrk="1" fontAlgn="auto" latinLnBrk="0" hangingPunct="1">
+              <a:lnSpc>
+                <a:spcPct val="100000"/>
+              </a:lnSpc>
+              <a:spcBef>
+                <a:spcPts val="0"/>
+              </a:spcBef>
+              <a:spcAft>
+                <a:spcPts val="0"/>
+              </a:spcAft>
+              <a:buClrTx/>
+              <a:buSzTx/>
+              <a:buFontTx/>
+              <a:buNone/>
+              <a:tabLst/>
+              <a:defRPr/>
+            </a:pPr>
+            <a:r>
+              <a:rPr kumimoji="1" lang="en-US" altLang="ja-JP" sz="1100" dirty="0">
+                <a:solidFill>
+                  <a:prstClr val="black"/>
+                </a:solidFill>
+                <a:latin typeface="Calibri"/>
+                <a:ea typeface="ＭＳ Ｐゴシック" panose="020B0600070205080204" pitchFamily="50" charset="-128"/>
+              </a:rPr>
+              <a:t>Website of Source</a:t>
+            </a:r>
+            <a:r>
+              <a:rPr kumimoji="1" lang="ja-JP" altLang="en-US" sz="1100" dirty="0">
+                <a:solidFill>
+                  <a:prstClr val="black"/>
+                </a:solidFill>
+                <a:latin typeface="Calibri"/>
+                <a:ea typeface="ＭＳ Ｐゴシック" panose="020B0600070205080204" pitchFamily="50" charset="-128"/>
+              </a:rPr>
+              <a:t> </a:t>
+            </a:r>
+            <a:r>
+              <a:rPr kumimoji="1" lang="en-US" altLang="ja-JP" sz="1100" dirty="0">
+                <a:solidFill>
+                  <a:prstClr val="black"/>
+                </a:solidFill>
+                <a:latin typeface="Calibri"/>
+                <a:ea typeface="ＭＳ Ｐゴシック" panose="020B0600070205080204" pitchFamily="50" charset="-128"/>
+              </a:rPr>
+              <a:t>code</a:t>
+            </a:r>
+            <a:r>
+              <a:rPr kumimoji="1" lang="ja-JP" altLang="en-US" sz="1100" dirty="0">
+                <a:solidFill>
+                  <a:prstClr val="black"/>
+                </a:solidFill>
+                <a:latin typeface="Calibri"/>
+                <a:ea typeface="ＭＳ Ｐゴシック" panose="020B0600070205080204" pitchFamily="50" charset="-128"/>
+              </a:rPr>
+              <a:t> </a:t>
+            </a:r>
+            <a:r>
+              <a:rPr kumimoji="1" lang="en-US" altLang="ja-JP" sz="1100" dirty="0">
+                <a:solidFill>
+                  <a:prstClr val="black"/>
+                </a:solidFill>
+                <a:latin typeface="Calibri"/>
+                <a:ea typeface="ＭＳ Ｐゴシック" panose="020B0600070205080204" pitchFamily="50" charset="-128"/>
+              </a:rPr>
+              <a:t>publication</a:t>
+            </a:r>
+            <a:endParaRPr kumimoji="1" lang="en-US" altLang="ja-JP" sz="1100" b="0" i="0" u="none" strike="noStrike" kern="1200" cap="none" spc="0" normalizeH="0" baseline="0" noProof="0" dirty="0">
+              <a:ln>
+                <a:noFill/>
+              </a:ln>
+              <a:solidFill>
+                <a:prstClr val="black"/>
+              </a:solidFill>
+              <a:effectLst/>
+              <a:uLnTx/>
+              <a:uFillTx/>
+              <a:latin typeface="Calibri"/>
+              <a:ea typeface="ＭＳ Ｐゴシック" panose="020B0600070205080204" pitchFamily="50" charset="-128"/>
+              <a:cs typeface="+mn-cs"/>
+            </a:endParaRPr>
+          </a:p>
+        </p:txBody>
+      </p:sp>
+      <p:sp>
+        <p:nvSpPr>
+          <p:cNvPr id="62" name="四角形: 角を丸くする 61">
+            <a:extLst>
+              <a:ext uri="{FF2B5EF4-FFF2-40B4-BE49-F238E27FC236}">
+                <a16:creationId xmlns:a16="http://schemas.microsoft.com/office/drawing/2014/main" id="{61E144C9-EEEA-467C-B27C-79409D934D7E}"/>
+              </a:ext>
+            </a:extLst>
+          </p:cNvPr>
+          <p:cNvSpPr/>
+          <p:nvPr/>
+        </p:nvSpPr>
+        <p:spPr>
+          <a:xfrm>
+            <a:off x="7050014" y="3514503"/>
+            <a:ext cx="865826" cy="558437"/>
+          </a:xfrm>
+          <a:prstGeom prst="roundRect">
+            <a:avLst/>
+          </a:prstGeom>
+          <a:solidFill>
+            <a:srgbClr val="FFFF00"/>
+          </a:solidFill>
+          <a:ln>
+            <a:noFill/>
+          </a:ln>
+        </p:spPr>
+        <p:style>
+          <a:lnRef idx="2">
+            <a:schemeClr val="accent1">
+              <a:shade val="50000"/>
+            </a:schemeClr>
+          </a:lnRef>
+          <a:fillRef idx="1">
+            <a:schemeClr val="accent1"/>
+          </a:fillRef>
+          <a:effectRef idx="0">
+            <a:schemeClr val="accent1"/>
+          </a:effectRef>
+          <a:fontRef idx="minor">
+            <a:schemeClr val="lt1"/>
+          </a:fontRef>
+        </p:style>
+        <p:txBody>
+          <a:bodyPr rtlCol="0" anchor="ctr"/>
+          <a:lstStyle/>
+          <a:p>
+            <a:pPr marL="0" marR="0" lvl="0" indent="0" algn="ctr" defTabSz="914400" rtl="0" eaLnBrk="1" fontAlgn="auto" latinLnBrk="0" hangingPunct="1">
+              <a:lnSpc>
+                <a:spcPct val="100000"/>
+              </a:lnSpc>
+              <a:spcBef>
+                <a:spcPts val="0"/>
+              </a:spcBef>
+              <a:spcAft>
+                <a:spcPts val="0"/>
+              </a:spcAft>
+              <a:buClrTx/>
+              <a:buSzTx/>
+              <a:buFontTx/>
+              <a:buNone/>
+              <a:tabLst/>
+              <a:defRPr/>
+            </a:pPr>
+            <a:r>
+              <a:rPr kumimoji="1" lang="en-US" altLang="ja-JP" sz="1200" dirty="0">
+                <a:solidFill>
+                  <a:prstClr val="black"/>
+                </a:solidFill>
+                <a:latin typeface="Calibri"/>
+                <a:ea typeface="ＭＳ Ｐゴシック" panose="020B0600070205080204" pitchFamily="50" charset="-128"/>
+              </a:rPr>
+              <a:t>Customer</a:t>
+            </a:r>
+            <a:r>
+              <a:rPr kumimoji="1" lang="ja-JP" altLang="en-US" sz="1200" dirty="0">
+                <a:solidFill>
+                  <a:prstClr val="black"/>
+                </a:solidFill>
+                <a:latin typeface="Calibri"/>
+                <a:ea typeface="ＭＳ Ｐゴシック" panose="020B0600070205080204" pitchFamily="50" charset="-128"/>
+              </a:rPr>
+              <a:t> </a:t>
+            </a:r>
+            <a:r>
+              <a:rPr kumimoji="1" lang="en-US" altLang="ja-JP" sz="1200" dirty="0">
+                <a:solidFill>
+                  <a:prstClr val="black"/>
+                </a:solidFill>
+                <a:latin typeface="Calibri"/>
+                <a:ea typeface="ＭＳ Ｐゴシック" panose="020B0600070205080204" pitchFamily="50" charset="-128"/>
+              </a:rPr>
+              <a:t>Support</a:t>
+            </a:r>
+            <a:endParaRPr kumimoji="1" lang="en-US" altLang="ja-JP" sz="1200" b="0" i="0" u="none" strike="noStrike" kern="1200" cap="none" spc="0" normalizeH="0" baseline="0" noProof="0" dirty="0">
+              <a:ln>
+                <a:noFill/>
+              </a:ln>
+              <a:solidFill>
+                <a:prstClr val="black"/>
+              </a:solidFill>
+              <a:effectLst/>
+              <a:uLnTx/>
+              <a:uFillTx/>
+              <a:latin typeface="Calibri"/>
+              <a:ea typeface="ＭＳ Ｐゴシック" panose="020B0600070205080204" pitchFamily="50" charset="-128"/>
+              <a:cs typeface="+mn-cs"/>
+            </a:endParaRPr>
+          </a:p>
+        </p:txBody>
+      </p:sp>
+      <p:sp>
+        <p:nvSpPr>
+          <p:cNvPr id="64" name="テキスト ボックス 63">
+            <a:extLst>
+              <a:ext uri="{FF2B5EF4-FFF2-40B4-BE49-F238E27FC236}">
+                <a16:creationId xmlns:a16="http://schemas.microsoft.com/office/drawing/2014/main" id="{6FA8BEB1-3EFE-4C16-9F41-44A149F98E9A}"/>
+              </a:ext>
+            </a:extLst>
+          </p:cNvPr>
+          <p:cNvSpPr txBox="1"/>
+          <p:nvPr/>
+        </p:nvSpPr>
+        <p:spPr>
+          <a:xfrm>
+            <a:off x="8006177" y="3514335"/>
+            <a:ext cx="840295" cy="261610"/>
+          </a:xfrm>
+          <a:prstGeom prst="rect">
+            <a:avLst/>
+          </a:prstGeom>
+          <a:noFill/>
+        </p:spPr>
+        <p:txBody>
+          <a:bodyPr wrap="none" rtlCol="0">
+            <a:spAutoFit/>
+          </a:bodyPr>
+          <a:lstStyle/>
+          <a:p>
+            <a:pPr marL="0" marR="0" lvl="0" indent="0" algn="l" defTabSz="914400" rtl="0" eaLnBrk="1" fontAlgn="auto" latinLnBrk="0" hangingPunct="1">
+              <a:lnSpc>
+                <a:spcPct val="100000"/>
+              </a:lnSpc>
+              <a:spcBef>
+                <a:spcPts val="0"/>
+              </a:spcBef>
+              <a:spcAft>
+                <a:spcPts val="0"/>
+              </a:spcAft>
+              <a:buClrTx/>
+              <a:buSzTx/>
+              <a:buFontTx/>
+              <a:buNone/>
+              <a:tabLst/>
+              <a:defRPr/>
+            </a:pPr>
+            <a:r>
+              <a:rPr kumimoji="1" lang="en-US" altLang="ja-JP" sz="1100" b="0" i="0" u="none" strike="noStrike" kern="1200" cap="none" spc="0" normalizeH="0" baseline="0" noProof="0" dirty="0">
                 <a:ln>
                   <a:noFill/>
                 </a:ln>
@@ -24203,93 +24252,182 @@
                 <a:latin typeface="Calibri"/>
                 <a:ea typeface="ＭＳ Ｐゴシック" panose="020B0600070205080204" pitchFamily="50" charset="-128"/>
                 <a:cs typeface="+mn-cs"/>
-              </a:endParaRPr>
-            </a:p>
-          </p:txBody>
-        </p:sp>
-        <p:sp>
-          <p:nvSpPr>
-            <p:cNvPr id="64" name="テキスト ボックス 63">
-              <a:extLst>
-                <a:ext uri="{FF2B5EF4-FFF2-40B4-BE49-F238E27FC236}">
-                  <a16:creationId xmlns:a16="http://schemas.microsoft.com/office/drawing/2014/main" id="{6FA8BEB1-3EFE-4C16-9F41-44A149F98E9A}"/>
-                </a:ext>
-              </a:extLst>
-            </p:cNvPr>
-            <p:cNvSpPr txBox="1"/>
-            <p:nvPr/>
-          </p:nvSpPr>
-          <p:spPr>
-            <a:xfrm>
-              <a:off x="8006177" y="3514335"/>
-              <a:ext cx="840295" cy="261610"/>
-            </a:xfrm>
-            <a:prstGeom prst="rect">
-              <a:avLst/>
-            </a:prstGeom>
-            <a:noFill/>
-          </p:spPr>
-          <p:txBody>
-            <a:bodyPr wrap="none" rtlCol="0">
-              <a:spAutoFit/>
-            </a:bodyPr>
-            <a:lstStyle/>
-            <a:p>
-              <a:pPr marL="0" marR="0" lvl="0" indent="0" algn="l" defTabSz="914400" rtl="0" eaLnBrk="1" fontAlgn="auto" latinLnBrk="0" hangingPunct="1">
-                <a:lnSpc>
-                  <a:spcPct val="100000"/>
-                </a:lnSpc>
-                <a:spcBef>
-                  <a:spcPts val="0"/>
-                </a:spcBef>
-                <a:spcAft>
-                  <a:spcPts val="0"/>
-                </a:spcAft>
-                <a:buClrTx/>
-                <a:buSzTx/>
-                <a:buFontTx/>
-                <a:buNone/>
-                <a:tabLst/>
-                <a:defRPr/>
-              </a:pPr>
-              <a:r>
-                <a:rPr kumimoji="1" lang="en-US" altLang="ja-JP" sz="1100" b="0" i="0" u="none" strike="noStrike" kern="1200" cap="none" spc="0" normalizeH="0" baseline="0" noProof="0" dirty="0">
-                  <a:ln>
-                    <a:noFill/>
-                  </a:ln>
-                  <a:solidFill>
-                    <a:prstClr val="black"/>
-                  </a:solidFill>
-                  <a:effectLst/>
-                  <a:uLnTx/>
-                  <a:uFillTx/>
-                  <a:latin typeface="Calibri"/>
-                  <a:ea typeface="ＭＳ Ｐゴシック" panose="020B0600070205080204" pitchFamily="50" charset="-128"/>
-                  <a:cs typeface="+mn-cs"/>
-                </a:rPr>
-                <a:t>OSS</a:t>
-              </a:r>
-              <a:r>
-                <a:rPr kumimoji="1" lang="ja-JP" altLang="en-US" sz="1100" dirty="0">
-                  <a:solidFill>
-                    <a:prstClr val="black"/>
-                  </a:solidFill>
-                  <a:latin typeface="Calibri"/>
-                  <a:ea typeface="ＭＳ Ｐゴシック" panose="020B0600070205080204" pitchFamily="50" charset="-128"/>
-                </a:rPr>
-                <a:t> </a:t>
-              </a:r>
-              <a:r>
-                <a:rPr kumimoji="1" lang="en-US" altLang="ja-JP" sz="1100" dirty="0">
-                  <a:solidFill>
-                    <a:prstClr val="black"/>
-                  </a:solidFill>
-                  <a:latin typeface="Calibri"/>
-                  <a:ea typeface="ＭＳ Ｐゴシック" panose="020B0600070205080204" pitchFamily="50" charset="-128"/>
-                </a:rPr>
-                <a:t>Inquiry</a:t>
-              </a:r>
-              <a:endParaRPr kumimoji="1" lang="ja-JP" altLang="en-US" sz="1100" b="0" i="0" u="none" strike="noStrike" kern="1200" cap="none" spc="0" normalizeH="0" baseline="0" noProof="0" dirty="0">
+              </a:rPr>
+              <a:t>OSS</a:t>
+            </a:r>
+            <a:r>
+              <a:rPr kumimoji="1" lang="ja-JP" altLang="en-US" sz="1100" dirty="0">
+                <a:solidFill>
+                  <a:prstClr val="black"/>
+                </a:solidFill>
+                <a:latin typeface="Calibri"/>
+                <a:ea typeface="ＭＳ Ｐゴシック" panose="020B0600070205080204" pitchFamily="50" charset="-128"/>
+              </a:rPr>
+              <a:t> </a:t>
+            </a:r>
+            <a:r>
+              <a:rPr kumimoji="1" lang="en-US" altLang="ja-JP" sz="1100" dirty="0">
+                <a:solidFill>
+                  <a:prstClr val="black"/>
+                </a:solidFill>
+                <a:latin typeface="Calibri"/>
+                <a:ea typeface="ＭＳ Ｐゴシック" panose="020B0600070205080204" pitchFamily="50" charset="-128"/>
+              </a:rPr>
+              <a:t>Inquiry</a:t>
+            </a:r>
+            <a:endParaRPr kumimoji="1" lang="ja-JP" altLang="en-US" sz="1100" b="0" i="0" u="none" strike="noStrike" kern="1200" cap="none" spc="0" normalizeH="0" baseline="0" noProof="0" dirty="0">
+              <a:ln>
+                <a:noFill/>
+              </a:ln>
+              <a:solidFill>
+                <a:prstClr val="black"/>
+              </a:solidFill>
+              <a:effectLst/>
+              <a:uLnTx/>
+              <a:uFillTx/>
+              <a:latin typeface="Calibri"/>
+              <a:ea typeface="ＭＳ Ｐゴシック" panose="020B0600070205080204" pitchFamily="50" charset="-128"/>
+              <a:cs typeface="+mn-cs"/>
+            </a:endParaRPr>
+          </a:p>
+        </p:txBody>
+      </p:sp>
+      <p:cxnSp>
+        <p:nvCxnSpPr>
+          <p:cNvPr id="70" name="直線矢印コネクタ 69">
+            <a:extLst>
+              <a:ext uri="{FF2B5EF4-FFF2-40B4-BE49-F238E27FC236}">
+                <a16:creationId xmlns:a16="http://schemas.microsoft.com/office/drawing/2014/main" id="{9BEC4DA4-D661-4F0B-87B8-06549A413407}"/>
+              </a:ext>
+            </a:extLst>
+          </p:cNvPr>
+          <p:cNvCxnSpPr>
+            <a:cxnSpLocks/>
+          </p:cNvCxnSpPr>
+          <p:nvPr/>
+        </p:nvCxnSpPr>
+        <p:spPr>
+          <a:xfrm flipH="1" flipV="1">
+            <a:off x="4426872" y="4698248"/>
+            <a:ext cx="1604" cy="941528"/>
+          </a:xfrm>
+          <a:prstGeom prst="straightConnector1">
+            <a:avLst/>
+          </a:prstGeom>
+          <a:ln w="38100">
+            <a:solidFill>
+              <a:srgbClr val="FFC000"/>
+            </a:solidFill>
+            <a:tailEnd type="triangle"/>
+          </a:ln>
+        </p:spPr>
+        <p:style>
+          <a:lnRef idx="1">
+            <a:schemeClr val="accent1"/>
+          </a:lnRef>
+          <a:fillRef idx="0">
+            <a:schemeClr val="accent1"/>
+          </a:fillRef>
+          <a:effectRef idx="0">
+            <a:schemeClr val="accent1"/>
+          </a:effectRef>
+          <a:fontRef idx="minor">
+            <a:schemeClr val="tx1"/>
+          </a:fontRef>
+        </p:style>
+      </p:cxnSp>
+      <p:cxnSp>
+        <p:nvCxnSpPr>
+          <p:cNvPr id="72" name="直線矢印コネクタ 71">
+            <a:extLst>
+              <a:ext uri="{FF2B5EF4-FFF2-40B4-BE49-F238E27FC236}">
+                <a16:creationId xmlns:a16="http://schemas.microsoft.com/office/drawing/2014/main" id="{CDC1E55D-C73E-4A4F-96C5-7C9AF35137EC}"/>
+              </a:ext>
+            </a:extLst>
+          </p:cNvPr>
+          <p:cNvCxnSpPr>
+            <a:cxnSpLocks/>
+            <a:stCxn id="10" idx="1"/>
+          </p:cNvCxnSpPr>
+          <p:nvPr/>
+        </p:nvCxnSpPr>
+        <p:spPr>
+          <a:xfrm flipH="1" flipV="1">
+            <a:off x="2265971" y="5318200"/>
+            <a:ext cx="1983920" cy="637114"/>
+          </a:xfrm>
+          <a:prstGeom prst="straightConnector1">
+            <a:avLst/>
+          </a:prstGeom>
+          <a:ln w="38100">
+            <a:solidFill>
+              <a:srgbClr val="FFC000"/>
+            </a:solidFill>
+            <a:tailEnd type="triangle"/>
+          </a:ln>
+        </p:spPr>
+        <p:style>
+          <a:lnRef idx="1">
+            <a:schemeClr val="accent1"/>
+          </a:lnRef>
+          <a:fillRef idx="0">
+            <a:schemeClr val="accent1"/>
+          </a:fillRef>
+          <a:effectRef idx="0">
+            <a:schemeClr val="accent1"/>
+          </a:effectRef>
+          <a:fontRef idx="minor">
+            <a:schemeClr val="tx1"/>
+          </a:fontRef>
+        </p:style>
+      </p:cxnSp>
+      <p:sp>
+        <p:nvSpPr>
+          <p:cNvPr id="74" name="テキスト ボックス 73">
+            <a:extLst>
+              <a:ext uri="{FF2B5EF4-FFF2-40B4-BE49-F238E27FC236}">
+                <a16:creationId xmlns:a16="http://schemas.microsoft.com/office/drawing/2014/main" id="{920F6C34-2AD3-489B-99BC-8607F031AB1D}"/>
+              </a:ext>
+            </a:extLst>
+          </p:cNvPr>
+          <p:cNvSpPr txBox="1"/>
+          <p:nvPr/>
+        </p:nvSpPr>
+        <p:spPr>
+          <a:xfrm>
+            <a:off x="3954147" y="5081458"/>
+            <a:ext cx="428322" cy="276999"/>
+          </a:xfrm>
+          <a:prstGeom prst="rect">
+            <a:avLst/>
+          </a:prstGeom>
+          <a:noFill/>
+        </p:spPr>
+        <p:txBody>
+          <a:bodyPr wrap="none" rtlCol="0">
+            <a:spAutoFit/>
+          </a:bodyPr>
+          <a:lstStyle/>
+          <a:p>
+            <a:pPr marL="0" marR="0" lvl="0" indent="0" algn="l" defTabSz="914400" rtl="0" eaLnBrk="1" fontAlgn="auto" latinLnBrk="0" hangingPunct="1">
+              <a:lnSpc>
+                <a:spcPct val="100000"/>
+              </a:lnSpc>
+              <a:spcBef>
+                <a:spcPts val="0"/>
+              </a:spcBef>
+              <a:spcAft>
+                <a:spcPts val="0"/>
+              </a:spcAft>
+              <a:buClrTx/>
+              <a:buSzTx/>
+              <a:buFontTx/>
+              <a:buNone/>
+              <a:tabLst/>
+              <a:defRPr/>
+            </a:pPr>
+            <a:r>
+              <a:rPr kumimoji="1" lang="en-US" altLang="ja-JP" sz="1200" b="0" i="0" u="none" strike="noStrike" kern="1200" cap="none" spc="0" normalizeH="0" baseline="0" noProof="0" dirty="0">
                 <a:ln>
                   <a:noFill/>
                 </a:ln>
@@ -24302,162 +24440,73 @@
                 <a:latin typeface="Calibri"/>
                 <a:ea typeface="ＭＳ Ｐゴシック" panose="020B0600070205080204" pitchFamily="50" charset="-128"/>
                 <a:cs typeface="+mn-cs"/>
-              </a:endParaRPr>
-            </a:p>
-          </p:txBody>
-        </p:sp>
-        <p:cxnSp>
-          <p:nvCxnSpPr>
-            <p:cNvPr id="70" name="直線矢印コネクタ 69">
-              <a:extLst>
-                <a:ext uri="{FF2B5EF4-FFF2-40B4-BE49-F238E27FC236}">
-                  <a16:creationId xmlns:a16="http://schemas.microsoft.com/office/drawing/2014/main" id="{9BEC4DA4-D661-4F0B-87B8-06549A413407}"/>
-                </a:ext>
-              </a:extLst>
-            </p:cNvPr>
-            <p:cNvCxnSpPr>
-              <a:cxnSpLocks/>
-            </p:cNvCxnSpPr>
-            <p:nvPr/>
-          </p:nvCxnSpPr>
-          <p:spPr>
-            <a:xfrm flipV="1">
-              <a:off x="4479324" y="4395306"/>
-              <a:ext cx="0" cy="1244470"/>
-            </a:xfrm>
-            <a:prstGeom prst="straightConnector1">
-              <a:avLst/>
-            </a:prstGeom>
-            <a:ln w="38100">
+              </a:rPr>
+              <a:t>OSS</a:t>
+            </a:r>
+            <a:endParaRPr kumimoji="1" lang="ja-JP" altLang="en-US" sz="1200" b="0" i="0" u="none" strike="noStrike" kern="1200" cap="none" spc="0" normalizeH="0" baseline="0" noProof="0" dirty="0">
+              <a:ln>
+                <a:noFill/>
+              </a:ln>
               <a:solidFill>
-                <a:srgbClr val="FFC000"/>
+                <a:prstClr val="black"/>
               </a:solidFill>
-              <a:tailEnd type="triangle"/>
-            </a:ln>
-          </p:spPr>
-          <p:style>
-            <a:lnRef idx="1">
-              <a:schemeClr val="accent1"/>
-            </a:lnRef>
-            <a:fillRef idx="0">
-              <a:schemeClr val="accent1"/>
-            </a:fillRef>
-            <a:effectRef idx="0">
-              <a:schemeClr val="accent1"/>
-            </a:effectRef>
-            <a:fontRef idx="minor">
-              <a:schemeClr val="tx1"/>
-            </a:fontRef>
-          </p:style>
-        </p:cxnSp>
-        <p:cxnSp>
-          <p:nvCxnSpPr>
-            <p:cNvPr id="72" name="直線矢印コネクタ 71">
-              <a:extLst>
-                <a:ext uri="{FF2B5EF4-FFF2-40B4-BE49-F238E27FC236}">
-                  <a16:creationId xmlns:a16="http://schemas.microsoft.com/office/drawing/2014/main" id="{CDC1E55D-C73E-4A4F-96C5-7C9AF35137EC}"/>
-                </a:ext>
-              </a:extLst>
-            </p:cNvPr>
-            <p:cNvCxnSpPr>
-              <a:cxnSpLocks/>
-              <a:stCxn id="10" idx="1"/>
-            </p:cNvCxnSpPr>
-            <p:nvPr/>
-          </p:nvCxnSpPr>
-          <p:spPr>
-            <a:xfrm flipH="1" flipV="1">
-              <a:off x="2265971" y="5318200"/>
-              <a:ext cx="1983920" cy="637114"/>
-            </a:xfrm>
-            <a:prstGeom prst="straightConnector1">
-              <a:avLst/>
-            </a:prstGeom>
-            <a:ln w="38100">
-              <a:solidFill>
-                <a:srgbClr val="FFC000"/>
-              </a:solidFill>
-              <a:tailEnd type="triangle"/>
-            </a:ln>
-          </p:spPr>
-          <p:style>
-            <a:lnRef idx="1">
-              <a:schemeClr val="accent1"/>
-            </a:lnRef>
-            <a:fillRef idx="0">
-              <a:schemeClr val="accent1"/>
-            </a:fillRef>
-            <a:effectRef idx="0">
-              <a:schemeClr val="accent1"/>
-            </a:effectRef>
-            <a:fontRef idx="minor">
-              <a:schemeClr val="tx1"/>
-            </a:fontRef>
-          </p:style>
-        </p:cxnSp>
-        <p:sp>
-          <p:nvSpPr>
-            <p:cNvPr id="74" name="テキスト ボックス 73">
-              <a:extLst>
-                <a:ext uri="{FF2B5EF4-FFF2-40B4-BE49-F238E27FC236}">
-                  <a16:creationId xmlns:a16="http://schemas.microsoft.com/office/drawing/2014/main" id="{920F6C34-2AD3-489B-99BC-8607F031AB1D}"/>
-                </a:ext>
-              </a:extLst>
-            </p:cNvPr>
-            <p:cNvSpPr txBox="1"/>
-            <p:nvPr/>
-          </p:nvSpPr>
-          <p:spPr>
-            <a:xfrm>
-              <a:off x="4049398" y="4698248"/>
-              <a:ext cx="428322" cy="276999"/>
-            </a:xfrm>
-            <a:prstGeom prst="rect">
-              <a:avLst/>
-            </a:prstGeom>
-            <a:noFill/>
-          </p:spPr>
-          <p:txBody>
-            <a:bodyPr wrap="none" rtlCol="0">
-              <a:spAutoFit/>
-            </a:bodyPr>
-            <a:lstStyle/>
-            <a:p>
-              <a:pPr marL="0" marR="0" lvl="0" indent="0" algn="l" defTabSz="914400" rtl="0" eaLnBrk="1" fontAlgn="auto" latinLnBrk="0" hangingPunct="1">
-                <a:lnSpc>
-                  <a:spcPct val="100000"/>
-                </a:lnSpc>
-                <a:spcBef>
-                  <a:spcPts val="0"/>
-                </a:spcBef>
-                <a:spcAft>
-                  <a:spcPts val="0"/>
-                </a:spcAft>
-                <a:buClrTx/>
-                <a:buSzTx/>
-                <a:buFontTx/>
-                <a:buNone/>
-                <a:tabLst/>
-                <a:defRPr/>
-              </a:pPr>
-              <a:r>
-                <a:rPr kumimoji="1" lang="en-US" altLang="ja-JP" sz="1200" b="0" i="0" u="none" strike="noStrike" kern="1200" cap="none" spc="0" normalizeH="0" baseline="0" noProof="0" dirty="0">
-                  <a:ln>
-                    <a:noFill/>
-                  </a:ln>
-                  <a:solidFill>
-                    <a:prstClr val="black"/>
-                  </a:solidFill>
-                  <a:effectLst/>
-                  <a:uLnTx/>
-                  <a:uFillTx/>
-                  <a:latin typeface="Calibri"/>
-                  <a:ea typeface="ＭＳ Ｐゴシック" panose="020B0600070205080204" pitchFamily="50" charset="-128"/>
-                  <a:cs typeface="+mn-cs"/>
-                </a:rPr>
-                <a:t>OSS</a:t>
-              </a:r>
-              <a:endParaRPr kumimoji="1" lang="ja-JP" altLang="en-US" sz="1200" b="0" i="0" u="none" strike="noStrike" kern="1200" cap="none" spc="0" normalizeH="0" baseline="0" noProof="0" dirty="0">
+              <a:effectLst/>
+              <a:uLnTx/>
+              <a:uFillTx/>
+              <a:latin typeface="Calibri"/>
+              <a:ea typeface="ＭＳ Ｐゴシック" panose="020B0600070205080204" pitchFamily="50" charset="-128"/>
+              <a:cs typeface="+mn-cs"/>
+            </a:endParaRPr>
+          </a:p>
+        </p:txBody>
+      </p:sp>
+      <p:sp>
+        <p:nvSpPr>
+          <p:cNvPr id="75" name="テキスト ボックス 74">
+            <a:extLst>
+              <a:ext uri="{FF2B5EF4-FFF2-40B4-BE49-F238E27FC236}">
+                <a16:creationId xmlns:a16="http://schemas.microsoft.com/office/drawing/2014/main" id="{F99D00E4-8CFB-45C1-831D-1D16F50C6085}"/>
+              </a:ext>
+            </a:extLst>
+          </p:cNvPr>
+          <p:cNvSpPr txBox="1"/>
+          <p:nvPr/>
+        </p:nvSpPr>
+        <p:spPr>
+          <a:xfrm>
+            <a:off x="2604456" y="5571471"/>
+            <a:ext cx="428322" cy="276999"/>
+          </a:xfrm>
+          <a:prstGeom prst="rect">
+            <a:avLst/>
+          </a:prstGeom>
+          <a:noFill/>
+        </p:spPr>
+        <p:txBody>
+          <a:bodyPr wrap="none" rtlCol="0">
+            <a:spAutoFit/>
+          </a:bodyPr>
+          <a:lstStyle/>
+          <a:p>
+            <a:pPr marL="0" marR="0" lvl="0" indent="0" algn="l" defTabSz="914400" rtl="0" eaLnBrk="1" fontAlgn="auto" latinLnBrk="0" hangingPunct="1">
+              <a:lnSpc>
+                <a:spcPct val="100000"/>
+              </a:lnSpc>
+              <a:spcBef>
+                <a:spcPts val="0"/>
+              </a:spcBef>
+              <a:spcAft>
+                <a:spcPts val="0"/>
+              </a:spcAft>
+              <a:buClrTx/>
+              <a:buSzTx/>
+              <a:buFontTx/>
+              <a:buNone/>
+              <a:tabLst/>
+              <a:defRPr/>
+            </a:pPr>
+            <a:r>
+              <a:rPr kumimoji="1" lang="en-US" altLang="ja-JP" sz="1200" b="0" i="0" u="none" strike="noStrike" kern="1200" cap="none" spc="0" normalizeH="0" baseline="0" noProof="0" dirty="0">
                 <a:ln>
                   <a:noFill/>
                 </a:ln>
@@ -24470,73 +24519,161 @@
                 <a:latin typeface="Calibri"/>
                 <a:ea typeface="ＭＳ Ｐゴシック" panose="020B0600070205080204" pitchFamily="50" charset="-128"/>
                 <a:cs typeface="+mn-cs"/>
-              </a:endParaRPr>
-            </a:p>
-          </p:txBody>
-        </p:sp>
-        <p:sp>
-          <p:nvSpPr>
-            <p:cNvPr id="75" name="テキスト ボックス 74">
-              <a:extLst>
-                <a:ext uri="{FF2B5EF4-FFF2-40B4-BE49-F238E27FC236}">
-                  <a16:creationId xmlns:a16="http://schemas.microsoft.com/office/drawing/2014/main" id="{F99D00E4-8CFB-45C1-831D-1D16F50C6085}"/>
-                </a:ext>
-              </a:extLst>
-            </p:cNvPr>
-            <p:cNvSpPr txBox="1"/>
-            <p:nvPr/>
-          </p:nvSpPr>
-          <p:spPr>
-            <a:xfrm>
-              <a:off x="2604456" y="5571471"/>
-              <a:ext cx="428322" cy="276999"/>
-            </a:xfrm>
-            <a:prstGeom prst="rect">
-              <a:avLst/>
-            </a:prstGeom>
-            <a:noFill/>
-          </p:spPr>
-          <p:txBody>
-            <a:bodyPr wrap="none" rtlCol="0">
-              <a:spAutoFit/>
-            </a:bodyPr>
-            <a:lstStyle/>
-            <a:p>
-              <a:pPr marL="0" marR="0" lvl="0" indent="0" algn="l" defTabSz="914400" rtl="0" eaLnBrk="1" fontAlgn="auto" latinLnBrk="0" hangingPunct="1">
-                <a:lnSpc>
-                  <a:spcPct val="100000"/>
-                </a:lnSpc>
-                <a:spcBef>
-                  <a:spcPts val="0"/>
-                </a:spcBef>
-                <a:spcAft>
-                  <a:spcPts val="0"/>
-                </a:spcAft>
-                <a:buClrTx/>
-                <a:buSzTx/>
-                <a:buFontTx/>
-                <a:buNone/>
-                <a:tabLst/>
-                <a:defRPr/>
-              </a:pPr>
-              <a:r>
-                <a:rPr kumimoji="1" lang="en-US" altLang="ja-JP" sz="1200" b="0" i="0" u="none" strike="noStrike" kern="1200" cap="none" spc="0" normalizeH="0" baseline="0" noProof="0" dirty="0">
-                  <a:ln>
-                    <a:noFill/>
-                  </a:ln>
-                  <a:solidFill>
-                    <a:prstClr val="black"/>
-                  </a:solidFill>
-                  <a:effectLst/>
-                  <a:uLnTx/>
-                  <a:uFillTx/>
-                  <a:latin typeface="Calibri"/>
-                  <a:ea typeface="ＭＳ Ｐゴシック" panose="020B0600070205080204" pitchFamily="50" charset="-128"/>
-                  <a:cs typeface="+mn-cs"/>
-                </a:rPr>
-                <a:t>OSS</a:t>
-              </a:r>
-              <a:endParaRPr kumimoji="1" lang="ja-JP" altLang="en-US" sz="1200" b="0" i="0" u="none" strike="noStrike" kern="1200" cap="none" spc="0" normalizeH="0" baseline="0" noProof="0" dirty="0">
+              </a:rPr>
+              <a:t>OSS</a:t>
+            </a:r>
+            <a:endParaRPr kumimoji="1" lang="ja-JP" altLang="en-US" sz="1200" b="0" i="0" u="none" strike="noStrike" kern="1200" cap="none" spc="0" normalizeH="0" baseline="0" noProof="0" dirty="0">
+              <a:ln>
+                <a:noFill/>
+              </a:ln>
+              <a:solidFill>
+                <a:prstClr val="black"/>
+              </a:solidFill>
+              <a:effectLst/>
+              <a:uLnTx/>
+              <a:uFillTx/>
+              <a:latin typeface="Calibri"/>
+              <a:ea typeface="ＭＳ Ｐゴシック" panose="020B0600070205080204" pitchFamily="50" charset="-128"/>
+              <a:cs typeface="+mn-cs"/>
+            </a:endParaRPr>
+          </a:p>
+        </p:txBody>
+      </p:sp>
+      <p:cxnSp>
+        <p:nvCxnSpPr>
+          <p:cNvPr id="76" name="直線矢印コネクタ 75">
+            <a:extLst>
+              <a:ext uri="{FF2B5EF4-FFF2-40B4-BE49-F238E27FC236}">
+                <a16:creationId xmlns:a16="http://schemas.microsoft.com/office/drawing/2014/main" id="{2CEF35C0-9E1C-4371-9C22-7BA0F357C050}"/>
+              </a:ext>
+            </a:extLst>
+          </p:cNvPr>
+          <p:cNvCxnSpPr>
+            <a:cxnSpLocks/>
+          </p:cNvCxnSpPr>
+          <p:nvPr/>
+        </p:nvCxnSpPr>
+        <p:spPr>
+          <a:xfrm flipH="1" flipV="1">
+            <a:off x="2244200" y="5013786"/>
+            <a:ext cx="2005691" cy="717171"/>
+          </a:xfrm>
+          <a:prstGeom prst="straightConnector1">
+            <a:avLst/>
+          </a:prstGeom>
+          <a:ln w="38100">
+            <a:solidFill>
+              <a:srgbClr val="FF0000"/>
+            </a:solidFill>
+            <a:tailEnd type="triangle"/>
+          </a:ln>
+        </p:spPr>
+        <p:style>
+          <a:lnRef idx="1">
+            <a:schemeClr val="accent1"/>
+          </a:lnRef>
+          <a:fillRef idx="0">
+            <a:schemeClr val="accent1"/>
+          </a:fillRef>
+          <a:effectRef idx="0">
+            <a:schemeClr val="accent1"/>
+          </a:effectRef>
+          <a:fontRef idx="minor">
+            <a:schemeClr val="tx1"/>
+          </a:fontRef>
+        </p:style>
+      </p:cxnSp>
+      <p:cxnSp>
+        <p:nvCxnSpPr>
+          <p:cNvPr id="78" name="直線矢印コネクタ 77">
+            <a:extLst>
+              <a:ext uri="{FF2B5EF4-FFF2-40B4-BE49-F238E27FC236}">
+                <a16:creationId xmlns:a16="http://schemas.microsoft.com/office/drawing/2014/main" id="{20935DA2-217A-4D28-A9B8-85956B32C101}"/>
+              </a:ext>
+            </a:extLst>
+          </p:cNvPr>
+          <p:cNvCxnSpPr>
+            <a:cxnSpLocks/>
+          </p:cNvCxnSpPr>
+          <p:nvPr/>
+        </p:nvCxnSpPr>
+        <p:spPr>
+          <a:xfrm flipH="1" flipV="1">
+            <a:off x="4556690" y="4685544"/>
+            <a:ext cx="10650" cy="908267"/>
+          </a:xfrm>
+          <a:prstGeom prst="straightConnector1">
+            <a:avLst/>
+          </a:prstGeom>
+          <a:ln w="38100">
+            <a:solidFill>
+              <a:srgbClr val="FF0000"/>
+            </a:solidFill>
+            <a:tailEnd type="triangle"/>
+          </a:ln>
+        </p:spPr>
+        <p:style>
+          <a:lnRef idx="1">
+            <a:schemeClr val="accent1"/>
+          </a:lnRef>
+          <a:fillRef idx="0">
+            <a:schemeClr val="accent1"/>
+          </a:fillRef>
+          <a:effectRef idx="0">
+            <a:schemeClr val="accent1"/>
+          </a:effectRef>
+          <a:fontRef idx="minor">
+            <a:schemeClr val="tx1"/>
+          </a:fontRef>
+        </p:style>
+      </p:cxnSp>
+      <p:sp>
+        <p:nvSpPr>
+          <p:cNvPr id="80" name="テキスト ボックス 79">
+            <a:extLst>
+              <a:ext uri="{FF2B5EF4-FFF2-40B4-BE49-F238E27FC236}">
+                <a16:creationId xmlns:a16="http://schemas.microsoft.com/office/drawing/2014/main" id="{DC5A38D0-4F7B-45AF-A261-CE6A47A36E02}"/>
+              </a:ext>
+            </a:extLst>
+          </p:cNvPr>
+          <p:cNvSpPr txBox="1"/>
+          <p:nvPr/>
+        </p:nvSpPr>
+        <p:spPr>
+          <a:xfrm>
+            <a:off x="4527856" y="4873186"/>
+            <a:ext cx="644728" cy="461665"/>
+          </a:xfrm>
+          <a:prstGeom prst="rect">
+            <a:avLst/>
+          </a:prstGeom>
+          <a:noFill/>
+        </p:spPr>
+        <p:txBody>
+          <a:bodyPr wrap="none" rtlCol="0">
+            <a:spAutoFit/>
+          </a:bodyPr>
+          <a:lstStyle/>
+          <a:p>
+            <a:pPr marL="0" marR="0" lvl="0" indent="0" algn="l" defTabSz="914400" rtl="0" eaLnBrk="1" fontAlgn="auto" latinLnBrk="0" hangingPunct="1">
+              <a:lnSpc>
+                <a:spcPct val="100000"/>
+              </a:lnSpc>
+              <a:spcBef>
+                <a:spcPts val="0"/>
+              </a:spcBef>
+              <a:spcAft>
+                <a:spcPts val="0"/>
+              </a:spcAft>
+              <a:buClrTx/>
+              <a:buSzTx/>
+              <a:buFontTx/>
+              <a:buNone/>
+              <a:tabLst/>
+              <a:defRPr/>
+            </a:pPr>
+            <a:r>
+              <a:rPr kumimoji="1" lang="en-US" altLang="ja-JP" sz="1200" b="0" i="0" u="none" strike="noStrike" kern="1200" cap="none" spc="0" normalizeH="0" baseline="0" noProof="0" dirty="0">
                 <a:ln>
                   <a:noFill/>
                 </a:ln>
@@ -24549,187 +24686,11 @@
                 <a:latin typeface="Calibri"/>
                 <a:ea typeface="ＭＳ Ｐゴシック" panose="020B0600070205080204" pitchFamily="50" charset="-128"/>
                 <a:cs typeface="+mn-cs"/>
-              </a:endParaRPr>
-            </a:p>
-          </p:txBody>
-        </p:sp>
-        <p:cxnSp>
-          <p:nvCxnSpPr>
-            <p:cNvPr id="76" name="直線矢印コネクタ 75">
-              <a:extLst>
-                <a:ext uri="{FF2B5EF4-FFF2-40B4-BE49-F238E27FC236}">
-                  <a16:creationId xmlns:a16="http://schemas.microsoft.com/office/drawing/2014/main" id="{2CEF35C0-9E1C-4371-9C22-7BA0F357C050}"/>
-                </a:ext>
-              </a:extLst>
-            </p:cNvPr>
-            <p:cNvCxnSpPr>
-              <a:cxnSpLocks/>
-            </p:cNvCxnSpPr>
-            <p:nvPr/>
-          </p:nvCxnSpPr>
-          <p:spPr>
-            <a:xfrm flipH="1" flipV="1">
-              <a:off x="2244200" y="5013786"/>
-              <a:ext cx="2005691" cy="717171"/>
-            </a:xfrm>
-            <a:prstGeom prst="straightConnector1">
-              <a:avLst/>
-            </a:prstGeom>
-            <a:ln w="38100">
-              <a:solidFill>
-                <a:srgbClr val="FF0000"/>
-              </a:solidFill>
-              <a:tailEnd type="triangle"/>
-            </a:ln>
-          </p:spPr>
-          <p:style>
-            <a:lnRef idx="1">
-              <a:schemeClr val="accent1"/>
-            </a:lnRef>
-            <a:fillRef idx="0">
-              <a:schemeClr val="accent1"/>
-            </a:fillRef>
-            <a:effectRef idx="0">
-              <a:schemeClr val="accent1"/>
-            </a:effectRef>
-            <a:fontRef idx="minor">
-              <a:schemeClr val="tx1"/>
-            </a:fontRef>
-          </p:style>
-        </p:cxnSp>
-        <p:cxnSp>
-          <p:nvCxnSpPr>
-            <p:cNvPr id="78" name="直線矢印コネクタ 77">
-              <a:extLst>
-                <a:ext uri="{FF2B5EF4-FFF2-40B4-BE49-F238E27FC236}">
-                  <a16:creationId xmlns:a16="http://schemas.microsoft.com/office/drawing/2014/main" id="{20935DA2-217A-4D28-A9B8-85956B32C101}"/>
-                </a:ext>
-              </a:extLst>
-            </p:cNvPr>
-            <p:cNvCxnSpPr>
-              <a:cxnSpLocks/>
-            </p:cNvCxnSpPr>
-            <p:nvPr/>
-          </p:nvCxnSpPr>
-          <p:spPr>
-            <a:xfrm flipH="1" flipV="1">
-              <a:off x="4580528" y="4395306"/>
-              <a:ext cx="9515" cy="1252204"/>
-            </a:xfrm>
-            <a:prstGeom prst="straightConnector1">
-              <a:avLst/>
-            </a:prstGeom>
-            <a:ln w="38100">
-              <a:solidFill>
-                <a:srgbClr val="FF0000"/>
-              </a:solidFill>
-              <a:tailEnd type="triangle"/>
-            </a:ln>
-          </p:spPr>
-          <p:style>
-            <a:lnRef idx="1">
-              <a:schemeClr val="accent1"/>
-            </a:lnRef>
-            <a:fillRef idx="0">
-              <a:schemeClr val="accent1"/>
-            </a:fillRef>
-            <a:effectRef idx="0">
-              <a:schemeClr val="accent1"/>
-            </a:effectRef>
-            <a:fontRef idx="minor">
-              <a:schemeClr val="tx1"/>
-            </a:fontRef>
-          </p:style>
-        </p:cxnSp>
-        <p:sp>
-          <p:nvSpPr>
-            <p:cNvPr id="80" name="テキスト ボックス 79">
-              <a:extLst>
-                <a:ext uri="{FF2B5EF4-FFF2-40B4-BE49-F238E27FC236}">
-                  <a16:creationId xmlns:a16="http://schemas.microsoft.com/office/drawing/2014/main" id="{DC5A38D0-4F7B-45AF-A261-CE6A47A36E02}"/>
-                </a:ext>
-              </a:extLst>
-            </p:cNvPr>
-            <p:cNvSpPr txBox="1"/>
-            <p:nvPr/>
-          </p:nvSpPr>
-          <p:spPr>
-            <a:xfrm>
-              <a:off x="4563800" y="4901874"/>
-              <a:ext cx="644728" cy="461665"/>
-            </a:xfrm>
-            <a:prstGeom prst="rect">
-              <a:avLst/>
-            </a:prstGeom>
-            <a:noFill/>
-          </p:spPr>
-          <p:txBody>
-            <a:bodyPr wrap="none" rtlCol="0">
-              <a:spAutoFit/>
-            </a:bodyPr>
-            <a:lstStyle/>
-            <a:p>
-              <a:pPr marL="0" marR="0" lvl="0" indent="0" algn="l" defTabSz="914400" rtl="0" eaLnBrk="1" fontAlgn="auto" latinLnBrk="0" hangingPunct="1">
-                <a:lnSpc>
-                  <a:spcPct val="100000"/>
-                </a:lnSpc>
-                <a:spcBef>
-                  <a:spcPts val="0"/>
-                </a:spcBef>
-                <a:spcAft>
-                  <a:spcPts val="0"/>
-                </a:spcAft>
-                <a:buClrTx/>
-                <a:buSzTx/>
-                <a:buFontTx/>
-                <a:buNone/>
-                <a:tabLst/>
-                <a:defRPr/>
-              </a:pPr>
-              <a:r>
-                <a:rPr kumimoji="1" lang="en-US" altLang="ja-JP" sz="1200" b="0" i="0" u="none" strike="noStrike" kern="1200" cap="none" spc="0" normalizeH="0" baseline="0" noProof="0" dirty="0">
-                  <a:ln>
-                    <a:noFill/>
-                  </a:ln>
-                  <a:solidFill>
-                    <a:prstClr val="black"/>
-                  </a:solidFill>
-                  <a:effectLst/>
-                  <a:uLnTx/>
-                  <a:uFillTx/>
-                  <a:latin typeface="Calibri"/>
-                  <a:ea typeface="ＭＳ Ｐゴシック" panose="020B0600070205080204" pitchFamily="50" charset="-128"/>
-                  <a:cs typeface="+mn-cs"/>
-                </a:rPr>
-                <a:t>OSS </a:t>
-              </a:r>
-              <a:br>
-                <a:rPr kumimoji="1" lang="en-US" altLang="ja-JP" sz="1200" b="0" i="0" u="none" strike="noStrike" kern="1200" cap="none" spc="0" normalizeH="0" baseline="0" noProof="0" dirty="0">
-                  <a:ln>
-                    <a:noFill/>
-                  </a:ln>
-                  <a:solidFill>
-                    <a:prstClr val="black"/>
-                  </a:solidFill>
-                  <a:effectLst/>
-                  <a:uLnTx/>
-                  <a:uFillTx/>
-                  <a:latin typeface="Calibri"/>
-                  <a:ea typeface="ＭＳ Ｐゴシック" panose="020B0600070205080204" pitchFamily="50" charset="-128"/>
-                  <a:cs typeface="+mn-cs"/>
-                </a:rPr>
-              </a:br>
-              <a:r>
-                <a:rPr kumimoji="1" lang="en-US" altLang="ja-JP" sz="1200" dirty="0">
-                  <a:solidFill>
-                    <a:prstClr val="black"/>
-                  </a:solidFill>
-                  <a:latin typeface="Calibri"/>
-                  <a:ea typeface="ＭＳ Ｐゴシック" panose="020B0600070205080204" pitchFamily="50" charset="-128"/>
-                </a:rPr>
-                <a:t>License</a:t>
-              </a:r>
-              <a:endParaRPr kumimoji="1" lang="ja-JP" altLang="en-US" sz="1200" b="0" i="0" u="none" strike="noStrike" kern="1200" cap="none" spc="0" normalizeH="0" baseline="0" noProof="0" dirty="0">
+              </a:rPr>
+              <a:t>OSS </a:t>
+            </a:r>
+            <a:br>
+              <a:rPr kumimoji="1" lang="en-US" altLang="ja-JP" sz="1200" b="0" i="0" u="none" strike="noStrike" kern="1200" cap="none" spc="0" normalizeH="0" baseline="0" noProof="0" dirty="0">
                 <a:ln>
                   <a:noFill/>
                 </a:ln>
@@ -24742,93 +24703,82 @@
                 <a:latin typeface="Calibri"/>
                 <a:ea typeface="ＭＳ Ｐゴシック" panose="020B0600070205080204" pitchFamily="50" charset="-128"/>
                 <a:cs typeface="+mn-cs"/>
-              </a:endParaRPr>
-            </a:p>
-          </p:txBody>
-        </p:sp>
-        <p:sp>
-          <p:nvSpPr>
-            <p:cNvPr id="81" name="テキスト ボックス 80">
-              <a:extLst>
-                <a:ext uri="{FF2B5EF4-FFF2-40B4-BE49-F238E27FC236}">
-                  <a16:creationId xmlns:a16="http://schemas.microsoft.com/office/drawing/2014/main" id="{0ED29373-205A-40FE-BB9B-F803B32095BB}"/>
-                </a:ext>
-              </a:extLst>
-            </p:cNvPr>
-            <p:cNvSpPr txBox="1"/>
-            <p:nvPr/>
-          </p:nvSpPr>
-          <p:spPr>
-            <a:xfrm>
-              <a:off x="2954830" y="5075280"/>
-              <a:ext cx="923651" cy="276999"/>
-            </a:xfrm>
-            <a:prstGeom prst="rect">
-              <a:avLst/>
-            </a:prstGeom>
-            <a:noFill/>
-          </p:spPr>
-          <p:txBody>
-            <a:bodyPr wrap="none" rtlCol="0">
-              <a:spAutoFit/>
-            </a:bodyPr>
-            <a:lstStyle/>
-            <a:p>
-              <a:pPr marL="0" marR="0" lvl="0" indent="0" algn="l" defTabSz="914400" rtl="0" eaLnBrk="1" fontAlgn="auto" latinLnBrk="0" hangingPunct="1">
-                <a:lnSpc>
-                  <a:spcPct val="100000"/>
-                </a:lnSpc>
-                <a:spcBef>
-                  <a:spcPts val="0"/>
-                </a:spcBef>
-                <a:spcAft>
-                  <a:spcPts val="0"/>
-                </a:spcAft>
-                <a:buClrTx/>
-                <a:buSzTx/>
-                <a:buFontTx/>
-                <a:buNone/>
-                <a:tabLst/>
-                <a:defRPr/>
-              </a:pPr>
-              <a:r>
-                <a:rPr kumimoji="1" lang="en-US" altLang="ja-JP" sz="1200" b="0" i="0" u="none" strike="noStrike" kern="1200" cap="none" spc="0" normalizeH="0" baseline="0" noProof="0" dirty="0">
-                  <a:ln>
-                    <a:noFill/>
-                  </a:ln>
-                  <a:solidFill>
-                    <a:prstClr val="black"/>
-                  </a:solidFill>
-                  <a:effectLst/>
-                  <a:uLnTx/>
-                  <a:uFillTx/>
-                  <a:latin typeface="Calibri"/>
-                  <a:ea typeface="ＭＳ Ｐゴシック" panose="020B0600070205080204" pitchFamily="50" charset="-128"/>
-                  <a:cs typeface="+mn-cs"/>
-                </a:rPr>
-                <a:t>OSS</a:t>
-              </a:r>
-              <a:r>
-                <a:rPr kumimoji="1" lang="ja-JP" altLang="en-US" sz="1200" dirty="0">
-                  <a:solidFill>
-                    <a:prstClr val="black"/>
-                  </a:solidFill>
-                  <a:latin typeface="Calibri"/>
-                  <a:ea typeface="ＭＳ Ｐゴシック" panose="020B0600070205080204" pitchFamily="50" charset="-128"/>
-                </a:rPr>
-                <a:t> </a:t>
-              </a:r>
-              <a:r>
-                <a:rPr kumimoji="1" lang="en-US" altLang="ja-JP" sz="1200" dirty="0">
-                  <a:solidFill>
-                    <a:prstClr val="black"/>
-                  </a:solidFill>
-                  <a:latin typeface="Calibri"/>
-                  <a:ea typeface="ＭＳ Ｐゴシック" panose="020B0600070205080204" pitchFamily="50" charset="-128"/>
-                </a:rPr>
-                <a:t>License</a:t>
-              </a:r>
-              <a:endParaRPr kumimoji="1" lang="ja-JP" altLang="en-US" sz="1200" b="0" i="0" u="none" strike="noStrike" kern="1200" cap="none" spc="0" normalizeH="0" baseline="0" noProof="0" dirty="0">
+              </a:rPr>
+            </a:br>
+            <a:r>
+              <a:rPr kumimoji="1" lang="en-US" altLang="ja-JP" sz="1200" dirty="0">
+                <a:solidFill>
+                  <a:prstClr val="black"/>
+                </a:solidFill>
+                <a:latin typeface="Calibri"/>
+                <a:ea typeface="ＭＳ Ｐゴシック" panose="020B0600070205080204" pitchFamily="50" charset="-128"/>
+              </a:rPr>
+              <a:t>License</a:t>
+            </a:r>
+            <a:endParaRPr kumimoji="1" lang="ja-JP" altLang="en-US" sz="1200" b="0" i="0" u="none" strike="noStrike" kern="1200" cap="none" spc="0" normalizeH="0" baseline="0" noProof="0" dirty="0">
+              <a:ln>
+                <a:noFill/>
+              </a:ln>
+              <a:solidFill>
+                <a:prstClr val="black"/>
+              </a:solidFill>
+              <a:effectLst/>
+              <a:uLnTx/>
+              <a:uFillTx/>
+              <a:latin typeface="Calibri"/>
+              <a:ea typeface="ＭＳ Ｐゴシック" panose="020B0600070205080204" pitchFamily="50" charset="-128"/>
+              <a:cs typeface="+mn-cs"/>
+            </a:endParaRPr>
+          </a:p>
+        </p:txBody>
+      </p:sp>
+      <p:sp>
+        <p:nvSpPr>
+          <p:cNvPr id="81" name="テキスト ボックス 80">
+            <a:extLst>
+              <a:ext uri="{FF2B5EF4-FFF2-40B4-BE49-F238E27FC236}">
+                <a16:creationId xmlns:a16="http://schemas.microsoft.com/office/drawing/2014/main" id="{0ED29373-205A-40FE-BB9B-F803B32095BB}"/>
+              </a:ext>
+            </a:extLst>
+          </p:cNvPr>
+          <p:cNvSpPr txBox="1"/>
+          <p:nvPr/>
+        </p:nvSpPr>
+        <p:spPr>
+          <a:xfrm>
+            <a:off x="2954830" y="5075280"/>
+            <a:ext cx="923651" cy="276999"/>
+          </a:xfrm>
+          <a:prstGeom prst="rect">
+            <a:avLst/>
+          </a:prstGeom>
+          <a:noFill/>
+        </p:spPr>
+        <p:txBody>
+          <a:bodyPr wrap="none" rtlCol="0">
+            <a:spAutoFit/>
+          </a:bodyPr>
+          <a:lstStyle/>
+          <a:p>
+            <a:pPr marL="0" marR="0" lvl="0" indent="0" algn="l" defTabSz="914400" rtl="0" eaLnBrk="1" fontAlgn="auto" latinLnBrk="0" hangingPunct="1">
+              <a:lnSpc>
+                <a:spcPct val="100000"/>
+              </a:lnSpc>
+              <a:spcBef>
+                <a:spcPts val="0"/>
+              </a:spcBef>
+              <a:spcAft>
+                <a:spcPts val="0"/>
+              </a:spcAft>
+              <a:buClrTx/>
+              <a:buSzTx/>
+              <a:buFontTx/>
+              <a:buNone/>
+              <a:tabLst/>
+              <a:defRPr/>
+            </a:pPr>
+            <a:r>
+              <a:rPr kumimoji="1" lang="en-US" altLang="ja-JP" sz="1200" b="0" i="0" u="none" strike="noStrike" kern="1200" cap="none" spc="0" normalizeH="0" baseline="0" noProof="0" dirty="0">
                 <a:ln>
                   <a:noFill/>
                 </a:ln>
@@ -24841,85 +24791,205 @@
                 <a:latin typeface="Calibri"/>
                 <a:ea typeface="ＭＳ Ｐゴシック" panose="020B0600070205080204" pitchFamily="50" charset="-128"/>
                 <a:cs typeface="+mn-cs"/>
-              </a:endParaRPr>
-            </a:p>
-          </p:txBody>
-        </p:sp>
-        <p:sp>
-          <p:nvSpPr>
-            <p:cNvPr id="55" name="四角形: 角を丸くする 54">
-              <a:extLst>
-                <a:ext uri="{FF2B5EF4-FFF2-40B4-BE49-F238E27FC236}">
-                  <a16:creationId xmlns:a16="http://schemas.microsoft.com/office/drawing/2014/main" id="{C41AF5F0-D940-43D9-BF35-BA72A71DA105}"/>
-                </a:ext>
-              </a:extLst>
-            </p:cNvPr>
-            <p:cNvSpPr/>
-            <p:nvPr/>
-          </p:nvSpPr>
-          <p:spPr>
-            <a:xfrm>
-              <a:off x="7044270" y="2548346"/>
-              <a:ext cx="739140" cy="872417"/>
-            </a:xfrm>
-            <a:prstGeom prst="roundRect">
-              <a:avLst/>
-            </a:prstGeom>
-            <a:solidFill>
-              <a:srgbClr val="FFFF00"/>
-            </a:solidFill>
-            <a:ln>
-              <a:noFill/>
-            </a:ln>
-          </p:spPr>
-          <p:style>
-            <a:lnRef idx="2">
-              <a:schemeClr val="accent1">
-                <a:shade val="50000"/>
-              </a:schemeClr>
-            </a:lnRef>
-            <a:fillRef idx="1">
-              <a:schemeClr val="accent1"/>
-            </a:fillRef>
-            <a:effectRef idx="0">
-              <a:schemeClr val="accent1"/>
-            </a:effectRef>
-            <a:fontRef idx="minor">
-              <a:schemeClr val="lt1"/>
-            </a:fontRef>
-          </p:style>
-          <p:txBody>
-            <a:bodyPr rtlCol="0" anchor="ctr"/>
-            <a:lstStyle/>
-            <a:p>
-              <a:pPr marL="0" marR="0" lvl="0" indent="0" algn="ctr" defTabSz="914400" rtl="0" eaLnBrk="1" fontAlgn="auto" latinLnBrk="0" hangingPunct="1">
-                <a:lnSpc>
-                  <a:spcPct val="100000"/>
-                </a:lnSpc>
-                <a:spcBef>
-                  <a:spcPts val="0"/>
-                </a:spcBef>
-                <a:spcAft>
-                  <a:spcPts val="0"/>
-                </a:spcAft>
-                <a:buClrTx/>
-                <a:buSzTx/>
-                <a:buFontTx/>
-                <a:buNone/>
-                <a:tabLst/>
-                <a:defRPr/>
-              </a:pPr>
-              <a:r>
-                <a:rPr kumimoji="1" lang="en-US" altLang="ja-JP" sz="1200" dirty="0">
-                  <a:solidFill>
-                    <a:prstClr val="black"/>
-                  </a:solidFill>
-                  <a:latin typeface="Calibri"/>
-                  <a:ea typeface="ＭＳ Ｐゴシック" panose="020B0600070205080204" pitchFamily="50" charset="-128"/>
-                </a:rPr>
-                <a:t>Release</a:t>
-              </a:r>
-              <a:endParaRPr kumimoji="1" lang="ja-JP" altLang="en-US" sz="1400" b="0" i="0" u="none" strike="noStrike" kern="1200" cap="none" spc="0" normalizeH="0" baseline="0" noProof="0" dirty="0">
+              </a:rPr>
+              <a:t>OSS</a:t>
+            </a:r>
+            <a:r>
+              <a:rPr kumimoji="1" lang="ja-JP" altLang="en-US" sz="1200" dirty="0">
+                <a:solidFill>
+                  <a:prstClr val="black"/>
+                </a:solidFill>
+                <a:latin typeface="Calibri"/>
+                <a:ea typeface="ＭＳ Ｐゴシック" panose="020B0600070205080204" pitchFamily="50" charset="-128"/>
+              </a:rPr>
+              <a:t> </a:t>
+            </a:r>
+            <a:r>
+              <a:rPr kumimoji="1" lang="en-US" altLang="ja-JP" sz="1200" dirty="0">
+                <a:solidFill>
+                  <a:prstClr val="black"/>
+                </a:solidFill>
+                <a:latin typeface="Calibri"/>
+                <a:ea typeface="ＭＳ Ｐゴシック" panose="020B0600070205080204" pitchFamily="50" charset="-128"/>
+              </a:rPr>
+              <a:t>License</a:t>
+            </a:r>
+            <a:endParaRPr kumimoji="1" lang="ja-JP" altLang="en-US" sz="1200" b="0" i="0" u="none" strike="noStrike" kern="1200" cap="none" spc="0" normalizeH="0" baseline="0" noProof="0" dirty="0">
+              <a:ln>
+                <a:noFill/>
+              </a:ln>
+              <a:solidFill>
+                <a:prstClr val="black"/>
+              </a:solidFill>
+              <a:effectLst/>
+              <a:uLnTx/>
+              <a:uFillTx/>
+              <a:latin typeface="Calibri"/>
+              <a:ea typeface="ＭＳ Ｐゴシック" panose="020B0600070205080204" pitchFamily="50" charset="-128"/>
+              <a:cs typeface="+mn-cs"/>
+            </a:endParaRPr>
+          </a:p>
+        </p:txBody>
+      </p:sp>
+      <p:sp>
+        <p:nvSpPr>
+          <p:cNvPr id="55" name="四角形: 角を丸くする 54">
+            <a:extLst>
+              <a:ext uri="{FF2B5EF4-FFF2-40B4-BE49-F238E27FC236}">
+                <a16:creationId xmlns:a16="http://schemas.microsoft.com/office/drawing/2014/main" id="{C41AF5F0-D940-43D9-BF35-BA72A71DA105}"/>
+              </a:ext>
+            </a:extLst>
+          </p:cNvPr>
+          <p:cNvSpPr/>
+          <p:nvPr/>
+        </p:nvSpPr>
+        <p:spPr>
+          <a:xfrm>
+            <a:off x="7044270" y="2548346"/>
+            <a:ext cx="739140" cy="872417"/>
+          </a:xfrm>
+          <a:prstGeom prst="roundRect">
+            <a:avLst/>
+          </a:prstGeom>
+          <a:solidFill>
+            <a:srgbClr val="FFFF00"/>
+          </a:solidFill>
+          <a:ln>
+            <a:noFill/>
+          </a:ln>
+        </p:spPr>
+        <p:style>
+          <a:lnRef idx="2">
+            <a:schemeClr val="accent1">
+              <a:shade val="50000"/>
+            </a:schemeClr>
+          </a:lnRef>
+          <a:fillRef idx="1">
+            <a:schemeClr val="accent1"/>
+          </a:fillRef>
+          <a:effectRef idx="0">
+            <a:schemeClr val="accent1"/>
+          </a:effectRef>
+          <a:fontRef idx="minor">
+            <a:schemeClr val="lt1"/>
+          </a:fontRef>
+        </p:style>
+        <p:txBody>
+          <a:bodyPr rtlCol="0" anchor="ctr"/>
+          <a:lstStyle/>
+          <a:p>
+            <a:pPr marL="0" marR="0" lvl="0" indent="0" algn="ctr" defTabSz="914400" rtl="0" eaLnBrk="1" fontAlgn="auto" latinLnBrk="0" hangingPunct="1">
+              <a:lnSpc>
+                <a:spcPct val="100000"/>
+              </a:lnSpc>
+              <a:spcBef>
+                <a:spcPts val="0"/>
+              </a:spcBef>
+              <a:spcAft>
+                <a:spcPts val="0"/>
+              </a:spcAft>
+              <a:buClrTx/>
+              <a:buSzTx/>
+              <a:buFontTx/>
+              <a:buNone/>
+              <a:tabLst/>
+              <a:defRPr/>
+            </a:pPr>
+            <a:r>
+              <a:rPr kumimoji="1" lang="en-US" altLang="ja-JP" sz="1200" dirty="0">
+                <a:solidFill>
+                  <a:prstClr val="black"/>
+                </a:solidFill>
+                <a:latin typeface="Calibri"/>
+                <a:ea typeface="ＭＳ Ｐゴシック" panose="020B0600070205080204" pitchFamily="50" charset="-128"/>
+              </a:rPr>
+              <a:t>Release</a:t>
+            </a:r>
+            <a:endParaRPr kumimoji="1" lang="ja-JP" altLang="en-US" sz="1400" b="0" i="0" u="none" strike="noStrike" kern="1200" cap="none" spc="0" normalizeH="0" baseline="0" noProof="0" dirty="0">
+              <a:ln>
+                <a:noFill/>
+              </a:ln>
+              <a:solidFill>
+                <a:prstClr val="black"/>
+              </a:solidFill>
+              <a:effectLst/>
+              <a:uLnTx/>
+              <a:uFillTx/>
+              <a:latin typeface="Calibri"/>
+              <a:ea typeface="ＭＳ Ｐゴシック" panose="020B0600070205080204" pitchFamily="50" charset="-128"/>
+              <a:cs typeface="+mn-cs"/>
+            </a:endParaRPr>
+          </a:p>
+        </p:txBody>
+      </p:sp>
+      <p:sp>
+        <p:nvSpPr>
+          <p:cNvPr id="59" name="四角形: 角を丸くする 58">
+            <a:extLst>
+              <a:ext uri="{FF2B5EF4-FFF2-40B4-BE49-F238E27FC236}">
+                <a16:creationId xmlns:a16="http://schemas.microsoft.com/office/drawing/2014/main" id="{3DF67839-8CC9-444C-BA63-6CC611AFACAA}"/>
+              </a:ext>
+            </a:extLst>
+          </p:cNvPr>
+          <p:cNvSpPr/>
+          <p:nvPr/>
+        </p:nvSpPr>
+        <p:spPr>
+          <a:xfrm>
+            <a:off x="5862181" y="423960"/>
+            <a:ext cx="739140" cy="372291"/>
+          </a:xfrm>
+          <a:prstGeom prst="roundRect">
+            <a:avLst>
+              <a:gd name="adj" fmla="val 16667"/>
+            </a:avLst>
+          </a:prstGeom>
+          <a:solidFill>
+            <a:srgbClr val="FFFF00"/>
+          </a:solidFill>
+          <a:ln>
+            <a:noFill/>
+          </a:ln>
+        </p:spPr>
+        <p:style>
+          <a:lnRef idx="2">
+            <a:schemeClr val="accent1">
+              <a:shade val="50000"/>
+            </a:schemeClr>
+          </a:lnRef>
+          <a:fillRef idx="1">
+            <a:schemeClr val="accent1"/>
+          </a:fillRef>
+          <a:effectRef idx="0">
+            <a:schemeClr val="accent1"/>
+          </a:effectRef>
+          <a:fontRef idx="minor">
+            <a:schemeClr val="lt1"/>
+          </a:fontRef>
+        </p:style>
+        <p:txBody>
+          <a:bodyPr rtlCol="0" anchor="ctr"/>
+          <a:lstStyle/>
+          <a:p>
+            <a:pPr marL="0" marR="0" lvl="0" indent="0" algn="ctr" defTabSz="914400" rtl="0" eaLnBrk="1" fontAlgn="auto" latinLnBrk="0" hangingPunct="1">
+              <a:lnSpc>
+                <a:spcPct val="100000"/>
+              </a:lnSpc>
+              <a:spcBef>
+                <a:spcPts val="0"/>
+              </a:spcBef>
+              <a:spcAft>
+                <a:spcPts val="0"/>
+              </a:spcAft>
+              <a:buClrTx/>
+              <a:buSzTx/>
+              <a:buFontTx/>
+              <a:buNone/>
+              <a:tabLst/>
+              <a:defRPr/>
+            </a:pPr>
+            <a:r>
+              <a:rPr kumimoji="1" lang="en-US" altLang="ja-JP" sz="1600" b="0" i="0" u="none" strike="noStrike" kern="1200" cap="none" spc="0" normalizeH="0" baseline="0" noProof="0" dirty="0">
                 <a:ln>
                   <a:noFill/>
                 </a:ln>
@@ -24932,94 +25002,183 @@
                 <a:latin typeface="Calibri"/>
                 <a:ea typeface="ＭＳ Ｐゴシック" panose="020B0600070205080204" pitchFamily="50" charset="-128"/>
                 <a:cs typeface="+mn-cs"/>
-              </a:endParaRPr>
-            </a:p>
-          </p:txBody>
-        </p:sp>
-        <p:sp>
-          <p:nvSpPr>
-            <p:cNvPr id="59" name="四角形: 角を丸くする 58">
-              <a:extLst>
-                <a:ext uri="{FF2B5EF4-FFF2-40B4-BE49-F238E27FC236}">
-                  <a16:creationId xmlns:a16="http://schemas.microsoft.com/office/drawing/2014/main" id="{3DF67839-8CC9-444C-BA63-6CC611AFACAA}"/>
-                </a:ext>
-              </a:extLst>
-            </p:cNvPr>
-            <p:cNvSpPr/>
-            <p:nvPr/>
-          </p:nvSpPr>
-          <p:spPr>
-            <a:xfrm>
-              <a:off x="4836153" y="1512819"/>
-              <a:ext cx="739140" cy="372291"/>
-            </a:xfrm>
-            <a:prstGeom prst="roundRect">
-              <a:avLst>
-                <a:gd name="adj" fmla="val 16667"/>
-              </a:avLst>
-            </a:prstGeom>
-            <a:solidFill>
-              <a:srgbClr val="FFFF00"/>
-            </a:solidFill>
-            <a:ln>
-              <a:noFill/>
-            </a:ln>
-          </p:spPr>
-          <p:style>
-            <a:lnRef idx="2">
-              <a:schemeClr val="accent1">
-                <a:shade val="50000"/>
-              </a:schemeClr>
-            </a:lnRef>
-            <a:fillRef idx="1">
-              <a:schemeClr val="accent1"/>
-            </a:fillRef>
-            <a:effectRef idx="0">
-              <a:schemeClr val="accent1"/>
-            </a:effectRef>
-            <a:fontRef idx="minor">
-              <a:schemeClr val="lt1"/>
-            </a:fontRef>
-          </p:style>
-          <p:txBody>
-            <a:bodyPr rtlCol="0" anchor="ctr"/>
-            <a:lstStyle/>
-            <a:p>
-              <a:pPr marL="0" marR="0" lvl="0" indent="0" algn="ctr" defTabSz="914400" rtl="0" eaLnBrk="1" fontAlgn="auto" latinLnBrk="0" hangingPunct="1">
-                <a:lnSpc>
-                  <a:spcPct val="100000"/>
-                </a:lnSpc>
-                <a:spcBef>
-                  <a:spcPts val="0"/>
-                </a:spcBef>
-                <a:spcAft>
-                  <a:spcPts val="0"/>
-                </a:spcAft>
-                <a:buClrTx/>
-                <a:buSzTx/>
-                <a:buFontTx/>
-                <a:buNone/>
-                <a:tabLst/>
-                <a:defRPr/>
-              </a:pPr>
-              <a:r>
-                <a:rPr kumimoji="1" lang="en-US" altLang="ja-JP" sz="1600" b="0" i="0" u="none" strike="noStrike" kern="1200" cap="none" spc="0" normalizeH="0" baseline="0" noProof="0" dirty="0">
-                  <a:ln>
-                    <a:noFill/>
-                  </a:ln>
-                  <a:solidFill>
-                    <a:prstClr val="black"/>
-                  </a:solidFill>
-                  <a:effectLst/>
-                  <a:uLnTx/>
-                  <a:uFillTx/>
-                  <a:latin typeface="Calibri"/>
-                  <a:ea typeface="ＭＳ Ｐゴシック" panose="020B0600070205080204" pitchFamily="50" charset="-128"/>
-                  <a:cs typeface="+mn-cs"/>
-                </a:rPr>
-                <a:t>OSPO</a:t>
-              </a:r>
-              <a:endParaRPr kumimoji="1" lang="ja-JP" altLang="en-US" sz="1800" b="0" i="0" u="none" strike="noStrike" kern="1200" cap="none" spc="0" normalizeH="0" baseline="0" noProof="0" dirty="0">
+              </a:rPr>
+              <a:t>OSPO</a:t>
+            </a:r>
+            <a:endParaRPr kumimoji="1" lang="ja-JP" altLang="en-US" sz="1800" b="0" i="0" u="none" strike="noStrike" kern="1200" cap="none" spc="0" normalizeH="0" baseline="0" noProof="0" dirty="0">
+              <a:ln>
+                <a:noFill/>
+              </a:ln>
+              <a:solidFill>
+                <a:prstClr val="black"/>
+              </a:solidFill>
+              <a:effectLst/>
+              <a:uLnTx/>
+              <a:uFillTx/>
+              <a:latin typeface="Calibri"/>
+              <a:ea typeface="ＭＳ Ｐゴシック" panose="020B0600070205080204" pitchFamily="50" charset="-128"/>
+              <a:cs typeface="+mn-cs"/>
+            </a:endParaRPr>
+          </a:p>
+        </p:txBody>
+      </p:sp>
+      <p:sp>
+        <p:nvSpPr>
+          <p:cNvPr id="57" name="四角形: 角を丸くする 56">
+            <a:extLst>
+              <a:ext uri="{FF2B5EF4-FFF2-40B4-BE49-F238E27FC236}">
+                <a16:creationId xmlns:a16="http://schemas.microsoft.com/office/drawing/2014/main" id="{4D366C3B-1956-4221-AE18-48E731385CCC}"/>
+              </a:ext>
+            </a:extLst>
+          </p:cNvPr>
+          <p:cNvSpPr/>
+          <p:nvPr/>
+        </p:nvSpPr>
+        <p:spPr>
+          <a:xfrm>
+            <a:off x="3874124" y="3643213"/>
+            <a:ext cx="891872" cy="1046361"/>
+          </a:xfrm>
+          <a:prstGeom prst="roundRect">
+            <a:avLst/>
+          </a:prstGeom>
+          <a:solidFill>
+            <a:srgbClr val="FFFF00"/>
+          </a:solidFill>
+          <a:ln>
+            <a:noFill/>
+          </a:ln>
+        </p:spPr>
+        <p:style>
+          <a:lnRef idx="2">
+            <a:schemeClr val="accent1">
+              <a:shade val="50000"/>
+            </a:schemeClr>
+          </a:lnRef>
+          <a:fillRef idx="1">
+            <a:schemeClr val="accent1"/>
+          </a:fillRef>
+          <a:effectRef idx="0">
+            <a:schemeClr val="accent1"/>
+          </a:effectRef>
+          <a:fontRef idx="minor">
+            <a:schemeClr val="lt1"/>
+          </a:fontRef>
+        </p:style>
+        <p:txBody>
+          <a:bodyPr rtlCol="0" anchor="ctr"/>
+          <a:lstStyle/>
+          <a:p>
+            <a:pPr marL="0" marR="0" lvl="0" indent="0" algn="ctr" defTabSz="914400" rtl="0" eaLnBrk="1" fontAlgn="auto" latinLnBrk="0" hangingPunct="1">
+              <a:lnSpc>
+                <a:spcPct val="100000"/>
+              </a:lnSpc>
+              <a:spcBef>
+                <a:spcPts val="0"/>
+              </a:spcBef>
+              <a:spcAft>
+                <a:spcPts val="0"/>
+              </a:spcAft>
+              <a:buClrTx/>
+              <a:buSzTx/>
+              <a:buFontTx/>
+              <a:buNone/>
+              <a:tabLst/>
+              <a:defRPr/>
+            </a:pPr>
+            <a:r>
+              <a:rPr kumimoji="1" lang="en-US" altLang="ja-JP" sz="1400" dirty="0">
+                <a:solidFill>
+                  <a:prstClr val="black"/>
+                </a:solidFill>
+                <a:latin typeface="Calibri"/>
+                <a:ea typeface="ＭＳ Ｐゴシック" panose="020B0600070205080204" pitchFamily="50" charset="-128"/>
+              </a:rPr>
+              <a:t>Inbound</a:t>
+            </a:r>
+            <a:endParaRPr kumimoji="1" lang="en-US" altLang="ja-JP" sz="1400" b="0" i="0" u="none" strike="noStrike" kern="1200" cap="none" spc="0" normalizeH="0" baseline="0" noProof="0" dirty="0">
+              <a:ln>
+                <a:noFill/>
+              </a:ln>
+              <a:solidFill>
+                <a:prstClr val="black"/>
+              </a:solidFill>
+              <a:effectLst/>
+              <a:uLnTx/>
+              <a:uFillTx/>
+              <a:latin typeface="Calibri"/>
+              <a:ea typeface="ＭＳ Ｐゴシック" panose="020B0600070205080204" pitchFamily="50" charset="-128"/>
+              <a:cs typeface="+mn-cs"/>
+            </a:endParaRPr>
+          </a:p>
+        </p:txBody>
+      </p:sp>
+      <p:sp>
+        <p:nvSpPr>
+          <p:cNvPr id="63" name="四角形: 角を丸くする 62">
+            <a:extLst>
+              <a:ext uri="{FF2B5EF4-FFF2-40B4-BE49-F238E27FC236}">
+                <a16:creationId xmlns:a16="http://schemas.microsoft.com/office/drawing/2014/main" id="{C95BED48-E9D4-44D9-AC87-F6218A469675}"/>
+              </a:ext>
+            </a:extLst>
+          </p:cNvPr>
+          <p:cNvSpPr/>
+          <p:nvPr/>
+        </p:nvSpPr>
+        <p:spPr>
+          <a:xfrm>
+            <a:off x="5712671" y="858422"/>
+            <a:ext cx="1003870" cy="372291"/>
+          </a:xfrm>
+          <a:prstGeom prst="roundRect">
+            <a:avLst/>
+          </a:prstGeom>
+          <a:solidFill>
+            <a:srgbClr val="FFFF00"/>
+          </a:solidFill>
+          <a:ln>
+            <a:noFill/>
+          </a:ln>
+        </p:spPr>
+        <p:style>
+          <a:lnRef idx="2">
+            <a:schemeClr val="accent1">
+              <a:shade val="50000"/>
+            </a:schemeClr>
+          </a:lnRef>
+          <a:fillRef idx="1">
+            <a:schemeClr val="accent1"/>
+          </a:fillRef>
+          <a:effectRef idx="0">
+            <a:schemeClr val="accent1"/>
+          </a:effectRef>
+          <a:fontRef idx="minor">
+            <a:schemeClr val="lt1"/>
+          </a:fontRef>
+        </p:style>
+        <p:txBody>
+          <a:bodyPr rtlCol="0" anchor="ctr"/>
+          <a:lstStyle/>
+          <a:p>
+            <a:pPr marL="0" marR="0" lvl="0" indent="0" algn="ctr" defTabSz="914400" rtl="0" eaLnBrk="1" fontAlgn="auto" latinLnBrk="0" hangingPunct="1">
+              <a:lnSpc>
+                <a:spcPct val="100000"/>
+              </a:lnSpc>
+              <a:spcBef>
+                <a:spcPts val="0"/>
+              </a:spcBef>
+              <a:spcAft>
+                <a:spcPts val="0"/>
+              </a:spcAft>
+              <a:buClrTx/>
+              <a:buSzTx/>
+              <a:buFontTx/>
+              <a:buNone/>
+              <a:tabLst/>
+              <a:defRPr/>
+            </a:pPr>
+            <a:r>
+              <a:rPr kumimoji="1" lang="en-US" altLang="ja-JP" sz="1200" b="0" i="0" u="none" strike="noStrike" kern="1200" cap="none" spc="0" normalizeH="0" baseline="0" noProof="0" dirty="0">
                 <a:ln>
                   <a:noFill/>
                 </a:ln>
@@ -25032,85 +25191,11 @@
                 <a:latin typeface="Calibri"/>
                 <a:ea typeface="ＭＳ Ｐゴシック" panose="020B0600070205080204" pitchFamily="50" charset="-128"/>
                 <a:cs typeface="+mn-cs"/>
-              </a:endParaRPr>
-            </a:p>
-          </p:txBody>
-        </p:sp>
-        <p:sp>
-          <p:nvSpPr>
-            <p:cNvPr id="57" name="四角形: 角を丸くする 56">
-              <a:extLst>
-                <a:ext uri="{FF2B5EF4-FFF2-40B4-BE49-F238E27FC236}">
-                  <a16:creationId xmlns:a16="http://schemas.microsoft.com/office/drawing/2014/main" id="{4D366C3B-1956-4221-AE18-48E731385CCC}"/>
-                </a:ext>
-              </a:extLst>
-            </p:cNvPr>
-            <p:cNvSpPr/>
-            <p:nvPr/>
-          </p:nvSpPr>
-          <p:spPr>
-            <a:xfrm>
-              <a:off x="3893486" y="3690172"/>
-              <a:ext cx="891872" cy="680155"/>
-            </a:xfrm>
-            <a:prstGeom prst="roundRect">
-              <a:avLst/>
-            </a:prstGeom>
-            <a:solidFill>
-              <a:srgbClr val="FFFF00"/>
-            </a:solidFill>
-            <a:ln>
-              <a:noFill/>
-            </a:ln>
-          </p:spPr>
-          <p:style>
-            <a:lnRef idx="2">
-              <a:schemeClr val="accent1">
-                <a:shade val="50000"/>
-              </a:schemeClr>
-            </a:lnRef>
-            <a:fillRef idx="1">
-              <a:schemeClr val="accent1"/>
-            </a:fillRef>
-            <a:effectRef idx="0">
-              <a:schemeClr val="accent1"/>
-            </a:effectRef>
-            <a:fontRef idx="minor">
-              <a:schemeClr val="lt1"/>
-            </a:fontRef>
-          </p:style>
-          <p:txBody>
-            <a:bodyPr rtlCol="0" anchor="ctr"/>
-            <a:lstStyle/>
-            <a:p>
-              <a:pPr marL="0" marR="0" lvl="0" indent="0" algn="ctr" defTabSz="914400" rtl="0" eaLnBrk="1" fontAlgn="auto" latinLnBrk="0" hangingPunct="1">
-                <a:lnSpc>
-                  <a:spcPct val="100000"/>
-                </a:lnSpc>
-                <a:spcBef>
-                  <a:spcPts val="0"/>
-                </a:spcBef>
-                <a:spcAft>
-                  <a:spcPts val="0"/>
-                </a:spcAft>
-                <a:buClrTx/>
-                <a:buSzTx/>
-                <a:buFontTx/>
-                <a:buNone/>
-                <a:tabLst/>
-                <a:defRPr/>
-              </a:pPr>
-              <a:r>
-                <a:rPr kumimoji="1" lang="en-US" altLang="ja-JP" sz="1400" dirty="0">
-                  <a:solidFill>
-                    <a:prstClr val="black"/>
-                  </a:solidFill>
-                  <a:latin typeface="Calibri"/>
-                  <a:ea typeface="ＭＳ Ｐゴシック" panose="020B0600070205080204" pitchFamily="50" charset="-128"/>
-                </a:rPr>
-                <a:t>Inbound</a:t>
-              </a:r>
-              <a:endParaRPr kumimoji="1" lang="en-US" altLang="ja-JP" sz="1400" b="0" i="0" u="none" strike="noStrike" kern="1200" cap="none" spc="0" normalizeH="0" baseline="0" noProof="0" dirty="0">
+              </a:rPr>
+              <a:t>OSS</a:t>
+            </a:r>
+            <a:r>
+              <a:rPr kumimoji="1" lang="ja-JP" altLang="en-US" sz="1200" b="0" i="0" u="none" strike="noStrike" kern="1200" cap="none" spc="0" normalizeH="0" baseline="0" noProof="0" dirty="0">
                 <a:ln>
                   <a:noFill/>
                 </a:ln>
@@ -25123,300 +25208,11 @@
                 <a:latin typeface="Calibri"/>
                 <a:ea typeface="ＭＳ Ｐゴシック" panose="020B0600070205080204" pitchFamily="50" charset="-128"/>
                 <a:cs typeface="+mn-cs"/>
-              </a:endParaRPr>
-            </a:p>
-          </p:txBody>
-        </p:sp>
-        <p:sp>
-          <p:nvSpPr>
-            <p:cNvPr id="63" name="四角形: 角を丸くする 62">
-              <a:extLst>
-                <a:ext uri="{FF2B5EF4-FFF2-40B4-BE49-F238E27FC236}">
-                  <a16:creationId xmlns:a16="http://schemas.microsoft.com/office/drawing/2014/main" id="{C95BED48-E9D4-44D9-AC87-F6218A469675}"/>
-                </a:ext>
-              </a:extLst>
-            </p:cNvPr>
-            <p:cNvSpPr/>
-            <p:nvPr/>
-          </p:nvSpPr>
-          <p:spPr>
-            <a:xfrm>
-              <a:off x="3690929" y="1996839"/>
-              <a:ext cx="1003870" cy="372291"/>
-            </a:xfrm>
-            <a:prstGeom prst="roundRect">
-              <a:avLst/>
-            </a:prstGeom>
-            <a:solidFill>
-              <a:srgbClr val="FFFF00"/>
-            </a:solidFill>
-            <a:ln>
-              <a:noFill/>
-            </a:ln>
-          </p:spPr>
-          <p:style>
-            <a:lnRef idx="2">
-              <a:schemeClr val="accent1">
-                <a:shade val="50000"/>
-              </a:schemeClr>
-            </a:lnRef>
-            <a:fillRef idx="1">
-              <a:schemeClr val="accent1"/>
-            </a:fillRef>
-            <a:effectRef idx="0">
-              <a:schemeClr val="accent1"/>
-            </a:effectRef>
-            <a:fontRef idx="minor">
-              <a:schemeClr val="lt1"/>
-            </a:fontRef>
-          </p:style>
-          <p:txBody>
-            <a:bodyPr rtlCol="0" anchor="ctr"/>
-            <a:lstStyle/>
-            <a:p>
-              <a:pPr marL="0" marR="0" lvl="0" indent="0" algn="ctr" defTabSz="914400" rtl="0" eaLnBrk="1" fontAlgn="auto" latinLnBrk="0" hangingPunct="1">
-                <a:lnSpc>
-                  <a:spcPct val="100000"/>
-                </a:lnSpc>
-                <a:spcBef>
-                  <a:spcPts val="0"/>
-                </a:spcBef>
-                <a:spcAft>
-                  <a:spcPts val="0"/>
-                </a:spcAft>
-                <a:buClrTx/>
-                <a:buSzTx/>
-                <a:buFontTx/>
-                <a:buNone/>
-                <a:tabLst/>
-                <a:defRPr/>
-              </a:pPr>
-              <a:r>
-                <a:rPr kumimoji="1" lang="en-US" altLang="ja-JP" sz="1200" b="0" i="0" u="none" strike="noStrike" kern="1200" cap="none" spc="0" normalizeH="0" baseline="0" noProof="0" dirty="0">
-                  <a:ln>
-                    <a:noFill/>
-                  </a:ln>
-                  <a:solidFill>
-                    <a:prstClr val="black"/>
-                  </a:solidFill>
-                  <a:effectLst/>
-                  <a:uLnTx/>
-                  <a:uFillTx/>
-                  <a:latin typeface="Calibri"/>
-                  <a:ea typeface="ＭＳ Ｐゴシック" panose="020B0600070205080204" pitchFamily="50" charset="-128"/>
-                  <a:cs typeface="+mn-cs"/>
-                </a:rPr>
-                <a:t>OSS</a:t>
-              </a:r>
-              <a:r>
-                <a:rPr kumimoji="1" lang="ja-JP" altLang="en-US" sz="1200" b="0" i="0" u="none" strike="noStrike" kern="1200" cap="none" spc="0" normalizeH="0" baseline="0" noProof="0" dirty="0">
-                  <a:ln>
-                    <a:noFill/>
-                  </a:ln>
-                  <a:solidFill>
-                    <a:prstClr val="black"/>
-                  </a:solidFill>
-                  <a:effectLst/>
-                  <a:uLnTx/>
-                  <a:uFillTx/>
-                  <a:latin typeface="Calibri"/>
-                  <a:ea typeface="ＭＳ Ｐゴシック" panose="020B0600070205080204" pitchFamily="50" charset="-128"/>
-                  <a:cs typeface="+mn-cs"/>
-                </a:rPr>
-                <a:t> </a:t>
-              </a:r>
-              <a:r>
-                <a:rPr kumimoji="1" lang="en-US" altLang="ja-JP" sz="1200" b="0" i="0" u="none" strike="noStrike" kern="1200" cap="none" spc="0" normalizeH="0" baseline="0" noProof="0" dirty="0">
-                  <a:ln>
-                    <a:noFill/>
-                  </a:ln>
-                  <a:solidFill>
-                    <a:prstClr val="black"/>
-                  </a:solidFill>
-                  <a:effectLst/>
-                  <a:uLnTx/>
-                  <a:uFillTx/>
-                  <a:latin typeface="Calibri"/>
-                  <a:ea typeface="ＭＳ Ｐゴシック" panose="020B0600070205080204" pitchFamily="50" charset="-128"/>
-                  <a:cs typeface="+mn-cs"/>
-                </a:rPr>
-                <a:t>License</a:t>
-              </a:r>
-            </a:p>
-          </p:txBody>
-        </p:sp>
-        <p:sp>
-          <p:nvSpPr>
-            <p:cNvPr id="65" name="四角形: 角を丸くする 64">
-              <a:extLst>
-                <a:ext uri="{FF2B5EF4-FFF2-40B4-BE49-F238E27FC236}">
-                  <a16:creationId xmlns:a16="http://schemas.microsoft.com/office/drawing/2014/main" id="{8EB9B262-AFD4-4E7E-8236-F15BB3F0ED12}"/>
-                </a:ext>
-              </a:extLst>
-            </p:cNvPr>
-            <p:cNvSpPr/>
-            <p:nvPr/>
-          </p:nvSpPr>
-          <p:spPr>
-            <a:xfrm>
-              <a:off x="4030294" y="484868"/>
-              <a:ext cx="1220794" cy="372291"/>
-            </a:xfrm>
-            <a:prstGeom prst="roundRect">
-              <a:avLst/>
-            </a:prstGeom>
-            <a:solidFill>
-              <a:srgbClr val="FFFF00"/>
-            </a:solidFill>
-            <a:ln>
-              <a:noFill/>
-            </a:ln>
-          </p:spPr>
-          <p:style>
-            <a:lnRef idx="2">
-              <a:schemeClr val="accent1">
-                <a:shade val="50000"/>
-              </a:schemeClr>
-            </a:lnRef>
-            <a:fillRef idx="1">
-              <a:schemeClr val="accent1"/>
-            </a:fillRef>
-            <a:effectRef idx="0">
-              <a:schemeClr val="accent1"/>
-            </a:effectRef>
-            <a:fontRef idx="minor">
-              <a:schemeClr val="lt1"/>
-            </a:fontRef>
-          </p:style>
-          <p:txBody>
-            <a:bodyPr rtlCol="0" anchor="ctr"/>
-            <a:lstStyle/>
-            <a:p>
-              <a:pPr marL="0" marR="0" lvl="0" indent="0" algn="ctr" defTabSz="914400" rtl="0" eaLnBrk="1" fontAlgn="auto" latinLnBrk="0" hangingPunct="1">
-                <a:lnSpc>
-                  <a:spcPct val="100000"/>
-                </a:lnSpc>
-                <a:spcBef>
-                  <a:spcPts val="0"/>
-                </a:spcBef>
-                <a:spcAft>
-                  <a:spcPts val="0"/>
-                </a:spcAft>
-                <a:buClrTx/>
-                <a:buSzTx/>
-                <a:buFontTx/>
-                <a:buNone/>
-                <a:tabLst/>
-                <a:defRPr/>
-              </a:pPr>
-              <a:r>
-                <a:rPr kumimoji="1" lang="en-US" altLang="ja-JP" sz="1400" dirty="0">
-                  <a:solidFill>
-                    <a:prstClr val="black"/>
-                  </a:solidFill>
-                  <a:latin typeface="Calibri"/>
-                  <a:ea typeface="ＭＳ Ｐゴシック" panose="020B0600070205080204" pitchFamily="50" charset="-128"/>
-                </a:rPr>
-                <a:t>Management</a:t>
-              </a:r>
-            </a:p>
-          </p:txBody>
-        </p:sp>
-        <p:sp>
-          <p:nvSpPr>
-            <p:cNvPr id="67" name="四角形: 角を丸くする 66">
-              <a:extLst>
-                <a:ext uri="{FF2B5EF4-FFF2-40B4-BE49-F238E27FC236}">
-                  <a16:creationId xmlns:a16="http://schemas.microsoft.com/office/drawing/2014/main" id="{7EA2D299-01F6-4EE7-80C7-ACB576CF76B1}"/>
-                </a:ext>
-              </a:extLst>
-            </p:cNvPr>
-            <p:cNvSpPr/>
-            <p:nvPr/>
-          </p:nvSpPr>
-          <p:spPr>
-            <a:xfrm>
-              <a:off x="5302147" y="5075280"/>
-              <a:ext cx="1055956" cy="372291"/>
-            </a:xfrm>
-            <a:prstGeom prst="roundRect">
-              <a:avLst/>
-            </a:prstGeom>
-            <a:solidFill>
-              <a:srgbClr val="FFFF00"/>
-            </a:solidFill>
-            <a:ln>
-              <a:noFill/>
-            </a:ln>
-          </p:spPr>
-          <p:style>
-            <a:lnRef idx="2">
-              <a:schemeClr val="accent1">
-                <a:shade val="50000"/>
-              </a:schemeClr>
-            </a:lnRef>
-            <a:fillRef idx="1">
-              <a:schemeClr val="accent1"/>
-            </a:fillRef>
-            <a:effectRef idx="0">
-              <a:schemeClr val="accent1"/>
-            </a:effectRef>
-            <a:fontRef idx="minor">
-              <a:schemeClr val="lt1"/>
-            </a:fontRef>
-          </p:style>
-          <p:txBody>
-            <a:bodyPr rtlCol="0" anchor="ctr"/>
-            <a:lstStyle/>
-            <a:p>
-              <a:pPr marL="0" marR="0" lvl="0" indent="0" algn="ctr" defTabSz="914400" rtl="0" eaLnBrk="1" fontAlgn="auto" latinLnBrk="0" hangingPunct="1">
-                <a:lnSpc>
-                  <a:spcPct val="100000"/>
-                </a:lnSpc>
-                <a:spcBef>
-                  <a:spcPts val="0"/>
-                </a:spcBef>
-                <a:spcAft>
-                  <a:spcPts val="0"/>
-                </a:spcAft>
-                <a:buClrTx/>
-                <a:buSzTx/>
-                <a:buFontTx/>
-                <a:buNone/>
-                <a:tabLst/>
-                <a:defRPr/>
-              </a:pPr>
-              <a:r>
-                <a:rPr kumimoji="1" lang="en-US" altLang="ja-JP" sz="1100" dirty="0">
-                  <a:solidFill>
-                    <a:prstClr val="black"/>
-                  </a:solidFill>
-                  <a:latin typeface="Calibri"/>
-                  <a:ea typeface="ＭＳ Ｐゴシック" panose="020B0600070205080204" pitchFamily="50" charset="-128"/>
-                </a:rPr>
-                <a:t>Community</a:t>
-              </a:r>
-              <a:r>
-                <a:rPr kumimoji="1" lang="ja-JP" altLang="en-US" sz="1100" dirty="0">
-                  <a:solidFill>
-                    <a:prstClr val="black"/>
-                  </a:solidFill>
-                  <a:latin typeface="Calibri"/>
-                  <a:ea typeface="ＭＳ Ｐゴシック" panose="020B0600070205080204" pitchFamily="50" charset="-128"/>
-                </a:rPr>
-                <a:t> </a:t>
-              </a:r>
-              <a:r>
-                <a:rPr kumimoji="1" lang="en-US" altLang="ja-JP" sz="1100" dirty="0">
-                  <a:solidFill>
-                    <a:prstClr val="black"/>
-                  </a:solidFill>
-                  <a:latin typeface="Calibri"/>
-                  <a:ea typeface="ＭＳ Ｐゴシック" panose="020B0600070205080204" pitchFamily="50" charset="-128"/>
-                </a:rPr>
-                <a:t>Liaison</a:t>
-              </a:r>
-              <a:endParaRPr kumimoji="1" lang="ja-JP" altLang="en-US" sz="1100" b="0" i="0" u="none" strike="noStrike" kern="1200" cap="none" spc="0" normalizeH="0" baseline="0" noProof="0" dirty="0">
+              </a:rPr>
+              <a:t> </a:t>
+            </a:r>
+            <a:r>
+              <a:rPr kumimoji="1" lang="en-US" altLang="ja-JP" sz="1200" b="0" i="0" u="none" strike="noStrike" kern="1200" cap="none" spc="0" normalizeH="0" baseline="0" noProof="0" dirty="0">
                 <a:ln>
                   <a:noFill/>
                 </a:ln>
@@ -25429,95 +25225,640 @@
                 <a:latin typeface="Calibri"/>
                 <a:ea typeface="ＭＳ Ｐゴシック" panose="020B0600070205080204" pitchFamily="50" charset="-128"/>
                 <a:cs typeface="+mn-cs"/>
-              </a:endParaRPr>
-            </a:p>
-          </p:txBody>
-        </p:sp>
-        <p:sp>
-          <p:nvSpPr>
-            <p:cNvPr id="68" name="四角形: 角を丸くする 67">
-              <a:extLst>
-                <a:ext uri="{FF2B5EF4-FFF2-40B4-BE49-F238E27FC236}">
-                  <a16:creationId xmlns:a16="http://schemas.microsoft.com/office/drawing/2014/main" id="{4DBA374D-4E39-4DCE-9553-510B87A65F96}"/>
-                </a:ext>
-              </a:extLst>
-            </p:cNvPr>
-            <p:cNvSpPr/>
-            <p:nvPr/>
-          </p:nvSpPr>
-          <p:spPr>
-            <a:xfrm>
-              <a:off x="6552136" y="1510743"/>
-              <a:ext cx="825699" cy="372291"/>
-            </a:xfrm>
-            <a:prstGeom prst="roundRect">
-              <a:avLst/>
-            </a:prstGeom>
-            <a:solidFill>
-              <a:srgbClr val="FFFF00"/>
-            </a:solidFill>
-            <a:ln>
-              <a:noFill/>
-            </a:ln>
-          </p:spPr>
-          <p:style>
-            <a:lnRef idx="2">
-              <a:schemeClr val="accent1">
-                <a:shade val="50000"/>
-              </a:schemeClr>
-            </a:lnRef>
-            <a:fillRef idx="1">
-              <a:schemeClr val="accent1"/>
-            </a:fillRef>
-            <a:effectRef idx="0">
-              <a:schemeClr val="accent1"/>
-            </a:effectRef>
-            <a:fontRef idx="minor">
-              <a:schemeClr val="lt1"/>
-            </a:fontRef>
-          </p:style>
-          <p:txBody>
-            <a:bodyPr rtlCol="0" anchor="ctr"/>
-            <a:lstStyle/>
-            <a:p>
-              <a:pPr marL="0" marR="0" lvl="0" indent="0" algn="ctr" defTabSz="914400" rtl="0" eaLnBrk="1" fontAlgn="auto" latinLnBrk="0" hangingPunct="1">
-                <a:lnSpc>
-                  <a:spcPct val="100000"/>
-                </a:lnSpc>
-                <a:spcBef>
-                  <a:spcPts val="0"/>
-                </a:spcBef>
-                <a:spcAft>
-                  <a:spcPts val="0"/>
-                </a:spcAft>
-                <a:buClrTx/>
-                <a:buSzTx/>
-                <a:buFontTx/>
-                <a:buNone/>
-                <a:tabLst/>
-                <a:defRPr/>
-              </a:pPr>
-              <a:r>
-                <a:rPr kumimoji="1" lang="en-US" altLang="ja-JP" sz="1400" dirty="0" err="1">
-                  <a:solidFill>
-                    <a:prstClr val="black"/>
-                  </a:solidFill>
-                  <a:latin typeface="Calibri"/>
-                  <a:ea typeface="ＭＳ Ｐゴシック" panose="020B0600070205080204" pitchFamily="50" charset="-128"/>
-                </a:rPr>
-                <a:t>Enginee</a:t>
-              </a:r>
-              <a:r>
-                <a:rPr kumimoji="1" lang="en-US" altLang="ja-JP" sz="1400" dirty="0">
-                  <a:solidFill>
-                    <a:prstClr val="black"/>
-                  </a:solidFill>
-                  <a:latin typeface="Calibri"/>
-                  <a:ea typeface="ＭＳ Ｐゴシック" panose="020B0600070205080204" pitchFamily="50" charset="-128"/>
-                </a:rPr>
-                <a:t>-ring</a:t>
-              </a:r>
-              <a:endParaRPr kumimoji="1" lang="ja-JP" altLang="en-US" sz="1400" b="0" i="0" u="none" strike="noStrike" kern="1200" cap="none" spc="0" normalizeH="0" baseline="0" noProof="0" dirty="0">
+              </a:rPr>
+              <a:t>License</a:t>
+            </a:r>
+          </a:p>
+        </p:txBody>
+      </p:sp>
+      <p:sp>
+        <p:nvSpPr>
+          <p:cNvPr id="65" name="四角形: 角を丸くする 64">
+            <a:extLst>
+              <a:ext uri="{FF2B5EF4-FFF2-40B4-BE49-F238E27FC236}">
+                <a16:creationId xmlns:a16="http://schemas.microsoft.com/office/drawing/2014/main" id="{8EB9B262-AFD4-4E7E-8236-F15BB3F0ED12}"/>
+              </a:ext>
+            </a:extLst>
+          </p:cNvPr>
+          <p:cNvSpPr/>
+          <p:nvPr/>
+        </p:nvSpPr>
+        <p:spPr>
+          <a:xfrm>
+            <a:off x="6716541" y="421412"/>
+            <a:ext cx="1220794" cy="372291"/>
+          </a:xfrm>
+          <a:prstGeom prst="roundRect">
+            <a:avLst/>
+          </a:prstGeom>
+          <a:solidFill>
+            <a:srgbClr val="FFFF00"/>
+          </a:solidFill>
+          <a:ln>
+            <a:noFill/>
+          </a:ln>
+        </p:spPr>
+        <p:style>
+          <a:lnRef idx="2">
+            <a:schemeClr val="accent1">
+              <a:shade val="50000"/>
+            </a:schemeClr>
+          </a:lnRef>
+          <a:fillRef idx="1">
+            <a:schemeClr val="accent1"/>
+          </a:fillRef>
+          <a:effectRef idx="0">
+            <a:schemeClr val="accent1"/>
+          </a:effectRef>
+          <a:fontRef idx="minor">
+            <a:schemeClr val="lt1"/>
+          </a:fontRef>
+        </p:style>
+        <p:txBody>
+          <a:bodyPr rtlCol="0" anchor="ctr"/>
+          <a:lstStyle/>
+          <a:p>
+            <a:pPr marL="0" marR="0" lvl="0" indent="0" algn="ctr" defTabSz="914400" rtl="0" eaLnBrk="1" fontAlgn="auto" latinLnBrk="0" hangingPunct="1">
+              <a:lnSpc>
+                <a:spcPct val="100000"/>
+              </a:lnSpc>
+              <a:spcBef>
+                <a:spcPts val="0"/>
+              </a:spcBef>
+              <a:spcAft>
+                <a:spcPts val="0"/>
+              </a:spcAft>
+              <a:buClrTx/>
+              <a:buSzTx/>
+              <a:buFontTx/>
+              <a:buNone/>
+              <a:tabLst/>
+              <a:defRPr/>
+            </a:pPr>
+            <a:r>
+              <a:rPr kumimoji="1" lang="en-US" altLang="ja-JP" sz="1400" dirty="0">
+                <a:solidFill>
+                  <a:prstClr val="black"/>
+                </a:solidFill>
+                <a:latin typeface="Calibri"/>
+                <a:ea typeface="ＭＳ Ｐゴシック" panose="020B0600070205080204" pitchFamily="50" charset="-128"/>
+              </a:rPr>
+              <a:t>Management</a:t>
+            </a:r>
+          </a:p>
+        </p:txBody>
+      </p:sp>
+      <p:sp>
+        <p:nvSpPr>
+          <p:cNvPr id="67" name="四角形: 角を丸くする 66">
+            <a:extLst>
+              <a:ext uri="{FF2B5EF4-FFF2-40B4-BE49-F238E27FC236}">
+                <a16:creationId xmlns:a16="http://schemas.microsoft.com/office/drawing/2014/main" id="{7EA2D299-01F6-4EE7-80C7-ACB576CF76B1}"/>
+              </a:ext>
+            </a:extLst>
+          </p:cNvPr>
+          <p:cNvSpPr/>
+          <p:nvPr/>
+        </p:nvSpPr>
+        <p:spPr>
+          <a:xfrm>
+            <a:off x="5302147" y="5075280"/>
+            <a:ext cx="1055956" cy="372291"/>
+          </a:xfrm>
+          <a:prstGeom prst="roundRect">
+            <a:avLst/>
+          </a:prstGeom>
+          <a:solidFill>
+            <a:srgbClr val="FFFF00"/>
+          </a:solidFill>
+          <a:ln>
+            <a:noFill/>
+          </a:ln>
+        </p:spPr>
+        <p:style>
+          <a:lnRef idx="2">
+            <a:schemeClr val="accent1">
+              <a:shade val="50000"/>
+            </a:schemeClr>
+          </a:lnRef>
+          <a:fillRef idx="1">
+            <a:schemeClr val="accent1"/>
+          </a:fillRef>
+          <a:effectRef idx="0">
+            <a:schemeClr val="accent1"/>
+          </a:effectRef>
+          <a:fontRef idx="minor">
+            <a:schemeClr val="lt1"/>
+          </a:fontRef>
+        </p:style>
+        <p:txBody>
+          <a:bodyPr rtlCol="0" anchor="ctr"/>
+          <a:lstStyle/>
+          <a:p>
+            <a:pPr marL="0" marR="0" lvl="0" indent="0" algn="ctr" defTabSz="914400" rtl="0" eaLnBrk="1" fontAlgn="auto" latinLnBrk="0" hangingPunct="1">
+              <a:lnSpc>
+                <a:spcPct val="100000"/>
+              </a:lnSpc>
+              <a:spcBef>
+                <a:spcPts val="0"/>
+              </a:spcBef>
+              <a:spcAft>
+                <a:spcPts val="0"/>
+              </a:spcAft>
+              <a:buClrTx/>
+              <a:buSzTx/>
+              <a:buFontTx/>
+              <a:buNone/>
+              <a:tabLst/>
+              <a:defRPr/>
+            </a:pPr>
+            <a:r>
+              <a:rPr kumimoji="1" lang="en-US" altLang="ja-JP" sz="1100" dirty="0">
+                <a:solidFill>
+                  <a:prstClr val="black"/>
+                </a:solidFill>
+                <a:latin typeface="Calibri"/>
+                <a:ea typeface="ＭＳ Ｐゴシック" panose="020B0600070205080204" pitchFamily="50" charset="-128"/>
+              </a:rPr>
+              <a:t>Community</a:t>
+            </a:r>
+            <a:r>
+              <a:rPr kumimoji="1" lang="ja-JP" altLang="en-US" sz="1100" dirty="0">
+                <a:solidFill>
+                  <a:prstClr val="black"/>
+                </a:solidFill>
+                <a:latin typeface="Calibri"/>
+                <a:ea typeface="ＭＳ Ｐゴシック" panose="020B0600070205080204" pitchFamily="50" charset="-128"/>
+              </a:rPr>
+              <a:t> </a:t>
+            </a:r>
+            <a:r>
+              <a:rPr kumimoji="1" lang="en-US" altLang="ja-JP" sz="1100" dirty="0">
+                <a:solidFill>
+                  <a:prstClr val="black"/>
+                </a:solidFill>
+                <a:latin typeface="Calibri"/>
+                <a:ea typeface="ＭＳ Ｐゴシック" panose="020B0600070205080204" pitchFamily="50" charset="-128"/>
+              </a:rPr>
+              <a:t>Liaison</a:t>
+            </a:r>
+            <a:endParaRPr kumimoji="1" lang="ja-JP" altLang="en-US" sz="1100" b="0" i="0" u="none" strike="noStrike" kern="1200" cap="none" spc="0" normalizeH="0" baseline="0" noProof="0" dirty="0">
+              <a:ln>
+                <a:noFill/>
+              </a:ln>
+              <a:solidFill>
+                <a:prstClr val="black"/>
+              </a:solidFill>
+              <a:effectLst/>
+              <a:uLnTx/>
+              <a:uFillTx/>
+              <a:latin typeface="Calibri"/>
+              <a:ea typeface="ＭＳ Ｐゴシック" panose="020B0600070205080204" pitchFamily="50" charset="-128"/>
+              <a:cs typeface="+mn-cs"/>
+            </a:endParaRPr>
+          </a:p>
+        </p:txBody>
+      </p:sp>
+      <p:sp>
+        <p:nvSpPr>
+          <p:cNvPr id="68" name="四角形: 角を丸くする 67">
+            <a:extLst>
+              <a:ext uri="{FF2B5EF4-FFF2-40B4-BE49-F238E27FC236}">
+                <a16:creationId xmlns:a16="http://schemas.microsoft.com/office/drawing/2014/main" id="{4DBA374D-4E39-4DCE-9553-510B87A65F96}"/>
+              </a:ext>
+            </a:extLst>
+          </p:cNvPr>
+          <p:cNvSpPr/>
+          <p:nvPr/>
+        </p:nvSpPr>
+        <p:spPr>
+          <a:xfrm>
+            <a:off x="3687287" y="1729932"/>
+            <a:ext cx="4408872" cy="247902"/>
+          </a:xfrm>
+          <a:prstGeom prst="roundRect">
+            <a:avLst/>
+          </a:prstGeom>
+          <a:solidFill>
+            <a:srgbClr val="FFFF00"/>
+          </a:solidFill>
+          <a:ln>
+            <a:noFill/>
+          </a:ln>
+        </p:spPr>
+        <p:style>
+          <a:lnRef idx="2">
+            <a:schemeClr val="accent1">
+              <a:shade val="50000"/>
+            </a:schemeClr>
+          </a:lnRef>
+          <a:fillRef idx="1">
+            <a:schemeClr val="accent1"/>
+          </a:fillRef>
+          <a:effectRef idx="0">
+            <a:schemeClr val="accent1"/>
+          </a:effectRef>
+          <a:fontRef idx="minor">
+            <a:schemeClr val="lt1"/>
+          </a:fontRef>
+        </p:style>
+        <p:txBody>
+          <a:bodyPr rtlCol="0" anchor="ctr"/>
+          <a:lstStyle/>
+          <a:p>
+            <a:pPr marL="0" marR="0" lvl="0" indent="0" algn="ctr" defTabSz="914400" rtl="0" eaLnBrk="1" fontAlgn="auto" latinLnBrk="0" hangingPunct="1">
+              <a:lnSpc>
+                <a:spcPct val="100000"/>
+              </a:lnSpc>
+              <a:spcBef>
+                <a:spcPts val="0"/>
+              </a:spcBef>
+              <a:spcAft>
+                <a:spcPts val="0"/>
+              </a:spcAft>
+              <a:buClrTx/>
+              <a:buSzTx/>
+              <a:buFontTx/>
+              <a:buNone/>
+              <a:tabLst/>
+              <a:defRPr/>
+            </a:pPr>
+            <a:r>
+              <a:rPr kumimoji="1" lang="en-US" altLang="ja-JP" sz="1400" dirty="0">
+                <a:solidFill>
+                  <a:prstClr val="black"/>
+                </a:solidFill>
+                <a:latin typeface="Calibri"/>
+                <a:ea typeface="ＭＳ Ｐゴシック" panose="020B0600070205080204" pitchFamily="50" charset="-128"/>
+              </a:rPr>
+              <a:t>Engineering</a:t>
+            </a:r>
+            <a:endParaRPr kumimoji="1" lang="ja-JP" altLang="en-US" sz="1400" b="0" i="0" u="none" strike="noStrike" kern="1200" cap="none" spc="0" normalizeH="0" baseline="0" noProof="0" dirty="0">
+              <a:ln>
+                <a:noFill/>
+              </a:ln>
+              <a:solidFill>
+                <a:prstClr val="black"/>
+              </a:solidFill>
+              <a:effectLst/>
+              <a:uLnTx/>
+              <a:uFillTx/>
+              <a:latin typeface="Calibri"/>
+              <a:ea typeface="ＭＳ Ｐゴシック" panose="020B0600070205080204" pitchFamily="50" charset="-128"/>
+              <a:cs typeface="+mn-cs"/>
+            </a:endParaRPr>
+          </a:p>
+        </p:txBody>
+      </p:sp>
+      <p:sp>
+        <p:nvSpPr>
+          <p:cNvPr id="69" name="四角形: 角を丸くする 68">
+            <a:extLst>
+              <a:ext uri="{FF2B5EF4-FFF2-40B4-BE49-F238E27FC236}">
+                <a16:creationId xmlns:a16="http://schemas.microsoft.com/office/drawing/2014/main" id="{66FD5A74-491E-4F0A-806B-3C2DCCB78CB2}"/>
+              </a:ext>
+            </a:extLst>
+          </p:cNvPr>
+          <p:cNvSpPr/>
+          <p:nvPr/>
+        </p:nvSpPr>
+        <p:spPr>
+          <a:xfrm>
+            <a:off x="6785278" y="863441"/>
+            <a:ext cx="1152057" cy="372291"/>
+          </a:xfrm>
+          <a:prstGeom prst="roundRect">
+            <a:avLst/>
+          </a:prstGeom>
+          <a:solidFill>
+            <a:srgbClr val="FFFF00"/>
+          </a:solidFill>
+          <a:ln>
+            <a:noFill/>
+          </a:ln>
+        </p:spPr>
+        <p:style>
+          <a:lnRef idx="2">
+            <a:schemeClr val="accent1">
+              <a:shade val="50000"/>
+            </a:schemeClr>
+          </a:lnRef>
+          <a:fillRef idx="1">
+            <a:schemeClr val="accent1"/>
+          </a:fillRef>
+          <a:effectRef idx="0">
+            <a:schemeClr val="accent1"/>
+          </a:effectRef>
+          <a:fontRef idx="minor">
+            <a:schemeClr val="lt1"/>
+          </a:fontRef>
+        </p:style>
+        <p:txBody>
+          <a:bodyPr rtlCol="0" anchor="ctr"/>
+          <a:lstStyle/>
+          <a:p>
+            <a:pPr marL="0" marR="0" lvl="0" indent="0" algn="ctr" defTabSz="914400" rtl="0" eaLnBrk="1" fontAlgn="auto" latinLnBrk="0" hangingPunct="1">
+              <a:lnSpc>
+                <a:spcPct val="100000"/>
+              </a:lnSpc>
+              <a:spcBef>
+                <a:spcPts val="0"/>
+              </a:spcBef>
+              <a:spcAft>
+                <a:spcPts val="0"/>
+              </a:spcAft>
+              <a:buClrTx/>
+              <a:buSzTx/>
+              <a:buFontTx/>
+              <a:buNone/>
+              <a:tabLst/>
+              <a:defRPr/>
+            </a:pPr>
+            <a:r>
+              <a:rPr kumimoji="1" lang="en-US" altLang="ja-JP" sz="1400" dirty="0">
+                <a:solidFill>
+                  <a:prstClr val="black"/>
+                </a:solidFill>
+                <a:latin typeface="Calibri"/>
+                <a:ea typeface="ＭＳ Ｐゴシック" panose="020B0600070205080204" pitchFamily="50" charset="-128"/>
+              </a:rPr>
+              <a:t>Education</a:t>
+            </a:r>
+            <a:endParaRPr kumimoji="1" lang="ja-JP" altLang="en-US" sz="1400" b="0" i="0" u="none" strike="noStrike" kern="1200" cap="none" spc="0" normalizeH="0" baseline="0" noProof="0" dirty="0">
+              <a:ln>
+                <a:noFill/>
+              </a:ln>
+              <a:solidFill>
+                <a:prstClr val="black"/>
+              </a:solidFill>
+              <a:effectLst/>
+              <a:uLnTx/>
+              <a:uFillTx/>
+              <a:latin typeface="Calibri"/>
+              <a:ea typeface="ＭＳ Ｐゴシック" panose="020B0600070205080204" pitchFamily="50" charset="-128"/>
+              <a:cs typeface="+mn-cs"/>
+            </a:endParaRPr>
+          </a:p>
+        </p:txBody>
+      </p:sp>
+      <p:sp>
+        <p:nvSpPr>
+          <p:cNvPr id="71" name="四角形: 角を丸くする 70">
+            <a:extLst>
+              <a:ext uri="{FF2B5EF4-FFF2-40B4-BE49-F238E27FC236}">
+                <a16:creationId xmlns:a16="http://schemas.microsoft.com/office/drawing/2014/main" id="{CCF148FC-5627-4720-BAFA-4F7565168BB7}"/>
+              </a:ext>
+            </a:extLst>
+          </p:cNvPr>
+          <p:cNvSpPr/>
+          <p:nvPr/>
+        </p:nvSpPr>
+        <p:spPr>
+          <a:xfrm>
+            <a:off x="3679040" y="2007776"/>
+            <a:ext cx="1108650" cy="424643"/>
+          </a:xfrm>
+          <a:prstGeom prst="roundRect">
+            <a:avLst/>
+          </a:prstGeom>
+          <a:solidFill>
+            <a:srgbClr val="FFFF00"/>
+          </a:solidFill>
+          <a:ln>
+            <a:noFill/>
+          </a:ln>
+        </p:spPr>
+        <p:style>
+          <a:lnRef idx="2">
+            <a:schemeClr val="accent1">
+              <a:shade val="50000"/>
+            </a:schemeClr>
+          </a:lnRef>
+          <a:fillRef idx="1">
+            <a:schemeClr val="accent1"/>
+          </a:fillRef>
+          <a:effectRef idx="0">
+            <a:schemeClr val="accent1"/>
+          </a:effectRef>
+          <a:fontRef idx="minor">
+            <a:schemeClr val="lt1"/>
+          </a:fontRef>
+        </p:style>
+        <p:txBody>
+          <a:bodyPr rtlCol="0" anchor="ctr"/>
+          <a:lstStyle/>
+          <a:p>
+            <a:pPr marL="0" marR="0" lvl="0" indent="0" algn="ctr" defTabSz="914400" rtl="0" eaLnBrk="1" fontAlgn="auto" latinLnBrk="0" hangingPunct="1">
+              <a:lnSpc>
+                <a:spcPct val="100000"/>
+              </a:lnSpc>
+              <a:spcBef>
+                <a:spcPts val="0"/>
+              </a:spcBef>
+              <a:spcAft>
+                <a:spcPts val="0"/>
+              </a:spcAft>
+              <a:buClrTx/>
+              <a:buSzTx/>
+              <a:buFontTx/>
+              <a:buNone/>
+              <a:tabLst/>
+              <a:defRPr/>
+            </a:pPr>
+            <a:r>
+              <a:rPr kumimoji="1" lang="en-US" altLang="ja-JP" sz="1400" dirty="0">
+                <a:solidFill>
+                  <a:prstClr val="black"/>
+                </a:solidFill>
+                <a:latin typeface="Calibri"/>
+                <a:ea typeface="ＭＳ Ｐゴシック" panose="020B0600070205080204" pitchFamily="50" charset="-128"/>
+              </a:rPr>
+              <a:t>Dev. </a:t>
+            </a:r>
+            <a:r>
+              <a:rPr kumimoji="1" lang="en-US" altLang="ja-JP" sz="1400" dirty="0" err="1">
+                <a:solidFill>
+                  <a:prstClr val="black"/>
+                </a:solidFill>
+                <a:latin typeface="Calibri"/>
+                <a:ea typeface="ＭＳ Ｐゴシック" panose="020B0600070205080204" pitchFamily="50" charset="-128"/>
+              </a:rPr>
+              <a:t>Enviroment</a:t>
+            </a:r>
+            <a:endParaRPr kumimoji="1" lang="ja-JP" altLang="en-US" sz="1400" b="0" i="0" u="none" strike="noStrike" kern="1200" cap="none" spc="0" normalizeH="0" baseline="0" noProof="0" dirty="0">
+              <a:ln>
+                <a:noFill/>
+              </a:ln>
+              <a:solidFill>
+                <a:prstClr val="black"/>
+              </a:solidFill>
+              <a:effectLst/>
+              <a:uLnTx/>
+              <a:uFillTx/>
+              <a:latin typeface="Calibri"/>
+              <a:ea typeface="ＭＳ Ｐゴシック" panose="020B0600070205080204" pitchFamily="50" charset="-128"/>
+              <a:cs typeface="+mn-cs"/>
+            </a:endParaRPr>
+          </a:p>
+        </p:txBody>
+      </p:sp>
+      <p:sp>
+        <p:nvSpPr>
+          <p:cNvPr id="73" name="四角形: 角を丸くする 72">
+            <a:extLst>
+              <a:ext uri="{FF2B5EF4-FFF2-40B4-BE49-F238E27FC236}">
+                <a16:creationId xmlns:a16="http://schemas.microsoft.com/office/drawing/2014/main" id="{D90D6A46-98D1-47E6-AFEA-79E8B99D10C2}"/>
+              </a:ext>
+            </a:extLst>
+          </p:cNvPr>
+          <p:cNvSpPr/>
+          <p:nvPr/>
+        </p:nvSpPr>
+        <p:spPr>
+          <a:xfrm>
+            <a:off x="3659160" y="1241634"/>
+            <a:ext cx="1075887" cy="436627"/>
+          </a:xfrm>
+          <a:prstGeom prst="roundRect">
+            <a:avLst/>
+          </a:prstGeom>
+          <a:solidFill>
+            <a:srgbClr val="FFFF00"/>
+          </a:solidFill>
+          <a:ln>
+            <a:noFill/>
+          </a:ln>
+        </p:spPr>
+        <p:style>
+          <a:lnRef idx="2">
+            <a:schemeClr val="accent1">
+              <a:shade val="50000"/>
+            </a:schemeClr>
+          </a:lnRef>
+          <a:fillRef idx="1">
+            <a:schemeClr val="accent1"/>
+          </a:fillRef>
+          <a:effectRef idx="0">
+            <a:schemeClr val="accent1"/>
+          </a:effectRef>
+          <a:fontRef idx="minor">
+            <a:schemeClr val="lt1"/>
+          </a:fontRef>
+        </p:style>
+        <p:txBody>
+          <a:bodyPr rtlCol="0" anchor="ctr"/>
+          <a:lstStyle/>
+          <a:p>
+            <a:pPr marL="0" marR="0" lvl="0" indent="0" algn="ctr" defTabSz="914400" rtl="0" eaLnBrk="1" fontAlgn="auto" latinLnBrk="0" hangingPunct="1">
+              <a:lnSpc>
+                <a:spcPct val="100000"/>
+              </a:lnSpc>
+              <a:spcBef>
+                <a:spcPts val="0"/>
+              </a:spcBef>
+              <a:spcAft>
+                <a:spcPts val="0"/>
+              </a:spcAft>
+              <a:buClrTx/>
+              <a:buSzTx/>
+              <a:buFontTx/>
+              <a:buNone/>
+              <a:tabLst/>
+              <a:defRPr/>
+            </a:pPr>
+            <a:r>
+              <a:rPr kumimoji="1" lang="en-US" altLang="ja-JP" sz="1400" dirty="0">
+                <a:solidFill>
+                  <a:prstClr val="black"/>
+                </a:solidFill>
+                <a:latin typeface="Calibri"/>
+                <a:ea typeface="ＭＳ Ｐゴシック" panose="020B0600070205080204" pitchFamily="50" charset="-128"/>
+              </a:rPr>
+              <a:t>Product Planning</a:t>
+            </a:r>
+            <a:endParaRPr kumimoji="1" lang="ja-JP" altLang="en-US" sz="1400" b="0" i="0" u="none" strike="noStrike" kern="1200" cap="none" spc="0" normalizeH="0" baseline="0" noProof="0" dirty="0">
+              <a:ln>
+                <a:noFill/>
+              </a:ln>
+              <a:solidFill>
+                <a:prstClr val="black"/>
+              </a:solidFill>
+              <a:effectLst/>
+              <a:uLnTx/>
+              <a:uFillTx/>
+              <a:latin typeface="Calibri"/>
+              <a:ea typeface="ＭＳ Ｐゴシック" panose="020B0600070205080204" pitchFamily="50" charset="-128"/>
+              <a:cs typeface="+mn-cs"/>
+            </a:endParaRPr>
+          </a:p>
+        </p:txBody>
+      </p:sp>
+      <p:sp>
+        <p:nvSpPr>
+          <p:cNvPr id="77" name="四角形: 角を丸くする 76">
+            <a:extLst>
+              <a:ext uri="{FF2B5EF4-FFF2-40B4-BE49-F238E27FC236}">
+                <a16:creationId xmlns:a16="http://schemas.microsoft.com/office/drawing/2014/main" id="{51A0DB07-3DCF-4F5A-A83A-D86AE6E7CBF2}"/>
+              </a:ext>
+            </a:extLst>
+          </p:cNvPr>
+          <p:cNvSpPr/>
+          <p:nvPr/>
+        </p:nvSpPr>
+        <p:spPr>
+          <a:xfrm>
+            <a:off x="5839448" y="2021815"/>
+            <a:ext cx="1229034" cy="422550"/>
+          </a:xfrm>
+          <a:prstGeom prst="roundRect">
+            <a:avLst/>
+          </a:prstGeom>
+          <a:solidFill>
+            <a:srgbClr val="FFFF00"/>
+          </a:solidFill>
+          <a:ln>
+            <a:noFill/>
+          </a:ln>
+        </p:spPr>
+        <p:style>
+          <a:lnRef idx="2">
+            <a:schemeClr val="accent1">
+              <a:shade val="50000"/>
+            </a:schemeClr>
+          </a:lnRef>
+          <a:fillRef idx="1">
+            <a:schemeClr val="accent1"/>
+          </a:fillRef>
+          <a:effectRef idx="0">
+            <a:schemeClr val="accent1"/>
+          </a:effectRef>
+          <a:fontRef idx="minor">
+            <a:schemeClr val="lt1"/>
+          </a:fontRef>
+        </p:style>
+        <p:txBody>
+          <a:bodyPr rtlCol="0" anchor="ctr"/>
+          <a:lstStyle/>
+          <a:p>
+            <a:pPr marL="0" marR="0" lvl="0" indent="0" algn="ctr" defTabSz="914400" rtl="0" eaLnBrk="1" fontAlgn="auto" latinLnBrk="0" hangingPunct="1">
+              <a:lnSpc>
+                <a:spcPct val="100000"/>
+              </a:lnSpc>
+              <a:spcBef>
+                <a:spcPts val="0"/>
+              </a:spcBef>
+              <a:spcAft>
+                <a:spcPts val="0"/>
+              </a:spcAft>
+              <a:buClrTx/>
+              <a:buSzTx/>
+              <a:buFontTx/>
+              <a:buNone/>
+              <a:tabLst/>
+              <a:defRPr/>
+            </a:pPr>
+            <a:r>
+              <a:rPr kumimoji="1" lang="en-US" altLang="ja-JP" sz="1400" b="0" i="0" u="none" strike="noStrike" kern="1200" cap="none" spc="0" normalizeH="0" baseline="0" noProof="0" dirty="0">
                 <a:ln>
                   <a:noFill/>
                 </a:ln>
@@ -25530,85 +25871,308 @@
                 <a:latin typeface="Calibri"/>
                 <a:ea typeface="ＭＳ Ｐゴシック" panose="020B0600070205080204" pitchFamily="50" charset="-128"/>
                 <a:cs typeface="+mn-cs"/>
-              </a:endParaRPr>
-            </a:p>
-          </p:txBody>
-        </p:sp>
-        <p:sp>
-          <p:nvSpPr>
-            <p:cNvPr id="69" name="四角形: 角を丸くする 68">
-              <a:extLst>
-                <a:ext uri="{FF2B5EF4-FFF2-40B4-BE49-F238E27FC236}">
-                  <a16:creationId xmlns:a16="http://schemas.microsoft.com/office/drawing/2014/main" id="{66FD5A74-491E-4F0A-806B-3C2DCCB78CB2}"/>
-                </a:ext>
-              </a:extLst>
-            </p:cNvPr>
-            <p:cNvSpPr/>
-            <p:nvPr/>
-          </p:nvSpPr>
-          <p:spPr>
-            <a:xfrm>
-              <a:off x="7413840" y="1512818"/>
-              <a:ext cx="668009" cy="372291"/>
-            </a:xfrm>
-            <a:prstGeom prst="roundRect">
-              <a:avLst/>
-            </a:prstGeom>
+              </a:rPr>
+              <a:t>BOM</a:t>
+            </a:r>
+          </a:p>
+          <a:p>
+            <a:pPr marL="0" marR="0" lvl="0" indent="0" algn="ctr" defTabSz="914400" rtl="0" eaLnBrk="1" fontAlgn="auto" latinLnBrk="0" hangingPunct="1">
+              <a:lnSpc>
+                <a:spcPct val="100000"/>
+              </a:lnSpc>
+              <a:spcBef>
+                <a:spcPts val="0"/>
+              </a:spcBef>
+              <a:spcAft>
+                <a:spcPts val="0"/>
+              </a:spcAft>
+              <a:buClrTx/>
+              <a:buSzTx/>
+              <a:buFontTx/>
+              <a:buNone/>
+              <a:tabLst/>
+              <a:defRPr/>
+            </a:pPr>
+            <a:r>
+              <a:rPr kumimoji="1" lang="en-US" altLang="ja-JP" sz="1400" dirty="0">
+                <a:solidFill>
+                  <a:prstClr val="black"/>
+                </a:solidFill>
+                <a:latin typeface="Calibri"/>
+                <a:ea typeface="ＭＳ Ｐゴシック" panose="020B0600070205080204" pitchFamily="50" charset="-128"/>
+              </a:rPr>
+              <a:t>Management</a:t>
+            </a:r>
+            <a:endParaRPr kumimoji="1" lang="ja-JP" altLang="en-US" sz="1400" b="0" i="0" u="none" strike="noStrike" kern="1200" cap="none" spc="0" normalizeH="0" baseline="0" noProof="0" dirty="0">
+              <a:ln>
+                <a:noFill/>
+              </a:ln>
+              <a:solidFill>
+                <a:prstClr val="black"/>
+              </a:solidFill>
+              <a:effectLst/>
+              <a:uLnTx/>
+              <a:uFillTx/>
+              <a:latin typeface="Calibri"/>
+              <a:ea typeface="ＭＳ Ｐゴシック" panose="020B0600070205080204" pitchFamily="50" charset="-128"/>
+              <a:cs typeface="+mn-cs"/>
+            </a:endParaRPr>
+          </a:p>
+        </p:txBody>
+      </p:sp>
+      <p:sp>
+        <p:nvSpPr>
+          <p:cNvPr id="79" name="四角形: 角を丸くする 78">
+            <a:extLst>
+              <a:ext uri="{FF2B5EF4-FFF2-40B4-BE49-F238E27FC236}">
+                <a16:creationId xmlns:a16="http://schemas.microsoft.com/office/drawing/2014/main" id="{4AECB53A-017B-4D5C-92BA-ED8AFD099673}"/>
+              </a:ext>
+            </a:extLst>
+          </p:cNvPr>
+          <p:cNvSpPr/>
+          <p:nvPr/>
+        </p:nvSpPr>
+        <p:spPr>
+          <a:xfrm>
+            <a:off x="7035663" y="4392244"/>
+            <a:ext cx="880177" cy="612008"/>
+          </a:xfrm>
+          <a:prstGeom prst="roundRect">
+            <a:avLst/>
+          </a:prstGeom>
+          <a:solidFill>
+            <a:srgbClr val="FFFF00"/>
+          </a:solidFill>
+          <a:ln>
+            <a:noFill/>
+          </a:ln>
+        </p:spPr>
+        <p:style>
+          <a:lnRef idx="2">
+            <a:schemeClr val="accent1">
+              <a:shade val="50000"/>
+            </a:schemeClr>
+          </a:lnRef>
+          <a:fillRef idx="1">
+            <a:schemeClr val="accent1"/>
+          </a:fillRef>
+          <a:effectRef idx="0">
+            <a:schemeClr val="accent1"/>
+          </a:effectRef>
+          <a:fontRef idx="minor">
+            <a:schemeClr val="lt1"/>
+          </a:fontRef>
+        </p:style>
+        <p:txBody>
+          <a:bodyPr rtlCol="0" anchor="ctr"/>
+          <a:lstStyle/>
+          <a:p>
+            <a:pPr marL="0" marR="0" lvl="0" indent="0" algn="ctr" defTabSz="914400" rtl="0" eaLnBrk="1" fontAlgn="auto" latinLnBrk="0" hangingPunct="1">
+              <a:lnSpc>
+                <a:spcPct val="100000"/>
+              </a:lnSpc>
+              <a:spcBef>
+                <a:spcPts val="0"/>
+              </a:spcBef>
+              <a:spcAft>
+                <a:spcPts val="0"/>
+              </a:spcAft>
+              <a:buClrTx/>
+              <a:buSzTx/>
+              <a:buFontTx/>
+              <a:buNone/>
+              <a:tabLst/>
+              <a:defRPr/>
+            </a:pPr>
+            <a:r>
+              <a:rPr kumimoji="1" lang="en-US" altLang="ja-JP" sz="1200" dirty="0">
+                <a:solidFill>
+                  <a:prstClr val="black"/>
+                </a:solidFill>
+                <a:latin typeface="Calibri"/>
+                <a:ea typeface="ＭＳ Ｐゴシック" panose="020B0600070205080204" pitchFamily="50" charset="-128"/>
+              </a:rPr>
+              <a:t>Marketing</a:t>
+            </a:r>
+            <a:endParaRPr kumimoji="1" lang="ja-JP" altLang="en-US" sz="1200" b="0" i="0" u="none" strike="noStrike" kern="1200" cap="none" spc="0" normalizeH="0" baseline="0" noProof="0" dirty="0">
+              <a:ln>
+                <a:noFill/>
+              </a:ln>
+              <a:solidFill>
+                <a:prstClr val="black"/>
+              </a:solidFill>
+              <a:effectLst/>
+              <a:uLnTx/>
+              <a:uFillTx/>
+              <a:latin typeface="Calibri"/>
+              <a:ea typeface="ＭＳ Ｐゴシック" panose="020B0600070205080204" pitchFamily="50" charset="-128"/>
+            </a:endParaRPr>
+          </a:p>
+        </p:txBody>
+      </p:sp>
+      <p:sp>
+        <p:nvSpPr>
+          <p:cNvPr id="60" name="テキスト ボックス 59">
+            <a:extLst>
+              <a:ext uri="{FF2B5EF4-FFF2-40B4-BE49-F238E27FC236}">
+                <a16:creationId xmlns:a16="http://schemas.microsoft.com/office/drawing/2014/main" id="{3F9EB81D-AB46-428E-A104-B5F2C7A9D5B8}"/>
+              </a:ext>
+            </a:extLst>
+          </p:cNvPr>
+          <p:cNvSpPr txBox="1"/>
+          <p:nvPr/>
+        </p:nvSpPr>
+        <p:spPr>
+          <a:xfrm>
+            <a:off x="3954147" y="282785"/>
+            <a:ext cx="1503150" cy="369332"/>
+          </a:xfrm>
+          <a:prstGeom prst="rect">
+            <a:avLst/>
+          </a:prstGeom>
+          <a:noFill/>
+        </p:spPr>
+        <p:txBody>
+          <a:bodyPr wrap="square" rtlCol="0">
+            <a:spAutoFit/>
+          </a:bodyPr>
+          <a:lstStyle/>
+          <a:p>
+            <a:pPr marL="0" marR="0" lvl="0" indent="0" algn="l" defTabSz="914400" rtl="0" eaLnBrk="1" fontAlgn="auto" latinLnBrk="0" hangingPunct="1">
+              <a:lnSpc>
+                <a:spcPct val="100000"/>
+              </a:lnSpc>
+              <a:spcBef>
+                <a:spcPts val="0"/>
+              </a:spcBef>
+              <a:spcAft>
+                <a:spcPts val="0"/>
+              </a:spcAft>
+              <a:buClrTx/>
+              <a:buSzTx/>
+              <a:buFontTx/>
+              <a:buNone/>
+              <a:tabLst/>
+              <a:defRPr/>
+            </a:pPr>
+            <a:r>
+              <a:rPr kumimoji="1" lang="en-US" altLang="ja-JP" dirty="0">
+                <a:solidFill>
+                  <a:prstClr val="black"/>
+                </a:solidFill>
+                <a:latin typeface="Calibri"/>
+                <a:ea typeface="ＭＳ Ｐゴシック" panose="020B0600070205080204" pitchFamily="50" charset="-128"/>
+              </a:rPr>
+              <a:t>Organization</a:t>
+            </a:r>
+            <a:endParaRPr kumimoji="1" lang="ja-JP" altLang="en-US" b="0" i="0" u="none" strike="noStrike" kern="1200" cap="none" spc="0" normalizeH="0" baseline="0" noProof="0" dirty="0">
+              <a:ln>
+                <a:noFill/>
+              </a:ln>
+              <a:solidFill>
+                <a:prstClr val="black"/>
+              </a:solidFill>
+              <a:effectLst/>
+              <a:uLnTx/>
+              <a:uFillTx/>
+              <a:latin typeface="Calibri"/>
+              <a:ea typeface="ＭＳ Ｐゴシック" panose="020B0600070205080204" pitchFamily="50" charset="-128"/>
+              <a:cs typeface="+mn-cs"/>
+            </a:endParaRPr>
+          </a:p>
+        </p:txBody>
+      </p:sp>
+      <p:cxnSp>
+        <p:nvCxnSpPr>
+          <p:cNvPr id="66" name="直線矢印コネクタ 65">
+            <a:extLst>
+              <a:ext uri="{FF2B5EF4-FFF2-40B4-BE49-F238E27FC236}">
+                <a16:creationId xmlns:a16="http://schemas.microsoft.com/office/drawing/2014/main" id="{C9876905-EE9C-4F1C-8F91-A9DF1AB0B922}"/>
+              </a:ext>
+            </a:extLst>
+          </p:cNvPr>
+          <p:cNvCxnSpPr>
+            <a:cxnSpLocks/>
+          </p:cNvCxnSpPr>
+          <p:nvPr/>
+        </p:nvCxnSpPr>
+        <p:spPr>
+          <a:xfrm flipV="1">
+            <a:off x="7901162" y="4675803"/>
+            <a:ext cx="1148566" cy="13771"/>
+          </a:xfrm>
+          <a:prstGeom prst="straightConnector1">
+            <a:avLst/>
+          </a:prstGeom>
+          <a:ln w="38100">
             <a:solidFill>
-              <a:srgbClr val="FFFF00"/>
+              <a:schemeClr val="tx1"/>
             </a:solidFill>
-            <a:ln>
-              <a:noFill/>
-            </a:ln>
-          </p:spPr>
-          <p:style>
-            <a:lnRef idx="2">
-              <a:schemeClr val="accent1">
-                <a:shade val="50000"/>
-              </a:schemeClr>
-            </a:lnRef>
-            <a:fillRef idx="1">
-              <a:schemeClr val="accent1"/>
-            </a:fillRef>
-            <a:effectRef idx="0">
-              <a:schemeClr val="accent1"/>
-            </a:effectRef>
-            <a:fontRef idx="minor">
-              <a:schemeClr val="lt1"/>
-            </a:fontRef>
-          </p:style>
-          <p:txBody>
-            <a:bodyPr rtlCol="0" anchor="ctr"/>
-            <a:lstStyle/>
-            <a:p>
-              <a:pPr marL="0" marR="0" lvl="0" indent="0" algn="ctr" defTabSz="914400" rtl="0" eaLnBrk="1" fontAlgn="auto" latinLnBrk="0" hangingPunct="1">
-                <a:lnSpc>
-                  <a:spcPct val="100000"/>
-                </a:lnSpc>
-                <a:spcBef>
-                  <a:spcPts val="0"/>
-                </a:spcBef>
-                <a:spcAft>
-                  <a:spcPts val="0"/>
-                </a:spcAft>
-                <a:buClrTx/>
-                <a:buSzTx/>
-                <a:buFontTx/>
-                <a:buNone/>
-                <a:tabLst/>
-                <a:defRPr/>
-              </a:pPr>
-              <a:r>
-                <a:rPr kumimoji="1" lang="en-US" altLang="ja-JP" sz="1400" dirty="0">
-                  <a:solidFill>
-                    <a:prstClr val="black"/>
-                  </a:solidFill>
-                  <a:latin typeface="Calibri"/>
-                  <a:ea typeface="ＭＳ Ｐゴシック" panose="020B0600070205080204" pitchFamily="50" charset="-128"/>
-                </a:rPr>
-                <a:t>Edu-cation</a:t>
-              </a:r>
-              <a:endParaRPr kumimoji="1" lang="ja-JP" altLang="en-US" sz="1400" b="0" i="0" u="none" strike="noStrike" kern="1200" cap="none" spc="0" normalizeH="0" baseline="0" noProof="0" dirty="0">
+            <a:tailEnd type="triangle"/>
+          </a:ln>
+        </p:spPr>
+        <p:style>
+          <a:lnRef idx="1">
+            <a:schemeClr val="accent1"/>
+          </a:lnRef>
+          <a:fillRef idx="0">
+            <a:schemeClr val="accent1"/>
+          </a:fillRef>
+          <a:effectRef idx="0">
+            <a:schemeClr val="accent1"/>
+          </a:effectRef>
+          <a:fontRef idx="minor">
+            <a:schemeClr val="tx1"/>
+          </a:fontRef>
+        </p:style>
+      </p:cxnSp>
+      <p:sp>
+        <p:nvSpPr>
+          <p:cNvPr id="82" name="テキスト ボックス 81">
+            <a:extLst>
+              <a:ext uri="{FF2B5EF4-FFF2-40B4-BE49-F238E27FC236}">
+                <a16:creationId xmlns:a16="http://schemas.microsoft.com/office/drawing/2014/main" id="{C3E49ACF-9195-4930-B28D-130ABD31308A}"/>
+              </a:ext>
+            </a:extLst>
+          </p:cNvPr>
+          <p:cNvSpPr txBox="1"/>
+          <p:nvPr/>
+        </p:nvSpPr>
+        <p:spPr>
+          <a:xfrm>
+            <a:off x="8201629" y="4369093"/>
+            <a:ext cx="567784" cy="307777"/>
+          </a:xfrm>
+          <a:prstGeom prst="rect">
+            <a:avLst/>
+          </a:prstGeom>
+          <a:noFill/>
+        </p:spPr>
+        <p:txBody>
+          <a:bodyPr wrap="none" rtlCol="0">
+            <a:spAutoFit/>
+          </a:bodyPr>
+          <a:lstStyle/>
+          <a:p>
+            <a:pPr marL="0" marR="0" lvl="0" indent="0" algn="l" defTabSz="914400" rtl="0" eaLnBrk="1" fontAlgn="auto" latinLnBrk="0" hangingPunct="1">
+              <a:lnSpc>
+                <a:spcPct val="100000"/>
+              </a:lnSpc>
+              <a:spcBef>
+                <a:spcPts val="0"/>
+              </a:spcBef>
+              <a:spcAft>
+                <a:spcPts val="0"/>
+              </a:spcAft>
+              <a:buClrTx/>
+              <a:buSzTx/>
+              <a:buFontTx/>
+              <a:buNone/>
+              <a:tabLst/>
+              <a:defRPr/>
+            </a:pPr>
+            <a:r>
+              <a:rPr kumimoji="1" lang="en-US" altLang="ja-JP" sz="1400" b="0" i="0" u="none" strike="noStrike" kern="1200" cap="none" spc="0" normalizeH="0" baseline="0" noProof="0" dirty="0">
                 <a:ln>
                   <a:noFill/>
                 </a:ln>
@@ -25621,1074 +26185,395 @@
                 <a:latin typeface="Calibri"/>
                 <a:ea typeface="ＭＳ Ｐゴシック" panose="020B0600070205080204" pitchFamily="50" charset="-128"/>
                 <a:cs typeface="+mn-cs"/>
-              </a:endParaRPr>
-            </a:p>
-          </p:txBody>
-        </p:sp>
-        <p:sp>
-          <p:nvSpPr>
-            <p:cNvPr id="71" name="四角形: 角を丸くする 70">
-              <a:extLst>
-                <a:ext uri="{FF2B5EF4-FFF2-40B4-BE49-F238E27FC236}">
-                  <a16:creationId xmlns:a16="http://schemas.microsoft.com/office/drawing/2014/main" id="{CCF148FC-5627-4720-BAFA-4F7565168BB7}"/>
-                </a:ext>
-              </a:extLst>
-            </p:cNvPr>
-            <p:cNvSpPr/>
-            <p:nvPr/>
-          </p:nvSpPr>
-          <p:spPr>
-            <a:xfrm>
-              <a:off x="3682236" y="953715"/>
-              <a:ext cx="1108650" cy="424643"/>
-            </a:xfrm>
-            <a:prstGeom prst="roundRect">
-              <a:avLst/>
-            </a:prstGeom>
-            <a:solidFill>
-              <a:srgbClr val="FFFF00"/>
-            </a:solidFill>
-            <a:ln>
-              <a:noFill/>
-            </a:ln>
-          </p:spPr>
-          <p:style>
-            <a:lnRef idx="2">
-              <a:schemeClr val="accent1">
-                <a:shade val="50000"/>
-              </a:schemeClr>
-            </a:lnRef>
-            <a:fillRef idx="1">
-              <a:schemeClr val="accent1"/>
-            </a:fillRef>
-            <a:effectRef idx="0">
-              <a:schemeClr val="accent1"/>
-            </a:effectRef>
-            <a:fontRef idx="minor">
-              <a:schemeClr val="lt1"/>
-            </a:fontRef>
-          </p:style>
-          <p:txBody>
-            <a:bodyPr rtlCol="0" anchor="ctr"/>
-            <a:lstStyle/>
-            <a:p>
-              <a:pPr marL="0" marR="0" lvl="0" indent="0" algn="ctr" defTabSz="914400" rtl="0" eaLnBrk="1" fontAlgn="auto" latinLnBrk="0" hangingPunct="1">
-                <a:lnSpc>
-                  <a:spcPct val="100000"/>
-                </a:lnSpc>
-                <a:spcBef>
-                  <a:spcPts val="0"/>
-                </a:spcBef>
-                <a:spcAft>
-                  <a:spcPts val="0"/>
-                </a:spcAft>
-                <a:buClrTx/>
-                <a:buSzTx/>
-                <a:buFontTx/>
-                <a:buNone/>
-                <a:tabLst/>
-                <a:defRPr/>
-              </a:pPr>
-              <a:r>
-                <a:rPr kumimoji="1" lang="en-US" altLang="ja-JP" sz="1400" dirty="0">
-                  <a:solidFill>
-                    <a:prstClr val="black"/>
-                  </a:solidFill>
-                  <a:latin typeface="Calibri"/>
-                  <a:ea typeface="ＭＳ Ｐゴシック" panose="020B0600070205080204" pitchFamily="50" charset="-128"/>
-                </a:rPr>
-                <a:t>Dev. </a:t>
-              </a:r>
-              <a:r>
-                <a:rPr kumimoji="1" lang="en-US" altLang="ja-JP" sz="1400" dirty="0" err="1">
-                  <a:solidFill>
-                    <a:prstClr val="black"/>
-                  </a:solidFill>
-                  <a:latin typeface="Calibri"/>
-                  <a:ea typeface="ＭＳ Ｐゴシック" panose="020B0600070205080204" pitchFamily="50" charset="-128"/>
-                </a:rPr>
-                <a:t>Enviroment</a:t>
-              </a:r>
-              <a:endParaRPr kumimoji="1" lang="ja-JP" altLang="en-US" sz="1400" b="0" i="0" u="none" strike="noStrike" kern="1200" cap="none" spc="0" normalizeH="0" baseline="0" noProof="0" dirty="0">
-                <a:ln>
-                  <a:noFill/>
-                </a:ln>
+              </a:rPr>
+              <a:t>EULA</a:t>
+            </a:r>
+            <a:endParaRPr kumimoji="1" lang="ja-JP" altLang="en-US" sz="1400" b="0" i="0" u="none" strike="noStrike" kern="1200" cap="none" spc="0" normalizeH="0" baseline="0" noProof="0" dirty="0">
+              <a:ln>
+                <a:noFill/>
+              </a:ln>
+              <a:solidFill>
+                <a:prstClr val="black"/>
+              </a:solidFill>
+              <a:effectLst/>
+              <a:uLnTx/>
+              <a:uFillTx/>
+              <a:latin typeface="Calibri"/>
+              <a:ea typeface="ＭＳ Ｐゴシック" panose="020B0600070205080204" pitchFamily="50" charset="-128"/>
+              <a:cs typeface="+mn-cs"/>
+            </a:endParaRPr>
+          </a:p>
+        </p:txBody>
+      </p:sp>
+      <p:sp>
+        <p:nvSpPr>
+          <p:cNvPr id="83" name="四角形: 角を丸くする 10">
+            <a:extLst>
+              <a:ext uri="{FF2B5EF4-FFF2-40B4-BE49-F238E27FC236}">
+                <a16:creationId xmlns:a16="http://schemas.microsoft.com/office/drawing/2014/main" id="{AFB6E93C-9793-472A-B955-A686FAC84609}"/>
+              </a:ext>
+            </a:extLst>
+          </p:cNvPr>
+          <p:cNvSpPr/>
+          <p:nvPr/>
+        </p:nvSpPr>
+        <p:spPr>
+          <a:xfrm>
+            <a:off x="4830669" y="3648679"/>
+            <a:ext cx="2145891" cy="1090564"/>
+          </a:xfrm>
+          <a:prstGeom prst="roundRect">
+            <a:avLst/>
+          </a:prstGeom>
+          <a:solidFill>
+            <a:srgbClr val="FFFF00"/>
+          </a:solidFill>
+          <a:ln>
+            <a:noFill/>
+          </a:ln>
+        </p:spPr>
+        <p:style>
+          <a:lnRef idx="2">
+            <a:schemeClr val="accent1">
+              <a:shade val="50000"/>
+            </a:schemeClr>
+          </a:lnRef>
+          <a:fillRef idx="1">
+            <a:schemeClr val="accent1"/>
+          </a:fillRef>
+          <a:effectRef idx="0">
+            <a:schemeClr val="accent1"/>
+          </a:effectRef>
+          <a:fontRef idx="minor">
+            <a:schemeClr val="lt1"/>
+          </a:fontRef>
+        </p:style>
+        <p:txBody>
+          <a:bodyPr rtlCol="0" anchor="ctr"/>
+          <a:lstStyle/>
+          <a:p>
+            <a:pPr marL="0" marR="0" lvl="0" indent="0" algn="ctr" defTabSz="914400" rtl="0" eaLnBrk="1" fontAlgn="auto" latinLnBrk="0" hangingPunct="1">
+              <a:lnSpc>
+                <a:spcPct val="100000"/>
+              </a:lnSpc>
+              <a:spcBef>
+                <a:spcPts val="0"/>
+              </a:spcBef>
+              <a:spcAft>
+                <a:spcPts val="0"/>
+              </a:spcAft>
+              <a:buClrTx/>
+              <a:buSzTx/>
+              <a:buFontTx/>
+              <a:buNone/>
+              <a:tabLst/>
+              <a:defRPr/>
+            </a:pPr>
+            <a:r>
+              <a:rPr kumimoji="1" lang="en-US" altLang="ja-JP" dirty="0">
                 <a:solidFill>
                   <a:prstClr val="black"/>
                 </a:solidFill>
-                <a:effectLst/>
-                <a:uLnTx/>
-                <a:uFillTx/>
                 <a:latin typeface="Calibri"/>
                 <a:ea typeface="ＭＳ Ｐゴシック" panose="020B0600070205080204" pitchFamily="50" charset="-128"/>
-                <a:cs typeface="+mn-cs"/>
-              </a:endParaRPr>
-            </a:p>
-          </p:txBody>
-        </p:sp>
-        <p:sp>
-          <p:nvSpPr>
-            <p:cNvPr id="73" name="四角形: 角を丸くする 72">
-              <a:extLst>
-                <a:ext uri="{FF2B5EF4-FFF2-40B4-BE49-F238E27FC236}">
-                  <a16:creationId xmlns:a16="http://schemas.microsoft.com/office/drawing/2014/main" id="{D90D6A46-98D1-47E6-AFEA-79E8B99D10C2}"/>
-                </a:ext>
-              </a:extLst>
-            </p:cNvPr>
-            <p:cNvSpPr/>
-            <p:nvPr/>
-          </p:nvSpPr>
-          <p:spPr>
-            <a:xfrm>
-              <a:off x="4855771" y="955791"/>
-              <a:ext cx="1075887" cy="436627"/>
-            </a:xfrm>
-            <a:prstGeom prst="roundRect">
-              <a:avLst/>
-            </a:prstGeom>
-            <a:solidFill>
-              <a:srgbClr val="FFFF00"/>
-            </a:solidFill>
-            <a:ln>
-              <a:noFill/>
-            </a:ln>
-          </p:spPr>
-          <p:style>
-            <a:lnRef idx="2">
-              <a:schemeClr val="accent1">
-                <a:shade val="50000"/>
-              </a:schemeClr>
-            </a:lnRef>
-            <a:fillRef idx="1">
-              <a:schemeClr val="accent1"/>
-            </a:fillRef>
-            <a:effectRef idx="0">
-              <a:schemeClr val="accent1"/>
-            </a:effectRef>
-            <a:fontRef idx="minor">
-              <a:schemeClr val="lt1"/>
-            </a:fontRef>
-          </p:style>
-          <p:txBody>
-            <a:bodyPr rtlCol="0" anchor="ctr"/>
-            <a:lstStyle/>
-            <a:p>
-              <a:pPr marL="0" marR="0" lvl="0" indent="0" algn="ctr" defTabSz="914400" rtl="0" eaLnBrk="1" fontAlgn="auto" latinLnBrk="0" hangingPunct="1">
-                <a:lnSpc>
-                  <a:spcPct val="100000"/>
-                </a:lnSpc>
-                <a:spcBef>
-                  <a:spcPts val="0"/>
-                </a:spcBef>
-                <a:spcAft>
-                  <a:spcPts val="0"/>
-                </a:spcAft>
-                <a:buClrTx/>
-                <a:buSzTx/>
-                <a:buFontTx/>
-                <a:buNone/>
-                <a:tabLst/>
-                <a:defRPr/>
-              </a:pPr>
-              <a:r>
-                <a:rPr kumimoji="1" lang="en-US" altLang="ja-JP" sz="1400" dirty="0">
-                  <a:solidFill>
-                    <a:prstClr val="black"/>
-                  </a:solidFill>
-                  <a:latin typeface="Calibri"/>
-                  <a:ea typeface="ＭＳ Ｐゴシック" panose="020B0600070205080204" pitchFamily="50" charset="-128"/>
-                </a:rPr>
-                <a:t>Product Planning</a:t>
-              </a:r>
-              <a:endParaRPr kumimoji="1" lang="ja-JP" altLang="en-US" sz="1400" b="0" i="0" u="none" strike="noStrike" kern="1200" cap="none" spc="0" normalizeH="0" baseline="0" noProof="0" dirty="0">
-                <a:ln>
-                  <a:noFill/>
-                </a:ln>
+              </a:rPr>
+              <a:t>System</a:t>
+            </a:r>
+            <a:br>
+              <a:rPr kumimoji="1" lang="en-US" altLang="ja-JP" dirty="0">
                 <a:solidFill>
                   <a:prstClr val="black"/>
                 </a:solidFill>
-                <a:effectLst/>
-                <a:uLnTx/>
-                <a:uFillTx/>
                 <a:latin typeface="Calibri"/>
                 <a:ea typeface="ＭＳ Ｐゴシック" panose="020B0600070205080204" pitchFamily="50" charset="-128"/>
-                <a:cs typeface="+mn-cs"/>
-              </a:endParaRPr>
-            </a:p>
-          </p:txBody>
-        </p:sp>
-        <p:sp>
-          <p:nvSpPr>
-            <p:cNvPr id="77" name="四角形: 角を丸くする 76">
-              <a:extLst>
-                <a:ext uri="{FF2B5EF4-FFF2-40B4-BE49-F238E27FC236}">
-                  <a16:creationId xmlns:a16="http://schemas.microsoft.com/office/drawing/2014/main" id="{51A0DB07-3DCF-4F5A-A83A-D86AE6E7CBF2}"/>
-                </a:ext>
-              </a:extLst>
-            </p:cNvPr>
-            <p:cNvSpPr/>
-            <p:nvPr/>
-          </p:nvSpPr>
-          <p:spPr>
-            <a:xfrm>
-              <a:off x="6016785" y="969868"/>
-              <a:ext cx="1229034" cy="422550"/>
-            </a:xfrm>
-            <a:prstGeom prst="roundRect">
-              <a:avLst/>
-            </a:prstGeom>
-            <a:solidFill>
-              <a:srgbClr val="FFFF00"/>
-            </a:solidFill>
-            <a:ln>
-              <a:noFill/>
-            </a:ln>
-          </p:spPr>
-          <p:style>
-            <a:lnRef idx="2">
-              <a:schemeClr val="accent1">
-                <a:shade val="50000"/>
-              </a:schemeClr>
-            </a:lnRef>
-            <a:fillRef idx="1">
-              <a:schemeClr val="accent1"/>
-            </a:fillRef>
-            <a:effectRef idx="0">
-              <a:schemeClr val="accent1"/>
-            </a:effectRef>
-            <a:fontRef idx="minor">
-              <a:schemeClr val="lt1"/>
-            </a:fontRef>
-          </p:style>
-          <p:txBody>
-            <a:bodyPr rtlCol="0" anchor="ctr"/>
-            <a:lstStyle/>
-            <a:p>
-              <a:pPr marL="0" marR="0" lvl="0" indent="0" algn="ctr" defTabSz="914400" rtl="0" eaLnBrk="1" fontAlgn="auto" latinLnBrk="0" hangingPunct="1">
-                <a:lnSpc>
-                  <a:spcPct val="100000"/>
-                </a:lnSpc>
-                <a:spcBef>
-                  <a:spcPts val="0"/>
-                </a:spcBef>
-                <a:spcAft>
-                  <a:spcPts val="0"/>
-                </a:spcAft>
-                <a:buClrTx/>
-                <a:buSzTx/>
-                <a:buFontTx/>
-                <a:buNone/>
-                <a:tabLst/>
-                <a:defRPr/>
-              </a:pPr>
-              <a:r>
-                <a:rPr kumimoji="1" lang="en-US" altLang="ja-JP" sz="1400" b="0" i="0" u="none" strike="noStrike" kern="1200" cap="none" spc="0" normalizeH="0" baseline="0" noProof="0" dirty="0">
-                  <a:ln>
-                    <a:noFill/>
-                  </a:ln>
-                  <a:solidFill>
-                    <a:prstClr val="black"/>
-                  </a:solidFill>
-                  <a:effectLst/>
-                  <a:uLnTx/>
-                  <a:uFillTx/>
-                  <a:latin typeface="Calibri"/>
-                  <a:ea typeface="ＭＳ Ｐゴシック" panose="020B0600070205080204" pitchFamily="50" charset="-128"/>
-                  <a:cs typeface="+mn-cs"/>
-                </a:rPr>
-                <a:t>BOM</a:t>
-              </a:r>
-            </a:p>
-            <a:p>
-              <a:pPr marL="0" marR="0" lvl="0" indent="0" algn="ctr" defTabSz="914400" rtl="0" eaLnBrk="1" fontAlgn="auto" latinLnBrk="0" hangingPunct="1">
-                <a:lnSpc>
-                  <a:spcPct val="100000"/>
-                </a:lnSpc>
-                <a:spcBef>
-                  <a:spcPts val="0"/>
-                </a:spcBef>
-                <a:spcAft>
-                  <a:spcPts val="0"/>
-                </a:spcAft>
-                <a:buClrTx/>
-                <a:buSzTx/>
-                <a:buFontTx/>
-                <a:buNone/>
-                <a:tabLst/>
-                <a:defRPr/>
-              </a:pPr>
-              <a:r>
-                <a:rPr kumimoji="1" lang="en-US" altLang="ja-JP" sz="1400" dirty="0">
-                  <a:solidFill>
-                    <a:prstClr val="black"/>
-                  </a:solidFill>
-                  <a:latin typeface="Calibri"/>
-                  <a:ea typeface="ＭＳ Ｐゴシック" panose="020B0600070205080204" pitchFamily="50" charset="-128"/>
-                </a:rPr>
-                <a:t>Management</a:t>
-              </a:r>
-              <a:endParaRPr kumimoji="1" lang="ja-JP" altLang="en-US" sz="1400" b="0" i="0" u="none" strike="noStrike" kern="1200" cap="none" spc="0" normalizeH="0" baseline="0" noProof="0" dirty="0">
-                <a:ln>
-                  <a:noFill/>
-                </a:ln>
+              </a:rPr>
+            </a:br>
+            <a:r>
+              <a:rPr kumimoji="1" lang="en-US" altLang="ja-JP" dirty="0">
                 <a:solidFill>
                   <a:prstClr val="black"/>
                 </a:solidFill>
-                <a:effectLst/>
-                <a:uLnTx/>
-                <a:uFillTx/>
                 <a:latin typeface="Calibri"/>
                 <a:ea typeface="ＭＳ Ｐゴシック" panose="020B0600070205080204" pitchFamily="50" charset="-128"/>
-                <a:cs typeface="+mn-cs"/>
-              </a:endParaRPr>
-            </a:p>
-          </p:txBody>
-        </p:sp>
-        <p:sp>
-          <p:nvSpPr>
-            <p:cNvPr id="79" name="四角形: 角を丸くする 78">
-              <a:extLst>
-                <a:ext uri="{FF2B5EF4-FFF2-40B4-BE49-F238E27FC236}">
-                  <a16:creationId xmlns:a16="http://schemas.microsoft.com/office/drawing/2014/main" id="{4AECB53A-017B-4D5C-92BA-ED8AFD099673}"/>
-                </a:ext>
-              </a:extLst>
-            </p:cNvPr>
-            <p:cNvSpPr/>
-            <p:nvPr/>
-          </p:nvSpPr>
-          <p:spPr>
-            <a:xfrm>
-              <a:off x="7035663" y="4392244"/>
-              <a:ext cx="880177" cy="612008"/>
-            </a:xfrm>
-            <a:prstGeom prst="roundRect">
-              <a:avLst/>
-            </a:prstGeom>
-            <a:solidFill>
-              <a:srgbClr val="FFFF00"/>
-            </a:solidFill>
-            <a:ln>
-              <a:noFill/>
-            </a:ln>
-          </p:spPr>
-          <p:style>
-            <a:lnRef idx="2">
-              <a:schemeClr val="accent1">
-                <a:shade val="50000"/>
-              </a:schemeClr>
-            </a:lnRef>
-            <a:fillRef idx="1">
-              <a:schemeClr val="accent1"/>
-            </a:fillRef>
-            <a:effectRef idx="0">
-              <a:schemeClr val="accent1"/>
-            </a:effectRef>
-            <a:fontRef idx="minor">
-              <a:schemeClr val="lt1"/>
-            </a:fontRef>
-          </p:style>
-          <p:txBody>
-            <a:bodyPr rtlCol="0" anchor="ctr"/>
-            <a:lstStyle/>
-            <a:p>
-              <a:pPr marL="0" marR="0" lvl="0" indent="0" algn="ctr" defTabSz="914400" rtl="0" eaLnBrk="1" fontAlgn="auto" latinLnBrk="0" hangingPunct="1">
-                <a:lnSpc>
-                  <a:spcPct val="100000"/>
-                </a:lnSpc>
-                <a:spcBef>
-                  <a:spcPts val="0"/>
-                </a:spcBef>
-                <a:spcAft>
-                  <a:spcPts val="0"/>
-                </a:spcAft>
-                <a:buClrTx/>
-                <a:buSzTx/>
-                <a:buFontTx/>
-                <a:buNone/>
-                <a:tabLst/>
-                <a:defRPr/>
-              </a:pPr>
-              <a:r>
-                <a:rPr kumimoji="1" lang="en-US" altLang="ja-JP" sz="1200" dirty="0">
-                  <a:solidFill>
-                    <a:prstClr val="black"/>
-                  </a:solidFill>
-                  <a:latin typeface="Calibri"/>
-                  <a:ea typeface="ＭＳ Ｐゴシック" panose="020B0600070205080204" pitchFamily="50" charset="-128"/>
-                </a:rPr>
-                <a:t>Marketing</a:t>
-              </a:r>
-              <a:endParaRPr kumimoji="1" lang="ja-JP" altLang="en-US" sz="1200" b="0" i="0" u="none" strike="noStrike" kern="1200" cap="none" spc="0" normalizeH="0" baseline="0" noProof="0" dirty="0">
-                <a:ln>
-                  <a:noFill/>
-                </a:ln>
+              </a:rPr>
+              <a:t>Integration</a:t>
+            </a:r>
+            <a:endParaRPr kumimoji="1" lang="en-US" altLang="ja-JP" sz="1800" b="0" i="0" u="none" strike="noStrike" kern="1200" cap="none" spc="0" normalizeH="0" baseline="0" noProof="0" dirty="0">
+              <a:ln>
+                <a:noFill/>
+              </a:ln>
+              <a:solidFill>
+                <a:prstClr val="black"/>
+              </a:solidFill>
+              <a:effectLst/>
+              <a:uLnTx/>
+              <a:uFillTx/>
+              <a:latin typeface="Calibri"/>
+              <a:ea typeface="ＭＳ Ｐゴシック" panose="020B0600070205080204" pitchFamily="50" charset="-128"/>
+              <a:cs typeface="+mn-cs"/>
+            </a:endParaRPr>
+          </a:p>
+        </p:txBody>
+      </p:sp>
+      <p:sp>
+        <p:nvSpPr>
+          <p:cNvPr id="85" name="四角形: 角を丸くする 18">
+            <a:extLst>
+              <a:ext uri="{FF2B5EF4-FFF2-40B4-BE49-F238E27FC236}">
+                <a16:creationId xmlns:a16="http://schemas.microsoft.com/office/drawing/2014/main" id="{6523DCD1-17EA-4908-91AA-938632C2087D}"/>
+              </a:ext>
+            </a:extLst>
+          </p:cNvPr>
+          <p:cNvSpPr/>
+          <p:nvPr/>
+        </p:nvSpPr>
+        <p:spPr>
+          <a:xfrm>
+            <a:off x="7116591" y="2069640"/>
+            <a:ext cx="979357" cy="372291"/>
+          </a:xfrm>
+          <a:prstGeom prst="roundRect">
+            <a:avLst/>
+          </a:prstGeom>
+          <a:solidFill>
+            <a:srgbClr val="FFFF00"/>
+          </a:solidFill>
+          <a:ln>
+            <a:noFill/>
+          </a:ln>
+        </p:spPr>
+        <p:style>
+          <a:lnRef idx="2">
+            <a:schemeClr val="accent1">
+              <a:shade val="50000"/>
+            </a:schemeClr>
+          </a:lnRef>
+          <a:fillRef idx="1">
+            <a:schemeClr val="accent1"/>
+          </a:fillRef>
+          <a:effectRef idx="0">
+            <a:schemeClr val="accent1"/>
+          </a:effectRef>
+          <a:fontRef idx="minor">
+            <a:schemeClr val="lt1"/>
+          </a:fontRef>
+        </p:style>
+        <p:txBody>
+          <a:bodyPr rtlCol="0" anchor="ctr"/>
+          <a:lstStyle/>
+          <a:p>
+            <a:pPr marL="0" marR="0" lvl="0" indent="0" algn="ctr" defTabSz="914400" rtl="0" eaLnBrk="1" fontAlgn="auto" latinLnBrk="0" hangingPunct="1">
+              <a:lnSpc>
+                <a:spcPct val="100000"/>
+              </a:lnSpc>
+              <a:spcBef>
+                <a:spcPts val="0"/>
+              </a:spcBef>
+              <a:spcAft>
+                <a:spcPts val="0"/>
+              </a:spcAft>
+              <a:buClrTx/>
+              <a:buSzTx/>
+              <a:buFontTx/>
+              <a:buNone/>
+              <a:tabLst/>
+              <a:defRPr/>
+            </a:pPr>
+            <a:r>
+              <a:rPr kumimoji="1" lang="en-US" altLang="ja-JP" sz="1200" dirty="0">
                 <a:solidFill>
                   <a:prstClr val="black"/>
                 </a:solidFill>
-                <a:effectLst/>
-                <a:uLnTx/>
-                <a:uFillTx/>
                 <a:latin typeface="Calibri"/>
                 <a:ea typeface="ＭＳ Ｐゴシック" panose="020B0600070205080204" pitchFamily="50" charset="-128"/>
-              </a:endParaRPr>
-            </a:p>
-          </p:txBody>
-        </p:sp>
-        <p:sp>
-          <p:nvSpPr>
-            <p:cNvPr id="60" name="テキスト ボックス 59">
-              <a:extLst>
-                <a:ext uri="{FF2B5EF4-FFF2-40B4-BE49-F238E27FC236}">
-                  <a16:creationId xmlns:a16="http://schemas.microsoft.com/office/drawing/2014/main" id="{3F9EB81D-AB46-428E-A104-B5F2C7A9D5B8}"/>
-                </a:ext>
-              </a:extLst>
-            </p:cNvPr>
-            <p:cNvSpPr txBox="1"/>
-            <p:nvPr/>
-          </p:nvSpPr>
-          <p:spPr>
-            <a:xfrm>
-              <a:off x="5742669" y="336723"/>
-              <a:ext cx="1503150" cy="369332"/>
-            </a:xfrm>
-            <a:prstGeom prst="rect">
-              <a:avLst/>
-            </a:prstGeom>
-            <a:noFill/>
-          </p:spPr>
-          <p:txBody>
-            <a:bodyPr wrap="square" rtlCol="0">
-              <a:spAutoFit/>
-            </a:bodyPr>
-            <a:lstStyle/>
-            <a:p>
-              <a:pPr marL="0" marR="0" lvl="0" indent="0" algn="l" defTabSz="914400" rtl="0" eaLnBrk="1" fontAlgn="auto" latinLnBrk="0" hangingPunct="1">
-                <a:lnSpc>
-                  <a:spcPct val="100000"/>
-                </a:lnSpc>
-                <a:spcBef>
-                  <a:spcPts val="0"/>
-                </a:spcBef>
-                <a:spcAft>
-                  <a:spcPts val="0"/>
-                </a:spcAft>
-                <a:buClrTx/>
-                <a:buSzTx/>
-                <a:buFontTx/>
-                <a:buNone/>
-                <a:tabLst/>
-                <a:defRPr/>
-              </a:pPr>
-              <a:r>
-                <a:rPr kumimoji="1" lang="en-US" altLang="ja-JP" dirty="0">
-                  <a:solidFill>
-                    <a:prstClr val="black"/>
-                  </a:solidFill>
-                  <a:latin typeface="Calibri"/>
-                  <a:ea typeface="ＭＳ Ｐゴシック" panose="020B0600070205080204" pitchFamily="50" charset="-128"/>
-                </a:rPr>
-                <a:t>Organization</a:t>
-              </a:r>
-              <a:endParaRPr kumimoji="1" lang="ja-JP" altLang="en-US" b="0" i="0" u="none" strike="noStrike" kern="1200" cap="none" spc="0" normalizeH="0" baseline="0" noProof="0" dirty="0">
-                <a:ln>
-                  <a:noFill/>
-                </a:ln>
+              </a:rPr>
+              <a:t>System</a:t>
+            </a:r>
+            <a:r>
+              <a:rPr kumimoji="1" lang="ja-JP" altLang="en-US" sz="1200" dirty="0">
                 <a:solidFill>
                   <a:prstClr val="black"/>
                 </a:solidFill>
-                <a:effectLst/>
-                <a:uLnTx/>
-                <a:uFillTx/>
                 <a:latin typeface="Calibri"/>
                 <a:ea typeface="ＭＳ Ｐゴシック" panose="020B0600070205080204" pitchFamily="50" charset="-128"/>
-                <a:cs typeface="+mn-cs"/>
-              </a:endParaRPr>
-            </a:p>
-          </p:txBody>
-        </p:sp>
-        <p:cxnSp>
-          <p:nvCxnSpPr>
-            <p:cNvPr id="66" name="直線矢印コネクタ 65">
-              <a:extLst>
-                <a:ext uri="{FF2B5EF4-FFF2-40B4-BE49-F238E27FC236}">
-                  <a16:creationId xmlns:a16="http://schemas.microsoft.com/office/drawing/2014/main" id="{C9876905-EE9C-4F1C-8F91-A9DF1AB0B922}"/>
-                </a:ext>
-              </a:extLst>
-            </p:cNvPr>
-            <p:cNvCxnSpPr>
-              <a:cxnSpLocks/>
-            </p:cNvCxnSpPr>
-            <p:nvPr/>
-          </p:nvCxnSpPr>
-          <p:spPr>
-            <a:xfrm flipV="1">
-              <a:off x="7901162" y="4675803"/>
-              <a:ext cx="1148566" cy="13771"/>
-            </a:xfrm>
-            <a:prstGeom prst="straightConnector1">
-              <a:avLst/>
-            </a:prstGeom>
-            <a:ln w="38100">
-              <a:solidFill>
-                <a:schemeClr val="tx1"/>
-              </a:solidFill>
-              <a:tailEnd type="triangle"/>
-            </a:ln>
-          </p:spPr>
-          <p:style>
-            <a:lnRef idx="1">
-              <a:schemeClr val="accent1"/>
-            </a:lnRef>
-            <a:fillRef idx="0">
-              <a:schemeClr val="accent1"/>
-            </a:fillRef>
-            <a:effectRef idx="0">
-              <a:schemeClr val="accent1"/>
-            </a:effectRef>
-            <a:fontRef idx="minor">
-              <a:schemeClr val="tx1"/>
-            </a:fontRef>
-          </p:style>
-        </p:cxnSp>
-        <p:sp>
-          <p:nvSpPr>
-            <p:cNvPr id="82" name="テキスト ボックス 81">
-              <a:extLst>
-                <a:ext uri="{FF2B5EF4-FFF2-40B4-BE49-F238E27FC236}">
-                  <a16:creationId xmlns:a16="http://schemas.microsoft.com/office/drawing/2014/main" id="{C3E49ACF-9195-4930-B28D-130ABD31308A}"/>
-                </a:ext>
-              </a:extLst>
-            </p:cNvPr>
-            <p:cNvSpPr txBox="1"/>
-            <p:nvPr/>
-          </p:nvSpPr>
-          <p:spPr>
-            <a:xfrm>
-              <a:off x="8201629" y="4369093"/>
-              <a:ext cx="567784" cy="307777"/>
-            </a:xfrm>
-            <a:prstGeom prst="rect">
-              <a:avLst/>
-            </a:prstGeom>
-            <a:noFill/>
-          </p:spPr>
-          <p:txBody>
-            <a:bodyPr wrap="none" rtlCol="0">
-              <a:spAutoFit/>
-            </a:bodyPr>
-            <a:lstStyle/>
-            <a:p>
-              <a:pPr marL="0" marR="0" lvl="0" indent="0" algn="l" defTabSz="914400" rtl="0" eaLnBrk="1" fontAlgn="auto" latinLnBrk="0" hangingPunct="1">
-                <a:lnSpc>
-                  <a:spcPct val="100000"/>
-                </a:lnSpc>
-                <a:spcBef>
-                  <a:spcPts val="0"/>
-                </a:spcBef>
-                <a:spcAft>
-                  <a:spcPts val="0"/>
-                </a:spcAft>
-                <a:buClrTx/>
-                <a:buSzTx/>
-                <a:buFontTx/>
-                <a:buNone/>
-                <a:tabLst/>
-                <a:defRPr/>
-              </a:pPr>
-              <a:r>
-                <a:rPr kumimoji="1" lang="en-US" altLang="ja-JP" sz="1400" b="0" i="0" u="none" strike="noStrike" kern="1200" cap="none" spc="0" normalizeH="0" baseline="0" noProof="0" dirty="0">
-                  <a:ln>
-                    <a:noFill/>
-                  </a:ln>
-                  <a:solidFill>
-                    <a:prstClr val="black"/>
-                  </a:solidFill>
-                  <a:effectLst/>
-                  <a:uLnTx/>
-                  <a:uFillTx/>
-                  <a:latin typeface="Calibri"/>
-                  <a:ea typeface="ＭＳ Ｐゴシック" panose="020B0600070205080204" pitchFamily="50" charset="-128"/>
-                  <a:cs typeface="+mn-cs"/>
-                </a:rPr>
-                <a:t>EULA</a:t>
-              </a:r>
-              <a:endParaRPr kumimoji="1" lang="ja-JP" altLang="en-US" sz="1400" b="0" i="0" u="none" strike="noStrike" kern="1200" cap="none" spc="0" normalizeH="0" baseline="0" noProof="0" dirty="0">
-                <a:ln>
-                  <a:noFill/>
-                </a:ln>
+              </a:rPr>
+              <a:t> </a:t>
+            </a:r>
+            <a:r>
+              <a:rPr kumimoji="1" lang="en-US" altLang="ja-JP" sz="1200" dirty="0">
                 <a:solidFill>
                   <a:prstClr val="black"/>
                 </a:solidFill>
-                <a:effectLst/>
-                <a:uLnTx/>
-                <a:uFillTx/>
                 <a:latin typeface="Calibri"/>
                 <a:ea typeface="ＭＳ Ｐゴシック" panose="020B0600070205080204" pitchFamily="50" charset="-128"/>
-                <a:cs typeface="+mn-cs"/>
-              </a:endParaRPr>
-            </a:p>
-          </p:txBody>
-        </p:sp>
-        <p:sp>
-          <p:nvSpPr>
-            <p:cNvPr id="83" name="四角形: 角を丸くする 10">
-              <a:extLst>
-                <a:ext uri="{FF2B5EF4-FFF2-40B4-BE49-F238E27FC236}">
-                  <a16:creationId xmlns:a16="http://schemas.microsoft.com/office/drawing/2014/main" id="{AFB6E93C-9793-472A-B955-A686FAC84609}"/>
-                </a:ext>
-              </a:extLst>
-            </p:cNvPr>
-            <p:cNvSpPr/>
-            <p:nvPr/>
-          </p:nvSpPr>
-          <p:spPr>
-            <a:xfrm>
-              <a:off x="4830526" y="3935472"/>
-              <a:ext cx="2145891" cy="1090564"/>
-            </a:xfrm>
-            <a:prstGeom prst="roundRect">
-              <a:avLst/>
-            </a:prstGeom>
+              </a:rPr>
+              <a:t>Verification</a:t>
+            </a:r>
+            <a:endParaRPr kumimoji="1" lang="en-US" altLang="ja-JP" sz="1200" b="0" i="0" u="none" strike="noStrike" kern="1200" cap="none" spc="0" normalizeH="0" baseline="0" noProof="0" dirty="0">
+              <a:ln>
+                <a:noFill/>
+              </a:ln>
+              <a:solidFill>
+                <a:prstClr val="black"/>
+              </a:solidFill>
+              <a:effectLst/>
+              <a:uLnTx/>
+              <a:uFillTx/>
+              <a:latin typeface="Calibri"/>
+              <a:ea typeface="ＭＳ Ｐゴシック" panose="020B0600070205080204" pitchFamily="50" charset="-128"/>
+              <a:cs typeface="+mn-cs"/>
+            </a:endParaRPr>
+          </a:p>
+        </p:txBody>
+      </p:sp>
+      <p:cxnSp>
+        <p:nvCxnSpPr>
+          <p:cNvPr id="56" name="直線矢印コネクタ 55">
+            <a:extLst>
+              <a:ext uri="{FF2B5EF4-FFF2-40B4-BE49-F238E27FC236}">
+                <a16:creationId xmlns:a16="http://schemas.microsoft.com/office/drawing/2014/main" id="{0F3198F3-B473-49AB-AF2D-7EE74EB14D81}"/>
+              </a:ext>
+            </a:extLst>
+          </p:cNvPr>
+          <p:cNvCxnSpPr>
+            <a:cxnSpLocks/>
+            <a:stCxn id="55" idx="0"/>
+            <a:endCxn id="61" idx="1"/>
+          </p:cNvCxnSpPr>
+          <p:nvPr/>
+        </p:nvCxnSpPr>
+        <p:spPr>
+          <a:xfrm flipV="1">
+            <a:off x="7413840" y="1879514"/>
+            <a:ext cx="1296280" cy="668832"/>
+          </a:xfrm>
+          <a:prstGeom prst="straightConnector1">
+            <a:avLst/>
+          </a:prstGeom>
+          <a:ln w="38100">
             <a:solidFill>
-              <a:srgbClr val="FFFF00"/>
+              <a:srgbClr val="FFC000"/>
             </a:solidFill>
-            <a:ln>
-              <a:noFill/>
-            </a:ln>
-          </p:spPr>
-          <p:style>
-            <a:lnRef idx="2">
-              <a:schemeClr val="accent1">
-                <a:shade val="50000"/>
-              </a:schemeClr>
-            </a:lnRef>
-            <a:fillRef idx="1">
-              <a:schemeClr val="accent1"/>
-            </a:fillRef>
-            <a:effectRef idx="0">
-              <a:schemeClr val="accent1"/>
-            </a:effectRef>
-            <a:fontRef idx="minor">
-              <a:schemeClr val="lt1"/>
-            </a:fontRef>
-          </p:style>
-          <p:txBody>
-            <a:bodyPr rtlCol="0" anchor="ctr"/>
-            <a:lstStyle/>
-            <a:p>
-              <a:pPr marL="0" marR="0" lvl="0" indent="0" algn="ctr" defTabSz="914400" rtl="0" eaLnBrk="1" fontAlgn="auto" latinLnBrk="0" hangingPunct="1">
-                <a:lnSpc>
-                  <a:spcPct val="100000"/>
-                </a:lnSpc>
-                <a:spcBef>
-                  <a:spcPts val="0"/>
-                </a:spcBef>
-                <a:spcAft>
-                  <a:spcPts val="0"/>
-                </a:spcAft>
-                <a:buClrTx/>
-                <a:buSzTx/>
-                <a:buFontTx/>
-                <a:buNone/>
-                <a:tabLst/>
-                <a:defRPr/>
-              </a:pPr>
-              <a:r>
-                <a:rPr kumimoji="1" lang="en-US" altLang="ja-JP" dirty="0">
-                  <a:solidFill>
-                    <a:prstClr val="black"/>
-                  </a:solidFill>
-                  <a:latin typeface="Calibri"/>
-                  <a:ea typeface="ＭＳ Ｐゴシック" panose="020B0600070205080204" pitchFamily="50" charset="-128"/>
-                </a:rPr>
-                <a:t>System</a:t>
-              </a:r>
-              <a:br>
-                <a:rPr kumimoji="1" lang="en-US" altLang="ja-JP" dirty="0">
-                  <a:solidFill>
-                    <a:prstClr val="black"/>
-                  </a:solidFill>
-                  <a:latin typeface="Calibri"/>
-                  <a:ea typeface="ＭＳ Ｐゴシック" panose="020B0600070205080204" pitchFamily="50" charset="-128"/>
-                </a:rPr>
-              </a:br>
-              <a:r>
-                <a:rPr kumimoji="1" lang="en-US" altLang="ja-JP" dirty="0">
-                  <a:solidFill>
-                    <a:prstClr val="black"/>
-                  </a:solidFill>
-                  <a:latin typeface="Calibri"/>
-                  <a:ea typeface="ＭＳ Ｐゴシック" panose="020B0600070205080204" pitchFamily="50" charset="-128"/>
-                </a:rPr>
-                <a:t>Integration</a:t>
-              </a:r>
-              <a:endParaRPr kumimoji="1" lang="en-US" altLang="ja-JP" sz="1800" b="0" i="0" u="none" strike="noStrike" kern="1200" cap="none" spc="0" normalizeH="0" baseline="0" noProof="0" dirty="0">
-                <a:ln>
-                  <a:noFill/>
-                </a:ln>
+            <a:tailEnd type="triangle"/>
+          </a:ln>
+        </p:spPr>
+        <p:style>
+          <a:lnRef idx="1">
+            <a:schemeClr val="accent1"/>
+          </a:lnRef>
+          <a:fillRef idx="0">
+            <a:schemeClr val="accent1"/>
+          </a:fillRef>
+          <a:effectRef idx="0">
+            <a:schemeClr val="accent1"/>
+          </a:effectRef>
+          <a:fontRef idx="minor">
+            <a:schemeClr val="tx1"/>
+          </a:fontRef>
+        </p:style>
+      </p:cxnSp>
+      <p:cxnSp>
+        <p:nvCxnSpPr>
+          <p:cNvPr id="86" name="直線矢印コネクタ 85">
+            <a:extLst>
+              <a:ext uri="{FF2B5EF4-FFF2-40B4-BE49-F238E27FC236}">
+                <a16:creationId xmlns:a16="http://schemas.microsoft.com/office/drawing/2014/main" id="{27F132D1-801E-44B0-8A71-BF7F69C418E1}"/>
+              </a:ext>
+            </a:extLst>
+          </p:cNvPr>
+          <p:cNvCxnSpPr>
+            <a:cxnSpLocks/>
+          </p:cNvCxnSpPr>
+          <p:nvPr/>
+        </p:nvCxnSpPr>
+        <p:spPr>
+          <a:xfrm>
+            <a:off x="6978369" y="4222718"/>
+            <a:ext cx="1936504" cy="0"/>
+          </a:xfrm>
+          <a:prstGeom prst="straightConnector1">
+            <a:avLst/>
+          </a:prstGeom>
+          <a:ln w="38100">
+            <a:solidFill>
+              <a:srgbClr val="0070C0"/>
+            </a:solidFill>
+            <a:tailEnd type="triangle"/>
+          </a:ln>
+        </p:spPr>
+        <p:style>
+          <a:lnRef idx="1">
+            <a:schemeClr val="accent1"/>
+          </a:lnRef>
+          <a:fillRef idx="0">
+            <a:schemeClr val="accent1"/>
+          </a:fillRef>
+          <a:effectRef idx="0">
+            <a:schemeClr val="accent1"/>
+          </a:effectRef>
+          <a:fontRef idx="minor">
+            <a:schemeClr val="tx1"/>
+          </a:fontRef>
+        </p:style>
+      </p:cxnSp>
+      <p:sp>
+        <p:nvSpPr>
+          <p:cNvPr id="87" name="テキスト ボックス 86">
+            <a:extLst>
+              <a:ext uri="{FF2B5EF4-FFF2-40B4-BE49-F238E27FC236}">
+                <a16:creationId xmlns:a16="http://schemas.microsoft.com/office/drawing/2014/main" id="{9583A253-DADE-4B31-AAD9-EF598107C2BC}"/>
+              </a:ext>
+            </a:extLst>
+          </p:cNvPr>
+          <p:cNvSpPr txBox="1"/>
+          <p:nvPr/>
+        </p:nvSpPr>
+        <p:spPr>
+          <a:xfrm>
+            <a:off x="7834337" y="3950873"/>
+            <a:ext cx="1021433" cy="276999"/>
+          </a:xfrm>
+          <a:prstGeom prst="rect">
+            <a:avLst/>
+          </a:prstGeom>
+          <a:noFill/>
+        </p:spPr>
+        <p:txBody>
+          <a:bodyPr wrap="none" rtlCol="0">
+            <a:spAutoFit/>
+          </a:bodyPr>
+          <a:lstStyle/>
+          <a:p>
+            <a:pPr lvl="0">
+              <a:defRPr/>
+            </a:pPr>
+            <a:r>
+              <a:rPr kumimoji="1" lang="ja-JP" altLang="en-US" sz="1200" dirty="0">
                 <a:solidFill>
                   <a:prstClr val="black"/>
                 </a:solidFill>
-                <a:effectLst/>
-                <a:uLnTx/>
-                <a:uFillTx/>
-                <a:latin typeface="Calibri"/>
-                <a:ea typeface="ＭＳ Ｐゴシック" panose="020B0600070205080204" pitchFamily="50" charset="-128"/>
-                <a:cs typeface="+mn-cs"/>
-              </a:endParaRPr>
-            </a:p>
-          </p:txBody>
-        </p:sp>
-        <p:sp>
-          <p:nvSpPr>
-            <p:cNvPr id="85" name="四角形: 角を丸くする 18">
-              <a:extLst>
-                <a:ext uri="{FF2B5EF4-FFF2-40B4-BE49-F238E27FC236}">
-                  <a16:creationId xmlns:a16="http://schemas.microsoft.com/office/drawing/2014/main" id="{6523DCD1-17EA-4908-91AA-938632C2087D}"/>
-                </a:ext>
-              </a:extLst>
-            </p:cNvPr>
-            <p:cNvSpPr/>
-            <p:nvPr/>
-          </p:nvSpPr>
-          <p:spPr>
-            <a:xfrm>
-              <a:off x="6913080" y="1975148"/>
-              <a:ext cx="979357" cy="372291"/>
-            </a:xfrm>
-            <a:prstGeom prst="roundRect">
-              <a:avLst/>
-            </a:prstGeom>
-            <a:solidFill>
-              <a:srgbClr val="FFFF00"/>
-            </a:solidFill>
-            <a:ln>
-              <a:noFill/>
-            </a:ln>
-          </p:spPr>
-          <p:style>
-            <a:lnRef idx="2">
-              <a:schemeClr val="accent1">
-                <a:shade val="50000"/>
-              </a:schemeClr>
-            </a:lnRef>
-            <a:fillRef idx="1">
-              <a:schemeClr val="accent1"/>
-            </a:fillRef>
-            <a:effectRef idx="0">
-              <a:schemeClr val="accent1"/>
-            </a:effectRef>
-            <a:fontRef idx="minor">
-              <a:schemeClr val="lt1"/>
-            </a:fontRef>
-          </p:style>
-          <p:txBody>
-            <a:bodyPr rtlCol="0" anchor="ctr"/>
-            <a:lstStyle/>
-            <a:p>
-              <a:pPr marL="0" marR="0" lvl="0" indent="0" algn="ctr" defTabSz="914400" rtl="0" eaLnBrk="1" fontAlgn="auto" latinLnBrk="0" hangingPunct="1">
-                <a:lnSpc>
-                  <a:spcPct val="100000"/>
-                </a:lnSpc>
-                <a:spcBef>
-                  <a:spcPts val="0"/>
-                </a:spcBef>
-                <a:spcAft>
-                  <a:spcPts val="0"/>
-                </a:spcAft>
-                <a:buClrTx/>
-                <a:buSzTx/>
-                <a:buFontTx/>
-                <a:buNone/>
-                <a:tabLst/>
-                <a:defRPr/>
-              </a:pPr>
-              <a:r>
-                <a:rPr kumimoji="1" lang="en-US" altLang="ja-JP" sz="1200" dirty="0">
-                  <a:solidFill>
-                    <a:prstClr val="black"/>
-                  </a:solidFill>
-                  <a:latin typeface="Calibri"/>
-                  <a:ea typeface="ＭＳ Ｐゴシック" panose="020B0600070205080204" pitchFamily="50" charset="-128"/>
-                </a:rPr>
-                <a:t>System</a:t>
-              </a:r>
-              <a:r>
-                <a:rPr kumimoji="1" lang="ja-JP" altLang="en-US" sz="1200" dirty="0">
-                  <a:solidFill>
-                    <a:prstClr val="black"/>
-                  </a:solidFill>
-                  <a:latin typeface="Calibri"/>
-                  <a:ea typeface="ＭＳ Ｐゴシック" panose="020B0600070205080204" pitchFamily="50" charset="-128"/>
-                </a:rPr>
-                <a:t> </a:t>
-              </a:r>
-              <a:r>
-                <a:rPr kumimoji="1" lang="en-US" altLang="ja-JP" sz="1200" dirty="0">
-                  <a:solidFill>
-                    <a:prstClr val="black"/>
-                  </a:solidFill>
-                  <a:latin typeface="Calibri"/>
-                  <a:ea typeface="ＭＳ Ｐゴシック" panose="020B0600070205080204" pitchFamily="50" charset="-128"/>
-                </a:rPr>
-                <a:t>Verification</a:t>
-              </a:r>
-              <a:endParaRPr kumimoji="1" lang="en-US" altLang="ja-JP" sz="1200" b="0" i="0" u="none" strike="noStrike" kern="1200" cap="none" spc="0" normalizeH="0" baseline="0" noProof="0" dirty="0">
-                <a:ln>
-                  <a:noFill/>
-                </a:ln>
+              </a:rPr>
+              <a:t>役務</a:t>
+            </a:r>
+            <a:r>
+              <a:rPr kumimoji="1" lang="en-US" altLang="ja-JP" sz="1200" dirty="0">
                 <a:solidFill>
                   <a:prstClr val="black"/>
                 </a:solidFill>
-                <a:effectLst/>
-                <a:uLnTx/>
-                <a:uFillTx/>
-                <a:latin typeface="Calibri"/>
-                <a:ea typeface="ＭＳ Ｐゴシック" panose="020B0600070205080204" pitchFamily="50" charset="-128"/>
-                <a:cs typeface="+mn-cs"/>
-              </a:endParaRPr>
-            </a:p>
-          </p:txBody>
-        </p:sp>
-        <p:sp>
-          <p:nvSpPr>
-            <p:cNvPr id="84" name="四角形: 角を丸くする 18">
-              <a:extLst>
-                <a:ext uri="{FF2B5EF4-FFF2-40B4-BE49-F238E27FC236}">
-                  <a16:creationId xmlns:a16="http://schemas.microsoft.com/office/drawing/2014/main" id="{6523DCD1-17EA-4908-91AA-938632C2087D}"/>
-                </a:ext>
-              </a:extLst>
-            </p:cNvPr>
-            <p:cNvSpPr/>
-            <p:nvPr/>
-          </p:nvSpPr>
-          <p:spPr>
-            <a:xfrm>
-              <a:off x="5811182" y="1981666"/>
-              <a:ext cx="1039205" cy="372291"/>
-            </a:xfrm>
-            <a:prstGeom prst="roundRect">
-              <a:avLst/>
-            </a:prstGeom>
-            <a:solidFill>
-              <a:srgbClr val="FFFF00"/>
-            </a:solidFill>
-            <a:ln>
-              <a:noFill/>
-            </a:ln>
-          </p:spPr>
-          <p:style>
-            <a:lnRef idx="2">
-              <a:schemeClr val="accent1">
-                <a:shade val="50000"/>
-              </a:schemeClr>
-            </a:lnRef>
-            <a:fillRef idx="1">
-              <a:schemeClr val="accent1"/>
-            </a:fillRef>
-            <a:effectRef idx="0">
-              <a:schemeClr val="accent1"/>
-            </a:effectRef>
-            <a:fontRef idx="minor">
-              <a:schemeClr val="lt1"/>
-            </a:fontRef>
-          </p:style>
-          <p:txBody>
-            <a:bodyPr rtlCol="0" anchor="ctr"/>
-            <a:lstStyle/>
-            <a:p>
-              <a:pPr marL="0" marR="0" lvl="0" indent="0" algn="ctr" defTabSz="914400" rtl="0" eaLnBrk="1" fontAlgn="auto" latinLnBrk="0" hangingPunct="1">
-                <a:lnSpc>
-                  <a:spcPct val="100000"/>
-                </a:lnSpc>
-                <a:spcBef>
-                  <a:spcPts val="0"/>
-                </a:spcBef>
-                <a:spcAft>
-                  <a:spcPts val="0"/>
-                </a:spcAft>
-                <a:buClrTx/>
-                <a:buSzTx/>
-                <a:buFontTx/>
-                <a:buNone/>
-                <a:tabLst/>
-                <a:defRPr/>
-              </a:pPr>
-              <a:r>
-                <a:rPr kumimoji="1" lang="en-US" altLang="ja-JP" sz="1100" noProof="0" dirty="0">
-                  <a:solidFill>
-                    <a:prstClr val="black"/>
-                  </a:solidFill>
-                  <a:latin typeface="Calibri"/>
-                  <a:ea typeface="ＭＳ Ｐゴシック" panose="020B0600070205080204" pitchFamily="50" charset="-128"/>
-                </a:rPr>
-                <a:t>Management</a:t>
-              </a:r>
-              <a:endParaRPr kumimoji="1" lang="en-US" altLang="ja-JP" sz="1100" b="0" i="0" u="none" strike="noStrike" kern="1200" cap="none" spc="0" normalizeH="0" baseline="0" noProof="0" dirty="0">
-                <a:ln>
-                  <a:noFill/>
-                </a:ln>
+              </a:rPr>
+              <a:t>､</a:t>
+            </a:r>
+            <a:r>
+              <a:rPr kumimoji="1" lang="ja-JP" altLang="en-US" sz="1200" dirty="0">
                 <a:solidFill>
                   <a:prstClr val="black"/>
                 </a:solidFill>
-                <a:effectLst/>
-                <a:uLnTx/>
-                <a:uFillTx/>
-                <a:latin typeface="Calibri"/>
-                <a:ea typeface="ＭＳ Ｐゴシック" panose="020B0600070205080204" pitchFamily="50" charset="-128"/>
-              </a:endParaRPr>
-            </a:p>
-          </p:txBody>
-        </p:sp>
-        <p:cxnSp>
-          <p:nvCxnSpPr>
-            <p:cNvPr id="56" name="直線矢印コネクタ 55">
-              <a:extLst>
-                <a:ext uri="{FF2B5EF4-FFF2-40B4-BE49-F238E27FC236}">
-                  <a16:creationId xmlns:a16="http://schemas.microsoft.com/office/drawing/2014/main" id="{0F3198F3-B473-49AB-AF2D-7EE74EB14D81}"/>
-                </a:ext>
-              </a:extLst>
-            </p:cNvPr>
-            <p:cNvCxnSpPr>
-              <a:cxnSpLocks/>
-              <a:stCxn id="55" idx="0"/>
-              <a:endCxn id="61" idx="1"/>
-            </p:cNvCxnSpPr>
-            <p:nvPr/>
-          </p:nvCxnSpPr>
-          <p:spPr>
-            <a:xfrm flipV="1">
-              <a:off x="7413840" y="1879514"/>
-              <a:ext cx="1296280" cy="668832"/>
-            </a:xfrm>
-            <a:prstGeom prst="straightConnector1">
-              <a:avLst/>
-            </a:prstGeom>
-            <a:ln w="38100">
-              <a:solidFill>
-                <a:srgbClr val="FFC000"/>
-              </a:solidFill>
-              <a:tailEnd type="triangle"/>
-            </a:ln>
-          </p:spPr>
-          <p:style>
-            <a:lnRef idx="1">
-              <a:schemeClr val="accent1"/>
-            </a:lnRef>
-            <a:fillRef idx="0">
-              <a:schemeClr val="accent1"/>
-            </a:fillRef>
-            <a:effectRef idx="0">
-              <a:schemeClr val="accent1"/>
-            </a:effectRef>
-            <a:fontRef idx="minor">
-              <a:schemeClr val="tx1"/>
-            </a:fontRef>
-          </p:style>
-        </p:cxnSp>
-        <p:cxnSp>
-          <p:nvCxnSpPr>
-            <p:cNvPr id="86" name="直線矢印コネクタ 85">
-              <a:extLst>
-                <a:ext uri="{FF2B5EF4-FFF2-40B4-BE49-F238E27FC236}">
-                  <a16:creationId xmlns:a16="http://schemas.microsoft.com/office/drawing/2014/main" id="{27F132D1-801E-44B0-8A71-BF7F69C418E1}"/>
-                </a:ext>
-              </a:extLst>
-            </p:cNvPr>
-            <p:cNvCxnSpPr>
-              <a:cxnSpLocks/>
-            </p:cNvCxnSpPr>
-            <p:nvPr/>
-          </p:nvCxnSpPr>
-          <p:spPr>
-            <a:xfrm>
-              <a:off x="6978369" y="4222718"/>
-              <a:ext cx="1936504" cy="0"/>
-            </a:xfrm>
-            <a:prstGeom prst="straightConnector1">
-              <a:avLst/>
-            </a:prstGeom>
-            <a:ln w="38100">
-              <a:solidFill>
-                <a:srgbClr val="0070C0"/>
-              </a:solidFill>
-              <a:tailEnd type="triangle"/>
-            </a:ln>
-          </p:spPr>
-          <p:style>
-            <a:lnRef idx="1">
-              <a:schemeClr val="accent1"/>
-            </a:lnRef>
-            <a:fillRef idx="0">
-              <a:schemeClr val="accent1"/>
-            </a:fillRef>
-            <a:effectRef idx="0">
-              <a:schemeClr val="accent1"/>
-            </a:effectRef>
-            <a:fontRef idx="minor">
-              <a:schemeClr val="tx1"/>
-            </a:fontRef>
-          </p:style>
-        </p:cxnSp>
-        <p:sp>
-          <p:nvSpPr>
-            <p:cNvPr id="87" name="テキスト ボックス 86">
-              <a:extLst>
-                <a:ext uri="{FF2B5EF4-FFF2-40B4-BE49-F238E27FC236}">
-                  <a16:creationId xmlns:a16="http://schemas.microsoft.com/office/drawing/2014/main" id="{9583A253-DADE-4B31-AAD9-EF598107C2BC}"/>
-                </a:ext>
-              </a:extLst>
-            </p:cNvPr>
-            <p:cNvSpPr txBox="1"/>
-            <p:nvPr/>
-          </p:nvSpPr>
-          <p:spPr>
-            <a:xfrm>
-              <a:off x="7834337" y="3950873"/>
-              <a:ext cx="1021433" cy="276999"/>
-            </a:xfrm>
-            <a:prstGeom prst="rect">
-              <a:avLst/>
-            </a:prstGeom>
-            <a:noFill/>
-          </p:spPr>
-          <p:txBody>
-            <a:bodyPr wrap="none" rtlCol="0">
-              <a:spAutoFit/>
-            </a:bodyPr>
-            <a:lstStyle/>
-            <a:p>
-              <a:pPr lvl="0">
-                <a:defRPr/>
-              </a:pPr>
-              <a:r>
-                <a:rPr kumimoji="1" lang="ja-JP" altLang="en-US" sz="1200" dirty="0">
-                  <a:solidFill>
-                    <a:prstClr val="black"/>
-                  </a:solidFill>
-                </a:rPr>
-                <a:t>役務</a:t>
-              </a:r>
-              <a:r>
-                <a:rPr kumimoji="1" lang="en-US" altLang="ja-JP" sz="1200" dirty="0">
-                  <a:solidFill>
-                    <a:prstClr val="black"/>
-                  </a:solidFill>
-                </a:rPr>
-                <a:t>､</a:t>
-              </a:r>
-              <a:r>
-                <a:rPr kumimoji="1" lang="ja-JP" altLang="en-US" sz="1200" dirty="0">
-                  <a:solidFill>
-                    <a:prstClr val="black"/>
-                  </a:solidFill>
-                </a:rPr>
-                <a:t>成果物</a:t>
-              </a:r>
-            </a:p>
-          </p:txBody>
-        </p:sp>
-      </p:grpSp>
+              </a:rPr>
+              <a:t>成果物</a:t>
+            </a:r>
+          </a:p>
+        </p:txBody>
+      </p:sp>
     </p:spTree>
     <p:extLst>
       <p:ext uri="{BB962C8B-B14F-4D97-AF65-F5344CB8AC3E}">

--- a/CaseStudy/BusinessFlow/BusinessFlow-CE.pptx
+++ b/CaseStudy/BusinessFlow/BusinessFlow-CE.pptx
@@ -210,7 +210,7 @@
           <a:p>
             <a:fld id="{AACA0F1E-6A7A-408C-9B73-64CA77DFA15B}" type="datetimeFigureOut">
               <a:rPr kumimoji="1" lang="ja-JP" altLang="en-US" smtClean="0"/>
-              <a:t>2018/11/29</a:t>
+              <a:t>2018/11/30</a:t>
             </a:fld>
             <a:endParaRPr kumimoji="1" lang="ja-JP" altLang="en-US"/>
           </a:p>
@@ -640,7 +640,7 @@
           <a:p>
             <a:fld id="{51684739-6B5A-4F8B-B16A-0057429AE121}" type="datetime1">
               <a:rPr kumimoji="1" lang="ja-JP" altLang="en-US" smtClean="0"/>
-              <a:t>2018/11/29</a:t>
+              <a:t>2018/11/30</a:t>
             </a:fld>
             <a:endParaRPr kumimoji="1" lang="ja-JP" altLang="en-US"/>
           </a:p>
@@ -846,7 +846,7 @@
           <a:p>
             <a:fld id="{D6C24767-C37E-45FC-97CA-CB11AB76749C}" type="datetime1">
               <a:rPr kumimoji="1" lang="ja-JP" altLang="en-US" smtClean="0"/>
-              <a:t>2018/11/29</a:t>
+              <a:t>2018/11/30</a:t>
             </a:fld>
             <a:endParaRPr kumimoji="1" lang="ja-JP" altLang="en-US"/>
           </a:p>
@@ -1062,7 +1062,7 @@
           <a:p>
             <a:fld id="{7BA61CA7-7D10-4549-A359-CC229CBEA567}" type="datetime1">
               <a:rPr kumimoji="1" lang="ja-JP" altLang="en-US" smtClean="0"/>
-              <a:t>2018/11/29</a:t>
+              <a:t>2018/11/30</a:t>
             </a:fld>
             <a:endParaRPr kumimoji="1" lang="ja-JP" altLang="en-US"/>
           </a:p>
@@ -2201,7 +2201,7 @@
           <a:p>
             <a:fld id="{F068AB85-2ACE-4F70-9090-AAB334D4C59F}" type="datetimeFigureOut">
               <a:rPr kumimoji="1" lang="ja-JP" altLang="en-US" smtClean="0"/>
-              <a:t>2018/11/29</a:t>
+              <a:t>2018/11/30</a:t>
             </a:fld>
             <a:endParaRPr kumimoji="1" lang="ja-JP" altLang="en-US"/>
           </a:p>
@@ -2431,7 +2431,7 @@
           <a:p>
             <a:fld id="{F068AB85-2ACE-4F70-9090-AAB334D4C59F}" type="datetimeFigureOut">
               <a:rPr kumimoji="1" lang="ja-JP" altLang="en-US" smtClean="0"/>
-              <a:t>2018/11/29</a:t>
+              <a:t>2018/11/30</a:t>
             </a:fld>
             <a:endParaRPr kumimoji="1" lang="ja-JP" altLang="en-US"/>
           </a:p>
@@ -2706,7 +2706,7 @@
           <a:p>
             <a:fld id="{F068AB85-2ACE-4F70-9090-AAB334D4C59F}" type="datetimeFigureOut">
               <a:rPr kumimoji="1" lang="ja-JP" altLang="en-US" smtClean="0"/>
-              <a:t>2018/11/29</a:t>
+              <a:t>2018/11/30</a:t>
             </a:fld>
             <a:endParaRPr kumimoji="1" lang="ja-JP" altLang="en-US"/>
           </a:p>
@@ -3035,7 +3035,7 @@
           <a:p>
             <a:fld id="{F068AB85-2ACE-4F70-9090-AAB334D4C59F}" type="datetimeFigureOut">
               <a:rPr kumimoji="1" lang="ja-JP" altLang="en-US" smtClean="0"/>
-              <a:t>2018/11/29</a:t>
+              <a:t>2018/11/30</a:t>
             </a:fld>
             <a:endParaRPr kumimoji="1" lang="ja-JP" altLang="en-US"/>
           </a:p>
@@ -3249,7 +3249,7 @@
           <a:p>
             <a:fld id="{B46D0EEA-4AC9-487F-BF7E-E7ADE265C8B1}" type="datetime1">
               <a:rPr kumimoji="1" lang="ja-JP" altLang="en-US" smtClean="0"/>
-              <a:t>2018/11/29</a:t>
+              <a:t>2018/11/30</a:t>
             </a:fld>
             <a:endParaRPr kumimoji="1" lang="ja-JP" altLang="en-US"/>
           </a:p>
@@ -3716,7 +3716,7 @@
           <a:p>
             <a:fld id="{F068AB85-2ACE-4F70-9090-AAB334D4C59F}" type="datetimeFigureOut">
               <a:rPr kumimoji="1" lang="ja-JP" altLang="en-US" smtClean="0"/>
-              <a:t>2018/11/29</a:t>
+              <a:t>2018/11/30</a:t>
             </a:fld>
             <a:endParaRPr kumimoji="1" lang="ja-JP" altLang="en-US"/>
           </a:p>
@@ -3857,7 +3857,7 @@
           <a:p>
             <a:fld id="{F068AB85-2ACE-4F70-9090-AAB334D4C59F}" type="datetimeFigureOut">
               <a:rPr kumimoji="1" lang="ja-JP" altLang="en-US" smtClean="0"/>
-              <a:t>2018/11/29</a:t>
+              <a:t>2018/11/30</a:t>
             </a:fld>
             <a:endParaRPr kumimoji="1" lang="ja-JP" altLang="en-US"/>
           </a:p>
@@ -3970,7 +3970,7 @@
           <a:p>
             <a:fld id="{F068AB85-2ACE-4F70-9090-AAB334D4C59F}" type="datetimeFigureOut">
               <a:rPr kumimoji="1" lang="ja-JP" altLang="en-US" smtClean="0"/>
-              <a:t>2018/11/29</a:t>
+              <a:t>2018/11/30</a:t>
             </a:fld>
             <a:endParaRPr kumimoji="1" lang="ja-JP" altLang="en-US"/>
           </a:p>
@@ -4313,7 +4313,7 @@
           <a:p>
             <a:fld id="{F068AB85-2ACE-4F70-9090-AAB334D4C59F}" type="datetimeFigureOut">
               <a:rPr kumimoji="1" lang="ja-JP" altLang="en-US" smtClean="0"/>
-              <a:t>2018/11/29</a:t>
+              <a:t>2018/11/30</a:t>
             </a:fld>
             <a:endParaRPr kumimoji="1" lang="ja-JP" altLang="en-US"/>
           </a:p>
@@ -4601,7 +4601,7 @@
           <a:p>
             <a:fld id="{F068AB85-2ACE-4F70-9090-AAB334D4C59F}" type="datetimeFigureOut">
               <a:rPr kumimoji="1" lang="ja-JP" altLang="en-US" smtClean="0"/>
-              <a:t>2018/11/29</a:t>
+              <a:t>2018/11/30</a:t>
             </a:fld>
             <a:endParaRPr kumimoji="1" lang="ja-JP" altLang="en-US"/>
           </a:p>
@@ -4831,7 +4831,7 @@
           <a:p>
             <a:fld id="{F068AB85-2ACE-4F70-9090-AAB334D4C59F}" type="datetimeFigureOut">
               <a:rPr kumimoji="1" lang="ja-JP" altLang="en-US" smtClean="0"/>
-              <a:t>2018/11/29</a:t>
+              <a:t>2018/11/30</a:t>
             </a:fld>
             <a:endParaRPr kumimoji="1" lang="ja-JP" altLang="en-US"/>
           </a:p>
@@ -5071,7 +5071,7 @@
           <a:p>
             <a:fld id="{F068AB85-2ACE-4F70-9090-AAB334D4C59F}" type="datetimeFigureOut">
               <a:rPr kumimoji="1" lang="ja-JP" altLang="en-US" smtClean="0"/>
-              <a:t>2018/11/29</a:t>
+              <a:t>2018/11/30</a:t>
             </a:fld>
             <a:endParaRPr kumimoji="1" lang="ja-JP" altLang="en-US"/>
           </a:p>
@@ -5329,7 +5329,7 @@
           <a:p>
             <a:fld id="{9AD472B9-0DC0-43A3-A586-259C5CCCC7B7}" type="datetime1">
               <a:rPr kumimoji="1" lang="ja-JP" altLang="en-US" smtClean="0"/>
-              <a:t>2018/11/29</a:t>
+              <a:t>2018/11/30</a:t>
             </a:fld>
             <a:endParaRPr kumimoji="1" lang="ja-JP" altLang="en-US"/>
           </a:p>
@@ -5684,7 +5684,7 @@
           <a:p>
             <a:fld id="{FCE8AD0A-FF56-440C-8866-2DBB85638F26}" type="datetime1">
               <a:rPr kumimoji="1" lang="ja-JP" altLang="en-US" smtClean="0"/>
-              <a:t>2018/11/29</a:t>
+              <a:t>2018/11/30</a:t>
             </a:fld>
             <a:endParaRPr kumimoji="1" lang="ja-JP" altLang="en-US"/>
           </a:p>
@@ -6175,7 +6175,7 @@
           <a:p>
             <a:fld id="{B98F01A6-9B05-4412-9B66-4612911364EA}" type="datetime1">
               <a:rPr kumimoji="1" lang="ja-JP" altLang="en-US" smtClean="0"/>
-              <a:t>2018/11/29</a:t>
+              <a:t>2018/11/30</a:t>
             </a:fld>
             <a:endParaRPr kumimoji="1" lang="ja-JP" altLang="en-US"/>
           </a:p>
@@ -6297,7 +6297,7 @@
           <a:p>
             <a:fld id="{930E7C22-1549-405D-A0B3-B16D97AD5E99}" type="datetime1">
               <a:rPr kumimoji="1" lang="ja-JP" altLang="en-US" smtClean="0"/>
-              <a:t>2018/11/29</a:t>
+              <a:t>2018/11/30</a:t>
             </a:fld>
             <a:endParaRPr kumimoji="1" lang="ja-JP" altLang="en-US"/>
           </a:p>
@@ -6396,7 +6396,7 @@
           <a:p>
             <a:fld id="{C15DACC1-FFB1-4714-840C-A511AA693359}" type="datetime1">
               <a:rPr kumimoji="1" lang="ja-JP" altLang="en-US" smtClean="0"/>
-              <a:t>2018/11/29</a:t>
+              <a:t>2018/11/30</a:t>
             </a:fld>
             <a:endParaRPr kumimoji="1" lang="ja-JP" altLang="en-US"/>
           </a:p>
@@ -6709,7 +6709,7 @@
           <a:p>
             <a:fld id="{5F86D9A3-D474-427A-8BEC-4724A22B28E1}" type="datetime1">
               <a:rPr kumimoji="1" lang="ja-JP" altLang="en-US" smtClean="0"/>
-              <a:t>2018/11/29</a:t>
+              <a:t>2018/11/30</a:t>
             </a:fld>
             <a:endParaRPr kumimoji="1" lang="ja-JP" altLang="en-US"/>
           </a:p>
@@ -6970,7 +6970,7 @@
           <a:p>
             <a:fld id="{9DFBE405-2BEB-4CB5-9650-43A5C6CAEB09}" type="datetime1">
               <a:rPr kumimoji="1" lang="ja-JP" altLang="en-US" smtClean="0"/>
-              <a:t>2018/11/29</a:t>
+              <a:t>2018/11/30</a:t>
             </a:fld>
             <a:endParaRPr kumimoji="1" lang="ja-JP" altLang="en-US"/>
           </a:p>
@@ -7218,7 +7218,7 @@
           <a:p>
             <a:fld id="{AE379D9F-14C0-4FEA-A161-9952562F370E}" type="datetime1">
               <a:rPr kumimoji="1" lang="ja-JP" altLang="en-US" smtClean="0"/>
-              <a:t>2018/11/29</a:t>
+              <a:t>2018/11/30</a:t>
             </a:fld>
             <a:endParaRPr kumimoji="1" lang="ja-JP" altLang="en-US"/>
           </a:p>
@@ -8208,7 +8208,7 @@
           <a:p>
             <a:fld id="{F068AB85-2ACE-4F70-9090-AAB334D4C59F}" type="datetimeFigureOut">
               <a:rPr kumimoji="1" lang="ja-JP" altLang="en-US" smtClean="0"/>
-              <a:t>2018/11/29</a:t>
+              <a:t>2018/11/30</a:t>
             </a:fld>
             <a:endParaRPr kumimoji="1" lang="ja-JP" altLang="en-US"/>
           </a:p>
@@ -21565,1561 +21565,6 @@
       </p:sp>
       <p:sp>
         <p:nvSpPr>
-          <p:cNvPr id="3" name="四角形: 角を丸くする 2">
-            <a:extLst>
-              <a:ext uri="{FF2B5EF4-FFF2-40B4-BE49-F238E27FC236}">
-                <a16:creationId xmlns:a16="http://schemas.microsoft.com/office/drawing/2014/main" id="{2C34A4A2-6303-43D7-A31A-2AA017E830C7}"/>
-              </a:ext>
-            </a:extLst>
-          </p:cNvPr>
-          <p:cNvSpPr/>
-          <p:nvPr/>
-        </p:nvSpPr>
-        <p:spPr>
-          <a:xfrm>
-            <a:off x="520912" y="2284389"/>
-            <a:ext cx="1733005" cy="3204754"/>
-          </a:xfrm>
-          <a:prstGeom prst="roundRect">
-            <a:avLst/>
-          </a:prstGeom>
-          <a:solidFill>
-            <a:srgbClr val="00B050"/>
-          </a:solidFill>
-          <a:ln>
-            <a:solidFill>
-              <a:srgbClr val="00B050"/>
-            </a:solidFill>
-          </a:ln>
-        </p:spPr>
-        <p:style>
-          <a:lnRef idx="2">
-            <a:schemeClr val="accent1">
-              <a:shade val="50000"/>
-            </a:schemeClr>
-          </a:lnRef>
-          <a:fillRef idx="1">
-            <a:schemeClr val="accent1"/>
-          </a:fillRef>
-          <a:effectRef idx="0">
-            <a:schemeClr val="accent1"/>
-          </a:effectRef>
-          <a:fontRef idx="minor">
-            <a:schemeClr val="lt1"/>
-          </a:fontRef>
-        </p:style>
-        <p:txBody>
-          <a:bodyPr rtlCol="0" anchor="ctr"/>
-          <a:lstStyle/>
-          <a:p>
-            <a:pPr marL="0" marR="0" lvl="0" indent="0" algn="ctr" defTabSz="914400" rtl="0" eaLnBrk="1" fontAlgn="auto" latinLnBrk="0" hangingPunct="1">
-              <a:lnSpc>
-                <a:spcPct val="100000"/>
-              </a:lnSpc>
-              <a:spcBef>
-                <a:spcPts val="0"/>
-              </a:spcBef>
-              <a:spcAft>
-                <a:spcPts val="0"/>
-              </a:spcAft>
-              <a:buClrTx/>
-              <a:buSzTx/>
-              <a:buFontTx/>
-              <a:buNone/>
-              <a:tabLst/>
-              <a:defRPr/>
-            </a:pPr>
-            <a:r>
-              <a:rPr kumimoji="1" lang="en-US" altLang="ja-JP" dirty="0">
-                <a:solidFill>
-                  <a:schemeClr val="bg1"/>
-                </a:solidFill>
-                <a:latin typeface="Calibri"/>
-                <a:ea typeface="ＭＳ Ｐゴシック" panose="020B0600070205080204" pitchFamily="50" charset="-128"/>
-              </a:rPr>
-              <a:t>Supplier</a:t>
-            </a:r>
-            <a:endParaRPr kumimoji="1" lang="en-US" altLang="ja-JP" sz="1800" b="0" i="0" u="none" strike="noStrike" kern="1200" cap="none" spc="0" normalizeH="0" baseline="0" noProof="0" dirty="0">
-              <a:ln>
-                <a:noFill/>
-              </a:ln>
-              <a:solidFill>
-                <a:schemeClr val="bg1"/>
-              </a:solidFill>
-              <a:effectLst/>
-              <a:uLnTx/>
-              <a:uFillTx/>
-              <a:latin typeface="Calibri"/>
-              <a:ea typeface="ＭＳ Ｐゴシック" panose="020B0600070205080204" pitchFamily="50" charset="-128"/>
-            </a:endParaRPr>
-          </a:p>
-        </p:txBody>
-      </p:sp>
-      <p:sp>
-        <p:nvSpPr>
-          <p:cNvPr id="7" name="四角形: 角を丸くする 6">
-            <a:extLst>
-              <a:ext uri="{FF2B5EF4-FFF2-40B4-BE49-F238E27FC236}">
-                <a16:creationId xmlns:a16="http://schemas.microsoft.com/office/drawing/2014/main" id="{8E1A5EC1-C62A-4EBD-8155-D9DD4151CBB7}"/>
-              </a:ext>
-            </a:extLst>
-          </p:cNvPr>
-          <p:cNvSpPr/>
-          <p:nvPr/>
-        </p:nvSpPr>
-        <p:spPr>
-          <a:xfrm>
-            <a:off x="3617350" y="274774"/>
-            <a:ext cx="4464203" cy="5202913"/>
-          </a:xfrm>
-          <a:prstGeom prst="roundRect">
-            <a:avLst/>
-          </a:prstGeom>
-          <a:solidFill>
-            <a:schemeClr val="accent1">
-              <a:lumMod val="60000"/>
-              <a:lumOff val="40000"/>
-            </a:schemeClr>
-          </a:solidFill>
-        </p:spPr>
-        <p:style>
-          <a:lnRef idx="2">
-            <a:schemeClr val="accent1">
-              <a:shade val="50000"/>
-            </a:schemeClr>
-          </a:lnRef>
-          <a:fillRef idx="1">
-            <a:schemeClr val="accent1"/>
-          </a:fillRef>
-          <a:effectRef idx="0">
-            <a:schemeClr val="accent1"/>
-          </a:effectRef>
-          <a:fontRef idx="minor">
-            <a:schemeClr val="lt1"/>
-          </a:fontRef>
-        </p:style>
-        <p:txBody>
-          <a:bodyPr rtlCol="0" anchor="ctr"/>
-          <a:lstStyle/>
-          <a:p>
-            <a:pPr marL="0" marR="0" lvl="0" indent="0" algn="ctr" defTabSz="914400" rtl="0" eaLnBrk="1" fontAlgn="auto" latinLnBrk="0" hangingPunct="1">
-              <a:lnSpc>
-                <a:spcPct val="100000"/>
-              </a:lnSpc>
-              <a:spcBef>
-                <a:spcPts val="0"/>
-              </a:spcBef>
-              <a:spcAft>
-                <a:spcPts val="0"/>
-              </a:spcAft>
-              <a:buClrTx/>
-              <a:buSzTx/>
-              <a:buFontTx/>
-              <a:buNone/>
-              <a:tabLst/>
-              <a:defRPr/>
-            </a:pPr>
-            <a:endParaRPr kumimoji="1" lang="ja-JP" altLang="en-US" sz="1800" b="0" i="0" u="none" strike="noStrike" kern="1200" cap="none" spc="0" normalizeH="0" baseline="0" noProof="0">
-              <a:ln>
-                <a:noFill/>
-              </a:ln>
-              <a:solidFill>
-                <a:prstClr val="white"/>
-              </a:solidFill>
-              <a:effectLst/>
-              <a:uLnTx/>
-              <a:uFillTx/>
-              <a:latin typeface="Calibri"/>
-              <a:ea typeface="ＭＳ Ｐゴシック" panose="020B0600070205080204" pitchFamily="50" charset="-128"/>
-              <a:cs typeface="+mn-cs"/>
-            </a:endParaRPr>
-          </a:p>
-        </p:txBody>
-      </p:sp>
-      <p:sp>
-        <p:nvSpPr>
-          <p:cNvPr id="8" name="四角形: 角を丸くする 7">
-            <a:extLst>
-              <a:ext uri="{FF2B5EF4-FFF2-40B4-BE49-F238E27FC236}">
-                <a16:creationId xmlns:a16="http://schemas.microsoft.com/office/drawing/2014/main" id="{89052F24-0417-4CDA-8638-962F182F5F29}"/>
-              </a:ext>
-            </a:extLst>
-          </p:cNvPr>
-          <p:cNvSpPr/>
-          <p:nvPr/>
-        </p:nvSpPr>
-        <p:spPr>
-          <a:xfrm>
-            <a:off x="8800457" y="2416188"/>
-            <a:ext cx="1733005" cy="3204754"/>
-          </a:xfrm>
-          <a:prstGeom prst="roundRect">
-            <a:avLst/>
-          </a:prstGeom>
-          <a:solidFill>
-            <a:srgbClr val="00B050"/>
-          </a:solidFill>
-          <a:ln>
-            <a:solidFill>
-              <a:srgbClr val="00B050"/>
-            </a:solidFill>
-          </a:ln>
-        </p:spPr>
-        <p:style>
-          <a:lnRef idx="2">
-            <a:schemeClr val="accent1">
-              <a:shade val="50000"/>
-            </a:schemeClr>
-          </a:lnRef>
-          <a:fillRef idx="1">
-            <a:schemeClr val="accent1"/>
-          </a:fillRef>
-          <a:effectRef idx="0">
-            <a:schemeClr val="accent1"/>
-          </a:effectRef>
-          <a:fontRef idx="minor">
-            <a:schemeClr val="lt1"/>
-          </a:fontRef>
-        </p:style>
-        <p:txBody>
-          <a:bodyPr rtlCol="0" anchor="ctr"/>
-          <a:lstStyle/>
-          <a:p>
-            <a:pPr marL="0" marR="0" lvl="0" indent="0" algn="ctr" defTabSz="914400" rtl="0" eaLnBrk="1" fontAlgn="auto" latinLnBrk="0" hangingPunct="1">
-              <a:lnSpc>
-                <a:spcPct val="100000"/>
-              </a:lnSpc>
-              <a:spcBef>
-                <a:spcPts val="0"/>
-              </a:spcBef>
-              <a:spcAft>
-                <a:spcPts val="0"/>
-              </a:spcAft>
-              <a:buClrTx/>
-              <a:buSzTx/>
-              <a:buFontTx/>
-              <a:buNone/>
-              <a:tabLst/>
-              <a:defRPr/>
-            </a:pPr>
-            <a:r>
-              <a:rPr kumimoji="1" lang="en-US" altLang="ja-JP" dirty="0">
-                <a:solidFill>
-                  <a:schemeClr val="bg1"/>
-                </a:solidFill>
-                <a:latin typeface="Calibri"/>
-                <a:ea typeface="ＭＳ Ｐゴシック" panose="020B0600070205080204" pitchFamily="50" charset="-128"/>
-              </a:rPr>
-              <a:t>Recipient</a:t>
-            </a:r>
-            <a:endParaRPr kumimoji="1" lang="ja-JP" altLang="en-US" sz="1800" b="0" i="0" u="none" strike="noStrike" kern="1200" cap="none" spc="0" normalizeH="0" baseline="0" noProof="0" dirty="0">
-              <a:ln>
-                <a:noFill/>
-              </a:ln>
-              <a:solidFill>
-                <a:schemeClr val="bg1"/>
-              </a:solidFill>
-              <a:effectLst/>
-              <a:uLnTx/>
-              <a:uFillTx/>
-              <a:latin typeface="Calibri"/>
-              <a:ea typeface="ＭＳ Ｐゴシック" panose="020B0600070205080204" pitchFamily="50" charset="-128"/>
-            </a:endParaRPr>
-          </a:p>
-        </p:txBody>
-      </p:sp>
-      <p:sp>
-        <p:nvSpPr>
-          <p:cNvPr id="10" name="四角形: 角を丸くする 9">
-            <a:extLst>
-              <a:ext uri="{FF2B5EF4-FFF2-40B4-BE49-F238E27FC236}">
-                <a16:creationId xmlns:a16="http://schemas.microsoft.com/office/drawing/2014/main" id="{3E8CA6F4-9AF7-4331-9663-D13706D8F841}"/>
-              </a:ext>
-            </a:extLst>
-          </p:cNvPr>
-          <p:cNvSpPr/>
-          <p:nvPr/>
-        </p:nvSpPr>
-        <p:spPr>
-          <a:xfrm>
-            <a:off x="4249891" y="5639776"/>
-            <a:ext cx="3561795" cy="631076"/>
-          </a:xfrm>
-          <a:prstGeom prst="roundRect">
-            <a:avLst/>
-          </a:prstGeom>
-          <a:solidFill>
-            <a:srgbClr val="00B050"/>
-          </a:solidFill>
-          <a:ln>
-            <a:solidFill>
-              <a:srgbClr val="00B050"/>
-            </a:solidFill>
-          </a:ln>
-        </p:spPr>
-        <p:style>
-          <a:lnRef idx="2">
-            <a:schemeClr val="accent1">
-              <a:shade val="50000"/>
-            </a:schemeClr>
-          </a:lnRef>
-          <a:fillRef idx="1">
-            <a:schemeClr val="accent1"/>
-          </a:fillRef>
-          <a:effectRef idx="0">
-            <a:schemeClr val="accent1"/>
-          </a:effectRef>
-          <a:fontRef idx="minor">
-            <a:schemeClr val="lt1"/>
-          </a:fontRef>
-        </p:style>
-        <p:txBody>
-          <a:bodyPr rtlCol="0" anchor="ctr"/>
-          <a:lstStyle/>
-          <a:p>
-            <a:pPr marL="0" marR="0" lvl="0" indent="0" algn="ctr" defTabSz="914400" rtl="0" eaLnBrk="1" fontAlgn="auto" latinLnBrk="0" hangingPunct="1">
-              <a:lnSpc>
-                <a:spcPct val="100000"/>
-              </a:lnSpc>
-              <a:spcBef>
-                <a:spcPts val="0"/>
-              </a:spcBef>
-              <a:spcAft>
-                <a:spcPts val="0"/>
-              </a:spcAft>
-              <a:buClrTx/>
-              <a:buSzTx/>
-              <a:buFontTx/>
-              <a:buNone/>
-              <a:tabLst/>
-              <a:defRPr/>
-            </a:pPr>
-            <a:r>
-              <a:rPr kumimoji="1" lang="en-US" altLang="ja-JP" dirty="0">
-                <a:solidFill>
-                  <a:schemeClr val="bg1"/>
-                </a:solidFill>
-                <a:latin typeface="Calibri"/>
-                <a:ea typeface="ＭＳ Ｐゴシック" panose="020B0600070205080204" pitchFamily="50" charset="-128"/>
-              </a:rPr>
-              <a:t>OSS</a:t>
-            </a:r>
-            <a:r>
-              <a:rPr kumimoji="1" lang="ja-JP" altLang="en-US" dirty="0">
-                <a:solidFill>
-                  <a:schemeClr val="bg1"/>
-                </a:solidFill>
-                <a:latin typeface="Calibri"/>
-                <a:ea typeface="ＭＳ Ｐゴシック" panose="020B0600070205080204" pitchFamily="50" charset="-128"/>
-              </a:rPr>
-              <a:t> </a:t>
-            </a:r>
-            <a:r>
-              <a:rPr kumimoji="1" lang="en-US" altLang="ja-JP" dirty="0">
-                <a:solidFill>
-                  <a:schemeClr val="bg1"/>
-                </a:solidFill>
-                <a:latin typeface="Calibri"/>
-                <a:ea typeface="ＭＳ Ｐゴシック" panose="020B0600070205080204" pitchFamily="50" charset="-128"/>
-              </a:rPr>
-              <a:t>community</a:t>
-            </a:r>
-            <a:endParaRPr kumimoji="1" lang="ja-JP" altLang="en-US" sz="1800" b="0" i="0" u="none" strike="noStrike" kern="1200" cap="none" spc="0" normalizeH="0" baseline="0" noProof="0" dirty="0">
-              <a:ln>
-                <a:noFill/>
-              </a:ln>
-              <a:solidFill>
-                <a:schemeClr val="bg1"/>
-              </a:solidFill>
-              <a:effectLst/>
-              <a:uLnTx/>
-              <a:uFillTx/>
-              <a:latin typeface="Calibri"/>
-              <a:ea typeface="ＭＳ Ｐゴシック" panose="020B0600070205080204" pitchFamily="50" charset="-128"/>
-            </a:endParaRPr>
-          </a:p>
-        </p:txBody>
-      </p:sp>
-      <p:sp>
-        <p:nvSpPr>
-          <p:cNvPr id="11" name="四角形: 角を丸くする 10">
-            <a:extLst>
-              <a:ext uri="{FF2B5EF4-FFF2-40B4-BE49-F238E27FC236}">
-                <a16:creationId xmlns:a16="http://schemas.microsoft.com/office/drawing/2014/main" id="{AFB6E93C-9793-472A-B955-A686FAC84609}"/>
-              </a:ext>
-            </a:extLst>
-          </p:cNvPr>
-          <p:cNvSpPr/>
-          <p:nvPr/>
-        </p:nvSpPr>
-        <p:spPr>
-          <a:xfrm>
-            <a:off x="4836750" y="2514111"/>
-            <a:ext cx="2145891" cy="1090564"/>
-          </a:xfrm>
-          <a:prstGeom prst="roundRect">
-            <a:avLst/>
-          </a:prstGeom>
-          <a:solidFill>
-            <a:srgbClr val="FFFF00"/>
-          </a:solidFill>
-          <a:ln>
-            <a:noFill/>
-          </a:ln>
-        </p:spPr>
-        <p:style>
-          <a:lnRef idx="2">
-            <a:schemeClr val="accent1">
-              <a:shade val="50000"/>
-            </a:schemeClr>
-          </a:lnRef>
-          <a:fillRef idx="1">
-            <a:schemeClr val="accent1"/>
-          </a:fillRef>
-          <a:effectRef idx="0">
-            <a:schemeClr val="accent1"/>
-          </a:effectRef>
-          <a:fontRef idx="minor">
-            <a:schemeClr val="lt1"/>
-          </a:fontRef>
-        </p:style>
-        <p:txBody>
-          <a:bodyPr rtlCol="0" anchor="ctr"/>
-          <a:lstStyle/>
-          <a:p>
-            <a:pPr marL="0" marR="0" lvl="0" indent="0" algn="ctr" defTabSz="914400" rtl="0" eaLnBrk="1" fontAlgn="auto" latinLnBrk="0" hangingPunct="1">
-              <a:lnSpc>
-                <a:spcPct val="100000"/>
-              </a:lnSpc>
-              <a:spcBef>
-                <a:spcPts val="0"/>
-              </a:spcBef>
-              <a:spcAft>
-                <a:spcPts val="0"/>
-              </a:spcAft>
-              <a:buClrTx/>
-              <a:buSzTx/>
-              <a:buFontTx/>
-              <a:buNone/>
-              <a:tabLst/>
-              <a:defRPr/>
-            </a:pPr>
-            <a:r>
-              <a:rPr kumimoji="1" lang="en-US" altLang="ja-JP" dirty="0">
-                <a:solidFill>
-                  <a:prstClr val="black"/>
-                </a:solidFill>
-                <a:latin typeface="Calibri"/>
-                <a:ea typeface="ＭＳ Ｐゴシック" panose="020B0600070205080204" pitchFamily="50" charset="-128"/>
-              </a:rPr>
-              <a:t>Software Development</a:t>
-            </a:r>
-            <a:endParaRPr kumimoji="1" lang="en-US" altLang="ja-JP" sz="1800" b="0" i="0" u="none" strike="noStrike" kern="1200" cap="none" spc="0" normalizeH="0" baseline="0" noProof="0" dirty="0">
-              <a:ln>
-                <a:noFill/>
-              </a:ln>
-              <a:solidFill>
-                <a:prstClr val="black"/>
-              </a:solidFill>
-              <a:effectLst/>
-              <a:uLnTx/>
-              <a:uFillTx/>
-              <a:latin typeface="Calibri"/>
-              <a:ea typeface="ＭＳ Ｐゴシック" panose="020B0600070205080204" pitchFamily="50" charset="-128"/>
-              <a:cs typeface="+mn-cs"/>
-            </a:endParaRPr>
-          </a:p>
-        </p:txBody>
-      </p:sp>
-      <p:sp>
-        <p:nvSpPr>
-          <p:cNvPr id="17" name="四角形: 角を丸くする 16">
-            <a:extLst>
-              <a:ext uri="{FF2B5EF4-FFF2-40B4-BE49-F238E27FC236}">
-                <a16:creationId xmlns:a16="http://schemas.microsoft.com/office/drawing/2014/main" id="{04085E13-10DF-491F-B9A2-245D5988475A}"/>
-              </a:ext>
-            </a:extLst>
-          </p:cNvPr>
-          <p:cNvSpPr/>
-          <p:nvPr/>
-        </p:nvSpPr>
-        <p:spPr>
-          <a:xfrm>
-            <a:off x="3634563" y="840166"/>
-            <a:ext cx="1083537" cy="372291"/>
-          </a:xfrm>
-          <a:prstGeom prst="roundRect">
-            <a:avLst/>
-          </a:prstGeom>
-          <a:solidFill>
-            <a:srgbClr val="FFFF00"/>
-          </a:solidFill>
-          <a:ln>
-            <a:noFill/>
-          </a:ln>
-        </p:spPr>
-        <p:style>
-          <a:lnRef idx="2">
-            <a:schemeClr val="accent1">
-              <a:shade val="50000"/>
-            </a:schemeClr>
-          </a:lnRef>
-          <a:fillRef idx="1">
-            <a:schemeClr val="accent1"/>
-          </a:fillRef>
-          <a:effectRef idx="0">
-            <a:schemeClr val="accent1"/>
-          </a:effectRef>
-          <a:fontRef idx="minor">
-            <a:schemeClr val="lt1"/>
-          </a:fontRef>
-        </p:style>
-        <p:txBody>
-          <a:bodyPr rtlCol="0" anchor="ctr"/>
-          <a:lstStyle/>
-          <a:p>
-            <a:pPr marL="0" marR="0" lvl="0" indent="0" algn="ctr" defTabSz="914400" rtl="0" eaLnBrk="1" fontAlgn="auto" latinLnBrk="0" hangingPunct="1">
-              <a:lnSpc>
-                <a:spcPct val="100000"/>
-              </a:lnSpc>
-              <a:spcBef>
-                <a:spcPts val="0"/>
-              </a:spcBef>
-              <a:spcAft>
-                <a:spcPts val="0"/>
-              </a:spcAft>
-              <a:buClrTx/>
-              <a:buSzTx/>
-              <a:buFontTx/>
-              <a:buNone/>
-              <a:tabLst/>
-              <a:defRPr/>
-            </a:pPr>
-            <a:r>
-              <a:rPr kumimoji="1" lang="en-US" altLang="ja-JP" sz="1400" dirty="0">
-                <a:solidFill>
-                  <a:prstClr val="black"/>
-                </a:solidFill>
-                <a:latin typeface="Calibri"/>
-                <a:ea typeface="ＭＳ Ｐゴシック" panose="020B0600070205080204" pitchFamily="50" charset="-128"/>
-              </a:rPr>
-              <a:t>Software</a:t>
-            </a:r>
-            <a:r>
-              <a:rPr kumimoji="1" lang="ja-JP" altLang="en-US" sz="1400" dirty="0">
-                <a:solidFill>
-                  <a:prstClr val="black"/>
-                </a:solidFill>
-                <a:latin typeface="Calibri"/>
-                <a:ea typeface="ＭＳ Ｐゴシック" panose="020B0600070205080204" pitchFamily="50" charset="-128"/>
-              </a:rPr>
-              <a:t> </a:t>
-            </a:r>
-            <a:r>
-              <a:rPr kumimoji="1" lang="en-US" altLang="ja-JP" sz="1400" dirty="0">
-                <a:solidFill>
-                  <a:prstClr val="black"/>
-                </a:solidFill>
-                <a:latin typeface="Calibri"/>
-                <a:ea typeface="ＭＳ Ｐゴシック" panose="020B0600070205080204" pitchFamily="50" charset="-128"/>
-              </a:rPr>
-              <a:t>Contract</a:t>
-            </a:r>
-            <a:endParaRPr kumimoji="1" lang="en-US" altLang="ja-JP" sz="1400" b="0" i="0" u="none" strike="noStrike" kern="1200" cap="none" spc="0" normalizeH="0" baseline="0" noProof="0" dirty="0">
-              <a:ln>
-                <a:noFill/>
-              </a:ln>
-              <a:solidFill>
-                <a:prstClr val="black"/>
-              </a:solidFill>
-              <a:effectLst/>
-              <a:uLnTx/>
-              <a:uFillTx/>
-              <a:latin typeface="Calibri"/>
-              <a:ea typeface="ＭＳ Ｐゴシック" panose="020B0600070205080204" pitchFamily="50" charset="-128"/>
-              <a:cs typeface="+mn-cs"/>
-            </a:endParaRPr>
-          </a:p>
-        </p:txBody>
-      </p:sp>
-      <p:sp>
-        <p:nvSpPr>
-          <p:cNvPr id="19" name="四角形: 角を丸くする 18">
-            <a:extLst>
-              <a:ext uri="{FF2B5EF4-FFF2-40B4-BE49-F238E27FC236}">
-                <a16:creationId xmlns:a16="http://schemas.microsoft.com/office/drawing/2014/main" id="{6523DCD1-17EA-4908-91AA-938632C2087D}"/>
-              </a:ext>
-            </a:extLst>
-          </p:cNvPr>
-          <p:cNvSpPr/>
-          <p:nvPr/>
-        </p:nvSpPr>
-        <p:spPr>
-          <a:xfrm>
-            <a:off x="4831301" y="2021815"/>
-            <a:ext cx="979357" cy="422550"/>
-          </a:xfrm>
-          <a:prstGeom prst="roundRect">
-            <a:avLst/>
-          </a:prstGeom>
-          <a:solidFill>
-            <a:srgbClr val="FFFF00"/>
-          </a:solidFill>
-          <a:ln>
-            <a:noFill/>
-          </a:ln>
-        </p:spPr>
-        <p:style>
-          <a:lnRef idx="2">
-            <a:schemeClr val="accent1">
-              <a:shade val="50000"/>
-            </a:schemeClr>
-          </a:lnRef>
-          <a:fillRef idx="1">
-            <a:schemeClr val="accent1"/>
-          </a:fillRef>
-          <a:effectRef idx="0">
-            <a:schemeClr val="accent1"/>
-          </a:effectRef>
-          <a:fontRef idx="minor">
-            <a:schemeClr val="lt1"/>
-          </a:fontRef>
-        </p:style>
-        <p:txBody>
-          <a:bodyPr rtlCol="0" anchor="ctr"/>
-          <a:lstStyle/>
-          <a:p>
-            <a:pPr marL="0" marR="0" lvl="0" indent="0" algn="ctr" defTabSz="914400" rtl="0" eaLnBrk="1" fontAlgn="auto" latinLnBrk="0" hangingPunct="1">
-              <a:lnSpc>
-                <a:spcPct val="100000"/>
-              </a:lnSpc>
-              <a:spcBef>
-                <a:spcPts val="0"/>
-              </a:spcBef>
-              <a:spcAft>
-                <a:spcPts val="0"/>
-              </a:spcAft>
-              <a:buClrTx/>
-              <a:buSzTx/>
-              <a:buFontTx/>
-              <a:buNone/>
-              <a:tabLst/>
-              <a:defRPr/>
-            </a:pPr>
-            <a:r>
-              <a:rPr kumimoji="1" lang="en-US" altLang="ja-JP" sz="1200" dirty="0">
-                <a:solidFill>
-                  <a:prstClr val="black"/>
-                </a:solidFill>
-                <a:latin typeface="Calibri"/>
-                <a:ea typeface="ＭＳ Ｐゴシック" panose="020B0600070205080204" pitchFamily="50" charset="-128"/>
-              </a:rPr>
-              <a:t>Software</a:t>
-            </a:r>
-            <a:r>
-              <a:rPr kumimoji="1" lang="ja-JP" altLang="en-US" sz="1200" dirty="0">
-                <a:solidFill>
-                  <a:prstClr val="black"/>
-                </a:solidFill>
-                <a:latin typeface="Calibri"/>
-                <a:ea typeface="ＭＳ Ｐゴシック" panose="020B0600070205080204" pitchFamily="50" charset="-128"/>
-              </a:rPr>
-              <a:t> </a:t>
-            </a:r>
-            <a:r>
-              <a:rPr kumimoji="1" lang="en-US" altLang="ja-JP" sz="1200" dirty="0">
-                <a:solidFill>
-                  <a:prstClr val="black"/>
-                </a:solidFill>
-                <a:latin typeface="Calibri"/>
-                <a:ea typeface="ＭＳ Ｐゴシック" panose="020B0600070205080204" pitchFamily="50" charset="-128"/>
-              </a:rPr>
-              <a:t>Verification</a:t>
-            </a:r>
-            <a:endParaRPr kumimoji="1" lang="en-US" altLang="ja-JP" sz="1200" b="0" i="0" u="none" strike="noStrike" kern="1200" cap="none" spc="0" normalizeH="0" baseline="0" noProof="0" dirty="0">
-              <a:ln>
-                <a:noFill/>
-              </a:ln>
-              <a:solidFill>
-                <a:prstClr val="black"/>
-              </a:solidFill>
-              <a:effectLst/>
-              <a:uLnTx/>
-              <a:uFillTx/>
-              <a:latin typeface="Calibri"/>
-              <a:ea typeface="ＭＳ Ｐゴシック" panose="020B0600070205080204" pitchFamily="50" charset="-128"/>
-              <a:cs typeface="+mn-cs"/>
-            </a:endParaRPr>
-          </a:p>
-        </p:txBody>
-      </p:sp>
-      <p:cxnSp>
-        <p:nvCxnSpPr>
-          <p:cNvPr id="21" name="直線矢印コネクタ 20">
-            <a:extLst>
-              <a:ext uri="{FF2B5EF4-FFF2-40B4-BE49-F238E27FC236}">
-                <a16:creationId xmlns:a16="http://schemas.microsoft.com/office/drawing/2014/main" id="{BF8045E8-B913-4E84-B739-F112D5CF6173}"/>
-              </a:ext>
-            </a:extLst>
-          </p:cNvPr>
-          <p:cNvCxnSpPr>
-            <a:cxnSpLocks/>
-          </p:cNvCxnSpPr>
-          <p:nvPr/>
-        </p:nvCxnSpPr>
-        <p:spPr>
-          <a:xfrm flipV="1">
-            <a:off x="2268641" y="2829194"/>
-            <a:ext cx="1609840" cy="23440"/>
-          </a:xfrm>
-          <a:prstGeom prst="straightConnector1">
-            <a:avLst/>
-          </a:prstGeom>
-          <a:ln w="38100">
-            <a:solidFill>
-              <a:schemeClr val="tx1"/>
-            </a:solidFill>
-            <a:tailEnd type="triangle"/>
-          </a:ln>
-        </p:spPr>
-        <p:style>
-          <a:lnRef idx="1">
-            <a:schemeClr val="accent1"/>
-          </a:lnRef>
-          <a:fillRef idx="0">
-            <a:schemeClr val="accent1"/>
-          </a:fillRef>
-          <a:effectRef idx="0">
-            <a:schemeClr val="accent1"/>
-          </a:effectRef>
-          <a:fontRef idx="minor">
-            <a:schemeClr val="tx1"/>
-          </a:fontRef>
-        </p:style>
-      </p:cxnSp>
-      <p:sp>
-        <p:nvSpPr>
-          <p:cNvPr id="22" name="テキスト ボックス 21">
-            <a:extLst>
-              <a:ext uri="{FF2B5EF4-FFF2-40B4-BE49-F238E27FC236}">
-                <a16:creationId xmlns:a16="http://schemas.microsoft.com/office/drawing/2014/main" id="{E9894525-D21A-419D-9CDA-8648B20773CA}"/>
-              </a:ext>
-            </a:extLst>
-          </p:cNvPr>
-          <p:cNvSpPr txBox="1"/>
-          <p:nvPr/>
-        </p:nvSpPr>
-        <p:spPr>
-          <a:xfrm>
-            <a:off x="2443759" y="2514110"/>
-            <a:ext cx="810928" cy="307777"/>
-          </a:xfrm>
-          <a:prstGeom prst="rect">
-            <a:avLst/>
-          </a:prstGeom>
-          <a:noFill/>
-        </p:spPr>
-        <p:txBody>
-          <a:bodyPr wrap="none" rtlCol="0">
-            <a:spAutoFit/>
-          </a:bodyPr>
-          <a:lstStyle/>
-          <a:p>
-            <a:pPr marL="0" marR="0" lvl="0" indent="0" algn="l" defTabSz="914400" rtl="0" eaLnBrk="1" fontAlgn="auto" latinLnBrk="0" hangingPunct="1">
-              <a:lnSpc>
-                <a:spcPct val="100000"/>
-              </a:lnSpc>
-              <a:spcBef>
-                <a:spcPts val="0"/>
-              </a:spcBef>
-              <a:spcAft>
-                <a:spcPts val="0"/>
-              </a:spcAft>
-              <a:buClrTx/>
-              <a:buSzTx/>
-              <a:buFontTx/>
-              <a:buNone/>
-              <a:tabLst/>
-              <a:defRPr/>
-            </a:pPr>
-            <a:r>
-              <a:rPr kumimoji="1" lang="en-US" altLang="ja-JP" sz="1400" dirty="0">
-                <a:solidFill>
-                  <a:prstClr val="black"/>
-                </a:solidFill>
-                <a:latin typeface="Calibri"/>
-                <a:ea typeface="ＭＳ Ｐゴシック" panose="020B0600070205080204" pitchFamily="50" charset="-128"/>
-              </a:rPr>
-              <a:t>Contract</a:t>
-            </a:r>
-            <a:endParaRPr kumimoji="1" lang="ja-JP" altLang="en-US" sz="1400" b="0" i="0" u="none" strike="noStrike" kern="1200" cap="none" spc="0" normalizeH="0" baseline="0" noProof="0" dirty="0">
-              <a:ln>
-                <a:noFill/>
-              </a:ln>
-              <a:solidFill>
-                <a:prstClr val="black"/>
-              </a:solidFill>
-              <a:effectLst/>
-              <a:uLnTx/>
-              <a:uFillTx/>
-              <a:latin typeface="Calibri"/>
-              <a:ea typeface="ＭＳ Ｐゴシック" panose="020B0600070205080204" pitchFamily="50" charset="-128"/>
-              <a:cs typeface="+mn-cs"/>
-            </a:endParaRPr>
-          </a:p>
-        </p:txBody>
-      </p:sp>
-      <p:cxnSp>
-        <p:nvCxnSpPr>
-          <p:cNvPr id="23" name="直線矢印コネクタ 22">
-            <a:extLst>
-              <a:ext uri="{FF2B5EF4-FFF2-40B4-BE49-F238E27FC236}">
-                <a16:creationId xmlns:a16="http://schemas.microsoft.com/office/drawing/2014/main" id="{D6DB3BC3-1EA4-43D8-9CB5-F47C3248820F}"/>
-              </a:ext>
-            </a:extLst>
-          </p:cNvPr>
-          <p:cNvCxnSpPr>
-            <a:cxnSpLocks/>
-          </p:cNvCxnSpPr>
-          <p:nvPr/>
-        </p:nvCxnSpPr>
-        <p:spPr>
-          <a:xfrm>
-            <a:off x="2268641" y="3008211"/>
-            <a:ext cx="1590791" cy="0"/>
-          </a:xfrm>
-          <a:prstGeom prst="straightConnector1">
-            <a:avLst/>
-          </a:prstGeom>
-          <a:ln w="38100">
-            <a:solidFill>
-              <a:srgbClr val="FFC000"/>
-            </a:solidFill>
-            <a:tailEnd type="triangle"/>
-          </a:ln>
-        </p:spPr>
-        <p:style>
-          <a:lnRef idx="1">
-            <a:schemeClr val="accent1"/>
-          </a:lnRef>
-          <a:fillRef idx="0">
-            <a:schemeClr val="accent1"/>
-          </a:fillRef>
-          <a:effectRef idx="0">
-            <a:schemeClr val="accent1"/>
-          </a:effectRef>
-          <a:fontRef idx="minor">
-            <a:schemeClr val="tx1"/>
-          </a:fontRef>
-        </p:style>
-      </p:cxnSp>
-      <p:cxnSp>
-        <p:nvCxnSpPr>
-          <p:cNvPr id="24" name="直線矢印コネクタ 23">
-            <a:extLst>
-              <a:ext uri="{FF2B5EF4-FFF2-40B4-BE49-F238E27FC236}">
-                <a16:creationId xmlns:a16="http://schemas.microsoft.com/office/drawing/2014/main" id="{22A2176F-C7E0-4A62-BB89-872E3A8450C7}"/>
-              </a:ext>
-            </a:extLst>
-          </p:cNvPr>
-          <p:cNvCxnSpPr>
-            <a:cxnSpLocks/>
-          </p:cNvCxnSpPr>
-          <p:nvPr/>
-        </p:nvCxnSpPr>
-        <p:spPr>
-          <a:xfrm flipV="1">
-            <a:off x="2253917" y="3524015"/>
-            <a:ext cx="1700839" cy="24243"/>
-          </a:xfrm>
-          <a:prstGeom prst="straightConnector1">
-            <a:avLst/>
-          </a:prstGeom>
-          <a:ln w="38100">
-            <a:solidFill>
-              <a:srgbClr val="FF0000"/>
-            </a:solidFill>
-            <a:tailEnd type="triangle"/>
-          </a:ln>
-        </p:spPr>
-        <p:style>
-          <a:lnRef idx="1">
-            <a:schemeClr val="accent1"/>
-          </a:lnRef>
-          <a:fillRef idx="0">
-            <a:schemeClr val="accent1"/>
-          </a:fillRef>
-          <a:effectRef idx="0">
-            <a:schemeClr val="accent1"/>
-          </a:effectRef>
-          <a:fontRef idx="minor">
-            <a:schemeClr val="tx1"/>
-          </a:fontRef>
-        </p:style>
-      </p:cxnSp>
-      <p:sp>
-        <p:nvSpPr>
-          <p:cNvPr id="25" name="テキスト ボックス 24">
-            <a:extLst>
-              <a:ext uri="{FF2B5EF4-FFF2-40B4-BE49-F238E27FC236}">
-                <a16:creationId xmlns:a16="http://schemas.microsoft.com/office/drawing/2014/main" id="{B4C743F6-CC25-4B1A-8297-7D8799951F02}"/>
-              </a:ext>
-            </a:extLst>
-          </p:cNvPr>
-          <p:cNvSpPr txBox="1"/>
-          <p:nvPr/>
-        </p:nvSpPr>
-        <p:spPr>
-          <a:xfrm>
-            <a:off x="2211815" y="2991283"/>
-            <a:ext cx="1704441" cy="523220"/>
-          </a:xfrm>
-          <a:prstGeom prst="rect">
-            <a:avLst/>
-          </a:prstGeom>
-          <a:noFill/>
-        </p:spPr>
-        <p:txBody>
-          <a:bodyPr wrap="none" rtlCol="0">
-            <a:spAutoFit/>
-          </a:bodyPr>
-          <a:lstStyle/>
-          <a:p>
-            <a:pPr marL="0" marR="0" lvl="0" indent="0" algn="l" defTabSz="914400" rtl="0" eaLnBrk="1" fontAlgn="auto" latinLnBrk="0" hangingPunct="1">
-              <a:lnSpc>
-                <a:spcPct val="100000"/>
-              </a:lnSpc>
-              <a:spcBef>
-                <a:spcPts val="0"/>
-              </a:spcBef>
-              <a:spcAft>
-                <a:spcPts val="0"/>
-              </a:spcAft>
-              <a:buClrTx/>
-              <a:buSzTx/>
-              <a:buFontTx/>
-              <a:buNone/>
-              <a:tabLst/>
-              <a:defRPr/>
-            </a:pPr>
-            <a:r>
-              <a:rPr kumimoji="1" lang="en-US" altLang="ja-JP" sz="1400" b="0" i="0" u="none" strike="noStrike" kern="1200" cap="none" spc="0" normalizeH="0" baseline="0" noProof="0" dirty="0">
-                <a:ln>
-                  <a:noFill/>
-                </a:ln>
-                <a:solidFill>
-                  <a:prstClr val="black"/>
-                </a:solidFill>
-                <a:effectLst/>
-                <a:uLnTx/>
-                <a:uFillTx/>
-                <a:latin typeface="Calibri"/>
-                <a:ea typeface="ＭＳ Ｐゴシック" panose="020B0600070205080204" pitchFamily="50" charset="-128"/>
-                <a:cs typeface="+mn-cs"/>
-              </a:rPr>
-              <a:t>Proprietary Software</a:t>
-            </a:r>
-          </a:p>
-          <a:p>
-            <a:pPr marL="0" marR="0" lvl="0" indent="0" algn="l" defTabSz="914400" rtl="0" eaLnBrk="1" fontAlgn="auto" latinLnBrk="0" hangingPunct="1">
-              <a:lnSpc>
-                <a:spcPct val="100000"/>
-              </a:lnSpc>
-              <a:spcBef>
-                <a:spcPts val="0"/>
-              </a:spcBef>
-              <a:spcAft>
-                <a:spcPts val="0"/>
-              </a:spcAft>
-              <a:buClrTx/>
-              <a:buSzTx/>
-              <a:buFontTx/>
-              <a:buNone/>
-              <a:tabLst/>
-              <a:defRPr/>
-            </a:pPr>
-            <a:r>
-              <a:rPr kumimoji="1" lang="ja-JP" altLang="en-US" sz="1400" b="0" i="0" u="none" strike="noStrike" kern="1200" cap="none" spc="0" normalizeH="0" baseline="0" noProof="0" dirty="0">
-                <a:ln>
-                  <a:noFill/>
-                </a:ln>
-                <a:solidFill>
-                  <a:prstClr val="black"/>
-                </a:solidFill>
-                <a:effectLst/>
-                <a:uLnTx/>
-                <a:uFillTx/>
-                <a:latin typeface="Calibri"/>
-                <a:ea typeface="ＭＳ Ｐゴシック" panose="020B0600070205080204" pitchFamily="50" charset="-128"/>
-                <a:cs typeface="+mn-cs"/>
-              </a:rPr>
-              <a:t>（</a:t>
-            </a:r>
-            <a:r>
-              <a:rPr kumimoji="1" lang="en-US" altLang="ja-JP" sz="1400" b="0" i="0" u="none" strike="noStrike" kern="1200" cap="none" spc="0" normalizeH="0" baseline="0" noProof="0" dirty="0">
-                <a:ln>
-                  <a:noFill/>
-                </a:ln>
-                <a:solidFill>
-                  <a:prstClr val="black"/>
-                </a:solidFill>
-                <a:effectLst/>
-                <a:uLnTx/>
-                <a:uFillTx/>
-                <a:latin typeface="Calibri"/>
-                <a:ea typeface="ＭＳ Ｐゴシック" panose="020B0600070205080204" pitchFamily="50" charset="-128"/>
-                <a:cs typeface="+mn-cs"/>
-              </a:rPr>
-              <a:t>incl. OSS</a:t>
-            </a:r>
-            <a:r>
-              <a:rPr kumimoji="1" lang="ja-JP" altLang="en-US" sz="1400" b="0" i="0" u="none" strike="noStrike" kern="1200" cap="none" spc="0" normalizeH="0" baseline="0" noProof="0" dirty="0">
-                <a:ln>
-                  <a:noFill/>
-                </a:ln>
-                <a:solidFill>
-                  <a:prstClr val="black"/>
-                </a:solidFill>
-                <a:effectLst/>
-                <a:uLnTx/>
-                <a:uFillTx/>
-                <a:latin typeface="Calibri"/>
-                <a:ea typeface="ＭＳ Ｐゴシック" panose="020B0600070205080204" pitchFamily="50" charset="-128"/>
-                <a:cs typeface="+mn-cs"/>
-              </a:rPr>
-              <a:t>）</a:t>
-            </a:r>
-          </a:p>
-        </p:txBody>
-      </p:sp>
-      <p:cxnSp>
-        <p:nvCxnSpPr>
-          <p:cNvPr id="29" name="直線矢印コネクタ 28">
-            <a:extLst>
-              <a:ext uri="{FF2B5EF4-FFF2-40B4-BE49-F238E27FC236}">
-                <a16:creationId xmlns:a16="http://schemas.microsoft.com/office/drawing/2014/main" id="{C9876905-EE9C-4F1C-8F91-A9DF1AB0B922}"/>
-              </a:ext>
-            </a:extLst>
-          </p:cNvPr>
-          <p:cNvCxnSpPr>
-            <a:cxnSpLocks/>
-          </p:cNvCxnSpPr>
-          <p:nvPr/>
-        </p:nvCxnSpPr>
-        <p:spPr>
-          <a:xfrm flipV="1">
-            <a:off x="7776755" y="2619950"/>
-            <a:ext cx="1148566" cy="13771"/>
-          </a:xfrm>
-          <a:prstGeom prst="straightConnector1">
-            <a:avLst/>
-          </a:prstGeom>
-          <a:ln w="38100">
-            <a:solidFill>
-              <a:schemeClr val="tx1"/>
-            </a:solidFill>
-            <a:tailEnd type="triangle"/>
-          </a:ln>
-        </p:spPr>
-        <p:style>
-          <a:lnRef idx="1">
-            <a:schemeClr val="accent1"/>
-          </a:lnRef>
-          <a:fillRef idx="0">
-            <a:schemeClr val="accent1"/>
-          </a:fillRef>
-          <a:effectRef idx="0">
-            <a:schemeClr val="accent1"/>
-          </a:effectRef>
-          <a:fontRef idx="minor">
-            <a:schemeClr val="tx1"/>
-          </a:fontRef>
-        </p:style>
-      </p:cxnSp>
-      <p:cxnSp>
-        <p:nvCxnSpPr>
-          <p:cNvPr id="31" name="直線矢印コネクタ 30">
-            <a:extLst>
-              <a:ext uri="{FF2B5EF4-FFF2-40B4-BE49-F238E27FC236}">
-                <a16:creationId xmlns:a16="http://schemas.microsoft.com/office/drawing/2014/main" id="{266003C7-C2C5-4BB9-ADBE-8E0BFA5AA82D}"/>
-              </a:ext>
-            </a:extLst>
-          </p:cNvPr>
-          <p:cNvCxnSpPr>
-            <a:cxnSpLocks/>
-          </p:cNvCxnSpPr>
-          <p:nvPr/>
-        </p:nvCxnSpPr>
-        <p:spPr>
-          <a:xfrm flipV="1">
-            <a:off x="7750358" y="3068547"/>
-            <a:ext cx="1148566" cy="0"/>
-          </a:xfrm>
-          <a:prstGeom prst="straightConnector1">
-            <a:avLst/>
-          </a:prstGeom>
-          <a:ln w="38100">
-            <a:solidFill>
-              <a:srgbClr val="FFC000"/>
-            </a:solidFill>
-            <a:tailEnd type="triangle"/>
-          </a:ln>
-        </p:spPr>
-        <p:style>
-          <a:lnRef idx="1">
-            <a:schemeClr val="accent1"/>
-          </a:lnRef>
-          <a:fillRef idx="0">
-            <a:schemeClr val="accent1"/>
-          </a:fillRef>
-          <a:effectRef idx="0">
-            <a:schemeClr val="accent1"/>
-          </a:effectRef>
-          <a:fontRef idx="minor">
-            <a:schemeClr val="tx1"/>
-          </a:fontRef>
-        </p:style>
-      </p:cxnSp>
-      <p:cxnSp>
-        <p:nvCxnSpPr>
-          <p:cNvPr id="32" name="直線矢印コネクタ 31">
-            <a:extLst>
-              <a:ext uri="{FF2B5EF4-FFF2-40B4-BE49-F238E27FC236}">
-                <a16:creationId xmlns:a16="http://schemas.microsoft.com/office/drawing/2014/main" id="{D00AF6E8-0ED9-474D-AA30-816429BC7242}"/>
-              </a:ext>
-            </a:extLst>
-          </p:cNvPr>
-          <p:cNvCxnSpPr>
-            <a:cxnSpLocks/>
-          </p:cNvCxnSpPr>
-          <p:nvPr/>
-        </p:nvCxnSpPr>
-        <p:spPr>
-          <a:xfrm>
-            <a:off x="7783410" y="3300805"/>
-            <a:ext cx="1141911" cy="0"/>
-          </a:xfrm>
-          <a:prstGeom prst="straightConnector1">
-            <a:avLst/>
-          </a:prstGeom>
-          <a:ln w="38100">
-            <a:solidFill>
-              <a:srgbClr val="FF0000"/>
-            </a:solidFill>
-            <a:tailEnd type="triangle"/>
-          </a:ln>
-        </p:spPr>
-        <p:style>
-          <a:lnRef idx="1">
-            <a:schemeClr val="accent1"/>
-          </a:lnRef>
-          <a:fillRef idx="0">
-            <a:schemeClr val="accent1"/>
-          </a:fillRef>
-          <a:effectRef idx="0">
-            <a:schemeClr val="accent1"/>
-          </a:effectRef>
-          <a:fontRef idx="minor">
-            <a:schemeClr val="tx1"/>
-          </a:fontRef>
-        </p:style>
-      </p:cxnSp>
-      <p:cxnSp>
-        <p:nvCxnSpPr>
-          <p:cNvPr id="40" name="直線矢印コネクタ 39">
-            <a:extLst>
-              <a:ext uri="{FF2B5EF4-FFF2-40B4-BE49-F238E27FC236}">
-                <a16:creationId xmlns:a16="http://schemas.microsoft.com/office/drawing/2014/main" id="{3CE0855D-F339-48A9-84B6-AE904974AB96}"/>
-              </a:ext>
-            </a:extLst>
-          </p:cNvPr>
-          <p:cNvCxnSpPr>
-            <a:cxnSpLocks/>
-            <a:endCxn id="62" idx="3"/>
-          </p:cNvCxnSpPr>
-          <p:nvPr/>
-        </p:nvCxnSpPr>
-        <p:spPr>
-          <a:xfrm flipH="1">
-            <a:off x="7915840" y="3784363"/>
-            <a:ext cx="1050458" cy="9359"/>
-          </a:xfrm>
-          <a:prstGeom prst="straightConnector1">
-            <a:avLst/>
-          </a:prstGeom>
-          <a:ln w="38100">
-            <a:solidFill>
-              <a:srgbClr val="FF0000"/>
-            </a:solidFill>
-            <a:tailEnd type="triangle"/>
-          </a:ln>
-        </p:spPr>
-        <p:style>
-          <a:lnRef idx="1">
-            <a:schemeClr val="accent1"/>
-          </a:lnRef>
-          <a:fillRef idx="0">
-            <a:schemeClr val="accent1"/>
-          </a:fillRef>
-          <a:effectRef idx="0">
-            <a:schemeClr val="accent1"/>
-          </a:effectRef>
-          <a:fontRef idx="minor">
-            <a:schemeClr val="tx1"/>
-          </a:fontRef>
-        </p:style>
-      </p:cxnSp>
-      <p:sp>
-        <p:nvSpPr>
-          <p:cNvPr id="41" name="四角形: 角を丸くする 40">
-            <a:extLst>
-              <a:ext uri="{FF2B5EF4-FFF2-40B4-BE49-F238E27FC236}">
-                <a16:creationId xmlns:a16="http://schemas.microsoft.com/office/drawing/2014/main" id="{62D9895C-A80B-4178-8F06-528C0E486442}"/>
-              </a:ext>
-            </a:extLst>
-          </p:cNvPr>
-          <p:cNvSpPr/>
-          <p:nvPr/>
-        </p:nvSpPr>
-        <p:spPr>
-          <a:xfrm>
-            <a:off x="3887996" y="2514110"/>
-            <a:ext cx="878000" cy="1090564"/>
-          </a:xfrm>
-          <a:prstGeom prst="roundRect">
-            <a:avLst/>
-          </a:prstGeom>
-          <a:solidFill>
-            <a:srgbClr val="FFFF00"/>
-          </a:solidFill>
-          <a:ln>
-            <a:noFill/>
-          </a:ln>
-        </p:spPr>
-        <p:style>
-          <a:lnRef idx="2">
-            <a:schemeClr val="accent1">
-              <a:shade val="50000"/>
-            </a:schemeClr>
-          </a:lnRef>
-          <a:fillRef idx="1">
-            <a:schemeClr val="accent1"/>
-          </a:fillRef>
-          <a:effectRef idx="0">
-            <a:schemeClr val="accent1"/>
-          </a:effectRef>
-          <a:fontRef idx="minor">
-            <a:schemeClr val="lt1"/>
-          </a:fontRef>
-        </p:style>
-        <p:txBody>
-          <a:bodyPr rtlCol="0" anchor="ctr"/>
-          <a:lstStyle/>
-          <a:p>
-            <a:pPr marL="0" marR="0" lvl="0" indent="0" algn="ctr" defTabSz="914400" rtl="0" eaLnBrk="1" fontAlgn="auto" latinLnBrk="0" hangingPunct="1">
-              <a:lnSpc>
-                <a:spcPct val="100000"/>
-              </a:lnSpc>
-              <a:spcBef>
-                <a:spcPts val="0"/>
-              </a:spcBef>
-              <a:spcAft>
-                <a:spcPts val="0"/>
-              </a:spcAft>
-              <a:buClrTx/>
-              <a:buSzTx/>
-              <a:buFontTx/>
-              <a:buNone/>
-              <a:tabLst/>
-              <a:defRPr/>
-            </a:pPr>
-            <a:r>
-              <a:rPr kumimoji="1" lang="en-US" altLang="ja-JP" sz="1400" dirty="0">
-                <a:solidFill>
-                  <a:prstClr val="black"/>
-                </a:solidFill>
-                <a:latin typeface="Calibri"/>
-                <a:ea typeface="ＭＳ Ｐゴシック" panose="020B0600070205080204" pitchFamily="50" charset="-128"/>
-              </a:rPr>
-              <a:t>Inbound</a:t>
-            </a:r>
-            <a:endParaRPr kumimoji="1" lang="ja-JP" altLang="en-US" sz="1600" b="0" i="0" u="none" strike="noStrike" kern="1200" cap="none" spc="0" normalizeH="0" baseline="0" noProof="0" dirty="0">
-              <a:ln>
-                <a:noFill/>
-              </a:ln>
-              <a:solidFill>
-                <a:prstClr val="black"/>
-              </a:solidFill>
-              <a:effectLst/>
-              <a:uLnTx/>
-              <a:uFillTx/>
-              <a:latin typeface="Calibri"/>
-              <a:ea typeface="ＭＳ Ｐゴシック" panose="020B0600070205080204" pitchFamily="50" charset="-128"/>
-              <a:cs typeface="+mn-cs"/>
-            </a:endParaRPr>
-          </a:p>
-        </p:txBody>
-      </p:sp>
-      <p:sp>
-        <p:nvSpPr>
-          <p:cNvPr id="43" name="四角形: 角を丸くする 42">
-            <a:extLst>
-              <a:ext uri="{FF2B5EF4-FFF2-40B4-BE49-F238E27FC236}">
-                <a16:creationId xmlns:a16="http://schemas.microsoft.com/office/drawing/2014/main" id="{B1FB880F-C922-4291-A896-B3BC079FD4D7}"/>
-              </a:ext>
-            </a:extLst>
-          </p:cNvPr>
-          <p:cNvSpPr/>
-          <p:nvPr/>
-        </p:nvSpPr>
-        <p:spPr>
-          <a:xfrm>
-            <a:off x="4743794" y="840166"/>
-            <a:ext cx="872447" cy="372291"/>
-          </a:xfrm>
-          <a:prstGeom prst="roundRect">
-            <a:avLst/>
-          </a:prstGeom>
-          <a:solidFill>
-            <a:srgbClr val="FFFF00"/>
-          </a:solidFill>
-          <a:ln>
-            <a:noFill/>
-          </a:ln>
-        </p:spPr>
-        <p:style>
-          <a:lnRef idx="2">
-            <a:schemeClr val="accent1">
-              <a:shade val="50000"/>
-            </a:schemeClr>
-          </a:lnRef>
-          <a:fillRef idx="1">
-            <a:schemeClr val="accent1"/>
-          </a:fillRef>
-          <a:effectRef idx="0">
-            <a:schemeClr val="accent1"/>
-          </a:effectRef>
-          <a:fontRef idx="minor">
-            <a:schemeClr val="lt1"/>
-          </a:fontRef>
-        </p:style>
-        <p:txBody>
-          <a:bodyPr rtlCol="0" anchor="ctr"/>
-          <a:lstStyle/>
-          <a:p>
-            <a:pPr marL="0" marR="0" lvl="0" indent="0" algn="ctr" defTabSz="914400" rtl="0" eaLnBrk="1" fontAlgn="auto" latinLnBrk="0" hangingPunct="1">
-              <a:lnSpc>
-                <a:spcPct val="100000"/>
-              </a:lnSpc>
-              <a:spcBef>
-                <a:spcPts val="0"/>
-              </a:spcBef>
-              <a:spcAft>
-                <a:spcPts val="0"/>
-              </a:spcAft>
-              <a:buClrTx/>
-              <a:buSzTx/>
-              <a:buFontTx/>
-              <a:buNone/>
-              <a:tabLst/>
-              <a:defRPr/>
-            </a:pPr>
-            <a:r>
-              <a:rPr kumimoji="1" lang="en-US" altLang="ja-JP" sz="1600" dirty="0">
-                <a:solidFill>
-                  <a:prstClr val="black"/>
-                </a:solidFill>
-                <a:latin typeface="Calibri"/>
-                <a:ea typeface="ＭＳ Ｐゴシック" panose="020B0600070205080204" pitchFamily="50" charset="-128"/>
-              </a:rPr>
-              <a:t>Patent</a:t>
-            </a:r>
-            <a:endParaRPr kumimoji="1" lang="ja-JP" altLang="en-US" sz="1800" b="0" i="0" u="none" strike="noStrike" kern="1200" cap="none" spc="0" normalizeH="0" baseline="0" noProof="0" dirty="0">
-              <a:ln>
-                <a:noFill/>
-              </a:ln>
-              <a:solidFill>
-                <a:prstClr val="black"/>
-              </a:solidFill>
-              <a:effectLst/>
-              <a:uLnTx/>
-              <a:uFillTx/>
-              <a:latin typeface="Calibri"/>
-              <a:ea typeface="ＭＳ Ｐゴシック" panose="020B0600070205080204" pitchFamily="50" charset="-128"/>
-              <a:cs typeface="+mn-cs"/>
-            </a:endParaRPr>
-          </a:p>
-        </p:txBody>
-      </p:sp>
-      <p:cxnSp>
-        <p:nvCxnSpPr>
-          <p:cNvPr id="44" name="直線矢印コネクタ 43">
-            <a:extLst>
-              <a:ext uri="{FF2B5EF4-FFF2-40B4-BE49-F238E27FC236}">
-                <a16:creationId xmlns:a16="http://schemas.microsoft.com/office/drawing/2014/main" id="{FDADA76A-F9C8-42B2-832F-693E5679D550}"/>
-              </a:ext>
-            </a:extLst>
-          </p:cNvPr>
-          <p:cNvCxnSpPr>
-            <a:cxnSpLocks/>
-          </p:cNvCxnSpPr>
-          <p:nvPr/>
-        </p:nvCxnSpPr>
-        <p:spPr>
-          <a:xfrm>
-            <a:off x="10137241" y="376340"/>
-            <a:ext cx="729150" cy="0"/>
-          </a:xfrm>
-          <a:prstGeom prst="straightConnector1">
-            <a:avLst/>
-          </a:prstGeom>
-          <a:ln w="38100">
-            <a:solidFill>
-              <a:schemeClr val="tx1"/>
-            </a:solidFill>
-            <a:tailEnd type="triangle"/>
-          </a:ln>
-        </p:spPr>
-        <p:style>
-          <a:lnRef idx="1">
-            <a:schemeClr val="accent1"/>
-          </a:lnRef>
-          <a:fillRef idx="0">
-            <a:schemeClr val="accent1"/>
-          </a:fillRef>
-          <a:effectRef idx="0">
-            <a:schemeClr val="accent1"/>
-          </a:effectRef>
-          <a:fontRef idx="minor">
-            <a:schemeClr val="tx1"/>
-          </a:fontRef>
-        </p:style>
-      </p:cxnSp>
-      <p:sp>
-        <p:nvSpPr>
-          <p:cNvPr id="45" name="テキスト ボックス 44">
-            <a:extLst>
-              <a:ext uri="{FF2B5EF4-FFF2-40B4-BE49-F238E27FC236}">
-                <a16:creationId xmlns:a16="http://schemas.microsoft.com/office/drawing/2014/main" id="{9583A253-DADE-4B31-AAD9-EF598107C2BC}"/>
-              </a:ext>
-            </a:extLst>
-          </p:cNvPr>
-          <p:cNvSpPr txBox="1"/>
-          <p:nvPr/>
-        </p:nvSpPr>
-        <p:spPr>
-          <a:xfrm>
-            <a:off x="9239101" y="475731"/>
-            <a:ext cx="745140" cy="276999"/>
-          </a:xfrm>
-          <a:prstGeom prst="rect">
-            <a:avLst/>
-          </a:prstGeom>
-          <a:noFill/>
-        </p:spPr>
-        <p:txBody>
-          <a:bodyPr wrap="none" rtlCol="0">
-            <a:spAutoFit/>
-          </a:bodyPr>
-          <a:lstStyle/>
-          <a:p>
-            <a:pPr marL="0" marR="0" lvl="0" indent="0" algn="l" defTabSz="914400" rtl="0" eaLnBrk="1" fontAlgn="auto" latinLnBrk="0" hangingPunct="1">
-              <a:lnSpc>
-                <a:spcPct val="100000"/>
-              </a:lnSpc>
-              <a:spcBef>
-                <a:spcPts val="0"/>
-              </a:spcBef>
-              <a:spcAft>
-                <a:spcPts val="0"/>
-              </a:spcAft>
-              <a:buClrTx/>
-              <a:buSzTx/>
-              <a:buFontTx/>
-              <a:buNone/>
-              <a:tabLst/>
-              <a:defRPr/>
-            </a:pPr>
-            <a:r>
-              <a:rPr kumimoji="1" lang="en-US" altLang="ja-JP" sz="1200" b="0" i="0" u="none" strike="noStrike" kern="1200" cap="none" spc="0" normalizeH="0" baseline="0" noProof="0" dirty="0">
-                <a:ln>
-                  <a:noFill/>
-                </a:ln>
-                <a:solidFill>
-                  <a:prstClr val="black"/>
-                </a:solidFill>
-                <a:effectLst/>
-                <a:uLnTx/>
-                <a:uFillTx/>
-                <a:latin typeface="Calibri"/>
-                <a:ea typeface="ＭＳ Ｐゴシック" panose="020B0600070205080204" pitchFamily="50" charset="-128"/>
-                <a:cs typeface="+mn-cs"/>
-              </a:rPr>
-              <a:t>Software</a:t>
-            </a:r>
-            <a:endParaRPr kumimoji="1" lang="ja-JP" altLang="en-US" sz="1200" b="0" i="0" u="none" strike="noStrike" kern="1200" cap="none" spc="0" normalizeH="0" baseline="0" noProof="0" dirty="0">
-              <a:ln>
-                <a:noFill/>
-              </a:ln>
-              <a:solidFill>
-                <a:prstClr val="black"/>
-              </a:solidFill>
-              <a:effectLst/>
-              <a:uLnTx/>
-              <a:uFillTx/>
-              <a:latin typeface="Calibri"/>
-              <a:ea typeface="ＭＳ Ｐゴシック" panose="020B0600070205080204" pitchFamily="50" charset="-128"/>
-              <a:cs typeface="+mn-cs"/>
-            </a:endParaRPr>
-          </a:p>
-        </p:txBody>
-      </p:sp>
-      <p:cxnSp>
-        <p:nvCxnSpPr>
-          <p:cNvPr id="46" name="直線矢印コネクタ 45">
-            <a:extLst>
-              <a:ext uri="{FF2B5EF4-FFF2-40B4-BE49-F238E27FC236}">
-                <a16:creationId xmlns:a16="http://schemas.microsoft.com/office/drawing/2014/main" id="{27F132D1-801E-44B0-8A71-BF7F69C418E1}"/>
-              </a:ext>
-            </a:extLst>
-          </p:cNvPr>
-          <p:cNvCxnSpPr>
-            <a:cxnSpLocks/>
-          </p:cNvCxnSpPr>
-          <p:nvPr/>
-        </p:nvCxnSpPr>
-        <p:spPr>
-          <a:xfrm>
-            <a:off x="10133342" y="616098"/>
-            <a:ext cx="729150" cy="0"/>
-          </a:xfrm>
-          <a:prstGeom prst="straightConnector1">
-            <a:avLst/>
-          </a:prstGeom>
-          <a:ln w="38100">
-            <a:solidFill>
-              <a:srgbClr val="FFC000"/>
-            </a:solidFill>
-            <a:tailEnd type="triangle"/>
-          </a:ln>
-        </p:spPr>
-        <p:style>
-          <a:lnRef idx="1">
-            <a:schemeClr val="accent1"/>
-          </a:lnRef>
-          <a:fillRef idx="0">
-            <a:schemeClr val="accent1"/>
-          </a:fillRef>
-          <a:effectRef idx="0">
-            <a:schemeClr val="accent1"/>
-          </a:effectRef>
-          <a:fontRef idx="minor">
-            <a:schemeClr val="tx1"/>
-          </a:fontRef>
-        </p:style>
-      </p:cxnSp>
-      <p:sp>
-        <p:nvSpPr>
           <p:cNvPr id="47" name="テキスト ボックス 46">
             <a:extLst>
               <a:ext uri="{FF2B5EF4-FFF2-40B4-BE49-F238E27FC236}">
@@ -23272,140 +21717,478 @@
           </a:p>
         </p:txBody>
       </p:sp>
-      <p:cxnSp>
-        <p:nvCxnSpPr>
-          <p:cNvPr id="49" name="直線矢印コネクタ 48">
+      <p:grpSp>
+        <p:nvGrpSpPr>
+          <p:cNvPr id="4" name="グループ化 3">
             <a:extLst>
               <a:ext uri="{FF2B5EF4-FFF2-40B4-BE49-F238E27FC236}">
-                <a16:creationId xmlns:a16="http://schemas.microsoft.com/office/drawing/2014/main" id="{C464B536-32C7-4CB4-A68D-DC849895144C}"/>
+                <a16:creationId xmlns:a16="http://schemas.microsoft.com/office/drawing/2014/main" id="{1DE24B51-D14A-4A3A-BDF2-AA480F2395BF}"/>
               </a:ext>
             </a:extLst>
           </p:cNvPr>
-          <p:cNvCxnSpPr>
-            <a:cxnSpLocks/>
-          </p:cNvCxnSpPr>
+          <p:cNvGrpSpPr/>
           <p:nvPr/>
-        </p:nvCxnSpPr>
-        <p:spPr>
+        </p:nvGrpSpPr>
+        <p:grpSpPr>
           <a:xfrm>
-            <a:off x="10133342" y="872442"/>
-            <a:ext cx="729150" cy="0"/>
+            <a:off x="520912" y="274774"/>
+            <a:ext cx="10596855" cy="5996078"/>
+            <a:chOff x="520912" y="274774"/>
+            <a:chExt cx="10596855" cy="5996078"/>
           </a:xfrm>
-          <a:prstGeom prst="straightConnector1">
-            <a:avLst/>
-          </a:prstGeom>
-          <a:ln w="38100">
+        </p:grpSpPr>
+        <p:sp>
+          <p:nvSpPr>
+            <p:cNvPr id="3" name="四角形: 角を丸くする 2">
+              <a:extLst>
+                <a:ext uri="{FF2B5EF4-FFF2-40B4-BE49-F238E27FC236}">
+                  <a16:creationId xmlns:a16="http://schemas.microsoft.com/office/drawing/2014/main" id="{2C34A4A2-6303-43D7-A31A-2AA017E830C7}"/>
+                </a:ext>
+              </a:extLst>
+            </p:cNvPr>
+            <p:cNvSpPr/>
+            <p:nvPr/>
+          </p:nvSpPr>
+          <p:spPr>
+            <a:xfrm>
+              <a:off x="520912" y="2284389"/>
+              <a:ext cx="1733005" cy="3204754"/>
+            </a:xfrm>
+            <a:prstGeom prst="roundRect">
+              <a:avLst/>
+            </a:prstGeom>
             <a:solidFill>
-              <a:srgbClr val="FF0000"/>
+              <a:srgbClr val="00B050"/>
             </a:solidFill>
-            <a:tailEnd type="triangle"/>
-          </a:ln>
-        </p:spPr>
-        <p:style>
-          <a:lnRef idx="1">
-            <a:schemeClr val="accent1"/>
-          </a:lnRef>
-          <a:fillRef idx="0">
-            <a:schemeClr val="accent1"/>
-          </a:fillRef>
-          <a:effectRef idx="0">
-            <a:schemeClr val="accent1"/>
-          </a:effectRef>
-          <a:fontRef idx="minor">
-            <a:schemeClr val="tx1"/>
-          </a:fontRef>
-        </p:style>
-      </p:cxnSp>
-      <p:sp>
-        <p:nvSpPr>
-          <p:cNvPr id="50" name="テキスト ボックス 49">
-            <a:extLst>
-              <a:ext uri="{FF2B5EF4-FFF2-40B4-BE49-F238E27FC236}">
-                <a16:creationId xmlns:a16="http://schemas.microsoft.com/office/drawing/2014/main" id="{7F771F3B-14A5-4791-833D-D36A79EE9812}"/>
-              </a:ext>
-            </a:extLst>
-          </p:cNvPr>
-          <p:cNvSpPr txBox="1"/>
-          <p:nvPr/>
-        </p:nvSpPr>
-        <p:spPr>
-          <a:xfrm>
-            <a:off x="9222327" y="759514"/>
-            <a:ext cx="1895440" cy="830997"/>
-          </a:xfrm>
-          <a:prstGeom prst="rect">
-            <a:avLst/>
-          </a:prstGeom>
-          <a:noFill/>
-        </p:spPr>
-        <p:txBody>
-          <a:bodyPr wrap="square" rtlCol="0">
-            <a:spAutoFit/>
-          </a:bodyPr>
-          <a:lstStyle/>
-          <a:p>
-            <a:pPr marL="0" marR="0" lvl="0" indent="0" algn="l" defTabSz="914400" rtl="0" eaLnBrk="1" fontAlgn="auto" latinLnBrk="0" hangingPunct="1">
-              <a:lnSpc>
-                <a:spcPct val="100000"/>
-              </a:lnSpc>
-              <a:spcBef>
-                <a:spcPts val="0"/>
-              </a:spcBef>
-              <a:spcAft>
-                <a:spcPts val="0"/>
-              </a:spcAft>
-              <a:buClrTx/>
-              <a:buSzTx/>
-              <a:buFontTx/>
-              <a:buNone/>
-              <a:tabLst/>
-              <a:defRPr/>
-            </a:pPr>
-            <a:r>
-              <a:rPr kumimoji="1" lang="en-US" altLang="ja-JP" sz="1200" dirty="0">
+            <a:ln>
+              <a:solidFill>
+                <a:srgbClr val="00B050"/>
+              </a:solidFill>
+            </a:ln>
+          </p:spPr>
+          <p:style>
+            <a:lnRef idx="2">
+              <a:schemeClr val="accent1">
+                <a:shade val="50000"/>
+              </a:schemeClr>
+            </a:lnRef>
+            <a:fillRef idx="1">
+              <a:schemeClr val="accent1"/>
+            </a:fillRef>
+            <a:effectRef idx="0">
+              <a:schemeClr val="accent1"/>
+            </a:effectRef>
+            <a:fontRef idx="minor">
+              <a:schemeClr val="lt1"/>
+            </a:fontRef>
+          </p:style>
+          <p:txBody>
+            <a:bodyPr rtlCol="0" anchor="ctr"/>
+            <a:lstStyle/>
+            <a:p>
+              <a:pPr marL="0" marR="0" lvl="0" indent="0" algn="ctr" defTabSz="914400" rtl="0" eaLnBrk="1" fontAlgn="auto" latinLnBrk="0" hangingPunct="1">
+                <a:lnSpc>
+                  <a:spcPct val="100000"/>
+                </a:lnSpc>
+                <a:spcBef>
+                  <a:spcPts val="0"/>
+                </a:spcBef>
+                <a:spcAft>
+                  <a:spcPts val="0"/>
+                </a:spcAft>
+                <a:buClrTx/>
+                <a:buSzTx/>
+                <a:buFontTx/>
+                <a:buNone/>
+                <a:tabLst/>
+                <a:defRPr/>
+              </a:pPr>
+              <a:r>
+                <a:rPr kumimoji="1" lang="en-US" altLang="ja-JP" dirty="0">
+                  <a:solidFill>
+                    <a:schemeClr val="bg1"/>
+                  </a:solidFill>
+                  <a:latin typeface="Calibri"/>
+                  <a:ea typeface="ＭＳ Ｐゴシック" panose="020B0600070205080204" pitchFamily="50" charset="-128"/>
+                </a:rPr>
+                <a:t>Supplier</a:t>
+              </a:r>
+              <a:endParaRPr kumimoji="1" lang="en-US" altLang="ja-JP" sz="1800" b="0" i="0" u="none" strike="noStrike" kern="1200" cap="none" spc="0" normalizeH="0" baseline="0" noProof="0" dirty="0">
+                <a:ln>
+                  <a:noFill/>
+                </a:ln>
                 <a:solidFill>
-                  <a:prstClr val="black"/>
+                  <a:schemeClr val="bg1"/>
                 </a:solidFill>
+                <a:effectLst/>
+                <a:uLnTx/>
+                <a:uFillTx/>
                 <a:latin typeface="Calibri"/>
                 <a:ea typeface="ＭＳ Ｐゴシック" panose="020B0600070205080204" pitchFamily="50" charset="-128"/>
-              </a:rPr>
-              <a:t>OSS license</a:t>
-            </a:r>
-            <a:endParaRPr kumimoji="1" lang="en-US" altLang="ja-JP" sz="1200" b="0" i="0" u="none" strike="noStrike" kern="1200" cap="none" spc="0" normalizeH="0" baseline="0" noProof="0" dirty="0">
-              <a:ln>
-                <a:noFill/>
-              </a:ln>
+              </a:endParaRPr>
+            </a:p>
+          </p:txBody>
+        </p:sp>
+        <p:sp>
+          <p:nvSpPr>
+            <p:cNvPr id="7" name="四角形: 角を丸くする 6">
+              <a:extLst>
+                <a:ext uri="{FF2B5EF4-FFF2-40B4-BE49-F238E27FC236}">
+                  <a16:creationId xmlns:a16="http://schemas.microsoft.com/office/drawing/2014/main" id="{8E1A5EC1-C62A-4EBD-8155-D9DD4151CBB7}"/>
+                </a:ext>
+              </a:extLst>
+            </p:cNvPr>
+            <p:cNvSpPr/>
+            <p:nvPr/>
+          </p:nvSpPr>
+          <p:spPr>
+            <a:xfrm>
+              <a:off x="3617350" y="274774"/>
+              <a:ext cx="4464203" cy="5202913"/>
+            </a:xfrm>
+            <a:prstGeom prst="roundRect">
+              <a:avLst/>
+            </a:prstGeom>
+            <a:solidFill>
+              <a:schemeClr val="accent1">
+                <a:lumMod val="60000"/>
+                <a:lumOff val="40000"/>
+              </a:schemeClr>
+            </a:solidFill>
+          </p:spPr>
+          <p:style>
+            <a:lnRef idx="2">
+              <a:schemeClr val="accent1">
+                <a:shade val="50000"/>
+              </a:schemeClr>
+            </a:lnRef>
+            <a:fillRef idx="1">
+              <a:schemeClr val="accent1"/>
+            </a:fillRef>
+            <a:effectRef idx="0">
+              <a:schemeClr val="accent1"/>
+            </a:effectRef>
+            <a:fontRef idx="minor">
+              <a:schemeClr val="lt1"/>
+            </a:fontRef>
+          </p:style>
+          <p:txBody>
+            <a:bodyPr rtlCol="0" anchor="ctr"/>
+            <a:lstStyle/>
+            <a:p>
+              <a:pPr marL="0" marR="0" lvl="0" indent="0" algn="ctr" defTabSz="914400" rtl="0" eaLnBrk="1" fontAlgn="auto" latinLnBrk="0" hangingPunct="1">
+                <a:lnSpc>
+                  <a:spcPct val="100000"/>
+                </a:lnSpc>
+                <a:spcBef>
+                  <a:spcPts val="0"/>
+                </a:spcBef>
+                <a:spcAft>
+                  <a:spcPts val="0"/>
+                </a:spcAft>
+                <a:buClrTx/>
+                <a:buSzTx/>
+                <a:buFontTx/>
+                <a:buNone/>
+                <a:tabLst/>
+                <a:defRPr/>
+              </a:pPr>
+              <a:endParaRPr kumimoji="1" lang="ja-JP" altLang="en-US" sz="1800" b="0" i="0" u="none" strike="noStrike" kern="1200" cap="none" spc="0" normalizeH="0" baseline="0" noProof="0">
+                <a:ln>
+                  <a:noFill/>
+                </a:ln>
+                <a:solidFill>
+                  <a:prstClr val="white"/>
+                </a:solidFill>
+                <a:effectLst/>
+                <a:uLnTx/>
+                <a:uFillTx/>
+                <a:latin typeface="Calibri"/>
+                <a:ea typeface="ＭＳ Ｐゴシック" panose="020B0600070205080204" pitchFamily="50" charset="-128"/>
+                <a:cs typeface="+mn-cs"/>
+              </a:endParaRPr>
+            </a:p>
+          </p:txBody>
+        </p:sp>
+        <p:sp>
+          <p:nvSpPr>
+            <p:cNvPr id="8" name="四角形: 角を丸くする 7">
+              <a:extLst>
+                <a:ext uri="{FF2B5EF4-FFF2-40B4-BE49-F238E27FC236}">
+                  <a16:creationId xmlns:a16="http://schemas.microsoft.com/office/drawing/2014/main" id="{89052F24-0417-4CDA-8638-962F182F5F29}"/>
+                </a:ext>
+              </a:extLst>
+            </p:cNvPr>
+            <p:cNvSpPr/>
+            <p:nvPr/>
+          </p:nvSpPr>
+          <p:spPr>
+            <a:xfrm>
+              <a:off x="8800457" y="2416188"/>
+              <a:ext cx="1733005" cy="3204754"/>
+            </a:xfrm>
+            <a:prstGeom prst="roundRect">
+              <a:avLst/>
+            </a:prstGeom>
+            <a:solidFill>
+              <a:srgbClr val="00B050"/>
+            </a:solidFill>
+            <a:ln>
               <a:solidFill>
-                <a:prstClr val="black"/>
+                <a:srgbClr val="00B050"/>
               </a:solidFill>
-              <a:effectLst/>
-              <a:uLnTx/>
-              <a:uFillTx/>
-              <a:latin typeface="Calibri"/>
-              <a:ea typeface="ＭＳ Ｐゴシック" panose="020B0600070205080204" pitchFamily="50" charset="-128"/>
-              <a:cs typeface="+mn-cs"/>
-            </a:endParaRPr>
-          </a:p>
-          <a:p>
-            <a:pPr marL="0" marR="0" lvl="0" indent="0" algn="l" defTabSz="914400" rtl="0" eaLnBrk="1" fontAlgn="auto" latinLnBrk="0" hangingPunct="1">
-              <a:lnSpc>
-                <a:spcPct val="100000"/>
-              </a:lnSpc>
-              <a:spcBef>
-                <a:spcPts val="0"/>
-              </a:spcBef>
-              <a:spcAft>
-                <a:spcPts val="0"/>
-              </a:spcAft>
-              <a:buClrTx/>
-              <a:buSzTx/>
-              <a:buFontTx/>
-              <a:buNone/>
-              <a:tabLst/>
-              <a:defRPr/>
-            </a:pPr>
-            <a:r>
-              <a:rPr kumimoji="1" lang="ja-JP" altLang="en-US" sz="1200" b="0" i="0" u="none" strike="noStrike" kern="1200" cap="none" spc="0" normalizeH="0" baseline="0" noProof="0" dirty="0">
+            </a:ln>
+          </p:spPr>
+          <p:style>
+            <a:lnRef idx="2">
+              <a:schemeClr val="accent1">
+                <a:shade val="50000"/>
+              </a:schemeClr>
+            </a:lnRef>
+            <a:fillRef idx="1">
+              <a:schemeClr val="accent1"/>
+            </a:fillRef>
+            <a:effectRef idx="0">
+              <a:schemeClr val="accent1"/>
+            </a:effectRef>
+            <a:fontRef idx="minor">
+              <a:schemeClr val="lt1"/>
+            </a:fontRef>
+          </p:style>
+          <p:txBody>
+            <a:bodyPr rtlCol="0" anchor="ctr"/>
+            <a:lstStyle/>
+            <a:p>
+              <a:pPr marL="0" marR="0" lvl="0" indent="0" algn="ctr" defTabSz="914400" rtl="0" eaLnBrk="1" fontAlgn="auto" latinLnBrk="0" hangingPunct="1">
+                <a:lnSpc>
+                  <a:spcPct val="100000"/>
+                </a:lnSpc>
+                <a:spcBef>
+                  <a:spcPts val="0"/>
+                </a:spcBef>
+                <a:spcAft>
+                  <a:spcPts val="0"/>
+                </a:spcAft>
+                <a:buClrTx/>
+                <a:buSzTx/>
+                <a:buFontTx/>
+                <a:buNone/>
+                <a:tabLst/>
+                <a:defRPr/>
+              </a:pPr>
+              <a:r>
+                <a:rPr kumimoji="1" lang="en-US" altLang="ja-JP" dirty="0">
+                  <a:solidFill>
+                    <a:schemeClr val="bg1"/>
+                  </a:solidFill>
+                  <a:latin typeface="Calibri"/>
+                  <a:ea typeface="ＭＳ Ｐゴシック" panose="020B0600070205080204" pitchFamily="50" charset="-128"/>
+                </a:rPr>
+                <a:t>Recipient</a:t>
+              </a:r>
+              <a:endParaRPr kumimoji="1" lang="ja-JP" altLang="en-US" sz="1800" b="0" i="0" u="none" strike="noStrike" kern="1200" cap="none" spc="0" normalizeH="0" baseline="0" noProof="0" dirty="0">
+                <a:ln>
+                  <a:noFill/>
+                </a:ln>
+                <a:solidFill>
+                  <a:schemeClr val="bg1"/>
+                </a:solidFill>
+                <a:effectLst/>
+                <a:uLnTx/>
+                <a:uFillTx/>
+                <a:latin typeface="Calibri"/>
+                <a:ea typeface="ＭＳ Ｐゴシック" panose="020B0600070205080204" pitchFamily="50" charset="-128"/>
+              </a:endParaRPr>
+            </a:p>
+          </p:txBody>
+        </p:sp>
+        <p:sp>
+          <p:nvSpPr>
+            <p:cNvPr id="10" name="四角形: 角を丸くする 9">
+              <a:extLst>
+                <a:ext uri="{FF2B5EF4-FFF2-40B4-BE49-F238E27FC236}">
+                  <a16:creationId xmlns:a16="http://schemas.microsoft.com/office/drawing/2014/main" id="{3E8CA6F4-9AF7-4331-9663-D13706D8F841}"/>
+                </a:ext>
+              </a:extLst>
+            </p:cNvPr>
+            <p:cNvSpPr/>
+            <p:nvPr/>
+          </p:nvSpPr>
+          <p:spPr>
+            <a:xfrm>
+              <a:off x="4249891" y="5639776"/>
+              <a:ext cx="3561795" cy="631076"/>
+            </a:xfrm>
+            <a:prstGeom prst="roundRect">
+              <a:avLst/>
+            </a:prstGeom>
+            <a:solidFill>
+              <a:srgbClr val="00B050"/>
+            </a:solidFill>
+            <a:ln>
+              <a:solidFill>
+                <a:srgbClr val="00B050"/>
+              </a:solidFill>
+            </a:ln>
+          </p:spPr>
+          <p:style>
+            <a:lnRef idx="2">
+              <a:schemeClr val="accent1">
+                <a:shade val="50000"/>
+              </a:schemeClr>
+            </a:lnRef>
+            <a:fillRef idx="1">
+              <a:schemeClr val="accent1"/>
+            </a:fillRef>
+            <a:effectRef idx="0">
+              <a:schemeClr val="accent1"/>
+            </a:effectRef>
+            <a:fontRef idx="minor">
+              <a:schemeClr val="lt1"/>
+            </a:fontRef>
+          </p:style>
+          <p:txBody>
+            <a:bodyPr rtlCol="0" anchor="ctr"/>
+            <a:lstStyle/>
+            <a:p>
+              <a:pPr marL="0" marR="0" lvl="0" indent="0" algn="ctr" defTabSz="914400" rtl="0" eaLnBrk="1" fontAlgn="auto" latinLnBrk="0" hangingPunct="1">
+                <a:lnSpc>
+                  <a:spcPct val="100000"/>
+                </a:lnSpc>
+                <a:spcBef>
+                  <a:spcPts val="0"/>
+                </a:spcBef>
+                <a:spcAft>
+                  <a:spcPts val="0"/>
+                </a:spcAft>
+                <a:buClrTx/>
+                <a:buSzTx/>
+                <a:buFontTx/>
+                <a:buNone/>
+                <a:tabLst/>
+                <a:defRPr/>
+              </a:pPr>
+              <a:r>
+                <a:rPr kumimoji="1" lang="en-US" altLang="ja-JP" dirty="0">
+                  <a:solidFill>
+                    <a:schemeClr val="bg1"/>
+                  </a:solidFill>
+                  <a:latin typeface="Calibri"/>
+                  <a:ea typeface="ＭＳ Ｐゴシック" panose="020B0600070205080204" pitchFamily="50" charset="-128"/>
+                </a:rPr>
+                <a:t>OSS</a:t>
+              </a:r>
+              <a:r>
+                <a:rPr kumimoji="1" lang="ja-JP" altLang="en-US" dirty="0">
+                  <a:solidFill>
+                    <a:schemeClr val="bg1"/>
+                  </a:solidFill>
+                  <a:latin typeface="Calibri"/>
+                  <a:ea typeface="ＭＳ Ｐゴシック" panose="020B0600070205080204" pitchFamily="50" charset="-128"/>
+                </a:rPr>
+                <a:t> </a:t>
+              </a:r>
+              <a:r>
+                <a:rPr kumimoji="1" lang="en-US" altLang="ja-JP" dirty="0">
+                  <a:solidFill>
+                    <a:schemeClr val="bg1"/>
+                  </a:solidFill>
+                  <a:latin typeface="Calibri"/>
+                  <a:ea typeface="ＭＳ Ｐゴシック" panose="020B0600070205080204" pitchFamily="50" charset="-128"/>
+                </a:rPr>
+                <a:t>community</a:t>
+              </a:r>
+              <a:endParaRPr kumimoji="1" lang="ja-JP" altLang="en-US" sz="1800" b="0" i="0" u="none" strike="noStrike" kern="1200" cap="none" spc="0" normalizeH="0" baseline="0" noProof="0" dirty="0">
+                <a:ln>
+                  <a:noFill/>
+                </a:ln>
+                <a:solidFill>
+                  <a:schemeClr val="bg1"/>
+                </a:solidFill>
+                <a:effectLst/>
+                <a:uLnTx/>
+                <a:uFillTx/>
+                <a:latin typeface="Calibri"/>
+                <a:ea typeface="ＭＳ Ｐゴシック" panose="020B0600070205080204" pitchFamily="50" charset="-128"/>
+              </a:endParaRPr>
+            </a:p>
+          </p:txBody>
+        </p:sp>
+        <p:sp>
+          <p:nvSpPr>
+            <p:cNvPr id="11" name="四角形: 角を丸くする 10">
+              <a:extLst>
+                <a:ext uri="{FF2B5EF4-FFF2-40B4-BE49-F238E27FC236}">
+                  <a16:creationId xmlns:a16="http://schemas.microsoft.com/office/drawing/2014/main" id="{AFB6E93C-9793-472A-B955-A686FAC84609}"/>
+                </a:ext>
+              </a:extLst>
+            </p:cNvPr>
+            <p:cNvSpPr/>
+            <p:nvPr/>
+          </p:nvSpPr>
+          <p:spPr>
+            <a:xfrm>
+              <a:off x="4836750" y="2514111"/>
+              <a:ext cx="2145891" cy="1090564"/>
+            </a:xfrm>
+            <a:prstGeom prst="roundRect">
+              <a:avLst/>
+            </a:prstGeom>
+            <a:solidFill>
+              <a:srgbClr val="FFFF00"/>
+            </a:solidFill>
+            <a:ln>
+              <a:noFill/>
+            </a:ln>
+          </p:spPr>
+          <p:style>
+            <a:lnRef idx="2">
+              <a:schemeClr val="accent1">
+                <a:shade val="50000"/>
+              </a:schemeClr>
+            </a:lnRef>
+            <a:fillRef idx="1">
+              <a:schemeClr val="accent1"/>
+            </a:fillRef>
+            <a:effectRef idx="0">
+              <a:schemeClr val="accent1"/>
+            </a:effectRef>
+            <a:fontRef idx="minor">
+              <a:schemeClr val="lt1"/>
+            </a:fontRef>
+          </p:style>
+          <p:txBody>
+            <a:bodyPr rtlCol="0" anchor="ctr"/>
+            <a:lstStyle/>
+            <a:p>
+              <a:pPr marL="0" marR="0" lvl="0" indent="0" algn="ctr" defTabSz="914400" rtl="0" eaLnBrk="1" fontAlgn="auto" latinLnBrk="0" hangingPunct="1">
+                <a:lnSpc>
+                  <a:spcPct val="100000"/>
+                </a:lnSpc>
+                <a:spcBef>
+                  <a:spcPts val="0"/>
+                </a:spcBef>
+                <a:spcAft>
+                  <a:spcPts val="0"/>
+                </a:spcAft>
+                <a:buClrTx/>
+                <a:buSzTx/>
+                <a:buFontTx/>
+                <a:buNone/>
+                <a:tabLst/>
+                <a:defRPr/>
+              </a:pPr>
+              <a:r>
+                <a:rPr kumimoji="1" lang="en-US" altLang="ja-JP" dirty="0">
+                  <a:solidFill>
+                    <a:prstClr val="black"/>
+                  </a:solidFill>
+                  <a:latin typeface="Calibri"/>
+                  <a:ea typeface="ＭＳ Ｐゴシック" panose="020B0600070205080204" pitchFamily="50" charset="-128"/>
+                </a:rPr>
+                <a:t>Software Development</a:t>
+              </a:r>
+              <a:endParaRPr kumimoji="1" lang="en-US" altLang="ja-JP" sz="1800" b="0" i="0" u="none" strike="noStrike" kern="1200" cap="none" spc="0" normalizeH="0" baseline="0" noProof="0" dirty="0">
                 <a:ln>
                   <a:noFill/>
                 </a:ln>
@@ -23418,50 +22201,105 @@
                 <a:latin typeface="Calibri"/>
                 <a:ea typeface="ＭＳ Ｐゴシック" panose="020B0600070205080204" pitchFamily="50" charset="-128"/>
                 <a:cs typeface="+mn-cs"/>
-              </a:rPr>
-              <a:t>（</a:t>
-            </a:r>
-            <a:r>
-              <a:rPr kumimoji="1" lang="en-US" altLang="ja-JP" sz="1200" dirty="0">
-                <a:solidFill>
-                  <a:prstClr val="black"/>
-                </a:solidFill>
-                <a:latin typeface="Calibri"/>
-                <a:ea typeface="ＭＳ Ｐゴシック" panose="020B0600070205080204" pitchFamily="50" charset="-128"/>
-              </a:rPr>
-              <a:t>BoM, License, Copyright, Meta data, </a:t>
-            </a:r>
-          </a:p>
-          <a:p>
-            <a:pPr marL="0" marR="0" lvl="0" indent="0" algn="l" defTabSz="914400" rtl="0" eaLnBrk="1" fontAlgn="auto" latinLnBrk="0" hangingPunct="1">
-              <a:lnSpc>
-                <a:spcPct val="100000"/>
-              </a:lnSpc>
-              <a:spcBef>
-                <a:spcPts val="0"/>
-              </a:spcBef>
-              <a:spcAft>
-                <a:spcPts val="0"/>
-              </a:spcAft>
-              <a:buClrTx/>
-              <a:buSzTx/>
-              <a:buFontTx/>
-              <a:buNone/>
-              <a:tabLst/>
-              <a:defRPr/>
-            </a:pPr>
-            <a:r>
-              <a:rPr kumimoji="1" lang="en-US" altLang="ja-JP" sz="1200" dirty="0">
-                <a:solidFill>
-                  <a:prstClr val="black"/>
-                </a:solidFill>
-                <a:latin typeface="Calibri"/>
-                <a:ea typeface="ＭＳ Ｐゴシック" panose="020B0600070205080204" pitchFamily="50" charset="-128"/>
-              </a:rPr>
-              <a:t>Source code if needed</a:t>
-            </a:r>
-            <a:r>
-              <a:rPr kumimoji="1" lang="ja-JP" altLang="en-US" sz="1200" b="0" i="0" u="none" strike="noStrike" kern="1200" cap="none" spc="0" normalizeH="0" baseline="0" noProof="0" dirty="0">
+              </a:endParaRPr>
+            </a:p>
+          </p:txBody>
+        </p:sp>
+        <p:sp>
+          <p:nvSpPr>
+            <p:cNvPr id="17" name="四角形: 角を丸くする 16">
+              <a:extLst>
+                <a:ext uri="{FF2B5EF4-FFF2-40B4-BE49-F238E27FC236}">
+                  <a16:creationId xmlns:a16="http://schemas.microsoft.com/office/drawing/2014/main" id="{04085E13-10DF-491F-B9A2-245D5988475A}"/>
+                </a:ext>
+              </a:extLst>
+            </p:cNvPr>
+            <p:cNvSpPr/>
+            <p:nvPr/>
+          </p:nvSpPr>
+          <p:spPr>
+            <a:xfrm>
+              <a:off x="3634563" y="840166"/>
+              <a:ext cx="1083537" cy="372291"/>
+            </a:xfrm>
+            <a:prstGeom prst="roundRect">
+              <a:avLst/>
+            </a:prstGeom>
+            <a:solidFill>
+              <a:srgbClr val="FFFF00"/>
+            </a:solidFill>
+            <a:ln>
+              <a:noFill/>
+            </a:ln>
+          </p:spPr>
+          <p:style>
+            <a:lnRef idx="2">
+              <a:schemeClr val="accent1">
+                <a:shade val="50000"/>
+              </a:schemeClr>
+            </a:lnRef>
+            <a:fillRef idx="1">
+              <a:schemeClr val="accent1"/>
+            </a:fillRef>
+            <a:effectRef idx="0">
+              <a:schemeClr val="accent1"/>
+            </a:effectRef>
+            <a:fontRef idx="minor">
+              <a:schemeClr val="lt1"/>
+            </a:fontRef>
+          </p:style>
+          <p:txBody>
+            <a:bodyPr rtlCol="0" anchor="ctr"/>
+            <a:lstStyle/>
+            <a:p>
+              <a:pPr marL="0" marR="0" lvl="0" indent="0" algn="ctr" defTabSz="914400" rtl="0" eaLnBrk="1" fontAlgn="auto" latinLnBrk="0" hangingPunct="1">
+                <a:lnSpc>
+                  <a:spcPct val="100000"/>
+                </a:lnSpc>
+                <a:spcBef>
+                  <a:spcPts val="0"/>
+                </a:spcBef>
+                <a:spcAft>
+                  <a:spcPts val="0"/>
+                </a:spcAft>
+                <a:buClrTx/>
+                <a:buSzTx/>
+                <a:buFontTx/>
+                <a:buNone/>
+                <a:tabLst/>
+                <a:defRPr/>
+              </a:pPr>
+              <a:r>
+                <a:rPr kumimoji="1" lang="en-US" altLang="ja-JP" sz="1400" dirty="0">
+                  <a:solidFill>
+                    <a:prstClr val="black"/>
+                  </a:solidFill>
+                  <a:latin typeface="Calibri"/>
+                  <a:ea typeface="ＭＳ Ｐゴシック" panose="020B0600070205080204" pitchFamily="50" charset="-128"/>
+                </a:rPr>
+                <a:t>Software</a:t>
+              </a:r>
+              <a:r>
+                <a:rPr kumimoji="1" lang="ja-JP" altLang="en-US" sz="1400" dirty="0">
+                  <a:solidFill>
+                    <a:prstClr val="black"/>
+                  </a:solidFill>
+                  <a:latin typeface="Calibri"/>
+                  <a:ea typeface="ＭＳ Ｐゴシック" panose="020B0600070205080204" pitchFamily="50" charset="-128"/>
+                </a:rPr>
+                <a:t> </a:t>
+              </a:r>
+              <a:r>
+                <a:rPr kumimoji="1" lang="en-US" altLang="ja-JP" sz="1400" dirty="0">
+                  <a:solidFill>
+                    <a:prstClr val="black"/>
+                  </a:solidFill>
+                  <a:latin typeface="Calibri"/>
+                  <a:ea typeface="ＭＳ Ｐゴシック" panose="020B0600070205080204" pitchFamily="50" charset="-128"/>
+                </a:rPr>
+                <a:t>Contract</a:t>
+              </a:r>
+              <a:endParaRPr kumimoji="1" lang="en-US" altLang="ja-JP" sz="1400" b="0" i="0" u="none" strike="noStrike" kern="1200" cap="none" spc="0" normalizeH="0" baseline="0" noProof="0" dirty="0">
                 <a:ln>
                   <a:noFill/>
                 </a:ln>
@@ -23474,59 +22312,105 @@
                 <a:latin typeface="Calibri"/>
                 <a:ea typeface="ＭＳ Ｐゴシック" panose="020B0600070205080204" pitchFamily="50" charset="-128"/>
                 <a:cs typeface="+mn-cs"/>
-              </a:rPr>
-              <a:t>）</a:t>
-            </a:r>
-          </a:p>
-        </p:txBody>
-      </p:sp>
-      <p:sp>
-        <p:nvSpPr>
-          <p:cNvPr id="51" name="テキスト ボックス 50">
-            <a:extLst>
-              <a:ext uri="{FF2B5EF4-FFF2-40B4-BE49-F238E27FC236}">
-                <a16:creationId xmlns:a16="http://schemas.microsoft.com/office/drawing/2014/main" id="{B0074E85-688C-4C3A-8DE3-F9EA54BAB42F}"/>
-              </a:ext>
-            </a:extLst>
-          </p:cNvPr>
-          <p:cNvSpPr txBox="1"/>
-          <p:nvPr/>
-        </p:nvSpPr>
-        <p:spPr>
-          <a:xfrm>
-            <a:off x="2522770" y="3524015"/>
-            <a:ext cx="923651" cy="276999"/>
-          </a:xfrm>
-          <a:prstGeom prst="rect">
-            <a:avLst/>
-          </a:prstGeom>
-          <a:noFill/>
-        </p:spPr>
-        <p:txBody>
-          <a:bodyPr wrap="none" rtlCol="0">
-            <a:spAutoFit/>
-          </a:bodyPr>
-          <a:lstStyle/>
-          <a:p>
-            <a:pPr marL="0" marR="0" lvl="0" indent="0" algn="l" defTabSz="914400" rtl="0" eaLnBrk="1" fontAlgn="auto" latinLnBrk="0" hangingPunct="1">
-              <a:lnSpc>
-                <a:spcPct val="100000"/>
-              </a:lnSpc>
-              <a:spcBef>
-                <a:spcPts val="0"/>
-              </a:spcBef>
-              <a:spcAft>
-                <a:spcPts val="0"/>
-              </a:spcAft>
-              <a:buClrTx/>
-              <a:buSzTx/>
-              <a:buFontTx/>
-              <a:buNone/>
-              <a:tabLst/>
-              <a:defRPr/>
-            </a:pPr>
-            <a:r>
-              <a:rPr kumimoji="1" lang="en-US" altLang="ja-JP" sz="1200" b="0" i="0" u="none" strike="noStrike" kern="1200" cap="none" spc="0" normalizeH="0" baseline="0" noProof="0" dirty="0">
+              </a:endParaRPr>
+            </a:p>
+          </p:txBody>
+        </p:sp>
+        <p:sp>
+          <p:nvSpPr>
+            <p:cNvPr id="19" name="四角形: 角を丸くする 18">
+              <a:extLst>
+                <a:ext uri="{FF2B5EF4-FFF2-40B4-BE49-F238E27FC236}">
+                  <a16:creationId xmlns:a16="http://schemas.microsoft.com/office/drawing/2014/main" id="{6523DCD1-17EA-4908-91AA-938632C2087D}"/>
+                </a:ext>
+              </a:extLst>
+            </p:cNvPr>
+            <p:cNvSpPr/>
+            <p:nvPr/>
+          </p:nvSpPr>
+          <p:spPr>
+            <a:xfrm>
+              <a:off x="4831301" y="2021815"/>
+              <a:ext cx="979357" cy="422550"/>
+            </a:xfrm>
+            <a:prstGeom prst="roundRect">
+              <a:avLst/>
+            </a:prstGeom>
+            <a:solidFill>
+              <a:srgbClr val="FFFF00"/>
+            </a:solidFill>
+            <a:ln>
+              <a:noFill/>
+            </a:ln>
+          </p:spPr>
+          <p:style>
+            <a:lnRef idx="2">
+              <a:schemeClr val="accent1">
+                <a:shade val="50000"/>
+              </a:schemeClr>
+            </a:lnRef>
+            <a:fillRef idx="1">
+              <a:schemeClr val="accent1"/>
+            </a:fillRef>
+            <a:effectRef idx="0">
+              <a:schemeClr val="accent1"/>
+            </a:effectRef>
+            <a:fontRef idx="minor">
+              <a:schemeClr val="lt1"/>
+            </a:fontRef>
+          </p:style>
+          <p:txBody>
+            <a:bodyPr rtlCol="0" anchor="ctr"/>
+            <a:lstStyle/>
+            <a:p>
+              <a:pPr marL="0" marR="0" lvl="0" indent="0" algn="ctr" defTabSz="914400" rtl="0" eaLnBrk="1" fontAlgn="auto" latinLnBrk="0" hangingPunct="1">
+                <a:lnSpc>
+                  <a:spcPct val="100000"/>
+                </a:lnSpc>
+                <a:spcBef>
+                  <a:spcPts val="0"/>
+                </a:spcBef>
+                <a:spcAft>
+                  <a:spcPts val="0"/>
+                </a:spcAft>
+                <a:buClrTx/>
+                <a:buSzTx/>
+                <a:buFontTx/>
+                <a:buNone/>
+                <a:tabLst/>
+                <a:defRPr/>
+              </a:pPr>
+              <a:r>
+                <a:rPr kumimoji="1" lang="en-US" altLang="ja-JP" sz="1200" dirty="0">
+                  <a:solidFill>
+                    <a:prstClr val="black"/>
+                  </a:solidFill>
+                  <a:latin typeface="Calibri"/>
+                  <a:ea typeface="ＭＳ Ｐゴシック" panose="020B0600070205080204" pitchFamily="50" charset="-128"/>
+                </a:rPr>
+                <a:t>Software</a:t>
+              </a:r>
+              <a:r>
+                <a:rPr kumimoji="1" lang="ja-JP" altLang="en-US" sz="1200" dirty="0">
+                  <a:solidFill>
+                    <a:prstClr val="black"/>
+                  </a:solidFill>
+                  <a:latin typeface="Calibri"/>
+                  <a:ea typeface="ＭＳ Ｐゴシック" panose="020B0600070205080204" pitchFamily="50" charset="-128"/>
+                </a:rPr>
+                <a:t> </a:t>
+              </a:r>
+              <a:r>
+                <a:rPr kumimoji="1" lang="en-US" altLang="ja-JP" sz="1200" dirty="0">
+                  <a:solidFill>
+                    <a:prstClr val="black"/>
+                  </a:solidFill>
+                  <a:latin typeface="Calibri"/>
+                  <a:ea typeface="ＭＳ Ｐゴシック" panose="020B0600070205080204" pitchFamily="50" charset="-128"/>
+                </a:rPr>
+                <a:t>Verification</a:t>
+              </a:r>
+              <a:endParaRPr kumimoji="1" lang="en-US" altLang="ja-JP" sz="1200" b="0" i="0" u="none" strike="noStrike" kern="1200" cap="none" spc="0" normalizeH="0" baseline="0" noProof="0" dirty="0">
                 <a:ln>
                   <a:noFill/>
                 </a:ln>
@@ -23539,93 +22423,110 @@
                 <a:latin typeface="Calibri"/>
                 <a:ea typeface="ＭＳ Ｐゴシック" panose="020B0600070205080204" pitchFamily="50" charset="-128"/>
                 <a:cs typeface="+mn-cs"/>
-              </a:rPr>
-              <a:t>OSS</a:t>
-            </a:r>
-            <a:r>
-              <a:rPr kumimoji="1" lang="ja-JP" altLang="en-US" sz="1200" dirty="0">
-                <a:solidFill>
-                  <a:prstClr val="black"/>
-                </a:solidFill>
-                <a:latin typeface="Calibri"/>
-                <a:ea typeface="ＭＳ Ｐゴシック" panose="020B0600070205080204" pitchFamily="50" charset="-128"/>
-              </a:rPr>
-              <a:t> </a:t>
-            </a:r>
-            <a:r>
-              <a:rPr kumimoji="1" lang="en-US" altLang="ja-JP" sz="1200" dirty="0">
-                <a:solidFill>
-                  <a:prstClr val="black"/>
-                </a:solidFill>
-                <a:latin typeface="Calibri"/>
-                <a:ea typeface="ＭＳ Ｐゴシック" panose="020B0600070205080204" pitchFamily="50" charset="-128"/>
-              </a:rPr>
-              <a:t>License</a:t>
-            </a:r>
-            <a:endParaRPr kumimoji="1" lang="ja-JP" altLang="en-US" sz="1200" b="0" i="0" u="none" strike="noStrike" kern="1200" cap="none" spc="0" normalizeH="0" baseline="0" noProof="0" dirty="0">
-              <a:ln>
-                <a:noFill/>
-              </a:ln>
+              </a:endParaRPr>
+            </a:p>
+          </p:txBody>
+        </p:sp>
+        <p:cxnSp>
+          <p:nvCxnSpPr>
+            <p:cNvPr id="21" name="直線矢印コネクタ 20">
+              <a:extLst>
+                <a:ext uri="{FF2B5EF4-FFF2-40B4-BE49-F238E27FC236}">
+                  <a16:creationId xmlns:a16="http://schemas.microsoft.com/office/drawing/2014/main" id="{BF8045E8-B913-4E84-B739-F112D5CF6173}"/>
+                </a:ext>
+              </a:extLst>
+            </p:cNvPr>
+            <p:cNvCxnSpPr>
+              <a:cxnSpLocks/>
+            </p:cNvCxnSpPr>
+            <p:nvPr/>
+          </p:nvCxnSpPr>
+          <p:spPr>
+            <a:xfrm flipV="1">
+              <a:off x="2268641" y="2829194"/>
+              <a:ext cx="1609840" cy="23440"/>
+            </a:xfrm>
+            <a:prstGeom prst="straightConnector1">
+              <a:avLst/>
+            </a:prstGeom>
+            <a:ln w="38100">
               <a:solidFill>
-                <a:prstClr val="black"/>
+                <a:schemeClr val="tx1"/>
               </a:solidFill>
-              <a:effectLst/>
-              <a:uLnTx/>
-              <a:uFillTx/>
-              <a:latin typeface="Calibri"/>
-              <a:ea typeface="ＭＳ Ｐゴシック" panose="020B0600070205080204" pitchFamily="50" charset="-128"/>
-              <a:cs typeface="+mn-cs"/>
-            </a:endParaRPr>
-          </a:p>
-        </p:txBody>
-      </p:sp>
-      <p:sp>
-        <p:nvSpPr>
-          <p:cNvPr id="52" name="テキスト ボックス 51">
-            <a:extLst>
-              <a:ext uri="{FF2B5EF4-FFF2-40B4-BE49-F238E27FC236}">
-                <a16:creationId xmlns:a16="http://schemas.microsoft.com/office/drawing/2014/main" id="{C3E49ACF-9195-4930-B28D-130ABD31308A}"/>
-              </a:ext>
-            </a:extLst>
-          </p:cNvPr>
-          <p:cNvSpPr txBox="1"/>
-          <p:nvPr/>
-        </p:nvSpPr>
-        <p:spPr>
-          <a:xfrm>
-            <a:off x="8077222" y="2313240"/>
-            <a:ext cx="567784" cy="307777"/>
-          </a:xfrm>
-          <a:prstGeom prst="rect">
-            <a:avLst/>
-          </a:prstGeom>
-          <a:noFill/>
-        </p:spPr>
-        <p:txBody>
-          <a:bodyPr wrap="none" rtlCol="0">
-            <a:spAutoFit/>
-          </a:bodyPr>
-          <a:lstStyle/>
-          <a:p>
-            <a:pPr marL="0" marR="0" lvl="0" indent="0" algn="l" defTabSz="914400" rtl="0" eaLnBrk="1" fontAlgn="auto" latinLnBrk="0" hangingPunct="1">
-              <a:lnSpc>
-                <a:spcPct val="100000"/>
-              </a:lnSpc>
-              <a:spcBef>
-                <a:spcPts val="0"/>
-              </a:spcBef>
-              <a:spcAft>
-                <a:spcPts val="0"/>
-              </a:spcAft>
-              <a:buClrTx/>
-              <a:buSzTx/>
-              <a:buFontTx/>
-              <a:buNone/>
-              <a:tabLst/>
-              <a:defRPr/>
-            </a:pPr>
-            <a:r>
-              <a:rPr kumimoji="1" lang="en-US" altLang="ja-JP" sz="1400" b="0" i="0" u="none" strike="noStrike" kern="1200" cap="none" spc="0" normalizeH="0" baseline="0" noProof="0" dirty="0">
+              <a:tailEnd type="triangle"/>
+            </a:ln>
+          </p:spPr>
+          <p:style>
+            <a:lnRef idx="1">
+              <a:schemeClr val="accent1"/>
+            </a:lnRef>
+            <a:fillRef idx="0">
+              <a:schemeClr val="accent1"/>
+            </a:fillRef>
+            <a:effectRef idx="0">
+              <a:schemeClr val="accent1"/>
+            </a:effectRef>
+            <a:fontRef idx="minor">
+              <a:schemeClr val="tx1"/>
+            </a:fontRef>
+          </p:style>
+        </p:cxnSp>
+        <p:sp>
+          <p:nvSpPr>
+            <p:cNvPr id="22" name="テキスト ボックス 21">
+              <a:extLst>
+                <a:ext uri="{FF2B5EF4-FFF2-40B4-BE49-F238E27FC236}">
+                  <a16:creationId xmlns:a16="http://schemas.microsoft.com/office/drawing/2014/main" id="{E9894525-D21A-419D-9CDA-8648B20773CA}"/>
+                </a:ext>
+              </a:extLst>
+            </p:cNvPr>
+            <p:cNvSpPr txBox="1"/>
+            <p:nvPr/>
+          </p:nvSpPr>
+          <p:spPr>
+            <a:xfrm>
+              <a:off x="2443759" y="2514110"/>
+              <a:ext cx="810928" cy="307777"/>
+            </a:xfrm>
+            <a:prstGeom prst="rect">
+              <a:avLst/>
+            </a:prstGeom>
+            <a:noFill/>
+          </p:spPr>
+          <p:txBody>
+            <a:bodyPr wrap="none" rtlCol="0">
+              <a:spAutoFit/>
+            </a:bodyPr>
+            <a:lstStyle/>
+            <a:p>
+              <a:pPr marL="0" marR="0" lvl="0" indent="0" algn="l" defTabSz="914400" rtl="0" eaLnBrk="1" fontAlgn="auto" latinLnBrk="0" hangingPunct="1">
+                <a:lnSpc>
+                  <a:spcPct val="100000"/>
+                </a:lnSpc>
+                <a:spcBef>
+                  <a:spcPts val="0"/>
+                </a:spcBef>
+                <a:spcAft>
+                  <a:spcPts val="0"/>
+                </a:spcAft>
+                <a:buClrTx/>
+                <a:buSzTx/>
+                <a:buFontTx/>
+                <a:buNone/>
+                <a:tabLst/>
+                <a:defRPr/>
+              </a:pPr>
+              <a:r>
+                <a:rPr kumimoji="1" lang="en-US" altLang="ja-JP" sz="1400" dirty="0">
+                  <a:solidFill>
+                    <a:prstClr val="black"/>
+                  </a:solidFill>
+                  <a:latin typeface="Calibri"/>
+                  <a:ea typeface="ＭＳ Ｐゴシック" panose="020B0600070205080204" pitchFamily="50" charset="-128"/>
+                </a:rPr>
+                <a:t>Contract</a:t>
+              </a:r>
+              <a:endParaRPr kumimoji="1" lang="ja-JP" altLang="en-US" sz="1400" b="0" i="0" u="none" strike="noStrike" kern="1200" cap="none" spc="0" normalizeH="0" baseline="0" noProof="0" dirty="0">
                 <a:ln>
                   <a:noFill/>
                 </a:ln>
@@ -23638,73 +22539,485 @@
                 <a:latin typeface="Calibri"/>
                 <a:ea typeface="ＭＳ Ｐゴシック" panose="020B0600070205080204" pitchFamily="50" charset="-128"/>
                 <a:cs typeface="+mn-cs"/>
-              </a:rPr>
-              <a:t>EULA</a:t>
-            </a:r>
-            <a:endParaRPr kumimoji="1" lang="ja-JP" altLang="en-US" sz="1400" b="0" i="0" u="none" strike="noStrike" kern="1200" cap="none" spc="0" normalizeH="0" baseline="0" noProof="0" dirty="0">
-              <a:ln>
-                <a:noFill/>
-              </a:ln>
+              </a:endParaRPr>
+            </a:p>
+          </p:txBody>
+        </p:sp>
+        <p:cxnSp>
+          <p:nvCxnSpPr>
+            <p:cNvPr id="23" name="直線矢印コネクタ 22">
+              <a:extLst>
+                <a:ext uri="{FF2B5EF4-FFF2-40B4-BE49-F238E27FC236}">
+                  <a16:creationId xmlns:a16="http://schemas.microsoft.com/office/drawing/2014/main" id="{D6DB3BC3-1EA4-43D8-9CB5-F47C3248820F}"/>
+                </a:ext>
+              </a:extLst>
+            </p:cNvPr>
+            <p:cNvCxnSpPr>
+              <a:cxnSpLocks/>
+            </p:cNvCxnSpPr>
+            <p:nvPr/>
+          </p:nvCxnSpPr>
+          <p:spPr>
+            <a:xfrm>
+              <a:off x="2268641" y="3008211"/>
+              <a:ext cx="1590791" cy="0"/>
+            </a:xfrm>
+            <a:prstGeom prst="straightConnector1">
+              <a:avLst/>
+            </a:prstGeom>
+            <a:ln w="38100">
               <a:solidFill>
-                <a:prstClr val="black"/>
+                <a:srgbClr val="FFC000"/>
               </a:solidFill>
-              <a:effectLst/>
-              <a:uLnTx/>
-              <a:uFillTx/>
-              <a:latin typeface="Calibri"/>
-              <a:ea typeface="ＭＳ Ｐゴシック" panose="020B0600070205080204" pitchFamily="50" charset="-128"/>
-              <a:cs typeface="+mn-cs"/>
-            </a:endParaRPr>
-          </a:p>
-        </p:txBody>
-      </p:sp>
-      <p:sp>
-        <p:nvSpPr>
-          <p:cNvPr id="53" name="テキスト ボックス 52">
-            <a:extLst>
-              <a:ext uri="{FF2B5EF4-FFF2-40B4-BE49-F238E27FC236}">
-                <a16:creationId xmlns:a16="http://schemas.microsoft.com/office/drawing/2014/main" id="{92A99D74-19FD-4883-B90A-D34018AE2B67}"/>
-              </a:ext>
-            </a:extLst>
-          </p:cNvPr>
-          <p:cNvSpPr txBox="1"/>
-          <p:nvPr/>
-        </p:nvSpPr>
-        <p:spPr>
-          <a:xfrm>
-            <a:off x="7853304" y="2589150"/>
-            <a:ext cx="1023655" cy="523220"/>
-          </a:xfrm>
-          <a:prstGeom prst="rect">
-            <a:avLst/>
-          </a:prstGeom>
-          <a:noFill/>
-        </p:spPr>
-        <p:txBody>
-          <a:bodyPr wrap="square" rtlCol="0">
-            <a:spAutoFit/>
-          </a:bodyPr>
-          <a:lstStyle/>
-          <a:p>
-            <a:pPr marL="0" marR="0" lvl="0" indent="0" algn="l" defTabSz="914400" rtl="0" eaLnBrk="1" fontAlgn="auto" latinLnBrk="0" hangingPunct="1">
-              <a:lnSpc>
-                <a:spcPct val="100000"/>
-              </a:lnSpc>
-              <a:spcBef>
-                <a:spcPts val="0"/>
-              </a:spcBef>
-              <a:spcAft>
-                <a:spcPts val="0"/>
-              </a:spcAft>
-              <a:buClrTx/>
-              <a:buSzTx/>
-              <a:buFontTx/>
-              <a:buNone/>
-              <a:tabLst/>
-              <a:defRPr/>
-            </a:pPr>
-            <a:r>
-              <a:rPr kumimoji="1" lang="en-US" altLang="ja-JP" sz="1400" b="0" i="0" u="none" strike="noStrike" kern="1200" cap="none" spc="0" normalizeH="0" baseline="0" noProof="0" dirty="0">
+              <a:tailEnd type="triangle"/>
+            </a:ln>
+          </p:spPr>
+          <p:style>
+            <a:lnRef idx="1">
+              <a:schemeClr val="accent1"/>
+            </a:lnRef>
+            <a:fillRef idx="0">
+              <a:schemeClr val="accent1"/>
+            </a:fillRef>
+            <a:effectRef idx="0">
+              <a:schemeClr val="accent1"/>
+            </a:effectRef>
+            <a:fontRef idx="minor">
+              <a:schemeClr val="tx1"/>
+            </a:fontRef>
+          </p:style>
+        </p:cxnSp>
+        <p:cxnSp>
+          <p:nvCxnSpPr>
+            <p:cNvPr id="24" name="直線矢印コネクタ 23">
+              <a:extLst>
+                <a:ext uri="{FF2B5EF4-FFF2-40B4-BE49-F238E27FC236}">
+                  <a16:creationId xmlns:a16="http://schemas.microsoft.com/office/drawing/2014/main" id="{22A2176F-C7E0-4A62-BB89-872E3A8450C7}"/>
+                </a:ext>
+              </a:extLst>
+            </p:cNvPr>
+            <p:cNvCxnSpPr>
+              <a:cxnSpLocks/>
+            </p:cNvCxnSpPr>
+            <p:nvPr/>
+          </p:nvCxnSpPr>
+          <p:spPr>
+            <a:xfrm flipV="1">
+              <a:off x="2253917" y="3524015"/>
+              <a:ext cx="1700839" cy="24243"/>
+            </a:xfrm>
+            <a:prstGeom prst="straightConnector1">
+              <a:avLst/>
+            </a:prstGeom>
+            <a:ln w="38100">
+              <a:solidFill>
+                <a:srgbClr val="FF0000"/>
+              </a:solidFill>
+              <a:tailEnd type="triangle"/>
+            </a:ln>
+          </p:spPr>
+          <p:style>
+            <a:lnRef idx="1">
+              <a:schemeClr val="accent1"/>
+            </a:lnRef>
+            <a:fillRef idx="0">
+              <a:schemeClr val="accent1"/>
+            </a:fillRef>
+            <a:effectRef idx="0">
+              <a:schemeClr val="accent1"/>
+            </a:effectRef>
+            <a:fontRef idx="minor">
+              <a:schemeClr val="tx1"/>
+            </a:fontRef>
+          </p:style>
+        </p:cxnSp>
+        <p:sp>
+          <p:nvSpPr>
+            <p:cNvPr id="25" name="テキスト ボックス 24">
+              <a:extLst>
+                <a:ext uri="{FF2B5EF4-FFF2-40B4-BE49-F238E27FC236}">
+                  <a16:creationId xmlns:a16="http://schemas.microsoft.com/office/drawing/2014/main" id="{B4C743F6-CC25-4B1A-8297-7D8799951F02}"/>
+                </a:ext>
+              </a:extLst>
+            </p:cNvPr>
+            <p:cNvSpPr txBox="1"/>
+            <p:nvPr/>
+          </p:nvSpPr>
+          <p:spPr>
+            <a:xfrm>
+              <a:off x="2211815" y="2991283"/>
+              <a:ext cx="1704441" cy="523220"/>
+            </a:xfrm>
+            <a:prstGeom prst="rect">
+              <a:avLst/>
+            </a:prstGeom>
+            <a:noFill/>
+          </p:spPr>
+          <p:txBody>
+            <a:bodyPr wrap="none" rtlCol="0">
+              <a:spAutoFit/>
+            </a:bodyPr>
+            <a:lstStyle/>
+            <a:p>
+              <a:pPr marL="0" marR="0" lvl="0" indent="0" algn="l" defTabSz="914400" rtl="0" eaLnBrk="1" fontAlgn="auto" latinLnBrk="0" hangingPunct="1">
+                <a:lnSpc>
+                  <a:spcPct val="100000"/>
+                </a:lnSpc>
+                <a:spcBef>
+                  <a:spcPts val="0"/>
+                </a:spcBef>
+                <a:spcAft>
+                  <a:spcPts val="0"/>
+                </a:spcAft>
+                <a:buClrTx/>
+                <a:buSzTx/>
+                <a:buFontTx/>
+                <a:buNone/>
+                <a:tabLst/>
+                <a:defRPr/>
+              </a:pPr>
+              <a:r>
+                <a:rPr kumimoji="1" lang="en-US" altLang="ja-JP" sz="1400" b="0" i="0" u="none" strike="noStrike" kern="1200" cap="none" spc="0" normalizeH="0" baseline="0" noProof="0" dirty="0">
+                  <a:ln>
+                    <a:noFill/>
+                  </a:ln>
+                  <a:solidFill>
+                    <a:prstClr val="black"/>
+                  </a:solidFill>
+                  <a:effectLst/>
+                  <a:uLnTx/>
+                  <a:uFillTx/>
+                  <a:latin typeface="Calibri"/>
+                  <a:ea typeface="ＭＳ Ｐゴシック" panose="020B0600070205080204" pitchFamily="50" charset="-128"/>
+                  <a:cs typeface="+mn-cs"/>
+                </a:rPr>
+                <a:t>Proprietary Software</a:t>
+              </a:r>
+            </a:p>
+            <a:p>
+              <a:pPr marL="0" marR="0" lvl="0" indent="0" algn="l" defTabSz="914400" rtl="0" eaLnBrk="1" fontAlgn="auto" latinLnBrk="0" hangingPunct="1">
+                <a:lnSpc>
+                  <a:spcPct val="100000"/>
+                </a:lnSpc>
+                <a:spcBef>
+                  <a:spcPts val="0"/>
+                </a:spcBef>
+                <a:spcAft>
+                  <a:spcPts val="0"/>
+                </a:spcAft>
+                <a:buClrTx/>
+                <a:buSzTx/>
+                <a:buFontTx/>
+                <a:buNone/>
+                <a:tabLst/>
+                <a:defRPr/>
+              </a:pPr>
+              <a:r>
+                <a:rPr kumimoji="1" lang="ja-JP" altLang="en-US" sz="1400" b="0" i="0" u="none" strike="noStrike" kern="1200" cap="none" spc="0" normalizeH="0" baseline="0" noProof="0" dirty="0">
+                  <a:ln>
+                    <a:noFill/>
+                  </a:ln>
+                  <a:solidFill>
+                    <a:prstClr val="black"/>
+                  </a:solidFill>
+                  <a:effectLst/>
+                  <a:uLnTx/>
+                  <a:uFillTx/>
+                  <a:latin typeface="Calibri"/>
+                  <a:ea typeface="ＭＳ Ｐゴシック" panose="020B0600070205080204" pitchFamily="50" charset="-128"/>
+                  <a:cs typeface="+mn-cs"/>
+                </a:rPr>
+                <a:t>（</a:t>
+              </a:r>
+              <a:r>
+                <a:rPr kumimoji="1" lang="en-US" altLang="ja-JP" sz="1400" b="0" i="0" u="none" strike="noStrike" kern="1200" cap="none" spc="0" normalizeH="0" baseline="0" noProof="0" dirty="0">
+                  <a:ln>
+                    <a:noFill/>
+                  </a:ln>
+                  <a:solidFill>
+                    <a:prstClr val="black"/>
+                  </a:solidFill>
+                  <a:effectLst/>
+                  <a:uLnTx/>
+                  <a:uFillTx/>
+                  <a:latin typeface="Calibri"/>
+                  <a:ea typeface="ＭＳ Ｐゴシック" panose="020B0600070205080204" pitchFamily="50" charset="-128"/>
+                  <a:cs typeface="+mn-cs"/>
+                </a:rPr>
+                <a:t>incl. OSS</a:t>
+              </a:r>
+              <a:r>
+                <a:rPr kumimoji="1" lang="ja-JP" altLang="en-US" sz="1400" b="0" i="0" u="none" strike="noStrike" kern="1200" cap="none" spc="0" normalizeH="0" baseline="0" noProof="0" dirty="0">
+                  <a:ln>
+                    <a:noFill/>
+                  </a:ln>
+                  <a:solidFill>
+                    <a:prstClr val="black"/>
+                  </a:solidFill>
+                  <a:effectLst/>
+                  <a:uLnTx/>
+                  <a:uFillTx/>
+                  <a:latin typeface="Calibri"/>
+                  <a:ea typeface="ＭＳ Ｐゴシック" panose="020B0600070205080204" pitchFamily="50" charset="-128"/>
+                  <a:cs typeface="+mn-cs"/>
+                </a:rPr>
+                <a:t>）</a:t>
+              </a:r>
+            </a:p>
+          </p:txBody>
+        </p:sp>
+        <p:cxnSp>
+          <p:nvCxnSpPr>
+            <p:cNvPr id="29" name="直線矢印コネクタ 28">
+              <a:extLst>
+                <a:ext uri="{FF2B5EF4-FFF2-40B4-BE49-F238E27FC236}">
+                  <a16:creationId xmlns:a16="http://schemas.microsoft.com/office/drawing/2014/main" id="{C9876905-EE9C-4F1C-8F91-A9DF1AB0B922}"/>
+                </a:ext>
+              </a:extLst>
+            </p:cNvPr>
+            <p:cNvCxnSpPr>
+              <a:cxnSpLocks/>
+            </p:cNvCxnSpPr>
+            <p:nvPr/>
+          </p:nvCxnSpPr>
+          <p:spPr>
+            <a:xfrm flipV="1">
+              <a:off x="7776755" y="2619950"/>
+              <a:ext cx="1148566" cy="13771"/>
+            </a:xfrm>
+            <a:prstGeom prst="straightConnector1">
+              <a:avLst/>
+            </a:prstGeom>
+            <a:ln w="38100">
+              <a:solidFill>
+                <a:schemeClr val="tx1"/>
+              </a:solidFill>
+              <a:tailEnd type="triangle"/>
+            </a:ln>
+          </p:spPr>
+          <p:style>
+            <a:lnRef idx="1">
+              <a:schemeClr val="accent1"/>
+            </a:lnRef>
+            <a:fillRef idx="0">
+              <a:schemeClr val="accent1"/>
+            </a:fillRef>
+            <a:effectRef idx="0">
+              <a:schemeClr val="accent1"/>
+            </a:effectRef>
+            <a:fontRef idx="minor">
+              <a:schemeClr val="tx1"/>
+            </a:fontRef>
+          </p:style>
+        </p:cxnSp>
+        <p:cxnSp>
+          <p:nvCxnSpPr>
+            <p:cNvPr id="31" name="直線矢印コネクタ 30">
+              <a:extLst>
+                <a:ext uri="{FF2B5EF4-FFF2-40B4-BE49-F238E27FC236}">
+                  <a16:creationId xmlns:a16="http://schemas.microsoft.com/office/drawing/2014/main" id="{266003C7-C2C5-4BB9-ADBE-8E0BFA5AA82D}"/>
+                </a:ext>
+              </a:extLst>
+            </p:cNvPr>
+            <p:cNvCxnSpPr>
+              <a:cxnSpLocks/>
+            </p:cNvCxnSpPr>
+            <p:nvPr/>
+          </p:nvCxnSpPr>
+          <p:spPr>
+            <a:xfrm flipV="1">
+              <a:off x="7750358" y="3068547"/>
+              <a:ext cx="1148566" cy="0"/>
+            </a:xfrm>
+            <a:prstGeom prst="straightConnector1">
+              <a:avLst/>
+            </a:prstGeom>
+            <a:ln w="38100">
+              <a:solidFill>
+                <a:srgbClr val="FFC000"/>
+              </a:solidFill>
+              <a:tailEnd type="triangle"/>
+            </a:ln>
+          </p:spPr>
+          <p:style>
+            <a:lnRef idx="1">
+              <a:schemeClr val="accent1"/>
+            </a:lnRef>
+            <a:fillRef idx="0">
+              <a:schemeClr val="accent1"/>
+            </a:fillRef>
+            <a:effectRef idx="0">
+              <a:schemeClr val="accent1"/>
+            </a:effectRef>
+            <a:fontRef idx="minor">
+              <a:schemeClr val="tx1"/>
+            </a:fontRef>
+          </p:style>
+        </p:cxnSp>
+        <p:cxnSp>
+          <p:nvCxnSpPr>
+            <p:cNvPr id="32" name="直線矢印コネクタ 31">
+              <a:extLst>
+                <a:ext uri="{FF2B5EF4-FFF2-40B4-BE49-F238E27FC236}">
+                  <a16:creationId xmlns:a16="http://schemas.microsoft.com/office/drawing/2014/main" id="{D00AF6E8-0ED9-474D-AA30-816429BC7242}"/>
+                </a:ext>
+              </a:extLst>
+            </p:cNvPr>
+            <p:cNvCxnSpPr>
+              <a:cxnSpLocks/>
+            </p:cNvCxnSpPr>
+            <p:nvPr/>
+          </p:nvCxnSpPr>
+          <p:spPr>
+            <a:xfrm>
+              <a:off x="7783410" y="3300805"/>
+              <a:ext cx="1141911" cy="0"/>
+            </a:xfrm>
+            <a:prstGeom prst="straightConnector1">
+              <a:avLst/>
+            </a:prstGeom>
+            <a:ln w="38100">
+              <a:solidFill>
+                <a:srgbClr val="FF0000"/>
+              </a:solidFill>
+              <a:tailEnd type="triangle"/>
+            </a:ln>
+          </p:spPr>
+          <p:style>
+            <a:lnRef idx="1">
+              <a:schemeClr val="accent1"/>
+            </a:lnRef>
+            <a:fillRef idx="0">
+              <a:schemeClr val="accent1"/>
+            </a:fillRef>
+            <a:effectRef idx="0">
+              <a:schemeClr val="accent1"/>
+            </a:effectRef>
+            <a:fontRef idx="minor">
+              <a:schemeClr val="tx1"/>
+            </a:fontRef>
+          </p:style>
+        </p:cxnSp>
+        <p:cxnSp>
+          <p:nvCxnSpPr>
+            <p:cNvPr id="40" name="直線矢印コネクタ 39">
+              <a:extLst>
+                <a:ext uri="{FF2B5EF4-FFF2-40B4-BE49-F238E27FC236}">
+                  <a16:creationId xmlns:a16="http://schemas.microsoft.com/office/drawing/2014/main" id="{3CE0855D-F339-48A9-84B6-AE904974AB96}"/>
+                </a:ext>
+              </a:extLst>
+            </p:cNvPr>
+            <p:cNvCxnSpPr>
+              <a:cxnSpLocks/>
+              <a:endCxn id="62" idx="3"/>
+            </p:cNvCxnSpPr>
+            <p:nvPr/>
+          </p:nvCxnSpPr>
+          <p:spPr>
+            <a:xfrm flipH="1">
+              <a:off x="7915840" y="3784363"/>
+              <a:ext cx="1050458" cy="9359"/>
+            </a:xfrm>
+            <a:prstGeom prst="straightConnector1">
+              <a:avLst/>
+            </a:prstGeom>
+            <a:ln w="38100">
+              <a:solidFill>
+                <a:srgbClr val="FF0000"/>
+              </a:solidFill>
+              <a:tailEnd type="triangle"/>
+            </a:ln>
+          </p:spPr>
+          <p:style>
+            <a:lnRef idx="1">
+              <a:schemeClr val="accent1"/>
+            </a:lnRef>
+            <a:fillRef idx="0">
+              <a:schemeClr val="accent1"/>
+            </a:fillRef>
+            <a:effectRef idx="0">
+              <a:schemeClr val="accent1"/>
+            </a:effectRef>
+            <a:fontRef idx="minor">
+              <a:schemeClr val="tx1"/>
+            </a:fontRef>
+          </p:style>
+        </p:cxnSp>
+        <p:sp>
+          <p:nvSpPr>
+            <p:cNvPr id="41" name="四角形: 角を丸くする 40">
+              <a:extLst>
+                <a:ext uri="{FF2B5EF4-FFF2-40B4-BE49-F238E27FC236}">
+                  <a16:creationId xmlns:a16="http://schemas.microsoft.com/office/drawing/2014/main" id="{62D9895C-A80B-4178-8F06-528C0E486442}"/>
+                </a:ext>
+              </a:extLst>
+            </p:cNvPr>
+            <p:cNvSpPr/>
+            <p:nvPr/>
+          </p:nvSpPr>
+          <p:spPr>
+            <a:xfrm>
+              <a:off x="3887996" y="2514110"/>
+              <a:ext cx="878000" cy="1090564"/>
+            </a:xfrm>
+            <a:prstGeom prst="roundRect">
+              <a:avLst/>
+            </a:prstGeom>
+            <a:solidFill>
+              <a:srgbClr val="FFFF00"/>
+            </a:solidFill>
+            <a:ln>
+              <a:noFill/>
+            </a:ln>
+          </p:spPr>
+          <p:style>
+            <a:lnRef idx="2">
+              <a:schemeClr val="accent1">
+                <a:shade val="50000"/>
+              </a:schemeClr>
+            </a:lnRef>
+            <a:fillRef idx="1">
+              <a:schemeClr val="accent1"/>
+            </a:fillRef>
+            <a:effectRef idx="0">
+              <a:schemeClr val="accent1"/>
+            </a:effectRef>
+            <a:fontRef idx="minor">
+              <a:schemeClr val="lt1"/>
+            </a:fontRef>
+          </p:style>
+          <p:txBody>
+            <a:bodyPr rtlCol="0" anchor="ctr"/>
+            <a:lstStyle/>
+            <a:p>
+              <a:pPr marL="0" marR="0" lvl="0" indent="0" algn="ctr" defTabSz="914400" rtl="0" eaLnBrk="1" fontAlgn="auto" latinLnBrk="0" hangingPunct="1">
+                <a:lnSpc>
+                  <a:spcPct val="100000"/>
+                </a:lnSpc>
+                <a:spcBef>
+                  <a:spcPts val="0"/>
+                </a:spcBef>
+                <a:spcAft>
+                  <a:spcPts val="0"/>
+                </a:spcAft>
+                <a:buClrTx/>
+                <a:buSzTx/>
+                <a:buFontTx/>
+                <a:buNone/>
+                <a:tabLst/>
+                <a:defRPr/>
+              </a:pPr>
+              <a:r>
+                <a:rPr kumimoji="1" lang="en-US" altLang="ja-JP" sz="1400" dirty="0">
+                  <a:solidFill>
+                    <a:prstClr val="black"/>
+                  </a:solidFill>
+                  <a:latin typeface="Calibri"/>
+                  <a:ea typeface="ＭＳ Ｐゴシック" panose="020B0600070205080204" pitchFamily="50" charset="-128"/>
+                </a:rPr>
+                <a:t>Inbound</a:t>
+              </a:r>
+              <a:endParaRPr kumimoji="1" lang="ja-JP" altLang="en-US" sz="1600" b="0" i="0" u="none" strike="noStrike" kern="1200" cap="none" spc="0" normalizeH="0" baseline="0" noProof="0" dirty="0">
                 <a:ln>
                   <a:noFill/>
                 </a:ln>
@@ -23717,30 +23030,85 @@
                 <a:latin typeface="Calibri"/>
                 <a:ea typeface="ＭＳ Ｐゴシック" panose="020B0600070205080204" pitchFamily="50" charset="-128"/>
                 <a:cs typeface="+mn-cs"/>
-              </a:rPr>
-              <a:t>Software</a:t>
-            </a:r>
-          </a:p>
-          <a:p>
-            <a:pPr marL="0" marR="0" lvl="0" indent="0" algn="l" defTabSz="914400" rtl="0" eaLnBrk="1" fontAlgn="auto" latinLnBrk="0" hangingPunct="1">
-              <a:lnSpc>
-                <a:spcPct val="100000"/>
-              </a:lnSpc>
-              <a:spcBef>
-                <a:spcPts val="0"/>
-              </a:spcBef>
-              <a:spcAft>
-                <a:spcPts val="0"/>
-              </a:spcAft>
-              <a:buClrTx/>
-              <a:buSzTx/>
-              <a:buFontTx/>
-              <a:buNone/>
-              <a:tabLst/>
-              <a:defRPr/>
-            </a:pPr>
-            <a:r>
-              <a:rPr kumimoji="1" lang="ja-JP" altLang="en-US" sz="1400" b="0" i="0" u="none" strike="noStrike" kern="1200" cap="none" spc="0" normalizeH="0" baseline="0" noProof="0" dirty="0">
+              </a:endParaRPr>
+            </a:p>
+          </p:txBody>
+        </p:sp>
+        <p:sp>
+          <p:nvSpPr>
+            <p:cNvPr id="43" name="四角形: 角を丸くする 42">
+              <a:extLst>
+                <a:ext uri="{FF2B5EF4-FFF2-40B4-BE49-F238E27FC236}">
+                  <a16:creationId xmlns:a16="http://schemas.microsoft.com/office/drawing/2014/main" id="{B1FB880F-C922-4291-A896-B3BC079FD4D7}"/>
+                </a:ext>
+              </a:extLst>
+            </p:cNvPr>
+            <p:cNvSpPr/>
+            <p:nvPr/>
+          </p:nvSpPr>
+          <p:spPr>
+            <a:xfrm>
+              <a:off x="4743794" y="840166"/>
+              <a:ext cx="872447" cy="372291"/>
+            </a:xfrm>
+            <a:prstGeom prst="roundRect">
+              <a:avLst/>
+            </a:prstGeom>
+            <a:solidFill>
+              <a:srgbClr val="FFFF00"/>
+            </a:solidFill>
+            <a:ln>
+              <a:noFill/>
+            </a:ln>
+          </p:spPr>
+          <p:style>
+            <a:lnRef idx="2">
+              <a:schemeClr val="accent1">
+                <a:shade val="50000"/>
+              </a:schemeClr>
+            </a:lnRef>
+            <a:fillRef idx="1">
+              <a:schemeClr val="accent1"/>
+            </a:fillRef>
+            <a:effectRef idx="0">
+              <a:schemeClr val="accent1"/>
+            </a:effectRef>
+            <a:fontRef idx="minor">
+              <a:schemeClr val="lt1"/>
+            </a:fontRef>
+          </p:style>
+          <p:txBody>
+            <a:bodyPr rtlCol="0" anchor="ctr"/>
+            <a:lstStyle/>
+            <a:p>
+              <a:pPr marL="0" marR="0" lvl="0" indent="0" algn="ctr" defTabSz="914400" rtl="0" eaLnBrk="1" fontAlgn="auto" latinLnBrk="0" hangingPunct="1">
+                <a:lnSpc>
+                  <a:spcPct val="100000"/>
+                </a:lnSpc>
+                <a:spcBef>
+                  <a:spcPts val="0"/>
+                </a:spcBef>
+                <a:spcAft>
+                  <a:spcPts val="0"/>
+                </a:spcAft>
+                <a:buClrTx/>
+                <a:buSzTx/>
+                <a:buFontTx/>
+                <a:buNone/>
+                <a:tabLst/>
+                <a:defRPr/>
+              </a:pPr>
+              <a:r>
+                <a:rPr kumimoji="1" lang="en-US" altLang="ja-JP" sz="1600" dirty="0">
+                  <a:solidFill>
+                    <a:prstClr val="black"/>
+                  </a:solidFill>
+                  <a:latin typeface="Calibri"/>
+                  <a:ea typeface="ＭＳ Ｐゴシック" panose="020B0600070205080204" pitchFamily="50" charset="-128"/>
+                </a:rPr>
+                <a:t>Patent</a:t>
+              </a:r>
+              <a:endParaRPr kumimoji="1" lang="ja-JP" altLang="en-US" sz="1800" b="0" i="0" u="none" strike="noStrike" kern="1200" cap="none" spc="0" normalizeH="0" baseline="0" noProof="0" dirty="0">
                 <a:ln>
                   <a:noFill/>
                 </a:ln>
@@ -23753,11 +23121,117 @@
                 <a:latin typeface="Calibri"/>
                 <a:ea typeface="ＭＳ Ｐゴシック" panose="020B0600070205080204" pitchFamily="50" charset="-128"/>
                 <a:cs typeface="+mn-cs"/>
-              </a:rPr>
-              <a:t>（</a:t>
-            </a:r>
-            <a:r>
-              <a:rPr kumimoji="1" lang="en-US" altLang="ja-JP" sz="1400" b="0" i="0" u="none" strike="noStrike" kern="1200" cap="none" spc="0" normalizeH="0" baseline="0" noProof="0" dirty="0">
+              </a:endParaRPr>
+            </a:p>
+          </p:txBody>
+        </p:sp>
+        <p:cxnSp>
+          <p:nvCxnSpPr>
+            <p:cNvPr id="44" name="直線矢印コネクタ 43">
+              <a:extLst>
+                <a:ext uri="{FF2B5EF4-FFF2-40B4-BE49-F238E27FC236}">
+                  <a16:creationId xmlns:a16="http://schemas.microsoft.com/office/drawing/2014/main" id="{FDADA76A-F9C8-42B2-832F-693E5679D550}"/>
+                </a:ext>
+              </a:extLst>
+            </p:cNvPr>
+            <p:cNvCxnSpPr>
+              <a:cxnSpLocks/>
+            </p:cNvCxnSpPr>
+            <p:nvPr/>
+          </p:nvCxnSpPr>
+          <p:spPr>
+            <a:xfrm>
+              <a:off x="10137241" y="376340"/>
+              <a:ext cx="729150" cy="0"/>
+            </a:xfrm>
+            <a:prstGeom prst="straightConnector1">
+              <a:avLst/>
+            </a:prstGeom>
+            <a:ln w="38100">
+              <a:solidFill>
+                <a:schemeClr val="tx1"/>
+              </a:solidFill>
+              <a:tailEnd type="triangle"/>
+            </a:ln>
+          </p:spPr>
+          <p:style>
+            <a:lnRef idx="1">
+              <a:schemeClr val="accent1"/>
+            </a:lnRef>
+            <a:fillRef idx="0">
+              <a:schemeClr val="accent1"/>
+            </a:fillRef>
+            <a:effectRef idx="0">
+              <a:schemeClr val="accent1"/>
+            </a:effectRef>
+            <a:fontRef idx="minor">
+              <a:schemeClr val="tx1"/>
+            </a:fontRef>
+          </p:style>
+        </p:cxnSp>
+        <p:sp>
+          <p:nvSpPr>
+            <p:cNvPr id="45" name="テキスト ボックス 44">
+              <a:extLst>
+                <a:ext uri="{FF2B5EF4-FFF2-40B4-BE49-F238E27FC236}">
+                  <a16:creationId xmlns:a16="http://schemas.microsoft.com/office/drawing/2014/main" id="{9583A253-DADE-4B31-AAD9-EF598107C2BC}"/>
+                </a:ext>
+              </a:extLst>
+            </p:cNvPr>
+            <p:cNvSpPr txBox="1"/>
+            <p:nvPr/>
+          </p:nvSpPr>
+          <p:spPr>
+            <a:xfrm>
+              <a:off x="9239101" y="475731"/>
+              <a:ext cx="745140" cy="276999"/>
+            </a:xfrm>
+            <a:prstGeom prst="rect">
+              <a:avLst/>
+            </a:prstGeom>
+            <a:noFill/>
+          </p:spPr>
+          <p:txBody>
+            <a:bodyPr wrap="none" rtlCol="0">
+              <a:spAutoFit/>
+            </a:bodyPr>
+            <a:lstStyle/>
+            <a:p>
+              <a:pPr marL="0" marR="0" lvl="0" indent="0" algn="l" defTabSz="914400" rtl="0" eaLnBrk="1" fontAlgn="auto" latinLnBrk="0" hangingPunct="1">
+                <a:lnSpc>
+                  <a:spcPct val="100000"/>
+                </a:lnSpc>
+                <a:spcBef>
+                  <a:spcPts val="0"/>
+                </a:spcBef>
+                <a:spcAft>
+                  <a:spcPts val="0"/>
+                </a:spcAft>
+                <a:buClrTx/>
+                <a:buSzTx/>
+                <a:buFontTx/>
+                <a:buNone/>
+                <a:tabLst/>
+                <a:defRPr/>
+              </a:pPr>
+              <a:r>
+                <a:rPr kumimoji="1" lang="en-US" altLang="ja-JP" sz="1200" b="0" i="0" u="none" strike="noStrike" kern="1200" cap="none" spc="0" normalizeH="0" baseline="0" noProof="0" dirty="0">
+                  <a:ln>
+                    <a:noFill/>
+                  </a:ln>
+                  <a:solidFill>
+                    <a:prstClr val="black"/>
+                  </a:solidFill>
+                  <a:effectLst/>
+                  <a:uLnTx/>
+                  <a:uFillTx/>
+                  <a:latin typeface="Calibri"/>
+                  <a:ea typeface="ＭＳ Ｐゴシック" panose="020B0600070205080204" pitchFamily="50" charset="-128"/>
+                  <a:cs typeface="+mn-cs"/>
+                </a:rPr>
+                <a:t>Software</a:t>
+              </a:r>
+              <a:endParaRPr kumimoji="1" lang="ja-JP" altLang="en-US" sz="1200" b="0" i="0" u="none" strike="noStrike" kern="1200" cap="none" spc="0" normalizeH="0" baseline="0" noProof="0" dirty="0">
                 <a:ln>
                   <a:noFill/>
                 </a:ln>
@@ -23770,11 +23244,154 @@
                 <a:latin typeface="Calibri"/>
                 <a:ea typeface="ＭＳ Ｐゴシック" panose="020B0600070205080204" pitchFamily="50" charset="-128"/>
                 <a:cs typeface="+mn-cs"/>
-              </a:rPr>
-              <a:t>incl. OSS</a:t>
-            </a:r>
-            <a:r>
-              <a:rPr kumimoji="1" lang="ja-JP" altLang="en-US" sz="1400" b="0" i="0" u="none" strike="noStrike" kern="1200" cap="none" spc="0" normalizeH="0" baseline="0" noProof="0" dirty="0">
+              </a:endParaRPr>
+            </a:p>
+          </p:txBody>
+        </p:sp>
+        <p:cxnSp>
+          <p:nvCxnSpPr>
+            <p:cNvPr id="46" name="直線矢印コネクタ 45">
+              <a:extLst>
+                <a:ext uri="{FF2B5EF4-FFF2-40B4-BE49-F238E27FC236}">
+                  <a16:creationId xmlns:a16="http://schemas.microsoft.com/office/drawing/2014/main" id="{27F132D1-801E-44B0-8A71-BF7F69C418E1}"/>
+                </a:ext>
+              </a:extLst>
+            </p:cNvPr>
+            <p:cNvCxnSpPr>
+              <a:cxnSpLocks/>
+            </p:cNvCxnSpPr>
+            <p:nvPr/>
+          </p:nvCxnSpPr>
+          <p:spPr>
+            <a:xfrm>
+              <a:off x="10133342" y="616098"/>
+              <a:ext cx="729150" cy="0"/>
+            </a:xfrm>
+            <a:prstGeom prst="straightConnector1">
+              <a:avLst/>
+            </a:prstGeom>
+            <a:ln w="38100">
+              <a:solidFill>
+                <a:srgbClr val="FFC000"/>
+              </a:solidFill>
+              <a:tailEnd type="triangle"/>
+            </a:ln>
+          </p:spPr>
+          <p:style>
+            <a:lnRef idx="1">
+              <a:schemeClr val="accent1"/>
+            </a:lnRef>
+            <a:fillRef idx="0">
+              <a:schemeClr val="accent1"/>
+            </a:fillRef>
+            <a:effectRef idx="0">
+              <a:schemeClr val="accent1"/>
+            </a:effectRef>
+            <a:fontRef idx="minor">
+              <a:schemeClr val="tx1"/>
+            </a:fontRef>
+          </p:style>
+        </p:cxnSp>
+        <p:cxnSp>
+          <p:nvCxnSpPr>
+            <p:cNvPr id="49" name="直線矢印コネクタ 48">
+              <a:extLst>
+                <a:ext uri="{FF2B5EF4-FFF2-40B4-BE49-F238E27FC236}">
+                  <a16:creationId xmlns:a16="http://schemas.microsoft.com/office/drawing/2014/main" id="{C464B536-32C7-4CB4-A68D-DC849895144C}"/>
+                </a:ext>
+              </a:extLst>
+            </p:cNvPr>
+            <p:cNvCxnSpPr>
+              <a:cxnSpLocks/>
+            </p:cNvCxnSpPr>
+            <p:nvPr/>
+          </p:nvCxnSpPr>
+          <p:spPr>
+            <a:xfrm>
+              <a:off x="10133342" y="872442"/>
+              <a:ext cx="729150" cy="0"/>
+            </a:xfrm>
+            <a:prstGeom prst="straightConnector1">
+              <a:avLst/>
+            </a:prstGeom>
+            <a:ln w="38100">
+              <a:solidFill>
+                <a:srgbClr val="FF0000"/>
+              </a:solidFill>
+              <a:tailEnd type="triangle"/>
+            </a:ln>
+          </p:spPr>
+          <p:style>
+            <a:lnRef idx="1">
+              <a:schemeClr val="accent1"/>
+            </a:lnRef>
+            <a:fillRef idx="0">
+              <a:schemeClr val="accent1"/>
+            </a:fillRef>
+            <a:effectRef idx="0">
+              <a:schemeClr val="accent1"/>
+            </a:effectRef>
+            <a:fontRef idx="minor">
+              <a:schemeClr val="tx1"/>
+            </a:fontRef>
+          </p:style>
+        </p:cxnSp>
+        <p:sp>
+          <p:nvSpPr>
+            <p:cNvPr id="50" name="テキスト ボックス 49">
+              <a:extLst>
+                <a:ext uri="{FF2B5EF4-FFF2-40B4-BE49-F238E27FC236}">
+                  <a16:creationId xmlns:a16="http://schemas.microsoft.com/office/drawing/2014/main" id="{7F771F3B-14A5-4791-833D-D36A79EE9812}"/>
+                </a:ext>
+              </a:extLst>
+            </p:cNvPr>
+            <p:cNvSpPr txBox="1"/>
+            <p:nvPr/>
+          </p:nvSpPr>
+          <p:spPr>
+            <a:xfrm>
+              <a:off x="9222327" y="759514"/>
+              <a:ext cx="1895440" cy="830997"/>
+            </a:xfrm>
+            <a:prstGeom prst="rect">
+              <a:avLst/>
+            </a:prstGeom>
+            <a:noFill/>
+          </p:spPr>
+          <p:txBody>
+            <a:bodyPr wrap="square" rtlCol="0">
+              <a:spAutoFit/>
+            </a:bodyPr>
+            <a:lstStyle/>
+            <a:p>
+              <a:pPr marL="0" marR="0" lvl="0" indent="0" algn="l" defTabSz="914400" rtl="0" eaLnBrk="1" fontAlgn="auto" latinLnBrk="0" hangingPunct="1">
+                <a:lnSpc>
+                  <a:spcPct val="100000"/>
+                </a:lnSpc>
+                <a:spcBef>
+                  <a:spcPts val="0"/>
+                </a:spcBef>
+                <a:spcAft>
+                  <a:spcPts val="0"/>
+                </a:spcAft>
+                <a:buClrTx/>
+                <a:buSzTx/>
+                <a:buFontTx/>
+                <a:buNone/>
+                <a:tabLst/>
+                <a:defRPr/>
+              </a:pPr>
+              <a:r>
+                <a:rPr kumimoji="1" lang="en-US" altLang="ja-JP" sz="1200" dirty="0">
+                  <a:solidFill>
+                    <a:prstClr val="black"/>
+                  </a:solidFill>
+                  <a:latin typeface="Calibri"/>
+                  <a:ea typeface="ＭＳ Ｐゴシック" panose="020B0600070205080204" pitchFamily="50" charset="-128"/>
+                </a:rPr>
+                <a:t>OSS license</a:t>
+              </a:r>
+              <a:endParaRPr kumimoji="1" lang="en-US" altLang="ja-JP" sz="1200" b="0" i="0" u="none" strike="noStrike" kern="1200" cap="none" spc="0" normalizeH="0" baseline="0" noProof="0" dirty="0">
                 <a:ln>
                   <a:noFill/>
                 </a:ln>
@@ -23787,59 +23404,185 @@
                 <a:latin typeface="Calibri"/>
                 <a:ea typeface="ＭＳ Ｐゴシック" panose="020B0600070205080204" pitchFamily="50" charset="-128"/>
                 <a:cs typeface="+mn-cs"/>
-              </a:rPr>
-              <a:t>）</a:t>
-            </a:r>
-          </a:p>
-        </p:txBody>
-      </p:sp>
-      <p:sp>
-        <p:nvSpPr>
-          <p:cNvPr id="54" name="テキスト ボックス 53">
-            <a:extLst>
-              <a:ext uri="{FF2B5EF4-FFF2-40B4-BE49-F238E27FC236}">
-                <a16:creationId xmlns:a16="http://schemas.microsoft.com/office/drawing/2014/main" id="{BC2E899B-C4A2-4544-BB5F-527B1C564FBE}"/>
-              </a:ext>
-            </a:extLst>
-          </p:cNvPr>
-          <p:cNvSpPr txBox="1"/>
-          <p:nvPr/>
-        </p:nvSpPr>
-        <p:spPr>
-          <a:xfrm>
-            <a:off x="7915840" y="3061577"/>
-            <a:ext cx="923651" cy="276999"/>
-          </a:xfrm>
-          <a:prstGeom prst="rect">
-            <a:avLst/>
-          </a:prstGeom>
-          <a:noFill/>
-        </p:spPr>
-        <p:txBody>
-          <a:bodyPr wrap="none" rtlCol="0">
-            <a:spAutoFit/>
-          </a:bodyPr>
-          <a:lstStyle/>
-          <a:p>
-            <a:pPr marL="0" marR="0" lvl="0" indent="0" algn="l" defTabSz="914400" rtl="0" eaLnBrk="1" fontAlgn="auto" latinLnBrk="0" hangingPunct="1">
-              <a:lnSpc>
-                <a:spcPct val="100000"/>
-              </a:lnSpc>
-              <a:spcBef>
-                <a:spcPts val="0"/>
-              </a:spcBef>
-              <a:spcAft>
-                <a:spcPts val="0"/>
-              </a:spcAft>
-              <a:buClrTx/>
-              <a:buSzTx/>
-              <a:buFontTx/>
-              <a:buNone/>
-              <a:tabLst/>
-              <a:defRPr/>
-            </a:pPr>
-            <a:r>
-              <a:rPr kumimoji="1" lang="en-US" altLang="ja-JP" sz="1200" b="0" i="0" u="none" strike="noStrike" kern="1200" cap="none" spc="0" normalizeH="0" baseline="0" noProof="0" dirty="0">
+              </a:endParaRPr>
+            </a:p>
+            <a:p>
+              <a:pPr marL="0" marR="0" lvl="0" indent="0" algn="l" defTabSz="914400" rtl="0" eaLnBrk="1" fontAlgn="auto" latinLnBrk="0" hangingPunct="1">
+                <a:lnSpc>
+                  <a:spcPct val="100000"/>
+                </a:lnSpc>
+                <a:spcBef>
+                  <a:spcPts val="0"/>
+                </a:spcBef>
+                <a:spcAft>
+                  <a:spcPts val="0"/>
+                </a:spcAft>
+                <a:buClrTx/>
+                <a:buSzTx/>
+                <a:buFontTx/>
+                <a:buNone/>
+                <a:tabLst/>
+                <a:defRPr/>
+              </a:pPr>
+              <a:r>
+                <a:rPr kumimoji="1" lang="ja-JP" altLang="en-US" sz="1200" b="0" i="0" u="none" strike="noStrike" kern="1200" cap="none" spc="0" normalizeH="0" baseline="0" noProof="0" dirty="0">
+                  <a:ln>
+                    <a:noFill/>
+                  </a:ln>
+                  <a:solidFill>
+                    <a:prstClr val="black"/>
+                  </a:solidFill>
+                  <a:effectLst/>
+                  <a:uLnTx/>
+                  <a:uFillTx/>
+                  <a:latin typeface="Calibri"/>
+                  <a:ea typeface="ＭＳ Ｐゴシック" panose="020B0600070205080204" pitchFamily="50" charset="-128"/>
+                  <a:cs typeface="+mn-cs"/>
+                </a:rPr>
+                <a:t>（</a:t>
+              </a:r>
+              <a:r>
+                <a:rPr kumimoji="1" lang="en-US" altLang="ja-JP" sz="1200" dirty="0">
+                  <a:solidFill>
+                    <a:prstClr val="black"/>
+                  </a:solidFill>
+                  <a:latin typeface="Calibri"/>
+                  <a:ea typeface="ＭＳ Ｐゴシック" panose="020B0600070205080204" pitchFamily="50" charset="-128"/>
+                </a:rPr>
+                <a:t>BoM, License, Copyright, Meta data, </a:t>
+              </a:r>
+            </a:p>
+            <a:p>
+              <a:pPr marL="0" marR="0" lvl="0" indent="0" algn="l" defTabSz="914400" rtl="0" eaLnBrk="1" fontAlgn="auto" latinLnBrk="0" hangingPunct="1">
+                <a:lnSpc>
+                  <a:spcPct val="100000"/>
+                </a:lnSpc>
+                <a:spcBef>
+                  <a:spcPts val="0"/>
+                </a:spcBef>
+                <a:spcAft>
+                  <a:spcPts val="0"/>
+                </a:spcAft>
+                <a:buClrTx/>
+                <a:buSzTx/>
+                <a:buFontTx/>
+                <a:buNone/>
+                <a:tabLst/>
+                <a:defRPr/>
+              </a:pPr>
+              <a:r>
+                <a:rPr kumimoji="1" lang="en-US" altLang="ja-JP" sz="1200" dirty="0">
+                  <a:solidFill>
+                    <a:prstClr val="black"/>
+                  </a:solidFill>
+                  <a:latin typeface="Calibri"/>
+                  <a:ea typeface="ＭＳ Ｐゴシック" panose="020B0600070205080204" pitchFamily="50" charset="-128"/>
+                </a:rPr>
+                <a:t>Source code if needed</a:t>
+              </a:r>
+              <a:r>
+                <a:rPr kumimoji="1" lang="ja-JP" altLang="en-US" sz="1200" b="0" i="0" u="none" strike="noStrike" kern="1200" cap="none" spc="0" normalizeH="0" baseline="0" noProof="0" dirty="0">
+                  <a:ln>
+                    <a:noFill/>
+                  </a:ln>
+                  <a:solidFill>
+                    <a:prstClr val="black"/>
+                  </a:solidFill>
+                  <a:effectLst/>
+                  <a:uLnTx/>
+                  <a:uFillTx/>
+                  <a:latin typeface="Calibri"/>
+                  <a:ea typeface="ＭＳ Ｐゴシック" panose="020B0600070205080204" pitchFamily="50" charset="-128"/>
+                  <a:cs typeface="+mn-cs"/>
+                </a:rPr>
+                <a:t>）</a:t>
+              </a:r>
+            </a:p>
+          </p:txBody>
+        </p:sp>
+        <p:sp>
+          <p:nvSpPr>
+            <p:cNvPr id="51" name="テキスト ボックス 50">
+              <a:extLst>
+                <a:ext uri="{FF2B5EF4-FFF2-40B4-BE49-F238E27FC236}">
+                  <a16:creationId xmlns:a16="http://schemas.microsoft.com/office/drawing/2014/main" id="{B0074E85-688C-4C3A-8DE3-F9EA54BAB42F}"/>
+                </a:ext>
+              </a:extLst>
+            </p:cNvPr>
+            <p:cNvSpPr txBox="1"/>
+            <p:nvPr/>
+          </p:nvSpPr>
+          <p:spPr>
+            <a:xfrm>
+              <a:off x="2522770" y="3524015"/>
+              <a:ext cx="923651" cy="276999"/>
+            </a:xfrm>
+            <a:prstGeom prst="rect">
+              <a:avLst/>
+            </a:prstGeom>
+            <a:noFill/>
+          </p:spPr>
+          <p:txBody>
+            <a:bodyPr wrap="none" rtlCol="0">
+              <a:spAutoFit/>
+            </a:bodyPr>
+            <a:lstStyle/>
+            <a:p>
+              <a:pPr marL="0" marR="0" lvl="0" indent="0" algn="l" defTabSz="914400" rtl="0" eaLnBrk="1" fontAlgn="auto" latinLnBrk="0" hangingPunct="1">
+                <a:lnSpc>
+                  <a:spcPct val="100000"/>
+                </a:lnSpc>
+                <a:spcBef>
+                  <a:spcPts val="0"/>
+                </a:spcBef>
+                <a:spcAft>
+                  <a:spcPts val="0"/>
+                </a:spcAft>
+                <a:buClrTx/>
+                <a:buSzTx/>
+                <a:buFontTx/>
+                <a:buNone/>
+                <a:tabLst/>
+                <a:defRPr/>
+              </a:pPr>
+              <a:r>
+                <a:rPr kumimoji="1" lang="en-US" altLang="ja-JP" sz="1200" b="0" i="0" u="none" strike="noStrike" kern="1200" cap="none" spc="0" normalizeH="0" baseline="0" noProof="0" dirty="0">
+                  <a:ln>
+                    <a:noFill/>
+                  </a:ln>
+                  <a:solidFill>
+                    <a:prstClr val="black"/>
+                  </a:solidFill>
+                  <a:effectLst/>
+                  <a:uLnTx/>
+                  <a:uFillTx/>
+                  <a:latin typeface="Calibri"/>
+                  <a:ea typeface="ＭＳ Ｐゴシック" panose="020B0600070205080204" pitchFamily="50" charset="-128"/>
+                  <a:cs typeface="+mn-cs"/>
+                </a:rPr>
+                <a:t>OSS</a:t>
+              </a:r>
+              <a:r>
+                <a:rPr kumimoji="1" lang="ja-JP" altLang="en-US" sz="1200" dirty="0">
+                  <a:solidFill>
+                    <a:prstClr val="black"/>
+                  </a:solidFill>
+                  <a:latin typeface="Calibri"/>
+                  <a:ea typeface="ＭＳ Ｐゴシック" panose="020B0600070205080204" pitchFamily="50" charset="-128"/>
+                </a:rPr>
+                <a:t> </a:t>
+              </a:r>
+              <a:r>
+                <a:rPr kumimoji="1" lang="en-US" altLang="ja-JP" sz="1200" dirty="0">
+                  <a:solidFill>
+                    <a:prstClr val="black"/>
+                  </a:solidFill>
+                  <a:latin typeface="Calibri"/>
+                  <a:ea typeface="ＭＳ Ｐゴシック" panose="020B0600070205080204" pitchFamily="50" charset="-128"/>
+                </a:rPr>
+                <a:t>License</a:t>
+              </a:r>
+              <a:endParaRPr kumimoji="1" lang="ja-JP" altLang="en-US" sz="1200" b="0" i="0" u="none" strike="noStrike" kern="1200" cap="none" spc="0" normalizeH="0" baseline="0" noProof="0" dirty="0">
                 <a:ln>
                   <a:noFill/>
                 </a:ln>
@@ -23852,394 +23595,73 @@
                 <a:latin typeface="Calibri"/>
                 <a:ea typeface="ＭＳ Ｐゴシック" panose="020B0600070205080204" pitchFamily="50" charset="-128"/>
                 <a:cs typeface="+mn-cs"/>
-              </a:rPr>
-              <a:t>OSS</a:t>
-            </a:r>
-            <a:r>
-              <a:rPr kumimoji="1" lang="ja-JP" altLang="en-US" sz="1200" dirty="0">
-                <a:solidFill>
-                  <a:prstClr val="black"/>
-                </a:solidFill>
-                <a:latin typeface="Calibri"/>
-                <a:ea typeface="ＭＳ Ｐゴシック" panose="020B0600070205080204" pitchFamily="50" charset="-128"/>
-              </a:rPr>
-              <a:t> </a:t>
-            </a:r>
-            <a:r>
-              <a:rPr kumimoji="1" lang="en-US" altLang="ja-JP" sz="1200" dirty="0">
-                <a:solidFill>
-                  <a:prstClr val="black"/>
-                </a:solidFill>
-                <a:latin typeface="Calibri"/>
-                <a:ea typeface="ＭＳ Ｐゴシック" panose="020B0600070205080204" pitchFamily="50" charset="-128"/>
-              </a:rPr>
-              <a:t>License</a:t>
-            </a:r>
-            <a:endParaRPr kumimoji="1" lang="ja-JP" altLang="en-US" sz="1200" b="0" i="0" u="none" strike="noStrike" kern="1200" cap="none" spc="0" normalizeH="0" baseline="0" noProof="0" dirty="0">
-              <a:ln>
-                <a:noFill/>
-              </a:ln>
-              <a:solidFill>
-                <a:prstClr val="black"/>
-              </a:solidFill>
-              <a:effectLst/>
-              <a:uLnTx/>
-              <a:uFillTx/>
-              <a:latin typeface="Calibri"/>
-              <a:ea typeface="ＭＳ Ｐゴシック" panose="020B0600070205080204" pitchFamily="50" charset="-128"/>
-              <a:cs typeface="+mn-cs"/>
-            </a:endParaRPr>
-          </a:p>
-        </p:txBody>
-      </p:sp>
-      <p:sp>
-        <p:nvSpPr>
-          <p:cNvPr id="58" name="フローチャート: 磁気ディスク 57">
-            <a:extLst>
-              <a:ext uri="{FF2B5EF4-FFF2-40B4-BE49-F238E27FC236}">
-                <a16:creationId xmlns:a16="http://schemas.microsoft.com/office/drawing/2014/main" id="{6F8A06A7-D462-4044-9916-49AAABAF24F9}"/>
-              </a:ext>
-            </a:extLst>
-          </p:cNvPr>
-          <p:cNvSpPr/>
-          <p:nvPr/>
-        </p:nvSpPr>
-        <p:spPr>
-          <a:xfrm>
-            <a:off x="8244783" y="1552442"/>
-            <a:ext cx="573645" cy="632454"/>
-          </a:xfrm>
-          <a:prstGeom prst="flowChartMagneticDisk">
-            <a:avLst/>
-          </a:prstGeom>
-          <a:solidFill>
-            <a:srgbClr val="FFC000"/>
-          </a:solidFill>
-        </p:spPr>
-        <p:style>
-          <a:lnRef idx="2">
-            <a:schemeClr val="accent1">
-              <a:shade val="50000"/>
-            </a:schemeClr>
-          </a:lnRef>
-          <a:fillRef idx="1">
-            <a:schemeClr val="accent1"/>
-          </a:fillRef>
-          <a:effectRef idx="0">
-            <a:schemeClr val="accent1"/>
-          </a:effectRef>
-          <a:fontRef idx="minor">
-            <a:schemeClr val="lt1"/>
-          </a:fontRef>
-        </p:style>
-        <p:txBody>
-          <a:bodyPr rtlCol="0" anchor="ctr"/>
-          <a:lstStyle/>
-          <a:p>
-            <a:pPr marL="0" marR="0" lvl="0" indent="0" algn="ctr" defTabSz="914400" rtl="0" eaLnBrk="1" fontAlgn="auto" latinLnBrk="0" hangingPunct="1">
-              <a:lnSpc>
-                <a:spcPct val="100000"/>
-              </a:lnSpc>
-              <a:spcBef>
-                <a:spcPts val="0"/>
-              </a:spcBef>
-              <a:spcAft>
-                <a:spcPts val="0"/>
-              </a:spcAft>
-              <a:buClrTx/>
-              <a:buSzTx/>
-              <a:buFontTx/>
-              <a:buNone/>
-              <a:tabLst/>
-              <a:defRPr/>
-            </a:pPr>
-            <a:endParaRPr kumimoji="1" lang="ja-JP" altLang="en-US" sz="1800" b="0" i="0" u="none" strike="noStrike" kern="1200" cap="none" spc="0" normalizeH="0" baseline="0" noProof="0">
-              <a:ln>
-                <a:noFill/>
-              </a:ln>
-              <a:solidFill>
-                <a:prstClr val="white"/>
-              </a:solidFill>
-              <a:effectLst/>
-              <a:uLnTx/>
-              <a:uFillTx/>
-              <a:latin typeface="Calibri"/>
-              <a:ea typeface="ＭＳ Ｐゴシック" panose="020B0600070205080204" pitchFamily="50" charset="-128"/>
-              <a:cs typeface="+mn-cs"/>
-            </a:endParaRPr>
-          </a:p>
-        </p:txBody>
-      </p:sp>
-      <p:sp>
-        <p:nvSpPr>
-          <p:cNvPr id="61" name="テキスト ボックス 60">
-            <a:extLst>
-              <a:ext uri="{FF2B5EF4-FFF2-40B4-BE49-F238E27FC236}">
-                <a16:creationId xmlns:a16="http://schemas.microsoft.com/office/drawing/2014/main" id="{9BA04A49-898C-47F7-A64B-CFFBA5599125}"/>
-              </a:ext>
-            </a:extLst>
-          </p:cNvPr>
-          <p:cNvSpPr txBox="1"/>
-          <p:nvPr/>
-        </p:nvSpPr>
-        <p:spPr>
-          <a:xfrm>
-            <a:off x="8710120" y="1579432"/>
-            <a:ext cx="1056700" cy="600164"/>
-          </a:xfrm>
-          <a:prstGeom prst="rect">
-            <a:avLst/>
-          </a:prstGeom>
-          <a:noFill/>
-        </p:spPr>
-        <p:txBody>
-          <a:bodyPr wrap="square" rtlCol="0">
-            <a:spAutoFit/>
-          </a:bodyPr>
-          <a:lstStyle/>
-          <a:p>
-            <a:pPr marL="0" marR="0" lvl="0" indent="0" algn="ctr" defTabSz="914400" rtl="0" eaLnBrk="1" fontAlgn="auto" latinLnBrk="0" hangingPunct="1">
-              <a:lnSpc>
-                <a:spcPct val="100000"/>
-              </a:lnSpc>
-              <a:spcBef>
-                <a:spcPts val="0"/>
-              </a:spcBef>
-              <a:spcAft>
-                <a:spcPts val="0"/>
-              </a:spcAft>
-              <a:buClrTx/>
-              <a:buSzTx/>
-              <a:buFontTx/>
-              <a:buNone/>
-              <a:tabLst/>
-              <a:defRPr/>
-            </a:pPr>
-            <a:r>
-              <a:rPr kumimoji="1" lang="en-US" altLang="ja-JP" sz="1100" dirty="0">
-                <a:solidFill>
-                  <a:prstClr val="black"/>
-                </a:solidFill>
-                <a:latin typeface="Calibri"/>
-                <a:ea typeface="ＭＳ Ｐゴシック" panose="020B0600070205080204" pitchFamily="50" charset="-128"/>
-              </a:rPr>
-              <a:t>Website of Source</a:t>
-            </a:r>
-            <a:r>
-              <a:rPr kumimoji="1" lang="ja-JP" altLang="en-US" sz="1100" dirty="0">
-                <a:solidFill>
-                  <a:prstClr val="black"/>
-                </a:solidFill>
-                <a:latin typeface="Calibri"/>
-                <a:ea typeface="ＭＳ Ｐゴシック" panose="020B0600070205080204" pitchFamily="50" charset="-128"/>
-              </a:rPr>
-              <a:t> </a:t>
-            </a:r>
-            <a:r>
-              <a:rPr kumimoji="1" lang="en-US" altLang="ja-JP" sz="1100" dirty="0">
-                <a:solidFill>
-                  <a:prstClr val="black"/>
-                </a:solidFill>
-                <a:latin typeface="Calibri"/>
-                <a:ea typeface="ＭＳ Ｐゴシック" panose="020B0600070205080204" pitchFamily="50" charset="-128"/>
-              </a:rPr>
-              <a:t>code</a:t>
-            </a:r>
-            <a:r>
-              <a:rPr kumimoji="1" lang="ja-JP" altLang="en-US" sz="1100" dirty="0">
-                <a:solidFill>
-                  <a:prstClr val="black"/>
-                </a:solidFill>
-                <a:latin typeface="Calibri"/>
-                <a:ea typeface="ＭＳ Ｐゴシック" panose="020B0600070205080204" pitchFamily="50" charset="-128"/>
-              </a:rPr>
-              <a:t> </a:t>
-            </a:r>
-            <a:r>
-              <a:rPr kumimoji="1" lang="en-US" altLang="ja-JP" sz="1100" dirty="0">
-                <a:solidFill>
-                  <a:prstClr val="black"/>
-                </a:solidFill>
-                <a:latin typeface="Calibri"/>
-                <a:ea typeface="ＭＳ Ｐゴシック" panose="020B0600070205080204" pitchFamily="50" charset="-128"/>
-              </a:rPr>
-              <a:t>publication</a:t>
-            </a:r>
-            <a:endParaRPr kumimoji="1" lang="en-US" altLang="ja-JP" sz="1100" b="0" i="0" u="none" strike="noStrike" kern="1200" cap="none" spc="0" normalizeH="0" baseline="0" noProof="0" dirty="0">
-              <a:ln>
-                <a:noFill/>
-              </a:ln>
-              <a:solidFill>
-                <a:prstClr val="black"/>
-              </a:solidFill>
-              <a:effectLst/>
-              <a:uLnTx/>
-              <a:uFillTx/>
-              <a:latin typeface="Calibri"/>
-              <a:ea typeface="ＭＳ Ｐゴシック" panose="020B0600070205080204" pitchFamily="50" charset="-128"/>
-              <a:cs typeface="+mn-cs"/>
-            </a:endParaRPr>
-          </a:p>
-        </p:txBody>
-      </p:sp>
-      <p:sp>
-        <p:nvSpPr>
-          <p:cNvPr id="62" name="四角形: 角を丸くする 61">
-            <a:extLst>
-              <a:ext uri="{FF2B5EF4-FFF2-40B4-BE49-F238E27FC236}">
-                <a16:creationId xmlns:a16="http://schemas.microsoft.com/office/drawing/2014/main" id="{61E144C9-EEEA-467C-B27C-79409D934D7E}"/>
-              </a:ext>
-            </a:extLst>
-          </p:cNvPr>
-          <p:cNvSpPr/>
-          <p:nvPr/>
-        </p:nvSpPr>
-        <p:spPr>
-          <a:xfrm>
-            <a:off x="7050014" y="3514503"/>
-            <a:ext cx="865826" cy="558437"/>
-          </a:xfrm>
-          <a:prstGeom prst="roundRect">
-            <a:avLst/>
-          </a:prstGeom>
-          <a:solidFill>
-            <a:srgbClr val="FFFF00"/>
-          </a:solidFill>
-          <a:ln>
+              </a:endParaRPr>
+            </a:p>
+          </p:txBody>
+        </p:sp>
+        <p:sp>
+          <p:nvSpPr>
+            <p:cNvPr id="52" name="テキスト ボックス 51">
+              <a:extLst>
+                <a:ext uri="{FF2B5EF4-FFF2-40B4-BE49-F238E27FC236}">
+                  <a16:creationId xmlns:a16="http://schemas.microsoft.com/office/drawing/2014/main" id="{C3E49ACF-9195-4930-B28D-130ABD31308A}"/>
+                </a:ext>
+              </a:extLst>
+            </p:cNvPr>
+            <p:cNvSpPr txBox="1"/>
+            <p:nvPr/>
+          </p:nvSpPr>
+          <p:spPr>
+            <a:xfrm>
+              <a:off x="8077222" y="2313240"/>
+              <a:ext cx="567784" cy="307777"/>
+            </a:xfrm>
+            <a:prstGeom prst="rect">
+              <a:avLst/>
+            </a:prstGeom>
             <a:noFill/>
-          </a:ln>
-        </p:spPr>
-        <p:style>
-          <a:lnRef idx="2">
-            <a:schemeClr val="accent1">
-              <a:shade val="50000"/>
-            </a:schemeClr>
-          </a:lnRef>
-          <a:fillRef idx="1">
-            <a:schemeClr val="accent1"/>
-          </a:fillRef>
-          <a:effectRef idx="0">
-            <a:schemeClr val="accent1"/>
-          </a:effectRef>
-          <a:fontRef idx="minor">
-            <a:schemeClr val="lt1"/>
-          </a:fontRef>
-        </p:style>
-        <p:txBody>
-          <a:bodyPr rtlCol="0" anchor="ctr"/>
-          <a:lstStyle/>
-          <a:p>
-            <a:pPr marL="0" marR="0" lvl="0" indent="0" algn="ctr" defTabSz="914400" rtl="0" eaLnBrk="1" fontAlgn="auto" latinLnBrk="0" hangingPunct="1">
-              <a:lnSpc>
-                <a:spcPct val="100000"/>
-              </a:lnSpc>
-              <a:spcBef>
-                <a:spcPts val="0"/>
-              </a:spcBef>
-              <a:spcAft>
-                <a:spcPts val="0"/>
-              </a:spcAft>
-              <a:buClrTx/>
-              <a:buSzTx/>
-              <a:buFontTx/>
-              <a:buNone/>
-              <a:tabLst/>
-              <a:defRPr/>
-            </a:pPr>
-            <a:r>
-              <a:rPr kumimoji="1" lang="en-US" altLang="ja-JP" sz="1200" dirty="0">
-                <a:solidFill>
-                  <a:prstClr val="black"/>
-                </a:solidFill>
-                <a:latin typeface="Calibri"/>
-                <a:ea typeface="ＭＳ Ｐゴシック" panose="020B0600070205080204" pitchFamily="50" charset="-128"/>
-              </a:rPr>
-              <a:t>Customer</a:t>
-            </a:r>
-            <a:r>
-              <a:rPr kumimoji="1" lang="ja-JP" altLang="en-US" sz="1200" dirty="0">
-                <a:solidFill>
-                  <a:prstClr val="black"/>
-                </a:solidFill>
-                <a:latin typeface="Calibri"/>
-                <a:ea typeface="ＭＳ Ｐゴシック" panose="020B0600070205080204" pitchFamily="50" charset="-128"/>
-              </a:rPr>
-              <a:t> </a:t>
-            </a:r>
-            <a:r>
-              <a:rPr kumimoji="1" lang="en-US" altLang="ja-JP" sz="1200" dirty="0">
-                <a:solidFill>
-                  <a:prstClr val="black"/>
-                </a:solidFill>
-                <a:latin typeface="Calibri"/>
-                <a:ea typeface="ＭＳ Ｐゴシック" panose="020B0600070205080204" pitchFamily="50" charset="-128"/>
-              </a:rPr>
-              <a:t>Support</a:t>
-            </a:r>
-            <a:endParaRPr kumimoji="1" lang="en-US" altLang="ja-JP" sz="1200" b="0" i="0" u="none" strike="noStrike" kern="1200" cap="none" spc="0" normalizeH="0" baseline="0" noProof="0" dirty="0">
-              <a:ln>
-                <a:noFill/>
-              </a:ln>
-              <a:solidFill>
-                <a:prstClr val="black"/>
-              </a:solidFill>
-              <a:effectLst/>
-              <a:uLnTx/>
-              <a:uFillTx/>
-              <a:latin typeface="Calibri"/>
-              <a:ea typeface="ＭＳ Ｐゴシック" panose="020B0600070205080204" pitchFamily="50" charset="-128"/>
-              <a:cs typeface="+mn-cs"/>
-            </a:endParaRPr>
-          </a:p>
-        </p:txBody>
-      </p:sp>
-      <p:sp>
-        <p:nvSpPr>
-          <p:cNvPr id="64" name="テキスト ボックス 63">
-            <a:extLst>
-              <a:ext uri="{FF2B5EF4-FFF2-40B4-BE49-F238E27FC236}">
-                <a16:creationId xmlns:a16="http://schemas.microsoft.com/office/drawing/2014/main" id="{6FA8BEB1-3EFE-4C16-9F41-44A149F98E9A}"/>
-              </a:ext>
-            </a:extLst>
-          </p:cNvPr>
-          <p:cNvSpPr txBox="1"/>
-          <p:nvPr/>
-        </p:nvSpPr>
-        <p:spPr>
-          <a:xfrm>
-            <a:off x="8006177" y="3514335"/>
-            <a:ext cx="840295" cy="261610"/>
-          </a:xfrm>
-          <a:prstGeom prst="rect">
-            <a:avLst/>
-          </a:prstGeom>
-          <a:noFill/>
-        </p:spPr>
-        <p:txBody>
-          <a:bodyPr wrap="none" rtlCol="0">
-            <a:spAutoFit/>
-          </a:bodyPr>
-          <a:lstStyle/>
-          <a:p>
-            <a:pPr marL="0" marR="0" lvl="0" indent="0" algn="l" defTabSz="914400" rtl="0" eaLnBrk="1" fontAlgn="auto" latinLnBrk="0" hangingPunct="1">
-              <a:lnSpc>
-                <a:spcPct val="100000"/>
-              </a:lnSpc>
-              <a:spcBef>
-                <a:spcPts val="0"/>
-              </a:spcBef>
-              <a:spcAft>
-                <a:spcPts val="0"/>
-              </a:spcAft>
-              <a:buClrTx/>
-              <a:buSzTx/>
-              <a:buFontTx/>
-              <a:buNone/>
-              <a:tabLst/>
-              <a:defRPr/>
-            </a:pPr>
-            <a:r>
-              <a:rPr kumimoji="1" lang="en-US" altLang="ja-JP" sz="1100" b="0" i="0" u="none" strike="noStrike" kern="1200" cap="none" spc="0" normalizeH="0" baseline="0" noProof="0" dirty="0">
+          </p:spPr>
+          <p:txBody>
+            <a:bodyPr wrap="none" rtlCol="0">
+              <a:spAutoFit/>
+            </a:bodyPr>
+            <a:lstStyle/>
+            <a:p>
+              <a:pPr marL="0" marR="0" lvl="0" indent="0" algn="l" defTabSz="914400" rtl="0" eaLnBrk="1" fontAlgn="auto" latinLnBrk="0" hangingPunct="1">
+                <a:lnSpc>
+                  <a:spcPct val="100000"/>
+                </a:lnSpc>
+                <a:spcBef>
+                  <a:spcPts val="0"/>
+                </a:spcBef>
+                <a:spcAft>
+                  <a:spcPts val="0"/>
+                </a:spcAft>
+                <a:buClrTx/>
+                <a:buSzTx/>
+                <a:buFontTx/>
+                <a:buNone/>
+                <a:tabLst/>
+                <a:defRPr/>
+              </a:pPr>
+              <a:r>
+                <a:rPr kumimoji="1" lang="en-US" altLang="ja-JP" sz="1400" b="0" i="0" u="none" strike="noStrike" kern="1200" cap="none" spc="0" normalizeH="0" baseline="0" noProof="0" dirty="0">
+                  <a:ln>
+                    <a:noFill/>
+                  </a:ln>
+                  <a:solidFill>
+                    <a:prstClr val="black"/>
+                  </a:solidFill>
+                  <a:effectLst/>
+                  <a:uLnTx/>
+                  <a:uFillTx/>
+                  <a:latin typeface="Calibri"/>
+                  <a:ea typeface="ＭＳ Ｐゴシック" panose="020B0600070205080204" pitchFamily="50" charset="-128"/>
+                  <a:cs typeface="+mn-cs"/>
+                </a:rPr>
+                <a:t>EULA</a:t>
+              </a:r>
+              <a:endParaRPr kumimoji="1" lang="ja-JP" altLang="en-US" sz="1400" b="0" i="0" u="none" strike="noStrike" kern="1200" cap="none" spc="0" normalizeH="0" baseline="0" noProof="0" dirty="0">
                 <a:ln>
                   <a:noFill/>
                 </a:ln>
@@ -24252,182 +23674,228 @@
                 <a:latin typeface="Calibri"/>
                 <a:ea typeface="ＭＳ Ｐゴシック" panose="020B0600070205080204" pitchFamily="50" charset="-128"/>
                 <a:cs typeface="+mn-cs"/>
-              </a:rPr>
-              <a:t>OSS</a:t>
-            </a:r>
-            <a:r>
-              <a:rPr kumimoji="1" lang="ja-JP" altLang="en-US" sz="1100" dirty="0">
-                <a:solidFill>
-                  <a:prstClr val="black"/>
-                </a:solidFill>
-                <a:latin typeface="Calibri"/>
-                <a:ea typeface="ＭＳ Ｐゴシック" panose="020B0600070205080204" pitchFamily="50" charset="-128"/>
-              </a:rPr>
-              <a:t> </a:t>
-            </a:r>
-            <a:r>
-              <a:rPr kumimoji="1" lang="en-US" altLang="ja-JP" sz="1100" dirty="0">
-                <a:solidFill>
-                  <a:prstClr val="black"/>
-                </a:solidFill>
-                <a:latin typeface="Calibri"/>
-                <a:ea typeface="ＭＳ Ｐゴシック" panose="020B0600070205080204" pitchFamily="50" charset="-128"/>
-              </a:rPr>
-              <a:t>Inquiry</a:t>
-            </a:r>
-            <a:endParaRPr kumimoji="1" lang="ja-JP" altLang="en-US" sz="1100" b="0" i="0" u="none" strike="noStrike" kern="1200" cap="none" spc="0" normalizeH="0" baseline="0" noProof="0" dirty="0">
-              <a:ln>
-                <a:noFill/>
-              </a:ln>
-              <a:solidFill>
-                <a:prstClr val="black"/>
-              </a:solidFill>
-              <a:effectLst/>
-              <a:uLnTx/>
-              <a:uFillTx/>
-              <a:latin typeface="Calibri"/>
-              <a:ea typeface="ＭＳ Ｐゴシック" panose="020B0600070205080204" pitchFamily="50" charset="-128"/>
-              <a:cs typeface="+mn-cs"/>
-            </a:endParaRPr>
-          </a:p>
-        </p:txBody>
-      </p:sp>
-      <p:cxnSp>
-        <p:nvCxnSpPr>
-          <p:cNvPr id="70" name="直線矢印コネクタ 69">
-            <a:extLst>
-              <a:ext uri="{FF2B5EF4-FFF2-40B4-BE49-F238E27FC236}">
-                <a16:creationId xmlns:a16="http://schemas.microsoft.com/office/drawing/2014/main" id="{9BEC4DA4-D661-4F0B-87B8-06549A413407}"/>
-              </a:ext>
-            </a:extLst>
-          </p:cNvPr>
-          <p:cNvCxnSpPr>
-            <a:cxnSpLocks/>
-          </p:cNvCxnSpPr>
-          <p:nvPr/>
-        </p:nvCxnSpPr>
-        <p:spPr>
-          <a:xfrm flipH="1" flipV="1">
-            <a:off x="4426872" y="4698248"/>
-            <a:ext cx="1604" cy="941528"/>
-          </a:xfrm>
-          <a:prstGeom prst="straightConnector1">
-            <a:avLst/>
-          </a:prstGeom>
-          <a:ln w="38100">
-            <a:solidFill>
-              <a:srgbClr val="FFC000"/>
-            </a:solidFill>
-            <a:tailEnd type="triangle"/>
-          </a:ln>
-        </p:spPr>
-        <p:style>
-          <a:lnRef idx="1">
-            <a:schemeClr val="accent1"/>
-          </a:lnRef>
-          <a:fillRef idx="0">
-            <a:schemeClr val="accent1"/>
-          </a:fillRef>
-          <a:effectRef idx="0">
-            <a:schemeClr val="accent1"/>
-          </a:effectRef>
-          <a:fontRef idx="minor">
-            <a:schemeClr val="tx1"/>
-          </a:fontRef>
-        </p:style>
-      </p:cxnSp>
-      <p:cxnSp>
-        <p:nvCxnSpPr>
-          <p:cNvPr id="72" name="直線矢印コネクタ 71">
-            <a:extLst>
-              <a:ext uri="{FF2B5EF4-FFF2-40B4-BE49-F238E27FC236}">
-                <a16:creationId xmlns:a16="http://schemas.microsoft.com/office/drawing/2014/main" id="{CDC1E55D-C73E-4A4F-96C5-7C9AF35137EC}"/>
-              </a:ext>
-            </a:extLst>
-          </p:cNvPr>
-          <p:cNvCxnSpPr>
-            <a:cxnSpLocks/>
-            <a:stCxn id="10" idx="1"/>
-          </p:cNvCxnSpPr>
-          <p:nvPr/>
-        </p:nvCxnSpPr>
-        <p:spPr>
-          <a:xfrm flipH="1" flipV="1">
-            <a:off x="2265971" y="5318200"/>
-            <a:ext cx="1983920" cy="637114"/>
-          </a:xfrm>
-          <a:prstGeom prst="straightConnector1">
-            <a:avLst/>
-          </a:prstGeom>
-          <a:ln w="38100">
-            <a:solidFill>
-              <a:srgbClr val="FFC000"/>
-            </a:solidFill>
-            <a:tailEnd type="triangle"/>
-          </a:ln>
-        </p:spPr>
-        <p:style>
-          <a:lnRef idx="1">
-            <a:schemeClr val="accent1"/>
-          </a:lnRef>
-          <a:fillRef idx="0">
-            <a:schemeClr val="accent1"/>
-          </a:fillRef>
-          <a:effectRef idx="0">
-            <a:schemeClr val="accent1"/>
-          </a:effectRef>
-          <a:fontRef idx="minor">
-            <a:schemeClr val="tx1"/>
-          </a:fontRef>
-        </p:style>
-      </p:cxnSp>
-      <p:sp>
-        <p:nvSpPr>
-          <p:cNvPr id="74" name="テキスト ボックス 73">
-            <a:extLst>
-              <a:ext uri="{FF2B5EF4-FFF2-40B4-BE49-F238E27FC236}">
-                <a16:creationId xmlns:a16="http://schemas.microsoft.com/office/drawing/2014/main" id="{920F6C34-2AD3-489B-99BC-8607F031AB1D}"/>
-              </a:ext>
-            </a:extLst>
-          </p:cNvPr>
-          <p:cNvSpPr txBox="1"/>
-          <p:nvPr/>
-        </p:nvSpPr>
-        <p:spPr>
-          <a:xfrm>
-            <a:off x="3954147" y="5081458"/>
-            <a:ext cx="428322" cy="276999"/>
-          </a:xfrm>
-          <a:prstGeom prst="rect">
-            <a:avLst/>
-          </a:prstGeom>
-          <a:noFill/>
-        </p:spPr>
-        <p:txBody>
-          <a:bodyPr wrap="none" rtlCol="0">
-            <a:spAutoFit/>
-          </a:bodyPr>
-          <a:lstStyle/>
-          <a:p>
-            <a:pPr marL="0" marR="0" lvl="0" indent="0" algn="l" defTabSz="914400" rtl="0" eaLnBrk="1" fontAlgn="auto" latinLnBrk="0" hangingPunct="1">
-              <a:lnSpc>
-                <a:spcPct val="100000"/>
-              </a:lnSpc>
-              <a:spcBef>
-                <a:spcPts val="0"/>
-              </a:spcBef>
-              <a:spcAft>
-                <a:spcPts val="0"/>
-              </a:spcAft>
-              <a:buClrTx/>
-              <a:buSzTx/>
-              <a:buFontTx/>
-              <a:buNone/>
-              <a:tabLst/>
-              <a:defRPr/>
-            </a:pPr>
-            <a:r>
-              <a:rPr kumimoji="1" lang="en-US" altLang="ja-JP" sz="1200" b="0" i="0" u="none" strike="noStrike" kern="1200" cap="none" spc="0" normalizeH="0" baseline="0" noProof="0" dirty="0">
+              </a:endParaRPr>
+            </a:p>
+          </p:txBody>
+        </p:sp>
+        <p:sp>
+          <p:nvSpPr>
+            <p:cNvPr id="53" name="テキスト ボックス 52">
+              <a:extLst>
+                <a:ext uri="{FF2B5EF4-FFF2-40B4-BE49-F238E27FC236}">
+                  <a16:creationId xmlns:a16="http://schemas.microsoft.com/office/drawing/2014/main" id="{92A99D74-19FD-4883-B90A-D34018AE2B67}"/>
+                </a:ext>
+              </a:extLst>
+            </p:cNvPr>
+            <p:cNvSpPr txBox="1"/>
+            <p:nvPr/>
+          </p:nvSpPr>
+          <p:spPr>
+            <a:xfrm>
+              <a:off x="7853304" y="2589150"/>
+              <a:ext cx="1023655" cy="523220"/>
+            </a:xfrm>
+            <a:prstGeom prst="rect">
+              <a:avLst/>
+            </a:prstGeom>
+            <a:noFill/>
+          </p:spPr>
+          <p:txBody>
+            <a:bodyPr wrap="square" rtlCol="0">
+              <a:spAutoFit/>
+            </a:bodyPr>
+            <a:lstStyle/>
+            <a:p>
+              <a:pPr marL="0" marR="0" lvl="0" indent="0" algn="l" defTabSz="914400" rtl="0" eaLnBrk="1" fontAlgn="auto" latinLnBrk="0" hangingPunct="1">
+                <a:lnSpc>
+                  <a:spcPct val="100000"/>
+                </a:lnSpc>
+                <a:spcBef>
+                  <a:spcPts val="0"/>
+                </a:spcBef>
+                <a:spcAft>
+                  <a:spcPts val="0"/>
+                </a:spcAft>
+                <a:buClrTx/>
+                <a:buSzTx/>
+                <a:buFontTx/>
+                <a:buNone/>
+                <a:tabLst/>
+                <a:defRPr/>
+              </a:pPr>
+              <a:r>
+                <a:rPr kumimoji="1" lang="en-US" altLang="ja-JP" sz="1400" b="0" i="0" u="none" strike="noStrike" kern="1200" cap="none" spc="0" normalizeH="0" baseline="0" noProof="0" dirty="0">
+                  <a:ln>
+                    <a:noFill/>
+                  </a:ln>
+                  <a:solidFill>
+                    <a:prstClr val="black"/>
+                  </a:solidFill>
+                  <a:effectLst/>
+                  <a:uLnTx/>
+                  <a:uFillTx/>
+                  <a:latin typeface="Calibri"/>
+                  <a:ea typeface="ＭＳ Ｐゴシック" panose="020B0600070205080204" pitchFamily="50" charset="-128"/>
+                  <a:cs typeface="+mn-cs"/>
+                </a:rPr>
+                <a:t>Software</a:t>
+              </a:r>
+            </a:p>
+            <a:p>
+              <a:pPr marL="0" marR="0" lvl="0" indent="0" algn="l" defTabSz="914400" rtl="0" eaLnBrk="1" fontAlgn="auto" latinLnBrk="0" hangingPunct="1">
+                <a:lnSpc>
+                  <a:spcPct val="100000"/>
+                </a:lnSpc>
+                <a:spcBef>
+                  <a:spcPts val="0"/>
+                </a:spcBef>
+                <a:spcAft>
+                  <a:spcPts val="0"/>
+                </a:spcAft>
+                <a:buClrTx/>
+                <a:buSzTx/>
+                <a:buFontTx/>
+                <a:buNone/>
+                <a:tabLst/>
+                <a:defRPr/>
+              </a:pPr>
+              <a:r>
+                <a:rPr kumimoji="1" lang="ja-JP" altLang="en-US" sz="1400" b="0" i="0" u="none" strike="noStrike" kern="1200" cap="none" spc="0" normalizeH="0" baseline="0" noProof="0" dirty="0">
+                  <a:ln>
+                    <a:noFill/>
+                  </a:ln>
+                  <a:solidFill>
+                    <a:prstClr val="black"/>
+                  </a:solidFill>
+                  <a:effectLst/>
+                  <a:uLnTx/>
+                  <a:uFillTx/>
+                  <a:latin typeface="Calibri"/>
+                  <a:ea typeface="ＭＳ Ｐゴシック" panose="020B0600070205080204" pitchFamily="50" charset="-128"/>
+                  <a:cs typeface="+mn-cs"/>
+                </a:rPr>
+                <a:t>（</a:t>
+              </a:r>
+              <a:r>
+                <a:rPr kumimoji="1" lang="en-US" altLang="ja-JP" sz="1400" b="0" i="0" u="none" strike="noStrike" kern="1200" cap="none" spc="0" normalizeH="0" baseline="0" noProof="0" dirty="0">
+                  <a:ln>
+                    <a:noFill/>
+                  </a:ln>
+                  <a:solidFill>
+                    <a:prstClr val="black"/>
+                  </a:solidFill>
+                  <a:effectLst/>
+                  <a:uLnTx/>
+                  <a:uFillTx/>
+                  <a:latin typeface="Calibri"/>
+                  <a:ea typeface="ＭＳ Ｐゴシック" panose="020B0600070205080204" pitchFamily="50" charset="-128"/>
+                  <a:cs typeface="+mn-cs"/>
+                </a:rPr>
+                <a:t>incl. OSS</a:t>
+              </a:r>
+              <a:r>
+                <a:rPr kumimoji="1" lang="ja-JP" altLang="en-US" sz="1400" b="0" i="0" u="none" strike="noStrike" kern="1200" cap="none" spc="0" normalizeH="0" baseline="0" noProof="0" dirty="0">
+                  <a:ln>
+                    <a:noFill/>
+                  </a:ln>
+                  <a:solidFill>
+                    <a:prstClr val="black"/>
+                  </a:solidFill>
+                  <a:effectLst/>
+                  <a:uLnTx/>
+                  <a:uFillTx/>
+                  <a:latin typeface="Calibri"/>
+                  <a:ea typeface="ＭＳ Ｐゴシック" panose="020B0600070205080204" pitchFamily="50" charset="-128"/>
+                  <a:cs typeface="+mn-cs"/>
+                </a:rPr>
+                <a:t>）</a:t>
+              </a:r>
+            </a:p>
+          </p:txBody>
+        </p:sp>
+        <p:sp>
+          <p:nvSpPr>
+            <p:cNvPr id="54" name="テキスト ボックス 53">
+              <a:extLst>
+                <a:ext uri="{FF2B5EF4-FFF2-40B4-BE49-F238E27FC236}">
+                  <a16:creationId xmlns:a16="http://schemas.microsoft.com/office/drawing/2014/main" id="{BC2E899B-C4A2-4544-BB5F-527B1C564FBE}"/>
+                </a:ext>
+              </a:extLst>
+            </p:cNvPr>
+            <p:cNvSpPr txBox="1"/>
+            <p:nvPr/>
+          </p:nvSpPr>
+          <p:spPr>
+            <a:xfrm>
+              <a:off x="7915840" y="3061577"/>
+              <a:ext cx="923651" cy="276999"/>
+            </a:xfrm>
+            <a:prstGeom prst="rect">
+              <a:avLst/>
+            </a:prstGeom>
+            <a:noFill/>
+          </p:spPr>
+          <p:txBody>
+            <a:bodyPr wrap="none" rtlCol="0">
+              <a:spAutoFit/>
+            </a:bodyPr>
+            <a:lstStyle/>
+            <a:p>
+              <a:pPr marL="0" marR="0" lvl="0" indent="0" algn="l" defTabSz="914400" rtl="0" eaLnBrk="1" fontAlgn="auto" latinLnBrk="0" hangingPunct="1">
+                <a:lnSpc>
+                  <a:spcPct val="100000"/>
+                </a:lnSpc>
+                <a:spcBef>
+                  <a:spcPts val="0"/>
+                </a:spcBef>
+                <a:spcAft>
+                  <a:spcPts val="0"/>
+                </a:spcAft>
+                <a:buClrTx/>
+                <a:buSzTx/>
+                <a:buFontTx/>
+                <a:buNone/>
+                <a:tabLst/>
+                <a:defRPr/>
+              </a:pPr>
+              <a:r>
+                <a:rPr kumimoji="1" lang="en-US" altLang="ja-JP" sz="1200" b="0" i="0" u="none" strike="noStrike" kern="1200" cap="none" spc="0" normalizeH="0" baseline="0" noProof="0" dirty="0">
+                  <a:ln>
+                    <a:noFill/>
+                  </a:ln>
+                  <a:solidFill>
+                    <a:prstClr val="black"/>
+                  </a:solidFill>
+                  <a:effectLst/>
+                  <a:uLnTx/>
+                  <a:uFillTx/>
+                  <a:latin typeface="Calibri"/>
+                  <a:ea typeface="ＭＳ Ｐゴシック" panose="020B0600070205080204" pitchFamily="50" charset="-128"/>
+                  <a:cs typeface="+mn-cs"/>
+                </a:rPr>
+                <a:t>OSS</a:t>
+              </a:r>
+              <a:r>
+                <a:rPr kumimoji="1" lang="ja-JP" altLang="en-US" sz="1200" dirty="0">
+                  <a:solidFill>
+                    <a:prstClr val="black"/>
+                  </a:solidFill>
+                  <a:latin typeface="Calibri"/>
+                  <a:ea typeface="ＭＳ Ｐゴシック" panose="020B0600070205080204" pitchFamily="50" charset="-128"/>
+                </a:rPr>
+                <a:t> </a:t>
+              </a:r>
+              <a:r>
+                <a:rPr kumimoji="1" lang="en-US" altLang="ja-JP" sz="1200" dirty="0">
+                  <a:solidFill>
+                    <a:prstClr val="black"/>
+                  </a:solidFill>
+                  <a:latin typeface="Calibri"/>
+                  <a:ea typeface="ＭＳ Ｐゴシック" panose="020B0600070205080204" pitchFamily="50" charset="-128"/>
+                </a:rPr>
+                <a:t>License</a:t>
+              </a:r>
+              <a:endParaRPr kumimoji="1" lang="ja-JP" altLang="en-US" sz="1200" b="0" i="0" u="none" strike="noStrike" kern="1200" cap="none" spc="0" normalizeH="0" baseline="0" noProof="0" dirty="0">
                 <a:ln>
                   <a:noFill/>
                 </a:ln>
@@ -24440,73 +23908,184 @@
                 <a:latin typeface="Calibri"/>
                 <a:ea typeface="ＭＳ Ｐゴシック" panose="020B0600070205080204" pitchFamily="50" charset="-128"/>
                 <a:cs typeface="+mn-cs"/>
-              </a:rPr>
-              <a:t>OSS</a:t>
-            </a:r>
-            <a:endParaRPr kumimoji="1" lang="ja-JP" altLang="en-US" sz="1200" b="0" i="0" u="none" strike="noStrike" kern="1200" cap="none" spc="0" normalizeH="0" baseline="0" noProof="0" dirty="0">
-              <a:ln>
-                <a:noFill/>
-              </a:ln>
-              <a:solidFill>
-                <a:prstClr val="black"/>
-              </a:solidFill>
-              <a:effectLst/>
-              <a:uLnTx/>
-              <a:uFillTx/>
-              <a:latin typeface="Calibri"/>
-              <a:ea typeface="ＭＳ Ｐゴシック" panose="020B0600070205080204" pitchFamily="50" charset="-128"/>
-              <a:cs typeface="+mn-cs"/>
-            </a:endParaRPr>
-          </a:p>
-        </p:txBody>
-      </p:sp>
-      <p:sp>
-        <p:nvSpPr>
-          <p:cNvPr id="75" name="テキスト ボックス 74">
-            <a:extLst>
-              <a:ext uri="{FF2B5EF4-FFF2-40B4-BE49-F238E27FC236}">
-                <a16:creationId xmlns:a16="http://schemas.microsoft.com/office/drawing/2014/main" id="{F99D00E4-8CFB-45C1-831D-1D16F50C6085}"/>
-              </a:ext>
-            </a:extLst>
-          </p:cNvPr>
-          <p:cNvSpPr txBox="1"/>
-          <p:nvPr/>
-        </p:nvSpPr>
-        <p:spPr>
-          <a:xfrm>
-            <a:off x="2604456" y="5571471"/>
-            <a:ext cx="428322" cy="276999"/>
-          </a:xfrm>
-          <a:prstGeom prst="rect">
-            <a:avLst/>
-          </a:prstGeom>
-          <a:noFill/>
-        </p:spPr>
-        <p:txBody>
-          <a:bodyPr wrap="none" rtlCol="0">
-            <a:spAutoFit/>
-          </a:bodyPr>
-          <a:lstStyle/>
-          <a:p>
-            <a:pPr marL="0" marR="0" lvl="0" indent="0" algn="l" defTabSz="914400" rtl="0" eaLnBrk="1" fontAlgn="auto" latinLnBrk="0" hangingPunct="1">
-              <a:lnSpc>
-                <a:spcPct val="100000"/>
-              </a:lnSpc>
-              <a:spcBef>
-                <a:spcPts val="0"/>
-              </a:spcBef>
-              <a:spcAft>
-                <a:spcPts val="0"/>
-              </a:spcAft>
-              <a:buClrTx/>
-              <a:buSzTx/>
-              <a:buFontTx/>
-              <a:buNone/>
-              <a:tabLst/>
-              <a:defRPr/>
-            </a:pPr>
-            <a:r>
-              <a:rPr kumimoji="1" lang="en-US" altLang="ja-JP" sz="1200" b="0" i="0" u="none" strike="noStrike" kern="1200" cap="none" spc="0" normalizeH="0" baseline="0" noProof="0" dirty="0">
+              </a:endParaRPr>
+            </a:p>
+          </p:txBody>
+        </p:sp>
+        <p:sp>
+          <p:nvSpPr>
+            <p:cNvPr id="58" name="フローチャート: 磁気ディスク 57">
+              <a:extLst>
+                <a:ext uri="{FF2B5EF4-FFF2-40B4-BE49-F238E27FC236}">
+                  <a16:creationId xmlns:a16="http://schemas.microsoft.com/office/drawing/2014/main" id="{6F8A06A7-D462-4044-9916-49AAABAF24F9}"/>
+                </a:ext>
+              </a:extLst>
+            </p:cNvPr>
+            <p:cNvSpPr/>
+            <p:nvPr/>
+          </p:nvSpPr>
+          <p:spPr>
+            <a:xfrm>
+              <a:off x="8244783" y="1552442"/>
+              <a:ext cx="573645" cy="632454"/>
+            </a:xfrm>
+            <a:prstGeom prst="flowChartMagneticDisk">
+              <a:avLst/>
+            </a:prstGeom>
+            <a:solidFill>
+              <a:srgbClr val="FFC000"/>
+            </a:solidFill>
+          </p:spPr>
+          <p:style>
+            <a:lnRef idx="2">
+              <a:schemeClr val="accent1">
+                <a:shade val="50000"/>
+              </a:schemeClr>
+            </a:lnRef>
+            <a:fillRef idx="1">
+              <a:schemeClr val="accent1"/>
+            </a:fillRef>
+            <a:effectRef idx="0">
+              <a:schemeClr val="accent1"/>
+            </a:effectRef>
+            <a:fontRef idx="minor">
+              <a:schemeClr val="lt1"/>
+            </a:fontRef>
+          </p:style>
+          <p:txBody>
+            <a:bodyPr rtlCol="0" anchor="ctr"/>
+            <a:lstStyle/>
+            <a:p>
+              <a:pPr marL="0" marR="0" lvl="0" indent="0" algn="ctr" defTabSz="914400" rtl="0" eaLnBrk="1" fontAlgn="auto" latinLnBrk="0" hangingPunct="1">
+                <a:lnSpc>
+                  <a:spcPct val="100000"/>
+                </a:lnSpc>
+                <a:spcBef>
+                  <a:spcPts val="0"/>
+                </a:spcBef>
+                <a:spcAft>
+                  <a:spcPts val="0"/>
+                </a:spcAft>
+                <a:buClrTx/>
+                <a:buSzTx/>
+                <a:buFontTx/>
+                <a:buNone/>
+                <a:tabLst/>
+                <a:defRPr/>
+              </a:pPr>
+              <a:endParaRPr kumimoji="1" lang="ja-JP" altLang="en-US" sz="1800" b="0" i="0" u="none" strike="noStrike" kern="1200" cap="none" spc="0" normalizeH="0" baseline="0" noProof="0">
+                <a:ln>
+                  <a:noFill/>
+                </a:ln>
+                <a:solidFill>
+                  <a:prstClr val="white"/>
+                </a:solidFill>
+                <a:effectLst/>
+                <a:uLnTx/>
+                <a:uFillTx/>
+                <a:latin typeface="Calibri"/>
+                <a:ea typeface="ＭＳ Ｐゴシック" panose="020B0600070205080204" pitchFamily="50" charset="-128"/>
+                <a:cs typeface="+mn-cs"/>
+              </a:endParaRPr>
+            </a:p>
+          </p:txBody>
+        </p:sp>
+        <p:sp>
+          <p:nvSpPr>
+            <p:cNvPr id="61" name="テキスト ボックス 60">
+              <a:extLst>
+                <a:ext uri="{FF2B5EF4-FFF2-40B4-BE49-F238E27FC236}">
+                  <a16:creationId xmlns:a16="http://schemas.microsoft.com/office/drawing/2014/main" id="{9BA04A49-898C-47F7-A64B-CFFBA5599125}"/>
+                </a:ext>
+              </a:extLst>
+            </p:cNvPr>
+            <p:cNvSpPr txBox="1"/>
+            <p:nvPr/>
+          </p:nvSpPr>
+          <p:spPr>
+            <a:xfrm>
+              <a:off x="8710120" y="1579432"/>
+              <a:ext cx="1056700" cy="600164"/>
+            </a:xfrm>
+            <a:prstGeom prst="rect">
+              <a:avLst/>
+            </a:prstGeom>
+            <a:noFill/>
+          </p:spPr>
+          <p:txBody>
+            <a:bodyPr wrap="square" rtlCol="0">
+              <a:spAutoFit/>
+            </a:bodyPr>
+            <a:lstStyle/>
+            <a:p>
+              <a:pPr marL="0" marR="0" lvl="0" indent="0" algn="ctr" defTabSz="914400" rtl="0" eaLnBrk="1" fontAlgn="auto" latinLnBrk="0" hangingPunct="1">
+                <a:lnSpc>
+                  <a:spcPct val="100000"/>
+                </a:lnSpc>
+                <a:spcBef>
+                  <a:spcPts val="0"/>
+                </a:spcBef>
+                <a:spcAft>
+                  <a:spcPts val="0"/>
+                </a:spcAft>
+                <a:buClrTx/>
+                <a:buSzTx/>
+                <a:buFontTx/>
+                <a:buNone/>
+                <a:tabLst/>
+                <a:defRPr/>
+              </a:pPr>
+              <a:r>
+                <a:rPr kumimoji="1" lang="en-US" altLang="ja-JP" sz="1100" dirty="0">
+                  <a:solidFill>
+                    <a:prstClr val="black"/>
+                  </a:solidFill>
+                  <a:latin typeface="Calibri"/>
+                  <a:ea typeface="ＭＳ Ｐゴシック" panose="020B0600070205080204" pitchFamily="50" charset="-128"/>
+                </a:rPr>
+                <a:t>Website of Source</a:t>
+              </a:r>
+              <a:r>
+                <a:rPr kumimoji="1" lang="ja-JP" altLang="en-US" sz="1100" dirty="0">
+                  <a:solidFill>
+                    <a:prstClr val="black"/>
+                  </a:solidFill>
+                  <a:latin typeface="Calibri"/>
+                  <a:ea typeface="ＭＳ Ｐゴシック" panose="020B0600070205080204" pitchFamily="50" charset="-128"/>
+                </a:rPr>
+                <a:t> </a:t>
+              </a:r>
+              <a:r>
+                <a:rPr kumimoji="1" lang="en-US" altLang="ja-JP" sz="1100" dirty="0">
+                  <a:solidFill>
+                    <a:prstClr val="black"/>
+                  </a:solidFill>
+                  <a:latin typeface="Calibri"/>
+                  <a:ea typeface="ＭＳ Ｐゴシック" panose="020B0600070205080204" pitchFamily="50" charset="-128"/>
+                </a:rPr>
+                <a:t>code</a:t>
+              </a:r>
+              <a:r>
+                <a:rPr kumimoji="1" lang="ja-JP" altLang="en-US" sz="1100" dirty="0">
+                  <a:solidFill>
+                    <a:prstClr val="black"/>
+                  </a:solidFill>
+                  <a:latin typeface="Calibri"/>
+                  <a:ea typeface="ＭＳ Ｐゴシック" panose="020B0600070205080204" pitchFamily="50" charset="-128"/>
+                </a:rPr>
+                <a:t> </a:t>
+              </a:r>
+              <a:r>
+                <a:rPr kumimoji="1" lang="en-US" altLang="ja-JP" sz="1100" dirty="0">
+                  <a:solidFill>
+                    <a:prstClr val="black"/>
+                  </a:solidFill>
+                  <a:latin typeface="Calibri"/>
+                  <a:ea typeface="ＭＳ Ｐゴシック" panose="020B0600070205080204" pitchFamily="50" charset="-128"/>
+                </a:rPr>
+                <a:t>publication</a:t>
+              </a:r>
+              <a:endParaRPr kumimoji="1" lang="en-US" altLang="ja-JP" sz="1100" b="0" i="0" u="none" strike="noStrike" kern="1200" cap="none" spc="0" normalizeH="0" baseline="0" noProof="0" dirty="0">
                 <a:ln>
                   <a:noFill/>
                 </a:ln>
@@ -24519,161 +24098,105 @@
                 <a:latin typeface="Calibri"/>
                 <a:ea typeface="ＭＳ Ｐゴシック" panose="020B0600070205080204" pitchFamily="50" charset="-128"/>
                 <a:cs typeface="+mn-cs"/>
-              </a:rPr>
-              <a:t>OSS</a:t>
-            </a:r>
-            <a:endParaRPr kumimoji="1" lang="ja-JP" altLang="en-US" sz="1200" b="0" i="0" u="none" strike="noStrike" kern="1200" cap="none" spc="0" normalizeH="0" baseline="0" noProof="0" dirty="0">
-              <a:ln>
-                <a:noFill/>
-              </a:ln>
-              <a:solidFill>
-                <a:prstClr val="black"/>
-              </a:solidFill>
-              <a:effectLst/>
-              <a:uLnTx/>
-              <a:uFillTx/>
-              <a:latin typeface="Calibri"/>
-              <a:ea typeface="ＭＳ Ｐゴシック" panose="020B0600070205080204" pitchFamily="50" charset="-128"/>
-              <a:cs typeface="+mn-cs"/>
-            </a:endParaRPr>
-          </a:p>
-        </p:txBody>
-      </p:sp>
-      <p:cxnSp>
-        <p:nvCxnSpPr>
-          <p:cNvPr id="76" name="直線矢印コネクタ 75">
-            <a:extLst>
-              <a:ext uri="{FF2B5EF4-FFF2-40B4-BE49-F238E27FC236}">
-                <a16:creationId xmlns:a16="http://schemas.microsoft.com/office/drawing/2014/main" id="{2CEF35C0-9E1C-4371-9C22-7BA0F357C050}"/>
-              </a:ext>
-            </a:extLst>
-          </p:cNvPr>
-          <p:cNvCxnSpPr>
-            <a:cxnSpLocks/>
-          </p:cNvCxnSpPr>
-          <p:nvPr/>
-        </p:nvCxnSpPr>
-        <p:spPr>
-          <a:xfrm flipH="1" flipV="1">
-            <a:off x="2244200" y="5013786"/>
-            <a:ext cx="2005691" cy="717171"/>
-          </a:xfrm>
-          <a:prstGeom prst="straightConnector1">
-            <a:avLst/>
-          </a:prstGeom>
-          <a:ln w="38100">
+              </a:endParaRPr>
+            </a:p>
+          </p:txBody>
+        </p:sp>
+        <p:sp>
+          <p:nvSpPr>
+            <p:cNvPr id="62" name="四角形: 角を丸くする 61">
+              <a:extLst>
+                <a:ext uri="{FF2B5EF4-FFF2-40B4-BE49-F238E27FC236}">
+                  <a16:creationId xmlns:a16="http://schemas.microsoft.com/office/drawing/2014/main" id="{61E144C9-EEEA-467C-B27C-79409D934D7E}"/>
+                </a:ext>
+              </a:extLst>
+            </p:cNvPr>
+            <p:cNvSpPr/>
+            <p:nvPr/>
+          </p:nvSpPr>
+          <p:spPr>
+            <a:xfrm>
+              <a:off x="7050014" y="3514503"/>
+              <a:ext cx="865826" cy="558437"/>
+            </a:xfrm>
+            <a:prstGeom prst="roundRect">
+              <a:avLst/>
+            </a:prstGeom>
             <a:solidFill>
-              <a:srgbClr val="FF0000"/>
+              <a:srgbClr val="FFFF00"/>
             </a:solidFill>
-            <a:tailEnd type="triangle"/>
-          </a:ln>
-        </p:spPr>
-        <p:style>
-          <a:lnRef idx="1">
-            <a:schemeClr val="accent1"/>
-          </a:lnRef>
-          <a:fillRef idx="0">
-            <a:schemeClr val="accent1"/>
-          </a:fillRef>
-          <a:effectRef idx="0">
-            <a:schemeClr val="accent1"/>
-          </a:effectRef>
-          <a:fontRef idx="minor">
-            <a:schemeClr val="tx1"/>
-          </a:fontRef>
-        </p:style>
-      </p:cxnSp>
-      <p:cxnSp>
-        <p:nvCxnSpPr>
-          <p:cNvPr id="78" name="直線矢印コネクタ 77">
-            <a:extLst>
-              <a:ext uri="{FF2B5EF4-FFF2-40B4-BE49-F238E27FC236}">
-                <a16:creationId xmlns:a16="http://schemas.microsoft.com/office/drawing/2014/main" id="{20935DA2-217A-4D28-A9B8-85956B32C101}"/>
-              </a:ext>
-            </a:extLst>
-          </p:cNvPr>
-          <p:cNvCxnSpPr>
-            <a:cxnSpLocks/>
-          </p:cNvCxnSpPr>
-          <p:nvPr/>
-        </p:nvCxnSpPr>
-        <p:spPr>
-          <a:xfrm flipH="1" flipV="1">
-            <a:off x="4556690" y="4685544"/>
-            <a:ext cx="10650" cy="908267"/>
-          </a:xfrm>
-          <a:prstGeom prst="straightConnector1">
-            <a:avLst/>
-          </a:prstGeom>
-          <a:ln w="38100">
-            <a:solidFill>
-              <a:srgbClr val="FF0000"/>
-            </a:solidFill>
-            <a:tailEnd type="triangle"/>
-          </a:ln>
-        </p:spPr>
-        <p:style>
-          <a:lnRef idx="1">
-            <a:schemeClr val="accent1"/>
-          </a:lnRef>
-          <a:fillRef idx="0">
-            <a:schemeClr val="accent1"/>
-          </a:fillRef>
-          <a:effectRef idx="0">
-            <a:schemeClr val="accent1"/>
-          </a:effectRef>
-          <a:fontRef idx="minor">
-            <a:schemeClr val="tx1"/>
-          </a:fontRef>
-        </p:style>
-      </p:cxnSp>
-      <p:sp>
-        <p:nvSpPr>
-          <p:cNvPr id="80" name="テキスト ボックス 79">
-            <a:extLst>
-              <a:ext uri="{FF2B5EF4-FFF2-40B4-BE49-F238E27FC236}">
-                <a16:creationId xmlns:a16="http://schemas.microsoft.com/office/drawing/2014/main" id="{DC5A38D0-4F7B-45AF-A261-CE6A47A36E02}"/>
-              </a:ext>
-            </a:extLst>
-          </p:cNvPr>
-          <p:cNvSpPr txBox="1"/>
-          <p:nvPr/>
-        </p:nvSpPr>
-        <p:spPr>
-          <a:xfrm>
-            <a:off x="4527856" y="4873186"/>
-            <a:ext cx="644728" cy="461665"/>
-          </a:xfrm>
-          <a:prstGeom prst="rect">
-            <a:avLst/>
-          </a:prstGeom>
-          <a:noFill/>
-        </p:spPr>
-        <p:txBody>
-          <a:bodyPr wrap="none" rtlCol="0">
-            <a:spAutoFit/>
-          </a:bodyPr>
-          <a:lstStyle/>
-          <a:p>
-            <a:pPr marL="0" marR="0" lvl="0" indent="0" algn="l" defTabSz="914400" rtl="0" eaLnBrk="1" fontAlgn="auto" latinLnBrk="0" hangingPunct="1">
-              <a:lnSpc>
-                <a:spcPct val="100000"/>
-              </a:lnSpc>
-              <a:spcBef>
-                <a:spcPts val="0"/>
-              </a:spcBef>
-              <a:spcAft>
-                <a:spcPts val="0"/>
-              </a:spcAft>
-              <a:buClrTx/>
-              <a:buSzTx/>
-              <a:buFontTx/>
-              <a:buNone/>
-              <a:tabLst/>
-              <a:defRPr/>
-            </a:pPr>
-            <a:r>
-              <a:rPr kumimoji="1" lang="en-US" altLang="ja-JP" sz="1200" b="0" i="0" u="none" strike="noStrike" kern="1200" cap="none" spc="0" normalizeH="0" baseline="0" noProof="0" dirty="0">
+            <a:ln>
+              <a:noFill/>
+            </a:ln>
+          </p:spPr>
+          <p:style>
+            <a:lnRef idx="2">
+              <a:schemeClr val="accent1">
+                <a:shade val="50000"/>
+              </a:schemeClr>
+            </a:lnRef>
+            <a:fillRef idx="1">
+              <a:schemeClr val="accent1"/>
+            </a:fillRef>
+            <a:effectRef idx="0">
+              <a:schemeClr val="accent1"/>
+            </a:effectRef>
+            <a:fontRef idx="minor">
+              <a:schemeClr val="lt1"/>
+            </a:fontRef>
+          </p:style>
+          <p:txBody>
+            <a:bodyPr rtlCol="0" anchor="ctr"/>
+            <a:lstStyle/>
+            <a:p>
+              <a:pPr marL="0" marR="0" lvl="0" indent="0" algn="ctr" defTabSz="914400" rtl="0" eaLnBrk="1" fontAlgn="auto" latinLnBrk="0" hangingPunct="1">
+                <a:lnSpc>
+                  <a:spcPct val="100000"/>
+                </a:lnSpc>
+                <a:spcBef>
+                  <a:spcPts val="0"/>
+                </a:spcBef>
+                <a:spcAft>
+                  <a:spcPts val="0"/>
+                </a:spcAft>
+                <a:buClrTx/>
+                <a:buSzTx/>
+                <a:buFontTx/>
+                <a:buNone/>
+                <a:tabLst/>
+                <a:defRPr/>
+              </a:pPr>
+              <a:r>
+                <a:rPr kumimoji="1" lang="en-US" altLang="ja-JP" sz="1200" dirty="0">
+                  <a:solidFill>
+                    <a:prstClr val="black"/>
+                  </a:solidFill>
+                  <a:latin typeface="Calibri"/>
+                  <a:ea typeface="ＭＳ Ｐゴシック" panose="020B0600070205080204" pitchFamily="50" charset="-128"/>
+                </a:rPr>
+                <a:t>Customer</a:t>
+              </a:r>
+              <a:r>
+                <a:rPr kumimoji="1" lang="ja-JP" altLang="en-US" sz="1200" dirty="0">
+                  <a:solidFill>
+                    <a:prstClr val="black"/>
+                  </a:solidFill>
+                  <a:latin typeface="Calibri"/>
+                  <a:ea typeface="ＭＳ Ｐゴシック" panose="020B0600070205080204" pitchFamily="50" charset="-128"/>
+                </a:rPr>
+                <a:t> </a:t>
+              </a:r>
+              <a:r>
+                <a:rPr kumimoji="1" lang="en-US" altLang="ja-JP" sz="1200" dirty="0">
+                  <a:solidFill>
+                    <a:prstClr val="black"/>
+                  </a:solidFill>
+                  <a:latin typeface="Calibri"/>
+                  <a:ea typeface="ＭＳ Ｐゴシック" panose="020B0600070205080204" pitchFamily="50" charset="-128"/>
+                </a:rPr>
+                <a:t>Support</a:t>
+              </a:r>
+              <a:endParaRPr kumimoji="1" lang="en-US" altLang="ja-JP" sz="1200" b="0" i="0" u="none" strike="noStrike" kern="1200" cap="none" spc="0" normalizeH="0" baseline="0" noProof="0" dirty="0">
                 <a:ln>
                   <a:noFill/>
                 </a:ln>
@@ -24686,11 +24209,93 @@
                 <a:latin typeface="Calibri"/>
                 <a:ea typeface="ＭＳ Ｐゴシック" panose="020B0600070205080204" pitchFamily="50" charset="-128"/>
                 <a:cs typeface="+mn-cs"/>
-              </a:rPr>
-              <a:t>OSS </a:t>
-            </a:r>
-            <a:br>
-              <a:rPr kumimoji="1" lang="en-US" altLang="ja-JP" sz="1200" b="0" i="0" u="none" strike="noStrike" kern="1200" cap="none" spc="0" normalizeH="0" baseline="0" noProof="0" dirty="0">
+              </a:endParaRPr>
+            </a:p>
+          </p:txBody>
+        </p:sp>
+        <p:sp>
+          <p:nvSpPr>
+            <p:cNvPr id="64" name="テキスト ボックス 63">
+              <a:extLst>
+                <a:ext uri="{FF2B5EF4-FFF2-40B4-BE49-F238E27FC236}">
+                  <a16:creationId xmlns:a16="http://schemas.microsoft.com/office/drawing/2014/main" id="{6FA8BEB1-3EFE-4C16-9F41-44A149F98E9A}"/>
+                </a:ext>
+              </a:extLst>
+            </p:cNvPr>
+            <p:cNvSpPr txBox="1"/>
+            <p:nvPr/>
+          </p:nvSpPr>
+          <p:spPr>
+            <a:xfrm>
+              <a:off x="8006177" y="3514335"/>
+              <a:ext cx="840295" cy="261610"/>
+            </a:xfrm>
+            <a:prstGeom prst="rect">
+              <a:avLst/>
+            </a:prstGeom>
+            <a:noFill/>
+          </p:spPr>
+          <p:txBody>
+            <a:bodyPr wrap="none" rtlCol="0">
+              <a:spAutoFit/>
+            </a:bodyPr>
+            <a:lstStyle/>
+            <a:p>
+              <a:pPr marL="0" marR="0" lvl="0" indent="0" algn="l" defTabSz="914400" rtl="0" eaLnBrk="1" fontAlgn="auto" latinLnBrk="0" hangingPunct="1">
+                <a:lnSpc>
+                  <a:spcPct val="100000"/>
+                </a:lnSpc>
+                <a:spcBef>
+                  <a:spcPts val="0"/>
+                </a:spcBef>
+                <a:spcAft>
+                  <a:spcPts val="0"/>
+                </a:spcAft>
+                <a:buClrTx/>
+                <a:buSzTx/>
+                <a:buFontTx/>
+                <a:buNone/>
+                <a:tabLst/>
+                <a:defRPr/>
+              </a:pPr>
+              <a:r>
+                <a:rPr kumimoji="1" lang="en-US" altLang="ja-JP" sz="1100" b="0" i="0" u="none" strike="noStrike" kern="1200" cap="none" spc="0" normalizeH="0" baseline="0" noProof="0" dirty="0">
+                  <a:ln>
+                    <a:noFill/>
+                  </a:ln>
+                  <a:solidFill>
+                    <a:prstClr val="black"/>
+                  </a:solidFill>
+                  <a:effectLst/>
+                  <a:uLnTx/>
+                  <a:uFillTx/>
+                  <a:latin typeface="Calibri"/>
+                  <a:ea typeface="ＭＳ Ｐゴシック" panose="020B0600070205080204" pitchFamily="50" charset="-128"/>
+                  <a:cs typeface="+mn-cs"/>
+                </a:rPr>
+                <a:t>OSS</a:t>
+              </a:r>
+              <a:r>
+                <a:rPr kumimoji="1" lang="ja-JP" altLang="en-US" sz="1100" dirty="0">
+                  <a:solidFill>
+                    <a:prstClr val="black"/>
+                  </a:solidFill>
+                  <a:latin typeface="Calibri"/>
+                  <a:ea typeface="ＭＳ Ｐゴシック" panose="020B0600070205080204" pitchFamily="50" charset="-128"/>
+                </a:rPr>
+                <a:t> </a:t>
+              </a:r>
+              <a:r>
+                <a:rPr kumimoji="1" lang="en-US" altLang="ja-JP" sz="1100" dirty="0">
+                  <a:solidFill>
+                    <a:prstClr val="black"/>
+                  </a:solidFill>
+                  <a:latin typeface="Calibri"/>
+                  <a:ea typeface="ＭＳ Ｐゴシック" panose="020B0600070205080204" pitchFamily="50" charset="-128"/>
+                </a:rPr>
+                <a:t>Inquiry</a:t>
+              </a:r>
+              <a:endParaRPr kumimoji="1" lang="ja-JP" altLang="en-US" sz="1100" b="0" i="0" u="none" strike="noStrike" kern="1200" cap="none" spc="0" normalizeH="0" baseline="0" noProof="0" dirty="0">
                 <a:ln>
                   <a:noFill/>
                 </a:ln>
@@ -24703,82 +24308,162 @@
                 <a:latin typeface="Calibri"/>
                 <a:ea typeface="ＭＳ Ｐゴシック" panose="020B0600070205080204" pitchFamily="50" charset="-128"/>
                 <a:cs typeface="+mn-cs"/>
-              </a:rPr>
-            </a:br>
-            <a:r>
-              <a:rPr kumimoji="1" lang="en-US" altLang="ja-JP" sz="1200" dirty="0">
-                <a:solidFill>
-                  <a:prstClr val="black"/>
-                </a:solidFill>
-                <a:latin typeface="Calibri"/>
-                <a:ea typeface="ＭＳ Ｐゴシック" panose="020B0600070205080204" pitchFamily="50" charset="-128"/>
-              </a:rPr>
-              <a:t>License</a:t>
-            </a:r>
-            <a:endParaRPr kumimoji="1" lang="ja-JP" altLang="en-US" sz="1200" b="0" i="0" u="none" strike="noStrike" kern="1200" cap="none" spc="0" normalizeH="0" baseline="0" noProof="0" dirty="0">
-              <a:ln>
-                <a:noFill/>
-              </a:ln>
+              </a:endParaRPr>
+            </a:p>
+          </p:txBody>
+        </p:sp>
+        <p:cxnSp>
+          <p:nvCxnSpPr>
+            <p:cNvPr id="70" name="直線矢印コネクタ 69">
+              <a:extLst>
+                <a:ext uri="{FF2B5EF4-FFF2-40B4-BE49-F238E27FC236}">
+                  <a16:creationId xmlns:a16="http://schemas.microsoft.com/office/drawing/2014/main" id="{9BEC4DA4-D661-4F0B-87B8-06549A413407}"/>
+                </a:ext>
+              </a:extLst>
+            </p:cNvPr>
+            <p:cNvCxnSpPr>
+              <a:cxnSpLocks/>
+            </p:cNvCxnSpPr>
+            <p:nvPr/>
+          </p:nvCxnSpPr>
+          <p:spPr>
+            <a:xfrm flipH="1" flipV="1">
+              <a:off x="4426872" y="4698248"/>
+              <a:ext cx="1604" cy="941528"/>
+            </a:xfrm>
+            <a:prstGeom prst="straightConnector1">
+              <a:avLst/>
+            </a:prstGeom>
+            <a:ln w="38100">
               <a:solidFill>
-                <a:prstClr val="black"/>
+                <a:srgbClr val="FFC000"/>
               </a:solidFill>
-              <a:effectLst/>
-              <a:uLnTx/>
-              <a:uFillTx/>
-              <a:latin typeface="Calibri"/>
-              <a:ea typeface="ＭＳ Ｐゴシック" panose="020B0600070205080204" pitchFamily="50" charset="-128"/>
-              <a:cs typeface="+mn-cs"/>
-            </a:endParaRPr>
-          </a:p>
-        </p:txBody>
-      </p:sp>
-      <p:sp>
-        <p:nvSpPr>
-          <p:cNvPr id="81" name="テキスト ボックス 80">
-            <a:extLst>
-              <a:ext uri="{FF2B5EF4-FFF2-40B4-BE49-F238E27FC236}">
-                <a16:creationId xmlns:a16="http://schemas.microsoft.com/office/drawing/2014/main" id="{0ED29373-205A-40FE-BB9B-F803B32095BB}"/>
-              </a:ext>
-            </a:extLst>
-          </p:cNvPr>
-          <p:cNvSpPr txBox="1"/>
-          <p:nvPr/>
-        </p:nvSpPr>
-        <p:spPr>
-          <a:xfrm>
-            <a:off x="2954830" y="5075280"/>
-            <a:ext cx="923651" cy="276999"/>
-          </a:xfrm>
-          <a:prstGeom prst="rect">
-            <a:avLst/>
-          </a:prstGeom>
-          <a:noFill/>
-        </p:spPr>
-        <p:txBody>
-          <a:bodyPr wrap="none" rtlCol="0">
-            <a:spAutoFit/>
-          </a:bodyPr>
-          <a:lstStyle/>
-          <a:p>
-            <a:pPr marL="0" marR="0" lvl="0" indent="0" algn="l" defTabSz="914400" rtl="0" eaLnBrk="1" fontAlgn="auto" latinLnBrk="0" hangingPunct="1">
-              <a:lnSpc>
-                <a:spcPct val="100000"/>
-              </a:lnSpc>
-              <a:spcBef>
-                <a:spcPts val="0"/>
-              </a:spcBef>
-              <a:spcAft>
-                <a:spcPts val="0"/>
-              </a:spcAft>
-              <a:buClrTx/>
-              <a:buSzTx/>
-              <a:buFontTx/>
-              <a:buNone/>
-              <a:tabLst/>
-              <a:defRPr/>
-            </a:pPr>
-            <a:r>
-              <a:rPr kumimoji="1" lang="en-US" altLang="ja-JP" sz="1200" b="0" i="0" u="none" strike="noStrike" kern="1200" cap="none" spc="0" normalizeH="0" baseline="0" noProof="0" dirty="0">
+              <a:tailEnd type="triangle"/>
+            </a:ln>
+          </p:spPr>
+          <p:style>
+            <a:lnRef idx="1">
+              <a:schemeClr val="accent1"/>
+            </a:lnRef>
+            <a:fillRef idx="0">
+              <a:schemeClr val="accent1"/>
+            </a:fillRef>
+            <a:effectRef idx="0">
+              <a:schemeClr val="accent1"/>
+            </a:effectRef>
+            <a:fontRef idx="minor">
+              <a:schemeClr val="tx1"/>
+            </a:fontRef>
+          </p:style>
+        </p:cxnSp>
+        <p:cxnSp>
+          <p:nvCxnSpPr>
+            <p:cNvPr id="72" name="直線矢印コネクタ 71">
+              <a:extLst>
+                <a:ext uri="{FF2B5EF4-FFF2-40B4-BE49-F238E27FC236}">
+                  <a16:creationId xmlns:a16="http://schemas.microsoft.com/office/drawing/2014/main" id="{CDC1E55D-C73E-4A4F-96C5-7C9AF35137EC}"/>
+                </a:ext>
+              </a:extLst>
+            </p:cNvPr>
+            <p:cNvCxnSpPr>
+              <a:cxnSpLocks/>
+              <a:stCxn id="10" idx="1"/>
+            </p:cNvCxnSpPr>
+            <p:nvPr/>
+          </p:nvCxnSpPr>
+          <p:spPr>
+            <a:xfrm flipH="1" flipV="1">
+              <a:off x="2265971" y="5318200"/>
+              <a:ext cx="1983920" cy="637114"/>
+            </a:xfrm>
+            <a:prstGeom prst="straightConnector1">
+              <a:avLst/>
+            </a:prstGeom>
+            <a:ln w="38100">
+              <a:solidFill>
+                <a:srgbClr val="FFC000"/>
+              </a:solidFill>
+              <a:tailEnd type="triangle"/>
+            </a:ln>
+          </p:spPr>
+          <p:style>
+            <a:lnRef idx="1">
+              <a:schemeClr val="accent1"/>
+            </a:lnRef>
+            <a:fillRef idx="0">
+              <a:schemeClr val="accent1"/>
+            </a:fillRef>
+            <a:effectRef idx="0">
+              <a:schemeClr val="accent1"/>
+            </a:effectRef>
+            <a:fontRef idx="minor">
+              <a:schemeClr val="tx1"/>
+            </a:fontRef>
+          </p:style>
+        </p:cxnSp>
+        <p:sp>
+          <p:nvSpPr>
+            <p:cNvPr id="74" name="テキスト ボックス 73">
+              <a:extLst>
+                <a:ext uri="{FF2B5EF4-FFF2-40B4-BE49-F238E27FC236}">
+                  <a16:creationId xmlns:a16="http://schemas.microsoft.com/office/drawing/2014/main" id="{920F6C34-2AD3-489B-99BC-8607F031AB1D}"/>
+                </a:ext>
+              </a:extLst>
+            </p:cNvPr>
+            <p:cNvSpPr txBox="1"/>
+            <p:nvPr/>
+          </p:nvSpPr>
+          <p:spPr>
+            <a:xfrm>
+              <a:off x="3954147" y="5081458"/>
+              <a:ext cx="428322" cy="276999"/>
+            </a:xfrm>
+            <a:prstGeom prst="rect">
+              <a:avLst/>
+            </a:prstGeom>
+            <a:noFill/>
+          </p:spPr>
+          <p:txBody>
+            <a:bodyPr wrap="none" rtlCol="0">
+              <a:spAutoFit/>
+            </a:bodyPr>
+            <a:lstStyle/>
+            <a:p>
+              <a:pPr marL="0" marR="0" lvl="0" indent="0" algn="l" defTabSz="914400" rtl="0" eaLnBrk="1" fontAlgn="auto" latinLnBrk="0" hangingPunct="1">
+                <a:lnSpc>
+                  <a:spcPct val="100000"/>
+                </a:lnSpc>
+                <a:spcBef>
+                  <a:spcPts val="0"/>
+                </a:spcBef>
+                <a:spcAft>
+                  <a:spcPts val="0"/>
+                </a:spcAft>
+                <a:buClrTx/>
+                <a:buSzTx/>
+                <a:buFontTx/>
+                <a:buNone/>
+                <a:tabLst/>
+                <a:defRPr/>
+              </a:pPr>
+              <a:r>
+                <a:rPr kumimoji="1" lang="en-US" altLang="ja-JP" sz="1200" b="0" i="0" u="none" strike="noStrike" kern="1200" cap="none" spc="0" normalizeH="0" baseline="0" noProof="0" dirty="0">
+                  <a:ln>
+                    <a:noFill/>
+                  </a:ln>
+                  <a:solidFill>
+                    <a:prstClr val="black"/>
+                  </a:solidFill>
+                  <a:effectLst/>
+                  <a:uLnTx/>
+                  <a:uFillTx/>
+                  <a:latin typeface="Calibri"/>
+                  <a:ea typeface="ＭＳ Ｐゴシック" panose="020B0600070205080204" pitchFamily="50" charset="-128"/>
+                  <a:cs typeface="+mn-cs"/>
+                </a:rPr>
+                <a:t>OSS</a:t>
+              </a:r>
+              <a:endParaRPr kumimoji="1" lang="ja-JP" altLang="en-US" sz="1200" b="0" i="0" u="none" strike="noStrike" kern="1200" cap="none" spc="0" normalizeH="0" baseline="0" noProof="0" dirty="0">
                 <a:ln>
                   <a:noFill/>
                 </a:ln>
@@ -24791,205 +24476,73 @@
                 <a:latin typeface="Calibri"/>
                 <a:ea typeface="ＭＳ Ｐゴシック" panose="020B0600070205080204" pitchFamily="50" charset="-128"/>
                 <a:cs typeface="+mn-cs"/>
-              </a:rPr>
-              <a:t>OSS</a:t>
-            </a:r>
-            <a:r>
-              <a:rPr kumimoji="1" lang="ja-JP" altLang="en-US" sz="1200" dirty="0">
-                <a:solidFill>
-                  <a:prstClr val="black"/>
-                </a:solidFill>
-                <a:latin typeface="Calibri"/>
-                <a:ea typeface="ＭＳ Ｐゴシック" panose="020B0600070205080204" pitchFamily="50" charset="-128"/>
-              </a:rPr>
-              <a:t> </a:t>
-            </a:r>
-            <a:r>
-              <a:rPr kumimoji="1" lang="en-US" altLang="ja-JP" sz="1200" dirty="0">
-                <a:solidFill>
-                  <a:prstClr val="black"/>
-                </a:solidFill>
-                <a:latin typeface="Calibri"/>
-                <a:ea typeface="ＭＳ Ｐゴシック" panose="020B0600070205080204" pitchFamily="50" charset="-128"/>
-              </a:rPr>
-              <a:t>License</a:t>
-            </a:r>
-            <a:endParaRPr kumimoji="1" lang="ja-JP" altLang="en-US" sz="1200" b="0" i="0" u="none" strike="noStrike" kern="1200" cap="none" spc="0" normalizeH="0" baseline="0" noProof="0" dirty="0">
-              <a:ln>
-                <a:noFill/>
-              </a:ln>
-              <a:solidFill>
-                <a:prstClr val="black"/>
-              </a:solidFill>
-              <a:effectLst/>
-              <a:uLnTx/>
-              <a:uFillTx/>
-              <a:latin typeface="Calibri"/>
-              <a:ea typeface="ＭＳ Ｐゴシック" panose="020B0600070205080204" pitchFamily="50" charset="-128"/>
-              <a:cs typeface="+mn-cs"/>
-            </a:endParaRPr>
-          </a:p>
-        </p:txBody>
-      </p:sp>
-      <p:sp>
-        <p:nvSpPr>
-          <p:cNvPr id="55" name="四角形: 角を丸くする 54">
-            <a:extLst>
-              <a:ext uri="{FF2B5EF4-FFF2-40B4-BE49-F238E27FC236}">
-                <a16:creationId xmlns:a16="http://schemas.microsoft.com/office/drawing/2014/main" id="{C41AF5F0-D940-43D9-BF35-BA72A71DA105}"/>
-              </a:ext>
-            </a:extLst>
-          </p:cNvPr>
-          <p:cNvSpPr/>
-          <p:nvPr/>
-        </p:nvSpPr>
-        <p:spPr>
-          <a:xfrm>
-            <a:off x="7044270" y="2548346"/>
-            <a:ext cx="739140" cy="872417"/>
-          </a:xfrm>
-          <a:prstGeom prst="roundRect">
-            <a:avLst/>
-          </a:prstGeom>
-          <a:solidFill>
-            <a:srgbClr val="FFFF00"/>
-          </a:solidFill>
-          <a:ln>
+              </a:endParaRPr>
+            </a:p>
+          </p:txBody>
+        </p:sp>
+        <p:sp>
+          <p:nvSpPr>
+            <p:cNvPr id="75" name="テキスト ボックス 74">
+              <a:extLst>
+                <a:ext uri="{FF2B5EF4-FFF2-40B4-BE49-F238E27FC236}">
+                  <a16:creationId xmlns:a16="http://schemas.microsoft.com/office/drawing/2014/main" id="{F99D00E4-8CFB-45C1-831D-1D16F50C6085}"/>
+                </a:ext>
+              </a:extLst>
+            </p:cNvPr>
+            <p:cNvSpPr txBox="1"/>
+            <p:nvPr/>
+          </p:nvSpPr>
+          <p:spPr>
+            <a:xfrm>
+              <a:off x="2604456" y="5571471"/>
+              <a:ext cx="428322" cy="276999"/>
+            </a:xfrm>
+            <a:prstGeom prst="rect">
+              <a:avLst/>
+            </a:prstGeom>
             <a:noFill/>
-          </a:ln>
-        </p:spPr>
-        <p:style>
-          <a:lnRef idx="2">
-            <a:schemeClr val="accent1">
-              <a:shade val="50000"/>
-            </a:schemeClr>
-          </a:lnRef>
-          <a:fillRef idx="1">
-            <a:schemeClr val="accent1"/>
-          </a:fillRef>
-          <a:effectRef idx="0">
-            <a:schemeClr val="accent1"/>
-          </a:effectRef>
-          <a:fontRef idx="minor">
-            <a:schemeClr val="lt1"/>
-          </a:fontRef>
-        </p:style>
-        <p:txBody>
-          <a:bodyPr rtlCol="0" anchor="ctr"/>
-          <a:lstStyle/>
-          <a:p>
-            <a:pPr marL="0" marR="0" lvl="0" indent="0" algn="ctr" defTabSz="914400" rtl="0" eaLnBrk="1" fontAlgn="auto" latinLnBrk="0" hangingPunct="1">
-              <a:lnSpc>
-                <a:spcPct val="100000"/>
-              </a:lnSpc>
-              <a:spcBef>
-                <a:spcPts val="0"/>
-              </a:spcBef>
-              <a:spcAft>
-                <a:spcPts val="0"/>
-              </a:spcAft>
-              <a:buClrTx/>
-              <a:buSzTx/>
-              <a:buFontTx/>
-              <a:buNone/>
-              <a:tabLst/>
-              <a:defRPr/>
-            </a:pPr>
-            <a:r>
-              <a:rPr kumimoji="1" lang="en-US" altLang="ja-JP" sz="1200" dirty="0">
-                <a:solidFill>
-                  <a:prstClr val="black"/>
-                </a:solidFill>
-                <a:latin typeface="Calibri"/>
-                <a:ea typeface="ＭＳ Ｐゴシック" panose="020B0600070205080204" pitchFamily="50" charset="-128"/>
-              </a:rPr>
-              <a:t>Release</a:t>
-            </a:r>
-            <a:endParaRPr kumimoji="1" lang="ja-JP" altLang="en-US" sz="1400" b="0" i="0" u="none" strike="noStrike" kern="1200" cap="none" spc="0" normalizeH="0" baseline="0" noProof="0" dirty="0">
-              <a:ln>
-                <a:noFill/>
-              </a:ln>
-              <a:solidFill>
-                <a:prstClr val="black"/>
-              </a:solidFill>
-              <a:effectLst/>
-              <a:uLnTx/>
-              <a:uFillTx/>
-              <a:latin typeface="Calibri"/>
-              <a:ea typeface="ＭＳ Ｐゴシック" panose="020B0600070205080204" pitchFamily="50" charset="-128"/>
-              <a:cs typeface="+mn-cs"/>
-            </a:endParaRPr>
-          </a:p>
-        </p:txBody>
-      </p:sp>
-      <p:sp>
-        <p:nvSpPr>
-          <p:cNvPr id="59" name="四角形: 角を丸くする 58">
-            <a:extLst>
-              <a:ext uri="{FF2B5EF4-FFF2-40B4-BE49-F238E27FC236}">
-                <a16:creationId xmlns:a16="http://schemas.microsoft.com/office/drawing/2014/main" id="{3DF67839-8CC9-444C-BA63-6CC611AFACAA}"/>
-              </a:ext>
-            </a:extLst>
-          </p:cNvPr>
-          <p:cNvSpPr/>
-          <p:nvPr/>
-        </p:nvSpPr>
-        <p:spPr>
-          <a:xfrm>
-            <a:off x="5862181" y="423960"/>
-            <a:ext cx="739140" cy="372291"/>
-          </a:xfrm>
-          <a:prstGeom prst="roundRect">
-            <a:avLst>
-              <a:gd name="adj" fmla="val 16667"/>
-            </a:avLst>
-          </a:prstGeom>
-          <a:solidFill>
-            <a:srgbClr val="FFFF00"/>
-          </a:solidFill>
-          <a:ln>
-            <a:noFill/>
-          </a:ln>
-        </p:spPr>
-        <p:style>
-          <a:lnRef idx="2">
-            <a:schemeClr val="accent1">
-              <a:shade val="50000"/>
-            </a:schemeClr>
-          </a:lnRef>
-          <a:fillRef idx="1">
-            <a:schemeClr val="accent1"/>
-          </a:fillRef>
-          <a:effectRef idx="0">
-            <a:schemeClr val="accent1"/>
-          </a:effectRef>
-          <a:fontRef idx="minor">
-            <a:schemeClr val="lt1"/>
-          </a:fontRef>
-        </p:style>
-        <p:txBody>
-          <a:bodyPr rtlCol="0" anchor="ctr"/>
-          <a:lstStyle/>
-          <a:p>
-            <a:pPr marL="0" marR="0" lvl="0" indent="0" algn="ctr" defTabSz="914400" rtl="0" eaLnBrk="1" fontAlgn="auto" latinLnBrk="0" hangingPunct="1">
-              <a:lnSpc>
-                <a:spcPct val="100000"/>
-              </a:lnSpc>
-              <a:spcBef>
-                <a:spcPts val="0"/>
-              </a:spcBef>
-              <a:spcAft>
-                <a:spcPts val="0"/>
-              </a:spcAft>
-              <a:buClrTx/>
-              <a:buSzTx/>
-              <a:buFontTx/>
-              <a:buNone/>
-              <a:tabLst/>
-              <a:defRPr/>
-            </a:pPr>
-            <a:r>
-              <a:rPr kumimoji="1" lang="en-US" altLang="ja-JP" sz="1600" b="0" i="0" u="none" strike="noStrike" kern="1200" cap="none" spc="0" normalizeH="0" baseline="0" noProof="0" dirty="0">
+          </p:spPr>
+          <p:txBody>
+            <a:bodyPr wrap="none" rtlCol="0">
+              <a:spAutoFit/>
+            </a:bodyPr>
+            <a:lstStyle/>
+            <a:p>
+              <a:pPr marL="0" marR="0" lvl="0" indent="0" algn="l" defTabSz="914400" rtl="0" eaLnBrk="1" fontAlgn="auto" latinLnBrk="0" hangingPunct="1">
+                <a:lnSpc>
+                  <a:spcPct val="100000"/>
+                </a:lnSpc>
+                <a:spcBef>
+                  <a:spcPts val="0"/>
+                </a:spcBef>
+                <a:spcAft>
+                  <a:spcPts val="0"/>
+                </a:spcAft>
+                <a:buClrTx/>
+                <a:buSzTx/>
+                <a:buFontTx/>
+                <a:buNone/>
+                <a:tabLst/>
+                <a:defRPr/>
+              </a:pPr>
+              <a:r>
+                <a:rPr kumimoji="1" lang="en-US" altLang="ja-JP" sz="1200" b="0" i="0" u="none" strike="noStrike" kern="1200" cap="none" spc="0" normalizeH="0" baseline="0" noProof="0" dirty="0">
+                  <a:ln>
+                    <a:noFill/>
+                  </a:ln>
+                  <a:solidFill>
+                    <a:prstClr val="black"/>
+                  </a:solidFill>
+                  <a:effectLst/>
+                  <a:uLnTx/>
+                  <a:uFillTx/>
+                  <a:latin typeface="Calibri"/>
+                  <a:ea typeface="ＭＳ Ｐゴシック" panose="020B0600070205080204" pitchFamily="50" charset="-128"/>
+                  <a:cs typeface="+mn-cs"/>
+                </a:rPr>
+                <a:t>OSS</a:t>
+              </a:r>
+              <a:endParaRPr kumimoji="1" lang="ja-JP" altLang="en-US" sz="1200" b="0" i="0" u="none" strike="noStrike" kern="1200" cap="none" spc="0" normalizeH="0" baseline="0" noProof="0" dirty="0">
                 <a:ln>
                   <a:noFill/>
                 </a:ln>
@@ -25002,183 +24555,187 @@
                 <a:latin typeface="Calibri"/>
                 <a:ea typeface="ＭＳ Ｐゴシック" panose="020B0600070205080204" pitchFamily="50" charset="-128"/>
                 <a:cs typeface="+mn-cs"/>
-              </a:rPr>
-              <a:t>OSPO</a:t>
-            </a:r>
-            <a:endParaRPr kumimoji="1" lang="ja-JP" altLang="en-US" sz="1800" b="0" i="0" u="none" strike="noStrike" kern="1200" cap="none" spc="0" normalizeH="0" baseline="0" noProof="0" dirty="0">
-              <a:ln>
-                <a:noFill/>
-              </a:ln>
+              </a:endParaRPr>
+            </a:p>
+          </p:txBody>
+        </p:sp>
+        <p:cxnSp>
+          <p:nvCxnSpPr>
+            <p:cNvPr id="76" name="直線矢印コネクタ 75">
+              <a:extLst>
+                <a:ext uri="{FF2B5EF4-FFF2-40B4-BE49-F238E27FC236}">
+                  <a16:creationId xmlns:a16="http://schemas.microsoft.com/office/drawing/2014/main" id="{2CEF35C0-9E1C-4371-9C22-7BA0F357C050}"/>
+                </a:ext>
+              </a:extLst>
+            </p:cNvPr>
+            <p:cNvCxnSpPr>
+              <a:cxnSpLocks/>
+            </p:cNvCxnSpPr>
+            <p:nvPr/>
+          </p:nvCxnSpPr>
+          <p:spPr>
+            <a:xfrm flipH="1" flipV="1">
+              <a:off x="2244200" y="5013786"/>
+              <a:ext cx="2005691" cy="717171"/>
+            </a:xfrm>
+            <a:prstGeom prst="straightConnector1">
+              <a:avLst/>
+            </a:prstGeom>
+            <a:ln w="38100">
               <a:solidFill>
-                <a:prstClr val="black"/>
+                <a:srgbClr val="FF0000"/>
               </a:solidFill>
-              <a:effectLst/>
-              <a:uLnTx/>
-              <a:uFillTx/>
-              <a:latin typeface="Calibri"/>
-              <a:ea typeface="ＭＳ Ｐゴシック" panose="020B0600070205080204" pitchFamily="50" charset="-128"/>
-              <a:cs typeface="+mn-cs"/>
-            </a:endParaRPr>
-          </a:p>
-        </p:txBody>
-      </p:sp>
-      <p:sp>
-        <p:nvSpPr>
-          <p:cNvPr id="57" name="四角形: 角を丸くする 56">
-            <a:extLst>
-              <a:ext uri="{FF2B5EF4-FFF2-40B4-BE49-F238E27FC236}">
-                <a16:creationId xmlns:a16="http://schemas.microsoft.com/office/drawing/2014/main" id="{4D366C3B-1956-4221-AE18-48E731385CCC}"/>
-              </a:ext>
-            </a:extLst>
-          </p:cNvPr>
-          <p:cNvSpPr/>
-          <p:nvPr/>
-        </p:nvSpPr>
-        <p:spPr>
-          <a:xfrm>
-            <a:off x="3874124" y="3643213"/>
-            <a:ext cx="891872" cy="1046361"/>
-          </a:xfrm>
-          <a:prstGeom prst="roundRect">
-            <a:avLst/>
-          </a:prstGeom>
-          <a:solidFill>
-            <a:srgbClr val="FFFF00"/>
-          </a:solidFill>
-          <a:ln>
+              <a:tailEnd type="triangle"/>
+            </a:ln>
+          </p:spPr>
+          <p:style>
+            <a:lnRef idx="1">
+              <a:schemeClr val="accent1"/>
+            </a:lnRef>
+            <a:fillRef idx="0">
+              <a:schemeClr val="accent1"/>
+            </a:fillRef>
+            <a:effectRef idx="0">
+              <a:schemeClr val="accent1"/>
+            </a:effectRef>
+            <a:fontRef idx="minor">
+              <a:schemeClr val="tx1"/>
+            </a:fontRef>
+          </p:style>
+        </p:cxnSp>
+        <p:cxnSp>
+          <p:nvCxnSpPr>
+            <p:cNvPr id="78" name="直線矢印コネクタ 77">
+              <a:extLst>
+                <a:ext uri="{FF2B5EF4-FFF2-40B4-BE49-F238E27FC236}">
+                  <a16:creationId xmlns:a16="http://schemas.microsoft.com/office/drawing/2014/main" id="{20935DA2-217A-4D28-A9B8-85956B32C101}"/>
+                </a:ext>
+              </a:extLst>
+            </p:cNvPr>
+            <p:cNvCxnSpPr>
+              <a:cxnSpLocks/>
+            </p:cNvCxnSpPr>
+            <p:nvPr/>
+          </p:nvCxnSpPr>
+          <p:spPr>
+            <a:xfrm flipH="1" flipV="1">
+              <a:off x="4556690" y="4685544"/>
+              <a:ext cx="10650" cy="908267"/>
+            </a:xfrm>
+            <a:prstGeom prst="straightConnector1">
+              <a:avLst/>
+            </a:prstGeom>
+            <a:ln w="38100">
+              <a:solidFill>
+                <a:srgbClr val="FF0000"/>
+              </a:solidFill>
+              <a:tailEnd type="triangle"/>
+            </a:ln>
+          </p:spPr>
+          <p:style>
+            <a:lnRef idx="1">
+              <a:schemeClr val="accent1"/>
+            </a:lnRef>
+            <a:fillRef idx="0">
+              <a:schemeClr val="accent1"/>
+            </a:fillRef>
+            <a:effectRef idx="0">
+              <a:schemeClr val="accent1"/>
+            </a:effectRef>
+            <a:fontRef idx="minor">
+              <a:schemeClr val="tx1"/>
+            </a:fontRef>
+          </p:style>
+        </p:cxnSp>
+        <p:sp>
+          <p:nvSpPr>
+            <p:cNvPr id="80" name="テキスト ボックス 79">
+              <a:extLst>
+                <a:ext uri="{FF2B5EF4-FFF2-40B4-BE49-F238E27FC236}">
+                  <a16:creationId xmlns:a16="http://schemas.microsoft.com/office/drawing/2014/main" id="{DC5A38D0-4F7B-45AF-A261-CE6A47A36E02}"/>
+                </a:ext>
+              </a:extLst>
+            </p:cNvPr>
+            <p:cNvSpPr txBox="1"/>
+            <p:nvPr/>
+          </p:nvSpPr>
+          <p:spPr>
+            <a:xfrm>
+              <a:off x="4527856" y="4873186"/>
+              <a:ext cx="644728" cy="461665"/>
+            </a:xfrm>
+            <a:prstGeom prst="rect">
+              <a:avLst/>
+            </a:prstGeom>
             <a:noFill/>
-          </a:ln>
-        </p:spPr>
-        <p:style>
-          <a:lnRef idx="2">
-            <a:schemeClr val="accent1">
-              <a:shade val="50000"/>
-            </a:schemeClr>
-          </a:lnRef>
-          <a:fillRef idx="1">
-            <a:schemeClr val="accent1"/>
-          </a:fillRef>
-          <a:effectRef idx="0">
-            <a:schemeClr val="accent1"/>
-          </a:effectRef>
-          <a:fontRef idx="minor">
-            <a:schemeClr val="lt1"/>
-          </a:fontRef>
-        </p:style>
-        <p:txBody>
-          <a:bodyPr rtlCol="0" anchor="ctr"/>
-          <a:lstStyle/>
-          <a:p>
-            <a:pPr marL="0" marR="0" lvl="0" indent="0" algn="ctr" defTabSz="914400" rtl="0" eaLnBrk="1" fontAlgn="auto" latinLnBrk="0" hangingPunct="1">
-              <a:lnSpc>
-                <a:spcPct val="100000"/>
-              </a:lnSpc>
-              <a:spcBef>
-                <a:spcPts val="0"/>
-              </a:spcBef>
-              <a:spcAft>
-                <a:spcPts val="0"/>
-              </a:spcAft>
-              <a:buClrTx/>
-              <a:buSzTx/>
-              <a:buFontTx/>
-              <a:buNone/>
-              <a:tabLst/>
-              <a:defRPr/>
-            </a:pPr>
-            <a:r>
-              <a:rPr kumimoji="1" lang="en-US" altLang="ja-JP" sz="1400" dirty="0">
-                <a:solidFill>
-                  <a:prstClr val="black"/>
-                </a:solidFill>
-                <a:latin typeface="Calibri"/>
-                <a:ea typeface="ＭＳ Ｐゴシック" panose="020B0600070205080204" pitchFamily="50" charset="-128"/>
-              </a:rPr>
-              <a:t>Inbound</a:t>
-            </a:r>
-            <a:endParaRPr kumimoji="1" lang="en-US" altLang="ja-JP" sz="1400" b="0" i="0" u="none" strike="noStrike" kern="1200" cap="none" spc="0" normalizeH="0" baseline="0" noProof="0" dirty="0">
-              <a:ln>
-                <a:noFill/>
-              </a:ln>
-              <a:solidFill>
-                <a:prstClr val="black"/>
-              </a:solidFill>
-              <a:effectLst/>
-              <a:uLnTx/>
-              <a:uFillTx/>
-              <a:latin typeface="Calibri"/>
-              <a:ea typeface="ＭＳ Ｐゴシック" panose="020B0600070205080204" pitchFamily="50" charset="-128"/>
-              <a:cs typeface="+mn-cs"/>
-            </a:endParaRPr>
-          </a:p>
-        </p:txBody>
-      </p:sp>
-      <p:sp>
-        <p:nvSpPr>
-          <p:cNvPr id="63" name="四角形: 角を丸くする 62">
-            <a:extLst>
-              <a:ext uri="{FF2B5EF4-FFF2-40B4-BE49-F238E27FC236}">
-                <a16:creationId xmlns:a16="http://schemas.microsoft.com/office/drawing/2014/main" id="{C95BED48-E9D4-44D9-AC87-F6218A469675}"/>
-              </a:ext>
-            </a:extLst>
-          </p:cNvPr>
-          <p:cNvSpPr/>
-          <p:nvPr/>
-        </p:nvSpPr>
-        <p:spPr>
-          <a:xfrm>
-            <a:off x="5712671" y="858422"/>
-            <a:ext cx="1003870" cy="372291"/>
-          </a:xfrm>
-          <a:prstGeom prst="roundRect">
-            <a:avLst/>
-          </a:prstGeom>
-          <a:solidFill>
-            <a:srgbClr val="FFFF00"/>
-          </a:solidFill>
-          <a:ln>
-            <a:noFill/>
-          </a:ln>
-        </p:spPr>
-        <p:style>
-          <a:lnRef idx="2">
-            <a:schemeClr val="accent1">
-              <a:shade val="50000"/>
-            </a:schemeClr>
-          </a:lnRef>
-          <a:fillRef idx="1">
-            <a:schemeClr val="accent1"/>
-          </a:fillRef>
-          <a:effectRef idx="0">
-            <a:schemeClr val="accent1"/>
-          </a:effectRef>
-          <a:fontRef idx="minor">
-            <a:schemeClr val="lt1"/>
-          </a:fontRef>
-        </p:style>
-        <p:txBody>
-          <a:bodyPr rtlCol="0" anchor="ctr"/>
-          <a:lstStyle/>
-          <a:p>
-            <a:pPr marL="0" marR="0" lvl="0" indent="0" algn="ctr" defTabSz="914400" rtl="0" eaLnBrk="1" fontAlgn="auto" latinLnBrk="0" hangingPunct="1">
-              <a:lnSpc>
-                <a:spcPct val="100000"/>
-              </a:lnSpc>
-              <a:spcBef>
-                <a:spcPts val="0"/>
-              </a:spcBef>
-              <a:spcAft>
-                <a:spcPts val="0"/>
-              </a:spcAft>
-              <a:buClrTx/>
-              <a:buSzTx/>
-              <a:buFontTx/>
-              <a:buNone/>
-              <a:tabLst/>
-              <a:defRPr/>
-            </a:pPr>
-            <a:r>
-              <a:rPr kumimoji="1" lang="en-US" altLang="ja-JP" sz="1200" b="0" i="0" u="none" strike="noStrike" kern="1200" cap="none" spc="0" normalizeH="0" baseline="0" noProof="0" dirty="0">
+          </p:spPr>
+          <p:txBody>
+            <a:bodyPr wrap="none" rtlCol="0">
+              <a:spAutoFit/>
+            </a:bodyPr>
+            <a:lstStyle/>
+            <a:p>
+              <a:pPr marL="0" marR="0" lvl="0" indent="0" algn="l" defTabSz="914400" rtl="0" eaLnBrk="1" fontAlgn="auto" latinLnBrk="0" hangingPunct="1">
+                <a:lnSpc>
+                  <a:spcPct val="100000"/>
+                </a:lnSpc>
+                <a:spcBef>
+                  <a:spcPts val="0"/>
+                </a:spcBef>
+                <a:spcAft>
+                  <a:spcPts val="0"/>
+                </a:spcAft>
+                <a:buClrTx/>
+                <a:buSzTx/>
+                <a:buFontTx/>
+                <a:buNone/>
+                <a:tabLst/>
+                <a:defRPr/>
+              </a:pPr>
+              <a:r>
+                <a:rPr kumimoji="1" lang="en-US" altLang="ja-JP" sz="1200" b="0" i="0" u="none" strike="noStrike" kern="1200" cap="none" spc="0" normalizeH="0" baseline="0" noProof="0" dirty="0">
+                  <a:ln>
+                    <a:noFill/>
+                  </a:ln>
+                  <a:solidFill>
+                    <a:prstClr val="black"/>
+                  </a:solidFill>
+                  <a:effectLst/>
+                  <a:uLnTx/>
+                  <a:uFillTx/>
+                  <a:latin typeface="Calibri"/>
+                  <a:ea typeface="ＭＳ Ｐゴシック" panose="020B0600070205080204" pitchFamily="50" charset="-128"/>
+                  <a:cs typeface="+mn-cs"/>
+                </a:rPr>
+                <a:t>OSS </a:t>
+              </a:r>
+              <a:br>
+                <a:rPr kumimoji="1" lang="en-US" altLang="ja-JP" sz="1200" b="0" i="0" u="none" strike="noStrike" kern="1200" cap="none" spc="0" normalizeH="0" baseline="0" noProof="0" dirty="0">
+                  <a:ln>
+                    <a:noFill/>
+                  </a:ln>
+                  <a:solidFill>
+                    <a:prstClr val="black"/>
+                  </a:solidFill>
+                  <a:effectLst/>
+                  <a:uLnTx/>
+                  <a:uFillTx/>
+                  <a:latin typeface="Calibri"/>
+                  <a:ea typeface="ＭＳ Ｐゴシック" panose="020B0600070205080204" pitchFamily="50" charset="-128"/>
+                  <a:cs typeface="+mn-cs"/>
+                </a:rPr>
+              </a:br>
+              <a:r>
+                <a:rPr kumimoji="1" lang="en-US" altLang="ja-JP" sz="1200" dirty="0">
+                  <a:solidFill>
+                    <a:prstClr val="black"/>
+                  </a:solidFill>
+                  <a:latin typeface="Calibri"/>
+                  <a:ea typeface="ＭＳ Ｐゴシック" panose="020B0600070205080204" pitchFamily="50" charset="-128"/>
+                </a:rPr>
+                <a:t>License</a:t>
+              </a:r>
+              <a:endParaRPr kumimoji="1" lang="ja-JP" altLang="en-US" sz="1200" b="0" i="0" u="none" strike="noStrike" kern="1200" cap="none" spc="0" normalizeH="0" baseline="0" noProof="0" dirty="0">
                 <a:ln>
                   <a:noFill/>
                 </a:ln>
@@ -25191,11 +24748,93 @@
                 <a:latin typeface="Calibri"/>
                 <a:ea typeface="ＭＳ Ｐゴシック" panose="020B0600070205080204" pitchFamily="50" charset="-128"/>
                 <a:cs typeface="+mn-cs"/>
-              </a:rPr>
-              <a:t>OSS</a:t>
-            </a:r>
-            <a:r>
-              <a:rPr kumimoji="1" lang="ja-JP" altLang="en-US" sz="1200" b="0" i="0" u="none" strike="noStrike" kern="1200" cap="none" spc="0" normalizeH="0" baseline="0" noProof="0" dirty="0">
+              </a:endParaRPr>
+            </a:p>
+          </p:txBody>
+        </p:sp>
+        <p:sp>
+          <p:nvSpPr>
+            <p:cNvPr id="81" name="テキスト ボックス 80">
+              <a:extLst>
+                <a:ext uri="{FF2B5EF4-FFF2-40B4-BE49-F238E27FC236}">
+                  <a16:creationId xmlns:a16="http://schemas.microsoft.com/office/drawing/2014/main" id="{0ED29373-205A-40FE-BB9B-F803B32095BB}"/>
+                </a:ext>
+              </a:extLst>
+            </p:cNvPr>
+            <p:cNvSpPr txBox="1"/>
+            <p:nvPr/>
+          </p:nvSpPr>
+          <p:spPr>
+            <a:xfrm>
+              <a:off x="2954830" y="5075280"/>
+              <a:ext cx="923651" cy="276999"/>
+            </a:xfrm>
+            <a:prstGeom prst="rect">
+              <a:avLst/>
+            </a:prstGeom>
+            <a:noFill/>
+          </p:spPr>
+          <p:txBody>
+            <a:bodyPr wrap="none" rtlCol="0">
+              <a:spAutoFit/>
+            </a:bodyPr>
+            <a:lstStyle/>
+            <a:p>
+              <a:pPr marL="0" marR="0" lvl="0" indent="0" algn="l" defTabSz="914400" rtl="0" eaLnBrk="1" fontAlgn="auto" latinLnBrk="0" hangingPunct="1">
+                <a:lnSpc>
+                  <a:spcPct val="100000"/>
+                </a:lnSpc>
+                <a:spcBef>
+                  <a:spcPts val="0"/>
+                </a:spcBef>
+                <a:spcAft>
+                  <a:spcPts val="0"/>
+                </a:spcAft>
+                <a:buClrTx/>
+                <a:buSzTx/>
+                <a:buFontTx/>
+                <a:buNone/>
+                <a:tabLst/>
+                <a:defRPr/>
+              </a:pPr>
+              <a:r>
+                <a:rPr kumimoji="1" lang="en-US" altLang="ja-JP" sz="1200" b="0" i="0" u="none" strike="noStrike" kern="1200" cap="none" spc="0" normalizeH="0" baseline="0" noProof="0" dirty="0">
+                  <a:ln>
+                    <a:noFill/>
+                  </a:ln>
+                  <a:solidFill>
+                    <a:prstClr val="black"/>
+                  </a:solidFill>
+                  <a:effectLst/>
+                  <a:uLnTx/>
+                  <a:uFillTx/>
+                  <a:latin typeface="Calibri"/>
+                  <a:ea typeface="ＭＳ Ｐゴシック" panose="020B0600070205080204" pitchFamily="50" charset="-128"/>
+                  <a:cs typeface="+mn-cs"/>
+                </a:rPr>
+                <a:t>OSS</a:t>
+              </a:r>
+              <a:r>
+                <a:rPr kumimoji="1" lang="ja-JP" altLang="en-US" sz="1200" dirty="0">
+                  <a:solidFill>
+                    <a:prstClr val="black"/>
+                  </a:solidFill>
+                  <a:latin typeface="Calibri"/>
+                  <a:ea typeface="ＭＳ Ｐゴシック" panose="020B0600070205080204" pitchFamily="50" charset="-128"/>
+                </a:rPr>
+                <a:t> </a:t>
+              </a:r>
+              <a:r>
+                <a:rPr kumimoji="1" lang="en-US" altLang="ja-JP" sz="1200" dirty="0">
+                  <a:solidFill>
+                    <a:prstClr val="black"/>
+                  </a:solidFill>
+                  <a:latin typeface="Calibri"/>
+                  <a:ea typeface="ＭＳ Ｐゴシック" panose="020B0600070205080204" pitchFamily="50" charset="-128"/>
+                </a:rPr>
+                <a:t>License</a:t>
+              </a:r>
+              <a:endParaRPr kumimoji="1" lang="ja-JP" altLang="en-US" sz="1200" b="0" i="0" u="none" strike="noStrike" kern="1200" cap="none" spc="0" normalizeH="0" baseline="0" noProof="0" dirty="0">
                 <a:ln>
                   <a:noFill/>
                 </a:ln>
@@ -25208,11 +24847,85 @@
                 <a:latin typeface="Calibri"/>
                 <a:ea typeface="ＭＳ Ｐゴシック" panose="020B0600070205080204" pitchFamily="50" charset="-128"/>
                 <a:cs typeface="+mn-cs"/>
-              </a:rPr>
-              <a:t> </a:t>
-            </a:r>
-            <a:r>
-              <a:rPr kumimoji="1" lang="en-US" altLang="ja-JP" sz="1200" b="0" i="0" u="none" strike="noStrike" kern="1200" cap="none" spc="0" normalizeH="0" baseline="0" noProof="0" dirty="0">
+              </a:endParaRPr>
+            </a:p>
+          </p:txBody>
+        </p:sp>
+        <p:sp>
+          <p:nvSpPr>
+            <p:cNvPr id="55" name="四角形: 角を丸くする 54">
+              <a:extLst>
+                <a:ext uri="{FF2B5EF4-FFF2-40B4-BE49-F238E27FC236}">
+                  <a16:creationId xmlns:a16="http://schemas.microsoft.com/office/drawing/2014/main" id="{C41AF5F0-D940-43D9-BF35-BA72A71DA105}"/>
+                </a:ext>
+              </a:extLst>
+            </p:cNvPr>
+            <p:cNvSpPr/>
+            <p:nvPr/>
+          </p:nvSpPr>
+          <p:spPr>
+            <a:xfrm>
+              <a:off x="7044270" y="2548346"/>
+              <a:ext cx="739140" cy="872417"/>
+            </a:xfrm>
+            <a:prstGeom prst="roundRect">
+              <a:avLst/>
+            </a:prstGeom>
+            <a:solidFill>
+              <a:srgbClr val="FFFF00"/>
+            </a:solidFill>
+            <a:ln>
+              <a:noFill/>
+            </a:ln>
+          </p:spPr>
+          <p:style>
+            <a:lnRef idx="2">
+              <a:schemeClr val="accent1">
+                <a:shade val="50000"/>
+              </a:schemeClr>
+            </a:lnRef>
+            <a:fillRef idx="1">
+              <a:schemeClr val="accent1"/>
+            </a:fillRef>
+            <a:effectRef idx="0">
+              <a:schemeClr val="accent1"/>
+            </a:effectRef>
+            <a:fontRef idx="minor">
+              <a:schemeClr val="lt1"/>
+            </a:fontRef>
+          </p:style>
+          <p:txBody>
+            <a:bodyPr rtlCol="0" anchor="ctr"/>
+            <a:lstStyle/>
+            <a:p>
+              <a:pPr marL="0" marR="0" lvl="0" indent="0" algn="ctr" defTabSz="914400" rtl="0" eaLnBrk="1" fontAlgn="auto" latinLnBrk="0" hangingPunct="1">
+                <a:lnSpc>
+                  <a:spcPct val="100000"/>
+                </a:lnSpc>
+                <a:spcBef>
+                  <a:spcPts val="0"/>
+                </a:spcBef>
+                <a:spcAft>
+                  <a:spcPts val="0"/>
+                </a:spcAft>
+                <a:buClrTx/>
+                <a:buSzTx/>
+                <a:buFontTx/>
+                <a:buNone/>
+                <a:tabLst/>
+                <a:defRPr/>
+              </a:pPr>
+              <a:r>
+                <a:rPr kumimoji="1" lang="en-US" altLang="ja-JP" sz="1200" dirty="0">
+                  <a:solidFill>
+                    <a:prstClr val="black"/>
+                  </a:solidFill>
+                  <a:latin typeface="Calibri"/>
+                  <a:ea typeface="ＭＳ Ｐゴシック" panose="020B0600070205080204" pitchFamily="50" charset="-128"/>
+                </a:rPr>
+                <a:t>Release</a:t>
+              </a:r>
+              <a:endParaRPr kumimoji="1" lang="ja-JP" altLang="en-US" sz="1400" b="0" i="0" u="none" strike="noStrike" kern="1200" cap="none" spc="0" normalizeH="0" baseline="0" noProof="0" dirty="0">
                 <a:ln>
                   <a:noFill/>
                 </a:ln>
@@ -25225,640 +24938,94 @@
                 <a:latin typeface="Calibri"/>
                 <a:ea typeface="ＭＳ Ｐゴシック" panose="020B0600070205080204" pitchFamily="50" charset="-128"/>
                 <a:cs typeface="+mn-cs"/>
-              </a:rPr>
-              <a:t>License</a:t>
-            </a:r>
-          </a:p>
-        </p:txBody>
-      </p:sp>
-      <p:sp>
-        <p:nvSpPr>
-          <p:cNvPr id="65" name="四角形: 角を丸くする 64">
-            <a:extLst>
-              <a:ext uri="{FF2B5EF4-FFF2-40B4-BE49-F238E27FC236}">
-                <a16:creationId xmlns:a16="http://schemas.microsoft.com/office/drawing/2014/main" id="{8EB9B262-AFD4-4E7E-8236-F15BB3F0ED12}"/>
-              </a:ext>
-            </a:extLst>
-          </p:cNvPr>
-          <p:cNvSpPr/>
-          <p:nvPr/>
-        </p:nvSpPr>
-        <p:spPr>
-          <a:xfrm>
-            <a:off x="6716541" y="421412"/>
-            <a:ext cx="1220794" cy="372291"/>
-          </a:xfrm>
-          <a:prstGeom prst="roundRect">
-            <a:avLst/>
-          </a:prstGeom>
-          <a:solidFill>
-            <a:srgbClr val="FFFF00"/>
-          </a:solidFill>
-          <a:ln>
-            <a:noFill/>
-          </a:ln>
-        </p:spPr>
-        <p:style>
-          <a:lnRef idx="2">
-            <a:schemeClr val="accent1">
-              <a:shade val="50000"/>
-            </a:schemeClr>
-          </a:lnRef>
-          <a:fillRef idx="1">
-            <a:schemeClr val="accent1"/>
-          </a:fillRef>
-          <a:effectRef idx="0">
-            <a:schemeClr val="accent1"/>
-          </a:effectRef>
-          <a:fontRef idx="minor">
-            <a:schemeClr val="lt1"/>
-          </a:fontRef>
-        </p:style>
-        <p:txBody>
-          <a:bodyPr rtlCol="0" anchor="ctr"/>
-          <a:lstStyle/>
-          <a:p>
-            <a:pPr marL="0" marR="0" lvl="0" indent="0" algn="ctr" defTabSz="914400" rtl="0" eaLnBrk="1" fontAlgn="auto" latinLnBrk="0" hangingPunct="1">
-              <a:lnSpc>
-                <a:spcPct val="100000"/>
-              </a:lnSpc>
-              <a:spcBef>
-                <a:spcPts val="0"/>
-              </a:spcBef>
-              <a:spcAft>
-                <a:spcPts val="0"/>
-              </a:spcAft>
-              <a:buClrTx/>
-              <a:buSzTx/>
-              <a:buFontTx/>
-              <a:buNone/>
-              <a:tabLst/>
-              <a:defRPr/>
-            </a:pPr>
-            <a:r>
-              <a:rPr kumimoji="1" lang="en-US" altLang="ja-JP" sz="1400" dirty="0">
-                <a:solidFill>
-                  <a:prstClr val="black"/>
-                </a:solidFill>
-                <a:latin typeface="Calibri"/>
-                <a:ea typeface="ＭＳ Ｐゴシック" panose="020B0600070205080204" pitchFamily="50" charset="-128"/>
-              </a:rPr>
-              <a:t>Management</a:t>
-            </a:r>
-          </a:p>
-        </p:txBody>
-      </p:sp>
-      <p:sp>
-        <p:nvSpPr>
-          <p:cNvPr id="67" name="四角形: 角を丸くする 66">
-            <a:extLst>
-              <a:ext uri="{FF2B5EF4-FFF2-40B4-BE49-F238E27FC236}">
-                <a16:creationId xmlns:a16="http://schemas.microsoft.com/office/drawing/2014/main" id="{7EA2D299-01F6-4EE7-80C7-ACB576CF76B1}"/>
-              </a:ext>
-            </a:extLst>
-          </p:cNvPr>
-          <p:cNvSpPr/>
-          <p:nvPr/>
-        </p:nvSpPr>
-        <p:spPr>
-          <a:xfrm>
-            <a:off x="5302147" y="5075280"/>
-            <a:ext cx="1055956" cy="372291"/>
-          </a:xfrm>
-          <a:prstGeom prst="roundRect">
-            <a:avLst/>
-          </a:prstGeom>
-          <a:solidFill>
-            <a:srgbClr val="FFFF00"/>
-          </a:solidFill>
-          <a:ln>
-            <a:noFill/>
-          </a:ln>
-        </p:spPr>
-        <p:style>
-          <a:lnRef idx="2">
-            <a:schemeClr val="accent1">
-              <a:shade val="50000"/>
-            </a:schemeClr>
-          </a:lnRef>
-          <a:fillRef idx="1">
-            <a:schemeClr val="accent1"/>
-          </a:fillRef>
-          <a:effectRef idx="0">
-            <a:schemeClr val="accent1"/>
-          </a:effectRef>
-          <a:fontRef idx="minor">
-            <a:schemeClr val="lt1"/>
-          </a:fontRef>
-        </p:style>
-        <p:txBody>
-          <a:bodyPr rtlCol="0" anchor="ctr"/>
-          <a:lstStyle/>
-          <a:p>
-            <a:pPr marL="0" marR="0" lvl="0" indent="0" algn="ctr" defTabSz="914400" rtl="0" eaLnBrk="1" fontAlgn="auto" latinLnBrk="0" hangingPunct="1">
-              <a:lnSpc>
-                <a:spcPct val="100000"/>
-              </a:lnSpc>
-              <a:spcBef>
-                <a:spcPts val="0"/>
-              </a:spcBef>
-              <a:spcAft>
-                <a:spcPts val="0"/>
-              </a:spcAft>
-              <a:buClrTx/>
-              <a:buSzTx/>
-              <a:buFontTx/>
-              <a:buNone/>
-              <a:tabLst/>
-              <a:defRPr/>
-            </a:pPr>
-            <a:r>
-              <a:rPr kumimoji="1" lang="en-US" altLang="ja-JP" sz="1100" dirty="0">
-                <a:solidFill>
-                  <a:prstClr val="black"/>
-                </a:solidFill>
-                <a:latin typeface="Calibri"/>
-                <a:ea typeface="ＭＳ Ｐゴシック" panose="020B0600070205080204" pitchFamily="50" charset="-128"/>
-              </a:rPr>
-              <a:t>Community</a:t>
-            </a:r>
-            <a:r>
-              <a:rPr kumimoji="1" lang="ja-JP" altLang="en-US" sz="1100" dirty="0">
-                <a:solidFill>
-                  <a:prstClr val="black"/>
-                </a:solidFill>
-                <a:latin typeface="Calibri"/>
-                <a:ea typeface="ＭＳ Ｐゴシック" panose="020B0600070205080204" pitchFamily="50" charset="-128"/>
-              </a:rPr>
-              <a:t> </a:t>
-            </a:r>
-            <a:r>
-              <a:rPr kumimoji="1" lang="en-US" altLang="ja-JP" sz="1100" dirty="0">
-                <a:solidFill>
-                  <a:prstClr val="black"/>
-                </a:solidFill>
-                <a:latin typeface="Calibri"/>
-                <a:ea typeface="ＭＳ Ｐゴシック" panose="020B0600070205080204" pitchFamily="50" charset="-128"/>
-              </a:rPr>
-              <a:t>Liaison</a:t>
-            </a:r>
-            <a:endParaRPr kumimoji="1" lang="ja-JP" altLang="en-US" sz="1100" b="0" i="0" u="none" strike="noStrike" kern="1200" cap="none" spc="0" normalizeH="0" baseline="0" noProof="0" dirty="0">
-              <a:ln>
-                <a:noFill/>
-              </a:ln>
-              <a:solidFill>
-                <a:prstClr val="black"/>
-              </a:solidFill>
-              <a:effectLst/>
-              <a:uLnTx/>
-              <a:uFillTx/>
-              <a:latin typeface="Calibri"/>
-              <a:ea typeface="ＭＳ Ｐゴシック" panose="020B0600070205080204" pitchFamily="50" charset="-128"/>
-              <a:cs typeface="+mn-cs"/>
-            </a:endParaRPr>
-          </a:p>
-        </p:txBody>
-      </p:sp>
-      <p:sp>
-        <p:nvSpPr>
-          <p:cNvPr id="68" name="四角形: 角を丸くする 67">
-            <a:extLst>
-              <a:ext uri="{FF2B5EF4-FFF2-40B4-BE49-F238E27FC236}">
-                <a16:creationId xmlns:a16="http://schemas.microsoft.com/office/drawing/2014/main" id="{4DBA374D-4E39-4DCE-9553-510B87A65F96}"/>
-              </a:ext>
-            </a:extLst>
-          </p:cNvPr>
-          <p:cNvSpPr/>
-          <p:nvPr/>
-        </p:nvSpPr>
-        <p:spPr>
-          <a:xfrm>
-            <a:off x="3687287" y="1729932"/>
-            <a:ext cx="4408872" cy="247902"/>
-          </a:xfrm>
-          <a:prstGeom prst="roundRect">
-            <a:avLst/>
-          </a:prstGeom>
-          <a:solidFill>
-            <a:srgbClr val="FFFF00"/>
-          </a:solidFill>
-          <a:ln>
-            <a:noFill/>
-          </a:ln>
-        </p:spPr>
-        <p:style>
-          <a:lnRef idx="2">
-            <a:schemeClr val="accent1">
-              <a:shade val="50000"/>
-            </a:schemeClr>
-          </a:lnRef>
-          <a:fillRef idx="1">
-            <a:schemeClr val="accent1"/>
-          </a:fillRef>
-          <a:effectRef idx="0">
-            <a:schemeClr val="accent1"/>
-          </a:effectRef>
-          <a:fontRef idx="minor">
-            <a:schemeClr val="lt1"/>
-          </a:fontRef>
-        </p:style>
-        <p:txBody>
-          <a:bodyPr rtlCol="0" anchor="ctr"/>
-          <a:lstStyle/>
-          <a:p>
-            <a:pPr marL="0" marR="0" lvl="0" indent="0" algn="ctr" defTabSz="914400" rtl="0" eaLnBrk="1" fontAlgn="auto" latinLnBrk="0" hangingPunct="1">
-              <a:lnSpc>
-                <a:spcPct val="100000"/>
-              </a:lnSpc>
-              <a:spcBef>
-                <a:spcPts val="0"/>
-              </a:spcBef>
-              <a:spcAft>
-                <a:spcPts val="0"/>
-              </a:spcAft>
-              <a:buClrTx/>
-              <a:buSzTx/>
-              <a:buFontTx/>
-              <a:buNone/>
-              <a:tabLst/>
-              <a:defRPr/>
-            </a:pPr>
-            <a:r>
-              <a:rPr kumimoji="1" lang="en-US" altLang="ja-JP" sz="1400" dirty="0">
-                <a:solidFill>
-                  <a:prstClr val="black"/>
-                </a:solidFill>
-                <a:latin typeface="Calibri"/>
-                <a:ea typeface="ＭＳ Ｐゴシック" panose="020B0600070205080204" pitchFamily="50" charset="-128"/>
-              </a:rPr>
-              <a:t>Engineering</a:t>
-            </a:r>
-            <a:endParaRPr kumimoji="1" lang="ja-JP" altLang="en-US" sz="1400" b="0" i="0" u="none" strike="noStrike" kern="1200" cap="none" spc="0" normalizeH="0" baseline="0" noProof="0" dirty="0">
-              <a:ln>
-                <a:noFill/>
-              </a:ln>
-              <a:solidFill>
-                <a:prstClr val="black"/>
-              </a:solidFill>
-              <a:effectLst/>
-              <a:uLnTx/>
-              <a:uFillTx/>
-              <a:latin typeface="Calibri"/>
-              <a:ea typeface="ＭＳ Ｐゴシック" panose="020B0600070205080204" pitchFamily="50" charset="-128"/>
-              <a:cs typeface="+mn-cs"/>
-            </a:endParaRPr>
-          </a:p>
-        </p:txBody>
-      </p:sp>
-      <p:sp>
-        <p:nvSpPr>
-          <p:cNvPr id="69" name="四角形: 角を丸くする 68">
-            <a:extLst>
-              <a:ext uri="{FF2B5EF4-FFF2-40B4-BE49-F238E27FC236}">
-                <a16:creationId xmlns:a16="http://schemas.microsoft.com/office/drawing/2014/main" id="{66FD5A74-491E-4F0A-806B-3C2DCCB78CB2}"/>
-              </a:ext>
-            </a:extLst>
-          </p:cNvPr>
-          <p:cNvSpPr/>
-          <p:nvPr/>
-        </p:nvSpPr>
-        <p:spPr>
-          <a:xfrm>
-            <a:off x="6785278" y="863441"/>
-            <a:ext cx="1152057" cy="372291"/>
-          </a:xfrm>
-          <a:prstGeom prst="roundRect">
-            <a:avLst/>
-          </a:prstGeom>
-          <a:solidFill>
-            <a:srgbClr val="FFFF00"/>
-          </a:solidFill>
-          <a:ln>
-            <a:noFill/>
-          </a:ln>
-        </p:spPr>
-        <p:style>
-          <a:lnRef idx="2">
-            <a:schemeClr val="accent1">
-              <a:shade val="50000"/>
-            </a:schemeClr>
-          </a:lnRef>
-          <a:fillRef idx="1">
-            <a:schemeClr val="accent1"/>
-          </a:fillRef>
-          <a:effectRef idx="0">
-            <a:schemeClr val="accent1"/>
-          </a:effectRef>
-          <a:fontRef idx="minor">
-            <a:schemeClr val="lt1"/>
-          </a:fontRef>
-        </p:style>
-        <p:txBody>
-          <a:bodyPr rtlCol="0" anchor="ctr"/>
-          <a:lstStyle/>
-          <a:p>
-            <a:pPr marL="0" marR="0" lvl="0" indent="0" algn="ctr" defTabSz="914400" rtl="0" eaLnBrk="1" fontAlgn="auto" latinLnBrk="0" hangingPunct="1">
-              <a:lnSpc>
-                <a:spcPct val="100000"/>
-              </a:lnSpc>
-              <a:spcBef>
-                <a:spcPts val="0"/>
-              </a:spcBef>
-              <a:spcAft>
-                <a:spcPts val="0"/>
-              </a:spcAft>
-              <a:buClrTx/>
-              <a:buSzTx/>
-              <a:buFontTx/>
-              <a:buNone/>
-              <a:tabLst/>
-              <a:defRPr/>
-            </a:pPr>
-            <a:r>
-              <a:rPr kumimoji="1" lang="en-US" altLang="ja-JP" sz="1400" dirty="0">
-                <a:solidFill>
-                  <a:prstClr val="black"/>
-                </a:solidFill>
-                <a:latin typeface="Calibri"/>
-                <a:ea typeface="ＭＳ Ｐゴシック" panose="020B0600070205080204" pitchFamily="50" charset="-128"/>
-              </a:rPr>
-              <a:t>Education</a:t>
-            </a:r>
-            <a:endParaRPr kumimoji="1" lang="ja-JP" altLang="en-US" sz="1400" b="0" i="0" u="none" strike="noStrike" kern="1200" cap="none" spc="0" normalizeH="0" baseline="0" noProof="0" dirty="0">
-              <a:ln>
-                <a:noFill/>
-              </a:ln>
-              <a:solidFill>
-                <a:prstClr val="black"/>
-              </a:solidFill>
-              <a:effectLst/>
-              <a:uLnTx/>
-              <a:uFillTx/>
-              <a:latin typeface="Calibri"/>
-              <a:ea typeface="ＭＳ Ｐゴシック" panose="020B0600070205080204" pitchFamily="50" charset="-128"/>
-              <a:cs typeface="+mn-cs"/>
-            </a:endParaRPr>
-          </a:p>
-        </p:txBody>
-      </p:sp>
-      <p:sp>
-        <p:nvSpPr>
-          <p:cNvPr id="71" name="四角形: 角を丸くする 70">
-            <a:extLst>
-              <a:ext uri="{FF2B5EF4-FFF2-40B4-BE49-F238E27FC236}">
-                <a16:creationId xmlns:a16="http://schemas.microsoft.com/office/drawing/2014/main" id="{CCF148FC-5627-4720-BAFA-4F7565168BB7}"/>
-              </a:ext>
-            </a:extLst>
-          </p:cNvPr>
-          <p:cNvSpPr/>
-          <p:nvPr/>
-        </p:nvSpPr>
-        <p:spPr>
-          <a:xfrm>
-            <a:off x="3679040" y="2007776"/>
-            <a:ext cx="1108650" cy="424643"/>
-          </a:xfrm>
-          <a:prstGeom prst="roundRect">
-            <a:avLst/>
-          </a:prstGeom>
-          <a:solidFill>
-            <a:srgbClr val="FFFF00"/>
-          </a:solidFill>
-          <a:ln>
-            <a:noFill/>
-          </a:ln>
-        </p:spPr>
-        <p:style>
-          <a:lnRef idx="2">
-            <a:schemeClr val="accent1">
-              <a:shade val="50000"/>
-            </a:schemeClr>
-          </a:lnRef>
-          <a:fillRef idx="1">
-            <a:schemeClr val="accent1"/>
-          </a:fillRef>
-          <a:effectRef idx="0">
-            <a:schemeClr val="accent1"/>
-          </a:effectRef>
-          <a:fontRef idx="minor">
-            <a:schemeClr val="lt1"/>
-          </a:fontRef>
-        </p:style>
-        <p:txBody>
-          <a:bodyPr rtlCol="0" anchor="ctr"/>
-          <a:lstStyle/>
-          <a:p>
-            <a:pPr marL="0" marR="0" lvl="0" indent="0" algn="ctr" defTabSz="914400" rtl="0" eaLnBrk="1" fontAlgn="auto" latinLnBrk="0" hangingPunct="1">
-              <a:lnSpc>
-                <a:spcPct val="100000"/>
-              </a:lnSpc>
-              <a:spcBef>
-                <a:spcPts val="0"/>
-              </a:spcBef>
-              <a:spcAft>
-                <a:spcPts val="0"/>
-              </a:spcAft>
-              <a:buClrTx/>
-              <a:buSzTx/>
-              <a:buFontTx/>
-              <a:buNone/>
-              <a:tabLst/>
-              <a:defRPr/>
-            </a:pPr>
-            <a:r>
-              <a:rPr kumimoji="1" lang="en-US" altLang="ja-JP" sz="1400" dirty="0">
-                <a:solidFill>
-                  <a:prstClr val="black"/>
-                </a:solidFill>
-                <a:latin typeface="Calibri"/>
-                <a:ea typeface="ＭＳ Ｐゴシック" panose="020B0600070205080204" pitchFamily="50" charset="-128"/>
-              </a:rPr>
-              <a:t>Dev. </a:t>
-            </a:r>
-            <a:r>
-              <a:rPr kumimoji="1" lang="en-US" altLang="ja-JP" sz="1400" dirty="0" err="1">
-                <a:solidFill>
-                  <a:prstClr val="black"/>
-                </a:solidFill>
-                <a:latin typeface="Calibri"/>
-                <a:ea typeface="ＭＳ Ｐゴシック" panose="020B0600070205080204" pitchFamily="50" charset="-128"/>
-              </a:rPr>
-              <a:t>Enviroment</a:t>
-            </a:r>
-            <a:endParaRPr kumimoji="1" lang="ja-JP" altLang="en-US" sz="1400" b="0" i="0" u="none" strike="noStrike" kern="1200" cap="none" spc="0" normalizeH="0" baseline="0" noProof="0" dirty="0">
-              <a:ln>
-                <a:noFill/>
-              </a:ln>
-              <a:solidFill>
-                <a:prstClr val="black"/>
-              </a:solidFill>
-              <a:effectLst/>
-              <a:uLnTx/>
-              <a:uFillTx/>
-              <a:latin typeface="Calibri"/>
-              <a:ea typeface="ＭＳ Ｐゴシック" panose="020B0600070205080204" pitchFamily="50" charset="-128"/>
-              <a:cs typeface="+mn-cs"/>
-            </a:endParaRPr>
-          </a:p>
-        </p:txBody>
-      </p:sp>
-      <p:sp>
-        <p:nvSpPr>
-          <p:cNvPr id="73" name="四角形: 角を丸くする 72">
-            <a:extLst>
-              <a:ext uri="{FF2B5EF4-FFF2-40B4-BE49-F238E27FC236}">
-                <a16:creationId xmlns:a16="http://schemas.microsoft.com/office/drawing/2014/main" id="{D90D6A46-98D1-47E6-AFEA-79E8B99D10C2}"/>
-              </a:ext>
-            </a:extLst>
-          </p:cNvPr>
-          <p:cNvSpPr/>
-          <p:nvPr/>
-        </p:nvSpPr>
-        <p:spPr>
-          <a:xfrm>
-            <a:off x="3659160" y="1241634"/>
-            <a:ext cx="1075887" cy="436627"/>
-          </a:xfrm>
-          <a:prstGeom prst="roundRect">
-            <a:avLst/>
-          </a:prstGeom>
-          <a:solidFill>
-            <a:srgbClr val="FFFF00"/>
-          </a:solidFill>
-          <a:ln>
-            <a:noFill/>
-          </a:ln>
-        </p:spPr>
-        <p:style>
-          <a:lnRef idx="2">
-            <a:schemeClr val="accent1">
-              <a:shade val="50000"/>
-            </a:schemeClr>
-          </a:lnRef>
-          <a:fillRef idx="1">
-            <a:schemeClr val="accent1"/>
-          </a:fillRef>
-          <a:effectRef idx="0">
-            <a:schemeClr val="accent1"/>
-          </a:effectRef>
-          <a:fontRef idx="minor">
-            <a:schemeClr val="lt1"/>
-          </a:fontRef>
-        </p:style>
-        <p:txBody>
-          <a:bodyPr rtlCol="0" anchor="ctr"/>
-          <a:lstStyle/>
-          <a:p>
-            <a:pPr marL="0" marR="0" lvl="0" indent="0" algn="ctr" defTabSz="914400" rtl="0" eaLnBrk="1" fontAlgn="auto" latinLnBrk="0" hangingPunct="1">
-              <a:lnSpc>
-                <a:spcPct val="100000"/>
-              </a:lnSpc>
-              <a:spcBef>
-                <a:spcPts val="0"/>
-              </a:spcBef>
-              <a:spcAft>
-                <a:spcPts val="0"/>
-              </a:spcAft>
-              <a:buClrTx/>
-              <a:buSzTx/>
-              <a:buFontTx/>
-              <a:buNone/>
-              <a:tabLst/>
-              <a:defRPr/>
-            </a:pPr>
-            <a:r>
-              <a:rPr kumimoji="1" lang="en-US" altLang="ja-JP" sz="1400" dirty="0">
-                <a:solidFill>
-                  <a:prstClr val="black"/>
-                </a:solidFill>
-                <a:latin typeface="Calibri"/>
-                <a:ea typeface="ＭＳ Ｐゴシック" panose="020B0600070205080204" pitchFamily="50" charset="-128"/>
-              </a:rPr>
-              <a:t>Product Planning</a:t>
-            </a:r>
-            <a:endParaRPr kumimoji="1" lang="ja-JP" altLang="en-US" sz="1400" b="0" i="0" u="none" strike="noStrike" kern="1200" cap="none" spc="0" normalizeH="0" baseline="0" noProof="0" dirty="0">
-              <a:ln>
-                <a:noFill/>
-              </a:ln>
-              <a:solidFill>
-                <a:prstClr val="black"/>
-              </a:solidFill>
-              <a:effectLst/>
-              <a:uLnTx/>
-              <a:uFillTx/>
-              <a:latin typeface="Calibri"/>
-              <a:ea typeface="ＭＳ Ｐゴシック" panose="020B0600070205080204" pitchFamily="50" charset="-128"/>
-              <a:cs typeface="+mn-cs"/>
-            </a:endParaRPr>
-          </a:p>
-        </p:txBody>
-      </p:sp>
-      <p:sp>
-        <p:nvSpPr>
-          <p:cNvPr id="77" name="四角形: 角を丸くする 76">
-            <a:extLst>
-              <a:ext uri="{FF2B5EF4-FFF2-40B4-BE49-F238E27FC236}">
-                <a16:creationId xmlns:a16="http://schemas.microsoft.com/office/drawing/2014/main" id="{51A0DB07-3DCF-4F5A-A83A-D86AE6E7CBF2}"/>
-              </a:ext>
-            </a:extLst>
-          </p:cNvPr>
-          <p:cNvSpPr/>
-          <p:nvPr/>
-        </p:nvSpPr>
-        <p:spPr>
-          <a:xfrm>
-            <a:off x="5839448" y="2021815"/>
-            <a:ext cx="1229034" cy="422550"/>
-          </a:xfrm>
-          <a:prstGeom prst="roundRect">
-            <a:avLst/>
-          </a:prstGeom>
-          <a:solidFill>
-            <a:srgbClr val="FFFF00"/>
-          </a:solidFill>
-          <a:ln>
-            <a:noFill/>
-          </a:ln>
-        </p:spPr>
-        <p:style>
-          <a:lnRef idx="2">
-            <a:schemeClr val="accent1">
-              <a:shade val="50000"/>
-            </a:schemeClr>
-          </a:lnRef>
-          <a:fillRef idx="1">
-            <a:schemeClr val="accent1"/>
-          </a:fillRef>
-          <a:effectRef idx="0">
-            <a:schemeClr val="accent1"/>
-          </a:effectRef>
-          <a:fontRef idx="minor">
-            <a:schemeClr val="lt1"/>
-          </a:fontRef>
-        </p:style>
-        <p:txBody>
-          <a:bodyPr rtlCol="0" anchor="ctr"/>
-          <a:lstStyle/>
-          <a:p>
-            <a:pPr marL="0" marR="0" lvl="0" indent="0" algn="ctr" defTabSz="914400" rtl="0" eaLnBrk="1" fontAlgn="auto" latinLnBrk="0" hangingPunct="1">
-              <a:lnSpc>
-                <a:spcPct val="100000"/>
-              </a:lnSpc>
-              <a:spcBef>
-                <a:spcPts val="0"/>
-              </a:spcBef>
-              <a:spcAft>
-                <a:spcPts val="0"/>
-              </a:spcAft>
-              <a:buClrTx/>
-              <a:buSzTx/>
-              <a:buFontTx/>
-              <a:buNone/>
-              <a:tabLst/>
-              <a:defRPr/>
-            </a:pPr>
-            <a:r>
-              <a:rPr kumimoji="1" lang="en-US" altLang="ja-JP" sz="1400" b="0" i="0" u="none" strike="noStrike" kern="1200" cap="none" spc="0" normalizeH="0" baseline="0" noProof="0" dirty="0">
+              </a:endParaRPr>
+            </a:p>
+          </p:txBody>
+        </p:sp>
+        <p:sp>
+          <p:nvSpPr>
+            <p:cNvPr id="59" name="四角形: 角を丸くする 58">
+              <a:extLst>
+                <a:ext uri="{FF2B5EF4-FFF2-40B4-BE49-F238E27FC236}">
+                  <a16:creationId xmlns:a16="http://schemas.microsoft.com/office/drawing/2014/main" id="{3DF67839-8CC9-444C-BA63-6CC611AFACAA}"/>
+                </a:ext>
+              </a:extLst>
+            </p:cNvPr>
+            <p:cNvSpPr/>
+            <p:nvPr/>
+          </p:nvSpPr>
+          <p:spPr>
+            <a:xfrm>
+              <a:off x="6823403" y="1297271"/>
+              <a:ext cx="1152057" cy="372291"/>
+            </a:xfrm>
+            <a:prstGeom prst="roundRect">
+              <a:avLst>
+                <a:gd name="adj" fmla="val 16667"/>
+              </a:avLst>
+            </a:prstGeom>
+            <a:solidFill>
+              <a:srgbClr val="FFFF00"/>
+            </a:solidFill>
+            <a:ln>
+              <a:noFill/>
+            </a:ln>
+          </p:spPr>
+          <p:style>
+            <a:lnRef idx="2">
+              <a:schemeClr val="accent1">
+                <a:shade val="50000"/>
+              </a:schemeClr>
+            </a:lnRef>
+            <a:fillRef idx="1">
+              <a:schemeClr val="accent1"/>
+            </a:fillRef>
+            <a:effectRef idx="0">
+              <a:schemeClr val="accent1"/>
+            </a:effectRef>
+            <a:fontRef idx="minor">
+              <a:schemeClr val="lt1"/>
+            </a:fontRef>
+          </p:style>
+          <p:txBody>
+            <a:bodyPr rtlCol="0" anchor="ctr"/>
+            <a:lstStyle/>
+            <a:p>
+              <a:pPr marL="0" marR="0" lvl="0" indent="0" algn="ctr" defTabSz="914400" rtl="0" eaLnBrk="1" fontAlgn="auto" latinLnBrk="0" hangingPunct="1">
+                <a:lnSpc>
+                  <a:spcPct val="100000"/>
+                </a:lnSpc>
+                <a:spcBef>
+                  <a:spcPts val="0"/>
+                </a:spcBef>
+                <a:spcAft>
+                  <a:spcPts val="0"/>
+                </a:spcAft>
+                <a:buClrTx/>
+                <a:buSzTx/>
+                <a:buFontTx/>
+                <a:buNone/>
+                <a:tabLst/>
+                <a:defRPr/>
+              </a:pPr>
+              <a:r>
+                <a:rPr kumimoji="1" lang="en-US" altLang="ja-JP" sz="1600" b="0" i="0" u="none" strike="noStrike" kern="1200" cap="none" spc="0" normalizeH="0" baseline="0" noProof="0" dirty="0">
+                  <a:ln>
+                    <a:noFill/>
+                  </a:ln>
+                  <a:solidFill>
+                    <a:prstClr val="black"/>
+                  </a:solidFill>
+                  <a:effectLst/>
+                  <a:uLnTx/>
+                  <a:uFillTx/>
+                  <a:latin typeface="Calibri"/>
+                  <a:ea typeface="ＭＳ Ｐゴシック" panose="020B0600070205080204" pitchFamily="50" charset="-128"/>
+                  <a:cs typeface="+mn-cs"/>
+                </a:rPr>
+                <a:t>OSPO</a:t>
+              </a:r>
+              <a:endParaRPr kumimoji="1" lang="ja-JP" altLang="en-US" sz="1800" b="0" i="0" u="none" strike="noStrike" kern="1200" cap="none" spc="0" normalizeH="0" baseline="0" noProof="0" dirty="0">
                 <a:ln>
                   <a:noFill/>
                 </a:ln>
@@ -25871,308 +25038,85 @@
                 <a:latin typeface="Calibri"/>
                 <a:ea typeface="ＭＳ Ｐゴシック" panose="020B0600070205080204" pitchFamily="50" charset="-128"/>
                 <a:cs typeface="+mn-cs"/>
-              </a:rPr>
-              <a:t>BOM</a:t>
-            </a:r>
-          </a:p>
-          <a:p>
-            <a:pPr marL="0" marR="0" lvl="0" indent="0" algn="ctr" defTabSz="914400" rtl="0" eaLnBrk="1" fontAlgn="auto" latinLnBrk="0" hangingPunct="1">
-              <a:lnSpc>
-                <a:spcPct val="100000"/>
-              </a:lnSpc>
-              <a:spcBef>
-                <a:spcPts val="0"/>
-              </a:spcBef>
-              <a:spcAft>
-                <a:spcPts val="0"/>
-              </a:spcAft>
-              <a:buClrTx/>
-              <a:buSzTx/>
-              <a:buFontTx/>
-              <a:buNone/>
-              <a:tabLst/>
-              <a:defRPr/>
-            </a:pPr>
-            <a:r>
-              <a:rPr kumimoji="1" lang="en-US" altLang="ja-JP" sz="1400" dirty="0">
-                <a:solidFill>
-                  <a:prstClr val="black"/>
-                </a:solidFill>
-                <a:latin typeface="Calibri"/>
-                <a:ea typeface="ＭＳ Ｐゴシック" panose="020B0600070205080204" pitchFamily="50" charset="-128"/>
-              </a:rPr>
-              <a:t>Management</a:t>
-            </a:r>
-            <a:endParaRPr kumimoji="1" lang="ja-JP" altLang="en-US" sz="1400" b="0" i="0" u="none" strike="noStrike" kern="1200" cap="none" spc="0" normalizeH="0" baseline="0" noProof="0" dirty="0">
-              <a:ln>
-                <a:noFill/>
-              </a:ln>
-              <a:solidFill>
-                <a:prstClr val="black"/>
-              </a:solidFill>
-              <a:effectLst/>
-              <a:uLnTx/>
-              <a:uFillTx/>
-              <a:latin typeface="Calibri"/>
-              <a:ea typeface="ＭＳ Ｐゴシック" panose="020B0600070205080204" pitchFamily="50" charset="-128"/>
-              <a:cs typeface="+mn-cs"/>
-            </a:endParaRPr>
-          </a:p>
-        </p:txBody>
-      </p:sp>
-      <p:sp>
-        <p:nvSpPr>
-          <p:cNvPr id="79" name="四角形: 角を丸くする 78">
-            <a:extLst>
-              <a:ext uri="{FF2B5EF4-FFF2-40B4-BE49-F238E27FC236}">
-                <a16:creationId xmlns:a16="http://schemas.microsoft.com/office/drawing/2014/main" id="{4AECB53A-017B-4D5C-92BA-ED8AFD099673}"/>
-              </a:ext>
-            </a:extLst>
-          </p:cNvPr>
-          <p:cNvSpPr/>
-          <p:nvPr/>
-        </p:nvSpPr>
-        <p:spPr>
-          <a:xfrm>
-            <a:off x="7035663" y="4392244"/>
-            <a:ext cx="880177" cy="612008"/>
-          </a:xfrm>
-          <a:prstGeom prst="roundRect">
-            <a:avLst/>
-          </a:prstGeom>
-          <a:solidFill>
-            <a:srgbClr val="FFFF00"/>
-          </a:solidFill>
-          <a:ln>
-            <a:noFill/>
-          </a:ln>
-        </p:spPr>
-        <p:style>
-          <a:lnRef idx="2">
-            <a:schemeClr val="accent1">
-              <a:shade val="50000"/>
-            </a:schemeClr>
-          </a:lnRef>
-          <a:fillRef idx="1">
-            <a:schemeClr val="accent1"/>
-          </a:fillRef>
-          <a:effectRef idx="0">
-            <a:schemeClr val="accent1"/>
-          </a:effectRef>
-          <a:fontRef idx="minor">
-            <a:schemeClr val="lt1"/>
-          </a:fontRef>
-        </p:style>
-        <p:txBody>
-          <a:bodyPr rtlCol="0" anchor="ctr"/>
-          <a:lstStyle/>
-          <a:p>
-            <a:pPr marL="0" marR="0" lvl="0" indent="0" algn="ctr" defTabSz="914400" rtl="0" eaLnBrk="1" fontAlgn="auto" latinLnBrk="0" hangingPunct="1">
-              <a:lnSpc>
-                <a:spcPct val="100000"/>
-              </a:lnSpc>
-              <a:spcBef>
-                <a:spcPts val="0"/>
-              </a:spcBef>
-              <a:spcAft>
-                <a:spcPts val="0"/>
-              </a:spcAft>
-              <a:buClrTx/>
-              <a:buSzTx/>
-              <a:buFontTx/>
-              <a:buNone/>
-              <a:tabLst/>
-              <a:defRPr/>
-            </a:pPr>
-            <a:r>
-              <a:rPr kumimoji="1" lang="en-US" altLang="ja-JP" sz="1200" dirty="0">
-                <a:solidFill>
-                  <a:prstClr val="black"/>
-                </a:solidFill>
-                <a:latin typeface="Calibri"/>
-                <a:ea typeface="ＭＳ Ｐゴシック" panose="020B0600070205080204" pitchFamily="50" charset="-128"/>
-              </a:rPr>
-              <a:t>Marketing</a:t>
-            </a:r>
-            <a:endParaRPr kumimoji="1" lang="ja-JP" altLang="en-US" sz="1200" b="0" i="0" u="none" strike="noStrike" kern="1200" cap="none" spc="0" normalizeH="0" baseline="0" noProof="0" dirty="0">
-              <a:ln>
-                <a:noFill/>
-              </a:ln>
-              <a:solidFill>
-                <a:prstClr val="black"/>
-              </a:solidFill>
-              <a:effectLst/>
-              <a:uLnTx/>
-              <a:uFillTx/>
-              <a:latin typeface="Calibri"/>
-              <a:ea typeface="ＭＳ Ｐゴシック" panose="020B0600070205080204" pitchFamily="50" charset="-128"/>
-            </a:endParaRPr>
-          </a:p>
-        </p:txBody>
-      </p:sp>
-      <p:sp>
-        <p:nvSpPr>
-          <p:cNvPr id="60" name="テキスト ボックス 59">
-            <a:extLst>
-              <a:ext uri="{FF2B5EF4-FFF2-40B4-BE49-F238E27FC236}">
-                <a16:creationId xmlns:a16="http://schemas.microsoft.com/office/drawing/2014/main" id="{3F9EB81D-AB46-428E-A104-B5F2C7A9D5B8}"/>
-              </a:ext>
-            </a:extLst>
-          </p:cNvPr>
-          <p:cNvSpPr txBox="1"/>
-          <p:nvPr/>
-        </p:nvSpPr>
-        <p:spPr>
-          <a:xfrm>
-            <a:off x="3954147" y="282785"/>
-            <a:ext cx="1503150" cy="369332"/>
-          </a:xfrm>
-          <a:prstGeom prst="rect">
-            <a:avLst/>
-          </a:prstGeom>
-          <a:noFill/>
-        </p:spPr>
-        <p:txBody>
-          <a:bodyPr wrap="square" rtlCol="0">
-            <a:spAutoFit/>
-          </a:bodyPr>
-          <a:lstStyle/>
-          <a:p>
-            <a:pPr marL="0" marR="0" lvl="0" indent="0" algn="l" defTabSz="914400" rtl="0" eaLnBrk="1" fontAlgn="auto" latinLnBrk="0" hangingPunct="1">
-              <a:lnSpc>
-                <a:spcPct val="100000"/>
-              </a:lnSpc>
-              <a:spcBef>
-                <a:spcPts val="0"/>
-              </a:spcBef>
-              <a:spcAft>
-                <a:spcPts val="0"/>
-              </a:spcAft>
-              <a:buClrTx/>
-              <a:buSzTx/>
-              <a:buFontTx/>
-              <a:buNone/>
-              <a:tabLst/>
-              <a:defRPr/>
-            </a:pPr>
-            <a:r>
-              <a:rPr kumimoji="1" lang="en-US" altLang="ja-JP" dirty="0">
-                <a:solidFill>
-                  <a:prstClr val="black"/>
-                </a:solidFill>
-                <a:latin typeface="Calibri"/>
-                <a:ea typeface="ＭＳ Ｐゴシック" panose="020B0600070205080204" pitchFamily="50" charset="-128"/>
-              </a:rPr>
-              <a:t>Organization</a:t>
-            </a:r>
-            <a:endParaRPr kumimoji="1" lang="ja-JP" altLang="en-US" b="0" i="0" u="none" strike="noStrike" kern="1200" cap="none" spc="0" normalizeH="0" baseline="0" noProof="0" dirty="0">
-              <a:ln>
-                <a:noFill/>
-              </a:ln>
-              <a:solidFill>
-                <a:prstClr val="black"/>
-              </a:solidFill>
-              <a:effectLst/>
-              <a:uLnTx/>
-              <a:uFillTx/>
-              <a:latin typeface="Calibri"/>
-              <a:ea typeface="ＭＳ Ｐゴシック" panose="020B0600070205080204" pitchFamily="50" charset="-128"/>
-              <a:cs typeface="+mn-cs"/>
-            </a:endParaRPr>
-          </a:p>
-        </p:txBody>
-      </p:sp>
-      <p:cxnSp>
-        <p:nvCxnSpPr>
-          <p:cNvPr id="66" name="直線矢印コネクタ 65">
-            <a:extLst>
-              <a:ext uri="{FF2B5EF4-FFF2-40B4-BE49-F238E27FC236}">
-                <a16:creationId xmlns:a16="http://schemas.microsoft.com/office/drawing/2014/main" id="{C9876905-EE9C-4F1C-8F91-A9DF1AB0B922}"/>
-              </a:ext>
-            </a:extLst>
-          </p:cNvPr>
-          <p:cNvCxnSpPr>
-            <a:cxnSpLocks/>
-          </p:cNvCxnSpPr>
-          <p:nvPr/>
-        </p:nvCxnSpPr>
-        <p:spPr>
-          <a:xfrm flipV="1">
-            <a:off x="7901162" y="4675803"/>
-            <a:ext cx="1148566" cy="13771"/>
-          </a:xfrm>
-          <a:prstGeom prst="straightConnector1">
-            <a:avLst/>
-          </a:prstGeom>
-          <a:ln w="38100">
+              </a:endParaRPr>
+            </a:p>
+          </p:txBody>
+        </p:sp>
+        <p:sp>
+          <p:nvSpPr>
+            <p:cNvPr id="57" name="四角形: 角を丸くする 56">
+              <a:extLst>
+                <a:ext uri="{FF2B5EF4-FFF2-40B4-BE49-F238E27FC236}">
+                  <a16:creationId xmlns:a16="http://schemas.microsoft.com/office/drawing/2014/main" id="{4D366C3B-1956-4221-AE18-48E731385CCC}"/>
+                </a:ext>
+              </a:extLst>
+            </p:cNvPr>
+            <p:cNvSpPr/>
+            <p:nvPr/>
+          </p:nvSpPr>
+          <p:spPr>
+            <a:xfrm>
+              <a:off x="3874124" y="3643213"/>
+              <a:ext cx="891872" cy="1046361"/>
+            </a:xfrm>
+            <a:prstGeom prst="roundRect">
+              <a:avLst/>
+            </a:prstGeom>
             <a:solidFill>
-              <a:schemeClr val="tx1"/>
+              <a:srgbClr val="FFFF00"/>
             </a:solidFill>
-            <a:tailEnd type="triangle"/>
-          </a:ln>
-        </p:spPr>
-        <p:style>
-          <a:lnRef idx="1">
-            <a:schemeClr val="accent1"/>
-          </a:lnRef>
-          <a:fillRef idx="0">
-            <a:schemeClr val="accent1"/>
-          </a:fillRef>
-          <a:effectRef idx="0">
-            <a:schemeClr val="accent1"/>
-          </a:effectRef>
-          <a:fontRef idx="minor">
-            <a:schemeClr val="tx1"/>
-          </a:fontRef>
-        </p:style>
-      </p:cxnSp>
-      <p:sp>
-        <p:nvSpPr>
-          <p:cNvPr id="82" name="テキスト ボックス 81">
-            <a:extLst>
-              <a:ext uri="{FF2B5EF4-FFF2-40B4-BE49-F238E27FC236}">
-                <a16:creationId xmlns:a16="http://schemas.microsoft.com/office/drawing/2014/main" id="{C3E49ACF-9195-4930-B28D-130ABD31308A}"/>
-              </a:ext>
-            </a:extLst>
-          </p:cNvPr>
-          <p:cNvSpPr txBox="1"/>
-          <p:nvPr/>
-        </p:nvSpPr>
-        <p:spPr>
-          <a:xfrm>
-            <a:off x="8201629" y="4369093"/>
-            <a:ext cx="567784" cy="307777"/>
-          </a:xfrm>
-          <a:prstGeom prst="rect">
-            <a:avLst/>
-          </a:prstGeom>
-          <a:noFill/>
-        </p:spPr>
-        <p:txBody>
-          <a:bodyPr wrap="none" rtlCol="0">
-            <a:spAutoFit/>
-          </a:bodyPr>
-          <a:lstStyle/>
-          <a:p>
-            <a:pPr marL="0" marR="0" lvl="0" indent="0" algn="l" defTabSz="914400" rtl="0" eaLnBrk="1" fontAlgn="auto" latinLnBrk="0" hangingPunct="1">
-              <a:lnSpc>
-                <a:spcPct val="100000"/>
-              </a:lnSpc>
-              <a:spcBef>
-                <a:spcPts val="0"/>
-              </a:spcBef>
-              <a:spcAft>
-                <a:spcPts val="0"/>
-              </a:spcAft>
-              <a:buClrTx/>
-              <a:buSzTx/>
-              <a:buFontTx/>
-              <a:buNone/>
-              <a:tabLst/>
-              <a:defRPr/>
-            </a:pPr>
-            <a:r>
-              <a:rPr kumimoji="1" lang="en-US" altLang="ja-JP" sz="1400" b="0" i="0" u="none" strike="noStrike" kern="1200" cap="none" spc="0" normalizeH="0" baseline="0" noProof="0" dirty="0">
+            <a:ln>
+              <a:noFill/>
+            </a:ln>
+          </p:spPr>
+          <p:style>
+            <a:lnRef idx="2">
+              <a:schemeClr val="accent1">
+                <a:shade val="50000"/>
+              </a:schemeClr>
+            </a:lnRef>
+            <a:fillRef idx="1">
+              <a:schemeClr val="accent1"/>
+            </a:fillRef>
+            <a:effectRef idx="0">
+              <a:schemeClr val="accent1"/>
+            </a:effectRef>
+            <a:fontRef idx="minor">
+              <a:schemeClr val="lt1"/>
+            </a:fontRef>
+          </p:style>
+          <p:txBody>
+            <a:bodyPr rtlCol="0" anchor="ctr"/>
+            <a:lstStyle/>
+            <a:p>
+              <a:pPr marL="0" marR="0" lvl="0" indent="0" algn="ctr" defTabSz="914400" rtl="0" eaLnBrk="1" fontAlgn="auto" latinLnBrk="0" hangingPunct="1">
+                <a:lnSpc>
+                  <a:spcPct val="100000"/>
+                </a:lnSpc>
+                <a:spcBef>
+                  <a:spcPts val="0"/>
+                </a:spcBef>
+                <a:spcAft>
+                  <a:spcPts val="0"/>
+                </a:spcAft>
+                <a:buClrTx/>
+                <a:buSzTx/>
+                <a:buFontTx/>
+                <a:buNone/>
+                <a:tabLst/>
+                <a:defRPr/>
+              </a:pPr>
+              <a:r>
+                <a:rPr kumimoji="1" lang="en-US" altLang="ja-JP" sz="1400" dirty="0">
+                  <a:solidFill>
+                    <a:prstClr val="black"/>
+                  </a:solidFill>
+                  <a:latin typeface="Calibri"/>
+                  <a:ea typeface="ＭＳ Ｐゴシック" panose="020B0600070205080204" pitchFamily="50" charset="-128"/>
+                </a:rPr>
+                <a:t>Inbound</a:t>
+              </a:r>
+              <a:endParaRPr kumimoji="1" lang="en-US" altLang="ja-JP" sz="1400" b="0" i="0" u="none" strike="noStrike" kern="1200" cap="none" spc="0" normalizeH="0" baseline="0" noProof="0" dirty="0">
                 <a:ln>
                   <a:noFill/>
                 </a:ln>
@@ -26185,395 +25129,1472 @@
                 <a:latin typeface="Calibri"/>
                 <a:ea typeface="ＭＳ Ｐゴシック" panose="020B0600070205080204" pitchFamily="50" charset="-128"/>
                 <a:cs typeface="+mn-cs"/>
-              </a:rPr>
-              <a:t>EULA</a:t>
-            </a:r>
-            <a:endParaRPr kumimoji="1" lang="ja-JP" altLang="en-US" sz="1400" b="0" i="0" u="none" strike="noStrike" kern="1200" cap="none" spc="0" normalizeH="0" baseline="0" noProof="0" dirty="0">
-              <a:ln>
-                <a:noFill/>
-              </a:ln>
-              <a:solidFill>
-                <a:prstClr val="black"/>
-              </a:solidFill>
-              <a:effectLst/>
-              <a:uLnTx/>
-              <a:uFillTx/>
-              <a:latin typeface="Calibri"/>
-              <a:ea typeface="ＭＳ Ｐゴシック" panose="020B0600070205080204" pitchFamily="50" charset="-128"/>
-              <a:cs typeface="+mn-cs"/>
-            </a:endParaRPr>
-          </a:p>
-        </p:txBody>
-      </p:sp>
-      <p:sp>
-        <p:nvSpPr>
-          <p:cNvPr id="83" name="四角形: 角を丸くする 10">
-            <a:extLst>
-              <a:ext uri="{FF2B5EF4-FFF2-40B4-BE49-F238E27FC236}">
-                <a16:creationId xmlns:a16="http://schemas.microsoft.com/office/drawing/2014/main" id="{AFB6E93C-9793-472A-B955-A686FAC84609}"/>
-              </a:ext>
-            </a:extLst>
-          </p:cNvPr>
-          <p:cNvSpPr/>
-          <p:nvPr/>
-        </p:nvSpPr>
-        <p:spPr>
-          <a:xfrm>
-            <a:off x="4830669" y="3648679"/>
-            <a:ext cx="2145891" cy="1090564"/>
-          </a:xfrm>
-          <a:prstGeom prst="roundRect">
-            <a:avLst/>
-          </a:prstGeom>
-          <a:solidFill>
-            <a:srgbClr val="FFFF00"/>
-          </a:solidFill>
-          <a:ln>
-            <a:noFill/>
-          </a:ln>
-        </p:spPr>
-        <p:style>
-          <a:lnRef idx="2">
-            <a:schemeClr val="accent1">
-              <a:shade val="50000"/>
-            </a:schemeClr>
-          </a:lnRef>
-          <a:fillRef idx="1">
-            <a:schemeClr val="accent1"/>
-          </a:fillRef>
-          <a:effectRef idx="0">
-            <a:schemeClr val="accent1"/>
-          </a:effectRef>
-          <a:fontRef idx="minor">
-            <a:schemeClr val="lt1"/>
-          </a:fontRef>
-        </p:style>
-        <p:txBody>
-          <a:bodyPr rtlCol="0" anchor="ctr"/>
-          <a:lstStyle/>
-          <a:p>
-            <a:pPr marL="0" marR="0" lvl="0" indent="0" algn="ctr" defTabSz="914400" rtl="0" eaLnBrk="1" fontAlgn="auto" latinLnBrk="0" hangingPunct="1">
-              <a:lnSpc>
-                <a:spcPct val="100000"/>
-              </a:lnSpc>
-              <a:spcBef>
-                <a:spcPts val="0"/>
-              </a:spcBef>
-              <a:spcAft>
-                <a:spcPts val="0"/>
-              </a:spcAft>
-              <a:buClrTx/>
-              <a:buSzTx/>
-              <a:buFontTx/>
-              <a:buNone/>
-              <a:tabLst/>
-              <a:defRPr/>
-            </a:pPr>
-            <a:r>
-              <a:rPr kumimoji="1" lang="en-US" altLang="ja-JP" dirty="0">
+              </a:endParaRPr>
+            </a:p>
+          </p:txBody>
+        </p:sp>
+        <p:sp>
+          <p:nvSpPr>
+            <p:cNvPr id="63" name="四角形: 角を丸くする 62">
+              <a:extLst>
+                <a:ext uri="{FF2B5EF4-FFF2-40B4-BE49-F238E27FC236}">
+                  <a16:creationId xmlns:a16="http://schemas.microsoft.com/office/drawing/2014/main" id="{C95BED48-E9D4-44D9-AC87-F6218A469675}"/>
+                </a:ext>
+              </a:extLst>
+            </p:cNvPr>
+            <p:cNvSpPr/>
+            <p:nvPr/>
+          </p:nvSpPr>
+          <p:spPr>
+            <a:xfrm>
+              <a:off x="5712671" y="858422"/>
+              <a:ext cx="1003870" cy="372291"/>
+            </a:xfrm>
+            <a:prstGeom prst="roundRect">
+              <a:avLst/>
+            </a:prstGeom>
+            <a:solidFill>
+              <a:srgbClr val="FFFF00"/>
+            </a:solidFill>
+            <a:ln>
+              <a:noFill/>
+            </a:ln>
+          </p:spPr>
+          <p:style>
+            <a:lnRef idx="2">
+              <a:schemeClr val="accent1">
+                <a:shade val="50000"/>
+              </a:schemeClr>
+            </a:lnRef>
+            <a:fillRef idx="1">
+              <a:schemeClr val="accent1"/>
+            </a:fillRef>
+            <a:effectRef idx="0">
+              <a:schemeClr val="accent1"/>
+            </a:effectRef>
+            <a:fontRef idx="minor">
+              <a:schemeClr val="lt1"/>
+            </a:fontRef>
+          </p:style>
+          <p:txBody>
+            <a:bodyPr rtlCol="0" anchor="ctr"/>
+            <a:lstStyle/>
+            <a:p>
+              <a:pPr marL="0" marR="0" lvl="0" indent="0" algn="ctr" defTabSz="914400" rtl="0" eaLnBrk="1" fontAlgn="auto" latinLnBrk="0" hangingPunct="1">
+                <a:lnSpc>
+                  <a:spcPct val="100000"/>
+                </a:lnSpc>
+                <a:spcBef>
+                  <a:spcPts val="0"/>
+                </a:spcBef>
+                <a:spcAft>
+                  <a:spcPts val="0"/>
+                </a:spcAft>
+                <a:buClrTx/>
+                <a:buSzTx/>
+                <a:buFontTx/>
+                <a:buNone/>
+                <a:tabLst/>
+                <a:defRPr/>
+              </a:pPr>
+              <a:r>
+                <a:rPr kumimoji="1" lang="en-US" altLang="ja-JP" sz="1200" b="0" i="0" u="none" strike="noStrike" kern="1200" cap="none" spc="0" normalizeH="0" baseline="0" noProof="0" dirty="0">
+                  <a:ln>
+                    <a:noFill/>
+                  </a:ln>
+                  <a:solidFill>
+                    <a:prstClr val="black"/>
+                  </a:solidFill>
+                  <a:effectLst/>
+                  <a:uLnTx/>
+                  <a:uFillTx/>
+                  <a:latin typeface="Calibri"/>
+                  <a:ea typeface="ＭＳ Ｐゴシック" panose="020B0600070205080204" pitchFamily="50" charset="-128"/>
+                  <a:cs typeface="+mn-cs"/>
+                </a:rPr>
+                <a:t>OSS</a:t>
+              </a:r>
+              <a:r>
+                <a:rPr kumimoji="1" lang="ja-JP" altLang="en-US" sz="1200" b="0" i="0" u="none" strike="noStrike" kern="1200" cap="none" spc="0" normalizeH="0" baseline="0" noProof="0" dirty="0">
+                  <a:ln>
+                    <a:noFill/>
+                  </a:ln>
+                  <a:solidFill>
+                    <a:prstClr val="black"/>
+                  </a:solidFill>
+                  <a:effectLst/>
+                  <a:uLnTx/>
+                  <a:uFillTx/>
+                  <a:latin typeface="Calibri"/>
+                  <a:ea typeface="ＭＳ Ｐゴシック" panose="020B0600070205080204" pitchFamily="50" charset="-128"/>
+                  <a:cs typeface="+mn-cs"/>
+                </a:rPr>
+                <a:t> </a:t>
+              </a:r>
+              <a:r>
+                <a:rPr kumimoji="1" lang="en-US" altLang="ja-JP" sz="1200" b="0" i="0" u="none" strike="noStrike" kern="1200" cap="none" spc="0" normalizeH="0" baseline="0" noProof="0" dirty="0">
+                  <a:ln>
+                    <a:noFill/>
+                  </a:ln>
+                  <a:solidFill>
+                    <a:prstClr val="black"/>
+                  </a:solidFill>
+                  <a:effectLst/>
+                  <a:uLnTx/>
+                  <a:uFillTx/>
+                  <a:latin typeface="Calibri"/>
+                  <a:ea typeface="ＭＳ Ｐゴシック" panose="020B0600070205080204" pitchFamily="50" charset="-128"/>
+                  <a:cs typeface="+mn-cs"/>
+                </a:rPr>
+                <a:t>License</a:t>
+              </a:r>
+            </a:p>
+          </p:txBody>
+        </p:sp>
+        <p:sp>
+          <p:nvSpPr>
+            <p:cNvPr id="65" name="四角形: 角を丸くする 64">
+              <a:extLst>
+                <a:ext uri="{FF2B5EF4-FFF2-40B4-BE49-F238E27FC236}">
+                  <a16:creationId xmlns:a16="http://schemas.microsoft.com/office/drawing/2014/main" id="{8EB9B262-AFD4-4E7E-8236-F15BB3F0ED12}"/>
+                </a:ext>
+              </a:extLst>
+            </p:cNvPr>
+            <p:cNvSpPr/>
+            <p:nvPr/>
+          </p:nvSpPr>
+          <p:spPr>
+            <a:xfrm>
+              <a:off x="6744213" y="846520"/>
+              <a:ext cx="1220794" cy="372291"/>
+            </a:xfrm>
+            <a:prstGeom prst="roundRect">
+              <a:avLst/>
+            </a:prstGeom>
+            <a:solidFill>
+              <a:srgbClr val="FFFF00"/>
+            </a:solidFill>
+            <a:ln>
+              <a:noFill/>
+            </a:ln>
+          </p:spPr>
+          <p:style>
+            <a:lnRef idx="2">
+              <a:schemeClr val="accent1">
+                <a:shade val="50000"/>
+              </a:schemeClr>
+            </a:lnRef>
+            <a:fillRef idx="1">
+              <a:schemeClr val="accent1"/>
+            </a:fillRef>
+            <a:effectRef idx="0">
+              <a:schemeClr val="accent1"/>
+            </a:effectRef>
+            <a:fontRef idx="minor">
+              <a:schemeClr val="lt1"/>
+            </a:fontRef>
+          </p:style>
+          <p:txBody>
+            <a:bodyPr rtlCol="0" anchor="ctr"/>
+            <a:lstStyle/>
+            <a:p>
+              <a:pPr marL="0" marR="0" lvl="0" indent="0" algn="ctr" defTabSz="914400" rtl="0" eaLnBrk="1" fontAlgn="auto" latinLnBrk="0" hangingPunct="1">
+                <a:lnSpc>
+                  <a:spcPct val="100000"/>
+                </a:lnSpc>
+                <a:spcBef>
+                  <a:spcPts val="0"/>
+                </a:spcBef>
+                <a:spcAft>
+                  <a:spcPts val="0"/>
+                </a:spcAft>
+                <a:buClrTx/>
+                <a:buSzTx/>
+                <a:buFontTx/>
+                <a:buNone/>
+                <a:tabLst/>
+                <a:defRPr/>
+              </a:pPr>
+              <a:r>
+                <a:rPr kumimoji="1" lang="en-US" altLang="ja-JP" sz="1400" dirty="0">
+                  <a:solidFill>
+                    <a:prstClr val="black"/>
+                  </a:solidFill>
+                  <a:latin typeface="Calibri"/>
+                  <a:ea typeface="ＭＳ Ｐゴシック" panose="020B0600070205080204" pitchFamily="50" charset="-128"/>
+                </a:rPr>
+                <a:t>Management</a:t>
+              </a:r>
+            </a:p>
+          </p:txBody>
+        </p:sp>
+        <p:sp>
+          <p:nvSpPr>
+            <p:cNvPr id="67" name="四角形: 角を丸くする 66">
+              <a:extLst>
+                <a:ext uri="{FF2B5EF4-FFF2-40B4-BE49-F238E27FC236}">
+                  <a16:creationId xmlns:a16="http://schemas.microsoft.com/office/drawing/2014/main" id="{7EA2D299-01F6-4EE7-80C7-ACB576CF76B1}"/>
+                </a:ext>
+              </a:extLst>
+            </p:cNvPr>
+            <p:cNvSpPr/>
+            <p:nvPr/>
+          </p:nvSpPr>
+          <p:spPr>
+            <a:xfrm>
+              <a:off x="5302147" y="5075280"/>
+              <a:ext cx="1055956" cy="372291"/>
+            </a:xfrm>
+            <a:prstGeom prst="roundRect">
+              <a:avLst/>
+            </a:prstGeom>
+            <a:solidFill>
+              <a:srgbClr val="FFFF00"/>
+            </a:solidFill>
+            <a:ln>
+              <a:noFill/>
+            </a:ln>
+          </p:spPr>
+          <p:style>
+            <a:lnRef idx="2">
+              <a:schemeClr val="accent1">
+                <a:shade val="50000"/>
+              </a:schemeClr>
+            </a:lnRef>
+            <a:fillRef idx="1">
+              <a:schemeClr val="accent1"/>
+            </a:fillRef>
+            <a:effectRef idx="0">
+              <a:schemeClr val="accent1"/>
+            </a:effectRef>
+            <a:fontRef idx="minor">
+              <a:schemeClr val="lt1"/>
+            </a:fontRef>
+          </p:style>
+          <p:txBody>
+            <a:bodyPr rtlCol="0" anchor="ctr"/>
+            <a:lstStyle/>
+            <a:p>
+              <a:pPr marL="0" marR="0" lvl="0" indent="0" algn="ctr" defTabSz="914400" rtl="0" eaLnBrk="1" fontAlgn="auto" latinLnBrk="0" hangingPunct="1">
+                <a:lnSpc>
+                  <a:spcPct val="100000"/>
+                </a:lnSpc>
+                <a:spcBef>
+                  <a:spcPts val="0"/>
+                </a:spcBef>
+                <a:spcAft>
+                  <a:spcPts val="0"/>
+                </a:spcAft>
+                <a:buClrTx/>
+                <a:buSzTx/>
+                <a:buFontTx/>
+                <a:buNone/>
+                <a:tabLst/>
+                <a:defRPr/>
+              </a:pPr>
+              <a:r>
+                <a:rPr kumimoji="1" lang="en-US" altLang="ja-JP" sz="1100" dirty="0">
+                  <a:solidFill>
+                    <a:prstClr val="black"/>
+                  </a:solidFill>
+                  <a:latin typeface="Calibri"/>
+                  <a:ea typeface="ＭＳ Ｐゴシック" panose="020B0600070205080204" pitchFamily="50" charset="-128"/>
+                </a:rPr>
+                <a:t>Community</a:t>
+              </a:r>
+              <a:r>
+                <a:rPr kumimoji="1" lang="ja-JP" altLang="en-US" sz="1100" dirty="0">
+                  <a:solidFill>
+                    <a:prstClr val="black"/>
+                  </a:solidFill>
+                  <a:latin typeface="Calibri"/>
+                  <a:ea typeface="ＭＳ Ｐゴシック" panose="020B0600070205080204" pitchFamily="50" charset="-128"/>
+                </a:rPr>
+                <a:t> </a:t>
+              </a:r>
+              <a:r>
+                <a:rPr kumimoji="1" lang="en-US" altLang="ja-JP" sz="1100" dirty="0">
+                  <a:solidFill>
+                    <a:prstClr val="black"/>
+                  </a:solidFill>
+                  <a:latin typeface="Calibri"/>
+                  <a:ea typeface="ＭＳ Ｐゴシック" panose="020B0600070205080204" pitchFamily="50" charset="-128"/>
+                </a:rPr>
+                <a:t>Liaison</a:t>
+              </a:r>
+              <a:endParaRPr kumimoji="1" lang="ja-JP" altLang="en-US" sz="1100" b="0" i="0" u="none" strike="noStrike" kern="1200" cap="none" spc="0" normalizeH="0" baseline="0" noProof="0" dirty="0">
+                <a:ln>
+                  <a:noFill/>
+                </a:ln>
                 <a:solidFill>
                   <a:prstClr val="black"/>
                 </a:solidFill>
+                <a:effectLst/>
+                <a:uLnTx/>
+                <a:uFillTx/>
                 <a:latin typeface="Calibri"/>
                 <a:ea typeface="ＭＳ Ｐゴシック" panose="020B0600070205080204" pitchFamily="50" charset="-128"/>
-              </a:rPr>
-              <a:t>System</a:t>
-            </a:r>
-            <a:br>
-              <a:rPr kumimoji="1" lang="en-US" altLang="ja-JP" dirty="0">
+                <a:cs typeface="+mn-cs"/>
+              </a:endParaRPr>
+            </a:p>
+          </p:txBody>
+        </p:sp>
+        <p:sp>
+          <p:nvSpPr>
+            <p:cNvPr id="68" name="四角形: 角を丸くする 67">
+              <a:extLst>
+                <a:ext uri="{FF2B5EF4-FFF2-40B4-BE49-F238E27FC236}">
+                  <a16:creationId xmlns:a16="http://schemas.microsoft.com/office/drawing/2014/main" id="{4DBA374D-4E39-4DCE-9553-510B87A65F96}"/>
+                </a:ext>
+              </a:extLst>
+            </p:cNvPr>
+            <p:cNvSpPr/>
+            <p:nvPr/>
+          </p:nvSpPr>
+          <p:spPr>
+            <a:xfrm>
+              <a:off x="3687287" y="1729932"/>
+              <a:ext cx="4408872" cy="247902"/>
+            </a:xfrm>
+            <a:prstGeom prst="roundRect">
+              <a:avLst/>
+            </a:prstGeom>
+            <a:solidFill>
+              <a:srgbClr val="FFFF00"/>
+            </a:solidFill>
+            <a:ln>
+              <a:noFill/>
+            </a:ln>
+          </p:spPr>
+          <p:style>
+            <a:lnRef idx="2">
+              <a:schemeClr val="accent1">
+                <a:shade val="50000"/>
+              </a:schemeClr>
+            </a:lnRef>
+            <a:fillRef idx="1">
+              <a:schemeClr val="accent1"/>
+            </a:fillRef>
+            <a:effectRef idx="0">
+              <a:schemeClr val="accent1"/>
+            </a:effectRef>
+            <a:fontRef idx="minor">
+              <a:schemeClr val="lt1"/>
+            </a:fontRef>
+          </p:style>
+          <p:txBody>
+            <a:bodyPr rtlCol="0" anchor="ctr"/>
+            <a:lstStyle/>
+            <a:p>
+              <a:pPr marL="0" marR="0" lvl="0" indent="0" algn="ctr" defTabSz="914400" rtl="0" eaLnBrk="1" fontAlgn="auto" latinLnBrk="0" hangingPunct="1">
+                <a:lnSpc>
+                  <a:spcPct val="100000"/>
+                </a:lnSpc>
+                <a:spcBef>
+                  <a:spcPts val="0"/>
+                </a:spcBef>
+                <a:spcAft>
+                  <a:spcPts val="0"/>
+                </a:spcAft>
+                <a:buClrTx/>
+                <a:buSzTx/>
+                <a:buFontTx/>
+                <a:buNone/>
+                <a:tabLst/>
+                <a:defRPr/>
+              </a:pPr>
+              <a:r>
+                <a:rPr kumimoji="1" lang="en-US" altLang="ja-JP" sz="1400" dirty="0">
+                  <a:solidFill>
+                    <a:prstClr val="black"/>
+                  </a:solidFill>
+                  <a:latin typeface="Calibri"/>
+                  <a:ea typeface="ＭＳ Ｐゴシック" panose="020B0600070205080204" pitchFamily="50" charset="-128"/>
+                </a:rPr>
+                <a:t>Engineering</a:t>
+              </a:r>
+              <a:endParaRPr kumimoji="1" lang="ja-JP" altLang="en-US" sz="1400" b="0" i="0" u="none" strike="noStrike" kern="1200" cap="none" spc="0" normalizeH="0" baseline="0" noProof="0" dirty="0">
+                <a:ln>
+                  <a:noFill/>
+                </a:ln>
                 <a:solidFill>
                   <a:prstClr val="black"/>
                 </a:solidFill>
+                <a:effectLst/>
+                <a:uLnTx/>
+                <a:uFillTx/>
                 <a:latin typeface="Calibri"/>
                 <a:ea typeface="ＭＳ Ｐゴシック" panose="020B0600070205080204" pitchFamily="50" charset="-128"/>
-              </a:rPr>
-            </a:br>
-            <a:r>
-              <a:rPr kumimoji="1" lang="en-US" altLang="ja-JP" dirty="0">
+                <a:cs typeface="+mn-cs"/>
+              </a:endParaRPr>
+            </a:p>
+          </p:txBody>
+        </p:sp>
+        <p:sp>
+          <p:nvSpPr>
+            <p:cNvPr id="69" name="四角形: 角を丸くする 68">
+              <a:extLst>
+                <a:ext uri="{FF2B5EF4-FFF2-40B4-BE49-F238E27FC236}">
+                  <a16:creationId xmlns:a16="http://schemas.microsoft.com/office/drawing/2014/main" id="{66FD5A74-491E-4F0A-806B-3C2DCCB78CB2}"/>
+                </a:ext>
+              </a:extLst>
+            </p:cNvPr>
+            <p:cNvSpPr/>
+            <p:nvPr/>
+          </p:nvSpPr>
+          <p:spPr>
+            <a:xfrm>
+              <a:off x="5692411" y="1297271"/>
+              <a:ext cx="1075887" cy="372291"/>
+            </a:xfrm>
+            <a:prstGeom prst="roundRect">
+              <a:avLst/>
+            </a:prstGeom>
+            <a:solidFill>
+              <a:srgbClr val="FFFF00"/>
+            </a:solidFill>
+            <a:ln>
+              <a:noFill/>
+            </a:ln>
+          </p:spPr>
+          <p:style>
+            <a:lnRef idx="2">
+              <a:schemeClr val="accent1">
+                <a:shade val="50000"/>
+              </a:schemeClr>
+            </a:lnRef>
+            <a:fillRef idx="1">
+              <a:schemeClr val="accent1"/>
+            </a:fillRef>
+            <a:effectRef idx="0">
+              <a:schemeClr val="accent1"/>
+            </a:effectRef>
+            <a:fontRef idx="minor">
+              <a:schemeClr val="lt1"/>
+            </a:fontRef>
+          </p:style>
+          <p:txBody>
+            <a:bodyPr rtlCol="0" anchor="ctr"/>
+            <a:lstStyle/>
+            <a:p>
+              <a:pPr marL="0" marR="0" lvl="0" indent="0" algn="ctr" defTabSz="914400" rtl="0" eaLnBrk="1" fontAlgn="auto" latinLnBrk="0" hangingPunct="1">
+                <a:lnSpc>
+                  <a:spcPct val="100000"/>
+                </a:lnSpc>
+                <a:spcBef>
+                  <a:spcPts val="0"/>
+                </a:spcBef>
+                <a:spcAft>
+                  <a:spcPts val="0"/>
+                </a:spcAft>
+                <a:buClrTx/>
+                <a:buSzTx/>
+                <a:buFontTx/>
+                <a:buNone/>
+                <a:tabLst/>
+                <a:defRPr/>
+              </a:pPr>
+              <a:r>
+                <a:rPr kumimoji="1" lang="en-US" altLang="ja-JP" sz="1400" dirty="0">
+                  <a:solidFill>
+                    <a:prstClr val="black"/>
+                  </a:solidFill>
+                  <a:latin typeface="Calibri"/>
+                  <a:ea typeface="ＭＳ Ｐゴシック" panose="020B0600070205080204" pitchFamily="50" charset="-128"/>
+                </a:rPr>
+                <a:t>Education</a:t>
+              </a:r>
+              <a:endParaRPr kumimoji="1" lang="ja-JP" altLang="en-US" sz="1400" b="0" i="0" u="none" strike="noStrike" kern="1200" cap="none" spc="0" normalizeH="0" baseline="0" noProof="0" dirty="0">
+                <a:ln>
+                  <a:noFill/>
+                </a:ln>
                 <a:solidFill>
                   <a:prstClr val="black"/>
                 </a:solidFill>
+                <a:effectLst/>
+                <a:uLnTx/>
+                <a:uFillTx/>
                 <a:latin typeface="Calibri"/>
                 <a:ea typeface="ＭＳ Ｐゴシック" panose="020B0600070205080204" pitchFamily="50" charset="-128"/>
-              </a:rPr>
-              <a:t>Integration</a:t>
-            </a:r>
-            <a:endParaRPr kumimoji="1" lang="en-US" altLang="ja-JP" sz="1800" b="0" i="0" u="none" strike="noStrike" kern="1200" cap="none" spc="0" normalizeH="0" baseline="0" noProof="0" dirty="0">
-              <a:ln>
-                <a:noFill/>
-              </a:ln>
-              <a:solidFill>
-                <a:prstClr val="black"/>
-              </a:solidFill>
-              <a:effectLst/>
-              <a:uLnTx/>
-              <a:uFillTx/>
-              <a:latin typeface="Calibri"/>
-              <a:ea typeface="ＭＳ Ｐゴシック" panose="020B0600070205080204" pitchFamily="50" charset="-128"/>
-              <a:cs typeface="+mn-cs"/>
-            </a:endParaRPr>
-          </a:p>
-        </p:txBody>
-      </p:sp>
-      <p:sp>
-        <p:nvSpPr>
-          <p:cNvPr id="85" name="四角形: 角を丸くする 18">
-            <a:extLst>
-              <a:ext uri="{FF2B5EF4-FFF2-40B4-BE49-F238E27FC236}">
-                <a16:creationId xmlns:a16="http://schemas.microsoft.com/office/drawing/2014/main" id="{6523DCD1-17EA-4908-91AA-938632C2087D}"/>
-              </a:ext>
-            </a:extLst>
-          </p:cNvPr>
-          <p:cNvSpPr/>
-          <p:nvPr/>
-        </p:nvSpPr>
-        <p:spPr>
-          <a:xfrm>
-            <a:off x="7116591" y="2069640"/>
-            <a:ext cx="979357" cy="372291"/>
-          </a:xfrm>
-          <a:prstGeom prst="roundRect">
-            <a:avLst/>
-          </a:prstGeom>
-          <a:solidFill>
-            <a:srgbClr val="FFFF00"/>
-          </a:solidFill>
-          <a:ln>
-            <a:noFill/>
-          </a:ln>
-        </p:spPr>
-        <p:style>
-          <a:lnRef idx="2">
-            <a:schemeClr val="accent1">
-              <a:shade val="50000"/>
-            </a:schemeClr>
-          </a:lnRef>
-          <a:fillRef idx="1">
-            <a:schemeClr val="accent1"/>
-          </a:fillRef>
-          <a:effectRef idx="0">
-            <a:schemeClr val="accent1"/>
-          </a:effectRef>
-          <a:fontRef idx="minor">
-            <a:schemeClr val="lt1"/>
-          </a:fontRef>
-        </p:style>
-        <p:txBody>
-          <a:bodyPr rtlCol="0" anchor="ctr"/>
-          <a:lstStyle/>
-          <a:p>
-            <a:pPr marL="0" marR="0" lvl="0" indent="0" algn="ctr" defTabSz="914400" rtl="0" eaLnBrk="1" fontAlgn="auto" latinLnBrk="0" hangingPunct="1">
-              <a:lnSpc>
-                <a:spcPct val="100000"/>
-              </a:lnSpc>
-              <a:spcBef>
-                <a:spcPts val="0"/>
-              </a:spcBef>
-              <a:spcAft>
-                <a:spcPts val="0"/>
-              </a:spcAft>
-              <a:buClrTx/>
-              <a:buSzTx/>
-              <a:buFontTx/>
-              <a:buNone/>
-              <a:tabLst/>
-              <a:defRPr/>
-            </a:pPr>
-            <a:r>
-              <a:rPr kumimoji="1" lang="en-US" altLang="ja-JP" sz="1200" dirty="0">
+                <a:cs typeface="+mn-cs"/>
+              </a:endParaRPr>
+            </a:p>
+          </p:txBody>
+        </p:sp>
+        <p:sp>
+          <p:nvSpPr>
+            <p:cNvPr id="71" name="四角形: 角を丸くする 70">
+              <a:extLst>
+                <a:ext uri="{FF2B5EF4-FFF2-40B4-BE49-F238E27FC236}">
+                  <a16:creationId xmlns:a16="http://schemas.microsoft.com/office/drawing/2014/main" id="{CCF148FC-5627-4720-BAFA-4F7565168BB7}"/>
+                </a:ext>
+              </a:extLst>
+            </p:cNvPr>
+            <p:cNvSpPr/>
+            <p:nvPr/>
+          </p:nvSpPr>
+          <p:spPr>
+            <a:xfrm>
+              <a:off x="3679040" y="2007776"/>
+              <a:ext cx="1108650" cy="424643"/>
+            </a:xfrm>
+            <a:prstGeom prst="roundRect">
+              <a:avLst/>
+            </a:prstGeom>
+            <a:solidFill>
+              <a:srgbClr val="FFFF00"/>
+            </a:solidFill>
+            <a:ln>
+              <a:noFill/>
+            </a:ln>
+          </p:spPr>
+          <p:style>
+            <a:lnRef idx="2">
+              <a:schemeClr val="accent1">
+                <a:shade val="50000"/>
+              </a:schemeClr>
+            </a:lnRef>
+            <a:fillRef idx="1">
+              <a:schemeClr val="accent1"/>
+            </a:fillRef>
+            <a:effectRef idx="0">
+              <a:schemeClr val="accent1"/>
+            </a:effectRef>
+            <a:fontRef idx="minor">
+              <a:schemeClr val="lt1"/>
+            </a:fontRef>
+          </p:style>
+          <p:txBody>
+            <a:bodyPr rtlCol="0" anchor="ctr"/>
+            <a:lstStyle/>
+            <a:p>
+              <a:pPr marL="0" marR="0" lvl="0" indent="0" algn="ctr" defTabSz="914400" rtl="0" eaLnBrk="1" fontAlgn="auto" latinLnBrk="0" hangingPunct="1">
+                <a:lnSpc>
+                  <a:spcPct val="100000"/>
+                </a:lnSpc>
+                <a:spcBef>
+                  <a:spcPts val="0"/>
+                </a:spcBef>
+                <a:spcAft>
+                  <a:spcPts val="0"/>
+                </a:spcAft>
+                <a:buClrTx/>
+                <a:buSzTx/>
+                <a:buFontTx/>
+                <a:buNone/>
+                <a:tabLst/>
+                <a:defRPr/>
+              </a:pPr>
+              <a:r>
+                <a:rPr kumimoji="1" lang="en-US" altLang="ja-JP" sz="1400" dirty="0">
+                  <a:solidFill>
+                    <a:prstClr val="black"/>
+                  </a:solidFill>
+                  <a:latin typeface="Calibri"/>
+                  <a:ea typeface="ＭＳ Ｐゴシック" panose="020B0600070205080204" pitchFamily="50" charset="-128"/>
+                </a:rPr>
+                <a:t>Dev. </a:t>
+              </a:r>
+              <a:r>
+                <a:rPr kumimoji="1" lang="en-US" altLang="ja-JP" sz="1400" dirty="0" err="1">
+                  <a:solidFill>
+                    <a:prstClr val="black"/>
+                  </a:solidFill>
+                  <a:latin typeface="Calibri"/>
+                  <a:ea typeface="ＭＳ Ｐゴシック" panose="020B0600070205080204" pitchFamily="50" charset="-128"/>
+                </a:rPr>
+                <a:t>Enviroment</a:t>
+              </a:r>
+              <a:endParaRPr kumimoji="1" lang="ja-JP" altLang="en-US" sz="1400" b="0" i="0" u="none" strike="noStrike" kern="1200" cap="none" spc="0" normalizeH="0" baseline="0" noProof="0" dirty="0">
+                <a:ln>
+                  <a:noFill/>
+                </a:ln>
                 <a:solidFill>
                   <a:prstClr val="black"/>
                 </a:solidFill>
+                <a:effectLst/>
+                <a:uLnTx/>
+                <a:uFillTx/>
                 <a:latin typeface="Calibri"/>
                 <a:ea typeface="ＭＳ Ｐゴシック" panose="020B0600070205080204" pitchFamily="50" charset="-128"/>
-              </a:rPr>
-              <a:t>System</a:t>
-            </a:r>
-            <a:r>
-              <a:rPr kumimoji="1" lang="ja-JP" altLang="en-US" sz="1200" dirty="0">
+                <a:cs typeface="+mn-cs"/>
+              </a:endParaRPr>
+            </a:p>
+          </p:txBody>
+        </p:sp>
+        <p:sp>
+          <p:nvSpPr>
+            <p:cNvPr id="73" name="四角形: 角を丸くする 72">
+              <a:extLst>
+                <a:ext uri="{FF2B5EF4-FFF2-40B4-BE49-F238E27FC236}">
+                  <a16:creationId xmlns:a16="http://schemas.microsoft.com/office/drawing/2014/main" id="{D90D6A46-98D1-47E6-AFEA-79E8B99D10C2}"/>
+                </a:ext>
+              </a:extLst>
+            </p:cNvPr>
+            <p:cNvSpPr/>
+            <p:nvPr/>
+          </p:nvSpPr>
+          <p:spPr>
+            <a:xfrm>
+              <a:off x="3659160" y="1241634"/>
+              <a:ext cx="1075887" cy="436627"/>
+            </a:xfrm>
+            <a:prstGeom prst="roundRect">
+              <a:avLst/>
+            </a:prstGeom>
+            <a:solidFill>
+              <a:srgbClr val="FFFF00"/>
+            </a:solidFill>
+            <a:ln>
+              <a:noFill/>
+            </a:ln>
+          </p:spPr>
+          <p:style>
+            <a:lnRef idx="2">
+              <a:schemeClr val="accent1">
+                <a:shade val="50000"/>
+              </a:schemeClr>
+            </a:lnRef>
+            <a:fillRef idx="1">
+              <a:schemeClr val="accent1"/>
+            </a:fillRef>
+            <a:effectRef idx="0">
+              <a:schemeClr val="accent1"/>
+            </a:effectRef>
+            <a:fontRef idx="minor">
+              <a:schemeClr val="lt1"/>
+            </a:fontRef>
+          </p:style>
+          <p:txBody>
+            <a:bodyPr rtlCol="0" anchor="ctr"/>
+            <a:lstStyle/>
+            <a:p>
+              <a:pPr marL="0" marR="0" lvl="0" indent="0" algn="ctr" defTabSz="914400" rtl="0" eaLnBrk="1" fontAlgn="auto" latinLnBrk="0" hangingPunct="1">
+                <a:lnSpc>
+                  <a:spcPct val="100000"/>
+                </a:lnSpc>
+                <a:spcBef>
+                  <a:spcPts val="0"/>
+                </a:spcBef>
+                <a:spcAft>
+                  <a:spcPts val="0"/>
+                </a:spcAft>
+                <a:buClrTx/>
+                <a:buSzTx/>
+                <a:buFontTx/>
+                <a:buNone/>
+                <a:tabLst/>
+                <a:defRPr/>
+              </a:pPr>
+              <a:r>
+                <a:rPr kumimoji="1" lang="en-US" altLang="ja-JP" sz="1400" dirty="0">
+                  <a:solidFill>
+                    <a:prstClr val="black"/>
+                  </a:solidFill>
+                  <a:latin typeface="Calibri"/>
+                  <a:ea typeface="ＭＳ Ｐゴシック" panose="020B0600070205080204" pitchFamily="50" charset="-128"/>
+                </a:rPr>
+                <a:t>Product Planning</a:t>
+              </a:r>
+              <a:endParaRPr kumimoji="1" lang="ja-JP" altLang="en-US" sz="1400" b="0" i="0" u="none" strike="noStrike" kern="1200" cap="none" spc="0" normalizeH="0" baseline="0" noProof="0" dirty="0">
+                <a:ln>
+                  <a:noFill/>
+                </a:ln>
                 <a:solidFill>
                   <a:prstClr val="black"/>
                 </a:solidFill>
+                <a:effectLst/>
+                <a:uLnTx/>
+                <a:uFillTx/>
                 <a:latin typeface="Calibri"/>
                 <a:ea typeface="ＭＳ Ｐゴシック" panose="020B0600070205080204" pitchFamily="50" charset="-128"/>
-              </a:rPr>
-              <a:t> </a:t>
-            </a:r>
-            <a:r>
-              <a:rPr kumimoji="1" lang="en-US" altLang="ja-JP" sz="1200" dirty="0">
+                <a:cs typeface="+mn-cs"/>
+              </a:endParaRPr>
+            </a:p>
+          </p:txBody>
+        </p:sp>
+        <p:sp>
+          <p:nvSpPr>
+            <p:cNvPr id="77" name="四角形: 角を丸くする 76">
+              <a:extLst>
+                <a:ext uri="{FF2B5EF4-FFF2-40B4-BE49-F238E27FC236}">
+                  <a16:creationId xmlns:a16="http://schemas.microsoft.com/office/drawing/2014/main" id="{51A0DB07-3DCF-4F5A-A83A-D86AE6E7CBF2}"/>
+                </a:ext>
+              </a:extLst>
+            </p:cNvPr>
+            <p:cNvSpPr/>
+            <p:nvPr/>
+          </p:nvSpPr>
+          <p:spPr>
+            <a:xfrm>
+              <a:off x="5839448" y="2021815"/>
+              <a:ext cx="1229034" cy="422550"/>
+            </a:xfrm>
+            <a:prstGeom prst="roundRect">
+              <a:avLst/>
+            </a:prstGeom>
+            <a:solidFill>
+              <a:srgbClr val="FFFF00"/>
+            </a:solidFill>
+            <a:ln>
+              <a:noFill/>
+            </a:ln>
+          </p:spPr>
+          <p:style>
+            <a:lnRef idx="2">
+              <a:schemeClr val="accent1">
+                <a:shade val="50000"/>
+              </a:schemeClr>
+            </a:lnRef>
+            <a:fillRef idx="1">
+              <a:schemeClr val="accent1"/>
+            </a:fillRef>
+            <a:effectRef idx="0">
+              <a:schemeClr val="accent1"/>
+            </a:effectRef>
+            <a:fontRef idx="minor">
+              <a:schemeClr val="lt1"/>
+            </a:fontRef>
+          </p:style>
+          <p:txBody>
+            <a:bodyPr rtlCol="0" anchor="ctr"/>
+            <a:lstStyle/>
+            <a:p>
+              <a:pPr marL="0" marR="0" lvl="0" indent="0" algn="ctr" defTabSz="914400" rtl="0" eaLnBrk="1" fontAlgn="auto" latinLnBrk="0" hangingPunct="1">
+                <a:lnSpc>
+                  <a:spcPct val="100000"/>
+                </a:lnSpc>
+                <a:spcBef>
+                  <a:spcPts val="0"/>
+                </a:spcBef>
+                <a:spcAft>
+                  <a:spcPts val="0"/>
+                </a:spcAft>
+                <a:buClrTx/>
+                <a:buSzTx/>
+                <a:buFontTx/>
+                <a:buNone/>
+                <a:tabLst/>
+                <a:defRPr/>
+              </a:pPr>
+              <a:r>
+                <a:rPr kumimoji="1" lang="en-US" altLang="ja-JP" sz="1400" b="0" i="0" u="none" strike="noStrike" kern="1200" cap="none" spc="0" normalizeH="0" baseline="0" noProof="0" dirty="0">
+                  <a:ln>
+                    <a:noFill/>
+                  </a:ln>
+                  <a:solidFill>
+                    <a:prstClr val="black"/>
+                  </a:solidFill>
+                  <a:effectLst/>
+                  <a:uLnTx/>
+                  <a:uFillTx/>
+                  <a:latin typeface="Calibri"/>
+                  <a:ea typeface="ＭＳ Ｐゴシック" panose="020B0600070205080204" pitchFamily="50" charset="-128"/>
+                  <a:cs typeface="+mn-cs"/>
+                </a:rPr>
+                <a:t>BOM</a:t>
+              </a:r>
+            </a:p>
+            <a:p>
+              <a:pPr marL="0" marR="0" lvl="0" indent="0" algn="ctr" defTabSz="914400" rtl="0" eaLnBrk="1" fontAlgn="auto" latinLnBrk="0" hangingPunct="1">
+                <a:lnSpc>
+                  <a:spcPct val="100000"/>
+                </a:lnSpc>
+                <a:spcBef>
+                  <a:spcPts val="0"/>
+                </a:spcBef>
+                <a:spcAft>
+                  <a:spcPts val="0"/>
+                </a:spcAft>
+                <a:buClrTx/>
+                <a:buSzTx/>
+                <a:buFontTx/>
+                <a:buNone/>
+                <a:tabLst/>
+                <a:defRPr/>
+              </a:pPr>
+              <a:r>
+                <a:rPr kumimoji="1" lang="en-US" altLang="ja-JP" sz="1400" dirty="0">
+                  <a:solidFill>
+                    <a:prstClr val="black"/>
+                  </a:solidFill>
+                  <a:latin typeface="Calibri"/>
+                  <a:ea typeface="ＭＳ Ｐゴシック" panose="020B0600070205080204" pitchFamily="50" charset="-128"/>
+                </a:rPr>
+                <a:t>Management</a:t>
+              </a:r>
+              <a:endParaRPr kumimoji="1" lang="ja-JP" altLang="en-US" sz="1400" b="0" i="0" u="none" strike="noStrike" kern="1200" cap="none" spc="0" normalizeH="0" baseline="0" noProof="0" dirty="0">
+                <a:ln>
+                  <a:noFill/>
+                </a:ln>
                 <a:solidFill>
                   <a:prstClr val="black"/>
                 </a:solidFill>
+                <a:effectLst/>
+                <a:uLnTx/>
+                <a:uFillTx/>
                 <a:latin typeface="Calibri"/>
                 <a:ea typeface="ＭＳ Ｐゴシック" panose="020B0600070205080204" pitchFamily="50" charset="-128"/>
-              </a:rPr>
-              <a:t>Verification</a:t>
-            </a:r>
-            <a:endParaRPr kumimoji="1" lang="en-US" altLang="ja-JP" sz="1200" b="0" i="0" u="none" strike="noStrike" kern="1200" cap="none" spc="0" normalizeH="0" baseline="0" noProof="0" dirty="0">
-              <a:ln>
-                <a:noFill/>
-              </a:ln>
-              <a:solidFill>
-                <a:prstClr val="black"/>
-              </a:solidFill>
-              <a:effectLst/>
-              <a:uLnTx/>
-              <a:uFillTx/>
-              <a:latin typeface="Calibri"/>
-              <a:ea typeface="ＭＳ Ｐゴシック" panose="020B0600070205080204" pitchFamily="50" charset="-128"/>
-              <a:cs typeface="+mn-cs"/>
-            </a:endParaRPr>
-          </a:p>
-        </p:txBody>
-      </p:sp>
-      <p:cxnSp>
-        <p:nvCxnSpPr>
-          <p:cNvPr id="56" name="直線矢印コネクタ 55">
-            <a:extLst>
-              <a:ext uri="{FF2B5EF4-FFF2-40B4-BE49-F238E27FC236}">
-                <a16:creationId xmlns:a16="http://schemas.microsoft.com/office/drawing/2014/main" id="{0F3198F3-B473-49AB-AF2D-7EE74EB14D81}"/>
-              </a:ext>
-            </a:extLst>
-          </p:cNvPr>
-          <p:cNvCxnSpPr>
-            <a:cxnSpLocks/>
-            <a:stCxn id="55" idx="0"/>
-            <a:endCxn id="61" idx="1"/>
-          </p:cNvCxnSpPr>
-          <p:nvPr/>
-        </p:nvCxnSpPr>
-        <p:spPr>
-          <a:xfrm flipV="1">
-            <a:off x="7413840" y="1879514"/>
-            <a:ext cx="1296280" cy="668832"/>
-          </a:xfrm>
-          <a:prstGeom prst="straightConnector1">
-            <a:avLst/>
-          </a:prstGeom>
-          <a:ln w="38100">
+                <a:cs typeface="+mn-cs"/>
+              </a:endParaRPr>
+            </a:p>
+          </p:txBody>
+        </p:sp>
+        <p:sp>
+          <p:nvSpPr>
+            <p:cNvPr id="79" name="四角形: 角を丸くする 78">
+              <a:extLst>
+                <a:ext uri="{FF2B5EF4-FFF2-40B4-BE49-F238E27FC236}">
+                  <a16:creationId xmlns:a16="http://schemas.microsoft.com/office/drawing/2014/main" id="{4AECB53A-017B-4D5C-92BA-ED8AFD099673}"/>
+                </a:ext>
+              </a:extLst>
+            </p:cNvPr>
+            <p:cNvSpPr/>
+            <p:nvPr/>
+          </p:nvSpPr>
+          <p:spPr>
+            <a:xfrm>
+              <a:off x="7035663" y="4392244"/>
+              <a:ext cx="880177" cy="612008"/>
+            </a:xfrm>
+            <a:prstGeom prst="roundRect">
+              <a:avLst/>
+            </a:prstGeom>
             <a:solidFill>
-              <a:srgbClr val="FFC000"/>
+              <a:srgbClr val="FFFF00"/>
             </a:solidFill>
-            <a:tailEnd type="triangle"/>
-          </a:ln>
-        </p:spPr>
-        <p:style>
-          <a:lnRef idx="1">
-            <a:schemeClr val="accent1"/>
-          </a:lnRef>
-          <a:fillRef idx="0">
-            <a:schemeClr val="accent1"/>
-          </a:fillRef>
-          <a:effectRef idx="0">
-            <a:schemeClr val="accent1"/>
-          </a:effectRef>
-          <a:fontRef idx="minor">
-            <a:schemeClr val="tx1"/>
-          </a:fontRef>
-        </p:style>
-      </p:cxnSp>
-      <p:cxnSp>
-        <p:nvCxnSpPr>
-          <p:cNvPr id="86" name="直線矢印コネクタ 85">
-            <a:extLst>
-              <a:ext uri="{FF2B5EF4-FFF2-40B4-BE49-F238E27FC236}">
-                <a16:creationId xmlns:a16="http://schemas.microsoft.com/office/drawing/2014/main" id="{27F132D1-801E-44B0-8A71-BF7F69C418E1}"/>
-              </a:ext>
-            </a:extLst>
-          </p:cNvPr>
-          <p:cNvCxnSpPr>
-            <a:cxnSpLocks/>
-          </p:cNvCxnSpPr>
-          <p:nvPr/>
-        </p:nvCxnSpPr>
-        <p:spPr>
-          <a:xfrm>
-            <a:off x="6978369" y="4222718"/>
-            <a:ext cx="1936504" cy="0"/>
-          </a:xfrm>
-          <a:prstGeom prst="straightConnector1">
-            <a:avLst/>
-          </a:prstGeom>
-          <a:ln w="38100">
-            <a:solidFill>
-              <a:srgbClr val="0070C0"/>
-            </a:solidFill>
-            <a:tailEnd type="triangle"/>
-          </a:ln>
-        </p:spPr>
-        <p:style>
-          <a:lnRef idx="1">
-            <a:schemeClr val="accent1"/>
-          </a:lnRef>
-          <a:fillRef idx="0">
-            <a:schemeClr val="accent1"/>
-          </a:fillRef>
-          <a:effectRef idx="0">
-            <a:schemeClr val="accent1"/>
-          </a:effectRef>
-          <a:fontRef idx="minor">
-            <a:schemeClr val="tx1"/>
-          </a:fontRef>
-        </p:style>
-      </p:cxnSp>
-      <p:sp>
-        <p:nvSpPr>
-          <p:cNvPr id="87" name="テキスト ボックス 86">
-            <a:extLst>
-              <a:ext uri="{FF2B5EF4-FFF2-40B4-BE49-F238E27FC236}">
-                <a16:creationId xmlns:a16="http://schemas.microsoft.com/office/drawing/2014/main" id="{9583A253-DADE-4B31-AAD9-EF598107C2BC}"/>
-              </a:ext>
-            </a:extLst>
-          </p:cNvPr>
-          <p:cNvSpPr txBox="1"/>
-          <p:nvPr/>
-        </p:nvSpPr>
-        <p:spPr>
-          <a:xfrm>
-            <a:off x="7834337" y="3950873"/>
-            <a:ext cx="1021433" cy="276999"/>
-          </a:xfrm>
-          <a:prstGeom prst="rect">
-            <a:avLst/>
-          </a:prstGeom>
-          <a:noFill/>
-        </p:spPr>
-        <p:txBody>
-          <a:bodyPr wrap="none" rtlCol="0">
-            <a:spAutoFit/>
-          </a:bodyPr>
-          <a:lstStyle/>
-          <a:p>
-            <a:pPr lvl="0">
-              <a:defRPr/>
-            </a:pPr>
-            <a:r>
-              <a:rPr kumimoji="1" lang="ja-JP" altLang="en-US" sz="1200" dirty="0">
+            <a:ln>
+              <a:noFill/>
+            </a:ln>
+          </p:spPr>
+          <p:style>
+            <a:lnRef idx="2">
+              <a:schemeClr val="accent1">
+                <a:shade val="50000"/>
+              </a:schemeClr>
+            </a:lnRef>
+            <a:fillRef idx="1">
+              <a:schemeClr val="accent1"/>
+            </a:fillRef>
+            <a:effectRef idx="0">
+              <a:schemeClr val="accent1"/>
+            </a:effectRef>
+            <a:fontRef idx="minor">
+              <a:schemeClr val="lt1"/>
+            </a:fontRef>
+          </p:style>
+          <p:txBody>
+            <a:bodyPr rtlCol="0" anchor="ctr"/>
+            <a:lstStyle/>
+            <a:p>
+              <a:pPr marL="0" marR="0" lvl="0" indent="0" algn="ctr" defTabSz="914400" rtl="0" eaLnBrk="1" fontAlgn="auto" latinLnBrk="0" hangingPunct="1">
+                <a:lnSpc>
+                  <a:spcPct val="100000"/>
+                </a:lnSpc>
+                <a:spcBef>
+                  <a:spcPts val="0"/>
+                </a:spcBef>
+                <a:spcAft>
+                  <a:spcPts val="0"/>
+                </a:spcAft>
+                <a:buClrTx/>
+                <a:buSzTx/>
+                <a:buFontTx/>
+                <a:buNone/>
+                <a:tabLst/>
+                <a:defRPr/>
+              </a:pPr>
+              <a:r>
+                <a:rPr kumimoji="1" lang="en-US" altLang="ja-JP" sz="1200" dirty="0">
+                  <a:solidFill>
+                    <a:prstClr val="black"/>
+                  </a:solidFill>
+                  <a:latin typeface="Calibri"/>
+                  <a:ea typeface="ＭＳ Ｐゴシック" panose="020B0600070205080204" pitchFamily="50" charset="-128"/>
+                </a:rPr>
+                <a:t>Marketing</a:t>
+              </a:r>
+              <a:endParaRPr kumimoji="1" lang="ja-JP" altLang="en-US" sz="1200" b="0" i="0" u="none" strike="noStrike" kern="1200" cap="none" spc="0" normalizeH="0" baseline="0" noProof="0" dirty="0">
+                <a:ln>
+                  <a:noFill/>
+                </a:ln>
                 <a:solidFill>
                   <a:prstClr val="black"/>
                 </a:solidFill>
-              </a:rPr>
-              <a:t>役務</a:t>
-            </a:r>
-            <a:r>
-              <a:rPr kumimoji="1" lang="en-US" altLang="ja-JP" sz="1200" dirty="0">
+                <a:effectLst/>
+                <a:uLnTx/>
+                <a:uFillTx/>
+                <a:latin typeface="Calibri"/>
+                <a:ea typeface="ＭＳ Ｐゴシック" panose="020B0600070205080204" pitchFamily="50" charset="-128"/>
+              </a:endParaRPr>
+            </a:p>
+          </p:txBody>
+        </p:sp>
+        <p:sp>
+          <p:nvSpPr>
+            <p:cNvPr id="60" name="テキスト ボックス 59">
+              <a:extLst>
+                <a:ext uri="{FF2B5EF4-FFF2-40B4-BE49-F238E27FC236}">
+                  <a16:creationId xmlns:a16="http://schemas.microsoft.com/office/drawing/2014/main" id="{3F9EB81D-AB46-428E-A104-B5F2C7A9D5B8}"/>
+                </a:ext>
+              </a:extLst>
+            </p:cNvPr>
+            <p:cNvSpPr txBox="1"/>
+            <p:nvPr/>
+          </p:nvSpPr>
+          <p:spPr>
+            <a:xfrm>
+              <a:off x="3954147" y="282785"/>
+              <a:ext cx="1503150" cy="369332"/>
+            </a:xfrm>
+            <a:prstGeom prst="rect">
+              <a:avLst/>
+            </a:prstGeom>
+            <a:noFill/>
+          </p:spPr>
+          <p:txBody>
+            <a:bodyPr wrap="square" rtlCol="0">
+              <a:spAutoFit/>
+            </a:bodyPr>
+            <a:lstStyle/>
+            <a:p>
+              <a:pPr marL="0" marR="0" lvl="0" indent="0" algn="l" defTabSz="914400" rtl="0" eaLnBrk="1" fontAlgn="auto" latinLnBrk="0" hangingPunct="1">
+                <a:lnSpc>
+                  <a:spcPct val="100000"/>
+                </a:lnSpc>
+                <a:spcBef>
+                  <a:spcPts val="0"/>
+                </a:spcBef>
+                <a:spcAft>
+                  <a:spcPts val="0"/>
+                </a:spcAft>
+                <a:buClrTx/>
+                <a:buSzTx/>
+                <a:buFontTx/>
+                <a:buNone/>
+                <a:tabLst/>
+                <a:defRPr/>
+              </a:pPr>
+              <a:r>
+                <a:rPr kumimoji="1" lang="en-US" altLang="ja-JP" dirty="0">
+                  <a:solidFill>
+                    <a:prstClr val="black"/>
+                  </a:solidFill>
+                  <a:latin typeface="Calibri"/>
+                  <a:ea typeface="ＭＳ Ｐゴシック" panose="020B0600070205080204" pitchFamily="50" charset="-128"/>
+                </a:rPr>
+                <a:t>Organization</a:t>
+              </a:r>
+              <a:endParaRPr kumimoji="1" lang="ja-JP" altLang="en-US" b="0" i="0" u="none" strike="noStrike" kern="1200" cap="none" spc="0" normalizeH="0" baseline="0" noProof="0" dirty="0">
+                <a:ln>
+                  <a:noFill/>
+                </a:ln>
                 <a:solidFill>
                   <a:prstClr val="black"/>
                 </a:solidFill>
-              </a:rPr>
-              <a:t>､</a:t>
-            </a:r>
-            <a:r>
-              <a:rPr kumimoji="1" lang="ja-JP" altLang="en-US" sz="1200" dirty="0">
+                <a:effectLst/>
+                <a:uLnTx/>
+                <a:uFillTx/>
+                <a:latin typeface="Calibri"/>
+                <a:ea typeface="ＭＳ Ｐゴシック" panose="020B0600070205080204" pitchFamily="50" charset="-128"/>
+                <a:cs typeface="+mn-cs"/>
+              </a:endParaRPr>
+            </a:p>
+          </p:txBody>
+        </p:sp>
+        <p:cxnSp>
+          <p:nvCxnSpPr>
+            <p:cNvPr id="66" name="直線矢印コネクタ 65">
+              <a:extLst>
+                <a:ext uri="{FF2B5EF4-FFF2-40B4-BE49-F238E27FC236}">
+                  <a16:creationId xmlns:a16="http://schemas.microsoft.com/office/drawing/2014/main" id="{C9876905-EE9C-4F1C-8F91-A9DF1AB0B922}"/>
+                </a:ext>
+              </a:extLst>
+            </p:cNvPr>
+            <p:cNvCxnSpPr>
+              <a:cxnSpLocks/>
+            </p:cNvCxnSpPr>
+            <p:nvPr/>
+          </p:nvCxnSpPr>
+          <p:spPr>
+            <a:xfrm flipV="1">
+              <a:off x="7901162" y="4675803"/>
+              <a:ext cx="1148566" cy="13771"/>
+            </a:xfrm>
+            <a:prstGeom prst="straightConnector1">
+              <a:avLst/>
+            </a:prstGeom>
+            <a:ln w="38100">
+              <a:solidFill>
+                <a:schemeClr val="tx1"/>
+              </a:solidFill>
+              <a:tailEnd type="triangle"/>
+            </a:ln>
+          </p:spPr>
+          <p:style>
+            <a:lnRef idx="1">
+              <a:schemeClr val="accent1"/>
+            </a:lnRef>
+            <a:fillRef idx="0">
+              <a:schemeClr val="accent1"/>
+            </a:fillRef>
+            <a:effectRef idx="0">
+              <a:schemeClr val="accent1"/>
+            </a:effectRef>
+            <a:fontRef idx="minor">
+              <a:schemeClr val="tx1"/>
+            </a:fontRef>
+          </p:style>
+        </p:cxnSp>
+        <p:sp>
+          <p:nvSpPr>
+            <p:cNvPr id="82" name="テキスト ボックス 81">
+              <a:extLst>
+                <a:ext uri="{FF2B5EF4-FFF2-40B4-BE49-F238E27FC236}">
+                  <a16:creationId xmlns:a16="http://schemas.microsoft.com/office/drawing/2014/main" id="{C3E49ACF-9195-4930-B28D-130ABD31308A}"/>
+                </a:ext>
+              </a:extLst>
+            </p:cNvPr>
+            <p:cNvSpPr txBox="1"/>
+            <p:nvPr/>
+          </p:nvSpPr>
+          <p:spPr>
+            <a:xfrm>
+              <a:off x="8201629" y="4369093"/>
+              <a:ext cx="567784" cy="307777"/>
+            </a:xfrm>
+            <a:prstGeom prst="rect">
+              <a:avLst/>
+            </a:prstGeom>
+            <a:noFill/>
+          </p:spPr>
+          <p:txBody>
+            <a:bodyPr wrap="none" rtlCol="0">
+              <a:spAutoFit/>
+            </a:bodyPr>
+            <a:lstStyle/>
+            <a:p>
+              <a:pPr marL="0" marR="0" lvl="0" indent="0" algn="l" defTabSz="914400" rtl="0" eaLnBrk="1" fontAlgn="auto" latinLnBrk="0" hangingPunct="1">
+                <a:lnSpc>
+                  <a:spcPct val="100000"/>
+                </a:lnSpc>
+                <a:spcBef>
+                  <a:spcPts val="0"/>
+                </a:spcBef>
+                <a:spcAft>
+                  <a:spcPts val="0"/>
+                </a:spcAft>
+                <a:buClrTx/>
+                <a:buSzTx/>
+                <a:buFontTx/>
+                <a:buNone/>
+                <a:tabLst/>
+                <a:defRPr/>
+              </a:pPr>
+              <a:r>
+                <a:rPr kumimoji="1" lang="en-US" altLang="ja-JP" sz="1400" b="0" i="0" u="none" strike="noStrike" kern="1200" cap="none" spc="0" normalizeH="0" baseline="0" noProof="0" dirty="0">
+                  <a:ln>
+                    <a:noFill/>
+                  </a:ln>
+                  <a:solidFill>
+                    <a:prstClr val="black"/>
+                  </a:solidFill>
+                  <a:effectLst/>
+                  <a:uLnTx/>
+                  <a:uFillTx/>
+                  <a:latin typeface="Calibri"/>
+                  <a:ea typeface="ＭＳ Ｐゴシック" panose="020B0600070205080204" pitchFamily="50" charset="-128"/>
+                  <a:cs typeface="+mn-cs"/>
+                </a:rPr>
+                <a:t>EULA</a:t>
+              </a:r>
+              <a:endParaRPr kumimoji="1" lang="ja-JP" altLang="en-US" sz="1400" b="0" i="0" u="none" strike="noStrike" kern="1200" cap="none" spc="0" normalizeH="0" baseline="0" noProof="0" dirty="0">
+                <a:ln>
+                  <a:noFill/>
+                </a:ln>
                 <a:solidFill>
                   <a:prstClr val="black"/>
                 </a:solidFill>
-              </a:rPr>
-              <a:t>成果物</a:t>
-            </a:r>
-          </a:p>
-        </p:txBody>
-      </p:sp>
+                <a:effectLst/>
+                <a:uLnTx/>
+                <a:uFillTx/>
+                <a:latin typeface="Calibri"/>
+                <a:ea typeface="ＭＳ Ｐゴシック" panose="020B0600070205080204" pitchFamily="50" charset="-128"/>
+                <a:cs typeface="+mn-cs"/>
+              </a:endParaRPr>
+            </a:p>
+          </p:txBody>
+        </p:sp>
+        <p:sp>
+          <p:nvSpPr>
+            <p:cNvPr id="83" name="四角形: 角を丸くする 10">
+              <a:extLst>
+                <a:ext uri="{FF2B5EF4-FFF2-40B4-BE49-F238E27FC236}">
+                  <a16:creationId xmlns:a16="http://schemas.microsoft.com/office/drawing/2014/main" id="{AFB6E93C-9793-472A-B955-A686FAC84609}"/>
+                </a:ext>
+              </a:extLst>
+            </p:cNvPr>
+            <p:cNvSpPr/>
+            <p:nvPr/>
+          </p:nvSpPr>
+          <p:spPr>
+            <a:xfrm>
+              <a:off x="4830669" y="3648679"/>
+              <a:ext cx="2145891" cy="1090564"/>
+            </a:xfrm>
+            <a:prstGeom prst="roundRect">
+              <a:avLst/>
+            </a:prstGeom>
+            <a:solidFill>
+              <a:srgbClr val="FFFF00"/>
+            </a:solidFill>
+            <a:ln>
+              <a:noFill/>
+            </a:ln>
+          </p:spPr>
+          <p:style>
+            <a:lnRef idx="2">
+              <a:schemeClr val="accent1">
+                <a:shade val="50000"/>
+              </a:schemeClr>
+            </a:lnRef>
+            <a:fillRef idx="1">
+              <a:schemeClr val="accent1"/>
+            </a:fillRef>
+            <a:effectRef idx="0">
+              <a:schemeClr val="accent1"/>
+            </a:effectRef>
+            <a:fontRef idx="minor">
+              <a:schemeClr val="lt1"/>
+            </a:fontRef>
+          </p:style>
+          <p:txBody>
+            <a:bodyPr rtlCol="0" anchor="ctr"/>
+            <a:lstStyle/>
+            <a:p>
+              <a:pPr marL="0" marR="0" lvl="0" indent="0" algn="ctr" defTabSz="914400" rtl="0" eaLnBrk="1" fontAlgn="auto" latinLnBrk="0" hangingPunct="1">
+                <a:lnSpc>
+                  <a:spcPct val="100000"/>
+                </a:lnSpc>
+                <a:spcBef>
+                  <a:spcPts val="0"/>
+                </a:spcBef>
+                <a:spcAft>
+                  <a:spcPts val="0"/>
+                </a:spcAft>
+                <a:buClrTx/>
+                <a:buSzTx/>
+                <a:buFontTx/>
+                <a:buNone/>
+                <a:tabLst/>
+                <a:defRPr/>
+              </a:pPr>
+              <a:r>
+                <a:rPr kumimoji="1" lang="en-US" altLang="ja-JP" dirty="0">
+                  <a:solidFill>
+                    <a:prstClr val="black"/>
+                  </a:solidFill>
+                  <a:latin typeface="Calibri"/>
+                  <a:ea typeface="ＭＳ Ｐゴシック" panose="020B0600070205080204" pitchFamily="50" charset="-128"/>
+                </a:rPr>
+                <a:t>System</a:t>
+              </a:r>
+              <a:br>
+                <a:rPr kumimoji="1" lang="en-US" altLang="ja-JP" dirty="0">
+                  <a:solidFill>
+                    <a:prstClr val="black"/>
+                  </a:solidFill>
+                  <a:latin typeface="Calibri"/>
+                  <a:ea typeface="ＭＳ Ｐゴシック" panose="020B0600070205080204" pitchFamily="50" charset="-128"/>
+                </a:rPr>
+              </a:br>
+              <a:r>
+                <a:rPr kumimoji="1" lang="en-US" altLang="ja-JP" dirty="0">
+                  <a:solidFill>
+                    <a:prstClr val="black"/>
+                  </a:solidFill>
+                  <a:latin typeface="Calibri"/>
+                  <a:ea typeface="ＭＳ Ｐゴシック" panose="020B0600070205080204" pitchFamily="50" charset="-128"/>
+                </a:rPr>
+                <a:t>Integration</a:t>
+              </a:r>
+              <a:endParaRPr kumimoji="1" lang="en-US" altLang="ja-JP" sz="1800" b="0" i="0" u="none" strike="noStrike" kern="1200" cap="none" spc="0" normalizeH="0" baseline="0" noProof="0" dirty="0">
+                <a:ln>
+                  <a:noFill/>
+                </a:ln>
+                <a:solidFill>
+                  <a:prstClr val="black"/>
+                </a:solidFill>
+                <a:effectLst/>
+                <a:uLnTx/>
+                <a:uFillTx/>
+                <a:latin typeface="Calibri"/>
+                <a:ea typeface="ＭＳ Ｐゴシック" panose="020B0600070205080204" pitchFamily="50" charset="-128"/>
+                <a:cs typeface="+mn-cs"/>
+              </a:endParaRPr>
+            </a:p>
+          </p:txBody>
+        </p:sp>
+        <p:sp>
+          <p:nvSpPr>
+            <p:cNvPr id="85" name="四角形: 角を丸くする 18">
+              <a:extLst>
+                <a:ext uri="{FF2B5EF4-FFF2-40B4-BE49-F238E27FC236}">
+                  <a16:creationId xmlns:a16="http://schemas.microsoft.com/office/drawing/2014/main" id="{6523DCD1-17EA-4908-91AA-938632C2087D}"/>
+                </a:ext>
+              </a:extLst>
+            </p:cNvPr>
+            <p:cNvSpPr/>
+            <p:nvPr/>
+          </p:nvSpPr>
+          <p:spPr>
+            <a:xfrm>
+              <a:off x="7116591" y="2037688"/>
+              <a:ext cx="979357" cy="404244"/>
+            </a:xfrm>
+            <a:prstGeom prst="roundRect">
+              <a:avLst/>
+            </a:prstGeom>
+            <a:solidFill>
+              <a:srgbClr val="FFFF00"/>
+            </a:solidFill>
+            <a:ln>
+              <a:noFill/>
+            </a:ln>
+          </p:spPr>
+          <p:style>
+            <a:lnRef idx="2">
+              <a:schemeClr val="accent1">
+                <a:shade val="50000"/>
+              </a:schemeClr>
+            </a:lnRef>
+            <a:fillRef idx="1">
+              <a:schemeClr val="accent1"/>
+            </a:fillRef>
+            <a:effectRef idx="0">
+              <a:schemeClr val="accent1"/>
+            </a:effectRef>
+            <a:fontRef idx="minor">
+              <a:schemeClr val="lt1"/>
+            </a:fontRef>
+          </p:style>
+          <p:txBody>
+            <a:bodyPr rtlCol="0" anchor="ctr"/>
+            <a:lstStyle/>
+            <a:p>
+              <a:pPr marL="0" marR="0" lvl="0" indent="0" algn="ctr" defTabSz="914400" rtl="0" eaLnBrk="1" fontAlgn="auto" latinLnBrk="0" hangingPunct="1">
+                <a:lnSpc>
+                  <a:spcPct val="100000"/>
+                </a:lnSpc>
+                <a:spcBef>
+                  <a:spcPts val="0"/>
+                </a:spcBef>
+                <a:spcAft>
+                  <a:spcPts val="0"/>
+                </a:spcAft>
+                <a:buClrTx/>
+                <a:buSzTx/>
+                <a:buFontTx/>
+                <a:buNone/>
+                <a:tabLst/>
+                <a:defRPr/>
+              </a:pPr>
+              <a:r>
+                <a:rPr kumimoji="1" lang="en-US" altLang="ja-JP" sz="1200" dirty="0">
+                  <a:solidFill>
+                    <a:prstClr val="black"/>
+                  </a:solidFill>
+                  <a:latin typeface="Calibri"/>
+                  <a:ea typeface="ＭＳ Ｐゴシック" panose="020B0600070205080204" pitchFamily="50" charset="-128"/>
+                </a:rPr>
+                <a:t>System</a:t>
+              </a:r>
+              <a:r>
+                <a:rPr kumimoji="1" lang="ja-JP" altLang="en-US" sz="1200" dirty="0">
+                  <a:solidFill>
+                    <a:prstClr val="black"/>
+                  </a:solidFill>
+                  <a:latin typeface="Calibri"/>
+                  <a:ea typeface="ＭＳ Ｐゴシック" panose="020B0600070205080204" pitchFamily="50" charset="-128"/>
+                </a:rPr>
+                <a:t> </a:t>
+              </a:r>
+              <a:r>
+                <a:rPr kumimoji="1" lang="en-US" altLang="ja-JP" sz="1200" dirty="0">
+                  <a:solidFill>
+                    <a:prstClr val="black"/>
+                  </a:solidFill>
+                  <a:latin typeface="Calibri"/>
+                  <a:ea typeface="ＭＳ Ｐゴシック" panose="020B0600070205080204" pitchFamily="50" charset="-128"/>
+                </a:rPr>
+                <a:t>Verification</a:t>
+              </a:r>
+              <a:endParaRPr kumimoji="1" lang="en-US" altLang="ja-JP" sz="1200" b="0" i="0" u="none" strike="noStrike" kern="1200" cap="none" spc="0" normalizeH="0" baseline="0" noProof="0" dirty="0">
+                <a:ln>
+                  <a:noFill/>
+                </a:ln>
+                <a:solidFill>
+                  <a:prstClr val="black"/>
+                </a:solidFill>
+                <a:effectLst/>
+                <a:uLnTx/>
+                <a:uFillTx/>
+                <a:latin typeface="Calibri"/>
+                <a:ea typeface="ＭＳ Ｐゴシック" panose="020B0600070205080204" pitchFamily="50" charset="-128"/>
+                <a:cs typeface="+mn-cs"/>
+              </a:endParaRPr>
+            </a:p>
+          </p:txBody>
+        </p:sp>
+        <p:cxnSp>
+          <p:nvCxnSpPr>
+            <p:cNvPr id="56" name="直線矢印コネクタ 55">
+              <a:extLst>
+                <a:ext uri="{FF2B5EF4-FFF2-40B4-BE49-F238E27FC236}">
+                  <a16:creationId xmlns:a16="http://schemas.microsoft.com/office/drawing/2014/main" id="{0F3198F3-B473-49AB-AF2D-7EE74EB14D81}"/>
+                </a:ext>
+              </a:extLst>
+            </p:cNvPr>
+            <p:cNvCxnSpPr>
+              <a:cxnSpLocks/>
+              <a:stCxn id="55" idx="0"/>
+              <a:endCxn id="61" idx="1"/>
+            </p:cNvCxnSpPr>
+            <p:nvPr/>
+          </p:nvCxnSpPr>
+          <p:spPr>
+            <a:xfrm flipV="1">
+              <a:off x="7413840" y="1879514"/>
+              <a:ext cx="1296280" cy="668832"/>
+            </a:xfrm>
+            <a:prstGeom prst="straightConnector1">
+              <a:avLst/>
+            </a:prstGeom>
+            <a:ln w="38100">
+              <a:solidFill>
+                <a:srgbClr val="FFC000"/>
+              </a:solidFill>
+              <a:tailEnd type="triangle"/>
+            </a:ln>
+          </p:spPr>
+          <p:style>
+            <a:lnRef idx="1">
+              <a:schemeClr val="accent1"/>
+            </a:lnRef>
+            <a:fillRef idx="0">
+              <a:schemeClr val="accent1"/>
+            </a:fillRef>
+            <a:effectRef idx="0">
+              <a:schemeClr val="accent1"/>
+            </a:effectRef>
+            <a:fontRef idx="minor">
+              <a:schemeClr val="tx1"/>
+            </a:fontRef>
+          </p:style>
+        </p:cxnSp>
+        <p:cxnSp>
+          <p:nvCxnSpPr>
+            <p:cNvPr id="86" name="直線矢印コネクタ 85">
+              <a:extLst>
+                <a:ext uri="{FF2B5EF4-FFF2-40B4-BE49-F238E27FC236}">
+                  <a16:creationId xmlns:a16="http://schemas.microsoft.com/office/drawing/2014/main" id="{27F132D1-801E-44B0-8A71-BF7F69C418E1}"/>
+                </a:ext>
+              </a:extLst>
+            </p:cNvPr>
+            <p:cNvCxnSpPr>
+              <a:cxnSpLocks/>
+            </p:cNvCxnSpPr>
+            <p:nvPr/>
+          </p:nvCxnSpPr>
+          <p:spPr>
+            <a:xfrm>
+              <a:off x="6978369" y="4222718"/>
+              <a:ext cx="1936504" cy="0"/>
+            </a:xfrm>
+            <a:prstGeom prst="straightConnector1">
+              <a:avLst/>
+            </a:prstGeom>
+            <a:ln w="38100">
+              <a:solidFill>
+                <a:srgbClr val="0070C0"/>
+              </a:solidFill>
+              <a:tailEnd type="triangle"/>
+            </a:ln>
+          </p:spPr>
+          <p:style>
+            <a:lnRef idx="1">
+              <a:schemeClr val="accent1"/>
+            </a:lnRef>
+            <a:fillRef idx="0">
+              <a:schemeClr val="accent1"/>
+            </a:fillRef>
+            <a:effectRef idx="0">
+              <a:schemeClr val="accent1"/>
+            </a:effectRef>
+            <a:fontRef idx="minor">
+              <a:schemeClr val="tx1"/>
+            </a:fontRef>
+          </p:style>
+        </p:cxnSp>
+        <p:sp>
+          <p:nvSpPr>
+            <p:cNvPr id="87" name="テキスト ボックス 86">
+              <a:extLst>
+                <a:ext uri="{FF2B5EF4-FFF2-40B4-BE49-F238E27FC236}">
+                  <a16:creationId xmlns:a16="http://schemas.microsoft.com/office/drawing/2014/main" id="{9583A253-DADE-4B31-AAD9-EF598107C2BC}"/>
+                </a:ext>
+              </a:extLst>
+            </p:cNvPr>
+            <p:cNvSpPr txBox="1"/>
+            <p:nvPr/>
+          </p:nvSpPr>
+          <p:spPr>
+            <a:xfrm>
+              <a:off x="7834337" y="3950873"/>
+              <a:ext cx="1021433" cy="276999"/>
+            </a:xfrm>
+            <a:prstGeom prst="rect">
+              <a:avLst/>
+            </a:prstGeom>
+            <a:noFill/>
+          </p:spPr>
+          <p:txBody>
+            <a:bodyPr wrap="none" rtlCol="0">
+              <a:spAutoFit/>
+            </a:bodyPr>
+            <a:lstStyle/>
+            <a:p>
+              <a:pPr lvl="0">
+                <a:defRPr/>
+              </a:pPr>
+              <a:r>
+                <a:rPr kumimoji="1" lang="ja-JP" altLang="en-US" sz="1200" dirty="0">
+                  <a:solidFill>
+                    <a:prstClr val="black"/>
+                  </a:solidFill>
+                </a:rPr>
+                <a:t>役務</a:t>
+              </a:r>
+              <a:r>
+                <a:rPr kumimoji="1" lang="en-US" altLang="ja-JP" sz="1200" dirty="0">
+                  <a:solidFill>
+                    <a:prstClr val="black"/>
+                  </a:solidFill>
+                </a:rPr>
+                <a:t>､</a:t>
+              </a:r>
+              <a:r>
+                <a:rPr kumimoji="1" lang="ja-JP" altLang="en-US" sz="1200" dirty="0">
+                  <a:solidFill>
+                    <a:prstClr val="black"/>
+                  </a:solidFill>
+                </a:rPr>
+                <a:t>成果物</a:t>
+              </a:r>
+            </a:p>
+          </p:txBody>
+        </p:sp>
+      </p:grpSp>
     </p:spTree>
     <p:extLst>
       <p:ext uri="{BB962C8B-B14F-4D97-AF65-F5344CB8AC3E}">
